--- a/Figures.pptx
+++ b/Figures.pptx
@@ -263,7 +263,7 @@
           <a:p>
             <a:fld id="{221DF790-08EF-4309-8C7D-573F11C98FD5}" type="datetimeFigureOut">
               <a:rPr lang="de-AT" smtClean="0"/>
-              <a:t>27.01.2022</a:t>
+              <a:t>04.02.2022</a:t>
             </a:fld>
             <a:endParaRPr lang="de-AT"/>
           </a:p>
@@ -463,7 +463,7 @@
           <a:p>
             <a:fld id="{221DF790-08EF-4309-8C7D-573F11C98FD5}" type="datetimeFigureOut">
               <a:rPr lang="de-AT" smtClean="0"/>
-              <a:t>27.01.2022</a:t>
+              <a:t>04.02.2022</a:t>
             </a:fld>
             <a:endParaRPr lang="de-AT"/>
           </a:p>
@@ -673,7 +673,7 @@
           <a:p>
             <a:fld id="{221DF790-08EF-4309-8C7D-573F11C98FD5}" type="datetimeFigureOut">
               <a:rPr lang="de-AT" smtClean="0"/>
-              <a:t>27.01.2022</a:t>
+              <a:t>04.02.2022</a:t>
             </a:fld>
             <a:endParaRPr lang="de-AT"/>
           </a:p>
@@ -873,7 +873,7 @@
           <a:p>
             <a:fld id="{221DF790-08EF-4309-8C7D-573F11C98FD5}" type="datetimeFigureOut">
               <a:rPr lang="de-AT" smtClean="0"/>
-              <a:t>27.01.2022</a:t>
+              <a:t>04.02.2022</a:t>
             </a:fld>
             <a:endParaRPr lang="de-AT"/>
           </a:p>
@@ -1149,7 +1149,7 @@
           <a:p>
             <a:fld id="{221DF790-08EF-4309-8C7D-573F11C98FD5}" type="datetimeFigureOut">
               <a:rPr lang="de-AT" smtClean="0"/>
-              <a:t>27.01.2022</a:t>
+              <a:t>04.02.2022</a:t>
             </a:fld>
             <a:endParaRPr lang="de-AT"/>
           </a:p>
@@ -1417,7 +1417,7 @@
           <a:p>
             <a:fld id="{221DF790-08EF-4309-8C7D-573F11C98FD5}" type="datetimeFigureOut">
               <a:rPr lang="de-AT" smtClean="0"/>
-              <a:t>27.01.2022</a:t>
+              <a:t>04.02.2022</a:t>
             </a:fld>
             <a:endParaRPr lang="de-AT"/>
           </a:p>
@@ -1832,7 +1832,7 @@
           <a:p>
             <a:fld id="{221DF790-08EF-4309-8C7D-573F11C98FD5}" type="datetimeFigureOut">
               <a:rPr lang="de-AT" smtClean="0"/>
-              <a:t>27.01.2022</a:t>
+              <a:t>04.02.2022</a:t>
             </a:fld>
             <a:endParaRPr lang="de-AT"/>
           </a:p>
@@ -1974,7 +1974,7 @@
           <a:p>
             <a:fld id="{221DF790-08EF-4309-8C7D-573F11C98FD5}" type="datetimeFigureOut">
               <a:rPr lang="de-AT" smtClean="0"/>
-              <a:t>27.01.2022</a:t>
+              <a:t>04.02.2022</a:t>
             </a:fld>
             <a:endParaRPr lang="de-AT"/>
           </a:p>
@@ -2087,7 +2087,7 @@
           <a:p>
             <a:fld id="{221DF790-08EF-4309-8C7D-573F11C98FD5}" type="datetimeFigureOut">
               <a:rPr lang="de-AT" smtClean="0"/>
-              <a:t>27.01.2022</a:t>
+              <a:t>04.02.2022</a:t>
             </a:fld>
             <a:endParaRPr lang="de-AT"/>
           </a:p>
@@ -2400,7 +2400,7 @@
           <a:p>
             <a:fld id="{221DF790-08EF-4309-8C7D-573F11C98FD5}" type="datetimeFigureOut">
               <a:rPr lang="de-AT" smtClean="0"/>
-              <a:t>27.01.2022</a:t>
+              <a:t>04.02.2022</a:t>
             </a:fld>
             <a:endParaRPr lang="de-AT"/>
           </a:p>
@@ -2689,7 +2689,7 @@
           <a:p>
             <a:fld id="{221DF790-08EF-4309-8C7D-573F11C98FD5}" type="datetimeFigureOut">
               <a:rPr lang="de-AT" smtClean="0"/>
-              <a:t>27.01.2022</a:t>
+              <a:t>04.02.2022</a:t>
             </a:fld>
             <a:endParaRPr lang="de-AT"/>
           </a:p>
@@ -2932,7 +2932,7 @@
           <a:p>
             <a:fld id="{221DF790-08EF-4309-8C7D-573F11C98FD5}" type="datetimeFigureOut">
               <a:rPr lang="de-AT" smtClean="0"/>
-              <a:t>27.01.2022</a:t>
+              <a:t>04.02.2022</a:t>
             </a:fld>
             <a:endParaRPr lang="de-AT"/>
           </a:p>
@@ -3363,7 +3363,7 @@
         </p:nvGrpSpPr>
         <p:grpSpPr>
           <a:xfrm>
-            <a:off x="4831078" y="2285504"/>
+            <a:off x="4782741" y="1369017"/>
             <a:ext cx="1264922" cy="820424"/>
             <a:chOff x="3484880" y="609600"/>
             <a:chExt cx="2529840" cy="857572"/>
@@ -3501,10 +3501,10 @@
         </p:nvGrpSpPr>
         <p:grpSpPr>
           <a:xfrm>
-            <a:off x="6095999" y="5207617"/>
-            <a:ext cx="2056755" cy="1409668"/>
+            <a:off x="4959935" y="4963632"/>
+            <a:ext cx="2056755" cy="1710204"/>
             <a:chOff x="3484880" y="609600"/>
-            <a:chExt cx="2879997" cy="1143434"/>
+            <a:chExt cx="2879997" cy="1387210"/>
           </a:xfrm>
         </p:grpSpPr>
         <p:sp>
@@ -3582,7 +3582,7 @@
           <p:spPr>
             <a:xfrm>
               <a:off x="3484880" y="1038386"/>
-              <a:ext cx="2879997" cy="714648"/>
+              <a:ext cx="2879997" cy="958424"/>
             </a:xfrm>
             <a:prstGeom prst="rect">
               <a:avLst/>
@@ -3662,6 +3662,24 @@
                 <a:cs typeface="Arial" panose="020B0604020202020204" pitchFamily="34" charset="0"/>
               </a:endParaRPr>
             </a:p>
+            <a:p>
+              <a:r>
+                <a:rPr lang="de-AT" dirty="0">
+                  <a:latin typeface="Arial" panose="020B0604020202020204" pitchFamily="34" charset="0"/>
+                  <a:cs typeface="Arial" panose="020B0604020202020204" pitchFamily="34" charset="0"/>
+                </a:rPr>
+                <a:t>Unit: String</a:t>
+              </a:r>
+            </a:p>
+            <a:p>
+              <a:r>
+                <a:rPr lang="de-AT" dirty="0">
+                  <a:latin typeface="Arial" panose="020B0604020202020204" pitchFamily="34" charset="0"/>
+                  <a:cs typeface="Arial" panose="020B0604020202020204" pitchFamily="34" charset="0"/>
+                </a:rPr>
+                <a:t>Schema: String</a:t>
+              </a:r>
+            </a:p>
           </p:txBody>
         </p:sp>
       </p:grpSp>
@@ -3679,7 +3697,7 @@
         </p:nvGrpSpPr>
         <p:grpSpPr>
           <a:xfrm>
-            <a:off x="7327690" y="2181626"/>
+            <a:off x="8164268" y="4993508"/>
             <a:ext cx="1746802" cy="1376641"/>
             <a:chOff x="3484881" y="609600"/>
             <a:chExt cx="2529840" cy="938785"/>
@@ -3881,165 +3899,6 @@
           </p:txBody>
         </p:sp>
       </p:grpSp>
-      <p:grpSp>
-        <p:nvGrpSpPr>
-          <p:cNvPr id="35" name="Gruppieren 34">
-            <a:extLst>
-              <a:ext uri="{FF2B5EF4-FFF2-40B4-BE49-F238E27FC236}">
-                <a16:creationId xmlns:a16="http://schemas.microsoft.com/office/drawing/2014/main" id="{BF045A28-BBE9-421A-A378-92247B43A94F}"/>
-              </a:ext>
-            </a:extLst>
-          </p:cNvPr>
-          <p:cNvGrpSpPr/>
-          <p:nvPr/>
-        </p:nvGrpSpPr>
-        <p:grpSpPr>
-          <a:xfrm rot="16200000">
-            <a:off x="6622718" y="1893170"/>
-            <a:ext cx="178254" cy="1231690"/>
-            <a:chOff x="10458516" y="2839000"/>
-            <a:chExt cx="201478" cy="2135007"/>
-          </a:xfrm>
-        </p:grpSpPr>
-        <p:cxnSp>
-          <p:nvCxnSpPr>
-            <p:cNvPr id="36" name="Gerade Verbindung mit Pfeil 35">
-              <a:extLst>
-                <a:ext uri="{FF2B5EF4-FFF2-40B4-BE49-F238E27FC236}">
-                  <a16:creationId xmlns:a16="http://schemas.microsoft.com/office/drawing/2014/main" id="{011F3D7D-35DD-44DA-9B38-618989DEBC4F}"/>
-                </a:ext>
-              </a:extLst>
-            </p:cNvPr>
-            <p:cNvCxnSpPr>
-              <a:cxnSpLocks/>
-            </p:cNvCxnSpPr>
-            <p:nvPr/>
-          </p:nvCxnSpPr>
-          <p:spPr>
-            <a:xfrm rot="5400000" flipV="1">
-              <a:off x="9636763" y="4056320"/>
-              <a:ext cx="1835374" cy="0"/>
-            </a:xfrm>
-            <a:prstGeom prst="straightConnector1">
-              <a:avLst/>
-            </a:prstGeom>
-            <a:ln>
-              <a:headEnd type="none" w="med" len="med"/>
-              <a:tailEnd type="arrow" w="med" len="med"/>
-            </a:ln>
-          </p:spPr>
-          <p:style>
-            <a:lnRef idx="1">
-              <a:schemeClr val="dk1"/>
-            </a:lnRef>
-            <a:fillRef idx="0">
-              <a:schemeClr val="dk1"/>
-            </a:fillRef>
-            <a:effectRef idx="0">
-              <a:schemeClr val="dk1"/>
-            </a:effectRef>
-            <a:fontRef idx="minor">
-              <a:schemeClr val="tx1"/>
-            </a:fontRef>
-          </p:style>
-        </p:cxnSp>
-        <p:sp>
-          <p:nvSpPr>
-            <p:cNvPr id="37" name="Raute 36">
-              <a:extLst>
-                <a:ext uri="{FF2B5EF4-FFF2-40B4-BE49-F238E27FC236}">
-                  <a16:creationId xmlns:a16="http://schemas.microsoft.com/office/drawing/2014/main" id="{6F1C7853-2C5A-48CE-B485-E1D8006275E1}"/>
-                </a:ext>
-              </a:extLst>
-            </p:cNvPr>
-            <p:cNvSpPr/>
-            <p:nvPr/>
-          </p:nvSpPr>
-          <p:spPr>
-            <a:xfrm>
-              <a:off x="10458516" y="2839000"/>
-              <a:ext cx="201478" cy="299633"/>
-            </a:xfrm>
-            <a:prstGeom prst="diamond">
-              <a:avLst/>
-            </a:prstGeom>
-            <a:ln>
-              <a:headEnd type="none" w="med" len="med"/>
-              <a:tailEnd type="arrow" w="med" len="med"/>
-            </a:ln>
-          </p:spPr>
-          <p:style>
-            <a:lnRef idx="2">
-              <a:schemeClr val="dk1">
-                <a:shade val="50000"/>
-              </a:schemeClr>
-            </a:lnRef>
-            <a:fillRef idx="1">
-              <a:schemeClr val="dk1"/>
-            </a:fillRef>
-            <a:effectRef idx="0">
-              <a:schemeClr val="dk1"/>
-            </a:effectRef>
-            <a:fontRef idx="minor">
-              <a:schemeClr val="lt1"/>
-            </a:fontRef>
-          </p:style>
-          <p:txBody>
-            <a:bodyPr rtlCol="0" anchor="ctr"/>
-            <a:lstStyle/>
-            <a:p>
-              <a:pPr algn="ctr"/>
-              <a:endParaRPr lang="de-AT">
-                <a:latin typeface="Arial" panose="020B0604020202020204" pitchFamily="34" charset="0"/>
-                <a:cs typeface="Arial" panose="020B0604020202020204" pitchFamily="34" charset="0"/>
-              </a:endParaRPr>
-            </a:p>
-          </p:txBody>
-        </p:sp>
-      </p:grpSp>
-      <p:cxnSp>
-        <p:nvCxnSpPr>
-          <p:cNvPr id="41" name="Gerade Verbindung mit Pfeil 40">
-            <a:extLst>
-              <a:ext uri="{FF2B5EF4-FFF2-40B4-BE49-F238E27FC236}">
-                <a16:creationId xmlns:a16="http://schemas.microsoft.com/office/drawing/2014/main" id="{DB8B178F-633B-4B00-96EC-90CC1F18BCE1}"/>
-              </a:ext>
-            </a:extLst>
-          </p:cNvPr>
-          <p:cNvCxnSpPr>
-            <a:cxnSpLocks/>
-            <a:endCxn id="10" idx="3"/>
-          </p:cNvCxnSpPr>
-          <p:nvPr/>
-        </p:nvCxnSpPr>
-        <p:spPr>
-          <a:xfrm flipH="1" flipV="1">
-            <a:off x="6096000" y="2900822"/>
-            <a:ext cx="1231690" cy="0"/>
-          </a:xfrm>
-          <a:prstGeom prst="straightConnector1">
-            <a:avLst/>
-          </a:prstGeom>
-          <a:ln>
-            <a:headEnd type="none" w="med" len="med"/>
-            <a:tailEnd type="arrow" w="med" len="med"/>
-          </a:ln>
-        </p:spPr>
-        <p:style>
-          <a:lnRef idx="1">
-            <a:schemeClr val="dk1"/>
-          </a:lnRef>
-          <a:fillRef idx="0">
-            <a:schemeClr val="dk1"/>
-          </a:fillRef>
-          <a:effectRef idx="0">
-            <a:schemeClr val="dk1"/>
-          </a:effectRef>
-          <a:fontRef idx="minor">
-            <a:schemeClr val="tx1"/>
-          </a:fontRef>
-        </p:style>
-      </p:cxnSp>
       <p:sp>
         <p:nvSpPr>
           <p:cNvPr id="43" name="Textfeld 42">
@@ -4054,7 +3913,7 @@
         </p:nvSpPr>
         <p:spPr>
           <a:xfrm>
-            <a:off x="6132406" y="2931602"/>
+            <a:off x="6047662" y="1663130"/>
             <a:ext cx="1363851" cy="369332"/>
           </a:xfrm>
           <a:prstGeom prst="rect">
@@ -4091,10 +3950,10 @@
       </p:sp>
       <p:grpSp>
         <p:nvGrpSpPr>
-          <p:cNvPr id="53" name="Gruppieren 52">
-            <a:extLst>
-              <a:ext uri="{FF2B5EF4-FFF2-40B4-BE49-F238E27FC236}">
-                <a16:creationId xmlns:a16="http://schemas.microsoft.com/office/drawing/2014/main" id="{ED9A3FDE-F8B0-4E42-986F-3C86DB96FD8C}"/>
+          <p:cNvPr id="72" name="Gruppieren 71">
+            <a:extLst>
+              <a:ext uri="{FF2B5EF4-FFF2-40B4-BE49-F238E27FC236}">
+                <a16:creationId xmlns:a16="http://schemas.microsoft.com/office/drawing/2014/main" id="{6717CD83-F024-476F-8704-1A573B89CB07}"/>
               </a:ext>
             </a:extLst>
           </p:cNvPr>
@@ -4103,185 +3962,10 @@
         </p:nvGrpSpPr>
         <p:grpSpPr>
           <a:xfrm>
-            <a:off x="4551010" y="2490618"/>
-            <a:ext cx="280067" cy="410205"/>
-            <a:chOff x="4365436" y="-2169861"/>
-            <a:chExt cx="280067" cy="327811"/>
-          </a:xfrm>
-        </p:grpSpPr>
-        <p:sp>
-          <p:nvSpPr>
-            <p:cNvPr id="54" name="Raute 53">
-              <a:extLst>
-                <a:ext uri="{FF2B5EF4-FFF2-40B4-BE49-F238E27FC236}">
-                  <a16:creationId xmlns:a16="http://schemas.microsoft.com/office/drawing/2014/main" id="{D67BDD4E-0B8F-498F-AA50-B3461494891F}"/>
-                </a:ext>
-              </a:extLst>
-            </p:cNvPr>
-            <p:cNvSpPr/>
-            <p:nvPr/>
-          </p:nvSpPr>
-          <p:spPr>
-            <a:xfrm rot="5400000" flipH="1">
-              <a:off x="4382223" y="-2186647"/>
-              <a:ext cx="201478" cy="235049"/>
-            </a:xfrm>
-            <a:prstGeom prst="diamond">
-              <a:avLst/>
-            </a:prstGeom>
-            <a:ln>
-              <a:headEnd type="none" w="med" len="med"/>
-              <a:tailEnd type="arrow" w="med" len="med"/>
-            </a:ln>
-          </p:spPr>
-          <p:style>
-            <a:lnRef idx="2">
-              <a:schemeClr val="dk1">
-                <a:shade val="50000"/>
-              </a:schemeClr>
-            </a:lnRef>
-            <a:fillRef idx="1">
-              <a:schemeClr val="dk1"/>
-            </a:fillRef>
-            <a:effectRef idx="0">
-              <a:schemeClr val="dk1"/>
-            </a:effectRef>
-            <a:fontRef idx="minor">
-              <a:schemeClr val="lt1"/>
-            </a:fontRef>
-          </p:style>
-          <p:txBody>
-            <a:bodyPr rtlCol="0" anchor="ctr"/>
-            <a:lstStyle/>
-            <a:p>
-              <a:pPr algn="ctr"/>
-              <a:endParaRPr lang="de-AT">
-                <a:latin typeface="Arial" panose="020B0604020202020204" pitchFamily="34" charset="0"/>
-                <a:cs typeface="Arial" panose="020B0604020202020204" pitchFamily="34" charset="0"/>
-              </a:endParaRPr>
-            </a:p>
-          </p:txBody>
-        </p:sp>
-        <p:cxnSp>
-          <p:nvCxnSpPr>
-            <p:cNvPr id="55" name="Verbinder: gewinkelt 171">
-              <a:extLst>
-                <a:ext uri="{FF2B5EF4-FFF2-40B4-BE49-F238E27FC236}">
-                  <a16:creationId xmlns:a16="http://schemas.microsoft.com/office/drawing/2014/main" id="{4A11AE90-AE26-4F49-87B9-9EF2E71DA9FA}"/>
-                </a:ext>
-              </a:extLst>
-            </p:cNvPr>
-            <p:cNvCxnSpPr>
-              <a:cxnSpLocks/>
-              <a:stCxn id="54" idx="2"/>
-              <a:endCxn id="10" idx="1"/>
-            </p:cNvCxnSpPr>
-            <p:nvPr/>
-          </p:nvCxnSpPr>
-          <p:spPr>
-            <a:xfrm rot="10800000" flipH="1" flipV="1">
-              <a:off x="4365436" y="-2069124"/>
-              <a:ext cx="280067" cy="227074"/>
-            </a:xfrm>
-            <a:prstGeom prst="bentConnector3">
-              <a:avLst>
-                <a:gd name="adj1" fmla="val -84671"/>
-              </a:avLst>
-            </a:prstGeom>
-            <a:ln>
-              <a:headEnd type="none" w="med" len="med"/>
-              <a:tailEnd type="arrow" w="med" len="med"/>
-            </a:ln>
-          </p:spPr>
-          <p:style>
-            <a:lnRef idx="1">
-              <a:schemeClr val="dk1"/>
-            </a:lnRef>
-            <a:fillRef idx="0">
-              <a:schemeClr val="dk1"/>
-            </a:fillRef>
-            <a:effectRef idx="0">
-              <a:schemeClr val="dk1"/>
-            </a:effectRef>
-            <a:fontRef idx="minor">
-              <a:schemeClr val="tx1"/>
-            </a:fontRef>
-          </p:style>
-        </p:cxnSp>
-      </p:grpSp>
-      <p:sp>
-        <p:nvSpPr>
-          <p:cNvPr id="56" name="Textfeld 55">
-            <a:extLst>
-              <a:ext uri="{FF2B5EF4-FFF2-40B4-BE49-F238E27FC236}">
-                <a16:creationId xmlns:a16="http://schemas.microsoft.com/office/drawing/2014/main" id="{0392D6BE-8FD0-43FC-834F-7C3146C46D63}"/>
-              </a:ext>
-            </a:extLst>
-          </p:cNvPr>
-          <p:cNvSpPr txBox="1"/>
-          <p:nvPr/>
-        </p:nvSpPr>
-        <p:spPr>
-          <a:xfrm>
-            <a:off x="3021731" y="2357510"/>
-            <a:ext cx="1457395" cy="615553"/>
-          </a:xfrm>
-          <a:prstGeom prst="rect">
-            <a:avLst/>
-          </a:prstGeom>
-          <a:noFill/>
-        </p:spPr>
-        <p:txBody>
-          <a:bodyPr wrap="square" rtlCol="0">
-            <a:spAutoFit/>
-          </a:bodyPr>
-          <a:lstStyle/>
-          <a:p>
-            <a:r>
-              <a:rPr lang="de-AT" sz="1600" dirty="0">
-                <a:latin typeface="Arial" panose="020B0604020202020204" pitchFamily="34" charset="0"/>
-                <a:cs typeface="Arial" panose="020B0604020202020204" pitchFamily="34" charset="0"/>
-              </a:rPr>
-              <a:t>[0..*]</a:t>
-            </a:r>
-            <a:br>
-              <a:rPr lang="de-AT" dirty="0">
-                <a:latin typeface="Arial" panose="020B0604020202020204" pitchFamily="34" charset="0"/>
-                <a:cs typeface="Arial" panose="020B0604020202020204" pitchFamily="34" charset="0"/>
-              </a:rPr>
-            </a:br>
-            <a:r>
-              <a:rPr lang="de-AT" dirty="0" err="1">
-                <a:latin typeface="Arial" panose="020B0604020202020204" pitchFamily="34" charset="0"/>
-                <a:cs typeface="Arial" panose="020B0604020202020204" pitchFamily="34" charset="0"/>
-              </a:rPr>
-              <a:t>component</a:t>
-            </a:r>
-            <a:endParaRPr lang="de-AT" dirty="0">
-              <a:latin typeface="Arial" panose="020B0604020202020204" pitchFamily="34" charset="0"/>
-              <a:cs typeface="Arial" panose="020B0604020202020204" pitchFamily="34" charset="0"/>
-            </a:endParaRPr>
-          </a:p>
-        </p:txBody>
-      </p:sp>
-      <p:grpSp>
-        <p:nvGrpSpPr>
-          <p:cNvPr id="72" name="Gruppieren 71">
-            <a:extLst>
-              <a:ext uri="{FF2B5EF4-FFF2-40B4-BE49-F238E27FC236}">
-                <a16:creationId xmlns:a16="http://schemas.microsoft.com/office/drawing/2014/main" id="{6717CD83-F024-476F-8704-1A573B89CB07}"/>
-              </a:ext>
-            </a:extLst>
-          </p:cNvPr>
-          <p:cNvGrpSpPr/>
-          <p:nvPr/>
-        </p:nvGrpSpPr>
-        <p:grpSpPr>
-          <a:xfrm>
-            <a:off x="3403614" y="5092027"/>
-            <a:ext cx="1264922" cy="820424"/>
+            <a:off x="2990348" y="5087137"/>
+            <a:ext cx="1656482" cy="1640922"/>
             <a:chOff x="3484880" y="609600"/>
-            <a:chExt cx="2529840" cy="857572"/>
+            <a:chExt cx="2529840" cy="1715221"/>
           </a:xfrm>
         </p:grpSpPr>
         <p:sp>
@@ -4363,7 +4047,7 @@
           <p:spPr>
             <a:xfrm>
               <a:off x="3484880" y="1038386"/>
-              <a:ext cx="2529840" cy="428786"/>
+              <a:ext cx="2529840" cy="1286435"/>
             </a:xfrm>
             <a:prstGeom prst="rect">
               <a:avLst/>
@@ -4398,10 +4082,50 @@
             <a:lstStyle/>
             <a:p>
               <a:pPr algn="ctr"/>
-              <a:endParaRPr lang="de-AT" dirty="0">
-                <a:latin typeface="Arial" panose="020B0604020202020204" pitchFamily="34" charset="0"/>
-                <a:cs typeface="Arial" panose="020B0604020202020204" pitchFamily="34" charset="0"/>
-              </a:endParaRPr>
+              <a:r>
+                <a:rPr lang="de-AT" dirty="0" err="1">
+                  <a:latin typeface="Arial" panose="020B0604020202020204" pitchFamily="34" charset="0"/>
+                  <a:cs typeface="Arial" panose="020B0604020202020204" pitchFamily="34" charset="0"/>
+                </a:rPr>
+                <a:t>name</a:t>
+              </a:r>
+              <a:r>
+                <a:rPr lang="de-AT" dirty="0">
+                  <a:latin typeface="Arial" panose="020B0604020202020204" pitchFamily="34" charset="0"/>
+                  <a:cs typeface="Arial" panose="020B0604020202020204" pitchFamily="34" charset="0"/>
+                </a:rPr>
+                <a:t>: String</a:t>
+              </a:r>
+            </a:p>
+            <a:p>
+              <a:pPr algn="ctr"/>
+              <a:r>
+                <a:rPr lang="de-AT" dirty="0">
+                  <a:latin typeface="Arial" panose="020B0604020202020204" pitchFamily="34" charset="0"/>
+                  <a:cs typeface="Arial" panose="020B0604020202020204" pitchFamily="34" charset="0"/>
+                </a:rPr>
+                <a:t>Type: String</a:t>
+              </a:r>
+            </a:p>
+            <a:p>
+              <a:pPr algn="ctr"/>
+              <a:r>
+                <a:rPr lang="de-AT" dirty="0">
+                  <a:latin typeface="Arial" panose="020B0604020202020204" pitchFamily="34" charset="0"/>
+                  <a:cs typeface="Arial" panose="020B0604020202020204" pitchFamily="34" charset="0"/>
+                </a:rPr>
+                <a:t>Unit: String</a:t>
+              </a:r>
+            </a:p>
+            <a:p>
+              <a:pPr algn="ctr"/>
+              <a:r>
+                <a:rPr lang="de-AT" dirty="0">
+                  <a:latin typeface="Arial" panose="020B0604020202020204" pitchFamily="34" charset="0"/>
+                  <a:cs typeface="Arial" panose="020B0604020202020204" pitchFamily="34" charset="0"/>
+                </a:rPr>
+                <a:t>Schema: String</a:t>
+              </a:r>
             </a:p>
           </p:txBody>
         </p:sp>
@@ -4420,7 +4144,7 @@
         </p:nvGrpSpPr>
         <p:grpSpPr>
           <a:xfrm>
-            <a:off x="780002" y="5061716"/>
+            <a:off x="771110" y="5061716"/>
             <a:ext cx="1457395" cy="820424"/>
             <a:chOff x="3484880" y="609600"/>
             <a:chExt cx="2529840" cy="857572"/>
@@ -4536,10 +4260,13 @@
             <a:lstStyle/>
             <a:p>
               <a:pPr algn="ctr"/>
-              <a:endParaRPr lang="de-AT" dirty="0">
-                <a:latin typeface="Arial" panose="020B0604020202020204" pitchFamily="34" charset="0"/>
-                <a:cs typeface="Arial" panose="020B0604020202020204" pitchFamily="34" charset="0"/>
-              </a:endParaRPr>
+              <a:r>
+                <a:rPr lang="de-AT" dirty="0">
+                  <a:latin typeface="Arial" panose="020B0604020202020204" pitchFamily="34" charset="0"/>
+                  <a:cs typeface="Arial" panose="020B0604020202020204" pitchFamily="34" charset="0"/>
+                </a:rPr>
+                <a:t>Name: String</a:t>
+              </a:r>
             </a:p>
           </p:txBody>
         </p:sp>
@@ -4558,10 +4285,10 @@
         </p:nvGrpSpPr>
         <p:grpSpPr>
           <a:xfrm>
-            <a:off x="459406" y="2295352"/>
-            <a:ext cx="2235382" cy="820424"/>
-            <a:chOff x="3484880" y="609600"/>
-            <a:chExt cx="2529840" cy="857572"/>
+            <a:off x="471431" y="2239240"/>
+            <a:ext cx="2265734" cy="2159984"/>
+            <a:chOff x="3484879" y="609600"/>
+            <a:chExt cx="2529841" cy="2257786"/>
           </a:xfrm>
         </p:grpSpPr>
         <p:sp>
@@ -4642,6 +4369,639 @@
           </p:nvSpPr>
           <p:spPr>
             <a:xfrm>
+              <a:off x="3484879" y="1038385"/>
+              <a:ext cx="2529840" cy="1829001"/>
+            </a:xfrm>
+            <a:prstGeom prst="rect">
+              <a:avLst/>
+            </a:prstGeom>
+            <a:noFill/>
+            <a:ln w="9525" cap="flat" cmpd="sng" algn="ctr">
+              <a:solidFill>
+                <a:schemeClr val="dk1"/>
+              </a:solidFill>
+              <a:prstDash val="solid"/>
+              <a:round/>
+              <a:headEnd type="none" w="med" len="med"/>
+              <a:tailEnd type="arrow" w="med" len="med"/>
+            </a:ln>
+          </p:spPr>
+          <p:style>
+            <a:lnRef idx="0">
+              <a:scrgbClr r="0" g="0" b="0"/>
+            </a:lnRef>
+            <a:fillRef idx="0">
+              <a:scrgbClr r="0" g="0" b="0"/>
+            </a:fillRef>
+            <a:effectRef idx="0">
+              <a:scrgbClr r="0" g="0" b="0"/>
+            </a:effectRef>
+            <a:fontRef idx="minor">
+              <a:schemeClr val="dk1"/>
+            </a:fontRef>
+          </p:style>
+          <p:txBody>
+            <a:bodyPr rtlCol="0" anchor="ctr"/>
+            <a:lstStyle/>
+            <a:p>
+              <a:pPr algn="ctr"/>
+              <a:r>
+                <a:rPr lang="de-AT" dirty="0">
+                  <a:latin typeface="Arial" panose="020B0604020202020204" pitchFamily="34" charset="0"/>
+                  <a:cs typeface="Arial" panose="020B0604020202020204" pitchFamily="34" charset="0"/>
+                </a:rPr>
+                <a:t>Name: String</a:t>
+              </a:r>
+            </a:p>
+            <a:p>
+              <a:pPr algn="ctr"/>
+              <a:r>
+                <a:rPr lang="de-AT" dirty="0" err="1">
+                  <a:latin typeface="Arial" panose="020B0604020202020204" pitchFamily="34" charset="0"/>
+                  <a:cs typeface="Arial" panose="020B0604020202020204" pitchFamily="34" charset="0"/>
+                </a:rPr>
+                <a:t>displayName</a:t>
+              </a:r>
+              <a:r>
+                <a:rPr lang="de-AT" dirty="0">
+                  <a:latin typeface="Arial" panose="020B0604020202020204" pitchFamily="34" charset="0"/>
+                  <a:cs typeface="Arial" panose="020B0604020202020204" pitchFamily="34" charset="0"/>
+                </a:rPr>
+                <a:t>: String</a:t>
+              </a:r>
+            </a:p>
+            <a:p>
+              <a:pPr algn="ctr"/>
+              <a:r>
+                <a:rPr lang="de-AT" dirty="0">
+                  <a:latin typeface="Arial" panose="020B0604020202020204" pitchFamily="34" charset="0"/>
+                  <a:cs typeface="Arial" panose="020B0604020202020204" pitchFamily="34" charset="0"/>
+                </a:rPr>
+                <a:t>Comment: String</a:t>
+              </a:r>
+            </a:p>
+            <a:p>
+              <a:pPr algn="ctr"/>
+              <a:r>
+                <a:rPr lang="de-AT" dirty="0">
+                  <a:latin typeface="Arial" panose="020B0604020202020204" pitchFamily="34" charset="0"/>
+                  <a:cs typeface="Arial" panose="020B0604020202020204" pitchFamily="34" charset="0"/>
+                </a:rPr>
+                <a:t>Description: String</a:t>
+              </a:r>
+            </a:p>
+            <a:p>
+              <a:pPr algn="ctr"/>
+              <a:r>
+                <a:rPr lang="de-AT" dirty="0">
+                  <a:latin typeface="Arial" panose="020B0604020202020204" pitchFamily="34" charset="0"/>
+                  <a:cs typeface="Arial" panose="020B0604020202020204" pitchFamily="34" charset="0"/>
+                </a:rPr>
+                <a:t>Schema: String</a:t>
+              </a:r>
+            </a:p>
+          </p:txBody>
+        </p:sp>
+      </p:grpSp>
+      <p:sp>
+        <p:nvSpPr>
+          <p:cNvPr id="85" name="Raute 84">
+            <a:extLst>
+              <a:ext uri="{FF2B5EF4-FFF2-40B4-BE49-F238E27FC236}">
+                <a16:creationId xmlns:a16="http://schemas.microsoft.com/office/drawing/2014/main" id="{EADC2439-A820-4D5E-BBF6-2A3E4983B55A}"/>
+              </a:ext>
+            </a:extLst>
+          </p:cNvPr>
+          <p:cNvSpPr/>
+          <p:nvPr/>
+        </p:nvSpPr>
+        <p:spPr>
+          <a:xfrm rot="168924" flipH="1">
+            <a:off x="5274666" y="2143284"/>
+            <a:ext cx="252119" cy="235049"/>
+          </a:xfrm>
+          <a:prstGeom prst="diamond">
+            <a:avLst/>
+          </a:prstGeom>
+          <a:ln>
+            <a:headEnd type="none" w="med" len="med"/>
+            <a:tailEnd type="arrow" w="med" len="med"/>
+          </a:ln>
+        </p:spPr>
+        <p:style>
+          <a:lnRef idx="2">
+            <a:schemeClr val="dk1">
+              <a:shade val="50000"/>
+            </a:schemeClr>
+          </a:lnRef>
+          <a:fillRef idx="1">
+            <a:schemeClr val="dk1"/>
+          </a:fillRef>
+          <a:effectRef idx="0">
+            <a:schemeClr val="dk1"/>
+          </a:effectRef>
+          <a:fontRef idx="minor">
+            <a:schemeClr val="lt1"/>
+          </a:fontRef>
+        </p:style>
+        <p:txBody>
+          <a:bodyPr rtlCol="0" anchor="ctr"/>
+          <a:lstStyle/>
+          <a:p>
+            <a:pPr algn="ctr"/>
+            <a:endParaRPr lang="de-AT">
+              <a:latin typeface="Arial" panose="020B0604020202020204" pitchFamily="34" charset="0"/>
+              <a:cs typeface="Arial" panose="020B0604020202020204" pitchFamily="34" charset="0"/>
+            </a:endParaRPr>
+          </a:p>
+        </p:txBody>
+      </p:sp>
+      <p:cxnSp>
+        <p:nvCxnSpPr>
+          <p:cNvPr id="86" name="Verbinder: gewinkelt 171">
+            <a:extLst>
+              <a:ext uri="{FF2B5EF4-FFF2-40B4-BE49-F238E27FC236}">
+                <a16:creationId xmlns:a16="http://schemas.microsoft.com/office/drawing/2014/main" id="{F722153F-0738-4C73-A978-D3E6F75BE852}"/>
+              </a:ext>
+            </a:extLst>
+          </p:cNvPr>
+          <p:cNvCxnSpPr>
+            <a:cxnSpLocks/>
+            <a:stCxn id="18" idx="0"/>
+            <a:endCxn id="42" idx="2"/>
+          </p:cNvCxnSpPr>
+          <p:nvPr/>
+        </p:nvCxnSpPr>
+        <p:spPr>
+          <a:xfrm rot="16200000" flipV="1">
+            <a:off x="5072945" y="4048264"/>
+            <a:ext cx="1208768" cy="621968"/>
+          </a:xfrm>
+          <a:prstGeom prst="bentConnector3">
+            <a:avLst>
+              <a:gd name="adj1" fmla="val 50000"/>
+            </a:avLst>
+          </a:prstGeom>
+          <a:ln>
+            <a:headEnd type="none" w="med" len="med"/>
+            <a:tailEnd type="triangle" w="med" len="med"/>
+          </a:ln>
+        </p:spPr>
+        <p:style>
+          <a:lnRef idx="1">
+            <a:schemeClr val="dk1"/>
+          </a:lnRef>
+          <a:fillRef idx="0">
+            <a:schemeClr val="dk1"/>
+          </a:fillRef>
+          <a:effectRef idx="0">
+            <a:schemeClr val="dk1"/>
+          </a:effectRef>
+          <a:fontRef idx="minor">
+            <a:schemeClr val="tx1"/>
+          </a:fontRef>
+        </p:style>
+      </p:cxnSp>
+      <p:cxnSp>
+        <p:nvCxnSpPr>
+          <p:cNvPr id="96" name="Verbinder: gewinkelt 171">
+            <a:extLst>
+              <a:ext uri="{FF2B5EF4-FFF2-40B4-BE49-F238E27FC236}">
+                <a16:creationId xmlns:a16="http://schemas.microsoft.com/office/drawing/2014/main" id="{0F9CA7FC-4649-4906-8B82-E8E1AAD426B5}"/>
+              </a:ext>
+            </a:extLst>
+          </p:cNvPr>
+          <p:cNvCxnSpPr>
+            <a:cxnSpLocks/>
+            <a:stCxn id="85" idx="2"/>
+            <a:endCxn id="40" idx="0"/>
+          </p:cNvCxnSpPr>
+          <p:nvPr/>
+        </p:nvCxnSpPr>
+        <p:spPr>
+          <a:xfrm rot="5400000">
+            <a:off x="5102525" y="2642012"/>
+            <a:ext cx="556249" cy="28607"/>
+          </a:xfrm>
+          <a:prstGeom prst="bentConnector3">
+            <a:avLst>
+              <a:gd name="adj1" fmla="val 50000"/>
+            </a:avLst>
+          </a:prstGeom>
+          <a:ln>
+            <a:headEnd type="none" w="med" len="med"/>
+            <a:tailEnd type="arrow" w="med" len="med"/>
+          </a:ln>
+        </p:spPr>
+        <p:style>
+          <a:lnRef idx="1">
+            <a:schemeClr val="dk1"/>
+          </a:lnRef>
+          <a:fillRef idx="0">
+            <a:schemeClr val="dk1"/>
+          </a:fillRef>
+          <a:effectRef idx="0">
+            <a:schemeClr val="dk1"/>
+          </a:effectRef>
+          <a:fontRef idx="minor">
+            <a:schemeClr val="tx1"/>
+          </a:fontRef>
+        </p:style>
+      </p:cxnSp>
+      <p:sp>
+        <p:nvSpPr>
+          <p:cNvPr id="102" name="Raute 101">
+            <a:extLst>
+              <a:ext uri="{FF2B5EF4-FFF2-40B4-BE49-F238E27FC236}">
+                <a16:creationId xmlns:a16="http://schemas.microsoft.com/office/drawing/2014/main" id="{CB7584A6-ABF7-4717-AE09-77F1E298835D}"/>
+              </a:ext>
+            </a:extLst>
+          </p:cNvPr>
+          <p:cNvSpPr/>
+          <p:nvPr/>
+        </p:nvSpPr>
+        <p:spPr>
+          <a:xfrm rot="168924" flipH="1">
+            <a:off x="934731" y="4795789"/>
+            <a:ext cx="252119" cy="235049"/>
+          </a:xfrm>
+          <a:prstGeom prst="diamond">
+            <a:avLst/>
+          </a:prstGeom>
+          <a:ln>
+            <a:headEnd type="none" w="med" len="med"/>
+            <a:tailEnd type="arrow" w="med" len="med"/>
+          </a:ln>
+        </p:spPr>
+        <p:style>
+          <a:lnRef idx="2">
+            <a:schemeClr val="dk1">
+              <a:shade val="50000"/>
+            </a:schemeClr>
+          </a:lnRef>
+          <a:fillRef idx="1">
+            <a:schemeClr val="dk1"/>
+          </a:fillRef>
+          <a:effectRef idx="0">
+            <a:schemeClr val="dk1"/>
+          </a:effectRef>
+          <a:fontRef idx="minor">
+            <a:schemeClr val="lt1"/>
+          </a:fontRef>
+        </p:style>
+        <p:txBody>
+          <a:bodyPr rtlCol="0" anchor="ctr"/>
+          <a:lstStyle/>
+          <a:p>
+            <a:pPr algn="ctr"/>
+            <a:endParaRPr lang="de-AT">
+              <a:latin typeface="Arial" panose="020B0604020202020204" pitchFamily="34" charset="0"/>
+              <a:cs typeface="Arial" panose="020B0604020202020204" pitchFamily="34" charset="0"/>
+            </a:endParaRPr>
+          </a:p>
+        </p:txBody>
+      </p:sp>
+      <p:cxnSp>
+        <p:nvCxnSpPr>
+          <p:cNvPr id="103" name="Verbinder: gewinkelt 171">
+            <a:extLst>
+              <a:ext uri="{FF2B5EF4-FFF2-40B4-BE49-F238E27FC236}">
+                <a16:creationId xmlns:a16="http://schemas.microsoft.com/office/drawing/2014/main" id="{310C4C7D-E24F-4AC7-87FC-08021A425F69}"/>
+              </a:ext>
+            </a:extLst>
+          </p:cNvPr>
+          <p:cNvCxnSpPr>
+            <a:cxnSpLocks/>
+            <a:stCxn id="102" idx="0"/>
+            <a:endCxn id="83" idx="2"/>
+          </p:cNvCxnSpPr>
+          <p:nvPr/>
+        </p:nvCxnSpPr>
+        <p:spPr>
+          <a:xfrm rot="5400000" flipH="1" flipV="1">
+            <a:off x="1137077" y="4328711"/>
+            <a:ext cx="396707" cy="537735"/>
+          </a:xfrm>
+          <a:prstGeom prst="bentConnector3">
+            <a:avLst>
+              <a:gd name="adj1" fmla="val 50000"/>
+            </a:avLst>
+          </a:prstGeom>
+          <a:ln>
+            <a:headEnd type="none" w="med" len="med"/>
+            <a:tailEnd type="arrow" w="med" len="med"/>
+          </a:ln>
+        </p:spPr>
+        <p:style>
+          <a:lnRef idx="1">
+            <a:schemeClr val="dk1"/>
+          </a:lnRef>
+          <a:fillRef idx="0">
+            <a:schemeClr val="dk1"/>
+          </a:fillRef>
+          <a:effectRef idx="0">
+            <a:schemeClr val="dk1"/>
+          </a:effectRef>
+          <a:fontRef idx="minor">
+            <a:schemeClr val="tx1"/>
+          </a:fontRef>
+        </p:style>
+      </p:cxnSp>
+      <p:cxnSp>
+        <p:nvCxnSpPr>
+          <p:cNvPr id="106" name="Verbinder: gewinkelt 171">
+            <a:extLst>
+              <a:ext uri="{FF2B5EF4-FFF2-40B4-BE49-F238E27FC236}">
+                <a16:creationId xmlns:a16="http://schemas.microsoft.com/office/drawing/2014/main" id="{10A3D31B-749B-4BC3-855B-AE32E0B6C9B6}"/>
+              </a:ext>
+            </a:extLst>
+          </p:cNvPr>
+          <p:cNvCxnSpPr>
+            <a:cxnSpLocks/>
+            <a:stCxn id="107" idx="0"/>
+            <a:endCxn id="83" idx="2"/>
+          </p:cNvCxnSpPr>
+          <p:nvPr/>
+        </p:nvCxnSpPr>
+        <p:spPr>
+          <a:xfrm rot="16200000" flipV="1">
+            <a:off x="1522471" y="4481051"/>
+            <a:ext cx="447026" cy="283372"/>
+          </a:xfrm>
+          <a:prstGeom prst="bentConnector3">
+            <a:avLst>
+              <a:gd name="adj1" fmla="val 50000"/>
+            </a:avLst>
+          </a:prstGeom>
+          <a:ln>
+            <a:headEnd type="none" w="med" len="med"/>
+            <a:tailEnd type="arrow" w="med" len="med"/>
+          </a:ln>
+        </p:spPr>
+        <p:style>
+          <a:lnRef idx="1">
+            <a:schemeClr val="dk1"/>
+          </a:lnRef>
+          <a:fillRef idx="0">
+            <a:schemeClr val="dk1"/>
+          </a:fillRef>
+          <a:effectRef idx="0">
+            <a:schemeClr val="dk1"/>
+          </a:effectRef>
+          <a:fontRef idx="minor">
+            <a:schemeClr val="tx1"/>
+          </a:fontRef>
+        </p:style>
+      </p:cxnSp>
+      <p:sp>
+        <p:nvSpPr>
+          <p:cNvPr id="107" name="Raute 106">
+            <a:extLst>
+              <a:ext uri="{FF2B5EF4-FFF2-40B4-BE49-F238E27FC236}">
+                <a16:creationId xmlns:a16="http://schemas.microsoft.com/office/drawing/2014/main" id="{185260BB-4138-4F20-978E-DFC26624E6C3}"/>
+              </a:ext>
+            </a:extLst>
+          </p:cNvPr>
+          <p:cNvSpPr/>
+          <p:nvPr/>
+        </p:nvSpPr>
+        <p:spPr>
+          <a:xfrm rot="168924" flipH="1">
+            <a:off x="1755838" y="4846108"/>
+            <a:ext cx="252119" cy="235049"/>
+          </a:xfrm>
+          <a:prstGeom prst="diamond">
+            <a:avLst/>
+          </a:prstGeom>
+          <a:ln>
+            <a:headEnd type="none" w="med" len="med"/>
+            <a:tailEnd type="arrow" w="med" len="med"/>
+          </a:ln>
+        </p:spPr>
+        <p:style>
+          <a:lnRef idx="2">
+            <a:schemeClr val="dk1">
+              <a:shade val="50000"/>
+            </a:schemeClr>
+          </a:lnRef>
+          <a:fillRef idx="1">
+            <a:schemeClr val="dk1"/>
+          </a:fillRef>
+          <a:effectRef idx="0">
+            <a:schemeClr val="dk1"/>
+          </a:effectRef>
+          <a:fontRef idx="minor">
+            <a:schemeClr val="lt1"/>
+          </a:fontRef>
+        </p:style>
+        <p:txBody>
+          <a:bodyPr rtlCol="0" anchor="ctr"/>
+          <a:lstStyle/>
+          <a:p>
+            <a:pPr algn="ctr"/>
+            <a:endParaRPr lang="de-AT">
+              <a:latin typeface="Arial" panose="020B0604020202020204" pitchFamily="34" charset="0"/>
+              <a:cs typeface="Arial" panose="020B0604020202020204" pitchFamily="34" charset="0"/>
+            </a:endParaRPr>
+          </a:p>
+        </p:txBody>
+      </p:sp>
+      <p:sp>
+        <p:nvSpPr>
+          <p:cNvPr id="110" name="Textfeld 109">
+            <a:extLst>
+              <a:ext uri="{FF2B5EF4-FFF2-40B4-BE49-F238E27FC236}">
+                <a16:creationId xmlns:a16="http://schemas.microsoft.com/office/drawing/2014/main" id="{BFFAC7F8-A565-4BA1-8EAB-EE9E38B0BC8E}"/>
+              </a:ext>
+            </a:extLst>
+          </p:cNvPr>
+          <p:cNvSpPr txBox="1"/>
+          <p:nvPr/>
+        </p:nvSpPr>
+        <p:spPr>
+          <a:xfrm>
+            <a:off x="138225" y="3244334"/>
+            <a:ext cx="1457395" cy="369332"/>
+          </a:xfrm>
+          <a:prstGeom prst="rect">
+            <a:avLst/>
+          </a:prstGeom>
+          <a:noFill/>
+        </p:spPr>
+        <p:txBody>
+          <a:bodyPr wrap="square" rtlCol="0">
+            <a:spAutoFit/>
+          </a:bodyPr>
+          <a:lstStyle/>
+          <a:p>
+            <a:r>
+              <a:rPr lang="de-AT" sz="1600" dirty="0">
+                <a:latin typeface="Arial" panose="020B0604020202020204" pitchFamily="34" charset="0"/>
+                <a:cs typeface="Arial" panose="020B0604020202020204" pitchFamily="34" charset="0"/>
+              </a:rPr>
+              <a:t>[0..*] </a:t>
+            </a:r>
+            <a:r>
+              <a:rPr lang="de-AT" dirty="0" err="1">
+                <a:latin typeface="Arial" panose="020B0604020202020204" pitchFamily="34" charset="0"/>
+                <a:cs typeface="Arial" panose="020B0604020202020204" pitchFamily="34" charset="0"/>
+              </a:rPr>
+              <a:t>request</a:t>
+            </a:r>
+            <a:endParaRPr lang="de-AT" dirty="0">
+              <a:latin typeface="Arial" panose="020B0604020202020204" pitchFamily="34" charset="0"/>
+              <a:cs typeface="Arial" panose="020B0604020202020204" pitchFamily="34" charset="0"/>
+            </a:endParaRPr>
+          </a:p>
+        </p:txBody>
+      </p:sp>
+      <p:sp>
+        <p:nvSpPr>
+          <p:cNvPr id="111" name="Textfeld 110">
+            <a:extLst>
+              <a:ext uri="{FF2B5EF4-FFF2-40B4-BE49-F238E27FC236}">
+                <a16:creationId xmlns:a16="http://schemas.microsoft.com/office/drawing/2014/main" id="{1C7D9B4E-4D9E-447B-B862-2FCEDFF99175}"/>
+              </a:ext>
+            </a:extLst>
+          </p:cNvPr>
+          <p:cNvSpPr txBox="1"/>
+          <p:nvPr/>
+        </p:nvSpPr>
+        <p:spPr>
+          <a:xfrm>
+            <a:off x="1639739" y="3189427"/>
+            <a:ext cx="1264922" cy="615553"/>
+          </a:xfrm>
+          <a:prstGeom prst="rect">
+            <a:avLst/>
+          </a:prstGeom>
+          <a:noFill/>
+        </p:spPr>
+        <p:txBody>
+          <a:bodyPr wrap="square" rtlCol="0">
+            <a:spAutoFit/>
+          </a:bodyPr>
+          <a:lstStyle/>
+          <a:p>
+            <a:r>
+              <a:rPr lang="de-AT" sz="1600" dirty="0">
+                <a:latin typeface="Arial" panose="020B0604020202020204" pitchFamily="34" charset="0"/>
+                <a:cs typeface="Arial" panose="020B0604020202020204" pitchFamily="34" charset="0"/>
+              </a:rPr>
+              <a:t>[0..*] </a:t>
+            </a:r>
+            <a:r>
+              <a:rPr lang="de-AT" dirty="0" err="1">
+                <a:latin typeface="Arial" panose="020B0604020202020204" pitchFamily="34" charset="0"/>
+                <a:cs typeface="Arial" panose="020B0604020202020204" pitchFamily="34" charset="0"/>
+              </a:rPr>
+              <a:t>response</a:t>
+            </a:r>
+            <a:endParaRPr lang="de-AT" dirty="0">
+              <a:latin typeface="Arial" panose="020B0604020202020204" pitchFamily="34" charset="0"/>
+              <a:cs typeface="Arial" panose="020B0604020202020204" pitchFamily="34" charset="0"/>
+            </a:endParaRPr>
+          </a:p>
+        </p:txBody>
+      </p:sp>
+      <p:grpSp>
+        <p:nvGrpSpPr>
+          <p:cNvPr id="39" name="Gruppieren 38">
+            <a:extLst>
+              <a:ext uri="{FF2B5EF4-FFF2-40B4-BE49-F238E27FC236}">
+                <a16:creationId xmlns:a16="http://schemas.microsoft.com/office/drawing/2014/main" id="{57E9D1E6-2163-4C46-A307-A2C677B2440E}"/>
+              </a:ext>
+            </a:extLst>
+          </p:cNvPr>
+          <p:cNvGrpSpPr/>
+          <p:nvPr/>
+        </p:nvGrpSpPr>
+        <p:grpSpPr>
+          <a:xfrm>
+            <a:off x="4236826" y="2934440"/>
+            <a:ext cx="2259037" cy="820424"/>
+            <a:chOff x="3484880" y="609600"/>
+            <a:chExt cx="2529840" cy="857572"/>
+          </a:xfrm>
+        </p:grpSpPr>
+        <p:sp>
+          <p:nvSpPr>
+            <p:cNvPr id="40" name="Rechteck 39">
+              <a:extLst>
+                <a:ext uri="{FF2B5EF4-FFF2-40B4-BE49-F238E27FC236}">
+                  <a16:creationId xmlns:a16="http://schemas.microsoft.com/office/drawing/2014/main" id="{7F7FD008-B025-4E12-BAB9-8E858F50F386}"/>
+                </a:ext>
+              </a:extLst>
+            </p:cNvPr>
+            <p:cNvSpPr/>
+            <p:nvPr/>
+          </p:nvSpPr>
+          <p:spPr>
+            <a:xfrm>
+              <a:off x="3484880" y="609600"/>
+              <a:ext cx="2529840" cy="428786"/>
+            </a:xfrm>
+            <a:prstGeom prst="rect">
+              <a:avLst/>
+            </a:prstGeom>
+            <a:noFill/>
+            <a:ln w="9525" cap="flat" cmpd="sng" algn="ctr">
+              <a:solidFill>
+                <a:schemeClr val="dk1"/>
+              </a:solidFill>
+              <a:prstDash val="solid"/>
+              <a:round/>
+              <a:headEnd type="none" w="med" len="med"/>
+              <a:tailEnd type="arrow" w="med" len="med"/>
+            </a:ln>
+          </p:spPr>
+          <p:style>
+            <a:lnRef idx="0">
+              <a:scrgbClr r="0" g="0" b="0"/>
+            </a:lnRef>
+            <a:fillRef idx="0">
+              <a:scrgbClr r="0" g="0" b="0"/>
+            </a:fillRef>
+            <a:effectRef idx="0">
+              <a:scrgbClr r="0" g="0" b="0"/>
+            </a:effectRef>
+            <a:fontRef idx="minor">
+              <a:schemeClr val="dk1"/>
+            </a:fontRef>
+          </p:style>
+          <p:txBody>
+            <a:bodyPr rtlCol="0" anchor="ctr"/>
+            <a:lstStyle/>
+            <a:p>
+              <a:pPr algn="ctr"/>
+              <a:r>
+                <a:rPr lang="de-AT" b="1" dirty="0" err="1">
+                  <a:latin typeface="Arial" panose="020B0604020202020204" pitchFamily="34" charset="0"/>
+                  <a:cs typeface="Arial" panose="020B0604020202020204" pitchFamily="34" charset="0"/>
+                </a:rPr>
+                <a:t>InterfaceContent</a:t>
+              </a:r>
+              <a:endParaRPr lang="de-AT" b="1" dirty="0">
+                <a:latin typeface="Arial" panose="020B0604020202020204" pitchFamily="34" charset="0"/>
+                <a:cs typeface="Arial" panose="020B0604020202020204" pitchFamily="34" charset="0"/>
+              </a:endParaRPr>
+            </a:p>
+          </p:txBody>
+        </p:sp>
+        <p:sp>
+          <p:nvSpPr>
+            <p:cNvPr id="42" name="Rechteck 41">
+              <a:extLst>
+                <a:ext uri="{FF2B5EF4-FFF2-40B4-BE49-F238E27FC236}">
+                  <a16:creationId xmlns:a16="http://schemas.microsoft.com/office/drawing/2014/main" id="{92A0D814-D841-4DD4-B61E-DC16B2EB45C9}"/>
+                </a:ext>
+              </a:extLst>
+            </p:cNvPr>
+            <p:cNvSpPr/>
+            <p:nvPr/>
+          </p:nvSpPr>
+          <p:spPr>
+            <a:xfrm>
               <a:off x="3484880" y="1038386"/>
               <a:ext cx="2529840" cy="428786"/>
             </a:xfrm>
@@ -4686,83 +5046,375 @@
           </p:txBody>
         </p:sp>
       </p:grpSp>
-      <p:sp>
-        <p:nvSpPr>
-          <p:cNvPr id="85" name="Raute 84">
-            <a:extLst>
-              <a:ext uri="{FF2B5EF4-FFF2-40B4-BE49-F238E27FC236}">
-                <a16:creationId xmlns:a16="http://schemas.microsoft.com/office/drawing/2014/main" id="{EADC2439-A820-4D5E-BBF6-2A3E4983B55A}"/>
-              </a:ext>
-            </a:extLst>
-          </p:cNvPr>
-          <p:cNvSpPr/>
+      <p:grpSp>
+        <p:nvGrpSpPr>
+          <p:cNvPr id="44" name="Gruppieren 43">
+            <a:extLst>
+              <a:ext uri="{FF2B5EF4-FFF2-40B4-BE49-F238E27FC236}">
+                <a16:creationId xmlns:a16="http://schemas.microsoft.com/office/drawing/2014/main" id="{126F9912-0C29-4C9A-AE22-89A8E3240E2D}"/>
+              </a:ext>
+            </a:extLst>
+          </p:cNvPr>
+          <p:cNvGrpSpPr/>
           <p:nvPr/>
-        </p:nvSpPr>
-        <p:spPr>
-          <a:xfrm rot="168924" flipH="1">
-            <a:off x="5347609" y="3085976"/>
-            <a:ext cx="252119" cy="235049"/>
+        </p:nvGrpSpPr>
+        <p:grpSpPr>
+          <a:xfrm>
+            <a:off x="2708938" y="519144"/>
+            <a:ext cx="1578362" cy="820424"/>
+            <a:chOff x="3484880" y="609600"/>
+            <a:chExt cx="2529840" cy="857572"/>
           </a:xfrm>
-          <a:prstGeom prst="diamond">
-            <a:avLst/>
-          </a:prstGeom>
-          <a:ln>
-            <a:headEnd type="none" w="med" len="med"/>
-            <a:tailEnd type="arrow" w="med" len="med"/>
-          </a:ln>
-        </p:spPr>
-        <p:style>
-          <a:lnRef idx="2">
-            <a:schemeClr val="dk1">
-              <a:shade val="50000"/>
-            </a:schemeClr>
-          </a:lnRef>
-          <a:fillRef idx="1">
-            <a:schemeClr val="dk1"/>
-          </a:fillRef>
-          <a:effectRef idx="0">
-            <a:schemeClr val="dk1"/>
-          </a:effectRef>
-          <a:fontRef idx="minor">
-            <a:schemeClr val="lt1"/>
-          </a:fontRef>
-        </p:style>
-        <p:txBody>
-          <a:bodyPr rtlCol="0" anchor="ctr"/>
-          <a:lstStyle/>
-          <a:p>
-            <a:pPr algn="ctr"/>
-            <a:endParaRPr lang="de-AT">
-              <a:latin typeface="Arial" panose="020B0604020202020204" pitchFamily="34" charset="0"/>
-              <a:cs typeface="Arial" panose="020B0604020202020204" pitchFamily="34" charset="0"/>
-            </a:endParaRPr>
-          </a:p>
-        </p:txBody>
-      </p:sp>
+        </p:grpSpPr>
+        <p:sp>
+          <p:nvSpPr>
+            <p:cNvPr id="45" name="Rechteck 44">
+              <a:extLst>
+                <a:ext uri="{FF2B5EF4-FFF2-40B4-BE49-F238E27FC236}">
+                  <a16:creationId xmlns:a16="http://schemas.microsoft.com/office/drawing/2014/main" id="{D9C67E8F-1842-49E7-A406-416682BD9C2E}"/>
+                </a:ext>
+              </a:extLst>
+            </p:cNvPr>
+            <p:cNvSpPr/>
+            <p:nvPr/>
+          </p:nvSpPr>
+          <p:spPr>
+            <a:xfrm>
+              <a:off x="3484880" y="609600"/>
+              <a:ext cx="2529840" cy="428786"/>
+            </a:xfrm>
+            <a:prstGeom prst="rect">
+              <a:avLst/>
+            </a:prstGeom>
+            <a:noFill/>
+            <a:ln w="9525" cap="flat" cmpd="sng" algn="ctr">
+              <a:solidFill>
+                <a:schemeClr val="dk1"/>
+              </a:solidFill>
+              <a:prstDash val="solid"/>
+              <a:round/>
+              <a:headEnd type="none" w="med" len="med"/>
+              <a:tailEnd type="arrow" w="med" len="med"/>
+            </a:ln>
+          </p:spPr>
+          <p:style>
+            <a:lnRef idx="0">
+              <a:scrgbClr r="0" g="0" b="0"/>
+            </a:lnRef>
+            <a:fillRef idx="0">
+              <a:scrgbClr r="0" g="0" b="0"/>
+            </a:fillRef>
+            <a:effectRef idx="0">
+              <a:scrgbClr r="0" g="0" b="0"/>
+            </a:effectRef>
+            <a:fontRef idx="minor">
+              <a:schemeClr val="dk1"/>
+            </a:fontRef>
+          </p:style>
+          <p:txBody>
+            <a:bodyPr rtlCol="0" anchor="ctr"/>
+            <a:lstStyle/>
+            <a:p>
+              <a:pPr algn="ctr"/>
+              <a:r>
+                <a:rPr lang="de-AT" b="1" dirty="0" err="1">
+                  <a:latin typeface="Arial" panose="020B0604020202020204" pitchFamily="34" charset="0"/>
+                  <a:cs typeface="Arial" panose="020B0604020202020204" pitchFamily="34" charset="0"/>
+                </a:rPr>
+                <a:t>DTElement</a:t>
+              </a:r>
+              <a:endParaRPr lang="de-AT" b="1" dirty="0">
+                <a:latin typeface="Arial" panose="020B0604020202020204" pitchFamily="34" charset="0"/>
+                <a:cs typeface="Arial" panose="020B0604020202020204" pitchFamily="34" charset="0"/>
+              </a:endParaRPr>
+            </a:p>
+          </p:txBody>
+        </p:sp>
+        <p:sp>
+          <p:nvSpPr>
+            <p:cNvPr id="46" name="Rechteck 45">
+              <a:extLst>
+                <a:ext uri="{FF2B5EF4-FFF2-40B4-BE49-F238E27FC236}">
+                  <a16:creationId xmlns:a16="http://schemas.microsoft.com/office/drawing/2014/main" id="{9CA66CF3-4B1A-43E6-B7E3-E946C6B45475}"/>
+                </a:ext>
+              </a:extLst>
+            </p:cNvPr>
+            <p:cNvSpPr/>
+            <p:nvPr/>
+          </p:nvSpPr>
+          <p:spPr>
+            <a:xfrm>
+              <a:off x="3484880" y="1038386"/>
+              <a:ext cx="2529840" cy="428786"/>
+            </a:xfrm>
+            <a:prstGeom prst="rect">
+              <a:avLst/>
+            </a:prstGeom>
+            <a:noFill/>
+            <a:ln w="9525" cap="flat" cmpd="sng" algn="ctr">
+              <a:solidFill>
+                <a:schemeClr val="dk1"/>
+              </a:solidFill>
+              <a:prstDash val="solid"/>
+              <a:round/>
+              <a:headEnd type="none" w="med" len="med"/>
+              <a:tailEnd type="arrow" w="med" len="med"/>
+            </a:ln>
+          </p:spPr>
+          <p:style>
+            <a:lnRef idx="0">
+              <a:scrgbClr r="0" g="0" b="0"/>
+            </a:lnRef>
+            <a:fillRef idx="0">
+              <a:scrgbClr r="0" g="0" b="0"/>
+            </a:fillRef>
+            <a:effectRef idx="0">
+              <a:scrgbClr r="0" g="0" b="0"/>
+            </a:effectRef>
+            <a:fontRef idx="minor">
+              <a:schemeClr val="dk1"/>
+            </a:fontRef>
+          </p:style>
+          <p:txBody>
+            <a:bodyPr rtlCol="0" anchor="ctr"/>
+            <a:lstStyle/>
+            <a:p>
+              <a:pPr algn="ctr"/>
+              <a:r>
+                <a:rPr lang="de-AT" dirty="0" err="1">
+                  <a:latin typeface="Arial" panose="020B0604020202020204" pitchFamily="34" charset="0"/>
+                  <a:cs typeface="Arial" panose="020B0604020202020204" pitchFamily="34" charset="0"/>
+                </a:rPr>
+                <a:t>displayName</a:t>
+              </a:r>
+              <a:r>
+                <a:rPr lang="de-AT" dirty="0">
+                  <a:latin typeface="Arial" panose="020B0604020202020204" pitchFamily="34" charset="0"/>
+                  <a:cs typeface="Arial" panose="020B0604020202020204" pitchFamily="34" charset="0"/>
+                </a:rPr>
+                <a:t>: String</a:t>
+              </a:r>
+            </a:p>
+            <a:p>
+              <a:pPr algn="ctr"/>
+              <a:r>
+                <a:rPr lang="de-AT" dirty="0">
+                  <a:latin typeface="Arial" panose="020B0604020202020204" pitchFamily="34" charset="0"/>
+                  <a:cs typeface="Arial" panose="020B0604020202020204" pitchFamily="34" charset="0"/>
+                </a:rPr>
+                <a:t>Description: String</a:t>
+              </a:r>
+            </a:p>
+            <a:p>
+              <a:pPr algn="ctr"/>
+              <a:r>
+                <a:rPr lang="de-AT" dirty="0">
+                  <a:latin typeface="Arial" panose="020B0604020202020204" pitchFamily="34" charset="0"/>
+                  <a:cs typeface="Arial" panose="020B0604020202020204" pitchFamily="34" charset="0"/>
+                </a:rPr>
+                <a:t>Comment: String</a:t>
+              </a:r>
+            </a:p>
+          </p:txBody>
+        </p:sp>
+      </p:grpSp>
+      <p:grpSp>
+        <p:nvGrpSpPr>
+          <p:cNvPr id="47" name="Gruppieren 46">
+            <a:extLst>
+              <a:ext uri="{FF2B5EF4-FFF2-40B4-BE49-F238E27FC236}">
+                <a16:creationId xmlns:a16="http://schemas.microsoft.com/office/drawing/2014/main" id="{B470326F-5452-4F5D-818E-C7D908BA037A}"/>
+              </a:ext>
+            </a:extLst>
+          </p:cNvPr>
+          <p:cNvGrpSpPr/>
+          <p:nvPr/>
+        </p:nvGrpSpPr>
+        <p:grpSpPr>
+          <a:xfrm>
+            <a:off x="650143" y="724250"/>
+            <a:ext cx="1578362" cy="820424"/>
+            <a:chOff x="3484880" y="609600"/>
+            <a:chExt cx="2529840" cy="857572"/>
+          </a:xfrm>
+        </p:grpSpPr>
+        <p:sp>
+          <p:nvSpPr>
+            <p:cNvPr id="48" name="Rechteck 47">
+              <a:extLst>
+                <a:ext uri="{FF2B5EF4-FFF2-40B4-BE49-F238E27FC236}">
+                  <a16:creationId xmlns:a16="http://schemas.microsoft.com/office/drawing/2014/main" id="{7CC6EF15-114C-4790-AF31-DECA8578FC2B}"/>
+                </a:ext>
+              </a:extLst>
+            </p:cNvPr>
+            <p:cNvSpPr/>
+            <p:nvPr/>
+          </p:nvSpPr>
+          <p:spPr>
+            <a:xfrm>
+              <a:off x="3484880" y="609600"/>
+              <a:ext cx="2529840" cy="428786"/>
+            </a:xfrm>
+            <a:prstGeom prst="rect">
+              <a:avLst/>
+            </a:prstGeom>
+            <a:noFill/>
+            <a:ln w="9525" cap="flat" cmpd="sng" algn="ctr">
+              <a:solidFill>
+                <a:schemeClr val="dk1"/>
+              </a:solidFill>
+              <a:prstDash val="solid"/>
+              <a:round/>
+              <a:headEnd type="none" w="med" len="med"/>
+              <a:tailEnd type="arrow" w="med" len="med"/>
+            </a:ln>
+          </p:spPr>
+          <p:style>
+            <a:lnRef idx="0">
+              <a:scrgbClr r="0" g="0" b="0"/>
+            </a:lnRef>
+            <a:fillRef idx="0">
+              <a:scrgbClr r="0" g="0" b="0"/>
+            </a:fillRef>
+            <a:effectRef idx="0">
+              <a:scrgbClr r="0" g="0" b="0"/>
+            </a:effectRef>
+            <a:fontRef idx="minor">
+              <a:schemeClr val="dk1"/>
+            </a:fontRef>
+          </p:style>
+          <p:txBody>
+            <a:bodyPr rtlCol="0" anchor="ctr"/>
+            <a:lstStyle/>
+            <a:p>
+              <a:pPr algn="ctr"/>
+              <a:r>
+                <a:rPr lang="de-AT" b="1" dirty="0">
+                  <a:latin typeface="Arial" panose="020B0604020202020204" pitchFamily="34" charset="0"/>
+                  <a:cs typeface="Arial" panose="020B0604020202020204" pitchFamily="34" charset="0"/>
+                </a:rPr>
+                <a:t>DTMI</a:t>
+              </a:r>
+            </a:p>
+          </p:txBody>
+        </p:sp>
+        <p:sp>
+          <p:nvSpPr>
+            <p:cNvPr id="49" name="Rechteck 48">
+              <a:extLst>
+                <a:ext uri="{FF2B5EF4-FFF2-40B4-BE49-F238E27FC236}">
+                  <a16:creationId xmlns:a16="http://schemas.microsoft.com/office/drawing/2014/main" id="{9CDB77B4-CA9A-49AC-B8CC-18783475BA4A}"/>
+                </a:ext>
+              </a:extLst>
+            </p:cNvPr>
+            <p:cNvSpPr/>
+            <p:nvPr/>
+          </p:nvSpPr>
+          <p:spPr>
+            <a:xfrm>
+              <a:off x="3484880" y="1038386"/>
+              <a:ext cx="2529840" cy="428786"/>
+            </a:xfrm>
+            <a:prstGeom prst="rect">
+              <a:avLst/>
+            </a:prstGeom>
+            <a:noFill/>
+            <a:ln w="9525" cap="flat" cmpd="sng" algn="ctr">
+              <a:solidFill>
+                <a:schemeClr val="dk1"/>
+              </a:solidFill>
+              <a:prstDash val="solid"/>
+              <a:round/>
+              <a:headEnd type="none" w="med" len="med"/>
+              <a:tailEnd type="arrow" w="med" len="med"/>
+            </a:ln>
+          </p:spPr>
+          <p:style>
+            <a:lnRef idx="0">
+              <a:scrgbClr r="0" g="0" b="0"/>
+            </a:lnRef>
+            <a:fillRef idx="0">
+              <a:scrgbClr r="0" g="0" b="0"/>
+            </a:fillRef>
+            <a:effectRef idx="0">
+              <a:scrgbClr r="0" g="0" b="0"/>
+            </a:effectRef>
+            <a:fontRef idx="minor">
+              <a:schemeClr val="dk1"/>
+            </a:fontRef>
+          </p:style>
+          <p:txBody>
+            <a:bodyPr rtlCol="0" anchor="ctr"/>
+            <a:lstStyle/>
+            <a:p>
+              <a:pPr algn="ctr"/>
+              <a:r>
+                <a:rPr lang="de-AT" dirty="0">
+                  <a:latin typeface="Arial" panose="020B0604020202020204" pitchFamily="34" charset="0"/>
+                  <a:cs typeface="Arial" panose="020B0604020202020204" pitchFamily="34" charset="0"/>
+                </a:rPr>
+                <a:t>Scheme: String</a:t>
+              </a:r>
+            </a:p>
+            <a:p>
+              <a:pPr algn="ctr"/>
+              <a:r>
+                <a:rPr lang="de-AT" dirty="0">
+                  <a:latin typeface="Arial" panose="020B0604020202020204" pitchFamily="34" charset="0"/>
+                  <a:cs typeface="Arial" panose="020B0604020202020204" pitchFamily="34" charset="0"/>
+                </a:rPr>
+                <a:t>Path: String</a:t>
+              </a:r>
+            </a:p>
+            <a:p>
+              <a:pPr algn="ctr"/>
+              <a:r>
+                <a:rPr lang="de-AT" dirty="0">
+                  <a:latin typeface="Arial" panose="020B0604020202020204" pitchFamily="34" charset="0"/>
+                  <a:cs typeface="Arial" panose="020B0604020202020204" pitchFamily="34" charset="0"/>
+                </a:rPr>
+                <a:t>Version: </a:t>
+              </a:r>
+              <a:r>
+                <a:rPr lang="de-AT" dirty="0" err="1">
+                  <a:latin typeface="Arial" panose="020B0604020202020204" pitchFamily="34" charset="0"/>
+                  <a:cs typeface="Arial" panose="020B0604020202020204" pitchFamily="34" charset="0"/>
+                </a:rPr>
+                <a:t>Int</a:t>
+              </a:r>
+              <a:endParaRPr lang="de-AT" dirty="0">
+                <a:latin typeface="Arial" panose="020B0604020202020204" pitchFamily="34" charset="0"/>
+                <a:cs typeface="Arial" panose="020B0604020202020204" pitchFamily="34" charset="0"/>
+              </a:endParaRPr>
+            </a:p>
+          </p:txBody>
+        </p:sp>
+      </p:grpSp>
       <p:cxnSp>
         <p:nvCxnSpPr>
-          <p:cNvPr id="86" name="Verbinder: gewinkelt 171">
-            <a:extLst>
-              <a:ext uri="{FF2B5EF4-FFF2-40B4-BE49-F238E27FC236}">
-                <a16:creationId xmlns:a16="http://schemas.microsoft.com/office/drawing/2014/main" id="{F722153F-0738-4C73-A978-D3E6F75BE852}"/>
+          <p:cNvPr id="51" name="Verbinder: gewinkelt 171">
+            <a:extLst>
+              <a:ext uri="{FF2B5EF4-FFF2-40B4-BE49-F238E27FC236}">
+                <a16:creationId xmlns:a16="http://schemas.microsoft.com/office/drawing/2014/main" id="{35BA1016-0498-4902-99C2-565A2D1BA98A}"/>
               </a:ext>
             </a:extLst>
           </p:cNvPr>
           <p:cNvCxnSpPr>
             <a:cxnSpLocks/>
-            <a:stCxn id="85" idx="2"/>
-            <a:endCxn id="18" idx="0"/>
+            <a:stCxn id="9" idx="0"/>
+            <a:endCxn id="10" idx="1"/>
           </p:cNvCxnSpPr>
           <p:nvPr/>
         </p:nvCxnSpPr>
         <p:spPr>
-          <a:xfrm rot="16200000" flipH="1">
-            <a:off x="5352769" y="3436009"/>
-            <a:ext cx="1886734" cy="1656482"/>
+          <a:xfrm rot="16200000" flipH="1" flipV="1">
+            <a:off x="4791313" y="1360445"/>
+            <a:ext cx="615318" cy="632461"/>
           </a:xfrm>
-          <a:prstGeom prst="bentConnector3">
+          <a:prstGeom prst="bentConnector4">
             <a:avLst>
-              <a:gd name="adj1" fmla="val 50000"/>
+              <a:gd name="adj1" fmla="val -37152"/>
+              <a:gd name="adj2" fmla="val 136145"/>
             </a:avLst>
           </a:prstGeom>
           <a:ln>
@@ -4785,31 +5437,212 @@
           </a:fontRef>
         </p:style>
       </p:cxnSp>
+      <p:grpSp>
+        <p:nvGrpSpPr>
+          <p:cNvPr id="57" name="Gruppieren 56">
+            <a:extLst>
+              <a:ext uri="{FF2B5EF4-FFF2-40B4-BE49-F238E27FC236}">
+                <a16:creationId xmlns:a16="http://schemas.microsoft.com/office/drawing/2014/main" id="{15F6D3F8-6381-45B5-A5E2-B634B866084A}"/>
+              </a:ext>
+            </a:extLst>
+          </p:cNvPr>
+          <p:cNvGrpSpPr/>
+          <p:nvPr/>
+        </p:nvGrpSpPr>
+        <p:grpSpPr>
+          <a:xfrm>
+            <a:off x="10026334" y="4951435"/>
+            <a:ext cx="2056755" cy="1409668"/>
+            <a:chOff x="3484880" y="609600"/>
+            <a:chExt cx="2879997" cy="1143434"/>
+          </a:xfrm>
+        </p:grpSpPr>
+        <p:sp>
+          <p:nvSpPr>
+            <p:cNvPr id="58" name="Rechteck 57">
+              <a:extLst>
+                <a:ext uri="{FF2B5EF4-FFF2-40B4-BE49-F238E27FC236}">
+                  <a16:creationId xmlns:a16="http://schemas.microsoft.com/office/drawing/2014/main" id="{EA0D2D79-7DA9-4B8D-86FE-CC209EEC2775}"/>
+                </a:ext>
+              </a:extLst>
+            </p:cNvPr>
+            <p:cNvSpPr/>
+            <p:nvPr/>
+          </p:nvSpPr>
+          <p:spPr>
+            <a:xfrm>
+              <a:off x="3484880" y="609600"/>
+              <a:ext cx="2879997" cy="428786"/>
+            </a:xfrm>
+            <a:prstGeom prst="rect">
+              <a:avLst/>
+            </a:prstGeom>
+            <a:noFill/>
+            <a:ln w="9525" cap="flat" cmpd="sng" algn="ctr">
+              <a:solidFill>
+                <a:schemeClr val="dk1"/>
+              </a:solidFill>
+              <a:prstDash val="solid"/>
+              <a:round/>
+              <a:headEnd type="none" w="med" len="med"/>
+              <a:tailEnd type="arrow" w="med" len="med"/>
+            </a:ln>
+          </p:spPr>
+          <p:style>
+            <a:lnRef idx="0">
+              <a:scrgbClr r="0" g="0" b="0"/>
+            </a:lnRef>
+            <a:fillRef idx="0">
+              <a:scrgbClr r="0" g="0" b="0"/>
+            </a:fillRef>
+            <a:effectRef idx="0">
+              <a:scrgbClr r="0" g="0" b="0"/>
+            </a:effectRef>
+            <a:fontRef idx="minor">
+              <a:schemeClr val="dk1"/>
+            </a:fontRef>
+          </p:style>
+          <p:txBody>
+            <a:bodyPr rtlCol="0" anchor="ctr"/>
+            <a:lstStyle/>
+            <a:p>
+              <a:pPr algn="ctr"/>
+              <a:r>
+                <a:rPr lang="de-AT" sz="2000" b="1" dirty="0" err="1">
+                  <a:latin typeface="Arial" panose="020B0604020202020204" pitchFamily="34" charset="0"/>
+                  <a:cs typeface="Arial" panose="020B0604020202020204" pitchFamily="34" charset="0"/>
+                </a:rPr>
+                <a:t>Component</a:t>
+              </a:r>
+              <a:endParaRPr lang="de-AT" sz="2000" b="1" dirty="0">
+                <a:latin typeface="Arial" panose="020B0604020202020204" pitchFamily="34" charset="0"/>
+                <a:cs typeface="Arial" panose="020B0604020202020204" pitchFamily="34" charset="0"/>
+              </a:endParaRPr>
+            </a:p>
+          </p:txBody>
+        </p:sp>
+        <p:sp>
+          <p:nvSpPr>
+            <p:cNvPr id="59" name="Rechteck 58">
+              <a:extLst>
+                <a:ext uri="{FF2B5EF4-FFF2-40B4-BE49-F238E27FC236}">
+                  <a16:creationId xmlns:a16="http://schemas.microsoft.com/office/drawing/2014/main" id="{F2B74DB5-D91E-42BC-BCE0-FCA3161FD18B}"/>
+                </a:ext>
+              </a:extLst>
+            </p:cNvPr>
+            <p:cNvSpPr/>
+            <p:nvPr/>
+          </p:nvSpPr>
+          <p:spPr>
+            <a:xfrm>
+              <a:off x="3484880" y="1038386"/>
+              <a:ext cx="2879997" cy="714648"/>
+            </a:xfrm>
+            <a:prstGeom prst="rect">
+              <a:avLst/>
+            </a:prstGeom>
+            <a:noFill/>
+            <a:ln w="9525" cap="flat" cmpd="sng" algn="ctr">
+              <a:solidFill>
+                <a:schemeClr val="dk1"/>
+              </a:solidFill>
+              <a:prstDash val="solid"/>
+              <a:round/>
+              <a:headEnd type="none" w="med" len="med"/>
+              <a:tailEnd type="arrow" w="med" len="med"/>
+            </a:ln>
+          </p:spPr>
+          <p:style>
+            <a:lnRef idx="0">
+              <a:scrgbClr r="0" g="0" b="0"/>
+            </a:lnRef>
+            <a:fillRef idx="0">
+              <a:scrgbClr r="0" g="0" b="0"/>
+            </a:fillRef>
+            <a:effectRef idx="0">
+              <a:scrgbClr r="0" g="0" b="0"/>
+            </a:effectRef>
+            <a:fontRef idx="minor">
+              <a:schemeClr val="dk1"/>
+            </a:fontRef>
+          </p:style>
+          <p:txBody>
+            <a:bodyPr rtlCol="0" anchor="ctr"/>
+            <a:lstStyle/>
+            <a:p>
+              <a:r>
+                <a:rPr lang="de-AT" dirty="0">
+                  <a:latin typeface="Arial" panose="020B0604020202020204" pitchFamily="34" charset="0"/>
+                  <a:cs typeface="Arial" panose="020B0604020202020204" pitchFamily="34" charset="0"/>
+                </a:rPr>
+                <a:t>Name: String</a:t>
+              </a:r>
+            </a:p>
+          </p:txBody>
+        </p:sp>
+      </p:grpSp>
+      <p:sp>
+        <p:nvSpPr>
+          <p:cNvPr id="7" name="Textfeld 6">
+            <a:extLst>
+              <a:ext uri="{FF2B5EF4-FFF2-40B4-BE49-F238E27FC236}">
+                <a16:creationId xmlns:a16="http://schemas.microsoft.com/office/drawing/2014/main" id="{7E278B90-3489-4211-9729-3112FB2ACCF1}"/>
+              </a:ext>
+            </a:extLst>
+          </p:cNvPr>
+          <p:cNvSpPr txBox="1"/>
+          <p:nvPr/>
+        </p:nvSpPr>
+        <p:spPr>
+          <a:xfrm>
+            <a:off x="4521731" y="786321"/>
+            <a:ext cx="1525931" cy="369332"/>
+          </a:xfrm>
+          <a:prstGeom prst="rect">
+            <a:avLst/>
+          </a:prstGeom>
+          <a:noFill/>
+        </p:spPr>
+        <p:txBody>
+          <a:bodyPr wrap="none" rtlCol="0">
+            <a:spAutoFit/>
+          </a:bodyPr>
+          <a:lstStyle/>
+          <a:p>
+            <a:r>
+              <a:rPr lang="de-AT" dirty="0" err="1"/>
+              <a:t>extends</a:t>
+            </a:r>
+            <a:r>
+              <a:rPr lang="de-AT" dirty="0"/>
+              <a:t>: [0..2]</a:t>
+            </a:r>
+          </a:p>
+        </p:txBody>
+      </p:sp>
       <p:cxnSp>
         <p:nvCxnSpPr>
-          <p:cNvPr id="96" name="Verbinder: gewinkelt 171">
-            <a:extLst>
-              <a:ext uri="{FF2B5EF4-FFF2-40B4-BE49-F238E27FC236}">
-                <a16:creationId xmlns:a16="http://schemas.microsoft.com/office/drawing/2014/main" id="{0F9CA7FC-4649-4906-8B82-E8E1AAD426B5}"/>
+          <p:cNvPr id="60" name="Verbinder: gewinkelt 171">
+            <a:extLst>
+              <a:ext uri="{FF2B5EF4-FFF2-40B4-BE49-F238E27FC236}">
+                <a16:creationId xmlns:a16="http://schemas.microsoft.com/office/drawing/2014/main" id="{5EB6AD48-2AB7-49FC-9FCB-FB85553F49BC}"/>
               </a:ext>
             </a:extLst>
           </p:cNvPr>
           <p:cNvCxnSpPr>
             <a:cxnSpLocks/>
-            <a:stCxn id="85" idx="2"/>
-            <a:endCxn id="73" idx="0"/>
+            <a:stCxn id="58" idx="0"/>
+            <a:endCxn id="9" idx="3"/>
           </p:cNvCxnSpPr>
           <p:nvPr/>
         </p:nvCxnSpPr>
         <p:spPr>
-          <a:xfrm rot="5400000">
-            <a:off x="3866413" y="3490545"/>
-            <a:ext cx="1771144" cy="1431820"/>
+          <a:xfrm rot="16200000" flipV="1">
+            <a:off x="6862532" y="759254"/>
+            <a:ext cx="3377312" cy="5007049"/>
           </a:xfrm>
-          <a:prstGeom prst="bentConnector3">
-            <a:avLst>
-              <a:gd name="adj1" fmla="val 50000"/>
-            </a:avLst>
+          <a:prstGeom prst="bentConnector2">
+            <a:avLst/>
           </a:prstGeom>
           <a:ln>
             <a:headEnd type="none" w="med" len="med"/>
@@ -4831,26 +5664,75 @@
           </a:fontRef>
         </p:style>
       </p:cxnSp>
+      <p:sp>
+        <p:nvSpPr>
+          <p:cNvPr id="61" name="Textfeld 60">
+            <a:extLst>
+              <a:ext uri="{FF2B5EF4-FFF2-40B4-BE49-F238E27FC236}">
+                <a16:creationId xmlns:a16="http://schemas.microsoft.com/office/drawing/2014/main" id="{3BA5FE68-6C83-408B-8375-AE49DAE90778}"/>
+              </a:ext>
+            </a:extLst>
+          </p:cNvPr>
+          <p:cNvSpPr txBox="1"/>
+          <p:nvPr/>
+        </p:nvSpPr>
+        <p:spPr>
+          <a:xfrm>
+            <a:off x="6144339" y="1225118"/>
+            <a:ext cx="2079276" cy="369332"/>
+          </a:xfrm>
+          <a:prstGeom prst="rect">
+            <a:avLst/>
+          </a:prstGeom>
+          <a:noFill/>
+        </p:spPr>
+        <p:txBody>
+          <a:bodyPr wrap="square" rtlCol="0">
+            <a:spAutoFit/>
+          </a:bodyPr>
+          <a:lstStyle/>
+          <a:p>
+            <a:r>
+              <a:rPr lang="de-AT" sz="1600" dirty="0">
+                <a:latin typeface="Arial" panose="020B0604020202020204" pitchFamily="34" charset="0"/>
+                <a:cs typeface="Arial" panose="020B0604020202020204" pitchFamily="34" charset="0"/>
+              </a:rPr>
+              <a:t>[1..1] </a:t>
+            </a:r>
+            <a:r>
+              <a:rPr lang="de-AT" dirty="0" err="1">
+                <a:latin typeface="Arial" panose="020B0604020202020204" pitchFamily="34" charset="0"/>
+                <a:cs typeface="Arial" panose="020B0604020202020204" pitchFamily="34" charset="0"/>
+              </a:rPr>
+              <a:t>schema</a:t>
+            </a:r>
+            <a:endParaRPr lang="de-AT" dirty="0">
+              <a:latin typeface="Arial" panose="020B0604020202020204" pitchFamily="34" charset="0"/>
+              <a:cs typeface="Arial" panose="020B0604020202020204" pitchFamily="34" charset="0"/>
+            </a:endParaRPr>
+          </a:p>
+        </p:txBody>
+      </p:sp>
       <p:cxnSp>
         <p:nvCxnSpPr>
-          <p:cNvPr id="99" name="Verbinder: gewinkelt 171">
-            <a:extLst>
-              <a:ext uri="{FF2B5EF4-FFF2-40B4-BE49-F238E27FC236}">
-                <a16:creationId xmlns:a16="http://schemas.microsoft.com/office/drawing/2014/main" id="{F1CA2390-3203-4321-9105-7CCF5A7A33D0}"/>
+          <p:cNvPr id="69" name="Verbinder: gewinkelt 171">
+            <a:extLst>
+              <a:ext uri="{FF2B5EF4-FFF2-40B4-BE49-F238E27FC236}">
+                <a16:creationId xmlns:a16="http://schemas.microsoft.com/office/drawing/2014/main" id="{1475F4F0-BFC7-4C17-80DD-DC7B8FA84539}"/>
               </a:ext>
             </a:extLst>
           </p:cNvPr>
           <p:cNvCxnSpPr>
             <a:cxnSpLocks/>
-            <a:stCxn id="85" idx="2"/>
-            <a:endCxn id="79" idx="0"/>
+            <a:stCxn id="22" idx="1"/>
+            <a:endCxn id="19" idx="3"/>
           </p:cNvCxnSpPr>
           <p:nvPr/>
         </p:nvCxnSpPr>
         <p:spPr>
-          <a:xfrm rot="5400000">
-            <a:off x="2617882" y="2211702"/>
-            <a:ext cx="1740833" cy="3959195"/>
+          <a:xfrm rot="10800000" flipV="1">
+            <a:off x="7016690" y="5996216"/>
+            <a:ext cx="1147578" cy="86830"/>
           </a:xfrm>
           <a:prstGeom prst="bentConnector3">
             <a:avLst>
@@ -4879,51 +5761,47 @@
       </p:cxnSp>
       <p:sp>
         <p:nvSpPr>
-          <p:cNvPr id="102" name="Raute 101">
-            <a:extLst>
-              <a:ext uri="{FF2B5EF4-FFF2-40B4-BE49-F238E27FC236}">
-                <a16:creationId xmlns:a16="http://schemas.microsoft.com/office/drawing/2014/main" id="{CB7584A6-ABF7-4717-AE09-77F1E298835D}"/>
-              </a:ext>
-            </a:extLst>
-          </p:cNvPr>
-          <p:cNvSpPr/>
+          <p:cNvPr id="75" name="Textfeld 74">
+            <a:extLst>
+              <a:ext uri="{FF2B5EF4-FFF2-40B4-BE49-F238E27FC236}">
+                <a16:creationId xmlns:a16="http://schemas.microsoft.com/office/drawing/2014/main" id="{4548FF3D-AD0D-4073-9ED5-09FF47FA0C8F}"/>
+              </a:ext>
+            </a:extLst>
+          </p:cNvPr>
+          <p:cNvSpPr txBox="1"/>
           <p:nvPr/>
         </p:nvSpPr>
         <p:spPr>
-          <a:xfrm rot="168924" flipH="1">
-            <a:off x="934731" y="4795789"/>
-            <a:ext cx="252119" cy="235049"/>
+          <a:xfrm>
+            <a:off x="6942052" y="5266587"/>
+            <a:ext cx="1363851" cy="615553"/>
           </a:xfrm>
-          <a:prstGeom prst="diamond">
+          <a:prstGeom prst="rect">
             <a:avLst/>
           </a:prstGeom>
-          <a:ln>
-            <a:headEnd type="none" w="med" len="med"/>
-            <a:tailEnd type="arrow" w="med" len="med"/>
-          </a:ln>
+          <a:noFill/>
         </p:spPr>
-        <p:style>
-          <a:lnRef idx="2">
-            <a:schemeClr val="dk1">
-              <a:shade val="50000"/>
-            </a:schemeClr>
-          </a:lnRef>
-          <a:fillRef idx="1">
-            <a:schemeClr val="dk1"/>
-          </a:fillRef>
-          <a:effectRef idx="0">
-            <a:schemeClr val="dk1"/>
-          </a:effectRef>
-          <a:fontRef idx="minor">
-            <a:schemeClr val="lt1"/>
-          </a:fontRef>
-        </p:style>
         <p:txBody>
-          <a:bodyPr rtlCol="0" anchor="ctr"/>
+          <a:bodyPr wrap="square" rtlCol="0">
+            <a:spAutoFit/>
+          </a:bodyPr>
           <a:lstStyle/>
           <a:p>
-            <a:pPr algn="ctr"/>
-            <a:endParaRPr lang="de-AT">
+            <a:r>
+              <a:rPr lang="de-AT" sz="1600" dirty="0">
+                <a:latin typeface="Arial" panose="020B0604020202020204" pitchFamily="34" charset="0"/>
+                <a:cs typeface="Arial" panose="020B0604020202020204" pitchFamily="34" charset="0"/>
+              </a:rPr>
+              <a:t>[0..300] </a:t>
+            </a:r>
+            <a:r>
+              <a:rPr lang="de-AT" dirty="0" err="1">
+                <a:latin typeface="Arial" panose="020B0604020202020204" pitchFamily="34" charset="0"/>
+                <a:cs typeface="Arial" panose="020B0604020202020204" pitchFamily="34" charset="0"/>
+              </a:rPr>
+              <a:t>properties</a:t>
+            </a:r>
+            <a:endParaRPr lang="de-AT" dirty="0">
               <a:latin typeface="Arial" panose="020B0604020202020204" pitchFamily="34" charset="0"/>
               <a:cs typeface="Arial" panose="020B0604020202020204" pitchFamily="34" charset="0"/>
             </a:endParaRPr>
@@ -4932,75 +5810,27 @@
       </p:sp>
       <p:cxnSp>
         <p:nvCxnSpPr>
-          <p:cNvPr id="103" name="Verbinder: gewinkelt 171">
-            <a:extLst>
-              <a:ext uri="{FF2B5EF4-FFF2-40B4-BE49-F238E27FC236}">
-                <a16:creationId xmlns:a16="http://schemas.microsoft.com/office/drawing/2014/main" id="{310C4C7D-E24F-4AC7-87FC-08021A425F69}"/>
+          <p:cNvPr id="77" name="Verbinder: gewinkelt 171">
+            <a:extLst>
+              <a:ext uri="{FF2B5EF4-FFF2-40B4-BE49-F238E27FC236}">
+                <a16:creationId xmlns:a16="http://schemas.microsoft.com/office/drawing/2014/main" id="{6E9F8B5E-BDA9-4CA5-AA27-750D0E3A3C02}"/>
               </a:ext>
             </a:extLst>
           </p:cNvPr>
           <p:cNvCxnSpPr>
             <a:cxnSpLocks/>
-            <a:stCxn id="102" idx="0"/>
-            <a:endCxn id="83" idx="2"/>
-          </p:cNvCxnSpPr>
-          <p:nvPr/>
-        </p:nvCxnSpPr>
-        <p:spPr>
-          <a:xfrm rot="5400000" flipH="1" flipV="1">
-            <a:off x="481753" y="3700587"/>
-            <a:ext cx="1680155" cy="510534"/>
-          </a:xfrm>
-          <a:prstGeom prst="bentConnector3">
-            <a:avLst>
-              <a:gd name="adj1" fmla="val 50000"/>
-            </a:avLst>
-          </a:prstGeom>
-          <a:ln>
-            <a:headEnd type="none" w="med" len="med"/>
-            <a:tailEnd type="arrow" w="med" len="med"/>
-          </a:ln>
-        </p:spPr>
-        <p:style>
-          <a:lnRef idx="1">
-            <a:schemeClr val="dk1"/>
-          </a:lnRef>
-          <a:fillRef idx="0">
-            <a:schemeClr val="dk1"/>
-          </a:fillRef>
-          <a:effectRef idx="0">
-            <a:schemeClr val="dk1"/>
-          </a:effectRef>
-          <a:fontRef idx="minor">
-            <a:schemeClr val="tx1"/>
-          </a:fontRef>
-        </p:style>
-      </p:cxnSp>
-      <p:cxnSp>
-        <p:nvCxnSpPr>
-          <p:cNvPr id="106" name="Verbinder: gewinkelt 171">
-            <a:extLst>
-              <a:ext uri="{FF2B5EF4-FFF2-40B4-BE49-F238E27FC236}">
-                <a16:creationId xmlns:a16="http://schemas.microsoft.com/office/drawing/2014/main" id="{10A3D31B-749B-4BC3-855B-AE32E0B6C9B6}"/>
-              </a:ext>
-            </a:extLst>
-          </p:cNvPr>
-          <p:cNvCxnSpPr>
-            <a:cxnSpLocks/>
-            <a:stCxn id="107" idx="0"/>
-            <a:endCxn id="83" idx="2"/>
+            <a:stCxn id="21" idx="0"/>
+            <a:endCxn id="10" idx="3"/>
           </p:cNvCxnSpPr>
           <p:nvPr/>
         </p:nvCxnSpPr>
         <p:spPr>
           <a:xfrm rot="16200000" flipV="1">
-            <a:off x="867147" y="3825726"/>
-            <a:ext cx="1730474" cy="310573"/>
+            <a:off x="6038080" y="1993919"/>
+            <a:ext cx="3009173" cy="2990006"/>
           </a:xfrm>
-          <a:prstGeom prst="bentConnector3">
-            <a:avLst>
-              <a:gd name="adj1" fmla="val 50000"/>
-            </a:avLst>
+          <a:prstGeom prst="bentConnector2">
+            <a:avLst/>
           </a:prstGeom>
           <a:ln>
             <a:headEnd type="none" w="med" len="med"/>
@@ -5024,63 +5854,10 @@
       </p:cxnSp>
       <p:sp>
         <p:nvSpPr>
-          <p:cNvPr id="107" name="Raute 106">
-            <a:extLst>
-              <a:ext uri="{FF2B5EF4-FFF2-40B4-BE49-F238E27FC236}">
-                <a16:creationId xmlns:a16="http://schemas.microsoft.com/office/drawing/2014/main" id="{185260BB-4138-4F20-978E-DFC26624E6C3}"/>
-              </a:ext>
-            </a:extLst>
-          </p:cNvPr>
-          <p:cNvSpPr/>
-          <p:nvPr/>
-        </p:nvSpPr>
-        <p:spPr>
-          <a:xfrm rot="168924" flipH="1">
-            <a:off x="1755838" y="4846108"/>
-            <a:ext cx="252119" cy="235049"/>
-          </a:xfrm>
-          <a:prstGeom prst="diamond">
-            <a:avLst/>
-          </a:prstGeom>
-          <a:ln>
-            <a:headEnd type="none" w="med" len="med"/>
-            <a:tailEnd type="arrow" w="med" len="med"/>
-          </a:ln>
-        </p:spPr>
-        <p:style>
-          <a:lnRef idx="2">
-            <a:schemeClr val="dk1">
-              <a:shade val="50000"/>
-            </a:schemeClr>
-          </a:lnRef>
-          <a:fillRef idx="1">
-            <a:schemeClr val="dk1"/>
-          </a:fillRef>
-          <a:effectRef idx="0">
-            <a:schemeClr val="dk1"/>
-          </a:effectRef>
-          <a:fontRef idx="minor">
-            <a:schemeClr val="lt1"/>
-          </a:fontRef>
-        </p:style>
-        <p:txBody>
-          <a:bodyPr rtlCol="0" anchor="ctr"/>
-          <a:lstStyle/>
-          <a:p>
-            <a:pPr algn="ctr"/>
-            <a:endParaRPr lang="de-AT">
-              <a:latin typeface="Arial" panose="020B0604020202020204" pitchFamily="34" charset="0"/>
-              <a:cs typeface="Arial" panose="020B0604020202020204" pitchFamily="34" charset="0"/>
-            </a:endParaRPr>
-          </a:p>
-        </p:txBody>
-      </p:sp>
-      <p:sp>
-        <p:nvSpPr>
-          <p:cNvPr id="110" name="Textfeld 109">
-            <a:extLst>
-              <a:ext uri="{FF2B5EF4-FFF2-40B4-BE49-F238E27FC236}">
-                <a16:creationId xmlns:a16="http://schemas.microsoft.com/office/drawing/2014/main" id="{BFFAC7F8-A565-4BA1-8EAB-EE9E38B0BC8E}"/>
+          <p:cNvPr id="84" name="Textfeld 83">
+            <a:extLst>
+              <a:ext uri="{FF2B5EF4-FFF2-40B4-BE49-F238E27FC236}">
+                <a16:creationId xmlns:a16="http://schemas.microsoft.com/office/drawing/2014/main" id="{7A2B20B6-EEC4-4B37-AC92-1D5CAFB528B6}"/>
               </a:ext>
             </a:extLst>
           </p:cNvPr>
@@ -5089,8 +5866,8 @@
         </p:nvSpPr>
         <p:spPr>
           <a:xfrm>
-            <a:off x="-152007" y="4494186"/>
-            <a:ext cx="1457395" cy="369332"/>
+            <a:off x="5394953" y="2547077"/>
+            <a:ext cx="1810837" cy="369332"/>
           </a:xfrm>
           <a:prstGeom prst="rect">
             <a:avLst/>
@@ -5115,7 +5892,7 @@
                 <a:latin typeface="Arial" panose="020B0604020202020204" pitchFamily="34" charset="0"/>
                 <a:cs typeface="Arial" panose="020B0604020202020204" pitchFamily="34" charset="0"/>
               </a:rPr>
-              <a:t>inputs</a:t>
+              <a:t>contents</a:t>
             </a:r>
             <a:endParaRPr lang="de-AT" dirty="0">
               <a:latin typeface="Arial" panose="020B0604020202020204" pitchFamily="34" charset="0"/>
@@ -5124,55 +5901,144 @@
           </a:p>
         </p:txBody>
       </p:sp>
-      <p:sp>
-        <p:nvSpPr>
-          <p:cNvPr id="111" name="Textfeld 110">
-            <a:extLst>
-              <a:ext uri="{FF2B5EF4-FFF2-40B4-BE49-F238E27FC236}">
-                <a16:creationId xmlns:a16="http://schemas.microsoft.com/office/drawing/2014/main" id="{1C7D9B4E-4D9E-447B-B862-2FCEDFF99175}"/>
-              </a:ext>
-            </a:extLst>
-          </p:cNvPr>
-          <p:cNvSpPr txBox="1"/>
+      <p:cxnSp>
+        <p:nvCxnSpPr>
+          <p:cNvPr id="87" name="Verbinder: gewinkelt 171">
+            <a:extLst>
+              <a:ext uri="{FF2B5EF4-FFF2-40B4-BE49-F238E27FC236}">
+                <a16:creationId xmlns:a16="http://schemas.microsoft.com/office/drawing/2014/main" id="{9AED0297-CF91-42E1-8095-A18F3366EA07}"/>
+              </a:ext>
+            </a:extLst>
+          </p:cNvPr>
+          <p:cNvCxnSpPr>
+            <a:cxnSpLocks/>
+            <a:stCxn id="21" idx="0"/>
+            <a:endCxn id="42" idx="2"/>
+          </p:cNvCxnSpPr>
           <p:nvPr/>
-        </p:nvSpPr>
+        </p:nvCxnSpPr>
         <p:spPr>
-          <a:xfrm>
-            <a:off x="2013578" y="4605073"/>
-            <a:ext cx="2004548" cy="369332"/>
+          <a:xfrm rot="16200000" flipV="1">
+            <a:off x="6582685" y="2538524"/>
+            <a:ext cx="1238644" cy="3671324"/>
           </a:xfrm>
-          <a:prstGeom prst="rect">
-            <a:avLst/>
+          <a:prstGeom prst="bentConnector3">
+            <a:avLst>
+              <a:gd name="adj1" fmla="val 50000"/>
+            </a:avLst>
           </a:prstGeom>
-          <a:noFill/>
+          <a:ln>
+            <a:headEnd type="none" w="med" len="med"/>
+            <a:tailEnd type="triangle" w="med" len="med"/>
+          </a:ln>
         </p:spPr>
-        <p:txBody>
-          <a:bodyPr wrap="square" rtlCol="0">
-            <a:spAutoFit/>
-          </a:bodyPr>
-          <a:lstStyle/>
-          <a:p>
-            <a:r>
-              <a:rPr lang="de-AT" sz="1600" dirty="0">
-                <a:latin typeface="Arial" panose="020B0604020202020204" pitchFamily="34" charset="0"/>
-                <a:cs typeface="Arial" panose="020B0604020202020204" pitchFamily="34" charset="0"/>
-              </a:rPr>
-              <a:t>[0..1] </a:t>
-            </a:r>
-            <a:r>
-              <a:rPr lang="de-AT" dirty="0" err="1">
-                <a:latin typeface="Arial" panose="020B0604020202020204" pitchFamily="34" charset="0"/>
-                <a:cs typeface="Arial" panose="020B0604020202020204" pitchFamily="34" charset="0"/>
-              </a:rPr>
-              <a:t>result</a:t>
-            </a:r>
-            <a:endParaRPr lang="de-AT" dirty="0">
-              <a:latin typeface="Arial" panose="020B0604020202020204" pitchFamily="34" charset="0"/>
-              <a:cs typeface="Arial" panose="020B0604020202020204" pitchFamily="34" charset="0"/>
-            </a:endParaRPr>
-          </a:p>
-        </p:txBody>
-      </p:sp>
+        <p:style>
+          <a:lnRef idx="1">
+            <a:schemeClr val="dk1"/>
+          </a:lnRef>
+          <a:fillRef idx="0">
+            <a:schemeClr val="dk1"/>
+          </a:fillRef>
+          <a:effectRef idx="0">
+            <a:schemeClr val="dk1"/>
+          </a:effectRef>
+          <a:fontRef idx="minor">
+            <a:schemeClr val="tx1"/>
+          </a:fontRef>
+        </p:style>
+      </p:cxnSp>
+      <p:cxnSp>
+        <p:nvCxnSpPr>
+          <p:cNvPr id="90" name="Verbinder: gewinkelt 171">
+            <a:extLst>
+              <a:ext uri="{FF2B5EF4-FFF2-40B4-BE49-F238E27FC236}">
+                <a16:creationId xmlns:a16="http://schemas.microsoft.com/office/drawing/2014/main" id="{0FD7BDC1-BAA5-4A2F-AB93-C1ECFDA7B4D9}"/>
+              </a:ext>
+            </a:extLst>
+          </p:cNvPr>
+          <p:cNvCxnSpPr>
+            <a:cxnSpLocks/>
+            <a:stCxn id="73" idx="0"/>
+            <a:endCxn id="42" idx="2"/>
+          </p:cNvCxnSpPr>
+          <p:nvPr/>
+        </p:nvCxnSpPr>
+        <p:spPr>
+          <a:xfrm rot="5400000" flipH="1" flipV="1">
+            <a:off x="3926331" y="3647123"/>
+            <a:ext cx="1332273" cy="1547756"/>
+          </a:xfrm>
+          <a:prstGeom prst="bentConnector3">
+            <a:avLst>
+              <a:gd name="adj1" fmla="val 50000"/>
+            </a:avLst>
+          </a:prstGeom>
+          <a:ln>
+            <a:headEnd type="none" w="med" len="med"/>
+            <a:tailEnd type="triangle" w="med" len="med"/>
+          </a:ln>
+        </p:spPr>
+        <p:style>
+          <a:lnRef idx="1">
+            <a:schemeClr val="dk1"/>
+          </a:lnRef>
+          <a:fillRef idx="0">
+            <a:schemeClr val="dk1"/>
+          </a:fillRef>
+          <a:effectRef idx="0">
+            <a:schemeClr val="dk1"/>
+          </a:effectRef>
+          <a:fontRef idx="minor">
+            <a:schemeClr val="tx1"/>
+          </a:fontRef>
+        </p:style>
+      </p:cxnSp>
+      <p:cxnSp>
+        <p:nvCxnSpPr>
+          <p:cNvPr id="95" name="Verbinder: gewinkelt 171">
+            <a:extLst>
+              <a:ext uri="{FF2B5EF4-FFF2-40B4-BE49-F238E27FC236}">
+                <a16:creationId xmlns:a16="http://schemas.microsoft.com/office/drawing/2014/main" id="{E804D7E0-C58A-4F4B-8AD5-19ABE26F4E15}"/>
+              </a:ext>
+            </a:extLst>
+          </p:cNvPr>
+          <p:cNvCxnSpPr>
+            <a:cxnSpLocks/>
+            <a:stCxn id="79" idx="0"/>
+            <a:endCxn id="42" idx="2"/>
+          </p:cNvCxnSpPr>
+          <p:nvPr/>
+        </p:nvCxnSpPr>
+        <p:spPr>
+          <a:xfrm rot="5400000" flipH="1" flipV="1">
+            <a:off x="2779650" y="2475022"/>
+            <a:ext cx="1306852" cy="3866537"/>
+          </a:xfrm>
+          <a:prstGeom prst="bentConnector3">
+            <a:avLst>
+              <a:gd name="adj1" fmla="val 50000"/>
+            </a:avLst>
+          </a:prstGeom>
+          <a:ln>
+            <a:headEnd type="none" w="med" len="med"/>
+            <a:tailEnd type="triangle" w="med" len="med"/>
+          </a:ln>
+        </p:spPr>
+        <p:style>
+          <a:lnRef idx="1">
+            <a:schemeClr val="dk1"/>
+          </a:lnRef>
+          <a:fillRef idx="0">
+            <a:schemeClr val="dk1"/>
+          </a:fillRef>
+          <a:effectRef idx="0">
+            <a:schemeClr val="dk1"/>
+          </a:effectRef>
+          <a:fontRef idx="minor">
+            <a:schemeClr val="tx1"/>
+          </a:fontRef>
+        </p:style>
+      </p:cxnSp>
     </p:spTree>
     <p:extLst>
       <p:ext uri="{BB962C8B-B14F-4D97-AF65-F5344CB8AC3E}">

--- a/Figures.pptx
+++ b/Figures.pptx
@@ -7,7 +7,8 @@
   <p:sldIdLst>
     <p:sldId id="257" r:id="rId2"/>
     <p:sldId id="258" r:id="rId3"/>
-    <p:sldId id="259" r:id="rId4"/>
+    <p:sldId id="262" r:id="rId4"/>
+    <p:sldId id="259" r:id="rId5"/>
   </p:sldIdLst>
   <p:sldSz cx="12192000" cy="6858000"/>
   <p:notesSz cx="6858000" cy="9144000"/>
@@ -263,7 +264,7 @@
           <a:p>
             <a:fld id="{221DF790-08EF-4309-8C7D-573F11C98FD5}" type="datetimeFigureOut">
               <a:rPr lang="de-AT" smtClean="0"/>
-              <a:t>04.02.2022</a:t>
+              <a:t>05.02.2022</a:t>
             </a:fld>
             <a:endParaRPr lang="de-AT"/>
           </a:p>
@@ -463,7 +464,7 @@
           <a:p>
             <a:fld id="{221DF790-08EF-4309-8C7D-573F11C98FD5}" type="datetimeFigureOut">
               <a:rPr lang="de-AT" smtClean="0"/>
-              <a:t>04.02.2022</a:t>
+              <a:t>05.02.2022</a:t>
             </a:fld>
             <a:endParaRPr lang="de-AT"/>
           </a:p>
@@ -673,7 +674,7 @@
           <a:p>
             <a:fld id="{221DF790-08EF-4309-8C7D-573F11C98FD5}" type="datetimeFigureOut">
               <a:rPr lang="de-AT" smtClean="0"/>
-              <a:t>04.02.2022</a:t>
+              <a:t>05.02.2022</a:t>
             </a:fld>
             <a:endParaRPr lang="de-AT"/>
           </a:p>
@@ -873,7 +874,7 @@
           <a:p>
             <a:fld id="{221DF790-08EF-4309-8C7D-573F11C98FD5}" type="datetimeFigureOut">
               <a:rPr lang="de-AT" smtClean="0"/>
-              <a:t>04.02.2022</a:t>
+              <a:t>05.02.2022</a:t>
             </a:fld>
             <a:endParaRPr lang="de-AT"/>
           </a:p>
@@ -1149,7 +1150,7 @@
           <a:p>
             <a:fld id="{221DF790-08EF-4309-8C7D-573F11C98FD5}" type="datetimeFigureOut">
               <a:rPr lang="de-AT" smtClean="0"/>
-              <a:t>04.02.2022</a:t>
+              <a:t>05.02.2022</a:t>
             </a:fld>
             <a:endParaRPr lang="de-AT"/>
           </a:p>
@@ -1417,7 +1418,7 @@
           <a:p>
             <a:fld id="{221DF790-08EF-4309-8C7D-573F11C98FD5}" type="datetimeFigureOut">
               <a:rPr lang="de-AT" smtClean="0"/>
-              <a:t>04.02.2022</a:t>
+              <a:t>05.02.2022</a:t>
             </a:fld>
             <a:endParaRPr lang="de-AT"/>
           </a:p>
@@ -1832,7 +1833,7 @@
           <a:p>
             <a:fld id="{221DF790-08EF-4309-8C7D-573F11C98FD5}" type="datetimeFigureOut">
               <a:rPr lang="de-AT" smtClean="0"/>
-              <a:t>04.02.2022</a:t>
+              <a:t>05.02.2022</a:t>
             </a:fld>
             <a:endParaRPr lang="de-AT"/>
           </a:p>
@@ -1974,7 +1975,7 @@
           <a:p>
             <a:fld id="{221DF790-08EF-4309-8C7D-573F11C98FD5}" type="datetimeFigureOut">
               <a:rPr lang="de-AT" smtClean="0"/>
-              <a:t>04.02.2022</a:t>
+              <a:t>05.02.2022</a:t>
             </a:fld>
             <a:endParaRPr lang="de-AT"/>
           </a:p>
@@ -2087,7 +2088,7 @@
           <a:p>
             <a:fld id="{221DF790-08EF-4309-8C7D-573F11C98FD5}" type="datetimeFigureOut">
               <a:rPr lang="de-AT" smtClean="0"/>
-              <a:t>04.02.2022</a:t>
+              <a:t>05.02.2022</a:t>
             </a:fld>
             <a:endParaRPr lang="de-AT"/>
           </a:p>
@@ -2400,7 +2401,7 @@
           <a:p>
             <a:fld id="{221DF790-08EF-4309-8C7D-573F11C98FD5}" type="datetimeFigureOut">
               <a:rPr lang="de-AT" smtClean="0"/>
-              <a:t>04.02.2022</a:t>
+              <a:t>05.02.2022</a:t>
             </a:fld>
             <a:endParaRPr lang="de-AT"/>
           </a:p>
@@ -2689,7 +2690,7 @@
           <a:p>
             <a:fld id="{221DF790-08EF-4309-8C7D-573F11C98FD5}" type="datetimeFigureOut">
               <a:rPr lang="de-AT" smtClean="0"/>
-              <a:t>04.02.2022</a:t>
+              <a:t>05.02.2022</a:t>
             </a:fld>
             <a:endParaRPr lang="de-AT"/>
           </a:p>
@@ -2932,7 +2933,7 @@
           <a:p>
             <a:fld id="{221DF790-08EF-4309-8C7D-573F11C98FD5}" type="datetimeFigureOut">
               <a:rPr lang="de-AT" smtClean="0"/>
-              <a:t>04.02.2022</a:t>
+              <a:t>05.02.2022</a:t>
             </a:fld>
             <a:endParaRPr lang="de-AT"/>
           </a:p>
@@ -5061,9 +5062,9 @@
         <p:grpSpPr>
           <a:xfrm>
             <a:off x="2708938" y="519144"/>
-            <a:ext cx="1578362" cy="820424"/>
+            <a:ext cx="1578362" cy="1859046"/>
             <a:chOff x="3484880" y="609600"/>
-            <a:chExt cx="2529840" cy="857572"/>
+            <a:chExt cx="2529840" cy="1943222"/>
           </a:xfrm>
         </p:grpSpPr>
         <p:sp>
@@ -5144,8 +5145,8 @@
           </p:nvSpPr>
           <p:spPr>
             <a:xfrm>
-              <a:off x="3484880" y="1038386"/>
-              <a:ext cx="2529840" cy="428786"/>
+              <a:off x="3484880" y="1038385"/>
+              <a:ext cx="2529840" cy="1514437"/>
             </a:xfrm>
             <a:prstGeom prst="rect">
               <a:avLst/>
@@ -5181,14 +5182,14 @@
             <a:p>
               <a:pPr algn="ctr"/>
               <a:r>
-                <a:rPr lang="de-AT" dirty="0" err="1">
+                <a:rPr lang="de-AT" sz="1600" dirty="0" err="1">
                   <a:latin typeface="Arial" panose="020B0604020202020204" pitchFamily="34" charset="0"/>
                   <a:cs typeface="Arial" panose="020B0604020202020204" pitchFamily="34" charset="0"/>
                 </a:rPr>
                 <a:t>displayName</a:t>
               </a:r>
               <a:r>
-                <a:rPr lang="de-AT" dirty="0">
+                <a:rPr lang="de-AT" sz="1600" dirty="0">
                   <a:latin typeface="Arial" panose="020B0604020202020204" pitchFamily="34" charset="0"/>
                   <a:cs typeface="Arial" panose="020B0604020202020204" pitchFamily="34" charset="0"/>
                 </a:rPr>
@@ -5198,7 +5199,7 @@
             <a:p>
               <a:pPr algn="ctr"/>
               <a:r>
-                <a:rPr lang="de-AT" dirty="0">
+                <a:rPr lang="de-AT" sz="1600" dirty="0">
                   <a:latin typeface="Arial" panose="020B0604020202020204" pitchFamily="34" charset="0"/>
                   <a:cs typeface="Arial" panose="020B0604020202020204" pitchFamily="34" charset="0"/>
                 </a:rPr>
@@ -5208,7 +5209,7 @@
             <a:p>
               <a:pPr algn="ctr"/>
               <a:r>
-                <a:rPr lang="de-AT" dirty="0">
+                <a:rPr lang="de-AT" sz="1600" dirty="0">
                   <a:latin typeface="Arial" panose="020B0604020202020204" pitchFamily="34" charset="0"/>
                   <a:cs typeface="Arial" panose="020B0604020202020204" pitchFamily="34" charset="0"/>
                 </a:rPr>
@@ -5232,8 +5233,8 @@
         </p:nvGrpSpPr>
         <p:grpSpPr>
           <a:xfrm>
-            <a:off x="650143" y="724250"/>
-            <a:ext cx="1578362" cy="820424"/>
+            <a:off x="303535" y="665431"/>
+            <a:ext cx="1578362" cy="1330957"/>
             <a:chOff x="3484880" y="609600"/>
             <a:chExt cx="2529840" cy="857572"/>
           </a:xfrm>
@@ -5349,7 +5350,7 @@
             <a:p>
               <a:pPr algn="ctr"/>
               <a:r>
-                <a:rPr lang="de-AT" dirty="0">
+                <a:rPr lang="de-AT" sz="1600" dirty="0">
                   <a:latin typeface="Arial" panose="020B0604020202020204" pitchFamily="34" charset="0"/>
                   <a:cs typeface="Arial" panose="020B0604020202020204" pitchFamily="34" charset="0"/>
                 </a:rPr>
@@ -5359,7 +5360,7 @@
             <a:p>
               <a:pPr algn="ctr"/>
               <a:r>
-                <a:rPr lang="de-AT" dirty="0">
+                <a:rPr lang="de-AT" sz="1600" dirty="0">
                   <a:latin typeface="Arial" panose="020B0604020202020204" pitchFamily="34" charset="0"/>
                   <a:cs typeface="Arial" panose="020B0604020202020204" pitchFamily="34" charset="0"/>
                 </a:rPr>
@@ -5369,20 +5370,20 @@
             <a:p>
               <a:pPr algn="ctr"/>
               <a:r>
-                <a:rPr lang="de-AT" dirty="0">
+                <a:rPr lang="de-AT" sz="1600" dirty="0">
                   <a:latin typeface="Arial" panose="020B0604020202020204" pitchFamily="34" charset="0"/>
                   <a:cs typeface="Arial" panose="020B0604020202020204" pitchFamily="34" charset="0"/>
                 </a:rPr>
                 <a:t>Version: </a:t>
               </a:r>
               <a:r>
-                <a:rPr lang="de-AT" dirty="0" err="1">
+                <a:rPr lang="de-AT" sz="1600" dirty="0" err="1">
                   <a:latin typeface="Arial" panose="020B0604020202020204" pitchFamily="34" charset="0"/>
                   <a:cs typeface="Arial" panose="020B0604020202020204" pitchFamily="34" charset="0"/>
                 </a:rPr>
                 <a:t>Int</a:t>
               </a:r>
-              <a:endParaRPr lang="de-AT" dirty="0">
+              <a:endParaRPr lang="de-AT" sz="1600" dirty="0">
                 <a:latin typeface="Arial" panose="020B0604020202020204" pitchFamily="34" charset="0"/>
                 <a:cs typeface="Arial" panose="020B0604020202020204" pitchFamily="34" charset="0"/>
               </a:endParaRPr>
@@ -6017,6 +6018,245 @@
           <a:prstGeom prst="bentConnector3">
             <a:avLst>
               <a:gd name="adj1" fmla="val 50000"/>
+            </a:avLst>
+          </a:prstGeom>
+          <a:ln>
+            <a:headEnd type="none" w="med" len="med"/>
+            <a:tailEnd type="triangle" w="med" len="med"/>
+          </a:ln>
+        </p:spPr>
+        <p:style>
+          <a:lnRef idx="1">
+            <a:schemeClr val="dk1"/>
+          </a:lnRef>
+          <a:fillRef idx="0">
+            <a:schemeClr val="dk1"/>
+          </a:fillRef>
+          <a:effectRef idx="0">
+            <a:schemeClr val="dk1"/>
+          </a:effectRef>
+          <a:fontRef idx="minor">
+            <a:schemeClr val="tx1"/>
+          </a:fontRef>
+        </p:style>
+      </p:cxnSp>
+      <p:sp>
+        <p:nvSpPr>
+          <p:cNvPr id="53" name="Raute 52">
+            <a:extLst>
+              <a:ext uri="{FF2B5EF4-FFF2-40B4-BE49-F238E27FC236}">
+                <a16:creationId xmlns:a16="http://schemas.microsoft.com/office/drawing/2014/main" id="{394027D8-D74B-4F71-BB0B-24F17602A781}"/>
+              </a:ext>
+            </a:extLst>
+          </p:cNvPr>
+          <p:cNvSpPr/>
+          <p:nvPr/>
+        </p:nvSpPr>
+        <p:spPr>
+          <a:xfrm rot="5400000" flipH="1">
+            <a:off x="2431708" y="1569285"/>
+            <a:ext cx="252119" cy="235049"/>
+          </a:xfrm>
+          <a:prstGeom prst="diamond">
+            <a:avLst/>
+          </a:prstGeom>
+          <a:ln>
+            <a:headEnd type="none" w="med" len="med"/>
+            <a:tailEnd type="arrow" w="med" len="med"/>
+          </a:ln>
+        </p:spPr>
+        <p:style>
+          <a:lnRef idx="2">
+            <a:schemeClr val="dk1">
+              <a:shade val="50000"/>
+            </a:schemeClr>
+          </a:lnRef>
+          <a:fillRef idx="1">
+            <a:schemeClr val="dk1"/>
+          </a:fillRef>
+          <a:effectRef idx="0">
+            <a:schemeClr val="dk1"/>
+          </a:effectRef>
+          <a:fontRef idx="minor">
+            <a:schemeClr val="lt1"/>
+          </a:fontRef>
+        </p:style>
+        <p:txBody>
+          <a:bodyPr rtlCol="0" anchor="ctr"/>
+          <a:lstStyle/>
+          <a:p>
+            <a:pPr algn="ctr"/>
+            <a:endParaRPr lang="de-AT">
+              <a:latin typeface="Arial" panose="020B0604020202020204" pitchFamily="34" charset="0"/>
+              <a:cs typeface="Arial" panose="020B0604020202020204" pitchFamily="34" charset="0"/>
+            </a:endParaRPr>
+          </a:p>
+        </p:txBody>
+      </p:sp>
+      <p:cxnSp>
+        <p:nvCxnSpPr>
+          <p:cNvPr id="54" name="Verbinder: gewinkelt 171">
+            <a:extLst>
+              <a:ext uri="{FF2B5EF4-FFF2-40B4-BE49-F238E27FC236}">
+                <a16:creationId xmlns:a16="http://schemas.microsoft.com/office/drawing/2014/main" id="{FBE19B39-244D-48C7-BBF6-1C57A00F3068}"/>
+              </a:ext>
+            </a:extLst>
+          </p:cNvPr>
+          <p:cNvCxnSpPr>
+            <a:cxnSpLocks/>
+            <a:stCxn id="53" idx="2"/>
+            <a:endCxn id="49" idx="3"/>
+          </p:cNvCxnSpPr>
+          <p:nvPr/>
+        </p:nvCxnSpPr>
+        <p:spPr>
+          <a:xfrm rot="10800000">
+            <a:off x="1881897" y="1663651"/>
+            <a:ext cx="558346" cy="23159"/>
+          </a:xfrm>
+          <a:prstGeom prst="bentConnector3">
+            <a:avLst>
+              <a:gd name="adj1" fmla="val 50000"/>
+            </a:avLst>
+          </a:prstGeom>
+          <a:ln>
+            <a:headEnd type="none" w="med" len="med"/>
+            <a:tailEnd type="arrow" w="med" len="med"/>
+          </a:ln>
+        </p:spPr>
+        <p:style>
+          <a:lnRef idx="1">
+            <a:schemeClr val="dk1"/>
+          </a:lnRef>
+          <a:fillRef idx="0">
+            <a:schemeClr val="dk1"/>
+          </a:fillRef>
+          <a:effectRef idx="0">
+            <a:schemeClr val="dk1"/>
+          </a:effectRef>
+          <a:fontRef idx="minor">
+            <a:schemeClr val="tx1"/>
+          </a:fontRef>
+        </p:style>
+      </p:cxnSp>
+      <p:sp>
+        <p:nvSpPr>
+          <p:cNvPr id="62" name="Textfeld 61">
+            <a:extLst>
+              <a:ext uri="{FF2B5EF4-FFF2-40B4-BE49-F238E27FC236}">
+                <a16:creationId xmlns:a16="http://schemas.microsoft.com/office/drawing/2014/main" id="{3329069B-CF04-4682-B578-272DF7BB6D3F}"/>
+              </a:ext>
+            </a:extLst>
+          </p:cNvPr>
+          <p:cNvSpPr txBox="1"/>
+          <p:nvPr/>
+        </p:nvSpPr>
+        <p:spPr>
+          <a:xfrm>
+            <a:off x="1788640" y="1204384"/>
+            <a:ext cx="1058790" cy="369332"/>
+          </a:xfrm>
+          <a:prstGeom prst="rect">
+            <a:avLst/>
+          </a:prstGeom>
+          <a:noFill/>
+        </p:spPr>
+        <p:txBody>
+          <a:bodyPr wrap="square" rtlCol="0">
+            <a:spAutoFit/>
+          </a:bodyPr>
+          <a:lstStyle/>
+          <a:p>
+            <a:r>
+              <a:rPr lang="de-AT" sz="1600" dirty="0">
+                <a:latin typeface="Arial" panose="020B0604020202020204" pitchFamily="34" charset="0"/>
+                <a:cs typeface="Arial" panose="020B0604020202020204" pitchFamily="34" charset="0"/>
+              </a:rPr>
+              <a:t>[1..1] </a:t>
+            </a:r>
+            <a:r>
+              <a:rPr lang="de-AT" dirty="0" err="1">
+                <a:latin typeface="Arial" panose="020B0604020202020204" pitchFamily="34" charset="0"/>
+                <a:cs typeface="Arial" panose="020B0604020202020204" pitchFamily="34" charset="0"/>
+              </a:rPr>
+              <a:t>id</a:t>
+            </a:r>
+            <a:endParaRPr lang="de-AT" dirty="0">
+              <a:latin typeface="Arial" panose="020B0604020202020204" pitchFamily="34" charset="0"/>
+              <a:cs typeface="Arial" panose="020B0604020202020204" pitchFamily="34" charset="0"/>
+            </a:endParaRPr>
+          </a:p>
+        </p:txBody>
+      </p:sp>
+      <p:cxnSp>
+        <p:nvCxnSpPr>
+          <p:cNvPr id="63" name="Verbinder: gewinkelt 171">
+            <a:extLst>
+              <a:ext uri="{FF2B5EF4-FFF2-40B4-BE49-F238E27FC236}">
+                <a16:creationId xmlns:a16="http://schemas.microsoft.com/office/drawing/2014/main" id="{3AFD393F-4C19-4720-91EC-9C06F1902793}"/>
+              </a:ext>
+            </a:extLst>
+          </p:cNvPr>
+          <p:cNvCxnSpPr>
+            <a:cxnSpLocks/>
+            <a:stCxn id="42" idx="1"/>
+            <a:endCxn id="46" idx="2"/>
+          </p:cNvCxnSpPr>
+          <p:nvPr/>
+        </p:nvCxnSpPr>
+        <p:spPr>
+          <a:xfrm rot="10800000">
+            <a:off x="3498120" y="2378190"/>
+            <a:ext cx="738707" cy="1171568"/>
+          </a:xfrm>
+          <a:prstGeom prst="bentConnector2">
+            <a:avLst/>
+          </a:prstGeom>
+          <a:ln>
+            <a:headEnd type="none" w="med" len="med"/>
+            <a:tailEnd type="triangle" w="med" len="med"/>
+          </a:ln>
+        </p:spPr>
+        <p:style>
+          <a:lnRef idx="1">
+            <a:schemeClr val="dk1"/>
+          </a:lnRef>
+          <a:fillRef idx="0">
+            <a:schemeClr val="dk1"/>
+          </a:fillRef>
+          <a:effectRef idx="0">
+            <a:schemeClr val="dk1"/>
+          </a:effectRef>
+          <a:fontRef idx="minor">
+            <a:schemeClr val="tx1"/>
+          </a:fontRef>
+        </p:style>
+      </p:cxnSp>
+      <p:cxnSp>
+        <p:nvCxnSpPr>
+          <p:cNvPr id="64" name="Verbinder: gewinkelt 171">
+            <a:extLst>
+              <a:ext uri="{FF2B5EF4-FFF2-40B4-BE49-F238E27FC236}">
+                <a16:creationId xmlns:a16="http://schemas.microsoft.com/office/drawing/2014/main" id="{58D08E3C-D786-4A0D-8FCB-5EAFAD95B101}"/>
+              </a:ext>
+            </a:extLst>
+          </p:cNvPr>
+          <p:cNvCxnSpPr>
+            <a:cxnSpLocks/>
+            <a:stCxn id="10" idx="1"/>
+            <a:endCxn id="46" idx="2"/>
+          </p:cNvCxnSpPr>
+          <p:nvPr/>
+        </p:nvCxnSpPr>
+        <p:spPr>
+          <a:xfrm rot="10800000" flipV="1">
+            <a:off x="3498119" y="1984334"/>
+            <a:ext cx="1284622" cy="393855"/>
+          </a:xfrm>
+          <a:prstGeom prst="bentConnector4">
+            <a:avLst>
+              <a:gd name="adj1" fmla="val 19283"/>
+              <a:gd name="adj2" fmla="val 158042"/>
             </a:avLst>
           </a:prstGeom>
           <a:ln>
@@ -6083,7 +6323,7 @@
         </p:nvGrpSpPr>
         <p:grpSpPr>
           <a:xfrm>
-            <a:off x="4276503" y="67165"/>
+            <a:off x="4279375" y="134348"/>
             <a:ext cx="2699125" cy="857572"/>
             <a:chOff x="3484880" y="609600"/>
             <a:chExt cx="2529840" cy="857572"/>
@@ -6348,6 +6588,44 @@
             <a:lstStyle/>
             <a:p>
               <a:pPr algn="ctr"/>
+              <a:r>
+                <a:rPr lang="de-AT" dirty="0" err="1">
+                  <a:latin typeface="Arial" panose="020B0604020202020204" pitchFamily="34" charset="0"/>
+                  <a:cs typeface="Arial" panose="020B0604020202020204" pitchFamily="34" charset="0"/>
+                </a:rPr>
+                <a:t>Entities</a:t>
+              </a:r>
+              <a:r>
+                <a:rPr lang="de-AT" dirty="0">
+                  <a:latin typeface="Arial" panose="020B0604020202020204" pitchFamily="34" charset="0"/>
+                  <a:cs typeface="Arial" panose="020B0604020202020204" pitchFamily="34" charset="0"/>
+                </a:rPr>
+                <a:t>: Entity</a:t>
+              </a:r>
+            </a:p>
+            <a:p>
+              <a:pPr algn="ctr"/>
+              <a:r>
+                <a:rPr lang="de-AT" dirty="0" err="1">
+                  <a:latin typeface="Arial" panose="020B0604020202020204" pitchFamily="34" charset="0"/>
+                  <a:cs typeface="Arial" panose="020B0604020202020204" pitchFamily="34" charset="0"/>
+                </a:rPr>
+                <a:t>Enums</a:t>
+              </a:r>
+              <a:r>
+                <a:rPr lang="de-AT" dirty="0">
+                  <a:latin typeface="Arial" panose="020B0604020202020204" pitchFamily="34" charset="0"/>
+                  <a:cs typeface="Arial" panose="020B0604020202020204" pitchFamily="34" charset="0"/>
+                </a:rPr>
+                <a:t>: </a:t>
+              </a:r>
+              <a:r>
+                <a:rPr lang="de-AT" dirty="0" err="1">
+                  <a:latin typeface="Arial" panose="020B0604020202020204" pitchFamily="34" charset="0"/>
+                  <a:cs typeface="Arial" panose="020B0604020202020204" pitchFamily="34" charset="0"/>
+                </a:rPr>
+                <a:t>Enum</a:t>
+              </a:r>
               <a:endParaRPr lang="de-AT" dirty="0">
                 <a:latin typeface="Arial" panose="020B0604020202020204" pitchFamily="34" charset="0"/>
                 <a:cs typeface="Arial" panose="020B0604020202020204" pitchFamily="34" charset="0"/>
@@ -6497,52 +6775,6 @@
           </p:txBody>
         </p:sp>
       </p:grpSp>
-      <p:cxnSp>
-        <p:nvCxnSpPr>
-          <p:cNvPr id="33" name="Verbinder: gewinkelt 98">
-            <a:extLst>
-              <a:ext uri="{FF2B5EF4-FFF2-40B4-BE49-F238E27FC236}">
-                <a16:creationId xmlns:a16="http://schemas.microsoft.com/office/drawing/2014/main" id="{23F213BA-926F-4E5E-B4D5-22B2A84557AF}"/>
-              </a:ext>
-            </a:extLst>
-          </p:cNvPr>
-          <p:cNvCxnSpPr>
-            <a:cxnSpLocks/>
-            <a:stCxn id="4" idx="2"/>
-            <a:endCxn id="9" idx="0"/>
-          </p:cNvCxnSpPr>
-          <p:nvPr/>
-        </p:nvCxnSpPr>
-        <p:spPr>
-          <a:xfrm rot="16200000" flipH="1">
-            <a:off x="5240571" y="1310231"/>
-            <a:ext cx="838094" cy="67105"/>
-          </a:xfrm>
-          <a:prstGeom prst="bentConnector3">
-            <a:avLst>
-              <a:gd name="adj1" fmla="val 50000"/>
-            </a:avLst>
-          </a:prstGeom>
-          <a:ln>
-            <a:headEnd type="none" w="med" len="med"/>
-            <a:tailEnd type="arrow" w="med" len="med"/>
-          </a:ln>
-        </p:spPr>
-        <p:style>
-          <a:lnRef idx="1">
-            <a:schemeClr val="dk1"/>
-          </a:lnRef>
-          <a:fillRef idx="0">
-            <a:schemeClr val="dk1"/>
-          </a:fillRef>
-          <a:effectRef idx="0">
-            <a:schemeClr val="dk1"/>
-          </a:effectRef>
-          <a:fontRef idx="minor">
-            <a:schemeClr val="tx1"/>
-          </a:fontRef>
-        </p:style>
-      </p:cxnSp>
       <p:grpSp>
         <p:nvGrpSpPr>
           <p:cNvPr id="17" name="Gruppieren 16">
@@ -6672,10 +6904,13 @@
             <a:bodyPr rtlCol="0" anchor="ctr"/>
             <a:lstStyle/>
             <a:p>
-              <a:endParaRPr lang="de-AT" dirty="0">
-                <a:latin typeface="Arial" panose="020B0604020202020204" pitchFamily="34" charset="0"/>
-                <a:cs typeface="Arial" panose="020B0604020202020204" pitchFamily="34" charset="0"/>
-              </a:endParaRPr>
+              <a:r>
+                <a:rPr lang="de-AT" dirty="0">
+                  <a:latin typeface="Arial" panose="020B0604020202020204" pitchFamily="34" charset="0"/>
+                  <a:cs typeface="Arial" panose="020B0604020202020204" pitchFamily="34" charset="0"/>
+                </a:rPr>
+                <a:t>Name: String</a:t>
+              </a:r>
             </a:p>
           </p:txBody>
         </p:sp>
@@ -6694,7 +6929,7 @@
         </p:nvGrpSpPr>
         <p:grpSpPr>
           <a:xfrm>
-            <a:off x="4672990" y="5456477"/>
+            <a:off x="4647533" y="5481216"/>
             <a:ext cx="2170673" cy="1376784"/>
             <a:chOff x="6014721" y="2009063"/>
             <a:chExt cx="2529840" cy="938883"/>
@@ -6809,10 +7044,135 @@
             <a:bodyPr rtlCol="0" anchor="ctr"/>
             <a:lstStyle/>
             <a:p>
+              <a:r>
+                <a:rPr lang="de-AT" dirty="0">
+                  <a:latin typeface="Arial" panose="020B0604020202020204" pitchFamily="34" charset="0"/>
+                  <a:cs typeface="Arial" panose="020B0604020202020204" pitchFamily="34" charset="0"/>
+                </a:rPr>
+                <a:t>Name: String</a:t>
+              </a:r>
+            </a:p>
+            <a:p>
+              <a:r>
+                <a:rPr lang="de-AT" dirty="0">
+                  <a:latin typeface="Arial" panose="020B0604020202020204" pitchFamily="34" charset="0"/>
+                  <a:cs typeface="Arial" panose="020B0604020202020204" pitchFamily="34" charset="0"/>
+                </a:rPr>
+                <a:t>Description: String</a:t>
+              </a:r>
+            </a:p>
+            <a:p>
+              <a:r>
+                <a:rPr lang="de-AT" dirty="0" err="1">
+                  <a:latin typeface="Arial" panose="020B0604020202020204" pitchFamily="34" charset="0"/>
+                  <a:cs typeface="Arial" panose="020B0604020202020204" pitchFamily="34" charset="0"/>
+                </a:rPr>
+                <a:t>Breakable</a:t>
+              </a:r>
+              <a:r>
+                <a:rPr lang="de-AT" dirty="0">
+                  <a:latin typeface="Arial" panose="020B0604020202020204" pitchFamily="34" charset="0"/>
+                  <a:cs typeface="Arial" panose="020B0604020202020204" pitchFamily="34" charset="0"/>
+                </a:rPr>
+                <a:t>: </a:t>
+              </a:r>
+              <a:r>
+                <a:rPr lang="de-AT" dirty="0" err="1">
+                  <a:latin typeface="Arial" panose="020B0604020202020204" pitchFamily="34" charset="0"/>
+                  <a:cs typeface="Arial" panose="020B0604020202020204" pitchFamily="34" charset="0"/>
+                </a:rPr>
+                <a:t>bool</a:t>
+              </a:r>
               <a:endParaRPr lang="de-AT" dirty="0">
                 <a:latin typeface="Arial" panose="020B0604020202020204" pitchFamily="34" charset="0"/>
                 <a:cs typeface="Arial" panose="020B0604020202020204" pitchFamily="34" charset="0"/>
               </a:endParaRPr>
+            </a:p>
+            <a:p>
+              <a:r>
+                <a:rPr lang="de-AT" dirty="0">
+                  <a:latin typeface="Arial" panose="020B0604020202020204" pitchFamily="34" charset="0"/>
+                  <a:cs typeface="Arial" panose="020B0604020202020204" pitchFamily="34" charset="0"/>
+                </a:rPr>
+                <a:t>Extension: </a:t>
+              </a:r>
+              <a:r>
+                <a:rPr lang="de-AT" dirty="0" err="1">
+                  <a:latin typeface="Arial" panose="020B0604020202020204" pitchFamily="34" charset="0"/>
+                  <a:cs typeface="Arial" panose="020B0604020202020204" pitchFamily="34" charset="0"/>
+                </a:rPr>
+                <a:t>bool</a:t>
+              </a:r>
+              <a:endParaRPr lang="de-AT" dirty="0">
+                <a:latin typeface="Arial" panose="020B0604020202020204" pitchFamily="34" charset="0"/>
+                <a:cs typeface="Arial" panose="020B0604020202020204" pitchFamily="34" charset="0"/>
+              </a:endParaRPr>
+            </a:p>
+            <a:p>
+              <a:r>
+                <a:rPr lang="de-AT" dirty="0">
+                  <a:latin typeface="Arial" panose="020B0604020202020204" pitchFamily="34" charset="0"/>
+                  <a:cs typeface="Arial" panose="020B0604020202020204" pitchFamily="34" charset="0"/>
+                </a:rPr>
+                <a:t>Presence: Presence</a:t>
+              </a:r>
+            </a:p>
+            <a:p>
+              <a:r>
+                <a:rPr lang="de-AT" dirty="0">
+                  <a:latin typeface="Arial" panose="020B0604020202020204" pitchFamily="34" charset="0"/>
+                  <a:cs typeface="Arial" panose="020B0604020202020204" pitchFamily="34" charset="0"/>
+                </a:rPr>
+                <a:t>[0..1]</a:t>
+              </a:r>
+              <a:r>
+                <a:rPr lang="de-AT" dirty="0" err="1">
+                  <a:latin typeface="Arial" panose="020B0604020202020204" pitchFamily="34" charset="0"/>
+                  <a:cs typeface="Arial" panose="020B0604020202020204" pitchFamily="34" charset="0"/>
+                </a:rPr>
+                <a:t>returnType</a:t>
+              </a:r>
+              <a:r>
+                <a:rPr lang="de-AT" dirty="0">
+                  <a:latin typeface="Arial" panose="020B0604020202020204" pitchFamily="34" charset="0"/>
+                  <a:cs typeface="Arial" panose="020B0604020202020204" pitchFamily="34" charset="0"/>
+                </a:rPr>
+                <a:t>: </a:t>
+              </a:r>
+              <a:r>
+                <a:rPr lang="de-AT" dirty="0" err="1">
+                  <a:latin typeface="Arial" panose="020B0604020202020204" pitchFamily="34" charset="0"/>
+                  <a:cs typeface="Arial" panose="020B0604020202020204" pitchFamily="34" charset="0"/>
+                </a:rPr>
+                <a:t>ReturnType</a:t>
+              </a:r>
+              <a:endParaRPr lang="de-AT" dirty="0">
+                <a:latin typeface="Arial" panose="020B0604020202020204" pitchFamily="34" charset="0"/>
+                <a:cs typeface="Arial" panose="020B0604020202020204" pitchFamily="34" charset="0"/>
+              </a:endParaRPr>
+            </a:p>
+            <a:p>
+              <a:r>
+                <a:rPr lang="de-AT" dirty="0">
+                  <a:latin typeface="Arial" panose="020B0604020202020204" pitchFamily="34" charset="0"/>
+                  <a:cs typeface="Arial" panose="020B0604020202020204" pitchFamily="34" charset="0"/>
+                </a:rPr>
+                <a:t>[0..*]</a:t>
+              </a:r>
+              <a:r>
+                <a:rPr lang="de-AT" dirty="0" err="1">
+                  <a:latin typeface="Arial" panose="020B0604020202020204" pitchFamily="34" charset="0"/>
+                  <a:cs typeface="Arial" panose="020B0604020202020204" pitchFamily="34" charset="0"/>
+                </a:rPr>
+                <a:t>Params</a:t>
+              </a:r>
+              <a:r>
+                <a:rPr lang="de-AT" dirty="0">
+                  <a:latin typeface="Arial" panose="020B0604020202020204" pitchFamily="34" charset="0"/>
+                  <a:cs typeface="Arial" panose="020B0604020202020204" pitchFamily="34" charset="0"/>
+                </a:rPr>
+                <a:t>: Param</a:t>
+              </a:r>
             </a:p>
           </p:txBody>
         </p:sp>
@@ -6946,10 +7306,152 @@
             <a:bodyPr rtlCol="0" anchor="ctr"/>
             <a:lstStyle/>
             <a:p>
+              <a:r>
+                <a:rPr lang="de-AT" dirty="0" err="1">
+                  <a:latin typeface="Arial" panose="020B0604020202020204" pitchFamily="34" charset="0"/>
+                  <a:cs typeface="Arial" panose="020B0604020202020204" pitchFamily="34" charset="0"/>
+                </a:rPr>
+                <a:t>constraintRule</a:t>
+              </a:r>
+              <a:r>
+                <a:rPr lang="de-AT" dirty="0">
+                  <a:latin typeface="Arial" panose="020B0604020202020204" pitchFamily="34" charset="0"/>
+                  <a:cs typeface="Arial" panose="020B0604020202020204" pitchFamily="34" charset="0"/>
+                </a:rPr>
+                <a:t>: </a:t>
+              </a:r>
+              <a:r>
+                <a:rPr lang="de-AT" dirty="0" err="1">
+                  <a:latin typeface="Arial" panose="020B0604020202020204" pitchFamily="34" charset="0"/>
+                  <a:cs typeface="Arial" panose="020B0604020202020204" pitchFamily="34" charset="0"/>
+                </a:rPr>
+                <a:t>ConstraintRule</a:t>
+              </a:r>
               <a:endParaRPr lang="de-AT" dirty="0">
                 <a:latin typeface="Arial" panose="020B0604020202020204" pitchFamily="34" charset="0"/>
                 <a:cs typeface="Arial" panose="020B0604020202020204" pitchFamily="34" charset="0"/>
               </a:endParaRPr>
+            </a:p>
+            <a:p>
+              <a:r>
+                <a:rPr lang="de-AT" dirty="0">
+                  <a:latin typeface="Arial" panose="020B0604020202020204" pitchFamily="34" charset="0"/>
+                  <a:cs typeface="Arial" panose="020B0604020202020204" pitchFamily="34" charset="0"/>
+                </a:rPr>
+                <a:t>Type: </a:t>
+              </a:r>
+              <a:r>
+                <a:rPr lang="de-AT" dirty="0" err="1">
+                  <a:latin typeface="Arial" panose="020B0604020202020204" pitchFamily="34" charset="0"/>
+                  <a:cs typeface="Arial" panose="020B0604020202020204" pitchFamily="34" charset="0"/>
+                </a:rPr>
+                <a:t>PropertyType</a:t>
+              </a:r>
+              <a:endParaRPr lang="de-AT" dirty="0">
+                <a:latin typeface="Arial" panose="020B0604020202020204" pitchFamily="34" charset="0"/>
+                <a:cs typeface="Arial" panose="020B0604020202020204" pitchFamily="34" charset="0"/>
+              </a:endParaRPr>
+            </a:p>
+            <a:p>
+              <a:r>
+                <a:rPr lang="de-AT" dirty="0" err="1">
+                  <a:latin typeface="Arial" panose="020B0604020202020204" pitchFamily="34" charset="0"/>
+                  <a:cs typeface="Arial" panose="020B0604020202020204" pitchFamily="34" charset="0"/>
+                </a:rPr>
+                <a:t>Multiplicity</a:t>
+              </a:r>
+              <a:r>
+                <a:rPr lang="de-AT" dirty="0">
+                  <a:latin typeface="Arial" panose="020B0604020202020204" pitchFamily="34" charset="0"/>
+                  <a:cs typeface="Arial" panose="020B0604020202020204" pitchFamily="34" charset="0"/>
+                </a:rPr>
+                <a:t>: </a:t>
+              </a:r>
+              <a:r>
+                <a:rPr lang="de-AT" dirty="0" err="1">
+                  <a:latin typeface="Arial" panose="020B0604020202020204" pitchFamily="34" charset="0"/>
+                  <a:cs typeface="Arial" panose="020B0604020202020204" pitchFamily="34" charset="0"/>
+                </a:rPr>
+                <a:t>booö</a:t>
+              </a:r>
+              <a:endParaRPr lang="de-AT" dirty="0">
+                <a:latin typeface="Arial" panose="020B0604020202020204" pitchFamily="34" charset="0"/>
+                <a:cs typeface="Arial" panose="020B0604020202020204" pitchFamily="34" charset="0"/>
+              </a:endParaRPr>
+            </a:p>
+            <a:p>
+              <a:r>
+                <a:rPr lang="de-AT" dirty="0">
+                  <a:latin typeface="Arial" panose="020B0604020202020204" pitchFamily="34" charset="0"/>
+                  <a:cs typeface="Arial" panose="020B0604020202020204" pitchFamily="34" charset="0"/>
+                </a:rPr>
+                <a:t>Name: String</a:t>
+              </a:r>
+            </a:p>
+            <a:p>
+              <a:r>
+                <a:rPr lang="de-AT" dirty="0">
+                  <a:latin typeface="Arial" panose="020B0604020202020204" pitchFamily="34" charset="0"/>
+                  <a:cs typeface="Arial" panose="020B0604020202020204" pitchFamily="34" charset="0"/>
+                </a:rPr>
+                <a:t>Extension: </a:t>
+              </a:r>
+              <a:r>
+                <a:rPr lang="de-AT" dirty="0" err="1">
+                  <a:latin typeface="Arial" panose="020B0604020202020204" pitchFamily="34" charset="0"/>
+                  <a:cs typeface="Arial" panose="020B0604020202020204" pitchFamily="34" charset="0"/>
+                </a:rPr>
+                <a:t>bool</a:t>
+              </a:r>
+              <a:endParaRPr lang="de-AT" dirty="0">
+                <a:latin typeface="Arial" panose="020B0604020202020204" pitchFamily="34" charset="0"/>
+                <a:cs typeface="Arial" panose="020B0604020202020204" pitchFamily="34" charset="0"/>
+              </a:endParaRPr>
+            </a:p>
+            <a:p>
+              <a:r>
+                <a:rPr lang="de-AT" dirty="0">
+                  <a:latin typeface="Arial" panose="020B0604020202020204" pitchFamily="34" charset="0"/>
+                  <a:cs typeface="Arial" panose="020B0604020202020204" pitchFamily="34" charset="0"/>
+                </a:rPr>
+                <a:t>Description: String</a:t>
+              </a:r>
+            </a:p>
+            <a:p>
+              <a:r>
+                <a:rPr lang="de-AT" dirty="0" err="1">
+                  <a:latin typeface="Arial" panose="020B0604020202020204" pitchFamily="34" charset="0"/>
+                  <a:cs typeface="Arial" panose="020B0604020202020204" pitchFamily="34" charset="0"/>
+                </a:rPr>
+                <a:t>propertyAttributes</a:t>
+              </a:r>
+              <a:r>
+                <a:rPr lang="de-AT" dirty="0">
+                  <a:latin typeface="Arial" panose="020B0604020202020204" pitchFamily="34" charset="0"/>
+                  <a:cs typeface="Arial" panose="020B0604020202020204" pitchFamily="34" charset="0"/>
+                </a:rPr>
+                <a:t>: </a:t>
+              </a:r>
+              <a:r>
+                <a:rPr lang="de-AT" dirty="0" err="1">
+                  <a:latin typeface="Arial" panose="020B0604020202020204" pitchFamily="34" charset="0"/>
+                  <a:cs typeface="Arial" panose="020B0604020202020204" pitchFamily="34" charset="0"/>
+                </a:rPr>
+                <a:t>PropertyAttribute</a:t>
+              </a:r>
+              <a:endParaRPr lang="de-AT" dirty="0">
+                <a:latin typeface="Arial" panose="020B0604020202020204" pitchFamily="34" charset="0"/>
+                <a:cs typeface="Arial" panose="020B0604020202020204" pitchFamily="34" charset="0"/>
+              </a:endParaRPr>
+            </a:p>
+            <a:p>
+              <a:r>
+                <a:rPr lang="de-AT" dirty="0">
+                  <a:latin typeface="Arial" panose="020B0604020202020204" pitchFamily="34" charset="0"/>
+                  <a:cs typeface="Arial" panose="020B0604020202020204" pitchFamily="34" charset="0"/>
+                </a:rPr>
+                <a:t>Presence: Presence</a:t>
+              </a:r>
             </a:p>
           </p:txBody>
         </p:sp>
@@ -7322,7 +7824,3574 @@
         </p:nvSpPr>
         <p:spPr>
           <a:xfrm>
-            <a:off x="7210059" y="3497268"/>
+            <a:off x="7210059" y="3536812"/>
+            <a:ext cx="743024" cy="369332"/>
+          </a:xfrm>
+          <a:prstGeom prst="rect">
+            <a:avLst/>
+          </a:prstGeom>
+          <a:noFill/>
+        </p:spPr>
+        <p:txBody>
+          <a:bodyPr wrap="none" rtlCol="0">
+            <a:spAutoFit/>
+          </a:bodyPr>
+          <a:lstStyle/>
+          <a:p>
+            <a:r>
+              <a:rPr lang="de-AT" dirty="0" err="1"/>
+              <a:t>status</a:t>
+            </a:r>
+            <a:endParaRPr lang="de-AT" dirty="0"/>
+          </a:p>
+        </p:txBody>
+      </p:sp>
+      <p:sp>
+        <p:nvSpPr>
+          <p:cNvPr id="41" name="Textfeld 40">
+            <a:extLst>
+              <a:ext uri="{FF2B5EF4-FFF2-40B4-BE49-F238E27FC236}">
+                <a16:creationId xmlns:a16="http://schemas.microsoft.com/office/drawing/2014/main" id="{99C8C03B-F853-43D7-A220-57BEA78A73F8}"/>
+              </a:ext>
+            </a:extLst>
+          </p:cNvPr>
+          <p:cNvSpPr txBox="1"/>
+          <p:nvPr/>
+        </p:nvSpPr>
+        <p:spPr>
+          <a:xfrm>
+            <a:off x="7210059" y="3894479"/>
+            <a:ext cx="612988" cy="369332"/>
+          </a:xfrm>
+          <a:prstGeom prst="rect">
+            <a:avLst/>
+          </a:prstGeom>
+          <a:noFill/>
+        </p:spPr>
+        <p:txBody>
+          <a:bodyPr wrap="none" rtlCol="0">
+            <a:spAutoFit/>
+          </a:bodyPr>
+          <a:lstStyle/>
+          <a:p>
+            <a:r>
+              <a:rPr lang="de-AT" dirty="0"/>
+              <a:t>fault</a:t>
+            </a:r>
+          </a:p>
+        </p:txBody>
+      </p:sp>
+      <p:sp>
+        <p:nvSpPr>
+          <p:cNvPr id="42" name="Textfeld 41">
+            <a:extLst>
+              <a:ext uri="{FF2B5EF4-FFF2-40B4-BE49-F238E27FC236}">
+                <a16:creationId xmlns:a16="http://schemas.microsoft.com/office/drawing/2014/main" id="{C6E89A95-E080-414A-B110-6FD7941BC6CB}"/>
+              </a:ext>
+            </a:extLst>
+          </p:cNvPr>
+          <p:cNvSpPr txBox="1"/>
+          <p:nvPr/>
+        </p:nvSpPr>
+        <p:spPr>
+          <a:xfrm>
+            <a:off x="7134767" y="4195350"/>
+            <a:ext cx="1434495" cy="369332"/>
+          </a:xfrm>
+          <a:prstGeom prst="rect">
+            <a:avLst/>
+          </a:prstGeom>
+          <a:noFill/>
+        </p:spPr>
+        <p:txBody>
+          <a:bodyPr wrap="none" rtlCol="0">
+            <a:spAutoFit/>
+          </a:bodyPr>
+          <a:lstStyle/>
+          <a:p>
+            <a:r>
+              <a:rPr lang="de-AT" dirty="0" err="1"/>
+              <a:t>configuration</a:t>
+            </a:r>
+            <a:endParaRPr lang="de-AT" dirty="0"/>
+          </a:p>
+        </p:txBody>
+      </p:sp>
+      <p:grpSp>
+        <p:nvGrpSpPr>
+          <p:cNvPr id="43" name="Gruppieren 42">
+            <a:extLst>
+              <a:ext uri="{FF2B5EF4-FFF2-40B4-BE49-F238E27FC236}">
+                <a16:creationId xmlns:a16="http://schemas.microsoft.com/office/drawing/2014/main" id="{CA225BEC-753E-47B2-AE99-BB30A329B8C8}"/>
+              </a:ext>
+            </a:extLst>
+          </p:cNvPr>
+          <p:cNvGrpSpPr/>
+          <p:nvPr/>
+        </p:nvGrpSpPr>
+        <p:grpSpPr>
+          <a:xfrm rot="5400000">
+            <a:off x="3014736" y="3707363"/>
+            <a:ext cx="1164072" cy="2001621"/>
+            <a:chOff x="5460060" y="1377472"/>
+            <a:chExt cx="1017678" cy="3162051"/>
+          </a:xfrm>
+        </p:grpSpPr>
+        <p:sp>
+          <p:nvSpPr>
+            <p:cNvPr id="44" name="Raute 43">
+              <a:extLst>
+                <a:ext uri="{FF2B5EF4-FFF2-40B4-BE49-F238E27FC236}">
+                  <a16:creationId xmlns:a16="http://schemas.microsoft.com/office/drawing/2014/main" id="{44570DBF-03E1-4DFD-8952-C0BA989E7C9D}"/>
+                </a:ext>
+              </a:extLst>
+            </p:cNvPr>
+            <p:cNvSpPr/>
+            <p:nvPr/>
+          </p:nvSpPr>
+          <p:spPr>
+            <a:xfrm flipH="1">
+              <a:off x="5460060" y="1377472"/>
+              <a:ext cx="170621" cy="277558"/>
+            </a:xfrm>
+            <a:prstGeom prst="diamond">
+              <a:avLst/>
+            </a:prstGeom>
+            <a:ln>
+              <a:headEnd type="none" w="med" len="med"/>
+              <a:tailEnd type="arrow" w="med" len="med"/>
+            </a:ln>
+          </p:spPr>
+          <p:style>
+            <a:lnRef idx="2">
+              <a:schemeClr val="dk1">
+                <a:shade val="50000"/>
+              </a:schemeClr>
+            </a:lnRef>
+            <a:fillRef idx="1">
+              <a:schemeClr val="dk1"/>
+            </a:fillRef>
+            <a:effectRef idx="0">
+              <a:schemeClr val="dk1"/>
+            </a:effectRef>
+            <a:fontRef idx="minor">
+              <a:schemeClr val="lt1"/>
+            </a:fontRef>
+          </p:style>
+          <p:txBody>
+            <a:bodyPr rtlCol="0" anchor="ctr"/>
+            <a:lstStyle/>
+            <a:p>
+              <a:pPr algn="ctr"/>
+              <a:endParaRPr lang="de-AT" dirty="0">
+                <a:latin typeface="Arial" panose="020B0604020202020204" pitchFamily="34" charset="0"/>
+                <a:cs typeface="Arial" panose="020B0604020202020204" pitchFamily="34" charset="0"/>
+              </a:endParaRPr>
+            </a:p>
+          </p:txBody>
+        </p:sp>
+        <p:cxnSp>
+          <p:nvCxnSpPr>
+            <p:cNvPr id="45" name="Verbinder: gewinkelt 98">
+              <a:extLst>
+                <a:ext uri="{FF2B5EF4-FFF2-40B4-BE49-F238E27FC236}">
+                  <a16:creationId xmlns:a16="http://schemas.microsoft.com/office/drawing/2014/main" id="{22E5392E-2FB4-4B46-9E2F-A48D288237E4}"/>
+                </a:ext>
+              </a:extLst>
+            </p:cNvPr>
+            <p:cNvCxnSpPr>
+              <a:cxnSpLocks/>
+              <a:stCxn id="44" idx="2"/>
+              <a:endCxn id="18" idx="0"/>
+            </p:cNvCxnSpPr>
+            <p:nvPr/>
+          </p:nvCxnSpPr>
+          <p:spPr>
+            <a:xfrm rot="5400000" flipV="1">
+              <a:off x="4569308" y="2631090"/>
+              <a:ext cx="2884496" cy="932372"/>
+            </a:xfrm>
+            <a:prstGeom prst="bentConnector2">
+              <a:avLst/>
+            </a:prstGeom>
+            <a:ln>
+              <a:headEnd type="none" w="med" len="med"/>
+              <a:tailEnd type="arrow" w="med" len="med"/>
+            </a:ln>
+          </p:spPr>
+          <p:style>
+            <a:lnRef idx="1">
+              <a:schemeClr val="dk1"/>
+            </a:lnRef>
+            <a:fillRef idx="0">
+              <a:schemeClr val="dk1"/>
+            </a:fillRef>
+            <a:effectRef idx="0">
+              <a:schemeClr val="dk1"/>
+            </a:effectRef>
+            <a:fontRef idx="minor">
+              <a:schemeClr val="tx1"/>
+            </a:fontRef>
+          </p:style>
+        </p:cxnSp>
+      </p:grpSp>
+      <p:grpSp>
+        <p:nvGrpSpPr>
+          <p:cNvPr id="46" name="Gruppieren 45">
+            <a:extLst>
+              <a:ext uri="{FF2B5EF4-FFF2-40B4-BE49-F238E27FC236}">
+                <a16:creationId xmlns:a16="http://schemas.microsoft.com/office/drawing/2014/main" id="{ACAD439B-EC75-4B5F-B46B-67DA8E57E20B}"/>
+              </a:ext>
+            </a:extLst>
+          </p:cNvPr>
+          <p:cNvGrpSpPr/>
+          <p:nvPr/>
+        </p:nvGrpSpPr>
+        <p:grpSpPr>
+          <a:xfrm>
+            <a:off x="5628938" y="4871507"/>
+            <a:ext cx="195165" cy="609710"/>
+            <a:chOff x="5460060" y="1377472"/>
+            <a:chExt cx="170621" cy="939556"/>
+          </a:xfrm>
+        </p:grpSpPr>
+        <p:sp>
+          <p:nvSpPr>
+            <p:cNvPr id="47" name="Raute 46">
+              <a:extLst>
+                <a:ext uri="{FF2B5EF4-FFF2-40B4-BE49-F238E27FC236}">
+                  <a16:creationId xmlns:a16="http://schemas.microsoft.com/office/drawing/2014/main" id="{8804A263-7B91-4EA2-826A-D3C2E0595C64}"/>
+                </a:ext>
+              </a:extLst>
+            </p:cNvPr>
+            <p:cNvSpPr/>
+            <p:nvPr/>
+          </p:nvSpPr>
+          <p:spPr>
+            <a:xfrm flipH="1">
+              <a:off x="5460060" y="1377472"/>
+              <a:ext cx="170621" cy="277558"/>
+            </a:xfrm>
+            <a:prstGeom prst="diamond">
+              <a:avLst/>
+            </a:prstGeom>
+            <a:ln>
+              <a:headEnd type="none" w="med" len="med"/>
+              <a:tailEnd type="arrow" w="med" len="med"/>
+            </a:ln>
+          </p:spPr>
+          <p:style>
+            <a:lnRef idx="2">
+              <a:schemeClr val="dk1">
+                <a:shade val="50000"/>
+              </a:schemeClr>
+            </a:lnRef>
+            <a:fillRef idx="1">
+              <a:schemeClr val="dk1"/>
+            </a:fillRef>
+            <a:effectRef idx="0">
+              <a:schemeClr val="dk1"/>
+            </a:effectRef>
+            <a:fontRef idx="minor">
+              <a:schemeClr val="lt1"/>
+            </a:fontRef>
+          </p:style>
+          <p:txBody>
+            <a:bodyPr rtlCol="0" anchor="ctr"/>
+            <a:lstStyle/>
+            <a:p>
+              <a:pPr algn="ctr"/>
+              <a:endParaRPr lang="de-AT" dirty="0">
+                <a:latin typeface="Arial" panose="020B0604020202020204" pitchFamily="34" charset="0"/>
+                <a:cs typeface="Arial" panose="020B0604020202020204" pitchFamily="34" charset="0"/>
+              </a:endParaRPr>
+            </a:p>
+          </p:txBody>
+        </p:sp>
+        <p:cxnSp>
+          <p:nvCxnSpPr>
+            <p:cNvPr id="48" name="Verbinder: gewinkelt 98">
+              <a:extLst>
+                <a:ext uri="{FF2B5EF4-FFF2-40B4-BE49-F238E27FC236}">
+                  <a16:creationId xmlns:a16="http://schemas.microsoft.com/office/drawing/2014/main" id="{E9E2D439-2491-410F-B4A3-DF8CE6ACEB59}"/>
+                </a:ext>
+              </a:extLst>
+            </p:cNvPr>
+            <p:cNvCxnSpPr>
+              <a:cxnSpLocks/>
+              <a:stCxn id="47" idx="2"/>
+              <a:endCxn id="24" idx="0"/>
+            </p:cNvCxnSpPr>
+            <p:nvPr/>
+          </p:nvCxnSpPr>
+          <p:spPr>
+            <a:xfrm rot="16200000" flipH="1">
+              <a:off x="5217147" y="1983253"/>
+              <a:ext cx="661998" cy="5551"/>
+            </a:xfrm>
+            <a:prstGeom prst="bentConnector3">
+              <a:avLst>
+                <a:gd name="adj1" fmla="val 50000"/>
+              </a:avLst>
+            </a:prstGeom>
+            <a:ln>
+              <a:headEnd type="none" w="med" len="med"/>
+              <a:tailEnd type="arrow" w="med" len="med"/>
+            </a:ln>
+          </p:spPr>
+          <p:style>
+            <a:lnRef idx="1">
+              <a:schemeClr val="dk1"/>
+            </a:lnRef>
+            <a:fillRef idx="0">
+              <a:schemeClr val="dk1"/>
+            </a:fillRef>
+            <a:effectRef idx="0">
+              <a:schemeClr val="dk1"/>
+            </a:effectRef>
+            <a:fontRef idx="minor">
+              <a:schemeClr val="tx1"/>
+            </a:fontRef>
+          </p:style>
+        </p:cxnSp>
+      </p:grpSp>
+      <p:grpSp>
+        <p:nvGrpSpPr>
+          <p:cNvPr id="49" name="Gruppieren 48">
+            <a:extLst>
+              <a:ext uri="{FF2B5EF4-FFF2-40B4-BE49-F238E27FC236}">
+                <a16:creationId xmlns:a16="http://schemas.microsoft.com/office/drawing/2014/main" id="{CE24E1DA-CA05-4A16-805D-B4B7B0D4E5BA}"/>
+              </a:ext>
+            </a:extLst>
+          </p:cNvPr>
+          <p:cNvGrpSpPr/>
+          <p:nvPr/>
+        </p:nvGrpSpPr>
+        <p:grpSpPr>
+          <a:xfrm>
+            <a:off x="5632111" y="2623733"/>
+            <a:ext cx="188815" cy="852812"/>
+            <a:chOff x="5454320" y="1410149"/>
+            <a:chExt cx="170621" cy="910008"/>
+          </a:xfrm>
+        </p:grpSpPr>
+        <p:sp>
+          <p:nvSpPr>
+            <p:cNvPr id="50" name="Raute 49">
+              <a:extLst>
+                <a:ext uri="{FF2B5EF4-FFF2-40B4-BE49-F238E27FC236}">
+                  <a16:creationId xmlns:a16="http://schemas.microsoft.com/office/drawing/2014/main" id="{A7816081-7222-4B0D-B435-84704B4A9D7D}"/>
+                </a:ext>
+              </a:extLst>
+            </p:cNvPr>
+            <p:cNvSpPr/>
+            <p:nvPr/>
+          </p:nvSpPr>
+          <p:spPr>
+            <a:xfrm flipH="1">
+              <a:off x="5454320" y="1410149"/>
+              <a:ext cx="170621" cy="277558"/>
+            </a:xfrm>
+            <a:prstGeom prst="diamond">
+              <a:avLst/>
+            </a:prstGeom>
+            <a:ln>
+              <a:headEnd type="none" w="med" len="med"/>
+              <a:tailEnd type="arrow" w="med" len="med"/>
+            </a:ln>
+          </p:spPr>
+          <p:style>
+            <a:lnRef idx="2">
+              <a:schemeClr val="dk1">
+                <a:shade val="50000"/>
+              </a:schemeClr>
+            </a:lnRef>
+            <a:fillRef idx="1">
+              <a:schemeClr val="dk1"/>
+            </a:fillRef>
+            <a:effectRef idx="0">
+              <a:schemeClr val="dk1"/>
+            </a:effectRef>
+            <a:fontRef idx="minor">
+              <a:schemeClr val="lt1"/>
+            </a:fontRef>
+          </p:style>
+          <p:txBody>
+            <a:bodyPr rtlCol="0" anchor="ctr"/>
+            <a:lstStyle/>
+            <a:p>
+              <a:pPr algn="ctr"/>
+              <a:endParaRPr lang="de-AT" dirty="0">
+                <a:latin typeface="Arial" panose="020B0604020202020204" pitchFamily="34" charset="0"/>
+                <a:cs typeface="Arial" panose="020B0604020202020204" pitchFamily="34" charset="0"/>
+              </a:endParaRPr>
+            </a:p>
+          </p:txBody>
+        </p:sp>
+        <p:cxnSp>
+          <p:nvCxnSpPr>
+            <p:cNvPr id="51" name="Verbinder: gewinkelt 98">
+              <a:extLst>
+                <a:ext uri="{FF2B5EF4-FFF2-40B4-BE49-F238E27FC236}">
+                  <a16:creationId xmlns:a16="http://schemas.microsoft.com/office/drawing/2014/main" id="{F8794F20-41DD-43B7-ABB9-10BBBE6B6CE3}"/>
+                </a:ext>
+              </a:extLst>
+            </p:cNvPr>
+            <p:cNvCxnSpPr>
+              <a:cxnSpLocks/>
+              <a:stCxn id="50" idx="2"/>
+            </p:cNvCxnSpPr>
+            <p:nvPr/>
+          </p:nvCxnSpPr>
+          <p:spPr>
+            <a:xfrm rot="16200000" flipH="1">
+              <a:off x="5226275" y="2001062"/>
+              <a:ext cx="632450" cy="5740"/>
+            </a:xfrm>
+            <a:prstGeom prst="bentConnector3">
+              <a:avLst>
+                <a:gd name="adj1" fmla="val 50000"/>
+              </a:avLst>
+            </a:prstGeom>
+            <a:ln>
+              <a:headEnd type="none" w="med" len="med"/>
+              <a:tailEnd type="arrow" w="med" len="med"/>
+            </a:ln>
+          </p:spPr>
+          <p:style>
+            <a:lnRef idx="1">
+              <a:schemeClr val="dk1"/>
+            </a:lnRef>
+            <a:fillRef idx="0">
+              <a:schemeClr val="dk1"/>
+            </a:fillRef>
+            <a:effectRef idx="0">
+              <a:schemeClr val="dk1"/>
+            </a:effectRef>
+            <a:fontRef idx="minor">
+              <a:schemeClr val="tx1"/>
+            </a:fontRef>
+          </p:style>
+        </p:cxnSp>
+      </p:grpSp>
+      <p:grpSp>
+        <p:nvGrpSpPr>
+          <p:cNvPr id="53" name="Gruppieren 52">
+            <a:extLst>
+              <a:ext uri="{FF2B5EF4-FFF2-40B4-BE49-F238E27FC236}">
+                <a16:creationId xmlns:a16="http://schemas.microsoft.com/office/drawing/2014/main" id="{9431872D-DA00-4CC4-8AE1-ABBAF7631436}"/>
+              </a:ext>
+            </a:extLst>
+          </p:cNvPr>
+          <p:cNvGrpSpPr/>
+          <p:nvPr/>
+        </p:nvGrpSpPr>
+        <p:grpSpPr>
+          <a:xfrm>
+            <a:off x="712380" y="1748123"/>
+            <a:ext cx="2796542" cy="820424"/>
+            <a:chOff x="3484880" y="609600"/>
+            <a:chExt cx="2529840" cy="857572"/>
+          </a:xfrm>
+        </p:grpSpPr>
+        <p:sp>
+          <p:nvSpPr>
+            <p:cNvPr id="54" name="Rechteck 53">
+              <a:extLst>
+                <a:ext uri="{FF2B5EF4-FFF2-40B4-BE49-F238E27FC236}">
+                  <a16:creationId xmlns:a16="http://schemas.microsoft.com/office/drawing/2014/main" id="{E4559282-2328-4915-834D-BDDD9006351F}"/>
+                </a:ext>
+              </a:extLst>
+            </p:cNvPr>
+            <p:cNvSpPr/>
+            <p:nvPr/>
+          </p:nvSpPr>
+          <p:spPr>
+            <a:xfrm>
+              <a:off x="3484880" y="609600"/>
+              <a:ext cx="2529840" cy="428786"/>
+            </a:xfrm>
+            <a:prstGeom prst="rect">
+              <a:avLst/>
+            </a:prstGeom>
+            <a:noFill/>
+            <a:ln w="9525" cap="flat" cmpd="sng" algn="ctr">
+              <a:solidFill>
+                <a:schemeClr val="dk1"/>
+              </a:solidFill>
+              <a:prstDash val="solid"/>
+              <a:round/>
+              <a:headEnd type="none" w="med" len="med"/>
+              <a:tailEnd type="arrow" w="med" len="med"/>
+            </a:ln>
+          </p:spPr>
+          <p:style>
+            <a:lnRef idx="0">
+              <a:scrgbClr r="0" g="0" b="0"/>
+            </a:lnRef>
+            <a:fillRef idx="0">
+              <a:scrgbClr r="0" g="0" b="0"/>
+            </a:fillRef>
+            <a:effectRef idx="0">
+              <a:scrgbClr r="0" g="0" b="0"/>
+            </a:effectRef>
+            <a:fontRef idx="minor">
+              <a:schemeClr val="dk1"/>
+            </a:fontRef>
+          </p:style>
+          <p:txBody>
+            <a:bodyPr rtlCol="0" anchor="ctr"/>
+            <a:lstStyle/>
+            <a:p>
+              <a:pPr algn="ctr"/>
+              <a:r>
+                <a:rPr lang="de-AT" b="1" dirty="0" err="1">
+                  <a:latin typeface="Arial" panose="020B0604020202020204" pitchFamily="34" charset="0"/>
+                  <a:cs typeface="Arial" panose="020B0604020202020204" pitchFamily="34" charset="0"/>
+                </a:rPr>
+                <a:t>FunctionBlockProperty</a:t>
+              </a:r>
+              <a:endParaRPr lang="de-AT" b="1" dirty="0">
+                <a:latin typeface="Arial" panose="020B0604020202020204" pitchFamily="34" charset="0"/>
+                <a:cs typeface="Arial" panose="020B0604020202020204" pitchFamily="34" charset="0"/>
+              </a:endParaRPr>
+            </a:p>
+          </p:txBody>
+        </p:sp>
+        <p:sp>
+          <p:nvSpPr>
+            <p:cNvPr id="55" name="Rechteck 54">
+              <a:extLst>
+                <a:ext uri="{FF2B5EF4-FFF2-40B4-BE49-F238E27FC236}">
+                  <a16:creationId xmlns:a16="http://schemas.microsoft.com/office/drawing/2014/main" id="{C641019F-045F-4191-B715-499484294F87}"/>
+                </a:ext>
+              </a:extLst>
+            </p:cNvPr>
+            <p:cNvSpPr/>
+            <p:nvPr/>
+          </p:nvSpPr>
+          <p:spPr>
+            <a:xfrm>
+              <a:off x="3484880" y="1038386"/>
+              <a:ext cx="2529840" cy="428786"/>
+            </a:xfrm>
+            <a:prstGeom prst="rect">
+              <a:avLst/>
+            </a:prstGeom>
+            <a:noFill/>
+            <a:ln w="9525" cap="flat" cmpd="sng" algn="ctr">
+              <a:solidFill>
+                <a:schemeClr val="dk1"/>
+              </a:solidFill>
+              <a:prstDash val="solid"/>
+              <a:round/>
+              <a:headEnd type="none" w="med" len="med"/>
+              <a:tailEnd type="arrow" w="med" len="med"/>
+            </a:ln>
+          </p:spPr>
+          <p:style>
+            <a:lnRef idx="0">
+              <a:scrgbClr r="0" g="0" b="0"/>
+            </a:lnRef>
+            <a:fillRef idx="0">
+              <a:scrgbClr r="0" g="0" b="0"/>
+            </a:fillRef>
+            <a:effectRef idx="0">
+              <a:scrgbClr r="0" g="0" b="0"/>
+            </a:effectRef>
+            <a:fontRef idx="minor">
+              <a:schemeClr val="dk1"/>
+            </a:fontRef>
+          </p:style>
+          <p:txBody>
+            <a:bodyPr rtlCol="0" anchor="ctr"/>
+            <a:lstStyle/>
+            <a:p>
+              <a:pPr algn="ctr"/>
+              <a:r>
+                <a:rPr lang="de-AT" dirty="0">
+                  <a:latin typeface="Arial" panose="020B0604020202020204" pitchFamily="34" charset="0"/>
+                  <a:cs typeface="Arial" panose="020B0604020202020204" pitchFamily="34" charset="0"/>
+                </a:rPr>
+                <a:t>Name: String</a:t>
+              </a:r>
+            </a:p>
+            <a:p>
+              <a:pPr algn="ctr"/>
+              <a:r>
+                <a:rPr lang="de-AT" dirty="0">
+                  <a:latin typeface="Arial" panose="020B0604020202020204" pitchFamily="34" charset="0"/>
+                  <a:cs typeface="Arial" panose="020B0604020202020204" pitchFamily="34" charset="0"/>
+                </a:rPr>
+                <a:t>Description: String</a:t>
+              </a:r>
+            </a:p>
+            <a:p>
+              <a:pPr algn="ctr"/>
+              <a:r>
+                <a:rPr lang="de-AT" dirty="0" err="1">
+                  <a:latin typeface="Arial" panose="020B0604020202020204" pitchFamily="34" charset="0"/>
+                  <a:cs typeface="Arial" panose="020B0604020202020204" pitchFamily="34" charset="0"/>
+                </a:rPr>
+                <a:t>Multiplicity</a:t>
+              </a:r>
+              <a:r>
+                <a:rPr lang="de-AT" dirty="0">
+                  <a:latin typeface="Arial" panose="020B0604020202020204" pitchFamily="34" charset="0"/>
+                  <a:cs typeface="Arial" panose="020B0604020202020204" pitchFamily="34" charset="0"/>
+                </a:rPr>
+                <a:t>: </a:t>
+              </a:r>
+              <a:r>
+                <a:rPr lang="de-AT" dirty="0" err="1">
+                  <a:latin typeface="Arial" panose="020B0604020202020204" pitchFamily="34" charset="0"/>
+                  <a:cs typeface="Arial" panose="020B0604020202020204" pitchFamily="34" charset="0"/>
+                </a:rPr>
+                <a:t>bool</a:t>
+              </a:r>
+              <a:endParaRPr lang="de-AT" dirty="0">
+                <a:latin typeface="Arial" panose="020B0604020202020204" pitchFamily="34" charset="0"/>
+                <a:cs typeface="Arial" panose="020B0604020202020204" pitchFamily="34" charset="0"/>
+              </a:endParaRPr>
+            </a:p>
+            <a:p>
+              <a:pPr algn="ctr"/>
+              <a:r>
+                <a:rPr lang="de-AT" dirty="0">
+                  <a:latin typeface="Arial" panose="020B0604020202020204" pitchFamily="34" charset="0"/>
+                  <a:cs typeface="Arial" panose="020B0604020202020204" pitchFamily="34" charset="0"/>
+                </a:rPr>
+                <a:t>Presence</a:t>
+              </a:r>
+              <a:r>
+                <a:rPr lang="de-AT">
+                  <a:latin typeface="Arial" panose="020B0604020202020204" pitchFamily="34" charset="0"/>
+                  <a:cs typeface="Arial" panose="020B0604020202020204" pitchFamily="34" charset="0"/>
+                </a:rPr>
+                <a:t>: Presence</a:t>
+              </a:r>
+              <a:endParaRPr lang="de-AT" dirty="0">
+                <a:latin typeface="Arial" panose="020B0604020202020204" pitchFamily="34" charset="0"/>
+                <a:cs typeface="Arial" panose="020B0604020202020204" pitchFamily="34" charset="0"/>
+              </a:endParaRPr>
+            </a:p>
+          </p:txBody>
+        </p:sp>
+      </p:grpSp>
+      <p:cxnSp>
+        <p:nvCxnSpPr>
+          <p:cNvPr id="56" name="Verbinder: gewinkelt 98">
+            <a:extLst>
+              <a:ext uri="{FF2B5EF4-FFF2-40B4-BE49-F238E27FC236}">
+                <a16:creationId xmlns:a16="http://schemas.microsoft.com/office/drawing/2014/main" id="{E28ABB33-13A3-4192-9F2A-F4FED86E0917}"/>
+              </a:ext>
+            </a:extLst>
+          </p:cNvPr>
+          <p:cNvCxnSpPr>
+            <a:cxnSpLocks/>
+            <a:stCxn id="55" idx="3"/>
+            <a:endCxn id="10" idx="1"/>
+          </p:cNvCxnSpPr>
+          <p:nvPr/>
+        </p:nvCxnSpPr>
+        <p:spPr>
+          <a:xfrm>
+            <a:off x="3508922" y="2363441"/>
+            <a:ext cx="785978" cy="14708"/>
+          </a:xfrm>
+          <a:prstGeom prst="bentConnector3">
+            <a:avLst>
+              <a:gd name="adj1" fmla="val 50000"/>
+            </a:avLst>
+          </a:prstGeom>
+          <a:ln>
+            <a:headEnd type="none" w="med" len="med"/>
+            <a:tailEnd type="arrow" w="med" len="med"/>
+          </a:ln>
+        </p:spPr>
+        <p:style>
+          <a:lnRef idx="1">
+            <a:schemeClr val="dk1"/>
+          </a:lnRef>
+          <a:fillRef idx="0">
+            <a:schemeClr val="dk1"/>
+          </a:fillRef>
+          <a:effectRef idx="0">
+            <a:schemeClr val="dk1"/>
+          </a:effectRef>
+          <a:fontRef idx="minor">
+            <a:schemeClr val="tx1"/>
+          </a:fontRef>
+        </p:style>
+      </p:cxnSp>
+      <p:grpSp>
+        <p:nvGrpSpPr>
+          <p:cNvPr id="57" name="Gruppieren 56">
+            <a:extLst>
+              <a:ext uri="{FF2B5EF4-FFF2-40B4-BE49-F238E27FC236}">
+                <a16:creationId xmlns:a16="http://schemas.microsoft.com/office/drawing/2014/main" id="{499BF11F-0432-44B2-BC62-66BAF8815E51}"/>
+              </a:ext>
+            </a:extLst>
+          </p:cNvPr>
+          <p:cNvGrpSpPr/>
+          <p:nvPr/>
+        </p:nvGrpSpPr>
+        <p:grpSpPr>
+          <a:xfrm>
+            <a:off x="2110654" y="1030655"/>
+            <a:ext cx="3771333" cy="717467"/>
+            <a:chOff x="2134471" y="-452394"/>
+            <a:chExt cx="3407931" cy="765586"/>
+          </a:xfrm>
+        </p:grpSpPr>
+        <p:sp>
+          <p:nvSpPr>
+            <p:cNvPr id="58" name="Raute 57">
+              <a:extLst>
+                <a:ext uri="{FF2B5EF4-FFF2-40B4-BE49-F238E27FC236}">
+                  <a16:creationId xmlns:a16="http://schemas.microsoft.com/office/drawing/2014/main" id="{E682BA5C-38AB-49A8-BDC4-95CB8697E812}"/>
+                </a:ext>
+              </a:extLst>
+            </p:cNvPr>
+            <p:cNvSpPr/>
+            <p:nvPr/>
+          </p:nvSpPr>
+          <p:spPr>
+            <a:xfrm flipH="1">
+              <a:off x="5371781" y="-452394"/>
+              <a:ext cx="170621" cy="277558"/>
+            </a:xfrm>
+            <a:prstGeom prst="diamond">
+              <a:avLst/>
+            </a:prstGeom>
+            <a:ln>
+              <a:headEnd type="none" w="med" len="med"/>
+              <a:tailEnd type="arrow" w="med" len="med"/>
+            </a:ln>
+          </p:spPr>
+          <p:style>
+            <a:lnRef idx="2">
+              <a:schemeClr val="dk1">
+                <a:shade val="50000"/>
+              </a:schemeClr>
+            </a:lnRef>
+            <a:fillRef idx="1">
+              <a:schemeClr val="dk1"/>
+            </a:fillRef>
+            <a:effectRef idx="0">
+              <a:schemeClr val="dk1"/>
+            </a:effectRef>
+            <a:fontRef idx="minor">
+              <a:schemeClr val="lt1"/>
+            </a:fontRef>
+          </p:style>
+          <p:txBody>
+            <a:bodyPr rtlCol="0" anchor="ctr"/>
+            <a:lstStyle/>
+            <a:p>
+              <a:pPr algn="ctr"/>
+              <a:endParaRPr lang="de-AT" dirty="0">
+                <a:latin typeface="Arial" panose="020B0604020202020204" pitchFamily="34" charset="0"/>
+                <a:cs typeface="Arial" panose="020B0604020202020204" pitchFamily="34" charset="0"/>
+              </a:endParaRPr>
+            </a:p>
+          </p:txBody>
+        </p:sp>
+        <p:cxnSp>
+          <p:nvCxnSpPr>
+            <p:cNvPr id="59" name="Verbinder: gewinkelt 98">
+              <a:extLst>
+                <a:ext uri="{FF2B5EF4-FFF2-40B4-BE49-F238E27FC236}">
+                  <a16:creationId xmlns:a16="http://schemas.microsoft.com/office/drawing/2014/main" id="{04F14C3C-DA97-4FF0-838D-3FC740D336C2}"/>
+                </a:ext>
+              </a:extLst>
+            </p:cNvPr>
+            <p:cNvCxnSpPr>
+              <a:cxnSpLocks/>
+              <a:stCxn id="58" idx="2"/>
+              <a:endCxn id="54" idx="0"/>
+            </p:cNvCxnSpPr>
+            <p:nvPr/>
+          </p:nvCxnSpPr>
+          <p:spPr>
+            <a:xfrm rot="5400000">
+              <a:off x="3551767" y="-1592133"/>
+              <a:ext cx="488029" cy="3322622"/>
+            </a:xfrm>
+            <a:prstGeom prst="bentConnector3">
+              <a:avLst>
+                <a:gd name="adj1" fmla="val 50000"/>
+              </a:avLst>
+            </a:prstGeom>
+            <a:ln>
+              <a:headEnd type="none" w="med" len="med"/>
+              <a:tailEnd type="arrow" w="med" len="med"/>
+            </a:ln>
+          </p:spPr>
+          <p:style>
+            <a:lnRef idx="1">
+              <a:schemeClr val="dk1"/>
+            </a:lnRef>
+            <a:fillRef idx="0">
+              <a:schemeClr val="dk1"/>
+            </a:fillRef>
+            <a:effectRef idx="0">
+              <a:schemeClr val="dk1"/>
+            </a:effectRef>
+            <a:fontRef idx="minor">
+              <a:schemeClr val="tx1"/>
+            </a:fontRef>
+          </p:style>
+        </p:cxnSp>
+      </p:grpSp>
+      <p:sp>
+        <p:nvSpPr>
+          <p:cNvPr id="60" name="Textfeld 59">
+            <a:extLst>
+              <a:ext uri="{FF2B5EF4-FFF2-40B4-BE49-F238E27FC236}">
+                <a16:creationId xmlns:a16="http://schemas.microsoft.com/office/drawing/2014/main" id="{64A85189-5251-4AD8-8CA1-CF691F4005D4}"/>
+              </a:ext>
+            </a:extLst>
+          </p:cNvPr>
+          <p:cNvSpPr txBox="1"/>
+          <p:nvPr/>
+        </p:nvSpPr>
+        <p:spPr>
+          <a:xfrm>
+            <a:off x="2243687" y="1164579"/>
+            <a:ext cx="1698991" cy="369332"/>
+          </a:xfrm>
+          <a:prstGeom prst="rect">
+            <a:avLst/>
+          </a:prstGeom>
+          <a:noFill/>
+        </p:spPr>
+        <p:txBody>
+          <a:bodyPr wrap="none" rtlCol="0">
+            <a:spAutoFit/>
+          </a:bodyPr>
+          <a:lstStyle/>
+          <a:p>
+            <a:r>
+              <a:rPr lang="de-AT" dirty="0"/>
+              <a:t>[0..*] </a:t>
+            </a:r>
+            <a:r>
+              <a:rPr lang="de-AT" dirty="0" err="1"/>
+              <a:t>properties</a:t>
+            </a:r>
+            <a:endParaRPr lang="de-AT" dirty="0"/>
+          </a:p>
+        </p:txBody>
+      </p:sp>
+      <p:sp>
+        <p:nvSpPr>
+          <p:cNvPr id="61" name="Textfeld 60">
+            <a:extLst>
+              <a:ext uri="{FF2B5EF4-FFF2-40B4-BE49-F238E27FC236}">
+                <a16:creationId xmlns:a16="http://schemas.microsoft.com/office/drawing/2014/main" id="{39B57D7E-AD20-41C1-B768-9E45A10F2FC3}"/>
+              </a:ext>
+            </a:extLst>
+          </p:cNvPr>
+          <p:cNvSpPr txBox="1"/>
+          <p:nvPr/>
+        </p:nvSpPr>
+        <p:spPr>
+          <a:xfrm>
+            <a:off x="3328677" y="1926704"/>
+            <a:ext cx="1146468" cy="369332"/>
+          </a:xfrm>
+          <a:prstGeom prst="rect">
+            <a:avLst/>
+          </a:prstGeom>
+          <a:noFill/>
+        </p:spPr>
+        <p:txBody>
+          <a:bodyPr wrap="none" rtlCol="0">
+            <a:spAutoFit/>
+          </a:bodyPr>
+          <a:lstStyle/>
+          <a:p>
+            <a:r>
+              <a:rPr lang="de-AT" dirty="0"/>
+              <a:t>[0..1] type</a:t>
+            </a:r>
+          </a:p>
+        </p:txBody>
+      </p:sp>
+      <p:grpSp>
+        <p:nvGrpSpPr>
+          <p:cNvPr id="62" name="Gruppieren 61">
+            <a:extLst>
+              <a:ext uri="{FF2B5EF4-FFF2-40B4-BE49-F238E27FC236}">
+                <a16:creationId xmlns:a16="http://schemas.microsoft.com/office/drawing/2014/main" id="{C6E2E571-8BB6-4FD1-BFB3-21B28D79B695}"/>
+              </a:ext>
+            </a:extLst>
+          </p:cNvPr>
+          <p:cNvGrpSpPr/>
+          <p:nvPr/>
+        </p:nvGrpSpPr>
+        <p:grpSpPr>
+          <a:xfrm>
+            <a:off x="296640" y="118589"/>
+            <a:ext cx="2796542" cy="820424"/>
+            <a:chOff x="3484880" y="609600"/>
+            <a:chExt cx="2529840" cy="857572"/>
+          </a:xfrm>
+        </p:grpSpPr>
+        <p:sp>
+          <p:nvSpPr>
+            <p:cNvPr id="63" name="Rechteck 62">
+              <a:extLst>
+                <a:ext uri="{FF2B5EF4-FFF2-40B4-BE49-F238E27FC236}">
+                  <a16:creationId xmlns:a16="http://schemas.microsoft.com/office/drawing/2014/main" id="{7E67FA87-EA0F-4EBD-85CB-E1FD919964A7}"/>
+                </a:ext>
+              </a:extLst>
+            </p:cNvPr>
+            <p:cNvSpPr/>
+            <p:nvPr/>
+          </p:nvSpPr>
+          <p:spPr>
+            <a:xfrm>
+              <a:off x="3484880" y="609600"/>
+              <a:ext cx="2529840" cy="428786"/>
+            </a:xfrm>
+            <a:prstGeom prst="rect">
+              <a:avLst/>
+            </a:prstGeom>
+            <a:noFill/>
+            <a:ln w="9525" cap="flat" cmpd="sng" algn="ctr">
+              <a:solidFill>
+                <a:schemeClr val="dk1"/>
+              </a:solidFill>
+              <a:prstDash val="solid"/>
+              <a:round/>
+              <a:headEnd type="none" w="med" len="med"/>
+              <a:tailEnd type="arrow" w="med" len="med"/>
+            </a:ln>
+          </p:spPr>
+          <p:style>
+            <a:lnRef idx="0">
+              <a:scrgbClr r="0" g="0" b="0"/>
+            </a:lnRef>
+            <a:fillRef idx="0">
+              <a:scrgbClr r="0" g="0" b="0"/>
+            </a:fillRef>
+            <a:effectRef idx="0">
+              <a:scrgbClr r="0" g="0" b="0"/>
+            </a:effectRef>
+            <a:fontRef idx="minor">
+              <a:schemeClr val="dk1"/>
+            </a:fontRef>
+          </p:style>
+          <p:txBody>
+            <a:bodyPr rtlCol="0" anchor="ctr"/>
+            <a:lstStyle/>
+            <a:p>
+              <a:pPr algn="ctr"/>
+              <a:r>
+                <a:rPr lang="de-AT" b="1" dirty="0">
+                  <a:latin typeface="Arial" panose="020B0604020202020204" pitchFamily="34" charset="0"/>
+                  <a:cs typeface="Arial" panose="020B0604020202020204" pitchFamily="34" charset="0"/>
+                </a:rPr>
+                <a:t>Presence</a:t>
+              </a:r>
+            </a:p>
+          </p:txBody>
+        </p:sp>
+        <p:sp>
+          <p:nvSpPr>
+            <p:cNvPr id="64" name="Rechteck 63">
+              <a:extLst>
+                <a:ext uri="{FF2B5EF4-FFF2-40B4-BE49-F238E27FC236}">
+                  <a16:creationId xmlns:a16="http://schemas.microsoft.com/office/drawing/2014/main" id="{6E1A1EA4-C552-49CF-ADE0-3C66BC542EBB}"/>
+                </a:ext>
+              </a:extLst>
+            </p:cNvPr>
+            <p:cNvSpPr/>
+            <p:nvPr/>
+          </p:nvSpPr>
+          <p:spPr>
+            <a:xfrm>
+              <a:off x="3484880" y="1038386"/>
+              <a:ext cx="2529840" cy="428786"/>
+            </a:xfrm>
+            <a:prstGeom prst="rect">
+              <a:avLst/>
+            </a:prstGeom>
+            <a:noFill/>
+            <a:ln w="9525" cap="flat" cmpd="sng" algn="ctr">
+              <a:solidFill>
+                <a:schemeClr val="dk1"/>
+              </a:solidFill>
+              <a:prstDash val="solid"/>
+              <a:round/>
+              <a:headEnd type="none" w="med" len="med"/>
+              <a:tailEnd type="arrow" w="med" len="med"/>
+            </a:ln>
+          </p:spPr>
+          <p:style>
+            <a:lnRef idx="0">
+              <a:scrgbClr r="0" g="0" b="0"/>
+            </a:lnRef>
+            <a:fillRef idx="0">
+              <a:scrgbClr r="0" g="0" b="0"/>
+            </a:fillRef>
+            <a:effectRef idx="0">
+              <a:scrgbClr r="0" g="0" b="0"/>
+            </a:effectRef>
+            <a:fontRef idx="minor">
+              <a:schemeClr val="dk1"/>
+            </a:fontRef>
+          </p:style>
+          <p:txBody>
+            <a:bodyPr rtlCol="0" anchor="ctr"/>
+            <a:lstStyle/>
+            <a:p>
+              <a:pPr algn="ctr"/>
+              <a:r>
+                <a:rPr lang="de-AT" dirty="0" err="1">
+                  <a:latin typeface="Arial" panose="020B0604020202020204" pitchFamily="34" charset="0"/>
+                  <a:cs typeface="Arial" panose="020B0604020202020204" pitchFamily="34" charset="0"/>
+                </a:rPr>
+                <a:t>Mandatory</a:t>
+              </a:r>
+              <a:r>
+                <a:rPr lang="de-AT" dirty="0">
+                  <a:latin typeface="Arial" panose="020B0604020202020204" pitchFamily="34" charset="0"/>
+                  <a:cs typeface="Arial" panose="020B0604020202020204" pitchFamily="34" charset="0"/>
+                </a:rPr>
+                <a:t>: </a:t>
+              </a:r>
+              <a:r>
+                <a:rPr lang="de-AT" dirty="0" err="1">
+                  <a:latin typeface="Arial" panose="020B0604020202020204" pitchFamily="34" charset="0"/>
+                  <a:cs typeface="Arial" panose="020B0604020202020204" pitchFamily="34" charset="0"/>
+                </a:rPr>
+                <a:t>bool</a:t>
+              </a:r>
+              <a:endParaRPr lang="de-AT" dirty="0">
+                <a:latin typeface="Arial" panose="020B0604020202020204" pitchFamily="34" charset="0"/>
+                <a:cs typeface="Arial" panose="020B0604020202020204" pitchFamily="34" charset="0"/>
+              </a:endParaRPr>
+            </a:p>
+          </p:txBody>
+        </p:sp>
+      </p:grpSp>
+      <p:cxnSp>
+        <p:nvCxnSpPr>
+          <p:cNvPr id="65" name="Verbinder: gewinkelt 98">
+            <a:extLst>
+              <a:ext uri="{FF2B5EF4-FFF2-40B4-BE49-F238E27FC236}">
+                <a16:creationId xmlns:a16="http://schemas.microsoft.com/office/drawing/2014/main" id="{B99ACC29-9215-4EE8-90FE-91CBC8DD6EDB}"/>
+              </a:ext>
+            </a:extLst>
+          </p:cNvPr>
+          <p:cNvCxnSpPr>
+            <a:cxnSpLocks/>
+            <a:stCxn id="55" idx="2"/>
+            <a:endCxn id="21" idx="1"/>
+          </p:cNvCxnSpPr>
+          <p:nvPr/>
+        </p:nvCxnSpPr>
+        <p:spPr>
+          <a:xfrm rot="16200000" flipH="1">
+            <a:off x="2744803" y="1934394"/>
+            <a:ext cx="1222529" cy="2490833"/>
+          </a:xfrm>
+          <a:prstGeom prst="bentConnector2">
+            <a:avLst/>
+          </a:prstGeom>
+          <a:ln>
+            <a:headEnd type="none" w="med" len="med"/>
+            <a:tailEnd type="arrow" w="med" len="med"/>
+          </a:ln>
+        </p:spPr>
+        <p:style>
+          <a:lnRef idx="1">
+            <a:schemeClr val="dk1"/>
+          </a:lnRef>
+          <a:fillRef idx="0">
+            <a:schemeClr val="dk1"/>
+          </a:fillRef>
+          <a:effectRef idx="0">
+            <a:schemeClr val="dk1"/>
+          </a:effectRef>
+          <a:fontRef idx="minor">
+            <a:schemeClr val="tx1"/>
+          </a:fontRef>
+        </p:style>
+      </p:cxnSp>
+      <p:sp>
+        <p:nvSpPr>
+          <p:cNvPr id="67" name="Textfeld 66">
+            <a:extLst>
+              <a:ext uri="{FF2B5EF4-FFF2-40B4-BE49-F238E27FC236}">
+                <a16:creationId xmlns:a16="http://schemas.microsoft.com/office/drawing/2014/main" id="{718CCE2B-D9BE-4F46-963B-58F4B34D73C3}"/>
+              </a:ext>
+            </a:extLst>
+          </p:cNvPr>
+          <p:cNvSpPr txBox="1"/>
+          <p:nvPr/>
+        </p:nvSpPr>
+        <p:spPr>
+          <a:xfrm>
+            <a:off x="2042238" y="3462384"/>
+            <a:ext cx="2933367" cy="369332"/>
+          </a:xfrm>
+          <a:prstGeom prst="rect">
+            <a:avLst/>
+          </a:prstGeom>
+          <a:noFill/>
+        </p:spPr>
+        <p:txBody>
+          <a:bodyPr wrap="none" rtlCol="0">
+            <a:spAutoFit/>
+          </a:bodyPr>
+          <a:lstStyle/>
+          <a:p>
+            <a:r>
+              <a:rPr lang="de-AT" dirty="0"/>
+              <a:t>[0..1] </a:t>
+            </a:r>
+            <a:r>
+              <a:rPr lang="de-AT" dirty="0" err="1"/>
+              <a:t>extendedFunctionBlock</a:t>
+            </a:r>
+            <a:endParaRPr lang="de-AT" dirty="0"/>
+          </a:p>
+        </p:txBody>
+      </p:sp>
+      <p:grpSp>
+        <p:nvGrpSpPr>
+          <p:cNvPr id="68" name="Gruppieren 67">
+            <a:extLst>
+              <a:ext uri="{FF2B5EF4-FFF2-40B4-BE49-F238E27FC236}">
+                <a16:creationId xmlns:a16="http://schemas.microsoft.com/office/drawing/2014/main" id="{8BEDD223-77A8-45DC-A5AB-D129B0B5DA26}"/>
+              </a:ext>
+            </a:extLst>
+          </p:cNvPr>
+          <p:cNvGrpSpPr/>
+          <p:nvPr/>
+        </p:nvGrpSpPr>
+        <p:grpSpPr>
+          <a:xfrm>
+            <a:off x="9680283" y="3612700"/>
+            <a:ext cx="2796542" cy="2716980"/>
+            <a:chOff x="3484880" y="609600"/>
+            <a:chExt cx="2529840" cy="2840002"/>
+          </a:xfrm>
+        </p:grpSpPr>
+        <p:sp>
+          <p:nvSpPr>
+            <p:cNvPr id="69" name="Rechteck 68">
+              <a:extLst>
+                <a:ext uri="{FF2B5EF4-FFF2-40B4-BE49-F238E27FC236}">
+                  <a16:creationId xmlns:a16="http://schemas.microsoft.com/office/drawing/2014/main" id="{D5679EE3-C950-46F3-8990-3147DF416401}"/>
+                </a:ext>
+              </a:extLst>
+            </p:cNvPr>
+            <p:cNvSpPr/>
+            <p:nvPr/>
+          </p:nvSpPr>
+          <p:spPr>
+            <a:xfrm>
+              <a:off x="3484880" y="609600"/>
+              <a:ext cx="2529840" cy="428786"/>
+            </a:xfrm>
+            <a:prstGeom prst="rect">
+              <a:avLst/>
+            </a:prstGeom>
+            <a:noFill/>
+            <a:ln w="9525" cap="flat" cmpd="sng" algn="ctr">
+              <a:solidFill>
+                <a:schemeClr val="dk1"/>
+              </a:solidFill>
+              <a:prstDash val="solid"/>
+              <a:round/>
+              <a:headEnd type="none" w="med" len="med"/>
+              <a:tailEnd type="arrow" w="med" len="med"/>
+            </a:ln>
+          </p:spPr>
+          <p:style>
+            <a:lnRef idx="0">
+              <a:scrgbClr r="0" g="0" b="0"/>
+            </a:lnRef>
+            <a:fillRef idx="0">
+              <a:scrgbClr r="0" g="0" b="0"/>
+            </a:fillRef>
+            <a:effectRef idx="0">
+              <a:scrgbClr r="0" g="0" b="0"/>
+            </a:effectRef>
+            <a:fontRef idx="minor">
+              <a:schemeClr val="dk1"/>
+            </a:fontRef>
+          </p:style>
+          <p:txBody>
+            <a:bodyPr rtlCol="0" anchor="ctr"/>
+            <a:lstStyle/>
+            <a:p>
+              <a:pPr algn="ctr"/>
+              <a:r>
+                <a:rPr lang="de-AT" b="1" dirty="0">
+                  <a:latin typeface="Arial" panose="020B0604020202020204" pitchFamily="34" charset="0"/>
+                  <a:cs typeface="Arial" panose="020B0604020202020204" pitchFamily="34" charset="0"/>
+                </a:rPr>
+                <a:t>&lt;</a:t>
+              </a:r>
+              <a:r>
+                <a:rPr lang="de-AT" b="1" dirty="0" err="1">
+                  <a:latin typeface="Arial" panose="020B0604020202020204" pitchFamily="34" charset="0"/>
+                  <a:cs typeface="Arial" panose="020B0604020202020204" pitchFamily="34" charset="0"/>
+                </a:rPr>
+                <a:t>abstract</a:t>
+              </a:r>
+              <a:r>
+                <a:rPr lang="de-AT" b="1" dirty="0">
+                  <a:latin typeface="Arial" panose="020B0604020202020204" pitchFamily="34" charset="0"/>
+                  <a:cs typeface="Arial" panose="020B0604020202020204" pitchFamily="34" charset="0"/>
+                </a:rPr>
+                <a:t>&gt; Model</a:t>
+              </a:r>
+            </a:p>
+          </p:txBody>
+        </p:sp>
+        <p:sp>
+          <p:nvSpPr>
+            <p:cNvPr id="70" name="Rechteck 69">
+              <a:extLst>
+                <a:ext uri="{FF2B5EF4-FFF2-40B4-BE49-F238E27FC236}">
+                  <a16:creationId xmlns:a16="http://schemas.microsoft.com/office/drawing/2014/main" id="{31E7FE4A-E1E1-493E-ACC6-ECCF17CE60E1}"/>
+                </a:ext>
+              </a:extLst>
+            </p:cNvPr>
+            <p:cNvSpPr/>
+            <p:nvPr/>
+          </p:nvSpPr>
+          <p:spPr>
+            <a:xfrm>
+              <a:off x="3484880" y="1038386"/>
+              <a:ext cx="2529840" cy="2411216"/>
+            </a:xfrm>
+            <a:prstGeom prst="rect">
+              <a:avLst/>
+            </a:prstGeom>
+            <a:noFill/>
+            <a:ln w="9525" cap="flat" cmpd="sng" algn="ctr">
+              <a:solidFill>
+                <a:schemeClr val="dk1"/>
+              </a:solidFill>
+              <a:prstDash val="solid"/>
+              <a:round/>
+              <a:headEnd type="none" w="med" len="med"/>
+              <a:tailEnd type="arrow" w="med" len="med"/>
+            </a:ln>
+          </p:spPr>
+          <p:style>
+            <a:lnRef idx="0">
+              <a:scrgbClr r="0" g="0" b="0"/>
+            </a:lnRef>
+            <a:fillRef idx="0">
+              <a:scrgbClr r="0" g="0" b="0"/>
+            </a:fillRef>
+            <a:effectRef idx="0">
+              <a:scrgbClr r="0" g="0" b="0"/>
+            </a:effectRef>
+            <a:fontRef idx="minor">
+              <a:schemeClr val="dk1"/>
+            </a:fontRef>
+          </p:style>
+          <p:txBody>
+            <a:bodyPr rtlCol="0" anchor="ctr"/>
+            <a:lstStyle/>
+            <a:p>
+              <a:pPr algn="ctr"/>
+              <a:r>
+                <a:rPr lang="de-AT" dirty="0">
+                  <a:latin typeface="Arial" panose="020B0604020202020204" pitchFamily="34" charset="0"/>
+                  <a:cs typeface="Arial" panose="020B0604020202020204" pitchFamily="34" charset="0"/>
+                </a:rPr>
+                <a:t>Name: String</a:t>
+              </a:r>
+            </a:p>
+            <a:p>
+              <a:pPr algn="ctr"/>
+              <a:r>
+                <a:rPr lang="de-AT" dirty="0">
+                  <a:latin typeface="Arial" panose="020B0604020202020204" pitchFamily="34" charset="0"/>
+                  <a:cs typeface="Arial" panose="020B0604020202020204" pitchFamily="34" charset="0"/>
+                </a:rPr>
+                <a:t>Namespace: String</a:t>
+              </a:r>
+            </a:p>
+            <a:p>
+              <a:pPr algn="ctr"/>
+              <a:r>
+                <a:rPr lang="de-AT" dirty="0">
+                  <a:latin typeface="Arial" panose="020B0604020202020204" pitchFamily="34" charset="0"/>
+                  <a:cs typeface="Arial" panose="020B0604020202020204" pitchFamily="34" charset="0"/>
+                </a:rPr>
+                <a:t>Version: String</a:t>
+              </a:r>
+            </a:p>
+            <a:p>
+              <a:pPr algn="ctr"/>
+              <a:r>
+                <a:rPr lang="de-AT" dirty="0">
+                  <a:latin typeface="Arial" panose="020B0604020202020204" pitchFamily="34" charset="0"/>
+                  <a:cs typeface="Arial" panose="020B0604020202020204" pitchFamily="34" charset="0"/>
+                </a:rPr>
+                <a:t>Description: String</a:t>
+              </a:r>
+            </a:p>
+            <a:p>
+              <a:pPr algn="ctr"/>
+              <a:r>
+                <a:rPr lang="de-AT" dirty="0" err="1">
+                  <a:latin typeface="Arial" panose="020B0604020202020204" pitchFamily="34" charset="0"/>
+                  <a:cs typeface="Arial" panose="020B0604020202020204" pitchFamily="34" charset="0"/>
+                </a:rPr>
+                <a:t>displayName</a:t>
+              </a:r>
+              <a:r>
+                <a:rPr lang="de-AT" dirty="0">
+                  <a:latin typeface="Arial" panose="020B0604020202020204" pitchFamily="34" charset="0"/>
+                  <a:cs typeface="Arial" panose="020B0604020202020204" pitchFamily="34" charset="0"/>
+                </a:rPr>
+                <a:t>: String</a:t>
+              </a:r>
+            </a:p>
+            <a:p>
+              <a:pPr algn="ctr"/>
+              <a:r>
+                <a:rPr lang="de-AT" dirty="0" err="1">
+                  <a:latin typeface="Arial" panose="020B0604020202020204" pitchFamily="34" charset="0"/>
+                  <a:cs typeface="Arial" panose="020B0604020202020204" pitchFamily="34" charset="0"/>
+                </a:rPr>
+                <a:t>Category</a:t>
+              </a:r>
+              <a:r>
+                <a:rPr lang="de-AT" dirty="0">
+                  <a:latin typeface="Arial" panose="020B0604020202020204" pitchFamily="34" charset="0"/>
+                  <a:cs typeface="Arial" panose="020B0604020202020204" pitchFamily="34" charset="0"/>
+                </a:rPr>
+                <a:t>: String</a:t>
+              </a:r>
+            </a:p>
+            <a:p>
+              <a:pPr algn="ctr"/>
+              <a:r>
+                <a:rPr lang="de-AT" dirty="0">
+                  <a:latin typeface="Arial" panose="020B0604020202020204" pitchFamily="34" charset="0"/>
+                  <a:cs typeface="Arial" panose="020B0604020202020204" pitchFamily="34" charset="0"/>
+                </a:rPr>
+                <a:t>Lang: </a:t>
+              </a:r>
+              <a:r>
+                <a:rPr lang="de-AT" dirty="0" err="1">
+                  <a:latin typeface="Arial" panose="020B0604020202020204" pitchFamily="34" charset="0"/>
+                  <a:cs typeface="Arial" panose="020B0604020202020204" pitchFamily="34" charset="0"/>
+                </a:rPr>
+                <a:t>VortoLangVersion</a:t>
+              </a:r>
+              <a:r>
+                <a:rPr lang="de-AT" dirty="0">
+                  <a:latin typeface="Arial" panose="020B0604020202020204" pitchFamily="34" charset="0"/>
+                  <a:cs typeface="Arial" panose="020B0604020202020204" pitchFamily="34" charset="0"/>
+                </a:rPr>
+                <a:t> = 1</a:t>
+              </a:r>
+            </a:p>
+          </p:txBody>
+        </p:sp>
+      </p:grpSp>
+      <p:grpSp>
+        <p:nvGrpSpPr>
+          <p:cNvPr id="71" name="Gruppieren 70">
+            <a:extLst>
+              <a:ext uri="{FF2B5EF4-FFF2-40B4-BE49-F238E27FC236}">
+                <a16:creationId xmlns:a16="http://schemas.microsoft.com/office/drawing/2014/main" id="{DF789A7C-CE49-48B4-8AE6-E1C6E1DC6A56}"/>
+              </a:ext>
+            </a:extLst>
+          </p:cNvPr>
+          <p:cNvGrpSpPr/>
+          <p:nvPr/>
+        </p:nvGrpSpPr>
+        <p:grpSpPr>
+          <a:xfrm>
+            <a:off x="8105483" y="929927"/>
+            <a:ext cx="2796542" cy="820424"/>
+            <a:chOff x="3484880" y="609600"/>
+            <a:chExt cx="2529840" cy="857572"/>
+          </a:xfrm>
+        </p:grpSpPr>
+        <p:sp>
+          <p:nvSpPr>
+            <p:cNvPr id="72" name="Rechteck 71">
+              <a:extLst>
+                <a:ext uri="{FF2B5EF4-FFF2-40B4-BE49-F238E27FC236}">
+                  <a16:creationId xmlns:a16="http://schemas.microsoft.com/office/drawing/2014/main" id="{1C58C873-F6B7-42F7-A79C-70B3CC4F6145}"/>
+                </a:ext>
+              </a:extLst>
+            </p:cNvPr>
+            <p:cNvSpPr/>
+            <p:nvPr/>
+          </p:nvSpPr>
+          <p:spPr>
+            <a:xfrm>
+              <a:off x="3484880" y="609600"/>
+              <a:ext cx="2529840" cy="428786"/>
+            </a:xfrm>
+            <a:prstGeom prst="rect">
+              <a:avLst/>
+            </a:prstGeom>
+            <a:noFill/>
+            <a:ln w="9525" cap="flat" cmpd="sng" algn="ctr">
+              <a:solidFill>
+                <a:schemeClr val="dk1"/>
+              </a:solidFill>
+              <a:prstDash val="solid"/>
+              <a:round/>
+              <a:headEnd type="none" w="med" len="med"/>
+              <a:tailEnd type="arrow" w="med" len="med"/>
+            </a:ln>
+          </p:spPr>
+          <p:style>
+            <a:lnRef idx="0">
+              <a:scrgbClr r="0" g="0" b="0"/>
+            </a:lnRef>
+            <a:fillRef idx="0">
+              <a:scrgbClr r="0" g="0" b="0"/>
+            </a:fillRef>
+            <a:effectRef idx="0">
+              <a:scrgbClr r="0" g="0" b="0"/>
+            </a:effectRef>
+            <a:fontRef idx="minor">
+              <a:schemeClr val="dk1"/>
+            </a:fontRef>
+          </p:style>
+          <p:txBody>
+            <a:bodyPr rtlCol="0" anchor="ctr"/>
+            <a:lstStyle/>
+            <a:p>
+              <a:pPr algn="ctr"/>
+              <a:r>
+                <a:rPr lang="de-AT" b="1" dirty="0" err="1">
+                  <a:latin typeface="Arial" panose="020B0604020202020204" pitchFamily="34" charset="0"/>
+                  <a:cs typeface="Arial" panose="020B0604020202020204" pitchFamily="34" charset="0"/>
+                </a:rPr>
+                <a:t>ModelReference</a:t>
+              </a:r>
+              <a:endParaRPr lang="de-AT" b="1" dirty="0">
+                <a:latin typeface="Arial" panose="020B0604020202020204" pitchFamily="34" charset="0"/>
+                <a:cs typeface="Arial" panose="020B0604020202020204" pitchFamily="34" charset="0"/>
+              </a:endParaRPr>
+            </a:p>
+          </p:txBody>
+        </p:sp>
+        <p:sp>
+          <p:nvSpPr>
+            <p:cNvPr id="73" name="Rechteck 72">
+              <a:extLst>
+                <a:ext uri="{FF2B5EF4-FFF2-40B4-BE49-F238E27FC236}">
+                  <a16:creationId xmlns:a16="http://schemas.microsoft.com/office/drawing/2014/main" id="{6D21BE1C-9DE5-439A-A2B4-D8E83EC9DDB3}"/>
+                </a:ext>
+              </a:extLst>
+            </p:cNvPr>
+            <p:cNvSpPr/>
+            <p:nvPr/>
+          </p:nvSpPr>
+          <p:spPr>
+            <a:xfrm>
+              <a:off x="3484880" y="1038386"/>
+              <a:ext cx="2529840" cy="428786"/>
+            </a:xfrm>
+            <a:prstGeom prst="rect">
+              <a:avLst/>
+            </a:prstGeom>
+            <a:noFill/>
+            <a:ln w="9525" cap="flat" cmpd="sng" algn="ctr">
+              <a:solidFill>
+                <a:schemeClr val="dk1"/>
+              </a:solidFill>
+              <a:prstDash val="solid"/>
+              <a:round/>
+              <a:headEnd type="none" w="med" len="med"/>
+              <a:tailEnd type="arrow" w="med" len="med"/>
+            </a:ln>
+          </p:spPr>
+          <p:style>
+            <a:lnRef idx="0">
+              <a:scrgbClr r="0" g="0" b="0"/>
+            </a:lnRef>
+            <a:fillRef idx="0">
+              <a:scrgbClr r="0" g="0" b="0"/>
+            </a:fillRef>
+            <a:effectRef idx="0">
+              <a:scrgbClr r="0" g="0" b="0"/>
+            </a:effectRef>
+            <a:fontRef idx="minor">
+              <a:schemeClr val="dk1"/>
+            </a:fontRef>
+          </p:style>
+          <p:txBody>
+            <a:bodyPr rtlCol="0" anchor="ctr"/>
+            <a:lstStyle/>
+            <a:p>
+              <a:pPr algn="ctr"/>
+              <a:r>
+                <a:rPr lang="de-AT" dirty="0">
+                  <a:latin typeface="Arial" panose="020B0604020202020204" pitchFamily="34" charset="0"/>
+                  <a:cs typeface="Arial" panose="020B0604020202020204" pitchFamily="34" charset="0"/>
+                </a:rPr>
+                <a:t>Version: String</a:t>
+              </a:r>
+            </a:p>
+            <a:p>
+              <a:pPr algn="ctr"/>
+              <a:r>
+                <a:rPr lang="de-AT" dirty="0" err="1">
+                  <a:latin typeface="Arial" panose="020B0604020202020204" pitchFamily="34" charset="0"/>
+                  <a:cs typeface="Arial" panose="020B0604020202020204" pitchFamily="34" charset="0"/>
+                </a:rPr>
+                <a:t>importedNamespace</a:t>
+              </a:r>
+              <a:r>
+                <a:rPr lang="de-AT" dirty="0">
+                  <a:latin typeface="Arial" panose="020B0604020202020204" pitchFamily="34" charset="0"/>
+                  <a:cs typeface="Arial" panose="020B0604020202020204" pitchFamily="34" charset="0"/>
+                </a:rPr>
+                <a:t>: String</a:t>
+              </a:r>
+            </a:p>
+          </p:txBody>
+        </p:sp>
+      </p:grpSp>
+      <p:cxnSp>
+        <p:nvCxnSpPr>
+          <p:cNvPr id="74" name="Verbinder: gewinkelt 98">
+            <a:extLst>
+              <a:ext uri="{FF2B5EF4-FFF2-40B4-BE49-F238E27FC236}">
+                <a16:creationId xmlns:a16="http://schemas.microsoft.com/office/drawing/2014/main" id="{F4E9B9CF-3B74-4277-B601-B2D3C0046920}"/>
+              </a:ext>
+            </a:extLst>
+          </p:cNvPr>
+          <p:cNvCxnSpPr>
+            <a:cxnSpLocks/>
+            <a:stCxn id="9" idx="0"/>
+            <a:endCxn id="10" idx="3"/>
+          </p:cNvCxnSpPr>
+          <p:nvPr/>
+        </p:nvCxnSpPr>
+        <p:spPr>
+          <a:xfrm rot="16200000" flipH="1">
+            <a:off x="6084647" y="1371355"/>
+            <a:ext cx="615318" cy="1398271"/>
+          </a:xfrm>
+          <a:prstGeom prst="bentConnector4">
+            <a:avLst>
+              <a:gd name="adj1" fmla="val -37152"/>
+              <a:gd name="adj2" fmla="val 116349"/>
+            </a:avLst>
+          </a:prstGeom>
+          <a:ln>
+            <a:headEnd type="none" w="med" len="med"/>
+            <a:tailEnd type="arrow" w="med" len="med"/>
+          </a:ln>
+        </p:spPr>
+        <p:style>
+          <a:lnRef idx="1">
+            <a:schemeClr val="dk1"/>
+          </a:lnRef>
+          <a:fillRef idx="0">
+            <a:schemeClr val="dk1"/>
+          </a:fillRef>
+          <a:effectRef idx="0">
+            <a:schemeClr val="dk1"/>
+          </a:effectRef>
+          <a:fontRef idx="minor">
+            <a:schemeClr val="tx1"/>
+          </a:fontRef>
+        </p:style>
+      </p:cxnSp>
+      <p:sp>
+        <p:nvSpPr>
+          <p:cNvPr id="75" name="Textfeld 74">
+            <a:extLst>
+              <a:ext uri="{FF2B5EF4-FFF2-40B4-BE49-F238E27FC236}">
+                <a16:creationId xmlns:a16="http://schemas.microsoft.com/office/drawing/2014/main" id="{7909B061-5DEF-4AC5-B334-974189B67F85}"/>
+              </a:ext>
+            </a:extLst>
+          </p:cNvPr>
+          <p:cNvSpPr txBox="1"/>
+          <p:nvPr/>
+        </p:nvSpPr>
+        <p:spPr>
+          <a:xfrm>
+            <a:off x="7249813" y="2049036"/>
+            <a:ext cx="1700274" cy="369332"/>
+          </a:xfrm>
+          <a:prstGeom prst="rect">
+            <a:avLst/>
+          </a:prstGeom>
+          <a:noFill/>
+        </p:spPr>
+        <p:txBody>
+          <a:bodyPr wrap="none" rtlCol="0">
+            <a:spAutoFit/>
+          </a:bodyPr>
+          <a:lstStyle/>
+          <a:p>
+            <a:r>
+              <a:rPr lang="de-AT" dirty="0"/>
+              <a:t>[0..1] </a:t>
+            </a:r>
+            <a:r>
+              <a:rPr lang="de-AT" dirty="0" err="1"/>
+              <a:t>superType</a:t>
+            </a:r>
+            <a:endParaRPr lang="de-AT" dirty="0"/>
+          </a:p>
+        </p:txBody>
+      </p:sp>
+      <p:sp>
+        <p:nvSpPr>
+          <p:cNvPr id="76" name="Textfeld 75">
+            <a:extLst>
+              <a:ext uri="{FF2B5EF4-FFF2-40B4-BE49-F238E27FC236}">
+                <a16:creationId xmlns:a16="http://schemas.microsoft.com/office/drawing/2014/main" id="{4B2D71EF-206A-4BB3-BF8C-E1550A200D85}"/>
+              </a:ext>
+            </a:extLst>
+          </p:cNvPr>
+          <p:cNvSpPr txBox="1"/>
+          <p:nvPr/>
+        </p:nvSpPr>
+        <p:spPr>
+          <a:xfrm>
+            <a:off x="5787579" y="2971497"/>
+            <a:ext cx="2015295" cy="369332"/>
+          </a:xfrm>
+          <a:prstGeom prst="rect">
+            <a:avLst/>
+          </a:prstGeom>
+          <a:noFill/>
+        </p:spPr>
+        <p:txBody>
+          <a:bodyPr wrap="none" rtlCol="0">
+            <a:spAutoFit/>
+          </a:bodyPr>
+          <a:lstStyle/>
+          <a:p>
+            <a:r>
+              <a:rPr lang="de-AT" dirty="0"/>
+              <a:t>[0..1] </a:t>
+            </a:r>
+            <a:r>
+              <a:rPr lang="de-AT" dirty="0" err="1"/>
+              <a:t>functionBlock</a:t>
+            </a:r>
+            <a:endParaRPr lang="de-AT" dirty="0"/>
+          </a:p>
+        </p:txBody>
+      </p:sp>
+      <p:grpSp>
+        <p:nvGrpSpPr>
+          <p:cNvPr id="77" name="Gruppieren 76">
+            <a:extLst>
+              <a:ext uri="{FF2B5EF4-FFF2-40B4-BE49-F238E27FC236}">
+                <a16:creationId xmlns:a16="http://schemas.microsoft.com/office/drawing/2014/main" id="{854DEF54-4DE2-451D-BED9-D92251B6BAF5}"/>
+              </a:ext>
+            </a:extLst>
+          </p:cNvPr>
+          <p:cNvGrpSpPr/>
+          <p:nvPr/>
+        </p:nvGrpSpPr>
+        <p:grpSpPr>
+          <a:xfrm rot="10800000">
+            <a:off x="9503754" y="1750350"/>
+            <a:ext cx="1669207" cy="1850592"/>
+            <a:chOff x="4798342" y="822405"/>
+            <a:chExt cx="1508363" cy="1974707"/>
+          </a:xfrm>
+        </p:grpSpPr>
+        <p:sp>
+          <p:nvSpPr>
+            <p:cNvPr id="78" name="Raute 77">
+              <a:extLst>
+                <a:ext uri="{FF2B5EF4-FFF2-40B4-BE49-F238E27FC236}">
+                  <a16:creationId xmlns:a16="http://schemas.microsoft.com/office/drawing/2014/main" id="{FEA36FFA-A80D-46EA-939D-1CF717DA31F7}"/>
+                </a:ext>
+              </a:extLst>
+            </p:cNvPr>
+            <p:cNvSpPr/>
+            <p:nvPr/>
+          </p:nvSpPr>
+          <p:spPr>
+            <a:xfrm flipH="1">
+              <a:off x="4798342" y="822405"/>
+              <a:ext cx="170621" cy="277558"/>
+            </a:xfrm>
+            <a:prstGeom prst="diamond">
+              <a:avLst/>
+            </a:prstGeom>
+            <a:ln>
+              <a:headEnd type="none" w="med" len="med"/>
+              <a:tailEnd type="arrow" w="med" len="med"/>
+            </a:ln>
+          </p:spPr>
+          <p:style>
+            <a:lnRef idx="2">
+              <a:schemeClr val="dk1">
+                <a:shade val="50000"/>
+              </a:schemeClr>
+            </a:lnRef>
+            <a:fillRef idx="1">
+              <a:schemeClr val="dk1"/>
+            </a:fillRef>
+            <a:effectRef idx="0">
+              <a:schemeClr val="dk1"/>
+            </a:effectRef>
+            <a:fontRef idx="minor">
+              <a:schemeClr val="lt1"/>
+            </a:fontRef>
+          </p:style>
+          <p:txBody>
+            <a:bodyPr rtlCol="0" anchor="ctr"/>
+            <a:lstStyle/>
+            <a:p>
+              <a:pPr algn="ctr"/>
+              <a:endParaRPr lang="de-AT" dirty="0">
+                <a:latin typeface="Arial" panose="020B0604020202020204" pitchFamily="34" charset="0"/>
+                <a:cs typeface="Arial" panose="020B0604020202020204" pitchFamily="34" charset="0"/>
+              </a:endParaRPr>
+            </a:p>
+          </p:txBody>
+        </p:sp>
+        <p:cxnSp>
+          <p:nvCxnSpPr>
+            <p:cNvPr id="79" name="Verbinder: gewinkelt 98">
+              <a:extLst>
+                <a:ext uri="{FF2B5EF4-FFF2-40B4-BE49-F238E27FC236}">
+                  <a16:creationId xmlns:a16="http://schemas.microsoft.com/office/drawing/2014/main" id="{29462758-C2AD-4E48-8A9C-49A48D677863}"/>
+                </a:ext>
+              </a:extLst>
+            </p:cNvPr>
+            <p:cNvCxnSpPr>
+              <a:cxnSpLocks/>
+              <a:stCxn id="78" idx="2"/>
+              <a:endCxn id="73" idx="2"/>
+            </p:cNvCxnSpPr>
+            <p:nvPr/>
+          </p:nvCxnSpPr>
+          <p:spPr>
+            <a:xfrm rot="5400000" flipV="1">
+              <a:off x="4746605" y="1237011"/>
+              <a:ext cx="1697148" cy="1423053"/>
+            </a:xfrm>
+            <a:prstGeom prst="bentConnector3">
+              <a:avLst>
+                <a:gd name="adj1" fmla="val 50000"/>
+              </a:avLst>
+            </a:prstGeom>
+            <a:ln>
+              <a:headEnd type="none" w="med" len="med"/>
+              <a:tailEnd type="arrow" w="med" len="med"/>
+            </a:ln>
+          </p:spPr>
+          <p:style>
+            <a:lnRef idx="1">
+              <a:schemeClr val="dk1"/>
+            </a:lnRef>
+            <a:fillRef idx="0">
+              <a:schemeClr val="dk1"/>
+            </a:fillRef>
+            <a:effectRef idx="0">
+              <a:schemeClr val="dk1"/>
+            </a:effectRef>
+            <a:fontRef idx="minor">
+              <a:schemeClr val="tx1"/>
+            </a:fontRef>
+          </p:style>
+        </p:cxnSp>
+      </p:grpSp>
+      <p:sp>
+        <p:nvSpPr>
+          <p:cNvPr id="82" name="Textfeld 81">
+            <a:extLst>
+              <a:ext uri="{FF2B5EF4-FFF2-40B4-BE49-F238E27FC236}">
+                <a16:creationId xmlns:a16="http://schemas.microsoft.com/office/drawing/2014/main" id="{8A24C2A5-48BB-4752-8468-2EDE21924794}"/>
+              </a:ext>
+            </a:extLst>
+          </p:cNvPr>
+          <p:cNvSpPr txBox="1"/>
+          <p:nvPr/>
+        </p:nvSpPr>
+        <p:spPr>
+          <a:xfrm>
+            <a:off x="11172961" y="2699179"/>
+            <a:ext cx="1714508" cy="369332"/>
+          </a:xfrm>
+          <a:prstGeom prst="rect">
+            <a:avLst/>
+          </a:prstGeom>
+          <a:noFill/>
+        </p:spPr>
+        <p:txBody>
+          <a:bodyPr wrap="none" rtlCol="0">
+            <a:spAutoFit/>
+          </a:bodyPr>
+          <a:lstStyle/>
+          <a:p>
+            <a:r>
+              <a:rPr lang="de-AT" dirty="0"/>
+              <a:t>[0..*] </a:t>
+            </a:r>
+            <a:r>
+              <a:rPr lang="de-AT" dirty="0" err="1"/>
+              <a:t>references</a:t>
+            </a:r>
+            <a:endParaRPr lang="de-AT" dirty="0"/>
+          </a:p>
+        </p:txBody>
+      </p:sp>
+      <p:grpSp>
+        <p:nvGrpSpPr>
+          <p:cNvPr id="83" name="Gruppieren 82">
+            <a:extLst>
+              <a:ext uri="{FF2B5EF4-FFF2-40B4-BE49-F238E27FC236}">
+                <a16:creationId xmlns:a16="http://schemas.microsoft.com/office/drawing/2014/main" id="{D6176BCF-76EA-4A95-8899-A084D7A182E3}"/>
+              </a:ext>
+            </a:extLst>
+          </p:cNvPr>
+          <p:cNvGrpSpPr/>
+          <p:nvPr/>
+        </p:nvGrpSpPr>
+        <p:grpSpPr>
+          <a:xfrm rot="10800000">
+            <a:off x="7080003" y="1750351"/>
+            <a:ext cx="2423751" cy="901928"/>
+            <a:chOff x="4599097" y="2128697"/>
+            <a:chExt cx="2190198" cy="962418"/>
+          </a:xfrm>
+        </p:grpSpPr>
+        <p:sp>
+          <p:nvSpPr>
+            <p:cNvPr id="84" name="Raute 83">
+              <a:extLst>
+                <a:ext uri="{FF2B5EF4-FFF2-40B4-BE49-F238E27FC236}">
+                  <a16:creationId xmlns:a16="http://schemas.microsoft.com/office/drawing/2014/main" id="{090B3236-9A05-40F9-A018-3B21D040EDCD}"/>
+                </a:ext>
+              </a:extLst>
+            </p:cNvPr>
+            <p:cNvSpPr/>
+            <p:nvPr/>
+          </p:nvSpPr>
+          <p:spPr>
+            <a:xfrm rot="5400000" flipH="1">
+              <a:off x="6571032" y="2111912"/>
+              <a:ext cx="201478" cy="235048"/>
+            </a:xfrm>
+            <a:prstGeom prst="diamond">
+              <a:avLst/>
+            </a:prstGeom>
+            <a:ln>
+              <a:headEnd type="none" w="med" len="med"/>
+              <a:tailEnd type="arrow" w="med" len="med"/>
+            </a:ln>
+          </p:spPr>
+          <p:style>
+            <a:lnRef idx="2">
+              <a:schemeClr val="dk1">
+                <a:shade val="50000"/>
+              </a:schemeClr>
+            </a:lnRef>
+            <a:fillRef idx="1">
+              <a:schemeClr val="dk1"/>
+            </a:fillRef>
+            <a:effectRef idx="0">
+              <a:schemeClr val="dk1"/>
+            </a:effectRef>
+            <a:fontRef idx="minor">
+              <a:schemeClr val="lt1"/>
+            </a:fontRef>
+          </p:style>
+          <p:txBody>
+            <a:bodyPr rtlCol="0" anchor="ctr"/>
+            <a:lstStyle/>
+            <a:p>
+              <a:pPr algn="ctr"/>
+              <a:endParaRPr lang="de-AT" dirty="0">
+                <a:latin typeface="Arial" panose="020B0604020202020204" pitchFamily="34" charset="0"/>
+                <a:cs typeface="Arial" panose="020B0604020202020204" pitchFamily="34" charset="0"/>
+              </a:endParaRPr>
+            </a:p>
+          </p:txBody>
+        </p:sp>
+        <p:cxnSp>
+          <p:nvCxnSpPr>
+            <p:cNvPr id="85" name="Verbinder: gewinkelt 98">
+              <a:extLst>
+                <a:ext uri="{FF2B5EF4-FFF2-40B4-BE49-F238E27FC236}">
+                  <a16:creationId xmlns:a16="http://schemas.microsoft.com/office/drawing/2014/main" id="{071A45E5-017E-4203-85EE-C1D7314D80FC}"/>
+                </a:ext>
+              </a:extLst>
+            </p:cNvPr>
+            <p:cNvCxnSpPr>
+              <a:cxnSpLocks/>
+              <a:stCxn id="84" idx="2"/>
+              <a:endCxn id="73" idx="2"/>
+            </p:cNvCxnSpPr>
+            <p:nvPr/>
+          </p:nvCxnSpPr>
+          <p:spPr>
+            <a:xfrm rot="10800000" flipV="1">
+              <a:off x="4599097" y="2229436"/>
+              <a:ext cx="1955150" cy="861679"/>
+            </a:xfrm>
+            <a:prstGeom prst="bentConnector2">
+              <a:avLst/>
+            </a:prstGeom>
+            <a:ln>
+              <a:headEnd type="none" w="med" len="med"/>
+              <a:tailEnd type="arrow" w="med" len="med"/>
+            </a:ln>
+          </p:spPr>
+          <p:style>
+            <a:lnRef idx="1">
+              <a:schemeClr val="dk1"/>
+            </a:lnRef>
+            <a:fillRef idx="0">
+              <a:schemeClr val="dk1"/>
+            </a:fillRef>
+            <a:effectRef idx="0">
+              <a:schemeClr val="dk1"/>
+            </a:effectRef>
+            <a:fontRef idx="minor">
+              <a:schemeClr val="tx1"/>
+            </a:fontRef>
+          </p:style>
+        </p:cxnSp>
+      </p:grpSp>
+      <p:grpSp>
+        <p:nvGrpSpPr>
+          <p:cNvPr id="91" name="Gruppieren 90">
+            <a:extLst>
+              <a:ext uri="{FF2B5EF4-FFF2-40B4-BE49-F238E27FC236}">
+                <a16:creationId xmlns:a16="http://schemas.microsoft.com/office/drawing/2014/main" id="{D159B804-B5DE-48BD-891D-8064D08A39EE}"/>
+              </a:ext>
+            </a:extLst>
+          </p:cNvPr>
+          <p:cNvGrpSpPr/>
+          <p:nvPr/>
+        </p:nvGrpSpPr>
+        <p:grpSpPr>
+          <a:xfrm rot="10800000">
+            <a:off x="6978499" y="610890"/>
+            <a:ext cx="2525255" cy="319037"/>
+            <a:chOff x="4507374" y="1989741"/>
+            <a:chExt cx="2281921" cy="340434"/>
+          </a:xfrm>
+        </p:grpSpPr>
+        <p:sp>
+          <p:nvSpPr>
+            <p:cNvPr id="92" name="Raute 91">
+              <a:extLst>
+                <a:ext uri="{FF2B5EF4-FFF2-40B4-BE49-F238E27FC236}">
+                  <a16:creationId xmlns:a16="http://schemas.microsoft.com/office/drawing/2014/main" id="{2F6A13F7-4071-4B2C-A84A-90D95CD4CAA9}"/>
+                </a:ext>
+              </a:extLst>
+            </p:cNvPr>
+            <p:cNvSpPr/>
+            <p:nvPr/>
+          </p:nvSpPr>
+          <p:spPr>
+            <a:xfrm rot="5400000" flipH="1">
+              <a:off x="6571032" y="2111912"/>
+              <a:ext cx="201478" cy="235048"/>
+            </a:xfrm>
+            <a:prstGeom prst="diamond">
+              <a:avLst/>
+            </a:prstGeom>
+            <a:ln>
+              <a:headEnd type="none" w="med" len="med"/>
+              <a:tailEnd type="arrow" w="med" len="med"/>
+            </a:ln>
+          </p:spPr>
+          <p:style>
+            <a:lnRef idx="2">
+              <a:schemeClr val="dk1">
+                <a:shade val="50000"/>
+              </a:schemeClr>
+            </a:lnRef>
+            <a:fillRef idx="1">
+              <a:schemeClr val="dk1"/>
+            </a:fillRef>
+            <a:effectRef idx="0">
+              <a:schemeClr val="dk1"/>
+            </a:effectRef>
+            <a:fontRef idx="minor">
+              <a:schemeClr val="lt1"/>
+            </a:fontRef>
+          </p:style>
+          <p:txBody>
+            <a:bodyPr rtlCol="0" anchor="ctr"/>
+            <a:lstStyle/>
+            <a:p>
+              <a:pPr algn="ctr"/>
+              <a:endParaRPr lang="de-AT" dirty="0">
+                <a:latin typeface="Arial" panose="020B0604020202020204" pitchFamily="34" charset="0"/>
+                <a:cs typeface="Arial" panose="020B0604020202020204" pitchFamily="34" charset="0"/>
+              </a:endParaRPr>
+            </a:p>
+          </p:txBody>
+        </p:sp>
+        <p:cxnSp>
+          <p:nvCxnSpPr>
+            <p:cNvPr id="93" name="Verbinder: gewinkelt 98">
+              <a:extLst>
+                <a:ext uri="{FF2B5EF4-FFF2-40B4-BE49-F238E27FC236}">
+                  <a16:creationId xmlns:a16="http://schemas.microsoft.com/office/drawing/2014/main" id="{3DA29B82-96E2-4110-B8D0-DF86B6DEF114}"/>
+                </a:ext>
+              </a:extLst>
+            </p:cNvPr>
+            <p:cNvCxnSpPr>
+              <a:cxnSpLocks/>
+              <a:stCxn id="92" idx="2"/>
+              <a:endCxn id="72" idx="0"/>
+            </p:cNvCxnSpPr>
+            <p:nvPr/>
+          </p:nvCxnSpPr>
+          <p:spPr>
+            <a:xfrm rot="10800000">
+              <a:off x="4507374" y="1989741"/>
+              <a:ext cx="2046872" cy="239694"/>
+            </a:xfrm>
+            <a:prstGeom prst="bentConnector2">
+              <a:avLst/>
+            </a:prstGeom>
+            <a:ln>
+              <a:headEnd type="none" w="med" len="med"/>
+              <a:tailEnd type="arrow" w="med" len="med"/>
+            </a:ln>
+          </p:spPr>
+          <p:style>
+            <a:lnRef idx="1">
+              <a:schemeClr val="dk1"/>
+            </a:lnRef>
+            <a:fillRef idx="0">
+              <a:schemeClr val="dk1"/>
+            </a:fillRef>
+            <a:effectRef idx="0">
+              <a:schemeClr val="dk1"/>
+            </a:effectRef>
+            <a:fontRef idx="minor">
+              <a:schemeClr val="tx1"/>
+            </a:fontRef>
+          </p:style>
+        </p:cxnSp>
+      </p:grpSp>
+      <p:sp>
+        <p:nvSpPr>
+          <p:cNvPr id="95" name="Textfeld 94">
+            <a:extLst>
+              <a:ext uri="{FF2B5EF4-FFF2-40B4-BE49-F238E27FC236}">
+                <a16:creationId xmlns:a16="http://schemas.microsoft.com/office/drawing/2014/main" id="{EB4C69B6-EBB0-49A8-BDF4-8FD9F1AD170F}"/>
+              </a:ext>
+            </a:extLst>
+          </p:cNvPr>
+          <p:cNvSpPr txBox="1"/>
+          <p:nvPr/>
+        </p:nvSpPr>
+        <p:spPr>
+          <a:xfrm>
+            <a:off x="7348427" y="301479"/>
+            <a:ext cx="1714508" cy="369332"/>
+          </a:xfrm>
+          <a:prstGeom prst="rect">
+            <a:avLst/>
+          </a:prstGeom>
+          <a:noFill/>
+        </p:spPr>
+        <p:txBody>
+          <a:bodyPr wrap="none" rtlCol="0">
+            <a:spAutoFit/>
+          </a:bodyPr>
+          <a:lstStyle/>
+          <a:p>
+            <a:r>
+              <a:rPr lang="de-AT" dirty="0"/>
+              <a:t>[0..*] </a:t>
+            </a:r>
+            <a:r>
+              <a:rPr lang="de-AT" dirty="0" err="1"/>
+              <a:t>references</a:t>
+            </a:r>
+            <a:endParaRPr lang="de-AT" dirty="0"/>
+          </a:p>
+        </p:txBody>
+      </p:sp>
+      <p:sp>
+        <p:nvSpPr>
+          <p:cNvPr id="96" name="Textfeld 95">
+            <a:extLst>
+              <a:ext uri="{FF2B5EF4-FFF2-40B4-BE49-F238E27FC236}">
+                <a16:creationId xmlns:a16="http://schemas.microsoft.com/office/drawing/2014/main" id="{E3E70C1B-FE85-46AD-A204-72EB87F3DD7D}"/>
+              </a:ext>
+            </a:extLst>
+          </p:cNvPr>
+          <p:cNvSpPr txBox="1"/>
+          <p:nvPr/>
+        </p:nvSpPr>
+        <p:spPr>
+          <a:xfrm>
+            <a:off x="7348427" y="2576782"/>
+            <a:ext cx="1714508" cy="369332"/>
+          </a:xfrm>
+          <a:prstGeom prst="rect">
+            <a:avLst/>
+          </a:prstGeom>
+          <a:noFill/>
+        </p:spPr>
+        <p:txBody>
+          <a:bodyPr wrap="none" rtlCol="0">
+            <a:spAutoFit/>
+          </a:bodyPr>
+          <a:lstStyle/>
+          <a:p>
+            <a:r>
+              <a:rPr lang="de-AT" dirty="0"/>
+              <a:t>[0..*] </a:t>
+            </a:r>
+            <a:r>
+              <a:rPr lang="de-AT" dirty="0" err="1"/>
+              <a:t>references</a:t>
+            </a:r>
+            <a:endParaRPr lang="de-AT" dirty="0"/>
+          </a:p>
+        </p:txBody>
+      </p:sp>
+      <p:sp>
+        <p:nvSpPr>
+          <p:cNvPr id="100" name="Google Shape;528;g10f8d9d020d_0_26">
+            <a:extLst>
+              <a:ext uri="{FF2B5EF4-FFF2-40B4-BE49-F238E27FC236}">
+                <a16:creationId xmlns:a16="http://schemas.microsoft.com/office/drawing/2014/main" id="{BE5AA0FA-84AB-47E2-AFB8-FA7505EB7685}"/>
+              </a:ext>
+            </a:extLst>
+          </p:cNvPr>
+          <p:cNvSpPr/>
+          <p:nvPr/>
+        </p:nvSpPr>
+        <p:spPr>
+          <a:xfrm rot="5400000" flipH="1">
+            <a:off x="9476492" y="4394041"/>
+            <a:ext cx="200700" cy="177300"/>
+          </a:xfrm>
+          <a:prstGeom prst="triangle">
+            <a:avLst>
+              <a:gd name="adj" fmla="val 50000"/>
+            </a:avLst>
+          </a:prstGeom>
+          <a:solidFill>
+            <a:schemeClr val="lt1"/>
+          </a:solidFill>
+          <a:ln w="9525" cap="flat" cmpd="sng">
+            <a:solidFill>
+              <a:schemeClr val="dk1"/>
+            </a:solidFill>
+            <a:prstDash val="solid"/>
+            <a:miter lim="800000"/>
+            <a:headEnd type="none" w="sm" len="sm"/>
+            <a:tailEnd type="none" w="sm" len="sm"/>
+          </a:ln>
+        </p:spPr>
+        <p:txBody>
+          <a:bodyPr spcFirstLastPara="1" wrap="square" lIns="91425" tIns="45700" rIns="91425" bIns="45700" anchor="ctr" anchorCtr="0">
+            <a:noAutofit/>
+          </a:bodyPr>
+          <a:lstStyle/>
+          <a:p>
+            <a:pPr marL="0" marR="0" lvl="0" indent="0" algn="l" rtl="0">
+              <a:lnSpc>
+                <a:spcPct val="100000"/>
+              </a:lnSpc>
+              <a:spcBef>
+                <a:spcPts val="0"/>
+              </a:spcBef>
+              <a:spcAft>
+                <a:spcPts val="0"/>
+              </a:spcAft>
+              <a:buClr>
+                <a:srgbClr val="000000"/>
+              </a:buClr>
+              <a:buSzPts val="1404"/>
+              <a:buFont typeface="Arial"/>
+              <a:buNone/>
+            </a:pPr>
+            <a:endParaRPr sz="1404" b="0" i="0" u="none" strike="noStrike" cap="none">
+              <a:solidFill>
+                <a:schemeClr val="dk1"/>
+              </a:solidFill>
+              <a:latin typeface="Arial"/>
+              <a:ea typeface="Arial"/>
+              <a:cs typeface="Arial"/>
+              <a:sym typeface="Arial"/>
+            </a:endParaRPr>
+          </a:p>
+        </p:txBody>
+      </p:sp>
+      <p:cxnSp>
+        <p:nvCxnSpPr>
+          <p:cNvPr id="101" name="Google Shape;532;g10f8d9d020d_0_26">
+            <a:extLst>
+              <a:ext uri="{FF2B5EF4-FFF2-40B4-BE49-F238E27FC236}">
+                <a16:creationId xmlns:a16="http://schemas.microsoft.com/office/drawing/2014/main" id="{4FA9A3B0-CCE1-440F-8B3F-3BB22ACFCEF6}"/>
+              </a:ext>
+            </a:extLst>
+          </p:cNvPr>
+          <p:cNvCxnSpPr>
+            <a:cxnSpLocks/>
+            <a:stCxn id="100" idx="3"/>
+            <a:endCxn id="4" idx="3"/>
+          </p:cNvCxnSpPr>
+          <p:nvPr/>
+        </p:nvCxnSpPr>
+        <p:spPr>
+          <a:xfrm rot="10800000">
+            <a:off x="6978500" y="777527"/>
+            <a:ext cx="2509692" cy="3705164"/>
+          </a:xfrm>
+          <a:prstGeom prst="bentConnector3">
+            <a:avLst>
+              <a:gd name="adj1" fmla="val 50000"/>
+            </a:avLst>
+          </a:prstGeom>
+          <a:noFill/>
+          <a:ln w="12700" cap="flat" cmpd="sng">
+            <a:solidFill>
+              <a:schemeClr val="dk1"/>
+            </a:solidFill>
+            <a:prstDash val="solid"/>
+            <a:miter lim="800000"/>
+            <a:headEnd type="none" w="sm" len="sm"/>
+            <a:tailEnd type="none" w="sm" len="sm"/>
+          </a:ln>
+        </p:spPr>
+      </p:cxnSp>
+      <p:cxnSp>
+        <p:nvCxnSpPr>
+          <p:cNvPr id="104" name="Google Shape;532;g10f8d9d020d_0_26">
+            <a:extLst>
+              <a:ext uri="{FF2B5EF4-FFF2-40B4-BE49-F238E27FC236}">
+                <a16:creationId xmlns:a16="http://schemas.microsoft.com/office/drawing/2014/main" id="{E8C94357-7F30-4972-87A3-A7CADB290B8A}"/>
+              </a:ext>
+            </a:extLst>
+          </p:cNvPr>
+          <p:cNvCxnSpPr>
+            <a:cxnSpLocks/>
+            <a:stCxn id="100" idx="3"/>
+            <a:endCxn id="10" idx="3"/>
+          </p:cNvCxnSpPr>
+          <p:nvPr/>
+        </p:nvCxnSpPr>
+        <p:spPr>
+          <a:xfrm rot="10800000">
+            <a:off x="7091442" y="2378149"/>
+            <a:ext cx="2396750" cy="2104542"/>
+          </a:xfrm>
+          <a:prstGeom prst="bentConnector3">
+            <a:avLst>
+              <a:gd name="adj1" fmla="val 50000"/>
+            </a:avLst>
+          </a:prstGeom>
+          <a:noFill/>
+          <a:ln w="12700" cap="flat" cmpd="sng">
+            <a:solidFill>
+              <a:schemeClr val="dk1"/>
+            </a:solidFill>
+            <a:prstDash val="solid"/>
+            <a:miter lim="800000"/>
+            <a:headEnd type="none" w="sm" len="sm"/>
+            <a:tailEnd type="none" w="sm" len="sm"/>
+          </a:ln>
+        </p:spPr>
+      </p:cxnSp>
+    </p:spTree>
+    <p:extLst>
+      <p:ext uri="{BB962C8B-B14F-4D97-AF65-F5344CB8AC3E}">
+        <p14:creationId xmlns:p14="http://schemas.microsoft.com/office/powerpoint/2010/main" val="766781487"/>
+      </p:ext>
+    </p:extLst>
+  </p:cSld>
+  <p:clrMapOvr>
+    <a:masterClrMapping/>
+  </p:clrMapOvr>
+</p:sld>
+</file>
+
+<file path=ppt/slides/slide3.xml><?xml version="1.0" encoding="utf-8"?>
+<p:sld xmlns:a="http://schemas.openxmlformats.org/drawingml/2006/main" xmlns:r="http://schemas.openxmlformats.org/officeDocument/2006/relationships" xmlns:p="http://schemas.openxmlformats.org/presentationml/2006/main">
+  <p:cSld>
+    <p:spTree>
+      <p:nvGrpSpPr>
+        <p:cNvPr id="1" name=""/>
+        <p:cNvGrpSpPr/>
+        <p:nvPr/>
+      </p:nvGrpSpPr>
+      <p:grpSpPr>
+        <a:xfrm>
+          <a:off x="0" y="0"/>
+          <a:ext cx="0" cy="0"/>
+          <a:chOff x="0" y="0"/>
+          <a:chExt cx="0" cy="0"/>
+        </a:xfrm>
+      </p:grpSpPr>
+      <p:grpSp>
+        <p:nvGrpSpPr>
+          <p:cNvPr id="2" name="Gruppieren 1">
+            <a:extLst>
+              <a:ext uri="{FF2B5EF4-FFF2-40B4-BE49-F238E27FC236}">
+                <a16:creationId xmlns:a16="http://schemas.microsoft.com/office/drawing/2014/main" id="{FEDF502F-0C4D-4425-83A6-F67C89004DBE}"/>
+              </a:ext>
+            </a:extLst>
+          </p:cNvPr>
+          <p:cNvGrpSpPr/>
+          <p:nvPr/>
+        </p:nvGrpSpPr>
+        <p:grpSpPr>
+          <a:xfrm>
+            <a:off x="4279375" y="134348"/>
+            <a:ext cx="2699125" cy="857572"/>
+            <a:chOff x="3484880" y="609600"/>
+            <a:chExt cx="2529840" cy="857572"/>
+          </a:xfrm>
+        </p:grpSpPr>
+        <p:sp>
+          <p:nvSpPr>
+            <p:cNvPr id="3" name="Rechteck 2">
+              <a:extLst>
+                <a:ext uri="{FF2B5EF4-FFF2-40B4-BE49-F238E27FC236}">
+                  <a16:creationId xmlns:a16="http://schemas.microsoft.com/office/drawing/2014/main" id="{B58B75DF-65AD-4B3C-B993-062D6F4F0380}"/>
+                </a:ext>
+              </a:extLst>
+            </p:cNvPr>
+            <p:cNvSpPr/>
+            <p:nvPr/>
+          </p:nvSpPr>
+          <p:spPr>
+            <a:xfrm>
+              <a:off x="3484880" y="609600"/>
+              <a:ext cx="2529840" cy="428786"/>
+            </a:xfrm>
+            <a:prstGeom prst="rect">
+              <a:avLst/>
+            </a:prstGeom>
+            <a:noFill/>
+            <a:ln w="9525" cap="flat" cmpd="sng" algn="ctr">
+              <a:solidFill>
+                <a:schemeClr val="dk1"/>
+              </a:solidFill>
+              <a:prstDash val="solid"/>
+              <a:round/>
+              <a:headEnd type="none" w="med" len="med"/>
+              <a:tailEnd type="arrow" w="med" len="med"/>
+            </a:ln>
+          </p:spPr>
+          <p:style>
+            <a:lnRef idx="0">
+              <a:scrgbClr r="0" g="0" b="0"/>
+            </a:lnRef>
+            <a:fillRef idx="0">
+              <a:scrgbClr r="0" g="0" b="0"/>
+            </a:fillRef>
+            <a:effectRef idx="0">
+              <a:scrgbClr r="0" g="0" b="0"/>
+            </a:effectRef>
+            <a:fontRef idx="minor">
+              <a:schemeClr val="dk1"/>
+            </a:fontRef>
+          </p:style>
+          <p:txBody>
+            <a:bodyPr rtlCol="0" anchor="ctr"/>
+            <a:lstStyle/>
+            <a:p>
+              <a:pPr algn="ctr"/>
+              <a:r>
+                <a:rPr lang="de-AT" sz="2000" b="1" dirty="0" err="1">
+                  <a:latin typeface="Arial" panose="020B0604020202020204" pitchFamily="34" charset="0"/>
+                  <a:cs typeface="Arial" panose="020B0604020202020204" pitchFamily="34" charset="0"/>
+                </a:rPr>
+                <a:t>InformationModel</a:t>
+              </a:r>
+              <a:endParaRPr lang="de-AT" sz="2000" b="1" dirty="0">
+                <a:latin typeface="Arial" panose="020B0604020202020204" pitchFamily="34" charset="0"/>
+                <a:cs typeface="Arial" panose="020B0604020202020204" pitchFamily="34" charset="0"/>
+              </a:endParaRPr>
+            </a:p>
+          </p:txBody>
+        </p:sp>
+        <p:sp>
+          <p:nvSpPr>
+            <p:cNvPr id="4" name="Rechteck 3">
+              <a:extLst>
+                <a:ext uri="{FF2B5EF4-FFF2-40B4-BE49-F238E27FC236}">
+                  <a16:creationId xmlns:a16="http://schemas.microsoft.com/office/drawing/2014/main" id="{7343B6AA-46F1-414D-A324-DB7B81A7228D}"/>
+                </a:ext>
+              </a:extLst>
+            </p:cNvPr>
+            <p:cNvSpPr/>
+            <p:nvPr/>
+          </p:nvSpPr>
+          <p:spPr>
+            <a:xfrm>
+              <a:off x="3484880" y="1038386"/>
+              <a:ext cx="2529840" cy="428786"/>
+            </a:xfrm>
+            <a:prstGeom prst="rect">
+              <a:avLst/>
+            </a:prstGeom>
+            <a:noFill/>
+            <a:ln w="9525" cap="flat" cmpd="sng" algn="ctr">
+              <a:solidFill>
+                <a:schemeClr val="dk1"/>
+              </a:solidFill>
+              <a:prstDash val="solid"/>
+              <a:round/>
+              <a:headEnd type="none" w="med" len="med"/>
+              <a:tailEnd type="arrow" w="med" len="med"/>
+            </a:ln>
+          </p:spPr>
+          <p:style>
+            <a:lnRef idx="0">
+              <a:scrgbClr r="0" g="0" b="0"/>
+            </a:lnRef>
+            <a:fillRef idx="0">
+              <a:scrgbClr r="0" g="0" b="0"/>
+            </a:fillRef>
+            <a:effectRef idx="0">
+              <a:scrgbClr r="0" g="0" b="0"/>
+            </a:effectRef>
+            <a:fontRef idx="minor">
+              <a:schemeClr val="dk1"/>
+            </a:fontRef>
+          </p:style>
+          <p:txBody>
+            <a:bodyPr rtlCol="0" anchor="ctr"/>
+            <a:lstStyle/>
+            <a:p>
+              <a:pPr algn="ctr"/>
+              <a:endParaRPr lang="de-AT" dirty="0">
+                <a:latin typeface="Arial" panose="020B0604020202020204" pitchFamily="34" charset="0"/>
+                <a:cs typeface="Arial" panose="020B0604020202020204" pitchFamily="34" charset="0"/>
+              </a:endParaRPr>
+            </a:p>
+          </p:txBody>
+        </p:sp>
+      </p:grpSp>
+      <p:grpSp>
+        <p:nvGrpSpPr>
+          <p:cNvPr id="8" name="Gruppieren 7">
+            <a:extLst>
+              <a:ext uri="{FF2B5EF4-FFF2-40B4-BE49-F238E27FC236}">
+                <a16:creationId xmlns:a16="http://schemas.microsoft.com/office/drawing/2014/main" id="{F7F731B2-C32E-4C89-9385-5098068227C6}"/>
+              </a:ext>
+            </a:extLst>
+          </p:cNvPr>
+          <p:cNvGrpSpPr/>
+          <p:nvPr/>
+        </p:nvGrpSpPr>
+        <p:grpSpPr>
+          <a:xfrm>
+            <a:off x="4294900" y="1762831"/>
+            <a:ext cx="2796542" cy="820424"/>
+            <a:chOff x="3484880" y="609600"/>
+            <a:chExt cx="2529840" cy="857572"/>
+          </a:xfrm>
+        </p:grpSpPr>
+        <p:sp>
+          <p:nvSpPr>
+            <p:cNvPr id="9" name="Rechteck 8">
+              <a:extLst>
+                <a:ext uri="{FF2B5EF4-FFF2-40B4-BE49-F238E27FC236}">
+                  <a16:creationId xmlns:a16="http://schemas.microsoft.com/office/drawing/2014/main" id="{E3051664-F034-4C0E-8A7D-910BF8D8C10D}"/>
+                </a:ext>
+              </a:extLst>
+            </p:cNvPr>
+            <p:cNvSpPr/>
+            <p:nvPr/>
+          </p:nvSpPr>
+          <p:spPr>
+            <a:xfrm>
+              <a:off x="3484880" y="609600"/>
+              <a:ext cx="2529840" cy="428786"/>
+            </a:xfrm>
+            <a:prstGeom prst="rect">
+              <a:avLst/>
+            </a:prstGeom>
+            <a:noFill/>
+            <a:ln w="9525" cap="flat" cmpd="sng" algn="ctr">
+              <a:solidFill>
+                <a:schemeClr val="dk1"/>
+              </a:solidFill>
+              <a:prstDash val="solid"/>
+              <a:round/>
+              <a:headEnd type="none" w="med" len="med"/>
+              <a:tailEnd type="arrow" w="med" len="med"/>
+            </a:ln>
+          </p:spPr>
+          <p:style>
+            <a:lnRef idx="0">
+              <a:scrgbClr r="0" g="0" b="0"/>
+            </a:lnRef>
+            <a:fillRef idx="0">
+              <a:scrgbClr r="0" g="0" b="0"/>
+            </a:fillRef>
+            <a:effectRef idx="0">
+              <a:scrgbClr r="0" g="0" b="0"/>
+            </a:effectRef>
+            <a:fontRef idx="minor">
+              <a:schemeClr val="dk1"/>
+            </a:fontRef>
+          </p:style>
+          <p:txBody>
+            <a:bodyPr rtlCol="0" anchor="ctr"/>
+            <a:lstStyle/>
+            <a:p>
+              <a:pPr algn="ctr"/>
+              <a:r>
+                <a:rPr lang="de-AT" b="1" dirty="0" err="1">
+                  <a:latin typeface="Arial" panose="020B0604020202020204" pitchFamily="34" charset="0"/>
+                  <a:cs typeface="Arial" panose="020B0604020202020204" pitchFamily="34" charset="0"/>
+                </a:rPr>
+                <a:t>FunctionBlock</a:t>
+              </a:r>
+              <a:r>
+                <a:rPr lang="de-AT" b="1" dirty="0">
+                  <a:latin typeface="Arial" panose="020B0604020202020204" pitchFamily="34" charset="0"/>
+                  <a:cs typeface="Arial" panose="020B0604020202020204" pitchFamily="34" charset="0"/>
+                </a:rPr>
+                <a:t> Model</a:t>
+              </a:r>
+            </a:p>
+          </p:txBody>
+        </p:sp>
+        <p:sp>
+          <p:nvSpPr>
+            <p:cNvPr id="10" name="Rechteck 9">
+              <a:extLst>
+                <a:ext uri="{FF2B5EF4-FFF2-40B4-BE49-F238E27FC236}">
+                  <a16:creationId xmlns:a16="http://schemas.microsoft.com/office/drawing/2014/main" id="{82B7E356-DF17-4979-A139-02CD4F78022B}"/>
+                </a:ext>
+              </a:extLst>
+            </p:cNvPr>
+            <p:cNvSpPr/>
+            <p:nvPr/>
+          </p:nvSpPr>
+          <p:spPr>
+            <a:xfrm>
+              <a:off x="3484880" y="1038386"/>
+              <a:ext cx="2529840" cy="428786"/>
+            </a:xfrm>
+            <a:prstGeom prst="rect">
+              <a:avLst/>
+            </a:prstGeom>
+            <a:noFill/>
+            <a:ln w="9525" cap="flat" cmpd="sng" algn="ctr">
+              <a:solidFill>
+                <a:schemeClr val="dk1"/>
+              </a:solidFill>
+              <a:prstDash val="solid"/>
+              <a:round/>
+              <a:headEnd type="none" w="med" len="med"/>
+              <a:tailEnd type="arrow" w="med" len="med"/>
+            </a:ln>
+          </p:spPr>
+          <p:style>
+            <a:lnRef idx="0">
+              <a:scrgbClr r="0" g="0" b="0"/>
+            </a:lnRef>
+            <a:fillRef idx="0">
+              <a:scrgbClr r="0" g="0" b="0"/>
+            </a:fillRef>
+            <a:effectRef idx="0">
+              <a:scrgbClr r="0" g="0" b="0"/>
+            </a:effectRef>
+            <a:fontRef idx="minor">
+              <a:schemeClr val="dk1"/>
+            </a:fontRef>
+          </p:style>
+          <p:txBody>
+            <a:bodyPr rtlCol="0" anchor="ctr"/>
+            <a:lstStyle/>
+            <a:p>
+              <a:pPr algn="ctr"/>
+              <a:r>
+                <a:rPr lang="de-AT" dirty="0" err="1">
+                  <a:latin typeface="Arial" panose="020B0604020202020204" pitchFamily="34" charset="0"/>
+                  <a:cs typeface="Arial" panose="020B0604020202020204" pitchFamily="34" charset="0"/>
+                </a:rPr>
+                <a:t>Entities</a:t>
+              </a:r>
+              <a:r>
+                <a:rPr lang="de-AT" dirty="0">
+                  <a:latin typeface="Arial" panose="020B0604020202020204" pitchFamily="34" charset="0"/>
+                  <a:cs typeface="Arial" panose="020B0604020202020204" pitchFamily="34" charset="0"/>
+                </a:rPr>
+                <a:t>: Entity</a:t>
+              </a:r>
+            </a:p>
+            <a:p>
+              <a:pPr algn="ctr"/>
+              <a:r>
+                <a:rPr lang="de-AT" dirty="0" err="1">
+                  <a:latin typeface="Arial" panose="020B0604020202020204" pitchFamily="34" charset="0"/>
+                  <a:cs typeface="Arial" panose="020B0604020202020204" pitchFamily="34" charset="0"/>
+                </a:rPr>
+                <a:t>Enums</a:t>
+              </a:r>
+              <a:r>
+                <a:rPr lang="de-AT" dirty="0">
+                  <a:latin typeface="Arial" panose="020B0604020202020204" pitchFamily="34" charset="0"/>
+                  <a:cs typeface="Arial" panose="020B0604020202020204" pitchFamily="34" charset="0"/>
+                </a:rPr>
+                <a:t>: </a:t>
+              </a:r>
+              <a:r>
+                <a:rPr lang="de-AT" dirty="0" err="1">
+                  <a:latin typeface="Arial" panose="020B0604020202020204" pitchFamily="34" charset="0"/>
+                  <a:cs typeface="Arial" panose="020B0604020202020204" pitchFamily="34" charset="0"/>
+                </a:rPr>
+                <a:t>Enum</a:t>
+              </a:r>
+              <a:endParaRPr lang="de-AT" dirty="0">
+                <a:latin typeface="Arial" panose="020B0604020202020204" pitchFamily="34" charset="0"/>
+                <a:cs typeface="Arial" panose="020B0604020202020204" pitchFamily="34" charset="0"/>
+              </a:endParaRPr>
+            </a:p>
+          </p:txBody>
+        </p:sp>
+      </p:grpSp>
+      <p:grpSp>
+        <p:nvGrpSpPr>
+          <p:cNvPr id="20" name="Gruppieren 19">
+            <a:extLst>
+              <a:ext uri="{FF2B5EF4-FFF2-40B4-BE49-F238E27FC236}">
+                <a16:creationId xmlns:a16="http://schemas.microsoft.com/office/drawing/2014/main" id="{4732ADCF-9AA9-484B-B9E7-A8E36E6DEAF1}"/>
+              </a:ext>
+            </a:extLst>
+          </p:cNvPr>
+          <p:cNvGrpSpPr/>
+          <p:nvPr/>
+        </p:nvGrpSpPr>
+        <p:grpSpPr>
+          <a:xfrm>
+            <a:off x="4601484" y="3476688"/>
+            <a:ext cx="2170673" cy="1376784"/>
+            <a:chOff x="6014721" y="2009063"/>
+            <a:chExt cx="2529840" cy="938883"/>
+          </a:xfrm>
+        </p:grpSpPr>
+        <p:sp>
+          <p:nvSpPr>
+            <p:cNvPr id="21" name="Rechteck 20">
+              <a:extLst>
+                <a:ext uri="{FF2B5EF4-FFF2-40B4-BE49-F238E27FC236}">
+                  <a16:creationId xmlns:a16="http://schemas.microsoft.com/office/drawing/2014/main" id="{A8848B5A-1935-47BD-91D2-EAC86A71DC45}"/>
+                </a:ext>
+              </a:extLst>
+            </p:cNvPr>
+            <p:cNvSpPr/>
+            <p:nvPr/>
+          </p:nvSpPr>
+          <p:spPr>
+            <a:xfrm>
+              <a:off x="6014721" y="2009063"/>
+              <a:ext cx="2529840" cy="428786"/>
+            </a:xfrm>
+            <a:prstGeom prst="rect">
+              <a:avLst/>
+            </a:prstGeom>
+            <a:noFill/>
+            <a:ln w="9525" cap="flat" cmpd="sng" algn="ctr">
+              <a:solidFill>
+                <a:schemeClr val="dk1"/>
+              </a:solidFill>
+              <a:prstDash val="solid"/>
+              <a:round/>
+              <a:headEnd type="none" w="med" len="med"/>
+              <a:tailEnd type="arrow" w="med" len="med"/>
+            </a:ln>
+          </p:spPr>
+          <p:style>
+            <a:lnRef idx="0">
+              <a:scrgbClr r="0" g="0" b="0"/>
+            </a:lnRef>
+            <a:fillRef idx="0">
+              <a:scrgbClr r="0" g="0" b="0"/>
+            </a:fillRef>
+            <a:effectRef idx="0">
+              <a:scrgbClr r="0" g="0" b="0"/>
+            </a:effectRef>
+            <a:fontRef idx="minor">
+              <a:schemeClr val="dk1"/>
+            </a:fontRef>
+          </p:style>
+          <p:txBody>
+            <a:bodyPr rtlCol="0" anchor="ctr"/>
+            <a:lstStyle/>
+            <a:p>
+              <a:pPr algn="ctr"/>
+              <a:r>
+                <a:rPr lang="de-AT" sz="2000" b="1" dirty="0" err="1">
+                  <a:latin typeface="Arial" panose="020B0604020202020204" pitchFamily="34" charset="0"/>
+                  <a:cs typeface="Arial" panose="020B0604020202020204" pitchFamily="34" charset="0"/>
+                </a:rPr>
+                <a:t>FunctionBlock</a:t>
+              </a:r>
+              <a:endParaRPr lang="de-AT" sz="2000" b="1" dirty="0">
+                <a:latin typeface="Arial" panose="020B0604020202020204" pitchFamily="34" charset="0"/>
+                <a:cs typeface="Arial" panose="020B0604020202020204" pitchFamily="34" charset="0"/>
+              </a:endParaRPr>
+            </a:p>
+          </p:txBody>
+        </p:sp>
+        <p:sp>
+          <p:nvSpPr>
+            <p:cNvPr id="22" name="Rechteck 21">
+              <a:extLst>
+                <a:ext uri="{FF2B5EF4-FFF2-40B4-BE49-F238E27FC236}">
+                  <a16:creationId xmlns:a16="http://schemas.microsoft.com/office/drawing/2014/main" id="{C4A41EE4-82EF-470D-9185-4DE7A4664D1F}"/>
+                </a:ext>
+              </a:extLst>
+            </p:cNvPr>
+            <p:cNvSpPr/>
+            <p:nvPr/>
+          </p:nvSpPr>
+          <p:spPr>
+            <a:xfrm>
+              <a:off x="6014721" y="2437947"/>
+              <a:ext cx="2529840" cy="509999"/>
+            </a:xfrm>
+            <a:prstGeom prst="rect">
+              <a:avLst/>
+            </a:prstGeom>
+            <a:noFill/>
+            <a:ln w="9525" cap="flat" cmpd="sng" algn="ctr">
+              <a:solidFill>
+                <a:schemeClr val="dk1"/>
+              </a:solidFill>
+              <a:prstDash val="solid"/>
+              <a:round/>
+              <a:headEnd type="none" w="med" len="med"/>
+              <a:tailEnd type="arrow" w="med" len="med"/>
+            </a:ln>
+          </p:spPr>
+          <p:style>
+            <a:lnRef idx="0">
+              <a:scrgbClr r="0" g="0" b="0"/>
+            </a:lnRef>
+            <a:fillRef idx="0">
+              <a:scrgbClr r="0" g="0" b="0"/>
+            </a:fillRef>
+            <a:effectRef idx="0">
+              <a:scrgbClr r="0" g="0" b="0"/>
+            </a:effectRef>
+            <a:fontRef idx="minor">
+              <a:schemeClr val="dk1"/>
+            </a:fontRef>
+          </p:style>
+          <p:txBody>
+            <a:bodyPr rtlCol="0" anchor="ctr"/>
+            <a:lstStyle/>
+            <a:p>
+              <a:endParaRPr lang="de-AT" dirty="0">
+                <a:latin typeface="Arial" panose="020B0604020202020204" pitchFamily="34" charset="0"/>
+                <a:cs typeface="Arial" panose="020B0604020202020204" pitchFamily="34" charset="0"/>
+              </a:endParaRPr>
+            </a:p>
+          </p:txBody>
+        </p:sp>
+      </p:grpSp>
+      <p:grpSp>
+        <p:nvGrpSpPr>
+          <p:cNvPr id="17" name="Gruppieren 16">
+            <a:extLst>
+              <a:ext uri="{FF2B5EF4-FFF2-40B4-BE49-F238E27FC236}">
+                <a16:creationId xmlns:a16="http://schemas.microsoft.com/office/drawing/2014/main" id="{85923A88-986C-4E1F-9D2B-CDD5D210E7EC}"/>
+              </a:ext>
+            </a:extLst>
+          </p:cNvPr>
+          <p:cNvGrpSpPr/>
+          <p:nvPr/>
+        </p:nvGrpSpPr>
+        <p:grpSpPr>
+          <a:xfrm>
+            <a:off x="1510621" y="5290212"/>
+            <a:ext cx="2170673" cy="1376784"/>
+            <a:chOff x="6014721" y="2009063"/>
+            <a:chExt cx="2529840" cy="938883"/>
+          </a:xfrm>
+        </p:grpSpPr>
+        <p:sp>
+          <p:nvSpPr>
+            <p:cNvPr id="18" name="Rechteck 17">
+              <a:extLst>
+                <a:ext uri="{FF2B5EF4-FFF2-40B4-BE49-F238E27FC236}">
+                  <a16:creationId xmlns:a16="http://schemas.microsoft.com/office/drawing/2014/main" id="{441E2392-88E7-428F-8854-D830842F5A7F}"/>
+                </a:ext>
+              </a:extLst>
+            </p:cNvPr>
+            <p:cNvSpPr/>
+            <p:nvPr/>
+          </p:nvSpPr>
+          <p:spPr>
+            <a:xfrm>
+              <a:off x="6014721" y="2009063"/>
+              <a:ext cx="2529840" cy="428786"/>
+            </a:xfrm>
+            <a:prstGeom prst="rect">
+              <a:avLst/>
+            </a:prstGeom>
+            <a:noFill/>
+            <a:ln w="9525" cap="flat" cmpd="sng" algn="ctr">
+              <a:solidFill>
+                <a:schemeClr val="dk1"/>
+              </a:solidFill>
+              <a:prstDash val="solid"/>
+              <a:round/>
+              <a:headEnd type="none" w="med" len="med"/>
+              <a:tailEnd type="arrow" w="med" len="med"/>
+            </a:ln>
+          </p:spPr>
+          <p:style>
+            <a:lnRef idx="0">
+              <a:scrgbClr r="0" g="0" b="0"/>
+            </a:lnRef>
+            <a:fillRef idx="0">
+              <a:scrgbClr r="0" g="0" b="0"/>
+            </a:fillRef>
+            <a:effectRef idx="0">
+              <a:scrgbClr r="0" g="0" b="0"/>
+            </a:effectRef>
+            <a:fontRef idx="minor">
+              <a:schemeClr val="dk1"/>
+            </a:fontRef>
+          </p:style>
+          <p:txBody>
+            <a:bodyPr rtlCol="0" anchor="ctr"/>
+            <a:lstStyle/>
+            <a:p>
+              <a:pPr algn="ctr"/>
+              <a:r>
+                <a:rPr lang="de-AT" sz="2000" b="1" dirty="0">
+                  <a:latin typeface="Arial" panose="020B0604020202020204" pitchFamily="34" charset="0"/>
+                  <a:cs typeface="Arial" panose="020B0604020202020204" pitchFamily="34" charset="0"/>
+                </a:rPr>
+                <a:t>Event</a:t>
+              </a:r>
+            </a:p>
+          </p:txBody>
+        </p:sp>
+        <p:sp>
+          <p:nvSpPr>
+            <p:cNvPr id="19" name="Rechteck 18">
+              <a:extLst>
+                <a:ext uri="{FF2B5EF4-FFF2-40B4-BE49-F238E27FC236}">
+                  <a16:creationId xmlns:a16="http://schemas.microsoft.com/office/drawing/2014/main" id="{03412AB4-8BC8-4BB7-96DD-2FDF03416FDE}"/>
+                </a:ext>
+              </a:extLst>
+            </p:cNvPr>
+            <p:cNvSpPr/>
+            <p:nvPr/>
+          </p:nvSpPr>
+          <p:spPr>
+            <a:xfrm>
+              <a:off x="6014721" y="2437947"/>
+              <a:ext cx="2529840" cy="509999"/>
+            </a:xfrm>
+            <a:prstGeom prst="rect">
+              <a:avLst/>
+            </a:prstGeom>
+            <a:noFill/>
+            <a:ln w="9525" cap="flat" cmpd="sng" algn="ctr">
+              <a:solidFill>
+                <a:schemeClr val="dk1"/>
+              </a:solidFill>
+              <a:prstDash val="solid"/>
+              <a:round/>
+              <a:headEnd type="none" w="med" len="med"/>
+              <a:tailEnd type="arrow" w="med" len="med"/>
+            </a:ln>
+          </p:spPr>
+          <p:style>
+            <a:lnRef idx="0">
+              <a:scrgbClr r="0" g="0" b="0"/>
+            </a:lnRef>
+            <a:fillRef idx="0">
+              <a:scrgbClr r="0" g="0" b="0"/>
+            </a:fillRef>
+            <a:effectRef idx="0">
+              <a:scrgbClr r="0" g="0" b="0"/>
+            </a:effectRef>
+            <a:fontRef idx="minor">
+              <a:schemeClr val="dk1"/>
+            </a:fontRef>
+          </p:style>
+          <p:txBody>
+            <a:bodyPr rtlCol="0" anchor="ctr"/>
+            <a:lstStyle/>
+            <a:p>
+              <a:endParaRPr lang="de-AT" dirty="0">
+                <a:latin typeface="Arial" panose="020B0604020202020204" pitchFamily="34" charset="0"/>
+                <a:cs typeface="Arial" panose="020B0604020202020204" pitchFamily="34" charset="0"/>
+              </a:endParaRPr>
+            </a:p>
+          </p:txBody>
+        </p:sp>
+      </p:grpSp>
+      <p:grpSp>
+        <p:nvGrpSpPr>
+          <p:cNvPr id="23" name="Gruppieren 22">
+            <a:extLst>
+              <a:ext uri="{FF2B5EF4-FFF2-40B4-BE49-F238E27FC236}">
+                <a16:creationId xmlns:a16="http://schemas.microsoft.com/office/drawing/2014/main" id="{D50A4CED-CC3E-4343-8B62-8A72AFEFD78F}"/>
+              </a:ext>
+            </a:extLst>
+          </p:cNvPr>
+          <p:cNvGrpSpPr/>
+          <p:nvPr/>
+        </p:nvGrpSpPr>
+        <p:grpSpPr>
+          <a:xfrm>
+            <a:off x="4647533" y="5481216"/>
+            <a:ext cx="2170673" cy="1376784"/>
+            <a:chOff x="6014721" y="2009063"/>
+            <a:chExt cx="2529840" cy="938883"/>
+          </a:xfrm>
+        </p:grpSpPr>
+        <p:sp>
+          <p:nvSpPr>
+            <p:cNvPr id="24" name="Rechteck 23">
+              <a:extLst>
+                <a:ext uri="{FF2B5EF4-FFF2-40B4-BE49-F238E27FC236}">
+                  <a16:creationId xmlns:a16="http://schemas.microsoft.com/office/drawing/2014/main" id="{28BE9E88-DB8C-4476-B1FC-CE11D0D4AE22}"/>
+                </a:ext>
+              </a:extLst>
+            </p:cNvPr>
+            <p:cNvSpPr/>
+            <p:nvPr/>
+          </p:nvSpPr>
+          <p:spPr>
+            <a:xfrm>
+              <a:off x="6014721" y="2009063"/>
+              <a:ext cx="2529840" cy="428786"/>
+            </a:xfrm>
+            <a:prstGeom prst="rect">
+              <a:avLst/>
+            </a:prstGeom>
+            <a:noFill/>
+            <a:ln w="9525" cap="flat" cmpd="sng" algn="ctr">
+              <a:solidFill>
+                <a:schemeClr val="dk1"/>
+              </a:solidFill>
+              <a:prstDash val="solid"/>
+              <a:round/>
+              <a:headEnd type="none" w="med" len="med"/>
+              <a:tailEnd type="arrow" w="med" len="med"/>
+            </a:ln>
+          </p:spPr>
+          <p:style>
+            <a:lnRef idx="0">
+              <a:scrgbClr r="0" g="0" b="0"/>
+            </a:lnRef>
+            <a:fillRef idx="0">
+              <a:scrgbClr r="0" g="0" b="0"/>
+            </a:fillRef>
+            <a:effectRef idx="0">
+              <a:scrgbClr r="0" g="0" b="0"/>
+            </a:effectRef>
+            <a:fontRef idx="minor">
+              <a:schemeClr val="dk1"/>
+            </a:fontRef>
+          </p:style>
+          <p:txBody>
+            <a:bodyPr rtlCol="0" anchor="ctr"/>
+            <a:lstStyle/>
+            <a:p>
+              <a:pPr algn="ctr"/>
+              <a:r>
+                <a:rPr lang="de-AT" sz="2000" b="1" dirty="0">
+                  <a:latin typeface="Arial" panose="020B0604020202020204" pitchFamily="34" charset="0"/>
+                  <a:cs typeface="Arial" panose="020B0604020202020204" pitchFamily="34" charset="0"/>
+                </a:rPr>
+                <a:t>Operation</a:t>
+              </a:r>
+            </a:p>
+          </p:txBody>
+        </p:sp>
+        <p:sp>
+          <p:nvSpPr>
+            <p:cNvPr id="25" name="Rechteck 24">
+              <a:extLst>
+                <a:ext uri="{FF2B5EF4-FFF2-40B4-BE49-F238E27FC236}">
+                  <a16:creationId xmlns:a16="http://schemas.microsoft.com/office/drawing/2014/main" id="{7BF315DA-22DC-457E-BD3E-374B19AE572E}"/>
+                </a:ext>
+              </a:extLst>
+            </p:cNvPr>
+            <p:cNvSpPr/>
+            <p:nvPr/>
+          </p:nvSpPr>
+          <p:spPr>
+            <a:xfrm>
+              <a:off x="6014721" y="2437947"/>
+              <a:ext cx="2529840" cy="509999"/>
+            </a:xfrm>
+            <a:prstGeom prst="rect">
+              <a:avLst/>
+            </a:prstGeom>
+            <a:noFill/>
+            <a:ln w="9525" cap="flat" cmpd="sng" algn="ctr">
+              <a:solidFill>
+                <a:schemeClr val="dk1"/>
+              </a:solidFill>
+              <a:prstDash val="solid"/>
+              <a:round/>
+              <a:headEnd type="none" w="med" len="med"/>
+              <a:tailEnd type="arrow" w="med" len="med"/>
+            </a:ln>
+          </p:spPr>
+          <p:style>
+            <a:lnRef idx="0">
+              <a:scrgbClr r="0" g="0" b="0"/>
+            </a:lnRef>
+            <a:fillRef idx="0">
+              <a:scrgbClr r="0" g="0" b="0"/>
+            </a:fillRef>
+            <a:effectRef idx="0">
+              <a:scrgbClr r="0" g="0" b="0"/>
+            </a:effectRef>
+            <a:fontRef idx="minor">
+              <a:schemeClr val="dk1"/>
+            </a:fontRef>
+          </p:style>
+          <p:txBody>
+            <a:bodyPr rtlCol="0" anchor="ctr"/>
+            <a:lstStyle/>
+            <a:p>
+              <a:endParaRPr lang="de-AT" dirty="0">
+                <a:latin typeface="Arial" panose="020B0604020202020204" pitchFamily="34" charset="0"/>
+                <a:cs typeface="Arial" panose="020B0604020202020204" pitchFamily="34" charset="0"/>
+              </a:endParaRPr>
+            </a:p>
+          </p:txBody>
+        </p:sp>
+      </p:grpSp>
+      <p:grpSp>
+        <p:nvGrpSpPr>
+          <p:cNvPr id="26" name="Gruppieren 25">
+            <a:extLst>
+              <a:ext uri="{FF2B5EF4-FFF2-40B4-BE49-F238E27FC236}">
+                <a16:creationId xmlns:a16="http://schemas.microsoft.com/office/drawing/2014/main" id="{E1F747B1-8BA9-42CC-A52C-DE98D66E9726}"/>
+              </a:ext>
+            </a:extLst>
+          </p:cNvPr>
+          <p:cNvGrpSpPr/>
+          <p:nvPr/>
+        </p:nvGrpSpPr>
+        <p:grpSpPr>
+          <a:xfrm>
+            <a:off x="7868558" y="5290212"/>
+            <a:ext cx="2170673" cy="1376784"/>
+            <a:chOff x="6014721" y="2009063"/>
+            <a:chExt cx="2529840" cy="938883"/>
+          </a:xfrm>
+        </p:grpSpPr>
+        <p:sp>
+          <p:nvSpPr>
+            <p:cNvPr id="27" name="Rechteck 26">
+              <a:extLst>
+                <a:ext uri="{FF2B5EF4-FFF2-40B4-BE49-F238E27FC236}">
+                  <a16:creationId xmlns:a16="http://schemas.microsoft.com/office/drawing/2014/main" id="{84DA2247-97D2-4FCC-8958-12BCDF082453}"/>
+                </a:ext>
+              </a:extLst>
+            </p:cNvPr>
+            <p:cNvSpPr/>
+            <p:nvPr/>
+          </p:nvSpPr>
+          <p:spPr>
+            <a:xfrm>
+              <a:off x="6014721" y="2009063"/>
+              <a:ext cx="2529840" cy="428786"/>
+            </a:xfrm>
+            <a:prstGeom prst="rect">
+              <a:avLst/>
+            </a:prstGeom>
+            <a:noFill/>
+            <a:ln w="9525" cap="flat" cmpd="sng" algn="ctr">
+              <a:solidFill>
+                <a:schemeClr val="dk1"/>
+              </a:solidFill>
+              <a:prstDash val="solid"/>
+              <a:round/>
+              <a:headEnd type="none" w="med" len="med"/>
+              <a:tailEnd type="arrow" w="med" len="med"/>
+            </a:ln>
+          </p:spPr>
+          <p:style>
+            <a:lnRef idx="0">
+              <a:scrgbClr r="0" g="0" b="0"/>
+            </a:lnRef>
+            <a:fillRef idx="0">
+              <a:scrgbClr r="0" g="0" b="0"/>
+            </a:fillRef>
+            <a:effectRef idx="0">
+              <a:scrgbClr r="0" g="0" b="0"/>
+            </a:effectRef>
+            <a:fontRef idx="minor">
+              <a:schemeClr val="dk1"/>
+            </a:fontRef>
+          </p:style>
+          <p:txBody>
+            <a:bodyPr rtlCol="0" anchor="ctr"/>
+            <a:lstStyle/>
+            <a:p>
+              <a:pPr algn="ctr"/>
+              <a:r>
+                <a:rPr lang="de-AT" sz="2000" b="1" dirty="0">
+                  <a:latin typeface="Arial" panose="020B0604020202020204" pitchFamily="34" charset="0"/>
+                  <a:cs typeface="Arial" panose="020B0604020202020204" pitchFamily="34" charset="0"/>
+                </a:rPr>
+                <a:t>Property</a:t>
+              </a:r>
+            </a:p>
+          </p:txBody>
+        </p:sp>
+        <p:sp>
+          <p:nvSpPr>
+            <p:cNvPr id="28" name="Rechteck 27">
+              <a:extLst>
+                <a:ext uri="{FF2B5EF4-FFF2-40B4-BE49-F238E27FC236}">
+                  <a16:creationId xmlns:a16="http://schemas.microsoft.com/office/drawing/2014/main" id="{E390FFB2-037E-46FD-B3A8-8E163210035F}"/>
+                </a:ext>
+              </a:extLst>
+            </p:cNvPr>
+            <p:cNvSpPr/>
+            <p:nvPr/>
+          </p:nvSpPr>
+          <p:spPr>
+            <a:xfrm>
+              <a:off x="6014721" y="2437947"/>
+              <a:ext cx="2529840" cy="509999"/>
+            </a:xfrm>
+            <a:prstGeom prst="rect">
+              <a:avLst/>
+            </a:prstGeom>
+            <a:noFill/>
+            <a:ln w="9525" cap="flat" cmpd="sng" algn="ctr">
+              <a:solidFill>
+                <a:schemeClr val="dk1"/>
+              </a:solidFill>
+              <a:prstDash val="solid"/>
+              <a:round/>
+              <a:headEnd type="none" w="med" len="med"/>
+              <a:tailEnd type="arrow" w="med" len="med"/>
+            </a:ln>
+          </p:spPr>
+          <p:style>
+            <a:lnRef idx="0">
+              <a:scrgbClr r="0" g="0" b="0"/>
+            </a:lnRef>
+            <a:fillRef idx="0">
+              <a:scrgbClr r="0" g="0" b="0"/>
+            </a:fillRef>
+            <a:effectRef idx="0">
+              <a:scrgbClr r="0" g="0" b="0"/>
+            </a:effectRef>
+            <a:fontRef idx="minor">
+              <a:schemeClr val="dk1"/>
+            </a:fontRef>
+          </p:style>
+          <p:txBody>
+            <a:bodyPr rtlCol="0" anchor="ctr"/>
+            <a:lstStyle/>
+            <a:p>
+              <a:endParaRPr lang="de-AT" dirty="0">
+                <a:latin typeface="Arial" panose="020B0604020202020204" pitchFamily="34" charset="0"/>
+                <a:cs typeface="Arial" panose="020B0604020202020204" pitchFamily="34" charset="0"/>
+              </a:endParaRPr>
+            </a:p>
+          </p:txBody>
+        </p:sp>
+      </p:grpSp>
+      <p:grpSp>
+        <p:nvGrpSpPr>
+          <p:cNvPr id="29" name="Gruppieren 28">
+            <a:extLst>
+              <a:ext uri="{FF2B5EF4-FFF2-40B4-BE49-F238E27FC236}">
+                <a16:creationId xmlns:a16="http://schemas.microsoft.com/office/drawing/2014/main" id="{D47D0764-9143-48B8-B9B9-956571BD9C66}"/>
+              </a:ext>
+            </a:extLst>
+          </p:cNvPr>
+          <p:cNvGrpSpPr/>
+          <p:nvPr/>
+        </p:nvGrpSpPr>
+        <p:grpSpPr>
+          <a:xfrm rot="16200000">
+            <a:off x="7088702" y="3425021"/>
+            <a:ext cx="1548645" cy="2181739"/>
+            <a:chOff x="4276794" y="1377472"/>
+            <a:chExt cx="1353887" cy="3362039"/>
+          </a:xfrm>
+        </p:grpSpPr>
+        <p:sp>
+          <p:nvSpPr>
+            <p:cNvPr id="30" name="Raute 29">
+              <a:extLst>
+                <a:ext uri="{FF2B5EF4-FFF2-40B4-BE49-F238E27FC236}">
+                  <a16:creationId xmlns:a16="http://schemas.microsoft.com/office/drawing/2014/main" id="{5EA1F405-F006-4A99-A8CD-97FE596AE122}"/>
+                </a:ext>
+              </a:extLst>
+            </p:cNvPr>
+            <p:cNvSpPr/>
+            <p:nvPr/>
+          </p:nvSpPr>
+          <p:spPr>
+            <a:xfrm flipH="1">
+              <a:off x="5460060" y="1377472"/>
+              <a:ext cx="170621" cy="277558"/>
+            </a:xfrm>
+            <a:prstGeom prst="diamond">
+              <a:avLst/>
+            </a:prstGeom>
+            <a:ln>
+              <a:headEnd type="none" w="med" len="med"/>
+              <a:tailEnd type="arrow" w="med" len="med"/>
+            </a:ln>
+          </p:spPr>
+          <p:style>
+            <a:lnRef idx="2">
+              <a:schemeClr val="dk1">
+                <a:shade val="50000"/>
+              </a:schemeClr>
+            </a:lnRef>
+            <a:fillRef idx="1">
+              <a:schemeClr val="dk1"/>
+            </a:fillRef>
+            <a:effectRef idx="0">
+              <a:schemeClr val="dk1"/>
+            </a:effectRef>
+            <a:fontRef idx="minor">
+              <a:schemeClr val="lt1"/>
+            </a:fontRef>
+          </p:style>
+          <p:txBody>
+            <a:bodyPr rtlCol="0" anchor="ctr"/>
+            <a:lstStyle/>
+            <a:p>
+              <a:pPr algn="ctr"/>
+              <a:endParaRPr lang="de-AT" dirty="0">
+                <a:latin typeface="Arial" panose="020B0604020202020204" pitchFamily="34" charset="0"/>
+                <a:cs typeface="Arial" panose="020B0604020202020204" pitchFamily="34" charset="0"/>
+              </a:endParaRPr>
+            </a:p>
+          </p:txBody>
+        </p:sp>
+        <p:cxnSp>
+          <p:nvCxnSpPr>
+            <p:cNvPr id="34" name="Verbinder: gewinkelt 98">
+              <a:extLst>
+                <a:ext uri="{FF2B5EF4-FFF2-40B4-BE49-F238E27FC236}">
+                  <a16:creationId xmlns:a16="http://schemas.microsoft.com/office/drawing/2014/main" id="{C3B889AB-9BF7-453D-822F-DA9A430D9343}"/>
+                </a:ext>
+              </a:extLst>
+            </p:cNvPr>
+            <p:cNvCxnSpPr>
+              <a:cxnSpLocks/>
+              <a:stCxn id="30" idx="2"/>
+              <a:endCxn id="27" idx="0"/>
+            </p:cNvCxnSpPr>
+            <p:nvPr/>
+          </p:nvCxnSpPr>
+          <p:spPr>
+            <a:xfrm rot="5400000">
+              <a:off x="3368841" y="2562983"/>
+              <a:ext cx="3084481" cy="1268575"/>
+            </a:xfrm>
+            <a:prstGeom prst="bentConnector2">
+              <a:avLst/>
+            </a:prstGeom>
+            <a:ln>
+              <a:headEnd type="none" w="med" len="med"/>
+              <a:tailEnd type="arrow" w="med" len="med"/>
+            </a:ln>
+          </p:spPr>
+          <p:style>
+            <a:lnRef idx="1">
+              <a:schemeClr val="dk1"/>
+            </a:lnRef>
+            <a:fillRef idx="0">
+              <a:schemeClr val="dk1"/>
+            </a:fillRef>
+            <a:effectRef idx="0">
+              <a:schemeClr val="dk1"/>
+            </a:effectRef>
+            <a:fontRef idx="minor">
+              <a:schemeClr val="tx1"/>
+            </a:fontRef>
+          </p:style>
+        </p:cxnSp>
+      </p:grpSp>
+      <p:grpSp>
+        <p:nvGrpSpPr>
+          <p:cNvPr id="35" name="Gruppieren 34">
+            <a:extLst>
+              <a:ext uri="{FF2B5EF4-FFF2-40B4-BE49-F238E27FC236}">
+                <a16:creationId xmlns:a16="http://schemas.microsoft.com/office/drawing/2014/main" id="{AF623C0F-91C3-4AAD-A394-9BFBBB245AF0}"/>
+              </a:ext>
+            </a:extLst>
+          </p:cNvPr>
+          <p:cNvGrpSpPr/>
+          <p:nvPr/>
+        </p:nvGrpSpPr>
+        <p:grpSpPr>
+          <a:xfrm rot="16200000">
+            <a:off x="7264470" y="3600788"/>
+            <a:ext cx="1202644" cy="2176208"/>
+            <a:chOff x="4579282" y="1377472"/>
+            <a:chExt cx="1051399" cy="3353516"/>
+          </a:xfrm>
+        </p:grpSpPr>
+        <p:sp>
+          <p:nvSpPr>
+            <p:cNvPr id="36" name="Raute 35">
+              <a:extLst>
+                <a:ext uri="{FF2B5EF4-FFF2-40B4-BE49-F238E27FC236}">
+                  <a16:creationId xmlns:a16="http://schemas.microsoft.com/office/drawing/2014/main" id="{96297146-368D-4940-BBB9-72DBCD475D6C}"/>
+                </a:ext>
+              </a:extLst>
+            </p:cNvPr>
+            <p:cNvSpPr/>
+            <p:nvPr/>
+          </p:nvSpPr>
+          <p:spPr>
+            <a:xfrm flipH="1">
+              <a:off x="5460060" y="1377472"/>
+              <a:ext cx="170621" cy="277558"/>
+            </a:xfrm>
+            <a:prstGeom prst="diamond">
+              <a:avLst/>
+            </a:prstGeom>
+            <a:ln>
+              <a:headEnd type="none" w="med" len="med"/>
+              <a:tailEnd type="arrow" w="med" len="med"/>
+            </a:ln>
+          </p:spPr>
+          <p:style>
+            <a:lnRef idx="2">
+              <a:schemeClr val="dk1">
+                <a:shade val="50000"/>
+              </a:schemeClr>
+            </a:lnRef>
+            <a:fillRef idx="1">
+              <a:schemeClr val="dk1"/>
+            </a:fillRef>
+            <a:effectRef idx="0">
+              <a:schemeClr val="dk1"/>
+            </a:effectRef>
+            <a:fontRef idx="minor">
+              <a:schemeClr val="lt1"/>
+            </a:fontRef>
+          </p:style>
+          <p:txBody>
+            <a:bodyPr rtlCol="0" anchor="ctr"/>
+            <a:lstStyle/>
+            <a:p>
+              <a:pPr algn="ctr"/>
+              <a:endParaRPr lang="de-AT" dirty="0">
+                <a:latin typeface="Arial" panose="020B0604020202020204" pitchFamily="34" charset="0"/>
+                <a:cs typeface="Arial" panose="020B0604020202020204" pitchFamily="34" charset="0"/>
+              </a:endParaRPr>
+            </a:p>
+          </p:txBody>
+        </p:sp>
+        <p:cxnSp>
+          <p:nvCxnSpPr>
+            <p:cNvPr id="37" name="Verbinder: gewinkelt 98">
+              <a:extLst>
+                <a:ext uri="{FF2B5EF4-FFF2-40B4-BE49-F238E27FC236}">
+                  <a16:creationId xmlns:a16="http://schemas.microsoft.com/office/drawing/2014/main" id="{15B10B46-03BF-4488-BC3F-12821443DFBE}"/>
+                </a:ext>
+              </a:extLst>
+            </p:cNvPr>
+            <p:cNvCxnSpPr>
+              <a:cxnSpLocks/>
+              <a:stCxn id="36" idx="2"/>
+              <a:endCxn id="27" idx="0"/>
+            </p:cNvCxnSpPr>
+            <p:nvPr/>
+          </p:nvCxnSpPr>
+          <p:spPr>
+            <a:xfrm rot="5400000">
+              <a:off x="3524347" y="2709965"/>
+              <a:ext cx="3075958" cy="966087"/>
+            </a:xfrm>
+            <a:prstGeom prst="bentConnector2">
+              <a:avLst/>
+            </a:prstGeom>
+            <a:ln>
+              <a:headEnd type="none" w="med" len="med"/>
+              <a:tailEnd type="arrow" w="med" len="med"/>
+            </a:ln>
+          </p:spPr>
+          <p:style>
+            <a:lnRef idx="1">
+              <a:schemeClr val="dk1"/>
+            </a:lnRef>
+            <a:fillRef idx="0">
+              <a:schemeClr val="dk1"/>
+            </a:fillRef>
+            <a:effectRef idx="0">
+              <a:schemeClr val="dk1"/>
+            </a:effectRef>
+            <a:fontRef idx="minor">
+              <a:schemeClr val="tx1"/>
+            </a:fontRef>
+          </p:style>
+        </p:cxnSp>
+      </p:grpSp>
+      <p:grpSp>
+        <p:nvGrpSpPr>
+          <p:cNvPr id="38" name="Gruppieren 37">
+            <a:extLst>
+              <a:ext uri="{FF2B5EF4-FFF2-40B4-BE49-F238E27FC236}">
+                <a16:creationId xmlns:a16="http://schemas.microsoft.com/office/drawing/2014/main" id="{7006E50A-1E5B-4F6F-856D-CEBACD80FB23}"/>
+              </a:ext>
+            </a:extLst>
+          </p:cNvPr>
+          <p:cNvGrpSpPr/>
+          <p:nvPr/>
+        </p:nvGrpSpPr>
+        <p:grpSpPr>
+          <a:xfrm rot="16200000">
+            <a:off x="7460454" y="3796772"/>
+            <a:ext cx="810676" cy="2176208"/>
+            <a:chOff x="4921956" y="1377472"/>
+            <a:chExt cx="708725" cy="3353516"/>
+          </a:xfrm>
+        </p:grpSpPr>
+        <p:sp>
+          <p:nvSpPr>
+            <p:cNvPr id="39" name="Raute 38">
+              <a:extLst>
+                <a:ext uri="{FF2B5EF4-FFF2-40B4-BE49-F238E27FC236}">
+                  <a16:creationId xmlns:a16="http://schemas.microsoft.com/office/drawing/2014/main" id="{4E919E5A-8A07-40F1-9188-03918B025446}"/>
+                </a:ext>
+              </a:extLst>
+            </p:cNvPr>
+            <p:cNvSpPr/>
+            <p:nvPr/>
+          </p:nvSpPr>
+          <p:spPr>
+            <a:xfrm flipH="1">
+              <a:off x="5460060" y="1377472"/>
+              <a:ext cx="170621" cy="277558"/>
+            </a:xfrm>
+            <a:prstGeom prst="diamond">
+              <a:avLst/>
+            </a:prstGeom>
+            <a:ln>
+              <a:headEnd type="none" w="med" len="med"/>
+              <a:tailEnd type="arrow" w="med" len="med"/>
+            </a:ln>
+          </p:spPr>
+          <p:style>
+            <a:lnRef idx="2">
+              <a:schemeClr val="dk1">
+                <a:shade val="50000"/>
+              </a:schemeClr>
+            </a:lnRef>
+            <a:fillRef idx="1">
+              <a:schemeClr val="dk1"/>
+            </a:fillRef>
+            <a:effectRef idx="0">
+              <a:schemeClr val="dk1"/>
+            </a:effectRef>
+            <a:fontRef idx="minor">
+              <a:schemeClr val="lt1"/>
+            </a:fontRef>
+          </p:style>
+          <p:txBody>
+            <a:bodyPr rtlCol="0" anchor="ctr"/>
+            <a:lstStyle/>
+            <a:p>
+              <a:pPr algn="ctr"/>
+              <a:endParaRPr lang="de-AT" dirty="0">
+                <a:latin typeface="Arial" panose="020B0604020202020204" pitchFamily="34" charset="0"/>
+                <a:cs typeface="Arial" panose="020B0604020202020204" pitchFamily="34" charset="0"/>
+              </a:endParaRPr>
+            </a:p>
+          </p:txBody>
+        </p:sp>
+        <p:cxnSp>
+          <p:nvCxnSpPr>
+            <p:cNvPr id="40" name="Verbinder: gewinkelt 98">
+              <a:extLst>
+                <a:ext uri="{FF2B5EF4-FFF2-40B4-BE49-F238E27FC236}">
+                  <a16:creationId xmlns:a16="http://schemas.microsoft.com/office/drawing/2014/main" id="{7F775CC9-D8D5-47BE-B354-8A1E5FB1643E}"/>
+                </a:ext>
+              </a:extLst>
+            </p:cNvPr>
+            <p:cNvCxnSpPr>
+              <a:cxnSpLocks/>
+              <a:stCxn id="39" idx="2"/>
+              <a:endCxn id="27" idx="0"/>
+            </p:cNvCxnSpPr>
+            <p:nvPr/>
+          </p:nvCxnSpPr>
+          <p:spPr>
+            <a:xfrm rot="5400000">
+              <a:off x="3695684" y="2881302"/>
+              <a:ext cx="3075958" cy="623414"/>
+            </a:xfrm>
+            <a:prstGeom prst="bentConnector2">
+              <a:avLst/>
+            </a:prstGeom>
+            <a:ln>
+              <a:headEnd type="none" w="med" len="med"/>
+              <a:tailEnd type="arrow" w="med" len="med"/>
+            </a:ln>
+          </p:spPr>
+          <p:style>
+            <a:lnRef idx="1">
+              <a:schemeClr val="dk1"/>
+            </a:lnRef>
+            <a:fillRef idx="0">
+              <a:schemeClr val="dk1"/>
+            </a:fillRef>
+            <a:effectRef idx="0">
+              <a:schemeClr val="dk1"/>
+            </a:effectRef>
+            <a:fontRef idx="minor">
+              <a:schemeClr val="tx1"/>
+            </a:fontRef>
+          </p:style>
+        </p:cxnSp>
+      </p:grpSp>
+      <p:sp>
+        <p:nvSpPr>
+          <p:cNvPr id="11" name="Textfeld 10">
+            <a:extLst>
+              <a:ext uri="{FF2B5EF4-FFF2-40B4-BE49-F238E27FC236}">
+                <a16:creationId xmlns:a16="http://schemas.microsoft.com/office/drawing/2014/main" id="{1357FD83-DA49-4B44-BFCB-BBAE64285AD6}"/>
+              </a:ext>
+            </a:extLst>
+          </p:cNvPr>
+          <p:cNvSpPr txBox="1"/>
+          <p:nvPr/>
+        </p:nvSpPr>
+        <p:spPr>
+          <a:xfrm>
+            <a:off x="7210059" y="3536812"/>
             <a:ext cx="743024" cy="369332"/>
           </a:xfrm>
           <a:prstGeom prst="rect">
@@ -7547,10 +11616,10 @@
         </p:nvGrpSpPr>
         <p:grpSpPr>
           <a:xfrm>
-            <a:off x="5628938" y="4871506"/>
-            <a:ext cx="195165" cy="584971"/>
+            <a:off x="5628938" y="4871507"/>
+            <a:ext cx="195165" cy="609710"/>
             <a:chOff x="5460060" y="1377472"/>
-            <a:chExt cx="170621" cy="901434"/>
+            <a:chExt cx="170621" cy="939556"/>
           </a:xfrm>
         </p:grpSpPr>
         <p:sp>
@@ -7624,8 +11693,8 @@
           </p:nvCxnSpPr>
           <p:spPr>
             <a:xfrm rot="16200000" flipH="1">
-              <a:off x="5247335" y="1953064"/>
-              <a:ext cx="623876" cy="27807"/>
+              <a:off x="5217147" y="1983253"/>
+              <a:ext cx="661998" cy="5551"/>
             </a:xfrm>
             <a:prstGeom prst="bentConnector3">
               <a:avLst>
@@ -7772,10 +11841,1968 @@
           </p:style>
         </p:cxnSp>
       </p:grpSp>
+      <p:grpSp>
+        <p:nvGrpSpPr>
+          <p:cNvPr id="53" name="Gruppieren 52">
+            <a:extLst>
+              <a:ext uri="{FF2B5EF4-FFF2-40B4-BE49-F238E27FC236}">
+                <a16:creationId xmlns:a16="http://schemas.microsoft.com/office/drawing/2014/main" id="{9431872D-DA00-4CC4-8AE1-ABBAF7631436}"/>
+              </a:ext>
+            </a:extLst>
+          </p:cNvPr>
+          <p:cNvGrpSpPr/>
+          <p:nvPr/>
+        </p:nvGrpSpPr>
+        <p:grpSpPr>
+          <a:xfrm>
+            <a:off x="712380" y="1748123"/>
+            <a:ext cx="2796542" cy="820424"/>
+            <a:chOff x="3484880" y="609600"/>
+            <a:chExt cx="2529840" cy="857572"/>
+          </a:xfrm>
+        </p:grpSpPr>
+        <p:sp>
+          <p:nvSpPr>
+            <p:cNvPr id="54" name="Rechteck 53">
+              <a:extLst>
+                <a:ext uri="{FF2B5EF4-FFF2-40B4-BE49-F238E27FC236}">
+                  <a16:creationId xmlns:a16="http://schemas.microsoft.com/office/drawing/2014/main" id="{E4559282-2328-4915-834D-BDDD9006351F}"/>
+                </a:ext>
+              </a:extLst>
+            </p:cNvPr>
+            <p:cNvSpPr/>
+            <p:nvPr/>
+          </p:nvSpPr>
+          <p:spPr>
+            <a:xfrm>
+              <a:off x="3484880" y="609600"/>
+              <a:ext cx="2529840" cy="428786"/>
+            </a:xfrm>
+            <a:prstGeom prst="rect">
+              <a:avLst/>
+            </a:prstGeom>
+            <a:noFill/>
+            <a:ln w="9525" cap="flat" cmpd="sng" algn="ctr">
+              <a:solidFill>
+                <a:schemeClr val="dk1"/>
+              </a:solidFill>
+              <a:prstDash val="solid"/>
+              <a:round/>
+              <a:headEnd type="none" w="med" len="med"/>
+              <a:tailEnd type="arrow" w="med" len="med"/>
+            </a:ln>
+          </p:spPr>
+          <p:style>
+            <a:lnRef idx="0">
+              <a:scrgbClr r="0" g="0" b="0"/>
+            </a:lnRef>
+            <a:fillRef idx="0">
+              <a:scrgbClr r="0" g="0" b="0"/>
+            </a:fillRef>
+            <a:effectRef idx="0">
+              <a:scrgbClr r="0" g="0" b="0"/>
+            </a:effectRef>
+            <a:fontRef idx="minor">
+              <a:schemeClr val="dk1"/>
+            </a:fontRef>
+          </p:style>
+          <p:txBody>
+            <a:bodyPr rtlCol="0" anchor="ctr"/>
+            <a:lstStyle/>
+            <a:p>
+              <a:pPr algn="ctr"/>
+              <a:r>
+                <a:rPr lang="de-AT" b="1" dirty="0" err="1">
+                  <a:latin typeface="Arial" panose="020B0604020202020204" pitchFamily="34" charset="0"/>
+                  <a:cs typeface="Arial" panose="020B0604020202020204" pitchFamily="34" charset="0"/>
+                </a:rPr>
+                <a:t>FunctionBlockProperty</a:t>
+              </a:r>
+              <a:endParaRPr lang="de-AT" b="1" dirty="0">
+                <a:latin typeface="Arial" panose="020B0604020202020204" pitchFamily="34" charset="0"/>
+                <a:cs typeface="Arial" panose="020B0604020202020204" pitchFamily="34" charset="0"/>
+              </a:endParaRPr>
+            </a:p>
+          </p:txBody>
+        </p:sp>
+        <p:sp>
+          <p:nvSpPr>
+            <p:cNvPr id="55" name="Rechteck 54">
+              <a:extLst>
+                <a:ext uri="{FF2B5EF4-FFF2-40B4-BE49-F238E27FC236}">
+                  <a16:creationId xmlns:a16="http://schemas.microsoft.com/office/drawing/2014/main" id="{C641019F-045F-4191-B715-499484294F87}"/>
+                </a:ext>
+              </a:extLst>
+            </p:cNvPr>
+            <p:cNvSpPr/>
+            <p:nvPr/>
+          </p:nvSpPr>
+          <p:spPr>
+            <a:xfrm>
+              <a:off x="3484880" y="1038386"/>
+              <a:ext cx="2529840" cy="428786"/>
+            </a:xfrm>
+            <a:prstGeom prst="rect">
+              <a:avLst/>
+            </a:prstGeom>
+            <a:noFill/>
+            <a:ln w="9525" cap="flat" cmpd="sng" algn="ctr">
+              <a:solidFill>
+                <a:schemeClr val="dk1"/>
+              </a:solidFill>
+              <a:prstDash val="solid"/>
+              <a:round/>
+              <a:headEnd type="none" w="med" len="med"/>
+              <a:tailEnd type="arrow" w="med" len="med"/>
+            </a:ln>
+          </p:spPr>
+          <p:style>
+            <a:lnRef idx="0">
+              <a:scrgbClr r="0" g="0" b="0"/>
+            </a:lnRef>
+            <a:fillRef idx="0">
+              <a:scrgbClr r="0" g="0" b="0"/>
+            </a:fillRef>
+            <a:effectRef idx="0">
+              <a:scrgbClr r="0" g="0" b="0"/>
+            </a:effectRef>
+            <a:fontRef idx="minor">
+              <a:schemeClr val="dk1"/>
+            </a:fontRef>
+          </p:style>
+          <p:txBody>
+            <a:bodyPr rtlCol="0" anchor="ctr"/>
+            <a:lstStyle/>
+            <a:p>
+              <a:pPr algn="ctr"/>
+              <a:r>
+                <a:rPr lang="de-AT" dirty="0">
+                  <a:latin typeface="Arial" panose="020B0604020202020204" pitchFamily="34" charset="0"/>
+                  <a:cs typeface="Arial" panose="020B0604020202020204" pitchFamily="34" charset="0"/>
+                </a:rPr>
+                <a:t>Name: String</a:t>
+              </a:r>
+            </a:p>
+            <a:p>
+              <a:pPr algn="ctr"/>
+              <a:r>
+                <a:rPr lang="de-AT" dirty="0">
+                  <a:latin typeface="Arial" panose="020B0604020202020204" pitchFamily="34" charset="0"/>
+                  <a:cs typeface="Arial" panose="020B0604020202020204" pitchFamily="34" charset="0"/>
+                </a:rPr>
+                <a:t>Description: String</a:t>
+              </a:r>
+            </a:p>
+            <a:p>
+              <a:pPr algn="ctr"/>
+              <a:r>
+                <a:rPr lang="de-AT" dirty="0" err="1">
+                  <a:latin typeface="Arial" panose="020B0604020202020204" pitchFamily="34" charset="0"/>
+                  <a:cs typeface="Arial" panose="020B0604020202020204" pitchFamily="34" charset="0"/>
+                </a:rPr>
+                <a:t>Multiplicity</a:t>
+              </a:r>
+              <a:r>
+                <a:rPr lang="de-AT" dirty="0">
+                  <a:latin typeface="Arial" panose="020B0604020202020204" pitchFamily="34" charset="0"/>
+                  <a:cs typeface="Arial" panose="020B0604020202020204" pitchFamily="34" charset="0"/>
+                </a:rPr>
+                <a:t>: </a:t>
+              </a:r>
+              <a:r>
+                <a:rPr lang="de-AT" dirty="0" err="1">
+                  <a:latin typeface="Arial" panose="020B0604020202020204" pitchFamily="34" charset="0"/>
+                  <a:cs typeface="Arial" panose="020B0604020202020204" pitchFamily="34" charset="0"/>
+                </a:rPr>
+                <a:t>bool</a:t>
+              </a:r>
+              <a:endParaRPr lang="de-AT" dirty="0">
+                <a:latin typeface="Arial" panose="020B0604020202020204" pitchFamily="34" charset="0"/>
+                <a:cs typeface="Arial" panose="020B0604020202020204" pitchFamily="34" charset="0"/>
+              </a:endParaRPr>
+            </a:p>
+          </p:txBody>
+        </p:sp>
+      </p:grpSp>
+      <p:cxnSp>
+        <p:nvCxnSpPr>
+          <p:cNvPr id="56" name="Verbinder: gewinkelt 98">
+            <a:extLst>
+              <a:ext uri="{FF2B5EF4-FFF2-40B4-BE49-F238E27FC236}">
+                <a16:creationId xmlns:a16="http://schemas.microsoft.com/office/drawing/2014/main" id="{E28ABB33-13A3-4192-9F2A-F4FED86E0917}"/>
+              </a:ext>
+            </a:extLst>
+          </p:cNvPr>
+          <p:cNvCxnSpPr>
+            <a:cxnSpLocks/>
+            <a:stCxn id="55" idx="3"/>
+            <a:endCxn id="10" idx="1"/>
+          </p:cNvCxnSpPr>
+          <p:nvPr/>
+        </p:nvCxnSpPr>
+        <p:spPr>
+          <a:xfrm>
+            <a:off x="3508922" y="2363441"/>
+            <a:ext cx="785978" cy="14708"/>
+          </a:xfrm>
+          <a:prstGeom prst="bentConnector3">
+            <a:avLst>
+              <a:gd name="adj1" fmla="val 50000"/>
+            </a:avLst>
+          </a:prstGeom>
+          <a:ln>
+            <a:headEnd type="none" w="med" len="med"/>
+            <a:tailEnd type="arrow" w="med" len="med"/>
+          </a:ln>
+        </p:spPr>
+        <p:style>
+          <a:lnRef idx="1">
+            <a:schemeClr val="dk1"/>
+          </a:lnRef>
+          <a:fillRef idx="0">
+            <a:schemeClr val="dk1"/>
+          </a:fillRef>
+          <a:effectRef idx="0">
+            <a:schemeClr val="dk1"/>
+          </a:effectRef>
+          <a:fontRef idx="minor">
+            <a:schemeClr val="tx1"/>
+          </a:fontRef>
+        </p:style>
+      </p:cxnSp>
+      <p:grpSp>
+        <p:nvGrpSpPr>
+          <p:cNvPr id="57" name="Gruppieren 56">
+            <a:extLst>
+              <a:ext uri="{FF2B5EF4-FFF2-40B4-BE49-F238E27FC236}">
+                <a16:creationId xmlns:a16="http://schemas.microsoft.com/office/drawing/2014/main" id="{499BF11F-0432-44B2-BC62-66BAF8815E51}"/>
+              </a:ext>
+            </a:extLst>
+          </p:cNvPr>
+          <p:cNvGrpSpPr/>
+          <p:nvPr/>
+        </p:nvGrpSpPr>
+        <p:grpSpPr>
+          <a:xfrm>
+            <a:off x="2110654" y="1030655"/>
+            <a:ext cx="3771333" cy="717467"/>
+            <a:chOff x="2134471" y="-452394"/>
+            <a:chExt cx="3407931" cy="765586"/>
+          </a:xfrm>
+        </p:grpSpPr>
+        <p:sp>
+          <p:nvSpPr>
+            <p:cNvPr id="58" name="Raute 57">
+              <a:extLst>
+                <a:ext uri="{FF2B5EF4-FFF2-40B4-BE49-F238E27FC236}">
+                  <a16:creationId xmlns:a16="http://schemas.microsoft.com/office/drawing/2014/main" id="{E682BA5C-38AB-49A8-BDC4-95CB8697E812}"/>
+                </a:ext>
+              </a:extLst>
+            </p:cNvPr>
+            <p:cNvSpPr/>
+            <p:nvPr/>
+          </p:nvSpPr>
+          <p:spPr>
+            <a:xfrm flipH="1">
+              <a:off x="5371781" y="-452394"/>
+              <a:ext cx="170621" cy="277558"/>
+            </a:xfrm>
+            <a:prstGeom prst="diamond">
+              <a:avLst/>
+            </a:prstGeom>
+            <a:ln>
+              <a:headEnd type="none" w="med" len="med"/>
+              <a:tailEnd type="arrow" w="med" len="med"/>
+            </a:ln>
+          </p:spPr>
+          <p:style>
+            <a:lnRef idx="2">
+              <a:schemeClr val="dk1">
+                <a:shade val="50000"/>
+              </a:schemeClr>
+            </a:lnRef>
+            <a:fillRef idx="1">
+              <a:schemeClr val="dk1"/>
+            </a:fillRef>
+            <a:effectRef idx="0">
+              <a:schemeClr val="dk1"/>
+            </a:effectRef>
+            <a:fontRef idx="minor">
+              <a:schemeClr val="lt1"/>
+            </a:fontRef>
+          </p:style>
+          <p:txBody>
+            <a:bodyPr rtlCol="0" anchor="ctr"/>
+            <a:lstStyle/>
+            <a:p>
+              <a:pPr algn="ctr"/>
+              <a:endParaRPr lang="de-AT" dirty="0">
+                <a:latin typeface="Arial" panose="020B0604020202020204" pitchFamily="34" charset="0"/>
+                <a:cs typeface="Arial" panose="020B0604020202020204" pitchFamily="34" charset="0"/>
+              </a:endParaRPr>
+            </a:p>
+          </p:txBody>
+        </p:sp>
+        <p:cxnSp>
+          <p:nvCxnSpPr>
+            <p:cNvPr id="59" name="Verbinder: gewinkelt 98">
+              <a:extLst>
+                <a:ext uri="{FF2B5EF4-FFF2-40B4-BE49-F238E27FC236}">
+                  <a16:creationId xmlns:a16="http://schemas.microsoft.com/office/drawing/2014/main" id="{04F14C3C-DA97-4FF0-838D-3FC740D336C2}"/>
+                </a:ext>
+              </a:extLst>
+            </p:cNvPr>
+            <p:cNvCxnSpPr>
+              <a:cxnSpLocks/>
+              <a:stCxn id="58" idx="2"/>
+              <a:endCxn id="54" idx="0"/>
+            </p:cNvCxnSpPr>
+            <p:nvPr/>
+          </p:nvCxnSpPr>
+          <p:spPr>
+            <a:xfrm rot="5400000">
+              <a:off x="3551767" y="-1592133"/>
+              <a:ext cx="488029" cy="3322622"/>
+            </a:xfrm>
+            <a:prstGeom prst="bentConnector3">
+              <a:avLst>
+                <a:gd name="adj1" fmla="val 50000"/>
+              </a:avLst>
+            </a:prstGeom>
+            <a:ln>
+              <a:headEnd type="none" w="med" len="med"/>
+              <a:tailEnd type="arrow" w="med" len="med"/>
+            </a:ln>
+          </p:spPr>
+          <p:style>
+            <a:lnRef idx="1">
+              <a:schemeClr val="dk1"/>
+            </a:lnRef>
+            <a:fillRef idx="0">
+              <a:schemeClr val="dk1"/>
+            </a:fillRef>
+            <a:effectRef idx="0">
+              <a:schemeClr val="dk1"/>
+            </a:effectRef>
+            <a:fontRef idx="minor">
+              <a:schemeClr val="tx1"/>
+            </a:fontRef>
+          </p:style>
+        </p:cxnSp>
+      </p:grpSp>
+      <p:sp>
+        <p:nvSpPr>
+          <p:cNvPr id="60" name="Textfeld 59">
+            <a:extLst>
+              <a:ext uri="{FF2B5EF4-FFF2-40B4-BE49-F238E27FC236}">
+                <a16:creationId xmlns:a16="http://schemas.microsoft.com/office/drawing/2014/main" id="{64A85189-5251-4AD8-8CA1-CF691F4005D4}"/>
+              </a:ext>
+            </a:extLst>
+          </p:cNvPr>
+          <p:cNvSpPr txBox="1"/>
+          <p:nvPr/>
+        </p:nvSpPr>
+        <p:spPr>
+          <a:xfrm>
+            <a:off x="2243687" y="1164579"/>
+            <a:ext cx="1698991" cy="369332"/>
+          </a:xfrm>
+          <a:prstGeom prst="rect">
+            <a:avLst/>
+          </a:prstGeom>
+          <a:noFill/>
+        </p:spPr>
+        <p:txBody>
+          <a:bodyPr wrap="none" rtlCol="0">
+            <a:spAutoFit/>
+          </a:bodyPr>
+          <a:lstStyle/>
+          <a:p>
+            <a:r>
+              <a:rPr lang="de-AT" dirty="0"/>
+              <a:t>[0..*] </a:t>
+            </a:r>
+            <a:r>
+              <a:rPr lang="de-AT" dirty="0" err="1"/>
+              <a:t>properties</a:t>
+            </a:r>
+            <a:endParaRPr lang="de-AT" dirty="0"/>
+          </a:p>
+        </p:txBody>
+      </p:sp>
+      <p:sp>
+        <p:nvSpPr>
+          <p:cNvPr id="61" name="Textfeld 60">
+            <a:extLst>
+              <a:ext uri="{FF2B5EF4-FFF2-40B4-BE49-F238E27FC236}">
+                <a16:creationId xmlns:a16="http://schemas.microsoft.com/office/drawing/2014/main" id="{39B57D7E-AD20-41C1-B768-9E45A10F2FC3}"/>
+              </a:ext>
+            </a:extLst>
+          </p:cNvPr>
+          <p:cNvSpPr txBox="1"/>
+          <p:nvPr/>
+        </p:nvSpPr>
+        <p:spPr>
+          <a:xfrm>
+            <a:off x="3328677" y="1926704"/>
+            <a:ext cx="1146468" cy="369332"/>
+          </a:xfrm>
+          <a:prstGeom prst="rect">
+            <a:avLst/>
+          </a:prstGeom>
+          <a:noFill/>
+        </p:spPr>
+        <p:txBody>
+          <a:bodyPr wrap="none" rtlCol="0">
+            <a:spAutoFit/>
+          </a:bodyPr>
+          <a:lstStyle/>
+          <a:p>
+            <a:r>
+              <a:rPr lang="de-AT" dirty="0"/>
+              <a:t>[0..1] type</a:t>
+            </a:r>
+          </a:p>
+        </p:txBody>
+      </p:sp>
+      <p:grpSp>
+        <p:nvGrpSpPr>
+          <p:cNvPr id="62" name="Gruppieren 61">
+            <a:extLst>
+              <a:ext uri="{FF2B5EF4-FFF2-40B4-BE49-F238E27FC236}">
+                <a16:creationId xmlns:a16="http://schemas.microsoft.com/office/drawing/2014/main" id="{C6E2E571-8BB6-4FD1-BFB3-21B28D79B695}"/>
+              </a:ext>
+            </a:extLst>
+          </p:cNvPr>
+          <p:cNvGrpSpPr/>
+          <p:nvPr/>
+        </p:nvGrpSpPr>
+        <p:grpSpPr>
+          <a:xfrm>
+            <a:off x="296640" y="118589"/>
+            <a:ext cx="2796542" cy="820424"/>
+            <a:chOff x="3484880" y="609600"/>
+            <a:chExt cx="2529840" cy="857572"/>
+          </a:xfrm>
+        </p:grpSpPr>
+        <p:sp>
+          <p:nvSpPr>
+            <p:cNvPr id="63" name="Rechteck 62">
+              <a:extLst>
+                <a:ext uri="{FF2B5EF4-FFF2-40B4-BE49-F238E27FC236}">
+                  <a16:creationId xmlns:a16="http://schemas.microsoft.com/office/drawing/2014/main" id="{7E67FA87-EA0F-4EBD-85CB-E1FD919964A7}"/>
+                </a:ext>
+              </a:extLst>
+            </p:cNvPr>
+            <p:cNvSpPr/>
+            <p:nvPr/>
+          </p:nvSpPr>
+          <p:spPr>
+            <a:xfrm>
+              <a:off x="3484880" y="609600"/>
+              <a:ext cx="2529840" cy="428786"/>
+            </a:xfrm>
+            <a:prstGeom prst="rect">
+              <a:avLst/>
+            </a:prstGeom>
+            <a:noFill/>
+            <a:ln w="9525" cap="flat" cmpd="sng" algn="ctr">
+              <a:solidFill>
+                <a:schemeClr val="dk1"/>
+              </a:solidFill>
+              <a:prstDash val="solid"/>
+              <a:round/>
+              <a:headEnd type="none" w="med" len="med"/>
+              <a:tailEnd type="arrow" w="med" len="med"/>
+            </a:ln>
+          </p:spPr>
+          <p:style>
+            <a:lnRef idx="0">
+              <a:scrgbClr r="0" g="0" b="0"/>
+            </a:lnRef>
+            <a:fillRef idx="0">
+              <a:scrgbClr r="0" g="0" b="0"/>
+            </a:fillRef>
+            <a:effectRef idx="0">
+              <a:scrgbClr r="0" g="0" b="0"/>
+            </a:effectRef>
+            <a:fontRef idx="minor">
+              <a:schemeClr val="dk1"/>
+            </a:fontRef>
+          </p:style>
+          <p:txBody>
+            <a:bodyPr rtlCol="0" anchor="ctr"/>
+            <a:lstStyle/>
+            <a:p>
+              <a:pPr algn="ctr"/>
+              <a:r>
+                <a:rPr lang="de-AT" b="1" dirty="0">
+                  <a:latin typeface="Arial" panose="020B0604020202020204" pitchFamily="34" charset="0"/>
+                  <a:cs typeface="Arial" panose="020B0604020202020204" pitchFamily="34" charset="0"/>
+                </a:rPr>
+                <a:t>Presence</a:t>
+              </a:r>
+            </a:p>
+          </p:txBody>
+        </p:sp>
+        <p:sp>
+          <p:nvSpPr>
+            <p:cNvPr id="64" name="Rechteck 63">
+              <a:extLst>
+                <a:ext uri="{FF2B5EF4-FFF2-40B4-BE49-F238E27FC236}">
+                  <a16:creationId xmlns:a16="http://schemas.microsoft.com/office/drawing/2014/main" id="{6E1A1EA4-C552-49CF-ADE0-3C66BC542EBB}"/>
+                </a:ext>
+              </a:extLst>
+            </p:cNvPr>
+            <p:cNvSpPr/>
+            <p:nvPr/>
+          </p:nvSpPr>
+          <p:spPr>
+            <a:xfrm>
+              <a:off x="3484880" y="1038386"/>
+              <a:ext cx="2529840" cy="428786"/>
+            </a:xfrm>
+            <a:prstGeom prst="rect">
+              <a:avLst/>
+            </a:prstGeom>
+            <a:noFill/>
+            <a:ln w="9525" cap="flat" cmpd="sng" algn="ctr">
+              <a:solidFill>
+                <a:schemeClr val="dk1"/>
+              </a:solidFill>
+              <a:prstDash val="solid"/>
+              <a:round/>
+              <a:headEnd type="none" w="med" len="med"/>
+              <a:tailEnd type="arrow" w="med" len="med"/>
+            </a:ln>
+          </p:spPr>
+          <p:style>
+            <a:lnRef idx="0">
+              <a:scrgbClr r="0" g="0" b="0"/>
+            </a:lnRef>
+            <a:fillRef idx="0">
+              <a:scrgbClr r="0" g="0" b="0"/>
+            </a:fillRef>
+            <a:effectRef idx="0">
+              <a:scrgbClr r="0" g="0" b="0"/>
+            </a:effectRef>
+            <a:fontRef idx="minor">
+              <a:schemeClr val="dk1"/>
+            </a:fontRef>
+          </p:style>
+          <p:txBody>
+            <a:bodyPr rtlCol="0" anchor="ctr"/>
+            <a:lstStyle/>
+            <a:p>
+              <a:pPr algn="ctr"/>
+              <a:r>
+                <a:rPr lang="de-AT" dirty="0" err="1">
+                  <a:latin typeface="Arial" panose="020B0604020202020204" pitchFamily="34" charset="0"/>
+                  <a:cs typeface="Arial" panose="020B0604020202020204" pitchFamily="34" charset="0"/>
+                </a:rPr>
+                <a:t>Mandatory</a:t>
+              </a:r>
+              <a:r>
+                <a:rPr lang="de-AT" dirty="0">
+                  <a:latin typeface="Arial" panose="020B0604020202020204" pitchFamily="34" charset="0"/>
+                  <a:cs typeface="Arial" panose="020B0604020202020204" pitchFamily="34" charset="0"/>
+                </a:rPr>
+                <a:t>: </a:t>
+              </a:r>
+              <a:r>
+                <a:rPr lang="de-AT" dirty="0" err="1">
+                  <a:latin typeface="Arial" panose="020B0604020202020204" pitchFamily="34" charset="0"/>
+                  <a:cs typeface="Arial" panose="020B0604020202020204" pitchFamily="34" charset="0"/>
+                </a:rPr>
+                <a:t>bool</a:t>
+              </a:r>
+              <a:endParaRPr lang="de-AT" dirty="0">
+                <a:latin typeface="Arial" panose="020B0604020202020204" pitchFamily="34" charset="0"/>
+                <a:cs typeface="Arial" panose="020B0604020202020204" pitchFamily="34" charset="0"/>
+              </a:endParaRPr>
+            </a:p>
+          </p:txBody>
+        </p:sp>
+      </p:grpSp>
+      <p:cxnSp>
+        <p:nvCxnSpPr>
+          <p:cNvPr id="65" name="Verbinder: gewinkelt 98">
+            <a:extLst>
+              <a:ext uri="{FF2B5EF4-FFF2-40B4-BE49-F238E27FC236}">
+                <a16:creationId xmlns:a16="http://schemas.microsoft.com/office/drawing/2014/main" id="{B99ACC29-9215-4EE8-90FE-91CBC8DD6EDB}"/>
+              </a:ext>
+            </a:extLst>
+          </p:cNvPr>
+          <p:cNvCxnSpPr>
+            <a:cxnSpLocks/>
+            <a:stCxn id="55" idx="2"/>
+            <a:endCxn id="21" idx="1"/>
+          </p:cNvCxnSpPr>
+          <p:nvPr/>
+        </p:nvCxnSpPr>
+        <p:spPr>
+          <a:xfrm rot="16200000" flipH="1">
+            <a:off x="2744803" y="1934394"/>
+            <a:ext cx="1222529" cy="2490833"/>
+          </a:xfrm>
+          <a:prstGeom prst="bentConnector2">
+            <a:avLst/>
+          </a:prstGeom>
+          <a:ln>
+            <a:headEnd type="none" w="med" len="med"/>
+            <a:tailEnd type="arrow" w="med" len="med"/>
+          </a:ln>
+        </p:spPr>
+        <p:style>
+          <a:lnRef idx="1">
+            <a:schemeClr val="dk1"/>
+          </a:lnRef>
+          <a:fillRef idx="0">
+            <a:schemeClr val="dk1"/>
+          </a:fillRef>
+          <a:effectRef idx="0">
+            <a:schemeClr val="dk1"/>
+          </a:effectRef>
+          <a:fontRef idx="minor">
+            <a:schemeClr val="tx1"/>
+          </a:fontRef>
+        </p:style>
+      </p:cxnSp>
+      <p:sp>
+        <p:nvSpPr>
+          <p:cNvPr id="67" name="Textfeld 66">
+            <a:extLst>
+              <a:ext uri="{FF2B5EF4-FFF2-40B4-BE49-F238E27FC236}">
+                <a16:creationId xmlns:a16="http://schemas.microsoft.com/office/drawing/2014/main" id="{718CCE2B-D9BE-4F46-963B-58F4B34D73C3}"/>
+              </a:ext>
+            </a:extLst>
+          </p:cNvPr>
+          <p:cNvSpPr txBox="1"/>
+          <p:nvPr/>
+        </p:nvSpPr>
+        <p:spPr>
+          <a:xfrm>
+            <a:off x="2042238" y="3462384"/>
+            <a:ext cx="2933367" cy="369332"/>
+          </a:xfrm>
+          <a:prstGeom prst="rect">
+            <a:avLst/>
+          </a:prstGeom>
+          <a:noFill/>
+        </p:spPr>
+        <p:txBody>
+          <a:bodyPr wrap="none" rtlCol="0">
+            <a:spAutoFit/>
+          </a:bodyPr>
+          <a:lstStyle/>
+          <a:p>
+            <a:r>
+              <a:rPr lang="de-AT" dirty="0"/>
+              <a:t>[0..1] </a:t>
+            </a:r>
+            <a:r>
+              <a:rPr lang="de-AT" dirty="0" err="1"/>
+              <a:t>extendedFunctionBlock</a:t>
+            </a:r>
+            <a:endParaRPr lang="de-AT" dirty="0"/>
+          </a:p>
+        </p:txBody>
+      </p:sp>
+      <p:grpSp>
+        <p:nvGrpSpPr>
+          <p:cNvPr id="68" name="Gruppieren 67">
+            <a:extLst>
+              <a:ext uri="{FF2B5EF4-FFF2-40B4-BE49-F238E27FC236}">
+                <a16:creationId xmlns:a16="http://schemas.microsoft.com/office/drawing/2014/main" id="{8BEDD223-77A8-45DC-A5AB-D129B0B5DA26}"/>
+              </a:ext>
+            </a:extLst>
+          </p:cNvPr>
+          <p:cNvGrpSpPr/>
+          <p:nvPr/>
+        </p:nvGrpSpPr>
+        <p:grpSpPr>
+          <a:xfrm>
+            <a:off x="9680283" y="3612700"/>
+            <a:ext cx="2796542" cy="2716980"/>
+            <a:chOff x="3484880" y="609600"/>
+            <a:chExt cx="2529840" cy="2840002"/>
+          </a:xfrm>
+        </p:grpSpPr>
+        <p:sp>
+          <p:nvSpPr>
+            <p:cNvPr id="69" name="Rechteck 68">
+              <a:extLst>
+                <a:ext uri="{FF2B5EF4-FFF2-40B4-BE49-F238E27FC236}">
+                  <a16:creationId xmlns:a16="http://schemas.microsoft.com/office/drawing/2014/main" id="{D5679EE3-C950-46F3-8990-3147DF416401}"/>
+                </a:ext>
+              </a:extLst>
+            </p:cNvPr>
+            <p:cNvSpPr/>
+            <p:nvPr/>
+          </p:nvSpPr>
+          <p:spPr>
+            <a:xfrm>
+              <a:off x="3484880" y="609600"/>
+              <a:ext cx="2529840" cy="428786"/>
+            </a:xfrm>
+            <a:prstGeom prst="rect">
+              <a:avLst/>
+            </a:prstGeom>
+            <a:noFill/>
+            <a:ln w="9525" cap="flat" cmpd="sng" algn="ctr">
+              <a:solidFill>
+                <a:schemeClr val="dk1"/>
+              </a:solidFill>
+              <a:prstDash val="solid"/>
+              <a:round/>
+              <a:headEnd type="none" w="med" len="med"/>
+              <a:tailEnd type="arrow" w="med" len="med"/>
+            </a:ln>
+          </p:spPr>
+          <p:style>
+            <a:lnRef idx="0">
+              <a:scrgbClr r="0" g="0" b="0"/>
+            </a:lnRef>
+            <a:fillRef idx="0">
+              <a:scrgbClr r="0" g="0" b="0"/>
+            </a:fillRef>
+            <a:effectRef idx="0">
+              <a:scrgbClr r="0" g="0" b="0"/>
+            </a:effectRef>
+            <a:fontRef idx="minor">
+              <a:schemeClr val="dk1"/>
+            </a:fontRef>
+          </p:style>
+          <p:txBody>
+            <a:bodyPr rtlCol="0" anchor="ctr"/>
+            <a:lstStyle/>
+            <a:p>
+              <a:pPr algn="ctr"/>
+              <a:r>
+                <a:rPr lang="de-AT" b="1" dirty="0">
+                  <a:latin typeface="Arial" panose="020B0604020202020204" pitchFamily="34" charset="0"/>
+                  <a:cs typeface="Arial" panose="020B0604020202020204" pitchFamily="34" charset="0"/>
+                </a:rPr>
+                <a:t>&lt;</a:t>
+              </a:r>
+              <a:r>
+                <a:rPr lang="de-AT" b="1" dirty="0" err="1">
+                  <a:latin typeface="Arial" panose="020B0604020202020204" pitchFamily="34" charset="0"/>
+                  <a:cs typeface="Arial" panose="020B0604020202020204" pitchFamily="34" charset="0"/>
+                </a:rPr>
+                <a:t>abstract</a:t>
+              </a:r>
+              <a:r>
+                <a:rPr lang="de-AT" b="1" dirty="0">
+                  <a:latin typeface="Arial" panose="020B0604020202020204" pitchFamily="34" charset="0"/>
+                  <a:cs typeface="Arial" panose="020B0604020202020204" pitchFamily="34" charset="0"/>
+                </a:rPr>
+                <a:t>&gt; Model</a:t>
+              </a:r>
+            </a:p>
+          </p:txBody>
+        </p:sp>
+        <p:sp>
+          <p:nvSpPr>
+            <p:cNvPr id="70" name="Rechteck 69">
+              <a:extLst>
+                <a:ext uri="{FF2B5EF4-FFF2-40B4-BE49-F238E27FC236}">
+                  <a16:creationId xmlns:a16="http://schemas.microsoft.com/office/drawing/2014/main" id="{31E7FE4A-E1E1-493E-ACC6-ECCF17CE60E1}"/>
+                </a:ext>
+              </a:extLst>
+            </p:cNvPr>
+            <p:cNvSpPr/>
+            <p:nvPr/>
+          </p:nvSpPr>
+          <p:spPr>
+            <a:xfrm>
+              <a:off x="3484880" y="1038386"/>
+              <a:ext cx="2529840" cy="2411216"/>
+            </a:xfrm>
+            <a:prstGeom prst="rect">
+              <a:avLst/>
+            </a:prstGeom>
+            <a:noFill/>
+            <a:ln w="9525" cap="flat" cmpd="sng" algn="ctr">
+              <a:solidFill>
+                <a:schemeClr val="dk1"/>
+              </a:solidFill>
+              <a:prstDash val="solid"/>
+              <a:round/>
+              <a:headEnd type="none" w="med" len="med"/>
+              <a:tailEnd type="arrow" w="med" len="med"/>
+            </a:ln>
+          </p:spPr>
+          <p:style>
+            <a:lnRef idx="0">
+              <a:scrgbClr r="0" g="0" b="0"/>
+            </a:lnRef>
+            <a:fillRef idx="0">
+              <a:scrgbClr r="0" g="0" b="0"/>
+            </a:fillRef>
+            <a:effectRef idx="0">
+              <a:scrgbClr r="0" g="0" b="0"/>
+            </a:effectRef>
+            <a:fontRef idx="minor">
+              <a:schemeClr val="dk1"/>
+            </a:fontRef>
+          </p:style>
+          <p:txBody>
+            <a:bodyPr rtlCol="0" anchor="ctr"/>
+            <a:lstStyle/>
+            <a:p>
+              <a:pPr algn="ctr"/>
+              <a:r>
+                <a:rPr lang="de-AT" dirty="0">
+                  <a:latin typeface="Arial" panose="020B0604020202020204" pitchFamily="34" charset="0"/>
+                  <a:cs typeface="Arial" panose="020B0604020202020204" pitchFamily="34" charset="0"/>
+                </a:rPr>
+                <a:t>Name: String</a:t>
+              </a:r>
+            </a:p>
+            <a:p>
+              <a:pPr algn="ctr"/>
+              <a:r>
+                <a:rPr lang="de-AT" dirty="0">
+                  <a:latin typeface="Arial" panose="020B0604020202020204" pitchFamily="34" charset="0"/>
+                  <a:cs typeface="Arial" panose="020B0604020202020204" pitchFamily="34" charset="0"/>
+                </a:rPr>
+                <a:t>Namespace: String</a:t>
+              </a:r>
+            </a:p>
+            <a:p>
+              <a:pPr algn="ctr"/>
+              <a:r>
+                <a:rPr lang="de-AT" dirty="0">
+                  <a:latin typeface="Arial" panose="020B0604020202020204" pitchFamily="34" charset="0"/>
+                  <a:cs typeface="Arial" panose="020B0604020202020204" pitchFamily="34" charset="0"/>
+                </a:rPr>
+                <a:t>Version: String</a:t>
+              </a:r>
+            </a:p>
+            <a:p>
+              <a:pPr algn="ctr"/>
+              <a:r>
+                <a:rPr lang="de-AT" dirty="0">
+                  <a:latin typeface="Arial" panose="020B0604020202020204" pitchFamily="34" charset="0"/>
+                  <a:cs typeface="Arial" panose="020B0604020202020204" pitchFamily="34" charset="0"/>
+                </a:rPr>
+                <a:t>Description: String</a:t>
+              </a:r>
+            </a:p>
+            <a:p>
+              <a:pPr algn="ctr"/>
+              <a:r>
+                <a:rPr lang="de-AT" dirty="0" err="1">
+                  <a:latin typeface="Arial" panose="020B0604020202020204" pitchFamily="34" charset="0"/>
+                  <a:cs typeface="Arial" panose="020B0604020202020204" pitchFamily="34" charset="0"/>
+                </a:rPr>
+                <a:t>displayName</a:t>
+              </a:r>
+              <a:r>
+                <a:rPr lang="de-AT" dirty="0">
+                  <a:latin typeface="Arial" panose="020B0604020202020204" pitchFamily="34" charset="0"/>
+                  <a:cs typeface="Arial" panose="020B0604020202020204" pitchFamily="34" charset="0"/>
+                </a:rPr>
+                <a:t>: String</a:t>
+              </a:r>
+            </a:p>
+            <a:p>
+              <a:pPr algn="ctr"/>
+              <a:r>
+                <a:rPr lang="de-AT" dirty="0" err="1">
+                  <a:latin typeface="Arial" panose="020B0604020202020204" pitchFamily="34" charset="0"/>
+                  <a:cs typeface="Arial" panose="020B0604020202020204" pitchFamily="34" charset="0"/>
+                </a:rPr>
+                <a:t>Category</a:t>
+              </a:r>
+              <a:r>
+                <a:rPr lang="de-AT" dirty="0">
+                  <a:latin typeface="Arial" panose="020B0604020202020204" pitchFamily="34" charset="0"/>
+                  <a:cs typeface="Arial" panose="020B0604020202020204" pitchFamily="34" charset="0"/>
+                </a:rPr>
+                <a:t>: String</a:t>
+              </a:r>
+            </a:p>
+            <a:p>
+              <a:pPr algn="ctr"/>
+              <a:r>
+                <a:rPr lang="de-AT" dirty="0">
+                  <a:latin typeface="Arial" panose="020B0604020202020204" pitchFamily="34" charset="0"/>
+                  <a:cs typeface="Arial" panose="020B0604020202020204" pitchFamily="34" charset="0"/>
+                </a:rPr>
+                <a:t>Lang: </a:t>
+              </a:r>
+              <a:r>
+                <a:rPr lang="de-AT" dirty="0" err="1">
+                  <a:latin typeface="Arial" panose="020B0604020202020204" pitchFamily="34" charset="0"/>
+                  <a:cs typeface="Arial" panose="020B0604020202020204" pitchFamily="34" charset="0"/>
+                </a:rPr>
+                <a:t>VortoLangVersion</a:t>
+              </a:r>
+              <a:r>
+                <a:rPr lang="de-AT" dirty="0">
+                  <a:latin typeface="Arial" panose="020B0604020202020204" pitchFamily="34" charset="0"/>
+                  <a:cs typeface="Arial" panose="020B0604020202020204" pitchFamily="34" charset="0"/>
+                </a:rPr>
+                <a:t> = 1</a:t>
+              </a:r>
+            </a:p>
+          </p:txBody>
+        </p:sp>
+      </p:grpSp>
+      <p:grpSp>
+        <p:nvGrpSpPr>
+          <p:cNvPr id="71" name="Gruppieren 70">
+            <a:extLst>
+              <a:ext uri="{FF2B5EF4-FFF2-40B4-BE49-F238E27FC236}">
+                <a16:creationId xmlns:a16="http://schemas.microsoft.com/office/drawing/2014/main" id="{DF789A7C-CE49-48B4-8AE6-E1C6E1DC6A56}"/>
+              </a:ext>
+            </a:extLst>
+          </p:cNvPr>
+          <p:cNvGrpSpPr/>
+          <p:nvPr/>
+        </p:nvGrpSpPr>
+        <p:grpSpPr>
+          <a:xfrm>
+            <a:off x="8105483" y="929927"/>
+            <a:ext cx="2796542" cy="820424"/>
+            <a:chOff x="3484880" y="609600"/>
+            <a:chExt cx="2529840" cy="857572"/>
+          </a:xfrm>
+        </p:grpSpPr>
+        <p:sp>
+          <p:nvSpPr>
+            <p:cNvPr id="72" name="Rechteck 71">
+              <a:extLst>
+                <a:ext uri="{FF2B5EF4-FFF2-40B4-BE49-F238E27FC236}">
+                  <a16:creationId xmlns:a16="http://schemas.microsoft.com/office/drawing/2014/main" id="{1C58C873-F6B7-42F7-A79C-70B3CC4F6145}"/>
+                </a:ext>
+              </a:extLst>
+            </p:cNvPr>
+            <p:cNvSpPr/>
+            <p:nvPr/>
+          </p:nvSpPr>
+          <p:spPr>
+            <a:xfrm>
+              <a:off x="3484880" y="609600"/>
+              <a:ext cx="2529840" cy="428786"/>
+            </a:xfrm>
+            <a:prstGeom prst="rect">
+              <a:avLst/>
+            </a:prstGeom>
+            <a:noFill/>
+            <a:ln w="9525" cap="flat" cmpd="sng" algn="ctr">
+              <a:solidFill>
+                <a:schemeClr val="dk1"/>
+              </a:solidFill>
+              <a:prstDash val="solid"/>
+              <a:round/>
+              <a:headEnd type="none" w="med" len="med"/>
+              <a:tailEnd type="arrow" w="med" len="med"/>
+            </a:ln>
+          </p:spPr>
+          <p:style>
+            <a:lnRef idx="0">
+              <a:scrgbClr r="0" g="0" b="0"/>
+            </a:lnRef>
+            <a:fillRef idx="0">
+              <a:scrgbClr r="0" g="0" b="0"/>
+            </a:fillRef>
+            <a:effectRef idx="0">
+              <a:scrgbClr r="0" g="0" b="0"/>
+            </a:effectRef>
+            <a:fontRef idx="minor">
+              <a:schemeClr val="dk1"/>
+            </a:fontRef>
+          </p:style>
+          <p:txBody>
+            <a:bodyPr rtlCol="0" anchor="ctr"/>
+            <a:lstStyle/>
+            <a:p>
+              <a:pPr algn="ctr"/>
+              <a:r>
+                <a:rPr lang="de-AT" b="1" dirty="0" err="1">
+                  <a:latin typeface="Arial" panose="020B0604020202020204" pitchFamily="34" charset="0"/>
+                  <a:cs typeface="Arial" panose="020B0604020202020204" pitchFamily="34" charset="0"/>
+                </a:rPr>
+                <a:t>ModelReference</a:t>
+              </a:r>
+              <a:endParaRPr lang="de-AT" b="1" dirty="0">
+                <a:latin typeface="Arial" panose="020B0604020202020204" pitchFamily="34" charset="0"/>
+                <a:cs typeface="Arial" panose="020B0604020202020204" pitchFamily="34" charset="0"/>
+              </a:endParaRPr>
+            </a:p>
+          </p:txBody>
+        </p:sp>
+        <p:sp>
+          <p:nvSpPr>
+            <p:cNvPr id="73" name="Rechteck 72">
+              <a:extLst>
+                <a:ext uri="{FF2B5EF4-FFF2-40B4-BE49-F238E27FC236}">
+                  <a16:creationId xmlns:a16="http://schemas.microsoft.com/office/drawing/2014/main" id="{6D21BE1C-9DE5-439A-A2B4-D8E83EC9DDB3}"/>
+                </a:ext>
+              </a:extLst>
+            </p:cNvPr>
+            <p:cNvSpPr/>
+            <p:nvPr/>
+          </p:nvSpPr>
+          <p:spPr>
+            <a:xfrm>
+              <a:off x="3484880" y="1038386"/>
+              <a:ext cx="2529840" cy="428786"/>
+            </a:xfrm>
+            <a:prstGeom prst="rect">
+              <a:avLst/>
+            </a:prstGeom>
+            <a:noFill/>
+            <a:ln w="9525" cap="flat" cmpd="sng" algn="ctr">
+              <a:solidFill>
+                <a:schemeClr val="dk1"/>
+              </a:solidFill>
+              <a:prstDash val="solid"/>
+              <a:round/>
+              <a:headEnd type="none" w="med" len="med"/>
+              <a:tailEnd type="arrow" w="med" len="med"/>
+            </a:ln>
+          </p:spPr>
+          <p:style>
+            <a:lnRef idx="0">
+              <a:scrgbClr r="0" g="0" b="0"/>
+            </a:lnRef>
+            <a:fillRef idx="0">
+              <a:scrgbClr r="0" g="0" b="0"/>
+            </a:fillRef>
+            <a:effectRef idx="0">
+              <a:scrgbClr r="0" g="0" b="0"/>
+            </a:effectRef>
+            <a:fontRef idx="minor">
+              <a:schemeClr val="dk1"/>
+            </a:fontRef>
+          </p:style>
+          <p:txBody>
+            <a:bodyPr rtlCol="0" anchor="ctr"/>
+            <a:lstStyle/>
+            <a:p>
+              <a:pPr algn="ctr"/>
+              <a:r>
+                <a:rPr lang="de-AT" dirty="0">
+                  <a:latin typeface="Arial" panose="020B0604020202020204" pitchFamily="34" charset="0"/>
+                  <a:cs typeface="Arial" panose="020B0604020202020204" pitchFamily="34" charset="0"/>
+                </a:rPr>
+                <a:t>Version: String</a:t>
+              </a:r>
+            </a:p>
+            <a:p>
+              <a:pPr algn="ctr"/>
+              <a:r>
+                <a:rPr lang="de-AT" dirty="0" err="1">
+                  <a:latin typeface="Arial" panose="020B0604020202020204" pitchFamily="34" charset="0"/>
+                  <a:cs typeface="Arial" panose="020B0604020202020204" pitchFamily="34" charset="0"/>
+                </a:rPr>
+                <a:t>importedNamespace</a:t>
+              </a:r>
+              <a:r>
+                <a:rPr lang="de-AT" dirty="0">
+                  <a:latin typeface="Arial" panose="020B0604020202020204" pitchFamily="34" charset="0"/>
+                  <a:cs typeface="Arial" panose="020B0604020202020204" pitchFamily="34" charset="0"/>
+                </a:rPr>
+                <a:t>: String</a:t>
+              </a:r>
+            </a:p>
+          </p:txBody>
+        </p:sp>
+      </p:grpSp>
+      <p:cxnSp>
+        <p:nvCxnSpPr>
+          <p:cNvPr id="74" name="Verbinder: gewinkelt 98">
+            <a:extLst>
+              <a:ext uri="{FF2B5EF4-FFF2-40B4-BE49-F238E27FC236}">
+                <a16:creationId xmlns:a16="http://schemas.microsoft.com/office/drawing/2014/main" id="{F4E9B9CF-3B74-4277-B601-B2D3C0046920}"/>
+              </a:ext>
+            </a:extLst>
+          </p:cNvPr>
+          <p:cNvCxnSpPr>
+            <a:cxnSpLocks/>
+            <a:stCxn id="9" idx="0"/>
+            <a:endCxn id="10" idx="3"/>
+          </p:cNvCxnSpPr>
+          <p:nvPr/>
+        </p:nvCxnSpPr>
+        <p:spPr>
+          <a:xfrm rot="16200000" flipH="1">
+            <a:off x="6084647" y="1371355"/>
+            <a:ext cx="615318" cy="1398271"/>
+          </a:xfrm>
+          <a:prstGeom prst="bentConnector4">
+            <a:avLst>
+              <a:gd name="adj1" fmla="val -37152"/>
+              <a:gd name="adj2" fmla="val 116349"/>
+            </a:avLst>
+          </a:prstGeom>
+          <a:ln>
+            <a:headEnd type="none" w="med" len="med"/>
+            <a:tailEnd type="arrow" w="med" len="med"/>
+          </a:ln>
+        </p:spPr>
+        <p:style>
+          <a:lnRef idx="1">
+            <a:schemeClr val="dk1"/>
+          </a:lnRef>
+          <a:fillRef idx="0">
+            <a:schemeClr val="dk1"/>
+          </a:fillRef>
+          <a:effectRef idx="0">
+            <a:schemeClr val="dk1"/>
+          </a:effectRef>
+          <a:fontRef idx="minor">
+            <a:schemeClr val="tx1"/>
+          </a:fontRef>
+        </p:style>
+      </p:cxnSp>
+      <p:sp>
+        <p:nvSpPr>
+          <p:cNvPr id="75" name="Textfeld 74">
+            <a:extLst>
+              <a:ext uri="{FF2B5EF4-FFF2-40B4-BE49-F238E27FC236}">
+                <a16:creationId xmlns:a16="http://schemas.microsoft.com/office/drawing/2014/main" id="{7909B061-5DEF-4AC5-B334-974189B67F85}"/>
+              </a:ext>
+            </a:extLst>
+          </p:cNvPr>
+          <p:cNvSpPr txBox="1"/>
+          <p:nvPr/>
+        </p:nvSpPr>
+        <p:spPr>
+          <a:xfrm>
+            <a:off x="7249813" y="2049036"/>
+            <a:ext cx="1700274" cy="369332"/>
+          </a:xfrm>
+          <a:prstGeom prst="rect">
+            <a:avLst/>
+          </a:prstGeom>
+          <a:noFill/>
+        </p:spPr>
+        <p:txBody>
+          <a:bodyPr wrap="none" rtlCol="0">
+            <a:spAutoFit/>
+          </a:bodyPr>
+          <a:lstStyle/>
+          <a:p>
+            <a:r>
+              <a:rPr lang="de-AT" dirty="0"/>
+              <a:t>[0..1] </a:t>
+            </a:r>
+            <a:r>
+              <a:rPr lang="de-AT" dirty="0" err="1"/>
+              <a:t>superType</a:t>
+            </a:r>
+            <a:endParaRPr lang="de-AT" dirty="0"/>
+          </a:p>
+        </p:txBody>
+      </p:sp>
+      <p:sp>
+        <p:nvSpPr>
+          <p:cNvPr id="76" name="Textfeld 75">
+            <a:extLst>
+              <a:ext uri="{FF2B5EF4-FFF2-40B4-BE49-F238E27FC236}">
+                <a16:creationId xmlns:a16="http://schemas.microsoft.com/office/drawing/2014/main" id="{4B2D71EF-206A-4BB3-BF8C-E1550A200D85}"/>
+              </a:ext>
+            </a:extLst>
+          </p:cNvPr>
+          <p:cNvSpPr txBox="1"/>
+          <p:nvPr/>
+        </p:nvSpPr>
+        <p:spPr>
+          <a:xfrm>
+            <a:off x="5787579" y="2971497"/>
+            <a:ext cx="2015295" cy="369332"/>
+          </a:xfrm>
+          <a:prstGeom prst="rect">
+            <a:avLst/>
+          </a:prstGeom>
+          <a:noFill/>
+        </p:spPr>
+        <p:txBody>
+          <a:bodyPr wrap="none" rtlCol="0">
+            <a:spAutoFit/>
+          </a:bodyPr>
+          <a:lstStyle/>
+          <a:p>
+            <a:r>
+              <a:rPr lang="de-AT" dirty="0"/>
+              <a:t>[0..1] </a:t>
+            </a:r>
+            <a:r>
+              <a:rPr lang="de-AT" dirty="0" err="1"/>
+              <a:t>functionBlock</a:t>
+            </a:r>
+            <a:endParaRPr lang="de-AT" dirty="0"/>
+          </a:p>
+        </p:txBody>
+      </p:sp>
+      <p:grpSp>
+        <p:nvGrpSpPr>
+          <p:cNvPr id="77" name="Gruppieren 76">
+            <a:extLst>
+              <a:ext uri="{FF2B5EF4-FFF2-40B4-BE49-F238E27FC236}">
+                <a16:creationId xmlns:a16="http://schemas.microsoft.com/office/drawing/2014/main" id="{854DEF54-4DE2-451D-BED9-D92251B6BAF5}"/>
+              </a:ext>
+            </a:extLst>
+          </p:cNvPr>
+          <p:cNvGrpSpPr/>
+          <p:nvPr/>
+        </p:nvGrpSpPr>
+        <p:grpSpPr>
+          <a:xfrm rot="10800000">
+            <a:off x="9503754" y="1750350"/>
+            <a:ext cx="1669207" cy="1850592"/>
+            <a:chOff x="4798342" y="822405"/>
+            <a:chExt cx="1508363" cy="1974707"/>
+          </a:xfrm>
+        </p:grpSpPr>
+        <p:sp>
+          <p:nvSpPr>
+            <p:cNvPr id="78" name="Raute 77">
+              <a:extLst>
+                <a:ext uri="{FF2B5EF4-FFF2-40B4-BE49-F238E27FC236}">
+                  <a16:creationId xmlns:a16="http://schemas.microsoft.com/office/drawing/2014/main" id="{FEA36FFA-A80D-46EA-939D-1CF717DA31F7}"/>
+                </a:ext>
+              </a:extLst>
+            </p:cNvPr>
+            <p:cNvSpPr/>
+            <p:nvPr/>
+          </p:nvSpPr>
+          <p:spPr>
+            <a:xfrm flipH="1">
+              <a:off x="4798342" y="822405"/>
+              <a:ext cx="170621" cy="277558"/>
+            </a:xfrm>
+            <a:prstGeom prst="diamond">
+              <a:avLst/>
+            </a:prstGeom>
+            <a:ln>
+              <a:headEnd type="none" w="med" len="med"/>
+              <a:tailEnd type="arrow" w="med" len="med"/>
+            </a:ln>
+          </p:spPr>
+          <p:style>
+            <a:lnRef idx="2">
+              <a:schemeClr val="dk1">
+                <a:shade val="50000"/>
+              </a:schemeClr>
+            </a:lnRef>
+            <a:fillRef idx="1">
+              <a:schemeClr val="dk1"/>
+            </a:fillRef>
+            <a:effectRef idx="0">
+              <a:schemeClr val="dk1"/>
+            </a:effectRef>
+            <a:fontRef idx="minor">
+              <a:schemeClr val="lt1"/>
+            </a:fontRef>
+          </p:style>
+          <p:txBody>
+            <a:bodyPr rtlCol="0" anchor="ctr"/>
+            <a:lstStyle/>
+            <a:p>
+              <a:pPr algn="ctr"/>
+              <a:endParaRPr lang="de-AT" dirty="0">
+                <a:latin typeface="Arial" panose="020B0604020202020204" pitchFamily="34" charset="0"/>
+                <a:cs typeface="Arial" panose="020B0604020202020204" pitchFamily="34" charset="0"/>
+              </a:endParaRPr>
+            </a:p>
+          </p:txBody>
+        </p:sp>
+        <p:cxnSp>
+          <p:nvCxnSpPr>
+            <p:cNvPr id="79" name="Verbinder: gewinkelt 98">
+              <a:extLst>
+                <a:ext uri="{FF2B5EF4-FFF2-40B4-BE49-F238E27FC236}">
+                  <a16:creationId xmlns:a16="http://schemas.microsoft.com/office/drawing/2014/main" id="{29462758-C2AD-4E48-8A9C-49A48D677863}"/>
+                </a:ext>
+              </a:extLst>
+            </p:cNvPr>
+            <p:cNvCxnSpPr>
+              <a:cxnSpLocks/>
+              <a:stCxn id="78" idx="2"/>
+              <a:endCxn id="73" idx="2"/>
+            </p:cNvCxnSpPr>
+            <p:nvPr/>
+          </p:nvCxnSpPr>
+          <p:spPr>
+            <a:xfrm rot="5400000" flipV="1">
+              <a:off x="4746605" y="1237011"/>
+              <a:ext cx="1697148" cy="1423053"/>
+            </a:xfrm>
+            <a:prstGeom prst="bentConnector3">
+              <a:avLst>
+                <a:gd name="adj1" fmla="val 50000"/>
+              </a:avLst>
+            </a:prstGeom>
+            <a:ln>
+              <a:headEnd type="none" w="med" len="med"/>
+              <a:tailEnd type="arrow" w="med" len="med"/>
+            </a:ln>
+          </p:spPr>
+          <p:style>
+            <a:lnRef idx="1">
+              <a:schemeClr val="dk1"/>
+            </a:lnRef>
+            <a:fillRef idx="0">
+              <a:schemeClr val="dk1"/>
+            </a:fillRef>
+            <a:effectRef idx="0">
+              <a:schemeClr val="dk1"/>
+            </a:effectRef>
+            <a:fontRef idx="minor">
+              <a:schemeClr val="tx1"/>
+            </a:fontRef>
+          </p:style>
+        </p:cxnSp>
+      </p:grpSp>
+      <p:sp>
+        <p:nvSpPr>
+          <p:cNvPr id="82" name="Textfeld 81">
+            <a:extLst>
+              <a:ext uri="{FF2B5EF4-FFF2-40B4-BE49-F238E27FC236}">
+                <a16:creationId xmlns:a16="http://schemas.microsoft.com/office/drawing/2014/main" id="{8A24C2A5-48BB-4752-8468-2EDE21924794}"/>
+              </a:ext>
+            </a:extLst>
+          </p:cNvPr>
+          <p:cNvSpPr txBox="1"/>
+          <p:nvPr/>
+        </p:nvSpPr>
+        <p:spPr>
+          <a:xfrm>
+            <a:off x="11172961" y="2699179"/>
+            <a:ext cx="1714508" cy="369332"/>
+          </a:xfrm>
+          <a:prstGeom prst="rect">
+            <a:avLst/>
+          </a:prstGeom>
+          <a:noFill/>
+        </p:spPr>
+        <p:txBody>
+          <a:bodyPr wrap="none" rtlCol="0">
+            <a:spAutoFit/>
+          </a:bodyPr>
+          <a:lstStyle/>
+          <a:p>
+            <a:r>
+              <a:rPr lang="de-AT" dirty="0"/>
+              <a:t>[0..*] </a:t>
+            </a:r>
+            <a:r>
+              <a:rPr lang="de-AT" dirty="0" err="1"/>
+              <a:t>references</a:t>
+            </a:r>
+            <a:endParaRPr lang="de-AT" dirty="0"/>
+          </a:p>
+        </p:txBody>
+      </p:sp>
+      <p:grpSp>
+        <p:nvGrpSpPr>
+          <p:cNvPr id="83" name="Gruppieren 82">
+            <a:extLst>
+              <a:ext uri="{FF2B5EF4-FFF2-40B4-BE49-F238E27FC236}">
+                <a16:creationId xmlns:a16="http://schemas.microsoft.com/office/drawing/2014/main" id="{D6176BCF-76EA-4A95-8899-A084D7A182E3}"/>
+              </a:ext>
+            </a:extLst>
+          </p:cNvPr>
+          <p:cNvGrpSpPr/>
+          <p:nvPr/>
+        </p:nvGrpSpPr>
+        <p:grpSpPr>
+          <a:xfrm rot="10800000">
+            <a:off x="7080003" y="1750351"/>
+            <a:ext cx="2423751" cy="901928"/>
+            <a:chOff x="4599097" y="2128697"/>
+            <a:chExt cx="2190198" cy="962418"/>
+          </a:xfrm>
+        </p:grpSpPr>
+        <p:sp>
+          <p:nvSpPr>
+            <p:cNvPr id="84" name="Raute 83">
+              <a:extLst>
+                <a:ext uri="{FF2B5EF4-FFF2-40B4-BE49-F238E27FC236}">
+                  <a16:creationId xmlns:a16="http://schemas.microsoft.com/office/drawing/2014/main" id="{090B3236-9A05-40F9-A018-3B21D040EDCD}"/>
+                </a:ext>
+              </a:extLst>
+            </p:cNvPr>
+            <p:cNvSpPr/>
+            <p:nvPr/>
+          </p:nvSpPr>
+          <p:spPr>
+            <a:xfrm rot="5400000" flipH="1">
+              <a:off x="6571032" y="2111912"/>
+              <a:ext cx="201478" cy="235048"/>
+            </a:xfrm>
+            <a:prstGeom prst="diamond">
+              <a:avLst/>
+            </a:prstGeom>
+            <a:ln>
+              <a:headEnd type="none" w="med" len="med"/>
+              <a:tailEnd type="arrow" w="med" len="med"/>
+            </a:ln>
+          </p:spPr>
+          <p:style>
+            <a:lnRef idx="2">
+              <a:schemeClr val="dk1">
+                <a:shade val="50000"/>
+              </a:schemeClr>
+            </a:lnRef>
+            <a:fillRef idx="1">
+              <a:schemeClr val="dk1"/>
+            </a:fillRef>
+            <a:effectRef idx="0">
+              <a:schemeClr val="dk1"/>
+            </a:effectRef>
+            <a:fontRef idx="minor">
+              <a:schemeClr val="lt1"/>
+            </a:fontRef>
+          </p:style>
+          <p:txBody>
+            <a:bodyPr rtlCol="0" anchor="ctr"/>
+            <a:lstStyle/>
+            <a:p>
+              <a:pPr algn="ctr"/>
+              <a:endParaRPr lang="de-AT" dirty="0">
+                <a:latin typeface="Arial" panose="020B0604020202020204" pitchFamily="34" charset="0"/>
+                <a:cs typeface="Arial" panose="020B0604020202020204" pitchFamily="34" charset="0"/>
+              </a:endParaRPr>
+            </a:p>
+          </p:txBody>
+        </p:sp>
+        <p:cxnSp>
+          <p:nvCxnSpPr>
+            <p:cNvPr id="85" name="Verbinder: gewinkelt 98">
+              <a:extLst>
+                <a:ext uri="{FF2B5EF4-FFF2-40B4-BE49-F238E27FC236}">
+                  <a16:creationId xmlns:a16="http://schemas.microsoft.com/office/drawing/2014/main" id="{071A45E5-017E-4203-85EE-C1D7314D80FC}"/>
+                </a:ext>
+              </a:extLst>
+            </p:cNvPr>
+            <p:cNvCxnSpPr>
+              <a:cxnSpLocks/>
+              <a:stCxn id="84" idx="2"/>
+              <a:endCxn id="73" idx="2"/>
+            </p:cNvCxnSpPr>
+            <p:nvPr/>
+          </p:nvCxnSpPr>
+          <p:spPr>
+            <a:xfrm rot="10800000" flipV="1">
+              <a:off x="4599097" y="2229436"/>
+              <a:ext cx="1955150" cy="861679"/>
+            </a:xfrm>
+            <a:prstGeom prst="bentConnector2">
+              <a:avLst/>
+            </a:prstGeom>
+            <a:ln>
+              <a:headEnd type="none" w="med" len="med"/>
+              <a:tailEnd type="arrow" w="med" len="med"/>
+            </a:ln>
+          </p:spPr>
+          <p:style>
+            <a:lnRef idx="1">
+              <a:schemeClr val="dk1"/>
+            </a:lnRef>
+            <a:fillRef idx="0">
+              <a:schemeClr val="dk1"/>
+            </a:fillRef>
+            <a:effectRef idx="0">
+              <a:schemeClr val="dk1"/>
+            </a:effectRef>
+            <a:fontRef idx="minor">
+              <a:schemeClr val="tx1"/>
+            </a:fontRef>
+          </p:style>
+        </p:cxnSp>
+      </p:grpSp>
+      <p:grpSp>
+        <p:nvGrpSpPr>
+          <p:cNvPr id="91" name="Gruppieren 90">
+            <a:extLst>
+              <a:ext uri="{FF2B5EF4-FFF2-40B4-BE49-F238E27FC236}">
+                <a16:creationId xmlns:a16="http://schemas.microsoft.com/office/drawing/2014/main" id="{D159B804-B5DE-48BD-891D-8064D08A39EE}"/>
+              </a:ext>
+            </a:extLst>
+          </p:cNvPr>
+          <p:cNvGrpSpPr/>
+          <p:nvPr/>
+        </p:nvGrpSpPr>
+        <p:grpSpPr>
+          <a:xfrm rot="10800000">
+            <a:off x="6978499" y="610890"/>
+            <a:ext cx="2525255" cy="319037"/>
+            <a:chOff x="4507374" y="1989741"/>
+            <a:chExt cx="2281921" cy="340434"/>
+          </a:xfrm>
+        </p:grpSpPr>
+        <p:sp>
+          <p:nvSpPr>
+            <p:cNvPr id="92" name="Raute 91">
+              <a:extLst>
+                <a:ext uri="{FF2B5EF4-FFF2-40B4-BE49-F238E27FC236}">
+                  <a16:creationId xmlns:a16="http://schemas.microsoft.com/office/drawing/2014/main" id="{2F6A13F7-4071-4B2C-A84A-90D95CD4CAA9}"/>
+                </a:ext>
+              </a:extLst>
+            </p:cNvPr>
+            <p:cNvSpPr/>
+            <p:nvPr/>
+          </p:nvSpPr>
+          <p:spPr>
+            <a:xfrm rot="5400000" flipH="1">
+              <a:off x="6571032" y="2111912"/>
+              <a:ext cx="201478" cy="235048"/>
+            </a:xfrm>
+            <a:prstGeom prst="diamond">
+              <a:avLst/>
+            </a:prstGeom>
+            <a:ln>
+              <a:headEnd type="none" w="med" len="med"/>
+              <a:tailEnd type="arrow" w="med" len="med"/>
+            </a:ln>
+          </p:spPr>
+          <p:style>
+            <a:lnRef idx="2">
+              <a:schemeClr val="dk1">
+                <a:shade val="50000"/>
+              </a:schemeClr>
+            </a:lnRef>
+            <a:fillRef idx="1">
+              <a:schemeClr val="dk1"/>
+            </a:fillRef>
+            <a:effectRef idx="0">
+              <a:schemeClr val="dk1"/>
+            </a:effectRef>
+            <a:fontRef idx="minor">
+              <a:schemeClr val="lt1"/>
+            </a:fontRef>
+          </p:style>
+          <p:txBody>
+            <a:bodyPr rtlCol="0" anchor="ctr"/>
+            <a:lstStyle/>
+            <a:p>
+              <a:pPr algn="ctr"/>
+              <a:endParaRPr lang="de-AT" dirty="0">
+                <a:latin typeface="Arial" panose="020B0604020202020204" pitchFamily="34" charset="0"/>
+                <a:cs typeface="Arial" panose="020B0604020202020204" pitchFamily="34" charset="0"/>
+              </a:endParaRPr>
+            </a:p>
+          </p:txBody>
+        </p:sp>
+        <p:cxnSp>
+          <p:nvCxnSpPr>
+            <p:cNvPr id="93" name="Verbinder: gewinkelt 98">
+              <a:extLst>
+                <a:ext uri="{FF2B5EF4-FFF2-40B4-BE49-F238E27FC236}">
+                  <a16:creationId xmlns:a16="http://schemas.microsoft.com/office/drawing/2014/main" id="{3DA29B82-96E2-4110-B8D0-DF86B6DEF114}"/>
+                </a:ext>
+              </a:extLst>
+            </p:cNvPr>
+            <p:cNvCxnSpPr>
+              <a:cxnSpLocks/>
+              <a:stCxn id="92" idx="2"/>
+              <a:endCxn id="72" idx="0"/>
+            </p:cNvCxnSpPr>
+            <p:nvPr/>
+          </p:nvCxnSpPr>
+          <p:spPr>
+            <a:xfrm rot="10800000">
+              <a:off x="4507374" y="1989741"/>
+              <a:ext cx="2046872" cy="239694"/>
+            </a:xfrm>
+            <a:prstGeom prst="bentConnector2">
+              <a:avLst/>
+            </a:prstGeom>
+            <a:ln>
+              <a:headEnd type="none" w="med" len="med"/>
+              <a:tailEnd type="arrow" w="med" len="med"/>
+            </a:ln>
+          </p:spPr>
+          <p:style>
+            <a:lnRef idx="1">
+              <a:schemeClr val="dk1"/>
+            </a:lnRef>
+            <a:fillRef idx="0">
+              <a:schemeClr val="dk1"/>
+            </a:fillRef>
+            <a:effectRef idx="0">
+              <a:schemeClr val="dk1"/>
+            </a:effectRef>
+            <a:fontRef idx="minor">
+              <a:schemeClr val="tx1"/>
+            </a:fontRef>
+          </p:style>
+        </p:cxnSp>
+      </p:grpSp>
+      <p:sp>
+        <p:nvSpPr>
+          <p:cNvPr id="95" name="Textfeld 94">
+            <a:extLst>
+              <a:ext uri="{FF2B5EF4-FFF2-40B4-BE49-F238E27FC236}">
+                <a16:creationId xmlns:a16="http://schemas.microsoft.com/office/drawing/2014/main" id="{EB4C69B6-EBB0-49A8-BDF4-8FD9F1AD170F}"/>
+              </a:ext>
+            </a:extLst>
+          </p:cNvPr>
+          <p:cNvSpPr txBox="1"/>
+          <p:nvPr/>
+        </p:nvSpPr>
+        <p:spPr>
+          <a:xfrm>
+            <a:off x="7348427" y="301479"/>
+            <a:ext cx="1714508" cy="369332"/>
+          </a:xfrm>
+          <a:prstGeom prst="rect">
+            <a:avLst/>
+          </a:prstGeom>
+          <a:noFill/>
+        </p:spPr>
+        <p:txBody>
+          <a:bodyPr wrap="none" rtlCol="0">
+            <a:spAutoFit/>
+          </a:bodyPr>
+          <a:lstStyle/>
+          <a:p>
+            <a:r>
+              <a:rPr lang="de-AT" dirty="0"/>
+              <a:t>[0..*] </a:t>
+            </a:r>
+            <a:r>
+              <a:rPr lang="de-AT" dirty="0" err="1"/>
+              <a:t>references</a:t>
+            </a:r>
+            <a:endParaRPr lang="de-AT" dirty="0"/>
+          </a:p>
+        </p:txBody>
+      </p:sp>
+      <p:sp>
+        <p:nvSpPr>
+          <p:cNvPr id="96" name="Textfeld 95">
+            <a:extLst>
+              <a:ext uri="{FF2B5EF4-FFF2-40B4-BE49-F238E27FC236}">
+                <a16:creationId xmlns:a16="http://schemas.microsoft.com/office/drawing/2014/main" id="{E3E70C1B-FE85-46AD-A204-72EB87F3DD7D}"/>
+              </a:ext>
+            </a:extLst>
+          </p:cNvPr>
+          <p:cNvSpPr txBox="1"/>
+          <p:nvPr/>
+        </p:nvSpPr>
+        <p:spPr>
+          <a:xfrm>
+            <a:off x="7348427" y="2576782"/>
+            <a:ext cx="1714508" cy="369332"/>
+          </a:xfrm>
+          <a:prstGeom prst="rect">
+            <a:avLst/>
+          </a:prstGeom>
+          <a:noFill/>
+        </p:spPr>
+        <p:txBody>
+          <a:bodyPr wrap="none" rtlCol="0">
+            <a:spAutoFit/>
+          </a:bodyPr>
+          <a:lstStyle/>
+          <a:p>
+            <a:r>
+              <a:rPr lang="de-AT" dirty="0"/>
+              <a:t>[0..*] </a:t>
+            </a:r>
+            <a:r>
+              <a:rPr lang="de-AT" dirty="0" err="1"/>
+              <a:t>references</a:t>
+            </a:r>
+            <a:endParaRPr lang="de-AT" dirty="0"/>
+          </a:p>
+        </p:txBody>
+      </p:sp>
+      <p:grpSp>
+        <p:nvGrpSpPr>
+          <p:cNvPr id="97" name="Gruppieren 96">
+            <a:extLst>
+              <a:ext uri="{FF2B5EF4-FFF2-40B4-BE49-F238E27FC236}">
+                <a16:creationId xmlns:a16="http://schemas.microsoft.com/office/drawing/2014/main" id="{B40A19AF-9A31-481D-913E-66D909E245AF}"/>
+              </a:ext>
+            </a:extLst>
+          </p:cNvPr>
+          <p:cNvGrpSpPr/>
+          <p:nvPr/>
+        </p:nvGrpSpPr>
+        <p:grpSpPr>
+          <a:xfrm>
+            <a:off x="-1185228" y="5795675"/>
+            <a:ext cx="2170673" cy="1376784"/>
+            <a:chOff x="6014721" y="2009063"/>
+            <a:chExt cx="2529840" cy="938883"/>
+          </a:xfrm>
+        </p:grpSpPr>
+        <p:sp>
+          <p:nvSpPr>
+            <p:cNvPr id="98" name="Rechteck 97">
+              <a:extLst>
+                <a:ext uri="{FF2B5EF4-FFF2-40B4-BE49-F238E27FC236}">
+                  <a16:creationId xmlns:a16="http://schemas.microsoft.com/office/drawing/2014/main" id="{4744A9D2-5289-4F44-9AF0-4063C9B72F3B}"/>
+                </a:ext>
+              </a:extLst>
+            </p:cNvPr>
+            <p:cNvSpPr/>
+            <p:nvPr/>
+          </p:nvSpPr>
+          <p:spPr>
+            <a:xfrm>
+              <a:off x="6014721" y="2009063"/>
+              <a:ext cx="2529840" cy="428786"/>
+            </a:xfrm>
+            <a:prstGeom prst="rect">
+              <a:avLst/>
+            </a:prstGeom>
+            <a:noFill/>
+            <a:ln w="9525" cap="flat" cmpd="sng" algn="ctr">
+              <a:solidFill>
+                <a:schemeClr val="dk1"/>
+              </a:solidFill>
+              <a:prstDash val="solid"/>
+              <a:round/>
+              <a:headEnd type="none" w="med" len="med"/>
+              <a:tailEnd type="arrow" w="med" len="med"/>
+            </a:ln>
+          </p:spPr>
+          <p:style>
+            <a:lnRef idx="0">
+              <a:scrgbClr r="0" g="0" b="0"/>
+            </a:lnRef>
+            <a:fillRef idx="0">
+              <a:scrgbClr r="0" g="0" b="0"/>
+            </a:fillRef>
+            <a:effectRef idx="0">
+              <a:scrgbClr r="0" g="0" b="0"/>
+            </a:effectRef>
+            <a:fontRef idx="minor">
+              <a:schemeClr val="dk1"/>
+            </a:fontRef>
+          </p:style>
+          <p:txBody>
+            <a:bodyPr rtlCol="0" anchor="ctr"/>
+            <a:lstStyle/>
+            <a:p>
+              <a:pPr algn="ctr"/>
+              <a:r>
+                <a:rPr lang="de-AT" sz="2000" b="1" dirty="0">
+                  <a:latin typeface="Arial" panose="020B0604020202020204" pitchFamily="34" charset="0"/>
+                  <a:cs typeface="Arial" panose="020B0604020202020204" pitchFamily="34" charset="0"/>
+                </a:rPr>
+                <a:t>Property</a:t>
+              </a:r>
+            </a:p>
+          </p:txBody>
+        </p:sp>
+        <p:sp>
+          <p:nvSpPr>
+            <p:cNvPr id="99" name="Rechteck 98">
+              <a:extLst>
+                <a:ext uri="{FF2B5EF4-FFF2-40B4-BE49-F238E27FC236}">
+                  <a16:creationId xmlns:a16="http://schemas.microsoft.com/office/drawing/2014/main" id="{32A1E36F-D1C8-4886-8B07-37BD8B4A9D72}"/>
+                </a:ext>
+              </a:extLst>
+            </p:cNvPr>
+            <p:cNvSpPr/>
+            <p:nvPr/>
+          </p:nvSpPr>
+          <p:spPr>
+            <a:xfrm>
+              <a:off x="6014721" y="2437947"/>
+              <a:ext cx="2529840" cy="509999"/>
+            </a:xfrm>
+            <a:prstGeom prst="rect">
+              <a:avLst/>
+            </a:prstGeom>
+            <a:noFill/>
+            <a:ln w="9525" cap="flat" cmpd="sng" algn="ctr">
+              <a:solidFill>
+                <a:schemeClr val="dk1"/>
+              </a:solidFill>
+              <a:prstDash val="solid"/>
+              <a:round/>
+              <a:headEnd type="none" w="med" len="med"/>
+              <a:tailEnd type="arrow" w="med" len="med"/>
+            </a:ln>
+          </p:spPr>
+          <p:style>
+            <a:lnRef idx="0">
+              <a:scrgbClr r="0" g="0" b="0"/>
+            </a:lnRef>
+            <a:fillRef idx="0">
+              <a:scrgbClr r="0" g="0" b="0"/>
+            </a:fillRef>
+            <a:effectRef idx="0">
+              <a:scrgbClr r="0" g="0" b="0"/>
+            </a:effectRef>
+            <a:fontRef idx="minor">
+              <a:schemeClr val="dk1"/>
+            </a:fontRef>
+          </p:style>
+          <p:txBody>
+            <a:bodyPr rtlCol="0" anchor="ctr"/>
+            <a:lstStyle/>
+            <a:p>
+              <a:endParaRPr lang="de-AT" dirty="0">
+                <a:latin typeface="Arial" panose="020B0604020202020204" pitchFamily="34" charset="0"/>
+                <a:cs typeface="Arial" panose="020B0604020202020204" pitchFamily="34" charset="0"/>
+              </a:endParaRPr>
+            </a:p>
+          </p:txBody>
+        </p:sp>
+      </p:grpSp>
+      <p:sp>
+        <p:nvSpPr>
+          <p:cNvPr id="100" name="Google Shape;528;g10f8d9d020d_0_26">
+            <a:extLst>
+              <a:ext uri="{FF2B5EF4-FFF2-40B4-BE49-F238E27FC236}">
+                <a16:creationId xmlns:a16="http://schemas.microsoft.com/office/drawing/2014/main" id="{BE5AA0FA-84AB-47E2-AFB8-FA7505EB7685}"/>
+              </a:ext>
+            </a:extLst>
+          </p:cNvPr>
+          <p:cNvSpPr/>
+          <p:nvPr/>
+        </p:nvSpPr>
+        <p:spPr>
+          <a:xfrm rot="5400000" flipH="1">
+            <a:off x="9476492" y="4394041"/>
+            <a:ext cx="200700" cy="177300"/>
+          </a:xfrm>
+          <a:prstGeom prst="triangle">
+            <a:avLst>
+              <a:gd name="adj" fmla="val 50000"/>
+            </a:avLst>
+          </a:prstGeom>
+          <a:solidFill>
+            <a:schemeClr val="lt1"/>
+          </a:solidFill>
+          <a:ln w="9525" cap="flat" cmpd="sng">
+            <a:solidFill>
+              <a:schemeClr val="dk1"/>
+            </a:solidFill>
+            <a:prstDash val="solid"/>
+            <a:miter lim="800000"/>
+            <a:headEnd type="none" w="sm" len="sm"/>
+            <a:tailEnd type="none" w="sm" len="sm"/>
+          </a:ln>
+        </p:spPr>
+        <p:txBody>
+          <a:bodyPr spcFirstLastPara="1" wrap="square" lIns="91425" tIns="45700" rIns="91425" bIns="45700" anchor="ctr" anchorCtr="0">
+            <a:noAutofit/>
+          </a:bodyPr>
+          <a:lstStyle/>
+          <a:p>
+            <a:pPr marL="0" marR="0" lvl="0" indent="0" algn="l" rtl="0">
+              <a:lnSpc>
+                <a:spcPct val="100000"/>
+              </a:lnSpc>
+              <a:spcBef>
+                <a:spcPts val="0"/>
+              </a:spcBef>
+              <a:spcAft>
+                <a:spcPts val="0"/>
+              </a:spcAft>
+              <a:buClr>
+                <a:srgbClr val="000000"/>
+              </a:buClr>
+              <a:buSzPts val="1404"/>
+              <a:buFont typeface="Arial"/>
+              <a:buNone/>
+            </a:pPr>
+            <a:endParaRPr sz="1404" b="0" i="0" u="none" strike="noStrike" cap="none">
+              <a:solidFill>
+                <a:schemeClr val="dk1"/>
+              </a:solidFill>
+              <a:latin typeface="Arial"/>
+              <a:ea typeface="Arial"/>
+              <a:cs typeface="Arial"/>
+              <a:sym typeface="Arial"/>
+            </a:endParaRPr>
+          </a:p>
+        </p:txBody>
+      </p:sp>
+      <p:cxnSp>
+        <p:nvCxnSpPr>
+          <p:cNvPr id="101" name="Google Shape;532;g10f8d9d020d_0_26">
+            <a:extLst>
+              <a:ext uri="{FF2B5EF4-FFF2-40B4-BE49-F238E27FC236}">
+                <a16:creationId xmlns:a16="http://schemas.microsoft.com/office/drawing/2014/main" id="{4FA9A3B0-CCE1-440F-8B3F-3BB22ACFCEF6}"/>
+              </a:ext>
+            </a:extLst>
+          </p:cNvPr>
+          <p:cNvCxnSpPr>
+            <a:cxnSpLocks/>
+            <a:stCxn id="100" idx="3"/>
+            <a:endCxn id="4" idx="3"/>
+          </p:cNvCxnSpPr>
+          <p:nvPr/>
+        </p:nvCxnSpPr>
+        <p:spPr>
+          <a:xfrm rot="10800000">
+            <a:off x="6978500" y="777527"/>
+            <a:ext cx="2509692" cy="3705164"/>
+          </a:xfrm>
+          <a:prstGeom prst="bentConnector3">
+            <a:avLst>
+              <a:gd name="adj1" fmla="val 50000"/>
+            </a:avLst>
+          </a:prstGeom>
+          <a:noFill/>
+          <a:ln w="12700" cap="flat" cmpd="sng">
+            <a:solidFill>
+              <a:schemeClr val="dk1"/>
+            </a:solidFill>
+            <a:prstDash val="solid"/>
+            <a:miter lim="800000"/>
+            <a:headEnd type="none" w="sm" len="sm"/>
+            <a:tailEnd type="none" w="sm" len="sm"/>
+          </a:ln>
+        </p:spPr>
+      </p:cxnSp>
+      <p:cxnSp>
+        <p:nvCxnSpPr>
+          <p:cNvPr id="104" name="Google Shape;532;g10f8d9d020d_0_26">
+            <a:extLst>
+              <a:ext uri="{FF2B5EF4-FFF2-40B4-BE49-F238E27FC236}">
+                <a16:creationId xmlns:a16="http://schemas.microsoft.com/office/drawing/2014/main" id="{E8C94357-7F30-4972-87A3-A7CADB290B8A}"/>
+              </a:ext>
+            </a:extLst>
+          </p:cNvPr>
+          <p:cNvCxnSpPr>
+            <a:cxnSpLocks/>
+            <a:stCxn id="100" idx="3"/>
+            <a:endCxn id="10" idx="3"/>
+          </p:cNvCxnSpPr>
+          <p:nvPr/>
+        </p:nvCxnSpPr>
+        <p:spPr>
+          <a:xfrm rot="10800000">
+            <a:off x="7091442" y="2378149"/>
+            <a:ext cx="2396750" cy="2104542"/>
+          </a:xfrm>
+          <a:prstGeom prst="bentConnector3">
+            <a:avLst>
+              <a:gd name="adj1" fmla="val 50000"/>
+            </a:avLst>
+          </a:prstGeom>
+          <a:noFill/>
+          <a:ln w="12700" cap="flat" cmpd="sng">
+            <a:solidFill>
+              <a:schemeClr val="dk1"/>
+            </a:solidFill>
+            <a:prstDash val="solid"/>
+            <a:miter lim="800000"/>
+            <a:headEnd type="none" w="sm" len="sm"/>
+            <a:tailEnd type="none" w="sm" len="sm"/>
+          </a:ln>
+        </p:spPr>
+      </p:cxnSp>
     </p:spTree>
     <p:extLst>
       <p:ext uri="{BB962C8B-B14F-4D97-AF65-F5344CB8AC3E}">
-        <p14:creationId xmlns:p14="http://schemas.microsoft.com/office/powerpoint/2010/main" val="766781487"/>
+        <p14:creationId xmlns:p14="http://schemas.microsoft.com/office/powerpoint/2010/main" val="1946689534"/>
       </p:ext>
     </p:extLst>
   </p:cSld>
@@ -7785,7 +13812,7 @@
 </p:sld>
 </file>
 
-<file path=ppt/slides/slide3.xml><?xml version="1.0" encoding="utf-8"?>
+<file path=ppt/slides/slide4.xml><?xml version="1.0" encoding="utf-8"?>
 <p:sld xmlns:a="http://schemas.openxmlformats.org/drawingml/2006/main" xmlns:r="http://schemas.openxmlformats.org/officeDocument/2006/relationships" xmlns:p="http://schemas.openxmlformats.org/presentationml/2006/main">
   <p:cSld>
     <p:spTree>

--- a/Figures.pptx
+++ b/Figures.pptx
@@ -6,9 +6,10 @@
   </p:sldMasterIdLst>
   <p:sldIdLst>
     <p:sldId id="257" r:id="rId2"/>
-    <p:sldId id="258" r:id="rId3"/>
-    <p:sldId id="262" r:id="rId4"/>
+    <p:sldId id="260" r:id="rId3"/>
+    <p:sldId id="261" r:id="rId4"/>
     <p:sldId id="259" r:id="rId5"/>
+    <p:sldId id="258" r:id="rId6"/>
   </p:sldIdLst>
   <p:sldSz cx="12192000" cy="6858000"/>
   <p:notesSz cx="6858000" cy="9144000"/>
@@ -264,7 +265,7 @@
           <a:p>
             <a:fld id="{221DF790-08EF-4309-8C7D-573F11C98FD5}" type="datetimeFigureOut">
               <a:rPr lang="de-AT" smtClean="0"/>
-              <a:t>05.02.2022</a:t>
+              <a:t>07.02.2022</a:t>
             </a:fld>
             <a:endParaRPr lang="de-AT"/>
           </a:p>
@@ -464,7 +465,7 @@
           <a:p>
             <a:fld id="{221DF790-08EF-4309-8C7D-573F11C98FD5}" type="datetimeFigureOut">
               <a:rPr lang="de-AT" smtClean="0"/>
-              <a:t>05.02.2022</a:t>
+              <a:t>07.02.2022</a:t>
             </a:fld>
             <a:endParaRPr lang="de-AT"/>
           </a:p>
@@ -674,7 +675,7 @@
           <a:p>
             <a:fld id="{221DF790-08EF-4309-8C7D-573F11C98FD5}" type="datetimeFigureOut">
               <a:rPr lang="de-AT" smtClean="0"/>
-              <a:t>05.02.2022</a:t>
+              <a:t>07.02.2022</a:t>
             </a:fld>
             <a:endParaRPr lang="de-AT"/>
           </a:p>
@@ -874,7 +875,7 @@
           <a:p>
             <a:fld id="{221DF790-08EF-4309-8C7D-573F11C98FD5}" type="datetimeFigureOut">
               <a:rPr lang="de-AT" smtClean="0"/>
-              <a:t>05.02.2022</a:t>
+              <a:t>07.02.2022</a:t>
             </a:fld>
             <a:endParaRPr lang="de-AT"/>
           </a:p>
@@ -1150,7 +1151,7 @@
           <a:p>
             <a:fld id="{221DF790-08EF-4309-8C7D-573F11C98FD5}" type="datetimeFigureOut">
               <a:rPr lang="de-AT" smtClean="0"/>
-              <a:t>05.02.2022</a:t>
+              <a:t>07.02.2022</a:t>
             </a:fld>
             <a:endParaRPr lang="de-AT"/>
           </a:p>
@@ -1418,7 +1419,7 @@
           <a:p>
             <a:fld id="{221DF790-08EF-4309-8C7D-573F11C98FD5}" type="datetimeFigureOut">
               <a:rPr lang="de-AT" smtClean="0"/>
-              <a:t>05.02.2022</a:t>
+              <a:t>07.02.2022</a:t>
             </a:fld>
             <a:endParaRPr lang="de-AT"/>
           </a:p>
@@ -1833,7 +1834,7 @@
           <a:p>
             <a:fld id="{221DF790-08EF-4309-8C7D-573F11C98FD5}" type="datetimeFigureOut">
               <a:rPr lang="de-AT" smtClean="0"/>
-              <a:t>05.02.2022</a:t>
+              <a:t>07.02.2022</a:t>
             </a:fld>
             <a:endParaRPr lang="de-AT"/>
           </a:p>
@@ -1975,7 +1976,7 @@
           <a:p>
             <a:fld id="{221DF790-08EF-4309-8C7D-573F11C98FD5}" type="datetimeFigureOut">
               <a:rPr lang="de-AT" smtClean="0"/>
-              <a:t>05.02.2022</a:t>
+              <a:t>07.02.2022</a:t>
             </a:fld>
             <a:endParaRPr lang="de-AT"/>
           </a:p>
@@ -2088,7 +2089,7 @@
           <a:p>
             <a:fld id="{221DF790-08EF-4309-8C7D-573F11C98FD5}" type="datetimeFigureOut">
               <a:rPr lang="de-AT" smtClean="0"/>
-              <a:t>05.02.2022</a:t>
+              <a:t>07.02.2022</a:t>
             </a:fld>
             <a:endParaRPr lang="de-AT"/>
           </a:p>
@@ -2401,7 +2402,7 @@
           <a:p>
             <a:fld id="{221DF790-08EF-4309-8C7D-573F11C98FD5}" type="datetimeFigureOut">
               <a:rPr lang="de-AT" smtClean="0"/>
-              <a:t>05.02.2022</a:t>
+              <a:t>07.02.2022</a:t>
             </a:fld>
             <a:endParaRPr lang="de-AT"/>
           </a:p>
@@ -2690,7 +2691,7 @@
           <a:p>
             <a:fld id="{221DF790-08EF-4309-8C7D-573F11C98FD5}" type="datetimeFigureOut">
               <a:rPr lang="de-AT" smtClean="0"/>
-              <a:t>05.02.2022</a:t>
+              <a:t>07.02.2022</a:t>
             </a:fld>
             <a:endParaRPr lang="de-AT"/>
           </a:p>
@@ -2933,7 +2934,7 @@
           <a:p>
             <a:fld id="{221DF790-08EF-4309-8C7D-573F11C98FD5}" type="datetimeFigureOut">
               <a:rPr lang="de-AT" smtClean="0"/>
-              <a:t>05.02.2022</a:t>
+              <a:t>07.02.2022</a:t>
             </a:fld>
             <a:endParaRPr lang="de-AT"/>
           </a:p>
@@ -3364,7 +3365,7 @@
         </p:nvGrpSpPr>
         <p:grpSpPr>
           <a:xfrm>
-            <a:off x="4782741" y="1369017"/>
+            <a:off x="4991758" y="652545"/>
             <a:ext cx="1264922" cy="820424"/>
             <a:chOff x="3484880" y="609600"/>
             <a:chExt cx="2529840" cy="857572"/>
@@ -3557,7 +3558,6 @@
             <a:bodyPr rtlCol="0" anchor="ctr"/>
             <a:lstStyle/>
             <a:p>
-              <a:pPr algn="ctr"/>
               <a:r>
                 <a:rPr lang="de-AT" sz="2000" b="1" dirty="0">
                   <a:latin typeface="Arial" panose="020B0604020202020204" pitchFamily="34" charset="0"/>
@@ -3753,7 +3753,6 @@
             <a:bodyPr rtlCol="0" anchor="ctr"/>
             <a:lstStyle/>
             <a:p>
-              <a:pPr algn="ctr"/>
               <a:r>
                 <a:rPr lang="de-AT" sz="2000" b="1" dirty="0" err="1">
                   <a:latin typeface="Arial" panose="020B0604020202020204" pitchFamily="34" charset="0"/>
@@ -3914,8 +3913,8 @@
         </p:nvSpPr>
         <p:spPr>
           <a:xfrm>
-            <a:off x="6047662" y="1663130"/>
-            <a:ext cx="1363851" cy="369332"/>
+            <a:off x="6273728" y="1417493"/>
+            <a:ext cx="1363851" cy="307777"/>
           </a:xfrm>
           <a:prstGeom prst="rect">
             <a:avLst/>
@@ -3929,20 +3928,20 @@
           <a:lstStyle/>
           <a:p>
             <a:r>
-              <a:rPr lang="de-AT" sz="1600" dirty="0">
+              <a:rPr lang="de-AT" sz="1400" dirty="0">
                 <a:latin typeface="Arial" panose="020B0604020202020204" pitchFamily="34" charset="0"/>
                 <a:cs typeface="Arial" panose="020B0604020202020204" pitchFamily="34" charset="0"/>
               </a:rPr>
               <a:t>[1..1] </a:t>
             </a:r>
             <a:r>
-              <a:rPr lang="de-AT" dirty="0" err="1">
+              <a:rPr lang="de-AT" sz="1400" dirty="0" err="1">
                 <a:latin typeface="Arial" panose="020B0604020202020204" pitchFamily="34" charset="0"/>
                 <a:cs typeface="Arial" panose="020B0604020202020204" pitchFamily="34" charset="0"/>
               </a:rPr>
               <a:t>target</a:t>
             </a:r>
-            <a:endParaRPr lang="de-AT" dirty="0">
+            <a:endParaRPr lang="de-AT" sz="1400" dirty="0">
               <a:latin typeface="Arial" panose="020B0604020202020204" pitchFamily="34" charset="0"/>
               <a:cs typeface="Arial" panose="020B0604020202020204" pitchFamily="34" charset="0"/>
             </a:endParaRPr>
@@ -4018,7 +4017,6 @@
             <a:bodyPr rtlCol="0" anchor="ctr"/>
             <a:lstStyle/>
             <a:p>
-              <a:pPr algn="ctr"/>
               <a:r>
                 <a:rPr lang="de-AT" b="1" dirty="0" err="1">
                   <a:latin typeface="Arial" panose="020B0604020202020204" pitchFamily="34" charset="0"/>
@@ -4082,7 +4080,6 @@
             <a:bodyPr rtlCol="0" anchor="ctr"/>
             <a:lstStyle/>
             <a:p>
-              <a:pPr algn="ctr"/>
               <a:r>
                 <a:rPr lang="de-AT" dirty="0" err="1">
                   <a:latin typeface="Arial" panose="020B0604020202020204" pitchFamily="34" charset="0"/>
@@ -4099,7 +4096,6 @@
               </a:r>
             </a:p>
             <a:p>
-              <a:pPr algn="ctr"/>
               <a:r>
                 <a:rPr lang="de-AT" dirty="0">
                   <a:latin typeface="Arial" panose="020B0604020202020204" pitchFamily="34" charset="0"/>
@@ -4109,7 +4105,6 @@
               </a:r>
             </a:p>
             <a:p>
-              <a:pPr algn="ctr"/>
               <a:r>
                 <a:rPr lang="de-AT" dirty="0">
                   <a:latin typeface="Arial" panose="020B0604020202020204" pitchFamily="34" charset="0"/>
@@ -4119,7 +4114,6 @@
               </a:r>
             </a:p>
             <a:p>
-              <a:pPr algn="ctr"/>
               <a:r>
                 <a:rPr lang="de-AT" dirty="0">
                   <a:latin typeface="Arial" panose="020B0604020202020204" pitchFamily="34" charset="0"/>
@@ -4200,7 +4194,6 @@
             <a:bodyPr rtlCol="0" anchor="ctr"/>
             <a:lstStyle/>
             <a:p>
-              <a:pPr algn="ctr"/>
               <a:r>
                 <a:rPr lang="de-AT" b="1" dirty="0">
                   <a:latin typeface="Arial" panose="020B0604020202020204" pitchFamily="34" charset="0"/>
@@ -4260,7 +4253,6 @@
             <a:bodyPr rtlCol="0" anchor="ctr"/>
             <a:lstStyle/>
             <a:p>
-              <a:pPr algn="ctr"/>
               <a:r>
                 <a:rPr lang="de-AT" dirty="0">
                   <a:latin typeface="Arial" panose="020B0604020202020204" pitchFamily="34" charset="0"/>
@@ -4341,7 +4333,6 @@
             <a:bodyPr rtlCol="0" anchor="ctr"/>
             <a:lstStyle/>
             <a:p>
-              <a:pPr algn="ctr"/>
               <a:r>
                 <a:rPr lang="de-AT" b="1" dirty="0" err="1">
                   <a:latin typeface="Arial" panose="020B0604020202020204" pitchFamily="34" charset="0"/>
@@ -4405,7 +4396,6 @@
             <a:bodyPr rtlCol="0" anchor="ctr"/>
             <a:lstStyle/>
             <a:p>
-              <a:pPr algn="ctr"/>
               <a:r>
                 <a:rPr lang="de-AT" dirty="0">
                   <a:latin typeface="Arial" panose="020B0604020202020204" pitchFamily="34" charset="0"/>
@@ -4415,7 +4405,6 @@
               </a:r>
             </a:p>
             <a:p>
-              <a:pPr algn="ctr"/>
               <a:r>
                 <a:rPr lang="de-AT" dirty="0" err="1">
                   <a:latin typeface="Arial" panose="020B0604020202020204" pitchFamily="34" charset="0"/>
@@ -4432,7 +4421,6 @@
               </a:r>
             </a:p>
             <a:p>
-              <a:pPr algn="ctr"/>
               <a:r>
                 <a:rPr lang="de-AT" dirty="0">
                   <a:latin typeface="Arial" panose="020B0604020202020204" pitchFamily="34" charset="0"/>
@@ -4442,7 +4430,6 @@
               </a:r>
             </a:p>
             <a:p>
-              <a:pPr algn="ctr"/>
               <a:r>
                 <a:rPr lang="de-AT" dirty="0">
                   <a:latin typeface="Arial" panose="020B0604020202020204" pitchFamily="34" charset="0"/>
@@ -4452,7 +4439,6 @@
               </a:r>
             </a:p>
             <a:p>
-              <a:pPr algn="ctr"/>
               <a:r>
                 <a:rPr lang="de-AT" dirty="0">
                   <a:latin typeface="Arial" panose="020B0604020202020204" pitchFamily="34" charset="0"/>
@@ -4478,7 +4464,7 @@
         </p:nvSpPr>
         <p:spPr>
           <a:xfrm rot="168924" flipH="1">
-            <a:off x="5274666" y="2143284"/>
+            <a:off x="5500732" y="1897647"/>
             <a:ext cx="252119" cy="235049"/>
           </a:xfrm>
           <a:prstGeom prst="diamond">
@@ -4581,8 +4567,8 @@
         </p:nvCxnSpPr>
         <p:spPr>
           <a:xfrm rot="5400000">
-            <a:off x="5102525" y="2642012"/>
-            <a:ext cx="556249" cy="28607"/>
+            <a:off x="5092739" y="2406161"/>
+            <a:ext cx="801886" cy="254673"/>
           </a:xfrm>
           <a:prstGeom prst="bentConnector3">
             <a:avLst>
@@ -5061,7 +5047,7 @@
         </p:nvGrpSpPr>
         <p:grpSpPr>
           <a:xfrm>
-            <a:off x="2708938" y="519144"/>
+            <a:off x="2666365" y="97476"/>
             <a:ext cx="1578362" cy="1859046"/>
             <a:chOff x="3484880" y="609600"/>
             <a:chExt cx="2529840" cy="1943222"/>
@@ -5116,7 +5102,6 @@
             <a:bodyPr rtlCol="0" anchor="ctr"/>
             <a:lstStyle/>
             <a:p>
-              <a:pPr algn="ctr"/>
               <a:r>
                 <a:rPr lang="de-AT" b="1" dirty="0" err="1">
                   <a:latin typeface="Arial" panose="020B0604020202020204" pitchFamily="34" charset="0"/>
@@ -5180,7 +5165,6 @@
             <a:bodyPr rtlCol="0" anchor="ctr"/>
             <a:lstStyle/>
             <a:p>
-              <a:pPr algn="ctr"/>
               <a:r>
                 <a:rPr lang="de-AT" sz="1600" dirty="0" err="1">
                   <a:latin typeface="Arial" panose="020B0604020202020204" pitchFamily="34" charset="0"/>
@@ -5197,7 +5181,6 @@
               </a:r>
             </a:p>
             <a:p>
-              <a:pPr algn="ctr"/>
               <a:r>
                 <a:rPr lang="de-AT" sz="1600" dirty="0">
                   <a:latin typeface="Arial" panose="020B0604020202020204" pitchFamily="34" charset="0"/>
@@ -5207,7 +5190,6 @@
               </a:r>
             </a:p>
             <a:p>
-              <a:pPr algn="ctr"/>
               <a:r>
                 <a:rPr lang="de-AT" sz="1600" dirty="0">
                   <a:latin typeface="Arial" panose="020B0604020202020204" pitchFamily="34" charset="0"/>
@@ -5288,7 +5270,6 @@
             <a:bodyPr rtlCol="0" anchor="ctr"/>
             <a:lstStyle/>
             <a:p>
-              <a:pPr algn="ctr"/>
               <a:r>
                 <a:rPr lang="de-AT" b="1" dirty="0">
                   <a:latin typeface="Arial" panose="020B0604020202020204" pitchFamily="34" charset="0"/>
@@ -5348,7 +5329,6 @@
             <a:bodyPr rtlCol="0" anchor="ctr"/>
             <a:lstStyle/>
             <a:p>
-              <a:pPr algn="ctr"/>
               <a:r>
                 <a:rPr lang="de-AT" sz="1600" dirty="0">
                   <a:latin typeface="Arial" panose="020B0604020202020204" pitchFamily="34" charset="0"/>
@@ -5358,7 +5338,6 @@
               </a:r>
             </a:p>
             <a:p>
-              <a:pPr algn="ctr"/>
               <a:r>
                 <a:rPr lang="de-AT" sz="1600" dirty="0">
                   <a:latin typeface="Arial" panose="020B0604020202020204" pitchFamily="34" charset="0"/>
@@ -5368,7 +5347,6 @@
               </a:r>
             </a:p>
             <a:p>
-              <a:pPr algn="ctr"/>
               <a:r>
                 <a:rPr lang="de-AT" sz="1600" dirty="0">
                   <a:latin typeface="Arial" panose="020B0604020202020204" pitchFamily="34" charset="0"/>
@@ -5403,18 +5381,18 @@
           <p:cNvCxnSpPr>
             <a:cxnSpLocks/>
             <a:stCxn id="9" idx="0"/>
-            <a:endCxn id="10" idx="1"/>
+            <a:endCxn id="9" idx="1"/>
           </p:cNvCxnSpPr>
           <p:nvPr/>
         </p:nvCxnSpPr>
         <p:spPr>
           <a:xfrm rot="16200000" flipH="1" flipV="1">
-            <a:off x="4791313" y="1360445"/>
-            <a:ext cx="615318" cy="632461"/>
+            <a:off x="5205436" y="438867"/>
+            <a:ext cx="205106" cy="632461"/>
           </a:xfrm>
           <a:prstGeom prst="bentConnector4">
             <a:avLst>
-              <a:gd name="adj1" fmla="val -37152"/>
+              <a:gd name="adj1" fmla="val -111455"/>
               <a:gd name="adj2" fmla="val 136145"/>
             </a:avLst>
           </a:prstGeom>
@@ -5507,7 +5485,6 @@
             <a:bodyPr rtlCol="0" anchor="ctr"/>
             <a:lstStyle/>
             <a:p>
-              <a:pPr algn="ctr"/>
               <a:r>
                 <a:rPr lang="de-AT" sz="2000" b="1" dirty="0" err="1">
                   <a:latin typeface="Arial" panose="020B0604020202020204" pitchFamily="34" charset="0"/>
@@ -5596,8 +5573,8 @@
         </p:nvSpPr>
         <p:spPr>
           <a:xfrm>
-            <a:off x="4521731" y="786321"/>
-            <a:ext cx="1525931" cy="369332"/>
+            <a:off x="4751881" y="154354"/>
+            <a:ext cx="1228926" cy="307777"/>
           </a:xfrm>
           <a:prstGeom prst="rect">
             <a:avLst/>
@@ -5611,11 +5588,11 @@
           <a:lstStyle/>
           <a:p>
             <a:r>
-              <a:rPr lang="de-AT" dirty="0" err="1"/>
+              <a:rPr lang="de-AT" sz="1400" dirty="0" err="1"/>
               <a:t>extends</a:t>
             </a:r>
             <a:r>
-              <a:rPr lang="de-AT" dirty="0"/>
+              <a:rPr lang="de-AT" sz="1400" dirty="0"/>
               <a:t>: [0..2]</a:t>
             </a:r>
           </a:p>
@@ -5639,8 +5616,8 @@
         </p:nvCxnSpPr>
         <p:spPr>
           <a:xfrm rot="16200000" flipV="1">
-            <a:off x="6862532" y="759254"/>
-            <a:ext cx="3377312" cy="5007049"/>
+            <a:off x="6608804" y="505527"/>
+            <a:ext cx="4093784" cy="4798032"/>
           </a:xfrm>
           <a:prstGeom prst="bentConnector2">
             <a:avLst/>
@@ -5679,8 +5656,8 @@
         </p:nvSpPr>
         <p:spPr>
           <a:xfrm>
-            <a:off x="6144339" y="1225118"/>
-            <a:ext cx="2079276" cy="369332"/>
+            <a:off x="6114337" y="825828"/>
+            <a:ext cx="2079276" cy="307777"/>
           </a:xfrm>
           <a:prstGeom prst="rect">
             <a:avLst/>
@@ -5694,20 +5671,20 @@
           <a:lstStyle/>
           <a:p>
             <a:r>
-              <a:rPr lang="de-AT" sz="1600" dirty="0">
+              <a:rPr lang="de-AT" sz="1400" dirty="0">
                 <a:latin typeface="Arial" panose="020B0604020202020204" pitchFamily="34" charset="0"/>
                 <a:cs typeface="Arial" panose="020B0604020202020204" pitchFamily="34" charset="0"/>
               </a:rPr>
               <a:t>[1..1] </a:t>
             </a:r>
             <a:r>
-              <a:rPr lang="de-AT" dirty="0" err="1">
+              <a:rPr lang="de-AT" sz="1400" dirty="0" err="1">
                 <a:latin typeface="Arial" panose="020B0604020202020204" pitchFamily="34" charset="0"/>
                 <a:cs typeface="Arial" panose="020B0604020202020204" pitchFamily="34" charset="0"/>
               </a:rPr>
               <a:t>schema</a:t>
             </a:r>
-            <a:endParaRPr lang="de-AT" dirty="0">
+            <a:endParaRPr lang="de-AT" sz="1400" dirty="0">
               <a:latin typeface="Arial" panose="020B0604020202020204" pitchFamily="34" charset="0"/>
               <a:cs typeface="Arial" panose="020B0604020202020204" pitchFamily="34" charset="0"/>
             </a:endParaRPr>
@@ -5775,7 +5752,7 @@
         <p:spPr>
           <a:xfrm>
             <a:off x="6942052" y="5266587"/>
-            <a:ext cx="1363851" cy="615553"/>
+            <a:ext cx="1363851" cy="523220"/>
           </a:xfrm>
           <a:prstGeom prst="rect">
             <a:avLst/>
@@ -5789,20 +5766,20 @@
           <a:lstStyle/>
           <a:p>
             <a:r>
-              <a:rPr lang="de-AT" sz="1600" dirty="0">
+              <a:rPr lang="de-AT" sz="1400" dirty="0">
                 <a:latin typeface="Arial" panose="020B0604020202020204" pitchFamily="34" charset="0"/>
                 <a:cs typeface="Arial" panose="020B0604020202020204" pitchFamily="34" charset="0"/>
               </a:rPr>
               <a:t>[0..300] </a:t>
             </a:r>
             <a:r>
-              <a:rPr lang="de-AT" dirty="0" err="1">
+              <a:rPr lang="de-AT" sz="1400" dirty="0" err="1">
                 <a:latin typeface="Arial" panose="020B0604020202020204" pitchFamily="34" charset="0"/>
                 <a:cs typeface="Arial" panose="020B0604020202020204" pitchFamily="34" charset="0"/>
               </a:rPr>
               <a:t>properties</a:t>
             </a:r>
-            <a:endParaRPr lang="de-AT" dirty="0">
+            <a:endParaRPr lang="de-AT" sz="1400" dirty="0">
               <a:latin typeface="Arial" panose="020B0604020202020204" pitchFamily="34" charset="0"/>
               <a:cs typeface="Arial" panose="020B0604020202020204" pitchFamily="34" charset="0"/>
             </a:endParaRPr>
@@ -5827,8 +5804,8 @@
         </p:nvCxnSpPr>
         <p:spPr>
           <a:xfrm rot="16200000" flipV="1">
-            <a:off x="6038080" y="1993919"/>
-            <a:ext cx="3009173" cy="2990006"/>
+            <a:off x="5784353" y="1740191"/>
+            <a:ext cx="3725645" cy="2780989"/>
           </a:xfrm>
           <a:prstGeom prst="bentConnector2">
             <a:avLst/>
@@ -5867,8 +5844,8 @@
         </p:nvSpPr>
         <p:spPr>
           <a:xfrm>
-            <a:off x="5394953" y="2547077"/>
-            <a:ext cx="1810837" cy="369332"/>
+            <a:off x="5391170" y="2477385"/>
+            <a:ext cx="1810837" cy="307777"/>
           </a:xfrm>
           <a:prstGeom prst="rect">
             <a:avLst/>
@@ -5882,20 +5859,20 @@
           <a:lstStyle/>
           <a:p>
             <a:r>
-              <a:rPr lang="de-AT" sz="1600" dirty="0">
+              <a:rPr lang="de-AT" sz="1400" dirty="0">
                 <a:latin typeface="Arial" panose="020B0604020202020204" pitchFamily="34" charset="0"/>
                 <a:cs typeface="Arial" panose="020B0604020202020204" pitchFamily="34" charset="0"/>
               </a:rPr>
               <a:t>[0..*] </a:t>
             </a:r>
             <a:r>
-              <a:rPr lang="de-AT" dirty="0" err="1">
+              <a:rPr lang="de-AT" sz="1400" dirty="0" err="1">
                 <a:latin typeface="Arial" panose="020B0604020202020204" pitchFamily="34" charset="0"/>
                 <a:cs typeface="Arial" panose="020B0604020202020204" pitchFamily="34" charset="0"/>
               </a:rPr>
               <a:t>contents</a:t>
             </a:r>
-            <a:endParaRPr lang="de-AT" dirty="0">
+            <a:endParaRPr lang="de-AT" sz="1400" dirty="0">
               <a:latin typeface="Arial" panose="020B0604020202020204" pitchFamily="34" charset="0"/>
               <a:cs typeface="Arial" panose="020B0604020202020204" pitchFamily="34" charset="0"/>
             </a:endParaRPr>
@@ -6206,8 +6183,8 @@
         </p:nvCxnSpPr>
         <p:spPr>
           <a:xfrm rot="10800000">
-            <a:off x="3498120" y="2378190"/>
-            <a:ext cx="738707" cy="1171568"/>
+            <a:off x="3455546" y="1956522"/>
+            <a:ext cx="781280" cy="1593236"/>
           </a:xfrm>
           <a:prstGeom prst="bentConnector2">
             <a:avLst/>
@@ -6244,19 +6221,18 @@
           <p:cNvCxnSpPr>
             <a:cxnSpLocks/>
             <a:stCxn id="10" idx="1"/>
-            <a:endCxn id="46" idx="2"/>
+            <a:endCxn id="46" idx="3"/>
           </p:cNvCxnSpPr>
           <p:nvPr/>
         </p:nvCxnSpPr>
         <p:spPr>
-          <a:xfrm rot="10800000" flipV="1">
-            <a:off x="3498119" y="1984334"/>
-            <a:ext cx="1284622" cy="393855"/>
+          <a:xfrm rot="10800000">
+            <a:off x="4244728" y="1232105"/>
+            <a:ext cx="747031" cy="35758"/>
           </a:xfrm>
-          <a:prstGeom prst="bentConnector4">
+          <a:prstGeom prst="bentConnector3">
             <a:avLst>
-              <a:gd name="adj1" fmla="val 19283"/>
-              <a:gd name="adj2" fmla="val 158042"/>
+              <a:gd name="adj1" fmla="val 50000"/>
             </a:avLst>
           </a:prstGeom>
           <a:ln>
@@ -6279,6 +6255,59 @@
           </a:fontRef>
         </p:style>
       </p:cxnSp>
+      <p:sp>
+        <p:nvSpPr>
+          <p:cNvPr id="70" name="Raute 69">
+            <a:extLst>
+              <a:ext uri="{FF2B5EF4-FFF2-40B4-BE49-F238E27FC236}">
+                <a16:creationId xmlns:a16="http://schemas.microsoft.com/office/drawing/2014/main" id="{D5031023-1F37-4DCE-8D4E-2FE312083711}"/>
+              </a:ext>
+            </a:extLst>
+          </p:cNvPr>
+          <p:cNvSpPr/>
+          <p:nvPr/>
+        </p:nvSpPr>
+        <p:spPr>
+          <a:xfrm rot="168924" flipH="1">
+            <a:off x="4725496" y="1176393"/>
+            <a:ext cx="252119" cy="235049"/>
+          </a:xfrm>
+          <a:prstGeom prst="diamond">
+            <a:avLst/>
+          </a:prstGeom>
+          <a:ln>
+            <a:headEnd type="none" w="med" len="med"/>
+            <a:tailEnd type="arrow" w="med" len="med"/>
+          </a:ln>
+        </p:spPr>
+        <p:style>
+          <a:lnRef idx="2">
+            <a:schemeClr val="dk1">
+              <a:shade val="50000"/>
+            </a:schemeClr>
+          </a:lnRef>
+          <a:fillRef idx="1">
+            <a:schemeClr val="dk1"/>
+          </a:fillRef>
+          <a:effectRef idx="0">
+            <a:schemeClr val="dk1"/>
+          </a:effectRef>
+          <a:fontRef idx="minor">
+            <a:schemeClr val="lt1"/>
+          </a:fontRef>
+        </p:style>
+        <p:txBody>
+          <a:bodyPr rtlCol="0" anchor="ctr"/>
+          <a:lstStyle/>
+          <a:p>
+            <a:pPr algn="ctr"/>
+            <a:endParaRPr lang="de-AT">
+              <a:latin typeface="Arial" panose="020B0604020202020204" pitchFamily="34" charset="0"/>
+              <a:cs typeface="Arial" panose="020B0604020202020204" pitchFamily="34" charset="0"/>
+            </a:endParaRPr>
+          </a:p>
+        </p:txBody>
+      </p:sp>
     </p:spTree>
     <p:extLst>
       <p:ext uri="{BB962C8B-B14F-4D97-AF65-F5344CB8AC3E}">
@@ -6465,7 +6494,7 @@
         </p:nvGrpSpPr>
         <p:grpSpPr>
           <a:xfrm>
-            <a:off x="4294900" y="1762831"/>
+            <a:off x="4321886" y="3921937"/>
             <a:ext cx="2796542" cy="820424"/>
             <a:chOff x="3484880" y="609600"/>
             <a:chExt cx="2529840" cy="857572"/>
@@ -6587,7 +6616,6 @@
             <a:bodyPr rtlCol="0" anchor="ctr"/>
             <a:lstStyle/>
             <a:p>
-              <a:pPr algn="ctr"/>
               <a:r>
                 <a:rPr lang="de-AT" dirty="0" err="1">
                   <a:latin typeface="Arial" panose="020B0604020202020204" pitchFamily="34" charset="0"/>
@@ -6604,7 +6632,6 @@
               </a:r>
             </a:p>
             <a:p>
-              <a:pPr algn="ctr"/>
               <a:r>
                 <a:rPr lang="de-AT" dirty="0" err="1">
                   <a:latin typeface="Arial" panose="020B0604020202020204" pitchFamily="34" charset="0"/>
@@ -6648,7 +6675,7 @@
         </p:nvGrpSpPr>
         <p:grpSpPr>
           <a:xfrm>
-            <a:off x="4601484" y="3476688"/>
+            <a:off x="4628470" y="5635794"/>
             <a:ext cx="2170673" cy="1376784"/>
             <a:chOff x="6014721" y="2009063"/>
             <a:chExt cx="2529840" cy="938883"/>
@@ -6777,10 +6804,10 @@
       </p:grpSp>
       <p:grpSp>
         <p:nvGrpSpPr>
-          <p:cNvPr id="17" name="Gruppieren 16">
-            <a:extLst>
-              <a:ext uri="{FF2B5EF4-FFF2-40B4-BE49-F238E27FC236}">
-                <a16:creationId xmlns:a16="http://schemas.microsoft.com/office/drawing/2014/main" id="{85923A88-986C-4E1F-9D2B-CDD5D210E7EC}"/>
+          <p:cNvPr id="49" name="Gruppieren 48">
+            <a:extLst>
+              <a:ext uri="{FF2B5EF4-FFF2-40B4-BE49-F238E27FC236}">
+                <a16:creationId xmlns:a16="http://schemas.microsoft.com/office/drawing/2014/main" id="{CE24E1DA-CA05-4A16-805D-B4B7B0D4E5BA}"/>
               </a:ext>
             </a:extLst>
           </p:cNvPr>
@@ -6789,1387 +6816,7 @@
         </p:nvGrpSpPr>
         <p:grpSpPr>
           <a:xfrm>
-            <a:off x="1510621" y="5290212"/>
-            <a:ext cx="2170673" cy="1376784"/>
-            <a:chOff x="6014721" y="2009063"/>
-            <a:chExt cx="2529840" cy="938883"/>
-          </a:xfrm>
-        </p:grpSpPr>
-        <p:sp>
-          <p:nvSpPr>
-            <p:cNvPr id="18" name="Rechteck 17">
-              <a:extLst>
-                <a:ext uri="{FF2B5EF4-FFF2-40B4-BE49-F238E27FC236}">
-                  <a16:creationId xmlns:a16="http://schemas.microsoft.com/office/drawing/2014/main" id="{441E2392-88E7-428F-8854-D830842F5A7F}"/>
-                </a:ext>
-              </a:extLst>
-            </p:cNvPr>
-            <p:cNvSpPr/>
-            <p:nvPr/>
-          </p:nvSpPr>
-          <p:spPr>
-            <a:xfrm>
-              <a:off x="6014721" y="2009063"/>
-              <a:ext cx="2529840" cy="428786"/>
-            </a:xfrm>
-            <a:prstGeom prst="rect">
-              <a:avLst/>
-            </a:prstGeom>
-            <a:noFill/>
-            <a:ln w="9525" cap="flat" cmpd="sng" algn="ctr">
-              <a:solidFill>
-                <a:schemeClr val="dk1"/>
-              </a:solidFill>
-              <a:prstDash val="solid"/>
-              <a:round/>
-              <a:headEnd type="none" w="med" len="med"/>
-              <a:tailEnd type="arrow" w="med" len="med"/>
-            </a:ln>
-          </p:spPr>
-          <p:style>
-            <a:lnRef idx="0">
-              <a:scrgbClr r="0" g="0" b="0"/>
-            </a:lnRef>
-            <a:fillRef idx="0">
-              <a:scrgbClr r="0" g="0" b="0"/>
-            </a:fillRef>
-            <a:effectRef idx="0">
-              <a:scrgbClr r="0" g="0" b="0"/>
-            </a:effectRef>
-            <a:fontRef idx="minor">
-              <a:schemeClr val="dk1"/>
-            </a:fontRef>
-          </p:style>
-          <p:txBody>
-            <a:bodyPr rtlCol="0" anchor="ctr"/>
-            <a:lstStyle/>
-            <a:p>
-              <a:pPr algn="ctr"/>
-              <a:r>
-                <a:rPr lang="de-AT" sz="2000" b="1" dirty="0">
-                  <a:latin typeface="Arial" panose="020B0604020202020204" pitchFamily="34" charset="0"/>
-                  <a:cs typeface="Arial" panose="020B0604020202020204" pitchFamily="34" charset="0"/>
-                </a:rPr>
-                <a:t>Event</a:t>
-              </a:r>
-            </a:p>
-          </p:txBody>
-        </p:sp>
-        <p:sp>
-          <p:nvSpPr>
-            <p:cNvPr id="19" name="Rechteck 18">
-              <a:extLst>
-                <a:ext uri="{FF2B5EF4-FFF2-40B4-BE49-F238E27FC236}">
-                  <a16:creationId xmlns:a16="http://schemas.microsoft.com/office/drawing/2014/main" id="{03412AB4-8BC8-4BB7-96DD-2FDF03416FDE}"/>
-                </a:ext>
-              </a:extLst>
-            </p:cNvPr>
-            <p:cNvSpPr/>
-            <p:nvPr/>
-          </p:nvSpPr>
-          <p:spPr>
-            <a:xfrm>
-              <a:off x="6014721" y="2437947"/>
-              <a:ext cx="2529840" cy="509999"/>
-            </a:xfrm>
-            <a:prstGeom prst="rect">
-              <a:avLst/>
-            </a:prstGeom>
-            <a:noFill/>
-            <a:ln w="9525" cap="flat" cmpd="sng" algn="ctr">
-              <a:solidFill>
-                <a:schemeClr val="dk1"/>
-              </a:solidFill>
-              <a:prstDash val="solid"/>
-              <a:round/>
-              <a:headEnd type="none" w="med" len="med"/>
-              <a:tailEnd type="arrow" w="med" len="med"/>
-            </a:ln>
-          </p:spPr>
-          <p:style>
-            <a:lnRef idx="0">
-              <a:scrgbClr r="0" g="0" b="0"/>
-            </a:lnRef>
-            <a:fillRef idx="0">
-              <a:scrgbClr r="0" g="0" b="0"/>
-            </a:fillRef>
-            <a:effectRef idx="0">
-              <a:scrgbClr r="0" g="0" b="0"/>
-            </a:effectRef>
-            <a:fontRef idx="minor">
-              <a:schemeClr val="dk1"/>
-            </a:fontRef>
-          </p:style>
-          <p:txBody>
-            <a:bodyPr rtlCol="0" anchor="ctr"/>
-            <a:lstStyle/>
-            <a:p>
-              <a:r>
-                <a:rPr lang="de-AT" dirty="0">
-                  <a:latin typeface="Arial" panose="020B0604020202020204" pitchFamily="34" charset="0"/>
-                  <a:cs typeface="Arial" panose="020B0604020202020204" pitchFamily="34" charset="0"/>
-                </a:rPr>
-                <a:t>Name: String</a:t>
-              </a:r>
-            </a:p>
-          </p:txBody>
-        </p:sp>
-      </p:grpSp>
-      <p:grpSp>
-        <p:nvGrpSpPr>
-          <p:cNvPr id="23" name="Gruppieren 22">
-            <a:extLst>
-              <a:ext uri="{FF2B5EF4-FFF2-40B4-BE49-F238E27FC236}">
-                <a16:creationId xmlns:a16="http://schemas.microsoft.com/office/drawing/2014/main" id="{D50A4CED-CC3E-4343-8B62-8A72AFEFD78F}"/>
-              </a:ext>
-            </a:extLst>
-          </p:cNvPr>
-          <p:cNvGrpSpPr/>
-          <p:nvPr/>
-        </p:nvGrpSpPr>
-        <p:grpSpPr>
-          <a:xfrm>
-            <a:off x="4647533" y="5481216"/>
-            <a:ext cx="2170673" cy="1376784"/>
-            <a:chOff x="6014721" y="2009063"/>
-            <a:chExt cx="2529840" cy="938883"/>
-          </a:xfrm>
-        </p:grpSpPr>
-        <p:sp>
-          <p:nvSpPr>
-            <p:cNvPr id="24" name="Rechteck 23">
-              <a:extLst>
-                <a:ext uri="{FF2B5EF4-FFF2-40B4-BE49-F238E27FC236}">
-                  <a16:creationId xmlns:a16="http://schemas.microsoft.com/office/drawing/2014/main" id="{28BE9E88-DB8C-4476-B1FC-CE11D0D4AE22}"/>
-                </a:ext>
-              </a:extLst>
-            </p:cNvPr>
-            <p:cNvSpPr/>
-            <p:nvPr/>
-          </p:nvSpPr>
-          <p:spPr>
-            <a:xfrm>
-              <a:off x="6014721" y="2009063"/>
-              <a:ext cx="2529840" cy="428786"/>
-            </a:xfrm>
-            <a:prstGeom prst="rect">
-              <a:avLst/>
-            </a:prstGeom>
-            <a:noFill/>
-            <a:ln w="9525" cap="flat" cmpd="sng" algn="ctr">
-              <a:solidFill>
-                <a:schemeClr val="dk1"/>
-              </a:solidFill>
-              <a:prstDash val="solid"/>
-              <a:round/>
-              <a:headEnd type="none" w="med" len="med"/>
-              <a:tailEnd type="arrow" w="med" len="med"/>
-            </a:ln>
-          </p:spPr>
-          <p:style>
-            <a:lnRef idx="0">
-              <a:scrgbClr r="0" g="0" b="0"/>
-            </a:lnRef>
-            <a:fillRef idx="0">
-              <a:scrgbClr r="0" g="0" b="0"/>
-            </a:fillRef>
-            <a:effectRef idx="0">
-              <a:scrgbClr r="0" g="0" b="0"/>
-            </a:effectRef>
-            <a:fontRef idx="minor">
-              <a:schemeClr val="dk1"/>
-            </a:fontRef>
-          </p:style>
-          <p:txBody>
-            <a:bodyPr rtlCol="0" anchor="ctr"/>
-            <a:lstStyle/>
-            <a:p>
-              <a:pPr algn="ctr"/>
-              <a:r>
-                <a:rPr lang="de-AT" sz="2000" b="1" dirty="0">
-                  <a:latin typeface="Arial" panose="020B0604020202020204" pitchFamily="34" charset="0"/>
-                  <a:cs typeface="Arial" panose="020B0604020202020204" pitchFamily="34" charset="0"/>
-                </a:rPr>
-                <a:t>Operation</a:t>
-              </a:r>
-            </a:p>
-          </p:txBody>
-        </p:sp>
-        <p:sp>
-          <p:nvSpPr>
-            <p:cNvPr id="25" name="Rechteck 24">
-              <a:extLst>
-                <a:ext uri="{FF2B5EF4-FFF2-40B4-BE49-F238E27FC236}">
-                  <a16:creationId xmlns:a16="http://schemas.microsoft.com/office/drawing/2014/main" id="{7BF315DA-22DC-457E-BD3E-374B19AE572E}"/>
-                </a:ext>
-              </a:extLst>
-            </p:cNvPr>
-            <p:cNvSpPr/>
-            <p:nvPr/>
-          </p:nvSpPr>
-          <p:spPr>
-            <a:xfrm>
-              <a:off x="6014721" y="2437947"/>
-              <a:ext cx="2529840" cy="509999"/>
-            </a:xfrm>
-            <a:prstGeom prst="rect">
-              <a:avLst/>
-            </a:prstGeom>
-            <a:noFill/>
-            <a:ln w="9525" cap="flat" cmpd="sng" algn="ctr">
-              <a:solidFill>
-                <a:schemeClr val="dk1"/>
-              </a:solidFill>
-              <a:prstDash val="solid"/>
-              <a:round/>
-              <a:headEnd type="none" w="med" len="med"/>
-              <a:tailEnd type="arrow" w="med" len="med"/>
-            </a:ln>
-          </p:spPr>
-          <p:style>
-            <a:lnRef idx="0">
-              <a:scrgbClr r="0" g="0" b="0"/>
-            </a:lnRef>
-            <a:fillRef idx="0">
-              <a:scrgbClr r="0" g="0" b="0"/>
-            </a:fillRef>
-            <a:effectRef idx="0">
-              <a:scrgbClr r="0" g="0" b="0"/>
-            </a:effectRef>
-            <a:fontRef idx="minor">
-              <a:schemeClr val="dk1"/>
-            </a:fontRef>
-          </p:style>
-          <p:txBody>
-            <a:bodyPr rtlCol="0" anchor="ctr"/>
-            <a:lstStyle/>
-            <a:p>
-              <a:r>
-                <a:rPr lang="de-AT" dirty="0">
-                  <a:latin typeface="Arial" panose="020B0604020202020204" pitchFamily="34" charset="0"/>
-                  <a:cs typeface="Arial" panose="020B0604020202020204" pitchFamily="34" charset="0"/>
-                </a:rPr>
-                <a:t>Name: String</a:t>
-              </a:r>
-            </a:p>
-            <a:p>
-              <a:r>
-                <a:rPr lang="de-AT" dirty="0">
-                  <a:latin typeface="Arial" panose="020B0604020202020204" pitchFamily="34" charset="0"/>
-                  <a:cs typeface="Arial" panose="020B0604020202020204" pitchFamily="34" charset="0"/>
-                </a:rPr>
-                <a:t>Description: String</a:t>
-              </a:r>
-            </a:p>
-            <a:p>
-              <a:r>
-                <a:rPr lang="de-AT" dirty="0" err="1">
-                  <a:latin typeface="Arial" panose="020B0604020202020204" pitchFamily="34" charset="0"/>
-                  <a:cs typeface="Arial" panose="020B0604020202020204" pitchFamily="34" charset="0"/>
-                </a:rPr>
-                <a:t>Breakable</a:t>
-              </a:r>
-              <a:r>
-                <a:rPr lang="de-AT" dirty="0">
-                  <a:latin typeface="Arial" panose="020B0604020202020204" pitchFamily="34" charset="0"/>
-                  <a:cs typeface="Arial" panose="020B0604020202020204" pitchFamily="34" charset="0"/>
-                </a:rPr>
-                <a:t>: </a:t>
-              </a:r>
-              <a:r>
-                <a:rPr lang="de-AT" dirty="0" err="1">
-                  <a:latin typeface="Arial" panose="020B0604020202020204" pitchFamily="34" charset="0"/>
-                  <a:cs typeface="Arial" panose="020B0604020202020204" pitchFamily="34" charset="0"/>
-                </a:rPr>
-                <a:t>bool</a:t>
-              </a:r>
-              <a:endParaRPr lang="de-AT" dirty="0">
-                <a:latin typeface="Arial" panose="020B0604020202020204" pitchFamily="34" charset="0"/>
-                <a:cs typeface="Arial" panose="020B0604020202020204" pitchFamily="34" charset="0"/>
-              </a:endParaRPr>
-            </a:p>
-            <a:p>
-              <a:r>
-                <a:rPr lang="de-AT" dirty="0">
-                  <a:latin typeface="Arial" panose="020B0604020202020204" pitchFamily="34" charset="0"/>
-                  <a:cs typeface="Arial" panose="020B0604020202020204" pitchFamily="34" charset="0"/>
-                </a:rPr>
-                <a:t>Extension: </a:t>
-              </a:r>
-              <a:r>
-                <a:rPr lang="de-AT" dirty="0" err="1">
-                  <a:latin typeface="Arial" panose="020B0604020202020204" pitchFamily="34" charset="0"/>
-                  <a:cs typeface="Arial" panose="020B0604020202020204" pitchFamily="34" charset="0"/>
-                </a:rPr>
-                <a:t>bool</a:t>
-              </a:r>
-              <a:endParaRPr lang="de-AT" dirty="0">
-                <a:latin typeface="Arial" panose="020B0604020202020204" pitchFamily="34" charset="0"/>
-                <a:cs typeface="Arial" panose="020B0604020202020204" pitchFamily="34" charset="0"/>
-              </a:endParaRPr>
-            </a:p>
-            <a:p>
-              <a:r>
-                <a:rPr lang="de-AT" dirty="0">
-                  <a:latin typeface="Arial" panose="020B0604020202020204" pitchFamily="34" charset="0"/>
-                  <a:cs typeface="Arial" panose="020B0604020202020204" pitchFamily="34" charset="0"/>
-                </a:rPr>
-                <a:t>Presence: Presence</a:t>
-              </a:r>
-            </a:p>
-            <a:p>
-              <a:r>
-                <a:rPr lang="de-AT" dirty="0">
-                  <a:latin typeface="Arial" panose="020B0604020202020204" pitchFamily="34" charset="0"/>
-                  <a:cs typeface="Arial" panose="020B0604020202020204" pitchFamily="34" charset="0"/>
-                </a:rPr>
-                <a:t>[0..1]</a:t>
-              </a:r>
-              <a:r>
-                <a:rPr lang="de-AT" dirty="0" err="1">
-                  <a:latin typeface="Arial" panose="020B0604020202020204" pitchFamily="34" charset="0"/>
-                  <a:cs typeface="Arial" panose="020B0604020202020204" pitchFamily="34" charset="0"/>
-                </a:rPr>
-                <a:t>returnType</a:t>
-              </a:r>
-              <a:r>
-                <a:rPr lang="de-AT" dirty="0">
-                  <a:latin typeface="Arial" panose="020B0604020202020204" pitchFamily="34" charset="0"/>
-                  <a:cs typeface="Arial" panose="020B0604020202020204" pitchFamily="34" charset="0"/>
-                </a:rPr>
-                <a:t>: </a:t>
-              </a:r>
-              <a:r>
-                <a:rPr lang="de-AT" dirty="0" err="1">
-                  <a:latin typeface="Arial" panose="020B0604020202020204" pitchFamily="34" charset="0"/>
-                  <a:cs typeface="Arial" panose="020B0604020202020204" pitchFamily="34" charset="0"/>
-                </a:rPr>
-                <a:t>ReturnType</a:t>
-              </a:r>
-              <a:endParaRPr lang="de-AT" dirty="0">
-                <a:latin typeface="Arial" panose="020B0604020202020204" pitchFamily="34" charset="0"/>
-                <a:cs typeface="Arial" panose="020B0604020202020204" pitchFamily="34" charset="0"/>
-              </a:endParaRPr>
-            </a:p>
-            <a:p>
-              <a:r>
-                <a:rPr lang="de-AT" dirty="0">
-                  <a:latin typeface="Arial" panose="020B0604020202020204" pitchFamily="34" charset="0"/>
-                  <a:cs typeface="Arial" panose="020B0604020202020204" pitchFamily="34" charset="0"/>
-                </a:rPr>
-                <a:t>[0..*]</a:t>
-              </a:r>
-              <a:r>
-                <a:rPr lang="de-AT" dirty="0" err="1">
-                  <a:latin typeface="Arial" panose="020B0604020202020204" pitchFamily="34" charset="0"/>
-                  <a:cs typeface="Arial" panose="020B0604020202020204" pitchFamily="34" charset="0"/>
-                </a:rPr>
-                <a:t>Params</a:t>
-              </a:r>
-              <a:r>
-                <a:rPr lang="de-AT" dirty="0">
-                  <a:latin typeface="Arial" panose="020B0604020202020204" pitchFamily="34" charset="0"/>
-                  <a:cs typeface="Arial" panose="020B0604020202020204" pitchFamily="34" charset="0"/>
-                </a:rPr>
-                <a:t>: Param</a:t>
-              </a:r>
-            </a:p>
-          </p:txBody>
-        </p:sp>
-      </p:grpSp>
-      <p:grpSp>
-        <p:nvGrpSpPr>
-          <p:cNvPr id="26" name="Gruppieren 25">
-            <a:extLst>
-              <a:ext uri="{FF2B5EF4-FFF2-40B4-BE49-F238E27FC236}">
-                <a16:creationId xmlns:a16="http://schemas.microsoft.com/office/drawing/2014/main" id="{E1F747B1-8BA9-42CC-A52C-DE98D66E9726}"/>
-              </a:ext>
-            </a:extLst>
-          </p:cNvPr>
-          <p:cNvGrpSpPr/>
-          <p:nvPr/>
-        </p:nvGrpSpPr>
-        <p:grpSpPr>
-          <a:xfrm>
-            <a:off x="7868558" y="5290212"/>
-            <a:ext cx="2170673" cy="1376784"/>
-            <a:chOff x="6014721" y="2009063"/>
-            <a:chExt cx="2529840" cy="938883"/>
-          </a:xfrm>
-        </p:grpSpPr>
-        <p:sp>
-          <p:nvSpPr>
-            <p:cNvPr id="27" name="Rechteck 26">
-              <a:extLst>
-                <a:ext uri="{FF2B5EF4-FFF2-40B4-BE49-F238E27FC236}">
-                  <a16:creationId xmlns:a16="http://schemas.microsoft.com/office/drawing/2014/main" id="{84DA2247-97D2-4FCC-8958-12BCDF082453}"/>
-                </a:ext>
-              </a:extLst>
-            </p:cNvPr>
-            <p:cNvSpPr/>
-            <p:nvPr/>
-          </p:nvSpPr>
-          <p:spPr>
-            <a:xfrm>
-              <a:off x="6014721" y="2009063"/>
-              <a:ext cx="2529840" cy="428786"/>
-            </a:xfrm>
-            <a:prstGeom prst="rect">
-              <a:avLst/>
-            </a:prstGeom>
-            <a:noFill/>
-            <a:ln w="9525" cap="flat" cmpd="sng" algn="ctr">
-              <a:solidFill>
-                <a:schemeClr val="dk1"/>
-              </a:solidFill>
-              <a:prstDash val="solid"/>
-              <a:round/>
-              <a:headEnd type="none" w="med" len="med"/>
-              <a:tailEnd type="arrow" w="med" len="med"/>
-            </a:ln>
-          </p:spPr>
-          <p:style>
-            <a:lnRef idx="0">
-              <a:scrgbClr r="0" g="0" b="0"/>
-            </a:lnRef>
-            <a:fillRef idx="0">
-              <a:scrgbClr r="0" g="0" b="0"/>
-            </a:fillRef>
-            <a:effectRef idx="0">
-              <a:scrgbClr r="0" g="0" b="0"/>
-            </a:effectRef>
-            <a:fontRef idx="minor">
-              <a:schemeClr val="dk1"/>
-            </a:fontRef>
-          </p:style>
-          <p:txBody>
-            <a:bodyPr rtlCol="0" anchor="ctr"/>
-            <a:lstStyle/>
-            <a:p>
-              <a:pPr algn="ctr"/>
-              <a:r>
-                <a:rPr lang="de-AT" sz="2000" b="1" dirty="0">
-                  <a:latin typeface="Arial" panose="020B0604020202020204" pitchFamily="34" charset="0"/>
-                  <a:cs typeface="Arial" panose="020B0604020202020204" pitchFamily="34" charset="0"/>
-                </a:rPr>
-                <a:t>Property</a:t>
-              </a:r>
-            </a:p>
-          </p:txBody>
-        </p:sp>
-        <p:sp>
-          <p:nvSpPr>
-            <p:cNvPr id="28" name="Rechteck 27">
-              <a:extLst>
-                <a:ext uri="{FF2B5EF4-FFF2-40B4-BE49-F238E27FC236}">
-                  <a16:creationId xmlns:a16="http://schemas.microsoft.com/office/drawing/2014/main" id="{E390FFB2-037E-46FD-B3A8-8E163210035F}"/>
-                </a:ext>
-              </a:extLst>
-            </p:cNvPr>
-            <p:cNvSpPr/>
-            <p:nvPr/>
-          </p:nvSpPr>
-          <p:spPr>
-            <a:xfrm>
-              <a:off x="6014721" y="2437947"/>
-              <a:ext cx="2529840" cy="509999"/>
-            </a:xfrm>
-            <a:prstGeom prst="rect">
-              <a:avLst/>
-            </a:prstGeom>
-            <a:noFill/>
-            <a:ln w="9525" cap="flat" cmpd="sng" algn="ctr">
-              <a:solidFill>
-                <a:schemeClr val="dk1"/>
-              </a:solidFill>
-              <a:prstDash val="solid"/>
-              <a:round/>
-              <a:headEnd type="none" w="med" len="med"/>
-              <a:tailEnd type="arrow" w="med" len="med"/>
-            </a:ln>
-          </p:spPr>
-          <p:style>
-            <a:lnRef idx="0">
-              <a:scrgbClr r="0" g="0" b="0"/>
-            </a:lnRef>
-            <a:fillRef idx="0">
-              <a:scrgbClr r="0" g="0" b="0"/>
-            </a:fillRef>
-            <a:effectRef idx="0">
-              <a:scrgbClr r="0" g="0" b="0"/>
-            </a:effectRef>
-            <a:fontRef idx="minor">
-              <a:schemeClr val="dk1"/>
-            </a:fontRef>
-          </p:style>
-          <p:txBody>
-            <a:bodyPr rtlCol="0" anchor="ctr"/>
-            <a:lstStyle/>
-            <a:p>
-              <a:r>
-                <a:rPr lang="de-AT" dirty="0" err="1">
-                  <a:latin typeface="Arial" panose="020B0604020202020204" pitchFamily="34" charset="0"/>
-                  <a:cs typeface="Arial" panose="020B0604020202020204" pitchFamily="34" charset="0"/>
-                </a:rPr>
-                <a:t>constraintRule</a:t>
-              </a:r>
-              <a:r>
-                <a:rPr lang="de-AT" dirty="0">
-                  <a:latin typeface="Arial" panose="020B0604020202020204" pitchFamily="34" charset="0"/>
-                  <a:cs typeface="Arial" panose="020B0604020202020204" pitchFamily="34" charset="0"/>
-                </a:rPr>
-                <a:t>: </a:t>
-              </a:r>
-              <a:r>
-                <a:rPr lang="de-AT" dirty="0" err="1">
-                  <a:latin typeface="Arial" panose="020B0604020202020204" pitchFamily="34" charset="0"/>
-                  <a:cs typeface="Arial" panose="020B0604020202020204" pitchFamily="34" charset="0"/>
-                </a:rPr>
-                <a:t>ConstraintRule</a:t>
-              </a:r>
-              <a:endParaRPr lang="de-AT" dirty="0">
-                <a:latin typeface="Arial" panose="020B0604020202020204" pitchFamily="34" charset="0"/>
-                <a:cs typeface="Arial" panose="020B0604020202020204" pitchFamily="34" charset="0"/>
-              </a:endParaRPr>
-            </a:p>
-            <a:p>
-              <a:r>
-                <a:rPr lang="de-AT" dirty="0">
-                  <a:latin typeface="Arial" panose="020B0604020202020204" pitchFamily="34" charset="0"/>
-                  <a:cs typeface="Arial" panose="020B0604020202020204" pitchFamily="34" charset="0"/>
-                </a:rPr>
-                <a:t>Type: </a:t>
-              </a:r>
-              <a:r>
-                <a:rPr lang="de-AT" dirty="0" err="1">
-                  <a:latin typeface="Arial" panose="020B0604020202020204" pitchFamily="34" charset="0"/>
-                  <a:cs typeface="Arial" panose="020B0604020202020204" pitchFamily="34" charset="0"/>
-                </a:rPr>
-                <a:t>PropertyType</a:t>
-              </a:r>
-              <a:endParaRPr lang="de-AT" dirty="0">
-                <a:latin typeface="Arial" panose="020B0604020202020204" pitchFamily="34" charset="0"/>
-                <a:cs typeface="Arial" panose="020B0604020202020204" pitchFamily="34" charset="0"/>
-              </a:endParaRPr>
-            </a:p>
-            <a:p>
-              <a:r>
-                <a:rPr lang="de-AT" dirty="0" err="1">
-                  <a:latin typeface="Arial" panose="020B0604020202020204" pitchFamily="34" charset="0"/>
-                  <a:cs typeface="Arial" panose="020B0604020202020204" pitchFamily="34" charset="0"/>
-                </a:rPr>
-                <a:t>Multiplicity</a:t>
-              </a:r>
-              <a:r>
-                <a:rPr lang="de-AT" dirty="0">
-                  <a:latin typeface="Arial" panose="020B0604020202020204" pitchFamily="34" charset="0"/>
-                  <a:cs typeface="Arial" panose="020B0604020202020204" pitchFamily="34" charset="0"/>
-                </a:rPr>
-                <a:t>: </a:t>
-              </a:r>
-              <a:r>
-                <a:rPr lang="de-AT" dirty="0" err="1">
-                  <a:latin typeface="Arial" panose="020B0604020202020204" pitchFamily="34" charset="0"/>
-                  <a:cs typeface="Arial" panose="020B0604020202020204" pitchFamily="34" charset="0"/>
-                </a:rPr>
-                <a:t>booö</a:t>
-              </a:r>
-              <a:endParaRPr lang="de-AT" dirty="0">
-                <a:latin typeface="Arial" panose="020B0604020202020204" pitchFamily="34" charset="0"/>
-                <a:cs typeface="Arial" panose="020B0604020202020204" pitchFamily="34" charset="0"/>
-              </a:endParaRPr>
-            </a:p>
-            <a:p>
-              <a:r>
-                <a:rPr lang="de-AT" dirty="0">
-                  <a:latin typeface="Arial" panose="020B0604020202020204" pitchFamily="34" charset="0"/>
-                  <a:cs typeface="Arial" panose="020B0604020202020204" pitchFamily="34" charset="0"/>
-                </a:rPr>
-                <a:t>Name: String</a:t>
-              </a:r>
-            </a:p>
-            <a:p>
-              <a:r>
-                <a:rPr lang="de-AT" dirty="0">
-                  <a:latin typeface="Arial" panose="020B0604020202020204" pitchFamily="34" charset="0"/>
-                  <a:cs typeface="Arial" panose="020B0604020202020204" pitchFamily="34" charset="0"/>
-                </a:rPr>
-                <a:t>Extension: </a:t>
-              </a:r>
-              <a:r>
-                <a:rPr lang="de-AT" dirty="0" err="1">
-                  <a:latin typeface="Arial" panose="020B0604020202020204" pitchFamily="34" charset="0"/>
-                  <a:cs typeface="Arial" panose="020B0604020202020204" pitchFamily="34" charset="0"/>
-                </a:rPr>
-                <a:t>bool</a:t>
-              </a:r>
-              <a:endParaRPr lang="de-AT" dirty="0">
-                <a:latin typeface="Arial" panose="020B0604020202020204" pitchFamily="34" charset="0"/>
-                <a:cs typeface="Arial" panose="020B0604020202020204" pitchFamily="34" charset="0"/>
-              </a:endParaRPr>
-            </a:p>
-            <a:p>
-              <a:r>
-                <a:rPr lang="de-AT" dirty="0">
-                  <a:latin typeface="Arial" panose="020B0604020202020204" pitchFamily="34" charset="0"/>
-                  <a:cs typeface="Arial" panose="020B0604020202020204" pitchFamily="34" charset="0"/>
-                </a:rPr>
-                <a:t>Description: String</a:t>
-              </a:r>
-            </a:p>
-            <a:p>
-              <a:r>
-                <a:rPr lang="de-AT" dirty="0" err="1">
-                  <a:latin typeface="Arial" panose="020B0604020202020204" pitchFamily="34" charset="0"/>
-                  <a:cs typeface="Arial" panose="020B0604020202020204" pitchFamily="34" charset="0"/>
-                </a:rPr>
-                <a:t>propertyAttributes</a:t>
-              </a:r>
-              <a:r>
-                <a:rPr lang="de-AT" dirty="0">
-                  <a:latin typeface="Arial" panose="020B0604020202020204" pitchFamily="34" charset="0"/>
-                  <a:cs typeface="Arial" panose="020B0604020202020204" pitchFamily="34" charset="0"/>
-                </a:rPr>
-                <a:t>: </a:t>
-              </a:r>
-              <a:r>
-                <a:rPr lang="de-AT" dirty="0" err="1">
-                  <a:latin typeface="Arial" panose="020B0604020202020204" pitchFamily="34" charset="0"/>
-                  <a:cs typeface="Arial" panose="020B0604020202020204" pitchFamily="34" charset="0"/>
-                </a:rPr>
-                <a:t>PropertyAttribute</a:t>
-              </a:r>
-              <a:endParaRPr lang="de-AT" dirty="0">
-                <a:latin typeface="Arial" panose="020B0604020202020204" pitchFamily="34" charset="0"/>
-                <a:cs typeface="Arial" panose="020B0604020202020204" pitchFamily="34" charset="0"/>
-              </a:endParaRPr>
-            </a:p>
-            <a:p>
-              <a:r>
-                <a:rPr lang="de-AT" dirty="0">
-                  <a:latin typeface="Arial" panose="020B0604020202020204" pitchFamily="34" charset="0"/>
-                  <a:cs typeface="Arial" panose="020B0604020202020204" pitchFamily="34" charset="0"/>
-                </a:rPr>
-                <a:t>Presence: Presence</a:t>
-              </a:r>
-            </a:p>
-          </p:txBody>
-        </p:sp>
-      </p:grpSp>
-      <p:grpSp>
-        <p:nvGrpSpPr>
-          <p:cNvPr id="29" name="Gruppieren 28">
-            <a:extLst>
-              <a:ext uri="{FF2B5EF4-FFF2-40B4-BE49-F238E27FC236}">
-                <a16:creationId xmlns:a16="http://schemas.microsoft.com/office/drawing/2014/main" id="{D47D0764-9143-48B8-B9B9-956571BD9C66}"/>
-              </a:ext>
-            </a:extLst>
-          </p:cNvPr>
-          <p:cNvGrpSpPr/>
-          <p:nvPr/>
-        </p:nvGrpSpPr>
-        <p:grpSpPr>
-          <a:xfrm rot="16200000">
-            <a:off x="7088702" y="3425021"/>
-            <a:ext cx="1548645" cy="2181739"/>
-            <a:chOff x="4276794" y="1377472"/>
-            <a:chExt cx="1353887" cy="3362039"/>
-          </a:xfrm>
-        </p:grpSpPr>
-        <p:sp>
-          <p:nvSpPr>
-            <p:cNvPr id="30" name="Raute 29">
-              <a:extLst>
-                <a:ext uri="{FF2B5EF4-FFF2-40B4-BE49-F238E27FC236}">
-                  <a16:creationId xmlns:a16="http://schemas.microsoft.com/office/drawing/2014/main" id="{5EA1F405-F006-4A99-A8CD-97FE596AE122}"/>
-                </a:ext>
-              </a:extLst>
-            </p:cNvPr>
-            <p:cNvSpPr/>
-            <p:nvPr/>
-          </p:nvSpPr>
-          <p:spPr>
-            <a:xfrm flipH="1">
-              <a:off x="5460060" y="1377472"/>
-              <a:ext cx="170621" cy="277558"/>
-            </a:xfrm>
-            <a:prstGeom prst="diamond">
-              <a:avLst/>
-            </a:prstGeom>
-            <a:ln>
-              <a:headEnd type="none" w="med" len="med"/>
-              <a:tailEnd type="arrow" w="med" len="med"/>
-            </a:ln>
-          </p:spPr>
-          <p:style>
-            <a:lnRef idx="2">
-              <a:schemeClr val="dk1">
-                <a:shade val="50000"/>
-              </a:schemeClr>
-            </a:lnRef>
-            <a:fillRef idx="1">
-              <a:schemeClr val="dk1"/>
-            </a:fillRef>
-            <a:effectRef idx="0">
-              <a:schemeClr val="dk1"/>
-            </a:effectRef>
-            <a:fontRef idx="minor">
-              <a:schemeClr val="lt1"/>
-            </a:fontRef>
-          </p:style>
-          <p:txBody>
-            <a:bodyPr rtlCol="0" anchor="ctr"/>
-            <a:lstStyle/>
-            <a:p>
-              <a:pPr algn="ctr"/>
-              <a:endParaRPr lang="de-AT" dirty="0">
-                <a:latin typeface="Arial" panose="020B0604020202020204" pitchFamily="34" charset="0"/>
-                <a:cs typeface="Arial" panose="020B0604020202020204" pitchFamily="34" charset="0"/>
-              </a:endParaRPr>
-            </a:p>
-          </p:txBody>
-        </p:sp>
-        <p:cxnSp>
-          <p:nvCxnSpPr>
-            <p:cNvPr id="34" name="Verbinder: gewinkelt 98">
-              <a:extLst>
-                <a:ext uri="{FF2B5EF4-FFF2-40B4-BE49-F238E27FC236}">
-                  <a16:creationId xmlns:a16="http://schemas.microsoft.com/office/drawing/2014/main" id="{C3B889AB-9BF7-453D-822F-DA9A430D9343}"/>
-                </a:ext>
-              </a:extLst>
-            </p:cNvPr>
-            <p:cNvCxnSpPr>
-              <a:cxnSpLocks/>
-              <a:stCxn id="30" idx="2"/>
-              <a:endCxn id="27" idx="0"/>
-            </p:cNvCxnSpPr>
-            <p:nvPr/>
-          </p:nvCxnSpPr>
-          <p:spPr>
-            <a:xfrm rot="5400000">
-              <a:off x="3368841" y="2562983"/>
-              <a:ext cx="3084481" cy="1268575"/>
-            </a:xfrm>
-            <a:prstGeom prst="bentConnector2">
-              <a:avLst/>
-            </a:prstGeom>
-            <a:ln>
-              <a:headEnd type="none" w="med" len="med"/>
-              <a:tailEnd type="arrow" w="med" len="med"/>
-            </a:ln>
-          </p:spPr>
-          <p:style>
-            <a:lnRef idx="1">
-              <a:schemeClr val="dk1"/>
-            </a:lnRef>
-            <a:fillRef idx="0">
-              <a:schemeClr val="dk1"/>
-            </a:fillRef>
-            <a:effectRef idx="0">
-              <a:schemeClr val="dk1"/>
-            </a:effectRef>
-            <a:fontRef idx="minor">
-              <a:schemeClr val="tx1"/>
-            </a:fontRef>
-          </p:style>
-        </p:cxnSp>
-      </p:grpSp>
-      <p:grpSp>
-        <p:nvGrpSpPr>
-          <p:cNvPr id="35" name="Gruppieren 34">
-            <a:extLst>
-              <a:ext uri="{FF2B5EF4-FFF2-40B4-BE49-F238E27FC236}">
-                <a16:creationId xmlns:a16="http://schemas.microsoft.com/office/drawing/2014/main" id="{AF623C0F-91C3-4AAD-A394-9BFBBB245AF0}"/>
-              </a:ext>
-            </a:extLst>
-          </p:cNvPr>
-          <p:cNvGrpSpPr/>
-          <p:nvPr/>
-        </p:nvGrpSpPr>
-        <p:grpSpPr>
-          <a:xfrm rot="16200000">
-            <a:off x="7264470" y="3600788"/>
-            <a:ext cx="1202644" cy="2176208"/>
-            <a:chOff x="4579282" y="1377472"/>
-            <a:chExt cx="1051399" cy="3353516"/>
-          </a:xfrm>
-        </p:grpSpPr>
-        <p:sp>
-          <p:nvSpPr>
-            <p:cNvPr id="36" name="Raute 35">
-              <a:extLst>
-                <a:ext uri="{FF2B5EF4-FFF2-40B4-BE49-F238E27FC236}">
-                  <a16:creationId xmlns:a16="http://schemas.microsoft.com/office/drawing/2014/main" id="{96297146-368D-4940-BBB9-72DBCD475D6C}"/>
-                </a:ext>
-              </a:extLst>
-            </p:cNvPr>
-            <p:cNvSpPr/>
-            <p:nvPr/>
-          </p:nvSpPr>
-          <p:spPr>
-            <a:xfrm flipH="1">
-              <a:off x="5460060" y="1377472"/>
-              <a:ext cx="170621" cy="277558"/>
-            </a:xfrm>
-            <a:prstGeom prst="diamond">
-              <a:avLst/>
-            </a:prstGeom>
-            <a:ln>
-              <a:headEnd type="none" w="med" len="med"/>
-              <a:tailEnd type="arrow" w="med" len="med"/>
-            </a:ln>
-          </p:spPr>
-          <p:style>
-            <a:lnRef idx="2">
-              <a:schemeClr val="dk1">
-                <a:shade val="50000"/>
-              </a:schemeClr>
-            </a:lnRef>
-            <a:fillRef idx="1">
-              <a:schemeClr val="dk1"/>
-            </a:fillRef>
-            <a:effectRef idx="0">
-              <a:schemeClr val="dk1"/>
-            </a:effectRef>
-            <a:fontRef idx="minor">
-              <a:schemeClr val="lt1"/>
-            </a:fontRef>
-          </p:style>
-          <p:txBody>
-            <a:bodyPr rtlCol="0" anchor="ctr"/>
-            <a:lstStyle/>
-            <a:p>
-              <a:pPr algn="ctr"/>
-              <a:endParaRPr lang="de-AT" dirty="0">
-                <a:latin typeface="Arial" panose="020B0604020202020204" pitchFamily="34" charset="0"/>
-                <a:cs typeface="Arial" panose="020B0604020202020204" pitchFamily="34" charset="0"/>
-              </a:endParaRPr>
-            </a:p>
-          </p:txBody>
-        </p:sp>
-        <p:cxnSp>
-          <p:nvCxnSpPr>
-            <p:cNvPr id="37" name="Verbinder: gewinkelt 98">
-              <a:extLst>
-                <a:ext uri="{FF2B5EF4-FFF2-40B4-BE49-F238E27FC236}">
-                  <a16:creationId xmlns:a16="http://schemas.microsoft.com/office/drawing/2014/main" id="{15B10B46-03BF-4488-BC3F-12821443DFBE}"/>
-                </a:ext>
-              </a:extLst>
-            </p:cNvPr>
-            <p:cNvCxnSpPr>
-              <a:cxnSpLocks/>
-              <a:stCxn id="36" idx="2"/>
-              <a:endCxn id="27" idx="0"/>
-            </p:cNvCxnSpPr>
-            <p:nvPr/>
-          </p:nvCxnSpPr>
-          <p:spPr>
-            <a:xfrm rot="5400000">
-              <a:off x="3524347" y="2709965"/>
-              <a:ext cx="3075958" cy="966087"/>
-            </a:xfrm>
-            <a:prstGeom prst="bentConnector2">
-              <a:avLst/>
-            </a:prstGeom>
-            <a:ln>
-              <a:headEnd type="none" w="med" len="med"/>
-              <a:tailEnd type="arrow" w="med" len="med"/>
-            </a:ln>
-          </p:spPr>
-          <p:style>
-            <a:lnRef idx="1">
-              <a:schemeClr val="dk1"/>
-            </a:lnRef>
-            <a:fillRef idx="0">
-              <a:schemeClr val="dk1"/>
-            </a:fillRef>
-            <a:effectRef idx="0">
-              <a:schemeClr val="dk1"/>
-            </a:effectRef>
-            <a:fontRef idx="minor">
-              <a:schemeClr val="tx1"/>
-            </a:fontRef>
-          </p:style>
-        </p:cxnSp>
-      </p:grpSp>
-      <p:grpSp>
-        <p:nvGrpSpPr>
-          <p:cNvPr id="38" name="Gruppieren 37">
-            <a:extLst>
-              <a:ext uri="{FF2B5EF4-FFF2-40B4-BE49-F238E27FC236}">
-                <a16:creationId xmlns:a16="http://schemas.microsoft.com/office/drawing/2014/main" id="{7006E50A-1E5B-4F6F-856D-CEBACD80FB23}"/>
-              </a:ext>
-            </a:extLst>
-          </p:cNvPr>
-          <p:cNvGrpSpPr/>
-          <p:nvPr/>
-        </p:nvGrpSpPr>
-        <p:grpSpPr>
-          <a:xfrm rot="16200000">
-            <a:off x="7460454" y="3796772"/>
-            <a:ext cx="810676" cy="2176208"/>
-            <a:chOff x="4921956" y="1377472"/>
-            <a:chExt cx="708725" cy="3353516"/>
-          </a:xfrm>
-        </p:grpSpPr>
-        <p:sp>
-          <p:nvSpPr>
-            <p:cNvPr id="39" name="Raute 38">
-              <a:extLst>
-                <a:ext uri="{FF2B5EF4-FFF2-40B4-BE49-F238E27FC236}">
-                  <a16:creationId xmlns:a16="http://schemas.microsoft.com/office/drawing/2014/main" id="{4E919E5A-8A07-40F1-9188-03918B025446}"/>
-                </a:ext>
-              </a:extLst>
-            </p:cNvPr>
-            <p:cNvSpPr/>
-            <p:nvPr/>
-          </p:nvSpPr>
-          <p:spPr>
-            <a:xfrm flipH="1">
-              <a:off x="5460060" y="1377472"/>
-              <a:ext cx="170621" cy="277558"/>
-            </a:xfrm>
-            <a:prstGeom prst="diamond">
-              <a:avLst/>
-            </a:prstGeom>
-            <a:ln>
-              <a:headEnd type="none" w="med" len="med"/>
-              <a:tailEnd type="arrow" w="med" len="med"/>
-            </a:ln>
-          </p:spPr>
-          <p:style>
-            <a:lnRef idx="2">
-              <a:schemeClr val="dk1">
-                <a:shade val="50000"/>
-              </a:schemeClr>
-            </a:lnRef>
-            <a:fillRef idx="1">
-              <a:schemeClr val="dk1"/>
-            </a:fillRef>
-            <a:effectRef idx="0">
-              <a:schemeClr val="dk1"/>
-            </a:effectRef>
-            <a:fontRef idx="minor">
-              <a:schemeClr val="lt1"/>
-            </a:fontRef>
-          </p:style>
-          <p:txBody>
-            <a:bodyPr rtlCol="0" anchor="ctr"/>
-            <a:lstStyle/>
-            <a:p>
-              <a:pPr algn="ctr"/>
-              <a:endParaRPr lang="de-AT" dirty="0">
-                <a:latin typeface="Arial" panose="020B0604020202020204" pitchFamily="34" charset="0"/>
-                <a:cs typeface="Arial" panose="020B0604020202020204" pitchFamily="34" charset="0"/>
-              </a:endParaRPr>
-            </a:p>
-          </p:txBody>
-        </p:sp>
-        <p:cxnSp>
-          <p:nvCxnSpPr>
-            <p:cNvPr id="40" name="Verbinder: gewinkelt 98">
-              <a:extLst>
-                <a:ext uri="{FF2B5EF4-FFF2-40B4-BE49-F238E27FC236}">
-                  <a16:creationId xmlns:a16="http://schemas.microsoft.com/office/drawing/2014/main" id="{7F775CC9-D8D5-47BE-B354-8A1E5FB1643E}"/>
-                </a:ext>
-              </a:extLst>
-            </p:cNvPr>
-            <p:cNvCxnSpPr>
-              <a:cxnSpLocks/>
-              <a:stCxn id="39" idx="2"/>
-              <a:endCxn id="27" idx="0"/>
-            </p:cNvCxnSpPr>
-            <p:nvPr/>
-          </p:nvCxnSpPr>
-          <p:spPr>
-            <a:xfrm rot="5400000">
-              <a:off x="3695684" y="2881302"/>
-              <a:ext cx="3075958" cy="623414"/>
-            </a:xfrm>
-            <a:prstGeom prst="bentConnector2">
-              <a:avLst/>
-            </a:prstGeom>
-            <a:ln>
-              <a:headEnd type="none" w="med" len="med"/>
-              <a:tailEnd type="arrow" w="med" len="med"/>
-            </a:ln>
-          </p:spPr>
-          <p:style>
-            <a:lnRef idx="1">
-              <a:schemeClr val="dk1"/>
-            </a:lnRef>
-            <a:fillRef idx="0">
-              <a:schemeClr val="dk1"/>
-            </a:fillRef>
-            <a:effectRef idx="0">
-              <a:schemeClr val="dk1"/>
-            </a:effectRef>
-            <a:fontRef idx="minor">
-              <a:schemeClr val="tx1"/>
-            </a:fontRef>
-          </p:style>
-        </p:cxnSp>
-      </p:grpSp>
-      <p:sp>
-        <p:nvSpPr>
-          <p:cNvPr id="11" name="Textfeld 10">
-            <a:extLst>
-              <a:ext uri="{FF2B5EF4-FFF2-40B4-BE49-F238E27FC236}">
-                <a16:creationId xmlns:a16="http://schemas.microsoft.com/office/drawing/2014/main" id="{1357FD83-DA49-4B44-BFCB-BBAE64285AD6}"/>
-              </a:ext>
-            </a:extLst>
-          </p:cNvPr>
-          <p:cNvSpPr txBox="1"/>
-          <p:nvPr/>
-        </p:nvSpPr>
-        <p:spPr>
-          <a:xfrm>
-            <a:off x="7210059" y="3536812"/>
-            <a:ext cx="743024" cy="369332"/>
-          </a:xfrm>
-          <a:prstGeom prst="rect">
-            <a:avLst/>
-          </a:prstGeom>
-          <a:noFill/>
-        </p:spPr>
-        <p:txBody>
-          <a:bodyPr wrap="none" rtlCol="0">
-            <a:spAutoFit/>
-          </a:bodyPr>
-          <a:lstStyle/>
-          <a:p>
-            <a:r>
-              <a:rPr lang="de-AT" dirty="0" err="1"/>
-              <a:t>status</a:t>
-            </a:r>
-            <a:endParaRPr lang="de-AT" dirty="0"/>
-          </a:p>
-        </p:txBody>
-      </p:sp>
-      <p:sp>
-        <p:nvSpPr>
-          <p:cNvPr id="41" name="Textfeld 40">
-            <a:extLst>
-              <a:ext uri="{FF2B5EF4-FFF2-40B4-BE49-F238E27FC236}">
-                <a16:creationId xmlns:a16="http://schemas.microsoft.com/office/drawing/2014/main" id="{99C8C03B-F853-43D7-A220-57BEA78A73F8}"/>
-              </a:ext>
-            </a:extLst>
-          </p:cNvPr>
-          <p:cNvSpPr txBox="1"/>
-          <p:nvPr/>
-        </p:nvSpPr>
-        <p:spPr>
-          <a:xfrm>
-            <a:off x="7210059" y="3894479"/>
-            <a:ext cx="612988" cy="369332"/>
-          </a:xfrm>
-          <a:prstGeom prst="rect">
-            <a:avLst/>
-          </a:prstGeom>
-          <a:noFill/>
-        </p:spPr>
-        <p:txBody>
-          <a:bodyPr wrap="none" rtlCol="0">
-            <a:spAutoFit/>
-          </a:bodyPr>
-          <a:lstStyle/>
-          <a:p>
-            <a:r>
-              <a:rPr lang="de-AT" dirty="0"/>
-              <a:t>fault</a:t>
-            </a:r>
-          </a:p>
-        </p:txBody>
-      </p:sp>
-      <p:sp>
-        <p:nvSpPr>
-          <p:cNvPr id="42" name="Textfeld 41">
-            <a:extLst>
-              <a:ext uri="{FF2B5EF4-FFF2-40B4-BE49-F238E27FC236}">
-                <a16:creationId xmlns:a16="http://schemas.microsoft.com/office/drawing/2014/main" id="{C6E89A95-E080-414A-B110-6FD7941BC6CB}"/>
-              </a:ext>
-            </a:extLst>
-          </p:cNvPr>
-          <p:cNvSpPr txBox="1"/>
-          <p:nvPr/>
-        </p:nvSpPr>
-        <p:spPr>
-          <a:xfrm>
-            <a:off x="7134767" y="4195350"/>
-            <a:ext cx="1434495" cy="369332"/>
-          </a:xfrm>
-          <a:prstGeom prst="rect">
-            <a:avLst/>
-          </a:prstGeom>
-          <a:noFill/>
-        </p:spPr>
-        <p:txBody>
-          <a:bodyPr wrap="none" rtlCol="0">
-            <a:spAutoFit/>
-          </a:bodyPr>
-          <a:lstStyle/>
-          <a:p>
-            <a:r>
-              <a:rPr lang="de-AT" dirty="0" err="1"/>
-              <a:t>configuration</a:t>
-            </a:r>
-            <a:endParaRPr lang="de-AT" dirty="0"/>
-          </a:p>
-        </p:txBody>
-      </p:sp>
-      <p:grpSp>
-        <p:nvGrpSpPr>
-          <p:cNvPr id="43" name="Gruppieren 42">
-            <a:extLst>
-              <a:ext uri="{FF2B5EF4-FFF2-40B4-BE49-F238E27FC236}">
-                <a16:creationId xmlns:a16="http://schemas.microsoft.com/office/drawing/2014/main" id="{CA225BEC-753E-47B2-AE99-BB30A329B8C8}"/>
-              </a:ext>
-            </a:extLst>
-          </p:cNvPr>
-          <p:cNvGrpSpPr/>
-          <p:nvPr/>
-        </p:nvGrpSpPr>
-        <p:grpSpPr>
-          <a:xfrm rot="5400000">
-            <a:off x="3014736" y="3707363"/>
-            <a:ext cx="1164072" cy="2001621"/>
-            <a:chOff x="5460060" y="1377472"/>
-            <a:chExt cx="1017678" cy="3162051"/>
-          </a:xfrm>
-        </p:grpSpPr>
-        <p:sp>
-          <p:nvSpPr>
-            <p:cNvPr id="44" name="Raute 43">
-              <a:extLst>
-                <a:ext uri="{FF2B5EF4-FFF2-40B4-BE49-F238E27FC236}">
-                  <a16:creationId xmlns:a16="http://schemas.microsoft.com/office/drawing/2014/main" id="{44570DBF-03E1-4DFD-8952-C0BA989E7C9D}"/>
-                </a:ext>
-              </a:extLst>
-            </p:cNvPr>
-            <p:cNvSpPr/>
-            <p:nvPr/>
-          </p:nvSpPr>
-          <p:spPr>
-            <a:xfrm flipH="1">
-              <a:off x="5460060" y="1377472"/>
-              <a:ext cx="170621" cy="277558"/>
-            </a:xfrm>
-            <a:prstGeom prst="diamond">
-              <a:avLst/>
-            </a:prstGeom>
-            <a:ln>
-              <a:headEnd type="none" w="med" len="med"/>
-              <a:tailEnd type="arrow" w="med" len="med"/>
-            </a:ln>
-          </p:spPr>
-          <p:style>
-            <a:lnRef idx="2">
-              <a:schemeClr val="dk1">
-                <a:shade val="50000"/>
-              </a:schemeClr>
-            </a:lnRef>
-            <a:fillRef idx="1">
-              <a:schemeClr val="dk1"/>
-            </a:fillRef>
-            <a:effectRef idx="0">
-              <a:schemeClr val="dk1"/>
-            </a:effectRef>
-            <a:fontRef idx="minor">
-              <a:schemeClr val="lt1"/>
-            </a:fontRef>
-          </p:style>
-          <p:txBody>
-            <a:bodyPr rtlCol="0" anchor="ctr"/>
-            <a:lstStyle/>
-            <a:p>
-              <a:pPr algn="ctr"/>
-              <a:endParaRPr lang="de-AT" dirty="0">
-                <a:latin typeface="Arial" panose="020B0604020202020204" pitchFamily="34" charset="0"/>
-                <a:cs typeface="Arial" panose="020B0604020202020204" pitchFamily="34" charset="0"/>
-              </a:endParaRPr>
-            </a:p>
-          </p:txBody>
-        </p:sp>
-        <p:cxnSp>
-          <p:nvCxnSpPr>
-            <p:cNvPr id="45" name="Verbinder: gewinkelt 98">
-              <a:extLst>
-                <a:ext uri="{FF2B5EF4-FFF2-40B4-BE49-F238E27FC236}">
-                  <a16:creationId xmlns:a16="http://schemas.microsoft.com/office/drawing/2014/main" id="{22E5392E-2FB4-4B46-9E2F-A48D288237E4}"/>
-                </a:ext>
-              </a:extLst>
-            </p:cNvPr>
-            <p:cNvCxnSpPr>
-              <a:cxnSpLocks/>
-              <a:stCxn id="44" idx="2"/>
-              <a:endCxn id="18" idx="0"/>
-            </p:cNvCxnSpPr>
-            <p:nvPr/>
-          </p:nvCxnSpPr>
-          <p:spPr>
-            <a:xfrm rot="5400000" flipV="1">
-              <a:off x="4569308" y="2631090"/>
-              <a:ext cx="2884496" cy="932372"/>
-            </a:xfrm>
-            <a:prstGeom prst="bentConnector2">
-              <a:avLst/>
-            </a:prstGeom>
-            <a:ln>
-              <a:headEnd type="none" w="med" len="med"/>
-              <a:tailEnd type="arrow" w="med" len="med"/>
-            </a:ln>
-          </p:spPr>
-          <p:style>
-            <a:lnRef idx="1">
-              <a:schemeClr val="dk1"/>
-            </a:lnRef>
-            <a:fillRef idx="0">
-              <a:schemeClr val="dk1"/>
-            </a:fillRef>
-            <a:effectRef idx="0">
-              <a:schemeClr val="dk1"/>
-            </a:effectRef>
-            <a:fontRef idx="minor">
-              <a:schemeClr val="tx1"/>
-            </a:fontRef>
-          </p:style>
-        </p:cxnSp>
-      </p:grpSp>
-      <p:grpSp>
-        <p:nvGrpSpPr>
-          <p:cNvPr id="46" name="Gruppieren 45">
-            <a:extLst>
-              <a:ext uri="{FF2B5EF4-FFF2-40B4-BE49-F238E27FC236}">
-                <a16:creationId xmlns:a16="http://schemas.microsoft.com/office/drawing/2014/main" id="{ACAD439B-EC75-4B5F-B46B-67DA8E57E20B}"/>
-              </a:ext>
-            </a:extLst>
-          </p:cNvPr>
-          <p:cNvGrpSpPr/>
-          <p:nvPr/>
-        </p:nvGrpSpPr>
-        <p:grpSpPr>
-          <a:xfrm>
-            <a:off x="5628938" y="4871507"/>
-            <a:ext cx="195165" cy="609710"/>
-            <a:chOff x="5460060" y="1377472"/>
-            <a:chExt cx="170621" cy="939556"/>
-          </a:xfrm>
-        </p:grpSpPr>
-        <p:sp>
-          <p:nvSpPr>
-            <p:cNvPr id="47" name="Raute 46">
-              <a:extLst>
-                <a:ext uri="{FF2B5EF4-FFF2-40B4-BE49-F238E27FC236}">
-                  <a16:creationId xmlns:a16="http://schemas.microsoft.com/office/drawing/2014/main" id="{8804A263-7B91-4EA2-826A-D3C2E0595C64}"/>
-                </a:ext>
-              </a:extLst>
-            </p:cNvPr>
-            <p:cNvSpPr/>
-            <p:nvPr/>
-          </p:nvSpPr>
-          <p:spPr>
-            <a:xfrm flipH="1">
-              <a:off x="5460060" y="1377472"/>
-              <a:ext cx="170621" cy="277558"/>
-            </a:xfrm>
-            <a:prstGeom prst="diamond">
-              <a:avLst/>
-            </a:prstGeom>
-            <a:ln>
-              <a:headEnd type="none" w="med" len="med"/>
-              <a:tailEnd type="arrow" w="med" len="med"/>
-            </a:ln>
-          </p:spPr>
-          <p:style>
-            <a:lnRef idx="2">
-              <a:schemeClr val="dk1">
-                <a:shade val="50000"/>
-              </a:schemeClr>
-            </a:lnRef>
-            <a:fillRef idx="1">
-              <a:schemeClr val="dk1"/>
-            </a:fillRef>
-            <a:effectRef idx="0">
-              <a:schemeClr val="dk1"/>
-            </a:effectRef>
-            <a:fontRef idx="minor">
-              <a:schemeClr val="lt1"/>
-            </a:fontRef>
-          </p:style>
-          <p:txBody>
-            <a:bodyPr rtlCol="0" anchor="ctr"/>
-            <a:lstStyle/>
-            <a:p>
-              <a:pPr algn="ctr"/>
-              <a:endParaRPr lang="de-AT" dirty="0">
-                <a:latin typeface="Arial" panose="020B0604020202020204" pitchFamily="34" charset="0"/>
-                <a:cs typeface="Arial" panose="020B0604020202020204" pitchFamily="34" charset="0"/>
-              </a:endParaRPr>
-            </a:p>
-          </p:txBody>
-        </p:sp>
-        <p:cxnSp>
-          <p:nvCxnSpPr>
-            <p:cNvPr id="48" name="Verbinder: gewinkelt 98">
-              <a:extLst>
-                <a:ext uri="{FF2B5EF4-FFF2-40B4-BE49-F238E27FC236}">
-                  <a16:creationId xmlns:a16="http://schemas.microsoft.com/office/drawing/2014/main" id="{E9E2D439-2491-410F-B4A3-DF8CE6ACEB59}"/>
-                </a:ext>
-              </a:extLst>
-            </p:cNvPr>
-            <p:cNvCxnSpPr>
-              <a:cxnSpLocks/>
-              <a:stCxn id="47" idx="2"/>
-              <a:endCxn id="24" idx="0"/>
-            </p:cNvCxnSpPr>
-            <p:nvPr/>
-          </p:nvCxnSpPr>
-          <p:spPr>
-            <a:xfrm rot="16200000" flipH="1">
-              <a:off x="5217147" y="1983253"/>
-              <a:ext cx="661998" cy="5551"/>
-            </a:xfrm>
-            <a:prstGeom prst="bentConnector3">
-              <a:avLst>
-                <a:gd name="adj1" fmla="val 50000"/>
-              </a:avLst>
-            </a:prstGeom>
-            <a:ln>
-              <a:headEnd type="none" w="med" len="med"/>
-              <a:tailEnd type="arrow" w="med" len="med"/>
-            </a:ln>
-          </p:spPr>
-          <p:style>
-            <a:lnRef idx="1">
-              <a:schemeClr val="dk1"/>
-            </a:lnRef>
-            <a:fillRef idx="0">
-              <a:schemeClr val="dk1"/>
-            </a:fillRef>
-            <a:effectRef idx="0">
-              <a:schemeClr val="dk1"/>
-            </a:effectRef>
-            <a:fontRef idx="minor">
-              <a:schemeClr val="tx1"/>
-            </a:fontRef>
-          </p:style>
-        </p:cxnSp>
-      </p:grpSp>
-      <p:grpSp>
-        <p:nvGrpSpPr>
-          <p:cNvPr id="49" name="Gruppieren 48">
-            <a:extLst>
-              <a:ext uri="{FF2B5EF4-FFF2-40B4-BE49-F238E27FC236}">
-                <a16:creationId xmlns:a16="http://schemas.microsoft.com/office/drawing/2014/main" id="{CE24E1DA-CA05-4A16-805D-B4B7B0D4E5BA}"/>
-              </a:ext>
-            </a:extLst>
-          </p:cNvPr>
-          <p:cNvGrpSpPr/>
-          <p:nvPr/>
-        </p:nvGrpSpPr>
-        <p:grpSpPr>
-          <a:xfrm>
-            <a:off x="5632111" y="2623733"/>
+            <a:off x="5659097" y="4782839"/>
             <a:ext cx="188815" cy="852812"/>
             <a:chOff x="5454320" y="1410149"/>
             <a:chExt cx="170621" cy="910008"/>
@@ -8288,10 +6935,10 @@
         </p:nvGrpSpPr>
         <p:grpSpPr>
           <a:xfrm>
-            <a:off x="712380" y="1748123"/>
-            <a:ext cx="2796542" cy="820424"/>
+            <a:off x="4260826" y="1802339"/>
+            <a:ext cx="2796542" cy="1516270"/>
             <a:chOff x="3484880" y="609600"/>
-            <a:chExt cx="2529840" cy="857572"/>
+            <a:chExt cx="2529840" cy="1584925"/>
           </a:xfrm>
         </p:grpSpPr>
         <p:sp>
@@ -8372,8 +7019,8 @@
           </p:nvSpPr>
           <p:spPr>
             <a:xfrm>
-              <a:off x="3484880" y="1038386"/>
-              <a:ext cx="2529840" cy="428786"/>
+              <a:off x="3484880" y="1038385"/>
+              <a:ext cx="2529840" cy="1156140"/>
             </a:xfrm>
             <a:prstGeom prst="rect">
               <a:avLst/>
@@ -8407,7 +7054,6 @@
             <a:bodyPr rtlCol="0" anchor="ctr"/>
             <a:lstStyle/>
             <a:p>
-              <a:pPr algn="ctr"/>
               <a:r>
                 <a:rPr lang="de-AT" dirty="0">
                   <a:latin typeface="Arial" panose="020B0604020202020204" pitchFamily="34" charset="0"/>
@@ -8417,7 +7063,6 @@
               </a:r>
             </a:p>
             <a:p>
-              <a:pPr algn="ctr"/>
               <a:r>
                 <a:rPr lang="de-AT" dirty="0">
                   <a:latin typeface="Arial" panose="020B0604020202020204" pitchFamily="34" charset="0"/>
@@ -8427,7 +7072,6 @@
               </a:r>
             </a:p>
             <a:p>
-              <a:pPr algn="ctr"/>
               <a:r>
                 <a:rPr lang="de-AT" dirty="0" err="1">
                   <a:latin typeface="Arial" panose="020B0604020202020204" pitchFamily="34" charset="0"/>
@@ -8455,25 +7099,13 @@
               </a:endParaRPr>
             </a:p>
             <a:p>
-              <a:pPr algn="ctr"/>
               <a:r>
                 <a:rPr lang="de-AT" dirty="0">
                   <a:latin typeface="Arial" panose="020B0604020202020204" pitchFamily="34" charset="0"/>
                   <a:cs typeface="Arial" panose="020B0604020202020204" pitchFamily="34" charset="0"/>
                 </a:rPr>
-                <a:t>Presence</a:t>
-              </a:r>
-              <a:r>
-                <a:rPr lang="de-AT">
-                  <a:latin typeface="Arial" panose="020B0604020202020204" pitchFamily="34" charset="0"/>
-                  <a:cs typeface="Arial" panose="020B0604020202020204" pitchFamily="34" charset="0"/>
-                </a:rPr>
-                <a:t>: Presence</a:t>
-              </a:r>
-              <a:endParaRPr lang="de-AT" dirty="0">
-                <a:latin typeface="Arial" panose="020B0604020202020204" pitchFamily="34" charset="0"/>
-                <a:cs typeface="Arial" panose="020B0604020202020204" pitchFamily="34" charset="0"/>
-              </a:endParaRPr>
+                <a:t>Presence: Presence</a:t>
+              </a:r>
             </a:p>
           </p:txBody>
         </p:sp>
@@ -8489,15 +7121,15 @@
           </p:cNvPr>
           <p:cNvCxnSpPr>
             <a:cxnSpLocks/>
-            <a:stCxn id="55" idx="3"/>
-            <a:endCxn id="10" idx="1"/>
+            <a:stCxn id="55" idx="2"/>
+            <a:endCxn id="9" idx="0"/>
           </p:cNvCxnSpPr>
           <p:nvPr/>
         </p:nvCxnSpPr>
         <p:spPr>
-          <a:xfrm>
-            <a:off x="3508922" y="2363441"/>
-            <a:ext cx="785978" cy="14708"/>
+          <a:xfrm rot="16200000" flipH="1">
+            <a:off x="5387963" y="3589743"/>
+            <a:ext cx="603328" cy="61060"/>
           </a:xfrm>
           <a:prstGeom prst="bentConnector3">
             <a:avLst>
@@ -8538,10 +7170,10 @@
         </p:nvGrpSpPr>
         <p:grpSpPr>
           <a:xfrm>
-            <a:off x="2110654" y="1030655"/>
-            <a:ext cx="3771333" cy="717467"/>
-            <a:chOff x="2134471" y="-452394"/>
-            <a:chExt cx="3407931" cy="765586"/>
+            <a:off x="5659102" y="1030655"/>
+            <a:ext cx="222893" cy="771683"/>
+            <a:chOff x="5340987" y="-452394"/>
+            <a:chExt cx="201415" cy="823438"/>
           </a:xfrm>
         </p:grpSpPr>
         <p:sp>
@@ -8615,8 +7247,8 @@
           </p:nvCxnSpPr>
           <p:spPr>
             <a:xfrm rot="5400000">
-              <a:off x="3551767" y="-1592133"/>
-              <a:ext cx="488029" cy="3322622"/>
+              <a:off x="5126099" y="40051"/>
+              <a:ext cx="545881" cy="116106"/>
             </a:xfrm>
             <a:prstGeom prst="bentConnector3">
               <a:avLst>
@@ -8658,7 +7290,7 @@
         </p:nvSpPr>
         <p:spPr>
           <a:xfrm>
-            <a:off x="2243687" y="1164579"/>
+            <a:off x="4088596" y="1410240"/>
             <a:ext cx="1698991" cy="369332"/>
           </a:xfrm>
           <a:prstGeom prst="rect">
@@ -8698,7 +7330,7 @@
         </p:nvSpPr>
         <p:spPr>
           <a:xfrm>
-            <a:off x="3328677" y="1926704"/>
+            <a:off x="4599098" y="3375916"/>
             <a:ext cx="1146468" cy="369332"/>
           </a:xfrm>
           <a:prstGeom prst="rect">
@@ -8733,7 +7365,7 @@
         </p:nvGrpSpPr>
         <p:grpSpPr>
           <a:xfrm>
-            <a:off x="296640" y="118589"/>
+            <a:off x="1085398" y="4269762"/>
             <a:ext cx="2796542" cy="820424"/>
             <a:chOff x="3484880" y="609600"/>
             <a:chExt cx="2529840" cy="857572"/>
@@ -8889,18 +7521,20 @@
           </p:cNvPr>
           <p:cNvCxnSpPr>
             <a:cxnSpLocks/>
-            <a:stCxn id="55" idx="2"/>
+            <a:stCxn id="55" idx="1"/>
             <a:endCxn id="21" idx="1"/>
           </p:cNvCxnSpPr>
           <p:nvPr/>
         </p:nvCxnSpPr>
         <p:spPr>
-          <a:xfrm rot="16200000" flipH="1">
-            <a:off x="2744803" y="1934394"/>
-            <a:ext cx="1222529" cy="2490833"/>
+          <a:xfrm rot="10800000" flipH="1" flipV="1">
+            <a:off x="4260826" y="2765580"/>
+            <a:ext cx="367644" cy="3184602"/>
           </a:xfrm>
-          <a:prstGeom prst="bentConnector2">
-            <a:avLst/>
+          <a:prstGeom prst="bentConnector3">
+            <a:avLst>
+              <a:gd name="adj1" fmla="val -62180"/>
+            </a:avLst>
           </a:prstGeom>
           <a:ln>
             <a:headEnd type="none" w="med" len="med"/>
@@ -8936,7 +7570,7 @@
         </p:nvSpPr>
         <p:spPr>
           <a:xfrm>
-            <a:off x="2042238" y="3462384"/>
+            <a:off x="1695103" y="6041339"/>
             <a:ext cx="2933367" cy="369332"/>
           </a:xfrm>
           <a:prstGeom prst="rect">
@@ -8976,7 +7610,7 @@
         </p:nvGrpSpPr>
         <p:grpSpPr>
           <a:xfrm>
-            <a:off x="9680283" y="3612700"/>
+            <a:off x="8859264" y="3684461"/>
             <a:ext cx="2796542" cy="2716980"/>
             <a:chOff x="3484880" y="609600"/>
             <a:chExt cx="2529840" cy="2840002"/>
@@ -9105,7 +7739,6 @@
             <a:bodyPr rtlCol="0" anchor="ctr"/>
             <a:lstStyle/>
             <a:p>
-              <a:pPr algn="ctr"/>
               <a:r>
                 <a:rPr lang="de-AT" dirty="0">
                   <a:latin typeface="Arial" panose="020B0604020202020204" pitchFamily="34" charset="0"/>
@@ -9115,7 +7748,6 @@
               </a:r>
             </a:p>
             <a:p>
-              <a:pPr algn="ctr"/>
               <a:r>
                 <a:rPr lang="de-AT" dirty="0">
                   <a:latin typeface="Arial" panose="020B0604020202020204" pitchFamily="34" charset="0"/>
@@ -9125,7 +7757,6 @@
               </a:r>
             </a:p>
             <a:p>
-              <a:pPr algn="ctr"/>
               <a:r>
                 <a:rPr lang="de-AT" dirty="0">
                   <a:latin typeface="Arial" panose="020B0604020202020204" pitchFamily="34" charset="0"/>
@@ -9135,7 +7766,6 @@
               </a:r>
             </a:p>
             <a:p>
-              <a:pPr algn="ctr"/>
               <a:r>
                 <a:rPr lang="de-AT" dirty="0">
                   <a:latin typeface="Arial" panose="020B0604020202020204" pitchFamily="34" charset="0"/>
@@ -9145,7 +7775,6 @@
               </a:r>
             </a:p>
             <a:p>
-              <a:pPr algn="ctr"/>
               <a:r>
                 <a:rPr lang="de-AT" dirty="0" err="1">
                   <a:latin typeface="Arial" panose="020B0604020202020204" pitchFamily="34" charset="0"/>
@@ -9162,7 +7791,6 @@
               </a:r>
             </a:p>
             <a:p>
-              <a:pPr algn="ctr"/>
               <a:r>
                 <a:rPr lang="de-AT" dirty="0" err="1">
                   <a:latin typeface="Arial" panose="020B0604020202020204" pitchFamily="34" charset="0"/>
@@ -9179,7 +7807,6 @@
               </a:r>
             </a:p>
             <a:p>
-              <a:pPr algn="ctr"/>
               <a:r>
                 <a:rPr lang="de-AT" dirty="0">
                   <a:latin typeface="Arial" panose="020B0604020202020204" pitchFamily="34" charset="0"/>
@@ -9219,8 +7846,8 @@
         </p:nvGrpSpPr>
         <p:grpSpPr>
           <a:xfrm>
-            <a:off x="8105483" y="929927"/>
-            <a:ext cx="2796542" cy="820424"/>
+            <a:off x="8841936" y="791256"/>
+            <a:ext cx="2796542" cy="1533536"/>
             <a:chOff x="3484880" y="609600"/>
             <a:chExt cx="2529840" cy="857572"/>
           </a:xfrm>
@@ -9338,7 +7965,6 @@
             <a:bodyPr rtlCol="0" anchor="ctr"/>
             <a:lstStyle/>
             <a:p>
-              <a:pPr algn="ctr"/>
               <a:r>
                 <a:rPr lang="de-AT" dirty="0">
                   <a:latin typeface="Arial" panose="020B0604020202020204" pitchFamily="34" charset="0"/>
@@ -9348,7 +7974,6 @@
               </a:r>
             </a:p>
             <a:p>
-              <a:pPr algn="ctr"/>
               <a:r>
                 <a:rPr lang="de-AT" dirty="0" err="1">
                   <a:latin typeface="Arial" panose="020B0604020202020204" pitchFamily="34" charset="0"/>
@@ -9385,7 +8010,7 @@
         </p:nvCxnSpPr>
         <p:spPr>
           <a:xfrm rot="16200000" flipH="1">
-            <a:off x="6084647" y="1371355"/>
+            <a:off x="6111633" y="3530461"/>
             <a:ext cx="615318" cy="1398271"/>
           </a:xfrm>
           <a:prstGeom prst="bentConnector4">
@@ -9428,7 +8053,7 @@
         </p:nvSpPr>
         <p:spPr>
           <a:xfrm>
-            <a:off x="7249813" y="2049036"/>
+            <a:off x="6207231" y="3339050"/>
             <a:ext cx="1700274" cy="369332"/>
           </a:xfrm>
           <a:prstGeom prst="rect">
@@ -9468,7 +8093,7 @@
         </p:nvSpPr>
         <p:spPr>
           <a:xfrm>
-            <a:off x="5787579" y="2971497"/>
+            <a:off x="5881995" y="5225582"/>
             <a:ext cx="2015295" cy="369332"/>
           </a:xfrm>
           <a:prstGeom prst="rect">
@@ -9508,10 +8133,10 @@
         </p:nvGrpSpPr>
         <p:grpSpPr>
           <a:xfrm rot="10800000">
-            <a:off x="9503754" y="1750350"/>
-            <a:ext cx="1669207" cy="1850592"/>
-            <a:chOff x="4798342" y="822405"/>
-            <a:chExt cx="1508363" cy="1974707"/>
+            <a:off x="10163133" y="2324793"/>
+            <a:ext cx="188815" cy="1359667"/>
+            <a:chOff x="5540246" y="733285"/>
+            <a:chExt cx="170621" cy="1450856"/>
           </a:xfrm>
         </p:grpSpPr>
         <p:sp>
@@ -9528,7 +8153,7 @@
           </p:nvSpPr>
           <p:spPr>
             <a:xfrm flipH="1">
-              <a:off x="4798342" y="822405"/>
+              <a:off x="5540246" y="733285"/>
               <a:ext cx="170621" cy="277558"/>
             </a:xfrm>
             <a:prstGeom prst="diamond">
@@ -9585,8 +8210,8 @@
           </p:nvCxnSpPr>
           <p:spPr>
             <a:xfrm rot="5400000" flipV="1">
-              <a:off x="4746605" y="1237011"/>
-              <a:ext cx="1697148" cy="1423053"/>
+              <a:off x="5046736" y="1589662"/>
+              <a:ext cx="1173299" cy="15660"/>
             </a:xfrm>
             <a:prstGeom prst="bentConnector3">
               <a:avLst>
@@ -9654,328 +8279,88 @@
           </a:p>
         </p:txBody>
       </p:sp>
-      <p:grpSp>
-        <p:nvGrpSpPr>
-          <p:cNvPr id="83" name="Gruppieren 82">
-            <a:extLst>
-              <a:ext uri="{FF2B5EF4-FFF2-40B4-BE49-F238E27FC236}">
-                <a16:creationId xmlns:a16="http://schemas.microsoft.com/office/drawing/2014/main" id="{D6176BCF-76EA-4A95-8899-A084D7A182E3}"/>
-              </a:ext>
-            </a:extLst>
-          </p:cNvPr>
-          <p:cNvGrpSpPr/>
+      <p:cxnSp>
+        <p:nvCxnSpPr>
+          <p:cNvPr id="101" name="Google Shape;532;g10f8d9d020d_0_26">
+            <a:extLst>
+              <a:ext uri="{FF2B5EF4-FFF2-40B4-BE49-F238E27FC236}">
+                <a16:creationId xmlns:a16="http://schemas.microsoft.com/office/drawing/2014/main" id="{4FA9A3B0-CCE1-440F-8B3F-3BB22ACFCEF6}"/>
+              </a:ext>
+            </a:extLst>
+          </p:cNvPr>
+          <p:cNvCxnSpPr>
+            <a:cxnSpLocks/>
+            <a:stCxn id="81" idx="3"/>
+            <a:endCxn id="4" idx="3"/>
+          </p:cNvCxnSpPr>
           <p:nvPr/>
-        </p:nvGrpSpPr>
-        <p:grpSpPr>
+        </p:nvCxnSpPr>
+        <p:spPr>
           <a:xfrm rot="10800000">
-            <a:off x="7080003" y="1750351"/>
-            <a:ext cx="2423751" cy="901928"/>
-            <a:chOff x="4599097" y="2128697"/>
-            <a:chExt cx="2190198" cy="962418"/>
+            <a:off x="6978500" y="777528"/>
+            <a:ext cx="2524482" cy="4385263"/>
           </a:xfrm>
-        </p:grpSpPr>
-        <p:sp>
-          <p:nvSpPr>
-            <p:cNvPr id="84" name="Raute 83">
-              <a:extLst>
-                <a:ext uri="{FF2B5EF4-FFF2-40B4-BE49-F238E27FC236}">
-                  <a16:creationId xmlns:a16="http://schemas.microsoft.com/office/drawing/2014/main" id="{090B3236-9A05-40F9-A018-3B21D040EDCD}"/>
-                </a:ext>
-              </a:extLst>
-            </p:cNvPr>
-            <p:cNvSpPr/>
-            <p:nvPr/>
-          </p:nvSpPr>
-          <p:spPr>
-            <a:xfrm rot="5400000" flipH="1">
-              <a:off x="6571032" y="2111912"/>
-              <a:ext cx="201478" cy="235048"/>
-            </a:xfrm>
-            <a:prstGeom prst="diamond">
-              <a:avLst/>
-            </a:prstGeom>
-            <a:ln>
-              <a:headEnd type="none" w="med" len="med"/>
-              <a:tailEnd type="arrow" w="med" len="med"/>
-            </a:ln>
-          </p:spPr>
-          <p:style>
-            <a:lnRef idx="2">
-              <a:schemeClr val="dk1">
-                <a:shade val="50000"/>
-              </a:schemeClr>
-            </a:lnRef>
-            <a:fillRef idx="1">
+          <a:prstGeom prst="bentConnector3">
+            <a:avLst>
+              <a:gd name="adj1" fmla="val 46604"/>
+            </a:avLst>
+          </a:prstGeom>
+          <a:noFill/>
+          <a:ln w="12700" cap="flat" cmpd="sng">
+            <a:solidFill>
               <a:schemeClr val="dk1"/>
-            </a:fillRef>
-            <a:effectRef idx="0">
+            </a:solidFill>
+            <a:prstDash val="solid"/>
+            <a:miter lim="800000"/>
+            <a:headEnd type="none" w="sm" len="sm"/>
+            <a:tailEnd type="none" w="sm" len="sm"/>
+          </a:ln>
+        </p:spPr>
+      </p:cxnSp>
+      <p:cxnSp>
+        <p:nvCxnSpPr>
+          <p:cNvPr id="104" name="Google Shape;532;g10f8d9d020d_0_26">
+            <a:extLst>
+              <a:ext uri="{FF2B5EF4-FFF2-40B4-BE49-F238E27FC236}">
+                <a16:creationId xmlns:a16="http://schemas.microsoft.com/office/drawing/2014/main" id="{E8C94357-7F30-4972-87A3-A7CADB290B8A}"/>
+              </a:ext>
+            </a:extLst>
+          </p:cNvPr>
+          <p:cNvCxnSpPr>
+            <a:cxnSpLocks/>
+            <a:stCxn id="81" idx="3"/>
+            <a:endCxn id="10" idx="3"/>
+          </p:cNvCxnSpPr>
+          <p:nvPr/>
+        </p:nvCxnSpPr>
+        <p:spPr>
+          <a:xfrm rot="10800000">
+            <a:off x="7118428" y="4537256"/>
+            <a:ext cx="2384554" cy="625535"/>
+          </a:xfrm>
+          <a:prstGeom prst="bentConnector3">
+            <a:avLst>
+              <a:gd name="adj1" fmla="val 50000"/>
+            </a:avLst>
+          </a:prstGeom>
+          <a:noFill/>
+          <a:ln w="12700" cap="flat" cmpd="sng">
+            <a:solidFill>
               <a:schemeClr val="dk1"/>
-            </a:effectRef>
-            <a:fontRef idx="minor">
-              <a:schemeClr val="lt1"/>
-            </a:fontRef>
-          </p:style>
-          <p:txBody>
-            <a:bodyPr rtlCol="0" anchor="ctr"/>
-            <a:lstStyle/>
-            <a:p>
-              <a:pPr algn="ctr"/>
-              <a:endParaRPr lang="de-AT" dirty="0">
-                <a:latin typeface="Arial" panose="020B0604020202020204" pitchFamily="34" charset="0"/>
-                <a:cs typeface="Arial" panose="020B0604020202020204" pitchFamily="34" charset="0"/>
-              </a:endParaRPr>
-            </a:p>
-          </p:txBody>
-        </p:sp>
-        <p:cxnSp>
-          <p:nvCxnSpPr>
-            <p:cNvPr id="85" name="Verbinder: gewinkelt 98">
-              <a:extLst>
-                <a:ext uri="{FF2B5EF4-FFF2-40B4-BE49-F238E27FC236}">
-                  <a16:creationId xmlns:a16="http://schemas.microsoft.com/office/drawing/2014/main" id="{071A45E5-017E-4203-85EE-C1D7314D80FC}"/>
-                </a:ext>
-              </a:extLst>
-            </p:cNvPr>
-            <p:cNvCxnSpPr>
-              <a:cxnSpLocks/>
-              <a:stCxn id="84" idx="2"/>
-              <a:endCxn id="73" idx="2"/>
-            </p:cNvCxnSpPr>
-            <p:nvPr/>
-          </p:nvCxnSpPr>
-          <p:spPr>
-            <a:xfrm rot="10800000" flipV="1">
-              <a:off x="4599097" y="2229436"/>
-              <a:ext cx="1955150" cy="861679"/>
-            </a:xfrm>
-            <a:prstGeom prst="bentConnector2">
-              <a:avLst/>
-            </a:prstGeom>
-            <a:ln>
-              <a:headEnd type="none" w="med" len="med"/>
-              <a:tailEnd type="arrow" w="med" len="med"/>
-            </a:ln>
-          </p:spPr>
-          <p:style>
-            <a:lnRef idx="1">
-              <a:schemeClr val="dk1"/>
-            </a:lnRef>
-            <a:fillRef idx="0">
-              <a:schemeClr val="dk1"/>
-            </a:fillRef>
-            <a:effectRef idx="0">
-              <a:schemeClr val="dk1"/>
-            </a:effectRef>
-            <a:fontRef idx="minor">
-              <a:schemeClr val="tx1"/>
-            </a:fontRef>
-          </p:style>
-        </p:cxnSp>
-      </p:grpSp>
-      <p:grpSp>
-        <p:nvGrpSpPr>
-          <p:cNvPr id="91" name="Gruppieren 90">
-            <a:extLst>
-              <a:ext uri="{FF2B5EF4-FFF2-40B4-BE49-F238E27FC236}">
-                <a16:creationId xmlns:a16="http://schemas.microsoft.com/office/drawing/2014/main" id="{D159B804-B5DE-48BD-891D-8064D08A39EE}"/>
-              </a:ext>
-            </a:extLst>
-          </p:cNvPr>
-          <p:cNvGrpSpPr/>
-          <p:nvPr/>
-        </p:nvGrpSpPr>
-        <p:grpSpPr>
-          <a:xfrm rot="10800000">
-            <a:off x="6978499" y="610890"/>
-            <a:ext cx="2525255" cy="319037"/>
-            <a:chOff x="4507374" y="1989741"/>
-            <a:chExt cx="2281921" cy="340434"/>
-          </a:xfrm>
-        </p:grpSpPr>
-        <p:sp>
-          <p:nvSpPr>
-            <p:cNvPr id="92" name="Raute 91">
-              <a:extLst>
-                <a:ext uri="{FF2B5EF4-FFF2-40B4-BE49-F238E27FC236}">
-                  <a16:creationId xmlns:a16="http://schemas.microsoft.com/office/drawing/2014/main" id="{2F6A13F7-4071-4B2C-A84A-90D95CD4CAA9}"/>
-                </a:ext>
-              </a:extLst>
-            </p:cNvPr>
-            <p:cNvSpPr/>
-            <p:nvPr/>
-          </p:nvSpPr>
-          <p:spPr>
-            <a:xfrm rot="5400000" flipH="1">
-              <a:off x="6571032" y="2111912"/>
-              <a:ext cx="201478" cy="235048"/>
-            </a:xfrm>
-            <a:prstGeom prst="diamond">
-              <a:avLst/>
-            </a:prstGeom>
-            <a:ln>
-              <a:headEnd type="none" w="med" len="med"/>
-              <a:tailEnd type="arrow" w="med" len="med"/>
-            </a:ln>
-          </p:spPr>
-          <p:style>
-            <a:lnRef idx="2">
-              <a:schemeClr val="dk1">
-                <a:shade val="50000"/>
-              </a:schemeClr>
-            </a:lnRef>
-            <a:fillRef idx="1">
-              <a:schemeClr val="dk1"/>
-            </a:fillRef>
-            <a:effectRef idx="0">
-              <a:schemeClr val="dk1"/>
-            </a:effectRef>
-            <a:fontRef idx="minor">
-              <a:schemeClr val="lt1"/>
-            </a:fontRef>
-          </p:style>
-          <p:txBody>
-            <a:bodyPr rtlCol="0" anchor="ctr"/>
-            <a:lstStyle/>
-            <a:p>
-              <a:pPr algn="ctr"/>
-              <a:endParaRPr lang="de-AT" dirty="0">
-                <a:latin typeface="Arial" panose="020B0604020202020204" pitchFamily="34" charset="0"/>
-                <a:cs typeface="Arial" panose="020B0604020202020204" pitchFamily="34" charset="0"/>
-              </a:endParaRPr>
-            </a:p>
-          </p:txBody>
-        </p:sp>
-        <p:cxnSp>
-          <p:nvCxnSpPr>
-            <p:cNvPr id="93" name="Verbinder: gewinkelt 98">
-              <a:extLst>
-                <a:ext uri="{FF2B5EF4-FFF2-40B4-BE49-F238E27FC236}">
-                  <a16:creationId xmlns:a16="http://schemas.microsoft.com/office/drawing/2014/main" id="{3DA29B82-96E2-4110-B8D0-DF86B6DEF114}"/>
-                </a:ext>
-              </a:extLst>
-            </p:cNvPr>
-            <p:cNvCxnSpPr>
-              <a:cxnSpLocks/>
-              <a:stCxn id="92" idx="2"/>
-              <a:endCxn id="72" idx="0"/>
-            </p:cNvCxnSpPr>
-            <p:nvPr/>
-          </p:nvCxnSpPr>
-          <p:spPr>
-            <a:xfrm rot="10800000">
-              <a:off x="4507374" y="1989741"/>
-              <a:ext cx="2046872" cy="239694"/>
-            </a:xfrm>
-            <a:prstGeom prst="bentConnector2">
-              <a:avLst/>
-            </a:prstGeom>
-            <a:ln>
-              <a:headEnd type="none" w="med" len="med"/>
-              <a:tailEnd type="arrow" w="med" len="med"/>
-            </a:ln>
-          </p:spPr>
-          <p:style>
-            <a:lnRef idx="1">
-              <a:schemeClr val="dk1"/>
-            </a:lnRef>
-            <a:fillRef idx="0">
-              <a:schemeClr val="dk1"/>
-            </a:fillRef>
-            <a:effectRef idx="0">
-              <a:schemeClr val="dk1"/>
-            </a:effectRef>
-            <a:fontRef idx="minor">
-              <a:schemeClr val="tx1"/>
-            </a:fontRef>
-          </p:style>
-        </p:cxnSp>
-      </p:grpSp>
+            </a:solidFill>
+            <a:prstDash val="solid"/>
+            <a:miter lim="800000"/>
+            <a:headEnd type="none" w="sm" len="sm"/>
+            <a:tailEnd type="none" w="sm" len="sm"/>
+          </a:ln>
+        </p:spPr>
+      </p:cxnSp>
       <p:sp>
         <p:nvSpPr>
-          <p:cNvPr id="95" name="Textfeld 94">
-            <a:extLst>
-              <a:ext uri="{FF2B5EF4-FFF2-40B4-BE49-F238E27FC236}">
-                <a16:creationId xmlns:a16="http://schemas.microsoft.com/office/drawing/2014/main" id="{EB4C69B6-EBB0-49A8-BDF4-8FD9F1AD170F}"/>
-              </a:ext>
-            </a:extLst>
-          </p:cNvPr>
-          <p:cNvSpPr txBox="1"/>
-          <p:nvPr/>
-        </p:nvSpPr>
-        <p:spPr>
-          <a:xfrm>
-            <a:off x="7348427" y="301479"/>
-            <a:ext cx="1714508" cy="369332"/>
-          </a:xfrm>
-          <a:prstGeom prst="rect">
-            <a:avLst/>
-          </a:prstGeom>
-          <a:noFill/>
-        </p:spPr>
-        <p:txBody>
-          <a:bodyPr wrap="none" rtlCol="0">
-            <a:spAutoFit/>
-          </a:bodyPr>
-          <a:lstStyle/>
-          <a:p>
-            <a:r>
-              <a:rPr lang="de-AT" dirty="0"/>
-              <a:t>[0..*] </a:t>
-            </a:r>
-            <a:r>
-              <a:rPr lang="de-AT" dirty="0" err="1"/>
-              <a:t>references</a:t>
-            </a:r>
-            <a:endParaRPr lang="de-AT" dirty="0"/>
-          </a:p>
-        </p:txBody>
-      </p:sp>
-      <p:sp>
-        <p:nvSpPr>
-          <p:cNvPr id="96" name="Textfeld 95">
-            <a:extLst>
-              <a:ext uri="{FF2B5EF4-FFF2-40B4-BE49-F238E27FC236}">
-                <a16:creationId xmlns:a16="http://schemas.microsoft.com/office/drawing/2014/main" id="{E3E70C1B-FE85-46AD-A204-72EB87F3DD7D}"/>
-              </a:ext>
-            </a:extLst>
-          </p:cNvPr>
-          <p:cNvSpPr txBox="1"/>
-          <p:nvPr/>
-        </p:nvSpPr>
-        <p:spPr>
-          <a:xfrm>
-            <a:off x="7348427" y="2576782"/>
-            <a:ext cx="1714508" cy="369332"/>
-          </a:xfrm>
-          <a:prstGeom prst="rect">
-            <a:avLst/>
-          </a:prstGeom>
-          <a:noFill/>
-        </p:spPr>
-        <p:txBody>
-          <a:bodyPr wrap="none" rtlCol="0">
-            <a:spAutoFit/>
-          </a:bodyPr>
-          <a:lstStyle/>
-          <a:p>
-            <a:r>
-              <a:rPr lang="de-AT" dirty="0"/>
-              <a:t>[0..*] </a:t>
-            </a:r>
-            <a:r>
-              <a:rPr lang="de-AT" dirty="0" err="1"/>
-              <a:t>references</a:t>
-            </a:r>
-            <a:endParaRPr lang="de-AT" dirty="0"/>
-          </a:p>
-        </p:txBody>
-      </p:sp>
-      <p:sp>
-        <p:nvSpPr>
-          <p:cNvPr id="100" name="Google Shape;528;g10f8d9d020d_0_26">
-            <a:extLst>
-              <a:ext uri="{FF2B5EF4-FFF2-40B4-BE49-F238E27FC236}">
-                <a16:creationId xmlns:a16="http://schemas.microsoft.com/office/drawing/2014/main" id="{BE5AA0FA-84AB-47E2-AFB8-FA7505EB7685}"/>
+          <p:cNvPr id="81" name="Google Shape;528;g10f8d9d020d_0_26">
+            <a:extLst>
+              <a:ext uri="{FF2B5EF4-FFF2-40B4-BE49-F238E27FC236}">
+                <a16:creationId xmlns:a16="http://schemas.microsoft.com/office/drawing/2014/main" id="{37EC6AFC-8359-4624-B8A2-68352F8CA925}"/>
               </a:ext>
             </a:extLst>
           </p:cNvPr>
@@ -9984,7 +8369,7 @@
         </p:nvSpPr>
         <p:spPr>
           <a:xfrm rot="5400000" flipH="1">
-            <a:off x="9476492" y="4394041"/>
+            <a:off x="9491282" y="5074140"/>
             <a:ext cx="200700" cy="177300"/>
           </a:xfrm>
           <a:prstGeom prst="triangle">
@@ -10040,86 +8425,10 @@
           </a:p>
         </p:txBody>
       </p:sp>
-      <p:cxnSp>
-        <p:nvCxnSpPr>
-          <p:cNvPr id="101" name="Google Shape;532;g10f8d9d020d_0_26">
-            <a:extLst>
-              <a:ext uri="{FF2B5EF4-FFF2-40B4-BE49-F238E27FC236}">
-                <a16:creationId xmlns:a16="http://schemas.microsoft.com/office/drawing/2014/main" id="{4FA9A3B0-CCE1-440F-8B3F-3BB22ACFCEF6}"/>
-              </a:ext>
-            </a:extLst>
-          </p:cNvPr>
-          <p:cNvCxnSpPr>
-            <a:cxnSpLocks/>
-            <a:stCxn id="100" idx="3"/>
-            <a:endCxn id="4" idx="3"/>
-          </p:cNvCxnSpPr>
-          <p:nvPr/>
-        </p:nvCxnSpPr>
-        <p:spPr>
-          <a:xfrm rot="10800000">
-            <a:off x="6978500" y="777527"/>
-            <a:ext cx="2509692" cy="3705164"/>
-          </a:xfrm>
-          <a:prstGeom prst="bentConnector3">
-            <a:avLst>
-              <a:gd name="adj1" fmla="val 50000"/>
-            </a:avLst>
-          </a:prstGeom>
-          <a:noFill/>
-          <a:ln w="12700" cap="flat" cmpd="sng">
-            <a:solidFill>
-              <a:schemeClr val="dk1"/>
-            </a:solidFill>
-            <a:prstDash val="solid"/>
-            <a:miter lim="800000"/>
-            <a:headEnd type="none" w="sm" len="sm"/>
-            <a:tailEnd type="none" w="sm" len="sm"/>
-          </a:ln>
-        </p:spPr>
-      </p:cxnSp>
-      <p:cxnSp>
-        <p:nvCxnSpPr>
-          <p:cNvPr id="104" name="Google Shape;532;g10f8d9d020d_0_26">
-            <a:extLst>
-              <a:ext uri="{FF2B5EF4-FFF2-40B4-BE49-F238E27FC236}">
-                <a16:creationId xmlns:a16="http://schemas.microsoft.com/office/drawing/2014/main" id="{E8C94357-7F30-4972-87A3-A7CADB290B8A}"/>
-              </a:ext>
-            </a:extLst>
-          </p:cNvPr>
-          <p:cNvCxnSpPr>
-            <a:cxnSpLocks/>
-            <a:stCxn id="100" idx="3"/>
-            <a:endCxn id="10" idx="3"/>
-          </p:cNvCxnSpPr>
-          <p:nvPr/>
-        </p:nvCxnSpPr>
-        <p:spPr>
-          <a:xfrm rot="10800000">
-            <a:off x="7091442" y="2378149"/>
-            <a:ext cx="2396750" cy="2104542"/>
-          </a:xfrm>
-          <a:prstGeom prst="bentConnector3">
-            <a:avLst>
-              <a:gd name="adj1" fmla="val 50000"/>
-            </a:avLst>
-          </a:prstGeom>
-          <a:noFill/>
-          <a:ln w="12700" cap="flat" cmpd="sng">
-            <a:solidFill>
-              <a:schemeClr val="dk1"/>
-            </a:solidFill>
-            <a:prstDash val="solid"/>
-            <a:miter lim="800000"/>
-            <a:headEnd type="none" w="sm" len="sm"/>
-            <a:tailEnd type="none" w="sm" len="sm"/>
-          </a:ln>
-        </p:spPr>
-      </p:cxnSp>
     </p:spTree>
     <p:extLst>
       <p:ext uri="{BB962C8B-B14F-4D97-AF65-F5344CB8AC3E}">
-        <p14:creationId xmlns:p14="http://schemas.microsoft.com/office/powerpoint/2010/main" val="766781487"/>
+        <p14:creationId xmlns:p14="http://schemas.microsoft.com/office/powerpoint/2010/main" val="315882811"/>
       </p:ext>
     </p:extLst>
   </p:cSld>
@@ -10148,10 +8457,10 @@
       </p:grpSpPr>
       <p:grpSp>
         <p:nvGrpSpPr>
-          <p:cNvPr id="2" name="Gruppieren 1">
-            <a:extLst>
-              <a:ext uri="{FF2B5EF4-FFF2-40B4-BE49-F238E27FC236}">
-                <a16:creationId xmlns:a16="http://schemas.microsoft.com/office/drawing/2014/main" id="{FEDF502F-0C4D-4425-83A6-F67C89004DBE}"/>
+          <p:cNvPr id="20" name="Gruppieren 19">
+            <a:extLst>
+              <a:ext uri="{FF2B5EF4-FFF2-40B4-BE49-F238E27FC236}">
+                <a16:creationId xmlns:a16="http://schemas.microsoft.com/office/drawing/2014/main" id="{4732ADCF-9AA9-484B-B9E7-A8E36E6DEAF1}"/>
               </a:ext>
             </a:extLst>
           </p:cNvPr>
@@ -10160,332 +8469,7 @@
         </p:nvGrpSpPr>
         <p:grpSpPr>
           <a:xfrm>
-            <a:off x="4279375" y="134348"/>
-            <a:ext cx="2699125" cy="857572"/>
-            <a:chOff x="3484880" y="609600"/>
-            <a:chExt cx="2529840" cy="857572"/>
-          </a:xfrm>
-        </p:grpSpPr>
-        <p:sp>
-          <p:nvSpPr>
-            <p:cNvPr id="3" name="Rechteck 2">
-              <a:extLst>
-                <a:ext uri="{FF2B5EF4-FFF2-40B4-BE49-F238E27FC236}">
-                  <a16:creationId xmlns:a16="http://schemas.microsoft.com/office/drawing/2014/main" id="{B58B75DF-65AD-4B3C-B993-062D6F4F0380}"/>
-                </a:ext>
-              </a:extLst>
-            </p:cNvPr>
-            <p:cNvSpPr/>
-            <p:nvPr/>
-          </p:nvSpPr>
-          <p:spPr>
-            <a:xfrm>
-              <a:off x="3484880" y="609600"/>
-              <a:ext cx="2529840" cy="428786"/>
-            </a:xfrm>
-            <a:prstGeom prst="rect">
-              <a:avLst/>
-            </a:prstGeom>
-            <a:noFill/>
-            <a:ln w="9525" cap="flat" cmpd="sng" algn="ctr">
-              <a:solidFill>
-                <a:schemeClr val="dk1"/>
-              </a:solidFill>
-              <a:prstDash val="solid"/>
-              <a:round/>
-              <a:headEnd type="none" w="med" len="med"/>
-              <a:tailEnd type="arrow" w="med" len="med"/>
-            </a:ln>
-          </p:spPr>
-          <p:style>
-            <a:lnRef idx="0">
-              <a:scrgbClr r="0" g="0" b="0"/>
-            </a:lnRef>
-            <a:fillRef idx="0">
-              <a:scrgbClr r="0" g="0" b="0"/>
-            </a:fillRef>
-            <a:effectRef idx="0">
-              <a:scrgbClr r="0" g="0" b="0"/>
-            </a:effectRef>
-            <a:fontRef idx="minor">
-              <a:schemeClr val="dk1"/>
-            </a:fontRef>
-          </p:style>
-          <p:txBody>
-            <a:bodyPr rtlCol="0" anchor="ctr"/>
-            <a:lstStyle/>
-            <a:p>
-              <a:pPr algn="ctr"/>
-              <a:r>
-                <a:rPr lang="de-AT" sz="2000" b="1" dirty="0" err="1">
-                  <a:latin typeface="Arial" panose="020B0604020202020204" pitchFamily="34" charset="0"/>
-                  <a:cs typeface="Arial" panose="020B0604020202020204" pitchFamily="34" charset="0"/>
-                </a:rPr>
-                <a:t>InformationModel</a:t>
-              </a:r>
-              <a:endParaRPr lang="de-AT" sz="2000" b="1" dirty="0">
-                <a:latin typeface="Arial" panose="020B0604020202020204" pitchFamily="34" charset="0"/>
-                <a:cs typeface="Arial" panose="020B0604020202020204" pitchFamily="34" charset="0"/>
-              </a:endParaRPr>
-            </a:p>
-          </p:txBody>
-        </p:sp>
-        <p:sp>
-          <p:nvSpPr>
-            <p:cNvPr id="4" name="Rechteck 3">
-              <a:extLst>
-                <a:ext uri="{FF2B5EF4-FFF2-40B4-BE49-F238E27FC236}">
-                  <a16:creationId xmlns:a16="http://schemas.microsoft.com/office/drawing/2014/main" id="{7343B6AA-46F1-414D-A324-DB7B81A7228D}"/>
-                </a:ext>
-              </a:extLst>
-            </p:cNvPr>
-            <p:cNvSpPr/>
-            <p:nvPr/>
-          </p:nvSpPr>
-          <p:spPr>
-            <a:xfrm>
-              <a:off x="3484880" y="1038386"/>
-              <a:ext cx="2529840" cy="428786"/>
-            </a:xfrm>
-            <a:prstGeom prst="rect">
-              <a:avLst/>
-            </a:prstGeom>
-            <a:noFill/>
-            <a:ln w="9525" cap="flat" cmpd="sng" algn="ctr">
-              <a:solidFill>
-                <a:schemeClr val="dk1"/>
-              </a:solidFill>
-              <a:prstDash val="solid"/>
-              <a:round/>
-              <a:headEnd type="none" w="med" len="med"/>
-              <a:tailEnd type="arrow" w="med" len="med"/>
-            </a:ln>
-          </p:spPr>
-          <p:style>
-            <a:lnRef idx="0">
-              <a:scrgbClr r="0" g="0" b="0"/>
-            </a:lnRef>
-            <a:fillRef idx="0">
-              <a:scrgbClr r="0" g="0" b="0"/>
-            </a:fillRef>
-            <a:effectRef idx="0">
-              <a:scrgbClr r="0" g="0" b="0"/>
-            </a:effectRef>
-            <a:fontRef idx="minor">
-              <a:schemeClr val="dk1"/>
-            </a:fontRef>
-          </p:style>
-          <p:txBody>
-            <a:bodyPr rtlCol="0" anchor="ctr"/>
-            <a:lstStyle/>
-            <a:p>
-              <a:pPr algn="ctr"/>
-              <a:endParaRPr lang="de-AT" dirty="0">
-                <a:latin typeface="Arial" panose="020B0604020202020204" pitchFamily="34" charset="0"/>
-                <a:cs typeface="Arial" panose="020B0604020202020204" pitchFamily="34" charset="0"/>
-              </a:endParaRPr>
-            </a:p>
-          </p:txBody>
-        </p:sp>
-      </p:grpSp>
-      <p:grpSp>
-        <p:nvGrpSpPr>
-          <p:cNvPr id="8" name="Gruppieren 7">
-            <a:extLst>
-              <a:ext uri="{FF2B5EF4-FFF2-40B4-BE49-F238E27FC236}">
-                <a16:creationId xmlns:a16="http://schemas.microsoft.com/office/drawing/2014/main" id="{F7F731B2-C32E-4C89-9385-5098068227C6}"/>
-              </a:ext>
-            </a:extLst>
-          </p:cNvPr>
-          <p:cNvGrpSpPr/>
-          <p:nvPr/>
-        </p:nvGrpSpPr>
-        <p:grpSpPr>
-          <a:xfrm>
-            <a:off x="4294900" y="1762831"/>
-            <a:ext cx="2796542" cy="820424"/>
-            <a:chOff x="3484880" y="609600"/>
-            <a:chExt cx="2529840" cy="857572"/>
-          </a:xfrm>
-        </p:grpSpPr>
-        <p:sp>
-          <p:nvSpPr>
-            <p:cNvPr id="9" name="Rechteck 8">
-              <a:extLst>
-                <a:ext uri="{FF2B5EF4-FFF2-40B4-BE49-F238E27FC236}">
-                  <a16:creationId xmlns:a16="http://schemas.microsoft.com/office/drawing/2014/main" id="{E3051664-F034-4C0E-8A7D-910BF8D8C10D}"/>
-                </a:ext>
-              </a:extLst>
-            </p:cNvPr>
-            <p:cNvSpPr/>
-            <p:nvPr/>
-          </p:nvSpPr>
-          <p:spPr>
-            <a:xfrm>
-              <a:off x="3484880" y="609600"/>
-              <a:ext cx="2529840" cy="428786"/>
-            </a:xfrm>
-            <a:prstGeom prst="rect">
-              <a:avLst/>
-            </a:prstGeom>
-            <a:noFill/>
-            <a:ln w="9525" cap="flat" cmpd="sng" algn="ctr">
-              <a:solidFill>
-                <a:schemeClr val="dk1"/>
-              </a:solidFill>
-              <a:prstDash val="solid"/>
-              <a:round/>
-              <a:headEnd type="none" w="med" len="med"/>
-              <a:tailEnd type="arrow" w="med" len="med"/>
-            </a:ln>
-          </p:spPr>
-          <p:style>
-            <a:lnRef idx="0">
-              <a:scrgbClr r="0" g="0" b="0"/>
-            </a:lnRef>
-            <a:fillRef idx="0">
-              <a:scrgbClr r="0" g="0" b="0"/>
-            </a:fillRef>
-            <a:effectRef idx="0">
-              <a:scrgbClr r="0" g="0" b="0"/>
-            </a:effectRef>
-            <a:fontRef idx="minor">
-              <a:schemeClr val="dk1"/>
-            </a:fontRef>
-          </p:style>
-          <p:txBody>
-            <a:bodyPr rtlCol="0" anchor="ctr"/>
-            <a:lstStyle/>
-            <a:p>
-              <a:pPr algn="ctr"/>
-              <a:r>
-                <a:rPr lang="de-AT" b="1" dirty="0" err="1">
-                  <a:latin typeface="Arial" panose="020B0604020202020204" pitchFamily="34" charset="0"/>
-                  <a:cs typeface="Arial" panose="020B0604020202020204" pitchFamily="34" charset="0"/>
-                </a:rPr>
-                <a:t>FunctionBlock</a:t>
-              </a:r>
-              <a:r>
-                <a:rPr lang="de-AT" b="1" dirty="0">
-                  <a:latin typeface="Arial" panose="020B0604020202020204" pitchFamily="34" charset="0"/>
-                  <a:cs typeface="Arial" panose="020B0604020202020204" pitchFamily="34" charset="0"/>
-                </a:rPr>
-                <a:t> Model</a:t>
-              </a:r>
-            </a:p>
-          </p:txBody>
-        </p:sp>
-        <p:sp>
-          <p:nvSpPr>
-            <p:cNvPr id="10" name="Rechteck 9">
-              <a:extLst>
-                <a:ext uri="{FF2B5EF4-FFF2-40B4-BE49-F238E27FC236}">
-                  <a16:creationId xmlns:a16="http://schemas.microsoft.com/office/drawing/2014/main" id="{82B7E356-DF17-4979-A139-02CD4F78022B}"/>
-                </a:ext>
-              </a:extLst>
-            </p:cNvPr>
-            <p:cNvSpPr/>
-            <p:nvPr/>
-          </p:nvSpPr>
-          <p:spPr>
-            <a:xfrm>
-              <a:off x="3484880" y="1038386"/>
-              <a:ext cx="2529840" cy="428786"/>
-            </a:xfrm>
-            <a:prstGeom prst="rect">
-              <a:avLst/>
-            </a:prstGeom>
-            <a:noFill/>
-            <a:ln w="9525" cap="flat" cmpd="sng" algn="ctr">
-              <a:solidFill>
-                <a:schemeClr val="dk1"/>
-              </a:solidFill>
-              <a:prstDash val="solid"/>
-              <a:round/>
-              <a:headEnd type="none" w="med" len="med"/>
-              <a:tailEnd type="arrow" w="med" len="med"/>
-            </a:ln>
-          </p:spPr>
-          <p:style>
-            <a:lnRef idx="0">
-              <a:scrgbClr r="0" g="0" b="0"/>
-            </a:lnRef>
-            <a:fillRef idx="0">
-              <a:scrgbClr r="0" g="0" b="0"/>
-            </a:fillRef>
-            <a:effectRef idx="0">
-              <a:scrgbClr r="0" g="0" b="0"/>
-            </a:effectRef>
-            <a:fontRef idx="minor">
-              <a:schemeClr val="dk1"/>
-            </a:fontRef>
-          </p:style>
-          <p:txBody>
-            <a:bodyPr rtlCol="0" anchor="ctr"/>
-            <a:lstStyle/>
-            <a:p>
-              <a:pPr algn="ctr"/>
-              <a:r>
-                <a:rPr lang="de-AT" dirty="0" err="1">
-                  <a:latin typeface="Arial" panose="020B0604020202020204" pitchFamily="34" charset="0"/>
-                  <a:cs typeface="Arial" panose="020B0604020202020204" pitchFamily="34" charset="0"/>
-                </a:rPr>
-                <a:t>Entities</a:t>
-              </a:r>
-              <a:r>
-                <a:rPr lang="de-AT" dirty="0">
-                  <a:latin typeface="Arial" panose="020B0604020202020204" pitchFamily="34" charset="0"/>
-                  <a:cs typeface="Arial" panose="020B0604020202020204" pitchFamily="34" charset="0"/>
-                </a:rPr>
-                <a:t>: Entity</a:t>
-              </a:r>
-            </a:p>
-            <a:p>
-              <a:pPr algn="ctr"/>
-              <a:r>
-                <a:rPr lang="de-AT" dirty="0" err="1">
-                  <a:latin typeface="Arial" panose="020B0604020202020204" pitchFamily="34" charset="0"/>
-                  <a:cs typeface="Arial" panose="020B0604020202020204" pitchFamily="34" charset="0"/>
-                </a:rPr>
-                <a:t>Enums</a:t>
-              </a:r>
-              <a:r>
-                <a:rPr lang="de-AT" dirty="0">
-                  <a:latin typeface="Arial" panose="020B0604020202020204" pitchFamily="34" charset="0"/>
-                  <a:cs typeface="Arial" panose="020B0604020202020204" pitchFamily="34" charset="0"/>
-                </a:rPr>
-                <a:t>: </a:t>
-              </a:r>
-              <a:r>
-                <a:rPr lang="de-AT" dirty="0" err="1">
-                  <a:latin typeface="Arial" panose="020B0604020202020204" pitchFamily="34" charset="0"/>
-                  <a:cs typeface="Arial" panose="020B0604020202020204" pitchFamily="34" charset="0"/>
-                </a:rPr>
-                <a:t>Enum</a:t>
-              </a:r>
-              <a:endParaRPr lang="de-AT" dirty="0">
-                <a:latin typeface="Arial" panose="020B0604020202020204" pitchFamily="34" charset="0"/>
-                <a:cs typeface="Arial" panose="020B0604020202020204" pitchFamily="34" charset="0"/>
-              </a:endParaRPr>
-            </a:p>
-          </p:txBody>
-        </p:sp>
-      </p:grpSp>
-      <p:grpSp>
-        <p:nvGrpSpPr>
-          <p:cNvPr id="20" name="Gruppieren 19">
-            <a:extLst>
-              <a:ext uri="{FF2B5EF4-FFF2-40B4-BE49-F238E27FC236}">
-                <a16:creationId xmlns:a16="http://schemas.microsoft.com/office/drawing/2014/main" id="{4732ADCF-9AA9-484B-B9E7-A8E36E6DEAF1}"/>
-              </a:ext>
-            </a:extLst>
-          </p:cNvPr>
-          <p:cNvGrpSpPr/>
-          <p:nvPr/>
-        </p:nvGrpSpPr>
-        <p:grpSpPr>
-          <a:xfrm>
-            <a:off x="4601484" y="3476688"/>
+            <a:off x="4601484" y="804917"/>
             <a:ext cx="2170673" cy="1376784"/>
             <a:chOff x="6014721" y="2009063"/>
             <a:chExt cx="2529840" cy="938883"/>
@@ -10626,10 +8610,10 @@
         </p:nvGrpSpPr>
         <p:grpSpPr>
           <a:xfrm>
-            <a:off x="1510621" y="5290212"/>
-            <a:ext cx="2170673" cy="1376784"/>
+            <a:off x="1510621" y="2618441"/>
+            <a:ext cx="2170673" cy="1038987"/>
             <a:chOff x="6014721" y="2009063"/>
-            <a:chExt cx="2529840" cy="938883"/>
+            <a:chExt cx="2529840" cy="708526"/>
           </a:xfrm>
         </p:grpSpPr>
         <p:sp>
@@ -10707,7 +8691,7 @@
           <p:spPr>
             <a:xfrm>
               <a:off x="6014721" y="2437947"/>
-              <a:ext cx="2529840" cy="509999"/>
+              <a:ext cx="2529840" cy="279642"/>
             </a:xfrm>
             <a:prstGeom prst="rect">
               <a:avLst/>
@@ -10741,10 +8725,13 @@
             <a:bodyPr rtlCol="0" anchor="ctr"/>
             <a:lstStyle/>
             <a:p>
-              <a:endParaRPr lang="de-AT" dirty="0">
-                <a:latin typeface="Arial" panose="020B0604020202020204" pitchFamily="34" charset="0"/>
-                <a:cs typeface="Arial" panose="020B0604020202020204" pitchFamily="34" charset="0"/>
-              </a:endParaRPr>
+              <a:r>
+                <a:rPr lang="de-AT" dirty="0">
+                  <a:latin typeface="Arial" panose="020B0604020202020204" pitchFamily="34" charset="0"/>
+                  <a:cs typeface="Arial" panose="020B0604020202020204" pitchFamily="34" charset="0"/>
+                </a:rPr>
+                <a:t>Name: String</a:t>
+              </a:r>
             </a:p>
           </p:txBody>
         </p:sp>
@@ -10763,10 +8750,10 @@
         </p:nvGrpSpPr>
         <p:grpSpPr>
           <a:xfrm>
-            <a:off x="4647533" y="5481216"/>
-            <a:ext cx="2170673" cy="1376784"/>
+            <a:off x="4647533" y="2809445"/>
+            <a:ext cx="2170673" cy="2662660"/>
             <a:chOff x="6014721" y="2009063"/>
-            <a:chExt cx="2529840" cy="938883"/>
+            <a:chExt cx="2529840" cy="1815772"/>
           </a:xfrm>
         </p:grpSpPr>
         <p:sp>
@@ -10844,7 +8831,7 @@
           <p:spPr>
             <a:xfrm>
               <a:off x="6014721" y="2437947"/>
-              <a:ext cx="2529840" cy="509999"/>
+              <a:ext cx="2529840" cy="1386888"/>
             </a:xfrm>
             <a:prstGeom prst="rect">
               <a:avLst/>
@@ -10878,10 +8865,135 @@
             <a:bodyPr rtlCol="0" anchor="ctr"/>
             <a:lstStyle/>
             <a:p>
-              <a:endParaRPr lang="de-AT" dirty="0">
+              <a:r>
+                <a:rPr lang="de-AT" sz="1600" dirty="0">
+                  <a:latin typeface="Arial" panose="020B0604020202020204" pitchFamily="34" charset="0"/>
+                  <a:cs typeface="Arial" panose="020B0604020202020204" pitchFamily="34" charset="0"/>
+                </a:rPr>
+                <a:t>Name: String</a:t>
+              </a:r>
+            </a:p>
+            <a:p>
+              <a:r>
+                <a:rPr lang="de-AT" sz="1600" dirty="0">
+                  <a:latin typeface="Arial" panose="020B0604020202020204" pitchFamily="34" charset="0"/>
+                  <a:cs typeface="Arial" panose="020B0604020202020204" pitchFamily="34" charset="0"/>
+                </a:rPr>
+                <a:t>Description: String</a:t>
+              </a:r>
+            </a:p>
+            <a:p>
+              <a:r>
+                <a:rPr lang="de-AT" sz="1600" dirty="0" err="1">
+                  <a:latin typeface="Arial" panose="020B0604020202020204" pitchFamily="34" charset="0"/>
+                  <a:cs typeface="Arial" panose="020B0604020202020204" pitchFamily="34" charset="0"/>
+                </a:rPr>
+                <a:t>Breakable</a:t>
+              </a:r>
+              <a:r>
+                <a:rPr lang="de-AT" sz="1600" dirty="0">
+                  <a:latin typeface="Arial" panose="020B0604020202020204" pitchFamily="34" charset="0"/>
+                  <a:cs typeface="Arial" panose="020B0604020202020204" pitchFamily="34" charset="0"/>
+                </a:rPr>
+                <a:t>: </a:t>
+              </a:r>
+              <a:r>
+                <a:rPr lang="de-AT" sz="1600" dirty="0" err="1">
+                  <a:latin typeface="Arial" panose="020B0604020202020204" pitchFamily="34" charset="0"/>
+                  <a:cs typeface="Arial" panose="020B0604020202020204" pitchFamily="34" charset="0"/>
+                </a:rPr>
+                <a:t>bool</a:t>
+              </a:r>
+              <a:endParaRPr lang="de-AT" sz="1600" dirty="0">
                 <a:latin typeface="Arial" panose="020B0604020202020204" pitchFamily="34" charset="0"/>
                 <a:cs typeface="Arial" panose="020B0604020202020204" pitchFamily="34" charset="0"/>
               </a:endParaRPr>
+            </a:p>
+            <a:p>
+              <a:r>
+                <a:rPr lang="de-AT" sz="1600" dirty="0">
+                  <a:latin typeface="Arial" panose="020B0604020202020204" pitchFamily="34" charset="0"/>
+                  <a:cs typeface="Arial" panose="020B0604020202020204" pitchFamily="34" charset="0"/>
+                </a:rPr>
+                <a:t>Extension: </a:t>
+              </a:r>
+              <a:r>
+                <a:rPr lang="de-AT" sz="1600" dirty="0" err="1">
+                  <a:latin typeface="Arial" panose="020B0604020202020204" pitchFamily="34" charset="0"/>
+                  <a:cs typeface="Arial" panose="020B0604020202020204" pitchFamily="34" charset="0"/>
+                </a:rPr>
+                <a:t>bool</a:t>
+              </a:r>
+              <a:endParaRPr lang="de-AT" sz="1600" dirty="0">
+                <a:latin typeface="Arial" panose="020B0604020202020204" pitchFamily="34" charset="0"/>
+                <a:cs typeface="Arial" panose="020B0604020202020204" pitchFamily="34" charset="0"/>
+              </a:endParaRPr>
+            </a:p>
+            <a:p>
+              <a:r>
+                <a:rPr lang="de-AT" sz="1600" dirty="0">
+                  <a:latin typeface="Arial" panose="020B0604020202020204" pitchFamily="34" charset="0"/>
+                  <a:cs typeface="Arial" panose="020B0604020202020204" pitchFamily="34" charset="0"/>
+                </a:rPr>
+                <a:t>Presence: Presence</a:t>
+              </a:r>
+            </a:p>
+            <a:p>
+              <a:r>
+                <a:rPr lang="de-AT" sz="1600" dirty="0">
+                  <a:latin typeface="Arial" panose="020B0604020202020204" pitchFamily="34" charset="0"/>
+                  <a:cs typeface="Arial" panose="020B0604020202020204" pitchFamily="34" charset="0"/>
+                </a:rPr>
+                <a:t>[0..1] </a:t>
+              </a:r>
+              <a:r>
+                <a:rPr lang="de-AT" sz="1600" dirty="0" err="1">
+                  <a:latin typeface="Arial" panose="020B0604020202020204" pitchFamily="34" charset="0"/>
+                  <a:cs typeface="Arial" panose="020B0604020202020204" pitchFamily="34" charset="0"/>
+                </a:rPr>
+                <a:t>returnType</a:t>
+              </a:r>
+              <a:r>
+                <a:rPr lang="de-AT" sz="1600" dirty="0">
+                  <a:latin typeface="Arial" panose="020B0604020202020204" pitchFamily="34" charset="0"/>
+                  <a:cs typeface="Arial" panose="020B0604020202020204" pitchFamily="34" charset="0"/>
+                </a:rPr>
+                <a:t>: </a:t>
+              </a:r>
+              <a:r>
+                <a:rPr lang="de-AT" sz="1600" dirty="0" err="1">
+                  <a:latin typeface="Arial" panose="020B0604020202020204" pitchFamily="34" charset="0"/>
+                  <a:cs typeface="Arial" panose="020B0604020202020204" pitchFamily="34" charset="0"/>
+                </a:rPr>
+                <a:t>ReturnType</a:t>
+              </a:r>
+              <a:endParaRPr lang="de-AT" sz="1600" dirty="0">
+                <a:latin typeface="Arial" panose="020B0604020202020204" pitchFamily="34" charset="0"/>
+                <a:cs typeface="Arial" panose="020B0604020202020204" pitchFamily="34" charset="0"/>
+              </a:endParaRPr>
+            </a:p>
+            <a:p>
+              <a:r>
+                <a:rPr lang="de-AT" sz="1600" dirty="0">
+                  <a:latin typeface="Arial" panose="020B0604020202020204" pitchFamily="34" charset="0"/>
+                  <a:cs typeface="Arial" panose="020B0604020202020204" pitchFamily="34" charset="0"/>
+                </a:rPr>
+                <a:t>[0..*]</a:t>
+              </a:r>
+              <a:r>
+                <a:rPr lang="de-AT" sz="1600" dirty="0" err="1">
+                  <a:latin typeface="Arial" panose="020B0604020202020204" pitchFamily="34" charset="0"/>
+                  <a:cs typeface="Arial" panose="020B0604020202020204" pitchFamily="34" charset="0"/>
+                </a:rPr>
+                <a:t>Params</a:t>
+              </a:r>
+              <a:r>
+                <a:rPr lang="de-AT" sz="1600" dirty="0">
+                  <a:latin typeface="Arial" panose="020B0604020202020204" pitchFamily="34" charset="0"/>
+                  <a:cs typeface="Arial" panose="020B0604020202020204" pitchFamily="34" charset="0"/>
+                </a:rPr>
+                <a:t>: Param</a:t>
+              </a:r>
             </a:p>
           </p:txBody>
         </p:sp>
@@ -10900,10 +9012,10 @@
         </p:nvGrpSpPr>
         <p:grpSpPr>
           <a:xfrm>
-            <a:off x="7868558" y="5290212"/>
-            <a:ext cx="2170673" cy="1376784"/>
+            <a:off x="7868558" y="2618441"/>
+            <a:ext cx="2170673" cy="3596612"/>
             <a:chOff x="6014721" y="2009063"/>
-            <a:chExt cx="2529840" cy="938883"/>
+            <a:chExt cx="2529840" cy="2452671"/>
           </a:xfrm>
         </p:grpSpPr>
         <p:sp>
@@ -10980,8 +9092,8 @@
           </p:nvSpPr>
           <p:spPr>
             <a:xfrm>
-              <a:off x="6014721" y="2437947"/>
-              <a:ext cx="2529840" cy="509999"/>
+              <a:off x="6014721" y="2437946"/>
+              <a:ext cx="2529840" cy="2023788"/>
             </a:xfrm>
             <a:prstGeom prst="rect">
               <a:avLst/>
@@ -11015,10 +9127,152 @@
             <a:bodyPr rtlCol="0" anchor="ctr"/>
             <a:lstStyle/>
             <a:p>
+              <a:r>
+                <a:rPr lang="de-AT" dirty="0" err="1">
+                  <a:latin typeface="Arial" panose="020B0604020202020204" pitchFamily="34" charset="0"/>
+                  <a:cs typeface="Arial" panose="020B0604020202020204" pitchFamily="34" charset="0"/>
+                </a:rPr>
+                <a:t>constraintRule</a:t>
+              </a:r>
+              <a:r>
+                <a:rPr lang="de-AT" dirty="0">
+                  <a:latin typeface="Arial" panose="020B0604020202020204" pitchFamily="34" charset="0"/>
+                  <a:cs typeface="Arial" panose="020B0604020202020204" pitchFamily="34" charset="0"/>
+                </a:rPr>
+                <a:t>: </a:t>
+              </a:r>
+              <a:r>
+                <a:rPr lang="de-AT" dirty="0" err="1">
+                  <a:latin typeface="Arial" panose="020B0604020202020204" pitchFamily="34" charset="0"/>
+                  <a:cs typeface="Arial" panose="020B0604020202020204" pitchFamily="34" charset="0"/>
+                </a:rPr>
+                <a:t>ConstraintRule</a:t>
+              </a:r>
               <a:endParaRPr lang="de-AT" dirty="0">
                 <a:latin typeface="Arial" panose="020B0604020202020204" pitchFamily="34" charset="0"/>
                 <a:cs typeface="Arial" panose="020B0604020202020204" pitchFamily="34" charset="0"/>
               </a:endParaRPr>
+            </a:p>
+            <a:p>
+              <a:r>
+                <a:rPr lang="de-AT" dirty="0">
+                  <a:latin typeface="Arial" panose="020B0604020202020204" pitchFamily="34" charset="0"/>
+                  <a:cs typeface="Arial" panose="020B0604020202020204" pitchFamily="34" charset="0"/>
+                </a:rPr>
+                <a:t>Type: </a:t>
+              </a:r>
+              <a:r>
+                <a:rPr lang="de-AT" dirty="0" err="1">
+                  <a:latin typeface="Arial" panose="020B0604020202020204" pitchFamily="34" charset="0"/>
+                  <a:cs typeface="Arial" panose="020B0604020202020204" pitchFamily="34" charset="0"/>
+                </a:rPr>
+                <a:t>PropertyType</a:t>
+              </a:r>
+              <a:endParaRPr lang="de-AT" dirty="0">
+                <a:latin typeface="Arial" panose="020B0604020202020204" pitchFamily="34" charset="0"/>
+                <a:cs typeface="Arial" panose="020B0604020202020204" pitchFamily="34" charset="0"/>
+              </a:endParaRPr>
+            </a:p>
+            <a:p>
+              <a:r>
+                <a:rPr lang="de-AT" dirty="0" err="1">
+                  <a:latin typeface="Arial" panose="020B0604020202020204" pitchFamily="34" charset="0"/>
+                  <a:cs typeface="Arial" panose="020B0604020202020204" pitchFamily="34" charset="0"/>
+                </a:rPr>
+                <a:t>Multiplicity</a:t>
+              </a:r>
+              <a:r>
+                <a:rPr lang="de-AT" dirty="0">
+                  <a:latin typeface="Arial" panose="020B0604020202020204" pitchFamily="34" charset="0"/>
+                  <a:cs typeface="Arial" panose="020B0604020202020204" pitchFamily="34" charset="0"/>
+                </a:rPr>
+                <a:t>: </a:t>
+              </a:r>
+              <a:r>
+                <a:rPr lang="de-AT" dirty="0" err="1">
+                  <a:latin typeface="Arial" panose="020B0604020202020204" pitchFamily="34" charset="0"/>
+                  <a:cs typeface="Arial" panose="020B0604020202020204" pitchFamily="34" charset="0"/>
+                </a:rPr>
+                <a:t>booö</a:t>
+              </a:r>
+              <a:endParaRPr lang="de-AT" dirty="0">
+                <a:latin typeface="Arial" panose="020B0604020202020204" pitchFamily="34" charset="0"/>
+                <a:cs typeface="Arial" panose="020B0604020202020204" pitchFamily="34" charset="0"/>
+              </a:endParaRPr>
+            </a:p>
+            <a:p>
+              <a:r>
+                <a:rPr lang="de-AT" dirty="0">
+                  <a:latin typeface="Arial" panose="020B0604020202020204" pitchFamily="34" charset="0"/>
+                  <a:cs typeface="Arial" panose="020B0604020202020204" pitchFamily="34" charset="0"/>
+                </a:rPr>
+                <a:t>Name: String</a:t>
+              </a:r>
+            </a:p>
+            <a:p>
+              <a:r>
+                <a:rPr lang="de-AT" dirty="0">
+                  <a:latin typeface="Arial" panose="020B0604020202020204" pitchFamily="34" charset="0"/>
+                  <a:cs typeface="Arial" panose="020B0604020202020204" pitchFamily="34" charset="0"/>
+                </a:rPr>
+                <a:t>Extension: </a:t>
+              </a:r>
+              <a:r>
+                <a:rPr lang="de-AT" dirty="0" err="1">
+                  <a:latin typeface="Arial" panose="020B0604020202020204" pitchFamily="34" charset="0"/>
+                  <a:cs typeface="Arial" panose="020B0604020202020204" pitchFamily="34" charset="0"/>
+                </a:rPr>
+                <a:t>bool</a:t>
+              </a:r>
+              <a:endParaRPr lang="de-AT" dirty="0">
+                <a:latin typeface="Arial" panose="020B0604020202020204" pitchFamily="34" charset="0"/>
+                <a:cs typeface="Arial" panose="020B0604020202020204" pitchFamily="34" charset="0"/>
+              </a:endParaRPr>
+            </a:p>
+            <a:p>
+              <a:r>
+                <a:rPr lang="de-AT" dirty="0">
+                  <a:latin typeface="Arial" panose="020B0604020202020204" pitchFamily="34" charset="0"/>
+                  <a:cs typeface="Arial" panose="020B0604020202020204" pitchFamily="34" charset="0"/>
+                </a:rPr>
+                <a:t>Description: String</a:t>
+              </a:r>
+            </a:p>
+            <a:p>
+              <a:r>
+                <a:rPr lang="de-AT" dirty="0" err="1">
+                  <a:latin typeface="Arial" panose="020B0604020202020204" pitchFamily="34" charset="0"/>
+                  <a:cs typeface="Arial" panose="020B0604020202020204" pitchFamily="34" charset="0"/>
+                </a:rPr>
+                <a:t>propertyAttributes</a:t>
+              </a:r>
+              <a:r>
+                <a:rPr lang="de-AT" dirty="0">
+                  <a:latin typeface="Arial" panose="020B0604020202020204" pitchFamily="34" charset="0"/>
+                  <a:cs typeface="Arial" panose="020B0604020202020204" pitchFamily="34" charset="0"/>
+                </a:rPr>
+                <a:t>: </a:t>
+              </a:r>
+              <a:r>
+                <a:rPr lang="de-AT" dirty="0" err="1">
+                  <a:latin typeface="Arial" panose="020B0604020202020204" pitchFamily="34" charset="0"/>
+                  <a:cs typeface="Arial" panose="020B0604020202020204" pitchFamily="34" charset="0"/>
+                </a:rPr>
+                <a:t>PropertyAttribute</a:t>
+              </a:r>
+              <a:endParaRPr lang="de-AT" dirty="0">
+                <a:latin typeface="Arial" panose="020B0604020202020204" pitchFamily="34" charset="0"/>
+                <a:cs typeface="Arial" panose="020B0604020202020204" pitchFamily="34" charset="0"/>
+              </a:endParaRPr>
+            </a:p>
+            <a:p>
+              <a:r>
+                <a:rPr lang="de-AT" dirty="0">
+                  <a:latin typeface="Arial" panose="020B0604020202020204" pitchFamily="34" charset="0"/>
+                  <a:cs typeface="Arial" panose="020B0604020202020204" pitchFamily="34" charset="0"/>
+                </a:rPr>
+                <a:t>Presence: Presence</a:t>
+              </a:r>
             </a:p>
           </p:txBody>
         </p:sp>
@@ -11037,10 +9291,10 @@
         </p:nvGrpSpPr>
         <p:grpSpPr>
           <a:xfrm rot="16200000">
-            <a:off x="7088702" y="3425021"/>
-            <a:ext cx="1548645" cy="2181739"/>
-            <a:chOff x="4276794" y="1377472"/>
-            <a:chExt cx="1353887" cy="3362039"/>
+            <a:off x="7159887" y="824432"/>
+            <a:ext cx="1406278" cy="2181738"/>
+            <a:chOff x="4401259" y="1377472"/>
+            <a:chExt cx="1229422" cy="3362035"/>
           </a:xfrm>
         </p:grpSpPr>
         <p:sp>
@@ -11114,8 +9368,8 @@
           </p:nvCxnSpPr>
           <p:spPr>
             <a:xfrm rot="5400000">
-              <a:off x="3368841" y="2562983"/>
-              <a:ext cx="3084481" cy="1268575"/>
+              <a:off x="3431076" y="2625213"/>
+              <a:ext cx="3084477" cy="1144112"/>
             </a:xfrm>
             <a:prstGeom prst="bentConnector2">
               <a:avLst/>
@@ -11155,10 +9409,10 @@
         </p:nvGrpSpPr>
         <p:grpSpPr>
           <a:xfrm rot="16200000">
-            <a:off x="7264470" y="3600788"/>
-            <a:ext cx="1202644" cy="2176208"/>
-            <a:chOff x="4579282" y="1377472"/>
-            <a:chExt cx="1051399" cy="3353516"/>
+            <a:off x="7335655" y="1000202"/>
+            <a:ext cx="1060275" cy="2176206"/>
+            <a:chOff x="4703748" y="1377472"/>
+            <a:chExt cx="926933" cy="3353514"/>
           </a:xfrm>
         </p:grpSpPr>
         <p:sp>
@@ -11232,8 +9486,8 @@
           </p:nvCxnSpPr>
           <p:spPr>
             <a:xfrm rot="5400000">
-              <a:off x="3524347" y="2709965"/>
-              <a:ext cx="3075958" cy="966087"/>
+              <a:off x="3586581" y="2772197"/>
+              <a:ext cx="3075956" cy="841621"/>
             </a:xfrm>
             <a:prstGeom prst="bentConnector2">
               <a:avLst/>
@@ -11273,10 +9527,10 @@
         </p:nvGrpSpPr>
         <p:grpSpPr>
           <a:xfrm rot="16200000">
-            <a:off x="7460454" y="3796772"/>
-            <a:ext cx="810676" cy="2176208"/>
-            <a:chOff x="4921956" y="1377472"/>
-            <a:chExt cx="708725" cy="3353516"/>
+            <a:off x="7531632" y="1196177"/>
+            <a:ext cx="668322" cy="2176202"/>
+            <a:chOff x="5046408" y="1377472"/>
+            <a:chExt cx="584273" cy="3353505"/>
           </a:xfrm>
         </p:grpSpPr>
         <p:sp>
@@ -11350,8 +9604,8 @@
           </p:nvCxnSpPr>
           <p:spPr>
             <a:xfrm rot="5400000">
-              <a:off x="3695684" y="2881302"/>
-              <a:ext cx="3075958" cy="623414"/>
+              <a:off x="3757915" y="2943522"/>
+              <a:ext cx="3075948" cy="498962"/>
             </a:xfrm>
             <a:prstGeom prst="bentConnector2">
               <a:avLst/>
@@ -11391,7 +9645,7 @@
         </p:nvSpPr>
         <p:spPr>
           <a:xfrm>
-            <a:off x="7210059" y="3536812"/>
+            <a:off x="7096080" y="935267"/>
             <a:ext cx="743024" cy="369332"/>
           </a:xfrm>
           <a:prstGeom prst="rect">
@@ -11427,7 +9681,7 @@
         </p:nvSpPr>
         <p:spPr>
           <a:xfrm>
-            <a:off x="7210059" y="3894479"/>
+            <a:off x="7157213" y="1335593"/>
             <a:ext cx="612988" cy="369332"/>
           </a:xfrm>
           <a:prstGeom prst="rect">
@@ -11462,7 +9716,7 @@
         </p:nvSpPr>
         <p:spPr>
           <a:xfrm>
-            <a:off x="7134767" y="4195350"/>
+            <a:off x="7052952" y="1655606"/>
             <a:ext cx="1434495" cy="369332"/>
           </a:xfrm>
           <a:prstGeom prst="rect">
@@ -11498,10 +9752,10 @@
         </p:nvGrpSpPr>
         <p:grpSpPr>
           <a:xfrm rot="5400000">
-            <a:off x="3014733" y="3707361"/>
-            <a:ext cx="1164076" cy="2001622"/>
+            <a:off x="3085919" y="1106771"/>
+            <a:ext cx="1021708" cy="2001629"/>
             <a:chOff x="5460060" y="1377472"/>
-            <a:chExt cx="1017682" cy="3162052"/>
+            <a:chExt cx="893216" cy="3162067"/>
           </a:xfrm>
         </p:grpSpPr>
         <p:sp>
@@ -11575,8 +9829,8 @@
           </p:nvCxnSpPr>
           <p:spPr>
             <a:xfrm rot="5400000" flipV="1">
-              <a:off x="4569308" y="2631090"/>
-              <a:ext cx="2884496" cy="932372"/>
+              <a:off x="4507068" y="2693331"/>
+              <a:ext cx="2884510" cy="807906"/>
             </a:xfrm>
             <a:prstGeom prst="bentConnector2">
               <a:avLst/>
@@ -11616,10 +9870,10 @@
         </p:nvGrpSpPr>
         <p:grpSpPr>
           <a:xfrm>
-            <a:off x="5628938" y="4871507"/>
+            <a:off x="5628938" y="2199735"/>
             <a:ext cx="195165" cy="609710"/>
             <a:chOff x="5460060" y="1377472"/>
-            <a:chExt cx="170621" cy="939556"/>
+            <a:chExt cx="170621" cy="939560"/>
           </a:xfrm>
         </p:grpSpPr>
         <p:sp>
@@ -11693,8 +9947,8 @@
           </p:nvCxnSpPr>
           <p:spPr>
             <a:xfrm rot="16200000" flipH="1">
-              <a:off x="5217147" y="1983253"/>
-              <a:ext cx="661998" cy="5551"/>
+              <a:off x="5217145" y="1983255"/>
+              <a:ext cx="662002" cy="5551"/>
             </a:xfrm>
             <a:prstGeom prst="bentConnector3">
               <a:avLst>
@@ -11722,2087 +9976,10 @@
           </p:style>
         </p:cxnSp>
       </p:grpSp>
-      <p:grpSp>
-        <p:nvGrpSpPr>
-          <p:cNvPr id="49" name="Gruppieren 48">
-            <a:extLst>
-              <a:ext uri="{FF2B5EF4-FFF2-40B4-BE49-F238E27FC236}">
-                <a16:creationId xmlns:a16="http://schemas.microsoft.com/office/drawing/2014/main" id="{CE24E1DA-CA05-4A16-805D-B4B7B0D4E5BA}"/>
-              </a:ext>
-            </a:extLst>
-          </p:cNvPr>
-          <p:cNvGrpSpPr/>
-          <p:nvPr/>
-        </p:nvGrpSpPr>
-        <p:grpSpPr>
-          <a:xfrm>
-            <a:off x="5632111" y="2623733"/>
-            <a:ext cx="188815" cy="852812"/>
-            <a:chOff x="5454320" y="1410149"/>
-            <a:chExt cx="170621" cy="910008"/>
-          </a:xfrm>
-        </p:grpSpPr>
-        <p:sp>
-          <p:nvSpPr>
-            <p:cNvPr id="50" name="Raute 49">
-              <a:extLst>
-                <a:ext uri="{FF2B5EF4-FFF2-40B4-BE49-F238E27FC236}">
-                  <a16:creationId xmlns:a16="http://schemas.microsoft.com/office/drawing/2014/main" id="{A7816081-7222-4B0D-B435-84704B4A9D7D}"/>
-                </a:ext>
-              </a:extLst>
-            </p:cNvPr>
-            <p:cNvSpPr/>
-            <p:nvPr/>
-          </p:nvSpPr>
-          <p:spPr>
-            <a:xfrm flipH="1">
-              <a:off x="5454320" y="1410149"/>
-              <a:ext cx="170621" cy="277558"/>
-            </a:xfrm>
-            <a:prstGeom prst="diamond">
-              <a:avLst/>
-            </a:prstGeom>
-            <a:ln>
-              <a:headEnd type="none" w="med" len="med"/>
-              <a:tailEnd type="arrow" w="med" len="med"/>
-            </a:ln>
-          </p:spPr>
-          <p:style>
-            <a:lnRef idx="2">
-              <a:schemeClr val="dk1">
-                <a:shade val="50000"/>
-              </a:schemeClr>
-            </a:lnRef>
-            <a:fillRef idx="1">
-              <a:schemeClr val="dk1"/>
-            </a:fillRef>
-            <a:effectRef idx="0">
-              <a:schemeClr val="dk1"/>
-            </a:effectRef>
-            <a:fontRef idx="minor">
-              <a:schemeClr val="lt1"/>
-            </a:fontRef>
-          </p:style>
-          <p:txBody>
-            <a:bodyPr rtlCol="0" anchor="ctr"/>
-            <a:lstStyle/>
-            <a:p>
-              <a:pPr algn="ctr"/>
-              <a:endParaRPr lang="de-AT" dirty="0">
-                <a:latin typeface="Arial" panose="020B0604020202020204" pitchFamily="34" charset="0"/>
-                <a:cs typeface="Arial" panose="020B0604020202020204" pitchFamily="34" charset="0"/>
-              </a:endParaRPr>
-            </a:p>
-          </p:txBody>
-        </p:sp>
-        <p:cxnSp>
-          <p:nvCxnSpPr>
-            <p:cNvPr id="51" name="Verbinder: gewinkelt 98">
-              <a:extLst>
-                <a:ext uri="{FF2B5EF4-FFF2-40B4-BE49-F238E27FC236}">
-                  <a16:creationId xmlns:a16="http://schemas.microsoft.com/office/drawing/2014/main" id="{F8794F20-41DD-43B7-ABB9-10BBBE6B6CE3}"/>
-                </a:ext>
-              </a:extLst>
-            </p:cNvPr>
-            <p:cNvCxnSpPr>
-              <a:cxnSpLocks/>
-              <a:stCxn id="50" idx="2"/>
-            </p:cNvCxnSpPr>
-            <p:nvPr/>
-          </p:nvCxnSpPr>
-          <p:spPr>
-            <a:xfrm rot="16200000" flipH="1">
-              <a:off x="5226275" y="2001062"/>
-              <a:ext cx="632450" cy="5740"/>
-            </a:xfrm>
-            <a:prstGeom prst="bentConnector3">
-              <a:avLst>
-                <a:gd name="adj1" fmla="val 50000"/>
-              </a:avLst>
-            </a:prstGeom>
-            <a:ln>
-              <a:headEnd type="none" w="med" len="med"/>
-              <a:tailEnd type="arrow" w="med" len="med"/>
-            </a:ln>
-          </p:spPr>
-          <p:style>
-            <a:lnRef idx="1">
-              <a:schemeClr val="dk1"/>
-            </a:lnRef>
-            <a:fillRef idx="0">
-              <a:schemeClr val="dk1"/>
-            </a:fillRef>
-            <a:effectRef idx="0">
-              <a:schemeClr val="dk1"/>
-            </a:effectRef>
-            <a:fontRef idx="minor">
-              <a:schemeClr val="tx1"/>
-            </a:fontRef>
-          </p:style>
-        </p:cxnSp>
-      </p:grpSp>
-      <p:grpSp>
-        <p:nvGrpSpPr>
-          <p:cNvPr id="53" name="Gruppieren 52">
-            <a:extLst>
-              <a:ext uri="{FF2B5EF4-FFF2-40B4-BE49-F238E27FC236}">
-                <a16:creationId xmlns:a16="http://schemas.microsoft.com/office/drawing/2014/main" id="{9431872D-DA00-4CC4-8AE1-ABBAF7631436}"/>
-              </a:ext>
-            </a:extLst>
-          </p:cNvPr>
-          <p:cNvGrpSpPr/>
-          <p:nvPr/>
-        </p:nvGrpSpPr>
-        <p:grpSpPr>
-          <a:xfrm>
-            <a:off x="712380" y="1748123"/>
-            <a:ext cx="2796542" cy="820424"/>
-            <a:chOff x="3484880" y="609600"/>
-            <a:chExt cx="2529840" cy="857572"/>
-          </a:xfrm>
-        </p:grpSpPr>
-        <p:sp>
-          <p:nvSpPr>
-            <p:cNvPr id="54" name="Rechteck 53">
-              <a:extLst>
-                <a:ext uri="{FF2B5EF4-FFF2-40B4-BE49-F238E27FC236}">
-                  <a16:creationId xmlns:a16="http://schemas.microsoft.com/office/drawing/2014/main" id="{E4559282-2328-4915-834D-BDDD9006351F}"/>
-                </a:ext>
-              </a:extLst>
-            </p:cNvPr>
-            <p:cNvSpPr/>
-            <p:nvPr/>
-          </p:nvSpPr>
-          <p:spPr>
-            <a:xfrm>
-              <a:off x="3484880" y="609600"/>
-              <a:ext cx="2529840" cy="428786"/>
-            </a:xfrm>
-            <a:prstGeom prst="rect">
-              <a:avLst/>
-            </a:prstGeom>
-            <a:noFill/>
-            <a:ln w="9525" cap="flat" cmpd="sng" algn="ctr">
-              <a:solidFill>
-                <a:schemeClr val="dk1"/>
-              </a:solidFill>
-              <a:prstDash val="solid"/>
-              <a:round/>
-              <a:headEnd type="none" w="med" len="med"/>
-              <a:tailEnd type="arrow" w="med" len="med"/>
-            </a:ln>
-          </p:spPr>
-          <p:style>
-            <a:lnRef idx="0">
-              <a:scrgbClr r="0" g="0" b="0"/>
-            </a:lnRef>
-            <a:fillRef idx="0">
-              <a:scrgbClr r="0" g="0" b="0"/>
-            </a:fillRef>
-            <a:effectRef idx="0">
-              <a:scrgbClr r="0" g="0" b="0"/>
-            </a:effectRef>
-            <a:fontRef idx="minor">
-              <a:schemeClr val="dk1"/>
-            </a:fontRef>
-          </p:style>
-          <p:txBody>
-            <a:bodyPr rtlCol="0" anchor="ctr"/>
-            <a:lstStyle/>
-            <a:p>
-              <a:pPr algn="ctr"/>
-              <a:r>
-                <a:rPr lang="de-AT" b="1" dirty="0" err="1">
-                  <a:latin typeface="Arial" panose="020B0604020202020204" pitchFamily="34" charset="0"/>
-                  <a:cs typeface="Arial" panose="020B0604020202020204" pitchFamily="34" charset="0"/>
-                </a:rPr>
-                <a:t>FunctionBlockProperty</a:t>
-              </a:r>
-              <a:endParaRPr lang="de-AT" b="1" dirty="0">
-                <a:latin typeface="Arial" panose="020B0604020202020204" pitchFamily="34" charset="0"/>
-                <a:cs typeface="Arial" panose="020B0604020202020204" pitchFamily="34" charset="0"/>
-              </a:endParaRPr>
-            </a:p>
-          </p:txBody>
-        </p:sp>
-        <p:sp>
-          <p:nvSpPr>
-            <p:cNvPr id="55" name="Rechteck 54">
-              <a:extLst>
-                <a:ext uri="{FF2B5EF4-FFF2-40B4-BE49-F238E27FC236}">
-                  <a16:creationId xmlns:a16="http://schemas.microsoft.com/office/drawing/2014/main" id="{C641019F-045F-4191-B715-499484294F87}"/>
-                </a:ext>
-              </a:extLst>
-            </p:cNvPr>
-            <p:cNvSpPr/>
-            <p:nvPr/>
-          </p:nvSpPr>
-          <p:spPr>
-            <a:xfrm>
-              <a:off x="3484880" y="1038386"/>
-              <a:ext cx="2529840" cy="428786"/>
-            </a:xfrm>
-            <a:prstGeom prst="rect">
-              <a:avLst/>
-            </a:prstGeom>
-            <a:noFill/>
-            <a:ln w="9525" cap="flat" cmpd="sng" algn="ctr">
-              <a:solidFill>
-                <a:schemeClr val="dk1"/>
-              </a:solidFill>
-              <a:prstDash val="solid"/>
-              <a:round/>
-              <a:headEnd type="none" w="med" len="med"/>
-              <a:tailEnd type="arrow" w="med" len="med"/>
-            </a:ln>
-          </p:spPr>
-          <p:style>
-            <a:lnRef idx="0">
-              <a:scrgbClr r="0" g="0" b="0"/>
-            </a:lnRef>
-            <a:fillRef idx="0">
-              <a:scrgbClr r="0" g="0" b="0"/>
-            </a:fillRef>
-            <a:effectRef idx="0">
-              <a:scrgbClr r="0" g="0" b="0"/>
-            </a:effectRef>
-            <a:fontRef idx="minor">
-              <a:schemeClr val="dk1"/>
-            </a:fontRef>
-          </p:style>
-          <p:txBody>
-            <a:bodyPr rtlCol="0" anchor="ctr"/>
-            <a:lstStyle/>
-            <a:p>
-              <a:pPr algn="ctr"/>
-              <a:r>
-                <a:rPr lang="de-AT" dirty="0">
-                  <a:latin typeface="Arial" panose="020B0604020202020204" pitchFamily="34" charset="0"/>
-                  <a:cs typeface="Arial" panose="020B0604020202020204" pitchFamily="34" charset="0"/>
-                </a:rPr>
-                <a:t>Name: String</a:t>
-              </a:r>
-            </a:p>
-            <a:p>
-              <a:pPr algn="ctr"/>
-              <a:r>
-                <a:rPr lang="de-AT" dirty="0">
-                  <a:latin typeface="Arial" panose="020B0604020202020204" pitchFamily="34" charset="0"/>
-                  <a:cs typeface="Arial" panose="020B0604020202020204" pitchFamily="34" charset="0"/>
-                </a:rPr>
-                <a:t>Description: String</a:t>
-              </a:r>
-            </a:p>
-            <a:p>
-              <a:pPr algn="ctr"/>
-              <a:r>
-                <a:rPr lang="de-AT" dirty="0" err="1">
-                  <a:latin typeface="Arial" panose="020B0604020202020204" pitchFamily="34" charset="0"/>
-                  <a:cs typeface="Arial" panose="020B0604020202020204" pitchFamily="34" charset="0"/>
-                </a:rPr>
-                <a:t>Multiplicity</a:t>
-              </a:r>
-              <a:r>
-                <a:rPr lang="de-AT" dirty="0">
-                  <a:latin typeface="Arial" panose="020B0604020202020204" pitchFamily="34" charset="0"/>
-                  <a:cs typeface="Arial" panose="020B0604020202020204" pitchFamily="34" charset="0"/>
-                </a:rPr>
-                <a:t>: </a:t>
-              </a:r>
-              <a:r>
-                <a:rPr lang="de-AT" dirty="0" err="1">
-                  <a:latin typeface="Arial" panose="020B0604020202020204" pitchFamily="34" charset="0"/>
-                  <a:cs typeface="Arial" panose="020B0604020202020204" pitchFamily="34" charset="0"/>
-                </a:rPr>
-                <a:t>bool</a:t>
-              </a:r>
-              <a:endParaRPr lang="de-AT" dirty="0">
-                <a:latin typeface="Arial" panose="020B0604020202020204" pitchFamily="34" charset="0"/>
-                <a:cs typeface="Arial" panose="020B0604020202020204" pitchFamily="34" charset="0"/>
-              </a:endParaRPr>
-            </a:p>
-          </p:txBody>
-        </p:sp>
-      </p:grpSp>
-      <p:cxnSp>
-        <p:nvCxnSpPr>
-          <p:cNvPr id="56" name="Verbinder: gewinkelt 98">
-            <a:extLst>
-              <a:ext uri="{FF2B5EF4-FFF2-40B4-BE49-F238E27FC236}">
-                <a16:creationId xmlns:a16="http://schemas.microsoft.com/office/drawing/2014/main" id="{E28ABB33-13A3-4192-9F2A-F4FED86E0917}"/>
-              </a:ext>
-            </a:extLst>
-          </p:cNvPr>
-          <p:cNvCxnSpPr>
-            <a:cxnSpLocks/>
-            <a:stCxn id="55" idx="3"/>
-            <a:endCxn id="10" idx="1"/>
-          </p:cNvCxnSpPr>
-          <p:nvPr/>
-        </p:nvCxnSpPr>
-        <p:spPr>
-          <a:xfrm>
-            <a:off x="3508922" y="2363441"/>
-            <a:ext cx="785978" cy="14708"/>
-          </a:xfrm>
-          <a:prstGeom prst="bentConnector3">
-            <a:avLst>
-              <a:gd name="adj1" fmla="val 50000"/>
-            </a:avLst>
-          </a:prstGeom>
-          <a:ln>
-            <a:headEnd type="none" w="med" len="med"/>
-            <a:tailEnd type="arrow" w="med" len="med"/>
-          </a:ln>
-        </p:spPr>
-        <p:style>
-          <a:lnRef idx="1">
-            <a:schemeClr val="dk1"/>
-          </a:lnRef>
-          <a:fillRef idx="0">
-            <a:schemeClr val="dk1"/>
-          </a:fillRef>
-          <a:effectRef idx="0">
-            <a:schemeClr val="dk1"/>
-          </a:effectRef>
-          <a:fontRef idx="minor">
-            <a:schemeClr val="tx1"/>
-          </a:fontRef>
-        </p:style>
-      </p:cxnSp>
-      <p:grpSp>
-        <p:nvGrpSpPr>
-          <p:cNvPr id="57" name="Gruppieren 56">
-            <a:extLst>
-              <a:ext uri="{FF2B5EF4-FFF2-40B4-BE49-F238E27FC236}">
-                <a16:creationId xmlns:a16="http://schemas.microsoft.com/office/drawing/2014/main" id="{499BF11F-0432-44B2-BC62-66BAF8815E51}"/>
-              </a:ext>
-            </a:extLst>
-          </p:cNvPr>
-          <p:cNvGrpSpPr/>
-          <p:nvPr/>
-        </p:nvGrpSpPr>
-        <p:grpSpPr>
-          <a:xfrm>
-            <a:off x="2110654" y="1030655"/>
-            <a:ext cx="3771333" cy="717467"/>
-            <a:chOff x="2134471" y="-452394"/>
-            <a:chExt cx="3407931" cy="765586"/>
-          </a:xfrm>
-        </p:grpSpPr>
-        <p:sp>
-          <p:nvSpPr>
-            <p:cNvPr id="58" name="Raute 57">
-              <a:extLst>
-                <a:ext uri="{FF2B5EF4-FFF2-40B4-BE49-F238E27FC236}">
-                  <a16:creationId xmlns:a16="http://schemas.microsoft.com/office/drawing/2014/main" id="{E682BA5C-38AB-49A8-BDC4-95CB8697E812}"/>
-                </a:ext>
-              </a:extLst>
-            </p:cNvPr>
-            <p:cNvSpPr/>
-            <p:nvPr/>
-          </p:nvSpPr>
-          <p:spPr>
-            <a:xfrm flipH="1">
-              <a:off x="5371781" y="-452394"/>
-              <a:ext cx="170621" cy="277558"/>
-            </a:xfrm>
-            <a:prstGeom prst="diamond">
-              <a:avLst/>
-            </a:prstGeom>
-            <a:ln>
-              <a:headEnd type="none" w="med" len="med"/>
-              <a:tailEnd type="arrow" w="med" len="med"/>
-            </a:ln>
-          </p:spPr>
-          <p:style>
-            <a:lnRef idx="2">
-              <a:schemeClr val="dk1">
-                <a:shade val="50000"/>
-              </a:schemeClr>
-            </a:lnRef>
-            <a:fillRef idx="1">
-              <a:schemeClr val="dk1"/>
-            </a:fillRef>
-            <a:effectRef idx="0">
-              <a:schemeClr val="dk1"/>
-            </a:effectRef>
-            <a:fontRef idx="minor">
-              <a:schemeClr val="lt1"/>
-            </a:fontRef>
-          </p:style>
-          <p:txBody>
-            <a:bodyPr rtlCol="0" anchor="ctr"/>
-            <a:lstStyle/>
-            <a:p>
-              <a:pPr algn="ctr"/>
-              <a:endParaRPr lang="de-AT" dirty="0">
-                <a:latin typeface="Arial" panose="020B0604020202020204" pitchFamily="34" charset="0"/>
-                <a:cs typeface="Arial" panose="020B0604020202020204" pitchFamily="34" charset="0"/>
-              </a:endParaRPr>
-            </a:p>
-          </p:txBody>
-        </p:sp>
-        <p:cxnSp>
-          <p:nvCxnSpPr>
-            <p:cNvPr id="59" name="Verbinder: gewinkelt 98">
-              <a:extLst>
-                <a:ext uri="{FF2B5EF4-FFF2-40B4-BE49-F238E27FC236}">
-                  <a16:creationId xmlns:a16="http://schemas.microsoft.com/office/drawing/2014/main" id="{04F14C3C-DA97-4FF0-838D-3FC740D336C2}"/>
-                </a:ext>
-              </a:extLst>
-            </p:cNvPr>
-            <p:cNvCxnSpPr>
-              <a:cxnSpLocks/>
-              <a:stCxn id="58" idx="2"/>
-              <a:endCxn id="54" idx="0"/>
-            </p:cNvCxnSpPr>
-            <p:nvPr/>
-          </p:nvCxnSpPr>
-          <p:spPr>
-            <a:xfrm rot="5400000">
-              <a:off x="3551767" y="-1592133"/>
-              <a:ext cx="488029" cy="3322622"/>
-            </a:xfrm>
-            <a:prstGeom prst="bentConnector3">
-              <a:avLst>
-                <a:gd name="adj1" fmla="val 50000"/>
-              </a:avLst>
-            </a:prstGeom>
-            <a:ln>
-              <a:headEnd type="none" w="med" len="med"/>
-              <a:tailEnd type="arrow" w="med" len="med"/>
-            </a:ln>
-          </p:spPr>
-          <p:style>
-            <a:lnRef idx="1">
-              <a:schemeClr val="dk1"/>
-            </a:lnRef>
-            <a:fillRef idx="0">
-              <a:schemeClr val="dk1"/>
-            </a:fillRef>
-            <a:effectRef idx="0">
-              <a:schemeClr val="dk1"/>
-            </a:effectRef>
-            <a:fontRef idx="minor">
-              <a:schemeClr val="tx1"/>
-            </a:fontRef>
-          </p:style>
-        </p:cxnSp>
-      </p:grpSp>
-      <p:sp>
-        <p:nvSpPr>
-          <p:cNvPr id="60" name="Textfeld 59">
-            <a:extLst>
-              <a:ext uri="{FF2B5EF4-FFF2-40B4-BE49-F238E27FC236}">
-                <a16:creationId xmlns:a16="http://schemas.microsoft.com/office/drawing/2014/main" id="{64A85189-5251-4AD8-8CA1-CF691F4005D4}"/>
-              </a:ext>
-            </a:extLst>
-          </p:cNvPr>
-          <p:cNvSpPr txBox="1"/>
-          <p:nvPr/>
-        </p:nvSpPr>
-        <p:spPr>
-          <a:xfrm>
-            <a:off x="2243687" y="1164579"/>
-            <a:ext cx="1698991" cy="369332"/>
-          </a:xfrm>
-          <a:prstGeom prst="rect">
-            <a:avLst/>
-          </a:prstGeom>
-          <a:noFill/>
-        </p:spPr>
-        <p:txBody>
-          <a:bodyPr wrap="none" rtlCol="0">
-            <a:spAutoFit/>
-          </a:bodyPr>
-          <a:lstStyle/>
-          <a:p>
-            <a:r>
-              <a:rPr lang="de-AT" dirty="0"/>
-              <a:t>[0..*] </a:t>
-            </a:r>
-            <a:r>
-              <a:rPr lang="de-AT" dirty="0" err="1"/>
-              <a:t>properties</a:t>
-            </a:r>
-            <a:endParaRPr lang="de-AT" dirty="0"/>
-          </a:p>
-        </p:txBody>
-      </p:sp>
-      <p:sp>
-        <p:nvSpPr>
-          <p:cNvPr id="61" name="Textfeld 60">
-            <a:extLst>
-              <a:ext uri="{FF2B5EF4-FFF2-40B4-BE49-F238E27FC236}">
-                <a16:creationId xmlns:a16="http://schemas.microsoft.com/office/drawing/2014/main" id="{39B57D7E-AD20-41C1-B768-9E45A10F2FC3}"/>
-              </a:ext>
-            </a:extLst>
-          </p:cNvPr>
-          <p:cNvSpPr txBox="1"/>
-          <p:nvPr/>
-        </p:nvSpPr>
-        <p:spPr>
-          <a:xfrm>
-            <a:off x="3328677" y="1926704"/>
-            <a:ext cx="1146468" cy="369332"/>
-          </a:xfrm>
-          <a:prstGeom prst="rect">
-            <a:avLst/>
-          </a:prstGeom>
-          <a:noFill/>
-        </p:spPr>
-        <p:txBody>
-          <a:bodyPr wrap="none" rtlCol="0">
-            <a:spAutoFit/>
-          </a:bodyPr>
-          <a:lstStyle/>
-          <a:p>
-            <a:r>
-              <a:rPr lang="de-AT" dirty="0"/>
-              <a:t>[0..1] type</a:t>
-            </a:r>
-          </a:p>
-        </p:txBody>
-      </p:sp>
-      <p:grpSp>
-        <p:nvGrpSpPr>
-          <p:cNvPr id="62" name="Gruppieren 61">
-            <a:extLst>
-              <a:ext uri="{FF2B5EF4-FFF2-40B4-BE49-F238E27FC236}">
-                <a16:creationId xmlns:a16="http://schemas.microsoft.com/office/drawing/2014/main" id="{C6E2E571-8BB6-4FD1-BFB3-21B28D79B695}"/>
-              </a:ext>
-            </a:extLst>
-          </p:cNvPr>
-          <p:cNvGrpSpPr/>
-          <p:nvPr/>
-        </p:nvGrpSpPr>
-        <p:grpSpPr>
-          <a:xfrm>
-            <a:off x="296640" y="118589"/>
-            <a:ext cx="2796542" cy="820424"/>
-            <a:chOff x="3484880" y="609600"/>
-            <a:chExt cx="2529840" cy="857572"/>
-          </a:xfrm>
-        </p:grpSpPr>
-        <p:sp>
-          <p:nvSpPr>
-            <p:cNvPr id="63" name="Rechteck 62">
-              <a:extLst>
-                <a:ext uri="{FF2B5EF4-FFF2-40B4-BE49-F238E27FC236}">
-                  <a16:creationId xmlns:a16="http://schemas.microsoft.com/office/drawing/2014/main" id="{7E67FA87-EA0F-4EBD-85CB-E1FD919964A7}"/>
-                </a:ext>
-              </a:extLst>
-            </p:cNvPr>
-            <p:cNvSpPr/>
-            <p:nvPr/>
-          </p:nvSpPr>
-          <p:spPr>
-            <a:xfrm>
-              <a:off x="3484880" y="609600"/>
-              <a:ext cx="2529840" cy="428786"/>
-            </a:xfrm>
-            <a:prstGeom prst="rect">
-              <a:avLst/>
-            </a:prstGeom>
-            <a:noFill/>
-            <a:ln w="9525" cap="flat" cmpd="sng" algn="ctr">
-              <a:solidFill>
-                <a:schemeClr val="dk1"/>
-              </a:solidFill>
-              <a:prstDash val="solid"/>
-              <a:round/>
-              <a:headEnd type="none" w="med" len="med"/>
-              <a:tailEnd type="arrow" w="med" len="med"/>
-            </a:ln>
-          </p:spPr>
-          <p:style>
-            <a:lnRef idx="0">
-              <a:scrgbClr r="0" g="0" b="0"/>
-            </a:lnRef>
-            <a:fillRef idx="0">
-              <a:scrgbClr r="0" g="0" b="0"/>
-            </a:fillRef>
-            <a:effectRef idx="0">
-              <a:scrgbClr r="0" g="0" b="0"/>
-            </a:effectRef>
-            <a:fontRef idx="minor">
-              <a:schemeClr val="dk1"/>
-            </a:fontRef>
-          </p:style>
-          <p:txBody>
-            <a:bodyPr rtlCol="0" anchor="ctr"/>
-            <a:lstStyle/>
-            <a:p>
-              <a:pPr algn="ctr"/>
-              <a:r>
-                <a:rPr lang="de-AT" b="1" dirty="0">
-                  <a:latin typeface="Arial" panose="020B0604020202020204" pitchFamily="34" charset="0"/>
-                  <a:cs typeface="Arial" panose="020B0604020202020204" pitchFamily="34" charset="0"/>
-                </a:rPr>
-                <a:t>Presence</a:t>
-              </a:r>
-            </a:p>
-          </p:txBody>
-        </p:sp>
-        <p:sp>
-          <p:nvSpPr>
-            <p:cNvPr id="64" name="Rechteck 63">
-              <a:extLst>
-                <a:ext uri="{FF2B5EF4-FFF2-40B4-BE49-F238E27FC236}">
-                  <a16:creationId xmlns:a16="http://schemas.microsoft.com/office/drawing/2014/main" id="{6E1A1EA4-C552-49CF-ADE0-3C66BC542EBB}"/>
-                </a:ext>
-              </a:extLst>
-            </p:cNvPr>
-            <p:cNvSpPr/>
-            <p:nvPr/>
-          </p:nvSpPr>
-          <p:spPr>
-            <a:xfrm>
-              <a:off x="3484880" y="1038386"/>
-              <a:ext cx="2529840" cy="428786"/>
-            </a:xfrm>
-            <a:prstGeom prst="rect">
-              <a:avLst/>
-            </a:prstGeom>
-            <a:noFill/>
-            <a:ln w="9525" cap="flat" cmpd="sng" algn="ctr">
-              <a:solidFill>
-                <a:schemeClr val="dk1"/>
-              </a:solidFill>
-              <a:prstDash val="solid"/>
-              <a:round/>
-              <a:headEnd type="none" w="med" len="med"/>
-              <a:tailEnd type="arrow" w="med" len="med"/>
-            </a:ln>
-          </p:spPr>
-          <p:style>
-            <a:lnRef idx="0">
-              <a:scrgbClr r="0" g="0" b="0"/>
-            </a:lnRef>
-            <a:fillRef idx="0">
-              <a:scrgbClr r="0" g="0" b="0"/>
-            </a:fillRef>
-            <a:effectRef idx="0">
-              <a:scrgbClr r="0" g="0" b="0"/>
-            </a:effectRef>
-            <a:fontRef idx="minor">
-              <a:schemeClr val="dk1"/>
-            </a:fontRef>
-          </p:style>
-          <p:txBody>
-            <a:bodyPr rtlCol="0" anchor="ctr"/>
-            <a:lstStyle/>
-            <a:p>
-              <a:pPr algn="ctr"/>
-              <a:r>
-                <a:rPr lang="de-AT" dirty="0" err="1">
-                  <a:latin typeface="Arial" panose="020B0604020202020204" pitchFamily="34" charset="0"/>
-                  <a:cs typeface="Arial" panose="020B0604020202020204" pitchFamily="34" charset="0"/>
-                </a:rPr>
-                <a:t>Mandatory</a:t>
-              </a:r>
-              <a:r>
-                <a:rPr lang="de-AT" dirty="0">
-                  <a:latin typeface="Arial" panose="020B0604020202020204" pitchFamily="34" charset="0"/>
-                  <a:cs typeface="Arial" panose="020B0604020202020204" pitchFamily="34" charset="0"/>
-                </a:rPr>
-                <a:t>: </a:t>
-              </a:r>
-              <a:r>
-                <a:rPr lang="de-AT" dirty="0" err="1">
-                  <a:latin typeface="Arial" panose="020B0604020202020204" pitchFamily="34" charset="0"/>
-                  <a:cs typeface="Arial" panose="020B0604020202020204" pitchFamily="34" charset="0"/>
-                </a:rPr>
-                <a:t>bool</a:t>
-              </a:r>
-              <a:endParaRPr lang="de-AT" dirty="0">
-                <a:latin typeface="Arial" panose="020B0604020202020204" pitchFamily="34" charset="0"/>
-                <a:cs typeface="Arial" panose="020B0604020202020204" pitchFamily="34" charset="0"/>
-              </a:endParaRPr>
-            </a:p>
-          </p:txBody>
-        </p:sp>
-      </p:grpSp>
-      <p:cxnSp>
-        <p:nvCxnSpPr>
-          <p:cNvPr id="65" name="Verbinder: gewinkelt 98">
-            <a:extLst>
-              <a:ext uri="{FF2B5EF4-FFF2-40B4-BE49-F238E27FC236}">
-                <a16:creationId xmlns:a16="http://schemas.microsoft.com/office/drawing/2014/main" id="{B99ACC29-9215-4EE8-90FE-91CBC8DD6EDB}"/>
-              </a:ext>
-            </a:extLst>
-          </p:cNvPr>
-          <p:cNvCxnSpPr>
-            <a:cxnSpLocks/>
-            <a:stCxn id="55" idx="2"/>
-            <a:endCxn id="21" idx="1"/>
-          </p:cNvCxnSpPr>
-          <p:nvPr/>
-        </p:nvCxnSpPr>
-        <p:spPr>
-          <a:xfrm rot="16200000" flipH="1">
-            <a:off x="2744803" y="1934394"/>
-            <a:ext cx="1222529" cy="2490833"/>
-          </a:xfrm>
-          <a:prstGeom prst="bentConnector2">
-            <a:avLst/>
-          </a:prstGeom>
-          <a:ln>
-            <a:headEnd type="none" w="med" len="med"/>
-            <a:tailEnd type="arrow" w="med" len="med"/>
-          </a:ln>
-        </p:spPr>
-        <p:style>
-          <a:lnRef idx="1">
-            <a:schemeClr val="dk1"/>
-          </a:lnRef>
-          <a:fillRef idx="0">
-            <a:schemeClr val="dk1"/>
-          </a:fillRef>
-          <a:effectRef idx="0">
-            <a:schemeClr val="dk1"/>
-          </a:effectRef>
-          <a:fontRef idx="minor">
-            <a:schemeClr val="tx1"/>
-          </a:fontRef>
-        </p:style>
-      </p:cxnSp>
-      <p:sp>
-        <p:nvSpPr>
-          <p:cNvPr id="67" name="Textfeld 66">
-            <a:extLst>
-              <a:ext uri="{FF2B5EF4-FFF2-40B4-BE49-F238E27FC236}">
-                <a16:creationId xmlns:a16="http://schemas.microsoft.com/office/drawing/2014/main" id="{718CCE2B-D9BE-4F46-963B-58F4B34D73C3}"/>
-              </a:ext>
-            </a:extLst>
-          </p:cNvPr>
-          <p:cNvSpPr txBox="1"/>
-          <p:nvPr/>
-        </p:nvSpPr>
-        <p:spPr>
-          <a:xfrm>
-            <a:off x="2042238" y="3462384"/>
-            <a:ext cx="2933367" cy="369332"/>
-          </a:xfrm>
-          <a:prstGeom prst="rect">
-            <a:avLst/>
-          </a:prstGeom>
-          <a:noFill/>
-        </p:spPr>
-        <p:txBody>
-          <a:bodyPr wrap="none" rtlCol="0">
-            <a:spAutoFit/>
-          </a:bodyPr>
-          <a:lstStyle/>
-          <a:p>
-            <a:r>
-              <a:rPr lang="de-AT" dirty="0"/>
-              <a:t>[0..1] </a:t>
-            </a:r>
-            <a:r>
-              <a:rPr lang="de-AT" dirty="0" err="1"/>
-              <a:t>extendedFunctionBlock</a:t>
-            </a:r>
-            <a:endParaRPr lang="de-AT" dirty="0"/>
-          </a:p>
-        </p:txBody>
-      </p:sp>
-      <p:grpSp>
-        <p:nvGrpSpPr>
-          <p:cNvPr id="68" name="Gruppieren 67">
-            <a:extLst>
-              <a:ext uri="{FF2B5EF4-FFF2-40B4-BE49-F238E27FC236}">
-                <a16:creationId xmlns:a16="http://schemas.microsoft.com/office/drawing/2014/main" id="{8BEDD223-77A8-45DC-A5AB-D129B0B5DA26}"/>
-              </a:ext>
-            </a:extLst>
-          </p:cNvPr>
-          <p:cNvGrpSpPr/>
-          <p:nvPr/>
-        </p:nvGrpSpPr>
-        <p:grpSpPr>
-          <a:xfrm>
-            <a:off x="9680283" y="3612700"/>
-            <a:ext cx="2796542" cy="2716980"/>
-            <a:chOff x="3484880" y="609600"/>
-            <a:chExt cx="2529840" cy="2840002"/>
-          </a:xfrm>
-        </p:grpSpPr>
-        <p:sp>
-          <p:nvSpPr>
-            <p:cNvPr id="69" name="Rechteck 68">
-              <a:extLst>
-                <a:ext uri="{FF2B5EF4-FFF2-40B4-BE49-F238E27FC236}">
-                  <a16:creationId xmlns:a16="http://schemas.microsoft.com/office/drawing/2014/main" id="{D5679EE3-C950-46F3-8990-3147DF416401}"/>
-                </a:ext>
-              </a:extLst>
-            </p:cNvPr>
-            <p:cNvSpPr/>
-            <p:nvPr/>
-          </p:nvSpPr>
-          <p:spPr>
-            <a:xfrm>
-              <a:off x="3484880" y="609600"/>
-              <a:ext cx="2529840" cy="428786"/>
-            </a:xfrm>
-            <a:prstGeom prst="rect">
-              <a:avLst/>
-            </a:prstGeom>
-            <a:noFill/>
-            <a:ln w="9525" cap="flat" cmpd="sng" algn="ctr">
-              <a:solidFill>
-                <a:schemeClr val="dk1"/>
-              </a:solidFill>
-              <a:prstDash val="solid"/>
-              <a:round/>
-              <a:headEnd type="none" w="med" len="med"/>
-              <a:tailEnd type="arrow" w="med" len="med"/>
-            </a:ln>
-          </p:spPr>
-          <p:style>
-            <a:lnRef idx="0">
-              <a:scrgbClr r="0" g="0" b="0"/>
-            </a:lnRef>
-            <a:fillRef idx="0">
-              <a:scrgbClr r="0" g="0" b="0"/>
-            </a:fillRef>
-            <a:effectRef idx="0">
-              <a:scrgbClr r="0" g="0" b="0"/>
-            </a:effectRef>
-            <a:fontRef idx="minor">
-              <a:schemeClr val="dk1"/>
-            </a:fontRef>
-          </p:style>
-          <p:txBody>
-            <a:bodyPr rtlCol="0" anchor="ctr"/>
-            <a:lstStyle/>
-            <a:p>
-              <a:pPr algn="ctr"/>
-              <a:r>
-                <a:rPr lang="de-AT" b="1" dirty="0">
-                  <a:latin typeface="Arial" panose="020B0604020202020204" pitchFamily="34" charset="0"/>
-                  <a:cs typeface="Arial" panose="020B0604020202020204" pitchFamily="34" charset="0"/>
-                </a:rPr>
-                <a:t>&lt;</a:t>
-              </a:r>
-              <a:r>
-                <a:rPr lang="de-AT" b="1" dirty="0" err="1">
-                  <a:latin typeface="Arial" panose="020B0604020202020204" pitchFamily="34" charset="0"/>
-                  <a:cs typeface="Arial" panose="020B0604020202020204" pitchFamily="34" charset="0"/>
-                </a:rPr>
-                <a:t>abstract</a:t>
-              </a:r>
-              <a:r>
-                <a:rPr lang="de-AT" b="1" dirty="0">
-                  <a:latin typeface="Arial" panose="020B0604020202020204" pitchFamily="34" charset="0"/>
-                  <a:cs typeface="Arial" panose="020B0604020202020204" pitchFamily="34" charset="0"/>
-                </a:rPr>
-                <a:t>&gt; Model</a:t>
-              </a:r>
-            </a:p>
-          </p:txBody>
-        </p:sp>
-        <p:sp>
-          <p:nvSpPr>
-            <p:cNvPr id="70" name="Rechteck 69">
-              <a:extLst>
-                <a:ext uri="{FF2B5EF4-FFF2-40B4-BE49-F238E27FC236}">
-                  <a16:creationId xmlns:a16="http://schemas.microsoft.com/office/drawing/2014/main" id="{31E7FE4A-E1E1-493E-ACC6-ECCF17CE60E1}"/>
-                </a:ext>
-              </a:extLst>
-            </p:cNvPr>
-            <p:cNvSpPr/>
-            <p:nvPr/>
-          </p:nvSpPr>
-          <p:spPr>
-            <a:xfrm>
-              <a:off x="3484880" y="1038386"/>
-              <a:ext cx="2529840" cy="2411216"/>
-            </a:xfrm>
-            <a:prstGeom prst="rect">
-              <a:avLst/>
-            </a:prstGeom>
-            <a:noFill/>
-            <a:ln w="9525" cap="flat" cmpd="sng" algn="ctr">
-              <a:solidFill>
-                <a:schemeClr val="dk1"/>
-              </a:solidFill>
-              <a:prstDash val="solid"/>
-              <a:round/>
-              <a:headEnd type="none" w="med" len="med"/>
-              <a:tailEnd type="arrow" w="med" len="med"/>
-            </a:ln>
-          </p:spPr>
-          <p:style>
-            <a:lnRef idx="0">
-              <a:scrgbClr r="0" g="0" b="0"/>
-            </a:lnRef>
-            <a:fillRef idx="0">
-              <a:scrgbClr r="0" g="0" b="0"/>
-            </a:fillRef>
-            <a:effectRef idx="0">
-              <a:scrgbClr r="0" g="0" b="0"/>
-            </a:effectRef>
-            <a:fontRef idx="minor">
-              <a:schemeClr val="dk1"/>
-            </a:fontRef>
-          </p:style>
-          <p:txBody>
-            <a:bodyPr rtlCol="0" anchor="ctr"/>
-            <a:lstStyle/>
-            <a:p>
-              <a:pPr algn="ctr"/>
-              <a:r>
-                <a:rPr lang="de-AT" dirty="0">
-                  <a:latin typeface="Arial" panose="020B0604020202020204" pitchFamily="34" charset="0"/>
-                  <a:cs typeface="Arial" panose="020B0604020202020204" pitchFamily="34" charset="0"/>
-                </a:rPr>
-                <a:t>Name: String</a:t>
-              </a:r>
-            </a:p>
-            <a:p>
-              <a:pPr algn="ctr"/>
-              <a:r>
-                <a:rPr lang="de-AT" dirty="0">
-                  <a:latin typeface="Arial" panose="020B0604020202020204" pitchFamily="34" charset="0"/>
-                  <a:cs typeface="Arial" panose="020B0604020202020204" pitchFamily="34" charset="0"/>
-                </a:rPr>
-                <a:t>Namespace: String</a:t>
-              </a:r>
-            </a:p>
-            <a:p>
-              <a:pPr algn="ctr"/>
-              <a:r>
-                <a:rPr lang="de-AT" dirty="0">
-                  <a:latin typeface="Arial" panose="020B0604020202020204" pitchFamily="34" charset="0"/>
-                  <a:cs typeface="Arial" panose="020B0604020202020204" pitchFamily="34" charset="0"/>
-                </a:rPr>
-                <a:t>Version: String</a:t>
-              </a:r>
-            </a:p>
-            <a:p>
-              <a:pPr algn="ctr"/>
-              <a:r>
-                <a:rPr lang="de-AT" dirty="0">
-                  <a:latin typeface="Arial" panose="020B0604020202020204" pitchFamily="34" charset="0"/>
-                  <a:cs typeface="Arial" panose="020B0604020202020204" pitchFamily="34" charset="0"/>
-                </a:rPr>
-                <a:t>Description: String</a:t>
-              </a:r>
-            </a:p>
-            <a:p>
-              <a:pPr algn="ctr"/>
-              <a:r>
-                <a:rPr lang="de-AT" dirty="0" err="1">
-                  <a:latin typeface="Arial" panose="020B0604020202020204" pitchFamily="34" charset="0"/>
-                  <a:cs typeface="Arial" panose="020B0604020202020204" pitchFamily="34" charset="0"/>
-                </a:rPr>
-                <a:t>displayName</a:t>
-              </a:r>
-              <a:r>
-                <a:rPr lang="de-AT" dirty="0">
-                  <a:latin typeface="Arial" panose="020B0604020202020204" pitchFamily="34" charset="0"/>
-                  <a:cs typeface="Arial" panose="020B0604020202020204" pitchFamily="34" charset="0"/>
-                </a:rPr>
-                <a:t>: String</a:t>
-              </a:r>
-            </a:p>
-            <a:p>
-              <a:pPr algn="ctr"/>
-              <a:r>
-                <a:rPr lang="de-AT" dirty="0" err="1">
-                  <a:latin typeface="Arial" panose="020B0604020202020204" pitchFamily="34" charset="0"/>
-                  <a:cs typeface="Arial" panose="020B0604020202020204" pitchFamily="34" charset="0"/>
-                </a:rPr>
-                <a:t>Category</a:t>
-              </a:r>
-              <a:r>
-                <a:rPr lang="de-AT" dirty="0">
-                  <a:latin typeface="Arial" panose="020B0604020202020204" pitchFamily="34" charset="0"/>
-                  <a:cs typeface="Arial" panose="020B0604020202020204" pitchFamily="34" charset="0"/>
-                </a:rPr>
-                <a:t>: String</a:t>
-              </a:r>
-            </a:p>
-            <a:p>
-              <a:pPr algn="ctr"/>
-              <a:r>
-                <a:rPr lang="de-AT" dirty="0">
-                  <a:latin typeface="Arial" panose="020B0604020202020204" pitchFamily="34" charset="0"/>
-                  <a:cs typeface="Arial" panose="020B0604020202020204" pitchFamily="34" charset="0"/>
-                </a:rPr>
-                <a:t>Lang: </a:t>
-              </a:r>
-              <a:r>
-                <a:rPr lang="de-AT" dirty="0" err="1">
-                  <a:latin typeface="Arial" panose="020B0604020202020204" pitchFamily="34" charset="0"/>
-                  <a:cs typeface="Arial" panose="020B0604020202020204" pitchFamily="34" charset="0"/>
-                </a:rPr>
-                <a:t>VortoLangVersion</a:t>
-              </a:r>
-              <a:r>
-                <a:rPr lang="de-AT" dirty="0">
-                  <a:latin typeface="Arial" panose="020B0604020202020204" pitchFamily="34" charset="0"/>
-                  <a:cs typeface="Arial" panose="020B0604020202020204" pitchFamily="34" charset="0"/>
-                </a:rPr>
-                <a:t> = 1</a:t>
-              </a:r>
-            </a:p>
-          </p:txBody>
-        </p:sp>
-      </p:grpSp>
-      <p:grpSp>
-        <p:nvGrpSpPr>
-          <p:cNvPr id="71" name="Gruppieren 70">
-            <a:extLst>
-              <a:ext uri="{FF2B5EF4-FFF2-40B4-BE49-F238E27FC236}">
-                <a16:creationId xmlns:a16="http://schemas.microsoft.com/office/drawing/2014/main" id="{DF789A7C-CE49-48B4-8AE6-E1C6E1DC6A56}"/>
-              </a:ext>
-            </a:extLst>
-          </p:cNvPr>
-          <p:cNvGrpSpPr/>
-          <p:nvPr/>
-        </p:nvGrpSpPr>
-        <p:grpSpPr>
-          <a:xfrm>
-            <a:off x="8105483" y="929927"/>
-            <a:ext cx="2796542" cy="820424"/>
-            <a:chOff x="3484880" y="609600"/>
-            <a:chExt cx="2529840" cy="857572"/>
-          </a:xfrm>
-        </p:grpSpPr>
-        <p:sp>
-          <p:nvSpPr>
-            <p:cNvPr id="72" name="Rechteck 71">
-              <a:extLst>
-                <a:ext uri="{FF2B5EF4-FFF2-40B4-BE49-F238E27FC236}">
-                  <a16:creationId xmlns:a16="http://schemas.microsoft.com/office/drawing/2014/main" id="{1C58C873-F6B7-42F7-A79C-70B3CC4F6145}"/>
-                </a:ext>
-              </a:extLst>
-            </p:cNvPr>
-            <p:cNvSpPr/>
-            <p:nvPr/>
-          </p:nvSpPr>
-          <p:spPr>
-            <a:xfrm>
-              <a:off x="3484880" y="609600"/>
-              <a:ext cx="2529840" cy="428786"/>
-            </a:xfrm>
-            <a:prstGeom prst="rect">
-              <a:avLst/>
-            </a:prstGeom>
-            <a:noFill/>
-            <a:ln w="9525" cap="flat" cmpd="sng" algn="ctr">
-              <a:solidFill>
-                <a:schemeClr val="dk1"/>
-              </a:solidFill>
-              <a:prstDash val="solid"/>
-              <a:round/>
-              <a:headEnd type="none" w="med" len="med"/>
-              <a:tailEnd type="arrow" w="med" len="med"/>
-            </a:ln>
-          </p:spPr>
-          <p:style>
-            <a:lnRef idx="0">
-              <a:scrgbClr r="0" g="0" b="0"/>
-            </a:lnRef>
-            <a:fillRef idx="0">
-              <a:scrgbClr r="0" g="0" b="0"/>
-            </a:fillRef>
-            <a:effectRef idx="0">
-              <a:scrgbClr r="0" g="0" b="0"/>
-            </a:effectRef>
-            <a:fontRef idx="minor">
-              <a:schemeClr val="dk1"/>
-            </a:fontRef>
-          </p:style>
-          <p:txBody>
-            <a:bodyPr rtlCol="0" anchor="ctr"/>
-            <a:lstStyle/>
-            <a:p>
-              <a:pPr algn="ctr"/>
-              <a:r>
-                <a:rPr lang="de-AT" b="1" dirty="0" err="1">
-                  <a:latin typeface="Arial" panose="020B0604020202020204" pitchFamily="34" charset="0"/>
-                  <a:cs typeface="Arial" panose="020B0604020202020204" pitchFamily="34" charset="0"/>
-                </a:rPr>
-                <a:t>ModelReference</a:t>
-              </a:r>
-              <a:endParaRPr lang="de-AT" b="1" dirty="0">
-                <a:latin typeface="Arial" panose="020B0604020202020204" pitchFamily="34" charset="0"/>
-                <a:cs typeface="Arial" panose="020B0604020202020204" pitchFamily="34" charset="0"/>
-              </a:endParaRPr>
-            </a:p>
-          </p:txBody>
-        </p:sp>
-        <p:sp>
-          <p:nvSpPr>
-            <p:cNvPr id="73" name="Rechteck 72">
-              <a:extLst>
-                <a:ext uri="{FF2B5EF4-FFF2-40B4-BE49-F238E27FC236}">
-                  <a16:creationId xmlns:a16="http://schemas.microsoft.com/office/drawing/2014/main" id="{6D21BE1C-9DE5-439A-A2B4-D8E83EC9DDB3}"/>
-                </a:ext>
-              </a:extLst>
-            </p:cNvPr>
-            <p:cNvSpPr/>
-            <p:nvPr/>
-          </p:nvSpPr>
-          <p:spPr>
-            <a:xfrm>
-              <a:off x="3484880" y="1038386"/>
-              <a:ext cx="2529840" cy="428786"/>
-            </a:xfrm>
-            <a:prstGeom prst="rect">
-              <a:avLst/>
-            </a:prstGeom>
-            <a:noFill/>
-            <a:ln w="9525" cap="flat" cmpd="sng" algn="ctr">
-              <a:solidFill>
-                <a:schemeClr val="dk1"/>
-              </a:solidFill>
-              <a:prstDash val="solid"/>
-              <a:round/>
-              <a:headEnd type="none" w="med" len="med"/>
-              <a:tailEnd type="arrow" w="med" len="med"/>
-            </a:ln>
-          </p:spPr>
-          <p:style>
-            <a:lnRef idx="0">
-              <a:scrgbClr r="0" g="0" b="0"/>
-            </a:lnRef>
-            <a:fillRef idx="0">
-              <a:scrgbClr r="0" g="0" b="0"/>
-            </a:fillRef>
-            <a:effectRef idx="0">
-              <a:scrgbClr r="0" g="0" b="0"/>
-            </a:effectRef>
-            <a:fontRef idx="minor">
-              <a:schemeClr val="dk1"/>
-            </a:fontRef>
-          </p:style>
-          <p:txBody>
-            <a:bodyPr rtlCol="0" anchor="ctr"/>
-            <a:lstStyle/>
-            <a:p>
-              <a:pPr algn="ctr"/>
-              <a:r>
-                <a:rPr lang="de-AT" dirty="0">
-                  <a:latin typeface="Arial" panose="020B0604020202020204" pitchFamily="34" charset="0"/>
-                  <a:cs typeface="Arial" panose="020B0604020202020204" pitchFamily="34" charset="0"/>
-                </a:rPr>
-                <a:t>Version: String</a:t>
-              </a:r>
-            </a:p>
-            <a:p>
-              <a:pPr algn="ctr"/>
-              <a:r>
-                <a:rPr lang="de-AT" dirty="0" err="1">
-                  <a:latin typeface="Arial" panose="020B0604020202020204" pitchFamily="34" charset="0"/>
-                  <a:cs typeface="Arial" panose="020B0604020202020204" pitchFamily="34" charset="0"/>
-                </a:rPr>
-                <a:t>importedNamespace</a:t>
-              </a:r>
-              <a:r>
-                <a:rPr lang="de-AT" dirty="0">
-                  <a:latin typeface="Arial" panose="020B0604020202020204" pitchFamily="34" charset="0"/>
-                  <a:cs typeface="Arial" panose="020B0604020202020204" pitchFamily="34" charset="0"/>
-                </a:rPr>
-                <a:t>: String</a:t>
-              </a:r>
-            </a:p>
-          </p:txBody>
-        </p:sp>
-      </p:grpSp>
-      <p:cxnSp>
-        <p:nvCxnSpPr>
-          <p:cNvPr id="74" name="Verbinder: gewinkelt 98">
-            <a:extLst>
-              <a:ext uri="{FF2B5EF4-FFF2-40B4-BE49-F238E27FC236}">
-                <a16:creationId xmlns:a16="http://schemas.microsoft.com/office/drawing/2014/main" id="{F4E9B9CF-3B74-4277-B601-B2D3C0046920}"/>
-              </a:ext>
-            </a:extLst>
-          </p:cNvPr>
-          <p:cNvCxnSpPr>
-            <a:cxnSpLocks/>
-            <a:stCxn id="9" idx="0"/>
-            <a:endCxn id="10" idx="3"/>
-          </p:cNvCxnSpPr>
-          <p:nvPr/>
-        </p:nvCxnSpPr>
-        <p:spPr>
-          <a:xfrm rot="16200000" flipH="1">
-            <a:off x="6084647" y="1371355"/>
-            <a:ext cx="615318" cy="1398271"/>
-          </a:xfrm>
-          <a:prstGeom prst="bentConnector4">
-            <a:avLst>
-              <a:gd name="adj1" fmla="val -37152"/>
-              <a:gd name="adj2" fmla="val 116349"/>
-            </a:avLst>
-          </a:prstGeom>
-          <a:ln>
-            <a:headEnd type="none" w="med" len="med"/>
-            <a:tailEnd type="arrow" w="med" len="med"/>
-          </a:ln>
-        </p:spPr>
-        <p:style>
-          <a:lnRef idx="1">
-            <a:schemeClr val="dk1"/>
-          </a:lnRef>
-          <a:fillRef idx="0">
-            <a:schemeClr val="dk1"/>
-          </a:fillRef>
-          <a:effectRef idx="0">
-            <a:schemeClr val="dk1"/>
-          </a:effectRef>
-          <a:fontRef idx="minor">
-            <a:schemeClr val="tx1"/>
-          </a:fontRef>
-        </p:style>
-      </p:cxnSp>
-      <p:sp>
-        <p:nvSpPr>
-          <p:cNvPr id="75" name="Textfeld 74">
-            <a:extLst>
-              <a:ext uri="{FF2B5EF4-FFF2-40B4-BE49-F238E27FC236}">
-                <a16:creationId xmlns:a16="http://schemas.microsoft.com/office/drawing/2014/main" id="{7909B061-5DEF-4AC5-B334-974189B67F85}"/>
-              </a:ext>
-            </a:extLst>
-          </p:cNvPr>
-          <p:cNvSpPr txBox="1"/>
-          <p:nvPr/>
-        </p:nvSpPr>
-        <p:spPr>
-          <a:xfrm>
-            <a:off x="7249813" y="2049036"/>
-            <a:ext cx="1700274" cy="369332"/>
-          </a:xfrm>
-          <a:prstGeom prst="rect">
-            <a:avLst/>
-          </a:prstGeom>
-          <a:noFill/>
-        </p:spPr>
-        <p:txBody>
-          <a:bodyPr wrap="none" rtlCol="0">
-            <a:spAutoFit/>
-          </a:bodyPr>
-          <a:lstStyle/>
-          <a:p>
-            <a:r>
-              <a:rPr lang="de-AT" dirty="0"/>
-              <a:t>[0..1] </a:t>
-            </a:r>
-            <a:r>
-              <a:rPr lang="de-AT" dirty="0" err="1"/>
-              <a:t>superType</a:t>
-            </a:r>
-            <a:endParaRPr lang="de-AT" dirty="0"/>
-          </a:p>
-        </p:txBody>
-      </p:sp>
-      <p:sp>
-        <p:nvSpPr>
-          <p:cNvPr id="76" name="Textfeld 75">
-            <a:extLst>
-              <a:ext uri="{FF2B5EF4-FFF2-40B4-BE49-F238E27FC236}">
-                <a16:creationId xmlns:a16="http://schemas.microsoft.com/office/drawing/2014/main" id="{4B2D71EF-206A-4BB3-BF8C-E1550A200D85}"/>
-              </a:ext>
-            </a:extLst>
-          </p:cNvPr>
-          <p:cNvSpPr txBox="1"/>
-          <p:nvPr/>
-        </p:nvSpPr>
-        <p:spPr>
-          <a:xfrm>
-            <a:off x="5787579" y="2971497"/>
-            <a:ext cx="2015295" cy="369332"/>
-          </a:xfrm>
-          <a:prstGeom prst="rect">
-            <a:avLst/>
-          </a:prstGeom>
-          <a:noFill/>
-        </p:spPr>
-        <p:txBody>
-          <a:bodyPr wrap="none" rtlCol="0">
-            <a:spAutoFit/>
-          </a:bodyPr>
-          <a:lstStyle/>
-          <a:p>
-            <a:r>
-              <a:rPr lang="de-AT" dirty="0"/>
-              <a:t>[0..1] </a:t>
-            </a:r>
-            <a:r>
-              <a:rPr lang="de-AT" dirty="0" err="1"/>
-              <a:t>functionBlock</a:t>
-            </a:r>
-            <a:endParaRPr lang="de-AT" dirty="0"/>
-          </a:p>
-        </p:txBody>
-      </p:sp>
-      <p:grpSp>
-        <p:nvGrpSpPr>
-          <p:cNvPr id="77" name="Gruppieren 76">
-            <a:extLst>
-              <a:ext uri="{FF2B5EF4-FFF2-40B4-BE49-F238E27FC236}">
-                <a16:creationId xmlns:a16="http://schemas.microsoft.com/office/drawing/2014/main" id="{854DEF54-4DE2-451D-BED9-D92251B6BAF5}"/>
-              </a:ext>
-            </a:extLst>
-          </p:cNvPr>
-          <p:cNvGrpSpPr/>
-          <p:nvPr/>
-        </p:nvGrpSpPr>
-        <p:grpSpPr>
-          <a:xfrm rot="10800000">
-            <a:off x="9503754" y="1750350"/>
-            <a:ext cx="1669207" cy="1850592"/>
-            <a:chOff x="4798342" y="822405"/>
-            <a:chExt cx="1508363" cy="1974707"/>
-          </a:xfrm>
-        </p:grpSpPr>
-        <p:sp>
-          <p:nvSpPr>
-            <p:cNvPr id="78" name="Raute 77">
-              <a:extLst>
-                <a:ext uri="{FF2B5EF4-FFF2-40B4-BE49-F238E27FC236}">
-                  <a16:creationId xmlns:a16="http://schemas.microsoft.com/office/drawing/2014/main" id="{FEA36FFA-A80D-46EA-939D-1CF717DA31F7}"/>
-                </a:ext>
-              </a:extLst>
-            </p:cNvPr>
-            <p:cNvSpPr/>
-            <p:nvPr/>
-          </p:nvSpPr>
-          <p:spPr>
-            <a:xfrm flipH="1">
-              <a:off x="4798342" y="822405"/>
-              <a:ext cx="170621" cy="277558"/>
-            </a:xfrm>
-            <a:prstGeom prst="diamond">
-              <a:avLst/>
-            </a:prstGeom>
-            <a:ln>
-              <a:headEnd type="none" w="med" len="med"/>
-              <a:tailEnd type="arrow" w="med" len="med"/>
-            </a:ln>
-          </p:spPr>
-          <p:style>
-            <a:lnRef idx="2">
-              <a:schemeClr val="dk1">
-                <a:shade val="50000"/>
-              </a:schemeClr>
-            </a:lnRef>
-            <a:fillRef idx="1">
-              <a:schemeClr val="dk1"/>
-            </a:fillRef>
-            <a:effectRef idx="0">
-              <a:schemeClr val="dk1"/>
-            </a:effectRef>
-            <a:fontRef idx="minor">
-              <a:schemeClr val="lt1"/>
-            </a:fontRef>
-          </p:style>
-          <p:txBody>
-            <a:bodyPr rtlCol="0" anchor="ctr"/>
-            <a:lstStyle/>
-            <a:p>
-              <a:pPr algn="ctr"/>
-              <a:endParaRPr lang="de-AT" dirty="0">
-                <a:latin typeface="Arial" panose="020B0604020202020204" pitchFamily="34" charset="0"/>
-                <a:cs typeface="Arial" panose="020B0604020202020204" pitchFamily="34" charset="0"/>
-              </a:endParaRPr>
-            </a:p>
-          </p:txBody>
-        </p:sp>
-        <p:cxnSp>
-          <p:nvCxnSpPr>
-            <p:cNvPr id="79" name="Verbinder: gewinkelt 98">
-              <a:extLst>
-                <a:ext uri="{FF2B5EF4-FFF2-40B4-BE49-F238E27FC236}">
-                  <a16:creationId xmlns:a16="http://schemas.microsoft.com/office/drawing/2014/main" id="{29462758-C2AD-4E48-8A9C-49A48D677863}"/>
-                </a:ext>
-              </a:extLst>
-            </p:cNvPr>
-            <p:cNvCxnSpPr>
-              <a:cxnSpLocks/>
-              <a:stCxn id="78" idx="2"/>
-              <a:endCxn id="73" idx="2"/>
-            </p:cNvCxnSpPr>
-            <p:nvPr/>
-          </p:nvCxnSpPr>
-          <p:spPr>
-            <a:xfrm rot="5400000" flipV="1">
-              <a:off x="4746605" y="1237011"/>
-              <a:ext cx="1697148" cy="1423053"/>
-            </a:xfrm>
-            <a:prstGeom prst="bentConnector3">
-              <a:avLst>
-                <a:gd name="adj1" fmla="val 50000"/>
-              </a:avLst>
-            </a:prstGeom>
-            <a:ln>
-              <a:headEnd type="none" w="med" len="med"/>
-              <a:tailEnd type="arrow" w="med" len="med"/>
-            </a:ln>
-          </p:spPr>
-          <p:style>
-            <a:lnRef idx="1">
-              <a:schemeClr val="dk1"/>
-            </a:lnRef>
-            <a:fillRef idx="0">
-              <a:schemeClr val="dk1"/>
-            </a:fillRef>
-            <a:effectRef idx="0">
-              <a:schemeClr val="dk1"/>
-            </a:effectRef>
-            <a:fontRef idx="minor">
-              <a:schemeClr val="tx1"/>
-            </a:fontRef>
-          </p:style>
-        </p:cxnSp>
-      </p:grpSp>
-      <p:sp>
-        <p:nvSpPr>
-          <p:cNvPr id="82" name="Textfeld 81">
-            <a:extLst>
-              <a:ext uri="{FF2B5EF4-FFF2-40B4-BE49-F238E27FC236}">
-                <a16:creationId xmlns:a16="http://schemas.microsoft.com/office/drawing/2014/main" id="{8A24C2A5-48BB-4752-8468-2EDE21924794}"/>
-              </a:ext>
-            </a:extLst>
-          </p:cNvPr>
-          <p:cNvSpPr txBox="1"/>
-          <p:nvPr/>
-        </p:nvSpPr>
-        <p:spPr>
-          <a:xfrm>
-            <a:off x="11172961" y="2699179"/>
-            <a:ext cx="1714508" cy="369332"/>
-          </a:xfrm>
-          <a:prstGeom prst="rect">
-            <a:avLst/>
-          </a:prstGeom>
-          <a:noFill/>
-        </p:spPr>
-        <p:txBody>
-          <a:bodyPr wrap="none" rtlCol="0">
-            <a:spAutoFit/>
-          </a:bodyPr>
-          <a:lstStyle/>
-          <a:p>
-            <a:r>
-              <a:rPr lang="de-AT" dirty="0"/>
-              <a:t>[0..*] </a:t>
-            </a:r>
-            <a:r>
-              <a:rPr lang="de-AT" dirty="0" err="1"/>
-              <a:t>references</a:t>
-            </a:r>
-            <a:endParaRPr lang="de-AT" dirty="0"/>
-          </a:p>
-        </p:txBody>
-      </p:sp>
-      <p:grpSp>
-        <p:nvGrpSpPr>
-          <p:cNvPr id="83" name="Gruppieren 82">
-            <a:extLst>
-              <a:ext uri="{FF2B5EF4-FFF2-40B4-BE49-F238E27FC236}">
-                <a16:creationId xmlns:a16="http://schemas.microsoft.com/office/drawing/2014/main" id="{D6176BCF-76EA-4A95-8899-A084D7A182E3}"/>
-              </a:ext>
-            </a:extLst>
-          </p:cNvPr>
-          <p:cNvGrpSpPr/>
-          <p:nvPr/>
-        </p:nvGrpSpPr>
-        <p:grpSpPr>
-          <a:xfrm rot="10800000">
-            <a:off x="7080003" y="1750351"/>
-            <a:ext cx="2423751" cy="901928"/>
-            <a:chOff x="4599097" y="2128697"/>
-            <a:chExt cx="2190198" cy="962418"/>
-          </a:xfrm>
-        </p:grpSpPr>
-        <p:sp>
-          <p:nvSpPr>
-            <p:cNvPr id="84" name="Raute 83">
-              <a:extLst>
-                <a:ext uri="{FF2B5EF4-FFF2-40B4-BE49-F238E27FC236}">
-                  <a16:creationId xmlns:a16="http://schemas.microsoft.com/office/drawing/2014/main" id="{090B3236-9A05-40F9-A018-3B21D040EDCD}"/>
-                </a:ext>
-              </a:extLst>
-            </p:cNvPr>
-            <p:cNvSpPr/>
-            <p:nvPr/>
-          </p:nvSpPr>
-          <p:spPr>
-            <a:xfrm rot="5400000" flipH="1">
-              <a:off x="6571032" y="2111912"/>
-              <a:ext cx="201478" cy="235048"/>
-            </a:xfrm>
-            <a:prstGeom prst="diamond">
-              <a:avLst/>
-            </a:prstGeom>
-            <a:ln>
-              <a:headEnd type="none" w="med" len="med"/>
-              <a:tailEnd type="arrow" w="med" len="med"/>
-            </a:ln>
-          </p:spPr>
-          <p:style>
-            <a:lnRef idx="2">
-              <a:schemeClr val="dk1">
-                <a:shade val="50000"/>
-              </a:schemeClr>
-            </a:lnRef>
-            <a:fillRef idx="1">
-              <a:schemeClr val="dk1"/>
-            </a:fillRef>
-            <a:effectRef idx="0">
-              <a:schemeClr val="dk1"/>
-            </a:effectRef>
-            <a:fontRef idx="minor">
-              <a:schemeClr val="lt1"/>
-            </a:fontRef>
-          </p:style>
-          <p:txBody>
-            <a:bodyPr rtlCol="0" anchor="ctr"/>
-            <a:lstStyle/>
-            <a:p>
-              <a:pPr algn="ctr"/>
-              <a:endParaRPr lang="de-AT" dirty="0">
-                <a:latin typeface="Arial" panose="020B0604020202020204" pitchFamily="34" charset="0"/>
-                <a:cs typeface="Arial" panose="020B0604020202020204" pitchFamily="34" charset="0"/>
-              </a:endParaRPr>
-            </a:p>
-          </p:txBody>
-        </p:sp>
-        <p:cxnSp>
-          <p:nvCxnSpPr>
-            <p:cNvPr id="85" name="Verbinder: gewinkelt 98">
-              <a:extLst>
-                <a:ext uri="{FF2B5EF4-FFF2-40B4-BE49-F238E27FC236}">
-                  <a16:creationId xmlns:a16="http://schemas.microsoft.com/office/drawing/2014/main" id="{071A45E5-017E-4203-85EE-C1D7314D80FC}"/>
-                </a:ext>
-              </a:extLst>
-            </p:cNvPr>
-            <p:cNvCxnSpPr>
-              <a:cxnSpLocks/>
-              <a:stCxn id="84" idx="2"/>
-              <a:endCxn id="73" idx="2"/>
-            </p:cNvCxnSpPr>
-            <p:nvPr/>
-          </p:nvCxnSpPr>
-          <p:spPr>
-            <a:xfrm rot="10800000" flipV="1">
-              <a:off x="4599097" y="2229436"/>
-              <a:ext cx="1955150" cy="861679"/>
-            </a:xfrm>
-            <a:prstGeom prst="bentConnector2">
-              <a:avLst/>
-            </a:prstGeom>
-            <a:ln>
-              <a:headEnd type="none" w="med" len="med"/>
-              <a:tailEnd type="arrow" w="med" len="med"/>
-            </a:ln>
-          </p:spPr>
-          <p:style>
-            <a:lnRef idx="1">
-              <a:schemeClr val="dk1"/>
-            </a:lnRef>
-            <a:fillRef idx="0">
-              <a:schemeClr val="dk1"/>
-            </a:fillRef>
-            <a:effectRef idx="0">
-              <a:schemeClr val="dk1"/>
-            </a:effectRef>
-            <a:fontRef idx="minor">
-              <a:schemeClr val="tx1"/>
-            </a:fontRef>
-          </p:style>
-        </p:cxnSp>
-      </p:grpSp>
-      <p:grpSp>
-        <p:nvGrpSpPr>
-          <p:cNvPr id="91" name="Gruppieren 90">
-            <a:extLst>
-              <a:ext uri="{FF2B5EF4-FFF2-40B4-BE49-F238E27FC236}">
-                <a16:creationId xmlns:a16="http://schemas.microsoft.com/office/drawing/2014/main" id="{D159B804-B5DE-48BD-891D-8064D08A39EE}"/>
-              </a:ext>
-            </a:extLst>
-          </p:cNvPr>
-          <p:cNvGrpSpPr/>
-          <p:nvPr/>
-        </p:nvGrpSpPr>
-        <p:grpSpPr>
-          <a:xfrm rot="10800000">
-            <a:off x="6978499" y="610890"/>
-            <a:ext cx="2525255" cy="319037"/>
-            <a:chOff x="4507374" y="1989741"/>
-            <a:chExt cx="2281921" cy="340434"/>
-          </a:xfrm>
-        </p:grpSpPr>
-        <p:sp>
-          <p:nvSpPr>
-            <p:cNvPr id="92" name="Raute 91">
-              <a:extLst>
-                <a:ext uri="{FF2B5EF4-FFF2-40B4-BE49-F238E27FC236}">
-                  <a16:creationId xmlns:a16="http://schemas.microsoft.com/office/drawing/2014/main" id="{2F6A13F7-4071-4B2C-A84A-90D95CD4CAA9}"/>
-                </a:ext>
-              </a:extLst>
-            </p:cNvPr>
-            <p:cNvSpPr/>
-            <p:nvPr/>
-          </p:nvSpPr>
-          <p:spPr>
-            <a:xfrm rot="5400000" flipH="1">
-              <a:off x="6571032" y="2111912"/>
-              <a:ext cx="201478" cy="235048"/>
-            </a:xfrm>
-            <a:prstGeom prst="diamond">
-              <a:avLst/>
-            </a:prstGeom>
-            <a:ln>
-              <a:headEnd type="none" w="med" len="med"/>
-              <a:tailEnd type="arrow" w="med" len="med"/>
-            </a:ln>
-          </p:spPr>
-          <p:style>
-            <a:lnRef idx="2">
-              <a:schemeClr val="dk1">
-                <a:shade val="50000"/>
-              </a:schemeClr>
-            </a:lnRef>
-            <a:fillRef idx="1">
-              <a:schemeClr val="dk1"/>
-            </a:fillRef>
-            <a:effectRef idx="0">
-              <a:schemeClr val="dk1"/>
-            </a:effectRef>
-            <a:fontRef idx="minor">
-              <a:schemeClr val="lt1"/>
-            </a:fontRef>
-          </p:style>
-          <p:txBody>
-            <a:bodyPr rtlCol="0" anchor="ctr"/>
-            <a:lstStyle/>
-            <a:p>
-              <a:pPr algn="ctr"/>
-              <a:endParaRPr lang="de-AT" dirty="0">
-                <a:latin typeface="Arial" panose="020B0604020202020204" pitchFamily="34" charset="0"/>
-                <a:cs typeface="Arial" panose="020B0604020202020204" pitchFamily="34" charset="0"/>
-              </a:endParaRPr>
-            </a:p>
-          </p:txBody>
-        </p:sp>
-        <p:cxnSp>
-          <p:nvCxnSpPr>
-            <p:cNvPr id="93" name="Verbinder: gewinkelt 98">
-              <a:extLst>
-                <a:ext uri="{FF2B5EF4-FFF2-40B4-BE49-F238E27FC236}">
-                  <a16:creationId xmlns:a16="http://schemas.microsoft.com/office/drawing/2014/main" id="{3DA29B82-96E2-4110-B8D0-DF86B6DEF114}"/>
-                </a:ext>
-              </a:extLst>
-            </p:cNvPr>
-            <p:cNvCxnSpPr>
-              <a:cxnSpLocks/>
-              <a:stCxn id="92" idx="2"/>
-              <a:endCxn id="72" idx="0"/>
-            </p:cNvCxnSpPr>
-            <p:nvPr/>
-          </p:nvCxnSpPr>
-          <p:spPr>
-            <a:xfrm rot="10800000">
-              <a:off x="4507374" y="1989741"/>
-              <a:ext cx="2046872" cy="239694"/>
-            </a:xfrm>
-            <a:prstGeom prst="bentConnector2">
-              <a:avLst/>
-            </a:prstGeom>
-            <a:ln>
-              <a:headEnd type="none" w="med" len="med"/>
-              <a:tailEnd type="arrow" w="med" len="med"/>
-            </a:ln>
-          </p:spPr>
-          <p:style>
-            <a:lnRef idx="1">
-              <a:schemeClr val="dk1"/>
-            </a:lnRef>
-            <a:fillRef idx="0">
-              <a:schemeClr val="dk1"/>
-            </a:fillRef>
-            <a:effectRef idx="0">
-              <a:schemeClr val="dk1"/>
-            </a:effectRef>
-            <a:fontRef idx="minor">
-              <a:schemeClr val="tx1"/>
-            </a:fontRef>
-          </p:style>
-        </p:cxnSp>
-      </p:grpSp>
-      <p:sp>
-        <p:nvSpPr>
-          <p:cNvPr id="95" name="Textfeld 94">
-            <a:extLst>
-              <a:ext uri="{FF2B5EF4-FFF2-40B4-BE49-F238E27FC236}">
-                <a16:creationId xmlns:a16="http://schemas.microsoft.com/office/drawing/2014/main" id="{EB4C69B6-EBB0-49A8-BDF4-8FD9F1AD170F}"/>
-              </a:ext>
-            </a:extLst>
-          </p:cNvPr>
-          <p:cNvSpPr txBox="1"/>
-          <p:nvPr/>
-        </p:nvSpPr>
-        <p:spPr>
-          <a:xfrm>
-            <a:off x="7348427" y="301479"/>
-            <a:ext cx="1714508" cy="369332"/>
-          </a:xfrm>
-          <a:prstGeom prst="rect">
-            <a:avLst/>
-          </a:prstGeom>
-          <a:noFill/>
-        </p:spPr>
-        <p:txBody>
-          <a:bodyPr wrap="none" rtlCol="0">
-            <a:spAutoFit/>
-          </a:bodyPr>
-          <a:lstStyle/>
-          <a:p>
-            <a:r>
-              <a:rPr lang="de-AT" dirty="0"/>
-              <a:t>[0..*] </a:t>
-            </a:r>
-            <a:r>
-              <a:rPr lang="de-AT" dirty="0" err="1"/>
-              <a:t>references</a:t>
-            </a:r>
-            <a:endParaRPr lang="de-AT" dirty="0"/>
-          </a:p>
-        </p:txBody>
-      </p:sp>
-      <p:sp>
-        <p:nvSpPr>
-          <p:cNvPr id="96" name="Textfeld 95">
-            <a:extLst>
-              <a:ext uri="{FF2B5EF4-FFF2-40B4-BE49-F238E27FC236}">
-                <a16:creationId xmlns:a16="http://schemas.microsoft.com/office/drawing/2014/main" id="{E3E70C1B-FE85-46AD-A204-72EB87F3DD7D}"/>
-              </a:ext>
-            </a:extLst>
-          </p:cNvPr>
-          <p:cNvSpPr txBox="1"/>
-          <p:nvPr/>
-        </p:nvSpPr>
-        <p:spPr>
-          <a:xfrm>
-            <a:off x="7348427" y="2576782"/>
-            <a:ext cx="1714508" cy="369332"/>
-          </a:xfrm>
-          <a:prstGeom prst="rect">
-            <a:avLst/>
-          </a:prstGeom>
-          <a:noFill/>
-        </p:spPr>
-        <p:txBody>
-          <a:bodyPr wrap="none" rtlCol="0">
-            <a:spAutoFit/>
-          </a:bodyPr>
-          <a:lstStyle/>
-          <a:p>
-            <a:r>
-              <a:rPr lang="de-AT" dirty="0"/>
-              <a:t>[0..*] </a:t>
-            </a:r>
-            <a:r>
-              <a:rPr lang="de-AT" dirty="0" err="1"/>
-              <a:t>references</a:t>
-            </a:r>
-            <a:endParaRPr lang="de-AT" dirty="0"/>
-          </a:p>
-        </p:txBody>
-      </p:sp>
-      <p:grpSp>
-        <p:nvGrpSpPr>
-          <p:cNvPr id="97" name="Gruppieren 96">
-            <a:extLst>
-              <a:ext uri="{FF2B5EF4-FFF2-40B4-BE49-F238E27FC236}">
-                <a16:creationId xmlns:a16="http://schemas.microsoft.com/office/drawing/2014/main" id="{B40A19AF-9A31-481D-913E-66D909E245AF}"/>
-              </a:ext>
-            </a:extLst>
-          </p:cNvPr>
-          <p:cNvGrpSpPr/>
-          <p:nvPr/>
-        </p:nvGrpSpPr>
-        <p:grpSpPr>
-          <a:xfrm>
-            <a:off x="-1185228" y="5795675"/>
-            <a:ext cx="2170673" cy="1376784"/>
-            <a:chOff x="6014721" y="2009063"/>
-            <a:chExt cx="2529840" cy="938883"/>
-          </a:xfrm>
-        </p:grpSpPr>
-        <p:sp>
-          <p:nvSpPr>
-            <p:cNvPr id="98" name="Rechteck 97">
-              <a:extLst>
-                <a:ext uri="{FF2B5EF4-FFF2-40B4-BE49-F238E27FC236}">
-                  <a16:creationId xmlns:a16="http://schemas.microsoft.com/office/drawing/2014/main" id="{4744A9D2-5289-4F44-9AF0-4063C9B72F3B}"/>
-                </a:ext>
-              </a:extLst>
-            </p:cNvPr>
-            <p:cNvSpPr/>
-            <p:nvPr/>
-          </p:nvSpPr>
-          <p:spPr>
-            <a:xfrm>
-              <a:off x="6014721" y="2009063"/>
-              <a:ext cx="2529840" cy="428786"/>
-            </a:xfrm>
-            <a:prstGeom prst="rect">
-              <a:avLst/>
-            </a:prstGeom>
-            <a:noFill/>
-            <a:ln w="9525" cap="flat" cmpd="sng" algn="ctr">
-              <a:solidFill>
-                <a:schemeClr val="dk1"/>
-              </a:solidFill>
-              <a:prstDash val="solid"/>
-              <a:round/>
-              <a:headEnd type="none" w="med" len="med"/>
-              <a:tailEnd type="arrow" w="med" len="med"/>
-            </a:ln>
-          </p:spPr>
-          <p:style>
-            <a:lnRef idx="0">
-              <a:scrgbClr r="0" g="0" b="0"/>
-            </a:lnRef>
-            <a:fillRef idx="0">
-              <a:scrgbClr r="0" g="0" b="0"/>
-            </a:fillRef>
-            <a:effectRef idx="0">
-              <a:scrgbClr r="0" g="0" b="0"/>
-            </a:effectRef>
-            <a:fontRef idx="minor">
-              <a:schemeClr val="dk1"/>
-            </a:fontRef>
-          </p:style>
-          <p:txBody>
-            <a:bodyPr rtlCol="0" anchor="ctr"/>
-            <a:lstStyle/>
-            <a:p>
-              <a:pPr algn="ctr"/>
-              <a:r>
-                <a:rPr lang="de-AT" sz="2000" b="1" dirty="0">
-                  <a:latin typeface="Arial" panose="020B0604020202020204" pitchFamily="34" charset="0"/>
-                  <a:cs typeface="Arial" panose="020B0604020202020204" pitchFamily="34" charset="0"/>
-                </a:rPr>
-                <a:t>Property</a:t>
-              </a:r>
-            </a:p>
-          </p:txBody>
-        </p:sp>
-        <p:sp>
-          <p:nvSpPr>
-            <p:cNvPr id="99" name="Rechteck 98">
-              <a:extLst>
-                <a:ext uri="{FF2B5EF4-FFF2-40B4-BE49-F238E27FC236}">
-                  <a16:creationId xmlns:a16="http://schemas.microsoft.com/office/drawing/2014/main" id="{32A1E36F-D1C8-4886-8B07-37BD8B4A9D72}"/>
-                </a:ext>
-              </a:extLst>
-            </p:cNvPr>
-            <p:cNvSpPr/>
-            <p:nvPr/>
-          </p:nvSpPr>
-          <p:spPr>
-            <a:xfrm>
-              <a:off x="6014721" y="2437947"/>
-              <a:ext cx="2529840" cy="509999"/>
-            </a:xfrm>
-            <a:prstGeom prst="rect">
-              <a:avLst/>
-            </a:prstGeom>
-            <a:noFill/>
-            <a:ln w="9525" cap="flat" cmpd="sng" algn="ctr">
-              <a:solidFill>
-                <a:schemeClr val="dk1"/>
-              </a:solidFill>
-              <a:prstDash val="solid"/>
-              <a:round/>
-              <a:headEnd type="none" w="med" len="med"/>
-              <a:tailEnd type="arrow" w="med" len="med"/>
-            </a:ln>
-          </p:spPr>
-          <p:style>
-            <a:lnRef idx="0">
-              <a:scrgbClr r="0" g="0" b="0"/>
-            </a:lnRef>
-            <a:fillRef idx="0">
-              <a:scrgbClr r="0" g="0" b="0"/>
-            </a:fillRef>
-            <a:effectRef idx="0">
-              <a:scrgbClr r="0" g="0" b="0"/>
-            </a:effectRef>
-            <a:fontRef idx="minor">
-              <a:schemeClr val="dk1"/>
-            </a:fontRef>
-          </p:style>
-          <p:txBody>
-            <a:bodyPr rtlCol="0" anchor="ctr"/>
-            <a:lstStyle/>
-            <a:p>
-              <a:endParaRPr lang="de-AT" dirty="0">
-                <a:latin typeface="Arial" panose="020B0604020202020204" pitchFamily="34" charset="0"/>
-                <a:cs typeface="Arial" panose="020B0604020202020204" pitchFamily="34" charset="0"/>
-              </a:endParaRPr>
-            </a:p>
-          </p:txBody>
-        </p:sp>
-      </p:grpSp>
-      <p:sp>
-        <p:nvSpPr>
-          <p:cNvPr id="100" name="Google Shape;528;g10f8d9d020d_0_26">
-            <a:extLst>
-              <a:ext uri="{FF2B5EF4-FFF2-40B4-BE49-F238E27FC236}">
-                <a16:creationId xmlns:a16="http://schemas.microsoft.com/office/drawing/2014/main" id="{BE5AA0FA-84AB-47E2-AFB8-FA7505EB7685}"/>
-              </a:ext>
-            </a:extLst>
-          </p:cNvPr>
-          <p:cNvSpPr/>
-          <p:nvPr/>
-        </p:nvSpPr>
-        <p:spPr>
-          <a:xfrm rot="5400000" flipH="1">
-            <a:off x="9476492" y="4394041"/>
-            <a:ext cx="200700" cy="177300"/>
-          </a:xfrm>
-          <a:prstGeom prst="triangle">
-            <a:avLst>
-              <a:gd name="adj" fmla="val 50000"/>
-            </a:avLst>
-          </a:prstGeom>
-          <a:solidFill>
-            <a:schemeClr val="lt1"/>
-          </a:solidFill>
-          <a:ln w="9525" cap="flat" cmpd="sng">
-            <a:solidFill>
-              <a:schemeClr val="dk1"/>
-            </a:solidFill>
-            <a:prstDash val="solid"/>
-            <a:miter lim="800000"/>
-            <a:headEnd type="none" w="sm" len="sm"/>
-            <a:tailEnd type="none" w="sm" len="sm"/>
-          </a:ln>
-        </p:spPr>
-        <p:txBody>
-          <a:bodyPr spcFirstLastPara="1" wrap="square" lIns="91425" tIns="45700" rIns="91425" bIns="45700" anchor="ctr" anchorCtr="0">
-            <a:noAutofit/>
-          </a:bodyPr>
-          <a:lstStyle/>
-          <a:p>
-            <a:pPr marL="0" marR="0" lvl="0" indent="0" algn="l" rtl="0">
-              <a:lnSpc>
-                <a:spcPct val="100000"/>
-              </a:lnSpc>
-              <a:spcBef>
-                <a:spcPts val="0"/>
-              </a:spcBef>
-              <a:spcAft>
-                <a:spcPts val="0"/>
-              </a:spcAft>
-              <a:buClr>
-                <a:srgbClr val="000000"/>
-              </a:buClr>
-              <a:buSzPts val="1404"/>
-              <a:buFont typeface="Arial"/>
-              <a:buNone/>
-            </a:pPr>
-            <a:endParaRPr sz="1404" b="0" i="0" u="none" strike="noStrike" cap="none">
-              <a:solidFill>
-                <a:schemeClr val="dk1"/>
-              </a:solidFill>
-              <a:latin typeface="Arial"/>
-              <a:ea typeface="Arial"/>
-              <a:cs typeface="Arial"/>
-              <a:sym typeface="Arial"/>
-            </a:endParaRPr>
-          </a:p>
-        </p:txBody>
-      </p:sp>
-      <p:cxnSp>
-        <p:nvCxnSpPr>
-          <p:cNvPr id="101" name="Google Shape;532;g10f8d9d020d_0_26">
-            <a:extLst>
-              <a:ext uri="{FF2B5EF4-FFF2-40B4-BE49-F238E27FC236}">
-                <a16:creationId xmlns:a16="http://schemas.microsoft.com/office/drawing/2014/main" id="{4FA9A3B0-CCE1-440F-8B3F-3BB22ACFCEF6}"/>
-              </a:ext>
-            </a:extLst>
-          </p:cNvPr>
-          <p:cNvCxnSpPr>
-            <a:cxnSpLocks/>
-            <a:stCxn id="100" idx="3"/>
-            <a:endCxn id="4" idx="3"/>
-          </p:cNvCxnSpPr>
-          <p:nvPr/>
-        </p:nvCxnSpPr>
-        <p:spPr>
-          <a:xfrm rot="10800000">
-            <a:off x="6978500" y="777527"/>
-            <a:ext cx="2509692" cy="3705164"/>
-          </a:xfrm>
-          <a:prstGeom prst="bentConnector3">
-            <a:avLst>
-              <a:gd name="adj1" fmla="val 50000"/>
-            </a:avLst>
-          </a:prstGeom>
-          <a:noFill/>
-          <a:ln w="12700" cap="flat" cmpd="sng">
-            <a:solidFill>
-              <a:schemeClr val="dk1"/>
-            </a:solidFill>
-            <a:prstDash val="solid"/>
-            <a:miter lim="800000"/>
-            <a:headEnd type="none" w="sm" len="sm"/>
-            <a:tailEnd type="none" w="sm" len="sm"/>
-          </a:ln>
-        </p:spPr>
-      </p:cxnSp>
-      <p:cxnSp>
-        <p:nvCxnSpPr>
-          <p:cNvPr id="104" name="Google Shape;532;g10f8d9d020d_0_26">
-            <a:extLst>
-              <a:ext uri="{FF2B5EF4-FFF2-40B4-BE49-F238E27FC236}">
-                <a16:creationId xmlns:a16="http://schemas.microsoft.com/office/drawing/2014/main" id="{E8C94357-7F30-4972-87A3-A7CADB290B8A}"/>
-              </a:ext>
-            </a:extLst>
-          </p:cNvPr>
-          <p:cNvCxnSpPr>
-            <a:cxnSpLocks/>
-            <a:stCxn id="100" idx="3"/>
-            <a:endCxn id="10" idx="3"/>
-          </p:cNvCxnSpPr>
-          <p:nvPr/>
-        </p:nvCxnSpPr>
-        <p:spPr>
-          <a:xfrm rot="10800000">
-            <a:off x="7091442" y="2378149"/>
-            <a:ext cx="2396750" cy="2104542"/>
-          </a:xfrm>
-          <a:prstGeom prst="bentConnector3">
-            <a:avLst>
-              <a:gd name="adj1" fmla="val 50000"/>
-            </a:avLst>
-          </a:prstGeom>
-          <a:noFill/>
-          <a:ln w="12700" cap="flat" cmpd="sng">
-            <a:solidFill>
-              <a:schemeClr val="dk1"/>
-            </a:solidFill>
-            <a:prstDash val="solid"/>
-            <a:miter lim="800000"/>
-            <a:headEnd type="none" w="sm" len="sm"/>
-            <a:tailEnd type="none" w="sm" len="sm"/>
-          </a:ln>
-        </p:spPr>
-      </p:cxnSp>
     </p:spTree>
     <p:extLst>
       <p:ext uri="{BB962C8B-B14F-4D97-AF65-F5344CB8AC3E}">
-        <p14:creationId xmlns:p14="http://schemas.microsoft.com/office/powerpoint/2010/main" val="1946689534"/>
+        <p14:creationId xmlns:p14="http://schemas.microsoft.com/office/powerpoint/2010/main" val="1923378978"/>
       </p:ext>
     </p:extLst>
   </p:cSld>
@@ -16345,9 +12522,9 @@
               <a:buNone/>
             </a:pPr>
             <a:r>
-              <a:rPr lang="en-US" sz="1100" b="0" i="0" u="none" strike="noStrike" cap="none">
+              <a:rPr lang="en-US" sz="1100" b="0" i="0" u="none" strike="noStrike" cap="none" dirty="0" err="1">
                 <a:solidFill>
-                  <a:schemeClr val="dk1"/>
+                  <a:srgbClr val="FF0000"/>
                 </a:solidFill>
                 <a:latin typeface="Arial"/>
                 <a:ea typeface="Arial"/>
@@ -16356,9 +12533,9 @@
               </a:rPr>
               <a:t>extendsFrom</a:t>
             </a:r>
-            <a:endParaRPr sz="1100" b="0" i="0" u="none" strike="noStrike" cap="none">
+            <a:endParaRPr sz="1100" b="0" i="0" u="none" strike="noStrike" cap="none" dirty="0">
               <a:solidFill>
-                <a:schemeClr val="dk1"/>
+                <a:srgbClr val="FF0000"/>
               </a:solidFill>
               <a:latin typeface="Arial"/>
               <a:ea typeface="Arial"/>
@@ -17613,6 +13790,3832 @@
     <p:extLst>
       <p:ext uri="{BB962C8B-B14F-4D97-AF65-F5344CB8AC3E}">
         <p14:creationId xmlns:p14="http://schemas.microsoft.com/office/powerpoint/2010/main" val="1755699020"/>
+      </p:ext>
+    </p:extLst>
+  </p:cSld>
+  <p:clrMapOvr>
+    <a:masterClrMapping/>
+  </p:clrMapOvr>
+</p:sld>
+</file>
+
+<file path=ppt/slides/slide5.xml><?xml version="1.0" encoding="utf-8"?>
+<p:sld xmlns:a="http://schemas.openxmlformats.org/drawingml/2006/main" xmlns:r="http://schemas.openxmlformats.org/officeDocument/2006/relationships" xmlns:p="http://schemas.openxmlformats.org/presentationml/2006/main">
+  <p:cSld>
+    <p:spTree>
+      <p:nvGrpSpPr>
+        <p:cNvPr id="1" name=""/>
+        <p:cNvGrpSpPr/>
+        <p:nvPr/>
+      </p:nvGrpSpPr>
+      <p:grpSpPr>
+        <a:xfrm>
+          <a:off x="0" y="0"/>
+          <a:ext cx="0" cy="0"/>
+          <a:chOff x="0" y="0"/>
+          <a:chExt cx="0" cy="0"/>
+        </a:xfrm>
+      </p:grpSpPr>
+      <p:grpSp>
+        <p:nvGrpSpPr>
+          <p:cNvPr id="2" name="Gruppieren 1">
+            <a:extLst>
+              <a:ext uri="{FF2B5EF4-FFF2-40B4-BE49-F238E27FC236}">
+                <a16:creationId xmlns:a16="http://schemas.microsoft.com/office/drawing/2014/main" id="{FEDF502F-0C4D-4425-83A6-F67C89004DBE}"/>
+              </a:ext>
+            </a:extLst>
+          </p:cNvPr>
+          <p:cNvGrpSpPr/>
+          <p:nvPr/>
+        </p:nvGrpSpPr>
+        <p:grpSpPr>
+          <a:xfrm>
+            <a:off x="4279375" y="134348"/>
+            <a:ext cx="2699125" cy="857572"/>
+            <a:chOff x="3484880" y="609600"/>
+            <a:chExt cx="2529840" cy="857572"/>
+          </a:xfrm>
+        </p:grpSpPr>
+        <p:sp>
+          <p:nvSpPr>
+            <p:cNvPr id="3" name="Rechteck 2">
+              <a:extLst>
+                <a:ext uri="{FF2B5EF4-FFF2-40B4-BE49-F238E27FC236}">
+                  <a16:creationId xmlns:a16="http://schemas.microsoft.com/office/drawing/2014/main" id="{B58B75DF-65AD-4B3C-B993-062D6F4F0380}"/>
+                </a:ext>
+              </a:extLst>
+            </p:cNvPr>
+            <p:cNvSpPr/>
+            <p:nvPr/>
+          </p:nvSpPr>
+          <p:spPr>
+            <a:xfrm>
+              <a:off x="3484880" y="609600"/>
+              <a:ext cx="2529840" cy="428786"/>
+            </a:xfrm>
+            <a:prstGeom prst="rect">
+              <a:avLst/>
+            </a:prstGeom>
+            <a:noFill/>
+            <a:ln w="9525" cap="flat" cmpd="sng" algn="ctr">
+              <a:solidFill>
+                <a:schemeClr val="dk1"/>
+              </a:solidFill>
+              <a:prstDash val="solid"/>
+              <a:round/>
+              <a:headEnd type="none" w="med" len="med"/>
+              <a:tailEnd type="arrow" w="med" len="med"/>
+            </a:ln>
+          </p:spPr>
+          <p:style>
+            <a:lnRef idx="0">
+              <a:scrgbClr r="0" g="0" b="0"/>
+            </a:lnRef>
+            <a:fillRef idx="0">
+              <a:scrgbClr r="0" g="0" b="0"/>
+            </a:fillRef>
+            <a:effectRef idx="0">
+              <a:scrgbClr r="0" g="0" b="0"/>
+            </a:effectRef>
+            <a:fontRef idx="minor">
+              <a:schemeClr val="dk1"/>
+            </a:fontRef>
+          </p:style>
+          <p:txBody>
+            <a:bodyPr rtlCol="0" anchor="ctr"/>
+            <a:lstStyle/>
+            <a:p>
+              <a:pPr algn="ctr"/>
+              <a:r>
+                <a:rPr lang="de-AT" sz="2000" b="1" dirty="0" err="1">
+                  <a:latin typeface="Arial" panose="020B0604020202020204" pitchFamily="34" charset="0"/>
+                  <a:cs typeface="Arial" panose="020B0604020202020204" pitchFamily="34" charset="0"/>
+                </a:rPr>
+                <a:t>InformationModel</a:t>
+              </a:r>
+              <a:endParaRPr lang="de-AT" sz="2000" b="1" dirty="0">
+                <a:latin typeface="Arial" panose="020B0604020202020204" pitchFamily="34" charset="0"/>
+                <a:cs typeface="Arial" panose="020B0604020202020204" pitchFamily="34" charset="0"/>
+              </a:endParaRPr>
+            </a:p>
+          </p:txBody>
+        </p:sp>
+        <p:sp>
+          <p:nvSpPr>
+            <p:cNvPr id="4" name="Rechteck 3">
+              <a:extLst>
+                <a:ext uri="{FF2B5EF4-FFF2-40B4-BE49-F238E27FC236}">
+                  <a16:creationId xmlns:a16="http://schemas.microsoft.com/office/drawing/2014/main" id="{7343B6AA-46F1-414D-A324-DB7B81A7228D}"/>
+                </a:ext>
+              </a:extLst>
+            </p:cNvPr>
+            <p:cNvSpPr/>
+            <p:nvPr/>
+          </p:nvSpPr>
+          <p:spPr>
+            <a:xfrm>
+              <a:off x="3484880" y="1038386"/>
+              <a:ext cx="2529840" cy="428786"/>
+            </a:xfrm>
+            <a:prstGeom prst="rect">
+              <a:avLst/>
+            </a:prstGeom>
+            <a:noFill/>
+            <a:ln w="9525" cap="flat" cmpd="sng" algn="ctr">
+              <a:solidFill>
+                <a:schemeClr val="dk1"/>
+              </a:solidFill>
+              <a:prstDash val="solid"/>
+              <a:round/>
+              <a:headEnd type="none" w="med" len="med"/>
+              <a:tailEnd type="arrow" w="med" len="med"/>
+            </a:ln>
+          </p:spPr>
+          <p:style>
+            <a:lnRef idx="0">
+              <a:scrgbClr r="0" g="0" b="0"/>
+            </a:lnRef>
+            <a:fillRef idx="0">
+              <a:scrgbClr r="0" g="0" b="0"/>
+            </a:fillRef>
+            <a:effectRef idx="0">
+              <a:scrgbClr r="0" g="0" b="0"/>
+            </a:effectRef>
+            <a:fontRef idx="minor">
+              <a:schemeClr val="dk1"/>
+            </a:fontRef>
+          </p:style>
+          <p:txBody>
+            <a:bodyPr rtlCol="0" anchor="ctr"/>
+            <a:lstStyle/>
+            <a:p>
+              <a:pPr algn="ctr"/>
+              <a:endParaRPr lang="de-AT" dirty="0">
+                <a:latin typeface="Arial" panose="020B0604020202020204" pitchFamily="34" charset="0"/>
+                <a:cs typeface="Arial" panose="020B0604020202020204" pitchFamily="34" charset="0"/>
+              </a:endParaRPr>
+            </a:p>
+          </p:txBody>
+        </p:sp>
+      </p:grpSp>
+      <p:grpSp>
+        <p:nvGrpSpPr>
+          <p:cNvPr id="8" name="Gruppieren 7">
+            <a:extLst>
+              <a:ext uri="{FF2B5EF4-FFF2-40B4-BE49-F238E27FC236}">
+                <a16:creationId xmlns:a16="http://schemas.microsoft.com/office/drawing/2014/main" id="{F7F731B2-C32E-4C89-9385-5098068227C6}"/>
+              </a:ext>
+            </a:extLst>
+          </p:cNvPr>
+          <p:cNvGrpSpPr/>
+          <p:nvPr/>
+        </p:nvGrpSpPr>
+        <p:grpSpPr>
+          <a:xfrm>
+            <a:off x="4294900" y="1762831"/>
+            <a:ext cx="2796542" cy="820424"/>
+            <a:chOff x="3484880" y="609600"/>
+            <a:chExt cx="2529840" cy="857572"/>
+          </a:xfrm>
+        </p:grpSpPr>
+        <p:sp>
+          <p:nvSpPr>
+            <p:cNvPr id="9" name="Rechteck 8">
+              <a:extLst>
+                <a:ext uri="{FF2B5EF4-FFF2-40B4-BE49-F238E27FC236}">
+                  <a16:creationId xmlns:a16="http://schemas.microsoft.com/office/drawing/2014/main" id="{E3051664-F034-4C0E-8A7D-910BF8D8C10D}"/>
+                </a:ext>
+              </a:extLst>
+            </p:cNvPr>
+            <p:cNvSpPr/>
+            <p:nvPr/>
+          </p:nvSpPr>
+          <p:spPr>
+            <a:xfrm>
+              <a:off x="3484880" y="609600"/>
+              <a:ext cx="2529840" cy="428786"/>
+            </a:xfrm>
+            <a:prstGeom prst="rect">
+              <a:avLst/>
+            </a:prstGeom>
+            <a:noFill/>
+            <a:ln w="9525" cap="flat" cmpd="sng" algn="ctr">
+              <a:solidFill>
+                <a:schemeClr val="dk1"/>
+              </a:solidFill>
+              <a:prstDash val="solid"/>
+              <a:round/>
+              <a:headEnd type="none" w="med" len="med"/>
+              <a:tailEnd type="arrow" w="med" len="med"/>
+            </a:ln>
+          </p:spPr>
+          <p:style>
+            <a:lnRef idx="0">
+              <a:scrgbClr r="0" g="0" b="0"/>
+            </a:lnRef>
+            <a:fillRef idx="0">
+              <a:scrgbClr r="0" g="0" b="0"/>
+            </a:fillRef>
+            <a:effectRef idx="0">
+              <a:scrgbClr r="0" g="0" b="0"/>
+            </a:effectRef>
+            <a:fontRef idx="minor">
+              <a:schemeClr val="dk1"/>
+            </a:fontRef>
+          </p:style>
+          <p:txBody>
+            <a:bodyPr rtlCol="0" anchor="ctr"/>
+            <a:lstStyle/>
+            <a:p>
+              <a:pPr algn="ctr"/>
+              <a:r>
+                <a:rPr lang="de-AT" b="1" dirty="0" err="1">
+                  <a:latin typeface="Arial" panose="020B0604020202020204" pitchFamily="34" charset="0"/>
+                  <a:cs typeface="Arial" panose="020B0604020202020204" pitchFamily="34" charset="0"/>
+                </a:rPr>
+                <a:t>FunctionBlock</a:t>
+              </a:r>
+              <a:r>
+                <a:rPr lang="de-AT" b="1" dirty="0">
+                  <a:latin typeface="Arial" panose="020B0604020202020204" pitchFamily="34" charset="0"/>
+                  <a:cs typeface="Arial" panose="020B0604020202020204" pitchFamily="34" charset="0"/>
+                </a:rPr>
+                <a:t> Model</a:t>
+              </a:r>
+            </a:p>
+          </p:txBody>
+        </p:sp>
+        <p:sp>
+          <p:nvSpPr>
+            <p:cNvPr id="10" name="Rechteck 9">
+              <a:extLst>
+                <a:ext uri="{FF2B5EF4-FFF2-40B4-BE49-F238E27FC236}">
+                  <a16:creationId xmlns:a16="http://schemas.microsoft.com/office/drawing/2014/main" id="{82B7E356-DF17-4979-A139-02CD4F78022B}"/>
+                </a:ext>
+              </a:extLst>
+            </p:cNvPr>
+            <p:cNvSpPr/>
+            <p:nvPr/>
+          </p:nvSpPr>
+          <p:spPr>
+            <a:xfrm>
+              <a:off x="3484880" y="1038386"/>
+              <a:ext cx="2529840" cy="428786"/>
+            </a:xfrm>
+            <a:prstGeom prst="rect">
+              <a:avLst/>
+            </a:prstGeom>
+            <a:noFill/>
+            <a:ln w="9525" cap="flat" cmpd="sng" algn="ctr">
+              <a:solidFill>
+                <a:schemeClr val="dk1"/>
+              </a:solidFill>
+              <a:prstDash val="solid"/>
+              <a:round/>
+              <a:headEnd type="none" w="med" len="med"/>
+              <a:tailEnd type="arrow" w="med" len="med"/>
+            </a:ln>
+          </p:spPr>
+          <p:style>
+            <a:lnRef idx="0">
+              <a:scrgbClr r="0" g="0" b="0"/>
+            </a:lnRef>
+            <a:fillRef idx="0">
+              <a:scrgbClr r="0" g="0" b="0"/>
+            </a:fillRef>
+            <a:effectRef idx="0">
+              <a:scrgbClr r="0" g="0" b="0"/>
+            </a:effectRef>
+            <a:fontRef idx="minor">
+              <a:schemeClr val="dk1"/>
+            </a:fontRef>
+          </p:style>
+          <p:txBody>
+            <a:bodyPr rtlCol="0" anchor="ctr"/>
+            <a:lstStyle/>
+            <a:p>
+              <a:pPr algn="ctr"/>
+              <a:r>
+                <a:rPr lang="de-AT" dirty="0" err="1">
+                  <a:latin typeface="Arial" panose="020B0604020202020204" pitchFamily="34" charset="0"/>
+                  <a:cs typeface="Arial" panose="020B0604020202020204" pitchFamily="34" charset="0"/>
+                </a:rPr>
+                <a:t>Entities</a:t>
+              </a:r>
+              <a:r>
+                <a:rPr lang="de-AT" dirty="0">
+                  <a:latin typeface="Arial" panose="020B0604020202020204" pitchFamily="34" charset="0"/>
+                  <a:cs typeface="Arial" panose="020B0604020202020204" pitchFamily="34" charset="0"/>
+                </a:rPr>
+                <a:t>: Entity</a:t>
+              </a:r>
+            </a:p>
+            <a:p>
+              <a:pPr algn="ctr"/>
+              <a:r>
+                <a:rPr lang="de-AT" dirty="0" err="1">
+                  <a:latin typeface="Arial" panose="020B0604020202020204" pitchFamily="34" charset="0"/>
+                  <a:cs typeface="Arial" panose="020B0604020202020204" pitchFamily="34" charset="0"/>
+                </a:rPr>
+                <a:t>Enums</a:t>
+              </a:r>
+              <a:r>
+                <a:rPr lang="de-AT" dirty="0">
+                  <a:latin typeface="Arial" panose="020B0604020202020204" pitchFamily="34" charset="0"/>
+                  <a:cs typeface="Arial" panose="020B0604020202020204" pitchFamily="34" charset="0"/>
+                </a:rPr>
+                <a:t>: </a:t>
+              </a:r>
+              <a:r>
+                <a:rPr lang="de-AT" dirty="0" err="1">
+                  <a:latin typeface="Arial" panose="020B0604020202020204" pitchFamily="34" charset="0"/>
+                  <a:cs typeface="Arial" panose="020B0604020202020204" pitchFamily="34" charset="0"/>
+                </a:rPr>
+                <a:t>Enum</a:t>
+              </a:r>
+              <a:endParaRPr lang="de-AT" dirty="0">
+                <a:latin typeface="Arial" panose="020B0604020202020204" pitchFamily="34" charset="0"/>
+                <a:cs typeface="Arial" panose="020B0604020202020204" pitchFamily="34" charset="0"/>
+              </a:endParaRPr>
+            </a:p>
+          </p:txBody>
+        </p:sp>
+      </p:grpSp>
+      <p:grpSp>
+        <p:nvGrpSpPr>
+          <p:cNvPr id="20" name="Gruppieren 19">
+            <a:extLst>
+              <a:ext uri="{FF2B5EF4-FFF2-40B4-BE49-F238E27FC236}">
+                <a16:creationId xmlns:a16="http://schemas.microsoft.com/office/drawing/2014/main" id="{4732ADCF-9AA9-484B-B9E7-A8E36E6DEAF1}"/>
+              </a:ext>
+            </a:extLst>
+          </p:cNvPr>
+          <p:cNvGrpSpPr/>
+          <p:nvPr/>
+        </p:nvGrpSpPr>
+        <p:grpSpPr>
+          <a:xfrm>
+            <a:off x="4601484" y="3476688"/>
+            <a:ext cx="2170673" cy="1376784"/>
+            <a:chOff x="6014721" y="2009063"/>
+            <a:chExt cx="2529840" cy="938883"/>
+          </a:xfrm>
+        </p:grpSpPr>
+        <p:sp>
+          <p:nvSpPr>
+            <p:cNvPr id="21" name="Rechteck 20">
+              <a:extLst>
+                <a:ext uri="{FF2B5EF4-FFF2-40B4-BE49-F238E27FC236}">
+                  <a16:creationId xmlns:a16="http://schemas.microsoft.com/office/drawing/2014/main" id="{A8848B5A-1935-47BD-91D2-EAC86A71DC45}"/>
+                </a:ext>
+              </a:extLst>
+            </p:cNvPr>
+            <p:cNvSpPr/>
+            <p:nvPr/>
+          </p:nvSpPr>
+          <p:spPr>
+            <a:xfrm>
+              <a:off x="6014721" y="2009063"/>
+              <a:ext cx="2529840" cy="428786"/>
+            </a:xfrm>
+            <a:prstGeom prst="rect">
+              <a:avLst/>
+            </a:prstGeom>
+            <a:noFill/>
+            <a:ln w="9525" cap="flat" cmpd="sng" algn="ctr">
+              <a:solidFill>
+                <a:schemeClr val="dk1"/>
+              </a:solidFill>
+              <a:prstDash val="solid"/>
+              <a:round/>
+              <a:headEnd type="none" w="med" len="med"/>
+              <a:tailEnd type="arrow" w="med" len="med"/>
+            </a:ln>
+          </p:spPr>
+          <p:style>
+            <a:lnRef idx="0">
+              <a:scrgbClr r="0" g="0" b="0"/>
+            </a:lnRef>
+            <a:fillRef idx="0">
+              <a:scrgbClr r="0" g="0" b="0"/>
+            </a:fillRef>
+            <a:effectRef idx="0">
+              <a:scrgbClr r="0" g="0" b="0"/>
+            </a:effectRef>
+            <a:fontRef idx="minor">
+              <a:schemeClr val="dk1"/>
+            </a:fontRef>
+          </p:style>
+          <p:txBody>
+            <a:bodyPr rtlCol="0" anchor="ctr"/>
+            <a:lstStyle/>
+            <a:p>
+              <a:pPr algn="ctr"/>
+              <a:r>
+                <a:rPr lang="de-AT" sz="2000" b="1" dirty="0" err="1">
+                  <a:latin typeface="Arial" panose="020B0604020202020204" pitchFamily="34" charset="0"/>
+                  <a:cs typeface="Arial" panose="020B0604020202020204" pitchFamily="34" charset="0"/>
+                </a:rPr>
+                <a:t>FunctionBlock</a:t>
+              </a:r>
+              <a:endParaRPr lang="de-AT" sz="2000" b="1" dirty="0">
+                <a:latin typeface="Arial" panose="020B0604020202020204" pitchFamily="34" charset="0"/>
+                <a:cs typeface="Arial" panose="020B0604020202020204" pitchFamily="34" charset="0"/>
+              </a:endParaRPr>
+            </a:p>
+          </p:txBody>
+        </p:sp>
+        <p:sp>
+          <p:nvSpPr>
+            <p:cNvPr id="22" name="Rechteck 21">
+              <a:extLst>
+                <a:ext uri="{FF2B5EF4-FFF2-40B4-BE49-F238E27FC236}">
+                  <a16:creationId xmlns:a16="http://schemas.microsoft.com/office/drawing/2014/main" id="{C4A41EE4-82EF-470D-9185-4DE7A4664D1F}"/>
+                </a:ext>
+              </a:extLst>
+            </p:cNvPr>
+            <p:cNvSpPr/>
+            <p:nvPr/>
+          </p:nvSpPr>
+          <p:spPr>
+            <a:xfrm>
+              <a:off x="6014721" y="2437947"/>
+              <a:ext cx="2529840" cy="509999"/>
+            </a:xfrm>
+            <a:prstGeom prst="rect">
+              <a:avLst/>
+            </a:prstGeom>
+            <a:noFill/>
+            <a:ln w="9525" cap="flat" cmpd="sng" algn="ctr">
+              <a:solidFill>
+                <a:schemeClr val="dk1"/>
+              </a:solidFill>
+              <a:prstDash val="solid"/>
+              <a:round/>
+              <a:headEnd type="none" w="med" len="med"/>
+              <a:tailEnd type="arrow" w="med" len="med"/>
+            </a:ln>
+          </p:spPr>
+          <p:style>
+            <a:lnRef idx="0">
+              <a:scrgbClr r="0" g="0" b="0"/>
+            </a:lnRef>
+            <a:fillRef idx="0">
+              <a:scrgbClr r="0" g="0" b="0"/>
+            </a:fillRef>
+            <a:effectRef idx="0">
+              <a:scrgbClr r="0" g="0" b="0"/>
+            </a:effectRef>
+            <a:fontRef idx="minor">
+              <a:schemeClr val="dk1"/>
+            </a:fontRef>
+          </p:style>
+          <p:txBody>
+            <a:bodyPr rtlCol="0" anchor="ctr"/>
+            <a:lstStyle/>
+            <a:p>
+              <a:endParaRPr lang="de-AT" dirty="0">
+                <a:latin typeface="Arial" panose="020B0604020202020204" pitchFamily="34" charset="0"/>
+                <a:cs typeface="Arial" panose="020B0604020202020204" pitchFamily="34" charset="0"/>
+              </a:endParaRPr>
+            </a:p>
+          </p:txBody>
+        </p:sp>
+      </p:grpSp>
+      <p:grpSp>
+        <p:nvGrpSpPr>
+          <p:cNvPr id="17" name="Gruppieren 16">
+            <a:extLst>
+              <a:ext uri="{FF2B5EF4-FFF2-40B4-BE49-F238E27FC236}">
+                <a16:creationId xmlns:a16="http://schemas.microsoft.com/office/drawing/2014/main" id="{85923A88-986C-4E1F-9D2B-CDD5D210E7EC}"/>
+              </a:ext>
+            </a:extLst>
+          </p:cNvPr>
+          <p:cNvGrpSpPr/>
+          <p:nvPr/>
+        </p:nvGrpSpPr>
+        <p:grpSpPr>
+          <a:xfrm>
+            <a:off x="1510621" y="5290212"/>
+            <a:ext cx="2170673" cy="1038987"/>
+            <a:chOff x="6014721" y="2009063"/>
+            <a:chExt cx="2529840" cy="708526"/>
+          </a:xfrm>
+        </p:grpSpPr>
+        <p:sp>
+          <p:nvSpPr>
+            <p:cNvPr id="18" name="Rechteck 17">
+              <a:extLst>
+                <a:ext uri="{FF2B5EF4-FFF2-40B4-BE49-F238E27FC236}">
+                  <a16:creationId xmlns:a16="http://schemas.microsoft.com/office/drawing/2014/main" id="{441E2392-88E7-428F-8854-D830842F5A7F}"/>
+                </a:ext>
+              </a:extLst>
+            </p:cNvPr>
+            <p:cNvSpPr/>
+            <p:nvPr/>
+          </p:nvSpPr>
+          <p:spPr>
+            <a:xfrm>
+              <a:off x="6014721" y="2009063"/>
+              <a:ext cx="2529840" cy="428786"/>
+            </a:xfrm>
+            <a:prstGeom prst="rect">
+              <a:avLst/>
+            </a:prstGeom>
+            <a:noFill/>
+            <a:ln w="9525" cap="flat" cmpd="sng" algn="ctr">
+              <a:solidFill>
+                <a:schemeClr val="dk1"/>
+              </a:solidFill>
+              <a:prstDash val="solid"/>
+              <a:round/>
+              <a:headEnd type="none" w="med" len="med"/>
+              <a:tailEnd type="arrow" w="med" len="med"/>
+            </a:ln>
+          </p:spPr>
+          <p:style>
+            <a:lnRef idx="0">
+              <a:scrgbClr r="0" g="0" b="0"/>
+            </a:lnRef>
+            <a:fillRef idx="0">
+              <a:scrgbClr r="0" g="0" b="0"/>
+            </a:fillRef>
+            <a:effectRef idx="0">
+              <a:scrgbClr r="0" g="0" b="0"/>
+            </a:effectRef>
+            <a:fontRef idx="minor">
+              <a:schemeClr val="dk1"/>
+            </a:fontRef>
+          </p:style>
+          <p:txBody>
+            <a:bodyPr rtlCol="0" anchor="ctr"/>
+            <a:lstStyle/>
+            <a:p>
+              <a:pPr algn="ctr"/>
+              <a:r>
+                <a:rPr lang="de-AT" sz="2000" b="1" dirty="0">
+                  <a:latin typeface="Arial" panose="020B0604020202020204" pitchFamily="34" charset="0"/>
+                  <a:cs typeface="Arial" panose="020B0604020202020204" pitchFamily="34" charset="0"/>
+                </a:rPr>
+                <a:t>Event</a:t>
+              </a:r>
+            </a:p>
+          </p:txBody>
+        </p:sp>
+        <p:sp>
+          <p:nvSpPr>
+            <p:cNvPr id="19" name="Rechteck 18">
+              <a:extLst>
+                <a:ext uri="{FF2B5EF4-FFF2-40B4-BE49-F238E27FC236}">
+                  <a16:creationId xmlns:a16="http://schemas.microsoft.com/office/drawing/2014/main" id="{03412AB4-8BC8-4BB7-96DD-2FDF03416FDE}"/>
+                </a:ext>
+              </a:extLst>
+            </p:cNvPr>
+            <p:cNvSpPr/>
+            <p:nvPr/>
+          </p:nvSpPr>
+          <p:spPr>
+            <a:xfrm>
+              <a:off x="6014721" y="2437947"/>
+              <a:ext cx="2529840" cy="279642"/>
+            </a:xfrm>
+            <a:prstGeom prst="rect">
+              <a:avLst/>
+            </a:prstGeom>
+            <a:noFill/>
+            <a:ln w="9525" cap="flat" cmpd="sng" algn="ctr">
+              <a:solidFill>
+                <a:schemeClr val="dk1"/>
+              </a:solidFill>
+              <a:prstDash val="solid"/>
+              <a:round/>
+              <a:headEnd type="none" w="med" len="med"/>
+              <a:tailEnd type="arrow" w="med" len="med"/>
+            </a:ln>
+          </p:spPr>
+          <p:style>
+            <a:lnRef idx="0">
+              <a:scrgbClr r="0" g="0" b="0"/>
+            </a:lnRef>
+            <a:fillRef idx="0">
+              <a:scrgbClr r="0" g="0" b="0"/>
+            </a:fillRef>
+            <a:effectRef idx="0">
+              <a:scrgbClr r="0" g="0" b="0"/>
+            </a:effectRef>
+            <a:fontRef idx="minor">
+              <a:schemeClr val="dk1"/>
+            </a:fontRef>
+          </p:style>
+          <p:txBody>
+            <a:bodyPr rtlCol="0" anchor="ctr"/>
+            <a:lstStyle/>
+            <a:p>
+              <a:r>
+                <a:rPr lang="de-AT" dirty="0">
+                  <a:latin typeface="Arial" panose="020B0604020202020204" pitchFamily="34" charset="0"/>
+                  <a:cs typeface="Arial" panose="020B0604020202020204" pitchFamily="34" charset="0"/>
+                </a:rPr>
+                <a:t>Name: String</a:t>
+              </a:r>
+            </a:p>
+          </p:txBody>
+        </p:sp>
+      </p:grpSp>
+      <p:grpSp>
+        <p:nvGrpSpPr>
+          <p:cNvPr id="23" name="Gruppieren 22">
+            <a:extLst>
+              <a:ext uri="{FF2B5EF4-FFF2-40B4-BE49-F238E27FC236}">
+                <a16:creationId xmlns:a16="http://schemas.microsoft.com/office/drawing/2014/main" id="{D50A4CED-CC3E-4343-8B62-8A72AFEFD78F}"/>
+              </a:ext>
+            </a:extLst>
+          </p:cNvPr>
+          <p:cNvGrpSpPr/>
+          <p:nvPr/>
+        </p:nvGrpSpPr>
+        <p:grpSpPr>
+          <a:xfrm>
+            <a:off x="4647533" y="5481216"/>
+            <a:ext cx="2170673" cy="2662660"/>
+            <a:chOff x="6014721" y="2009063"/>
+            <a:chExt cx="2529840" cy="1815772"/>
+          </a:xfrm>
+        </p:grpSpPr>
+        <p:sp>
+          <p:nvSpPr>
+            <p:cNvPr id="24" name="Rechteck 23">
+              <a:extLst>
+                <a:ext uri="{FF2B5EF4-FFF2-40B4-BE49-F238E27FC236}">
+                  <a16:creationId xmlns:a16="http://schemas.microsoft.com/office/drawing/2014/main" id="{28BE9E88-DB8C-4476-B1FC-CE11D0D4AE22}"/>
+                </a:ext>
+              </a:extLst>
+            </p:cNvPr>
+            <p:cNvSpPr/>
+            <p:nvPr/>
+          </p:nvSpPr>
+          <p:spPr>
+            <a:xfrm>
+              <a:off x="6014721" y="2009063"/>
+              <a:ext cx="2529840" cy="428786"/>
+            </a:xfrm>
+            <a:prstGeom prst="rect">
+              <a:avLst/>
+            </a:prstGeom>
+            <a:noFill/>
+            <a:ln w="9525" cap="flat" cmpd="sng" algn="ctr">
+              <a:solidFill>
+                <a:schemeClr val="dk1"/>
+              </a:solidFill>
+              <a:prstDash val="solid"/>
+              <a:round/>
+              <a:headEnd type="none" w="med" len="med"/>
+              <a:tailEnd type="arrow" w="med" len="med"/>
+            </a:ln>
+          </p:spPr>
+          <p:style>
+            <a:lnRef idx="0">
+              <a:scrgbClr r="0" g="0" b="0"/>
+            </a:lnRef>
+            <a:fillRef idx="0">
+              <a:scrgbClr r="0" g="0" b="0"/>
+            </a:fillRef>
+            <a:effectRef idx="0">
+              <a:scrgbClr r="0" g="0" b="0"/>
+            </a:effectRef>
+            <a:fontRef idx="minor">
+              <a:schemeClr val="dk1"/>
+            </a:fontRef>
+          </p:style>
+          <p:txBody>
+            <a:bodyPr rtlCol="0" anchor="ctr"/>
+            <a:lstStyle/>
+            <a:p>
+              <a:pPr algn="ctr"/>
+              <a:r>
+                <a:rPr lang="de-AT" sz="2000" b="1" dirty="0">
+                  <a:latin typeface="Arial" panose="020B0604020202020204" pitchFamily="34" charset="0"/>
+                  <a:cs typeface="Arial" panose="020B0604020202020204" pitchFamily="34" charset="0"/>
+                </a:rPr>
+                <a:t>Operation</a:t>
+              </a:r>
+            </a:p>
+          </p:txBody>
+        </p:sp>
+        <p:sp>
+          <p:nvSpPr>
+            <p:cNvPr id="25" name="Rechteck 24">
+              <a:extLst>
+                <a:ext uri="{FF2B5EF4-FFF2-40B4-BE49-F238E27FC236}">
+                  <a16:creationId xmlns:a16="http://schemas.microsoft.com/office/drawing/2014/main" id="{7BF315DA-22DC-457E-BD3E-374B19AE572E}"/>
+                </a:ext>
+              </a:extLst>
+            </p:cNvPr>
+            <p:cNvSpPr/>
+            <p:nvPr/>
+          </p:nvSpPr>
+          <p:spPr>
+            <a:xfrm>
+              <a:off x="6014721" y="2437947"/>
+              <a:ext cx="2529840" cy="1386888"/>
+            </a:xfrm>
+            <a:prstGeom prst="rect">
+              <a:avLst/>
+            </a:prstGeom>
+            <a:noFill/>
+            <a:ln w="9525" cap="flat" cmpd="sng" algn="ctr">
+              <a:solidFill>
+                <a:schemeClr val="dk1"/>
+              </a:solidFill>
+              <a:prstDash val="solid"/>
+              <a:round/>
+              <a:headEnd type="none" w="med" len="med"/>
+              <a:tailEnd type="arrow" w="med" len="med"/>
+            </a:ln>
+          </p:spPr>
+          <p:style>
+            <a:lnRef idx="0">
+              <a:scrgbClr r="0" g="0" b="0"/>
+            </a:lnRef>
+            <a:fillRef idx="0">
+              <a:scrgbClr r="0" g="0" b="0"/>
+            </a:fillRef>
+            <a:effectRef idx="0">
+              <a:scrgbClr r="0" g="0" b="0"/>
+            </a:effectRef>
+            <a:fontRef idx="minor">
+              <a:schemeClr val="dk1"/>
+            </a:fontRef>
+          </p:style>
+          <p:txBody>
+            <a:bodyPr rtlCol="0" anchor="ctr"/>
+            <a:lstStyle/>
+            <a:p>
+              <a:r>
+                <a:rPr lang="de-AT" sz="1600" dirty="0">
+                  <a:latin typeface="Arial" panose="020B0604020202020204" pitchFamily="34" charset="0"/>
+                  <a:cs typeface="Arial" panose="020B0604020202020204" pitchFamily="34" charset="0"/>
+                </a:rPr>
+                <a:t>Name: String</a:t>
+              </a:r>
+            </a:p>
+            <a:p>
+              <a:r>
+                <a:rPr lang="de-AT" sz="1600" dirty="0">
+                  <a:latin typeface="Arial" panose="020B0604020202020204" pitchFamily="34" charset="0"/>
+                  <a:cs typeface="Arial" panose="020B0604020202020204" pitchFamily="34" charset="0"/>
+                </a:rPr>
+                <a:t>Description: String</a:t>
+              </a:r>
+            </a:p>
+            <a:p>
+              <a:r>
+                <a:rPr lang="de-AT" sz="1600" dirty="0" err="1">
+                  <a:latin typeface="Arial" panose="020B0604020202020204" pitchFamily="34" charset="0"/>
+                  <a:cs typeface="Arial" panose="020B0604020202020204" pitchFamily="34" charset="0"/>
+                </a:rPr>
+                <a:t>Breakable</a:t>
+              </a:r>
+              <a:r>
+                <a:rPr lang="de-AT" sz="1600" dirty="0">
+                  <a:latin typeface="Arial" panose="020B0604020202020204" pitchFamily="34" charset="0"/>
+                  <a:cs typeface="Arial" panose="020B0604020202020204" pitchFamily="34" charset="0"/>
+                </a:rPr>
+                <a:t>: </a:t>
+              </a:r>
+              <a:r>
+                <a:rPr lang="de-AT" sz="1600" dirty="0" err="1">
+                  <a:latin typeface="Arial" panose="020B0604020202020204" pitchFamily="34" charset="0"/>
+                  <a:cs typeface="Arial" panose="020B0604020202020204" pitchFamily="34" charset="0"/>
+                </a:rPr>
+                <a:t>bool</a:t>
+              </a:r>
+              <a:endParaRPr lang="de-AT" sz="1600" dirty="0">
+                <a:latin typeface="Arial" panose="020B0604020202020204" pitchFamily="34" charset="0"/>
+                <a:cs typeface="Arial" panose="020B0604020202020204" pitchFamily="34" charset="0"/>
+              </a:endParaRPr>
+            </a:p>
+            <a:p>
+              <a:r>
+                <a:rPr lang="de-AT" sz="1600" dirty="0">
+                  <a:latin typeface="Arial" panose="020B0604020202020204" pitchFamily="34" charset="0"/>
+                  <a:cs typeface="Arial" panose="020B0604020202020204" pitchFamily="34" charset="0"/>
+                </a:rPr>
+                <a:t>Extension: </a:t>
+              </a:r>
+              <a:r>
+                <a:rPr lang="de-AT" sz="1600" dirty="0" err="1">
+                  <a:latin typeface="Arial" panose="020B0604020202020204" pitchFamily="34" charset="0"/>
+                  <a:cs typeface="Arial" panose="020B0604020202020204" pitchFamily="34" charset="0"/>
+                </a:rPr>
+                <a:t>bool</a:t>
+              </a:r>
+              <a:endParaRPr lang="de-AT" sz="1600" dirty="0">
+                <a:latin typeface="Arial" panose="020B0604020202020204" pitchFamily="34" charset="0"/>
+                <a:cs typeface="Arial" panose="020B0604020202020204" pitchFamily="34" charset="0"/>
+              </a:endParaRPr>
+            </a:p>
+            <a:p>
+              <a:r>
+                <a:rPr lang="de-AT" sz="1600" dirty="0">
+                  <a:latin typeface="Arial" panose="020B0604020202020204" pitchFamily="34" charset="0"/>
+                  <a:cs typeface="Arial" panose="020B0604020202020204" pitchFamily="34" charset="0"/>
+                </a:rPr>
+                <a:t>Presence: Presence</a:t>
+              </a:r>
+            </a:p>
+            <a:p>
+              <a:r>
+                <a:rPr lang="de-AT" sz="1600" dirty="0">
+                  <a:latin typeface="Arial" panose="020B0604020202020204" pitchFamily="34" charset="0"/>
+                  <a:cs typeface="Arial" panose="020B0604020202020204" pitchFamily="34" charset="0"/>
+                </a:rPr>
+                <a:t>[0..1] </a:t>
+              </a:r>
+              <a:r>
+                <a:rPr lang="de-AT" sz="1600" dirty="0" err="1">
+                  <a:latin typeface="Arial" panose="020B0604020202020204" pitchFamily="34" charset="0"/>
+                  <a:cs typeface="Arial" panose="020B0604020202020204" pitchFamily="34" charset="0"/>
+                </a:rPr>
+                <a:t>returnType</a:t>
+              </a:r>
+              <a:r>
+                <a:rPr lang="de-AT" sz="1600" dirty="0">
+                  <a:latin typeface="Arial" panose="020B0604020202020204" pitchFamily="34" charset="0"/>
+                  <a:cs typeface="Arial" panose="020B0604020202020204" pitchFamily="34" charset="0"/>
+                </a:rPr>
+                <a:t>: </a:t>
+              </a:r>
+              <a:r>
+                <a:rPr lang="de-AT" sz="1600" dirty="0" err="1">
+                  <a:latin typeface="Arial" panose="020B0604020202020204" pitchFamily="34" charset="0"/>
+                  <a:cs typeface="Arial" panose="020B0604020202020204" pitchFamily="34" charset="0"/>
+                </a:rPr>
+                <a:t>ReturnType</a:t>
+              </a:r>
+              <a:endParaRPr lang="de-AT" sz="1600" dirty="0">
+                <a:latin typeface="Arial" panose="020B0604020202020204" pitchFamily="34" charset="0"/>
+                <a:cs typeface="Arial" panose="020B0604020202020204" pitchFamily="34" charset="0"/>
+              </a:endParaRPr>
+            </a:p>
+            <a:p>
+              <a:r>
+                <a:rPr lang="de-AT" sz="1600" dirty="0">
+                  <a:latin typeface="Arial" panose="020B0604020202020204" pitchFamily="34" charset="0"/>
+                  <a:cs typeface="Arial" panose="020B0604020202020204" pitchFamily="34" charset="0"/>
+                </a:rPr>
+                <a:t>[0..*]</a:t>
+              </a:r>
+              <a:r>
+                <a:rPr lang="de-AT" sz="1600" dirty="0" err="1">
+                  <a:latin typeface="Arial" panose="020B0604020202020204" pitchFamily="34" charset="0"/>
+                  <a:cs typeface="Arial" panose="020B0604020202020204" pitchFamily="34" charset="0"/>
+                </a:rPr>
+                <a:t>Params</a:t>
+              </a:r>
+              <a:r>
+                <a:rPr lang="de-AT" sz="1600" dirty="0">
+                  <a:latin typeface="Arial" panose="020B0604020202020204" pitchFamily="34" charset="0"/>
+                  <a:cs typeface="Arial" panose="020B0604020202020204" pitchFamily="34" charset="0"/>
+                </a:rPr>
+                <a:t>: Param</a:t>
+              </a:r>
+            </a:p>
+          </p:txBody>
+        </p:sp>
+      </p:grpSp>
+      <p:grpSp>
+        <p:nvGrpSpPr>
+          <p:cNvPr id="26" name="Gruppieren 25">
+            <a:extLst>
+              <a:ext uri="{FF2B5EF4-FFF2-40B4-BE49-F238E27FC236}">
+                <a16:creationId xmlns:a16="http://schemas.microsoft.com/office/drawing/2014/main" id="{E1F747B1-8BA9-42CC-A52C-DE98D66E9726}"/>
+              </a:ext>
+            </a:extLst>
+          </p:cNvPr>
+          <p:cNvGrpSpPr/>
+          <p:nvPr/>
+        </p:nvGrpSpPr>
+        <p:grpSpPr>
+          <a:xfrm>
+            <a:off x="7868558" y="5290212"/>
+            <a:ext cx="2170673" cy="3596612"/>
+            <a:chOff x="6014721" y="2009063"/>
+            <a:chExt cx="2529840" cy="2452671"/>
+          </a:xfrm>
+        </p:grpSpPr>
+        <p:sp>
+          <p:nvSpPr>
+            <p:cNvPr id="27" name="Rechteck 26">
+              <a:extLst>
+                <a:ext uri="{FF2B5EF4-FFF2-40B4-BE49-F238E27FC236}">
+                  <a16:creationId xmlns:a16="http://schemas.microsoft.com/office/drawing/2014/main" id="{84DA2247-97D2-4FCC-8958-12BCDF082453}"/>
+                </a:ext>
+              </a:extLst>
+            </p:cNvPr>
+            <p:cNvSpPr/>
+            <p:nvPr/>
+          </p:nvSpPr>
+          <p:spPr>
+            <a:xfrm>
+              <a:off x="6014721" y="2009063"/>
+              <a:ext cx="2529840" cy="428786"/>
+            </a:xfrm>
+            <a:prstGeom prst="rect">
+              <a:avLst/>
+            </a:prstGeom>
+            <a:noFill/>
+            <a:ln w="9525" cap="flat" cmpd="sng" algn="ctr">
+              <a:solidFill>
+                <a:schemeClr val="dk1"/>
+              </a:solidFill>
+              <a:prstDash val="solid"/>
+              <a:round/>
+              <a:headEnd type="none" w="med" len="med"/>
+              <a:tailEnd type="arrow" w="med" len="med"/>
+            </a:ln>
+          </p:spPr>
+          <p:style>
+            <a:lnRef idx="0">
+              <a:scrgbClr r="0" g="0" b="0"/>
+            </a:lnRef>
+            <a:fillRef idx="0">
+              <a:scrgbClr r="0" g="0" b="0"/>
+            </a:fillRef>
+            <a:effectRef idx="0">
+              <a:scrgbClr r="0" g="0" b="0"/>
+            </a:effectRef>
+            <a:fontRef idx="minor">
+              <a:schemeClr val="dk1"/>
+            </a:fontRef>
+          </p:style>
+          <p:txBody>
+            <a:bodyPr rtlCol="0" anchor="ctr"/>
+            <a:lstStyle/>
+            <a:p>
+              <a:pPr algn="ctr"/>
+              <a:r>
+                <a:rPr lang="de-AT" sz="2000" b="1" dirty="0">
+                  <a:latin typeface="Arial" panose="020B0604020202020204" pitchFamily="34" charset="0"/>
+                  <a:cs typeface="Arial" panose="020B0604020202020204" pitchFamily="34" charset="0"/>
+                </a:rPr>
+                <a:t>Property</a:t>
+              </a:r>
+            </a:p>
+          </p:txBody>
+        </p:sp>
+        <p:sp>
+          <p:nvSpPr>
+            <p:cNvPr id="28" name="Rechteck 27">
+              <a:extLst>
+                <a:ext uri="{FF2B5EF4-FFF2-40B4-BE49-F238E27FC236}">
+                  <a16:creationId xmlns:a16="http://schemas.microsoft.com/office/drawing/2014/main" id="{E390FFB2-037E-46FD-B3A8-8E163210035F}"/>
+                </a:ext>
+              </a:extLst>
+            </p:cNvPr>
+            <p:cNvSpPr/>
+            <p:nvPr/>
+          </p:nvSpPr>
+          <p:spPr>
+            <a:xfrm>
+              <a:off x="6014721" y="2437946"/>
+              <a:ext cx="2529840" cy="2023788"/>
+            </a:xfrm>
+            <a:prstGeom prst="rect">
+              <a:avLst/>
+            </a:prstGeom>
+            <a:noFill/>
+            <a:ln w="9525" cap="flat" cmpd="sng" algn="ctr">
+              <a:solidFill>
+                <a:schemeClr val="dk1"/>
+              </a:solidFill>
+              <a:prstDash val="solid"/>
+              <a:round/>
+              <a:headEnd type="none" w="med" len="med"/>
+              <a:tailEnd type="arrow" w="med" len="med"/>
+            </a:ln>
+          </p:spPr>
+          <p:style>
+            <a:lnRef idx="0">
+              <a:scrgbClr r="0" g="0" b="0"/>
+            </a:lnRef>
+            <a:fillRef idx="0">
+              <a:scrgbClr r="0" g="0" b="0"/>
+            </a:fillRef>
+            <a:effectRef idx="0">
+              <a:scrgbClr r="0" g="0" b="0"/>
+            </a:effectRef>
+            <a:fontRef idx="minor">
+              <a:schemeClr val="dk1"/>
+            </a:fontRef>
+          </p:style>
+          <p:txBody>
+            <a:bodyPr rtlCol="0" anchor="ctr"/>
+            <a:lstStyle/>
+            <a:p>
+              <a:r>
+                <a:rPr lang="de-AT" dirty="0" err="1">
+                  <a:latin typeface="Arial" panose="020B0604020202020204" pitchFamily="34" charset="0"/>
+                  <a:cs typeface="Arial" panose="020B0604020202020204" pitchFamily="34" charset="0"/>
+                </a:rPr>
+                <a:t>constraintRule</a:t>
+              </a:r>
+              <a:r>
+                <a:rPr lang="de-AT" dirty="0">
+                  <a:latin typeface="Arial" panose="020B0604020202020204" pitchFamily="34" charset="0"/>
+                  <a:cs typeface="Arial" panose="020B0604020202020204" pitchFamily="34" charset="0"/>
+                </a:rPr>
+                <a:t>: </a:t>
+              </a:r>
+              <a:r>
+                <a:rPr lang="de-AT" dirty="0" err="1">
+                  <a:latin typeface="Arial" panose="020B0604020202020204" pitchFamily="34" charset="0"/>
+                  <a:cs typeface="Arial" panose="020B0604020202020204" pitchFamily="34" charset="0"/>
+                </a:rPr>
+                <a:t>ConstraintRule</a:t>
+              </a:r>
+              <a:endParaRPr lang="de-AT" dirty="0">
+                <a:latin typeface="Arial" panose="020B0604020202020204" pitchFamily="34" charset="0"/>
+                <a:cs typeface="Arial" panose="020B0604020202020204" pitchFamily="34" charset="0"/>
+              </a:endParaRPr>
+            </a:p>
+            <a:p>
+              <a:r>
+                <a:rPr lang="de-AT" dirty="0">
+                  <a:latin typeface="Arial" panose="020B0604020202020204" pitchFamily="34" charset="0"/>
+                  <a:cs typeface="Arial" panose="020B0604020202020204" pitchFamily="34" charset="0"/>
+                </a:rPr>
+                <a:t>Type: </a:t>
+              </a:r>
+              <a:r>
+                <a:rPr lang="de-AT" dirty="0" err="1">
+                  <a:latin typeface="Arial" panose="020B0604020202020204" pitchFamily="34" charset="0"/>
+                  <a:cs typeface="Arial" panose="020B0604020202020204" pitchFamily="34" charset="0"/>
+                </a:rPr>
+                <a:t>PropertyType</a:t>
+              </a:r>
+              <a:endParaRPr lang="de-AT" dirty="0">
+                <a:latin typeface="Arial" panose="020B0604020202020204" pitchFamily="34" charset="0"/>
+                <a:cs typeface="Arial" panose="020B0604020202020204" pitchFamily="34" charset="0"/>
+              </a:endParaRPr>
+            </a:p>
+            <a:p>
+              <a:r>
+                <a:rPr lang="de-AT" dirty="0" err="1">
+                  <a:latin typeface="Arial" panose="020B0604020202020204" pitchFamily="34" charset="0"/>
+                  <a:cs typeface="Arial" panose="020B0604020202020204" pitchFamily="34" charset="0"/>
+                </a:rPr>
+                <a:t>Multiplicity</a:t>
+              </a:r>
+              <a:r>
+                <a:rPr lang="de-AT" dirty="0">
+                  <a:latin typeface="Arial" panose="020B0604020202020204" pitchFamily="34" charset="0"/>
+                  <a:cs typeface="Arial" panose="020B0604020202020204" pitchFamily="34" charset="0"/>
+                </a:rPr>
+                <a:t>: </a:t>
+              </a:r>
+              <a:r>
+                <a:rPr lang="de-AT" dirty="0" err="1">
+                  <a:latin typeface="Arial" panose="020B0604020202020204" pitchFamily="34" charset="0"/>
+                  <a:cs typeface="Arial" panose="020B0604020202020204" pitchFamily="34" charset="0"/>
+                </a:rPr>
+                <a:t>booö</a:t>
+              </a:r>
+              <a:endParaRPr lang="de-AT" dirty="0">
+                <a:latin typeface="Arial" panose="020B0604020202020204" pitchFamily="34" charset="0"/>
+                <a:cs typeface="Arial" panose="020B0604020202020204" pitchFamily="34" charset="0"/>
+              </a:endParaRPr>
+            </a:p>
+            <a:p>
+              <a:r>
+                <a:rPr lang="de-AT" dirty="0">
+                  <a:latin typeface="Arial" panose="020B0604020202020204" pitchFamily="34" charset="0"/>
+                  <a:cs typeface="Arial" panose="020B0604020202020204" pitchFamily="34" charset="0"/>
+                </a:rPr>
+                <a:t>Name: String</a:t>
+              </a:r>
+            </a:p>
+            <a:p>
+              <a:r>
+                <a:rPr lang="de-AT" dirty="0">
+                  <a:latin typeface="Arial" panose="020B0604020202020204" pitchFamily="34" charset="0"/>
+                  <a:cs typeface="Arial" panose="020B0604020202020204" pitchFamily="34" charset="0"/>
+                </a:rPr>
+                <a:t>Extension: </a:t>
+              </a:r>
+              <a:r>
+                <a:rPr lang="de-AT" dirty="0" err="1">
+                  <a:latin typeface="Arial" panose="020B0604020202020204" pitchFamily="34" charset="0"/>
+                  <a:cs typeface="Arial" panose="020B0604020202020204" pitchFamily="34" charset="0"/>
+                </a:rPr>
+                <a:t>bool</a:t>
+              </a:r>
+              <a:endParaRPr lang="de-AT" dirty="0">
+                <a:latin typeface="Arial" panose="020B0604020202020204" pitchFamily="34" charset="0"/>
+                <a:cs typeface="Arial" panose="020B0604020202020204" pitchFamily="34" charset="0"/>
+              </a:endParaRPr>
+            </a:p>
+            <a:p>
+              <a:r>
+                <a:rPr lang="de-AT" dirty="0">
+                  <a:latin typeface="Arial" panose="020B0604020202020204" pitchFamily="34" charset="0"/>
+                  <a:cs typeface="Arial" panose="020B0604020202020204" pitchFamily="34" charset="0"/>
+                </a:rPr>
+                <a:t>Description: String</a:t>
+              </a:r>
+            </a:p>
+            <a:p>
+              <a:r>
+                <a:rPr lang="de-AT" dirty="0" err="1">
+                  <a:latin typeface="Arial" panose="020B0604020202020204" pitchFamily="34" charset="0"/>
+                  <a:cs typeface="Arial" panose="020B0604020202020204" pitchFamily="34" charset="0"/>
+                </a:rPr>
+                <a:t>propertyAttributes</a:t>
+              </a:r>
+              <a:r>
+                <a:rPr lang="de-AT" dirty="0">
+                  <a:latin typeface="Arial" panose="020B0604020202020204" pitchFamily="34" charset="0"/>
+                  <a:cs typeface="Arial" panose="020B0604020202020204" pitchFamily="34" charset="0"/>
+                </a:rPr>
+                <a:t>: </a:t>
+              </a:r>
+              <a:r>
+                <a:rPr lang="de-AT" dirty="0" err="1">
+                  <a:latin typeface="Arial" panose="020B0604020202020204" pitchFamily="34" charset="0"/>
+                  <a:cs typeface="Arial" panose="020B0604020202020204" pitchFamily="34" charset="0"/>
+                </a:rPr>
+                <a:t>PropertyAttribute</a:t>
+              </a:r>
+              <a:endParaRPr lang="de-AT" dirty="0">
+                <a:latin typeface="Arial" panose="020B0604020202020204" pitchFamily="34" charset="0"/>
+                <a:cs typeface="Arial" panose="020B0604020202020204" pitchFamily="34" charset="0"/>
+              </a:endParaRPr>
+            </a:p>
+            <a:p>
+              <a:r>
+                <a:rPr lang="de-AT" dirty="0">
+                  <a:latin typeface="Arial" panose="020B0604020202020204" pitchFamily="34" charset="0"/>
+                  <a:cs typeface="Arial" panose="020B0604020202020204" pitchFamily="34" charset="0"/>
+                </a:rPr>
+                <a:t>Presence: Presence</a:t>
+              </a:r>
+            </a:p>
+          </p:txBody>
+        </p:sp>
+      </p:grpSp>
+      <p:grpSp>
+        <p:nvGrpSpPr>
+          <p:cNvPr id="29" name="Gruppieren 28">
+            <a:extLst>
+              <a:ext uri="{FF2B5EF4-FFF2-40B4-BE49-F238E27FC236}">
+                <a16:creationId xmlns:a16="http://schemas.microsoft.com/office/drawing/2014/main" id="{D47D0764-9143-48B8-B9B9-956571BD9C66}"/>
+              </a:ext>
+            </a:extLst>
+          </p:cNvPr>
+          <p:cNvGrpSpPr/>
+          <p:nvPr/>
+        </p:nvGrpSpPr>
+        <p:grpSpPr>
+          <a:xfrm rot="16200000">
+            <a:off x="7088702" y="3425021"/>
+            <a:ext cx="1548645" cy="2181739"/>
+            <a:chOff x="4276794" y="1377472"/>
+            <a:chExt cx="1353887" cy="3362039"/>
+          </a:xfrm>
+        </p:grpSpPr>
+        <p:sp>
+          <p:nvSpPr>
+            <p:cNvPr id="30" name="Raute 29">
+              <a:extLst>
+                <a:ext uri="{FF2B5EF4-FFF2-40B4-BE49-F238E27FC236}">
+                  <a16:creationId xmlns:a16="http://schemas.microsoft.com/office/drawing/2014/main" id="{5EA1F405-F006-4A99-A8CD-97FE596AE122}"/>
+                </a:ext>
+              </a:extLst>
+            </p:cNvPr>
+            <p:cNvSpPr/>
+            <p:nvPr/>
+          </p:nvSpPr>
+          <p:spPr>
+            <a:xfrm flipH="1">
+              <a:off x="5460060" y="1377472"/>
+              <a:ext cx="170621" cy="277558"/>
+            </a:xfrm>
+            <a:prstGeom prst="diamond">
+              <a:avLst/>
+            </a:prstGeom>
+            <a:ln>
+              <a:headEnd type="none" w="med" len="med"/>
+              <a:tailEnd type="arrow" w="med" len="med"/>
+            </a:ln>
+          </p:spPr>
+          <p:style>
+            <a:lnRef idx="2">
+              <a:schemeClr val="dk1">
+                <a:shade val="50000"/>
+              </a:schemeClr>
+            </a:lnRef>
+            <a:fillRef idx="1">
+              <a:schemeClr val="dk1"/>
+            </a:fillRef>
+            <a:effectRef idx="0">
+              <a:schemeClr val="dk1"/>
+            </a:effectRef>
+            <a:fontRef idx="minor">
+              <a:schemeClr val="lt1"/>
+            </a:fontRef>
+          </p:style>
+          <p:txBody>
+            <a:bodyPr rtlCol="0" anchor="ctr"/>
+            <a:lstStyle/>
+            <a:p>
+              <a:pPr algn="ctr"/>
+              <a:endParaRPr lang="de-AT" dirty="0">
+                <a:latin typeface="Arial" panose="020B0604020202020204" pitchFamily="34" charset="0"/>
+                <a:cs typeface="Arial" panose="020B0604020202020204" pitchFamily="34" charset="0"/>
+              </a:endParaRPr>
+            </a:p>
+          </p:txBody>
+        </p:sp>
+        <p:cxnSp>
+          <p:nvCxnSpPr>
+            <p:cNvPr id="34" name="Verbinder: gewinkelt 98">
+              <a:extLst>
+                <a:ext uri="{FF2B5EF4-FFF2-40B4-BE49-F238E27FC236}">
+                  <a16:creationId xmlns:a16="http://schemas.microsoft.com/office/drawing/2014/main" id="{C3B889AB-9BF7-453D-822F-DA9A430D9343}"/>
+                </a:ext>
+              </a:extLst>
+            </p:cNvPr>
+            <p:cNvCxnSpPr>
+              <a:cxnSpLocks/>
+              <a:stCxn id="30" idx="2"/>
+              <a:endCxn id="27" idx="0"/>
+            </p:cNvCxnSpPr>
+            <p:nvPr/>
+          </p:nvCxnSpPr>
+          <p:spPr>
+            <a:xfrm rot="5400000">
+              <a:off x="3368841" y="2562983"/>
+              <a:ext cx="3084481" cy="1268575"/>
+            </a:xfrm>
+            <a:prstGeom prst="bentConnector2">
+              <a:avLst/>
+            </a:prstGeom>
+            <a:ln>
+              <a:headEnd type="none" w="med" len="med"/>
+              <a:tailEnd type="arrow" w="med" len="med"/>
+            </a:ln>
+          </p:spPr>
+          <p:style>
+            <a:lnRef idx="1">
+              <a:schemeClr val="dk1"/>
+            </a:lnRef>
+            <a:fillRef idx="0">
+              <a:schemeClr val="dk1"/>
+            </a:fillRef>
+            <a:effectRef idx="0">
+              <a:schemeClr val="dk1"/>
+            </a:effectRef>
+            <a:fontRef idx="minor">
+              <a:schemeClr val="tx1"/>
+            </a:fontRef>
+          </p:style>
+        </p:cxnSp>
+      </p:grpSp>
+      <p:grpSp>
+        <p:nvGrpSpPr>
+          <p:cNvPr id="35" name="Gruppieren 34">
+            <a:extLst>
+              <a:ext uri="{FF2B5EF4-FFF2-40B4-BE49-F238E27FC236}">
+                <a16:creationId xmlns:a16="http://schemas.microsoft.com/office/drawing/2014/main" id="{AF623C0F-91C3-4AAD-A394-9BFBBB245AF0}"/>
+              </a:ext>
+            </a:extLst>
+          </p:cNvPr>
+          <p:cNvGrpSpPr/>
+          <p:nvPr/>
+        </p:nvGrpSpPr>
+        <p:grpSpPr>
+          <a:xfrm rot="16200000">
+            <a:off x="7264470" y="3600788"/>
+            <a:ext cx="1202644" cy="2176208"/>
+            <a:chOff x="4579282" y="1377472"/>
+            <a:chExt cx="1051399" cy="3353516"/>
+          </a:xfrm>
+        </p:grpSpPr>
+        <p:sp>
+          <p:nvSpPr>
+            <p:cNvPr id="36" name="Raute 35">
+              <a:extLst>
+                <a:ext uri="{FF2B5EF4-FFF2-40B4-BE49-F238E27FC236}">
+                  <a16:creationId xmlns:a16="http://schemas.microsoft.com/office/drawing/2014/main" id="{96297146-368D-4940-BBB9-72DBCD475D6C}"/>
+                </a:ext>
+              </a:extLst>
+            </p:cNvPr>
+            <p:cNvSpPr/>
+            <p:nvPr/>
+          </p:nvSpPr>
+          <p:spPr>
+            <a:xfrm flipH="1">
+              <a:off x="5460060" y="1377472"/>
+              <a:ext cx="170621" cy="277558"/>
+            </a:xfrm>
+            <a:prstGeom prst="diamond">
+              <a:avLst/>
+            </a:prstGeom>
+            <a:ln>
+              <a:headEnd type="none" w="med" len="med"/>
+              <a:tailEnd type="arrow" w="med" len="med"/>
+            </a:ln>
+          </p:spPr>
+          <p:style>
+            <a:lnRef idx="2">
+              <a:schemeClr val="dk1">
+                <a:shade val="50000"/>
+              </a:schemeClr>
+            </a:lnRef>
+            <a:fillRef idx="1">
+              <a:schemeClr val="dk1"/>
+            </a:fillRef>
+            <a:effectRef idx="0">
+              <a:schemeClr val="dk1"/>
+            </a:effectRef>
+            <a:fontRef idx="minor">
+              <a:schemeClr val="lt1"/>
+            </a:fontRef>
+          </p:style>
+          <p:txBody>
+            <a:bodyPr rtlCol="0" anchor="ctr"/>
+            <a:lstStyle/>
+            <a:p>
+              <a:pPr algn="ctr"/>
+              <a:endParaRPr lang="de-AT" dirty="0">
+                <a:latin typeface="Arial" panose="020B0604020202020204" pitchFamily="34" charset="0"/>
+                <a:cs typeface="Arial" panose="020B0604020202020204" pitchFamily="34" charset="0"/>
+              </a:endParaRPr>
+            </a:p>
+          </p:txBody>
+        </p:sp>
+        <p:cxnSp>
+          <p:nvCxnSpPr>
+            <p:cNvPr id="37" name="Verbinder: gewinkelt 98">
+              <a:extLst>
+                <a:ext uri="{FF2B5EF4-FFF2-40B4-BE49-F238E27FC236}">
+                  <a16:creationId xmlns:a16="http://schemas.microsoft.com/office/drawing/2014/main" id="{15B10B46-03BF-4488-BC3F-12821443DFBE}"/>
+                </a:ext>
+              </a:extLst>
+            </p:cNvPr>
+            <p:cNvCxnSpPr>
+              <a:cxnSpLocks/>
+              <a:stCxn id="36" idx="2"/>
+              <a:endCxn id="27" idx="0"/>
+            </p:cNvCxnSpPr>
+            <p:nvPr/>
+          </p:nvCxnSpPr>
+          <p:spPr>
+            <a:xfrm rot="5400000">
+              <a:off x="3524347" y="2709965"/>
+              <a:ext cx="3075958" cy="966087"/>
+            </a:xfrm>
+            <a:prstGeom prst="bentConnector2">
+              <a:avLst/>
+            </a:prstGeom>
+            <a:ln>
+              <a:headEnd type="none" w="med" len="med"/>
+              <a:tailEnd type="arrow" w="med" len="med"/>
+            </a:ln>
+          </p:spPr>
+          <p:style>
+            <a:lnRef idx="1">
+              <a:schemeClr val="dk1"/>
+            </a:lnRef>
+            <a:fillRef idx="0">
+              <a:schemeClr val="dk1"/>
+            </a:fillRef>
+            <a:effectRef idx="0">
+              <a:schemeClr val="dk1"/>
+            </a:effectRef>
+            <a:fontRef idx="minor">
+              <a:schemeClr val="tx1"/>
+            </a:fontRef>
+          </p:style>
+        </p:cxnSp>
+      </p:grpSp>
+      <p:grpSp>
+        <p:nvGrpSpPr>
+          <p:cNvPr id="38" name="Gruppieren 37">
+            <a:extLst>
+              <a:ext uri="{FF2B5EF4-FFF2-40B4-BE49-F238E27FC236}">
+                <a16:creationId xmlns:a16="http://schemas.microsoft.com/office/drawing/2014/main" id="{7006E50A-1E5B-4F6F-856D-CEBACD80FB23}"/>
+              </a:ext>
+            </a:extLst>
+          </p:cNvPr>
+          <p:cNvGrpSpPr/>
+          <p:nvPr/>
+        </p:nvGrpSpPr>
+        <p:grpSpPr>
+          <a:xfrm rot="16200000">
+            <a:off x="7460454" y="3796772"/>
+            <a:ext cx="810676" cy="2176208"/>
+            <a:chOff x="4921956" y="1377472"/>
+            <a:chExt cx="708725" cy="3353516"/>
+          </a:xfrm>
+        </p:grpSpPr>
+        <p:sp>
+          <p:nvSpPr>
+            <p:cNvPr id="39" name="Raute 38">
+              <a:extLst>
+                <a:ext uri="{FF2B5EF4-FFF2-40B4-BE49-F238E27FC236}">
+                  <a16:creationId xmlns:a16="http://schemas.microsoft.com/office/drawing/2014/main" id="{4E919E5A-8A07-40F1-9188-03918B025446}"/>
+                </a:ext>
+              </a:extLst>
+            </p:cNvPr>
+            <p:cNvSpPr/>
+            <p:nvPr/>
+          </p:nvSpPr>
+          <p:spPr>
+            <a:xfrm flipH="1">
+              <a:off x="5460060" y="1377472"/>
+              <a:ext cx="170621" cy="277558"/>
+            </a:xfrm>
+            <a:prstGeom prst="diamond">
+              <a:avLst/>
+            </a:prstGeom>
+            <a:ln>
+              <a:headEnd type="none" w="med" len="med"/>
+              <a:tailEnd type="arrow" w="med" len="med"/>
+            </a:ln>
+          </p:spPr>
+          <p:style>
+            <a:lnRef idx="2">
+              <a:schemeClr val="dk1">
+                <a:shade val="50000"/>
+              </a:schemeClr>
+            </a:lnRef>
+            <a:fillRef idx="1">
+              <a:schemeClr val="dk1"/>
+            </a:fillRef>
+            <a:effectRef idx="0">
+              <a:schemeClr val="dk1"/>
+            </a:effectRef>
+            <a:fontRef idx="minor">
+              <a:schemeClr val="lt1"/>
+            </a:fontRef>
+          </p:style>
+          <p:txBody>
+            <a:bodyPr rtlCol="0" anchor="ctr"/>
+            <a:lstStyle/>
+            <a:p>
+              <a:pPr algn="ctr"/>
+              <a:endParaRPr lang="de-AT" dirty="0">
+                <a:latin typeface="Arial" panose="020B0604020202020204" pitchFamily="34" charset="0"/>
+                <a:cs typeface="Arial" panose="020B0604020202020204" pitchFamily="34" charset="0"/>
+              </a:endParaRPr>
+            </a:p>
+          </p:txBody>
+        </p:sp>
+        <p:cxnSp>
+          <p:nvCxnSpPr>
+            <p:cNvPr id="40" name="Verbinder: gewinkelt 98">
+              <a:extLst>
+                <a:ext uri="{FF2B5EF4-FFF2-40B4-BE49-F238E27FC236}">
+                  <a16:creationId xmlns:a16="http://schemas.microsoft.com/office/drawing/2014/main" id="{7F775CC9-D8D5-47BE-B354-8A1E5FB1643E}"/>
+                </a:ext>
+              </a:extLst>
+            </p:cNvPr>
+            <p:cNvCxnSpPr>
+              <a:cxnSpLocks/>
+              <a:stCxn id="39" idx="2"/>
+              <a:endCxn id="27" idx="0"/>
+            </p:cNvCxnSpPr>
+            <p:nvPr/>
+          </p:nvCxnSpPr>
+          <p:spPr>
+            <a:xfrm rot="5400000">
+              <a:off x="3695684" y="2881302"/>
+              <a:ext cx="3075958" cy="623414"/>
+            </a:xfrm>
+            <a:prstGeom prst="bentConnector2">
+              <a:avLst/>
+            </a:prstGeom>
+            <a:ln>
+              <a:headEnd type="none" w="med" len="med"/>
+              <a:tailEnd type="arrow" w="med" len="med"/>
+            </a:ln>
+          </p:spPr>
+          <p:style>
+            <a:lnRef idx="1">
+              <a:schemeClr val="dk1"/>
+            </a:lnRef>
+            <a:fillRef idx="0">
+              <a:schemeClr val="dk1"/>
+            </a:fillRef>
+            <a:effectRef idx="0">
+              <a:schemeClr val="dk1"/>
+            </a:effectRef>
+            <a:fontRef idx="minor">
+              <a:schemeClr val="tx1"/>
+            </a:fontRef>
+          </p:style>
+        </p:cxnSp>
+      </p:grpSp>
+      <p:sp>
+        <p:nvSpPr>
+          <p:cNvPr id="11" name="Textfeld 10">
+            <a:extLst>
+              <a:ext uri="{FF2B5EF4-FFF2-40B4-BE49-F238E27FC236}">
+                <a16:creationId xmlns:a16="http://schemas.microsoft.com/office/drawing/2014/main" id="{1357FD83-DA49-4B44-BFCB-BBAE64285AD6}"/>
+              </a:ext>
+            </a:extLst>
+          </p:cNvPr>
+          <p:cNvSpPr txBox="1"/>
+          <p:nvPr/>
+        </p:nvSpPr>
+        <p:spPr>
+          <a:xfrm>
+            <a:off x="7210059" y="3536812"/>
+            <a:ext cx="743024" cy="369332"/>
+          </a:xfrm>
+          <a:prstGeom prst="rect">
+            <a:avLst/>
+          </a:prstGeom>
+          <a:noFill/>
+        </p:spPr>
+        <p:txBody>
+          <a:bodyPr wrap="none" rtlCol="0">
+            <a:spAutoFit/>
+          </a:bodyPr>
+          <a:lstStyle/>
+          <a:p>
+            <a:r>
+              <a:rPr lang="de-AT" dirty="0" err="1"/>
+              <a:t>status</a:t>
+            </a:r>
+            <a:endParaRPr lang="de-AT" dirty="0"/>
+          </a:p>
+        </p:txBody>
+      </p:sp>
+      <p:sp>
+        <p:nvSpPr>
+          <p:cNvPr id="41" name="Textfeld 40">
+            <a:extLst>
+              <a:ext uri="{FF2B5EF4-FFF2-40B4-BE49-F238E27FC236}">
+                <a16:creationId xmlns:a16="http://schemas.microsoft.com/office/drawing/2014/main" id="{99C8C03B-F853-43D7-A220-57BEA78A73F8}"/>
+              </a:ext>
+            </a:extLst>
+          </p:cNvPr>
+          <p:cNvSpPr txBox="1"/>
+          <p:nvPr/>
+        </p:nvSpPr>
+        <p:spPr>
+          <a:xfrm>
+            <a:off x="7210059" y="3894479"/>
+            <a:ext cx="612988" cy="369332"/>
+          </a:xfrm>
+          <a:prstGeom prst="rect">
+            <a:avLst/>
+          </a:prstGeom>
+          <a:noFill/>
+        </p:spPr>
+        <p:txBody>
+          <a:bodyPr wrap="none" rtlCol="0">
+            <a:spAutoFit/>
+          </a:bodyPr>
+          <a:lstStyle/>
+          <a:p>
+            <a:r>
+              <a:rPr lang="de-AT" dirty="0"/>
+              <a:t>fault</a:t>
+            </a:r>
+          </a:p>
+        </p:txBody>
+      </p:sp>
+      <p:sp>
+        <p:nvSpPr>
+          <p:cNvPr id="42" name="Textfeld 41">
+            <a:extLst>
+              <a:ext uri="{FF2B5EF4-FFF2-40B4-BE49-F238E27FC236}">
+                <a16:creationId xmlns:a16="http://schemas.microsoft.com/office/drawing/2014/main" id="{C6E89A95-E080-414A-B110-6FD7941BC6CB}"/>
+              </a:ext>
+            </a:extLst>
+          </p:cNvPr>
+          <p:cNvSpPr txBox="1"/>
+          <p:nvPr/>
+        </p:nvSpPr>
+        <p:spPr>
+          <a:xfrm>
+            <a:off x="7134767" y="4195350"/>
+            <a:ext cx="1434495" cy="369332"/>
+          </a:xfrm>
+          <a:prstGeom prst="rect">
+            <a:avLst/>
+          </a:prstGeom>
+          <a:noFill/>
+        </p:spPr>
+        <p:txBody>
+          <a:bodyPr wrap="none" rtlCol="0">
+            <a:spAutoFit/>
+          </a:bodyPr>
+          <a:lstStyle/>
+          <a:p>
+            <a:r>
+              <a:rPr lang="de-AT" dirty="0" err="1"/>
+              <a:t>configuration</a:t>
+            </a:r>
+            <a:endParaRPr lang="de-AT" dirty="0"/>
+          </a:p>
+        </p:txBody>
+      </p:sp>
+      <p:grpSp>
+        <p:nvGrpSpPr>
+          <p:cNvPr id="43" name="Gruppieren 42">
+            <a:extLst>
+              <a:ext uri="{FF2B5EF4-FFF2-40B4-BE49-F238E27FC236}">
+                <a16:creationId xmlns:a16="http://schemas.microsoft.com/office/drawing/2014/main" id="{CA225BEC-753E-47B2-AE99-BB30A329B8C8}"/>
+              </a:ext>
+            </a:extLst>
+          </p:cNvPr>
+          <p:cNvGrpSpPr/>
+          <p:nvPr/>
+        </p:nvGrpSpPr>
+        <p:grpSpPr>
+          <a:xfrm rot="5400000">
+            <a:off x="3014732" y="3707361"/>
+            <a:ext cx="1164078" cy="2001622"/>
+            <a:chOff x="5460060" y="1377472"/>
+            <a:chExt cx="1017684" cy="3162052"/>
+          </a:xfrm>
+        </p:grpSpPr>
+        <p:sp>
+          <p:nvSpPr>
+            <p:cNvPr id="44" name="Raute 43">
+              <a:extLst>
+                <a:ext uri="{FF2B5EF4-FFF2-40B4-BE49-F238E27FC236}">
+                  <a16:creationId xmlns:a16="http://schemas.microsoft.com/office/drawing/2014/main" id="{44570DBF-03E1-4DFD-8952-C0BA989E7C9D}"/>
+                </a:ext>
+              </a:extLst>
+            </p:cNvPr>
+            <p:cNvSpPr/>
+            <p:nvPr/>
+          </p:nvSpPr>
+          <p:spPr>
+            <a:xfrm flipH="1">
+              <a:off x="5460060" y="1377472"/>
+              <a:ext cx="170621" cy="277558"/>
+            </a:xfrm>
+            <a:prstGeom prst="diamond">
+              <a:avLst/>
+            </a:prstGeom>
+            <a:ln>
+              <a:headEnd type="none" w="med" len="med"/>
+              <a:tailEnd type="arrow" w="med" len="med"/>
+            </a:ln>
+          </p:spPr>
+          <p:style>
+            <a:lnRef idx="2">
+              <a:schemeClr val="dk1">
+                <a:shade val="50000"/>
+              </a:schemeClr>
+            </a:lnRef>
+            <a:fillRef idx="1">
+              <a:schemeClr val="dk1"/>
+            </a:fillRef>
+            <a:effectRef idx="0">
+              <a:schemeClr val="dk1"/>
+            </a:effectRef>
+            <a:fontRef idx="minor">
+              <a:schemeClr val="lt1"/>
+            </a:fontRef>
+          </p:style>
+          <p:txBody>
+            <a:bodyPr rtlCol="0" anchor="ctr"/>
+            <a:lstStyle/>
+            <a:p>
+              <a:pPr algn="ctr"/>
+              <a:endParaRPr lang="de-AT" dirty="0">
+                <a:latin typeface="Arial" panose="020B0604020202020204" pitchFamily="34" charset="0"/>
+                <a:cs typeface="Arial" panose="020B0604020202020204" pitchFamily="34" charset="0"/>
+              </a:endParaRPr>
+            </a:p>
+          </p:txBody>
+        </p:sp>
+        <p:cxnSp>
+          <p:nvCxnSpPr>
+            <p:cNvPr id="45" name="Verbinder: gewinkelt 98">
+              <a:extLst>
+                <a:ext uri="{FF2B5EF4-FFF2-40B4-BE49-F238E27FC236}">
+                  <a16:creationId xmlns:a16="http://schemas.microsoft.com/office/drawing/2014/main" id="{22E5392E-2FB4-4B46-9E2F-A48D288237E4}"/>
+                </a:ext>
+              </a:extLst>
+            </p:cNvPr>
+            <p:cNvCxnSpPr>
+              <a:cxnSpLocks/>
+              <a:stCxn id="44" idx="2"/>
+              <a:endCxn id="18" idx="0"/>
+            </p:cNvCxnSpPr>
+            <p:nvPr/>
+          </p:nvCxnSpPr>
+          <p:spPr>
+            <a:xfrm rot="5400000" flipV="1">
+              <a:off x="4569308" y="2631090"/>
+              <a:ext cx="2884496" cy="932372"/>
+            </a:xfrm>
+            <a:prstGeom prst="bentConnector2">
+              <a:avLst/>
+            </a:prstGeom>
+            <a:ln>
+              <a:headEnd type="none" w="med" len="med"/>
+              <a:tailEnd type="arrow" w="med" len="med"/>
+            </a:ln>
+          </p:spPr>
+          <p:style>
+            <a:lnRef idx="1">
+              <a:schemeClr val="dk1"/>
+            </a:lnRef>
+            <a:fillRef idx="0">
+              <a:schemeClr val="dk1"/>
+            </a:fillRef>
+            <a:effectRef idx="0">
+              <a:schemeClr val="dk1"/>
+            </a:effectRef>
+            <a:fontRef idx="minor">
+              <a:schemeClr val="tx1"/>
+            </a:fontRef>
+          </p:style>
+        </p:cxnSp>
+      </p:grpSp>
+      <p:grpSp>
+        <p:nvGrpSpPr>
+          <p:cNvPr id="46" name="Gruppieren 45">
+            <a:extLst>
+              <a:ext uri="{FF2B5EF4-FFF2-40B4-BE49-F238E27FC236}">
+                <a16:creationId xmlns:a16="http://schemas.microsoft.com/office/drawing/2014/main" id="{ACAD439B-EC75-4B5F-B46B-67DA8E57E20B}"/>
+              </a:ext>
+            </a:extLst>
+          </p:cNvPr>
+          <p:cNvGrpSpPr/>
+          <p:nvPr/>
+        </p:nvGrpSpPr>
+        <p:grpSpPr>
+          <a:xfrm>
+            <a:off x="5628938" y="4871506"/>
+            <a:ext cx="195165" cy="609711"/>
+            <a:chOff x="5460060" y="1377472"/>
+            <a:chExt cx="170621" cy="939558"/>
+          </a:xfrm>
+        </p:grpSpPr>
+        <p:sp>
+          <p:nvSpPr>
+            <p:cNvPr id="47" name="Raute 46">
+              <a:extLst>
+                <a:ext uri="{FF2B5EF4-FFF2-40B4-BE49-F238E27FC236}">
+                  <a16:creationId xmlns:a16="http://schemas.microsoft.com/office/drawing/2014/main" id="{8804A263-7B91-4EA2-826A-D3C2E0595C64}"/>
+                </a:ext>
+              </a:extLst>
+            </p:cNvPr>
+            <p:cNvSpPr/>
+            <p:nvPr/>
+          </p:nvSpPr>
+          <p:spPr>
+            <a:xfrm flipH="1">
+              <a:off x="5460060" y="1377472"/>
+              <a:ext cx="170621" cy="277558"/>
+            </a:xfrm>
+            <a:prstGeom prst="diamond">
+              <a:avLst/>
+            </a:prstGeom>
+            <a:ln>
+              <a:headEnd type="none" w="med" len="med"/>
+              <a:tailEnd type="arrow" w="med" len="med"/>
+            </a:ln>
+          </p:spPr>
+          <p:style>
+            <a:lnRef idx="2">
+              <a:schemeClr val="dk1">
+                <a:shade val="50000"/>
+              </a:schemeClr>
+            </a:lnRef>
+            <a:fillRef idx="1">
+              <a:schemeClr val="dk1"/>
+            </a:fillRef>
+            <a:effectRef idx="0">
+              <a:schemeClr val="dk1"/>
+            </a:effectRef>
+            <a:fontRef idx="minor">
+              <a:schemeClr val="lt1"/>
+            </a:fontRef>
+          </p:style>
+          <p:txBody>
+            <a:bodyPr rtlCol="0" anchor="ctr"/>
+            <a:lstStyle/>
+            <a:p>
+              <a:pPr algn="ctr"/>
+              <a:endParaRPr lang="de-AT" dirty="0">
+                <a:latin typeface="Arial" panose="020B0604020202020204" pitchFamily="34" charset="0"/>
+                <a:cs typeface="Arial" panose="020B0604020202020204" pitchFamily="34" charset="0"/>
+              </a:endParaRPr>
+            </a:p>
+          </p:txBody>
+        </p:sp>
+        <p:cxnSp>
+          <p:nvCxnSpPr>
+            <p:cNvPr id="48" name="Verbinder: gewinkelt 98">
+              <a:extLst>
+                <a:ext uri="{FF2B5EF4-FFF2-40B4-BE49-F238E27FC236}">
+                  <a16:creationId xmlns:a16="http://schemas.microsoft.com/office/drawing/2014/main" id="{E9E2D439-2491-410F-B4A3-DF8CE6ACEB59}"/>
+                </a:ext>
+              </a:extLst>
+            </p:cNvPr>
+            <p:cNvCxnSpPr>
+              <a:cxnSpLocks/>
+              <a:stCxn id="47" idx="2"/>
+              <a:endCxn id="24" idx="0"/>
+            </p:cNvCxnSpPr>
+            <p:nvPr/>
+          </p:nvCxnSpPr>
+          <p:spPr>
+            <a:xfrm rot="16200000" flipH="1">
+              <a:off x="5217147" y="1983253"/>
+              <a:ext cx="661998" cy="5551"/>
+            </a:xfrm>
+            <a:prstGeom prst="bentConnector3">
+              <a:avLst>
+                <a:gd name="adj1" fmla="val 50000"/>
+              </a:avLst>
+            </a:prstGeom>
+            <a:ln>
+              <a:headEnd type="none" w="med" len="med"/>
+              <a:tailEnd type="arrow" w="med" len="med"/>
+            </a:ln>
+          </p:spPr>
+          <p:style>
+            <a:lnRef idx="1">
+              <a:schemeClr val="dk1"/>
+            </a:lnRef>
+            <a:fillRef idx="0">
+              <a:schemeClr val="dk1"/>
+            </a:fillRef>
+            <a:effectRef idx="0">
+              <a:schemeClr val="dk1"/>
+            </a:effectRef>
+            <a:fontRef idx="minor">
+              <a:schemeClr val="tx1"/>
+            </a:fontRef>
+          </p:style>
+        </p:cxnSp>
+      </p:grpSp>
+      <p:grpSp>
+        <p:nvGrpSpPr>
+          <p:cNvPr id="49" name="Gruppieren 48">
+            <a:extLst>
+              <a:ext uri="{FF2B5EF4-FFF2-40B4-BE49-F238E27FC236}">
+                <a16:creationId xmlns:a16="http://schemas.microsoft.com/office/drawing/2014/main" id="{CE24E1DA-CA05-4A16-805D-B4B7B0D4E5BA}"/>
+              </a:ext>
+            </a:extLst>
+          </p:cNvPr>
+          <p:cNvGrpSpPr/>
+          <p:nvPr/>
+        </p:nvGrpSpPr>
+        <p:grpSpPr>
+          <a:xfrm>
+            <a:off x="5632111" y="2623733"/>
+            <a:ext cx="188815" cy="852812"/>
+            <a:chOff x="5454320" y="1410149"/>
+            <a:chExt cx="170621" cy="910008"/>
+          </a:xfrm>
+        </p:grpSpPr>
+        <p:sp>
+          <p:nvSpPr>
+            <p:cNvPr id="50" name="Raute 49">
+              <a:extLst>
+                <a:ext uri="{FF2B5EF4-FFF2-40B4-BE49-F238E27FC236}">
+                  <a16:creationId xmlns:a16="http://schemas.microsoft.com/office/drawing/2014/main" id="{A7816081-7222-4B0D-B435-84704B4A9D7D}"/>
+                </a:ext>
+              </a:extLst>
+            </p:cNvPr>
+            <p:cNvSpPr/>
+            <p:nvPr/>
+          </p:nvSpPr>
+          <p:spPr>
+            <a:xfrm flipH="1">
+              <a:off x="5454320" y="1410149"/>
+              <a:ext cx="170621" cy="277558"/>
+            </a:xfrm>
+            <a:prstGeom prst="diamond">
+              <a:avLst/>
+            </a:prstGeom>
+            <a:ln>
+              <a:headEnd type="none" w="med" len="med"/>
+              <a:tailEnd type="arrow" w="med" len="med"/>
+            </a:ln>
+          </p:spPr>
+          <p:style>
+            <a:lnRef idx="2">
+              <a:schemeClr val="dk1">
+                <a:shade val="50000"/>
+              </a:schemeClr>
+            </a:lnRef>
+            <a:fillRef idx="1">
+              <a:schemeClr val="dk1"/>
+            </a:fillRef>
+            <a:effectRef idx="0">
+              <a:schemeClr val="dk1"/>
+            </a:effectRef>
+            <a:fontRef idx="minor">
+              <a:schemeClr val="lt1"/>
+            </a:fontRef>
+          </p:style>
+          <p:txBody>
+            <a:bodyPr rtlCol="0" anchor="ctr"/>
+            <a:lstStyle/>
+            <a:p>
+              <a:pPr algn="ctr"/>
+              <a:endParaRPr lang="de-AT" dirty="0">
+                <a:latin typeface="Arial" panose="020B0604020202020204" pitchFamily="34" charset="0"/>
+                <a:cs typeface="Arial" panose="020B0604020202020204" pitchFamily="34" charset="0"/>
+              </a:endParaRPr>
+            </a:p>
+          </p:txBody>
+        </p:sp>
+        <p:cxnSp>
+          <p:nvCxnSpPr>
+            <p:cNvPr id="51" name="Verbinder: gewinkelt 98">
+              <a:extLst>
+                <a:ext uri="{FF2B5EF4-FFF2-40B4-BE49-F238E27FC236}">
+                  <a16:creationId xmlns:a16="http://schemas.microsoft.com/office/drawing/2014/main" id="{F8794F20-41DD-43B7-ABB9-10BBBE6B6CE3}"/>
+                </a:ext>
+              </a:extLst>
+            </p:cNvPr>
+            <p:cNvCxnSpPr>
+              <a:cxnSpLocks/>
+              <a:stCxn id="50" idx="2"/>
+            </p:cNvCxnSpPr>
+            <p:nvPr/>
+          </p:nvCxnSpPr>
+          <p:spPr>
+            <a:xfrm rot="16200000" flipH="1">
+              <a:off x="5226275" y="2001062"/>
+              <a:ext cx="632450" cy="5740"/>
+            </a:xfrm>
+            <a:prstGeom prst="bentConnector3">
+              <a:avLst>
+                <a:gd name="adj1" fmla="val 50000"/>
+              </a:avLst>
+            </a:prstGeom>
+            <a:ln>
+              <a:headEnd type="none" w="med" len="med"/>
+              <a:tailEnd type="arrow" w="med" len="med"/>
+            </a:ln>
+          </p:spPr>
+          <p:style>
+            <a:lnRef idx="1">
+              <a:schemeClr val="dk1"/>
+            </a:lnRef>
+            <a:fillRef idx="0">
+              <a:schemeClr val="dk1"/>
+            </a:fillRef>
+            <a:effectRef idx="0">
+              <a:schemeClr val="dk1"/>
+            </a:effectRef>
+            <a:fontRef idx="minor">
+              <a:schemeClr val="tx1"/>
+            </a:fontRef>
+          </p:style>
+        </p:cxnSp>
+      </p:grpSp>
+      <p:grpSp>
+        <p:nvGrpSpPr>
+          <p:cNvPr id="53" name="Gruppieren 52">
+            <a:extLst>
+              <a:ext uri="{FF2B5EF4-FFF2-40B4-BE49-F238E27FC236}">
+                <a16:creationId xmlns:a16="http://schemas.microsoft.com/office/drawing/2014/main" id="{9431872D-DA00-4CC4-8AE1-ABBAF7631436}"/>
+              </a:ext>
+            </a:extLst>
+          </p:cNvPr>
+          <p:cNvGrpSpPr/>
+          <p:nvPr/>
+        </p:nvGrpSpPr>
+        <p:grpSpPr>
+          <a:xfrm>
+            <a:off x="712380" y="1748123"/>
+            <a:ext cx="2796542" cy="1516270"/>
+            <a:chOff x="3484880" y="609600"/>
+            <a:chExt cx="2529840" cy="1584925"/>
+          </a:xfrm>
+        </p:grpSpPr>
+        <p:sp>
+          <p:nvSpPr>
+            <p:cNvPr id="54" name="Rechteck 53">
+              <a:extLst>
+                <a:ext uri="{FF2B5EF4-FFF2-40B4-BE49-F238E27FC236}">
+                  <a16:creationId xmlns:a16="http://schemas.microsoft.com/office/drawing/2014/main" id="{E4559282-2328-4915-834D-BDDD9006351F}"/>
+                </a:ext>
+              </a:extLst>
+            </p:cNvPr>
+            <p:cNvSpPr/>
+            <p:nvPr/>
+          </p:nvSpPr>
+          <p:spPr>
+            <a:xfrm>
+              <a:off x="3484880" y="609600"/>
+              <a:ext cx="2529840" cy="428786"/>
+            </a:xfrm>
+            <a:prstGeom prst="rect">
+              <a:avLst/>
+            </a:prstGeom>
+            <a:noFill/>
+            <a:ln w="9525" cap="flat" cmpd="sng" algn="ctr">
+              <a:solidFill>
+                <a:schemeClr val="dk1"/>
+              </a:solidFill>
+              <a:prstDash val="solid"/>
+              <a:round/>
+              <a:headEnd type="none" w="med" len="med"/>
+              <a:tailEnd type="arrow" w="med" len="med"/>
+            </a:ln>
+          </p:spPr>
+          <p:style>
+            <a:lnRef idx="0">
+              <a:scrgbClr r="0" g="0" b="0"/>
+            </a:lnRef>
+            <a:fillRef idx="0">
+              <a:scrgbClr r="0" g="0" b="0"/>
+            </a:fillRef>
+            <a:effectRef idx="0">
+              <a:scrgbClr r="0" g="0" b="0"/>
+            </a:effectRef>
+            <a:fontRef idx="minor">
+              <a:schemeClr val="dk1"/>
+            </a:fontRef>
+          </p:style>
+          <p:txBody>
+            <a:bodyPr rtlCol="0" anchor="ctr"/>
+            <a:lstStyle/>
+            <a:p>
+              <a:pPr algn="ctr"/>
+              <a:r>
+                <a:rPr lang="de-AT" b="1" dirty="0" err="1">
+                  <a:latin typeface="Arial" panose="020B0604020202020204" pitchFamily="34" charset="0"/>
+                  <a:cs typeface="Arial" panose="020B0604020202020204" pitchFamily="34" charset="0"/>
+                </a:rPr>
+                <a:t>FunctionBlockProperty</a:t>
+              </a:r>
+              <a:endParaRPr lang="de-AT" b="1" dirty="0">
+                <a:latin typeface="Arial" panose="020B0604020202020204" pitchFamily="34" charset="0"/>
+                <a:cs typeface="Arial" panose="020B0604020202020204" pitchFamily="34" charset="0"/>
+              </a:endParaRPr>
+            </a:p>
+          </p:txBody>
+        </p:sp>
+        <p:sp>
+          <p:nvSpPr>
+            <p:cNvPr id="55" name="Rechteck 54">
+              <a:extLst>
+                <a:ext uri="{FF2B5EF4-FFF2-40B4-BE49-F238E27FC236}">
+                  <a16:creationId xmlns:a16="http://schemas.microsoft.com/office/drawing/2014/main" id="{C641019F-045F-4191-B715-499484294F87}"/>
+                </a:ext>
+              </a:extLst>
+            </p:cNvPr>
+            <p:cNvSpPr/>
+            <p:nvPr/>
+          </p:nvSpPr>
+          <p:spPr>
+            <a:xfrm>
+              <a:off x="3484880" y="1038385"/>
+              <a:ext cx="2529840" cy="1156140"/>
+            </a:xfrm>
+            <a:prstGeom prst="rect">
+              <a:avLst/>
+            </a:prstGeom>
+            <a:noFill/>
+            <a:ln w="9525" cap="flat" cmpd="sng" algn="ctr">
+              <a:solidFill>
+                <a:schemeClr val="dk1"/>
+              </a:solidFill>
+              <a:prstDash val="solid"/>
+              <a:round/>
+              <a:headEnd type="none" w="med" len="med"/>
+              <a:tailEnd type="arrow" w="med" len="med"/>
+            </a:ln>
+          </p:spPr>
+          <p:style>
+            <a:lnRef idx="0">
+              <a:scrgbClr r="0" g="0" b="0"/>
+            </a:lnRef>
+            <a:fillRef idx="0">
+              <a:scrgbClr r="0" g="0" b="0"/>
+            </a:fillRef>
+            <a:effectRef idx="0">
+              <a:scrgbClr r="0" g="0" b="0"/>
+            </a:effectRef>
+            <a:fontRef idx="minor">
+              <a:schemeClr val="dk1"/>
+            </a:fontRef>
+          </p:style>
+          <p:txBody>
+            <a:bodyPr rtlCol="0" anchor="ctr"/>
+            <a:lstStyle/>
+            <a:p>
+              <a:pPr algn="ctr"/>
+              <a:r>
+                <a:rPr lang="de-AT" dirty="0">
+                  <a:latin typeface="Arial" panose="020B0604020202020204" pitchFamily="34" charset="0"/>
+                  <a:cs typeface="Arial" panose="020B0604020202020204" pitchFamily="34" charset="0"/>
+                </a:rPr>
+                <a:t>Name: String</a:t>
+              </a:r>
+            </a:p>
+            <a:p>
+              <a:pPr algn="ctr"/>
+              <a:r>
+                <a:rPr lang="de-AT" dirty="0">
+                  <a:latin typeface="Arial" panose="020B0604020202020204" pitchFamily="34" charset="0"/>
+                  <a:cs typeface="Arial" panose="020B0604020202020204" pitchFamily="34" charset="0"/>
+                </a:rPr>
+                <a:t>Description: String</a:t>
+              </a:r>
+            </a:p>
+            <a:p>
+              <a:pPr algn="ctr"/>
+              <a:r>
+                <a:rPr lang="de-AT" dirty="0" err="1">
+                  <a:latin typeface="Arial" panose="020B0604020202020204" pitchFamily="34" charset="0"/>
+                  <a:cs typeface="Arial" panose="020B0604020202020204" pitchFamily="34" charset="0"/>
+                </a:rPr>
+                <a:t>Multiplicity</a:t>
+              </a:r>
+              <a:r>
+                <a:rPr lang="de-AT" dirty="0">
+                  <a:latin typeface="Arial" panose="020B0604020202020204" pitchFamily="34" charset="0"/>
+                  <a:cs typeface="Arial" panose="020B0604020202020204" pitchFamily="34" charset="0"/>
+                </a:rPr>
+                <a:t>: </a:t>
+              </a:r>
+              <a:r>
+                <a:rPr lang="de-AT" dirty="0" err="1">
+                  <a:latin typeface="Arial" panose="020B0604020202020204" pitchFamily="34" charset="0"/>
+                  <a:cs typeface="Arial" panose="020B0604020202020204" pitchFamily="34" charset="0"/>
+                </a:rPr>
+                <a:t>bool</a:t>
+              </a:r>
+              <a:endParaRPr lang="de-AT" dirty="0">
+                <a:latin typeface="Arial" panose="020B0604020202020204" pitchFamily="34" charset="0"/>
+                <a:cs typeface="Arial" panose="020B0604020202020204" pitchFamily="34" charset="0"/>
+              </a:endParaRPr>
+            </a:p>
+            <a:p>
+              <a:pPr algn="ctr"/>
+              <a:r>
+                <a:rPr lang="de-AT" dirty="0">
+                  <a:latin typeface="Arial" panose="020B0604020202020204" pitchFamily="34" charset="0"/>
+                  <a:cs typeface="Arial" panose="020B0604020202020204" pitchFamily="34" charset="0"/>
+                </a:rPr>
+                <a:t>Presence: Presence</a:t>
+              </a:r>
+            </a:p>
+          </p:txBody>
+        </p:sp>
+      </p:grpSp>
+      <p:cxnSp>
+        <p:nvCxnSpPr>
+          <p:cNvPr id="56" name="Verbinder: gewinkelt 98">
+            <a:extLst>
+              <a:ext uri="{FF2B5EF4-FFF2-40B4-BE49-F238E27FC236}">
+                <a16:creationId xmlns:a16="http://schemas.microsoft.com/office/drawing/2014/main" id="{E28ABB33-13A3-4192-9F2A-F4FED86E0917}"/>
+              </a:ext>
+            </a:extLst>
+          </p:cNvPr>
+          <p:cNvCxnSpPr>
+            <a:cxnSpLocks/>
+            <a:stCxn id="55" idx="3"/>
+            <a:endCxn id="10" idx="1"/>
+          </p:cNvCxnSpPr>
+          <p:nvPr/>
+        </p:nvCxnSpPr>
+        <p:spPr>
+          <a:xfrm flipV="1">
+            <a:off x="3508922" y="2378149"/>
+            <a:ext cx="785978" cy="333215"/>
+          </a:xfrm>
+          <a:prstGeom prst="bentConnector3">
+            <a:avLst>
+              <a:gd name="adj1" fmla="val 50000"/>
+            </a:avLst>
+          </a:prstGeom>
+          <a:ln>
+            <a:headEnd type="none" w="med" len="med"/>
+            <a:tailEnd type="arrow" w="med" len="med"/>
+          </a:ln>
+        </p:spPr>
+        <p:style>
+          <a:lnRef idx="1">
+            <a:schemeClr val="dk1"/>
+          </a:lnRef>
+          <a:fillRef idx="0">
+            <a:schemeClr val="dk1"/>
+          </a:fillRef>
+          <a:effectRef idx="0">
+            <a:schemeClr val="dk1"/>
+          </a:effectRef>
+          <a:fontRef idx="minor">
+            <a:schemeClr val="tx1"/>
+          </a:fontRef>
+        </p:style>
+      </p:cxnSp>
+      <p:grpSp>
+        <p:nvGrpSpPr>
+          <p:cNvPr id="57" name="Gruppieren 56">
+            <a:extLst>
+              <a:ext uri="{FF2B5EF4-FFF2-40B4-BE49-F238E27FC236}">
+                <a16:creationId xmlns:a16="http://schemas.microsoft.com/office/drawing/2014/main" id="{499BF11F-0432-44B2-BC62-66BAF8815E51}"/>
+              </a:ext>
+            </a:extLst>
+          </p:cNvPr>
+          <p:cNvGrpSpPr/>
+          <p:nvPr/>
+        </p:nvGrpSpPr>
+        <p:grpSpPr>
+          <a:xfrm>
+            <a:off x="2110654" y="1030655"/>
+            <a:ext cx="3771333" cy="717467"/>
+            <a:chOff x="2134471" y="-452394"/>
+            <a:chExt cx="3407931" cy="765586"/>
+          </a:xfrm>
+        </p:grpSpPr>
+        <p:sp>
+          <p:nvSpPr>
+            <p:cNvPr id="58" name="Raute 57">
+              <a:extLst>
+                <a:ext uri="{FF2B5EF4-FFF2-40B4-BE49-F238E27FC236}">
+                  <a16:creationId xmlns:a16="http://schemas.microsoft.com/office/drawing/2014/main" id="{E682BA5C-38AB-49A8-BDC4-95CB8697E812}"/>
+                </a:ext>
+              </a:extLst>
+            </p:cNvPr>
+            <p:cNvSpPr/>
+            <p:nvPr/>
+          </p:nvSpPr>
+          <p:spPr>
+            <a:xfrm flipH="1">
+              <a:off x="5371781" y="-452394"/>
+              <a:ext cx="170621" cy="277558"/>
+            </a:xfrm>
+            <a:prstGeom prst="diamond">
+              <a:avLst/>
+            </a:prstGeom>
+            <a:ln>
+              <a:headEnd type="none" w="med" len="med"/>
+              <a:tailEnd type="arrow" w="med" len="med"/>
+            </a:ln>
+          </p:spPr>
+          <p:style>
+            <a:lnRef idx="2">
+              <a:schemeClr val="dk1">
+                <a:shade val="50000"/>
+              </a:schemeClr>
+            </a:lnRef>
+            <a:fillRef idx="1">
+              <a:schemeClr val="dk1"/>
+            </a:fillRef>
+            <a:effectRef idx="0">
+              <a:schemeClr val="dk1"/>
+            </a:effectRef>
+            <a:fontRef idx="minor">
+              <a:schemeClr val="lt1"/>
+            </a:fontRef>
+          </p:style>
+          <p:txBody>
+            <a:bodyPr rtlCol="0" anchor="ctr"/>
+            <a:lstStyle/>
+            <a:p>
+              <a:pPr algn="ctr"/>
+              <a:endParaRPr lang="de-AT" dirty="0">
+                <a:latin typeface="Arial" panose="020B0604020202020204" pitchFamily="34" charset="0"/>
+                <a:cs typeface="Arial" panose="020B0604020202020204" pitchFamily="34" charset="0"/>
+              </a:endParaRPr>
+            </a:p>
+          </p:txBody>
+        </p:sp>
+        <p:cxnSp>
+          <p:nvCxnSpPr>
+            <p:cNvPr id="59" name="Verbinder: gewinkelt 98">
+              <a:extLst>
+                <a:ext uri="{FF2B5EF4-FFF2-40B4-BE49-F238E27FC236}">
+                  <a16:creationId xmlns:a16="http://schemas.microsoft.com/office/drawing/2014/main" id="{04F14C3C-DA97-4FF0-838D-3FC740D336C2}"/>
+                </a:ext>
+              </a:extLst>
+            </p:cNvPr>
+            <p:cNvCxnSpPr>
+              <a:cxnSpLocks/>
+              <a:stCxn id="58" idx="2"/>
+              <a:endCxn id="54" idx="0"/>
+            </p:cNvCxnSpPr>
+            <p:nvPr/>
+          </p:nvCxnSpPr>
+          <p:spPr>
+            <a:xfrm rot="5400000">
+              <a:off x="3551767" y="-1592133"/>
+              <a:ext cx="488029" cy="3322622"/>
+            </a:xfrm>
+            <a:prstGeom prst="bentConnector3">
+              <a:avLst>
+                <a:gd name="adj1" fmla="val 50000"/>
+              </a:avLst>
+            </a:prstGeom>
+            <a:ln>
+              <a:headEnd type="none" w="med" len="med"/>
+              <a:tailEnd type="arrow" w="med" len="med"/>
+            </a:ln>
+          </p:spPr>
+          <p:style>
+            <a:lnRef idx="1">
+              <a:schemeClr val="dk1"/>
+            </a:lnRef>
+            <a:fillRef idx="0">
+              <a:schemeClr val="dk1"/>
+            </a:fillRef>
+            <a:effectRef idx="0">
+              <a:schemeClr val="dk1"/>
+            </a:effectRef>
+            <a:fontRef idx="minor">
+              <a:schemeClr val="tx1"/>
+            </a:fontRef>
+          </p:style>
+        </p:cxnSp>
+      </p:grpSp>
+      <p:sp>
+        <p:nvSpPr>
+          <p:cNvPr id="60" name="Textfeld 59">
+            <a:extLst>
+              <a:ext uri="{FF2B5EF4-FFF2-40B4-BE49-F238E27FC236}">
+                <a16:creationId xmlns:a16="http://schemas.microsoft.com/office/drawing/2014/main" id="{64A85189-5251-4AD8-8CA1-CF691F4005D4}"/>
+              </a:ext>
+            </a:extLst>
+          </p:cNvPr>
+          <p:cNvSpPr txBox="1"/>
+          <p:nvPr/>
+        </p:nvSpPr>
+        <p:spPr>
+          <a:xfrm>
+            <a:off x="2243687" y="1164579"/>
+            <a:ext cx="1698991" cy="369332"/>
+          </a:xfrm>
+          <a:prstGeom prst="rect">
+            <a:avLst/>
+          </a:prstGeom>
+          <a:noFill/>
+        </p:spPr>
+        <p:txBody>
+          <a:bodyPr wrap="none" rtlCol="0">
+            <a:spAutoFit/>
+          </a:bodyPr>
+          <a:lstStyle/>
+          <a:p>
+            <a:r>
+              <a:rPr lang="de-AT" dirty="0"/>
+              <a:t>[0..*] </a:t>
+            </a:r>
+            <a:r>
+              <a:rPr lang="de-AT" dirty="0" err="1"/>
+              <a:t>properties</a:t>
+            </a:r>
+            <a:endParaRPr lang="de-AT" dirty="0"/>
+          </a:p>
+        </p:txBody>
+      </p:sp>
+      <p:sp>
+        <p:nvSpPr>
+          <p:cNvPr id="61" name="Textfeld 60">
+            <a:extLst>
+              <a:ext uri="{FF2B5EF4-FFF2-40B4-BE49-F238E27FC236}">
+                <a16:creationId xmlns:a16="http://schemas.microsoft.com/office/drawing/2014/main" id="{39B57D7E-AD20-41C1-B768-9E45A10F2FC3}"/>
+              </a:ext>
+            </a:extLst>
+          </p:cNvPr>
+          <p:cNvSpPr txBox="1"/>
+          <p:nvPr/>
+        </p:nvSpPr>
+        <p:spPr>
+          <a:xfrm>
+            <a:off x="3328677" y="1926704"/>
+            <a:ext cx="1146468" cy="369332"/>
+          </a:xfrm>
+          <a:prstGeom prst="rect">
+            <a:avLst/>
+          </a:prstGeom>
+          <a:noFill/>
+        </p:spPr>
+        <p:txBody>
+          <a:bodyPr wrap="none" rtlCol="0">
+            <a:spAutoFit/>
+          </a:bodyPr>
+          <a:lstStyle/>
+          <a:p>
+            <a:r>
+              <a:rPr lang="de-AT" dirty="0"/>
+              <a:t>[0..1] type</a:t>
+            </a:r>
+          </a:p>
+        </p:txBody>
+      </p:sp>
+      <p:grpSp>
+        <p:nvGrpSpPr>
+          <p:cNvPr id="62" name="Gruppieren 61">
+            <a:extLst>
+              <a:ext uri="{FF2B5EF4-FFF2-40B4-BE49-F238E27FC236}">
+                <a16:creationId xmlns:a16="http://schemas.microsoft.com/office/drawing/2014/main" id="{C6E2E571-8BB6-4FD1-BFB3-21B28D79B695}"/>
+              </a:ext>
+            </a:extLst>
+          </p:cNvPr>
+          <p:cNvGrpSpPr/>
+          <p:nvPr/>
+        </p:nvGrpSpPr>
+        <p:grpSpPr>
+          <a:xfrm>
+            <a:off x="296640" y="118589"/>
+            <a:ext cx="2796542" cy="820424"/>
+            <a:chOff x="3484880" y="609600"/>
+            <a:chExt cx="2529840" cy="857572"/>
+          </a:xfrm>
+        </p:grpSpPr>
+        <p:sp>
+          <p:nvSpPr>
+            <p:cNvPr id="63" name="Rechteck 62">
+              <a:extLst>
+                <a:ext uri="{FF2B5EF4-FFF2-40B4-BE49-F238E27FC236}">
+                  <a16:creationId xmlns:a16="http://schemas.microsoft.com/office/drawing/2014/main" id="{7E67FA87-EA0F-4EBD-85CB-E1FD919964A7}"/>
+                </a:ext>
+              </a:extLst>
+            </p:cNvPr>
+            <p:cNvSpPr/>
+            <p:nvPr/>
+          </p:nvSpPr>
+          <p:spPr>
+            <a:xfrm>
+              <a:off x="3484880" y="609600"/>
+              <a:ext cx="2529840" cy="428786"/>
+            </a:xfrm>
+            <a:prstGeom prst="rect">
+              <a:avLst/>
+            </a:prstGeom>
+            <a:noFill/>
+            <a:ln w="9525" cap="flat" cmpd="sng" algn="ctr">
+              <a:solidFill>
+                <a:schemeClr val="dk1"/>
+              </a:solidFill>
+              <a:prstDash val="solid"/>
+              <a:round/>
+              <a:headEnd type="none" w="med" len="med"/>
+              <a:tailEnd type="arrow" w="med" len="med"/>
+            </a:ln>
+          </p:spPr>
+          <p:style>
+            <a:lnRef idx="0">
+              <a:scrgbClr r="0" g="0" b="0"/>
+            </a:lnRef>
+            <a:fillRef idx="0">
+              <a:scrgbClr r="0" g="0" b="0"/>
+            </a:fillRef>
+            <a:effectRef idx="0">
+              <a:scrgbClr r="0" g="0" b="0"/>
+            </a:effectRef>
+            <a:fontRef idx="minor">
+              <a:schemeClr val="dk1"/>
+            </a:fontRef>
+          </p:style>
+          <p:txBody>
+            <a:bodyPr rtlCol="0" anchor="ctr"/>
+            <a:lstStyle/>
+            <a:p>
+              <a:pPr algn="ctr"/>
+              <a:r>
+                <a:rPr lang="de-AT" b="1" dirty="0">
+                  <a:latin typeface="Arial" panose="020B0604020202020204" pitchFamily="34" charset="0"/>
+                  <a:cs typeface="Arial" panose="020B0604020202020204" pitchFamily="34" charset="0"/>
+                </a:rPr>
+                <a:t>Presence</a:t>
+              </a:r>
+            </a:p>
+          </p:txBody>
+        </p:sp>
+        <p:sp>
+          <p:nvSpPr>
+            <p:cNvPr id="64" name="Rechteck 63">
+              <a:extLst>
+                <a:ext uri="{FF2B5EF4-FFF2-40B4-BE49-F238E27FC236}">
+                  <a16:creationId xmlns:a16="http://schemas.microsoft.com/office/drawing/2014/main" id="{6E1A1EA4-C552-49CF-ADE0-3C66BC542EBB}"/>
+                </a:ext>
+              </a:extLst>
+            </p:cNvPr>
+            <p:cNvSpPr/>
+            <p:nvPr/>
+          </p:nvSpPr>
+          <p:spPr>
+            <a:xfrm>
+              <a:off x="3484880" y="1038386"/>
+              <a:ext cx="2529840" cy="428786"/>
+            </a:xfrm>
+            <a:prstGeom prst="rect">
+              <a:avLst/>
+            </a:prstGeom>
+            <a:noFill/>
+            <a:ln w="9525" cap="flat" cmpd="sng" algn="ctr">
+              <a:solidFill>
+                <a:schemeClr val="dk1"/>
+              </a:solidFill>
+              <a:prstDash val="solid"/>
+              <a:round/>
+              <a:headEnd type="none" w="med" len="med"/>
+              <a:tailEnd type="arrow" w="med" len="med"/>
+            </a:ln>
+          </p:spPr>
+          <p:style>
+            <a:lnRef idx="0">
+              <a:scrgbClr r="0" g="0" b="0"/>
+            </a:lnRef>
+            <a:fillRef idx="0">
+              <a:scrgbClr r="0" g="0" b="0"/>
+            </a:fillRef>
+            <a:effectRef idx="0">
+              <a:scrgbClr r="0" g="0" b="0"/>
+            </a:effectRef>
+            <a:fontRef idx="minor">
+              <a:schemeClr val="dk1"/>
+            </a:fontRef>
+          </p:style>
+          <p:txBody>
+            <a:bodyPr rtlCol="0" anchor="ctr"/>
+            <a:lstStyle/>
+            <a:p>
+              <a:pPr algn="ctr"/>
+              <a:r>
+                <a:rPr lang="de-AT" dirty="0" err="1">
+                  <a:latin typeface="Arial" panose="020B0604020202020204" pitchFamily="34" charset="0"/>
+                  <a:cs typeface="Arial" panose="020B0604020202020204" pitchFamily="34" charset="0"/>
+                </a:rPr>
+                <a:t>Mandatory</a:t>
+              </a:r>
+              <a:r>
+                <a:rPr lang="de-AT" dirty="0">
+                  <a:latin typeface="Arial" panose="020B0604020202020204" pitchFamily="34" charset="0"/>
+                  <a:cs typeface="Arial" panose="020B0604020202020204" pitchFamily="34" charset="0"/>
+                </a:rPr>
+                <a:t>: </a:t>
+              </a:r>
+              <a:r>
+                <a:rPr lang="de-AT" dirty="0" err="1">
+                  <a:latin typeface="Arial" panose="020B0604020202020204" pitchFamily="34" charset="0"/>
+                  <a:cs typeface="Arial" panose="020B0604020202020204" pitchFamily="34" charset="0"/>
+                </a:rPr>
+                <a:t>bool</a:t>
+              </a:r>
+              <a:endParaRPr lang="de-AT" dirty="0">
+                <a:latin typeface="Arial" panose="020B0604020202020204" pitchFamily="34" charset="0"/>
+                <a:cs typeface="Arial" panose="020B0604020202020204" pitchFamily="34" charset="0"/>
+              </a:endParaRPr>
+            </a:p>
+          </p:txBody>
+        </p:sp>
+      </p:grpSp>
+      <p:cxnSp>
+        <p:nvCxnSpPr>
+          <p:cNvPr id="65" name="Verbinder: gewinkelt 98">
+            <a:extLst>
+              <a:ext uri="{FF2B5EF4-FFF2-40B4-BE49-F238E27FC236}">
+                <a16:creationId xmlns:a16="http://schemas.microsoft.com/office/drawing/2014/main" id="{B99ACC29-9215-4EE8-90FE-91CBC8DD6EDB}"/>
+              </a:ext>
+            </a:extLst>
+          </p:cNvPr>
+          <p:cNvCxnSpPr>
+            <a:cxnSpLocks/>
+            <a:stCxn id="55" idx="2"/>
+            <a:endCxn id="21" idx="1"/>
+          </p:cNvCxnSpPr>
+          <p:nvPr/>
+        </p:nvCxnSpPr>
+        <p:spPr>
+          <a:xfrm rot="16200000" flipH="1">
+            <a:off x="3092726" y="2282317"/>
+            <a:ext cx="526683" cy="2490833"/>
+          </a:xfrm>
+          <a:prstGeom prst="bentConnector2">
+            <a:avLst/>
+          </a:prstGeom>
+          <a:ln>
+            <a:headEnd type="none" w="med" len="med"/>
+            <a:tailEnd type="arrow" w="med" len="med"/>
+          </a:ln>
+        </p:spPr>
+        <p:style>
+          <a:lnRef idx="1">
+            <a:schemeClr val="dk1"/>
+          </a:lnRef>
+          <a:fillRef idx="0">
+            <a:schemeClr val="dk1"/>
+          </a:fillRef>
+          <a:effectRef idx="0">
+            <a:schemeClr val="dk1"/>
+          </a:effectRef>
+          <a:fontRef idx="minor">
+            <a:schemeClr val="tx1"/>
+          </a:fontRef>
+        </p:style>
+      </p:cxnSp>
+      <p:sp>
+        <p:nvSpPr>
+          <p:cNvPr id="67" name="Textfeld 66">
+            <a:extLst>
+              <a:ext uri="{FF2B5EF4-FFF2-40B4-BE49-F238E27FC236}">
+                <a16:creationId xmlns:a16="http://schemas.microsoft.com/office/drawing/2014/main" id="{718CCE2B-D9BE-4F46-963B-58F4B34D73C3}"/>
+              </a:ext>
+            </a:extLst>
+          </p:cNvPr>
+          <p:cNvSpPr txBox="1"/>
+          <p:nvPr/>
+        </p:nvSpPr>
+        <p:spPr>
+          <a:xfrm>
+            <a:off x="1572071" y="3404608"/>
+            <a:ext cx="2933367" cy="369332"/>
+          </a:xfrm>
+          <a:prstGeom prst="rect">
+            <a:avLst/>
+          </a:prstGeom>
+          <a:noFill/>
+        </p:spPr>
+        <p:txBody>
+          <a:bodyPr wrap="none" rtlCol="0">
+            <a:spAutoFit/>
+          </a:bodyPr>
+          <a:lstStyle/>
+          <a:p>
+            <a:r>
+              <a:rPr lang="de-AT" dirty="0"/>
+              <a:t>[0..1] </a:t>
+            </a:r>
+            <a:r>
+              <a:rPr lang="de-AT" dirty="0" err="1"/>
+              <a:t>extendedFunctionBlock</a:t>
+            </a:r>
+            <a:endParaRPr lang="de-AT" dirty="0"/>
+          </a:p>
+        </p:txBody>
+      </p:sp>
+      <p:grpSp>
+        <p:nvGrpSpPr>
+          <p:cNvPr id="68" name="Gruppieren 67">
+            <a:extLst>
+              <a:ext uri="{FF2B5EF4-FFF2-40B4-BE49-F238E27FC236}">
+                <a16:creationId xmlns:a16="http://schemas.microsoft.com/office/drawing/2014/main" id="{8BEDD223-77A8-45DC-A5AB-D129B0B5DA26}"/>
+              </a:ext>
+            </a:extLst>
+          </p:cNvPr>
+          <p:cNvGrpSpPr/>
+          <p:nvPr/>
+        </p:nvGrpSpPr>
+        <p:grpSpPr>
+          <a:xfrm>
+            <a:off x="9680283" y="3612700"/>
+            <a:ext cx="2796542" cy="2716980"/>
+            <a:chOff x="3484880" y="609600"/>
+            <a:chExt cx="2529840" cy="2840002"/>
+          </a:xfrm>
+        </p:grpSpPr>
+        <p:sp>
+          <p:nvSpPr>
+            <p:cNvPr id="69" name="Rechteck 68">
+              <a:extLst>
+                <a:ext uri="{FF2B5EF4-FFF2-40B4-BE49-F238E27FC236}">
+                  <a16:creationId xmlns:a16="http://schemas.microsoft.com/office/drawing/2014/main" id="{D5679EE3-C950-46F3-8990-3147DF416401}"/>
+                </a:ext>
+              </a:extLst>
+            </p:cNvPr>
+            <p:cNvSpPr/>
+            <p:nvPr/>
+          </p:nvSpPr>
+          <p:spPr>
+            <a:xfrm>
+              <a:off x="3484880" y="609600"/>
+              <a:ext cx="2529840" cy="428786"/>
+            </a:xfrm>
+            <a:prstGeom prst="rect">
+              <a:avLst/>
+            </a:prstGeom>
+            <a:noFill/>
+            <a:ln w="9525" cap="flat" cmpd="sng" algn="ctr">
+              <a:solidFill>
+                <a:schemeClr val="dk1"/>
+              </a:solidFill>
+              <a:prstDash val="solid"/>
+              <a:round/>
+              <a:headEnd type="none" w="med" len="med"/>
+              <a:tailEnd type="arrow" w="med" len="med"/>
+            </a:ln>
+          </p:spPr>
+          <p:style>
+            <a:lnRef idx="0">
+              <a:scrgbClr r="0" g="0" b="0"/>
+            </a:lnRef>
+            <a:fillRef idx="0">
+              <a:scrgbClr r="0" g="0" b="0"/>
+            </a:fillRef>
+            <a:effectRef idx="0">
+              <a:scrgbClr r="0" g="0" b="0"/>
+            </a:effectRef>
+            <a:fontRef idx="minor">
+              <a:schemeClr val="dk1"/>
+            </a:fontRef>
+          </p:style>
+          <p:txBody>
+            <a:bodyPr rtlCol="0" anchor="ctr"/>
+            <a:lstStyle/>
+            <a:p>
+              <a:pPr algn="ctr"/>
+              <a:r>
+                <a:rPr lang="de-AT" b="1" dirty="0">
+                  <a:latin typeface="Arial" panose="020B0604020202020204" pitchFamily="34" charset="0"/>
+                  <a:cs typeface="Arial" panose="020B0604020202020204" pitchFamily="34" charset="0"/>
+                </a:rPr>
+                <a:t>&lt;</a:t>
+              </a:r>
+              <a:r>
+                <a:rPr lang="de-AT" b="1" dirty="0" err="1">
+                  <a:latin typeface="Arial" panose="020B0604020202020204" pitchFamily="34" charset="0"/>
+                  <a:cs typeface="Arial" panose="020B0604020202020204" pitchFamily="34" charset="0"/>
+                </a:rPr>
+                <a:t>abstract</a:t>
+              </a:r>
+              <a:r>
+                <a:rPr lang="de-AT" b="1" dirty="0">
+                  <a:latin typeface="Arial" panose="020B0604020202020204" pitchFamily="34" charset="0"/>
+                  <a:cs typeface="Arial" panose="020B0604020202020204" pitchFamily="34" charset="0"/>
+                </a:rPr>
+                <a:t>&gt; Model</a:t>
+              </a:r>
+            </a:p>
+          </p:txBody>
+        </p:sp>
+        <p:sp>
+          <p:nvSpPr>
+            <p:cNvPr id="70" name="Rechteck 69">
+              <a:extLst>
+                <a:ext uri="{FF2B5EF4-FFF2-40B4-BE49-F238E27FC236}">
+                  <a16:creationId xmlns:a16="http://schemas.microsoft.com/office/drawing/2014/main" id="{31E7FE4A-E1E1-493E-ACC6-ECCF17CE60E1}"/>
+                </a:ext>
+              </a:extLst>
+            </p:cNvPr>
+            <p:cNvSpPr/>
+            <p:nvPr/>
+          </p:nvSpPr>
+          <p:spPr>
+            <a:xfrm>
+              <a:off x="3484880" y="1038386"/>
+              <a:ext cx="2529840" cy="2411216"/>
+            </a:xfrm>
+            <a:prstGeom prst="rect">
+              <a:avLst/>
+            </a:prstGeom>
+            <a:noFill/>
+            <a:ln w="9525" cap="flat" cmpd="sng" algn="ctr">
+              <a:solidFill>
+                <a:schemeClr val="dk1"/>
+              </a:solidFill>
+              <a:prstDash val="solid"/>
+              <a:round/>
+              <a:headEnd type="none" w="med" len="med"/>
+              <a:tailEnd type="arrow" w="med" len="med"/>
+            </a:ln>
+          </p:spPr>
+          <p:style>
+            <a:lnRef idx="0">
+              <a:scrgbClr r="0" g="0" b="0"/>
+            </a:lnRef>
+            <a:fillRef idx="0">
+              <a:scrgbClr r="0" g="0" b="0"/>
+            </a:fillRef>
+            <a:effectRef idx="0">
+              <a:scrgbClr r="0" g="0" b="0"/>
+            </a:effectRef>
+            <a:fontRef idx="minor">
+              <a:schemeClr val="dk1"/>
+            </a:fontRef>
+          </p:style>
+          <p:txBody>
+            <a:bodyPr rtlCol="0" anchor="ctr"/>
+            <a:lstStyle/>
+            <a:p>
+              <a:pPr algn="ctr"/>
+              <a:r>
+                <a:rPr lang="de-AT" dirty="0">
+                  <a:latin typeface="Arial" panose="020B0604020202020204" pitchFamily="34" charset="0"/>
+                  <a:cs typeface="Arial" panose="020B0604020202020204" pitchFamily="34" charset="0"/>
+                </a:rPr>
+                <a:t>Name: String</a:t>
+              </a:r>
+            </a:p>
+            <a:p>
+              <a:pPr algn="ctr"/>
+              <a:r>
+                <a:rPr lang="de-AT" dirty="0">
+                  <a:latin typeface="Arial" panose="020B0604020202020204" pitchFamily="34" charset="0"/>
+                  <a:cs typeface="Arial" panose="020B0604020202020204" pitchFamily="34" charset="0"/>
+                </a:rPr>
+                <a:t>Namespace: String</a:t>
+              </a:r>
+            </a:p>
+            <a:p>
+              <a:pPr algn="ctr"/>
+              <a:r>
+                <a:rPr lang="de-AT" dirty="0">
+                  <a:latin typeface="Arial" panose="020B0604020202020204" pitchFamily="34" charset="0"/>
+                  <a:cs typeface="Arial" panose="020B0604020202020204" pitchFamily="34" charset="0"/>
+                </a:rPr>
+                <a:t>Version: String</a:t>
+              </a:r>
+            </a:p>
+            <a:p>
+              <a:pPr algn="ctr"/>
+              <a:r>
+                <a:rPr lang="de-AT" dirty="0">
+                  <a:latin typeface="Arial" panose="020B0604020202020204" pitchFamily="34" charset="0"/>
+                  <a:cs typeface="Arial" panose="020B0604020202020204" pitchFamily="34" charset="0"/>
+                </a:rPr>
+                <a:t>Description: String</a:t>
+              </a:r>
+            </a:p>
+            <a:p>
+              <a:pPr algn="ctr"/>
+              <a:r>
+                <a:rPr lang="de-AT" dirty="0" err="1">
+                  <a:latin typeface="Arial" panose="020B0604020202020204" pitchFamily="34" charset="0"/>
+                  <a:cs typeface="Arial" panose="020B0604020202020204" pitchFamily="34" charset="0"/>
+                </a:rPr>
+                <a:t>displayName</a:t>
+              </a:r>
+              <a:r>
+                <a:rPr lang="de-AT" dirty="0">
+                  <a:latin typeface="Arial" panose="020B0604020202020204" pitchFamily="34" charset="0"/>
+                  <a:cs typeface="Arial" panose="020B0604020202020204" pitchFamily="34" charset="0"/>
+                </a:rPr>
+                <a:t>: String</a:t>
+              </a:r>
+            </a:p>
+            <a:p>
+              <a:pPr algn="ctr"/>
+              <a:r>
+                <a:rPr lang="de-AT" dirty="0" err="1">
+                  <a:latin typeface="Arial" panose="020B0604020202020204" pitchFamily="34" charset="0"/>
+                  <a:cs typeface="Arial" panose="020B0604020202020204" pitchFamily="34" charset="0"/>
+                </a:rPr>
+                <a:t>Category</a:t>
+              </a:r>
+              <a:r>
+                <a:rPr lang="de-AT" dirty="0">
+                  <a:latin typeface="Arial" panose="020B0604020202020204" pitchFamily="34" charset="0"/>
+                  <a:cs typeface="Arial" panose="020B0604020202020204" pitchFamily="34" charset="0"/>
+                </a:rPr>
+                <a:t>: String</a:t>
+              </a:r>
+            </a:p>
+            <a:p>
+              <a:pPr algn="ctr"/>
+              <a:r>
+                <a:rPr lang="de-AT" dirty="0">
+                  <a:latin typeface="Arial" panose="020B0604020202020204" pitchFamily="34" charset="0"/>
+                  <a:cs typeface="Arial" panose="020B0604020202020204" pitchFamily="34" charset="0"/>
+                </a:rPr>
+                <a:t>Lang: </a:t>
+              </a:r>
+              <a:r>
+                <a:rPr lang="de-AT" dirty="0" err="1">
+                  <a:latin typeface="Arial" panose="020B0604020202020204" pitchFamily="34" charset="0"/>
+                  <a:cs typeface="Arial" panose="020B0604020202020204" pitchFamily="34" charset="0"/>
+                </a:rPr>
+                <a:t>VortoLangVersion</a:t>
+              </a:r>
+              <a:r>
+                <a:rPr lang="de-AT" dirty="0">
+                  <a:latin typeface="Arial" panose="020B0604020202020204" pitchFamily="34" charset="0"/>
+                  <a:cs typeface="Arial" panose="020B0604020202020204" pitchFamily="34" charset="0"/>
+                </a:rPr>
+                <a:t> = 1</a:t>
+              </a:r>
+            </a:p>
+          </p:txBody>
+        </p:sp>
+      </p:grpSp>
+      <p:grpSp>
+        <p:nvGrpSpPr>
+          <p:cNvPr id="71" name="Gruppieren 70">
+            <a:extLst>
+              <a:ext uri="{FF2B5EF4-FFF2-40B4-BE49-F238E27FC236}">
+                <a16:creationId xmlns:a16="http://schemas.microsoft.com/office/drawing/2014/main" id="{DF789A7C-CE49-48B4-8AE6-E1C6E1DC6A56}"/>
+              </a:ext>
+            </a:extLst>
+          </p:cNvPr>
+          <p:cNvGrpSpPr/>
+          <p:nvPr/>
+        </p:nvGrpSpPr>
+        <p:grpSpPr>
+          <a:xfrm>
+            <a:off x="8105483" y="929927"/>
+            <a:ext cx="2796542" cy="1533536"/>
+            <a:chOff x="3484880" y="609600"/>
+            <a:chExt cx="2529840" cy="857572"/>
+          </a:xfrm>
+        </p:grpSpPr>
+        <p:sp>
+          <p:nvSpPr>
+            <p:cNvPr id="72" name="Rechteck 71">
+              <a:extLst>
+                <a:ext uri="{FF2B5EF4-FFF2-40B4-BE49-F238E27FC236}">
+                  <a16:creationId xmlns:a16="http://schemas.microsoft.com/office/drawing/2014/main" id="{1C58C873-F6B7-42F7-A79C-70B3CC4F6145}"/>
+                </a:ext>
+              </a:extLst>
+            </p:cNvPr>
+            <p:cNvSpPr/>
+            <p:nvPr/>
+          </p:nvSpPr>
+          <p:spPr>
+            <a:xfrm>
+              <a:off x="3484880" y="609600"/>
+              <a:ext cx="2529840" cy="428786"/>
+            </a:xfrm>
+            <a:prstGeom prst="rect">
+              <a:avLst/>
+            </a:prstGeom>
+            <a:noFill/>
+            <a:ln w="9525" cap="flat" cmpd="sng" algn="ctr">
+              <a:solidFill>
+                <a:schemeClr val="dk1"/>
+              </a:solidFill>
+              <a:prstDash val="solid"/>
+              <a:round/>
+              <a:headEnd type="none" w="med" len="med"/>
+              <a:tailEnd type="arrow" w="med" len="med"/>
+            </a:ln>
+          </p:spPr>
+          <p:style>
+            <a:lnRef idx="0">
+              <a:scrgbClr r="0" g="0" b="0"/>
+            </a:lnRef>
+            <a:fillRef idx="0">
+              <a:scrgbClr r="0" g="0" b="0"/>
+            </a:fillRef>
+            <a:effectRef idx="0">
+              <a:scrgbClr r="0" g="0" b="0"/>
+            </a:effectRef>
+            <a:fontRef idx="minor">
+              <a:schemeClr val="dk1"/>
+            </a:fontRef>
+          </p:style>
+          <p:txBody>
+            <a:bodyPr rtlCol="0" anchor="ctr"/>
+            <a:lstStyle/>
+            <a:p>
+              <a:pPr algn="ctr"/>
+              <a:r>
+                <a:rPr lang="de-AT" b="1" dirty="0" err="1">
+                  <a:latin typeface="Arial" panose="020B0604020202020204" pitchFamily="34" charset="0"/>
+                  <a:cs typeface="Arial" panose="020B0604020202020204" pitchFamily="34" charset="0"/>
+                </a:rPr>
+                <a:t>ModelReference</a:t>
+              </a:r>
+              <a:endParaRPr lang="de-AT" b="1" dirty="0">
+                <a:latin typeface="Arial" panose="020B0604020202020204" pitchFamily="34" charset="0"/>
+                <a:cs typeface="Arial" panose="020B0604020202020204" pitchFamily="34" charset="0"/>
+              </a:endParaRPr>
+            </a:p>
+          </p:txBody>
+        </p:sp>
+        <p:sp>
+          <p:nvSpPr>
+            <p:cNvPr id="73" name="Rechteck 72">
+              <a:extLst>
+                <a:ext uri="{FF2B5EF4-FFF2-40B4-BE49-F238E27FC236}">
+                  <a16:creationId xmlns:a16="http://schemas.microsoft.com/office/drawing/2014/main" id="{6D21BE1C-9DE5-439A-A2B4-D8E83EC9DDB3}"/>
+                </a:ext>
+              </a:extLst>
+            </p:cNvPr>
+            <p:cNvSpPr/>
+            <p:nvPr/>
+          </p:nvSpPr>
+          <p:spPr>
+            <a:xfrm>
+              <a:off x="3484880" y="1038386"/>
+              <a:ext cx="2529840" cy="428786"/>
+            </a:xfrm>
+            <a:prstGeom prst="rect">
+              <a:avLst/>
+            </a:prstGeom>
+            <a:noFill/>
+            <a:ln w="9525" cap="flat" cmpd="sng" algn="ctr">
+              <a:solidFill>
+                <a:schemeClr val="dk1"/>
+              </a:solidFill>
+              <a:prstDash val="solid"/>
+              <a:round/>
+              <a:headEnd type="none" w="med" len="med"/>
+              <a:tailEnd type="arrow" w="med" len="med"/>
+            </a:ln>
+          </p:spPr>
+          <p:style>
+            <a:lnRef idx="0">
+              <a:scrgbClr r="0" g="0" b="0"/>
+            </a:lnRef>
+            <a:fillRef idx="0">
+              <a:scrgbClr r="0" g="0" b="0"/>
+            </a:fillRef>
+            <a:effectRef idx="0">
+              <a:scrgbClr r="0" g="0" b="0"/>
+            </a:effectRef>
+            <a:fontRef idx="minor">
+              <a:schemeClr val="dk1"/>
+            </a:fontRef>
+          </p:style>
+          <p:txBody>
+            <a:bodyPr rtlCol="0" anchor="ctr"/>
+            <a:lstStyle/>
+            <a:p>
+              <a:pPr algn="ctr"/>
+              <a:r>
+                <a:rPr lang="de-AT" dirty="0">
+                  <a:latin typeface="Arial" panose="020B0604020202020204" pitchFamily="34" charset="0"/>
+                  <a:cs typeface="Arial" panose="020B0604020202020204" pitchFamily="34" charset="0"/>
+                </a:rPr>
+                <a:t>Version: String</a:t>
+              </a:r>
+            </a:p>
+            <a:p>
+              <a:pPr algn="ctr"/>
+              <a:r>
+                <a:rPr lang="de-AT" dirty="0" err="1">
+                  <a:latin typeface="Arial" panose="020B0604020202020204" pitchFamily="34" charset="0"/>
+                  <a:cs typeface="Arial" panose="020B0604020202020204" pitchFamily="34" charset="0"/>
+                </a:rPr>
+                <a:t>importedNamespace</a:t>
+              </a:r>
+              <a:r>
+                <a:rPr lang="de-AT" dirty="0">
+                  <a:latin typeface="Arial" panose="020B0604020202020204" pitchFamily="34" charset="0"/>
+                  <a:cs typeface="Arial" panose="020B0604020202020204" pitchFamily="34" charset="0"/>
+                </a:rPr>
+                <a:t>: String</a:t>
+              </a:r>
+            </a:p>
+          </p:txBody>
+        </p:sp>
+      </p:grpSp>
+      <p:cxnSp>
+        <p:nvCxnSpPr>
+          <p:cNvPr id="74" name="Verbinder: gewinkelt 98">
+            <a:extLst>
+              <a:ext uri="{FF2B5EF4-FFF2-40B4-BE49-F238E27FC236}">
+                <a16:creationId xmlns:a16="http://schemas.microsoft.com/office/drawing/2014/main" id="{F4E9B9CF-3B74-4277-B601-B2D3C0046920}"/>
+              </a:ext>
+            </a:extLst>
+          </p:cNvPr>
+          <p:cNvCxnSpPr>
+            <a:cxnSpLocks/>
+            <a:stCxn id="9" idx="0"/>
+            <a:endCxn id="10" idx="3"/>
+          </p:cNvCxnSpPr>
+          <p:nvPr/>
+        </p:nvCxnSpPr>
+        <p:spPr>
+          <a:xfrm rot="16200000" flipH="1">
+            <a:off x="6084647" y="1371355"/>
+            <a:ext cx="615318" cy="1398271"/>
+          </a:xfrm>
+          <a:prstGeom prst="bentConnector4">
+            <a:avLst>
+              <a:gd name="adj1" fmla="val -37152"/>
+              <a:gd name="adj2" fmla="val 116349"/>
+            </a:avLst>
+          </a:prstGeom>
+          <a:ln>
+            <a:headEnd type="none" w="med" len="med"/>
+            <a:tailEnd type="arrow" w="med" len="med"/>
+          </a:ln>
+        </p:spPr>
+        <p:style>
+          <a:lnRef idx="1">
+            <a:schemeClr val="dk1"/>
+          </a:lnRef>
+          <a:fillRef idx="0">
+            <a:schemeClr val="dk1"/>
+          </a:fillRef>
+          <a:effectRef idx="0">
+            <a:schemeClr val="dk1"/>
+          </a:effectRef>
+          <a:fontRef idx="minor">
+            <a:schemeClr val="tx1"/>
+          </a:fontRef>
+        </p:style>
+      </p:cxnSp>
+      <p:sp>
+        <p:nvSpPr>
+          <p:cNvPr id="75" name="Textfeld 74">
+            <a:extLst>
+              <a:ext uri="{FF2B5EF4-FFF2-40B4-BE49-F238E27FC236}">
+                <a16:creationId xmlns:a16="http://schemas.microsoft.com/office/drawing/2014/main" id="{7909B061-5DEF-4AC5-B334-974189B67F85}"/>
+              </a:ext>
+            </a:extLst>
+          </p:cNvPr>
+          <p:cNvSpPr txBox="1"/>
+          <p:nvPr/>
+        </p:nvSpPr>
+        <p:spPr>
+          <a:xfrm>
+            <a:off x="7249813" y="2049036"/>
+            <a:ext cx="1700274" cy="369332"/>
+          </a:xfrm>
+          <a:prstGeom prst="rect">
+            <a:avLst/>
+          </a:prstGeom>
+          <a:noFill/>
+        </p:spPr>
+        <p:txBody>
+          <a:bodyPr wrap="none" rtlCol="0">
+            <a:spAutoFit/>
+          </a:bodyPr>
+          <a:lstStyle/>
+          <a:p>
+            <a:r>
+              <a:rPr lang="de-AT" dirty="0"/>
+              <a:t>[0..1] </a:t>
+            </a:r>
+            <a:r>
+              <a:rPr lang="de-AT" dirty="0" err="1"/>
+              <a:t>superType</a:t>
+            </a:r>
+            <a:endParaRPr lang="de-AT" dirty="0"/>
+          </a:p>
+        </p:txBody>
+      </p:sp>
+      <p:sp>
+        <p:nvSpPr>
+          <p:cNvPr id="76" name="Textfeld 75">
+            <a:extLst>
+              <a:ext uri="{FF2B5EF4-FFF2-40B4-BE49-F238E27FC236}">
+                <a16:creationId xmlns:a16="http://schemas.microsoft.com/office/drawing/2014/main" id="{4B2D71EF-206A-4BB3-BF8C-E1550A200D85}"/>
+              </a:ext>
+            </a:extLst>
+          </p:cNvPr>
+          <p:cNvSpPr txBox="1"/>
+          <p:nvPr/>
+        </p:nvSpPr>
+        <p:spPr>
+          <a:xfrm>
+            <a:off x="5787579" y="2971497"/>
+            <a:ext cx="2015295" cy="369332"/>
+          </a:xfrm>
+          <a:prstGeom prst="rect">
+            <a:avLst/>
+          </a:prstGeom>
+          <a:noFill/>
+        </p:spPr>
+        <p:txBody>
+          <a:bodyPr wrap="none" rtlCol="0">
+            <a:spAutoFit/>
+          </a:bodyPr>
+          <a:lstStyle/>
+          <a:p>
+            <a:r>
+              <a:rPr lang="de-AT" dirty="0"/>
+              <a:t>[0..1] </a:t>
+            </a:r>
+            <a:r>
+              <a:rPr lang="de-AT" dirty="0" err="1"/>
+              <a:t>functionBlock</a:t>
+            </a:r>
+            <a:endParaRPr lang="de-AT" dirty="0"/>
+          </a:p>
+        </p:txBody>
+      </p:sp>
+      <p:grpSp>
+        <p:nvGrpSpPr>
+          <p:cNvPr id="77" name="Gruppieren 76">
+            <a:extLst>
+              <a:ext uri="{FF2B5EF4-FFF2-40B4-BE49-F238E27FC236}">
+                <a16:creationId xmlns:a16="http://schemas.microsoft.com/office/drawing/2014/main" id="{854DEF54-4DE2-451D-BED9-D92251B6BAF5}"/>
+              </a:ext>
+            </a:extLst>
+          </p:cNvPr>
+          <p:cNvGrpSpPr/>
+          <p:nvPr/>
+        </p:nvGrpSpPr>
+        <p:grpSpPr>
+          <a:xfrm rot="10800000">
+            <a:off x="9503754" y="2463463"/>
+            <a:ext cx="1669207" cy="1137479"/>
+            <a:chOff x="4798342" y="822405"/>
+            <a:chExt cx="1508363" cy="1213767"/>
+          </a:xfrm>
+        </p:grpSpPr>
+        <p:sp>
+          <p:nvSpPr>
+            <p:cNvPr id="78" name="Raute 77">
+              <a:extLst>
+                <a:ext uri="{FF2B5EF4-FFF2-40B4-BE49-F238E27FC236}">
+                  <a16:creationId xmlns:a16="http://schemas.microsoft.com/office/drawing/2014/main" id="{FEA36FFA-A80D-46EA-939D-1CF717DA31F7}"/>
+                </a:ext>
+              </a:extLst>
+            </p:cNvPr>
+            <p:cNvSpPr/>
+            <p:nvPr/>
+          </p:nvSpPr>
+          <p:spPr>
+            <a:xfrm flipH="1">
+              <a:off x="4798342" y="822405"/>
+              <a:ext cx="170621" cy="277558"/>
+            </a:xfrm>
+            <a:prstGeom prst="diamond">
+              <a:avLst/>
+            </a:prstGeom>
+            <a:ln>
+              <a:headEnd type="none" w="med" len="med"/>
+              <a:tailEnd type="arrow" w="med" len="med"/>
+            </a:ln>
+          </p:spPr>
+          <p:style>
+            <a:lnRef idx="2">
+              <a:schemeClr val="dk1">
+                <a:shade val="50000"/>
+              </a:schemeClr>
+            </a:lnRef>
+            <a:fillRef idx="1">
+              <a:schemeClr val="dk1"/>
+            </a:fillRef>
+            <a:effectRef idx="0">
+              <a:schemeClr val="dk1"/>
+            </a:effectRef>
+            <a:fontRef idx="minor">
+              <a:schemeClr val="lt1"/>
+            </a:fontRef>
+          </p:style>
+          <p:txBody>
+            <a:bodyPr rtlCol="0" anchor="ctr"/>
+            <a:lstStyle/>
+            <a:p>
+              <a:pPr algn="ctr"/>
+              <a:endParaRPr lang="de-AT" dirty="0">
+                <a:latin typeface="Arial" panose="020B0604020202020204" pitchFamily="34" charset="0"/>
+                <a:cs typeface="Arial" panose="020B0604020202020204" pitchFamily="34" charset="0"/>
+              </a:endParaRPr>
+            </a:p>
+          </p:txBody>
+        </p:sp>
+        <p:cxnSp>
+          <p:nvCxnSpPr>
+            <p:cNvPr id="79" name="Verbinder: gewinkelt 98">
+              <a:extLst>
+                <a:ext uri="{FF2B5EF4-FFF2-40B4-BE49-F238E27FC236}">
+                  <a16:creationId xmlns:a16="http://schemas.microsoft.com/office/drawing/2014/main" id="{29462758-C2AD-4E48-8A9C-49A48D677863}"/>
+                </a:ext>
+              </a:extLst>
+            </p:cNvPr>
+            <p:cNvCxnSpPr>
+              <a:cxnSpLocks/>
+              <a:stCxn id="78" idx="2"/>
+              <a:endCxn id="73" idx="2"/>
+            </p:cNvCxnSpPr>
+            <p:nvPr/>
+          </p:nvCxnSpPr>
+          <p:spPr>
+            <a:xfrm rot="5400000" flipV="1">
+              <a:off x="5127074" y="856541"/>
+              <a:ext cx="936209" cy="1423053"/>
+            </a:xfrm>
+            <a:prstGeom prst="bentConnector3">
+              <a:avLst>
+                <a:gd name="adj1" fmla="val 50000"/>
+              </a:avLst>
+            </a:prstGeom>
+            <a:ln>
+              <a:headEnd type="none" w="med" len="med"/>
+              <a:tailEnd type="arrow" w="med" len="med"/>
+            </a:ln>
+          </p:spPr>
+          <p:style>
+            <a:lnRef idx="1">
+              <a:schemeClr val="dk1"/>
+            </a:lnRef>
+            <a:fillRef idx="0">
+              <a:schemeClr val="dk1"/>
+            </a:fillRef>
+            <a:effectRef idx="0">
+              <a:schemeClr val="dk1"/>
+            </a:effectRef>
+            <a:fontRef idx="minor">
+              <a:schemeClr val="tx1"/>
+            </a:fontRef>
+          </p:style>
+        </p:cxnSp>
+      </p:grpSp>
+      <p:sp>
+        <p:nvSpPr>
+          <p:cNvPr id="82" name="Textfeld 81">
+            <a:extLst>
+              <a:ext uri="{FF2B5EF4-FFF2-40B4-BE49-F238E27FC236}">
+                <a16:creationId xmlns:a16="http://schemas.microsoft.com/office/drawing/2014/main" id="{8A24C2A5-48BB-4752-8468-2EDE21924794}"/>
+              </a:ext>
+            </a:extLst>
+          </p:cNvPr>
+          <p:cNvSpPr txBox="1"/>
+          <p:nvPr/>
+        </p:nvSpPr>
+        <p:spPr>
+          <a:xfrm>
+            <a:off x="11172961" y="2699179"/>
+            <a:ext cx="1714508" cy="369332"/>
+          </a:xfrm>
+          <a:prstGeom prst="rect">
+            <a:avLst/>
+          </a:prstGeom>
+          <a:noFill/>
+        </p:spPr>
+        <p:txBody>
+          <a:bodyPr wrap="none" rtlCol="0">
+            <a:spAutoFit/>
+          </a:bodyPr>
+          <a:lstStyle/>
+          <a:p>
+            <a:r>
+              <a:rPr lang="de-AT" dirty="0"/>
+              <a:t>[0..*] </a:t>
+            </a:r>
+            <a:r>
+              <a:rPr lang="de-AT" dirty="0" err="1"/>
+              <a:t>references</a:t>
+            </a:r>
+            <a:endParaRPr lang="de-AT" dirty="0"/>
+          </a:p>
+        </p:txBody>
+      </p:sp>
+      <p:grpSp>
+        <p:nvGrpSpPr>
+          <p:cNvPr id="83" name="Gruppieren 82">
+            <a:extLst>
+              <a:ext uri="{FF2B5EF4-FFF2-40B4-BE49-F238E27FC236}">
+                <a16:creationId xmlns:a16="http://schemas.microsoft.com/office/drawing/2014/main" id="{D6176BCF-76EA-4A95-8899-A084D7A182E3}"/>
+              </a:ext>
+            </a:extLst>
+          </p:cNvPr>
+          <p:cNvGrpSpPr/>
+          <p:nvPr/>
+        </p:nvGrpSpPr>
+        <p:grpSpPr>
+          <a:xfrm rot="10800000">
+            <a:off x="7080003" y="2463457"/>
+            <a:ext cx="2423751" cy="188817"/>
+            <a:chOff x="4599097" y="2128697"/>
+            <a:chExt cx="2190198" cy="201480"/>
+          </a:xfrm>
+        </p:grpSpPr>
+        <p:sp>
+          <p:nvSpPr>
+            <p:cNvPr id="84" name="Raute 83">
+              <a:extLst>
+                <a:ext uri="{FF2B5EF4-FFF2-40B4-BE49-F238E27FC236}">
+                  <a16:creationId xmlns:a16="http://schemas.microsoft.com/office/drawing/2014/main" id="{090B3236-9A05-40F9-A018-3B21D040EDCD}"/>
+                </a:ext>
+              </a:extLst>
+            </p:cNvPr>
+            <p:cNvSpPr/>
+            <p:nvPr/>
+          </p:nvSpPr>
+          <p:spPr>
+            <a:xfrm rot="5400000" flipH="1">
+              <a:off x="6571032" y="2111912"/>
+              <a:ext cx="201478" cy="235048"/>
+            </a:xfrm>
+            <a:prstGeom prst="diamond">
+              <a:avLst/>
+            </a:prstGeom>
+            <a:ln>
+              <a:headEnd type="none" w="med" len="med"/>
+              <a:tailEnd type="arrow" w="med" len="med"/>
+            </a:ln>
+          </p:spPr>
+          <p:style>
+            <a:lnRef idx="2">
+              <a:schemeClr val="dk1">
+                <a:shade val="50000"/>
+              </a:schemeClr>
+            </a:lnRef>
+            <a:fillRef idx="1">
+              <a:schemeClr val="dk1"/>
+            </a:fillRef>
+            <a:effectRef idx="0">
+              <a:schemeClr val="dk1"/>
+            </a:effectRef>
+            <a:fontRef idx="minor">
+              <a:schemeClr val="lt1"/>
+            </a:fontRef>
+          </p:style>
+          <p:txBody>
+            <a:bodyPr rtlCol="0" anchor="ctr"/>
+            <a:lstStyle/>
+            <a:p>
+              <a:pPr algn="ctr"/>
+              <a:endParaRPr lang="de-AT" dirty="0">
+                <a:latin typeface="Arial" panose="020B0604020202020204" pitchFamily="34" charset="0"/>
+                <a:cs typeface="Arial" panose="020B0604020202020204" pitchFamily="34" charset="0"/>
+              </a:endParaRPr>
+            </a:p>
+          </p:txBody>
+        </p:sp>
+        <p:cxnSp>
+          <p:nvCxnSpPr>
+            <p:cNvPr id="85" name="Verbinder: gewinkelt 98">
+              <a:extLst>
+                <a:ext uri="{FF2B5EF4-FFF2-40B4-BE49-F238E27FC236}">
+                  <a16:creationId xmlns:a16="http://schemas.microsoft.com/office/drawing/2014/main" id="{071A45E5-017E-4203-85EE-C1D7314D80FC}"/>
+                </a:ext>
+              </a:extLst>
+            </p:cNvPr>
+            <p:cNvCxnSpPr>
+              <a:cxnSpLocks/>
+              <a:stCxn id="84" idx="2"/>
+              <a:endCxn id="73" idx="2"/>
+            </p:cNvCxnSpPr>
+            <p:nvPr/>
+          </p:nvCxnSpPr>
+          <p:spPr>
+            <a:xfrm rot="10800000" flipV="1">
+              <a:off x="4599097" y="2229436"/>
+              <a:ext cx="1955150" cy="100741"/>
+            </a:xfrm>
+            <a:prstGeom prst="bentConnector2">
+              <a:avLst/>
+            </a:prstGeom>
+            <a:ln>
+              <a:headEnd type="none" w="med" len="med"/>
+              <a:tailEnd type="arrow" w="med" len="med"/>
+            </a:ln>
+          </p:spPr>
+          <p:style>
+            <a:lnRef idx="1">
+              <a:schemeClr val="dk1"/>
+            </a:lnRef>
+            <a:fillRef idx="0">
+              <a:schemeClr val="dk1"/>
+            </a:fillRef>
+            <a:effectRef idx="0">
+              <a:schemeClr val="dk1"/>
+            </a:effectRef>
+            <a:fontRef idx="minor">
+              <a:schemeClr val="tx1"/>
+            </a:fontRef>
+          </p:style>
+        </p:cxnSp>
+      </p:grpSp>
+      <p:grpSp>
+        <p:nvGrpSpPr>
+          <p:cNvPr id="91" name="Gruppieren 90">
+            <a:extLst>
+              <a:ext uri="{FF2B5EF4-FFF2-40B4-BE49-F238E27FC236}">
+                <a16:creationId xmlns:a16="http://schemas.microsoft.com/office/drawing/2014/main" id="{D159B804-B5DE-48BD-891D-8064D08A39EE}"/>
+              </a:ext>
+            </a:extLst>
+          </p:cNvPr>
+          <p:cNvGrpSpPr/>
+          <p:nvPr/>
+        </p:nvGrpSpPr>
+        <p:grpSpPr>
+          <a:xfrm rot="10800000">
+            <a:off x="6978499" y="610890"/>
+            <a:ext cx="2525255" cy="319037"/>
+            <a:chOff x="4507374" y="1989741"/>
+            <a:chExt cx="2281921" cy="340434"/>
+          </a:xfrm>
+        </p:grpSpPr>
+        <p:sp>
+          <p:nvSpPr>
+            <p:cNvPr id="92" name="Raute 91">
+              <a:extLst>
+                <a:ext uri="{FF2B5EF4-FFF2-40B4-BE49-F238E27FC236}">
+                  <a16:creationId xmlns:a16="http://schemas.microsoft.com/office/drawing/2014/main" id="{2F6A13F7-4071-4B2C-A84A-90D95CD4CAA9}"/>
+                </a:ext>
+              </a:extLst>
+            </p:cNvPr>
+            <p:cNvSpPr/>
+            <p:nvPr/>
+          </p:nvSpPr>
+          <p:spPr>
+            <a:xfrm rot="5400000" flipH="1">
+              <a:off x="6571032" y="2111912"/>
+              <a:ext cx="201478" cy="235048"/>
+            </a:xfrm>
+            <a:prstGeom prst="diamond">
+              <a:avLst/>
+            </a:prstGeom>
+            <a:ln>
+              <a:headEnd type="none" w="med" len="med"/>
+              <a:tailEnd type="arrow" w="med" len="med"/>
+            </a:ln>
+          </p:spPr>
+          <p:style>
+            <a:lnRef idx="2">
+              <a:schemeClr val="dk1">
+                <a:shade val="50000"/>
+              </a:schemeClr>
+            </a:lnRef>
+            <a:fillRef idx="1">
+              <a:schemeClr val="dk1"/>
+            </a:fillRef>
+            <a:effectRef idx="0">
+              <a:schemeClr val="dk1"/>
+            </a:effectRef>
+            <a:fontRef idx="minor">
+              <a:schemeClr val="lt1"/>
+            </a:fontRef>
+          </p:style>
+          <p:txBody>
+            <a:bodyPr rtlCol="0" anchor="ctr"/>
+            <a:lstStyle/>
+            <a:p>
+              <a:pPr algn="ctr"/>
+              <a:endParaRPr lang="de-AT" dirty="0">
+                <a:latin typeface="Arial" panose="020B0604020202020204" pitchFamily="34" charset="0"/>
+                <a:cs typeface="Arial" panose="020B0604020202020204" pitchFamily="34" charset="0"/>
+              </a:endParaRPr>
+            </a:p>
+          </p:txBody>
+        </p:sp>
+        <p:cxnSp>
+          <p:nvCxnSpPr>
+            <p:cNvPr id="93" name="Verbinder: gewinkelt 98">
+              <a:extLst>
+                <a:ext uri="{FF2B5EF4-FFF2-40B4-BE49-F238E27FC236}">
+                  <a16:creationId xmlns:a16="http://schemas.microsoft.com/office/drawing/2014/main" id="{3DA29B82-96E2-4110-B8D0-DF86B6DEF114}"/>
+                </a:ext>
+              </a:extLst>
+            </p:cNvPr>
+            <p:cNvCxnSpPr>
+              <a:cxnSpLocks/>
+              <a:stCxn id="92" idx="2"/>
+              <a:endCxn id="72" idx="0"/>
+            </p:cNvCxnSpPr>
+            <p:nvPr/>
+          </p:nvCxnSpPr>
+          <p:spPr>
+            <a:xfrm rot="10800000">
+              <a:off x="4507374" y="1989741"/>
+              <a:ext cx="2046873" cy="239694"/>
+            </a:xfrm>
+            <a:prstGeom prst="bentConnector2">
+              <a:avLst/>
+            </a:prstGeom>
+            <a:ln>
+              <a:headEnd type="none" w="med" len="med"/>
+              <a:tailEnd type="arrow" w="med" len="med"/>
+            </a:ln>
+          </p:spPr>
+          <p:style>
+            <a:lnRef idx="1">
+              <a:schemeClr val="dk1"/>
+            </a:lnRef>
+            <a:fillRef idx="0">
+              <a:schemeClr val="dk1"/>
+            </a:fillRef>
+            <a:effectRef idx="0">
+              <a:schemeClr val="dk1"/>
+            </a:effectRef>
+            <a:fontRef idx="minor">
+              <a:schemeClr val="tx1"/>
+            </a:fontRef>
+          </p:style>
+        </p:cxnSp>
+      </p:grpSp>
+      <p:sp>
+        <p:nvSpPr>
+          <p:cNvPr id="95" name="Textfeld 94">
+            <a:extLst>
+              <a:ext uri="{FF2B5EF4-FFF2-40B4-BE49-F238E27FC236}">
+                <a16:creationId xmlns:a16="http://schemas.microsoft.com/office/drawing/2014/main" id="{EB4C69B6-EBB0-49A8-BDF4-8FD9F1AD170F}"/>
+              </a:ext>
+            </a:extLst>
+          </p:cNvPr>
+          <p:cNvSpPr txBox="1"/>
+          <p:nvPr/>
+        </p:nvSpPr>
+        <p:spPr>
+          <a:xfrm>
+            <a:off x="7348427" y="301479"/>
+            <a:ext cx="1714508" cy="369332"/>
+          </a:xfrm>
+          <a:prstGeom prst="rect">
+            <a:avLst/>
+          </a:prstGeom>
+          <a:noFill/>
+        </p:spPr>
+        <p:txBody>
+          <a:bodyPr wrap="none" rtlCol="0">
+            <a:spAutoFit/>
+          </a:bodyPr>
+          <a:lstStyle/>
+          <a:p>
+            <a:r>
+              <a:rPr lang="de-AT" dirty="0"/>
+              <a:t>[0..*] </a:t>
+            </a:r>
+            <a:r>
+              <a:rPr lang="de-AT" dirty="0" err="1"/>
+              <a:t>references</a:t>
+            </a:r>
+            <a:endParaRPr lang="de-AT" dirty="0"/>
+          </a:p>
+        </p:txBody>
+      </p:sp>
+      <p:sp>
+        <p:nvSpPr>
+          <p:cNvPr id="96" name="Textfeld 95">
+            <a:extLst>
+              <a:ext uri="{FF2B5EF4-FFF2-40B4-BE49-F238E27FC236}">
+                <a16:creationId xmlns:a16="http://schemas.microsoft.com/office/drawing/2014/main" id="{E3E70C1B-FE85-46AD-A204-72EB87F3DD7D}"/>
+              </a:ext>
+            </a:extLst>
+          </p:cNvPr>
+          <p:cNvSpPr txBox="1"/>
+          <p:nvPr/>
+        </p:nvSpPr>
+        <p:spPr>
+          <a:xfrm>
+            <a:off x="7348427" y="2576782"/>
+            <a:ext cx="1714508" cy="369332"/>
+          </a:xfrm>
+          <a:prstGeom prst="rect">
+            <a:avLst/>
+          </a:prstGeom>
+          <a:noFill/>
+        </p:spPr>
+        <p:txBody>
+          <a:bodyPr wrap="none" rtlCol="0">
+            <a:spAutoFit/>
+          </a:bodyPr>
+          <a:lstStyle/>
+          <a:p>
+            <a:r>
+              <a:rPr lang="de-AT" dirty="0"/>
+              <a:t>[0..*] </a:t>
+            </a:r>
+            <a:r>
+              <a:rPr lang="de-AT" dirty="0" err="1"/>
+              <a:t>references</a:t>
+            </a:r>
+            <a:endParaRPr lang="de-AT" dirty="0"/>
+          </a:p>
+        </p:txBody>
+      </p:sp>
+      <p:sp>
+        <p:nvSpPr>
+          <p:cNvPr id="100" name="Google Shape;528;g10f8d9d020d_0_26">
+            <a:extLst>
+              <a:ext uri="{FF2B5EF4-FFF2-40B4-BE49-F238E27FC236}">
+                <a16:creationId xmlns:a16="http://schemas.microsoft.com/office/drawing/2014/main" id="{BE5AA0FA-84AB-47E2-AFB8-FA7505EB7685}"/>
+              </a:ext>
+            </a:extLst>
+          </p:cNvPr>
+          <p:cNvSpPr/>
+          <p:nvPr/>
+        </p:nvSpPr>
+        <p:spPr>
+          <a:xfrm rot="5400000" flipH="1">
+            <a:off x="9476492" y="4394041"/>
+            <a:ext cx="200700" cy="177300"/>
+          </a:xfrm>
+          <a:prstGeom prst="triangle">
+            <a:avLst>
+              <a:gd name="adj" fmla="val 50000"/>
+            </a:avLst>
+          </a:prstGeom>
+          <a:solidFill>
+            <a:schemeClr val="lt1"/>
+          </a:solidFill>
+          <a:ln w="9525" cap="flat" cmpd="sng">
+            <a:solidFill>
+              <a:schemeClr val="dk1"/>
+            </a:solidFill>
+            <a:prstDash val="solid"/>
+            <a:miter lim="800000"/>
+            <a:headEnd type="none" w="sm" len="sm"/>
+            <a:tailEnd type="none" w="sm" len="sm"/>
+          </a:ln>
+        </p:spPr>
+        <p:txBody>
+          <a:bodyPr spcFirstLastPara="1" wrap="square" lIns="91425" tIns="45700" rIns="91425" bIns="45700" anchor="ctr" anchorCtr="0">
+            <a:noAutofit/>
+          </a:bodyPr>
+          <a:lstStyle/>
+          <a:p>
+            <a:pPr marL="0" marR="0" lvl="0" indent="0" algn="l" rtl="0">
+              <a:lnSpc>
+                <a:spcPct val="100000"/>
+              </a:lnSpc>
+              <a:spcBef>
+                <a:spcPts val="0"/>
+              </a:spcBef>
+              <a:spcAft>
+                <a:spcPts val="0"/>
+              </a:spcAft>
+              <a:buClr>
+                <a:srgbClr val="000000"/>
+              </a:buClr>
+              <a:buSzPts val="1404"/>
+              <a:buFont typeface="Arial"/>
+              <a:buNone/>
+            </a:pPr>
+            <a:endParaRPr sz="1404" b="0" i="0" u="none" strike="noStrike" cap="none">
+              <a:solidFill>
+                <a:schemeClr val="dk1"/>
+              </a:solidFill>
+              <a:latin typeface="Arial"/>
+              <a:ea typeface="Arial"/>
+              <a:cs typeface="Arial"/>
+              <a:sym typeface="Arial"/>
+            </a:endParaRPr>
+          </a:p>
+        </p:txBody>
+      </p:sp>
+      <p:cxnSp>
+        <p:nvCxnSpPr>
+          <p:cNvPr id="101" name="Google Shape;532;g10f8d9d020d_0_26">
+            <a:extLst>
+              <a:ext uri="{FF2B5EF4-FFF2-40B4-BE49-F238E27FC236}">
+                <a16:creationId xmlns:a16="http://schemas.microsoft.com/office/drawing/2014/main" id="{4FA9A3B0-CCE1-440F-8B3F-3BB22ACFCEF6}"/>
+              </a:ext>
+            </a:extLst>
+          </p:cNvPr>
+          <p:cNvCxnSpPr>
+            <a:cxnSpLocks/>
+            <a:stCxn id="100" idx="3"/>
+            <a:endCxn id="4" idx="3"/>
+          </p:cNvCxnSpPr>
+          <p:nvPr/>
+        </p:nvCxnSpPr>
+        <p:spPr>
+          <a:xfrm rot="10800000">
+            <a:off x="6978500" y="777527"/>
+            <a:ext cx="2509692" cy="3705164"/>
+          </a:xfrm>
+          <a:prstGeom prst="bentConnector3">
+            <a:avLst>
+              <a:gd name="adj1" fmla="val 50000"/>
+            </a:avLst>
+          </a:prstGeom>
+          <a:noFill/>
+          <a:ln w="12700" cap="flat" cmpd="sng">
+            <a:solidFill>
+              <a:schemeClr val="dk1"/>
+            </a:solidFill>
+            <a:prstDash val="solid"/>
+            <a:miter lim="800000"/>
+            <a:headEnd type="none" w="sm" len="sm"/>
+            <a:tailEnd type="none" w="sm" len="sm"/>
+          </a:ln>
+        </p:spPr>
+      </p:cxnSp>
+      <p:cxnSp>
+        <p:nvCxnSpPr>
+          <p:cNvPr id="104" name="Google Shape;532;g10f8d9d020d_0_26">
+            <a:extLst>
+              <a:ext uri="{FF2B5EF4-FFF2-40B4-BE49-F238E27FC236}">
+                <a16:creationId xmlns:a16="http://schemas.microsoft.com/office/drawing/2014/main" id="{E8C94357-7F30-4972-87A3-A7CADB290B8A}"/>
+              </a:ext>
+            </a:extLst>
+          </p:cNvPr>
+          <p:cNvCxnSpPr>
+            <a:cxnSpLocks/>
+            <a:stCxn id="100" idx="3"/>
+            <a:endCxn id="10" idx="3"/>
+          </p:cNvCxnSpPr>
+          <p:nvPr/>
+        </p:nvCxnSpPr>
+        <p:spPr>
+          <a:xfrm rot="10800000">
+            <a:off x="7091442" y="2378149"/>
+            <a:ext cx="2396750" cy="2104542"/>
+          </a:xfrm>
+          <a:prstGeom prst="bentConnector3">
+            <a:avLst>
+              <a:gd name="adj1" fmla="val 50000"/>
+            </a:avLst>
+          </a:prstGeom>
+          <a:noFill/>
+          <a:ln w="12700" cap="flat" cmpd="sng">
+            <a:solidFill>
+              <a:schemeClr val="dk1"/>
+            </a:solidFill>
+            <a:prstDash val="solid"/>
+            <a:miter lim="800000"/>
+            <a:headEnd type="none" w="sm" len="sm"/>
+            <a:tailEnd type="none" w="sm" len="sm"/>
+          </a:ln>
+        </p:spPr>
+      </p:cxnSp>
+    </p:spTree>
+    <p:extLst>
+      <p:ext uri="{BB962C8B-B14F-4D97-AF65-F5344CB8AC3E}">
+        <p14:creationId xmlns:p14="http://schemas.microsoft.com/office/powerpoint/2010/main" val="766781487"/>
       </p:ext>
     </p:extLst>
   </p:cSld>

--- a/Figures.pptx
+++ b/Figures.pptx
@@ -8253,7 +8253,7 @@
         </p:nvSpPr>
         <p:spPr>
           <a:xfrm>
-            <a:off x="11172961" y="2699179"/>
+            <a:off x="8600956" y="2945108"/>
             <a:ext cx="1714508" cy="369332"/>
           </a:xfrm>
           <a:prstGeom prst="rect">
@@ -8297,12 +8297,12 @@
         </p:nvCxnSpPr>
         <p:spPr>
           <a:xfrm rot="10800000">
-            <a:off x="6978500" y="777528"/>
-            <a:ext cx="2524482" cy="4385263"/>
+            <a:off x="6978500" y="777527"/>
+            <a:ext cx="1774786" cy="4417216"/>
           </a:xfrm>
           <a:prstGeom prst="bentConnector3">
             <a:avLst>
-              <a:gd name="adj1" fmla="val 46604"/>
+              <a:gd name="adj1" fmla="val 50000"/>
             </a:avLst>
           </a:prstGeom>
           <a:noFill/>
@@ -8335,8 +8335,8 @@
         </p:nvCxnSpPr>
         <p:spPr>
           <a:xfrm rot="10800000">
-            <a:off x="7118428" y="4537256"/>
-            <a:ext cx="2384554" cy="625535"/>
+            <a:off x="7118428" y="4537255"/>
+            <a:ext cx="1634858" cy="657488"/>
           </a:xfrm>
           <a:prstGeom prst="bentConnector3">
             <a:avLst>
@@ -8369,7 +8369,7 @@
         </p:nvSpPr>
         <p:spPr>
           <a:xfrm rot="5400000" flipH="1">
-            <a:off x="9491282" y="5074140"/>
+            <a:off x="8741586" y="5106093"/>
             <a:ext cx="200700" cy="177300"/>
           </a:xfrm>
           <a:prstGeom prst="triangle">
@@ -8978,7 +8978,7 @@
                   <a:latin typeface="Arial" panose="020B0604020202020204" pitchFamily="34" charset="0"/>
                   <a:cs typeface="Arial" panose="020B0604020202020204" pitchFamily="34" charset="0"/>
                 </a:rPr>
-                <a:t>[0..*]</a:t>
+                <a:t>[0..*] </a:t>
               </a:r>
               <a:r>
                 <a:rPr lang="de-AT" sz="1600" dirty="0" err="1">
@@ -9976,6 +9976,162 @@
           </p:style>
         </p:cxnSp>
       </p:grpSp>
+      <p:grpSp>
+        <p:nvGrpSpPr>
+          <p:cNvPr id="32" name="Gruppieren 31">
+            <a:extLst>
+              <a:ext uri="{FF2B5EF4-FFF2-40B4-BE49-F238E27FC236}">
+                <a16:creationId xmlns:a16="http://schemas.microsoft.com/office/drawing/2014/main" id="{896C9A9A-FC0D-46FE-8198-2B27096A8AC1}"/>
+              </a:ext>
+            </a:extLst>
+          </p:cNvPr>
+          <p:cNvGrpSpPr/>
+          <p:nvPr/>
+        </p:nvGrpSpPr>
+        <p:grpSpPr>
+          <a:xfrm>
+            <a:off x="2229500" y="3657428"/>
+            <a:ext cx="6724395" cy="2557624"/>
+            <a:chOff x="5460060" y="1377472"/>
+            <a:chExt cx="5878722" cy="4040399"/>
+          </a:xfrm>
+        </p:grpSpPr>
+        <p:sp>
+          <p:nvSpPr>
+            <p:cNvPr id="33" name="Raute 32">
+              <a:extLst>
+                <a:ext uri="{FF2B5EF4-FFF2-40B4-BE49-F238E27FC236}">
+                  <a16:creationId xmlns:a16="http://schemas.microsoft.com/office/drawing/2014/main" id="{2B4007B4-1A13-4D71-930E-A01652F46A93}"/>
+                </a:ext>
+              </a:extLst>
+            </p:cNvPr>
+            <p:cNvSpPr/>
+            <p:nvPr/>
+          </p:nvSpPr>
+          <p:spPr>
+            <a:xfrm flipH="1">
+              <a:off x="5460060" y="1377472"/>
+              <a:ext cx="170621" cy="277558"/>
+            </a:xfrm>
+            <a:prstGeom prst="diamond">
+              <a:avLst/>
+            </a:prstGeom>
+            <a:ln>
+              <a:headEnd type="none" w="med" len="med"/>
+              <a:tailEnd type="arrow" w="med" len="med"/>
+            </a:ln>
+          </p:spPr>
+          <p:style>
+            <a:lnRef idx="2">
+              <a:schemeClr val="dk1">
+                <a:shade val="50000"/>
+              </a:schemeClr>
+            </a:lnRef>
+            <a:fillRef idx="1">
+              <a:schemeClr val="dk1"/>
+            </a:fillRef>
+            <a:effectRef idx="0">
+              <a:schemeClr val="dk1"/>
+            </a:effectRef>
+            <a:fontRef idx="minor">
+              <a:schemeClr val="lt1"/>
+            </a:fontRef>
+          </p:style>
+          <p:txBody>
+            <a:bodyPr rtlCol="0" anchor="ctr"/>
+            <a:lstStyle/>
+            <a:p>
+              <a:pPr algn="ctr"/>
+              <a:endParaRPr lang="de-AT" dirty="0">
+                <a:latin typeface="Arial" panose="020B0604020202020204" pitchFamily="34" charset="0"/>
+                <a:cs typeface="Arial" panose="020B0604020202020204" pitchFamily="34" charset="0"/>
+              </a:endParaRPr>
+            </a:p>
+          </p:txBody>
+        </p:sp>
+        <p:cxnSp>
+          <p:nvCxnSpPr>
+            <p:cNvPr id="49" name="Verbinder: gewinkelt 98">
+              <a:extLst>
+                <a:ext uri="{FF2B5EF4-FFF2-40B4-BE49-F238E27FC236}">
+                  <a16:creationId xmlns:a16="http://schemas.microsoft.com/office/drawing/2014/main" id="{8B943DCD-4496-4B09-AA97-5AEC74D4EEED}"/>
+                </a:ext>
+              </a:extLst>
+            </p:cNvPr>
+            <p:cNvCxnSpPr>
+              <a:cxnSpLocks/>
+              <a:stCxn id="33" idx="2"/>
+              <a:endCxn id="28" idx="2"/>
+            </p:cNvCxnSpPr>
+            <p:nvPr/>
+          </p:nvCxnSpPr>
+          <p:spPr>
+            <a:xfrm rot="16200000" flipH="1">
+              <a:off x="6560655" y="639744"/>
+              <a:ext cx="3762842" cy="5793412"/>
+            </a:xfrm>
+            <a:prstGeom prst="bentConnector3">
+              <a:avLst>
+                <a:gd name="adj1" fmla="val 109597"/>
+              </a:avLst>
+            </a:prstGeom>
+            <a:ln>
+              <a:headEnd type="none" w="med" len="med"/>
+              <a:tailEnd type="arrow" w="med" len="med"/>
+            </a:ln>
+          </p:spPr>
+          <p:style>
+            <a:lnRef idx="1">
+              <a:schemeClr val="dk1"/>
+            </a:lnRef>
+            <a:fillRef idx="0">
+              <a:schemeClr val="dk1"/>
+            </a:fillRef>
+            <a:effectRef idx="0">
+              <a:schemeClr val="dk1"/>
+            </a:effectRef>
+            <a:fontRef idx="minor">
+              <a:schemeClr val="tx1"/>
+            </a:fontRef>
+          </p:style>
+        </p:cxnSp>
+      </p:grpSp>
+      <p:sp>
+        <p:nvSpPr>
+          <p:cNvPr id="50" name="Textfeld 49">
+            <a:extLst>
+              <a:ext uri="{FF2B5EF4-FFF2-40B4-BE49-F238E27FC236}">
+                <a16:creationId xmlns:a16="http://schemas.microsoft.com/office/drawing/2014/main" id="{4D17EC78-651B-4507-AA55-742D10FE5468}"/>
+              </a:ext>
+            </a:extLst>
+          </p:cNvPr>
+          <p:cNvSpPr txBox="1"/>
+          <p:nvPr/>
+        </p:nvSpPr>
+        <p:spPr>
+          <a:xfrm>
+            <a:off x="2595957" y="6021416"/>
+            <a:ext cx="1157176" cy="369332"/>
+          </a:xfrm>
+          <a:prstGeom prst="rect">
+            <a:avLst/>
+          </a:prstGeom>
+          <a:noFill/>
+        </p:spPr>
+        <p:txBody>
+          <a:bodyPr wrap="none" rtlCol="0">
+            <a:spAutoFit/>
+          </a:bodyPr>
+          <a:lstStyle/>
+          <a:p>
+            <a:r>
+              <a:rPr lang="de-AT" dirty="0" err="1"/>
+              <a:t>properties</a:t>
+            </a:r>
+            <a:endParaRPr lang="de-AT" dirty="0"/>
+          </a:p>
+        </p:txBody>
+      </p:sp>
     </p:spTree>
     <p:extLst>
       <p:ext uri="{BB962C8B-B14F-4D97-AF65-F5344CB8AC3E}">
@@ -10106,8 +10262,8 @@
             </a:solidFill>
             <a:prstDash val="solid"/>
             <a:miter lim="800000"/>
-            <a:headEnd type="none" w="sm" len="sm"/>
-            <a:tailEnd type="none" w="sm" len="sm"/>
+            <a:headEnd type="none" w="med" len="med"/>
+            <a:tailEnd type="triangle" w="med" len="med"/>
           </a:ln>
         </p:spPr>
       </p:cxnSp>
@@ -10268,7 +10424,7 @@
                   <a:buNone/>
                 </a:pPr>
                 <a:r>
-                  <a:rPr lang="en-US" sz="1100" b="0" i="0" u="none" strike="noStrike" cap="none">
+                  <a:rPr lang="en-US" sz="1100" b="0" i="0" u="none" strike="noStrike" cap="none" dirty="0">
                     <a:solidFill>
                       <a:schemeClr val="dk1"/>
                     </a:solidFill>
@@ -10279,7 +10435,7 @@
                   </a:rPr>
                   <a:t>Entity</a:t>
                 </a:r>
-                <a:endParaRPr sz="1400" b="0" i="0" u="none" strike="noStrike" cap="none">
+                <a:endParaRPr sz="1400" b="0" i="0" u="none" strike="noStrike" cap="none" dirty="0">
                   <a:solidFill>
                     <a:srgbClr val="000000"/>
                   </a:solidFill>
@@ -10373,7 +10529,7 @@
                 <a:buNone/>
               </a:pPr>
               <a:r>
-                <a:rPr lang="en-US" sz="1100" b="0" i="0" u="none" strike="noStrike" cap="none">
+                <a:rPr lang="en-US" sz="1100" b="0" i="0" u="none" strike="noStrike" cap="none" dirty="0">
                   <a:solidFill>
                     <a:schemeClr val="dk1"/>
                   </a:solidFill>
@@ -10384,7 +10540,7 @@
                 </a:rPr>
                 <a:t>String name</a:t>
               </a:r>
-              <a:endParaRPr sz="1400" b="0" i="0" u="none" strike="noStrike" cap="none">
+              <a:endParaRPr sz="1400" b="0" i="0" u="none" strike="noStrike" cap="none" dirty="0">
                 <a:solidFill>
                   <a:srgbClr val="000000"/>
                 </a:solidFill>
@@ -10413,7 +10569,7 @@
                 <a:buNone/>
               </a:pPr>
               <a:r>
-                <a:rPr lang="en-US" sz="1100" b="0" i="0" u="none" strike="noStrike" cap="none">
+                <a:rPr lang="en-US" sz="1100" b="0" i="0" u="none" strike="noStrike" cap="none" dirty="0">
                   <a:solidFill>
                     <a:schemeClr val="dk1"/>
                   </a:solidFill>
@@ -10422,9 +10578,21 @@
                   <a:cs typeface="Arial"/>
                   <a:sym typeface="Arial"/>
                 </a:rPr>
-                <a:t>String entityId</a:t>
-              </a:r>
-              <a:endParaRPr sz="1100" b="0" i="0" u="none" strike="noStrike" cap="none">
+                <a:t>String </a:t>
+              </a:r>
+              <a:r>
+                <a:rPr lang="en-US" sz="1100" b="0" i="0" u="none" strike="noStrike" cap="none" dirty="0" err="1">
+                  <a:solidFill>
+                    <a:schemeClr val="dk1"/>
+                  </a:solidFill>
+                  <a:latin typeface="Arial"/>
+                  <a:ea typeface="Arial"/>
+                  <a:cs typeface="Arial"/>
+                  <a:sym typeface="Arial"/>
+                </a:rPr>
+                <a:t>entityId</a:t>
+              </a:r>
+              <a:endParaRPr sz="1100" b="0" i="0" u="none" strike="noStrike" cap="none" dirty="0">
                 <a:solidFill>
                   <a:schemeClr val="dk1"/>
                 </a:solidFill>
@@ -10453,7 +10621,7 @@
                 <a:buNone/>
               </a:pPr>
               <a:r>
-                <a:rPr lang="en-US" sz="1100" b="0" i="0" u="none" strike="noStrike" cap="none">
+                <a:rPr lang="en-US" sz="1100" b="0" i="0" u="none" strike="noStrike" cap="none" dirty="0">
                   <a:solidFill>
                     <a:schemeClr val="dk1"/>
                   </a:solidFill>
@@ -10464,7 +10632,7 @@
                 </a:rPr>
                 <a:t>String description</a:t>
               </a:r>
-              <a:endParaRPr sz="1400" b="0" i="0" u="none" strike="noStrike" cap="none">
+              <a:endParaRPr sz="1400" b="0" i="0" u="none" strike="noStrike" cap="none" dirty="0">
                 <a:solidFill>
                   <a:srgbClr val="000000"/>
                 </a:solidFill>
@@ -10868,7 +11036,7 @@
                 <a:buNone/>
               </a:pPr>
               <a:r>
-                <a:rPr lang="en-US" sz="1100" b="0" i="0" u="none" strike="noStrike" cap="none">
+                <a:rPr lang="en-US" sz="1100" b="0" i="0" u="none" strike="noStrike" cap="none" dirty="0">
                   <a:solidFill>
                     <a:schemeClr val="dk1"/>
                   </a:solidFill>
@@ -10879,7 +11047,7 @@
                 </a:rPr>
                 <a:t>String name</a:t>
               </a:r>
-              <a:endParaRPr sz="1400" b="0" i="0" u="none" strike="noStrike" cap="none">
+              <a:endParaRPr sz="1400" b="0" i="0" u="none" strike="noStrike" cap="none" dirty="0">
                 <a:solidFill>
                   <a:srgbClr val="000000"/>
                 </a:solidFill>
@@ -11609,76 +11777,6 @@
               <a:chExt cx="1898035" cy="768300"/>
             </a:xfrm>
           </p:grpSpPr>
-          <p:sp>
-            <p:nvSpPr>
-              <p:cNvPr id="29" name="Google Shape;528;g10f8d9d020d_0_26">
-                <a:extLst>
-                  <a:ext uri="{FF2B5EF4-FFF2-40B4-BE49-F238E27FC236}">
-                    <a16:creationId xmlns:a16="http://schemas.microsoft.com/office/drawing/2014/main" id="{FA6EE499-F7E8-4164-A927-F93131F9BA0F}"/>
-                  </a:ext>
-                </a:extLst>
-              </p:cNvPr>
-              <p:cNvSpPr/>
-              <p:nvPr/>
-            </p:nvSpPr>
-            <p:spPr>
-              <a:xfrm rot="5400000" flipH="1">
-                <a:off x="4707354" y="3452898"/>
-                <a:ext cx="200700" cy="177300"/>
-              </a:xfrm>
-              <a:prstGeom prst="triangle">
-                <a:avLst>
-                  <a:gd name="adj" fmla="val 50000"/>
-                </a:avLst>
-              </a:prstGeom>
-              <a:solidFill>
-                <a:schemeClr val="lt1"/>
-              </a:solidFill>
-              <a:ln w="9525" cap="flat" cmpd="sng">
-                <a:solidFill>
-                  <a:schemeClr val="dk1"/>
-                </a:solidFill>
-                <a:prstDash val="solid"/>
-                <a:miter lim="800000"/>
-                <a:headEnd type="none" w="sm" len="sm"/>
-                <a:tailEnd type="none" w="sm" len="sm"/>
-              </a:ln>
-            </p:spPr>
-            <p:txBody>
-              <a:bodyPr spcFirstLastPara="1" wrap="square" lIns="91425" tIns="45700" rIns="91425" bIns="45700" anchor="ctr" anchorCtr="0">
-                <a:noAutofit/>
-              </a:bodyPr>
-              <a:lstStyle/>
-              <a:p>
-                <a:pPr marL="0" marR="0" lvl="0" indent="0" algn="l" rtl="0">
-                  <a:lnSpc>
-                    <a:spcPct val="100000"/>
-                  </a:lnSpc>
-                  <a:spcBef>
-                    <a:spcPts val="0"/>
-                  </a:spcBef>
-                  <a:spcAft>
-                    <a:spcPts val="0"/>
-                  </a:spcAft>
-                  <a:buClr>
-                    <a:srgbClr val="000000"/>
-                  </a:buClr>
-                  <a:buSzPts val="1404"/>
-                  <a:buFont typeface="Arial"/>
-                  <a:buNone/>
-                </a:pPr>
-                <a:endParaRPr sz="1404" b="0" i="0" u="none" strike="noStrike" cap="none">
-                  <a:solidFill>
-                    <a:schemeClr val="dk1"/>
-                  </a:solidFill>
-                  <a:latin typeface="Arial"/>
-                  <a:ea typeface="Arial"/>
-                  <a:cs typeface="Arial"/>
-                  <a:sym typeface="Arial"/>
-                </a:endParaRPr>
-              </a:p>
-            </p:txBody>
-          </p:sp>
           <p:grpSp>
             <p:nvGrpSpPr>
               <p:cNvPr id="30" name="Google Shape;529;g10f8d9d020d_0_26">
@@ -11850,19 +11948,20 @@
                 </a:extLst>
               </p:cNvPr>
               <p:cNvCxnSpPr>
-                <a:stCxn id="29" idx="3"/>
+                <a:cxnSpLocks/>
+                <a:stCxn id="35" idx="1"/>
                 <a:endCxn id="33" idx="1"/>
               </p:cNvCxnSpPr>
               <p:nvPr/>
             </p:nvCxnSpPr>
             <p:spPr>
-              <a:xfrm>
-                <a:off x="4719054" y="3541548"/>
-                <a:ext cx="182700" cy="362400"/>
+              <a:xfrm rot="10800000" flipH="1" flipV="1">
+                <a:off x="4901596" y="3526716"/>
+                <a:ext cx="94" cy="377220"/>
               </a:xfrm>
               <a:prstGeom prst="bentConnector3">
                 <a:avLst>
-                  <a:gd name="adj1" fmla="val -130337"/>
+                  <a:gd name="adj1" fmla="val -243191489"/>
                 </a:avLst>
               </a:prstGeom>
               <a:noFill/>
@@ -11872,8 +11971,8 @@
                 </a:solidFill>
                 <a:prstDash val="solid"/>
                 <a:miter lim="800000"/>
-                <a:headEnd type="none" w="sm" len="sm"/>
-                <a:tailEnd type="none" w="sm" len="sm"/>
+                <a:headEnd type="none" w="med" len="med"/>
+                <a:tailEnd type="triangle" w="med" len="med"/>
               </a:ln>
             </p:spPr>
           </p:cxnSp>
@@ -11926,7 +12025,7 @@
                   <a:buNone/>
                 </a:pPr>
                 <a:r>
-                  <a:rPr lang="en-US" sz="1100" b="0" i="0" u="none" strike="noStrike" cap="none">
+                  <a:rPr lang="en-US" sz="1100" b="0" i="0" u="none" strike="noStrike" cap="none" dirty="0">
                     <a:solidFill>
                       <a:schemeClr val="dk1"/>
                     </a:solidFill>
@@ -11937,7 +12036,7 @@
                   </a:rPr>
                   <a:t>15</a:t>
                 </a:r>
-                <a:endParaRPr sz="1400" b="0" i="0" u="none" strike="noStrike" cap="none">
+                <a:endParaRPr sz="1400" b="0" i="0" u="none" strike="noStrike" cap="none" dirty="0">
                   <a:solidFill>
                     <a:srgbClr val="000000"/>
                   </a:solidFill>
@@ -12776,7 +12875,7 @@
                   <a:buNone/>
                 </a:pPr>
                 <a:r>
-                  <a:rPr lang="en-US" sz="1100" b="0" i="0" u="none" strike="noStrike" cap="none">
+                  <a:rPr lang="en-US" sz="1100" b="0" i="0" u="none" strike="noStrike" cap="none" dirty="0" err="1">
                     <a:solidFill>
                       <a:schemeClr val="dk1"/>
                     </a:solidFill>
@@ -12787,7 +12886,7 @@
                   </a:rPr>
                   <a:t>DataType</a:t>
                 </a:r>
-                <a:endParaRPr sz="1100" b="0" i="0" u="none" strike="noStrike" cap="none">
+                <a:endParaRPr sz="1100" b="0" i="0" u="none" strike="noStrike" cap="none" dirty="0">
                   <a:solidFill>
                     <a:schemeClr val="dk1"/>
                   </a:solidFill>
@@ -13619,7 +13718,7 @@
               <a:buNone/>
             </a:pPr>
             <a:r>
-              <a:rPr lang="en-US" sz="1100" b="0" i="0" u="none" strike="noStrike" cap="none">
+              <a:rPr lang="en-US" sz="1100" b="0" i="0" u="none" strike="noStrike" cap="none" dirty="0">
                 <a:solidFill>
                   <a:schemeClr val="dk1"/>
                 </a:solidFill>
@@ -13630,7 +13729,7 @@
               </a:rPr>
               <a:t>*</a:t>
             </a:r>
-            <a:endParaRPr sz="1400" b="0" i="0" u="none" strike="noStrike" cap="none">
+            <a:endParaRPr sz="1400" b="0" i="0" u="none" strike="noStrike" cap="none" dirty="0">
               <a:solidFill>
                 <a:srgbClr val="000000"/>
               </a:solidFill>
@@ -13691,7 +13790,7 @@
               <a:buNone/>
             </a:pPr>
             <a:r>
-              <a:rPr lang="en-US" sz="1100" b="0" i="0" u="none" strike="noStrike" cap="none">
+              <a:rPr lang="en-US" sz="1100" b="0" i="0" u="none" strike="noStrike" cap="none" dirty="0">
                 <a:solidFill>
                   <a:schemeClr val="dk1"/>
                 </a:solidFill>
@@ -13702,7 +13801,7 @@
               </a:rPr>
               <a:t>1</a:t>
             </a:r>
-            <a:endParaRPr sz="1400" b="0" i="0" u="none" strike="noStrike" cap="none">
+            <a:endParaRPr sz="1400" b="0" i="0" u="none" strike="noStrike" cap="none" dirty="0">
               <a:solidFill>
                 <a:srgbClr val="000000"/>
               </a:solidFill>

--- a/Figures.pptx
+++ b/Figures.pptx
@@ -10175,9 +10175,9 @@
           <p:nvPr/>
         </p:nvSpPr>
         <p:spPr>
-          <a:xfrm rot="-5566687">
-            <a:off x="1694858" y="1865950"/>
-            <a:ext cx="215900" cy="360363"/>
+          <a:xfrm>
+            <a:off x="2240266" y="2168678"/>
+            <a:ext cx="231020" cy="407432"/>
           </a:xfrm>
           <a:prstGeom prst="flowChartDecision">
             <a:avLst/>
@@ -10218,7 +10218,7 @@
               <a:buFont typeface="Arial"/>
               <a:buNone/>
             </a:pPr>
-            <a:endParaRPr sz="1404" b="0" i="0" u="none" strike="noStrike" cap="none">
+            <a:endParaRPr sz="2000" b="0" i="0" u="none" strike="noStrike" cap="none">
               <a:solidFill>
                 <a:schemeClr val="dk1"/>
               </a:solidFill>
@@ -10230,43 +10230,6 @@
           </a:p>
         </p:txBody>
       </p:sp>
-      <p:cxnSp>
-        <p:nvCxnSpPr>
-          <p:cNvPr id="3" name="Google Shape;503;g10f8d9d020d_0_26">
-            <a:extLst>
-              <a:ext uri="{FF2B5EF4-FFF2-40B4-BE49-F238E27FC236}">
-                <a16:creationId xmlns:a16="http://schemas.microsoft.com/office/drawing/2014/main" id="{0AC2C177-704C-4673-9CEE-F53109E4CC7A}"/>
-              </a:ext>
-            </a:extLst>
-          </p:cNvPr>
-          <p:cNvCxnSpPr>
-            <a:stCxn id="2" idx="2"/>
-            <a:endCxn id="18" idx="1"/>
-          </p:cNvCxnSpPr>
-          <p:nvPr/>
-        </p:nvCxnSpPr>
-        <p:spPr>
-          <a:xfrm>
-            <a:off x="1982778" y="2037398"/>
-            <a:ext cx="282000" cy="601500"/>
-          </a:xfrm>
-          <a:prstGeom prst="bentConnector3">
-            <a:avLst>
-              <a:gd name="adj1" fmla="val 49973"/>
-            </a:avLst>
-          </a:prstGeom>
-          <a:noFill/>
-          <a:ln w="12700" cap="flat" cmpd="sng">
-            <a:solidFill>
-              <a:schemeClr val="dk1"/>
-            </a:solidFill>
-            <a:prstDash val="solid"/>
-            <a:miter lim="800000"/>
-            <a:headEnd type="none" w="med" len="med"/>
-            <a:tailEnd type="triangle" w="med" len="med"/>
-          </a:ln>
-        </p:spPr>
-      </p:cxnSp>
       <p:grpSp>
         <p:nvGrpSpPr>
           <p:cNvPr id="4" name="Google Shape;505;g10f8d9d020d_0_26">
@@ -10281,10 +10244,10 @@
         </p:nvGrpSpPr>
         <p:grpSpPr>
           <a:xfrm>
-            <a:off x="244706" y="1518022"/>
-            <a:ext cx="1372895" cy="938700"/>
+            <a:off x="1317178" y="889587"/>
+            <a:ext cx="2095560" cy="1270913"/>
             <a:chOff x="2099942" y="1230596"/>
-            <a:chExt cx="1372895" cy="938700"/>
+            <a:chExt cx="1372895" cy="867083"/>
           </a:xfrm>
         </p:grpSpPr>
         <p:grpSp>
@@ -10302,9 +10265,9 @@
           <p:grpSpPr>
             <a:xfrm>
               <a:off x="2099942" y="1230596"/>
-              <a:ext cx="1372718" cy="938700"/>
+              <a:ext cx="1372718" cy="867083"/>
               <a:chOff x="2785377" y="1573191"/>
-              <a:chExt cx="1709700" cy="938700"/>
+              <a:chExt cx="1709700" cy="867083"/>
             </a:xfrm>
           </p:grpSpPr>
           <p:sp>
@@ -10322,7 +10285,7 @@
             <p:spPr>
               <a:xfrm>
                 <a:off x="2785377" y="1573191"/>
-                <a:ext cx="1709700" cy="938700"/>
+                <a:ext cx="1709700" cy="867083"/>
               </a:xfrm>
               <a:prstGeom prst="rect">
                 <a:avLst/>
@@ -10363,7 +10326,7 @@
                   <a:buFont typeface="Arial"/>
                   <a:buNone/>
                 </a:pPr>
-                <a:endParaRPr sz="1100" b="0" i="0" u="none" strike="noStrike" cap="none">
+                <a:endParaRPr sz="1600" b="0" i="0" u="none" strike="noStrike" cap="none">
                   <a:solidFill>
                     <a:schemeClr val="dk1"/>
                   </a:solidFill>
@@ -10390,7 +10353,7 @@
             <p:spPr>
               <a:xfrm>
                 <a:off x="2785377" y="1663679"/>
-                <a:ext cx="1709700" cy="193800"/>
+                <a:ext cx="1709700" cy="148825"/>
               </a:xfrm>
               <a:prstGeom prst="rect">
                 <a:avLst/>
@@ -10424,7 +10387,7 @@
                   <a:buNone/>
                 </a:pPr>
                 <a:r>
-                  <a:rPr lang="en-US" sz="1100" b="0" i="0" u="none" strike="noStrike" cap="none" dirty="0">
+                  <a:rPr lang="en-US" sz="1600" b="1" i="0" u="none" strike="noStrike" cap="none" dirty="0">
                     <a:solidFill>
                       <a:schemeClr val="dk1"/>
                     </a:solidFill>
@@ -10435,7 +10398,7 @@
                   </a:rPr>
                   <a:t>Entity</a:t>
                 </a:r>
-                <a:endParaRPr sz="1400" b="0" i="0" u="none" strike="noStrike" cap="none" dirty="0">
+                <a:endParaRPr sz="2000" b="1" i="0" u="none" strike="noStrike" cap="none" dirty="0">
                   <a:solidFill>
                     <a:srgbClr val="000000"/>
                   </a:solidFill>
@@ -10495,7 +10458,7 @@
           <p:spPr>
             <a:xfrm>
               <a:off x="2100036" y="1596282"/>
-              <a:ext cx="1372800" cy="538200"/>
+              <a:ext cx="1372800" cy="427442"/>
             </a:xfrm>
             <a:prstGeom prst="rect">
               <a:avLst/>
@@ -10529,7 +10492,7 @@
                 <a:buNone/>
               </a:pPr>
               <a:r>
-                <a:rPr lang="en-US" sz="1100" b="0" i="0" u="none" strike="noStrike" cap="none" dirty="0">
+                <a:rPr lang="en-US" sz="1600" b="0" i="0" u="none" strike="noStrike" cap="none" dirty="0">
                   <a:solidFill>
                     <a:schemeClr val="dk1"/>
                   </a:solidFill>
@@ -10540,7 +10503,7 @@
                 </a:rPr>
                 <a:t>String name</a:t>
               </a:r>
-              <a:endParaRPr sz="1400" b="0" i="0" u="none" strike="noStrike" cap="none" dirty="0">
+              <a:endParaRPr sz="2000" b="0" i="0" u="none" strike="noStrike" cap="none" dirty="0">
                 <a:solidFill>
                   <a:srgbClr val="000000"/>
                 </a:solidFill>
@@ -10569,7 +10532,7 @@
                 <a:buNone/>
               </a:pPr>
               <a:r>
-                <a:rPr lang="en-US" sz="1100" b="0" i="0" u="none" strike="noStrike" cap="none" dirty="0">
+                <a:rPr lang="en-US" sz="1600" b="0" i="0" u="none" strike="noStrike" cap="none" dirty="0">
                   <a:solidFill>
                     <a:schemeClr val="dk1"/>
                   </a:solidFill>
@@ -10581,7 +10544,7 @@
                 <a:t>String </a:t>
               </a:r>
               <a:r>
-                <a:rPr lang="en-US" sz="1100" b="0" i="0" u="none" strike="noStrike" cap="none" dirty="0" err="1">
+                <a:rPr lang="en-US" sz="1600" b="0" i="0" u="none" strike="noStrike" cap="none" dirty="0" err="1">
                   <a:solidFill>
                     <a:schemeClr val="dk1"/>
                   </a:solidFill>
@@ -10592,7 +10555,7 @@
                 </a:rPr>
                 <a:t>entityId</a:t>
               </a:r>
-              <a:endParaRPr sz="1100" b="0" i="0" u="none" strike="noStrike" cap="none" dirty="0">
+              <a:endParaRPr sz="1600" b="0" i="0" u="none" strike="noStrike" cap="none" dirty="0">
                 <a:solidFill>
                   <a:schemeClr val="dk1"/>
                 </a:solidFill>
@@ -10621,7 +10584,7 @@
                 <a:buNone/>
               </a:pPr>
               <a:r>
-                <a:rPr lang="en-US" sz="1100" b="0" i="0" u="none" strike="noStrike" cap="none" dirty="0">
+                <a:rPr lang="en-US" sz="1600" b="0" i="0" u="none" strike="noStrike" cap="none" dirty="0">
                   <a:solidFill>
                     <a:schemeClr val="dk1"/>
                   </a:solidFill>
@@ -10632,168 +10595,7 @@
                 </a:rPr>
                 <a:t>String description</a:t>
               </a:r>
-              <a:endParaRPr sz="1400" b="0" i="0" u="none" strike="noStrike" cap="none" dirty="0">
-                <a:solidFill>
-                  <a:srgbClr val="000000"/>
-                </a:solidFill>
-                <a:latin typeface="Arial"/>
-                <a:ea typeface="Arial"/>
-                <a:cs typeface="Arial"/>
-                <a:sym typeface="Arial"/>
-              </a:endParaRPr>
-            </a:p>
-          </p:txBody>
-        </p:sp>
-      </p:grpSp>
-      <p:grpSp>
-        <p:nvGrpSpPr>
-          <p:cNvPr id="10" name="Google Shape;511;g10f8d9d020d_0_26">
-            <a:extLst>
-              <a:ext uri="{FF2B5EF4-FFF2-40B4-BE49-F238E27FC236}">
-                <a16:creationId xmlns:a16="http://schemas.microsoft.com/office/drawing/2014/main" id="{E6B32341-7FB1-4CF2-B822-3EC6430C580A}"/>
-              </a:ext>
-            </a:extLst>
-          </p:cNvPr>
-          <p:cNvGrpSpPr/>
-          <p:nvPr/>
-        </p:nvGrpSpPr>
-        <p:grpSpPr>
-          <a:xfrm>
-            <a:off x="2264625" y="1345284"/>
-            <a:ext cx="1372718" cy="334200"/>
-            <a:chOff x="2785377" y="1573191"/>
-            <a:chExt cx="1709700" cy="334200"/>
-          </a:xfrm>
-        </p:grpSpPr>
-        <p:sp>
-          <p:nvSpPr>
-            <p:cNvPr id="11" name="Google Shape;512;g10f8d9d020d_0_26">
-              <a:extLst>
-                <a:ext uri="{FF2B5EF4-FFF2-40B4-BE49-F238E27FC236}">
-                  <a16:creationId xmlns:a16="http://schemas.microsoft.com/office/drawing/2014/main" id="{7A2D7D5A-D137-4DA6-B2AA-1FF742F0A233}"/>
-                </a:ext>
-              </a:extLst>
-            </p:cNvPr>
-            <p:cNvSpPr/>
-            <p:nvPr/>
-          </p:nvSpPr>
-          <p:spPr>
-            <a:xfrm>
-              <a:off x="2785377" y="1573191"/>
-              <a:ext cx="1709700" cy="334200"/>
-            </a:xfrm>
-            <a:prstGeom prst="rect">
-              <a:avLst/>
-            </a:prstGeom>
-            <a:solidFill>
-              <a:schemeClr val="lt1"/>
-            </a:solidFill>
-            <a:ln w="9525" cap="flat" cmpd="sng">
-              <a:solidFill>
-                <a:schemeClr val="dk1"/>
-              </a:solidFill>
-              <a:prstDash val="solid"/>
-              <a:miter lim="800000"/>
-              <a:headEnd type="none" w="sm" len="sm"/>
-              <a:tailEnd type="none" w="sm" len="sm"/>
-            </a:ln>
-          </p:spPr>
-          <p:txBody>
-            <a:bodyPr spcFirstLastPara="1" wrap="square" lIns="91425" tIns="45700" rIns="91425" bIns="45700" anchor="ctr" anchorCtr="0">
-              <a:noAutofit/>
-            </a:bodyPr>
-            <a:lstStyle/>
-            <a:p>
-              <a:pPr marL="0" marR="0" lvl="0" indent="0" algn="l" rtl="0">
-                <a:lnSpc>
-                  <a:spcPct val="100000"/>
-                </a:lnSpc>
-                <a:spcBef>
-                  <a:spcPts val="0"/>
-                </a:spcBef>
-                <a:spcAft>
-                  <a:spcPts val="0"/>
-                </a:spcAft>
-                <a:buClr>
-                  <a:srgbClr val="000000"/>
-                </a:buClr>
-                <a:buSzPts val="1100"/>
-                <a:buFont typeface="Arial"/>
-                <a:buNone/>
-              </a:pPr>
-              <a:endParaRPr sz="1100" b="0" i="0" u="none" strike="noStrike" cap="none">
-                <a:solidFill>
-                  <a:schemeClr val="dk1"/>
-                </a:solidFill>
-                <a:latin typeface="Arial"/>
-                <a:ea typeface="Arial"/>
-                <a:cs typeface="Arial"/>
-                <a:sym typeface="Arial"/>
-              </a:endParaRPr>
-            </a:p>
-          </p:txBody>
-        </p:sp>
-        <p:sp>
-          <p:nvSpPr>
-            <p:cNvPr id="12" name="Google Shape;513;g10f8d9d020d_0_26">
-              <a:extLst>
-                <a:ext uri="{FF2B5EF4-FFF2-40B4-BE49-F238E27FC236}">
-                  <a16:creationId xmlns:a16="http://schemas.microsoft.com/office/drawing/2014/main" id="{046276A7-F7D1-44FC-8F08-1DFAE529699E}"/>
-                </a:ext>
-              </a:extLst>
-            </p:cNvPr>
-            <p:cNvSpPr txBox="1"/>
-            <p:nvPr/>
-          </p:nvSpPr>
-          <p:spPr>
-            <a:xfrm>
-              <a:off x="2785377" y="1663679"/>
-              <a:ext cx="1709700" cy="193800"/>
-            </a:xfrm>
-            <a:prstGeom prst="rect">
-              <a:avLst/>
-            </a:prstGeom>
-            <a:noFill/>
-            <a:ln>
-              <a:noFill/>
-            </a:ln>
-          </p:spPr>
-          <p:txBody>
-            <a:bodyPr spcFirstLastPara="1" wrap="square" lIns="91425" tIns="45700" rIns="91425" bIns="45700" anchor="t" anchorCtr="0">
-              <a:spAutoFit/>
-            </a:bodyPr>
-            <a:lstStyle/>
-            <a:p>
-              <a:pPr marL="0" marR="0" lvl="0" indent="0" algn="ctr" rtl="0">
-                <a:lnSpc>
-                  <a:spcPct val="60000"/>
-                </a:lnSpc>
-                <a:spcBef>
-                  <a:spcPts val="0"/>
-                </a:spcBef>
-                <a:spcAft>
-                  <a:spcPts val="0"/>
-                </a:spcAft>
-                <a:buClr>
-                  <a:srgbClr val="000000"/>
-                </a:buClr>
-                <a:buSzPts val="1100"/>
-                <a:buFont typeface="Arial"/>
-                <a:buNone/>
-              </a:pPr>
-              <a:r>
-                <a:rPr lang="en-US" sz="1100" b="0" i="0" u="none" strike="noStrike" cap="none">
-                  <a:solidFill>
-                    <a:schemeClr val="dk1"/>
-                  </a:solidFill>
-                  <a:latin typeface="Arial"/>
-                  <a:ea typeface="Arial"/>
-                  <a:cs typeface="Arial"/>
-                  <a:sym typeface="Arial"/>
-                </a:rPr>
-                <a:t>Property</a:t>
-              </a:r>
-              <a:endParaRPr sz="1400" b="0" i="0" u="none" strike="noStrike" cap="none">
+              <a:endParaRPr sz="2000" b="0" i="0" u="none" strike="noStrike" cap="none" dirty="0">
                 <a:solidFill>
                   <a:srgbClr val="000000"/>
                 </a:solidFill>
@@ -10820,8 +10622,8 @@
         </p:nvGrpSpPr>
         <p:grpSpPr>
           <a:xfrm>
-            <a:off x="2264628" y="2451644"/>
-            <a:ext cx="1372894" cy="616200"/>
+            <a:off x="1309038" y="2870002"/>
+            <a:ext cx="2095558" cy="993807"/>
             <a:chOff x="5786656" y="1797718"/>
             <a:chExt cx="1372894" cy="616200"/>
           </a:xfrm>
@@ -10902,7 +10704,7 @@
                   <a:buFont typeface="Arial"/>
                   <a:buNone/>
                 </a:pPr>
-                <a:endParaRPr sz="1100" b="0" i="0" u="none" strike="noStrike" cap="none">
+                <a:endParaRPr sz="1600" b="0" i="0" u="none" strike="noStrike" cap="none">
                   <a:solidFill>
                     <a:schemeClr val="dk1"/>
                   </a:solidFill>
@@ -10929,7 +10731,7 @@
             <p:spPr>
               <a:xfrm>
                 <a:off x="2785377" y="1663679"/>
-                <a:ext cx="1709700" cy="193800"/>
+                <a:ext cx="1709700" cy="148825"/>
               </a:xfrm>
               <a:prstGeom prst="rect">
                 <a:avLst/>
@@ -10963,7 +10765,7 @@
                   <a:buNone/>
                 </a:pPr>
                 <a:r>
-                  <a:rPr lang="en-US" sz="1100" b="0" i="0" u="none" strike="noStrike" cap="none">
+                  <a:rPr lang="en-US" sz="1600" b="1" i="0" u="none" strike="noStrike" cap="none" dirty="0">
                     <a:solidFill>
                       <a:schemeClr val="dk1"/>
                     </a:solidFill>
@@ -10974,7 +10776,7 @@
                   </a:rPr>
                   <a:t>Component</a:t>
                 </a:r>
-                <a:endParaRPr sz="1400" b="0" i="0" u="none" strike="noStrike" cap="none">
+                <a:endParaRPr sz="2000" b="1" i="0" u="none" strike="noStrike" cap="none" dirty="0">
                   <a:solidFill>
                     <a:srgbClr val="000000"/>
                   </a:solidFill>
@@ -11002,7 +10804,7 @@
           <p:spPr>
             <a:xfrm>
               <a:off x="5786750" y="2179326"/>
-              <a:ext cx="1372800" cy="193800"/>
+              <a:ext cx="1372800" cy="148825"/>
             </a:xfrm>
             <a:prstGeom prst="rect">
               <a:avLst/>
@@ -11036,7 +10838,7 @@
                 <a:buNone/>
               </a:pPr>
               <a:r>
-                <a:rPr lang="en-US" sz="1100" b="0" i="0" u="none" strike="noStrike" cap="none" dirty="0">
+                <a:rPr lang="en-US" sz="1600" b="0" i="0" u="none" strike="noStrike" cap="none" dirty="0">
                   <a:solidFill>
                     <a:schemeClr val="dk1"/>
                   </a:solidFill>
@@ -11047,7 +10849,7 @@
                 </a:rPr>
                 <a:t>String name</a:t>
               </a:r>
-              <a:endParaRPr sz="1400" b="0" i="0" u="none" strike="noStrike" cap="none" dirty="0">
+              <a:endParaRPr sz="2000" b="0" i="0" u="none" strike="noStrike" cap="none" dirty="0">
                 <a:solidFill>
                   <a:srgbClr val="000000"/>
                 </a:solidFill>
@@ -11092,41 +10894,6 @@
           </p:spPr>
         </p:cxnSp>
       </p:grpSp>
-      <p:cxnSp>
-        <p:nvCxnSpPr>
-          <p:cNvPr id="19" name="Google Shape;519;g10f8d9d020d_0_26">
-            <a:extLst>
-              <a:ext uri="{FF2B5EF4-FFF2-40B4-BE49-F238E27FC236}">
-                <a16:creationId xmlns:a16="http://schemas.microsoft.com/office/drawing/2014/main" id="{47714133-015A-4740-A079-CF8A2502576E}"/>
-              </a:ext>
-            </a:extLst>
-          </p:cNvPr>
-          <p:cNvCxnSpPr>
-            <a:stCxn id="17" idx="0"/>
-            <a:endCxn id="11" idx="2"/>
-          </p:cNvCxnSpPr>
-          <p:nvPr/>
-        </p:nvCxnSpPr>
-        <p:spPr>
-          <a:xfrm rot="10800000">
-            <a:off x="2950987" y="1679444"/>
-            <a:ext cx="0" cy="772200"/>
-          </a:xfrm>
-          <a:prstGeom prst="straightConnector1">
-            <a:avLst/>
-          </a:prstGeom>
-          <a:noFill/>
-          <a:ln w="12700" cap="flat" cmpd="sng">
-            <a:solidFill>
-              <a:schemeClr val="dk1"/>
-            </a:solidFill>
-            <a:prstDash val="solid"/>
-            <a:miter lim="800000"/>
-            <a:headEnd type="none" w="sm" len="sm"/>
-            <a:tailEnd type="triangle" w="med" len="med"/>
-          </a:ln>
-        </p:spPr>
-      </p:cxnSp>
       <p:grpSp>
         <p:nvGrpSpPr>
           <p:cNvPr id="20" name="Google Shape;520;g10f8d9d020d_0_26">
@@ -11141,10 +10908,10 @@
         </p:nvGrpSpPr>
         <p:grpSpPr>
           <a:xfrm>
-            <a:off x="4395005" y="1347417"/>
-            <a:ext cx="2283949" cy="1876500"/>
+            <a:off x="4560803" y="889812"/>
+            <a:ext cx="3486174" cy="2188956"/>
             <a:chOff x="4793143" y="942638"/>
-            <a:chExt cx="2283949" cy="1876500"/>
+            <a:chExt cx="2283949" cy="1357240"/>
           </a:xfrm>
         </p:grpSpPr>
         <p:grpSp>
@@ -11162,9 +10929,9 @@
           <p:grpSpPr>
             <a:xfrm>
               <a:off x="4793143" y="942638"/>
-              <a:ext cx="2207223" cy="1876500"/>
+              <a:ext cx="2207223" cy="1357240"/>
               <a:chOff x="2785377" y="1573191"/>
-              <a:chExt cx="1709700" cy="1876500"/>
+              <a:chExt cx="1709700" cy="1357240"/>
             </a:xfrm>
           </p:grpSpPr>
           <p:sp>
@@ -11182,7 +10949,7 @@
             <p:spPr>
               <a:xfrm>
                 <a:off x="2785377" y="1573191"/>
-                <a:ext cx="1709700" cy="1876500"/>
+                <a:ext cx="1709700" cy="1357240"/>
               </a:xfrm>
               <a:prstGeom prst="rect">
                 <a:avLst/>
@@ -11223,7 +10990,7 @@
                   <a:buFont typeface="Arial"/>
                   <a:buNone/>
                 </a:pPr>
-                <a:endParaRPr sz="1100" b="0" i="0" u="none" strike="noStrike" cap="none">
+                <a:endParaRPr sz="1600" b="0" i="0" u="none" strike="noStrike" cap="none">
                   <a:solidFill>
                     <a:schemeClr val="dk1"/>
                   </a:solidFill>
@@ -11250,7 +11017,7 @@
             <p:spPr>
               <a:xfrm>
                 <a:off x="2785377" y="1663679"/>
-                <a:ext cx="1709700" cy="193800"/>
+                <a:ext cx="1709700" cy="148825"/>
               </a:xfrm>
               <a:prstGeom prst="rect">
                 <a:avLst/>
@@ -11284,7 +11051,7 @@
                   <a:buNone/>
                 </a:pPr>
                 <a:r>
-                  <a:rPr lang="en-US" sz="1100" b="0" i="0" u="none" strike="noStrike" cap="none">
+                  <a:rPr lang="en-US" sz="1600" b="1" i="0" u="none" strike="noStrike" cap="none" dirty="0" err="1">
                     <a:solidFill>
                       <a:schemeClr val="dk1"/>
                     </a:solidFill>
@@ -11295,7 +11062,7 @@
                   </a:rPr>
                   <a:t>PropertyDefinition</a:t>
                 </a:r>
-                <a:endParaRPr sz="1100" b="0" i="0" u="none" strike="noStrike" cap="none">
+                <a:endParaRPr sz="1600" b="1" i="0" u="none" strike="noStrike" cap="none" dirty="0">
                   <a:solidFill>
                     <a:schemeClr val="dk1"/>
                   </a:solidFill>
@@ -11323,7 +11090,7 @@
           <p:spPr>
             <a:xfrm>
               <a:off x="4793192" y="1315201"/>
-              <a:ext cx="2283900" cy="1264921"/>
+              <a:ext cx="2283900" cy="984677"/>
             </a:xfrm>
             <a:prstGeom prst="rect">
               <a:avLst/>
@@ -11357,7 +11124,7 @@
                 <a:buNone/>
               </a:pPr>
               <a:r>
-                <a:rPr lang="en-US" sz="1100" b="0" i="0" u="none" strike="noStrike" cap="none" dirty="0">
+                <a:rPr lang="en-US" sz="1600" b="0" i="0" u="none" strike="noStrike" cap="none" dirty="0">
                   <a:solidFill>
                     <a:schemeClr val="dk1"/>
                   </a:solidFill>
@@ -11368,7 +11135,7 @@
                 </a:rPr>
                 <a:t>String name</a:t>
               </a:r>
-              <a:endParaRPr sz="1400" b="0" i="0" u="none" strike="noStrike" cap="none" dirty="0">
+              <a:endParaRPr sz="2000" b="0" i="0" u="none" strike="noStrike" cap="none" dirty="0">
                 <a:solidFill>
                   <a:srgbClr val="000000"/>
                 </a:solidFill>
@@ -11397,7 +11164,7 @@
                 <a:buNone/>
               </a:pPr>
               <a:r>
-                <a:rPr lang="en-US" sz="1100" b="0" i="0" u="none" strike="noStrike" cap="none" dirty="0" err="1">
+                <a:rPr lang="en-US" sz="1600" b="0" i="0" u="none" strike="noStrike" cap="none" dirty="0" err="1">
                   <a:solidFill>
                     <a:schemeClr val="dk1"/>
                   </a:solidFill>
@@ -11409,7 +11176,7 @@
                 <a:t>Booelan</a:t>
               </a:r>
               <a:r>
-                <a:rPr lang="en-US" sz="1100" b="0" i="0" u="none" strike="noStrike" cap="none" dirty="0">
+                <a:rPr lang="en-US" sz="1600" b="0" i="0" u="none" strike="noStrike" cap="none" dirty="0">
                   <a:solidFill>
                     <a:schemeClr val="dk1"/>
                   </a:solidFill>
@@ -11421,7 +11188,7 @@
                 <a:t> </a:t>
               </a:r>
               <a:r>
-                <a:rPr lang="en-US" sz="1100" b="0" i="0" u="none" strike="noStrike" cap="none" dirty="0" err="1">
+                <a:rPr lang="en-US" sz="1600" b="0" i="0" u="none" strike="noStrike" cap="none" dirty="0" err="1">
                   <a:solidFill>
                     <a:schemeClr val="dk1"/>
                   </a:solidFill>
@@ -11432,7 +11199,7 @@
                 </a:rPr>
                 <a:t>isExternalId</a:t>
               </a:r>
-              <a:endParaRPr sz="1100" b="0" i="0" u="none" strike="noStrike" cap="none" dirty="0">
+              <a:endParaRPr sz="1600" b="0" i="0" u="none" strike="noStrike" cap="none" dirty="0">
                 <a:solidFill>
                   <a:schemeClr val="dk1"/>
                 </a:solidFill>
@@ -11461,7 +11228,7 @@
                 <a:buNone/>
               </a:pPr>
               <a:r>
-                <a:rPr lang="en-US" sz="1100" b="0" i="0" u="none" strike="noStrike" cap="none" dirty="0">
+                <a:rPr lang="en-US" sz="1600" b="0" i="0" u="none" strike="noStrike" cap="none" dirty="0">
                   <a:solidFill>
                     <a:schemeClr val="dk1"/>
                   </a:solidFill>
@@ -11473,7 +11240,7 @@
                 <a:t>Boolean </a:t>
               </a:r>
               <a:r>
-                <a:rPr lang="en-US" sz="1100" b="0" i="0" u="none" strike="noStrike" cap="none" dirty="0" err="1">
+                <a:rPr lang="en-US" sz="1600" b="0" i="0" u="none" strike="noStrike" cap="none" dirty="0" err="1">
                   <a:solidFill>
                     <a:schemeClr val="dk1"/>
                   </a:solidFill>
@@ -11484,7 +11251,7 @@
                 </a:rPr>
                 <a:t>isStoredExternally</a:t>
               </a:r>
-              <a:endParaRPr sz="1100" b="0" i="0" u="none" strike="noStrike" cap="none" dirty="0">
+              <a:endParaRPr sz="1600" b="0" i="0" u="none" strike="noStrike" cap="none" dirty="0">
                 <a:solidFill>
                   <a:schemeClr val="dk1"/>
                 </a:solidFill>
@@ -11513,7 +11280,7 @@
                 <a:buNone/>
               </a:pPr>
               <a:r>
-                <a:rPr lang="en-US" sz="1100" b="0" i="0" u="none" strike="noStrike" cap="none" dirty="0">
+                <a:rPr lang="en-US" sz="1600" b="0" i="0" u="none" strike="noStrike" cap="none" dirty="0">
                   <a:solidFill>
                     <a:schemeClr val="dk1"/>
                   </a:solidFill>
@@ -11525,7 +11292,7 @@
                 <a:t>Boolean </a:t>
               </a:r>
               <a:r>
-                <a:rPr lang="en-US" sz="1100" b="0" i="0" u="none" strike="noStrike" cap="none" dirty="0" err="1">
+                <a:rPr lang="en-US" sz="1600" b="0" i="0" u="none" strike="noStrike" cap="none" dirty="0" err="1">
                   <a:solidFill>
                     <a:schemeClr val="dk1"/>
                   </a:solidFill>
@@ -11536,7 +11303,7 @@
                 </a:rPr>
                 <a:t>isTimeSeries</a:t>
               </a:r>
-              <a:endParaRPr sz="1100" b="0" i="0" u="none" strike="noStrike" cap="none" dirty="0">
+              <a:endParaRPr sz="1600" b="0" i="0" u="none" strike="noStrike" cap="none" dirty="0">
                 <a:solidFill>
                   <a:schemeClr val="dk1"/>
                 </a:solidFill>
@@ -11565,7 +11332,7 @@
                 <a:buNone/>
               </a:pPr>
               <a:r>
-                <a:rPr lang="en-US" sz="1100" b="0" i="0" u="none" strike="noStrike" cap="none" dirty="0">
+                <a:rPr lang="en-US" sz="1600" b="0" i="0" u="none" strike="noStrike" cap="none" dirty="0">
                   <a:solidFill>
                     <a:schemeClr val="dk1"/>
                   </a:solidFill>
@@ -11577,7 +11344,7 @@
                 <a:t>Boolean </a:t>
               </a:r>
               <a:r>
-                <a:rPr lang="en-US" sz="1100" b="0" i="0" u="none" strike="noStrike" cap="none" dirty="0" err="1">
+                <a:rPr lang="en-US" sz="1600" b="0" i="0" u="none" strike="noStrike" cap="none" dirty="0" err="1">
                   <a:solidFill>
                     <a:schemeClr val="dk1"/>
                   </a:solidFill>
@@ -11588,7 +11355,7 @@
                 </a:rPr>
                 <a:t>isRequiredInEntity</a:t>
               </a:r>
-              <a:endParaRPr sz="1100" b="0" i="0" u="none" strike="noStrike" cap="none" dirty="0">
+              <a:endParaRPr sz="1600" b="0" i="0" u="none" strike="noStrike" cap="none" dirty="0">
                 <a:solidFill>
                   <a:schemeClr val="dk1"/>
                 </a:solidFill>
@@ -11617,7 +11384,7 @@
                 <a:buNone/>
               </a:pPr>
               <a:r>
-                <a:rPr lang="en-US" sz="1100" b="0" i="0" u="none" strike="noStrike" cap="none" dirty="0" err="1">
+                <a:rPr lang="en-US" sz="1600" b="0" i="0" u="none" strike="noStrike" cap="none" dirty="0" err="1">
                   <a:solidFill>
                     <a:schemeClr val="dk1"/>
                   </a:solidFill>
@@ -11629,7 +11396,7 @@
                 <a:t>DataValue</a:t>
               </a:r>
               <a:r>
-                <a:rPr lang="en-US" sz="1100" b="0" i="0" u="none" strike="noStrike" cap="none" dirty="0">
+                <a:rPr lang="en-US" sz="1600" b="0" i="0" u="none" strike="noStrike" cap="none" dirty="0">
                   <a:solidFill>
                     <a:schemeClr val="dk1"/>
                   </a:solidFill>
@@ -11641,7 +11408,7 @@
                 <a:t> </a:t>
               </a:r>
               <a:r>
-                <a:rPr lang="en-US" sz="1100" b="0" i="0" u="none" strike="noStrike" cap="none" dirty="0" err="1">
+                <a:rPr lang="en-US" sz="1600" b="0" i="0" u="none" strike="noStrike" cap="none" dirty="0" err="1">
                   <a:solidFill>
                     <a:schemeClr val="dk1"/>
                   </a:solidFill>
@@ -11652,7 +11419,7 @@
                 </a:rPr>
                 <a:t>defaultValue</a:t>
               </a:r>
-              <a:endParaRPr sz="1100" b="0" i="0" u="none" strike="noStrike" cap="none" dirty="0">
+              <a:endParaRPr sz="1600" b="0" i="0" u="none" strike="noStrike" cap="none" dirty="0">
                 <a:solidFill>
                   <a:schemeClr val="dk1"/>
                 </a:solidFill>
@@ -11681,7 +11448,7 @@
                 <a:buNone/>
               </a:pPr>
               <a:r>
-                <a:rPr lang="en-US" sz="1100" b="0" i="0" u="none" strike="noStrike" cap="none" dirty="0">
+                <a:rPr lang="en-US" sz="1600" b="0" i="0" u="none" strike="noStrike" cap="none" dirty="0">
                   <a:solidFill>
                     <a:schemeClr val="dk1"/>
                   </a:solidFill>
@@ -11692,7 +11459,7 @@
                 </a:rPr>
                 <a:t>Map&lt;String, String&gt; configuration</a:t>
               </a:r>
-              <a:endParaRPr sz="1400" b="0" i="0" u="none" strike="noStrike" cap="none" dirty="0">
+              <a:endParaRPr sz="2000" b="0" i="0" u="none" strike="noStrike" cap="none" dirty="0">
                 <a:solidFill>
                   <a:srgbClr val="000000"/>
                 </a:solidFill>
@@ -11751,10 +11518,10 @@
         </p:nvGrpSpPr>
         <p:grpSpPr>
           <a:xfrm>
-            <a:off x="1828220" y="3459083"/>
-            <a:ext cx="1898035" cy="768300"/>
-            <a:chOff x="4459855" y="3339328"/>
-            <a:chExt cx="1898035" cy="768300"/>
+            <a:off x="728320" y="4295505"/>
+            <a:ext cx="2811716" cy="1136909"/>
+            <a:chOff x="4515809" y="3339328"/>
+            <a:chExt cx="1842081" cy="704929"/>
           </a:xfrm>
         </p:grpSpPr>
         <p:grpSp>
@@ -11771,10 +11538,10 @@
           </p:nvGrpSpPr>
           <p:grpSpPr>
             <a:xfrm>
-              <a:off x="4459855" y="3339328"/>
-              <a:ext cx="1898035" cy="768300"/>
-              <a:chOff x="4459855" y="3339328"/>
-              <a:chExt cx="1898035" cy="768300"/>
+              <a:off x="4515809" y="3339328"/>
+              <a:ext cx="1842081" cy="704929"/>
+              <a:chOff x="4515809" y="3339328"/>
+              <a:chExt cx="1842081" cy="704929"/>
             </a:xfrm>
           </p:grpSpPr>
           <p:grpSp>
@@ -11792,9 +11559,9 @@
             <p:grpSpPr>
               <a:xfrm>
                 <a:off x="4901596" y="3339328"/>
-                <a:ext cx="1372718" cy="768300"/>
+                <a:ext cx="1372718" cy="704929"/>
                 <a:chOff x="2785377" y="1573191"/>
-                <a:chExt cx="1709700" cy="768300"/>
+                <a:chExt cx="1709700" cy="704929"/>
               </a:xfrm>
             </p:grpSpPr>
             <p:sp>
@@ -11812,7 +11579,7 @@
               <p:spPr>
                 <a:xfrm>
                   <a:off x="2785377" y="1573191"/>
-                  <a:ext cx="1709700" cy="768300"/>
+                  <a:ext cx="1709700" cy="704929"/>
                 </a:xfrm>
                 <a:prstGeom prst="rect">
                   <a:avLst/>
@@ -11853,7 +11620,7 @@
                     <a:buFont typeface="Arial"/>
                     <a:buNone/>
                   </a:pPr>
-                  <a:endParaRPr sz="1100" b="0" i="0" u="none" strike="noStrike" cap="none">
+                  <a:endParaRPr sz="1600" b="0" i="0" u="none" strike="noStrike" cap="none">
                     <a:solidFill>
                       <a:schemeClr val="dk1"/>
                     </a:solidFill>
@@ -11880,7 +11647,7 @@
               <p:spPr>
                 <a:xfrm>
                   <a:off x="2785377" y="1663679"/>
-                  <a:ext cx="1709700" cy="193800"/>
+                  <a:ext cx="1709700" cy="148825"/>
                 </a:xfrm>
                 <a:prstGeom prst="rect">
                   <a:avLst/>
@@ -11914,7 +11681,7 @@
                     <a:buNone/>
                   </a:pPr>
                   <a:r>
-                    <a:rPr lang="en-US" sz="1100" b="0" i="1" u="none" strike="noStrike" cap="none">
+                    <a:rPr lang="en-US" sz="1600" b="1" u="none" strike="noStrike" cap="none" dirty="0" err="1">
                       <a:solidFill>
                         <a:schemeClr val="dk1"/>
                       </a:solidFill>
@@ -11925,7 +11692,7 @@
                     </a:rPr>
                     <a:t>ComponentType</a:t>
                   </a:r>
-                  <a:endParaRPr sz="1100" b="0" i="1" u="none" strike="noStrike" cap="none">
+                  <a:endParaRPr sz="1600" b="1" u="none" strike="noStrike" cap="none" dirty="0">
                     <a:solidFill>
                       <a:schemeClr val="dk1"/>
                     </a:solidFill>
@@ -11956,12 +11723,12 @@
             </p:nvCxnSpPr>
             <p:spPr>
               <a:xfrm rot="10800000" flipH="1" flipV="1">
-                <a:off x="4901596" y="3526716"/>
-                <a:ext cx="94" cy="377220"/>
+                <a:off x="4901596" y="3504229"/>
+                <a:ext cx="94" cy="360774"/>
               </a:xfrm>
               <a:prstGeom prst="bentConnector3">
                 <a:avLst>
-                  <a:gd name="adj1" fmla="val -243191489"/>
+                  <a:gd name="adj1" fmla="val -150394737"/>
                 </a:avLst>
               </a:prstGeom>
               <a:noFill/>
@@ -11990,7 +11757,7 @@
             </p:nvSpPr>
             <p:spPr>
               <a:xfrm>
-                <a:off x="4459855" y="3348041"/>
+                <a:off x="4515809" y="3356899"/>
                 <a:ext cx="518400" cy="154200"/>
               </a:xfrm>
               <a:prstGeom prst="rect">
@@ -12025,7 +11792,7 @@
                   <a:buNone/>
                 </a:pPr>
                 <a:r>
-                  <a:rPr lang="en-US" sz="1100" b="0" i="0" u="none" strike="noStrike" cap="none" dirty="0">
+                  <a:rPr lang="en-US" sz="1600" b="0" i="0" u="none" strike="noStrike" cap="none" dirty="0">
                     <a:solidFill>
                       <a:schemeClr val="dk1"/>
                     </a:solidFill>
@@ -12034,9 +11801,9 @@
                     <a:cs typeface="Arial"/>
                     <a:sym typeface="Arial"/>
                   </a:rPr>
-                  <a:t>15</a:t>
+                  <a:t>0..10</a:t>
                 </a:r>
-                <a:endParaRPr sz="1400" b="0" i="0" u="none" strike="noStrike" cap="none" dirty="0">
+                <a:endParaRPr sz="2000" b="0" i="0" u="none" strike="noStrike" cap="none" dirty="0">
                   <a:solidFill>
                     <a:srgbClr val="000000"/>
                   </a:solidFill>
@@ -12063,7 +11830,7 @@
             <p:spPr>
               <a:xfrm>
                 <a:off x="4901690" y="3720936"/>
-                <a:ext cx="1456200" cy="366000"/>
+                <a:ext cx="1456200" cy="288134"/>
               </a:xfrm>
               <a:prstGeom prst="rect">
                 <a:avLst/>
@@ -12097,7 +11864,7 @@
                   <a:buNone/>
                 </a:pPr>
                 <a:r>
-                  <a:rPr lang="en-US" sz="1100" b="0" i="0" u="none" strike="noStrike" cap="none" dirty="0">
+                  <a:rPr lang="en-US" sz="1600" b="0" i="0" u="none" strike="noStrike" cap="none" dirty="0">
                     <a:solidFill>
                       <a:schemeClr val="dk1"/>
                     </a:solidFill>
@@ -12108,7 +11875,7 @@
                   </a:rPr>
                   <a:t>String name</a:t>
                 </a:r>
-                <a:endParaRPr sz="1400" b="0" i="0" u="none" strike="noStrike" cap="none" dirty="0">
+                <a:endParaRPr sz="2000" b="0" i="0" u="none" strike="noStrike" cap="none" dirty="0">
                   <a:solidFill>
                     <a:srgbClr val="000000"/>
                   </a:solidFill>
@@ -12137,7 +11904,7 @@
                   <a:buNone/>
                 </a:pPr>
                 <a:r>
-                  <a:rPr lang="en-US" sz="1100" b="0" i="0" u="none" strike="noStrike" cap="none" dirty="0">
+                  <a:rPr lang="en-US" sz="1600" b="0" i="0" u="none" strike="noStrike" cap="none" dirty="0">
                     <a:solidFill>
                       <a:schemeClr val="dk1"/>
                     </a:solidFill>
@@ -12149,7 +11916,7 @@
                   <a:t>Boolean </a:t>
                 </a:r>
                 <a:r>
-                  <a:rPr lang="en-US" sz="1100" b="0" i="0" u="none" strike="noStrike" cap="none" dirty="0" err="1">
+                  <a:rPr lang="en-US" sz="1600" b="0" i="0" u="none" strike="noStrike" cap="none" dirty="0" err="1">
                     <a:solidFill>
                       <a:schemeClr val="dk1"/>
                     </a:solidFill>
@@ -12160,7 +11927,7 @@
                   </a:rPr>
                   <a:t>isSingleton</a:t>
                 </a:r>
-                <a:endParaRPr sz="1100" b="0" i="0" u="none" strike="noStrike" cap="none" dirty="0">
+                <a:endParaRPr sz="1600" b="0" i="0" u="none" strike="noStrike" cap="none" dirty="0">
                   <a:solidFill>
                     <a:schemeClr val="dk1"/>
                   </a:solidFill>
@@ -12182,13 +11949,15 @@
                 </a:ext>
               </a:extLst>
             </p:cNvPr>
-            <p:cNvCxnSpPr/>
+            <p:cNvCxnSpPr>
+              <a:cxnSpLocks/>
+            </p:cNvCxnSpPr>
             <p:nvPr/>
           </p:nvCxnSpPr>
           <p:spPr>
             <a:xfrm>
-              <a:off x="4896355" y="3650470"/>
-              <a:ext cx="1378200" cy="0"/>
+              <a:off x="4901596" y="3632271"/>
+              <a:ext cx="1372959" cy="0"/>
             </a:xfrm>
             <a:prstGeom prst="straightConnector1">
               <a:avLst/>
@@ -12220,10 +11989,10 @@
         </p:nvGrpSpPr>
         <p:grpSpPr>
           <a:xfrm>
-            <a:off x="4359819" y="3446199"/>
-            <a:ext cx="2886600" cy="990300"/>
+            <a:off x="4451973" y="4051333"/>
+            <a:ext cx="4406049" cy="1381079"/>
             <a:chOff x="4825885" y="3099242"/>
-            <a:chExt cx="2886600" cy="990300"/>
+            <a:chExt cx="2886600" cy="856324"/>
           </a:xfrm>
         </p:grpSpPr>
         <p:grpSp>
@@ -12241,9 +12010,9 @@
           <p:grpSpPr>
             <a:xfrm>
               <a:off x="4861161" y="3099242"/>
-              <a:ext cx="2816047" cy="990300"/>
+              <a:ext cx="2816047" cy="856324"/>
               <a:chOff x="2785377" y="1573191"/>
-              <a:chExt cx="1709700" cy="990300"/>
+              <a:chExt cx="1709700" cy="856324"/>
             </a:xfrm>
           </p:grpSpPr>
           <p:sp>
@@ -12261,7 +12030,7 @@
             <p:spPr>
               <a:xfrm>
                 <a:off x="2785377" y="1573191"/>
-                <a:ext cx="1709700" cy="990300"/>
+                <a:ext cx="1709700" cy="856324"/>
               </a:xfrm>
               <a:prstGeom prst="rect">
                 <a:avLst/>
@@ -12302,7 +12071,7 @@
                   <a:buFont typeface="Arial"/>
                   <a:buNone/>
                 </a:pPr>
-                <a:endParaRPr sz="1100" b="0" i="0" u="none" strike="noStrike" cap="none">
+                <a:endParaRPr sz="1600" b="0" i="0" u="none" strike="noStrike" cap="none">
                   <a:solidFill>
                     <a:schemeClr val="dk1"/>
                   </a:solidFill>
@@ -12329,7 +12098,7 @@
             <p:spPr>
               <a:xfrm>
                 <a:off x="2785377" y="1663679"/>
-                <a:ext cx="1709700" cy="193800"/>
+                <a:ext cx="1709700" cy="148825"/>
               </a:xfrm>
               <a:prstGeom prst="rect">
                 <a:avLst/>
@@ -12363,7 +12132,7 @@
                   <a:buNone/>
                 </a:pPr>
                 <a:r>
-                  <a:rPr lang="en-US" sz="1100" b="0" i="0" u="none" strike="noStrike" cap="none">
+                  <a:rPr lang="en-US" sz="1600" b="1" i="0" u="none" strike="noStrike" cap="none" dirty="0">
                     <a:solidFill>
                       <a:schemeClr val="dk1"/>
                     </a:solidFill>
@@ -12374,7 +12143,7 @@
                   </a:rPr>
                   <a:t>Function</a:t>
                 </a:r>
-                <a:endParaRPr sz="1400" b="0" i="0" u="none" strike="noStrike" cap="none">
+                <a:endParaRPr sz="2000" b="1" i="0" u="none" strike="noStrike" cap="none" dirty="0">
                   <a:solidFill>
                     <a:srgbClr val="000000"/>
                   </a:solidFill>
@@ -12402,7 +12171,7 @@
           <p:spPr>
             <a:xfrm>
               <a:off x="4825885" y="3496333"/>
-              <a:ext cx="2886600" cy="538200"/>
+              <a:ext cx="2886600" cy="427443"/>
             </a:xfrm>
             <a:prstGeom prst="rect">
               <a:avLst/>
@@ -12436,7 +12205,7 @@
                 <a:buNone/>
               </a:pPr>
               <a:r>
-                <a:rPr lang="en-US" sz="1100" b="0" i="0" u="none" strike="noStrike" cap="none">
+                <a:rPr lang="en-US" sz="1600" b="0" i="0" u="none" strike="noStrike" cap="none">
                   <a:solidFill>
                     <a:schemeClr val="dk1"/>
                   </a:solidFill>
@@ -12447,7 +12216,7 @@
                 </a:rPr>
                 <a:t>DataConnector implementedBy</a:t>
               </a:r>
-              <a:endParaRPr sz="1100" b="0" i="0" u="none" strike="noStrike" cap="none">
+              <a:endParaRPr sz="1600" b="0" i="0" u="none" strike="noStrike" cap="none">
                 <a:solidFill>
                   <a:schemeClr val="dk1"/>
                 </a:solidFill>
@@ -12476,7 +12245,7 @@
                 <a:buNone/>
               </a:pPr>
               <a:r>
-                <a:rPr lang="en-US" sz="1100" b="0" i="0" u="none" strike="noStrike" cap="none">
+                <a:rPr lang="en-US" sz="1600" b="0" i="0" u="none" strike="noStrike" cap="none">
                   <a:solidFill>
                     <a:schemeClr val="dk1"/>
                   </a:solidFill>
@@ -12487,7 +12256,7 @@
                 </a:rPr>
                 <a:t>List&lt;PropertyDefinition&gt; requiredProperties</a:t>
               </a:r>
-              <a:endParaRPr sz="1100" b="0" i="0" u="none" strike="noStrike" cap="none">
+              <a:endParaRPr sz="1600" b="0" i="0" u="none" strike="noStrike" cap="none">
                 <a:solidFill>
                   <a:schemeClr val="dk1"/>
                 </a:solidFill>
@@ -12516,7 +12285,7 @@
                 <a:buNone/>
               </a:pPr>
               <a:r>
-                <a:rPr lang="en-US" sz="1100" b="0" i="0" u="none" strike="noStrike" cap="none">
+                <a:rPr lang="en-US" sz="1600" b="0" i="0" u="none" strike="noStrike" cap="none">
                   <a:solidFill>
                     <a:schemeClr val="dk1"/>
                   </a:solidFill>
@@ -12527,7 +12296,7 @@
                 </a:rPr>
                 <a:t>Scope scope</a:t>
               </a:r>
-              <a:endParaRPr sz="1100" b="0" i="0" u="none" strike="noStrike" cap="none">
+              <a:endParaRPr sz="1600" b="0" i="0" u="none" strike="noStrike" cap="none">
                 <a:solidFill>
                   <a:schemeClr val="dk1"/>
                 </a:solidFill>
@@ -12586,8 +12355,8 @@
         </p:nvSpPr>
         <p:spPr>
           <a:xfrm>
-            <a:off x="1274298" y="3595096"/>
-            <a:ext cx="518400" cy="386700"/>
+            <a:off x="350120" y="4600878"/>
+            <a:ext cx="791275" cy="623670"/>
           </a:xfrm>
           <a:prstGeom prst="rect">
             <a:avLst/>
@@ -12621,21 +12390,32 @@
               <a:buNone/>
             </a:pPr>
             <a:r>
-              <a:rPr lang="en-US" sz="1100" b="0" i="0" u="none" strike="noStrike" cap="none" dirty="0" err="1">
-                <a:solidFill>
-                  <a:srgbClr val="FF0000"/>
-                </a:solidFill>
+              <a:rPr lang="en-US" sz="1600" b="0" i="0" u="none" strike="noStrike" cap="none" dirty="0">
                 <a:latin typeface="Arial"/>
                 <a:ea typeface="Arial"/>
                 <a:cs typeface="Arial"/>
                 <a:sym typeface="Arial"/>
               </a:rPr>
-              <a:t>extendsFrom</a:t>
+              <a:t>extends</a:t>
             </a:r>
-            <a:endParaRPr sz="1100" b="0" i="0" u="none" strike="noStrike" cap="none" dirty="0">
-              <a:solidFill>
-                <a:srgbClr val="FF0000"/>
-              </a:solidFill>
+            <a:br>
+              <a:rPr lang="en-US" sz="1600" b="0" i="0" u="none" strike="noStrike" cap="none" dirty="0">
+                <a:latin typeface="Arial"/>
+                <a:ea typeface="Arial"/>
+                <a:cs typeface="Arial"/>
+                <a:sym typeface="Arial"/>
+              </a:rPr>
+            </a:br>
+            <a:r>
+              <a:rPr lang="en-US" sz="1600" b="0" i="0" u="none" strike="noStrike" cap="none" dirty="0">
+                <a:latin typeface="Arial"/>
+                <a:ea typeface="Arial"/>
+                <a:cs typeface="Arial"/>
+                <a:sym typeface="Arial"/>
+              </a:rPr>
+              <a:t>From</a:t>
+            </a:r>
+            <a:endParaRPr sz="1600" b="0" i="0" u="none" strike="noStrike" cap="none" dirty="0">
               <a:latin typeface="Arial"/>
               <a:ea typeface="Arial"/>
               <a:cs typeface="Arial"/>
@@ -12661,8 +12441,8 @@
         </p:nvCxnSpPr>
         <p:spPr>
           <a:xfrm flipV="1">
-            <a:off x="3642679" y="2352441"/>
-            <a:ext cx="752375" cy="1294030"/>
+            <a:off x="3412467" y="2284724"/>
+            <a:ext cx="1148410" cy="2276734"/>
           </a:xfrm>
           <a:prstGeom prst="bentConnector3">
             <a:avLst>
@@ -12677,7 +12457,7 @@
             <a:prstDash val="solid"/>
             <a:miter lim="800000"/>
             <a:headEnd type="none" w="sm" len="sm"/>
-            <a:tailEnd type="triangle" w="med" len="med"/>
+            <a:tailEnd type="triangle" w="lg" len="lg"/>
           </a:ln>
         </p:spPr>
       </p:cxnSp>
@@ -12691,19 +12471,19 @@
             </a:extLst>
           </p:cNvPr>
           <p:cNvCxnSpPr>
+            <a:cxnSpLocks/>
             <a:stCxn id="35" idx="3"/>
-            <a:endCxn id="38" idx="1"/>
           </p:cNvCxnSpPr>
           <p:nvPr/>
         </p:nvCxnSpPr>
         <p:spPr>
           <a:xfrm>
-            <a:off x="3642679" y="3646471"/>
-            <a:ext cx="717000" cy="465900"/>
+            <a:off x="3412468" y="4561457"/>
+            <a:ext cx="1093287" cy="302502"/>
           </a:xfrm>
           <a:prstGeom prst="bentConnector3">
             <a:avLst>
-              <a:gd name="adj1" fmla="val 50010"/>
+              <a:gd name="adj1" fmla="val 52614"/>
             </a:avLst>
           </a:prstGeom>
           <a:noFill/>
@@ -12714,7 +12494,7 @@
             <a:prstDash val="solid"/>
             <a:miter lim="800000"/>
             <a:headEnd type="none" w="sm" len="sm"/>
-            <a:tailEnd type="triangle" w="med" len="med"/>
+            <a:tailEnd type="triangle" w="lg" len="lg"/>
           </a:ln>
         </p:spPr>
       </p:cxnSp>
@@ -12732,10 +12512,10 @@
         </p:nvGrpSpPr>
         <p:grpSpPr>
           <a:xfrm>
-            <a:off x="7023954" y="1350960"/>
-            <a:ext cx="2283900" cy="1504200"/>
-            <a:chOff x="7247154" y="1350960"/>
-            <a:chExt cx="2283900" cy="1504200"/>
+            <a:off x="8658564" y="895526"/>
+            <a:ext cx="2682535" cy="1993415"/>
+            <a:chOff x="7302832" y="1350960"/>
+            <a:chExt cx="1757449" cy="1235997"/>
           </a:xfrm>
         </p:grpSpPr>
         <p:grpSp>
@@ -12753,9 +12533,9 @@
           <p:grpSpPr>
             <a:xfrm>
               <a:off x="7302832" y="1350960"/>
-              <a:ext cx="1757230" cy="1504200"/>
+              <a:ext cx="1757230" cy="1235997"/>
               <a:chOff x="2785377" y="1573191"/>
-              <a:chExt cx="1709700" cy="1504200"/>
+              <a:chExt cx="1709700" cy="1235997"/>
             </a:xfrm>
           </p:grpSpPr>
           <p:sp>
@@ -12773,7 +12553,7 @@
             <p:spPr>
               <a:xfrm>
                 <a:off x="2785377" y="1573191"/>
-                <a:ext cx="1709700" cy="1504200"/>
+                <a:ext cx="1709700" cy="1235997"/>
               </a:xfrm>
               <a:prstGeom prst="rect">
                 <a:avLst/>
@@ -12814,7 +12594,7 @@
                   <a:buFont typeface="Arial"/>
                   <a:buNone/>
                 </a:pPr>
-                <a:endParaRPr sz="1100" b="0" i="0" u="none" strike="noStrike" cap="none">
+                <a:endParaRPr sz="1600" b="0" i="0" u="none" strike="noStrike" cap="none">
                   <a:solidFill>
                     <a:schemeClr val="dk1"/>
                   </a:solidFill>
@@ -12841,7 +12621,7 @@
             <p:spPr>
               <a:xfrm>
                 <a:off x="2785377" y="1663679"/>
-                <a:ext cx="1709700" cy="193800"/>
+                <a:ext cx="1709700" cy="148825"/>
               </a:xfrm>
               <a:prstGeom prst="rect">
                 <a:avLst/>
@@ -12875,7 +12655,7 @@
                   <a:buNone/>
                 </a:pPr>
                 <a:r>
-                  <a:rPr lang="en-US" sz="1100" b="0" i="0" u="none" strike="noStrike" cap="none" dirty="0" err="1">
+                  <a:rPr lang="en-US" sz="1600" b="1" i="0" u="none" strike="noStrike" cap="none" dirty="0" err="1">
                     <a:solidFill>
                       <a:schemeClr val="dk1"/>
                     </a:solidFill>
@@ -12886,7 +12666,7 @@
                   </a:rPr>
                   <a:t>DataType</a:t>
                 </a:r>
-                <a:endParaRPr sz="1100" b="0" i="0" u="none" strike="noStrike" cap="none" dirty="0">
+                <a:endParaRPr sz="1600" b="1" i="0" u="none" strike="noStrike" cap="none" dirty="0">
                   <a:solidFill>
                     <a:schemeClr val="dk1"/>
                   </a:solidFill>
@@ -12945,8 +12725,8 @@
           </p:nvSpPr>
           <p:spPr>
             <a:xfrm>
-              <a:off x="7247154" y="1726376"/>
-              <a:ext cx="2283900" cy="1054500"/>
+              <a:off x="7302832" y="1703608"/>
+              <a:ext cx="1757230" cy="845369"/>
             </a:xfrm>
             <a:prstGeom prst="rect">
               <a:avLst/>
@@ -12980,7 +12760,7 @@
                 <a:buNone/>
               </a:pPr>
               <a:r>
-                <a:rPr lang="en-US" sz="1100" b="0" i="0" u="none" strike="noStrike" cap="none" dirty="0">
+                <a:rPr lang="en-US" sz="1600" b="0" i="0" u="none" strike="noStrike" cap="none" dirty="0">
                   <a:solidFill>
                     <a:schemeClr val="dk1"/>
                   </a:solidFill>
@@ -12991,7 +12771,7 @@
                 </a:rPr>
                 <a:t>String name</a:t>
               </a:r>
-              <a:endParaRPr sz="1400" b="0" i="0" u="none" strike="noStrike" cap="none" dirty="0">
+              <a:endParaRPr sz="2000" b="0" i="0" u="none" strike="noStrike" cap="none" dirty="0">
                 <a:solidFill>
                   <a:srgbClr val="000000"/>
                 </a:solidFill>
@@ -13020,7 +12800,7 @@
                 <a:buNone/>
               </a:pPr>
               <a:r>
-                <a:rPr lang="en-US" sz="1100" b="0" i="0" u="none" strike="noStrike" cap="none" dirty="0" err="1">
+                <a:rPr lang="en-US" sz="1600" b="0" i="0" u="none" strike="noStrike" cap="none" dirty="0" err="1">
                   <a:solidFill>
                     <a:schemeClr val="dk1"/>
                   </a:solidFill>
@@ -13032,7 +12812,7 @@
                 <a:t>DataValue</a:t>
               </a:r>
               <a:r>
-                <a:rPr lang="en-US" sz="1100" b="0" i="0" u="none" strike="noStrike" cap="none" dirty="0">
+                <a:rPr lang="en-US" sz="1600" b="0" i="0" u="none" strike="noStrike" cap="none" dirty="0">
                   <a:solidFill>
                     <a:schemeClr val="dk1"/>
                   </a:solidFill>
@@ -13044,7 +12824,7 @@
                 <a:t> </a:t>
               </a:r>
               <a:r>
-                <a:rPr lang="en-US" sz="1100" b="0" i="0" u="none" strike="noStrike" cap="none" dirty="0" err="1">
+                <a:rPr lang="en-US" sz="1600" b="0" i="0" u="none" strike="noStrike" cap="none" dirty="0" err="1">
                   <a:solidFill>
                     <a:schemeClr val="dk1"/>
                   </a:solidFill>
@@ -13055,7 +12835,7 @@
                 </a:rPr>
                 <a:t>allowedValues</a:t>
               </a:r>
-              <a:endParaRPr sz="1100" b="0" i="0" u="none" strike="noStrike" cap="none" dirty="0">
+              <a:endParaRPr sz="1600" b="0" i="0" u="none" strike="noStrike" cap="none" dirty="0">
                 <a:solidFill>
                   <a:schemeClr val="dk1"/>
                 </a:solidFill>
@@ -13084,7 +12864,7 @@
                 <a:buNone/>
               </a:pPr>
               <a:r>
-                <a:rPr lang="en-US" sz="1100" b="0" i="0" u="none" strike="noStrike" cap="none" dirty="0" err="1">
+                <a:rPr lang="en-US" sz="1600" b="0" i="0" u="none" strike="noStrike" cap="none" dirty="0" err="1">
                   <a:solidFill>
                     <a:schemeClr val="dk1"/>
                   </a:solidFill>
@@ -13096,7 +12876,7 @@
                 <a:t>DataType</a:t>
               </a:r>
               <a:r>
-                <a:rPr lang="en-US" sz="1100" b="0" i="0" u="none" strike="noStrike" cap="none" dirty="0">
+                <a:rPr lang="en-US" sz="1600" b="0" i="0" u="none" strike="noStrike" cap="none" dirty="0">
                   <a:solidFill>
                     <a:schemeClr val="dk1"/>
                   </a:solidFill>
@@ -13108,7 +12888,7 @@
                 <a:t> </a:t>
               </a:r>
               <a:r>
-                <a:rPr lang="en-US" sz="1100" b="0" i="0" u="none" strike="noStrike" cap="none" dirty="0" err="1">
+                <a:rPr lang="en-US" sz="1600" b="0" i="0" u="none" strike="noStrike" cap="none" dirty="0" err="1">
                   <a:solidFill>
                     <a:schemeClr val="dk1"/>
                   </a:solidFill>
@@ -13119,7 +12899,7 @@
                 </a:rPr>
                 <a:t>nestedType</a:t>
               </a:r>
-              <a:endParaRPr sz="1100" b="0" i="0" u="none" strike="noStrike" cap="none" dirty="0">
+              <a:endParaRPr sz="1600" b="0" i="0" u="none" strike="noStrike" cap="none" dirty="0">
                 <a:solidFill>
                   <a:schemeClr val="dk1"/>
                 </a:solidFill>
@@ -13148,7 +12928,7 @@
                 <a:buNone/>
               </a:pPr>
               <a:r>
-                <a:rPr lang="en-US" sz="1100" b="0" i="0" u="none" strike="noStrike" cap="none" dirty="0">
+                <a:rPr lang="en-US" sz="1600" b="0" i="0" u="none" strike="noStrike" cap="none" dirty="0">
                   <a:solidFill>
                     <a:schemeClr val="dk1"/>
                   </a:solidFill>
@@ -13160,7 +12940,7 @@
                 <a:t>Relationship </a:t>
               </a:r>
               <a:r>
-                <a:rPr lang="en-US" sz="1100" b="0" i="0" u="none" strike="noStrike" cap="none" dirty="0" err="1">
+                <a:rPr lang="en-US" sz="1600" b="0" i="0" u="none" strike="noStrike" cap="none" dirty="0" err="1">
                   <a:solidFill>
                     <a:schemeClr val="dk1"/>
                   </a:solidFill>
@@ -13171,7 +12951,7 @@
                 </a:rPr>
                 <a:t>relationship</a:t>
               </a:r>
-              <a:endParaRPr sz="1100" b="0" i="0" u="none" strike="noStrike" cap="none" dirty="0">
+              <a:endParaRPr sz="1600" b="0" i="0" u="none" strike="noStrike" cap="none" dirty="0">
                 <a:solidFill>
                   <a:schemeClr val="dk1"/>
                 </a:solidFill>
@@ -13200,7 +12980,7 @@
                 <a:buNone/>
               </a:pPr>
               <a:r>
-                <a:rPr lang="en-US" sz="1100" b="0" i="0" u="none" strike="noStrike" cap="none" dirty="0">
+                <a:rPr lang="en-US" sz="1600" b="0" i="0" u="none" strike="noStrike" cap="none" dirty="0">
                   <a:solidFill>
                     <a:schemeClr val="dk1"/>
                   </a:solidFill>
@@ -13211,7 +12991,7 @@
                 </a:rPr>
                 <a:t>String type</a:t>
               </a:r>
-              <a:endParaRPr sz="1400" b="0" i="0" u="none" strike="noStrike" cap="none" dirty="0">
+              <a:endParaRPr sz="2000" b="0" i="0" u="none" strike="noStrike" cap="none" dirty="0">
                 <a:solidFill>
                   <a:srgbClr val="000000"/>
                 </a:solidFill>
@@ -13240,7 +13020,7 @@
                 <a:buNone/>
               </a:pPr>
               <a:r>
-                <a:rPr lang="en-US" sz="1100" b="0" i="0" u="none" strike="noStrike" cap="none" dirty="0">
+                <a:rPr lang="en-US" sz="1600" b="0" i="0" u="none" strike="noStrike" cap="none" dirty="0">
                   <a:solidFill>
                     <a:schemeClr val="dk1"/>
                   </a:solidFill>
@@ -13252,7 +13032,7 @@
                 <a:t>String </a:t>
               </a:r>
               <a:r>
-                <a:rPr lang="en-US" sz="1100" b="0" i="0" u="none" strike="noStrike" cap="none" dirty="0" err="1">
+                <a:rPr lang="en-US" sz="1600" b="0" i="0" u="none" strike="noStrike" cap="none" dirty="0" err="1">
                   <a:solidFill>
                     <a:schemeClr val="dk1"/>
                   </a:solidFill>
@@ -13263,7 +13043,7 @@
                 </a:rPr>
                 <a:t>unitOfMeasure</a:t>
               </a:r>
-              <a:endParaRPr sz="1100" b="0" i="0" u="none" strike="noStrike" cap="none" dirty="0">
+              <a:endParaRPr sz="1600" b="0" i="0" u="none" strike="noStrike" cap="none" dirty="0">
                 <a:solidFill>
                   <a:schemeClr val="dk1"/>
                 </a:solidFill>
@@ -13278,23 +13058,24 @@
       </p:grpSp>
       <p:cxnSp>
         <p:nvCxnSpPr>
-          <p:cNvPr id="51" name="Google Shape;551;g10f8d9d020d_0_26">
-            <a:extLst>
-              <a:ext uri="{FF2B5EF4-FFF2-40B4-BE49-F238E27FC236}">
-                <a16:creationId xmlns:a16="http://schemas.microsoft.com/office/drawing/2014/main" id="{5CB6E3CF-3C5F-4310-B8E8-C38C4F31A7C6}"/>
+          <p:cNvPr id="53" name="Google Shape;553;g10f8d9d020d_0_26">
+            <a:extLst>
+              <a:ext uri="{FF2B5EF4-FFF2-40B4-BE49-F238E27FC236}">
+                <a16:creationId xmlns:a16="http://schemas.microsoft.com/office/drawing/2014/main" id="{9CB3C7EC-4094-42F5-9BB5-952296CCFBB2}"/>
               </a:ext>
             </a:extLst>
           </p:cNvPr>
           <p:cNvCxnSpPr>
-            <a:stCxn id="12" idx="3"/>
-            <a:endCxn id="25" idx="1"/>
+            <a:cxnSpLocks/>
+            <a:stCxn id="17" idx="2"/>
+            <a:endCxn id="34" idx="0"/>
           </p:cNvCxnSpPr>
           <p:nvPr/>
         </p:nvCxnSpPr>
         <p:spPr>
           <a:xfrm>
-            <a:off x="3637343" y="1532672"/>
-            <a:ext cx="757800" cy="2100"/>
+            <a:off x="2356683" y="3863809"/>
+            <a:ext cx="0" cy="431696"/>
           </a:xfrm>
           <a:prstGeom prst="straightConnector1">
             <a:avLst/>
@@ -13307,101 +13088,29 @@
             <a:prstDash val="solid"/>
             <a:miter lim="800000"/>
             <a:headEnd type="none" w="sm" len="sm"/>
-            <a:tailEnd type="triangle" w="med" len="med"/>
+            <a:tailEnd type="triangle" w="lg" len="lg"/>
           </a:ln>
         </p:spPr>
       </p:cxnSp>
-      <p:sp>
-        <p:nvSpPr>
-          <p:cNvPr id="52" name="Google Shape;552;g10f8d9d020d_0_26">
-            <a:extLst>
-              <a:ext uri="{FF2B5EF4-FFF2-40B4-BE49-F238E27FC236}">
-                <a16:creationId xmlns:a16="http://schemas.microsoft.com/office/drawing/2014/main" id="{90251AA9-4598-45E6-B81C-B87DD6EAAB47}"/>
-              </a:ext>
-            </a:extLst>
-          </p:cNvPr>
-          <p:cNvSpPr txBox="1"/>
-          <p:nvPr/>
-        </p:nvSpPr>
-        <p:spPr>
-          <a:xfrm>
-            <a:off x="3693254" y="1307229"/>
-            <a:ext cx="762000" cy="138900"/>
-          </a:xfrm>
-          <a:prstGeom prst="rect">
-            <a:avLst/>
-          </a:prstGeom>
-          <a:noFill/>
-          <a:ln>
-            <a:noFill/>
-          </a:ln>
-        </p:spPr>
-        <p:txBody>
-          <a:bodyPr spcFirstLastPara="1" wrap="square" lIns="0" tIns="0" rIns="0" bIns="0" anchor="t" anchorCtr="0">
-            <a:noAutofit/>
-          </a:bodyPr>
-          <a:lstStyle/>
-          <a:p>
-            <a:pPr marL="0" marR="0" lvl="0" indent="0" algn="l" rtl="0">
-              <a:lnSpc>
-                <a:spcPct val="100000"/>
-              </a:lnSpc>
-              <a:spcBef>
-                <a:spcPts val="0"/>
-              </a:spcBef>
-              <a:spcAft>
-                <a:spcPts val="0"/>
-              </a:spcAft>
-              <a:buClr>
-                <a:srgbClr val="000000"/>
-              </a:buClr>
-              <a:buSzPts val="1050"/>
-              <a:buFont typeface="Arial"/>
-              <a:buNone/>
-            </a:pPr>
-            <a:r>
-              <a:rPr lang="en-US" sz="1050" b="0" i="0" u="none" strike="noStrike" cap="none">
-                <a:solidFill>
-                  <a:schemeClr val="dk1"/>
-                </a:solidFill>
-                <a:latin typeface="Arial"/>
-                <a:ea typeface="Arial"/>
-                <a:cs typeface="Arial"/>
-                <a:sym typeface="Arial"/>
-              </a:rPr>
-              <a:t>instanceOf</a:t>
-            </a:r>
-            <a:endParaRPr sz="1050" b="0" i="0" u="none" strike="noStrike" cap="none">
-              <a:solidFill>
-                <a:schemeClr val="dk1"/>
-              </a:solidFill>
-              <a:latin typeface="Arial"/>
-              <a:ea typeface="Arial"/>
-              <a:cs typeface="Arial"/>
-              <a:sym typeface="Arial"/>
-            </a:endParaRPr>
-          </a:p>
-        </p:txBody>
-      </p:sp>
       <p:cxnSp>
         <p:nvCxnSpPr>
-          <p:cNvPr id="53" name="Google Shape;553;g10f8d9d020d_0_26">
-            <a:extLst>
-              <a:ext uri="{FF2B5EF4-FFF2-40B4-BE49-F238E27FC236}">
-                <a16:creationId xmlns:a16="http://schemas.microsoft.com/office/drawing/2014/main" id="{9CB3C7EC-4094-42F5-9BB5-952296CCFBB2}"/>
+          <p:cNvPr id="54" name="Google Shape;554;g10f8d9d020d_0_26">
+            <a:extLst>
+              <a:ext uri="{FF2B5EF4-FFF2-40B4-BE49-F238E27FC236}">
+                <a16:creationId xmlns:a16="http://schemas.microsoft.com/office/drawing/2014/main" id="{8A8B264C-5ED3-4E37-B5DB-277D95D12B64}"/>
               </a:ext>
             </a:extLst>
           </p:cNvPr>
           <p:cNvCxnSpPr>
-            <a:stCxn id="17" idx="2"/>
-            <a:endCxn id="34" idx="0"/>
+            <a:stCxn id="25" idx="3"/>
+            <a:endCxn id="50" idx="1"/>
           </p:cNvCxnSpPr>
           <p:nvPr/>
         </p:nvCxnSpPr>
         <p:spPr>
           <a:xfrm>
-            <a:off x="2950987" y="3067844"/>
-            <a:ext cx="5400" cy="391200"/>
+            <a:off x="7929864" y="1155764"/>
+            <a:ext cx="728700" cy="5714"/>
           </a:xfrm>
           <a:prstGeom prst="straightConnector1">
             <a:avLst/>
@@ -13414,51 +13123,16 @@
             <a:prstDash val="solid"/>
             <a:miter lim="800000"/>
             <a:headEnd type="none" w="sm" len="sm"/>
-            <a:tailEnd type="triangle" w="med" len="med"/>
-          </a:ln>
-        </p:spPr>
-      </p:cxnSp>
-      <p:cxnSp>
-        <p:nvCxnSpPr>
-          <p:cNvPr id="54" name="Google Shape;554;g10f8d9d020d_0_26">
-            <a:extLst>
-              <a:ext uri="{FF2B5EF4-FFF2-40B4-BE49-F238E27FC236}">
-                <a16:creationId xmlns:a16="http://schemas.microsoft.com/office/drawing/2014/main" id="{8A8B264C-5ED3-4E37-B5DB-277D95D12B64}"/>
-              </a:ext>
-            </a:extLst>
-          </p:cNvPr>
-          <p:cNvCxnSpPr>
-            <a:stCxn id="25" idx="3"/>
-            <a:endCxn id="50" idx="1"/>
-          </p:cNvCxnSpPr>
-          <p:nvPr/>
-        </p:nvCxnSpPr>
-        <p:spPr>
-          <a:xfrm>
-            <a:off x="6602228" y="1534805"/>
-            <a:ext cx="477300" cy="3600"/>
-          </a:xfrm>
-          <a:prstGeom prst="straightConnector1">
-            <a:avLst/>
-          </a:prstGeom>
-          <a:noFill/>
-          <a:ln w="12700" cap="flat" cmpd="sng">
-            <a:solidFill>
-              <a:schemeClr val="dk1"/>
-            </a:solidFill>
-            <a:prstDash val="solid"/>
-            <a:miter lim="800000"/>
-            <a:headEnd type="none" w="sm" len="sm"/>
-            <a:tailEnd type="triangle" w="med" len="med"/>
+            <a:tailEnd type="triangle" w="lg" len="lg"/>
           </a:ln>
         </p:spPr>
       </p:cxnSp>
       <p:sp>
         <p:nvSpPr>
-          <p:cNvPr id="55" name="Google Shape;555;g10f8d9d020d_0_26">
-            <a:extLst>
-              <a:ext uri="{FF2B5EF4-FFF2-40B4-BE49-F238E27FC236}">
-                <a16:creationId xmlns:a16="http://schemas.microsoft.com/office/drawing/2014/main" id="{AC48EF48-3906-4405-B41E-AFD028306E11}"/>
+          <p:cNvPr id="57" name="Google Shape;557;g10f8d9d020d_0_26">
+            <a:extLst>
+              <a:ext uri="{FF2B5EF4-FFF2-40B4-BE49-F238E27FC236}">
+                <a16:creationId xmlns:a16="http://schemas.microsoft.com/office/drawing/2014/main" id="{0D5BA30B-5D68-4B99-B82D-DFCF29D15864}"/>
               </a:ext>
             </a:extLst>
           </p:cNvPr>
@@ -13467,80 +13141,8 @@
         </p:nvSpPr>
         <p:spPr>
           <a:xfrm>
-            <a:off x="2236670" y="3143534"/>
-            <a:ext cx="762000" cy="138900"/>
-          </a:xfrm>
-          <a:prstGeom prst="rect">
-            <a:avLst/>
-          </a:prstGeom>
-          <a:noFill/>
-          <a:ln>
-            <a:noFill/>
-          </a:ln>
-        </p:spPr>
-        <p:txBody>
-          <a:bodyPr spcFirstLastPara="1" wrap="square" lIns="0" tIns="0" rIns="0" bIns="0" anchor="t" anchorCtr="0">
-            <a:noAutofit/>
-          </a:bodyPr>
-          <a:lstStyle/>
-          <a:p>
-            <a:pPr marL="0" marR="0" lvl="0" indent="0" algn="l" rtl="0">
-              <a:lnSpc>
-                <a:spcPct val="100000"/>
-              </a:lnSpc>
-              <a:spcBef>
-                <a:spcPts val="0"/>
-              </a:spcBef>
-              <a:spcAft>
-                <a:spcPts val="0"/>
-              </a:spcAft>
-              <a:buClr>
-                <a:srgbClr val="000000"/>
-              </a:buClr>
-              <a:buSzPts val="1050"/>
-              <a:buFont typeface="Arial"/>
-              <a:buNone/>
-            </a:pPr>
-            <a:r>
-              <a:rPr lang="en-US" sz="1050" b="0" i="0" u="none" strike="noStrike" cap="none">
-                <a:solidFill>
-                  <a:schemeClr val="dk1"/>
-                </a:solidFill>
-                <a:latin typeface="Arial"/>
-                <a:ea typeface="Arial"/>
-                <a:cs typeface="Arial"/>
-                <a:sym typeface="Arial"/>
-              </a:rPr>
-              <a:t>instanceOf</a:t>
-            </a:r>
-            <a:endParaRPr sz="1050" b="0" i="0" u="none" strike="noStrike" cap="none">
-              <a:solidFill>
-                <a:schemeClr val="dk1"/>
-              </a:solidFill>
-              <a:latin typeface="Arial"/>
-              <a:ea typeface="Arial"/>
-              <a:cs typeface="Arial"/>
-              <a:sym typeface="Arial"/>
-            </a:endParaRPr>
-          </a:p>
-        </p:txBody>
-      </p:sp>
-      <p:sp>
-        <p:nvSpPr>
-          <p:cNvPr id="56" name="Google Shape;556;g10f8d9d020d_0_26">
-            <a:extLst>
-              <a:ext uri="{FF2B5EF4-FFF2-40B4-BE49-F238E27FC236}">
-                <a16:creationId xmlns:a16="http://schemas.microsoft.com/office/drawing/2014/main" id="{727B2C98-BD75-4880-8BF0-5DD02750CB93}"/>
-              </a:ext>
-            </a:extLst>
-          </p:cNvPr>
-          <p:cNvSpPr txBox="1"/>
-          <p:nvPr/>
-        </p:nvSpPr>
-        <p:spPr>
-          <a:xfrm>
-            <a:off x="3037093" y="1800103"/>
-            <a:ext cx="518400" cy="154200"/>
+            <a:off x="3980511" y="1942892"/>
+            <a:ext cx="791275" cy="248694"/>
           </a:xfrm>
           <a:prstGeom prst="rect">
             <a:avLst/>
@@ -13574,7 +13176,7 @@
               <a:buNone/>
             </a:pPr>
             <a:r>
-              <a:rPr lang="en-US" sz="1100" b="0" i="0" u="none" strike="noStrike" cap="none">
+              <a:rPr lang="en-US" sz="1600" b="0" i="0" u="none" strike="noStrike" cap="none" dirty="0">
                 <a:solidFill>
                   <a:schemeClr val="dk1"/>
                 </a:solidFill>
@@ -13583,9 +13185,9 @@
                 <a:cs typeface="Arial"/>
                 <a:sym typeface="Arial"/>
               </a:rPr>
-              <a:t>*</a:t>
+              <a:t>0…*</a:t>
             </a:r>
-            <a:endParaRPr sz="1400" b="0" i="0" u="none" strike="noStrike" cap="none">
+            <a:endParaRPr sz="2000" b="0" i="0" u="none" strike="noStrike" cap="none" dirty="0">
               <a:solidFill>
                 <a:srgbClr val="000000"/>
               </a:solidFill>
@@ -13599,10 +13201,10 @@
       </p:sp>
       <p:sp>
         <p:nvSpPr>
-          <p:cNvPr id="57" name="Google Shape;557;g10f8d9d020d_0_26">
-            <a:extLst>
-              <a:ext uri="{FF2B5EF4-FFF2-40B4-BE49-F238E27FC236}">
-                <a16:creationId xmlns:a16="http://schemas.microsoft.com/office/drawing/2014/main" id="{0D5BA30B-5D68-4B99-B82D-DFCF29D15864}"/>
+          <p:cNvPr id="58" name="Google Shape;558;g10f8d9d020d_0_26">
+            <a:extLst>
+              <a:ext uri="{FF2B5EF4-FFF2-40B4-BE49-F238E27FC236}">
+                <a16:creationId xmlns:a16="http://schemas.microsoft.com/office/drawing/2014/main" id="{8C6F63EF-F8DA-4050-8A91-EAE48419BD4D}"/>
               </a:ext>
             </a:extLst>
           </p:cNvPr>
@@ -13611,8 +13213,8 @@
         </p:nvSpPr>
         <p:spPr>
           <a:xfrm>
-            <a:off x="4272975" y="2181787"/>
-            <a:ext cx="518400" cy="154200"/>
+            <a:off x="4006119" y="4918442"/>
+            <a:ext cx="791275" cy="248694"/>
           </a:xfrm>
           <a:prstGeom prst="rect">
             <a:avLst/>
@@ -13646,7 +13248,7 @@
               <a:buNone/>
             </a:pPr>
             <a:r>
-              <a:rPr lang="en-US" sz="1100" b="0" i="0" u="none" strike="noStrike" cap="none">
+              <a:rPr lang="en-US" sz="1600" b="0" i="0" u="none" strike="noStrike" cap="none" dirty="0">
                 <a:solidFill>
                   <a:schemeClr val="dk1"/>
                 </a:solidFill>
@@ -13655,9 +13257,9 @@
                 <a:cs typeface="Arial"/>
                 <a:sym typeface="Arial"/>
               </a:rPr>
-              <a:t>*</a:t>
+              <a:t>0..*</a:t>
             </a:r>
-            <a:endParaRPr sz="1400" b="0" i="0" u="none" strike="noStrike" cap="none">
+            <a:endParaRPr sz="2000" b="0" i="0" u="none" strike="noStrike" cap="none" dirty="0">
               <a:solidFill>
                 <a:srgbClr val="000000"/>
               </a:solidFill>
@@ -13671,10 +13273,10 @@
       </p:sp>
       <p:sp>
         <p:nvSpPr>
-          <p:cNvPr id="58" name="Google Shape;558;g10f8d9d020d_0_26">
-            <a:extLst>
-              <a:ext uri="{FF2B5EF4-FFF2-40B4-BE49-F238E27FC236}">
-                <a16:creationId xmlns:a16="http://schemas.microsoft.com/office/drawing/2014/main" id="{8C6F63EF-F8DA-4050-8A91-EAE48419BD4D}"/>
+          <p:cNvPr id="59" name="Google Shape;559;g10f8d9d020d_0_26">
+            <a:extLst>
+              <a:ext uri="{FF2B5EF4-FFF2-40B4-BE49-F238E27FC236}">
+                <a16:creationId xmlns:a16="http://schemas.microsoft.com/office/drawing/2014/main" id="{B0BB3DA8-9236-4EC8-A0DA-4625B87B4B2D}"/>
               </a:ext>
             </a:extLst>
           </p:cNvPr>
@@ -13683,8 +13285,8 @@
         </p:nvSpPr>
         <p:spPr>
           <a:xfrm>
-            <a:off x="4219205" y="3927099"/>
-            <a:ext cx="518400" cy="154200"/>
+            <a:off x="8145813" y="839159"/>
+            <a:ext cx="791275" cy="248694"/>
           </a:xfrm>
           <a:prstGeom prst="rect">
             <a:avLst/>
@@ -13718,7 +13320,7 @@
               <a:buNone/>
             </a:pPr>
             <a:r>
-              <a:rPr lang="en-US" sz="1100" b="0" i="0" u="none" strike="noStrike" cap="none" dirty="0">
+              <a:rPr lang="en-US" sz="1600" b="0" i="0" u="none" strike="noStrike" cap="none" dirty="0">
                 <a:solidFill>
                   <a:schemeClr val="dk1"/>
                 </a:solidFill>
@@ -13727,9 +13329,9 @@
                 <a:cs typeface="Arial"/>
                 <a:sym typeface="Arial"/>
               </a:rPr>
-              <a:t>*</a:t>
+              <a:t>1...1</a:t>
             </a:r>
-            <a:endParaRPr sz="1400" b="0" i="0" u="none" strike="noStrike" cap="none" dirty="0">
+            <a:endParaRPr sz="2000" b="0" i="0" u="none" strike="noStrike" cap="none" dirty="0">
               <a:solidFill>
                 <a:srgbClr val="000000"/>
               </a:solidFill>
@@ -13743,10 +13345,10 @@
       </p:sp>
       <p:sp>
         <p:nvSpPr>
-          <p:cNvPr id="59" name="Google Shape;559;g10f8d9d020d_0_26">
-            <a:extLst>
-              <a:ext uri="{FF2B5EF4-FFF2-40B4-BE49-F238E27FC236}">
-                <a16:creationId xmlns:a16="http://schemas.microsoft.com/office/drawing/2014/main" id="{B0BB3DA8-9236-4EC8-A0DA-4625B87B4B2D}"/>
+          <p:cNvPr id="60" name="Google Shape;556;g10f8d9d020d_0_26">
+            <a:extLst>
+              <a:ext uri="{FF2B5EF4-FFF2-40B4-BE49-F238E27FC236}">
+                <a16:creationId xmlns:a16="http://schemas.microsoft.com/office/drawing/2014/main" id="{EFCD5A5D-A766-4961-9F1E-8B960CDD89B8}"/>
               </a:ext>
             </a:extLst>
           </p:cNvPr>
@@ -13755,8 +13357,8 @@
         </p:nvSpPr>
         <p:spPr>
           <a:xfrm>
-            <a:off x="6923635" y="1344149"/>
-            <a:ext cx="518400" cy="154200"/>
+            <a:off x="2476903" y="2583866"/>
+            <a:ext cx="791275" cy="248694"/>
           </a:xfrm>
           <a:prstGeom prst="rect">
             <a:avLst/>
@@ -13790,7 +13392,7 @@
               <a:buNone/>
             </a:pPr>
             <a:r>
-              <a:rPr lang="en-US" sz="1100" b="0" i="0" u="none" strike="noStrike" cap="none" dirty="0">
+              <a:rPr lang="en-US" sz="1600" b="0" i="0" u="none" strike="noStrike" cap="none" dirty="0">
                 <a:solidFill>
                   <a:schemeClr val="dk1"/>
                 </a:solidFill>
@@ -13799,9 +13401,9 @@
                 <a:cs typeface="Arial"/>
                 <a:sym typeface="Arial"/>
               </a:rPr>
-              <a:t>1</a:t>
+              <a:t>*</a:t>
             </a:r>
-            <a:endParaRPr sz="1400" b="0" i="0" u="none" strike="noStrike" cap="none" dirty="0">
+            <a:endParaRPr sz="2000" b="0" i="0" u="none" strike="noStrike" cap="none" dirty="0">
               <a:solidFill>
                 <a:srgbClr val="000000"/>
               </a:solidFill>
@@ -13815,10 +13417,10 @@
       </p:sp>
       <p:sp>
         <p:nvSpPr>
-          <p:cNvPr id="60" name="Google Shape;556;g10f8d9d020d_0_26">
-            <a:extLst>
-              <a:ext uri="{FF2B5EF4-FFF2-40B4-BE49-F238E27FC236}">
-                <a16:creationId xmlns:a16="http://schemas.microsoft.com/office/drawing/2014/main" id="{EFCD5A5D-A766-4961-9F1E-8B960CDD89B8}"/>
+          <p:cNvPr id="61" name="Google Shape;559;g10f8d9d020d_0_26">
+            <a:extLst>
+              <a:ext uri="{FF2B5EF4-FFF2-40B4-BE49-F238E27FC236}">
+                <a16:creationId xmlns:a16="http://schemas.microsoft.com/office/drawing/2014/main" id="{5CC2C39A-F11E-434E-9095-79E18F372E14}"/>
               </a:ext>
             </a:extLst>
           </p:cNvPr>
@@ -13827,8 +13429,8 @@
         </p:nvSpPr>
         <p:spPr>
           <a:xfrm>
-            <a:off x="2143374" y="2662029"/>
-            <a:ext cx="518400" cy="154200"/>
+            <a:off x="2457753" y="3947017"/>
+            <a:ext cx="791275" cy="248694"/>
           </a:xfrm>
           <a:prstGeom prst="rect">
             <a:avLst/>
@@ -13862,7 +13464,7 @@
               <a:buNone/>
             </a:pPr>
             <a:r>
-              <a:rPr lang="en-US" sz="1100" b="0" i="0" u="none" strike="noStrike" cap="none">
+              <a:rPr lang="en-US" sz="1600" b="0" i="0" u="none" strike="noStrike" cap="none" dirty="0">
                 <a:solidFill>
                   <a:schemeClr val="dk1"/>
                 </a:solidFill>
@@ -13871,9 +13473,9 @@
                 <a:cs typeface="Arial"/>
                 <a:sym typeface="Arial"/>
               </a:rPr>
-              <a:t>*</a:t>
+              <a:t>1...1</a:t>
             </a:r>
-            <a:endParaRPr sz="1400" b="0" i="0" u="none" strike="noStrike" cap="none">
+            <a:endParaRPr sz="2000" b="0" i="0" u="none" strike="noStrike" cap="none" dirty="0">
               <a:solidFill>
                 <a:srgbClr val="000000"/>
               </a:solidFill>
@@ -13885,6 +13487,42 @@
           </a:p>
         </p:txBody>
       </p:sp>
+      <p:cxnSp>
+        <p:nvCxnSpPr>
+          <p:cNvPr id="64" name="Google Shape;553;g10f8d9d020d_0_26">
+            <a:extLst>
+              <a:ext uri="{FF2B5EF4-FFF2-40B4-BE49-F238E27FC236}">
+                <a16:creationId xmlns:a16="http://schemas.microsoft.com/office/drawing/2014/main" id="{3A018540-535C-4822-B2C5-6F1537E56C3B}"/>
+              </a:ext>
+            </a:extLst>
+          </p:cNvPr>
+          <p:cNvCxnSpPr>
+            <a:cxnSpLocks/>
+            <a:stCxn id="2" idx="2"/>
+            <a:endCxn id="17" idx="0"/>
+          </p:cNvCxnSpPr>
+          <p:nvPr/>
+        </p:nvCxnSpPr>
+        <p:spPr>
+          <a:xfrm>
+            <a:off x="2355776" y="2576110"/>
+            <a:ext cx="907" cy="293892"/>
+          </a:xfrm>
+          <a:prstGeom prst="straightConnector1">
+            <a:avLst/>
+          </a:prstGeom>
+          <a:noFill/>
+          <a:ln w="12700" cap="flat" cmpd="sng">
+            <a:solidFill>
+              <a:schemeClr val="dk1"/>
+            </a:solidFill>
+            <a:prstDash val="solid"/>
+            <a:miter lim="800000"/>
+            <a:headEnd type="none" w="sm" len="sm"/>
+            <a:tailEnd type="triangle" w="lg" len="lg"/>
+          </a:ln>
+        </p:spPr>
+      </p:cxnSp>
     </p:spTree>
     <p:extLst>
       <p:ext uri="{BB962C8B-B14F-4D97-AF65-F5344CB8AC3E}">

--- a/Figures.pptx
+++ b/Figures.pptx
@@ -9,7 +9,10 @@
     <p:sldId id="260" r:id="rId3"/>
     <p:sldId id="261" r:id="rId4"/>
     <p:sldId id="259" r:id="rId5"/>
-    <p:sldId id="258" r:id="rId6"/>
+    <p:sldId id="262" r:id="rId6"/>
+    <p:sldId id="263" r:id="rId7"/>
+    <p:sldId id="264" r:id="rId8"/>
+    <p:sldId id="258" r:id="rId9"/>
   </p:sldIdLst>
   <p:sldSz cx="12192000" cy="6858000"/>
   <p:notesSz cx="6858000" cy="9144000"/>
@@ -265,7 +268,7 @@
           <a:p>
             <a:fld id="{221DF790-08EF-4309-8C7D-573F11C98FD5}" type="datetimeFigureOut">
               <a:rPr lang="de-AT" smtClean="0"/>
-              <a:t>07.02.2022</a:t>
+              <a:t>08.02.2022</a:t>
             </a:fld>
             <a:endParaRPr lang="de-AT"/>
           </a:p>
@@ -465,7 +468,7 @@
           <a:p>
             <a:fld id="{221DF790-08EF-4309-8C7D-573F11C98FD5}" type="datetimeFigureOut">
               <a:rPr lang="de-AT" smtClean="0"/>
-              <a:t>07.02.2022</a:t>
+              <a:t>08.02.2022</a:t>
             </a:fld>
             <a:endParaRPr lang="de-AT"/>
           </a:p>
@@ -675,7 +678,7 @@
           <a:p>
             <a:fld id="{221DF790-08EF-4309-8C7D-573F11C98FD5}" type="datetimeFigureOut">
               <a:rPr lang="de-AT" smtClean="0"/>
-              <a:t>07.02.2022</a:t>
+              <a:t>08.02.2022</a:t>
             </a:fld>
             <a:endParaRPr lang="de-AT"/>
           </a:p>
@@ -875,7 +878,7 @@
           <a:p>
             <a:fld id="{221DF790-08EF-4309-8C7D-573F11C98FD5}" type="datetimeFigureOut">
               <a:rPr lang="de-AT" smtClean="0"/>
-              <a:t>07.02.2022</a:t>
+              <a:t>08.02.2022</a:t>
             </a:fld>
             <a:endParaRPr lang="de-AT"/>
           </a:p>
@@ -1151,7 +1154,7 @@
           <a:p>
             <a:fld id="{221DF790-08EF-4309-8C7D-573F11C98FD5}" type="datetimeFigureOut">
               <a:rPr lang="de-AT" smtClean="0"/>
-              <a:t>07.02.2022</a:t>
+              <a:t>08.02.2022</a:t>
             </a:fld>
             <a:endParaRPr lang="de-AT"/>
           </a:p>
@@ -1419,7 +1422,7 @@
           <a:p>
             <a:fld id="{221DF790-08EF-4309-8C7D-573F11C98FD5}" type="datetimeFigureOut">
               <a:rPr lang="de-AT" smtClean="0"/>
-              <a:t>07.02.2022</a:t>
+              <a:t>08.02.2022</a:t>
             </a:fld>
             <a:endParaRPr lang="de-AT"/>
           </a:p>
@@ -1834,7 +1837,7 @@
           <a:p>
             <a:fld id="{221DF790-08EF-4309-8C7D-573F11C98FD5}" type="datetimeFigureOut">
               <a:rPr lang="de-AT" smtClean="0"/>
-              <a:t>07.02.2022</a:t>
+              <a:t>08.02.2022</a:t>
             </a:fld>
             <a:endParaRPr lang="de-AT"/>
           </a:p>
@@ -1976,7 +1979,7 @@
           <a:p>
             <a:fld id="{221DF790-08EF-4309-8C7D-573F11C98FD5}" type="datetimeFigureOut">
               <a:rPr lang="de-AT" smtClean="0"/>
-              <a:t>07.02.2022</a:t>
+              <a:t>08.02.2022</a:t>
             </a:fld>
             <a:endParaRPr lang="de-AT"/>
           </a:p>
@@ -2089,7 +2092,7 @@
           <a:p>
             <a:fld id="{221DF790-08EF-4309-8C7D-573F11C98FD5}" type="datetimeFigureOut">
               <a:rPr lang="de-AT" smtClean="0"/>
-              <a:t>07.02.2022</a:t>
+              <a:t>08.02.2022</a:t>
             </a:fld>
             <a:endParaRPr lang="de-AT"/>
           </a:p>
@@ -2402,7 +2405,7 @@
           <a:p>
             <a:fld id="{221DF790-08EF-4309-8C7D-573F11C98FD5}" type="datetimeFigureOut">
               <a:rPr lang="de-AT" smtClean="0"/>
-              <a:t>07.02.2022</a:t>
+              <a:t>08.02.2022</a:t>
             </a:fld>
             <a:endParaRPr lang="de-AT"/>
           </a:p>
@@ -2691,7 +2694,7 @@
           <a:p>
             <a:fld id="{221DF790-08EF-4309-8C7D-573F11C98FD5}" type="datetimeFigureOut">
               <a:rPr lang="de-AT" smtClean="0"/>
-              <a:t>07.02.2022</a:t>
+              <a:t>08.02.2022</a:t>
             </a:fld>
             <a:endParaRPr lang="de-AT"/>
           </a:p>
@@ -2934,7 +2937,7 @@
           <a:p>
             <a:fld id="{221DF790-08EF-4309-8C7D-573F11C98FD5}" type="datetimeFigureOut">
               <a:rPr lang="de-AT" smtClean="0"/>
-              <a:t>07.02.2022</a:t>
+              <a:t>08.02.2022</a:t>
             </a:fld>
             <a:endParaRPr lang="de-AT"/>
           </a:p>
@@ -4464,7 +4467,7 @@
         </p:nvSpPr>
         <p:spPr>
           <a:xfrm rot="168924" flipH="1">
-            <a:off x="5500732" y="1897647"/>
+            <a:off x="5515268" y="1496770"/>
             <a:ext cx="252119" cy="235049"/>
           </a:xfrm>
           <a:prstGeom prst="diamond">
@@ -4567,8 +4570,8 @@
         </p:nvCxnSpPr>
         <p:spPr>
           <a:xfrm rot="5400000">
-            <a:off x="5092739" y="2406161"/>
-            <a:ext cx="801886" cy="254673"/>
+            <a:off x="4899569" y="2198454"/>
+            <a:ext cx="1202763" cy="269209"/>
           </a:xfrm>
           <a:prstGeom prst="bentConnector3">
             <a:avLst>
@@ -6802,125 +6805,51 @@
           </p:txBody>
         </p:sp>
       </p:grpSp>
-      <p:grpSp>
-        <p:nvGrpSpPr>
-          <p:cNvPr id="49" name="Gruppieren 48">
-            <a:extLst>
-              <a:ext uri="{FF2B5EF4-FFF2-40B4-BE49-F238E27FC236}">
-                <a16:creationId xmlns:a16="http://schemas.microsoft.com/office/drawing/2014/main" id="{CE24E1DA-CA05-4A16-805D-B4B7B0D4E5BA}"/>
-              </a:ext>
-            </a:extLst>
-          </p:cNvPr>
-          <p:cNvGrpSpPr/>
+      <p:cxnSp>
+        <p:nvCxnSpPr>
+          <p:cNvPr id="51" name="Verbinder: gewinkelt 98">
+            <a:extLst>
+              <a:ext uri="{FF2B5EF4-FFF2-40B4-BE49-F238E27FC236}">
+                <a16:creationId xmlns:a16="http://schemas.microsoft.com/office/drawing/2014/main" id="{F8794F20-41DD-43B7-ABB9-10BBBE6B6CE3}"/>
+              </a:ext>
+            </a:extLst>
+          </p:cNvPr>
+          <p:cNvCxnSpPr>
+            <a:cxnSpLocks/>
+            <a:stCxn id="10" idx="2"/>
+          </p:cNvCxnSpPr>
           <p:nvPr/>
-        </p:nvGrpSpPr>
-        <p:grpSpPr>
-          <a:xfrm>
-            <a:off x="5659097" y="4782839"/>
-            <a:ext cx="188815" cy="852812"/>
-            <a:chOff x="5454320" y="1410149"/>
-            <a:chExt cx="170621" cy="910008"/>
+        </p:nvCxnSpPr>
+        <p:spPr>
+          <a:xfrm rot="16200000" flipH="1">
+            <a:off x="5293362" y="5169156"/>
+            <a:ext cx="893288" cy="39698"/>
           </a:xfrm>
-        </p:grpSpPr>
-        <p:sp>
-          <p:nvSpPr>
-            <p:cNvPr id="50" name="Raute 49">
-              <a:extLst>
-                <a:ext uri="{FF2B5EF4-FFF2-40B4-BE49-F238E27FC236}">
-                  <a16:creationId xmlns:a16="http://schemas.microsoft.com/office/drawing/2014/main" id="{A7816081-7222-4B0D-B435-84704B4A9D7D}"/>
-                </a:ext>
-              </a:extLst>
-            </p:cNvPr>
-            <p:cNvSpPr/>
-            <p:nvPr/>
-          </p:nvSpPr>
-          <p:spPr>
-            <a:xfrm flipH="1">
-              <a:off x="5454320" y="1410149"/>
-              <a:ext cx="170621" cy="277558"/>
-            </a:xfrm>
-            <a:prstGeom prst="diamond">
-              <a:avLst/>
-            </a:prstGeom>
-            <a:ln>
-              <a:headEnd type="none" w="med" len="med"/>
-              <a:tailEnd type="arrow" w="med" len="med"/>
-            </a:ln>
-          </p:spPr>
-          <p:style>
-            <a:lnRef idx="2">
-              <a:schemeClr val="dk1">
-                <a:shade val="50000"/>
-              </a:schemeClr>
-            </a:lnRef>
-            <a:fillRef idx="1">
-              <a:schemeClr val="dk1"/>
-            </a:fillRef>
-            <a:effectRef idx="0">
-              <a:schemeClr val="dk1"/>
-            </a:effectRef>
-            <a:fontRef idx="minor">
-              <a:schemeClr val="lt1"/>
-            </a:fontRef>
-          </p:style>
-          <p:txBody>
-            <a:bodyPr rtlCol="0" anchor="ctr"/>
-            <a:lstStyle/>
-            <a:p>
-              <a:pPr algn="ctr"/>
-              <a:endParaRPr lang="de-AT" dirty="0">
-                <a:latin typeface="Arial" panose="020B0604020202020204" pitchFamily="34" charset="0"/>
-                <a:cs typeface="Arial" panose="020B0604020202020204" pitchFamily="34" charset="0"/>
-              </a:endParaRPr>
-            </a:p>
-          </p:txBody>
-        </p:sp>
-        <p:cxnSp>
-          <p:nvCxnSpPr>
-            <p:cNvPr id="51" name="Verbinder: gewinkelt 98">
-              <a:extLst>
-                <a:ext uri="{FF2B5EF4-FFF2-40B4-BE49-F238E27FC236}">
-                  <a16:creationId xmlns:a16="http://schemas.microsoft.com/office/drawing/2014/main" id="{F8794F20-41DD-43B7-ABB9-10BBBE6B6CE3}"/>
-                </a:ext>
-              </a:extLst>
-            </p:cNvPr>
-            <p:cNvCxnSpPr>
-              <a:cxnSpLocks/>
-              <a:stCxn id="50" idx="2"/>
-            </p:cNvCxnSpPr>
-            <p:nvPr/>
-          </p:nvCxnSpPr>
-          <p:spPr>
-            <a:xfrm rot="16200000" flipH="1">
-              <a:off x="5226275" y="2001062"/>
-              <a:ext cx="632450" cy="5740"/>
-            </a:xfrm>
-            <a:prstGeom prst="bentConnector3">
-              <a:avLst>
-                <a:gd name="adj1" fmla="val 50000"/>
-              </a:avLst>
-            </a:prstGeom>
-            <a:ln>
-              <a:headEnd type="none" w="med" len="med"/>
-              <a:tailEnd type="arrow" w="med" len="med"/>
-            </a:ln>
-          </p:spPr>
-          <p:style>
-            <a:lnRef idx="1">
-              <a:schemeClr val="dk1"/>
-            </a:lnRef>
-            <a:fillRef idx="0">
-              <a:schemeClr val="dk1"/>
-            </a:fillRef>
-            <a:effectRef idx="0">
-              <a:schemeClr val="dk1"/>
-            </a:effectRef>
-            <a:fontRef idx="minor">
-              <a:schemeClr val="tx1"/>
-            </a:fontRef>
-          </p:style>
-        </p:cxnSp>
-      </p:grpSp>
+          <a:prstGeom prst="bentConnector3">
+            <a:avLst>
+              <a:gd name="adj1" fmla="val 50000"/>
+            </a:avLst>
+          </a:prstGeom>
+          <a:ln>
+            <a:headEnd type="none" w="med" len="med"/>
+            <a:tailEnd type="arrow" w="med" len="med"/>
+          </a:ln>
+        </p:spPr>
+        <p:style>
+          <a:lnRef idx="1">
+            <a:schemeClr val="dk1"/>
+          </a:lnRef>
+          <a:fillRef idx="0">
+            <a:schemeClr val="dk1"/>
+          </a:fillRef>
+          <a:effectRef idx="0">
+            <a:schemeClr val="dk1"/>
+          </a:effectRef>
+          <a:fontRef idx="minor">
+            <a:schemeClr val="tx1"/>
+          </a:fontRef>
+        </p:style>
+      </p:cxnSp>
       <p:grpSp>
         <p:nvGrpSpPr>
           <p:cNvPr id="53" name="Gruppieren 52">
@@ -7290,8 +7219,8 @@
         </p:nvSpPr>
         <p:spPr>
           <a:xfrm>
-            <a:off x="4088596" y="1410240"/>
-            <a:ext cx="1698991" cy="369332"/>
+            <a:off x="5046574" y="1463394"/>
+            <a:ext cx="673582" cy="369332"/>
           </a:xfrm>
           <a:prstGeom prst="rect">
             <a:avLst/>
@@ -7306,13 +7235,8 @@
           <a:p>
             <a:r>
               <a:rPr lang="de-AT" dirty="0"/>
-              <a:t>[0..*] </a:t>
-            </a:r>
-            <a:r>
-              <a:rPr lang="de-AT" dirty="0" err="1"/>
-              <a:t>properties</a:t>
-            </a:r>
-            <a:endParaRPr lang="de-AT" dirty="0"/>
+              <a:t>[0..*]</a:t>
+            </a:r>
           </a:p>
         </p:txBody>
       </p:sp>
@@ -7330,7 +7254,7 @@
         </p:nvSpPr>
         <p:spPr>
           <a:xfrm>
-            <a:off x="4599098" y="3375916"/>
+            <a:off x="4528174" y="3605525"/>
             <a:ext cx="1146468" cy="369332"/>
           </a:xfrm>
           <a:prstGeom prst="rect">
@@ -7570,7 +7494,7 @@
         </p:nvSpPr>
         <p:spPr>
           <a:xfrm>
-            <a:off x="1695103" y="6041339"/>
+            <a:off x="1866053" y="5922710"/>
             <a:ext cx="2933367" cy="369332"/>
           </a:xfrm>
           <a:prstGeom prst="rect">
@@ -8053,7 +7977,7 @@
         </p:nvSpPr>
         <p:spPr>
           <a:xfrm>
-            <a:off x="6207231" y="3339050"/>
+            <a:off x="6060932" y="3339049"/>
             <a:ext cx="1700274" cy="369332"/>
           </a:xfrm>
           <a:prstGeom prst="rect">
@@ -8302,7 +8226,7 @@
           </a:xfrm>
           <a:prstGeom prst="bentConnector3">
             <a:avLst>
-              <a:gd name="adj1" fmla="val 50000"/>
+              <a:gd name="adj1" fmla="val 45707"/>
             </a:avLst>
           </a:prstGeom>
           <a:noFill/>
@@ -8469,10 +8393,10 @@
         </p:nvGrpSpPr>
         <p:grpSpPr>
           <a:xfrm>
-            <a:off x="4601484" y="804917"/>
-            <a:ext cx="2170673" cy="1376784"/>
+            <a:off x="4601483" y="804910"/>
+            <a:ext cx="2268000" cy="893079"/>
             <a:chOff x="6014721" y="2009063"/>
-            <a:chExt cx="2529840" cy="938883"/>
+            <a:chExt cx="2529840" cy="609026"/>
           </a:xfrm>
         </p:grpSpPr>
         <p:sp>
@@ -8490,7 +8414,7 @@
           <p:spPr>
             <a:xfrm>
               <a:off x="6014721" y="2009063"/>
-              <a:ext cx="2529840" cy="428786"/>
+              <a:ext cx="2529840" cy="270048"/>
             </a:xfrm>
             <a:prstGeom prst="rect">
               <a:avLst/>
@@ -8526,7 +8450,7 @@
             <a:p>
               <a:pPr algn="ctr"/>
               <a:r>
-                <a:rPr lang="de-AT" sz="2000" b="1" dirty="0" err="1">
+                <a:rPr lang="de-AT" b="1" dirty="0" err="1">
                   <a:latin typeface="Arial" panose="020B0604020202020204" pitchFamily="34" charset="0"/>
                   <a:cs typeface="Arial" panose="020B0604020202020204" pitchFamily="34" charset="0"/>
                 </a:rPr>
@@ -8553,8 +8477,8 @@
           </p:nvSpPr>
           <p:spPr>
             <a:xfrm>
-              <a:off x="6014721" y="2437947"/>
-              <a:ext cx="2529840" cy="509999"/>
+              <a:off x="6014721" y="2277192"/>
+              <a:ext cx="2529840" cy="340897"/>
             </a:xfrm>
             <a:prstGeom prst="rect">
               <a:avLst/>
@@ -8610,10 +8534,10 @@
         </p:nvGrpSpPr>
         <p:grpSpPr>
           <a:xfrm>
-            <a:off x="1510621" y="2618441"/>
-            <a:ext cx="2170673" cy="1038987"/>
+            <a:off x="1510620" y="2618443"/>
+            <a:ext cx="2268000" cy="810381"/>
             <a:chOff x="6014721" y="2009063"/>
-            <a:chExt cx="2529840" cy="708526"/>
+            <a:chExt cx="2529840" cy="552631"/>
           </a:xfrm>
         </p:grpSpPr>
         <p:sp>
@@ -8631,7 +8555,7 @@
           <p:spPr>
             <a:xfrm>
               <a:off x="6014721" y="2009063"/>
-              <a:ext cx="2529840" cy="428786"/>
+              <a:ext cx="2529840" cy="270048"/>
             </a:xfrm>
             <a:prstGeom prst="rect">
               <a:avLst/>
@@ -8667,12 +8591,16 @@
             <a:p>
               <a:pPr algn="ctr"/>
               <a:r>
-                <a:rPr lang="de-AT" sz="2000" b="1" dirty="0">
+                <a:rPr lang="de-AT" b="1" dirty="0">
                   <a:latin typeface="Arial" panose="020B0604020202020204" pitchFamily="34" charset="0"/>
                   <a:cs typeface="Arial" panose="020B0604020202020204" pitchFamily="34" charset="0"/>
                 </a:rPr>
                 <a:t>Event</a:t>
               </a:r>
+              <a:endParaRPr lang="de-AT" sz="2000" b="1" dirty="0">
+                <a:latin typeface="Arial" panose="020B0604020202020204" pitchFamily="34" charset="0"/>
+                <a:cs typeface="Arial" panose="020B0604020202020204" pitchFamily="34" charset="0"/>
+              </a:endParaRPr>
             </a:p>
           </p:txBody>
         </p:sp>
@@ -8690,7 +8618,7 @@
           </p:nvSpPr>
           <p:spPr>
             <a:xfrm>
-              <a:off x="6014721" y="2437947"/>
+              <a:off x="6014721" y="2282052"/>
               <a:ext cx="2529840" cy="279642"/>
             </a:xfrm>
             <a:prstGeom prst="rect">
@@ -8726,12 +8654,30 @@
             <a:lstStyle/>
             <a:p>
               <a:r>
-                <a:rPr lang="de-AT" dirty="0">
+                <a:rPr lang="de-AT" sz="1600" i="1" dirty="0">
                   <a:latin typeface="Arial" panose="020B0604020202020204" pitchFamily="34" charset="0"/>
                   <a:cs typeface="Arial" panose="020B0604020202020204" pitchFamily="34" charset="0"/>
                 </a:rPr>
-                <a:t>Name: String</a:t>
-              </a:r>
+                <a:t>String</a:t>
+              </a:r>
+              <a:r>
+                <a:rPr lang="de-AT" sz="1600" dirty="0">
+                  <a:latin typeface="Arial" panose="020B0604020202020204" pitchFamily="34" charset="0"/>
+                  <a:cs typeface="Arial" panose="020B0604020202020204" pitchFamily="34" charset="0"/>
+                </a:rPr>
+                <a:t> </a:t>
+              </a:r>
+              <a:r>
+                <a:rPr lang="de-AT" sz="1600" dirty="0" err="1">
+                  <a:latin typeface="Arial" panose="020B0604020202020204" pitchFamily="34" charset="0"/>
+                  <a:cs typeface="Arial" panose="020B0604020202020204" pitchFamily="34" charset="0"/>
+                </a:rPr>
+                <a:t>name</a:t>
+              </a:r>
+              <a:endParaRPr lang="de-AT" sz="1600" dirty="0">
+                <a:latin typeface="Arial" panose="020B0604020202020204" pitchFamily="34" charset="0"/>
+                <a:cs typeface="Arial" panose="020B0604020202020204" pitchFamily="34" charset="0"/>
+              </a:endParaRPr>
             </a:p>
           </p:txBody>
         </p:sp>
@@ -8750,8 +8696,8 @@
         </p:nvGrpSpPr>
         <p:grpSpPr>
           <a:xfrm>
-            <a:off x="4647533" y="2809445"/>
-            <a:ext cx="2170673" cy="2662660"/>
+            <a:off x="4607015" y="2548476"/>
+            <a:ext cx="2268000" cy="2662660"/>
             <a:chOff x="6014721" y="2009063"/>
             <a:chExt cx="2529840" cy="1815772"/>
           </a:xfrm>
@@ -8807,12 +8753,16 @@
             <a:p>
               <a:pPr algn="ctr"/>
               <a:r>
-                <a:rPr lang="de-AT" sz="2000" b="1" dirty="0">
+                <a:rPr lang="de-AT" b="1" dirty="0">
                   <a:latin typeface="Arial" panose="020B0604020202020204" pitchFamily="34" charset="0"/>
                   <a:cs typeface="Arial" panose="020B0604020202020204" pitchFamily="34" charset="0"/>
                 </a:rPr>
                 <a:t>Operation</a:t>
               </a:r>
+              <a:endParaRPr lang="de-AT" sz="2000" b="1" dirty="0">
+                <a:latin typeface="Arial" panose="020B0604020202020204" pitchFamily="34" charset="0"/>
+                <a:cs typeface="Arial" panose="020B0604020202020204" pitchFamily="34" charset="0"/>
+              </a:endParaRPr>
             </a:p>
           </p:txBody>
         </p:sp>
@@ -8866,43 +8816,79 @@
             <a:lstStyle/>
             <a:p>
               <a:r>
+                <a:rPr lang="de-AT" sz="1600" i="1" dirty="0">
+                  <a:latin typeface="Arial" panose="020B0604020202020204" pitchFamily="34" charset="0"/>
+                  <a:cs typeface="Arial" panose="020B0604020202020204" pitchFamily="34" charset="0"/>
+                </a:rPr>
+                <a:t>String</a:t>
+              </a:r>
+              <a:r>
                 <a:rPr lang="de-AT" sz="1600" dirty="0">
                   <a:latin typeface="Arial" panose="020B0604020202020204" pitchFamily="34" charset="0"/>
                   <a:cs typeface="Arial" panose="020B0604020202020204" pitchFamily="34" charset="0"/>
                 </a:rPr>
-                <a:t>Name: String</a:t>
-              </a:r>
+                <a:t> </a:t>
+              </a:r>
+              <a:r>
+                <a:rPr lang="de-AT" sz="1600" dirty="0" err="1">
+                  <a:latin typeface="Arial" panose="020B0604020202020204" pitchFamily="34" charset="0"/>
+                  <a:cs typeface="Arial" panose="020B0604020202020204" pitchFamily="34" charset="0"/>
+                </a:rPr>
+                <a:t>name</a:t>
+              </a:r>
+              <a:endParaRPr lang="de-AT" sz="1600" dirty="0">
+                <a:latin typeface="Arial" panose="020B0604020202020204" pitchFamily="34" charset="0"/>
+                <a:cs typeface="Arial" panose="020B0604020202020204" pitchFamily="34" charset="0"/>
+              </a:endParaRPr>
             </a:p>
             <a:p>
+              <a:r>
+                <a:rPr lang="de-AT" sz="1600" i="1" dirty="0">
+                  <a:latin typeface="Arial" panose="020B0604020202020204" pitchFamily="34" charset="0"/>
+                  <a:cs typeface="Arial" panose="020B0604020202020204" pitchFamily="34" charset="0"/>
+                </a:rPr>
+                <a:t>String</a:t>
+              </a:r>
               <a:r>
                 <a:rPr lang="de-AT" sz="1600" dirty="0">
                   <a:latin typeface="Arial" panose="020B0604020202020204" pitchFamily="34" charset="0"/>
                   <a:cs typeface="Arial" panose="020B0604020202020204" pitchFamily="34" charset="0"/>
                 </a:rPr>
-                <a:t>Description: String</a:t>
-              </a:r>
-            </a:p>
-            <a:p>
+                <a:t> </a:t>
+              </a:r>
               <a:r>
                 <a:rPr lang="de-AT" sz="1600" dirty="0" err="1">
                   <a:latin typeface="Arial" panose="020B0604020202020204" pitchFamily="34" charset="0"/>
                   <a:cs typeface="Arial" panose="020B0604020202020204" pitchFamily="34" charset="0"/>
                 </a:rPr>
-                <a:t>Breakable</a:t>
+                <a:t>description</a:t>
+              </a:r>
+              <a:endParaRPr lang="de-AT" sz="1600" dirty="0">
+                <a:latin typeface="Arial" panose="020B0604020202020204" pitchFamily="34" charset="0"/>
+                <a:cs typeface="Arial" panose="020B0604020202020204" pitchFamily="34" charset="0"/>
+              </a:endParaRPr>
+            </a:p>
+            <a:p>
+              <a:r>
+                <a:rPr lang="de-AT" sz="1600" i="1" dirty="0">
+                  <a:latin typeface="Arial" panose="020B0604020202020204" pitchFamily="34" charset="0"/>
+                  <a:cs typeface="Arial" panose="020B0604020202020204" pitchFamily="34" charset="0"/>
+                </a:rPr>
+                <a:t>Boolean</a:t>
               </a:r>
               <a:r>
                 <a:rPr lang="de-AT" sz="1600" dirty="0">
                   <a:latin typeface="Arial" panose="020B0604020202020204" pitchFamily="34" charset="0"/>
                   <a:cs typeface="Arial" panose="020B0604020202020204" pitchFamily="34" charset="0"/>
                 </a:rPr>
-                <a:t>: </a:t>
+                <a:t> </a:t>
               </a:r>
               <a:r>
                 <a:rPr lang="de-AT" sz="1600" dirty="0" err="1">
                   <a:latin typeface="Arial" panose="020B0604020202020204" pitchFamily="34" charset="0"/>
                   <a:cs typeface="Arial" panose="020B0604020202020204" pitchFamily="34" charset="0"/>
                 </a:rPr>
-                <a:t>bool</a:t>
+                <a:t>breakable</a:t>
               </a:r>
               <a:endParaRPr lang="de-AT" sz="1600" dirty="0">
                 <a:latin typeface="Arial" panose="020B0604020202020204" pitchFamily="34" charset="0"/>
@@ -8911,18 +8897,25 @@
             </a:p>
             <a:p>
               <a:r>
+                <a:rPr lang="de-AT" sz="1600" i="1" dirty="0">
+                  <a:latin typeface="Arial" panose="020B0604020202020204" pitchFamily="34" charset="0"/>
+                  <a:cs typeface="Arial" panose="020B0604020202020204" pitchFamily="34" charset="0"/>
+                </a:rPr>
+                <a:t>Boolean</a:t>
+              </a:r>
+              <a:r>
                 <a:rPr lang="de-AT" sz="1600" dirty="0">
                   <a:latin typeface="Arial" panose="020B0604020202020204" pitchFamily="34" charset="0"/>
                   <a:cs typeface="Arial" panose="020B0604020202020204" pitchFamily="34" charset="0"/>
                 </a:rPr>
-                <a:t>Extension: </a:t>
+                <a:t> </a:t>
               </a:r>
               <a:r>
                 <a:rPr lang="de-AT" sz="1600" dirty="0" err="1">
                   <a:latin typeface="Arial" panose="020B0604020202020204" pitchFamily="34" charset="0"/>
                   <a:cs typeface="Arial" panose="020B0604020202020204" pitchFamily="34" charset="0"/>
                 </a:rPr>
-                <a:t>bool</a:t>
+                <a:t>extension</a:t>
               </a:r>
               <a:endParaRPr lang="de-AT" sz="1600" dirty="0">
                 <a:latin typeface="Arial" panose="020B0604020202020204" pitchFamily="34" charset="0"/>
@@ -8931,20 +8924,45 @@
             </a:p>
             <a:p>
               <a:r>
+                <a:rPr lang="de-AT" sz="1600" i="1" dirty="0">
+                  <a:latin typeface="Arial" panose="020B0604020202020204" pitchFamily="34" charset="0"/>
+                  <a:cs typeface="Arial" panose="020B0604020202020204" pitchFamily="34" charset="0"/>
+                </a:rPr>
+                <a:t>Presence</a:t>
+              </a:r>
+              <a:r>
                 <a:rPr lang="de-AT" sz="1600" dirty="0">
                   <a:latin typeface="Arial" panose="020B0604020202020204" pitchFamily="34" charset="0"/>
                   <a:cs typeface="Arial" panose="020B0604020202020204" pitchFamily="34" charset="0"/>
                 </a:rPr>
-                <a:t>Presence: Presence</a:t>
-              </a:r>
+                <a:t> </a:t>
+              </a:r>
+              <a:r>
+                <a:rPr lang="de-AT" sz="1600" dirty="0" err="1">
+                  <a:latin typeface="Arial" panose="020B0604020202020204" pitchFamily="34" charset="0"/>
+                  <a:cs typeface="Arial" panose="020B0604020202020204" pitchFamily="34" charset="0"/>
+                </a:rPr>
+                <a:t>presence</a:t>
+              </a:r>
+              <a:endParaRPr lang="de-AT" sz="1600" dirty="0">
+                <a:latin typeface="Arial" panose="020B0604020202020204" pitchFamily="34" charset="0"/>
+                <a:cs typeface="Arial" panose="020B0604020202020204" pitchFamily="34" charset="0"/>
+              </a:endParaRPr>
             </a:p>
             <a:p>
+              <a:r>
+                <a:rPr lang="de-AT" sz="1600" i="1" dirty="0" err="1">
+                  <a:latin typeface="Arial" panose="020B0604020202020204" pitchFamily="34" charset="0"/>
+                  <a:cs typeface="Arial" panose="020B0604020202020204" pitchFamily="34" charset="0"/>
+                </a:rPr>
+                <a:t>ReturnType</a:t>
+              </a:r>
               <a:r>
                 <a:rPr lang="de-AT" sz="1600" dirty="0">
                   <a:latin typeface="Arial" panose="020B0604020202020204" pitchFamily="34" charset="0"/>
                   <a:cs typeface="Arial" panose="020B0604020202020204" pitchFamily="34" charset="0"/>
                 </a:rPr>
-                <a:t>[0..1] </a:t>
+                <a:t> </a:t>
               </a:r>
               <a:r>
                 <a:rPr lang="de-AT" sz="1600" dirty="0" err="1">
@@ -8953,46 +8971,32 @@
                 </a:rPr>
                 <a:t>returnType</a:t>
               </a:r>
+              <a:endParaRPr lang="de-AT" sz="1600" dirty="0">
+                <a:latin typeface="Arial" panose="020B0604020202020204" pitchFamily="34" charset="0"/>
+                <a:cs typeface="Arial" panose="020B0604020202020204" pitchFamily="34" charset="0"/>
+              </a:endParaRPr>
+            </a:p>
+            <a:p>
+              <a:r>
+                <a:rPr lang="de-AT" sz="1600" i="1" dirty="0">
+                  <a:latin typeface="Arial" panose="020B0604020202020204" pitchFamily="34" charset="0"/>
+                  <a:cs typeface="Arial" panose="020B0604020202020204" pitchFamily="34" charset="0"/>
+                </a:rPr>
+                <a:t>List&lt;Param&gt; </a:t>
+              </a:r>
+              <a:r>
+                <a:rPr lang="de-AT" sz="1600" dirty="0" err="1">
+                  <a:latin typeface="Arial" panose="020B0604020202020204" pitchFamily="34" charset="0"/>
+                  <a:cs typeface="Arial" panose="020B0604020202020204" pitchFamily="34" charset="0"/>
+                </a:rPr>
+                <a:t>params</a:t>
+              </a:r>
               <a:r>
                 <a:rPr lang="de-AT" sz="1600" dirty="0">
                   <a:latin typeface="Arial" panose="020B0604020202020204" pitchFamily="34" charset="0"/>
                   <a:cs typeface="Arial" panose="020B0604020202020204" pitchFamily="34" charset="0"/>
                 </a:rPr>
-                <a:t>: </a:t>
-              </a:r>
-              <a:r>
-                <a:rPr lang="de-AT" sz="1600" dirty="0" err="1">
-                  <a:latin typeface="Arial" panose="020B0604020202020204" pitchFamily="34" charset="0"/>
-                  <a:cs typeface="Arial" panose="020B0604020202020204" pitchFamily="34" charset="0"/>
-                </a:rPr>
-                <a:t>ReturnType</a:t>
-              </a:r>
-              <a:endParaRPr lang="de-AT" sz="1600" dirty="0">
-                <a:latin typeface="Arial" panose="020B0604020202020204" pitchFamily="34" charset="0"/>
-                <a:cs typeface="Arial" panose="020B0604020202020204" pitchFamily="34" charset="0"/>
-              </a:endParaRPr>
-            </a:p>
-            <a:p>
-              <a:r>
-                <a:rPr lang="de-AT" sz="1600" dirty="0">
-                  <a:latin typeface="Arial" panose="020B0604020202020204" pitchFamily="34" charset="0"/>
-                  <a:cs typeface="Arial" panose="020B0604020202020204" pitchFamily="34" charset="0"/>
-                </a:rPr>
-                <a:t>[0..*] </a:t>
-              </a:r>
-              <a:r>
-                <a:rPr lang="de-AT" sz="1600" dirty="0" err="1">
-                  <a:latin typeface="Arial" panose="020B0604020202020204" pitchFamily="34" charset="0"/>
-                  <a:cs typeface="Arial" panose="020B0604020202020204" pitchFamily="34" charset="0"/>
-                </a:rPr>
-                <a:t>Params</a:t>
-              </a:r>
-              <a:r>
-                <a:rPr lang="de-AT" sz="1600" dirty="0">
-                  <a:latin typeface="Arial" panose="020B0604020202020204" pitchFamily="34" charset="0"/>
-                  <a:cs typeface="Arial" panose="020B0604020202020204" pitchFamily="34" charset="0"/>
-                </a:rPr>
-                <a:t>: Param</a:t>
+                <a:t> </a:t>
               </a:r>
             </a:p>
           </p:txBody>
@@ -9012,10 +9016,10 @@
         </p:nvGrpSpPr>
         <p:grpSpPr>
           <a:xfrm>
-            <a:off x="7868558" y="2618441"/>
-            <a:ext cx="2170673" cy="3596612"/>
+            <a:off x="7868557" y="2346969"/>
+            <a:ext cx="2268000" cy="2915758"/>
             <a:chOff x="6014721" y="2009063"/>
-            <a:chExt cx="2529840" cy="2452671"/>
+            <a:chExt cx="2529840" cy="1988368"/>
           </a:xfrm>
         </p:grpSpPr>
         <p:sp>
@@ -9033,7 +9037,7 @@
           <p:spPr>
             <a:xfrm>
               <a:off x="6014721" y="2009063"/>
-              <a:ext cx="2529840" cy="428786"/>
+              <a:ext cx="2529840" cy="270048"/>
             </a:xfrm>
             <a:prstGeom prst="rect">
               <a:avLst/>
@@ -9069,12 +9073,16 @@
             <a:p>
               <a:pPr algn="ctr"/>
               <a:r>
-                <a:rPr lang="de-AT" sz="2000" b="1" dirty="0">
+                <a:rPr lang="de-AT" b="1" dirty="0">
                   <a:latin typeface="Arial" panose="020B0604020202020204" pitchFamily="34" charset="0"/>
                   <a:cs typeface="Arial" panose="020B0604020202020204" pitchFamily="34" charset="0"/>
                 </a:rPr>
                 <a:t>Property</a:t>
               </a:r>
+              <a:endParaRPr lang="de-AT" sz="2000" b="1" dirty="0">
+                <a:latin typeface="Arial" panose="020B0604020202020204" pitchFamily="34" charset="0"/>
+                <a:cs typeface="Arial" panose="020B0604020202020204" pitchFamily="34" charset="0"/>
+              </a:endParaRPr>
             </a:p>
           </p:txBody>
         </p:sp>
@@ -9092,8 +9100,8 @@
           </p:nvSpPr>
           <p:spPr>
             <a:xfrm>
-              <a:off x="6014721" y="2437946"/>
-              <a:ext cx="2529840" cy="2023788"/>
+              <a:off x="6014721" y="2278946"/>
+              <a:ext cx="2529840" cy="1718485"/>
             </a:xfrm>
             <a:prstGeom prst="rect">
               <a:avLst/>
@@ -9128,151 +9136,208 @@
             <a:lstStyle/>
             <a:p>
               <a:r>
-                <a:rPr lang="de-AT" dirty="0" err="1">
+                <a:rPr lang="de-AT" sz="1600" i="1" dirty="0" err="1">
                   <a:latin typeface="Arial" panose="020B0604020202020204" pitchFamily="34" charset="0"/>
                   <a:cs typeface="Arial" panose="020B0604020202020204" pitchFamily="34" charset="0"/>
                 </a:rPr>
-                <a:t>constraintRule</a:t>
-              </a:r>
-              <a:r>
-                <a:rPr lang="de-AT" dirty="0">
+                <a:t>ConstraintRule</a:t>
+              </a:r>
+              <a:r>
+                <a:rPr lang="de-AT" sz="1600" dirty="0">
                   <a:latin typeface="Arial" panose="020B0604020202020204" pitchFamily="34" charset="0"/>
                   <a:cs typeface="Arial" panose="020B0604020202020204" pitchFamily="34" charset="0"/>
                 </a:rPr>
-                <a:t>: </a:t>
-              </a:r>
-              <a:r>
-                <a:rPr lang="de-AT" dirty="0" err="1">
+                <a:t> </a:t>
+              </a:r>
+              <a:r>
+                <a:rPr lang="de-AT" sz="1600" dirty="0" err="1">
                   <a:latin typeface="Arial" panose="020B0604020202020204" pitchFamily="34" charset="0"/>
                   <a:cs typeface="Arial" panose="020B0604020202020204" pitchFamily="34" charset="0"/>
                 </a:rPr>
-                <a:t>ConstraintRule</a:t>
-              </a:r>
-              <a:endParaRPr lang="de-AT" dirty="0">
+                <a:t>constraintRule</a:t>
+              </a:r>
+              <a:endParaRPr lang="de-AT" sz="1600" dirty="0">
                 <a:latin typeface="Arial" panose="020B0604020202020204" pitchFamily="34" charset="0"/>
                 <a:cs typeface="Arial" panose="020B0604020202020204" pitchFamily="34" charset="0"/>
               </a:endParaRPr>
             </a:p>
             <a:p>
               <a:r>
-                <a:rPr lang="de-AT" dirty="0">
+                <a:rPr lang="de-AT" sz="1600" i="1" dirty="0" err="1">
                   <a:latin typeface="Arial" panose="020B0604020202020204" pitchFamily="34" charset="0"/>
                   <a:cs typeface="Arial" panose="020B0604020202020204" pitchFamily="34" charset="0"/>
                 </a:rPr>
-                <a:t>Type: </a:t>
-              </a:r>
-              <a:r>
-                <a:rPr lang="de-AT" dirty="0" err="1">
+                <a:t>PropertyType</a:t>
+              </a:r>
+              <a:r>
+                <a:rPr lang="de-AT" sz="1600" dirty="0">
                   <a:latin typeface="Arial" panose="020B0604020202020204" pitchFamily="34" charset="0"/>
                   <a:cs typeface="Arial" panose="020B0604020202020204" pitchFamily="34" charset="0"/>
                 </a:rPr>
-                <a:t>PropertyType</a:t>
-              </a:r>
-              <a:endParaRPr lang="de-AT" dirty="0">
+                <a:t> type</a:t>
+              </a:r>
+            </a:p>
+            <a:p>
+              <a:r>
+                <a:rPr lang="de-AT" sz="1600" i="1" dirty="0">
+                  <a:latin typeface="Arial" panose="020B0604020202020204" pitchFamily="34" charset="0"/>
+                  <a:cs typeface="Arial" panose="020B0604020202020204" pitchFamily="34" charset="0"/>
+                </a:rPr>
+                <a:t>Boolean</a:t>
+              </a:r>
+              <a:r>
+                <a:rPr lang="de-AT" sz="1600" dirty="0">
+                  <a:latin typeface="Arial" panose="020B0604020202020204" pitchFamily="34" charset="0"/>
+                  <a:cs typeface="Arial" panose="020B0604020202020204" pitchFamily="34" charset="0"/>
+                </a:rPr>
+                <a:t> </a:t>
+              </a:r>
+              <a:r>
+                <a:rPr lang="de-AT" sz="1600" dirty="0" err="1">
+                  <a:latin typeface="Arial" panose="020B0604020202020204" pitchFamily="34" charset="0"/>
+                  <a:cs typeface="Arial" panose="020B0604020202020204" pitchFamily="34" charset="0"/>
+                </a:rPr>
+                <a:t>multiplicity</a:t>
+              </a:r>
+              <a:endParaRPr lang="de-AT" sz="1600" dirty="0">
                 <a:latin typeface="Arial" panose="020B0604020202020204" pitchFamily="34" charset="0"/>
                 <a:cs typeface="Arial" panose="020B0604020202020204" pitchFamily="34" charset="0"/>
               </a:endParaRPr>
             </a:p>
             <a:p>
               <a:r>
-                <a:rPr lang="de-AT" dirty="0" err="1">
+                <a:rPr lang="de-AT" sz="1600" i="1" dirty="0">
                   <a:latin typeface="Arial" panose="020B0604020202020204" pitchFamily="34" charset="0"/>
                   <a:cs typeface="Arial" panose="020B0604020202020204" pitchFamily="34" charset="0"/>
                 </a:rPr>
-                <a:t>Multiplicity</a:t>
-              </a:r>
-              <a:r>
-                <a:rPr lang="de-AT" dirty="0">
+                <a:t>String</a:t>
+              </a:r>
+              <a:r>
+                <a:rPr lang="de-AT" sz="1600" dirty="0">
                   <a:latin typeface="Arial" panose="020B0604020202020204" pitchFamily="34" charset="0"/>
                   <a:cs typeface="Arial" panose="020B0604020202020204" pitchFamily="34" charset="0"/>
                 </a:rPr>
-                <a:t>: </a:t>
-              </a:r>
-              <a:r>
-                <a:rPr lang="de-AT" dirty="0" err="1">
+                <a:t> </a:t>
+              </a:r>
+              <a:r>
+                <a:rPr lang="de-AT" sz="1600" dirty="0" err="1">
                   <a:latin typeface="Arial" panose="020B0604020202020204" pitchFamily="34" charset="0"/>
                   <a:cs typeface="Arial" panose="020B0604020202020204" pitchFamily="34" charset="0"/>
                 </a:rPr>
-                <a:t>booö</a:t>
-              </a:r>
-              <a:endParaRPr lang="de-AT" dirty="0">
+                <a:t>name</a:t>
+              </a:r>
+              <a:endParaRPr lang="de-AT" sz="1600" dirty="0">
                 <a:latin typeface="Arial" panose="020B0604020202020204" pitchFamily="34" charset="0"/>
                 <a:cs typeface="Arial" panose="020B0604020202020204" pitchFamily="34" charset="0"/>
               </a:endParaRPr>
             </a:p>
             <a:p>
               <a:r>
-                <a:rPr lang="de-AT" dirty="0">
+                <a:rPr lang="de-AT" sz="1600" i="1" dirty="0">
                   <a:latin typeface="Arial" panose="020B0604020202020204" pitchFamily="34" charset="0"/>
                   <a:cs typeface="Arial" panose="020B0604020202020204" pitchFamily="34" charset="0"/>
                 </a:rPr>
-                <a:t>Name: String</a:t>
-              </a:r>
-            </a:p>
-            <a:p>
-              <a:r>
-                <a:rPr lang="de-AT" dirty="0">
+                <a:t>Boolean</a:t>
+              </a:r>
+              <a:r>
+                <a:rPr lang="de-AT" sz="1600" dirty="0">
                   <a:latin typeface="Arial" panose="020B0604020202020204" pitchFamily="34" charset="0"/>
                   <a:cs typeface="Arial" panose="020B0604020202020204" pitchFamily="34" charset="0"/>
                 </a:rPr>
-                <a:t>Extension: </a:t>
-              </a:r>
-              <a:r>
-                <a:rPr lang="de-AT" dirty="0" err="1">
+                <a:t> </a:t>
+              </a:r>
+              <a:r>
+                <a:rPr lang="de-AT" sz="1600" dirty="0" err="1">
                   <a:latin typeface="Arial" panose="020B0604020202020204" pitchFamily="34" charset="0"/>
                   <a:cs typeface="Arial" panose="020B0604020202020204" pitchFamily="34" charset="0"/>
                 </a:rPr>
-                <a:t>bool</a:t>
-              </a:r>
-              <a:endParaRPr lang="de-AT" dirty="0">
+                <a:t>extension</a:t>
+              </a:r>
+              <a:endParaRPr lang="de-AT" sz="1600" dirty="0">
                 <a:latin typeface="Arial" panose="020B0604020202020204" pitchFamily="34" charset="0"/>
                 <a:cs typeface="Arial" panose="020B0604020202020204" pitchFamily="34" charset="0"/>
               </a:endParaRPr>
             </a:p>
             <a:p>
               <a:r>
-                <a:rPr lang="de-AT" dirty="0">
+                <a:rPr lang="de-AT" sz="1600" i="1" dirty="0">
                   <a:latin typeface="Arial" panose="020B0604020202020204" pitchFamily="34" charset="0"/>
                   <a:cs typeface="Arial" panose="020B0604020202020204" pitchFamily="34" charset="0"/>
                 </a:rPr>
-                <a:t>Description: String</a:t>
-              </a:r>
-            </a:p>
-            <a:p>
-              <a:r>
-                <a:rPr lang="de-AT" dirty="0" err="1">
+                <a:t>String</a:t>
+              </a:r>
+              <a:r>
+                <a:rPr lang="de-AT" sz="1600" dirty="0">
                   <a:latin typeface="Arial" panose="020B0604020202020204" pitchFamily="34" charset="0"/>
                   <a:cs typeface="Arial" panose="020B0604020202020204" pitchFamily="34" charset="0"/>
                 </a:rPr>
-                <a:t>propertyAttributes</a:t>
-              </a:r>
-              <a:r>
-                <a:rPr lang="de-AT" dirty="0">
+                <a:t> </a:t>
+              </a:r>
+              <a:r>
+                <a:rPr lang="de-AT" sz="1600" dirty="0" err="1">
                   <a:latin typeface="Arial" panose="020B0604020202020204" pitchFamily="34" charset="0"/>
                   <a:cs typeface="Arial" panose="020B0604020202020204" pitchFamily="34" charset="0"/>
                 </a:rPr>
-                <a:t>: </a:t>
-              </a:r>
-              <a:r>
-                <a:rPr lang="de-AT" dirty="0" err="1">
-                  <a:latin typeface="Arial" panose="020B0604020202020204" pitchFamily="34" charset="0"/>
-                  <a:cs typeface="Arial" panose="020B0604020202020204" pitchFamily="34" charset="0"/>
-                </a:rPr>
-                <a:t>PropertyAttribute</a:t>
-              </a:r>
-              <a:endParaRPr lang="de-AT" dirty="0">
+                <a:t>description</a:t>
+              </a:r>
+              <a:endParaRPr lang="de-AT" sz="1600" dirty="0">
                 <a:latin typeface="Arial" panose="020B0604020202020204" pitchFamily="34" charset="0"/>
                 <a:cs typeface="Arial" panose="020B0604020202020204" pitchFamily="34" charset="0"/>
               </a:endParaRPr>
             </a:p>
             <a:p>
               <a:r>
-                <a:rPr lang="de-AT" dirty="0">
+                <a:rPr lang="de-AT" sz="1600" i="1" dirty="0" err="1">
                   <a:latin typeface="Arial" panose="020B0604020202020204" pitchFamily="34" charset="0"/>
                   <a:cs typeface="Arial" panose="020B0604020202020204" pitchFamily="34" charset="0"/>
                 </a:rPr>
-                <a:t>Presence: Presence</a:t>
-              </a:r>
+                <a:t>PropertyAttribute</a:t>
+              </a:r>
+              <a:r>
+                <a:rPr lang="de-AT" sz="1600" dirty="0">
+                  <a:latin typeface="Arial" panose="020B0604020202020204" pitchFamily="34" charset="0"/>
+                  <a:cs typeface="Arial" panose="020B0604020202020204" pitchFamily="34" charset="0"/>
+                </a:rPr>
+                <a:t> </a:t>
+              </a:r>
+              <a:r>
+                <a:rPr lang="de-AT" sz="1600" dirty="0" err="1">
+                  <a:latin typeface="Arial" panose="020B0604020202020204" pitchFamily="34" charset="0"/>
+                  <a:cs typeface="Arial" panose="020B0604020202020204" pitchFamily="34" charset="0"/>
+                </a:rPr>
+                <a:t>propertyAttribute</a:t>
+              </a:r>
+              <a:endParaRPr lang="de-AT" sz="1600" dirty="0">
+                <a:latin typeface="Arial" panose="020B0604020202020204" pitchFamily="34" charset="0"/>
+                <a:cs typeface="Arial" panose="020B0604020202020204" pitchFamily="34" charset="0"/>
+              </a:endParaRPr>
+            </a:p>
+            <a:p>
+              <a:r>
+                <a:rPr lang="de-AT" sz="1600" i="1" dirty="0">
+                  <a:latin typeface="Arial" panose="020B0604020202020204" pitchFamily="34" charset="0"/>
+                  <a:cs typeface="Arial" panose="020B0604020202020204" pitchFamily="34" charset="0"/>
+                </a:rPr>
+                <a:t>Presence</a:t>
+              </a:r>
+              <a:r>
+                <a:rPr lang="de-AT" sz="1600" dirty="0">
+                  <a:latin typeface="Arial" panose="020B0604020202020204" pitchFamily="34" charset="0"/>
+                  <a:cs typeface="Arial" panose="020B0604020202020204" pitchFamily="34" charset="0"/>
+                </a:rPr>
+                <a:t> </a:t>
+              </a:r>
+              <a:r>
+                <a:rPr lang="de-AT" sz="1600" dirty="0" err="1">
+                  <a:latin typeface="Arial" panose="020B0604020202020204" pitchFamily="34" charset="0"/>
+                  <a:cs typeface="Arial" panose="020B0604020202020204" pitchFamily="34" charset="0"/>
+                </a:rPr>
+                <a:t>presence</a:t>
+              </a:r>
+              <a:endParaRPr lang="de-AT" sz="1600" dirty="0">
+                <a:latin typeface="Arial" panose="020B0604020202020204" pitchFamily="34" charset="0"/>
+                <a:cs typeface="Arial" panose="020B0604020202020204" pitchFamily="34" charset="0"/>
+              </a:endParaRPr>
             </a:p>
           </p:txBody>
         </p:sp>
@@ -9291,10 +9356,10 @@
         </p:nvGrpSpPr>
         <p:grpSpPr>
           <a:xfrm rot="16200000">
-            <a:off x="7159887" y="824432"/>
-            <a:ext cx="1406278" cy="2181738"/>
-            <a:chOff x="4401259" y="1377472"/>
-            <a:chExt cx="1229422" cy="3362035"/>
+            <a:off x="7197294" y="541705"/>
+            <a:ext cx="1477453" cy="2133072"/>
+            <a:chOff x="4638595" y="1377467"/>
+            <a:chExt cx="1291647" cy="3437021"/>
           </a:xfrm>
         </p:grpSpPr>
         <p:sp>
@@ -9311,33 +9376,25 @@
           </p:nvSpPr>
           <p:spPr>
             <a:xfrm flipH="1">
-              <a:off x="5460060" y="1377472"/>
-              <a:ext cx="170621" cy="277558"/>
+              <a:off x="5772879" y="1377467"/>
+              <a:ext cx="157363" cy="388329"/>
             </a:xfrm>
             <a:prstGeom prst="diamond">
               <a:avLst/>
             </a:prstGeom>
-            <a:ln>
-              <a:headEnd type="none" w="med" len="med"/>
-              <a:tailEnd type="arrow" w="med" len="med"/>
+            <a:solidFill>
+              <a:schemeClr val="tx1"/>
+            </a:solidFill>
+            <a:ln w="12700" cap="flat" cmpd="sng">
+              <a:solidFill>
+                <a:schemeClr val="dk1"/>
+              </a:solidFill>
+              <a:prstDash val="solid"/>
+              <a:miter lim="800000"/>
+              <a:headEnd type="none" w="sm" len="sm"/>
+              <a:tailEnd type="triangle" w="lg" len="lg"/>
             </a:ln>
           </p:spPr>
-          <p:style>
-            <a:lnRef idx="2">
-              <a:schemeClr val="dk1">
-                <a:shade val="50000"/>
-              </a:schemeClr>
-            </a:lnRef>
-            <a:fillRef idx="1">
-              <a:schemeClr val="dk1"/>
-            </a:fillRef>
-            <a:effectRef idx="0">
-              <a:schemeClr val="dk1"/>
-            </a:effectRef>
-            <a:fontRef idx="minor">
-              <a:schemeClr val="lt1"/>
-            </a:fontRef>
-          </p:style>
           <p:txBody>
             <a:bodyPr rtlCol="0" anchor="ctr"/>
             <a:lstStyle/>
@@ -9368,31 +9425,23 @@
           </p:nvCxnSpPr>
           <p:spPr>
             <a:xfrm rot="5400000">
-              <a:off x="3431076" y="2625213"/>
-              <a:ext cx="3084477" cy="1144112"/>
+              <a:off x="3720731" y="2683659"/>
+              <a:ext cx="3048693" cy="1212965"/>
             </a:xfrm>
             <a:prstGeom prst="bentConnector2">
               <a:avLst/>
             </a:prstGeom>
-            <a:ln>
-              <a:headEnd type="none" w="med" len="med"/>
-              <a:tailEnd type="arrow" w="med" len="med"/>
+            <a:noFill/>
+            <a:ln w="12700" cap="flat" cmpd="sng">
+              <a:solidFill>
+                <a:schemeClr val="dk1"/>
+              </a:solidFill>
+              <a:prstDash val="solid"/>
+              <a:miter lim="800000"/>
+              <a:headEnd type="none" w="sm" len="sm"/>
+              <a:tailEnd type="triangle" w="lg" len="lg"/>
             </a:ln>
           </p:spPr>
-          <p:style>
-            <a:lnRef idx="1">
-              <a:schemeClr val="dk1"/>
-            </a:lnRef>
-            <a:fillRef idx="0">
-              <a:schemeClr val="dk1"/>
-            </a:fillRef>
-            <a:effectRef idx="0">
-              <a:schemeClr val="dk1"/>
-            </a:effectRef>
-            <a:fontRef idx="minor">
-              <a:schemeClr val="tx1"/>
-            </a:fontRef>
-          </p:style>
         </p:cxnSp>
       </p:grpSp>
       <p:grpSp>
@@ -9409,10 +9458,10 @@
         </p:nvGrpSpPr>
         <p:grpSpPr>
           <a:xfrm rot="16200000">
-            <a:off x="7335655" y="1000202"/>
-            <a:ext cx="1060275" cy="2176206"/>
-            <a:chOff x="4703748" y="1377472"/>
-            <a:chExt cx="926933" cy="3353514"/>
+            <a:off x="7355841" y="700254"/>
+            <a:ext cx="1160357" cy="2133073"/>
+            <a:chOff x="4941085" y="1368940"/>
+            <a:chExt cx="1014429" cy="3437027"/>
           </a:xfrm>
         </p:grpSpPr>
         <p:sp>
@@ -9429,33 +9478,25 @@
           </p:nvSpPr>
           <p:spPr>
             <a:xfrm flipH="1">
-              <a:off x="5460060" y="1377472"/>
-              <a:ext cx="170621" cy="277558"/>
+              <a:off x="5798151" y="1368940"/>
+              <a:ext cx="157363" cy="388330"/>
             </a:xfrm>
             <a:prstGeom prst="diamond">
               <a:avLst/>
             </a:prstGeom>
-            <a:ln>
-              <a:headEnd type="none" w="med" len="med"/>
-              <a:tailEnd type="arrow" w="med" len="med"/>
+            <a:solidFill>
+              <a:schemeClr val="tx1"/>
+            </a:solidFill>
+            <a:ln w="12700" cap="flat" cmpd="sng">
+              <a:solidFill>
+                <a:schemeClr val="dk1"/>
+              </a:solidFill>
+              <a:prstDash val="solid"/>
+              <a:miter lim="800000"/>
+              <a:headEnd type="none" w="sm" len="sm"/>
+              <a:tailEnd type="triangle" w="lg" len="lg"/>
             </a:ln>
           </p:spPr>
-          <p:style>
-            <a:lnRef idx="2">
-              <a:schemeClr val="dk1">
-                <a:shade val="50000"/>
-              </a:schemeClr>
-            </a:lnRef>
-            <a:fillRef idx="1">
-              <a:schemeClr val="dk1"/>
-            </a:fillRef>
-            <a:effectRef idx="0">
-              <a:schemeClr val="dk1"/>
-            </a:effectRef>
-            <a:fontRef idx="minor">
-              <a:schemeClr val="lt1"/>
-            </a:fontRef>
-          </p:style>
           <p:txBody>
             <a:bodyPr rtlCol="0" anchor="ctr"/>
             <a:lstStyle/>
@@ -9486,31 +9527,23 @@
           </p:nvCxnSpPr>
           <p:spPr>
             <a:xfrm rot="5400000">
-              <a:off x="3586581" y="2772197"/>
-              <a:ext cx="3075956" cy="841621"/>
+              <a:off x="3884611" y="2813745"/>
+              <a:ext cx="3048696" cy="935748"/>
             </a:xfrm>
             <a:prstGeom prst="bentConnector2">
               <a:avLst/>
             </a:prstGeom>
-            <a:ln>
-              <a:headEnd type="none" w="med" len="med"/>
-              <a:tailEnd type="arrow" w="med" len="med"/>
+            <a:noFill/>
+            <a:ln w="12700" cap="flat" cmpd="sng">
+              <a:solidFill>
+                <a:schemeClr val="dk1"/>
+              </a:solidFill>
+              <a:prstDash val="solid"/>
+              <a:miter lim="800000"/>
+              <a:headEnd type="none" w="sm" len="sm"/>
+              <a:tailEnd type="triangle" w="lg" len="lg"/>
             </a:ln>
           </p:spPr>
-          <p:style>
-            <a:lnRef idx="1">
-              <a:schemeClr val="dk1"/>
-            </a:lnRef>
-            <a:fillRef idx="0">
-              <a:schemeClr val="dk1"/>
-            </a:fillRef>
-            <a:effectRef idx="0">
-              <a:schemeClr val="dk1"/>
-            </a:effectRef>
-            <a:fontRef idx="minor">
-              <a:schemeClr val="tx1"/>
-            </a:fontRef>
-          </p:style>
         </p:cxnSp>
       </p:grpSp>
       <p:grpSp>
@@ -9527,10 +9560,10 @@
         </p:nvGrpSpPr>
         <p:grpSpPr>
           <a:xfrm rot="16200000">
-            <a:off x="7531632" y="1196177"/>
-            <a:ext cx="668322" cy="2176202"/>
-            <a:chOff x="5046408" y="1377472"/>
-            <a:chExt cx="584273" cy="3353505"/>
+            <a:off x="7493741" y="838151"/>
+            <a:ext cx="884559" cy="2133073"/>
+            <a:chOff x="5283698" y="1412806"/>
+            <a:chExt cx="773310" cy="3415181"/>
           </a:xfrm>
         </p:grpSpPr>
         <p:sp>
@@ -9547,33 +9580,25 @@
           </p:nvSpPr>
           <p:spPr>
             <a:xfrm flipH="1">
-              <a:off x="5460060" y="1377472"/>
-              <a:ext cx="170621" cy="277558"/>
+              <a:off x="5899645" y="1412806"/>
+              <a:ext cx="157363" cy="388330"/>
             </a:xfrm>
             <a:prstGeom prst="diamond">
               <a:avLst/>
             </a:prstGeom>
-            <a:ln>
-              <a:headEnd type="none" w="med" len="med"/>
-              <a:tailEnd type="arrow" w="med" len="med"/>
+            <a:solidFill>
+              <a:schemeClr val="tx1"/>
+            </a:solidFill>
+            <a:ln w="12700" cap="flat" cmpd="sng">
+              <a:solidFill>
+                <a:schemeClr val="dk1"/>
+              </a:solidFill>
+              <a:prstDash val="solid"/>
+              <a:miter lim="800000"/>
+              <a:headEnd type="none" w="sm" len="sm"/>
+              <a:tailEnd type="triangle" w="lg" len="lg"/>
             </a:ln>
           </p:spPr>
-          <p:style>
-            <a:lnRef idx="2">
-              <a:schemeClr val="dk1">
-                <a:shade val="50000"/>
-              </a:schemeClr>
-            </a:lnRef>
-            <a:fillRef idx="1">
-              <a:schemeClr val="dk1"/>
-            </a:fillRef>
-            <a:effectRef idx="0">
-              <a:schemeClr val="dk1"/>
-            </a:effectRef>
-            <a:fontRef idx="minor">
-              <a:schemeClr val="lt1"/>
-            </a:fontRef>
-          </p:style>
           <p:txBody>
             <a:bodyPr rtlCol="0" anchor="ctr"/>
             <a:lstStyle/>
@@ -9604,31 +9629,23 @@
           </p:nvCxnSpPr>
           <p:spPr>
             <a:xfrm rot="5400000">
-              <a:off x="3757915" y="2943522"/>
-              <a:ext cx="3075948" cy="498962"/>
+              <a:off x="4117587" y="2967248"/>
+              <a:ext cx="3026850" cy="694627"/>
             </a:xfrm>
             <a:prstGeom prst="bentConnector2">
               <a:avLst/>
             </a:prstGeom>
-            <a:ln>
-              <a:headEnd type="none" w="med" len="med"/>
-              <a:tailEnd type="arrow" w="med" len="med"/>
+            <a:noFill/>
+            <a:ln w="12700" cap="flat" cmpd="sng">
+              <a:solidFill>
+                <a:schemeClr val="dk1"/>
+              </a:solidFill>
+              <a:prstDash val="solid"/>
+              <a:miter lim="800000"/>
+              <a:headEnd type="none" w="sm" len="sm"/>
+              <a:tailEnd type="triangle" w="lg" len="lg"/>
             </a:ln>
           </p:spPr>
-          <p:style>
-            <a:lnRef idx="1">
-              <a:schemeClr val="dk1"/>
-            </a:lnRef>
-            <a:fillRef idx="0">
-              <a:schemeClr val="dk1"/>
-            </a:fillRef>
-            <a:effectRef idx="0">
-              <a:schemeClr val="dk1"/>
-            </a:effectRef>
-            <a:fontRef idx="minor">
-              <a:schemeClr val="tx1"/>
-            </a:fontRef>
-          </p:style>
         </p:cxnSp>
       </p:grpSp>
       <p:sp>
@@ -9645,8 +9662,8 @@
         </p:nvSpPr>
         <p:spPr>
           <a:xfrm>
-            <a:off x="7096080" y="935267"/>
-            <a:ext cx="743024" cy="369332"/>
+            <a:off x="7077197" y="677978"/>
+            <a:ext cx="1042850" cy="307777"/>
           </a:xfrm>
           <a:prstGeom prst="rect">
             <a:avLst/>
@@ -9660,7 +9677,11 @@
           <a:lstStyle/>
           <a:p>
             <a:r>
-              <a:rPr lang="de-AT" dirty="0" err="1"/>
+              <a:rPr lang="de-AT" sz="1400" dirty="0"/>
+              <a:t>[0..*] </a:t>
+            </a:r>
+            <a:r>
+              <a:rPr lang="de-AT" sz="1400" dirty="0" err="1"/>
               <a:t>status</a:t>
             </a:r>
             <a:endParaRPr lang="de-AT" dirty="0"/>
@@ -9681,8 +9702,8 @@
         </p:nvSpPr>
         <p:spPr>
           <a:xfrm>
-            <a:off x="7157213" y="1335593"/>
-            <a:ext cx="612988" cy="369332"/>
+            <a:off x="7112519" y="1005734"/>
+            <a:ext cx="939360" cy="307777"/>
           </a:xfrm>
           <a:prstGeom prst="rect">
             <a:avLst/>
@@ -9696,9 +9717,10 @@
           <a:lstStyle/>
           <a:p>
             <a:r>
-              <a:rPr lang="de-AT" dirty="0"/>
-              <a:t>fault</a:t>
-            </a:r>
+              <a:rPr lang="de-AT" sz="1400" dirty="0"/>
+              <a:t>[0..*] fault</a:t>
+            </a:r>
+            <a:endParaRPr lang="de-AT" dirty="0"/>
           </a:p>
         </p:txBody>
       </p:sp>
@@ -9716,8 +9738,8 @@
         </p:nvSpPr>
         <p:spPr>
           <a:xfrm>
-            <a:off x="7052952" y="1655606"/>
-            <a:ext cx="1434495" cy="369332"/>
+            <a:off x="7101171" y="1256632"/>
+            <a:ext cx="1577868" cy="307777"/>
           </a:xfrm>
           <a:prstGeom prst="rect">
             <a:avLst/>
@@ -9731,7 +9753,11 @@
           <a:lstStyle/>
           <a:p>
             <a:r>
-              <a:rPr lang="de-AT" dirty="0" err="1"/>
+              <a:rPr lang="de-AT" sz="1400" dirty="0"/>
+              <a:t>[0..*] </a:t>
+            </a:r>
+            <a:r>
+              <a:rPr lang="de-AT" sz="1400" dirty="0" err="1"/>
               <a:t>configuration</a:t>
             </a:r>
             <a:endParaRPr lang="de-AT" dirty="0"/>
@@ -9752,10 +9778,10 @@
         </p:nvGrpSpPr>
         <p:grpSpPr>
           <a:xfrm rot="5400000">
-            <a:off x="3085919" y="1106771"/>
-            <a:ext cx="1021708" cy="2001629"/>
-            <a:chOff x="5460060" y="1377472"/>
-            <a:chExt cx="893216" cy="3162067"/>
+            <a:off x="2924330" y="944769"/>
+            <a:ext cx="1393962" cy="1953385"/>
+            <a:chOff x="5134623" y="1376812"/>
+            <a:chExt cx="1218655" cy="3085851"/>
           </a:xfrm>
         </p:grpSpPr>
         <p:sp>
@@ -9772,39 +9798,34 @@
           </p:nvSpPr>
           <p:spPr>
             <a:xfrm flipH="1">
-              <a:off x="5460060" y="1377472"/>
-              <a:ext cx="170621" cy="277558"/>
+              <a:off x="5134623" y="1376812"/>
+              <a:ext cx="157363" cy="398096"/>
             </a:xfrm>
             <a:prstGeom prst="diamond">
               <a:avLst/>
             </a:prstGeom>
-            <a:ln>
-              <a:headEnd type="none" w="med" len="med"/>
-              <a:tailEnd type="arrow" w="med" len="med"/>
+            <a:solidFill>
+              <a:schemeClr val="tx1"/>
+            </a:solidFill>
+            <a:ln w="12700" cap="flat" cmpd="sng">
+              <a:solidFill>
+                <a:schemeClr val="dk1"/>
+              </a:solidFill>
+              <a:prstDash val="solid"/>
+              <a:miter lim="800000"/>
+              <a:headEnd type="none" w="sm" len="sm"/>
+              <a:tailEnd type="triangle" w="lg" len="lg"/>
             </a:ln>
           </p:spPr>
-          <p:style>
-            <a:lnRef idx="2">
-              <a:schemeClr val="dk1">
-                <a:shade val="50000"/>
-              </a:schemeClr>
-            </a:lnRef>
-            <a:fillRef idx="1">
-              <a:schemeClr val="dk1"/>
-            </a:fillRef>
-            <a:effectRef idx="0">
-              <a:schemeClr val="dk1"/>
-            </a:effectRef>
-            <a:fontRef idx="minor">
-              <a:schemeClr val="lt1"/>
-            </a:fontRef>
-          </p:style>
           <p:txBody>
             <a:bodyPr rtlCol="0" anchor="ctr"/>
             <a:lstStyle/>
             <a:p>
               <a:pPr algn="ctr"/>
               <a:endParaRPr lang="de-AT" dirty="0">
+                <a:solidFill>
+                  <a:schemeClr val="lt1"/>
+                </a:solidFill>
                 <a:latin typeface="Arial" panose="020B0604020202020204" pitchFamily="34" charset="0"/>
                 <a:cs typeface="Arial" panose="020B0604020202020204" pitchFamily="34" charset="0"/>
               </a:endParaRPr>
@@ -9829,31 +9850,23 @@
           </p:nvCxnSpPr>
           <p:spPr>
             <a:xfrm rot="5400000" flipV="1">
-              <a:off x="4507068" y="2693331"/>
-              <a:ext cx="2884510" cy="807906"/>
+              <a:off x="4439414" y="2548798"/>
+              <a:ext cx="2687754" cy="1139975"/>
             </a:xfrm>
             <a:prstGeom prst="bentConnector2">
               <a:avLst/>
             </a:prstGeom>
-            <a:ln>
-              <a:headEnd type="none" w="med" len="med"/>
-              <a:tailEnd type="arrow" w="med" len="med"/>
+            <a:noFill/>
+            <a:ln w="12700" cap="flat" cmpd="sng">
+              <a:solidFill>
+                <a:schemeClr val="dk1"/>
+              </a:solidFill>
+              <a:prstDash val="solid"/>
+              <a:miter lim="800000"/>
+              <a:headEnd type="none" w="sm" len="sm"/>
+              <a:tailEnd type="triangle" w="lg" len="lg"/>
             </a:ln>
           </p:spPr>
-          <p:style>
-            <a:lnRef idx="1">
-              <a:schemeClr val="dk1"/>
-            </a:lnRef>
-            <a:fillRef idx="0">
-              <a:schemeClr val="dk1"/>
-            </a:fillRef>
-            <a:effectRef idx="0">
-              <a:schemeClr val="dk1"/>
-            </a:effectRef>
-            <a:fontRef idx="minor">
-              <a:schemeClr val="tx1"/>
-            </a:fontRef>
-          </p:style>
         </p:cxnSp>
       </p:grpSp>
       <p:grpSp>
@@ -9870,10 +9883,10 @@
         </p:nvGrpSpPr>
         <p:grpSpPr>
           <a:xfrm>
-            <a:off x="5628938" y="2199735"/>
-            <a:ext cx="195165" cy="609710"/>
-            <a:chOff x="5460060" y="1377472"/>
-            <a:chExt cx="170621" cy="939560"/>
+            <a:off x="5649979" y="1723140"/>
+            <a:ext cx="180000" cy="825336"/>
+            <a:chOff x="5523631" y="1355292"/>
+            <a:chExt cx="157363" cy="1271835"/>
           </a:xfrm>
         </p:grpSpPr>
         <p:sp>
@@ -9890,41 +9903,43 @@
           </p:nvSpPr>
           <p:spPr>
             <a:xfrm flipH="1">
-              <a:off x="5460060" y="1377472"/>
-              <a:ext cx="170621" cy="277558"/>
+              <a:off x="5523631" y="1355292"/>
+              <a:ext cx="157363" cy="388331"/>
             </a:xfrm>
             <a:prstGeom prst="diamond">
               <a:avLst/>
             </a:prstGeom>
-            <a:ln>
-              <a:headEnd type="none" w="med" len="med"/>
-              <a:tailEnd type="arrow" w="med" len="med"/>
+            <a:solidFill>
+              <a:schemeClr val="tx1"/>
+            </a:solidFill>
+            <a:ln w="12700" cap="flat" cmpd="sng">
+              <a:solidFill>
+                <a:schemeClr val="dk1"/>
+              </a:solidFill>
+              <a:prstDash val="solid"/>
+              <a:miter lim="800000"/>
+              <a:headEnd type="none" w="sm" len="sm"/>
+              <a:tailEnd type="triangle" w="lg" len="lg"/>
             </a:ln>
           </p:spPr>
-          <p:style>
-            <a:lnRef idx="2">
-              <a:schemeClr val="dk1">
-                <a:shade val="50000"/>
-              </a:schemeClr>
-            </a:lnRef>
-            <a:fillRef idx="1">
-              <a:schemeClr val="dk1"/>
-            </a:fillRef>
-            <a:effectRef idx="0">
-              <a:schemeClr val="dk1"/>
-            </a:effectRef>
-            <a:fontRef idx="minor">
-              <a:schemeClr val="lt1"/>
-            </a:fontRef>
-          </p:style>
           <p:txBody>
-            <a:bodyPr rtlCol="0" anchor="ctr"/>
+            <a:bodyPr spcFirstLastPara="1" wrap="square" lIns="91425" tIns="45700" rIns="91425" bIns="45700" anchor="ctr" anchorCtr="0">
+              <a:noAutofit/>
+            </a:bodyPr>
             <a:lstStyle/>
             <a:p>
-              <a:pPr algn="ctr"/>
-              <a:endParaRPr lang="de-AT" dirty="0">
-                <a:latin typeface="Arial" panose="020B0604020202020204" pitchFamily="34" charset="0"/>
-                <a:cs typeface="Arial" panose="020B0604020202020204" pitchFamily="34" charset="0"/>
+              <a:pPr>
+                <a:buClr>
+                  <a:srgbClr val="000000"/>
+                </a:buClr>
+                <a:buSzPts val="1404"/>
+              </a:pPr>
+              <a:endParaRPr lang="de-AT" sz="2000" dirty="0">
+                <a:solidFill>
+                  <a:schemeClr val="dk1"/>
+                </a:solidFill>
+                <a:latin typeface="Arial"/>
+                <a:cs typeface="Arial"/>
               </a:endParaRPr>
             </a:p>
           </p:txBody>
@@ -9947,33 +9962,25 @@
           </p:nvCxnSpPr>
           <p:spPr>
             <a:xfrm rot="16200000" flipH="1">
-              <a:off x="5217145" y="1983255"/>
-              <a:ext cx="662002" cy="5551"/>
+              <a:off x="5161014" y="2184922"/>
+              <a:ext cx="883504" cy="906"/>
             </a:xfrm>
             <a:prstGeom prst="bentConnector3">
               <a:avLst>
                 <a:gd name="adj1" fmla="val 50000"/>
               </a:avLst>
             </a:prstGeom>
-            <a:ln>
-              <a:headEnd type="none" w="med" len="med"/>
-              <a:tailEnd type="arrow" w="med" len="med"/>
+            <a:noFill/>
+            <a:ln w="12700" cap="flat" cmpd="sng">
+              <a:solidFill>
+                <a:schemeClr val="dk1"/>
+              </a:solidFill>
+              <a:prstDash val="solid"/>
+              <a:miter lim="800000"/>
+              <a:headEnd type="none" w="sm" len="sm"/>
+              <a:tailEnd type="triangle" w="lg" len="lg"/>
             </a:ln>
           </p:spPr>
-          <p:style>
-            <a:lnRef idx="1">
-              <a:schemeClr val="dk1"/>
-            </a:lnRef>
-            <a:fillRef idx="0">
-              <a:schemeClr val="dk1"/>
-            </a:fillRef>
-            <a:effectRef idx="0">
-              <a:schemeClr val="dk1"/>
-            </a:effectRef>
-            <a:fontRef idx="minor">
-              <a:schemeClr val="tx1"/>
-            </a:fontRef>
-          </p:style>
         </p:cxnSp>
       </p:grpSp>
       <p:grpSp>
@@ -9990,10 +9997,10 @@
         </p:nvGrpSpPr>
         <p:grpSpPr>
           <a:xfrm>
-            <a:off x="2229500" y="3657428"/>
-            <a:ext cx="6724395" cy="2557624"/>
-            <a:chOff x="5460060" y="1377472"/>
-            <a:chExt cx="5878722" cy="4040399"/>
+            <a:off x="2400792" y="3428824"/>
+            <a:ext cx="6601765" cy="1833902"/>
+            <a:chOff x="5609810" y="1016336"/>
+            <a:chExt cx="5771514" cy="2897094"/>
           </a:xfrm>
         </p:grpSpPr>
         <p:sp>
@@ -10010,41 +10017,43 @@
           </p:nvSpPr>
           <p:spPr>
             <a:xfrm flipH="1">
-              <a:off x="5460060" y="1377472"/>
-              <a:ext cx="170621" cy="277558"/>
+              <a:off x="5609810" y="1016336"/>
+              <a:ext cx="157363" cy="398095"/>
             </a:xfrm>
             <a:prstGeom prst="diamond">
               <a:avLst/>
             </a:prstGeom>
-            <a:ln>
-              <a:headEnd type="none" w="med" len="med"/>
-              <a:tailEnd type="arrow" w="med" len="med"/>
+            <a:solidFill>
+              <a:schemeClr val="tx1"/>
+            </a:solidFill>
+            <a:ln w="12700" cap="flat" cmpd="sng">
+              <a:solidFill>
+                <a:schemeClr val="dk1"/>
+              </a:solidFill>
+              <a:prstDash val="solid"/>
+              <a:miter lim="800000"/>
+              <a:headEnd type="none" w="sm" len="sm"/>
+              <a:tailEnd type="triangle" w="lg" len="lg"/>
             </a:ln>
           </p:spPr>
-          <p:style>
-            <a:lnRef idx="2">
-              <a:schemeClr val="dk1">
-                <a:shade val="50000"/>
-              </a:schemeClr>
-            </a:lnRef>
-            <a:fillRef idx="1">
-              <a:schemeClr val="dk1"/>
-            </a:fillRef>
-            <a:effectRef idx="0">
-              <a:schemeClr val="dk1"/>
-            </a:effectRef>
-            <a:fontRef idx="minor">
-              <a:schemeClr val="lt1"/>
-            </a:fontRef>
-          </p:style>
           <p:txBody>
-            <a:bodyPr rtlCol="0" anchor="ctr"/>
+            <a:bodyPr spcFirstLastPara="1" wrap="square" lIns="91425" tIns="45700" rIns="91425" bIns="45700" anchor="ctr" anchorCtr="0">
+              <a:noAutofit/>
+            </a:bodyPr>
             <a:lstStyle/>
             <a:p>
-              <a:pPr algn="ctr"/>
-              <a:endParaRPr lang="de-AT" dirty="0">
-                <a:latin typeface="Arial" panose="020B0604020202020204" pitchFamily="34" charset="0"/>
-                <a:cs typeface="Arial" panose="020B0604020202020204" pitchFamily="34" charset="0"/>
+              <a:pPr>
+                <a:buClr>
+                  <a:srgbClr val="000000"/>
+                </a:buClr>
+                <a:buSzPts val="1404"/>
+              </a:pPr>
+              <a:endParaRPr lang="de-AT" sz="2000" dirty="0">
+                <a:solidFill>
+                  <a:schemeClr val="dk1"/>
+                </a:solidFill>
+                <a:latin typeface="Arial"/>
+                <a:cs typeface="Arial"/>
               </a:endParaRPr>
             </a:p>
           </p:txBody>
@@ -10067,41 +10076,33 @@
           </p:nvCxnSpPr>
           <p:spPr>
             <a:xfrm rot="16200000" flipH="1">
-              <a:off x="6560655" y="639744"/>
-              <a:ext cx="3762842" cy="5793412"/>
+              <a:off x="7285408" y="-182487"/>
+              <a:ext cx="2499000" cy="5692833"/>
             </a:xfrm>
             <a:prstGeom prst="bentConnector3">
               <a:avLst>
-                <a:gd name="adj1" fmla="val 109597"/>
+                <a:gd name="adj1" fmla="val 114451"/>
               </a:avLst>
             </a:prstGeom>
-            <a:ln>
-              <a:headEnd type="none" w="med" len="med"/>
-              <a:tailEnd type="arrow" w="med" len="med"/>
+            <a:noFill/>
+            <a:ln w="12700" cap="flat" cmpd="sng">
+              <a:solidFill>
+                <a:schemeClr val="dk1"/>
+              </a:solidFill>
+              <a:prstDash val="solid"/>
+              <a:miter lim="800000"/>
+              <a:headEnd type="none" w="sm" len="sm"/>
+              <a:tailEnd type="triangle" w="lg" len="lg"/>
             </a:ln>
           </p:spPr>
-          <p:style>
-            <a:lnRef idx="1">
-              <a:schemeClr val="dk1"/>
-            </a:lnRef>
-            <a:fillRef idx="0">
-              <a:schemeClr val="dk1"/>
-            </a:fillRef>
-            <a:effectRef idx="0">
-              <a:schemeClr val="dk1"/>
-            </a:effectRef>
-            <a:fontRef idx="minor">
-              <a:schemeClr val="tx1"/>
-            </a:fontRef>
-          </p:style>
         </p:cxnSp>
       </p:grpSp>
       <p:sp>
         <p:nvSpPr>
-          <p:cNvPr id="50" name="Textfeld 49">
-            <a:extLst>
-              <a:ext uri="{FF2B5EF4-FFF2-40B4-BE49-F238E27FC236}">
-                <a16:creationId xmlns:a16="http://schemas.microsoft.com/office/drawing/2014/main" id="{4D17EC78-651B-4507-AA55-742D10FE5468}"/>
+          <p:cNvPr id="51" name="Textfeld 50">
+            <a:extLst>
+              <a:ext uri="{FF2B5EF4-FFF2-40B4-BE49-F238E27FC236}">
+                <a16:creationId xmlns:a16="http://schemas.microsoft.com/office/drawing/2014/main" id="{DD55BCC8-FAF4-4ACE-A830-4F59E7254745}"/>
               </a:ext>
             </a:extLst>
           </p:cNvPr>
@@ -10110,8 +10111,8 @@
         </p:nvSpPr>
         <p:spPr>
           <a:xfrm>
-            <a:off x="2595957" y="6021416"/>
-            <a:ext cx="1157176" cy="369332"/>
+            <a:off x="2118503" y="2199950"/>
+            <a:ext cx="564578" cy="307777"/>
           </a:xfrm>
           <a:prstGeom prst="rect">
             <a:avLst/>
@@ -10125,8 +10126,80 @@
           <a:lstStyle/>
           <a:p>
             <a:r>
-              <a:rPr lang="de-AT" dirty="0" err="1"/>
-              <a:t>properties</a:t>
+              <a:rPr lang="de-AT" sz="1400" dirty="0"/>
+              <a:t>[0..*]</a:t>
+            </a:r>
+            <a:endParaRPr lang="de-AT" dirty="0"/>
+          </a:p>
+        </p:txBody>
+      </p:sp>
+      <p:sp>
+        <p:nvSpPr>
+          <p:cNvPr id="52" name="Textfeld 51">
+            <a:extLst>
+              <a:ext uri="{FF2B5EF4-FFF2-40B4-BE49-F238E27FC236}">
+                <a16:creationId xmlns:a16="http://schemas.microsoft.com/office/drawing/2014/main" id="{4E90B5C6-2D95-4AF6-B2D8-E8F2DA4CCCCF}"/>
+              </a:ext>
+            </a:extLst>
+          </p:cNvPr>
+          <p:cNvSpPr txBox="1"/>
+          <p:nvPr/>
+        </p:nvSpPr>
+        <p:spPr>
+          <a:xfrm>
+            <a:off x="9002556" y="5305590"/>
+            <a:ext cx="564578" cy="307777"/>
+          </a:xfrm>
+          <a:prstGeom prst="rect">
+            <a:avLst/>
+          </a:prstGeom>
+          <a:noFill/>
+        </p:spPr>
+        <p:txBody>
+          <a:bodyPr wrap="none" rtlCol="0">
+            <a:spAutoFit/>
+          </a:bodyPr>
+          <a:lstStyle/>
+          <a:p>
+            <a:r>
+              <a:rPr lang="de-AT" sz="1400" dirty="0"/>
+              <a:t>[0..*]</a:t>
+            </a:r>
+            <a:endParaRPr lang="de-AT" dirty="0"/>
+          </a:p>
+        </p:txBody>
+      </p:sp>
+      <p:sp>
+        <p:nvSpPr>
+          <p:cNvPr id="53" name="Textfeld 52">
+            <a:extLst>
+              <a:ext uri="{FF2B5EF4-FFF2-40B4-BE49-F238E27FC236}">
+                <a16:creationId xmlns:a16="http://schemas.microsoft.com/office/drawing/2014/main" id="{A94F0DFD-00A1-4556-B85E-4A334F678488}"/>
+              </a:ext>
+            </a:extLst>
+          </p:cNvPr>
+          <p:cNvSpPr txBox="1"/>
+          <p:nvPr/>
+        </p:nvSpPr>
+        <p:spPr>
+          <a:xfrm>
+            <a:off x="5742559" y="2105227"/>
+            <a:ext cx="564578" cy="307777"/>
+          </a:xfrm>
+          <a:prstGeom prst="rect">
+            <a:avLst/>
+          </a:prstGeom>
+          <a:noFill/>
+        </p:spPr>
+        <p:txBody>
+          <a:bodyPr wrap="none" rtlCol="0">
+            <a:spAutoFit/>
+          </a:bodyPr>
+          <a:lstStyle/>
+          <a:p>
+            <a:r>
+              <a:rPr lang="de-AT" sz="1400" dirty="0"/>
+              <a:t>[0..*]</a:t>
             </a:r>
             <a:endParaRPr lang="de-AT" dirty="0"/>
           </a:p>
@@ -10176,8 +10249,8 @@
         </p:nvSpPr>
         <p:spPr>
           <a:xfrm>
-            <a:off x="2240266" y="2168678"/>
-            <a:ext cx="231020" cy="407432"/>
+            <a:off x="2268842" y="2168678"/>
+            <a:ext cx="180000" cy="252000"/>
           </a:xfrm>
           <a:prstGeom prst="flowChartDecision">
             <a:avLst/>
@@ -10326,7 +10399,7 @@
                   <a:buFont typeface="Arial"/>
                   <a:buNone/>
                 </a:pPr>
-                <a:endParaRPr sz="1600" b="0" i="0" u="none" strike="noStrike" cap="none">
+                <a:endParaRPr sz="1600" b="0" i="0" u="none" strike="noStrike" cap="none" dirty="0">
                   <a:solidFill>
                     <a:schemeClr val="dk1"/>
                   </a:solidFill>
@@ -10353,7 +10426,7 @@
             <p:spPr>
               <a:xfrm>
                 <a:off x="2785377" y="1663679"/>
-                <a:ext cx="1709700" cy="148825"/>
+                <a:ext cx="1709700" cy="176357"/>
               </a:xfrm>
               <a:prstGeom prst="rect">
                 <a:avLst/>
@@ -10387,7 +10460,7 @@
                   <a:buNone/>
                 </a:pPr>
                 <a:r>
-                  <a:rPr lang="en-US" sz="1600" b="1" i="0" u="none" strike="noStrike" cap="none" dirty="0">
+                  <a:rPr lang="en-US" b="1" i="0" u="none" strike="noStrike" cap="none" dirty="0">
                     <a:solidFill>
                       <a:schemeClr val="dk1"/>
                     </a:solidFill>
@@ -10398,7 +10471,7 @@
                   </a:rPr>
                   <a:t>Entity</a:t>
                 </a:r>
-                <a:endParaRPr sz="2000" b="1" i="0" u="none" strike="noStrike" cap="none" dirty="0">
+                <a:endParaRPr sz="2400" b="1" i="0" u="none" strike="noStrike" cap="none" dirty="0">
                   <a:solidFill>
                     <a:srgbClr val="000000"/>
                   </a:solidFill>
@@ -10458,7 +10531,7 @@
           <p:spPr>
             <a:xfrm>
               <a:off x="2100036" y="1596282"/>
-              <a:ext cx="1372800" cy="427442"/>
+              <a:ext cx="1372800" cy="470330"/>
             </a:xfrm>
             <a:prstGeom prst="rect">
               <a:avLst/>
@@ -10492,6 +10565,18 @@
                 <a:buNone/>
               </a:pPr>
               <a:r>
+                <a:rPr lang="en-US" sz="1600" b="0" i="1" u="none" strike="noStrike" cap="none" dirty="0">
+                  <a:solidFill>
+                    <a:schemeClr val="dk1"/>
+                  </a:solidFill>
+                  <a:latin typeface="Arial"/>
+                  <a:ea typeface="Arial"/>
+                  <a:cs typeface="Arial"/>
+                  <a:sym typeface="Arial"/>
+                </a:rPr>
+                <a:t>String</a:t>
+              </a:r>
+              <a:r>
                 <a:rPr lang="en-US" sz="1600" b="0" i="0" u="none" strike="noStrike" cap="none" dirty="0">
                   <a:solidFill>
                     <a:schemeClr val="dk1"/>
@@ -10501,7 +10586,7 @@
                   <a:cs typeface="Arial"/>
                   <a:sym typeface="Arial"/>
                 </a:rPr>
-                <a:t>String name</a:t>
+                <a:t> name</a:t>
               </a:r>
               <a:endParaRPr sz="2000" b="0" i="0" u="none" strike="noStrike" cap="none" dirty="0">
                 <a:solidFill>
@@ -10532,6 +10617,18 @@
                 <a:buNone/>
               </a:pPr>
               <a:r>
+                <a:rPr lang="en-US" sz="1600" b="0" i="1" u="none" strike="noStrike" cap="none" dirty="0">
+                  <a:solidFill>
+                    <a:schemeClr val="dk1"/>
+                  </a:solidFill>
+                  <a:latin typeface="Arial"/>
+                  <a:ea typeface="Arial"/>
+                  <a:cs typeface="Arial"/>
+                  <a:sym typeface="Arial"/>
+                </a:rPr>
+                <a:t>String</a:t>
+              </a:r>
+              <a:r>
                 <a:rPr lang="en-US" sz="1600" b="0" i="0" u="none" strike="noStrike" cap="none" dirty="0">
                   <a:solidFill>
                     <a:schemeClr val="dk1"/>
@@ -10541,7 +10638,7 @@
                   <a:cs typeface="Arial"/>
                   <a:sym typeface="Arial"/>
                 </a:rPr>
-                <a:t>String </a:t>
+                <a:t> </a:t>
               </a:r>
               <a:r>
                 <a:rPr lang="en-US" sz="1600" b="0" i="0" u="none" strike="noStrike" cap="none" dirty="0" err="1">
@@ -10584,6 +10681,18 @@
                 <a:buNone/>
               </a:pPr>
               <a:r>
+                <a:rPr lang="en-US" sz="1600" b="0" i="1" u="none" strike="noStrike" cap="none" dirty="0">
+                  <a:solidFill>
+                    <a:schemeClr val="dk1"/>
+                  </a:solidFill>
+                  <a:latin typeface="Arial"/>
+                  <a:ea typeface="Arial"/>
+                  <a:cs typeface="Arial"/>
+                  <a:sym typeface="Arial"/>
+                </a:rPr>
+                <a:t>String</a:t>
+              </a:r>
+              <a:r>
                 <a:rPr lang="en-US" sz="1600" b="0" i="0" u="none" strike="noStrike" cap="none" dirty="0">
                   <a:solidFill>
                     <a:schemeClr val="dk1"/>
@@ -10593,7 +10702,7 @@
                   <a:cs typeface="Arial"/>
                   <a:sym typeface="Arial"/>
                 </a:rPr>
-                <a:t>String description</a:t>
+                <a:t> description</a:t>
               </a:r>
               <a:endParaRPr sz="2000" b="0" i="0" u="none" strike="noStrike" cap="none" dirty="0">
                 <a:solidFill>
@@ -10731,7 +10840,7 @@
             <p:spPr>
               <a:xfrm>
                 <a:off x="2785377" y="1663679"/>
-                <a:ext cx="1709700" cy="148825"/>
+                <a:ext cx="1709700" cy="160275"/>
               </a:xfrm>
               <a:prstGeom prst="rect">
                 <a:avLst/>
@@ -10765,7 +10874,7 @@
                   <a:buNone/>
                 </a:pPr>
                 <a:r>
-                  <a:rPr lang="en-US" sz="1600" b="1" i="0" u="none" strike="noStrike" cap="none" dirty="0">
+                  <a:rPr lang="en-US" b="1" i="0" u="none" strike="noStrike" cap="none" dirty="0">
                     <a:solidFill>
                       <a:schemeClr val="dk1"/>
                     </a:solidFill>
@@ -10776,7 +10885,7 @@
                   </a:rPr>
                   <a:t>Component</a:t>
                 </a:r>
-                <a:endParaRPr sz="2000" b="1" i="0" u="none" strike="noStrike" cap="none" dirty="0">
+                <a:endParaRPr sz="2400" b="1" i="0" u="none" strike="noStrike" cap="none" dirty="0">
                   <a:solidFill>
                     <a:srgbClr val="000000"/>
                   </a:solidFill>
@@ -10838,6 +10947,18 @@
                 <a:buNone/>
               </a:pPr>
               <a:r>
+                <a:rPr lang="en-US" sz="1600" b="0" i="1" u="none" strike="noStrike" cap="none" dirty="0">
+                  <a:solidFill>
+                    <a:schemeClr val="dk1"/>
+                  </a:solidFill>
+                  <a:latin typeface="Arial"/>
+                  <a:ea typeface="Arial"/>
+                  <a:cs typeface="Arial"/>
+                  <a:sym typeface="Arial"/>
+                </a:rPr>
+                <a:t>String</a:t>
+              </a:r>
+              <a:r>
                 <a:rPr lang="en-US" sz="1600" b="0" i="0" u="none" strike="noStrike" cap="none" dirty="0">
                   <a:solidFill>
                     <a:schemeClr val="dk1"/>
@@ -10847,7 +10968,7 @@
                   <a:cs typeface="Arial"/>
                   <a:sym typeface="Arial"/>
                 </a:rPr>
-                <a:t>String name</a:t>
+                <a:t> name</a:t>
               </a:r>
               <a:endParaRPr sz="2000" b="0" i="0" u="none" strike="noStrike" cap="none" dirty="0">
                 <a:solidFill>
@@ -10990,7 +11111,7 @@
                   <a:buFont typeface="Arial"/>
                   <a:buNone/>
                 </a:pPr>
-                <a:endParaRPr sz="1600" b="0" i="0" u="none" strike="noStrike" cap="none">
+                <a:endParaRPr sz="1600" b="0" i="0" u="none" strike="noStrike" cap="none" dirty="0">
                   <a:solidFill>
                     <a:schemeClr val="dk1"/>
                   </a:solidFill>
@@ -11016,8 +11137,8 @@
             </p:nvSpPr>
             <p:spPr>
               <a:xfrm>
-                <a:off x="2785377" y="1663679"/>
-                <a:ext cx="1709700" cy="148825"/>
+                <a:off x="2785377" y="1664920"/>
+                <a:ext cx="1709700" cy="160275"/>
               </a:xfrm>
               <a:prstGeom prst="rect">
                 <a:avLst/>
@@ -11051,7 +11172,7 @@
                   <a:buNone/>
                 </a:pPr>
                 <a:r>
-                  <a:rPr lang="en-US" sz="1600" b="1" i="0" u="none" strike="noStrike" cap="none" dirty="0" err="1">
+                  <a:rPr lang="en-US" b="1" i="0" u="none" strike="noStrike" cap="none" dirty="0" err="1">
                     <a:solidFill>
                       <a:schemeClr val="dk1"/>
                     </a:solidFill>
@@ -11124,6 +11245,18 @@
                 <a:buNone/>
               </a:pPr>
               <a:r>
+                <a:rPr lang="en-US" sz="1600" b="0" i="1" u="none" strike="noStrike" cap="none" dirty="0">
+                  <a:solidFill>
+                    <a:schemeClr val="dk1"/>
+                  </a:solidFill>
+                  <a:latin typeface="Arial"/>
+                  <a:ea typeface="Arial"/>
+                  <a:cs typeface="Arial"/>
+                  <a:sym typeface="Arial"/>
+                </a:rPr>
+                <a:t>String</a:t>
+              </a:r>
+              <a:r>
                 <a:rPr lang="en-US" sz="1600" b="0" i="0" u="none" strike="noStrike" cap="none" dirty="0">
                   <a:solidFill>
                     <a:schemeClr val="dk1"/>
@@ -11133,7 +11266,7 @@
                   <a:cs typeface="Arial"/>
                   <a:sym typeface="Arial"/>
                 </a:rPr>
-                <a:t>String name</a:t>
+                <a:t> name</a:t>
               </a:r>
               <a:endParaRPr sz="2000" b="0" i="0" u="none" strike="noStrike" cap="none" dirty="0">
                 <a:solidFill>
@@ -11164,7 +11297,7 @@
                 <a:buNone/>
               </a:pPr>
               <a:r>
-                <a:rPr lang="en-US" sz="1600" b="0" i="0" u="none" strike="noStrike" cap="none" dirty="0" err="1">
+                <a:rPr lang="en-US" sz="1600" b="0" i="1" u="none" strike="noStrike" cap="none" dirty="0" err="1">
                   <a:solidFill>
                     <a:schemeClr val="dk1"/>
                   </a:solidFill>
@@ -11228,6 +11361,18 @@
                 <a:buNone/>
               </a:pPr>
               <a:r>
+                <a:rPr lang="en-US" sz="1600" b="0" i="1" u="none" strike="noStrike" cap="none" dirty="0">
+                  <a:solidFill>
+                    <a:schemeClr val="dk1"/>
+                  </a:solidFill>
+                  <a:latin typeface="Arial"/>
+                  <a:ea typeface="Arial"/>
+                  <a:cs typeface="Arial"/>
+                  <a:sym typeface="Arial"/>
+                </a:rPr>
+                <a:t>Boolean</a:t>
+              </a:r>
+              <a:r>
                 <a:rPr lang="en-US" sz="1600" b="0" i="0" u="none" strike="noStrike" cap="none" dirty="0">
                   <a:solidFill>
                     <a:schemeClr val="dk1"/>
@@ -11237,7 +11382,7 @@
                   <a:cs typeface="Arial"/>
                   <a:sym typeface="Arial"/>
                 </a:rPr>
-                <a:t>Boolean </a:t>
+                <a:t> </a:t>
               </a:r>
               <a:r>
                 <a:rPr lang="en-US" sz="1600" b="0" i="0" u="none" strike="noStrike" cap="none" dirty="0" err="1">
@@ -11280,6 +11425,18 @@
                 <a:buNone/>
               </a:pPr>
               <a:r>
+                <a:rPr lang="en-US" sz="1600" b="0" i="1" u="none" strike="noStrike" cap="none" dirty="0">
+                  <a:solidFill>
+                    <a:schemeClr val="dk1"/>
+                  </a:solidFill>
+                  <a:latin typeface="Arial"/>
+                  <a:ea typeface="Arial"/>
+                  <a:cs typeface="Arial"/>
+                  <a:sym typeface="Arial"/>
+                </a:rPr>
+                <a:t>Boolean</a:t>
+              </a:r>
+              <a:r>
                 <a:rPr lang="en-US" sz="1600" b="0" i="0" u="none" strike="noStrike" cap="none" dirty="0">
                   <a:solidFill>
                     <a:schemeClr val="dk1"/>
@@ -11289,7 +11446,7 @@
                   <a:cs typeface="Arial"/>
                   <a:sym typeface="Arial"/>
                 </a:rPr>
-                <a:t>Boolean </a:t>
+                <a:t> </a:t>
               </a:r>
               <a:r>
                 <a:rPr lang="en-US" sz="1600" b="0" i="0" u="none" strike="noStrike" cap="none" dirty="0" err="1">
@@ -11332,6 +11489,18 @@
                 <a:buNone/>
               </a:pPr>
               <a:r>
+                <a:rPr lang="en-US" sz="1600" b="0" i="1" u="none" strike="noStrike" cap="none" dirty="0">
+                  <a:solidFill>
+                    <a:schemeClr val="dk1"/>
+                  </a:solidFill>
+                  <a:latin typeface="Arial"/>
+                  <a:ea typeface="Arial"/>
+                  <a:cs typeface="Arial"/>
+                  <a:sym typeface="Arial"/>
+                </a:rPr>
+                <a:t>Boolean</a:t>
+              </a:r>
+              <a:r>
                 <a:rPr lang="en-US" sz="1600" b="0" i="0" u="none" strike="noStrike" cap="none" dirty="0">
                   <a:solidFill>
                     <a:schemeClr val="dk1"/>
@@ -11341,7 +11510,7 @@
                   <a:cs typeface="Arial"/>
                   <a:sym typeface="Arial"/>
                 </a:rPr>
-                <a:t>Boolean </a:t>
+                <a:t> </a:t>
               </a:r>
               <a:r>
                 <a:rPr lang="en-US" sz="1600" b="0" i="0" u="none" strike="noStrike" cap="none" dirty="0" err="1">
@@ -11384,7 +11553,7 @@
                 <a:buNone/>
               </a:pPr>
               <a:r>
-                <a:rPr lang="en-US" sz="1600" b="0" i="0" u="none" strike="noStrike" cap="none" dirty="0" err="1">
+                <a:rPr lang="en-US" sz="1600" b="0" i="1" u="none" strike="noStrike" cap="none" dirty="0" err="1">
                   <a:solidFill>
                     <a:schemeClr val="dk1"/>
                   </a:solidFill>
@@ -11448,6 +11617,18 @@
                 <a:buNone/>
               </a:pPr>
               <a:r>
+                <a:rPr lang="en-US" sz="1600" b="0" i="1" u="none" strike="noStrike" cap="none" dirty="0">
+                  <a:solidFill>
+                    <a:schemeClr val="dk1"/>
+                  </a:solidFill>
+                  <a:latin typeface="Arial"/>
+                  <a:ea typeface="Arial"/>
+                  <a:cs typeface="Arial"/>
+                  <a:sym typeface="Arial"/>
+                </a:rPr>
+                <a:t>Map&lt;String, String&gt; </a:t>
+              </a:r>
+              <a:r>
                 <a:rPr lang="en-US" sz="1600" b="0" i="0" u="none" strike="noStrike" cap="none" dirty="0">
                   <a:solidFill>
                     <a:schemeClr val="dk1"/>
@@ -11457,7 +11638,7 @@
                   <a:cs typeface="Arial"/>
                   <a:sym typeface="Arial"/>
                 </a:rPr>
-                <a:t>Map&lt;String, String&gt; configuration</a:t>
+                <a:t>configuration</a:t>
               </a:r>
               <a:endParaRPr sz="2000" b="0" i="0" u="none" strike="noStrike" cap="none" dirty="0">
                 <a:solidFill>
@@ -11506,10 +11687,10 @@
       </p:grpSp>
       <p:grpSp>
         <p:nvGrpSpPr>
-          <p:cNvPr id="26" name="Google Shape;526;g10f8d9d020d_0_26">
-            <a:extLst>
-              <a:ext uri="{FF2B5EF4-FFF2-40B4-BE49-F238E27FC236}">
-                <a16:creationId xmlns:a16="http://schemas.microsoft.com/office/drawing/2014/main" id="{A5000A32-13EB-43FA-8D6C-FDEDF977F080}"/>
+          <p:cNvPr id="30" name="Google Shape;529;g10f8d9d020d_0_26">
+            <a:extLst>
+              <a:ext uri="{FF2B5EF4-FFF2-40B4-BE49-F238E27FC236}">
+                <a16:creationId xmlns:a16="http://schemas.microsoft.com/office/drawing/2014/main" id="{5C890FCA-C5E1-4E57-8462-ACE0998A7736}"/>
               </a:ext>
             </a:extLst>
           </p:cNvPr>
@@ -11518,451 +11699,35 @@
         </p:nvGrpSpPr>
         <p:grpSpPr>
           <a:xfrm>
-            <a:off x="728320" y="4295505"/>
-            <a:ext cx="2811716" cy="1136909"/>
-            <a:chOff x="4515809" y="3339328"/>
-            <a:chExt cx="1842081" cy="704929"/>
+            <a:off x="1317176" y="4295505"/>
+            <a:ext cx="2095289" cy="1136909"/>
+            <a:chOff x="2785377" y="1573191"/>
+            <a:chExt cx="1709700" cy="704929"/>
           </a:xfrm>
         </p:grpSpPr>
-        <p:grpSp>
-          <p:nvGrpSpPr>
-            <p:cNvPr id="27" name="Google Shape;527;g10f8d9d020d_0_26">
+        <p:sp>
+          <p:nvSpPr>
+            <p:cNvPr id="34" name="Google Shape;530;g10f8d9d020d_0_26">
               <a:extLst>
                 <a:ext uri="{FF2B5EF4-FFF2-40B4-BE49-F238E27FC236}">
-                  <a16:creationId xmlns:a16="http://schemas.microsoft.com/office/drawing/2014/main" id="{8C080D88-864F-4207-A084-5E7ACF8A5BA4}"/>
+                  <a16:creationId xmlns:a16="http://schemas.microsoft.com/office/drawing/2014/main" id="{54B3F0F2-9833-4761-AE69-D4B72ACAB821}"/>
                 </a:ext>
               </a:extLst>
             </p:cNvPr>
-            <p:cNvGrpSpPr/>
+            <p:cNvSpPr/>
             <p:nvPr/>
-          </p:nvGrpSpPr>
-          <p:grpSpPr>
-            <a:xfrm>
-              <a:off x="4515809" y="3339328"/>
-              <a:ext cx="1842081" cy="704929"/>
-              <a:chOff x="4515809" y="3339328"/>
-              <a:chExt cx="1842081" cy="704929"/>
-            </a:xfrm>
-          </p:grpSpPr>
-          <p:grpSp>
-            <p:nvGrpSpPr>
-              <p:cNvPr id="30" name="Google Shape;529;g10f8d9d020d_0_26">
-                <a:extLst>
-                  <a:ext uri="{FF2B5EF4-FFF2-40B4-BE49-F238E27FC236}">
-                    <a16:creationId xmlns:a16="http://schemas.microsoft.com/office/drawing/2014/main" id="{5C890FCA-C5E1-4E57-8462-ACE0998A7736}"/>
-                  </a:ext>
-                </a:extLst>
-              </p:cNvPr>
-              <p:cNvGrpSpPr/>
-              <p:nvPr/>
-            </p:nvGrpSpPr>
-            <p:grpSpPr>
-              <a:xfrm>
-                <a:off x="4901596" y="3339328"/>
-                <a:ext cx="1372718" cy="704929"/>
-                <a:chOff x="2785377" y="1573191"/>
-                <a:chExt cx="1709700" cy="704929"/>
-              </a:xfrm>
-            </p:grpSpPr>
-            <p:sp>
-              <p:nvSpPr>
-                <p:cNvPr id="34" name="Google Shape;530;g10f8d9d020d_0_26">
-                  <a:extLst>
-                    <a:ext uri="{FF2B5EF4-FFF2-40B4-BE49-F238E27FC236}">
-                      <a16:creationId xmlns:a16="http://schemas.microsoft.com/office/drawing/2014/main" id="{54B3F0F2-9833-4761-AE69-D4B72ACAB821}"/>
-                    </a:ext>
-                  </a:extLst>
-                </p:cNvPr>
-                <p:cNvSpPr/>
-                <p:nvPr/>
-              </p:nvSpPr>
-              <p:spPr>
-                <a:xfrm>
-                  <a:off x="2785377" y="1573191"/>
-                  <a:ext cx="1709700" cy="704929"/>
-                </a:xfrm>
-                <a:prstGeom prst="rect">
-                  <a:avLst/>
-                </a:prstGeom>
-                <a:solidFill>
-                  <a:schemeClr val="lt1"/>
-                </a:solidFill>
-                <a:ln w="9525" cap="flat" cmpd="sng">
-                  <a:solidFill>
-                    <a:schemeClr val="dk1"/>
-                  </a:solidFill>
-                  <a:prstDash val="solid"/>
-                  <a:miter lim="800000"/>
-                  <a:headEnd type="none" w="sm" len="sm"/>
-                  <a:tailEnd type="none" w="sm" len="sm"/>
-                </a:ln>
-              </p:spPr>
-              <p:txBody>
-                <a:bodyPr spcFirstLastPara="1" wrap="square" lIns="91425" tIns="45700" rIns="91425" bIns="45700" anchor="ctr" anchorCtr="0">
-                  <a:noAutofit/>
-                </a:bodyPr>
-                <a:lstStyle/>
-                <a:p>
-                  <a:pPr marL="0" marR="0" lvl="0" indent="0" algn="l" rtl="0">
-                    <a:lnSpc>
-                      <a:spcPct val="100000"/>
-                    </a:lnSpc>
-                    <a:spcBef>
-                      <a:spcPts val="0"/>
-                    </a:spcBef>
-                    <a:spcAft>
-                      <a:spcPts val="0"/>
-                    </a:spcAft>
-                    <a:buClr>
-                      <a:srgbClr val="000000"/>
-                    </a:buClr>
-                    <a:buSzPts val="1100"/>
-                    <a:buFont typeface="Arial"/>
-                    <a:buNone/>
-                  </a:pPr>
-                  <a:endParaRPr sz="1600" b="0" i="0" u="none" strike="noStrike" cap="none">
-                    <a:solidFill>
-                      <a:schemeClr val="dk1"/>
-                    </a:solidFill>
-                    <a:latin typeface="Arial"/>
-                    <a:ea typeface="Arial"/>
-                    <a:cs typeface="Arial"/>
-                    <a:sym typeface="Arial"/>
-                  </a:endParaRPr>
-                </a:p>
-              </p:txBody>
-            </p:sp>
-            <p:sp>
-              <p:nvSpPr>
-                <p:cNvPr id="35" name="Google Shape;531;g10f8d9d020d_0_26">
-                  <a:extLst>
-                    <a:ext uri="{FF2B5EF4-FFF2-40B4-BE49-F238E27FC236}">
-                      <a16:creationId xmlns:a16="http://schemas.microsoft.com/office/drawing/2014/main" id="{8527DB4A-6CF8-46A3-85DF-9B96FC614A42}"/>
-                    </a:ext>
-                  </a:extLst>
-                </p:cNvPr>
-                <p:cNvSpPr txBox="1"/>
-                <p:nvPr/>
-              </p:nvSpPr>
-              <p:spPr>
-                <a:xfrm>
-                  <a:off x="2785377" y="1663679"/>
-                  <a:ext cx="1709700" cy="148825"/>
-                </a:xfrm>
-                <a:prstGeom prst="rect">
-                  <a:avLst/>
-                </a:prstGeom>
-                <a:noFill/>
-                <a:ln>
-                  <a:noFill/>
-                </a:ln>
-              </p:spPr>
-              <p:txBody>
-                <a:bodyPr spcFirstLastPara="1" wrap="square" lIns="91425" tIns="45700" rIns="91425" bIns="45700" anchor="t" anchorCtr="0">
-                  <a:spAutoFit/>
-                </a:bodyPr>
-                <a:lstStyle/>
-                <a:p>
-                  <a:pPr marL="0" marR="0" lvl="0" indent="0" algn="ctr" rtl="0">
-                    <a:lnSpc>
-                      <a:spcPct val="60000"/>
-                    </a:lnSpc>
-                    <a:spcBef>
-                      <a:spcPts val="0"/>
-                    </a:spcBef>
-                    <a:spcAft>
-                      <a:spcPts val="0"/>
-                    </a:spcAft>
-                    <a:buClr>
-                      <a:srgbClr val="000000"/>
-                    </a:buClr>
-                    <a:buSzPts val="1100"/>
-                    <a:buFont typeface="Arial"/>
-                    <a:buNone/>
-                  </a:pPr>
-                  <a:r>
-                    <a:rPr lang="en-US" sz="1600" b="1" u="none" strike="noStrike" cap="none" dirty="0" err="1">
-                      <a:solidFill>
-                        <a:schemeClr val="dk1"/>
-                      </a:solidFill>
-                      <a:latin typeface="Arial"/>
-                      <a:ea typeface="Arial"/>
-                      <a:cs typeface="Arial"/>
-                      <a:sym typeface="Arial"/>
-                    </a:rPr>
-                    <a:t>ComponentType</a:t>
-                  </a:r>
-                  <a:endParaRPr sz="1600" b="1" u="none" strike="noStrike" cap="none" dirty="0">
-                    <a:solidFill>
-                      <a:schemeClr val="dk1"/>
-                    </a:solidFill>
-                    <a:latin typeface="Arial"/>
-                    <a:ea typeface="Arial"/>
-                    <a:cs typeface="Arial"/>
-                    <a:sym typeface="Arial"/>
-                  </a:endParaRPr>
-                </a:p>
-              </p:txBody>
-            </p:sp>
-          </p:grpSp>
-          <p:cxnSp>
-            <p:nvCxnSpPr>
-              <p:cNvPr id="31" name="Google Shape;532;g10f8d9d020d_0_26">
-                <a:extLst>
-                  <a:ext uri="{FF2B5EF4-FFF2-40B4-BE49-F238E27FC236}">
-                    <a16:creationId xmlns:a16="http://schemas.microsoft.com/office/drawing/2014/main" id="{631082EB-8B4D-4256-8519-EE9180546CD0}"/>
-                  </a:ext>
-                </a:extLst>
-              </p:cNvPr>
-              <p:cNvCxnSpPr>
-                <a:cxnSpLocks/>
-                <a:stCxn id="35" idx="1"/>
-                <a:endCxn id="33" idx="1"/>
-              </p:cNvCxnSpPr>
-              <p:nvPr/>
-            </p:nvCxnSpPr>
-            <p:spPr>
-              <a:xfrm rot="10800000" flipH="1" flipV="1">
-                <a:off x="4901596" y="3504229"/>
-                <a:ext cx="94" cy="360774"/>
-              </a:xfrm>
-              <a:prstGeom prst="bentConnector3">
-                <a:avLst>
-                  <a:gd name="adj1" fmla="val -150394737"/>
-                </a:avLst>
-              </a:prstGeom>
-              <a:noFill/>
-              <a:ln w="12700" cap="flat" cmpd="sng">
-                <a:solidFill>
-                  <a:schemeClr val="dk1"/>
-                </a:solidFill>
-                <a:prstDash val="solid"/>
-                <a:miter lim="800000"/>
-                <a:headEnd type="none" w="med" len="med"/>
-                <a:tailEnd type="triangle" w="med" len="med"/>
-              </a:ln>
-            </p:spPr>
-          </p:cxnSp>
-          <p:sp>
-            <p:nvSpPr>
-              <p:cNvPr id="32" name="Google Shape;534;g10f8d9d020d_0_26">
-                <a:extLst>
-                  <a:ext uri="{FF2B5EF4-FFF2-40B4-BE49-F238E27FC236}">
-                    <a16:creationId xmlns:a16="http://schemas.microsoft.com/office/drawing/2014/main" id="{057A0F23-E3DA-40A1-88DC-307F3E4AD6C7}"/>
-                  </a:ext>
-                </a:extLst>
-              </p:cNvPr>
-              <p:cNvSpPr txBox="1"/>
-              <p:nvPr/>
-            </p:nvSpPr>
-            <p:spPr>
-              <a:xfrm>
-                <a:off x="4515809" y="3356899"/>
-                <a:ext cx="518400" cy="154200"/>
-              </a:xfrm>
-              <a:prstGeom prst="rect">
-                <a:avLst/>
-              </a:prstGeom>
-              <a:noFill/>
-              <a:ln>
-                <a:noFill/>
-              </a:ln>
-            </p:spPr>
-            <p:txBody>
-              <a:bodyPr spcFirstLastPara="1" wrap="square" lIns="0" tIns="0" rIns="0" bIns="0" anchor="t" anchorCtr="0">
-                <a:noAutofit/>
-              </a:bodyPr>
-              <a:lstStyle/>
-              <a:p>
-                <a:pPr marL="0" marR="0" lvl="0" indent="0" algn="l" rtl="0">
-                  <a:lnSpc>
-                    <a:spcPct val="100000"/>
-                  </a:lnSpc>
-                  <a:spcBef>
-                    <a:spcPts val="0"/>
-                  </a:spcBef>
-                  <a:spcAft>
-                    <a:spcPts val="0"/>
-                  </a:spcAft>
-                  <a:buClr>
-                    <a:srgbClr val="000000"/>
-                  </a:buClr>
-                  <a:buSzPts val="1100"/>
-                  <a:buFont typeface="Arial"/>
-                  <a:buNone/>
-                </a:pPr>
-                <a:r>
-                  <a:rPr lang="en-US" sz="1600" b="0" i="0" u="none" strike="noStrike" cap="none" dirty="0">
-                    <a:solidFill>
-                      <a:schemeClr val="dk1"/>
-                    </a:solidFill>
-                    <a:latin typeface="Arial"/>
-                    <a:ea typeface="Arial"/>
-                    <a:cs typeface="Arial"/>
-                    <a:sym typeface="Arial"/>
-                  </a:rPr>
-                  <a:t>0..10</a:t>
-                </a:r>
-                <a:endParaRPr sz="2000" b="0" i="0" u="none" strike="noStrike" cap="none" dirty="0">
-                  <a:solidFill>
-                    <a:srgbClr val="000000"/>
-                  </a:solidFill>
-                  <a:latin typeface="Arial"/>
-                  <a:ea typeface="Arial"/>
-                  <a:cs typeface="Arial"/>
-                  <a:sym typeface="Arial"/>
-                </a:endParaRPr>
-              </a:p>
-            </p:txBody>
-          </p:sp>
-          <p:sp>
-            <p:nvSpPr>
-              <p:cNvPr id="33" name="Google Shape;533;g10f8d9d020d_0_26">
-                <a:extLst>
-                  <a:ext uri="{FF2B5EF4-FFF2-40B4-BE49-F238E27FC236}">
-                    <a16:creationId xmlns:a16="http://schemas.microsoft.com/office/drawing/2014/main" id="{1A694B6C-D887-4910-B76D-F1760124AB0F}"/>
-                  </a:ext>
-                </a:extLst>
-              </p:cNvPr>
-              <p:cNvSpPr txBox="1"/>
-              <p:nvPr/>
-            </p:nvSpPr>
-            <p:spPr>
-              <a:xfrm>
-                <a:off x="4901690" y="3720936"/>
-                <a:ext cx="1456200" cy="288134"/>
-              </a:xfrm>
-              <a:prstGeom prst="rect">
-                <a:avLst/>
-              </a:prstGeom>
-              <a:noFill/>
-              <a:ln>
-                <a:noFill/>
-              </a:ln>
-            </p:spPr>
-            <p:txBody>
-              <a:bodyPr spcFirstLastPara="1" wrap="square" lIns="91425" tIns="45700" rIns="91425" bIns="45700" anchor="t" anchorCtr="0">
-                <a:spAutoFit/>
-              </a:bodyPr>
-              <a:lstStyle/>
-              <a:p>
-                <a:pPr marL="0" marR="0" lvl="0" indent="0" algn="l" rtl="0">
-                  <a:lnSpc>
-                    <a:spcPct val="60000"/>
-                  </a:lnSpc>
-                  <a:spcBef>
-                    <a:spcPts val="0"/>
-                  </a:spcBef>
-                  <a:spcAft>
-                    <a:spcPts val="0"/>
-                  </a:spcAft>
-                  <a:buClr>
-                    <a:srgbClr val="000000"/>
-                  </a:buClr>
-                  <a:buSzPts val="1100"/>
-                  <a:buFont typeface="Arial"/>
-                  <a:buNone/>
-                </a:pPr>
-                <a:r>
-                  <a:rPr lang="en-US" sz="1600" b="0" i="0" u="none" strike="noStrike" cap="none" dirty="0">
-                    <a:solidFill>
-                      <a:schemeClr val="dk1"/>
-                    </a:solidFill>
-                    <a:latin typeface="Arial"/>
-                    <a:ea typeface="Arial"/>
-                    <a:cs typeface="Arial"/>
-                    <a:sym typeface="Arial"/>
-                  </a:rPr>
-                  <a:t>String name</a:t>
-                </a:r>
-                <a:endParaRPr sz="2000" b="0" i="0" u="none" strike="noStrike" cap="none" dirty="0">
-                  <a:solidFill>
-                    <a:srgbClr val="000000"/>
-                  </a:solidFill>
-                  <a:latin typeface="Arial"/>
-                  <a:ea typeface="Arial"/>
-                  <a:cs typeface="Arial"/>
-                  <a:sym typeface="Arial"/>
-                </a:endParaRPr>
-              </a:p>
-              <a:p>
-                <a:pPr marL="0" marR="0" lvl="0" indent="0" algn="l" rtl="0">
-                  <a:lnSpc>
-                    <a:spcPct val="60000"/>
-                  </a:lnSpc>
-                  <a:spcBef>
-                    <a:spcPts val="550"/>
-                  </a:spcBef>
-                  <a:spcAft>
-                    <a:spcPts val="0"/>
-                  </a:spcAft>
-                  <a:buClr>
-                    <a:srgbClr val="000000"/>
-                  </a:buClr>
-                  <a:buSzPts val="1100"/>
-                  <a:buFont typeface="Arial"/>
-                  <a:buNone/>
-                </a:pPr>
-                <a:r>
-                  <a:rPr lang="en-US" sz="1600" b="0" i="0" u="none" strike="noStrike" cap="none" dirty="0">
-                    <a:solidFill>
-                      <a:schemeClr val="dk1"/>
-                    </a:solidFill>
-                    <a:latin typeface="Arial"/>
-                    <a:ea typeface="Arial"/>
-                    <a:cs typeface="Arial"/>
-                    <a:sym typeface="Arial"/>
-                  </a:rPr>
-                  <a:t>Boolean </a:t>
-                </a:r>
-                <a:r>
-                  <a:rPr lang="en-US" sz="1600" b="0" i="0" u="none" strike="noStrike" cap="none" dirty="0" err="1">
-                    <a:solidFill>
-                      <a:schemeClr val="dk1"/>
-                    </a:solidFill>
-                    <a:latin typeface="Arial"/>
-                    <a:ea typeface="Arial"/>
-                    <a:cs typeface="Arial"/>
-                    <a:sym typeface="Arial"/>
-                  </a:rPr>
-                  <a:t>isSingleton</a:t>
-                </a:r>
-                <a:endParaRPr sz="1600" b="0" i="0" u="none" strike="noStrike" cap="none" dirty="0">
-                  <a:solidFill>
-                    <a:schemeClr val="dk1"/>
-                  </a:solidFill>
-                  <a:latin typeface="Arial"/>
-                  <a:ea typeface="Arial"/>
-                  <a:cs typeface="Arial"/>
-                  <a:sym typeface="Arial"/>
-                </a:endParaRPr>
-              </a:p>
-            </p:txBody>
-          </p:sp>
-        </p:grpSp>
-        <p:cxnSp>
-          <p:nvCxnSpPr>
-            <p:cNvPr id="28" name="Google Shape;535;g10f8d9d020d_0_26">
-              <a:extLst>
-                <a:ext uri="{FF2B5EF4-FFF2-40B4-BE49-F238E27FC236}">
-                  <a16:creationId xmlns:a16="http://schemas.microsoft.com/office/drawing/2014/main" id="{D345DD52-634B-484A-949E-ED522BD95D2E}"/>
-                </a:ext>
-              </a:extLst>
-            </p:cNvPr>
-            <p:cNvCxnSpPr>
-              <a:cxnSpLocks/>
-            </p:cNvCxnSpPr>
-            <p:nvPr/>
-          </p:nvCxnSpPr>
+          </p:nvSpPr>
           <p:spPr>
             <a:xfrm>
-              <a:off x="4901596" y="3632271"/>
-              <a:ext cx="1372959" cy="0"/>
+              <a:off x="2785377" y="1573191"/>
+              <a:ext cx="1709700" cy="704929"/>
             </a:xfrm>
-            <a:prstGeom prst="straightConnector1">
+            <a:prstGeom prst="rect">
               <a:avLst/>
             </a:prstGeom>
-            <a:noFill/>
+            <a:solidFill>
+              <a:schemeClr val="lt1"/>
+            </a:solidFill>
             <a:ln w="9525" cap="flat" cmpd="sng">
               <a:solidFill>
                 <a:schemeClr val="dk1"/>
@@ -11973,8 +11738,334 @@
               <a:tailEnd type="none" w="sm" len="sm"/>
             </a:ln>
           </p:spPr>
-        </p:cxnSp>
+          <p:txBody>
+            <a:bodyPr spcFirstLastPara="1" wrap="square" lIns="91425" tIns="45700" rIns="91425" bIns="45700" anchor="ctr" anchorCtr="0">
+              <a:noAutofit/>
+            </a:bodyPr>
+            <a:lstStyle/>
+            <a:p>
+              <a:pPr marL="0" marR="0" lvl="0" indent="0" algn="l" rtl="0">
+                <a:lnSpc>
+                  <a:spcPct val="100000"/>
+                </a:lnSpc>
+                <a:spcBef>
+                  <a:spcPts val="0"/>
+                </a:spcBef>
+                <a:spcAft>
+                  <a:spcPts val="0"/>
+                </a:spcAft>
+                <a:buClr>
+                  <a:srgbClr val="000000"/>
+                </a:buClr>
+                <a:buSzPts val="1100"/>
+                <a:buFont typeface="Arial"/>
+                <a:buNone/>
+              </a:pPr>
+              <a:endParaRPr sz="1600" b="0" i="0" u="none" strike="noStrike" cap="none">
+                <a:solidFill>
+                  <a:schemeClr val="dk1"/>
+                </a:solidFill>
+                <a:latin typeface="Arial"/>
+                <a:ea typeface="Arial"/>
+                <a:cs typeface="Arial"/>
+                <a:sym typeface="Arial"/>
+              </a:endParaRPr>
+            </a:p>
+          </p:txBody>
+        </p:sp>
+        <p:sp>
+          <p:nvSpPr>
+            <p:cNvPr id="35" name="Google Shape;531;g10f8d9d020d_0_26">
+              <a:extLst>
+                <a:ext uri="{FF2B5EF4-FFF2-40B4-BE49-F238E27FC236}">
+                  <a16:creationId xmlns:a16="http://schemas.microsoft.com/office/drawing/2014/main" id="{8527DB4A-6CF8-46A3-85DF-9B96FC614A42}"/>
+                </a:ext>
+              </a:extLst>
+            </p:cNvPr>
+            <p:cNvSpPr txBox="1"/>
+            <p:nvPr/>
+          </p:nvSpPr>
+          <p:spPr>
+            <a:xfrm>
+              <a:off x="2785377" y="1663679"/>
+              <a:ext cx="1709700" cy="160275"/>
+            </a:xfrm>
+            <a:prstGeom prst="rect">
+              <a:avLst/>
+            </a:prstGeom>
+            <a:noFill/>
+            <a:ln>
+              <a:noFill/>
+            </a:ln>
+          </p:spPr>
+          <p:txBody>
+            <a:bodyPr spcFirstLastPara="1" wrap="square" lIns="91425" tIns="45700" rIns="91425" bIns="45700" anchor="t" anchorCtr="0">
+              <a:spAutoFit/>
+            </a:bodyPr>
+            <a:lstStyle/>
+            <a:p>
+              <a:pPr marL="0" marR="0" lvl="0" indent="0" algn="ctr" rtl="0">
+                <a:lnSpc>
+                  <a:spcPct val="60000"/>
+                </a:lnSpc>
+                <a:spcBef>
+                  <a:spcPts val="0"/>
+                </a:spcBef>
+                <a:spcAft>
+                  <a:spcPts val="0"/>
+                </a:spcAft>
+                <a:buClr>
+                  <a:srgbClr val="000000"/>
+                </a:buClr>
+                <a:buSzPts val="1100"/>
+                <a:buFont typeface="Arial"/>
+                <a:buNone/>
+              </a:pPr>
+              <a:r>
+                <a:rPr lang="en-US" b="1" u="none" strike="noStrike" cap="none" dirty="0" err="1">
+                  <a:solidFill>
+                    <a:schemeClr val="dk1"/>
+                  </a:solidFill>
+                  <a:latin typeface="Arial"/>
+                  <a:ea typeface="Arial"/>
+                  <a:cs typeface="Arial"/>
+                  <a:sym typeface="Arial"/>
+                </a:rPr>
+                <a:t>ComponentType</a:t>
+              </a:r>
+              <a:endParaRPr b="1" u="none" strike="noStrike" cap="none" dirty="0">
+                <a:solidFill>
+                  <a:schemeClr val="dk1"/>
+                </a:solidFill>
+                <a:latin typeface="Arial"/>
+                <a:ea typeface="Arial"/>
+                <a:cs typeface="Arial"/>
+                <a:sym typeface="Arial"/>
+              </a:endParaRPr>
+            </a:p>
+          </p:txBody>
+        </p:sp>
       </p:grpSp>
+      <p:cxnSp>
+        <p:nvCxnSpPr>
+          <p:cNvPr id="31" name="Google Shape;532;g10f8d9d020d_0_26">
+            <a:extLst>
+              <a:ext uri="{FF2B5EF4-FFF2-40B4-BE49-F238E27FC236}">
+                <a16:creationId xmlns:a16="http://schemas.microsoft.com/office/drawing/2014/main" id="{631082EB-8B4D-4256-8519-EE9180546CD0}"/>
+              </a:ext>
+            </a:extLst>
+          </p:cNvPr>
+          <p:cNvCxnSpPr>
+            <a:cxnSpLocks/>
+            <a:stCxn id="35" idx="1"/>
+            <a:endCxn id="33" idx="1"/>
+          </p:cNvCxnSpPr>
+          <p:nvPr/>
+        </p:nvCxnSpPr>
+        <p:spPr>
+          <a:xfrm rot="10800000" flipH="1" flipV="1">
+            <a:off x="1317175" y="4570689"/>
+            <a:ext cx="143" cy="572623"/>
+          </a:xfrm>
+          <a:prstGeom prst="bentConnector3">
+            <a:avLst>
+              <a:gd name="adj1" fmla="val -159860140"/>
+            </a:avLst>
+          </a:prstGeom>
+          <a:noFill/>
+          <a:ln w="12700" cap="flat" cmpd="sng">
+            <a:solidFill>
+              <a:schemeClr val="dk1"/>
+            </a:solidFill>
+            <a:prstDash val="solid"/>
+            <a:miter lim="800000"/>
+            <a:headEnd type="none" w="sm" len="sm"/>
+            <a:tailEnd type="triangle" w="lg" len="lg"/>
+          </a:ln>
+        </p:spPr>
+      </p:cxnSp>
+      <p:sp>
+        <p:nvSpPr>
+          <p:cNvPr id="33" name="Google Shape;533;g10f8d9d020d_0_26">
+            <a:extLst>
+              <a:ext uri="{FF2B5EF4-FFF2-40B4-BE49-F238E27FC236}">
+                <a16:creationId xmlns:a16="http://schemas.microsoft.com/office/drawing/2014/main" id="{1A694B6C-D887-4910-B76D-F1760124AB0F}"/>
+              </a:ext>
+            </a:extLst>
+          </p:cNvPr>
+          <p:cNvSpPr txBox="1"/>
+          <p:nvPr/>
+        </p:nvSpPr>
+        <p:spPr>
+          <a:xfrm>
+            <a:off x="1317319" y="4910962"/>
+            <a:ext cx="2222715" cy="464702"/>
+          </a:xfrm>
+          <a:prstGeom prst="rect">
+            <a:avLst/>
+          </a:prstGeom>
+          <a:noFill/>
+          <a:ln>
+            <a:noFill/>
+          </a:ln>
+        </p:spPr>
+        <p:txBody>
+          <a:bodyPr spcFirstLastPara="1" wrap="square" lIns="91425" tIns="45700" rIns="91425" bIns="45700" anchor="t" anchorCtr="0">
+            <a:spAutoFit/>
+          </a:bodyPr>
+          <a:lstStyle/>
+          <a:p>
+            <a:pPr marL="0" marR="0" lvl="0" indent="0" algn="l" rtl="0">
+              <a:lnSpc>
+                <a:spcPct val="60000"/>
+              </a:lnSpc>
+              <a:spcBef>
+                <a:spcPts val="0"/>
+              </a:spcBef>
+              <a:spcAft>
+                <a:spcPts val="0"/>
+              </a:spcAft>
+              <a:buClr>
+                <a:srgbClr val="000000"/>
+              </a:buClr>
+              <a:buSzPts val="1100"/>
+              <a:buFont typeface="Arial"/>
+              <a:buNone/>
+            </a:pPr>
+            <a:r>
+              <a:rPr lang="en-US" sz="1600" b="0" i="1" u="none" strike="noStrike" cap="none" dirty="0">
+                <a:solidFill>
+                  <a:schemeClr val="dk1"/>
+                </a:solidFill>
+                <a:latin typeface="Arial"/>
+                <a:ea typeface="Arial"/>
+                <a:cs typeface="Arial"/>
+                <a:sym typeface="Arial"/>
+              </a:rPr>
+              <a:t>String</a:t>
+            </a:r>
+            <a:r>
+              <a:rPr lang="en-US" sz="1600" b="0" i="0" u="none" strike="noStrike" cap="none" dirty="0">
+                <a:solidFill>
+                  <a:schemeClr val="dk1"/>
+                </a:solidFill>
+                <a:latin typeface="Arial"/>
+                <a:ea typeface="Arial"/>
+                <a:cs typeface="Arial"/>
+                <a:sym typeface="Arial"/>
+              </a:rPr>
+              <a:t> name</a:t>
+            </a:r>
+            <a:endParaRPr sz="2000" b="0" i="0" u="none" strike="noStrike" cap="none" dirty="0">
+              <a:solidFill>
+                <a:srgbClr val="000000"/>
+              </a:solidFill>
+              <a:latin typeface="Arial"/>
+              <a:ea typeface="Arial"/>
+              <a:cs typeface="Arial"/>
+              <a:sym typeface="Arial"/>
+            </a:endParaRPr>
+          </a:p>
+          <a:p>
+            <a:pPr marL="0" marR="0" lvl="0" indent="0" algn="l" rtl="0">
+              <a:lnSpc>
+                <a:spcPct val="60000"/>
+              </a:lnSpc>
+              <a:spcBef>
+                <a:spcPts val="550"/>
+              </a:spcBef>
+              <a:spcAft>
+                <a:spcPts val="0"/>
+              </a:spcAft>
+              <a:buClr>
+                <a:srgbClr val="000000"/>
+              </a:buClr>
+              <a:buSzPts val="1100"/>
+              <a:buFont typeface="Arial"/>
+              <a:buNone/>
+            </a:pPr>
+            <a:r>
+              <a:rPr lang="en-US" sz="1600" b="0" i="1" u="none" strike="noStrike" cap="none" dirty="0">
+                <a:solidFill>
+                  <a:schemeClr val="dk1"/>
+                </a:solidFill>
+                <a:latin typeface="Arial"/>
+                <a:ea typeface="Arial"/>
+                <a:cs typeface="Arial"/>
+                <a:sym typeface="Arial"/>
+              </a:rPr>
+              <a:t>Boolean</a:t>
+            </a:r>
+            <a:r>
+              <a:rPr lang="en-US" sz="1600" b="0" i="0" u="none" strike="noStrike" cap="none" dirty="0">
+                <a:solidFill>
+                  <a:schemeClr val="dk1"/>
+                </a:solidFill>
+                <a:latin typeface="Arial"/>
+                <a:ea typeface="Arial"/>
+                <a:cs typeface="Arial"/>
+                <a:sym typeface="Arial"/>
+              </a:rPr>
+              <a:t> </a:t>
+            </a:r>
+            <a:r>
+              <a:rPr lang="en-US" sz="1600" b="0" i="0" u="none" strike="noStrike" cap="none" dirty="0" err="1">
+                <a:solidFill>
+                  <a:schemeClr val="dk1"/>
+                </a:solidFill>
+                <a:latin typeface="Arial"/>
+                <a:ea typeface="Arial"/>
+                <a:cs typeface="Arial"/>
+                <a:sym typeface="Arial"/>
+              </a:rPr>
+              <a:t>isSingleton</a:t>
+            </a:r>
+            <a:endParaRPr sz="1600" b="0" i="0" u="none" strike="noStrike" cap="none" dirty="0">
+              <a:solidFill>
+                <a:schemeClr val="dk1"/>
+              </a:solidFill>
+              <a:latin typeface="Arial"/>
+              <a:ea typeface="Arial"/>
+              <a:cs typeface="Arial"/>
+              <a:sym typeface="Arial"/>
+            </a:endParaRPr>
+          </a:p>
+        </p:txBody>
+      </p:sp>
+      <p:cxnSp>
+        <p:nvCxnSpPr>
+          <p:cNvPr id="28" name="Google Shape;535;g10f8d9d020d_0_26">
+            <a:extLst>
+              <a:ext uri="{FF2B5EF4-FFF2-40B4-BE49-F238E27FC236}">
+                <a16:creationId xmlns:a16="http://schemas.microsoft.com/office/drawing/2014/main" id="{D345DD52-634B-484A-949E-ED522BD95D2E}"/>
+              </a:ext>
+            </a:extLst>
+          </p:cNvPr>
+          <p:cNvCxnSpPr>
+            <a:cxnSpLocks/>
+          </p:cNvCxnSpPr>
+          <p:nvPr/>
+        </p:nvCxnSpPr>
+        <p:spPr>
+          <a:xfrm>
+            <a:off x="1317176" y="4767963"/>
+            <a:ext cx="2095657" cy="0"/>
+          </a:xfrm>
+          <a:prstGeom prst="straightConnector1">
+            <a:avLst/>
+          </a:prstGeom>
+          <a:noFill/>
+          <a:ln w="9525" cap="flat" cmpd="sng">
+            <a:solidFill>
+              <a:schemeClr val="dk1"/>
+            </a:solidFill>
+            <a:prstDash val="solid"/>
+            <a:miter lim="800000"/>
+            <a:headEnd type="none" w="sm" len="sm"/>
+            <a:tailEnd type="none" w="sm" len="sm"/>
+          </a:ln>
+        </p:spPr>
+      </p:cxnSp>
       <p:grpSp>
         <p:nvGrpSpPr>
           <p:cNvPr id="36" name="Google Shape;536;g10f8d9d020d_0_26">
@@ -12098,7 +12189,7 @@
             <p:spPr>
               <a:xfrm>
                 <a:off x="2785377" y="1663679"/>
-                <a:ext cx="1709700" cy="148825"/>
+                <a:ext cx="1709700" cy="160275"/>
               </a:xfrm>
               <a:prstGeom prst="rect">
                 <a:avLst/>
@@ -12132,7 +12223,7 @@
                   <a:buNone/>
                 </a:pPr>
                 <a:r>
-                  <a:rPr lang="en-US" sz="1600" b="1" i="0" u="none" strike="noStrike" cap="none" dirty="0">
+                  <a:rPr lang="en-US" b="1" i="0" u="none" strike="noStrike" cap="none" dirty="0">
                     <a:solidFill>
                       <a:schemeClr val="dk1"/>
                     </a:solidFill>
@@ -12143,7 +12234,7 @@
                   </a:rPr>
                   <a:t>Function</a:t>
                 </a:r>
-                <a:endParaRPr sz="2000" b="1" i="0" u="none" strike="noStrike" cap="none" dirty="0">
+                <a:endParaRPr sz="2400" b="1" i="0" u="none" strike="noStrike" cap="none" dirty="0">
                   <a:solidFill>
                     <a:srgbClr val="000000"/>
                   </a:solidFill>
@@ -12205,7 +12296,7 @@
                 <a:buNone/>
               </a:pPr>
               <a:r>
-                <a:rPr lang="en-US" sz="1600" b="0" i="0" u="none" strike="noStrike" cap="none">
+                <a:rPr lang="en-US" sz="1600" b="0" i="1" u="none" strike="noStrike" cap="none" dirty="0" err="1">
                   <a:solidFill>
                     <a:schemeClr val="dk1"/>
                   </a:solidFill>
@@ -12214,9 +12305,33 @@
                   <a:cs typeface="Arial"/>
                   <a:sym typeface="Arial"/>
                 </a:rPr>
-                <a:t>DataConnector implementedBy</a:t>
-              </a:r>
-              <a:endParaRPr sz="1600" b="0" i="0" u="none" strike="noStrike" cap="none">
+                <a:t>DataConnector</a:t>
+              </a:r>
+              <a:r>
+                <a:rPr lang="en-US" sz="1600" b="0" i="0" u="none" strike="noStrike" cap="none" dirty="0">
+                  <a:solidFill>
+                    <a:schemeClr val="dk1"/>
+                  </a:solidFill>
+                  <a:latin typeface="Arial"/>
+                  <a:ea typeface="Arial"/>
+                  <a:cs typeface="Arial"/>
+                  <a:sym typeface="Arial"/>
+                </a:rPr>
+                <a:t> </a:t>
+              </a:r>
+              <a:r>
+                <a:rPr lang="en-US" sz="1600" b="0" i="0" u="none" strike="noStrike" cap="none" dirty="0" err="1">
+                  <a:solidFill>
+                    <a:schemeClr val="dk1"/>
+                  </a:solidFill>
+                  <a:latin typeface="Arial"/>
+                  <a:ea typeface="Arial"/>
+                  <a:cs typeface="Arial"/>
+                  <a:sym typeface="Arial"/>
+                </a:rPr>
+                <a:t>implementedBy</a:t>
+              </a:r>
+              <a:endParaRPr sz="1600" b="0" i="0" u="none" strike="noStrike" cap="none" dirty="0">
                 <a:solidFill>
                   <a:schemeClr val="dk1"/>
                 </a:solidFill>
@@ -12245,7 +12360,7 @@
                 <a:buNone/>
               </a:pPr>
               <a:r>
-                <a:rPr lang="en-US" sz="1600" b="0" i="0" u="none" strike="noStrike" cap="none">
+                <a:rPr lang="en-US" sz="1600" b="0" i="1" u="none" strike="noStrike" cap="none" dirty="0">
                   <a:solidFill>
                     <a:schemeClr val="dk1"/>
                   </a:solidFill>
@@ -12254,9 +12369,45 @@
                   <a:cs typeface="Arial"/>
                   <a:sym typeface="Arial"/>
                 </a:rPr>
-                <a:t>List&lt;PropertyDefinition&gt; requiredProperties</a:t>
-              </a:r>
-              <a:endParaRPr sz="1600" b="0" i="0" u="none" strike="noStrike" cap="none">
+                <a:t>List&lt;</a:t>
+              </a:r>
+              <a:r>
+                <a:rPr lang="en-US" sz="1600" b="0" i="1" u="none" strike="noStrike" cap="none" dirty="0" err="1">
+                  <a:solidFill>
+                    <a:schemeClr val="dk1"/>
+                  </a:solidFill>
+                  <a:latin typeface="Arial"/>
+                  <a:ea typeface="Arial"/>
+                  <a:cs typeface="Arial"/>
+                  <a:sym typeface="Arial"/>
+                </a:rPr>
+                <a:t>PropertyDefinition</a:t>
+              </a:r>
+              <a:r>
+                <a:rPr lang="en-US" sz="1600" b="0" i="1" u="none" strike="noStrike" cap="none" dirty="0">
+                  <a:solidFill>
+                    <a:schemeClr val="dk1"/>
+                  </a:solidFill>
+                  <a:latin typeface="Arial"/>
+                  <a:ea typeface="Arial"/>
+                  <a:cs typeface="Arial"/>
+                  <a:sym typeface="Arial"/>
+                </a:rPr>
+                <a:t>&gt; </a:t>
+              </a:r>
+              <a:r>
+                <a:rPr lang="en-US" sz="1600" b="0" i="0" u="none" strike="noStrike" cap="none" dirty="0" err="1">
+                  <a:solidFill>
+                    <a:schemeClr val="dk1"/>
+                  </a:solidFill>
+                  <a:latin typeface="Arial"/>
+                  <a:ea typeface="Arial"/>
+                  <a:cs typeface="Arial"/>
+                  <a:sym typeface="Arial"/>
+                </a:rPr>
+                <a:t>requiredProperties</a:t>
+              </a:r>
+              <a:endParaRPr sz="1600" b="0" i="0" u="none" strike="noStrike" cap="none" dirty="0">
                 <a:solidFill>
                   <a:schemeClr val="dk1"/>
                 </a:solidFill>
@@ -12285,7 +12436,7 @@
                 <a:buNone/>
               </a:pPr>
               <a:r>
-                <a:rPr lang="en-US" sz="1600" b="0" i="0" u="none" strike="noStrike" cap="none">
+                <a:rPr lang="en-US" sz="1600" b="0" i="1" u="none" strike="noStrike" cap="none" dirty="0">
                   <a:solidFill>
                     <a:schemeClr val="dk1"/>
                   </a:solidFill>
@@ -12294,9 +12445,33 @@
                   <a:cs typeface="Arial"/>
                   <a:sym typeface="Arial"/>
                 </a:rPr>
-                <a:t>Scope scope</a:t>
-              </a:r>
-              <a:endParaRPr sz="1600" b="0" i="0" u="none" strike="noStrike" cap="none">
+                <a:t>Scope</a:t>
+              </a:r>
+              <a:r>
+                <a:rPr lang="en-US" sz="1600" b="0" i="0" u="none" strike="noStrike" cap="none" dirty="0">
+                  <a:solidFill>
+                    <a:schemeClr val="dk1"/>
+                  </a:solidFill>
+                  <a:latin typeface="Arial"/>
+                  <a:ea typeface="Arial"/>
+                  <a:cs typeface="Arial"/>
+                  <a:sym typeface="Arial"/>
+                </a:rPr>
+                <a:t> </a:t>
+              </a:r>
+              <a:r>
+                <a:rPr lang="en-US" sz="1600" b="0" i="0" u="none" strike="noStrike" cap="none" dirty="0" err="1">
+                  <a:solidFill>
+                    <a:schemeClr val="dk1"/>
+                  </a:solidFill>
+                  <a:latin typeface="Arial"/>
+                  <a:ea typeface="Arial"/>
+                  <a:cs typeface="Arial"/>
+                  <a:sym typeface="Arial"/>
+                </a:rPr>
+                <a:t>scope</a:t>
+              </a:r>
+              <a:endParaRPr sz="1600" b="0" i="0" u="none" strike="noStrike" cap="none" dirty="0">
                 <a:solidFill>
                   <a:schemeClr val="dk1"/>
                 </a:solidFill>
@@ -12355,8 +12530,8 @@
         </p:nvSpPr>
         <p:spPr>
           <a:xfrm>
-            <a:off x="350120" y="4600878"/>
-            <a:ext cx="791275" cy="623670"/>
+            <a:off x="423821" y="4519642"/>
+            <a:ext cx="635203" cy="623670"/>
           </a:xfrm>
           <a:prstGeom prst="rect">
             <a:avLst/>
@@ -12390,16 +12565,16 @@
               <a:buNone/>
             </a:pPr>
             <a:r>
-              <a:rPr lang="en-US" sz="1600" b="0" i="0" u="none" strike="noStrike" cap="none" dirty="0">
+              <a:rPr lang="en-US" sz="1400" b="0" i="0" u="none" strike="noStrike" cap="none" dirty="0">
                 <a:latin typeface="Arial"/>
                 <a:ea typeface="Arial"/>
                 <a:cs typeface="Arial"/>
                 <a:sym typeface="Arial"/>
               </a:rPr>
-              <a:t>extends</a:t>
+              <a:t>[0..10] extends</a:t>
             </a:r>
             <a:br>
-              <a:rPr lang="en-US" sz="1600" b="0" i="0" u="none" strike="noStrike" cap="none" dirty="0">
+              <a:rPr lang="en-US" sz="1400" b="0" i="0" u="none" strike="noStrike" cap="none" dirty="0">
                 <a:latin typeface="Arial"/>
                 <a:ea typeface="Arial"/>
                 <a:cs typeface="Arial"/>
@@ -12407,7 +12582,7 @@
               </a:rPr>
             </a:br>
             <a:r>
-              <a:rPr lang="en-US" sz="1600" b="0" i="0" u="none" strike="noStrike" cap="none" dirty="0">
+              <a:rPr lang="en-US" sz="1400" b="0" i="0" u="none" strike="noStrike" cap="none" dirty="0">
                 <a:latin typeface="Arial"/>
                 <a:ea typeface="Arial"/>
                 <a:cs typeface="Arial"/>
@@ -12415,7 +12590,7 @@
               </a:rPr>
               <a:t>From</a:t>
             </a:r>
-            <a:endParaRPr sz="1600" b="0" i="0" u="none" strike="noStrike" cap="none" dirty="0">
+            <a:endParaRPr sz="1400" b="0" i="0" u="none" strike="noStrike" cap="none" dirty="0">
               <a:latin typeface="Arial"/>
               <a:ea typeface="Arial"/>
               <a:cs typeface="Arial"/>
@@ -12441,8 +12616,8 @@
         </p:nvCxnSpPr>
         <p:spPr>
           <a:xfrm flipV="1">
-            <a:off x="3412467" y="2284724"/>
-            <a:ext cx="1148410" cy="2276734"/>
+            <a:off x="3412465" y="2284725"/>
+            <a:ext cx="1148413" cy="2285965"/>
           </a:xfrm>
           <a:prstGeom prst="bentConnector3">
             <a:avLst>
@@ -12478,8 +12653,8 @@
         </p:nvCxnSpPr>
         <p:spPr>
           <a:xfrm>
-            <a:off x="3412468" y="4561457"/>
-            <a:ext cx="1093287" cy="302502"/>
+            <a:off x="3412465" y="4570690"/>
+            <a:ext cx="1093290" cy="293269"/>
           </a:xfrm>
           <a:prstGeom prst="bentConnector3">
             <a:avLst>
@@ -12512,7 +12687,7 @@
         </p:nvGrpSpPr>
         <p:grpSpPr>
           <a:xfrm>
-            <a:off x="8658564" y="895526"/>
+            <a:off x="8700557" y="889587"/>
             <a:ext cx="2682535" cy="1993415"/>
             <a:chOff x="7302832" y="1350960"/>
             <a:chExt cx="1757449" cy="1235997"/>
@@ -12621,7 +12796,7 @@
             <p:spPr>
               <a:xfrm>
                 <a:off x="2785377" y="1663679"/>
-                <a:ext cx="1709700" cy="148825"/>
+                <a:ext cx="1709700" cy="160275"/>
               </a:xfrm>
               <a:prstGeom prst="rect">
                 <a:avLst/>
@@ -12655,7 +12830,7 @@
                   <a:buNone/>
                 </a:pPr>
                 <a:r>
-                  <a:rPr lang="en-US" sz="1600" b="1" i="0" u="none" strike="noStrike" cap="none" dirty="0" err="1">
+                  <a:rPr lang="en-US" b="1" i="0" u="none" strike="noStrike" cap="none" dirty="0" err="1">
                     <a:solidFill>
                       <a:schemeClr val="dk1"/>
                     </a:solidFill>
@@ -12666,7 +12841,7 @@
                   </a:rPr>
                   <a:t>DataType</a:t>
                 </a:r>
-                <a:endParaRPr sz="1600" b="1" i="0" u="none" strike="noStrike" cap="none" dirty="0">
+                <a:endParaRPr b="1" i="0" u="none" strike="noStrike" cap="none" dirty="0">
                   <a:solidFill>
                     <a:schemeClr val="dk1"/>
                   </a:solidFill>
@@ -12760,6 +12935,18 @@
                 <a:buNone/>
               </a:pPr>
               <a:r>
+                <a:rPr lang="en-US" sz="1600" b="0" i="1" u="none" strike="noStrike" cap="none" dirty="0">
+                  <a:solidFill>
+                    <a:schemeClr val="dk1"/>
+                  </a:solidFill>
+                  <a:latin typeface="Arial"/>
+                  <a:ea typeface="Arial"/>
+                  <a:cs typeface="Arial"/>
+                  <a:sym typeface="Arial"/>
+                </a:rPr>
+                <a:t>String</a:t>
+              </a:r>
+              <a:r>
                 <a:rPr lang="en-US" sz="1600" b="0" i="0" u="none" strike="noStrike" cap="none" dirty="0">
                   <a:solidFill>
                     <a:schemeClr val="dk1"/>
@@ -12769,7 +12956,7 @@
                   <a:cs typeface="Arial"/>
                   <a:sym typeface="Arial"/>
                 </a:rPr>
-                <a:t>String name</a:t>
+                <a:t> name</a:t>
               </a:r>
               <a:endParaRPr sz="2000" b="0" i="0" u="none" strike="noStrike" cap="none" dirty="0">
                 <a:solidFill>
@@ -12800,7 +12987,7 @@
                 <a:buNone/>
               </a:pPr>
               <a:r>
-                <a:rPr lang="en-US" sz="1600" b="0" i="0" u="none" strike="noStrike" cap="none" dirty="0" err="1">
+                <a:rPr lang="en-US" sz="1600" b="0" i="1" u="none" strike="noStrike" cap="none" dirty="0" err="1">
                   <a:solidFill>
                     <a:schemeClr val="dk1"/>
                   </a:solidFill>
@@ -12864,7 +13051,7 @@
                 <a:buNone/>
               </a:pPr>
               <a:r>
-                <a:rPr lang="en-US" sz="1600" b="0" i="0" u="none" strike="noStrike" cap="none" dirty="0" err="1">
+                <a:rPr lang="en-US" sz="1600" b="0" i="1" u="none" strike="noStrike" cap="none" dirty="0" err="1">
                   <a:solidFill>
                     <a:schemeClr val="dk1"/>
                   </a:solidFill>
@@ -12928,6 +13115,18 @@
                 <a:buNone/>
               </a:pPr>
               <a:r>
+                <a:rPr lang="en-US" sz="1600" b="0" i="1" u="none" strike="noStrike" cap="none" dirty="0">
+                  <a:solidFill>
+                    <a:schemeClr val="dk1"/>
+                  </a:solidFill>
+                  <a:latin typeface="Arial"/>
+                  <a:ea typeface="Arial"/>
+                  <a:cs typeface="Arial"/>
+                  <a:sym typeface="Arial"/>
+                </a:rPr>
+                <a:t>Relationship</a:t>
+              </a:r>
+              <a:r>
                 <a:rPr lang="en-US" sz="1600" b="0" i="0" u="none" strike="noStrike" cap="none" dirty="0">
                   <a:solidFill>
                     <a:schemeClr val="dk1"/>
@@ -12937,7 +13136,7 @@
                   <a:cs typeface="Arial"/>
                   <a:sym typeface="Arial"/>
                 </a:rPr>
-                <a:t>Relationship </a:t>
+                <a:t> </a:t>
               </a:r>
               <a:r>
                 <a:rPr lang="en-US" sz="1600" b="0" i="0" u="none" strike="noStrike" cap="none" dirty="0" err="1">
@@ -12980,6 +13179,18 @@
                 <a:buNone/>
               </a:pPr>
               <a:r>
+                <a:rPr lang="en-US" sz="1600" b="0" i="1" u="none" strike="noStrike" cap="none" dirty="0">
+                  <a:solidFill>
+                    <a:schemeClr val="dk1"/>
+                  </a:solidFill>
+                  <a:latin typeface="Arial"/>
+                  <a:ea typeface="Arial"/>
+                  <a:cs typeface="Arial"/>
+                  <a:sym typeface="Arial"/>
+                </a:rPr>
+                <a:t>String</a:t>
+              </a:r>
+              <a:r>
                 <a:rPr lang="en-US" sz="1600" b="0" i="0" u="none" strike="noStrike" cap="none" dirty="0">
                   <a:solidFill>
                     <a:schemeClr val="dk1"/>
@@ -12989,7 +13200,7 @@
                   <a:cs typeface="Arial"/>
                   <a:sym typeface="Arial"/>
                 </a:rPr>
-                <a:t>String type</a:t>
+                <a:t> type</a:t>
               </a:r>
               <a:endParaRPr sz="2000" b="0" i="0" u="none" strike="noStrike" cap="none" dirty="0">
                 <a:solidFill>
@@ -13020,6 +13231,18 @@
                 <a:buNone/>
               </a:pPr>
               <a:r>
+                <a:rPr lang="en-US" sz="1600" b="0" i="1" u="none" strike="noStrike" cap="none" dirty="0">
+                  <a:solidFill>
+                    <a:schemeClr val="dk1"/>
+                  </a:solidFill>
+                  <a:latin typeface="Arial"/>
+                  <a:ea typeface="Arial"/>
+                  <a:cs typeface="Arial"/>
+                  <a:sym typeface="Arial"/>
+                </a:rPr>
+                <a:t>String</a:t>
+              </a:r>
+              <a:r>
                 <a:rPr lang="en-US" sz="1600" b="0" i="0" u="none" strike="noStrike" cap="none" dirty="0">
                   <a:solidFill>
                     <a:schemeClr val="dk1"/>
@@ -13029,7 +13252,7 @@
                   <a:cs typeface="Arial"/>
                   <a:sym typeface="Arial"/>
                 </a:rPr>
-                <a:t>String </a:t>
+                <a:t> </a:t>
               </a:r>
               <a:r>
                 <a:rPr lang="en-US" sz="1600" b="0" i="0" u="none" strike="noStrike" cap="none" dirty="0" err="1">
@@ -13075,7 +13298,7 @@
         <p:spPr>
           <a:xfrm>
             <a:off x="2356683" y="3863809"/>
-            <a:ext cx="0" cy="431696"/>
+            <a:ext cx="8138" cy="431696"/>
           </a:xfrm>
           <a:prstGeom prst="straightConnector1">
             <a:avLst/>
@@ -13102,15 +13325,16 @@
             </a:extLst>
           </p:cNvPr>
           <p:cNvCxnSpPr>
+            <a:cxnSpLocks/>
             <a:stCxn id="25" idx="3"/>
             <a:endCxn id="50" idx="1"/>
           </p:cNvCxnSpPr>
           <p:nvPr/>
         </p:nvCxnSpPr>
         <p:spPr>
-          <a:xfrm>
-            <a:off x="7929864" y="1155764"/>
-            <a:ext cx="728700" cy="5714"/>
+          <a:xfrm flipV="1">
+            <a:off x="7929864" y="1164772"/>
+            <a:ext cx="770693" cy="2226"/>
           </a:xfrm>
           <a:prstGeom prst="straightConnector1">
             <a:avLst/>
@@ -13176,7 +13400,7 @@
               <a:buNone/>
             </a:pPr>
             <a:r>
-              <a:rPr lang="en-US" sz="1600" b="0" i="0" u="none" strike="noStrike" cap="none" dirty="0">
+              <a:rPr lang="en-US" sz="1400" b="0" i="0" u="none" strike="noStrike" cap="none" dirty="0">
                 <a:solidFill>
                   <a:schemeClr val="dk1"/>
                 </a:solidFill>
@@ -13185,9 +13409,9 @@
                 <a:cs typeface="Arial"/>
                 <a:sym typeface="Arial"/>
               </a:rPr>
-              <a:t>0…*</a:t>
-            </a:r>
-            <a:endParaRPr sz="2000" b="0" i="0" u="none" strike="noStrike" cap="none" dirty="0">
+              <a:t>[0..*]</a:t>
+            </a:r>
+            <a:endParaRPr b="0" i="0" u="none" strike="noStrike" cap="none" dirty="0">
               <a:solidFill>
                 <a:srgbClr val="000000"/>
               </a:solidFill>
@@ -13213,7 +13437,79 @@
         </p:nvSpPr>
         <p:spPr>
           <a:xfrm>
-            <a:off x="4006119" y="4918442"/>
+            <a:off x="4056335" y="4917861"/>
+            <a:ext cx="791275" cy="248694"/>
+          </a:xfrm>
+          <a:prstGeom prst="rect">
+            <a:avLst/>
+          </a:prstGeom>
+          <a:noFill/>
+          <a:ln>
+            <a:noFill/>
+          </a:ln>
+        </p:spPr>
+        <p:txBody>
+          <a:bodyPr spcFirstLastPara="1" wrap="square" lIns="0" tIns="0" rIns="0" bIns="0" anchor="t" anchorCtr="0">
+            <a:noAutofit/>
+          </a:bodyPr>
+          <a:lstStyle>
+            <a:defPPr>
+              <a:defRPr lang="de-DE"/>
+            </a:defPPr>
+            <a:lvl1pPr marR="0" lvl="0" indent="0">
+              <a:lnSpc>
+                <a:spcPct val="100000"/>
+              </a:lnSpc>
+              <a:spcBef>
+                <a:spcPts val="0"/>
+              </a:spcBef>
+              <a:spcAft>
+                <a:spcPts val="0"/>
+              </a:spcAft>
+              <a:buClr>
+                <a:srgbClr val="000000"/>
+              </a:buClr>
+              <a:buSzPts val="1100"/>
+              <a:buFont typeface="Arial"/>
+              <a:buNone/>
+              <a:defRPr sz="1400" b="0" i="0" u="none" strike="noStrike" cap="none">
+                <a:solidFill>
+                  <a:schemeClr val="dk1"/>
+                </a:solidFill>
+                <a:latin typeface="Arial"/>
+                <a:ea typeface="Arial"/>
+                <a:cs typeface="Arial"/>
+              </a:defRPr>
+            </a:lvl1pPr>
+          </a:lstStyle>
+          <a:p>
+            <a:r>
+              <a:rPr lang="en-US" dirty="0">
+                <a:sym typeface="Arial"/>
+              </a:rPr>
+              <a:t>[0..*]</a:t>
+            </a:r>
+            <a:endParaRPr dirty="0">
+              <a:sym typeface="Arial"/>
+            </a:endParaRPr>
+          </a:p>
+        </p:txBody>
+      </p:sp>
+      <p:sp>
+        <p:nvSpPr>
+          <p:cNvPr id="59" name="Google Shape;559;g10f8d9d020d_0_26">
+            <a:extLst>
+              <a:ext uri="{FF2B5EF4-FFF2-40B4-BE49-F238E27FC236}">
+                <a16:creationId xmlns:a16="http://schemas.microsoft.com/office/drawing/2014/main" id="{B0BB3DA8-9236-4EC8-A0DA-4625B87B4B2D}"/>
+              </a:ext>
+            </a:extLst>
+          </p:cNvPr>
+          <p:cNvSpPr txBox="1"/>
+          <p:nvPr/>
+        </p:nvSpPr>
+        <p:spPr>
+          <a:xfrm>
+            <a:off x="8066747" y="882967"/>
             <a:ext cx="791275" cy="248694"/>
           </a:xfrm>
           <a:prstGeom prst="rect">
@@ -13248,7 +13544,7 @@
               <a:buNone/>
             </a:pPr>
             <a:r>
-              <a:rPr lang="en-US" sz="1600" b="0" i="0" u="none" strike="noStrike" cap="none" dirty="0">
+              <a:rPr lang="en-US" sz="1400" b="0" i="0" u="none" strike="noStrike" cap="none" dirty="0">
                 <a:solidFill>
                   <a:schemeClr val="dk1"/>
                 </a:solidFill>
@@ -13257,86 +13553,24 @@
                 <a:cs typeface="Arial"/>
                 <a:sym typeface="Arial"/>
               </a:rPr>
-              <a:t>0..*</a:t>
-            </a:r>
-            <a:endParaRPr sz="2000" b="0" i="0" u="none" strike="noStrike" cap="none" dirty="0">
-              <a:solidFill>
-                <a:srgbClr val="000000"/>
-              </a:solidFill>
-              <a:latin typeface="Arial"/>
-              <a:ea typeface="Arial"/>
-              <a:cs typeface="Arial"/>
-              <a:sym typeface="Arial"/>
-            </a:endParaRPr>
-          </a:p>
-        </p:txBody>
-      </p:sp>
-      <p:sp>
-        <p:nvSpPr>
-          <p:cNvPr id="59" name="Google Shape;559;g10f8d9d020d_0_26">
-            <a:extLst>
-              <a:ext uri="{FF2B5EF4-FFF2-40B4-BE49-F238E27FC236}">
-                <a16:creationId xmlns:a16="http://schemas.microsoft.com/office/drawing/2014/main" id="{B0BB3DA8-9236-4EC8-A0DA-4625B87B4B2D}"/>
-              </a:ext>
-            </a:extLst>
-          </p:cNvPr>
-          <p:cNvSpPr txBox="1"/>
-          <p:nvPr/>
-        </p:nvSpPr>
-        <p:spPr>
-          <a:xfrm>
-            <a:off x="8145813" y="839159"/>
-            <a:ext cx="791275" cy="248694"/>
-          </a:xfrm>
-          <a:prstGeom prst="rect">
-            <a:avLst/>
-          </a:prstGeom>
-          <a:noFill/>
-          <a:ln>
-            <a:noFill/>
-          </a:ln>
-        </p:spPr>
-        <p:txBody>
-          <a:bodyPr spcFirstLastPara="1" wrap="square" lIns="0" tIns="0" rIns="0" bIns="0" anchor="t" anchorCtr="0">
-            <a:noAutofit/>
-          </a:bodyPr>
-          <a:lstStyle/>
-          <a:p>
-            <a:pPr marL="0" marR="0" lvl="0" indent="0" algn="l" rtl="0">
-              <a:lnSpc>
-                <a:spcPct val="100000"/>
-              </a:lnSpc>
-              <a:spcBef>
-                <a:spcPts val="0"/>
-              </a:spcBef>
-              <a:spcAft>
-                <a:spcPts val="0"/>
-              </a:spcAft>
-              <a:buClr>
-                <a:srgbClr val="000000"/>
-              </a:buClr>
-              <a:buSzPts val="1100"/>
-              <a:buFont typeface="Arial"/>
-              <a:buNone/>
-            </a:pPr>
-            <a:r>
-              <a:rPr lang="en-US" sz="1600" b="0" i="0" u="none" strike="noStrike" cap="none" dirty="0">
+              <a:t>[1</a:t>
+            </a:r>
+            <a:r>
+              <a:rPr lang="en-US" sz="1400" dirty="0">
                 <a:solidFill>
                   <a:schemeClr val="dk1"/>
                 </a:solidFill>
                 <a:latin typeface="Arial"/>
-                <a:ea typeface="Arial"/>
                 <a:cs typeface="Arial"/>
                 <a:sym typeface="Arial"/>
               </a:rPr>
-              <a:t>1...1</a:t>
-            </a:r>
-            <a:endParaRPr sz="2000" b="0" i="0" u="none" strike="noStrike" cap="none" dirty="0">
+              <a:t>...1]</a:t>
+            </a:r>
+            <a:endParaRPr sz="1400" dirty="0">
               <a:solidFill>
-                <a:srgbClr val="000000"/>
+                <a:schemeClr val="dk1"/>
               </a:solidFill>
               <a:latin typeface="Arial"/>
-              <a:ea typeface="Arial"/>
               <a:cs typeface="Arial"/>
               <a:sym typeface="Arial"/>
             </a:endParaRPr>
@@ -13392,7 +13626,7 @@
               <a:buNone/>
             </a:pPr>
             <a:r>
-              <a:rPr lang="en-US" sz="1600" b="0" i="0" u="none" strike="noStrike" cap="none" dirty="0">
+              <a:rPr lang="en-US" sz="1400" b="0" i="0" u="none" strike="noStrike" cap="none" dirty="0">
                 <a:solidFill>
                   <a:schemeClr val="dk1"/>
                 </a:solidFill>
@@ -13401,9 +13635,9 @@
                 <a:cs typeface="Arial"/>
                 <a:sym typeface="Arial"/>
               </a:rPr>
-              <a:t>*</a:t>
-            </a:r>
-            <a:endParaRPr sz="2000" b="0" i="0" u="none" strike="noStrike" cap="none" dirty="0">
+              <a:t>[0..*]</a:t>
+            </a:r>
+            <a:endParaRPr b="0" i="0" u="none" strike="noStrike" cap="none" dirty="0">
               <a:solidFill>
                 <a:srgbClr val="000000"/>
               </a:solidFill>
@@ -13464,23 +13698,21 @@
               <a:buNone/>
             </a:pPr>
             <a:r>
-              <a:rPr lang="en-US" sz="1600" b="0" i="0" u="none" strike="noStrike" cap="none" dirty="0">
+              <a:rPr lang="en-US" sz="1400" dirty="0">
                 <a:solidFill>
                   <a:schemeClr val="dk1"/>
                 </a:solidFill>
                 <a:latin typeface="Arial"/>
-                <a:ea typeface="Arial"/>
                 <a:cs typeface="Arial"/>
                 <a:sym typeface="Arial"/>
               </a:rPr>
-              <a:t>1...1</a:t>
-            </a:r>
-            <a:endParaRPr sz="2000" b="0" i="0" u="none" strike="noStrike" cap="none" dirty="0">
+              <a:t>[1...1]</a:t>
+            </a:r>
+            <a:endParaRPr sz="1400" dirty="0">
               <a:solidFill>
-                <a:srgbClr val="000000"/>
+                <a:schemeClr val="dk1"/>
               </a:solidFill>
               <a:latin typeface="Arial"/>
-              <a:ea typeface="Arial"/>
               <a:cs typeface="Arial"/>
               <a:sym typeface="Arial"/>
             </a:endParaRPr>
@@ -13504,9 +13736,9 @@
           <p:nvPr/>
         </p:nvCxnSpPr>
         <p:spPr>
-          <a:xfrm>
-            <a:off x="2355776" y="2576110"/>
-            <a:ext cx="907" cy="293892"/>
+          <a:xfrm flipH="1">
+            <a:off x="2356683" y="2420678"/>
+            <a:ext cx="2159" cy="449324"/>
           </a:xfrm>
           <a:prstGeom prst="straightConnector1">
             <a:avLst/>
@@ -13537,6 +13769,3997 @@
 </file>
 
 <file path=ppt/slides/slide5.xml><?xml version="1.0" encoding="utf-8"?>
+<p:sld xmlns:a="http://schemas.openxmlformats.org/drawingml/2006/main" xmlns:r="http://schemas.openxmlformats.org/officeDocument/2006/relationships" xmlns:p="http://schemas.openxmlformats.org/presentationml/2006/main">
+  <p:cSld>
+    <p:spTree>
+      <p:nvGrpSpPr>
+        <p:cNvPr id="1" name=""/>
+        <p:cNvGrpSpPr/>
+        <p:nvPr/>
+      </p:nvGrpSpPr>
+      <p:grpSpPr>
+        <a:xfrm>
+          <a:off x="0" y="0"/>
+          <a:ext cx="0" cy="0"/>
+          <a:chOff x="0" y="0"/>
+          <a:chExt cx="0" cy="0"/>
+        </a:xfrm>
+      </p:grpSpPr>
+      <p:sp>
+        <p:nvSpPr>
+          <p:cNvPr id="3" name="Rechteck 2">
+            <a:extLst>
+              <a:ext uri="{FF2B5EF4-FFF2-40B4-BE49-F238E27FC236}">
+                <a16:creationId xmlns:a16="http://schemas.microsoft.com/office/drawing/2014/main" id="{86B32E27-A95F-4F45-B199-5BA2CAED227B}"/>
+              </a:ext>
+            </a:extLst>
+          </p:cNvPr>
+          <p:cNvSpPr/>
+          <p:nvPr/>
+        </p:nvSpPr>
+        <p:spPr>
+          <a:xfrm>
+            <a:off x="4461783" y="804910"/>
+            <a:ext cx="2484000" cy="396000"/>
+          </a:xfrm>
+          <a:prstGeom prst="rect">
+            <a:avLst/>
+          </a:prstGeom>
+          <a:noFill/>
+          <a:ln w="9525" cap="flat" cmpd="sng" algn="ctr">
+            <a:solidFill>
+              <a:schemeClr val="dk1"/>
+            </a:solidFill>
+            <a:prstDash val="solid"/>
+            <a:round/>
+            <a:headEnd type="none" w="med" len="med"/>
+            <a:tailEnd type="arrow" w="med" len="med"/>
+          </a:ln>
+        </p:spPr>
+        <p:style>
+          <a:lnRef idx="0">
+            <a:scrgbClr r="0" g="0" b="0"/>
+          </a:lnRef>
+          <a:fillRef idx="0">
+            <a:scrgbClr r="0" g="0" b="0"/>
+          </a:fillRef>
+          <a:effectRef idx="0">
+            <a:scrgbClr r="0" g="0" b="0"/>
+          </a:effectRef>
+          <a:fontRef idx="minor">
+            <a:schemeClr val="dk1"/>
+          </a:fontRef>
+        </p:style>
+        <p:txBody>
+          <a:bodyPr rtlCol="0" anchor="ctr"/>
+          <a:lstStyle/>
+          <a:p>
+            <a:pPr algn="ctr"/>
+            <a:r>
+              <a:rPr lang="de-AT" b="1" dirty="0" err="1">
+                <a:latin typeface="Arial" panose="020B0604020202020204" pitchFamily="34" charset="0"/>
+                <a:cs typeface="Arial" panose="020B0604020202020204" pitchFamily="34" charset="0"/>
+              </a:rPr>
+              <a:t>GripperRobot</a:t>
+            </a:r>
+            <a:endParaRPr lang="de-AT" sz="2000" b="1" dirty="0">
+              <a:latin typeface="Arial" panose="020B0604020202020204" pitchFamily="34" charset="0"/>
+              <a:cs typeface="Arial" panose="020B0604020202020204" pitchFamily="34" charset="0"/>
+            </a:endParaRPr>
+          </a:p>
+        </p:txBody>
+      </p:sp>
+      <p:sp>
+        <p:nvSpPr>
+          <p:cNvPr id="5" name="Rechteck 4">
+            <a:extLst>
+              <a:ext uri="{FF2B5EF4-FFF2-40B4-BE49-F238E27FC236}">
+                <a16:creationId xmlns:a16="http://schemas.microsoft.com/office/drawing/2014/main" id="{D5FF2BBF-6AD1-481E-81EE-340C773B62B9}"/>
+              </a:ext>
+            </a:extLst>
+          </p:cNvPr>
+          <p:cNvSpPr/>
+          <p:nvPr/>
+        </p:nvSpPr>
+        <p:spPr>
+          <a:xfrm>
+            <a:off x="4461783" y="1198096"/>
+            <a:ext cx="2484000" cy="893079"/>
+          </a:xfrm>
+          <a:prstGeom prst="rect">
+            <a:avLst/>
+          </a:prstGeom>
+          <a:noFill/>
+          <a:ln w="9525" cap="flat" cmpd="sng" algn="ctr">
+            <a:solidFill>
+              <a:schemeClr val="dk1"/>
+            </a:solidFill>
+            <a:prstDash val="solid"/>
+            <a:round/>
+            <a:headEnd type="none" w="med" len="med"/>
+            <a:tailEnd type="arrow" w="med" len="med"/>
+          </a:ln>
+        </p:spPr>
+        <p:style>
+          <a:lnRef idx="0">
+            <a:scrgbClr r="0" g="0" b="0"/>
+          </a:lnRef>
+          <a:fillRef idx="0">
+            <a:scrgbClr r="0" g="0" b="0"/>
+          </a:fillRef>
+          <a:effectRef idx="0">
+            <a:scrgbClr r="0" g="0" b="0"/>
+          </a:effectRef>
+          <a:fontRef idx="minor">
+            <a:schemeClr val="dk1"/>
+          </a:fontRef>
+        </p:style>
+        <p:txBody>
+          <a:bodyPr rtlCol="0" anchor="ctr"/>
+          <a:lstStyle/>
+          <a:p>
+            <a:r>
+              <a:rPr lang="de-AT" dirty="0" err="1">
+                <a:latin typeface="Arial" panose="020B0604020202020204" pitchFamily="34" charset="0"/>
+                <a:cs typeface="Arial" panose="020B0604020202020204" pitchFamily="34" charset="0"/>
+              </a:rPr>
+              <a:t>Int</a:t>
+            </a:r>
+            <a:r>
+              <a:rPr lang="de-AT" dirty="0">
+                <a:latin typeface="Arial" panose="020B0604020202020204" pitchFamily="34" charset="0"/>
+                <a:cs typeface="Arial" panose="020B0604020202020204" pitchFamily="34" charset="0"/>
+              </a:rPr>
+              <a:t> </a:t>
+            </a:r>
+            <a:r>
+              <a:rPr lang="de-AT" dirty="0" err="1">
+                <a:latin typeface="Arial" panose="020B0604020202020204" pitchFamily="34" charset="0"/>
+                <a:cs typeface="Arial" panose="020B0604020202020204" pitchFamily="34" charset="0"/>
+              </a:rPr>
+              <a:t>xPosition</a:t>
+            </a:r>
+            <a:endParaRPr lang="de-AT" dirty="0">
+              <a:latin typeface="Arial" panose="020B0604020202020204" pitchFamily="34" charset="0"/>
+              <a:cs typeface="Arial" panose="020B0604020202020204" pitchFamily="34" charset="0"/>
+            </a:endParaRPr>
+          </a:p>
+          <a:p>
+            <a:r>
+              <a:rPr lang="de-AT" dirty="0" err="1">
+                <a:latin typeface="Arial" panose="020B0604020202020204" pitchFamily="34" charset="0"/>
+                <a:cs typeface="Arial" panose="020B0604020202020204" pitchFamily="34" charset="0"/>
+              </a:rPr>
+              <a:t>Int</a:t>
+            </a:r>
+            <a:r>
+              <a:rPr lang="de-AT" dirty="0">
+                <a:latin typeface="Arial" panose="020B0604020202020204" pitchFamily="34" charset="0"/>
+                <a:cs typeface="Arial" panose="020B0604020202020204" pitchFamily="34" charset="0"/>
+              </a:rPr>
+              <a:t> </a:t>
+            </a:r>
+            <a:r>
+              <a:rPr lang="de-AT" dirty="0" err="1">
+                <a:latin typeface="Arial" panose="020B0604020202020204" pitchFamily="34" charset="0"/>
+                <a:cs typeface="Arial" panose="020B0604020202020204" pitchFamily="34" charset="0"/>
+              </a:rPr>
+              <a:t>yPosition</a:t>
+            </a:r>
+            <a:endParaRPr lang="de-AT" dirty="0">
+              <a:latin typeface="Arial" panose="020B0604020202020204" pitchFamily="34" charset="0"/>
+              <a:cs typeface="Arial" panose="020B0604020202020204" pitchFamily="34" charset="0"/>
+            </a:endParaRPr>
+          </a:p>
+          <a:p>
+            <a:r>
+              <a:rPr lang="de-AT" dirty="0" err="1">
+                <a:latin typeface="Arial" panose="020B0604020202020204" pitchFamily="34" charset="0"/>
+                <a:cs typeface="Arial" panose="020B0604020202020204" pitchFamily="34" charset="0"/>
+              </a:rPr>
+              <a:t>Int</a:t>
+            </a:r>
+            <a:r>
+              <a:rPr lang="de-AT" dirty="0">
+                <a:latin typeface="Arial" panose="020B0604020202020204" pitchFamily="34" charset="0"/>
+                <a:cs typeface="Arial" panose="020B0604020202020204" pitchFamily="34" charset="0"/>
+              </a:rPr>
+              <a:t> </a:t>
+            </a:r>
+            <a:r>
+              <a:rPr lang="de-AT" dirty="0" err="1">
+                <a:latin typeface="Arial" panose="020B0604020202020204" pitchFamily="34" charset="0"/>
+                <a:cs typeface="Arial" panose="020B0604020202020204" pitchFamily="34" charset="0"/>
+              </a:rPr>
+              <a:t>zPosition</a:t>
+            </a:r>
+            <a:endParaRPr lang="de-AT" dirty="0">
+              <a:latin typeface="Arial" panose="020B0604020202020204" pitchFamily="34" charset="0"/>
+              <a:cs typeface="Arial" panose="020B0604020202020204" pitchFamily="34" charset="0"/>
+            </a:endParaRPr>
+          </a:p>
+        </p:txBody>
+      </p:sp>
+      <p:sp>
+        <p:nvSpPr>
+          <p:cNvPr id="6" name="Rechteck 5">
+            <a:extLst>
+              <a:ext uri="{FF2B5EF4-FFF2-40B4-BE49-F238E27FC236}">
+                <a16:creationId xmlns:a16="http://schemas.microsoft.com/office/drawing/2014/main" id="{5167C230-BCD2-4285-B2FF-4FCD2CDD3DFF}"/>
+              </a:ext>
+            </a:extLst>
+          </p:cNvPr>
+          <p:cNvSpPr/>
+          <p:nvPr/>
+        </p:nvSpPr>
+        <p:spPr>
+          <a:xfrm>
+            <a:off x="4461783" y="2091175"/>
+            <a:ext cx="2484000" cy="906025"/>
+          </a:xfrm>
+          <a:prstGeom prst="rect">
+            <a:avLst/>
+          </a:prstGeom>
+          <a:noFill/>
+          <a:ln w="9525" cap="flat" cmpd="sng" algn="ctr">
+            <a:solidFill>
+              <a:schemeClr val="dk1"/>
+            </a:solidFill>
+            <a:prstDash val="solid"/>
+            <a:round/>
+            <a:headEnd type="none" w="med" len="med"/>
+            <a:tailEnd type="arrow" w="med" len="med"/>
+          </a:ln>
+        </p:spPr>
+        <p:style>
+          <a:lnRef idx="0">
+            <a:scrgbClr r="0" g="0" b="0"/>
+          </a:lnRef>
+          <a:fillRef idx="0">
+            <a:scrgbClr r="0" g="0" b="0"/>
+          </a:fillRef>
+          <a:effectRef idx="0">
+            <a:scrgbClr r="0" g="0" b="0"/>
+          </a:effectRef>
+          <a:fontRef idx="minor">
+            <a:schemeClr val="dk1"/>
+          </a:fontRef>
+        </p:style>
+        <p:txBody>
+          <a:bodyPr rtlCol="0" anchor="ctr"/>
+          <a:lstStyle/>
+          <a:p>
+            <a:r>
+              <a:rPr lang="de-AT" dirty="0" err="1">
+                <a:latin typeface="Arial" panose="020B0604020202020204" pitchFamily="34" charset="0"/>
+                <a:cs typeface="Arial" panose="020B0604020202020204" pitchFamily="34" charset="0"/>
+              </a:rPr>
+              <a:t>Void</a:t>
+            </a:r>
+            <a:r>
+              <a:rPr lang="de-AT" dirty="0">
+                <a:latin typeface="Arial" panose="020B0604020202020204" pitchFamily="34" charset="0"/>
+                <a:cs typeface="Arial" panose="020B0604020202020204" pitchFamily="34" charset="0"/>
+              </a:rPr>
+              <a:t> </a:t>
+            </a:r>
+            <a:r>
+              <a:rPr lang="de-AT" dirty="0" err="1">
+                <a:latin typeface="Arial" panose="020B0604020202020204" pitchFamily="34" charset="0"/>
+                <a:cs typeface="Arial" panose="020B0604020202020204" pitchFamily="34" charset="0"/>
+              </a:rPr>
+              <a:t>moveX</a:t>
+            </a:r>
+            <a:r>
+              <a:rPr lang="de-AT" dirty="0">
+                <a:latin typeface="Arial" panose="020B0604020202020204" pitchFamily="34" charset="0"/>
+                <a:cs typeface="Arial" panose="020B0604020202020204" pitchFamily="34" charset="0"/>
+              </a:rPr>
+              <a:t>(</a:t>
+            </a:r>
+            <a:r>
+              <a:rPr lang="de-AT" dirty="0" err="1">
+                <a:latin typeface="Arial" panose="020B0604020202020204" pitchFamily="34" charset="0"/>
+                <a:cs typeface="Arial" panose="020B0604020202020204" pitchFamily="34" charset="0"/>
+              </a:rPr>
+              <a:t>int</a:t>
+            </a:r>
+            <a:r>
+              <a:rPr lang="de-AT" dirty="0">
+                <a:latin typeface="Arial" panose="020B0604020202020204" pitchFamily="34" charset="0"/>
+                <a:cs typeface="Arial" panose="020B0604020202020204" pitchFamily="34" charset="0"/>
+              </a:rPr>
+              <a:t> </a:t>
+            </a:r>
+            <a:r>
+              <a:rPr lang="de-AT" dirty="0" err="1">
+                <a:latin typeface="Arial" panose="020B0604020202020204" pitchFamily="34" charset="0"/>
+                <a:cs typeface="Arial" panose="020B0604020202020204" pitchFamily="34" charset="0"/>
+              </a:rPr>
+              <a:t>steps</a:t>
+            </a:r>
+            <a:r>
+              <a:rPr lang="de-AT" dirty="0">
+                <a:latin typeface="Arial" panose="020B0604020202020204" pitchFamily="34" charset="0"/>
+                <a:cs typeface="Arial" panose="020B0604020202020204" pitchFamily="34" charset="0"/>
+              </a:rPr>
+              <a:t>)</a:t>
+            </a:r>
+          </a:p>
+          <a:p>
+            <a:r>
+              <a:rPr lang="de-AT" dirty="0" err="1">
+                <a:latin typeface="Arial" panose="020B0604020202020204" pitchFamily="34" charset="0"/>
+                <a:cs typeface="Arial" panose="020B0604020202020204" pitchFamily="34" charset="0"/>
+              </a:rPr>
+              <a:t>Void</a:t>
+            </a:r>
+            <a:r>
+              <a:rPr lang="de-AT" dirty="0">
+                <a:latin typeface="Arial" panose="020B0604020202020204" pitchFamily="34" charset="0"/>
+                <a:cs typeface="Arial" panose="020B0604020202020204" pitchFamily="34" charset="0"/>
+              </a:rPr>
+              <a:t> </a:t>
+            </a:r>
+            <a:r>
+              <a:rPr lang="de-AT" dirty="0" err="1">
+                <a:latin typeface="Arial" panose="020B0604020202020204" pitchFamily="34" charset="0"/>
+                <a:cs typeface="Arial" panose="020B0604020202020204" pitchFamily="34" charset="0"/>
+              </a:rPr>
+              <a:t>moveÝ</a:t>
+            </a:r>
+            <a:r>
+              <a:rPr lang="de-AT" dirty="0">
+                <a:latin typeface="Arial" panose="020B0604020202020204" pitchFamily="34" charset="0"/>
+                <a:cs typeface="Arial" panose="020B0604020202020204" pitchFamily="34" charset="0"/>
+              </a:rPr>
+              <a:t>(</a:t>
+            </a:r>
+            <a:r>
+              <a:rPr lang="de-AT" dirty="0" err="1">
+                <a:latin typeface="Arial" panose="020B0604020202020204" pitchFamily="34" charset="0"/>
+                <a:cs typeface="Arial" panose="020B0604020202020204" pitchFamily="34" charset="0"/>
+              </a:rPr>
+              <a:t>int</a:t>
+            </a:r>
+            <a:r>
+              <a:rPr lang="de-AT" dirty="0">
+                <a:latin typeface="Arial" panose="020B0604020202020204" pitchFamily="34" charset="0"/>
+                <a:cs typeface="Arial" panose="020B0604020202020204" pitchFamily="34" charset="0"/>
+              </a:rPr>
+              <a:t> </a:t>
+            </a:r>
+            <a:r>
+              <a:rPr lang="de-AT" dirty="0" err="1">
+                <a:latin typeface="Arial" panose="020B0604020202020204" pitchFamily="34" charset="0"/>
+                <a:cs typeface="Arial" panose="020B0604020202020204" pitchFamily="34" charset="0"/>
+              </a:rPr>
+              <a:t>steps</a:t>
+            </a:r>
+            <a:r>
+              <a:rPr lang="de-AT" dirty="0">
+                <a:latin typeface="Arial" panose="020B0604020202020204" pitchFamily="34" charset="0"/>
+                <a:cs typeface="Arial" panose="020B0604020202020204" pitchFamily="34" charset="0"/>
+              </a:rPr>
+              <a:t>)</a:t>
+            </a:r>
+          </a:p>
+          <a:p>
+            <a:r>
+              <a:rPr lang="de-AT" dirty="0" err="1">
+                <a:latin typeface="Arial" panose="020B0604020202020204" pitchFamily="34" charset="0"/>
+                <a:cs typeface="Arial" panose="020B0604020202020204" pitchFamily="34" charset="0"/>
+              </a:rPr>
+              <a:t>Void</a:t>
+            </a:r>
+            <a:r>
+              <a:rPr lang="de-AT" dirty="0">
+                <a:latin typeface="Arial" panose="020B0604020202020204" pitchFamily="34" charset="0"/>
+                <a:cs typeface="Arial" panose="020B0604020202020204" pitchFamily="34" charset="0"/>
+              </a:rPr>
+              <a:t> </a:t>
+            </a:r>
+            <a:r>
+              <a:rPr lang="de-AT" dirty="0" err="1">
+                <a:latin typeface="Arial" panose="020B0604020202020204" pitchFamily="34" charset="0"/>
+                <a:cs typeface="Arial" panose="020B0604020202020204" pitchFamily="34" charset="0"/>
+              </a:rPr>
+              <a:t>moveZ</a:t>
+            </a:r>
+            <a:r>
+              <a:rPr lang="de-AT" dirty="0">
+                <a:latin typeface="Arial" panose="020B0604020202020204" pitchFamily="34" charset="0"/>
+                <a:cs typeface="Arial" panose="020B0604020202020204" pitchFamily="34" charset="0"/>
+              </a:rPr>
+              <a:t>(</a:t>
+            </a:r>
+            <a:r>
+              <a:rPr lang="de-AT" dirty="0" err="1">
+                <a:latin typeface="Arial" panose="020B0604020202020204" pitchFamily="34" charset="0"/>
+                <a:cs typeface="Arial" panose="020B0604020202020204" pitchFamily="34" charset="0"/>
+              </a:rPr>
+              <a:t>int</a:t>
+            </a:r>
+            <a:r>
+              <a:rPr lang="de-AT" dirty="0">
+                <a:latin typeface="Arial" panose="020B0604020202020204" pitchFamily="34" charset="0"/>
+                <a:cs typeface="Arial" panose="020B0604020202020204" pitchFamily="34" charset="0"/>
+              </a:rPr>
+              <a:t> </a:t>
+            </a:r>
+            <a:r>
+              <a:rPr lang="de-AT" dirty="0" err="1">
+                <a:latin typeface="Arial" panose="020B0604020202020204" pitchFamily="34" charset="0"/>
+                <a:cs typeface="Arial" panose="020B0604020202020204" pitchFamily="34" charset="0"/>
+              </a:rPr>
+              <a:t>steps</a:t>
+            </a:r>
+            <a:r>
+              <a:rPr lang="de-AT" dirty="0">
+                <a:latin typeface="Arial" panose="020B0604020202020204" pitchFamily="34" charset="0"/>
+                <a:cs typeface="Arial" panose="020B0604020202020204" pitchFamily="34" charset="0"/>
+              </a:rPr>
+              <a:t>)</a:t>
+            </a:r>
+          </a:p>
+        </p:txBody>
+      </p:sp>
+      <p:sp>
+        <p:nvSpPr>
+          <p:cNvPr id="7" name="Rechteck 6">
+            <a:extLst>
+              <a:ext uri="{FF2B5EF4-FFF2-40B4-BE49-F238E27FC236}">
+                <a16:creationId xmlns:a16="http://schemas.microsoft.com/office/drawing/2014/main" id="{C9D996D4-29E9-4AFB-8872-5F44D637CEB6}"/>
+              </a:ext>
+            </a:extLst>
+          </p:cNvPr>
+          <p:cNvSpPr/>
+          <p:nvPr/>
+        </p:nvSpPr>
+        <p:spPr>
+          <a:xfrm>
+            <a:off x="1680483" y="3662801"/>
+            <a:ext cx="3652298" cy="396000"/>
+          </a:xfrm>
+          <a:prstGeom prst="rect">
+            <a:avLst/>
+          </a:prstGeom>
+          <a:noFill/>
+          <a:ln w="9525" cap="flat" cmpd="sng" algn="ctr">
+            <a:solidFill>
+              <a:schemeClr val="dk1"/>
+            </a:solidFill>
+            <a:prstDash val="solid"/>
+            <a:round/>
+            <a:headEnd type="none" w="med" len="med"/>
+            <a:tailEnd type="arrow" w="med" len="med"/>
+          </a:ln>
+        </p:spPr>
+        <p:style>
+          <a:lnRef idx="0">
+            <a:scrgbClr r="0" g="0" b="0"/>
+          </a:lnRef>
+          <a:fillRef idx="0">
+            <a:scrgbClr r="0" g="0" b="0"/>
+          </a:fillRef>
+          <a:effectRef idx="0">
+            <a:scrgbClr r="0" g="0" b="0"/>
+          </a:effectRef>
+          <a:fontRef idx="minor">
+            <a:schemeClr val="dk1"/>
+          </a:fontRef>
+        </p:style>
+        <p:txBody>
+          <a:bodyPr rtlCol="0" anchor="ctr"/>
+          <a:lstStyle/>
+          <a:p>
+            <a:pPr algn="ctr"/>
+            <a:r>
+              <a:rPr lang="de-AT" b="1" dirty="0" err="1">
+                <a:latin typeface="Arial" panose="020B0604020202020204" pitchFamily="34" charset="0"/>
+                <a:cs typeface="Arial" panose="020B0604020202020204" pitchFamily="34" charset="0"/>
+              </a:rPr>
+              <a:t>Conveyor</a:t>
+            </a:r>
+            <a:endParaRPr lang="de-AT" sz="2000" b="1" dirty="0">
+              <a:latin typeface="Arial" panose="020B0604020202020204" pitchFamily="34" charset="0"/>
+              <a:cs typeface="Arial" panose="020B0604020202020204" pitchFamily="34" charset="0"/>
+            </a:endParaRPr>
+          </a:p>
+        </p:txBody>
+      </p:sp>
+      <p:sp>
+        <p:nvSpPr>
+          <p:cNvPr id="8" name="Rechteck 7">
+            <a:extLst>
+              <a:ext uri="{FF2B5EF4-FFF2-40B4-BE49-F238E27FC236}">
+                <a16:creationId xmlns:a16="http://schemas.microsoft.com/office/drawing/2014/main" id="{DE92F398-0017-4C45-9EFB-4243333FEAFE}"/>
+              </a:ext>
+            </a:extLst>
+          </p:cNvPr>
+          <p:cNvSpPr/>
+          <p:nvPr/>
+        </p:nvSpPr>
+        <p:spPr>
+          <a:xfrm>
+            <a:off x="1680482" y="4055987"/>
+            <a:ext cx="3652299" cy="893079"/>
+          </a:xfrm>
+          <a:prstGeom prst="rect">
+            <a:avLst/>
+          </a:prstGeom>
+          <a:noFill/>
+          <a:ln w="9525" cap="flat" cmpd="sng" algn="ctr">
+            <a:solidFill>
+              <a:schemeClr val="dk1"/>
+            </a:solidFill>
+            <a:prstDash val="solid"/>
+            <a:round/>
+            <a:headEnd type="none" w="med" len="med"/>
+            <a:tailEnd type="arrow" w="med" len="med"/>
+          </a:ln>
+        </p:spPr>
+        <p:style>
+          <a:lnRef idx="0">
+            <a:scrgbClr r="0" g="0" b="0"/>
+          </a:lnRef>
+          <a:fillRef idx="0">
+            <a:scrgbClr r="0" g="0" b="0"/>
+          </a:fillRef>
+          <a:effectRef idx="0">
+            <a:scrgbClr r="0" g="0" b="0"/>
+          </a:effectRef>
+          <a:fontRef idx="minor">
+            <a:schemeClr val="dk1"/>
+          </a:fontRef>
+        </p:style>
+        <p:txBody>
+          <a:bodyPr rtlCol="0" anchor="ctr"/>
+          <a:lstStyle/>
+          <a:p>
+            <a:r>
+              <a:rPr lang="de-AT" dirty="0">
+                <a:latin typeface="Arial" panose="020B0604020202020204" pitchFamily="34" charset="0"/>
+                <a:cs typeface="Arial" panose="020B0604020202020204" pitchFamily="34" charset="0"/>
+              </a:rPr>
+              <a:t>Boolean </a:t>
+            </a:r>
+            <a:r>
+              <a:rPr lang="de-AT" dirty="0" err="1">
+                <a:latin typeface="Arial" panose="020B0604020202020204" pitchFamily="34" charset="0"/>
+                <a:cs typeface="Arial" panose="020B0604020202020204" pitchFamily="34" charset="0"/>
+              </a:rPr>
+              <a:t>isOn</a:t>
+            </a:r>
+            <a:endParaRPr lang="de-AT" dirty="0">
+              <a:latin typeface="Arial" panose="020B0604020202020204" pitchFamily="34" charset="0"/>
+              <a:cs typeface="Arial" panose="020B0604020202020204" pitchFamily="34" charset="0"/>
+            </a:endParaRPr>
+          </a:p>
+          <a:p>
+            <a:r>
+              <a:rPr lang="de-AT" dirty="0" err="1">
+                <a:latin typeface="Arial" panose="020B0604020202020204" pitchFamily="34" charset="0"/>
+                <a:cs typeface="Arial" panose="020B0604020202020204" pitchFamily="34" charset="0"/>
+              </a:rPr>
+              <a:t>Int</a:t>
+            </a:r>
+            <a:r>
+              <a:rPr lang="de-AT" dirty="0">
+                <a:latin typeface="Arial" panose="020B0604020202020204" pitchFamily="34" charset="0"/>
+                <a:cs typeface="Arial" panose="020B0604020202020204" pitchFamily="34" charset="0"/>
+              </a:rPr>
+              <a:t> </a:t>
+            </a:r>
+            <a:r>
+              <a:rPr lang="de-AT" dirty="0" err="1">
+                <a:latin typeface="Arial" panose="020B0604020202020204" pitchFamily="34" charset="0"/>
+                <a:cs typeface="Arial" panose="020B0604020202020204" pitchFamily="34" charset="0"/>
+              </a:rPr>
+              <a:t>speed</a:t>
+            </a:r>
+            <a:endParaRPr lang="de-AT" dirty="0">
+              <a:latin typeface="Arial" panose="020B0604020202020204" pitchFamily="34" charset="0"/>
+              <a:cs typeface="Arial" panose="020B0604020202020204" pitchFamily="34" charset="0"/>
+            </a:endParaRPr>
+          </a:p>
+        </p:txBody>
+      </p:sp>
+      <p:sp>
+        <p:nvSpPr>
+          <p:cNvPr id="9" name="Rechteck 8">
+            <a:extLst>
+              <a:ext uri="{FF2B5EF4-FFF2-40B4-BE49-F238E27FC236}">
+                <a16:creationId xmlns:a16="http://schemas.microsoft.com/office/drawing/2014/main" id="{2622F68B-218C-4D54-B334-2DD9584372F3}"/>
+              </a:ext>
+            </a:extLst>
+          </p:cNvPr>
+          <p:cNvSpPr/>
+          <p:nvPr/>
+        </p:nvSpPr>
+        <p:spPr>
+          <a:xfrm>
+            <a:off x="1680481" y="4949066"/>
+            <a:ext cx="3652301" cy="906025"/>
+          </a:xfrm>
+          <a:prstGeom prst="rect">
+            <a:avLst/>
+          </a:prstGeom>
+          <a:noFill/>
+          <a:ln w="9525" cap="flat" cmpd="sng" algn="ctr">
+            <a:solidFill>
+              <a:schemeClr val="dk1"/>
+            </a:solidFill>
+            <a:prstDash val="solid"/>
+            <a:round/>
+            <a:headEnd type="none" w="med" len="med"/>
+            <a:tailEnd type="arrow" w="med" len="med"/>
+          </a:ln>
+        </p:spPr>
+        <p:style>
+          <a:lnRef idx="0">
+            <a:scrgbClr r="0" g="0" b="0"/>
+          </a:lnRef>
+          <a:fillRef idx="0">
+            <a:scrgbClr r="0" g="0" b="0"/>
+          </a:fillRef>
+          <a:effectRef idx="0">
+            <a:scrgbClr r="0" g="0" b="0"/>
+          </a:effectRef>
+          <a:fontRef idx="minor">
+            <a:schemeClr val="dk1"/>
+          </a:fontRef>
+        </p:style>
+        <p:txBody>
+          <a:bodyPr rtlCol="0" anchor="ctr"/>
+          <a:lstStyle/>
+          <a:p>
+            <a:r>
+              <a:rPr lang="de-AT" dirty="0">
+                <a:latin typeface="Arial" panose="020B0604020202020204" pitchFamily="34" charset="0"/>
+                <a:cs typeface="Arial" panose="020B0604020202020204" pitchFamily="34" charset="0"/>
+              </a:rPr>
+              <a:t>Boolean </a:t>
+            </a:r>
+            <a:r>
+              <a:rPr lang="de-AT" dirty="0" err="1">
+                <a:latin typeface="Arial" panose="020B0604020202020204" pitchFamily="34" charset="0"/>
+                <a:cs typeface="Arial" panose="020B0604020202020204" pitchFamily="34" charset="0"/>
+              </a:rPr>
+              <a:t>turnOn</a:t>
+            </a:r>
+            <a:r>
+              <a:rPr lang="de-AT" dirty="0">
+                <a:latin typeface="Arial" panose="020B0604020202020204" pitchFamily="34" charset="0"/>
+                <a:cs typeface="Arial" panose="020B0604020202020204" pitchFamily="34" charset="0"/>
+              </a:rPr>
+              <a:t>()</a:t>
+            </a:r>
+          </a:p>
+          <a:p>
+            <a:r>
+              <a:rPr lang="de-AT" dirty="0">
+                <a:latin typeface="Arial" panose="020B0604020202020204" pitchFamily="34" charset="0"/>
+                <a:cs typeface="Arial" panose="020B0604020202020204" pitchFamily="34" charset="0"/>
+              </a:rPr>
+              <a:t>Boolean </a:t>
+            </a:r>
+            <a:r>
+              <a:rPr lang="de-AT" dirty="0" err="1">
+                <a:latin typeface="Arial" panose="020B0604020202020204" pitchFamily="34" charset="0"/>
+                <a:cs typeface="Arial" panose="020B0604020202020204" pitchFamily="34" charset="0"/>
+              </a:rPr>
+              <a:t>turnOff</a:t>
+            </a:r>
+            <a:r>
+              <a:rPr lang="de-AT" dirty="0">
+                <a:latin typeface="Arial" panose="020B0604020202020204" pitchFamily="34" charset="0"/>
+                <a:cs typeface="Arial" panose="020B0604020202020204" pitchFamily="34" charset="0"/>
+              </a:rPr>
+              <a:t>()</a:t>
+            </a:r>
+          </a:p>
+          <a:p>
+            <a:r>
+              <a:rPr lang="de-AT" dirty="0" err="1">
+                <a:latin typeface="Arial" panose="020B0604020202020204" pitchFamily="34" charset="0"/>
+                <a:cs typeface="Arial" panose="020B0604020202020204" pitchFamily="34" charset="0"/>
+              </a:rPr>
+              <a:t>Void</a:t>
+            </a:r>
+            <a:r>
+              <a:rPr lang="de-AT" dirty="0">
+                <a:latin typeface="Arial" panose="020B0604020202020204" pitchFamily="34" charset="0"/>
+                <a:cs typeface="Arial" panose="020B0604020202020204" pitchFamily="34" charset="0"/>
+              </a:rPr>
+              <a:t> </a:t>
+            </a:r>
+            <a:r>
+              <a:rPr lang="de-AT" dirty="0" err="1">
+                <a:latin typeface="Arial" panose="020B0604020202020204" pitchFamily="34" charset="0"/>
+                <a:cs typeface="Arial" panose="020B0604020202020204" pitchFamily="34" charset="0"/>
+              </a:rPr>
+              <a:t>setDesiredSpeed</a:t>
+            </a:r>
+            <a:r>
+              <a:rPr lang="de-AT" dirty="0">
+                <a:latin typeface="Arial" panose="020B0604020202020204" pitchFamily="34" charset="0"/>
+                <a:cs typeface="Arial" panose="020B0604020202020204" pitchFamily="34" charset="0"/>
+              </a:rPr>
+              <a:t>(</a:t>
+            </a:r>
+            <a:r>
+              <a:rPr lang="de-AT" dirty="0" err="1">
+                <a:latin typeface="Arial" panose="020B0604020202020204" pitchFamily="34" charset="0"/>
+                <a:cs typeface="Arial" panose="020B0604020202020204" pitchFamily="34" charset="0"/>
+              </a:rPr>
+              <a:t>int</a:t>
+            </a:r>
+            <a:r>
+              <a:rPr lang="de-AT" dirty="0">
+                <a:latin typeface="Arial" panose="020B0604020202020204" pitchFamily="34" charset="0"/>
+                <a:cs typeface="Arial" panose="020B0604020202020204" pitchFamily="34" charset="0"/>
+              </a:rPr>
+              <a:t> </a:t>
+            </a:r>
+            <a:r>
+              <a:rPr lang="de-AT" dirty="0" err="1">
+                <a:latin typeface="Arial" panose="020B0604020202020204" pitchFamily="34" charset="0"/>
+                <a:cs typeface="Arial" panose="020B0604020202020204" pitchFamily="34" charset="0"/>
+              </a:rPr>
+              <a:t>speed</a:t>
+            </a:r>
+            <a:r>
+              <a:rPr lang="de-AT" dirty="0">
+                <a:latin typeface="Arial" panose="020B0604020202020204" pitchFamily="34" charset="0"/>
+                <a:cs typeface="Arial" panose="020B0604020202020204" pitchFamily="34" charset="0"/>
+              </a:rPr>
+              <a:t>)</a:t>
+            </a:r>
+          </a:p>
+        </p:txBody>
+      </p:sp>
+      <p:sp>
+        <p:nvSpPr>
+          <p:cNvPr id="10" name="Rechteck 9">
+            <a:extLst>
+              <a:ext uri="{FF2B5EF4-FFF2-40B4-BE49-F238E27FC236}">
+                <a16:creationId xmlns:a16="http://schemas.microsoft.com/office/drawing/2014/main" id="{BBC1ABAE-4E00-4D18-B525-43D32372F32A}"/>
+              </a:ext>
+            </a:extLst>
+          </p:cNvPr>
+          <p:cNvSpPr/>
+          <p:nvPr/>
+        </p:nvSpPr>
+        <p:spPr>
+          <a:xfrm>
+            <a:off x="7158931" y="3532987"/>
+            <a:ext cx="2268000" cy="396000"/>
+          </a:xfrm>
+          <a:prstGeom prst="rect">
+            <a:avLst/>
+          </a:prstGeom>
+          <a:noFill/>
+          <a:ln w="9525" cap="flat" cmpd="sng" algn="ctr">
+            <a:solidFill>
+              <a:schemeClr val="dk1"/>
+            </a:solidFill>
+            <a:prstDash val="solid"/>
+            <a:round/>
+            <a:headEnd type="none" w="med" len="med"/>
+            <a:tailEnd type="arrow" w="med" len="med"/>
+          </a:ln>
+        </p:spPr>
+        <p:style>
+          <a:lnRef idx="0">
+            <a:scrgbClr r="0" g="0" b="0"/>
+          </a:lnRef>
+          <a:fillRef idx="0">
+            <a:scrgbClr r="0" g="0" b="0"/>
+          </a:fillRef>
+          <a:effectRef idx="0">
+            <a:scrgbClr r="0" g="0" b="0"/>
+          </a:effectRef>
+          <a:fontRef idx="minor">
+            <a:schemeClr val="dk1"/>
+          </a:fontRef>
+        </p:style>
+        <p:txBody>
+          <a:bodyPr rtlCol="0" anchor="ctr"/>
+          <a:lstStyle/>
+          <a:p>
+            <a:pPr algn="ctr"/>
+            <a:r>
+              <a:rPr lang="de-AT" b="1" dirty="0">
+                <a:latin typeface="Arial" panose="020B0604020202020204" pitchFamily="34" charset="0"/>
+                <a:cs typeface="Arial" panose="020B0604020202020204" pitchFamily="34" charset="0"/>
+              </a:rPr>
+              <a:t>Item</a:t>
+            </a:r>
+            <a:endParaRPr lang="de-AT" sz="2000" b="1" dirty="0">
+              <a:latin typeface="Arial" panose="020B0604020202020204" pitchFamily="34" charset="0"/>
+              <a:cs typeface="Arial" panose="020B0604020202020204" pitchFamily="34" charset="0"/>
+            </a:endParaRPr>
+          </a:p>
+        </p:txBody>
+      </p:sp>
+      <p:sp>
+        <p:nvSpPr>
+          <p:cNvPr id="11" name="Rechteck 10">
+            <a:extLst>
+              <a:ext uri="{FF2B5EF4-FFF2-40B4-BE49-F238E27FC236}">
+                <a16:creationId xmlns:a16="http://schemas.microsoft.com/office/drawing/2014/main" id="{00738868-C64D-4960-80AB-D7C7DCEE9611}"/>
+              </a:ext>
+            </a:extLst>
+          </p:cNvPr>
+          <p:cNvSpPr/>
+          <p:nvPr/>
+        </p:nvSpPr>
+        <p:spPr>
+          <a:xfrm>
+            <a:off x="7158931" y="3926173"/>
+            <a:ext cx="2268000" cy="1160191"/>
+          </a:xfrm>
+          <a:prstGeom prst="rect">
+            <a:avLst/>
+          </a:prstGeom>
+          <a:noFill/>
+          <a:ln w="9525" cap="flat" cmpd="sng" algn="ctr">
+            <a:solidFill>
+              <a:schemeClr val="dk1"/>
+            </a:solidFill>
+            <a:prstDash val="solid"/>
+            <a:round/>
+            <a:headEnd type="none" w="med" len="med"/>
+            <a:tailEnd type="arrow" w="med" len="med"/>
+          </a:ln>
+        </p:spPr>
+        <p:style>
+          <a:lnRef idx="0">
+            <a:scrgbClr r="0" g="0" b="0"/>
+          </a:lnRef>
+          <a:fillRef idx="0">
+            <a:scrgbClr r="0" g="0" b="0"/>
+          </a:fillRef>
+          <a:effectRef idx="0">
+            <a:scrgbClr r="0" g="0" b="0"/>
+          </a:effectRef>
+          <a:fontRef idx="minor">
+            <a:schemeClr val="dk1"/>
+          </a:fontRef>
+        </p:style>
+        <p:txBody>
+          <a:bodyPr rtlCol="0" anchor="ctr"/>
+          <a:lstStyle/>
+          <a:p>
+            <a:r>
+              <a:rPr lang="de-AT" dirty="0" err="1">
+                <a:latin typeface="Arial" panose="020B0604020202020204" pitchFamily="34" charset="0"/>
+                <a:cs typeface="Arial" panose="020B0604020202020204" pitchFamily="34" charset="0"/>
+              </a:rPr>
+              <a:t>Int</a:t>
+            </a:r>
+            <a:r>
+              <a:rPr lang="de-AT" dirty="0">
+                <a:latin typeface="Arial" panose="020B0604020202020204" pitchFamily="34" charset="0"/>
+                <a:cs typeface="Arial" panose="020B0604020202020204" pitchFamily="34" charset="0"/>
+              </a:rPr>
+              <a:t> </a:t>
+            </a:r>
+            <a:r>
+              <a:rPr lang="de-AT" dirty="0" err="1">
+                <a:latin typeface="Arial" panose="020B0604020202020204" pitchFamily="34" charset="0"/>
+                <a:cs typeface="Arial" panose="020B0604020202020204" pitchFamily="34" charset="0"/>
+              </a:rPr>
+              <a:t>weight</a:t>
+            </a:r>
+            <a:endParaRPr lang="de-AT" dirty="0">
+              <a:latin typeface="Arial" panose="020B0604020202020204" pitchFamily="34" charset="0"/>
+              <a:cs typeface="Arial" panose="020B0604020202020204" pitchFamily="34" charset="0"/>
+            </a:endParaRPr>
+          </a:p>
+          <a:p>
+            <a:r>
+              <a:rPr lang="de-AT" dirty="0" err="1">
+                <a:latin typeface="Arial" panose="020B0604020202020204" pitchFamily="34" charset="0"/>
+                <a:cs typeface="Arial" panose="020B0604020202020204" pitchFamily="34" charset="0"/>
+              </a:rPr>
+              <a:t>Int</a:t>
+            </a:r>
+            <a:r>
+              <a:rPr lang="de-AT" dirty="0">
+                <a:latin typeface="Arial" panose="020B0604020202020204" pitchFamily="34" charset="0"/>
+                <a:cs typeface="Arial" panose="020B0604020202020204" pitchFamily="34" charset="0"/>
+              </a:rPr>
+              <a:t> </a:t>
+            </a:r>
+            <a:r>
+              <a:rPr lang="de-AT" dirty="0" err="1">
+                <a:latin typeface="Arial" panose="020B0604020202020204" pitchFamily="34" charset="0"/>
+                <a:cs typeface="Arial" panose="020B0604020202020204" pitchFamily="34" charset="0"/>
+              </a:rPr>
+              <a:t>xSize</a:t>
+            </a:r>
+            <a:endParaRPr lang="de-AT" dirty="0">
+              <a:latin typeface="Arial" panose="020B0604020202020204" pitchFamily="34" charset="0"/>
+              <a:cs typeface="Arial" panose="020B0604020202020204" pitchFamily="34" charset="0"/>
+            </a:endParaRPr>
+          </a:p>
+          <a:p>
+            <a:r>
+              <a:rPr lang="de-AT" dirty="0" err="1">
+                <a:latin typeface="Arial" panose="020B0604020202020204" pitchFamily="34" charset="0"/>
+                <a:cs typeface="Arial" panose="020B0604020202020204" pitchFamily="34" charset="0"/>
+              </a:rPr>
+              <a:t>Int</a:t>
+            </a:r>
+            <a:r>
+              <a:rPr lang="de-AT" dirty="0">
+                <a:latin typeface="Arial" panose="020B0604020202020204" pitchFamily="34" charset="0"/>
+                <a:cs typeface="Arial" panose="020B0604020202020204" pitchFamily="34" charset="0"/>
+              </a:rPr>
+              <a:t> </a:t>
+            </a:r>
+            <a:r>
+              <a:rPr lang="de-AT" dirty="0" err="1">
+                <a:latin typeface="Arial" panose="020B0604020202020204" pitchFamily="34" charset="0"/>
+                <a:cs typeface="Arial" panose="020B0604020202020204" pitchFamily="34" charset="0"/>
+              </a:rPr>
+              <a:t>ySize</a:t>
+            </a:r>
+            <a:endParaRPr lang="de-AT" dirty="0">
+              <a:latin typeface="Arial" panose="020B0604020202020204" pitchFamily="34" charset="0"/>
+              <a:cs typeface="Arial" panose="020B0604020202020204" pitchFamily="34" charset="0"/>
+            </a:endParaRPr>
+          </a:p>
+          <a:p>
+            <a:r>
+              <a:rPr lang="de-AT" dirty="0" err="1">
+                <a:latin typeface="Arial" panose="020B0604020202020204" pitchFamily="34" charset="0"/>
+                <a:cs typeface="Arial" panose="020B0604020202020204" pitchFamily="34" charset="0"/>
+              </a:rPr>
+              <a:t>Int</a:t>
+            </a:r>
+            <a:r>
+              <a:rPr lang="de-AT" dirty="0">
+                <a:latin typeface="Arial" panose="020B0604020202020204" pitchFamily="34" charset="0"/>
+                <a:cs typeface="Arial" panose="020B0604020202020204" pitchFamily="34" charset="0"/>
+              </a:rPr>
+              <a:t> </a:t>
+            </a:r>
+            <a:r>
+              <a:rPr lang="de-AT" dirty="0" err="1">
+                <a:latin typeface="Arial" panose="020B0604020202020204" pitchFamily="34" charset="0"/>
+                <a:cs typeface="Arial" panose="020B0604020202020204" pitchFamily="34" charset="0"/>
+              </a:rPr>
+              <a:t>zSize</a:t>
+            </a:r>
+            <a:endParaRPr lang="de-AT" dirty="0">
+              <a:latin typeface="Arial" panose="020B0604020202020204" pitchFamily="34" charset="0"/>
+              <a:cs typeface="Arial" panose="020B0604020202020204" pitchFamily="34" charset="0"/>
+            </a:endParaRPr>
+          </a:p>
+        </p:txBody>
+      </p:sp>
+      <p:cxnSp>
+        <p:nvCxnSpPr>
+          <p:cNvPr id="13" name="Verbinder: gewinkelt 98">
+            <a:extLst>
+              <a:ext uri="{FF2B5EF4-FFF2-40B4-BE49-F238E27FC236}">
+                <a16:creationId xmlns:a16="http://schemas.microsoft.com/office/drawing/2014/main" id="{6271F736-EE5E-4675-A7CD-73B09BD744EF}"/>
+              </a:ext>
+            </a:extLst>
+          </p:cNvPr>
+          <p:cNvCxnSpPr>
+            <a:cxnSpLocks/>
+            <a:stCxn id="5" idx="1"/>
+            <a:endCxn id="7" idx="0"/>
+          </p:cNvCxnSpPr>
+          <p:nvPr/>
+        </p:nvCxnSpPr>
+        <p:spPr>
+          <a:xfrm rot="10800000" flipV="1">
+            <a:off x="3506633" y="1644635"/>
+            <a:ext cx="955151" cy="2018165"/>
+          </a:xfrm>
+          <a:prstGeom prst="bentConnector2">
+            <a:avLst/>
+          </a:prstGeom>
+          <a:noFill/>
+          <a:ln w="12700" cap="flat" cmpd="sng">
+            <a:solidFill>
+              <a:schemeClr val="dk1"/>
+            </a:solidFill>
+            <a:prstDash val="solid"/>
+            <a:miter lim="800000"/>
+            <a:headEnd type="none" w="sm" len="sm"/>
+            <a:tailEnd type="triangle" w="lg" len="lg"/>
+          </a:ln>
+        </p:spPr>
+      </p:cxnSp>
+      <p:cxnSp>
+        <p:nvCxnSpPr>
+          <p:cNvPr id="16" name="Verbinder: gewinkelt 98">
+            <a:extLst>
+              <a:ext uri="{FF2B5EF4-FFF2-40B4-BE49-F238E27FC236}">
+                <a16:creationId xmlns:a16="http://schemas.microsoft.com/office/drawing/2014/main" id="{CD4FFD6B-F15E-47F6-9F74-C6299D5EDA9E}"/>
+              </a:ext>
+            </a:extLst>
+          </p:cNvPr>
+          <p:cNvCxnSpPr>
+            <a:cxnSpLocks/>
+            <a:stCxn id="11" idx="1"/>
+            <a:endCxn id="8" idx="3"/>
+          </p:cNvCxnSpPr>
+          <p:nvPr/>
+        </p:nvCxnSpPr>
+        <p:spPr>
+          <a:xfrm rot="10800000">
+            <a:off x="5332781" y="4502527"/>
+            <a:ext cx="1826150" cy="3742"/>
+          </a:xfrm>
+          <a:prstGeom prst="bentConnector3">
+            <a:avLst>
+              <a:gd name="adj1" fmla="val 50000"/>
+            </a:avLst>
+          </a:prstGeom>
+          <a:noFill/>
+          <a:ln w="12700" cap="flat" cmpd="sng">
+            <a:solidFill>
+              <a:schemeClr val="dk1"/>
+            </a:solidFill>
+            <a:prstDash val="solid"/>
+            <a:miter lim="800000"/>
+            <a:headEnd type="none" w="sm" len="sm"/>
+            <a:tailEnd type="triangle" w="lg" len="lg"/>
+          </a:ln>
+        </p:spPr>
+      </p:cxnSp>
+      <p:cxnSp>
+        <p:nvCxnSpPr>
+          <p:cNvPr id="19" name="Verbinder: gewinkelt 98">
+            <a:extLst>
+              <a:ext uri="{FF2B5EF4-FFF2-40B4-BE49-F238E27FC236}">
+                <a16:creationId xmlns:a16="http://schemas.microsoft.com/office/drawing/2014/main" id="{A977F2F4-7F68-46AE-B96A-7B856AE5851C}"/>
+              </a:ext>
+            </a:extLst>
+          </p:cNvPr>
+          <p:cNvCxnSpPr>
+            <a:cxnSpLocks/>
+            <a:stCxn id="5" idx="3"/>
+            <a:endCxn id="10" idx="0"/>
+          </p:cNvCxnSpPr>
+          <p:nvPr/>
+        </p:nvCxnSpPr>
+        <p:spPr>
+          <a:xfrm>
+            <a:off x="6945783" y="1644636"/>
+            <a:ext cx="1347148" cy="1888351"/>
+          </a:xfrm>
+          <a:prstGeom prst="bentConnector2">
+            <a:avLst/>
+          </a:prstGeom>
+          <a:noFill/>
+          <a:ln w="12700" cap="flat" cmpd="sng">
+            <a:solidFill>
+              <a:schemeClr val="dk1"/>
+            </a:solidFill>
+            <a:prstDash val="solid"/>
+            <a:miter lim="800000"/>
+            <a:headEnd type="none" w="sm" len="sm"/>
+            <a:tailEnd type="triangle" w="lg" len="lg"/>
+          </a:ln>
+        </p:spPr>
+      </p:cxnSp>
+      <p:sp>
+        <p:nvSpPr>
+          <p:cNvPr id="22" name="Google Shape;559;g10f8d9d020d_0_26">
+            <a:extLst>
+              <a:ext uri="{FF2B5EF4-FFF2-40B4-BE49-F238E27FC236}">
+                <a16:creationId xmlns:a16="http://schemas.microsoft.com/office/drawing/2014/main" id="{591D0360-93FA-4209-92E6-8743211FCA7C}"/>
+              </a:ext>
+            </a:extLst>
+          </p:cNvPr>
+          <p:cNvSpPr txBox="1"/>
+          <p:nvPr/>
+        </p:nvSpPr>
+        <p:spPr>
+          <a:xfrm>
+            <a:off x="6974547" y="1324551"/>
+            <a:ext cx="1318384" cy="212149"/>
+          </a:xfrm>
+          <a:prstGeom prst="rect">
+            <a:avLst/>
+          </a:prstGeom>
+          <a:noFill/>
+          <a:ln>
+            <a:noFill/>
+          </a:ln>
+        </p:spPr>
+        <p:txBody>
+          <a:bodyPr spcFirstLastPara="1" wrap="square" lIns="0" tIns="0" rIns="0" bIns="0" anchor="t" anchorCtr="0">
+            <a:noAutofit/>
+          </a:bodyPr>
+          <a:lstStyle/>
+          <a:p>
+            <a:pPr marL="0" marR="0" lvl="0" indent="0" algn="l" rtl="0">
+              <a:lnSpc>
+                <a:spcPct val="100000"/>
+              </a:lnSpc>
+              <a:spcBef>
+                <a:spcPts val="0"/>
+              </a:spcBef>
+              <a:spcAft>
+                <a:spcPts val="0"/>
+              </a:spcAft>
+              <a:buClr>
+                <a:srgbClr val="000000"/>
+              </a:buClr>
+              <a:buSzPts val="1100"/>
+              <a:buFont typeface="Arial"/>
+              <a:buNone/>
+            </a:pPr>
+            <a:r>
+              <a:rPr lang="en-US" sz="1400" b="0" i="0" u="none" strike="noStrike" cap="none" dirty="0">
+                <a:solidFill>
+                  <a:schemeClr val="dk1"/>
+                </a:solidFill>
+                <a:latin typeface="Arial"/>
+                <a:ea typeface="Arial"/>
+                <a:cs typeface="Arial"/>
+                <a:sym typeface="Arial"/>
+              </a:rPr>
+              <a:t>[0..1] </a:t>
+            </a:r>
+            <a:r>
+              <a:rPr lang="en-US" sz="1400" b="0" i="0" u="none" strike="noStrike" cap="none" dirty="0" err="1">
+                <a:solidFill>
+                  <a:schemeClr val="dk1"/>
+                </a:solidFill>
+                <a:latin typeface="Arial"/>
+                <a:ea typeface="Arial"/>
+                <a:cs typeface="Arial"/>
+                <a:sym typeface="Arial"/>
+              </a:rPr>
+              <a:t>movesItem</a:t>
+            </a:r>
+            <a:endParaRPr sz="1400" dirty="0">
+              <a:solidFill>
+                <a:schemeClr val="dk1"/>
+              </a:solidFill>
+              <a:latin typeface="Arial"/>
+              <a:cs typeface="Arial"/>
+              <a:sym typeface="Arial"/>
+            </a:endParaRPr>
+          </a:p>
+        </p:txBody>
+      </p:sp>
+      <p:sp>
+        <p:nvSpPr>
+          <p:cNvPr id="23" name="Google Shape;559;g10f8d9d020d_0_26">
+            <a:extLst>
+              <a:ext uri="{FF2B5EF4-FFF2-40B4-BE49-F238E27FC236}">
+                <a16:creationId xmlns:a16="http://schemas.microsoft.com/office/drawing/2014/main" id="{4D93E33B-1C11-4AC7-BF7A-7CB7FAC90657}"/>
+              </a:ext>
+            </a:extLst>
+          </p:cNvPr>
+          <p:cNvSpPr txBox="1"/>
+          <p:nvPr/>
+        </p:nvSpPr>
+        <p:spPr>
+          <a:xfrm>
+            <a:off x="5684513" y="4199095"/>
+            <a:ext cx="1423448" cy="183850"/>
+          </a:xfrm>
+          <a:prstGeom prst="rect">
+            <a:avLst/>
+          </a:prstGeom>
+          <a:noFill/>
+          <a:ln>
+            <a:noFill/>
+          </a:ln>
+        </p:spPr>
+        <p:txBody>
+          <a:bodyPr spcFirstLastPara="1" wrap="square" lIns="0" tIns="0" rIns="0" bIns="0" anchor="t" anchorCtr="0">
+            <a:noAutofit/>
+          </a:bodyPr>
+          <a:lstStyle/>
+          <a:p>
+            <a:pPr marL="0" marR="0" lvl="0" indent="0" algn="l" rtl="0">
+              <a:lnSpc>
+                <a:spcPct val="100000"/>
+              </a:lnSpc>
+              <a:spcBef>
+                <a:spcPts val="0"/>
+              </a:spcBef>
+              <a:spcAft>
+                <a:spcPts val="0"/>
+              </a:spcAft>
+              <a:buClr>
+                <a:srgbClr val="000000"/>
+              </a:buClr>
+              <a:buSzPts val="1100"/>
+              <a:buFont typeface="Arial"/>
+              <a:buNone/>
+            </a:pPr>
+            <a:r>
+              <a:rPr lang="en-US" sz="1400" b="0" i="0" u="none" strike="noStrike" cap="none" dirty="0">
+                <a:solidFill>
+                  <a:schemeClr val="dk1"/>
+                </a:solidFill>
+                <a:latin typeface="Arial"/>
+                <a:ea typeface="Arial"/>
+                <a:cs typeface="Arial"/>
+                <a:sym typeface="Arial"/>
+              </a:rPr>
+              <a:t>[0..1] position</a:t>
+            </a:r>
+            <a:endParaRPr sz="1400" dirty="0">
+              <a:solidFill>
+                <a:schemeClr val="dk1"/>
+              </a:solidFill>
+              <a:latin typeface="Arial"/>
+              <a:cs typeface="Arial"/>
+              <a:sym typeface="Arial"/>
+            </a:endParaRPr>
+          </a:p>
+        </p:txBody>
+      </p:sp>
+      <p:sp>
+        <p:nvSpPr>
+          <p:cNvPr id="24" name="Google Shape;559;g10f8d9d020d_0_26">
+            <a:extLst>
+              <a:ext uri="{FF2B5EF4-FFF2-40B4-BE49-F238E27FC236}">
+                <a16:creationId xmlns:a16="http://schemas.microsoft.com/office/drawing/2014/main" id="{41B74B0B-C387-4B54-A4CC-5B84CCDA4204}"/>
+              </a:ext>
+            </a:extLst>
+          </p:cNvPr>
+          <p:cNvSpPr txBox="1"/>
+          <p:nvPr/>
+        </p:nvSpPr>
+        <p:spPr>
+          <a:xfrm>
+            <a:off x="3272484" y="1368861"/>
+            <a:ext cx="1423448" cy="183850"/>
+          </a:xfrm>
+          <a:prstGeom prst="rect">
+            <a:avLst/>
+          </a:prstGeom>
+          <a:noFill/>
+          <a:ln>
+            <a:noFill/>
+          </a:ln>
+        </p:spPr>
+        <p:txBody>
+          <a:bodyPr spcFirstLastPara="1" wrap="square" lIns="0" tIns="0" rIns="0" bIns="0" anchor="t" anchorCtr="0">
+            <a:noAutofit/>
+          </a:bodyPr>
+          <a:lstStyle/>
+          <a:p>
+            <a:pPr marL="0" marR="0" lvl="0" indent="0" algn="l" rtl="0">
+              <a:lnSpc>
+                <a:spcPct val="100000"/>
+              </a:lnSpc>
+              <a:spcBef>
+                <a:spcPts val="0"/>
+              </a:spcBef>
+              <a:spcAft>
+                <a:spcPts val="0"/>
+              </a:spcAft>
+              <a:buClr>
+                <a:srgbClr val="000000"/>
+              </a:buClr>
+              <a:buSzPts val="1100"/>
+              <a:buFont typeface="Arial"/>
+              <a:buNone/>
+            </a:pPr>
+            <a:r>
+              <a:rPr lang="en-US" sz="1400" b="0" i="0" u="none" strike="noStrike" cap="none" dirty="0">
+                <a:solidFill>
+                  <a:schemeClr val="dk1"/>
+                </a:solidFill>
+                <a:latin typeface="Arial"/>
+                <a:ea typeface="Arial"/>
+                <a:cs typeface="Arial"/>
+                <a:sym typeface="Arial"/>
+              </a:rPr>
+              <a:t>[0..*] connects</a:t>
+            </a:r>
+            <a:endParaRPr sz="1400" dirty="0">
+              <a:solidFill>
+                <a:schemeClr val="dk1"/>
+              </a:solidFill>
+              <a:latin typeface="Arial"/>
+              <a:cs typeface="Arial"/>
+              <a:sym typeface="Arial"/>
+            </a:endParaRPr>
+          </a:p>
+        </p:txBody>
+      </p:sp>
+    </p:spTree>
+    <p:extLst>
+      <p:ext uri="{BB962C8B-B14F-4D97-AF65-F5344CB8AC3E}">
+        <p14:creationId xmlns:p14="http://schemas.microsoft.com/office/powerpoint/2010/main" val="632306648"/>
+      </p:ext>
+    </p:extLst>
+  </p:cSld>
+  <p:clrMapOvr>
+    <a:masterClrMapping/>
+  </p:clrMapOvr>
+</p:sld>
+</file>
+
+<file path=ppt/slides/slide6.xml><?xml version="1.0" encoding="utf-8"?>
+<p:sld xmlns:a="http://schemas.openxmlformats.org/drawingml/2006/main" xmlns:r="http://schemas.openxmlformats.org/officeDocument/2006/relationships" xmlns:p="http://schemas.openxmlformats.org/presentationml/2006/main">
+  <p:cSld>
+    <p:spTree>
+      <p:nvGrpSpPr>
+        <p:cNvPr id="1" name=""/>
+        <p:cNvGrpSpPr/>
+        <p:nvPr/>
+      </p:nvGrpSpPr>
+      <p:grpSpPr>
+        <a:xfrm>
+          <a:off x="0" y="0"/>
+          <a:ext cx="0" cy="0"/>
+          <a:chOff x="0" y="0"/>
+          <a:chExt cx="0" cy="0"/>
+        </a:xfrm>
+      </p:grpSpPr>
+      <p:sp>
+        <p:nvSpPr>
+          <p:cNvPr id="3" name="Rechteck 2">
+            <a:extLst>
+              <a:ext uri="{FF2B5EF4-FFF2-40B4-BE49-F238E27FC236}">
+                <a16:creationId xmlns:a16="http://schemas.microsoft.com/office/drawing/2014/main" id="{86B32E27-A95F-4F45-B199-5BA2CAED227B}"/>
+              </a:ext>
+            </a:extLst>
+          </p:cNvPr>
+          <p:cNvSpPr/>
+          <p:nvPr/>
+        </p:nvSpPr>
+        <p:spPr>
+          <a:xfrm>
+            <a:off x="4461783" y="804910"/>
+            <a:ext cx="2484000" cy="396000"/>
+          </a:xfrm>
+          <a:prstGeom prst="rect">
+            <a:avLst/>
+          </a:prstGeom>
+          <a:noFill/>
+          <a:ln w="9525" cap="flat" cmpd="sng" algn="ctr">
+            <a:solidFill>
+              <a:schemeClr val="dk1"/>
+            </a:solidFill>
+            <a:prstDash val="solid"/>
+            <a:round/>
+            <a:headEnd type="none" w="med" len="med"/>
+            <a:tailEnd type="arrow" w="med" len="med"/>
+          </a:ln>
+        </p:spPr>
+        <p:style>
+          <a:lnRef idx="0">
+            <a:scrgbClr r="0" g="0" b="0"/>
+          </a:lnRef>
+          <a:fillRef idx="0">
+            <a:scrgbClr r="0" g="0" b="0"/>
+          </a:fillRef>
+          <a:effectRef idx="0">
+            <a:scrgbClr r="0" g="0" b="0"/>
+          </a:effectRef>
+          <a:fontRef idx="minor">
+            <a:schemeClr val="dk1"/>
+          </a:fontRef>
+        </p:style>
+        <p:txBody>
+          <a:bodyPr rtlCol="0" anchor="ctr"/>
+          <a:lstStyle/>
+          <a:p>
+            <a:pPr algn="ctr"/>
+            <a:r>
+              <a:rPr lang="de-AT" b="1" dirty="0" err="1">
+                <a:latin typeface="Arial" panose="020B0604020202020204" pitchFamily="34" charset="0"/>
+                <a:cs typeface="Arial" panose="020B0604020202020204" pitchFamily="34" charset="0"/>
+              </a:rPr>
+              <a:t>GripperRobot</a:t>
+            </a:r>
+            <a:endParaRPr lang="de-AT" sz="2000" b="1" dirty="0">
+              <a:latin typeface="Arial" panose="020B0604020202020204" pitchFamily="34" charset="0"/>
+              <a:cs typeface="Arial" panose="020B0604020202020204" pitchFamily="34" charset="0"/>
+            </a:endParaRPr>
+          </a:p>
+        </p:txBody>
+      </p:sp>
+      <p:sp>
+        <p:nvSpPr>
+          <p:cNvPr id="5" name="Rechteck 4">
+            <a:extLst>
+              <a:ext uri="{FF2B5EF4-FFF2-40B4-BE49-F238E27FC236}">
+                <a16:creationId xmlns:a16="http://schemas.microsoft.com/office/drawing/2014/main" id="{D5FF2BBF-6AD1-481E-81EE-340C773B62B9}"/>
+              </a:ext>
+            </a:extLst>
+          </p:cNvPr>
+          <p:cNvSpPr/>
+          <p:nvPr/>
+        </p:nvSpPr>
+        <p:spPr>
+          <a:xfrm>
+            <a:off x="4461783" y="1198096"/>
+            <a:ext cx="2484000" cy="893079"/>
+          </a:xfrm>
+          <a:prstGeom prst="rect">
+            <a:avLst/>
+          </a:prstGeom>
+          <a:noFill/>
+          <a:ln w="9525" cap="flat" cmpd="sng" algn="ctr">
+            <a:solidFill>
+              <a:schemeClr val="dk1"/>
+            </a:solidFill>
+            <a:prstDash val="solid"/>
+            <a:round/>
+            <a:headEnd type="none" w="med" len="med"/>
+            <a:tailEnd type="arrow" w="med" len="med"/>
+          </a:ln>
+        </p:spPr>
+        <p:style>
+          <a:lnRef idx="0">
+            <a:scrgbClr r="0" g="0" b="0"/>
+          </a:lnRef>
+          <a:fillRef idx="0">
+            <a:scrgbClr r="0" g="0" b="0"/>
+          </a:fillRef>
+          <a:effectRef idx="0">
+            <a:scrgbClr r="0" g="0" b="0"/>
+          </a:effectRef>
+          <a:fontRef idx="minor">
+            <a:schemeClr val="dk1"/>
+          </a:fontRef>
+        </p:style>
+        <p:txBody>
+          <a:bodyPr rtlCol="0" anchor="ctr"/>
+          <a:lstStyle/>
+          <a:p>
+            <a:r>
+              <a:rPr lang="de-AT" dirty="0" err="1">
+                <a:latin typeface="Arial" panose="020B0604020202020204" pitchFamily="34" charset="0"/>
+                <a:cs typeface="Arial" panose="020B0604020202020204" pitchFamily="34" charset="0"/>
+              </a:rPr>
+              <a:t>Int</a:t>
+            </a:r>
+            <a:r>
+              <a:rPr lang="de-AT" dirty="0">
+                <a:latin typeface="Arial" panose="020B0604020202020204" pitchFamily="34" charset="0"/>
+                <a:cs typeface="Arial" panose="020B0604020202020204" pitchFamily="34" charset="0"/>
+              </a:rPr>
+              <a:t> </a:t>
+            </a:r>
+            <a:r>
+              <a:rPr lang="de-AT" dirty="0" err="1">
+                <a:latin typeface="Arial" panose="020B0604020202020204" pitchFamily="34" charset="0"/>
+                <a:cs typeface="Arial" panose="020B0604020202020204" pitchFamily="34" charset="0"/>
+              </a:rPr>
+              <a:t>xPosition</a:t>
+            </a:r>
+            <a:endParaRPr lang="de-AT" dirty="0">
+              <a:latin typeface="Arial" panose="020B0604020202020204" pitchFamily="34" charset="0"/>
+              <a:cs typeface="Arial" panose="020B0604020202020204" pitchFamily="34" charset="0"/>
+            </a:endParaRPr>
+          </a:p>
+          <a:p>
+            <a:r>
+              <a:rPr lang="de-AT" dirty="0" err="1">
+                <a:latin typeface="Arial" panose="020B0604020202020204" pitchFamily="34" charset="0"/>
+                <a:cs typeface="Arial" panose="020B0604020202020204" pitchFamily="34" charset="0"/>
+              </a:rPr>
+              <a:t>Int</a:t>
+            </a:r>
+            <a:r>
+              <a:rPr lang="de-AT" dirty="0">
+                <a:latin typeface="Arial" panose="020B0604020202020204" pitchFamily="34" charset="0"/>
+                <a:cs typeface="Arial" panose="020B0604020202020204" pitchFamily="34" charset="0"/>
+              </a:rPr>
+              <a:t> </a:t>
+            </a:r>
+            <a:r>
+              <a:rPr lang="de-AT" dirty="0" err="1">
+                <a:latin typeface="Arial" panose="020B0604020202020204" pitchFamily="34" charset="0"/>
+                <a:cs typeface="Arial" panose="020B0604020202020204" pitchFamily="34" charset="0"/>
+              </a:rPr>
+              <a:t>yPosition</a:t>
+            </a:r>
+            <a:endParaRPr lang="de-AT" dirty="0">
+              <a:latin typeface="Arial" panose="020B0604020202020204" pitchFamily="34" charset="0"/>
+              <a:cs typeface="Arial" panose="020B0604020202020204" pitchFamily="34" charset="0"/>
+            </a:endParaRPr>
+          </a:p>
+          <a:p>
+            <a:r>
+              <a:rPr lang="de-AT" dirty="0" err="1">
+                <a:latin typeface="Arial" panose="020B0604020202020204" pitchFamily="34" charset="0"/>
+                <a:cs typeface="Arial" panose="020B0604020202020204" pitchFamily="34" charset="0"/>
+              </a:rPr>
+              <a:t>Int</a:t>
+            </a:r>
+            <a:r>
+              <a:rPr lang="de-AT" dirty="0">
+                <a:latin typeface="Arial" panose="020B0604020202020204" pitchFamily="34" charset="0"/>
+                <a:cs typeface="Arial" panose="020B0604020202020204" pitchFamily="34" charset="0"/>
+              </a:rPr>
+              <a:t> </a:t>
+            </a:r>
+            <a:r>
+              <a:rPr lang="de-AT" dirty="0" err="1">
+                <a:latin typeface="Arial" panose="020B0604020202020204" pitchFamily="34" charset="0"/>
+                <a:cs typeface="Arial" panose="020B0604020202020204" pitchFamily="34" charset="0"/>
+              </a:rPr>
+              <a:t>zPosition</a:t>
+            </a:r>
+            <a:endParaRPr lang="de-AT" dirty="0">
+              <a:latin typeface="Arial" panose="020B0604020202020204" pitchFamily="34" charset="0"/>
+              <a:cs typeface="Arial" panose="020B0604020202020204" pitchFamily="34" charset="0"/>
+            </a:endParaRPr>
+          </a:p>
+        </p:txBody>
+      </p:sp>
+      <p:sp>
+        <p:nvSpPr>
+          <p:cNvPr id="6" name="Rechteck 5">
+            <a:extLst>
+              <a:ext uri="{FF2B5EF4-FFF2-40B4-BE49-F238E27FC236}">
+                <a16:creationId xmlns:a16="http://schemas.microsoft.com/office/drawing/2014/main" id="{5167C230-BCD2-4285-B2FF-4FCD2CDD3DFF}"/>
+              </a:ext>
+            </a:extLst>
+          </p:cNvPr>
+          <p:cNvSpPr/>
+          <p:nvPr/>
+        </p:nvSpPr>
+        <p:spPr>
+          <a:xfrm>
+            <a:off x="4461783" y="2091175"/>
+            <a:ext cx="2484000" cy="906025"/>
+          </a:xfrm>
+          <a:prstGeom prst="rect">
+            <a:avLst/>
+          </a:prstGeom>
+          <a:noFill/>
+          <a:ln w="9525" cap="flat" cmpd="sng" algn="ctr">
+            <a:solidFill>
+              <a:schemeClr val="dk1"/>
+            </a:solidFill>
+            <a:prstDash val="solid"/>
+            <a:round/>
+            <a:headEnd type="none" w="med" len="med"/>
+            <a:tailEnd type="arrow" w="med" len="med"/>
+          </a:ln>
+        </p:spPr>
+        <p:style>
+          <a:lnRef idx="0">
+            <a:scrgbClr r="0" g="0" b="0"/>
+          </a:lnRef>
+          <a:fillRef idx="0">
+            <a:scrgbClr r="0" g="0" b="0"/>
+          </a:fillRef>
+          <a:effectRef idx="0">
+            <a:scrgbClr r="0" g="0" b="0"/>
+          </a:effectRef>
+          <a:fontRef idx="minor">
+            <a:schemeClr val="dk1"/>
+          </a:fontRef>
+        </p:style>
+        <p:txBody>
+          <a:bodyPr rtlCol="0" anchor="ctr"/>
+          <a:lstStyle/>
+          <a:p>
+            <a:r>
+              <a:rPr lang="de-AT" dirty="0" err="1">
+                <a:latin typeface="Arial" panose="020B0604020202020204" pitchFamily="34" charset="0"/>
+                <a:cs typeface="Arial" panose="020B0604020202020204" pitchFamily="34" charset="0"/>
+              </a:rPr>
+              <a:t>Void</a:t>
+            </a:r>
+            <a:r>
+              <a:rPr lang="de-AT" dirty="0">
+                <a:latin typeface="Arial" panose="020B0604020202020204" pitchFamily="34" charset="0"/>
+                <a:cs typeface="Arial" panose="020B0604020202020204" pitchFamily="34" charset="0"/>
+              </a:rPr>
+              <a:t> </a:t>
+            </a:r>
+            <a:r>
+              <a:rPr lang="de-AT" dirty="0" err="1">
+                <a:latin typeface="Arial" panose="020B0604020202020204" pitchFamily="34" charset="0"/>
+                <a:cs typeface="Arial" panose="020B0604020202020204" pitchFamily="34" charset="0"/>
+              </a:rPr>
+              <a:t>moveX</a:t>
+            </a:r>
+            <a:r>
+              <a:rPr lang="de-AT" dirty="0">
+                <a:latin typeface="Arial" panose="020B0604020202020204" pitchFamily="34" charset="0"/>
+                <a:cs typeface="Arial" panose="020B0604020202020204" pitchFamily="34" charset="0"/>
+              </a:rPr>
+              <a:t>(</a:t>
+            </a:r>
+            <a:r>
+              <a:rPr lang="de-AT" dirty="0" err="1">
+                <a:latin typeface="Arial" panose="020B0604020202020204" pitchFamily="34" charset="0"/>
+                <a:cs typeface="Arial" panose="020B0604020202020204" pitchFamily="34" charset="0"/>
+              </a:rPr>
+              <a:t>int</a:t>
+            </a:r>
+            <a:r>
+              <a:rPr lang="de-AT" dirty="0">
+                <a:latin typeface="Arial" panose="020B0604020202020204" pitchFamily="34" charset="0"/>
+                <a:cs typeface="Arial" panose="020B0604020202020204" pitchFamily="34" charset="0"/>
+              </a:rPr>
+              <a:t> </a:t>
+            </a:r>
+            <a:r>
+              <a:rPr lang="de-AT" dirty="0" err="1">
+                <a:latin typeface="Arial" panose="020B0604020202020204" pitchFamily="34" charset="0"/>
+                <a:cs typeface="Arial" panose="020B0604020202020204" pitchFamily="34" charset="0"/>
+              </a:rPr>
+              <a:t>steps</a:t>
+            </a:r>
+            <a:r>
+              <a:rPr lang="de-AT" dirty="0">
+                <a:latin typeface="Arial" panose="020B0604020202020204" pitchFamily="34" charset="0"/>
+                <a:cs typeface="Arial" panose="020B0604020202020204" pitchFamily="34" charset="0"/>
+              </a:rPr>
+              <a:t>)</a:t>
+            </a:r>
+          </a:p>
+          <a:p>
+            <a:r>
+              <a:rPr lang="de-AT" dirty="0" err="1">
+                <a:latin typeface="Arial" panose="020B0604020202020204" pitchFamily="34" charset="0"/>
+                <a:cs typeface="Arial" panose="020B0604020202020204" pitchFamily="34" charset="0"/>
+              </a:rPr>
+              <a:t>Void</a:t>
+            </a:r>
+            <a:r>
+              <a:rPr lang="de-AT" dirty="0">
+                <a:latin typeface="Arial" panose="020B0604020202020204" pitchFamily="34" charset="0"/>
+                <a:cs typeface="Arial" panose="020B0604020202020204" pitchFamily="34" charset="0"/>
+              </a:rPr>
+              <a:t> </a:t>
+            </a:r>
+            <a:r>
+              <a:rPr lang="de-AT" dirty="0" err="1">
+                <a:latin typeface="Arial" panose="020B0604020202020204" pitchFamily="34" charset="0"/>
+                <a:cs typeface="Arial" panose="020B0604020202020204" pitchFamily="34" charset="0"/>
+              </a:rPr>
+              <a:t>moveY</a:t>
+            </a:r>
+            <a:r>
+              <a:rPr lang="de-AT" dirty="0">
+                <a:latin typeface="Arial" panose="020B0604020202020204" pitchFamily="34" charset="0"/>
+                <a:cs typeface="Arial" panose="020B0604020202020204" pitchFamily="34" charset="0"/>
+              </a:rPr>
+              <a:t>(</a:t>
+            </a:r>
+            <a:r>
+              <a:rPr lang="de-AT" dirty="0" err="1">
+                <a:latin typeface="Arial" panose="020B0604020202020204" pitchFamily="34" charset="0"/>
+                <a:cs typeface="Arial" panose="020B0604020202020204" pitchFamily="34" charset="0"/>
+              </a:rPr>
+              <a:t>int</a:t>
+            </a:r>
+            <a:r>
+              <a:rPr lang="de-AT" dirty="0">
+                <a:latin typeface="Arial" panose="020B0604020202020204" pitchFamily="34" charset="0"/>
+                <a:cs typeface="Arial" panose="020B0604020202020204" pitchFamily="34" charset="0"/>
+              </a:rPr>
+              <a:t> </a:t>
+            </a:r>
+            <a:r>
+              <a:rPr lang="de-AT" dirty="0" err="1">
+                <a:latin typeface="Arial" panose="020B0604020202020204" pitchFamily="34" charset="0"/>
+                <a:cs typeface="Arial" panose="020B0604020202020204" pitchFamily="34" charset="0"/>
+              </a:rPr>
+              <a:t>steps</a:t>
+            </a:r>
+            <a:r>
+              <a:rPr lang="de-AT" dirty="0">
+                <a:latin typeface="Arial" panose="020B0604020202020204" pitchFamily="34" charset="0"/>
+                <a:cs typeface="Arial" panose="020B0604020202020204" pitchFamily="34" charset="0"/>
+              </a:rPr>
+              <a:t>)</a:t>
+            </a:r>
+          </a:p>
+          <a:p>
+            <a:r>
+              <a:rPr lang="de-AT" dirty="0" err="1">
+                <a:latin typeface="Arial" panose="020B0604020202020204" pitchFamily="34" charset="0"/>
+                <a:cs typeface="Arial" panose="020B0604020202020204" pitchFamily="34" charset="0"/>
+              </a:rPr>
+              <a:t>Void</a:t>
+            </a:r>
+            <a:r>
+              <a:rPr lang="de-AT" dirty="0">
+                <a:latin typeface="Arial" panose="020B0604020202020204" pitchFamily="34" charset="0"/>
+                <a:cs typeface="Arial" panose="020B0604020202020204" pitchFamily="34" charset="0"/>
+              </a:rPr>
+              <a:t> </a:t>
+            </a:r>
+            <a:r>
+              <a:rPr lang="de-AT" dirty="0" err="1">
+                <a:latin typeface="Arial" panose="020B0604020202020204" pitchFamily="34" charset="0"/>
+                <a:cs typeface="Arial" panose="020B0604020202020204" pitchFamily="34" charset="0"/>
+              </a:rPr>
+              <a:t>moveZ</a:t>
+            </a:r>
+            <a:r>
+              <a:rPr lang="de-AT" dirty="0">
+                <a:latin typeface="Arial" panose="020B0604020202020204" pitchFamily="34" charset="0"/>
+                <a:cs typeface="Arial" panose="020B0604020202020204" pitchFamily="34" charset="0"/>
+              </a:rPr>
+              <a:t>(</a:t>
+            </a:r>
+            <a:r>
+              <a:rPr lang="de-AT" dirty="0" err="1">
+                <a:latin typeface="Arial" panose="020B0604020202020204" pitchFamily="34" charset="0"/>
+                <a:cs typeface="Arial" panose="020B0604020202020204" pitchFamily="34" charset="0"/>
+              </a:rPr>
+              <a:t>int</a:t>
+            </a:r>
+            <a:r>
+              <a:rPr lang="de-AT" dirty="0">
+                <a:latin typeface="Arial" panose="020B0604020202020204" pitchFamily="34" charset="0"/>
+                <a:cs typeface="Arial" panose="020B0604020202020204" pitchFamily="34" charset="0"/>
+              </a:rPr>
+              <a:t> </a:t>
+            </a:r>
+            <a:r>
+              <a:rPr lang="de-AT" dirty="0" err="1">
+                <a:latin typeface="Arial" panose="020B0604020202020204" pitchFamily="34" charset="0"/>
+                <a:cs typeface="Arial" panose="020B0604020202020204" pitchFamily="34" charset="0"/>
+              </a:rPr>
+              <a:t>steps</a:t>
+            </a:r>
+            <a:r>
+              <a:rPr lang="de-AT" dirty="0">
+                <a:latin typeface="Arial" panose="020B0604020202020204" pitchFamily="34" charset="0"/>
+                <a:cs typeface="Arial" panose="020B0604020202020204" pitchFamily="34" charset="0"/>
+              </a:rPr>
+              <a:t>)</a:t>
+            </a:r>
+          </a:p>
+        </p:txBody>
+      </p:sp>
+      <p:sp>
+        <p:nvSpPr>
+          <p:cNvPr id="7" name="Rechteck 6">
+            <a:extLst>
+              <a:ext uri="{FF2B5EF4-FFF2-40B4-BE49-F238E27FC236}">
+                <a16:creationId xmlns:a16="http://schemas.microsoft.com/office/drawing/2014/main" id="{C9D996D4-29E9-4AFB-8872-5F44D637CEB6}"/>
+              </a:ext>
+            </a:extLst>
+          </p:cNvPr>
+          <p:cNvSpPr/>
+          <p:nvPr/>
+        </p:nvSpPr>
+        <p:spPr>
+          <a:xfrm>
+            <a:off x="1680483" y="3662801"/>
+            <a:ext cx="3652298" cy="396000"/>
+          </a:xfrm>
+          <a:prstGeom prst="rect">
+            <a:avLst/>
+          </a:prstGeom>
+          <a:noFill/>
+          <a:ln w="9525" cap="flat" cmpd="sng" algn="ctr">
+            <a:solidFill>
+              <a:schemeClr val="dk1"/>
+            </a:solidFill>
+            <a:prstDash val="solid"/>
+            <a:round/>
+            <a:headEnd type="none" w="med" len="med"/>
+            <a:tailEnd type="arrow" w="med" len="med"/>
+          </a:ln>
+        </p:spPr>
+        <p:style>
+          <a:lnRef idx="0">
+            <a:scrgbClr r="0" g="0" b="0"/>
+          </a:lnRef>
+          <a:fillRef idx="0">
+            <a:scrgbClr r="0" g="0" b="0"/>
+          </a:fillRef>
+          <a:effectRef idx="0">
+            <a:scrgbClr r="0" g="0" b="0"/>
+          </a:effectRef>
+          <a:fontRef idx="minor">
+            <a:schemeClr val="dk1"/>
+          </a:fontRef>
+        </p:style>
+        <p:txBody>
+          <a:bodyPr rtlCol="0" anchor="ctr"/>
+          <a:lstStyle/>
+          <a:p>
+            <a:pPr algn="ctr"/>
+            <a:r>
+              <a:rPr lang="de-AT" b="1" dirty="0" err="1">
+                <a:latin typeface="Arial" panose="020B0604020202020204" pitchFamily="34" charset="0"/>
+                <a:cs typeface="Arial" panose="020B0604020202020204" pitchFamily="34" charset="0"/>
+              </a:rPr>
+              <a:t>Conveyor</a:t>
+            </a:r>
+            <a:endParaRPr lang="de-AT" sz="2000" b="1" dirty="0">
+              <a:latin typeface="Arial" panose="020B0604020202020204" pitchFamily="34" charset="0"/>
+              <a:cs typeface="Arial" panose="020B0604020202020204" pitchFamily="34" charset="0"/>
+            </a:endParaRPr>
+          </a:p>
+        </p:txBody>
+      </p:sp>
+      <p:sp>
+        <p:nvSpPr>
+          <p:cNvPr id="8" name="Rechteck 7">
+            <a:extLst>
+              <a:ext uri="{FF2B5EF4-FFF2-40B4-BE49-F238E27FC236}">
+                <a16:creationId xmlns:a16="http://schemas.microsoft.com/office/drawing/2014/main" id="{DE92F398-0017-4C45-9EFB-4243333FEAFE}"/>
+              </a:ext>
+            </a:extLst>
+          </p:cNvPr>
+          <p:cNvSpPr/>
+          <p:nvPr/>
+        </p:nvSpPr>
+        <p:spPr>
+          <a:xfrm>
+            <a:off x="1680482" y="4055987"/>
+            <a:ext cx="3652299" cy="893079"/>
+          </a:xfrm>
+          <a:prstGeom prst="rect">
+            <a:avLst/>
+          </a:prstGeom>
+          <a:noFill/>
+          <a:ln w="9525" cap="flat" cmpd="sng" algn="ctr">
+            <a:solidFill>
+              <a:schemeClr val="dk1"/>
+            </a:solidFill>
+            <a:prstDash val="solid"/>
+            <a:round/>
+            <a:headEnd type="none" w="med" len="med"/>
+            <a:tailEnd type="arrow" w="med" len="med"/>
+          </a:ln>
+        </p:spPr>
+        <p:style>
+          <a:lnRef idx="0">
+            <a:scrgbClr r="0" g="0" b="0"/>
+          </a:lnRef>
+          <a:fillRef idx="0">
+            <a:scrgbClr r="0" g="0" b="0"/>
+          </a:fillRef>
+          <a:effectRef idx="0">
+            <a:scrgbClr r="0" g="0" b="0"/>
+          </a:effectRef>
+          <a:fontRef idx="minor">
+            <a:schemeClr val="dk1"/>
+          </a:fontRef>
+        </p:style>
+        <p:txBody>
+          <a:bodyPr rtlCol="0" anchor="ctr"/>
+          <a:lstStyle/>
+          <a:p>
+            <a:r>
+              <a:rPr lang="de-AT" dirty="0">
+                <a:latin typeface="Arial" panose="020B0604020202020204" pitchFamily="34" charset="0"/>
+                <a:cs typeface="Arial" panose="020B0604020202020204" pitchFamily="34" charset="0"/>
+              </a:rPr>
+              <a:t>Boolean </a:t>
+            </a:r>
+            <a:r>
+              <a:rPr lang="de-AT" dirty="0" err="1">
+                <a:latin typeface="Arial" panose="020B0604020202020204" pitchFamily="34" charset="0"/>
+                <a:cs typeface="Arial" panose="020B0604020202020204" pitchFamily="34" charset="0"/>
+              </a:rPr>
+              <a:t>isOn</a:t>
+            </a:r>
+            <a:endParaRPr lang="de-AT" dirty="0">
+              <a:latin typeface="Arial" panose="020B0604020202020204" pitchFamily="34" charset="0"/>
+              <a:cs typeface="Arial" panose="020B0604020202020204" pitchFamily="34" charset="0"/>
+            </a:endParaRPr>
+          </a:p>
+          <a:p>
+            <a:r>
+              <a:rPr lang="de-AT" dirty="0" err="1">
+                <a:latin typeface="Arial" panose="020B0604020202020204" pitchFamily="34" charset="0"/>
+                <a:cs typeface="Arial" panose="020B0604020202020204" pitchFamily="34" charset="0"/>
+              </a:rPr>
+              <a:t>Int</a:t>
+            </a:r>
+            <a:r>
+              <a:rPr lang="de-AT" dirty="0">
+                <a:latin typeface="Arial" panose="020B0604020202020204" pitchFamily="34" charset="0"/>
+                <a:cs typeface="Arial" panose="020B0604020202020204" pitchFamily="34" charset="0"/>
+              </a:rPr>
+              <a:t> </a:t>
+            </a:r>
+            <a:r>
+              <a:rPr lang="de-AT" dirty="0" err="1">
+                <a:latin typeface="Arial" panose="020B0604020202020204" pitchFamily="34" charset="0"/>
+                <a:cs typeface="Arial" panose="020B0604020202020204" pitchFamily="34" charset="0"/>
+              </a:rPr>
+              <a:t>speed</a:t>
+            </a:r>
+            <a:endParaRPr lang="de-AT" dirty="0">
+              <a:latin typeface="Arial" panose="020B0604020202020204" pitchFamily="34" charset="0"/>
+              <a:cs typeface="Arial" panose="020B0604020202020204" pitchFamily="34" charset="0"/>
+            </a:endParaRPr>
+          </a:p>
+        </p:txBody>
+      </p:sp>
+      <p:sp>
+        <p:nvSpPr>
+          <p:cNvPr id="9" name="Rechteck 8">
+            <a:extLst>
+              <a:ext uri="{FF2B5EF4-FFF2-40B4-BE49-F238E27FC236}">
+                <a16:creationId xmlns:a16="http://schemas.microsoft.com/office/drawing/2014/main" id="{2622F68B-218C-4D54-B334-2DD9584372F3}"/>
+              </a:ext>
+            </a:extLst>
+          </p:cNvPr>
+          <p:cNvSpPr/>
+          <p:nvPr/>
+        </p:nvSpPr>
+        <p:spPr>
+          <a:xfrm>
+            <a:off x="1680481" y="4949066"/>
+            <a:ext cx="3652301" cy="906025"/>
+          </a:xfrm>
+          <a:prstGeom prst="rect">
+            <a:avLst/>
+          </a:prstGeom>
+          <a:noFill/>
+          <a:ln w="9525" cap="flat" cmpd="sng" algn="ctr">
+            <a:solidFill>
+              <a:schemeClr val="dk1"/>
+            </a:solidFill>
+            <a:prstDash val="solid"/>
+            <a:round/>
+            <a:headEnd type="none" w="med" len="med"/>
+            <a:tailEnd type="arrow" w="med" len="med"/>
+          </a:ln>
+        </p:spPr>
+        <p:style>
+          <a:lnRef idx="0">
+            <a:scrgbClr r="0" g="0" b="0"/>
+          </a:lnRef>
+          <a:fillRef idx="0">
+            <a:scrgbClr r="0" g="0" b="0"/>
+          </a:fillRef>
+          <a:effectRef idx="0">
+            <a:scrgbClr r="0" g="0" b="0"/>
+          </a:effectRef>
+          <a:fontRef idx="minor">
+            <a:schemeClr val="dk1"/>
+          </a:fontRef>
+        </p:style>
+        <p:txBody>
+          <a:bodyPr rtlCol="0" anchor="ctr"/>
+          <a:lstStyle/>
+          <a:p>
+            <a:r>
+              <a:rPr lang="de-AT" dirty="0">
+                <a:latin typeface="Arial" panose="020B0604020202020204" pitchFamily="34" charset="0"/>
+                <a:cs typeface="Arial" panose="020B0604020202020204" pitchFamily="34" charset="0"/>
+              </a:rPr>
+              <a:t>Boolean </a:t>
+            </a:r>
+            <a:r>
+              <a:rPr lang="de-AT" dirty="0" err="1">
+                <a:latin typeface="Arial" panose="020B0604020202020204" pitchFamily="34" charset="0"/>
+                <a:cs typeface="Arial" panose="020B0604020202020204" pitchFamily="34" charset="0"/>
+              </a:rPr>
+              <a:t>turnOn</a:t>
+            </a:r>
+            <a:r>
+              <a:rPr lang="de-AT" dirty="0">
+                <a:latin typeface="Arial" panose="020B0604020202020204" pitchFamily="34" charset="0"/>
+                <a:cs typeface="Arial" panose="020B0604020202020204" pitchFamily="34" charset="0"/>
+              </a:rPr>
+              <a:t>()</a:t>
+            </a:r>
+          </a:p>
+          <a:p>
+            <a:r>
+              <a:rPr lang="de-AT" dirty="0">
+                <a:latin typeface="Arial" panose="020B0604020202020204" pitchFamily="34" charset="0"/>
+                <a:cs typeface="Arial" panose="020B0604020202020204" pitchFamily="34" charset="0"/>
+              </a:rPr>
+              <a:t>Boolean </a:t>
+            </a:r>
+            <a:r>
+              <a:rPr lang="de-AT" dirty="0" err="1">
+                <a:latin typeface="Arial" panose="020B0604020202020204" pitchFamily="34" charset="0"/>
+                <a:cs typeface="Arial" panose="020B0604020202020204" pitchFamily="34" charset="0"/>
+              </a:rPr>
+              <a:t>turnOff</a:t>
+            </a:r>
+            <a:r>
+              <a:rPr lang="de-AT" dirty="0">
+                <a:latin typeface="Arial" panose="020B0604020202020204" pitchFamily="34" charset="0"/>
+                <a:cs typeface="Arial" panose="020B0604020202020204" pitchFamily="34" charset="0"/>
+              </a:rPr>
+              <a:t>()</a:t>
+            </a:r>
+          </a:p>
+          <a:p>
+            <a:r>
+              <a:rPr lang="de-AT" dirty="0" err="1">
+                <a:latin typeface="Arial" panose="020B0604020202020204" pitchFamily="34" charset="0"/>
+                <a:cs typeface="Arial" panose="020B0604020202020204" pitchFamily="34" charset="0"/>
+              </a:rPr>
+              <a:t>Void</a:t>
+            </a:r>
+            <a:r>
+              <a:rPr lang="de-AT" dirty="0">
+                <a:latin typeface="Arial" panose="020B0604020202020204" pitchFamily="34" charset="0"/>
+                <a:cs typeface="Arial" panose="020B0604020202020204" pitchFamily="34" charset="0"/>
+              </a:rPr>
+              <a:t> </a:t>
+            </a:r>
+            <a:r>
+              <a:rPr lang="de-AT" dirty="0" err="1">
+                <a:latin typeface="Arial" panose="020B0604020202020204" pitchFamily="34" charset="0"/>
+                <a:cs typeface="Arial" panose="020B0604020202020204" pitchFamily="34" charset="0"/>
+              </a:rPr>
+              <a:t>setDesiredSpeed</a:t>
+            </a:r>
+            <a:r>
+              <a:rPr lang="de-AT" dirty="0">
+                <a:latin typeface="Arial" panose="020B0604020202020204" pitchFamily="34" charset="0"/>
+                <a:cs typeface="Arial" panose="020B0604020202020204" pitchFamily="34" charset="0"/>
+              </a:rPr>
+              <a:t>(</a:t>
+            </a:r>
+            <a:r>
+              <a:rPr lang="de-AT" dirty="0" err="1">
+                <a:latin typeface="Arial" panose="020B0604020202020204" pitchFamily="34" charset="0"/>
+                <a:cs typeface="Arial" panose="020B0604020202020204" pitchFamily="34" charset="0"/>
+              </a:rPr>
+              <a:t>int</a:t>
+            </a:r>
+            <a:r>
+              <a:rPr lang="de-AT" dirty="0">
+                <a:latin typeface="Arial" panose="020B0604020202020204" pitchFamily="34" charset="0"/>
+                <a:cs typeface="Arial" panose="020B0604020202020204" pitchFamily="34" charset="0"/>
+              </a:rPr>
+              <a:t> </a:t>
+            </a:r>
+            <a:r>
+              <a:rPr lang="de-AT" dirty="0" err="1">
+                <a:latin typeface="Arial" panose="020B0604020202020204" pitchFamily="34" charset="0"/>
+                <a:cs typeface="Arial" panose="020B0604020202020204" pitchFamily="34" charset="0"/>
+              </a:rPr>
+              <a:t>speed</a:t>
+            </a:r>
+            <a:r>
+              <a:rPr lang="de-AT" dirty="0">
+                <a:latin typeface="Arial" panose="020B0604020202020204" pitchFamily="34" charset="0"/>
+                <a:cs typeface="Arial" panose="020B0604020202020204" pitchFamily="34" charset="0"/>
+              </a:rPr>
+              <a:t>)</a:t>
+            </a:r>
+          </a:p>
+        </p:txBody>
+      </p:sp>
+      <p:sp>
+        <p:nvSpPr>
+          <p:cNvPr id="10" name="Rechteck 9">
+            <a:extLst>
+              <a:ext uri="{FF2B5EF4-FFF2-40B4-BE49-F238E27FC236}">
+                <a16:creationId xmlns:a16="http://schemas.microsoft.com/office/drawing/2014/main" id="{BBC1ABAE-4E00-4D18-B525-43D32372F32A}"/>
+              </a:ext>
+            </a:extLst>
+          </p:cNvPr>
+          <p:cNvSpPr/>
+          <p:nvPr/>
+        </p:nvSpPr>
+        <p:spPr>
+          <a:xfrm>
+            <a:off x="7158931" y="3532987"/>
+            <a:ext cx="2268000" cy="396000"/>
+          </a:xfrm>
+          <a:prstGeom prst="rect">
+            <a:avLst/>
+          </a:prstGeom>
+          <a:noFill/>
+          <a:ln w="9525" cap="flat" cmpd="sng" algn="ctr">
+            <a:solidFill>
+              <a:schemeClr val="dk1"/>
+            </a:solidFill>
+            <a:prstDash val="solid"/>
+            <a:round/>
+            <a:headEnd type="none" w="med" len="med"/>
+            <a:tailEnd type="arrow" w="med" len="med"/>
+          </a:ln>
+        </p:spPr>
+        <p:style>
+          <a:lnRef idx="0">
+            <a:scrgbClr r="0" g="0" b="0"/>
+          </a:lnRef>
+          <a:fillRef idx="0">
+            <a:scrgbClr r="0" g="0" b="0"/>
+          </a:fillRef>
+          <a:effectRef idx="0">
+            <a:scrgbClr r="0" g="0" b="0"/>
+          </a:effectRef>
+          <a:fontRef idx="minor">
+            <a:schemeClr val="dk1"/>
+          </a:fontRef>
+        </p:style>
+        <p:txBody>
+          <a:bodyPr rtlCol="0" anchor="ctr"/>
+          <a:lstStyle/>
+          <a:p>
+            <a:pPr algn="ctr"/>
+            <a:r>
+              <a:rPr lang="de-AT" b="1" dirty="0">
+                <a:latin typeface="Arial" panose="020B0604020202020204" pitchFamily="34" charset="0"/>
+                <a:cs typeface="Arial" panose="020B0604020202020204" pitchFamily="34" charset="0"/>
+              </a:rPr>
+              <a:t>Item</a:t>
+            </a:r>
+            <a:endParaRPr lang="de-AT" sz="2000" b="1" dirty="0">
+              <a:latin typeface="Arial" panose="020B0604020202020204" pitchFamily="34" charset="0"/>
+              <a:cs typeface="Arial" panose="020B0604020202020204" pitchFamily="34" charset="0"/>
+            </a:endParaRPr>
+          </a:p>
+        </p:txBody>
+      </p:sp>
+      <p:sp>
+        <p:nvSpPr>
+          <p:cNvPr id="11" name="Rechteck 10">
+            <a:extLst>
+              <a:ext uri="{FF2B5EF4-FFF2-40B4-BE49-F238E27FC236}">
+                <a16:creationId xmlns:a16="http://schemas.microsoft.com/office/drawing/2014/main" id="{00738868-C64D-4960-80AB-D7C7DCEE9611}"/>
+              </a:ext>
+            </a:extLst>
+          </p:cNvPr>
+          <p:cNvSpPr/>
+          <p:nvPr/>
+        </p:nvSpPr>
+        <p:spPr>
+          <a:xfrm>
+            <a:off x="7158931" y="3926173"/>
+            <a:ext cx="2268000" cy="1160191"/>
+          </a:xfrm>
+          <a:prstGeom prst="rect">
+            <a:avLst/>
+          </a:prstGeom>
+          <a:noFill/>
+          <a:ln w="9525" cap="flat" cmpd="sng" algn="ctr">
+            <a:solidFill>
+              <a:schemeClr val="dk1"/>
+            </a:solidFill>
+            <a:prstDash val="solid"/>
+            <a:round/>
+            <a:headEnd type="none" w="med" len="med"/>
+            <a:tailEnd type="arrow" w="med" len="med"/>
+          </a:ln>
+        </p:spPr>
+        <p:style>
+          <a:lnRef idx="0">
+            <a:scrgbClr r="0" g="0" b="0"/>
+          </a:lnRef>
+          <a:fillRef idx="0">
+            <a:scrgbClr r="0" g="0" b="0"/>
+          </a:fillRef>
+          <a:effectRef idx="0">
+            <a:scrgbClr r="0" g="0" b="0"/>
+          </a:effectRef>
+          <a:fontRef idx="minor">
+            <a:schemeClr val="dk1"/>
+          </a:fontRef>
+        </p:style>
+        <p:txBody>
+          <a:bodyPr rtlCol="0" anchor="ctr"/>
+          <a:lstStyle/>
+          <a:p>
+            <a:r>
+              <a:rPr lang="de-AT" dirty="0" err="1">
+                <a:latin typeface="Arial" panose="020B0604020202020204" pitchFamily="34" charset="0"/>
+                <a:cs typeface="Arial" panose="020B0604020202020204" pitchFamily="34" charset="0"/>
+              </a:rPr>
+              <a:t>Int</a:t>
+            </a:r>
+            <a:r>
+              <a:rPr lang="de-AT" dirty="0">
+                <a:latin typeface="Arial" panose="020B0604020202020204" pitchFamily="34" charset="0"/>
+                <a:cs typeface="Arial" panose="020B0604020202020204" pitchFamily="34" charset="0"/>
+              </a:rPr>
+              <a:t> </a:t>
+            </a:r>
+            <a:r>
+              <a:rPr lang="de-AT" dirty="0" err="1">
+                <a:latin typeface="Arial" panose="020B0604020202020204" pitchFamily="34" charset="0"/>
+                <a:cs typeface="Arial" panose="020B0604020202020204" pitchFamily="34" charset="0"/>
+              </a:rPr>
+              <a:t>weight</a:t>
+            </a:r>
+            <a:endParaRPr lang="de-AT" dirty="0">
+              <a:latin typeface="Arial" panose="020B0604020202020204" pitchFamily="34" charset="0"/>
+              <a:cs typeface="Arial" panose="020B0604020202020204" pitchFamily="34" charset="0"/>
+            </a:endParaRPr>
+          </a:p>
+          <a:p>
+            <a:r>
+              <a:rPr lang="de-AT" dirty="0" err="1">
+                <a:latin typeface="Arial" panose="020B0604020202020204" pitchFamily="34" charset="0"/>
+                <a:cs typeface="Arial" panose="020B0604020202020204" pitchFamily="34" charset="0"/>
+              </a:rPr>
+              <a:t>Int</a:t>
+            </a:r>
+            <a:r>
+              <a:rPr lang="de-AT" dirty="0">
+                <a:latin typeface="Arial" panose="020B0604020202020204" pitchFamily="34" charset="0"/>
+                <a:cs typeface="Arial" panose="020B0604020202020204" pitchFamily="34" charset="0"/>
+              </a:rPr>
+              <a:t> </a:t>
+            </a:r>
+            <a:r>
+              <a:rPr lang="de-AT" dirty="0" err="1">
+                <a:latin typeface="Arial" panose="020B0604020202020204" pitchFamily="34" charset="0"/>
+                <a:cs typeface="Arial" panose="020B0604020202020204" pitchFamily="34" charset="0"/>
+              </a:rPr>
+              <a:t>xLength</a:t>
+            </a:r>
+            <a:endParaRPr lang="de-AT" dirty="0">
+              <a:latin typeface="Arial" panose="020B0604020202020204" pitchFamily="34" charset="0"/>
+              <a:cs typeface="Arial" panose="020B0604020202020204" pitchFamily="34" charset="0"/>
+            </a:endParaRPr>
+          </a:p>
+          <a:p>
+            <a:r>
+              <a:rPr lang="de-AT" dirty="0" err="1">
+                <a:latin typeface="Arial" panose="020B0604020202020204" pitchFamily="34" charset="0"/>
+                <a:cs typeface="Arial" panose="020B0604020202020204" pitchFamily="34" charset="0"/>
+              </a:rPr>
+              <a:t>Int</a:t>
+            </a:r>
+            <a:r>
+              <a:rPr lang="de-AT" dirty="0">
+                <a:latin typeface="Arial" panose="020B0604020202020204" pitchFamily="34" charset="0"/>
+                <a:cs typeface="Arial" panose="020B0604020202020204" pitchFamily="34" charset="0"/>
+              </a:rPr>
+              <a:t> </a:t>
+            </a:r>
+            <a:r>
+              <a:rPr lang="de-AT" dirty="0" err="1">
+                <a:latin typeface="Arial" panose="020B0604020202020204" pitchFamily="34" charset="0"/>
+                <a:cs typeface="Arial" panose="020B0604020202020204" pitchFamily="34" charset="0"/>
+              </a:rPr>
+              <a:t>yLength</a:t>
+            </a:r>
+            <a:endParaRPr lang="de-AT" dirty="0">
+              <a:latin typeface="Arial" panose="020B0604020202020204" pitchFamily="34" charset="0"/>
+              <a:cs typeface="Arial" panose="020B0604020202020204" pitchFamily="34" charset="0"/>
+            </a:endParaRPr>
+          </a:p>
+          <a:p>
+            <a:r>
+              <a:rPr lang="de-AT" dirty="0" err="1">
+                <a:latin typeface="Arial" panose="020B0604020202020204" pitchFamily="34" charset="0"/>
+                <a:cs typeface="Arial" panose="020B0604020202020204" pitchFamily="34" charset="0"/>
+              </a:rPr>
+              <a:t>Int</a:t>
+            </a:r>
+            <a:r>
+              <a:rPr lang="de-AT" dirty="0">
+                <a:latin typeface="Arial" panose="020B0604020202020204" pitchFamily="34" charset="0"/>
+                <a:cs typeface="Arial" panose="020B0604020202020204" pitchFamily="34" charset="0"/>
+              </a:rPr>
+              <a:t> </a:t>
+            </a:r>
+            <a:r>
+              <a:rPr lang="de-AT" dirty="0" err="1">
+                <a:latin typeface="Arial" panose="020B0604020202020204" pitchFamily="34" charset="0"/>
+                <a:cs typeface="Arial" panose="020B0604020202020204" pitchFamily="34" charset="0"/>
+              </a:rPr>
+              <a:t>zLength</a:t>
+            </a:r>
+            <a:endParaRPr lang="de-AT" dirty="0">
+              <a:latin typeface="Arial" panose="020B0604020202020204" pitchFamily="34" charset="0"/>
+              <a:cs typeface="Arial" panose="020B0604020202020204" pitchFamily="34" charset="0"/>
+            </a:endParaRPr>
+          </a:p>
+        </p:txBody>
+      </p:sp>
+      <p:cxnSp>
+        <p:nvCxnSpPr>
+          <p:cNvPr id="13" name="Verbinder: gewinkelt 98">
+            <a:extLst>
+              <a:ext uri="{FF2B5EF4-FFF2-40B4-BE49-F238E27FC236}">
+                <a16:creationId xmlns:a16="http://schemas.microsoft.com/office/drawing/2014/main" id="{6271F736-EE5E-4675-A7CD-73B09BD744EF}"/>
+              </a:ext>
+            </a:extLst>
+          </p:cNvPr>
+          <p:cNvCxnSpPr>
+            <a:cxnSpLocks/>
+            <a:stCxn id="5" idx="1"/>
+            <a:endCxn id="7" idx="0"/>
+          </p:cNvCxnSpPr>
+          <p:nvPr/>
+        </p:nvCxnSpPr>
+        <p:spPr>
+          <a:xfrm rot="10800000" flipV="1">
+            <a:off x="3506633" y="1644635"/>
+            <a:ext cx="955151" cy="2018165"/>
+          </a:xfrm>
+          <a:prstGeom prst="bentConnector2">
+            <a:avLst/>
+          </a:prstGeom>
+          <a:noFill/>
+          <a:ln w="12700" cap="flat" cmpd="sng">
+            <a:solidFill>
+              <a:schemeClr val="dk1"/>
+            </a:solidFill>
+            <a:prstDash val="solid"/>
+            <a:miter lim="800000"/>
+            <a:headEnd type="none" w="sm" len="sm"/>
+            <a:tailEnd type="triangle" w="lg" len="lg"/>
+          </a:ln>
+        </p:spPr>
+      </p:cxnSp>
+      <p:cxnSp>
+        <p:nvCxnSpPr>
+          <p:cNvPr id="16" name="Verbinder: gewinkelt 98">
+            <a:extLst>
+              <a:ext uri="{FF2B5EF4-FFF2-40B4-BE49-F238E27FC236}">
+                <a16:creationId xmlns:a16="http://schemas.microsoft.com/office/drawing/2014/main" id="{CD4FFD6B-F15E-47F6-9F74-C6299D5EDA9E}"/>
+              </a:ext>
+            </a:extLst>
+          </p:cNvPr>
+          <p:cNvCxnSpPr>
+            <a:cxnSpLocks/>
+            <a:stCxn id="11" idx="1"/>
+            <a:endCxn id="8" idx="3"/>
+          </p:cNvCxnSpPr>
+          <p:nvPr/>
+        </p:nvCxnSpPr>
+        <p:spPr>
+          <a:xfrm rot="10800000">
+            <a:off x="5332781" y="4502527"/>
+            <a:ext cx="1826150" cy="3742"/>
+          </a:xfrm>
+          <a:prstGeom prst="bentConnector3">
+            <a:avLst>
+              <a:gd name="adj1" fmla="val 50000"/>
+            </a:avLst>
+          </a:prstGeom>
+          <a:noFill/>
+          <a:ln w="12700" cap="flat" cmpd="sng">
+            <a:solidFill>
+              <a:schemeClr val="dk1"/>
+            </a:solidFill>
+            <a:prstDash val="solid"/>
+            <a:miter lim="800000"/>
+            <a:headEnd type="none" w="sm" len="sm"/>
+            <a:tailEnd type="triangle" w="lg" len="lg"/>
+          </a:ln>
+        </p:spPr>
+      </p:cxnSp>
+      <p:cxnSp>
+        <p:nvCxnSpPr>
+          <p:cNvPr id="19" name="Verbinder: gewinkelt 98">
+            <a:extLst>
+              <a:ext uri="{FF2B5EF4-FFF2-40B4-BE49-F238E27FC236}">
+                <a16:creationId xmlns:a16="http://schemas.microsoft.com/office/drawing/2014/main" id="{A977F2F4-7F68-46AE-B96A-7B856AE5851C}"/>
+              </a:ext>
+            </a:extLst>
+          </p:cNvPr>
+          <p:cNvCxnSpPr>
+            <a:cxnSpLocks/>
+            <a:stCxn id="5" idx="3"/>
+            <a:endCxn id="10" idx="0"/>
+          </p:cNvCxnSpPr>
+          <p:nvPr/>
+        </p:nvCxnSpPr>
+        <p:spPr>
+          <a:xfrm>
+            <a:off x="6945783" y="1644636"/>
+            <a:ext cx="1347148" cy="1888351"/>
+          </a:xfrm>
+          <a:prstGeom prst="bentConnector2">
+            <a:avLst/>
+          </a:prstGeom>
+          <a:noFill/>
+          <a:ln w="12700" cap="flat" cmpd="sng">
+            <a:solidFill>
+              <a:schemeClr val="dk1"/>
+            </a:solidFill>
+            <a:prstDash val="solid"/>
+            <a:miter lim="800000"/>
+            <a:headEnd type="none" w="sm" len="sm"/>
+            <a:tailEnd type="triangle" w="lg" len="lg"/>
+          </a:ln>
+        </p:spPr>
+      </p:cxnSp>
+      <p:sp>
+        <p:nvSpPr>
+          <p:cNvPr id="22" name="Google Shape;559;g10f8d9d020d_0_26">
+            <a:extLst>
+              <a:ext uri="{FF2B5EF4-FFF2-40B4-BE49-F238E27FC236}">
+                <a16:creationId xmlns:a16="http://schemas.microsoft.com/office/drawing/2014/main" id="{591D0360-93FA-4209-92E6-8743211FCA7C}"/>
+              </a:ext>
+            </a:extLst>
+          </p:cNvPr>
+          <p:cNvSpPr txBox="1"/>
+          <p:nvPr/>
+        </p:nvSpPr>
+        <p:spPr>
+          <a:xfrm>
+            <a:off x="6974547" y="1324551"/>
+            <a:ext cx="1318384" cy="212149"/>
+          </a:xfrm>
+          <a:prstGeom prst="rect">
+            <a:avLst/>
+          </a:prstGeom>
+          <a:noFill/>
+          <a:ln>
+            <a:noFill/>
+          </a:ln>
+        </p:spPr>
+        <p:txBody>
+          <a:bodyPr spcFirstLastPara="1" wrap="square" lIns="0" tIns="0" rIns="0" bIns="0" anchor="t" anchorCtr="0">
+            <a:noAutofit/>
+          </a:bodyPr>
+          <a:lstStyle/>
+          <a:p>
+            <a:pPr marL="0" marR="0" lvl="0" indent="0" algn="l" rtl="0">
+              <a:lnSpc>
+                <a:spcPct val="100000"/>
+              </a:lnSpc>
+              <a:spcBef>
+                <a:spcPts val="0"/>
+              </a:spcBef>
+              <a:spcAft>
+                <a:spcPts val="0"/>
+              </a:spcAft>
+              <a:buClr>
+                <a:srgbClr val="000000"/>
+              </a:buClr>
+              <a:buSzPts val="1100"/>
+              <a:buFont typeface="Arial"/>
+              <a:buNone/>
+            </a:pPr>
+            <a:r>
+              <a:rPr lang="en-US" sz="1400" b="0" i="0" u="none" strike="noStrike" cap="none" dirty="0">
+                <a:solidFill>
+                  <a:schemeClr val="dk1"/>
+                </a:solidFill>
+                <a:latin typeface="Arial"/>
+                <a:ea typeface="Arial"/>
+                <a:cs typeface="Arial"/>
+                <a:sym typeface="Arial"/>
+              </a:rPr>
+              <a:t>[0..1] </a:t>
+            </a:r>
+            <a:r>
+              <a:rPr lang="en-US" sz="1400" b="0" i="0" u="none" strike="noStrike" cap="none" dirty="0" err="1">
+                <a:solidFill>
+                  <a:schemeClr val="dk1"/>
+                </a:solidFill>
+                <a:latin typeface="Arial"/>
+                <a:ea typeface="Arial"/>
+                <a:cs typeface="Arial"/>
+                <a:sym typeface="Arial"/>
+              </a:rPr>
+              <a:t>holdsItem</a:t>
+            </a:r>
+            <a:endParaRPr sz="1400" dirty="0">
+              <a:solidFill>
+                <a:schemeClr val="dk1"/>
+              </a:solidFill>
+              <a:latin typeface="Arial"/>
+              <a:cs typeface="Arial"/>
+              <a:sym typeface="Arial"/>
+            </a:endParaRPr>
+          </a:p>
+        </p:txBody>
+      </p:sp>
+      <p:sp>
+        <p:nvSpPr>
+          <p:cNvPr id="23" name="Google Shape;559;g10f8d9d020d_0_26">
+            <a:extLst>
+              <a:ext uri="{FF2B5EF4-FFF2-40B4-BE49-F238E27FC236}">
+                <a16:creationId xmlns:a16="http://schemas.microsoft.com/office/drawing/2014/main" id="{4D93E33B-1C11-4AC7-BF7A-7CB7FAC90657}"/>
+              </a:ext>
+            </a:extLst>
+          </p:cNvPr>
+          <p:cNvSpPr txBox="1"/>
+          <p:nvPr/>
+        </p:nvSpPr>
+        <p:spPr>
+          <a:xfrm>
+            <a:off x="5684513" y="4199095"/>
+            <a:ext cx="1423448" cy="183850"/>
+          </a:xfrm>
+          <a:prstGeom prst="rect">
+            <a:avLst/>
+          </a:prstGeom>
+          <a:noFill/>
+          <a:ln>
+            <a:noFill/>
+          </a:ln>
+        </p:spPr>
+        <p:txBody>
+          <a:bodyPr spcFirstLastPara="1" wrap="square" lIns="0" tIns="0" rIns="0" bIns="0" anchor="t" anchorCtr="0">
+            <a:noAutofit/>
+          </a:bodyPr>
+          <a:lstStyle/>
+          <a:p>
+            <a:pPr marL="0" marR="0" lvl="0" indent="0" algn="l" rtl="0">
+              <a:lnSpc>
+                <a:spcPct val="100000"/>
+              </a:lnSpc>
+              <a:spcBef>
+                <a:spcPts val="0"/>
+              </a:spcBef>
+              <a:spcAft>
+                <a:spcPts val="0"/>
+              </a:spcAft>
+              <a:buClr>
+                <a:srgbClr val="000000"/>
+              </a:buClr>
+              <a:buSzPts val="1100"/>
+              <a:buFont typeface="Arial"/>
+              <a:buNone/>
+            </a:pPr>
+            <a:r>
+              <a:rPr lang="en-US" sz="1400" b="0" i="0" u="none" strike="noStrike" cap="none" dirty="0">
+                <a:solidFill>
+                  <a:schemeClr val="dk1"/>
+                </a:solidFill>
+                <a:latin typeface="Arial"/>
+                <a:ea typeface="Arial"/>
+                <a:cs typeface="Arial"/>
+                <a:sym typeface="Arial"/>
+              </a:rPr>
+              <a:t>[0..1] </a:t>
+            </a:r>
+            <a:r>
+              <a:rPr lang="en-US" sz="1400" b="0" i="0" u="none" strike="noStrike" cap="none" dirty="0" err="1">
+                <a:solidFill>
+                  <a:schemeClr val="dk1"/>
+                </a:solidFill>
+                <a:latin typeface="Arial"/>
+                <a:ea typeface="Arial"/>
+                <a:cs typeface="Arial"/>
+                <a:sym typeface="Arial"/>
+              </a:rPr>
+              <a:t>placedOn</a:t>
+            </a:r>
+            <a:endParaRPr sz="1400" dirty="0">
+              <a:solidFill>
+                <a:schemeClr val="dk1"/>
+              </a:solidFill>
+              <a:latin typeface="Arial"/>
+              <a:cs typeface="Arial"/>
+              <a:sym typeface="Arial"/>
+            </a:endParaRPr>
+          </a:p>
+        </p:txBody>
+      </p:sp>
+      <p:sp>
+        <p:nvSpPr>
+          <p:cNvPr id="24" name="Google Shape;559;g10f8d9d020d_0_26">
+            <a:extLst>
+              <a:ext uri="{FF2B5EF4-FFF2-40B4-BE49-F238E27FC236}">
+                <a16:creationId xmlns:a16="http://schemas.microsoft.com/office/drawing/2014/main" id="{41B74B0B-C387-4B54-A4CC-5B84CCDA4204}"/>
+              </a:ext>
+            </a:extLst>
+          </p:cNvPr>
+          <p:cNvSpPr txBox="1"/>
+          <p:nvPr/>
+        </p:nvSpPr>
+        <p:spPr>
+          <a:xfrm>
+            <a:off x="3272484" y="1368861"/>
+            <a:ext cx="1423448" cy="183850"/>
+          </a:xfrm>
+          <a:prstGeom prst="rect">
+            <a:avLst/>
+          </a:prstGeom>
+          <a:noFill/>
+          <a:ln>
+            <a:noFill/>
+          </a:ln>
+        </p:spPr>
+        <p:txBody>
+          <a:bodyPr spcFirstLastPara="1" wrap="square" lIns="0" tIns="0" rIns="0" bIns="0" anchor="t" anchorCtr="0">
+            <a:noAutofit/>
+          </a:bodyPr>
+          <a:lstStyle/>
+          <a:p>
+            <a:pPr marL="0" marR="0" lvl="0" indent="0" algn="l" rtl="0">
+              <a:lnSpc>
+                <a:spcPct val="100000"/>
+              </a:lnSpc>
+              <a:spcBef>
+                <a:spcPts val="0"/>
+              </a:spcBef>
+              <a:spcAft>
+                <a:spcPts val="0"/>
+              </a:spcAft>
+              <a:buClr>
+                <a:srgbClr val="000000"/>
+              </a:buClr>
+              <a:buSzPts val="1100"/>
+              <a:buFont typeface="Arial"/>
+              <a:buNone/>
+            </a:pPr>
+            <a:r>
+              <a:rPr lang="en-US" sz="1400" b="0" i="0" u="none" strike="noStrike" cap="none" dirty="0">
+                <a:solidFill>
+                  <a:schemeClr val="dk1"/>
+                </a:solidFill>
+                <a:latin typeface="Arial"/>
+                <a:ea typeface="Arial"/>
+                <a:cs typeface="Arial"/>
+                <a:sym typeface="Arial"/>
+              </a:rPr>
+              <a:t>[0..*] reaches</a:t>
+            </a:r>
+            <a:endParaRPr sz="1400" dirty="0">
+              <a:solidFill>
+                <a:schemeClr val="dk1"/>
+              </a:solidFill>
+              <a:latin typeface="Arial"/>
+              <a:cs typeface="Arial"/>
+              <a:sym typeface="Arial"/>
+            </a:endParaRPr>
+          </a:p>
+        </p:txBody>
+      </p:sp>
+    </p:spTree>
+    <p:extLst>
+      <p:ext uri="{BB962C8B-B14F-4D97-AF65-F5344CB8AC3E}">
+        <p14:creationId xmlns:p14="http://schemas.microsoft.com/office/powerpoint/2010/main" val="2859471093"/>
+      </p:ext>
+    </p:extLst>
+  </p:cSld>
+  <p:clrMapOvr>
+    <a:masterClrMapping/>
+  </p:clrMapOvr>
+</p:sld>
+</file>
+
+<file path=ppt/slides/slide7.xml><?xml version="1.0" encoding="utf-8"?>
+<p:sld xmlns:a="http://schemas.openxmlformats.org/drawingml/2006/main" xmlns:r="http://schemas.openxmlformats.org/officeDocument/2006/relationships" xmlns:p="http://schemas.openxmlformats.org/presentationml/2006/main">
+  <p:cSld>
+    <p:spTree>
+      <p:nvGrpSpPr>
+        <p:cNvPr id="1" name=""/>
+        <p:cNvGrpSpPr/>
+        <p:nvPr/>
+      </p:nvGrpSpPr>
+      <p:grpSpPr>
+        <a:xfrm>
+          <a:off x="0" y="0"/>
+          <a:ext cx="0" cy="0"/>
+          <a:chOff x="0" y="0"/>
+          <a:chExt cx="0" cy="0"/>
+        </a:xfrm>
+      </p:grpSpPr>
+      <p:sp>
+        <p:nvSpPr>
+          <p:cNvPr id="3" name="Rechteck 2">
+            <a:extLst>
+              <a:ext uri="{FF2B5EF4-FFF2-40B4-BE49-F238E27FC236}">
+                <a16:creationId xmlns:a16="http://schemas.microsoft.com/office/drawing/2014/main" id="{86B32E27-A95F-4F45-B199-5BA2CAED227B}"/>
+              </a:ext>
+            </a:extLst>
+          </p:cNvPr>
+          <p:cNvSpPr/>
+          <p:nvPr/>
+        </p:nvSpPr>
+        <p:spPr>
+          <a:xfrm>
+            <a:off x="118381" y="1721004"/>
+            <a:ext cx="2484000" cy="396000"/>
+          </a:xfrm>
+          <a:prstGeom prst="rect">
+            <a:avLst/>
+          </a:prstGeom>
+          <a:noFill/>
+          <a:ln w="9525" cap="flat" cmpd="sng" algn="ctr">
+            <a:solidFill>
+              <a:schemeClr val="dk1"/>
+            </a:solidFill>
+            <a:prstDash val="solid"/>
+            <a:round/>
+            <a:headEnd type="none" w="med" len="med"/>
+            <a:tailEnd type="arrow" w="med" len="med"/>
+          </a:ln>
+        </p:spPr>
+        <p:style>
+          <a:lnRef idx="0">
+            <a:scrgbClr r="0" g="0" b="0"/>
+          </a:lnRef>
+          <a:fillRef idx="0">
+            <a:scrgbClr r="0" g="0" b="0"/>
+          </a:fillRef>
+          <a:effectRef idx="0">
+            <a:scrgbClr r="0" g="0" b="0"/>
+          </a:effectRef>
+          <a:fontRef idx="minor">
+            <a:schemeClr val="dk1"/>
+          </a:fontRef>
+        </p:style>
+        <p:txBody>
+          <a:bodyPr rtlCol="0" anchor="ctr"/>
+          <a:lstStyle/>
+          <a:p>
+            <a:pPr algn="ctr"/>
+            <a:r>
+              <a:rPr lang="de-AT" b="1" dirty="0" err="1">
+                <a:latin typeface="Arial" panose="020B0604020202020204" pitchFamily="34" charset="0"/>
+                <a:cs typeface="Arial" panose="020B0604020202020204" pitchFamily="34" charset="0"/>
+              </a:rPr>
+              <a:t>GripperRobot</a:t>
+            </a:r>
+            <a:endParaRPr lang="de-AT" sz="2000" b="1" dirty="0">
+              <a:latin typeface="Arial" panose="020B0604020202020204" pitchFamily="34" charset="0"/>
+              <a:cs typeface="Arial" panose="020B0604020202020204" pitchFamily="34" charset="0"/>
+            </a:endParaRPr>
+          </a:p>
+        </p:txBody>
+      </p:sp>
+      <p:sp>
+        <p:nvSpPr>
+          <p:cNvPr id="5" name="Rechteck 4">
+            <a:extLst>
+              <a:ext uri="{FF2B5EF4-FFF2-40B4-BE49-F238E27FC236}">
+                <a16:creationId xmlns:a16="http://schemas.microsoft.com/office/drawing/2014/main" id="{D5FF2BBF-6AD1-481E-81EE-340C773B62B9}"/>
+              </a:ext>
+            </a:extLst>
+          </p:cNvPr>
+          <p:cNvSpPr/>
+          <p:nvPr/>
+        </p:nvSpPr>
+        <p:spPr>
+          <a:xfrm>
+            <a:off x="118381" y="2114190"/>
+            <a:ext cx="2484000" cy="893079"/>
+          </a:xfrm>
+          <a:prstGeom prst="rect">
+            <a:avLst/>
+          </a:prstGeom>
+          <a:noFill/>
+          <a:ln w="9525" cap="flat" cmpd="sng" algn="ctr">
+            <a:solidFill>
+              <a:schemeClr val="dk1"/>
+            </a:solidFill>
+            <a:prstDash val="solid"/>
+            <a:round/>
+            <a:headEnd type="none" w="med" len="med"/>
+            <a:tailEnd type="arrow" w="med" len="med"/>
+          </a:ln>
+        </p:spPr>
+        <p:style>
+          <a:lnRef idx="0">
+            <a:scrgbClr r="0" g="0" b="0"/>
+          </a:lnRef>
+          <a:fillRef idx="0">
+            <a:scrgbClr r="0" g="0" b="0"/>
+          </a:fillRef>
+          <a:effectRef idx="0">
+            <a:scrgbClr r="0" g="0" b="0"/>
+          </a:effectRef>
+          <a:fontRef idx="minor">
+            <a:schemeClr val="dk1"/>
+          </a:fontRef>
+        </p:style>
+        <p:txBody>
+          <a:bodyPr rtlCol="0" anchor="ctr"/>
+          <a:lstStyle/>
+          <a:p>
+            <a:r>
+              <a:rPr lang="de-AT" dirty="0" err="1">
+                <a:latin typeface="Arial" panose="020B0604020202020204" pitchFamily="34" charset="0"/>
+                <a:cs typeface="Arial" panose="020B0604020202020204" pitchFamily="34" charset="0"/>
+              </a:rPr>
+              <a:t>Int</a:t>
+            </a:r>
+            <a:r>
+              <a:rPr lang="de-AT" dirty="0">
+                <a:latin typeface="Arial" panose="020B0604020202020204" pitchFamily="34" charset="0"/>
+                <a:cs typeface="Arial" panose="020B0604020202020204" pitchFamily="34" charset="0"/>
+              </a:rPr>
+              <a:t> </a:t>
+            </a:r>
+            <a:r>
+              <a:rPr lang="de-AT" dirty="0" err="1">
+                <a:latin typeface="Arial" panose="020B0604020202020204" pitchFamily="34" charset="0"/>
+                <a:cs typeface="Arial" panose="020B0604020202020204" pitchFamily="34" charset="0"/>
+              </a:rPr>
+              <a:t>xPosition</a:t>
+            </a:r>
+            <a:endParaRPr lang="de-AT" dirty="0">
+              <a:latin typeface="Arial" panose="020B0604020202020204" pitchFamily="34" charset="0"/>
+              <a:cs typeface="Arial" panose="020B0604020202020204" pitchFamily="34" charset="0"/>
+            </a:endParaRPr>
+          </a:p>
+          <a:p>
+            <a:r>
+              <a:rPr lang="de-AT" dirty="0" err="1">
+                <a:latin typeface="Arial" panose="020B0604020202020204" pitchFamily="34" charset="0"/>
+                <a:cs typeface="Arial" panose="020B0604020202020204" pitchFamily="34" charset="0"/>
+              </a:rPr>
+              <a:t>Int</a:t>
+            </a:r>
+            <a:r>
+              <a:rPr lang="de-AT" dirty="0">
+                <a:latin typeface="Arial" panose="020B0604020202020204" pitchFamily="34" charset="0"/>
+                <a:cs typeface="Arial" panose="020B0604020202020204" pitchFamily="34" charset="0"/>
+              </a:rPr>
+              <a:t> </a:t>
+            </a:r>
+            <a:r>
+              <a:rPr lang="de-AT" dirty="0" err="1">
+                <a:latin typeface="Arial" panose="020B0604020202020204" pitchFamily="34" charset="0"/>
+                <a:cs typeface="Arial" panose="020B0604020202020204" pitchFamily="34" charset="0"/>
+              </a:rPr>
+              <a:t>yPosition</a:t>
+            </a:r>
+            <a:endParaRPr lang="de-AT" dirty="0">
+              <a:latin typeface="Arial" panose="020B0604020202020204" pitchFamily="34" charset="0"/>
+              <a:cs typeface="Arial" panose="020B0604020202020204" pitchFamily="34" charset="0"/>
+            </a:endParaRPr>
+          </a:p>
+          <a:p>
+            <a:r>
+              <a:rPr lang="de-AT" dirty="0" err="1">
+                <a:latin typeface="Arial" panose="020B0604020202020204" pitchFamily="34" charset="0"/>
+                <a:cs typeface="Arial" panose="020B0604020202020204" pitchFamily="34" charset="0"/>
+              </a:rPr>
+              <a:t>Int</a:t>
+            </a:r>
+            <a:r>
+              <a:rPr lang="de-AT" dirty="0">
+                <a:latin typeface="Arial" panose="020B0604020202020204" pitchFamily="34" charset="0"/>
+                <a:cs typeface="Arial" panose="020B0604020202020204" pitchFamily="34" charset="0"/>
+              </a:rPr>
+              <a:t> </a:t>
+            </a:r>
+            <a:r>
+              <a:rPr lang="de-AT" dirty="0" err="1">
+                <a:latin typeface="Arial" panose="020B0604020202020204" pitchFamily="34" charset="0"/>
+                <a:cs typeface="Arial" panose="020B0604020202020204" pitchFamily="34" charset="0"/>
+              </a:rPr>
+              <a:t>zPosition</a:t>
+            </a:r>
+            <a:endParaRPr lang="de-AT" dirty="0">
+              <a:latin typeface="Arial" panose="020B0604020202020204" pitchFamily="34" charset="0"/>
+              <a:cs typeface="Arial" panose="020B0604020202020204" pitchFamily="34" charset="0"/>
+            </a:endParaRPr>
+          </a:p>
+        </p:txBody>
+      </p:sp>
+      <p:sp>
+        <p:nvSpPr>
+          <p:cNvPr id="6" name="Rechteck 5">
+            <a:extLst>
+              <a:ext uri="{FF2B5EF4-FFF2-40B4-BE49-F238E27FC236}">
+                <a16:creationId xmlns:a16="http://schemas.microsoft.com/office/drawing/2014/main" id="{5167C230-BCD2-4285-B2FF-4FCD2CDD3DFF}"/>
+              </a:ext>
+            </a:extLst>
+          </p:cNvPr>
+          <p:cNvSpPr/>
+          <p:nvPr/>
+        </p:nvSpPr>
+        <p:spPr>
+          <a:xfrm>
+            <a:off x="118381" y="3007269"/>
+            <a:ext cx="2484000" cy="906025"/>
+          </a:xfrm>
+          <a:prstGeom prst="rect">
+            <a:avLst/>
+          </a:prstGeom>
+          <a:noFill/>
+          <a:ln w="9525" cap="flat" cmpd="sng" algn="ctr">
+            <a:solidFill>
+              <a:schemeClr val="dk1"/>
+            </a:solidFill>
+            <a:prstDash val="solid"/>
+            <a:round/>
+            <a:headEnd type="none" w="med" len="med"/>
+            <a:tailEnd type="arrow" w="med" len="med"/>
+          </a:ln>
+        </p:spPr>
+        <p:style>
+          <a:lnRef idx="0">
+            <a:scrgbClr r="0" g="0" b="0"/>
+          </a:lnRef>
+          <a:fillRef idx="0">
+            <a:scrgbClr r="0" g="0" b="0"/>
+          </a:fillRef>
+          <a:effectRef idx="0">
+            <a:scrgbClr r="0" g="0" b="0"/>
+          </a:effectRef>
+          <a:fontRef idx="minor">
+            <a:schemeClr val="dk1"/>
+          </a:fontRef>
+        </p:style>
+        <p:txBody>
+          <a:bodyPr rtlCol="0" anchor="ctr"/>
+          <a:lstStyle/>
+          <a:p>
+            <a:r>
+              <a:rPr lang="de-AT" dirty="0" err="1">
+                <a:latin typeface="Arial" panose="020B0604020202020204" pitchFamily="34" charset="0"/>
+                <a:cs typeface="Arial" panose="020B0604020202020204" pitchFamily="34" charset="0"/>
+              </a:rPr>
+              <a:t>Void</a:t>
+            </a:r>
+            <a:r>
+              <a:rPr lang="de-AT" dirty="0">
+                <a:latin typeface="Arial" panose="020B0604020202020204" pitchFamily="34" charset="0"/>
+                <a:cs typeface="Arial" panose="020B0604020202020204" pitchFamily="34" charset="0"/>
+              </a:rPr>
+              <a:t> </a:t>
+            </a:r>
+            <a:r>
+              <a:rPr lang="de-AT" dirty="0" err="1">
+                <a:latin typeface="Arial" panose="020B0604020202020204" pitchFamily="34" charset="0"/>
+                <a:cs typeface="Arial" panose="020B0604020202020204" pitchFamily="34" charset="0"/>
+              </a:rPr>
+              <a:t>moveX</a:t>
+            </a:r>
+            <a:r>
+              <a:rPr lang="de-AT" dirty="0">
+                <a:latin typeface="Arial" panose="020B0604020202020204" pitchFamily="34" charset="0"/>
+                <a:cs typeface="Arial" panose="020B0604020202020204" pitchFamily="34" charset="0"/>
+              </a:rPr>
+              <a:t>(</a:t>
+            </a:r>
+            <a:r>
+              <a:rPr lang="de-AT" dirty="0" err="1">
+                <a:latin typeface="Arial" panose="020B0604020202020204" pitchFamily="34" charset="0"/>
+                <a:cs typeface="Arial" panose="020B0604020202020204" pitchFamily="34" charset="0"/>
+              </a:rPr>
+              <a:t>int</a:t>
+            </a:r>
+            <a:r>
+              <a:rPr lang="de-AT" dirty="0">
+                <a:latin typeface="Arial" panose="020B0604020202020204" pitchFamily="34" charset="0"/>
+                <a:cs typeface="Arial" panose="020B0604020202020204" pitchFamily="34" charset="0"/>
+              </a:rPr>
+              <a:t> </a:t>
+            </a:r>
+            <a:r>
+              <a:rPr lang="de-AT" dirty="0" err="1">
+                <a:latin typeface="Arial" panose="020B0604020202020204" pitchFamily="34" charset="0"/>
+                <a:cs typeface="Arial" panose="020B0604020202020204" pitchFamily="34" charset="0"/>
+              </a:rPr>
+              <a:t>steps</a:t>
+            </a:r>
+            <a:r>
+              <a:rPr lang="de-AT" dirty="0">
+                <a:latin typeface="Arial" panose="020B0604020202020204" pitchFamily="34" charset="0"/>
+                <a:cs typeface="Arial" panose="020B0604020202020204" pitchFamily="34" charset="0"/>
+              </a:rPr>
+              <a:t>)</a:t>
+            </a:r>
+          </a:p>
+          <a:p>
+            <a:r>
+              <a:rPr lang="de-AT" dirty="0" err="1">
+                <a:latin typeface="Arial" panose="020B0604020202020204" pitchFamily="34" charset="0"/>
+                <a:cs typeface="Arial" panose="020B0604020202020204" pitchFamily="34" charset="0"/>
+              </a:rPr>
+              <a:t>Void</a:t>
+            </a:r>
+            <a:r>
+              <a:rPr lang="de-AT" dirty="0">
+                <a:latin typeface="Arial" panose="020B0604020202020204" pitchFamily="34" charset="0"/>
+                <a:cs typeface="Arial" panose="020B0604020202020204" pitchFamily="34" charset="0"/>
+              </a:rPr>
+              <a:t> </a:t>
+            </a:r>
+            <a:r>
+              <a:rPr lang="de-AT" dirty="0" err="1">
+                <a:latin typeface="Arial" panose="020B0604020202020204" pitchFamily="34" charset="0"/>
+                <a:cs typeface="Arial" panose="020B0604020202020204" pitchFamily="34" charset="0"/>
+              </a:rPr>
+              <a:t>moveY</a:t>
+            </a:r>
+            <a:r>
+              <a:rPr lang="de-AT" dirty="0">
+                <a:latin typeface="Arial" panose="020B0604020202020204" pitchFamily="34" charset="0"/>
+                <a:cs typeface="Arial" panose="020B0604020202020204" pitchFamily="34" charset="0"/>
+              </a:rPr>
+              <a:t>(</a:t>
+            </a:r>
+            <a:r>
+              <a:rPr lang="de-AT" dirty="0" err="1">
+                <a:latin typeface="Arial" panose="020B0604020202020204" pitchFamily="34" charset="0"/>
+                <a:cs typeface="Arial" panose="020B0604020202020204" pitchFamily="34" charset="0"/>
+              </a:rPr>
+              <a:t>int</a:t>
+            </a:r>
+            <a:r>
+              <a:rPr lang="de-AT" dirty="0">
+                <a:latin typeface="Arial" panose="020B0604020202020204" pitchFamily="34" charset="0"/>
+                <a:cs typeface="Arial" panose="020B0604020202020204" pitchFamily="34" charset="0"/>
+              </a:rPr>
+              <a:t> </a:t>
+            </a:r>
+            <a:r>
+              <a:rPr lang="de-AT" dirty="0" err="1">
+                <a:latin typeface="Arial" panose="020B0604020202020204" pitchFamily="34" charset="0"/>
+                <a:cs typeface="Arial" panose="020B0604020202020204" pitchFamily="34" charset="0"/>
+              </a:rPr>
+              <a:t>steps</a:t>
+            </a:r>
+            <a:r>
+              <a:rPr lang="de-AT" dirty="0">
+                <a:latin typeface="Arial" panose="020B0604020202020204" pitchFamily="34" charset="0"/>
+                <a:cs typeface="Arial" panose="020B0604020202020204" pitchFamily="34" charset="0"/>
+              </a:rPr>
+              <a:t>)</a:t>
+            </a:r>
+          </a:p>
+          <a:p>
+            <a:r>
+              <a:rPr lang="de-AT" dirty="0" err="1">
+                <a:latin typeface="Arial" panose="020B0604020202020204" pitchFamily="34" charset="0"/>
+                <a:cs typeface="Arial" panose="020B0604020202020204" pitchFamily="34" charset="0"/>
+              </a:rPr>
+              <a:t>Void</a:t>
+            </a:r>
+            <a:r>
+              <a:rPr lang="de-AT" dirty="0">
+                <a:latin typeface="Arial" panose="020B0604020202020204" pitchFamily="34" charset="0"/>
+                <a:cs typeface="Arial" panose="020B0604020202020204" pitchFamily="34" charset="0"/>
+              </a:rPr>
+              <a:t> </a:t>
+            </a:r>
+            <a:r>
+              <a:rPr lang="de-AT" dirty="0" err="1">
+                <a:latin typeface="Arial" panose="020B0604020202020204" pitchFamily="34" charset="0"/>
+                <a:cs typeface="Arial" panose="020B0604020202020204" pitchFamily="34" charset="0"/>
+              </a:rPr>
+              <a:t>moveZ</a:t>
+            </a:r>
+            <a:r>
+              <a:rPr lang="de-AT" dirty="0">
+                <a:latin typeface="Arial" panose="020B0604020202020204" pitchFamily="34" charset="0"/>
+                <a:cs typeface="Arial" panose="020B0604020202020204" pitchFamily="34" charset="0"/>
+              </a:rPr>
+              <a:t>(</a:t>
+            </a:r>
+            <a:r>
+              <a:rPr lang="de-AT" dirty="0" err="1">
+                <a:latin typeface="Arial" panose="020B0604020202020204" pitchFamily="34" charset="0"/>
+                <a:cs typeface="Arial" panose="020B0604020202020204" pitchFamily="34" charset="0"/>
+              </a:rPr>
+              <a:t>int</a:t>
+            </a:r>
+            <a:r>
+              <a:rPr lang="de-AT" dirty="0">
+                <a:latin typeface="Arial" panose="020B0604020202020204" pitchFamily="34" charset="0"/>
+                <a:cs typeface="Arial" panose="020B0604020202020204" pitchFamily="34" charset="0"/>
+              </a:rPr>
+              <a:t> </a:t>
+            </a:r>
+            <a:r>
+              <a:rPr lang="de-AT" dirty="0" err="1">
+                <a:latin typeface="Arial" panose="020B0604020202020204" pitchFamily="34" charset="0"/>
+                <a:cs typeface="Arial" panose="020B0604020202020204" pitchFamily="34" charset="0"/>
+              </a:rPr>
+              <a:t>steps</a:t>
+            </a:r>
+            <a:r>
+              <a:rPr lang="de-AT" dirty="0">
+                <a:latin typeface="Arial" panose="020B0604020202020204" pitchFamily="34" charset="0"/>
+                <a:cs typeface="Arial" panose="020B0604020202020204" pitchFamily="34" charset="0"/>
+              </a:rPr>
+              <a:t>)</a:t>
+            </a:r>
+          </a:p>
+        </p:txBody>
+      </p:sp>
+      <p:sp>
+        <p:nvSpPr>
+          <p:cNvPr id="7" name="Rechteck 6">
+            <a:extLst>
+              <a:ext uri="{FF2B5EF4-FFF2-40B4-BE49-F238E27FC236}">
+                <a16:creationId xmlns:a16="http://schemas.microsoft.com/office/drawing/2014/main" id="{C9D996D4-29E9-4AFB-8872-5F44D637CEB6}"/>
+              </a:ext>
+            </a:extLst>
+          </p:cNvPr>
+          <p:cNvSpPr/>
+          <p:nvPr/>
+        </p:nvSpPr>
+        <p:spPr>
+          <a:xfrm>
+            <a:off x="7634754" y="2326863"/>
+            <a:ext cx="3652298" cy="396000"/>
+          </a:xfrm>
+          <a:prstGeom prst="rect">
+            <a:avLst/>
+          </a:prstGeom>
+          <a:noFill/>
+          <a:ln w="9525" cap="flat" cmpd="sng" algn="ctr">
+            <a:solidFill>
+              <a:schemeClr val="dk1"/>
+            </a:solidFill>
+            <a:prstDash val="solid"/>
+            <a:round/>
+            <a:headEnd type="none" w="med" len="med"/>
+            <a:tailEnd type="arrow" w="med" len="med"/>
+          </a:ln>
+        </p:spPr>
+        <p:style>
+          <a:lnRef idx="0">
+            <a:scrgbClr r="0" g="0" b="0"/>
+          </a:lnRef>
+          <a:fillRef idx="0">
+            <a:scrgbClr r="0" g="0" b="0"/>
+          </a:fillRef>
+          <a:effectRef idx="0">
+            <a:scrgbClr r="0" g="0" b="0"/>
+          </a:effectRef>
+          <a:fontRef idx="minor">
+            <a:schemeClr val="dk1"/>
+          </a:fontRef>
+        </p:style>
+        <p:txBody>
+          <a:bodyPr rtlCol="0" anchor="ctr"/>
+          <a:lstStyle/>
+          <a:p>
+            <a:pPr algn="ctr"/>
+            <a:r>
+              <a:rPr lang="de-AT" b="1" dirty="0" err="1">
+                <a:latin typeface="Arial" panose="020B0604020202020204" pitchFamily="34" charset="0"/>
+                <a:cs typeface="Arial" panose="020B0604020202020204" pitchFamily="34" charset="0"/>
+              </a:rPr>
+              <a:t>Conveyor</a:t>
+            </a:r>
+            <a:endParaRPr lang="de-AT" sz="2000" b="1" dirty="0">
+              <a:latin typeface="Arial" panose="020B0604020202020204" pitchFamily="34" charset="0"/>
+              <a:cs typeface="Arial" panose="020B0604020202020204" pitchFamily="34" charset="0"/>
+            </a:endParaRPr>
+          </a:p>
+        </p:txBody>
+      </p:sp>
+      <p:sp>
+        <p:nvSpPr>
+          <p:cNvPr id="8" name="Rechteck 7">
+            <a:extLst>
+              <a:ext uri="{FF2B5EF4-FFF2-40B4-BE49-F238E27FC236}">
+                <a16:creationId xmlns:a16="http://schemas.microsoft.com/office/drawing/2014/main" id="{DE92F398-0017-4C45-9EFB-4243333FEAFE}"/>
+              </a:ext>
+            </a:extLst>
+          </p:cNvPr>
+          <p:cNvSpPr/>
+          <p:nvPr/>
+        </p:nvSpPr>
+        <p:spPr>
+          <a:xfrm>
+            <a:off x="7634753" y="2720049"/>
+            <a:ext cx="3652299" cy="893079"/>
+          </a:xfrm>
+          <a:prstGeom prst="rect">
+            <a:avLst/>
+          </a:prstGeom>
+          <a:noFill/>
+          <a:ln w="9525" cap="flat" cmpd="sng" algn="ctr">
+            <a:solidFill>
+              <a:schemeClr val="dk1"/>
+            </a:solidFill>
+            <a:prstDash val="solid"/>
+            <a:round/>
+            <a:headEnd type="none" w="med" len="med"/>
+            <a:tailEnd type="arrow" w="med" len="med"/>
+          </a:ln>
+        </p:spPr>
+        <p:style>
+          <a:lnRef idx="0">
+            <a:scrgbClr r="0" g="0" b="0"/>
+          </a:lnRef>
+          <a:fillRef idx="0">
+            <a:scrgbClr r="0" g="0" b="0"/>
+          </a:fillRef>
+          <a:effectRef idx="0">
+            <a:scrgbClr r="0" g="0" b="0"/>
+          </a:effectRef>
+          <a:fontRef idx="minor">
+            <a:schemeClr val="dk1"/>
+          </a:fontRef>
+        </p:style>
+        <p:txBody>
+          <a:bodyPr rtlCol="0" anchor="ctr"/>
+          <a:lstStyle/>
+          <a:p>
+            <a:r>
+              <a:rPr lang="de-AT" dirty="0">
+                <a:latin typeface="Arial" panose="020B0604020202020204" pitchFamily="34" charset="0"/>
+                <a:cs typeface="Arial" panose="020B0604020202020204" pitchFamily="34" charset="0"/>
+              </a:rPr>
+              <a:t>Boolean </a:t>
+            </a:r>
+            <a:r>
+              <a:rPr lang="de-AT" dirty="0" err="1">
+                <a:latin typeface="Arial" panose="020B0604020202020204" pitchFamily="34" charset="0"/>
+                <a:cs typeface="Arial" panose="020B0604020202020204" pitchFamily="34" charset="0"/>
+              </a:rPr>
+              <a:t>isOn</a:t>
+            </a:r>
+            <a:endParaRPr lang="de-AT" dirty="0">
+              <a:latin typeface="Arial" panose="020B0604020202020204" pitchFamily="34" charset="0"/>
+              <a:cs typeface="Arial" panose="020B0604020202020204" pitchFamily="34" charset="0"/>
+            </a:endParaRPr>
+          </a:p>
+          <a:p>
+            <a:r>
+              <a:rPr lang="de-AT" dirty="0" err="1">
+                <a:latin typeface="Arial" panose="020B0604020202020204" pitchFamily="34" charset="0"/>
+                <a:cs typeface="Arial" panose="020B0604020202020204" pitchFamily="34" charset="0"/>
+              </a:rPr>
+              <a:t>Int</a:t>
+            </a:r>
+            <a:r>
+              <a:rPr lang="de-AT" dirty="0">
+                <a:latin typeface="Arial" panose="020B0604020202020204" pitchFamily="34" charset="0"/>
+                <a:cs typeface="Arial" panose="020B0604020202020204" pitchFamily="34" charset="0"/>
+              </a:rPr>
+              <a:t> </a:t>
+            </a:r>
+            <a:r>
+              <a:rPr lang="de-AT" dirty="0" err="1">
+                <a:latin typeface="Arial" panose="020B0604020202020204" pitchFamily="34" charset="0"/>
+                <a:cs typeface="Arial" panose="020B0604020202020204" pitchFamily="34" charset="0"/>
+              </a:rPr>
+              <a:t>speed</a:t>
+            </a:r>
+            <a:endParaRPr lang="de-AT" dirty="0">
+              <a:latin typeface="Arial" panose="020B0604020202020204" pitchFamily="34" charset="0"/>
+              <a:cs typeface="Arial" panose="020B0604020202020204" pitchFamily="34" charset="0"/>
+            </a:endParaRPr>
+          </a:p>
+        </p:txBody>
+      </p:sp>
+      <p:sp>
+        <p:nvSpPr>
+          <p:cNvPr id="9" name="Rechteck 8">
+            <a:extLst>
+              <a:ext uri="{FF2B5EF4-FFF2-40B4-BE49-F238E27FC236}">
+                <a16:creationId xmlns:a16="http://schemas.microsoft.com/office/drawing/2014/main" id="{2622F68B-218C-4D54-B334-2DD9584372F3}"/>
+              </a:ext>
+            </a:extLst>
+          </p:cNvPr>
+          <p:cNvSpPr/>
+          <p:nvPr/>
+        </p:nvSpPr>
+        <p:spPr>
+          <a:xfrm>
+            <a:off x="7634752" y="3613128"/>
+            <a:ext cx="3652301" cy="906025"/>
+          </a:xfrm>
+          <a:prstGeom prst="rect">
+            <a:avLst/>
+          </a:prstGeom>
+          <a:noFill/>
+          <a:ln w="9525" cap="flat" cmpd="sng" algn="ctr">
+            <a:solidFill>
+              <a:schemeClr val="dk1"/>
+            </a:solidFill>
+            <a:prstDash val="solid"/>
+            <a:round/>
+            <a:headEnd type="none" w="med" len="med"/>
+            <a:tailEnd type="arrow" w="med" len="med"/>
+          </a:ln>
+        </p:spPr>
+        <p:style>
+          <a:lnRef idx="0">
+            <a:scrgbClr r="0" g="0" b="0"/>
+          </a:lnRef>
+          <a:fillRef idx="0">
+            <a:scrgbClr r="0" g="0" b="0"/>
+          </a:fillRef>
+          <a:effectRef idx="0">
+            <a:scrgbClr r="0" g="0" b="0"/>
+          </a:effectRef>
+          <a:fontRef idx="minor">
+            <a:schemeClr val="dk1"/>
+          </a:fontRef>
+        </p:style>
+        <p:txBody>
+          <a:bodyPr rtlCol="0" anchor="ctr"/>
+          <a:lstStyle/>
+          <a:p>
+            <a:r>
+              <a:rPr lang="de-AT" dirty="0">
+                <a:latin typeface="Arial" panose="020B0604020202020204" pitchFamily="34" charset="0"/>
+                <a:cs typeface="Arial" panose="020B0604020202020204" pitchFamily="34" charset="0"/>
+              </a:rPr>
+              <a:t>Boolean </a:t>
+            </a:r>
+            <a:r>
+              <a:rPr lang="de-AT" dirty="0" err="1">
+                <a:latin typeface="Arial" panose="020B0604020202020204" pitchFamily="34" charset="0"/>
+                <a:cs typeface="Arial" panose="020B0604020202020204" pitchFamily="34" charset="0"/>
+              </a:rPr>
+              <a:t>turnOn</a:t>
+            </a:r>
+            <a:r>
+              <a:rPr lang="de-AT" dirty="0">
+                <a:latin typeface="Arial" panose="020B0604020202020204" pitchFamily="34" charset="0"/>
+                <a:cs typeface="Arial" panose="020B0604020202020204" pitchFamily="34" charset="0"/>
+              </a:rPr>
+              <a:t>()</a:t>
+            </a:r>
+          </a:p>
+          <a:p>
+            <a:r>
+              <a:rPr lang="de-AT" dirty="0">
+                <a:latin typeface="Arial" panose="020B0604020202020204" pitchFamily="34" charset="0"/>
+                <a:cs typeface="Arial" panose="020B0604020202020204" pitchFamily="34" charset="0"/>
+              </a:rPr>
+              <a:t>Boolean </a:t>
+            </a:r>
+            <a:r>
+              <a:rPr lang="de-AT" dirty="0" err="1">
+                <a:latin typeface="Arial" panose="020B0604020202020204" pitchFamily="34" charset="0"/>
+                <a:cs typeface="Arial" panose="020B0604020202020204" pitchFamily="34" charset="0"/>
+              </a:rPr>
+              <a:t>turnOff</a:t>
+            </a:r>
+            <a:r>
+              <a:rPr lang="de-AT" dirty="0">
+                <a:latin typeface="Arial" panose="020B0604020202020204" pitchFamily="34" charset="0"/>
+                <a:cs typeface="Arial" panose="020B0604020202020204" pitchFamily="34" charset="0"/>
+              </a:rPr>
+              <a:t>()</a:t>
+            </a:r>
+          </a:p>
+          <a:p>
+            <a:r>
+              <a:rPr lang="de-AT" dirty="0" err="1">
+                <a:latin typeface="Arial" panose="020B0604020202020204" pitchFamily="34" charset="0"/>
+                <a:cs typeface="Arial" panose="020B0604020202020204" pitchFamily="34" charset="0"/>
+              </a:rPr>
+              <a:t>Void</a:t>
+            </a:r>
+            <a:r>
+              <a:rPr lang="de-AT" dirty="0">
+                <a:latin typeface="Arial" panose="020B0604020202020204" pitchFamily="34" charset="0"/>
+                <a:cs typeface="Arial" panose="020B0604020202020204" pitchFamily="34" charset="0"/>
+              </a:rPr>
+              <a:t> </a:t>
+            </a:r>
+            <a:r>
+              <a:rPr lang="de-AT" dirty="0" err="1">
+                <a:latin typeface="Arial" panose="020B0604020202020204" pitchFamily="34" charset="0"/>
+                <a:cs typeface="Arial" panose="020B0604020202020204" pitchFamily="34" charset="0"/>
+              </a:rPr>
+              <a:t>setDesiredSpeed</a:t>
+            </a:r>
+            <a:r>
+              <a:rPr lang="de-AT" dirty="0">
+                <a:latin typeface="Arial" panose="020B0604020202020204" pitchFamily="34" charset="0"/>
+                <a:cs typeface="Arial" panose="020B0604020202020204" pitchFamily="34" charset="0"/>
+              </a:rPr>
+              <a:t>(</a:t>
+            </a:r>
+            <a:r>
+              <a:rPr lang="de-AT" dirty="0" err="1">
+                <a:latin typeface="Arial" panose="020B0604020202020204" pitchFamily="34" charset="0"/>
+                <a:cs typeface="Arial" panose="020B0604020202020204" pitchFamily="34" charset="0"/>
+              </a:rPr>
+              <a:t>int</a:t>
+            </a:r>
+            <a:r>
+              <a:rPr lang="de-AT" dirty="0">
+                <a:latin typeface="Arial" panose="020B0604020202020204" pitchFamily="34" charset="0"/>
+                <a:cs typeface="Arial" panose="020B0604020202020204" pitchFamily="34" charset="0"/>
+              </a:rPr>
+              <a:t> </a:t>
+            </a:r>
+            <a:r>
+              <a:rPr lang="de-AT" dirty="0" err="1">
+                <a:latin typeface="Arial" panose="020B0604020202020204" pitchFamily="34" charset="0"/>
+                <a:cs typeface="Arial" panose="020B0604020202020204" pitchFamily="34" charset="0"/>
+              </a:rPr>
+              <a:t>speed</a:t>
+            </a:r>
+            <a:r>
+              <a:rPr lang="de-AT" dirty="0">
+                <a:latin typeface="Arial" panose="020B0604020202020204" pitchFamily="34" charset="0"/>
+                <a:cs typeface="Arial" panose="020B0604020202020204" pitchFamily="34" charset="0"/>
+              </a:rPr>
+              <a:t>)</a:t>
+            </a:r>
+          </a:p>
+        </p:txBody>
+      </p:sp>
+      <p:sp>
+        <p:nvSpPr>
+          <p:cNvPr id="10" name="Rechteck 9">
+            <a:extLst>
+              <a:ext uri="{FF2B5EF4-FFF2-40B4-BE49-F238E27FC236}">
+                <a16:creationId xmlns:a16="http://schemas.microsoft.com/office/drawing/2014/main" id="{BBC1ABAE-4E00-4D18-B525-43D32372F32A}"/>
+              </a:ext>
+            </a:extLst>
+          </p:cNvPr>
+          <p:cNvSpPr/>
+          <p:nvPr/>
+        </p:nvSpPr>
+        <p:spPr>
+          <a:xfrm>
+            <a:off x="4178198" y="193391"/>
+            <a:ext cx="2268000" cy="396000"/>
+          </a:xfrm>
+          <a:prstGeom prst="rect">
+            <a:avLst/>
+          </a:prstGeom>
+          <a:noFill/>
+          <a:ln w="9525" cap="flat" cmpd="sng" algn="ctr">
+            <a:solidFill>
+              <a:schemeClr val="dk1"/>
+            </a:solidFill>
+            <a:prstDash val="solid"/>
+            <a:round/>
+            <a:headEnd type="none" w="med" len="med"/>
+            <a:tailEnd type="arrow" w="med" len="med"/>
+          </a:ln>
+        </p:spPr>
+        <p:style>
+          <a:lnRef idx="0">
+            <a:scrgbClr r="0" g="0" b="0"/>
+          </a:lnRef>
+          <a:fillRef idx="0">
+            <a:scrgbClr r="0" g="0" b="0"/>
+          </a:fillRef>
+          <a:effectRef idx="0">
+            <a:scrgbClr r="0" g="0" b="0"/>
+          </a:effectRef>
+          <a:fontRef idx="minor">
+            <a:schemeClr val="dk1"/>
+          </a:fontRef>
+        </p:style>
+        <p:txBody>
+          <a:bodyPr rtlCol="0" anchor="ctr"/>
+          <a:lstStyle/>
+          <a:p>
+            <a:pPr algn="ctr"/>
+            <a:r>
+              <a:rPr lang="de-AT" b="1" dirty="0">
+                <a:latin typeface="Arial" panose="020B0604020202020204" pitchFamily="34" charset="0"/>
+                <a:cs typeface="Arial" panose="020B0604020202020204" pitchFamily="34" charset="0"/>
+              </a:rPr>
+              <a:t>Item</a:t>
+            </a:r>
+            <a:endParaRPr lang="de-AT" sz="2000" b="1" dirty="0">
+              <a:latin typeface="Arial" panose="020B0604020202020204" pitchFamily="34" charset="0"/>
+              <a:cs typeface="Arial" panose="020B0604020202020204" pitchFamily="34" charset="0"/>
+            </a:endParaRPr>
+          </a:p>
+        </p:txBody>
+      </p:sp>
+      <p:sp>
+        <p:nvSpPr>
+          <p:cNvPr id="11" name="Rechteck 10">
+            <a:extLst>
+              <a:ext uri="{FF2B5EF4-FFF2-40B4-BE49-F238E27FC236}">
+                <a16:creationId xmlns:a16="http://schemas.microsoft.com/office/drawing/2014/main" id="{00738868-C64D-4960-80AB-D7C7DCEE9611}"/>
+              </a:ext>
+            </a:extLst>
+          </p:cNvPr>
+          <p:cNvSpPr/>
+          <p:nvPr/>
+        </p:nvSpPr>
+        <p:spPr>
+          <a:xfrm>
+            <a:off x="4178198" y="586577"/>
+            <a:ext cx="2268000" cy="1160191"/>
+          </a:xfrm>
+          <a:prstGeom prst="rect">
+            <a:avLst/>
+          </a:prstGeom>
+          <a:noFill/>
+          <a:ln w="9525" cap="flat" cmpd="sng" algn="ctr">
+            <a:solidFill>
+              <a:schemeClr val="dk1"/>
+            </a:solidFill>
+            <a:prstDash val="solid"/>
+            <a:round/>
+            <a:headEnd type="none" w="med" len="med"/>
+            <a:tailEnd type="arrow" w="med" len="med"/>
+          </a:ln>
+        </p:spPr>
+        <p:style>
+          <a:lnRef idx="0">
+            <a:scrgbClr r="0" g="0" b="0"/>
+          </a:lnRef>
+          <a:fillRef idx="0">
+            <a:scrgbClr r="0" g="0" b="0"/>
+          </a:fillRef>
+          <a:effectRef idx="0">
+            <a:scrgbClr r="0" g="0" b="0"/>
+          </a:effectRef>
+          <a:fontRef idx="minor">
+            <a:schemeClr val="dk1"/>
+          </a:fontRef>
+        </p:style>
+        <p:txBody>
+          <a:bodyPr rtlCol="0" anchor="ctr"/>
+          <a:lstStyle/>
+          <a:p>
+            <a:r>
+              <a:rPr lang="de-AT" dirty="0" err="1">
+                <a:latin typeface="Arial" panose="020B0604020202020204" pitchFamily="34" charset="0"/>
+                <a:cs typeface="Arial" panose="020B0604020202020204" pitchFamily="34" charset="0"/>
+              </a:rPr>
+              <a:t>Int</a:t>
+            </a:r>
+            <a:r>
+              <a:rPr lang="de-AT" dirty="0">
+                <a:latin typeface="Arial" panose="020B0604020202020204" pitchFamily="34" charset="0"/>
+                <a:cs typeface="Arial" panose="020B0604020202020204" pitchFamily="34" charset="0"/>
+              </a:rPr>
+              <a:t> </a:t>
+            </a:r>
+            <a:r>
+              <a:rPr lang="de-AT" dirty="0" err="1">
+                <a:latin typeface="Arial" panose="020B0604020202020204" pitchFamily="34" charset="0"/>
+                <a:cs typeface="Arial" panose="020B0604020202020204" pitchFamily="34" charset="0"/>
+              </a:rPr>
+              <a:t>weight</a:t>
+            </a:r>
+            <a:endParaRPr lang="de-AT" dirty="0">
+              <a:latin typeface="Arial" panose="020B0604020202020204" pitchFamily="34" charset="0"/>
+              <a:cs typeface="Arial" panose="020B0604020202020204" pitchFamily="34" charset="0"/>
+            </a:endParaRPr>
+          </a:p>
+          <a:p>
+            <a:r>
+              <a:rPr lang="de-AT" dirty="0" err="1">
+                <a:latin typeface="Arial" panose="020B0604020202020204" pitchFamily="34" charset="0"/>
+                <a:cs typeface="Arial" panose="020B0604020202020204" pitchFamily="34" charset="0"/>
+              </a:rPr>
+              <a:t>Int</a:t>
+            </a:r>
+            <a:r>
+              <a:rPr lang="de-AT" dirty="0">
+                <a:latin typeface="Arial" panose="020B0604020202020204" pitchFamily="34" charset="0"/>
+                <a:cs typeface="Arial" panose="020B0604020202020204" pitchFamily="34" charset="0"/>
+              </a:rPr>
+              <a:t> </a:t>
+            </a:r>
+            <a:r>
+              <a:rPr lang="de-AT" dirty="0" err="1">
+                <a:latin typeface="Arial" panose="020B0604020202020204" pitchFamily="34" charset="0"/>
+                <a:cs typeface="Arial" panose="020B0604020202020204" pitchFamily="34" charset="0"/>
+              </a:rPr>
+              <a:t>xLength</a:t>
+            </a:r>
+            <a:endParaRPr lang="de-AT" dirty="0">
+              <a:latin typeface="Arial" panose="020B0604020202020204" pitchFamily="34" charset="0"/>
+              <a:cs typeface="Arial" panose="020B0604020202020204" pitchFamily="34" charset="0"/>
+            </a:endParaRPr>
+          </a:p>
+          <a:p>
+            <a:r>
+              <a:rPr lang="de-AT" dirty="0" err="1">
+                <a:latin typeface="Arial" panose="020B0604020202020204" pitchFamily="34" charset="0"/>
+                <a:cs typeface="Arial" panose="020B0604020202020204" pitchFamily="34" charset="0"/>
+              </a:rPr>
+              <a:t>Int</a:t>
+            </a:r>
+            <a:r>
+              <a:rPr lang="de-AT" dirty="0">
+                <a:latin typeface="Arial" panose="020B0604020202020204" pitchFamily="34" charset="0"/>
+                <a:cs typeface="Arial" panose="020B0604020202020204" pitchFamily="34" charset="0"/>
+              </a:rPr>
+              <a:t> </a:t>
+            </a:r>
+            <a:r>
+              <a:rPr lang="de-AT" dirty="0" err="1">
+                <a:latin typeface="Arial" panose="020B0604020202020204" pitchFamily="34" charset="0"/>
+                <a:cs typeface="Arial" panose="020B0604020202020204" pitchFamily="34" charset="0"/>
+              </a:rPr>
+              <a:t>yLength</a:t>
+            </a:r>
+            <a:endParaRPr lang="de-AT" dirty="0">
+              <a:latin typeface="Arial" panose="020B0604020202020204" pitchFamily="34" charset="0"/>
+              <a:cs typeface="Arial" panose="020B0604020202020204" pitchFamily="34" charset="0"/>
+            </a:endParaRPr>
+          </a:p>
+          <a:p>
+            <a:r>
+              <a:rPr lang="de-AT" dirty="0" err="1">
+                <a:latin typeface="Arial" panose="020B0604020202020204" pitchFamily="34" charset="0"/>
+                <a:cs typeface="Arial" panose="020B0604020202020204" pitchFamily="34" charset="0"/>
+              </a:rPr>
+              <a:t>Int</a:t>
+            </a:r>
+            <a:r>
+              <a:rPr lang="de-AT" dirty="0">
+                <a:latin typeface="Arial" panose="020B0604020202020204" pitchFamily="34" charset="0"/>
+                <a:cs typeface="Arial" panose="020B0604020202020204" pitchFamily="34" charset="0"/>
+              </a:rPr>
+              <a:t> </a:t>
+            </a:r>
+            <a:r>
+              <a:rPr lang="de-AT" dirty="0" err="1">
+                <a:latin typeface="Arial" panose="020B0604020202020204" pitchFamily="34" charset="0"/>
+                <a:cs typeface="Arial" panose="020B0604020202020204" pitchFamily="34" charset="0"/>
+              </a:rPr>
+              <a:t>zLength</a:t>
+            </a:r>
+            <a:endParaRPr lang="de-AT" dirty="0">
+              <a:latin typeface="Arial" panose="020B0604020202020204" pitchFamily="34" charset="0"/>
+              <a:cs typeface="Arial" panose="020B0604020202020204" pitchFamily="34" charset="0"/>
+            </a:endParaRPr>
+          </a:p>
+        </p:txBody>
+      </p:sp>
+      <p:cxnSp>
+        <p:nvCxnSpPr>
+          <p:cNvPr id="13" name="Verbinder: gewinkelt 98">
+            <a:extLst>
+              <a:ext uri="{FF2B5EF4-FFF2-40B4-BE49-F238E27FC236}">
+                <a16:creationId xmlns:a16="http://schemas.microsoft.com/office/drawing/2014/main" id="{6271F736-EE5E-4675-A7CD-73B09BD744EF}"/>
+              </a:ext>
+            </a:extLst>
+          </p:cNvPr>
+          <p:cNvCxnSpPr>
+            <a:cxnSpLocks/>
+            <a:stCxn id="6" idx="2"/>
+            <a:endCxn id="9" idx="2"/>
+          </p:cNvCxnSpPr>
+          <p:nvPr/>
+        </p:nvCxnSpPr>
+        <p:spPr>
+          <a:xfrm rot="16200000" flipH="1">
+            <a:off x="5107713" y="165962"/>
+            <a:ext cx="605859" cy="8100522"/>
+          </a:xfrm>
+          <a:prstGeom prst="bentConnector3">
+            <a:avLst>
+              <a:gd name="adj1" fmla="val 137732"/>
+            </a:avLst>
+          </a:prstGeom>
+          <a:noFill/>
+          <a:ln w="12700" cap="flat" cmpd="sng">
+            <a:solidFill>
+              <a:schemeClr val="dk1"/>
+            </a:solidFill>
+            <a:prstDash val="solid"/>
+            <a:miter lim="800000"/>
+            <a:headEnd type="none" w="sm" len="sm"/>
+            <a:tailEnd type="triangle" w="lg" len="lg"/>
+          </a:ln>
+        </p:spPr>
+      </p:cxnSp>
+      <p:cxnSp>
+        <p:nvCxnSpPr>
+          <p:cNvPr id="16" name="Verbinder: gewinkelt 98">
+            <a:extLst>
+              <a:ext uri="{FF2B5EF4-FFF2-40B4-BE49-F238E27FC236}">
+                <a16:creationId xmlns:a16="http://schemas.microsoft.com/office/drawing/2014/main" id="{CD4FFD6B-F15E-47F6-9F74-C6299D5EDA9E}"/>
+              </a:ext>
+            </a:extLst>
+          </p:cNvPr>
+          <p:cNvCxnSpPr>
+            <a:cxnSpLocks/>
+            <a:stCxn id="11" idx="3"/>
+            <a:endCxn id="9" idx="1"/>
+          </p:cNvCxnSpPr>
+          <p:nvPr/>
+        </p:nvCxnSpPr>
+        <p:spPr>
+          <a:xfrm>
+            <a:off x="6446198" y="1166673"/>
+            <a:ext cx="1188554" cy="2899468"/>
+          </a:xfrm>
+          <a:prstGeom prst="bentConnector3">
+            <a:avLst>
+              <a:gd name="adj1" fmla="val 50000"/>
+            </a:avLst>
+          </a:prstGeom>
+          <a:noFill/>
+          <a:ln w="12700" cap="flat" cmpd="sng">
+            <a:solidFill>
+              <a:schemeClr val="dk1"/>
+            </a:solidFill>
+            <a:prstDash val="solid"/>
+            <a:miter lim="800000"/>
+            <a:headEnd type="none" w="sm" len="sm"/>
+            <a:tailEnd type="triangle" w="lg" len="lg"/>
+          </a:ln>
+        </p:spPr>
+      </p:cxnSp>
+      <p:cxnSp>
+        <p:nvCxnSpPr>
+          <p:cNvPr id="19" name="Verbinder: gewinkelt 98">
+            <a:extLst>
+              <a:ext uri="{FF2B5EF4-FFF2-40B4-BE49-F238E27FC236}">
+                <a16:creationId xmlns:a16="http://schemas.microsoft.com/office/drawing/2014/main" id="{A977F2F4-7F68-46AE-B96A-7B856AE5851C}"/>
+              </a:ext>
+            </a:extLst>
+          </p:cNvPr>
+          <p:cNvCxnSpPr>
+            <a:cxnSpLocks/>
+            <a:stCxn id="5" idx="3"/>
+            <a:endCxn id="11" idx="1"/>
+          </p:cNvCxnSpPr>
+          <p:nvPr/>
+        </p:nvCxnSpPr>
+        <p:spPr>
+          <a:xfrm flipV="1">
+            <a:off x="2602381" y="1166673"/>
+            <a:ext cx="1575817" cy="1394057"/>
+          </a:xfrm>
+          <a:prstGeom prst="bentConnector3">
+            <a:avLst>
+              <a:gd name="adj1" fmla="val 50000"/>
+            </a:avLst>
+          </a:prstGeom>
+          <a:noFill/>
+          <a:ln w="12700" cap="flat" cmpd="sng">
+            <a:solidFill>
+              <a:schemeClr val="dk1"/>
+            </a:solidFill>
+            <a:prstDash val="solid"/>
+            <a:miter lim="800000"/>
+            <a:headEnd type="none" w="sm" len="sm"/>
+            <a:tailEnd type="triangle" w="lg" len="lg"/>
+          </a:ln>
+        </p:spPr>
+      </p:cxnSp>
+      <p:sp>
+        <p:nvSpPr>
+          <p:cNvPr id="22" name="Google Shape;559;g10f8d9d020d_0_26">
+            <a:extLst>
+              <a:ext uri="{FF2B5EF4-FFF2-40B4-BE49-F238E27FC236}">
+                <a16:creationId xmlns:a16="http://schemas.microsoft.com/office/drawing/2014/main" id="{591D0360-93FA-4209-92E6-8743211FCA7C}"/>
+              </a:ext>
+            </a:extLst>
+          </p:cNvPr>
+          <p:cNvSpPr txBox="1"/>
+          <p:nvPr/>
+        </p:nvSpPr>
+        <p:spPr>
+          <a:xfrm>
+            <a:off x="2731097" y="2001868"/>
+            <a:ext cx="1318384" cy="212149"/>
+          </a:xfrm>
+          <a:prstGeom prst="rect">
+            <a:avLst/>
+          </a:prstGeom>
+          <a:noFill/>
+          <a:ln>
+            <a:noFill/>
+          </a:ln>
+        </p:spPr>
+        <p:txBody>
+          <a:bodyPr spcFirstLastPara="1" wrap="square" lIns="0" tIns="0" rIns="0" bIns="0" anchor="t" anchorCtr="0">
+            <a:noAutofit/>
+          </a:bodyPr>
+          <a:lstStyle/>
+          <a:p>
+            <a:pPr marL="0" marR="0" lvl="0" indent="0" algn="l" rtl="0">
+              <a:lnSpc>
+                <a:spcPct val="100000"/>
+              </a:lnSpc>
+              <a:spcBef>
+                <a:spcPts val="0"/>
+              </a:spcBef>
+              <a:spcAft>
+                <a:spcPts val="0"/>
+              </a:spcAft>
+              <a:buClr>
+                <a:srgbClr val="000000"/>
+              </a:buClr>
+              <a:buSzPts val="1100"/>
+              <a:buFont typeface="Arial"/>
+              <a:buNone/>
+            </a:pPr>
+            <a:r>
+              <a:rPr lang="en-US" sz="1400" b="0" i="0" u="none" strike="noStrike" cap="none" dirty="0">
+                <a:solidFill>
+                  <a:schemeClr val="dk1"/>
+                </a:solidFill>
+                <a:latin typeface="Arial"/>
+                <a:ea typeface="Arial"/>
+                <a:cs typeface="Arial"/>
+                <a:sym typeface="Arial"/>
+              </a:rPr>
+              <a:t>[0..1] </a:t>
+            </a:r>
+            <a:r>
+              <a:rPr lang="en-US" sz="1400" b="0" i="0" u="none" strike="noStrike" cap="none" dirty="0" err="1">
+                <a:solidFill>
+                  <a:schemeClr val="dk1"/>
+                </a:solidFill>
+                <a:latin typeface="Arial"/>
+                <a:ea typeface="Arial"/>
+                <a:cs typeface="Arial"/>
+                <a:sym typeface="Arial"/>
+              </a:rPr>
+              <a:t>holdsItem</a:t>
+            </a:r>
+            <a:endParaRPr sz="1400" dirty="0">
+              <a:solidFill>
+                <a:schemeClr val="dk1"/>
+              </a:solidFill>
+              <a:latin typeface="Arial"/>
+              <a:cs typeface="Arial"/>
+              <a:sym typeface="Arial"/>
+            </a:endParaRPr>
+          </a:p>
+        </p:txBody>
+      </p:sp>
+      <p:sp>
+        <p:nvSpPr>
+          <p:cNvPr id="23" name="Google Shape;559;g10f8d9d020d_0_26">
+            <a:extLst>
+              <a:ext uri="{FF2B5EF4-FFF2-40B4-BE49-F238E27FC236}">
+                <a16:creationId xmlns:a16="http://schemas.microsoft.com/office/drawing/2014/main" id="{4D93E33B-1C11-4AC7-BF7A-7CB7FAC90657}"/>
+              </a:ext>
+            </a:extLst>
+          </p:cNvPr>
+          <p:cNvSpPr txBox="1"/>
+          <p:nvPr/>
+        </p:nvSpPr>
+        <p:spPr>
+          <a:xfrm>
+            <a:off x="6598567" y="794769"/>
+            <a:ext cx="1423448" cy="183850"/>
+          </a:xfrm>
+          <a:prstGeom prst="rect">
+            <a:avLst/>
+          </a:prstGeom>
+          <a:noFill/>
+          <a:ln>
+            <a:noFill/>
+          </a:ln>
+        </p:spPr>
+        <p:txBody>
+          <a:bodyPr spcFirstLastPara="1" wrap="square" lIns="0" tIns="0" rIns="0" bIns="0" anchor="t" anchorCtr="0">
+            <a:noAutofit/>
+          </a:bodyPr>
+          <a:lstStyle/>
+          <a:p>
+            <a:pPr marL="0" marR="0" lvl="0" indent="0" algn="l" rtl="0">
+              <a:lnSpc>
+                <a:spcPct val="100000"/>
+              </a:lnSpc>
+              <a:spcBef>
+                <a:spcPts val="0"/>
+              </a:spcBef>
+              <a:spcAft>
+                <a:spcPts val="0"/>
+              </a:spcAft>
+              <a:buClr>
+                <a:srgbClr val="000000"/>
+              </a:buClr>
+              <a:buSzPts val="1100"/>
+              <a:buFont typeface="Arial"/>
+              <a:buNone/>
+            </a:pPr>
+            <a:r>
+              <a:rPr lang="en-US" sz="1400" b="0" i="0" u="none" strike="noStrike" cap="none" dirty="0">
+                <a:solidFill>
+                  <a:schemeClr val="dk1"/>
+                </a:solidFill>
+                <a:latin typeface="Arial"/>
+                <a:ea typeface="Arial"/>
+                <a:cs typeface="Arial"/>
+                <a:sym typeface="Arial"/>
+              </a:rPr>
+              <a:t>[0..1] </a:t>
+            </a:r>
+            <a:r>
+              <a:rPr lang="en-US" sz="1400" b="0" i="0" u="none" strike="noStrike" cap="none" dirty="0" err="1">
+                <a:solidFill>
+                  <a:schemeClr val="dk1"/>
+                </a:solidFill>
+                <a:latin typeface="Arial"/>
+                <a:ea typeface="Arial"/>
+                <a:cs typeface="Arial"/>
+                <a:sym typeface="Arial"/>
+              </a:rPr>
+              <a:t>placedOn</a:t>
+            </a:r>
+            <a:endParaRPr sz="1400" dirty="0">
+              <a:solidFill>
+                <a:schemeClr val="dk1"/>
+              </a:solidFill>
+              <a:latin typeface="Arial"/>
+              <a:cs typeface="Arial"/>
+              <a:sym typeface="Arial"/>
+            </a:endParaRPr>
+          </a:p>
+        </p:txBody>
+      </p:sp>
+      <p:sp>
+        <p:nvSpPr>
+          <p:cNvPr id="24" name="Google Shape;559;g10f8d9d020d_0_26">
+            <a:extLst>
+              <a:ext uri="{FF2B5EF4-FFF2-40B4-BE49-F238E27FC236}">
+                <a16:creationId xmlns:a16="http://schemas.microsoft.com/office/drawing/2014/main" id="{41B74B0B-C387-4B54-A4CC-5B84CCDA4204}"/>
+              </a:ext>
+            </a:extLst>
+          </p:cNvPr>
+          <p:cNvSpPr txBox="1"/>
+          <p:nvPr/>
+        </p:nvSpPr>
+        <p:spPr>
+          <a:xfrm>
+            <a:off x="5559003" y="4972165"/>
+            <a:ext cx="1423448" cy="183850"/>
+          </a:xfrm>
+          <a:prstGeom prst="rect">
+            <a:avLst/>
+          </a:prstGeom>
+          <a:noFill/>
+          <a:ln>
+            <a:noFill/>
+          </a:ln>
+        </p:spPr>
+        <p:txBody>
+          <a:bodyPr spcFirstLastPara="1" wrap="square" lIns="0" tIns="0" rIns="0" bIns="0" anchor="t" anchorCtr="0">
+            <a:noAutofit/>
+          </a:bodyPr>
+          <a:lstStyle/>
+          <a:p>
+            <a:pPr marL="0" marR="0" lvl="0" indent="0" algn="l" rtl="0">
+              <a:lnSpc>
+                <a:spcPct val="100000"/>
+              </a:lnSpc>
+              <a:spcBef>
+                <a:spcPts val="0"/>
+              </a:spcBef>
+              <a:spcAft>
+                <a:spcPts val="0"/>
+              </a:spcAft>
+              <a:buClr>
+                <a:srgbClr val="000000"/>
+              </a:buClr>
+              <a:buSzPts val="1100"/>
+              <a:buFont typeface="Arial"/>
+              <a:buNone/>
+            </a:pPr>
+            <a:r>
+              <a:rPr lang="en-US" sz="1400" b="0" i="0" u="none" strike="noStrike" cap="none" dirty="0">
+                <a:solidFill>
+                  <a:schemeClr val="dk1"/>
+                </a:solidFill>
+                <a:latin typeface="Arial"/>
+                <a:ea typeface="Arial"/>
+                <a:cs typeface="Arial"/>
+                <a:sym typeface="Arial"/>
+              </a:rPr>
+              <a:t>[0..*] reaches</a:t>
+            </a:r>
+            <a:endParaRPr sz="1400" dirty="0">
+              <a:solidFill>
+                <a:schemeClr val="dk1"/>
+              </a:solidFill>
+              <a:latin typeface="Arial"/>
+              <a:cs typeface="Arial"/>
+              <a:sym typeface="Arial"/>
+            </a:endParaRPr>
+          </a:p>
+        </p:txBody>
+      </p:sp>
+    </p:spTree>
+    <p:extLst>
+      <p:ext uri="{BB962C8B-B14F-4D97-AF65-F5344CB8AC3E}">
+        <p14:creationId xmlns:p14="http://schemas.microsoft.com/office/powerpoint/2010/main" val="3910853652"/>
+      </p:ext>
+    </p:extLst>
+  </p:cSld>
+  <p:clrMapOvr>
+    <a:masterClrMapping/>
+  </p:clrMapOvr>
+</p:sld>
+</file>
+
+<file path=ppt/slides/slide8.xml><?xml version="1.0" encoding="utf-8"?>
 <p:sld xmlns:a="http://schemas.openxmlformats.org/drawingml/2006/main" xmlns:r="http://schemas.openxmlformats.org/officeDocument/2006/relationships" xmlns:p="http://schemas.openxmlformats.org/presentationml/2006/main">
   <p:cSld>
     <p:spTree>

--- a/Figures.pptx
+++ b/Figures.pptx
@@ -3368,8 +3368,2871 @@
         </p:nvGrpSpPr>
         <p:grpSpPr>
           <a:xfrm>
-            <a:off x="4991758" y="652545"/>
-            <a:ext cx="1264922" cy="820424"/>
+            <a:off x="5648988" y="652545"/>
+            <a:ext cx="1264922" cy="770212"/>
+            <a:chOff x="3484880" y="609600"/>
+            <a:chExt cx="2529840" cy="805086"/>
+          </a:xfrm>
+        </p:grpSpPr>
+        <p:sp>
+          <p:nvSpPr>
+            <p:cNvPr id="9" name="Rechteck 8">
+              <a:extLst>
+                <a:ext uri="{FF2B5EF4-FFF2-40B4-BE49-F238E27FC236}">
+                  <a16:creationId xmlns:a16="http://schemas.microsoft.com/office/drawing/2014/main" id="{E3051664-F034-4C0E-8A7D-910BF8D8C10D}"/>
+                </a:ext>
+              </a:extLst>
+            </p:cNvPr>
+            <p:cNvSpPr/>
+            <p:nvPr/>
+          </p:nvSpPr>
+          <p:spPr>
+            <a:xfrm>
+              <a:off x="3484880" y="609600"/>
+              <a:ext cx="2529840" cy="428786"/>
+            </a:xfrm>
+            <a:prstGeom prst="rect">
+              <a:avLst/>
+            </a:prstGeom>
+            <a:noFill/>
+            <a:ln w="9525" cap="flat" cmpd="sng" algn="ctr">
+              <a:solidFill>
+                <a:schemeClr val="dk1"/>
+              </a:solidFill>
+              <a:prstDash val="solid"/>
+              <a:round/>
+              <a:headEnd type="none" w="med" len="med"/>
+              <a:tailEnd type="arrow" w="med" len="med"/>
+            </a:ln>
+          </p:spPr>
+          <p:style>
+            <a:lnRef idx="0">
+              <a:scrgbClr r="0" g="0" b="0"/>
+            </a:lnRef>
+            <a:fillRef idx="0">
+              <a:scrgbClr r="0" g="0" b="0"/>
+            </a:fillRef>
+            <a:effectRef idx="0">
+              <a:scrgbClr r="0" g="0" b="0"/>
+            </a:effectRef>
+            <a:fontRef idx="minor">
+              <a:schemeClr val="dk1"/>
+            </a:fontRef>
+          </p:style>
+          <p:txBody>
+            <a:bodyPr rtlCol="0" anchor="ctr"/>
+            <a:lstStyle/>
+            <a:p>
+              <a:pPr algn="ctr"/>
+              <a:r>
+                <a:rPr lang="de-AT" b="1" dirty="0">
+                  <a:latin typeface="Arial" panose="020B0604020202020204" pitchFamily="34" charset="0"/>
+                  <a:cs typeface="Arial" panose="020B0604020202020204" pitchFamily="34" charset="0"/>
+                </a:rPr>
+                <a:t>Interface</a:t>
+              </a:r>
+            </a:p>
+          </p:txBody>
+        </p:sp>
+        <p:sp>
+          <p:nvSpPr>
+            <p:cNvPr id="10" name="Rechteck 9">
+              <a:extLst>
+                <a:ext uri="{FF2B5EF4-FFF2-40B4-BE49-F238E27FC236}">
+                  <a16:creationId xmlns:a16="http://schemas.microsoft.com/office/drawing/2014/main" id="{82B7E356-DF17-4979-A139-02CD4F78022B}"/>
+                </a:ext>
+              </a:extLst>
+            </p:cNvPr>
+            <p:cNvSpPr/>
+            <p:nvPr/>
+          </p:nvSpPr>
+          <p:spPr>
+            <a:xfrm>
+              <a:off x="3484880" y="1038386"/>
+              <a:ext cx="2529840" cy="376300"/>
+            </a:xfrm>
+            <a:prstGeom prst="rect">
+              <a:avLst/>
+            </a:prstGeom>
+            <a:noFill/>
+            <a:ln w="9525" cap="flat" cmpd="sng" algn="ctr">
+              <a:solidFill>
+                <a:schemeClr val="dk1"/>
+              </a:solidFill>
+              <a:prstDash val="solid"/>
+              <a:round/>
+              <a:headEnd type="none" w="med" len="med"/>
+              <a:tailEnd type="arrow" w="med" len="med"/>
+            </a:ln>
+          </p:spPr>
+          <p:style>
+            <a:lnRef idx="0">
+              <a:scrgbClr r="0" g="0" b="0"/>
+            </a:lnRef>
+            <a:fillRef idx="0">
+              <a:scrgbClr r="0" g="0" b="0"/>
+            </a:fillRef>
+            <a:effectRef idx="0">
+              <a:scrgbClr r="0" g="0" b="0"/>
+            </a:effectRef>
+            <a:fontRef idx="minor">
+              <a:schemeClr val="dk1"/>
+            </a:fontRef>
+          </p:style>
+          <p:txBody>
+            <a:bodyPr rtlCol="0" anchor="ctr"/>
+            <a:lstStyle/>
+            <a:p>
+              <a:pPr algn="ctr"/>
+              <a:endParaRPr lang="de-AT" dirty="0">
+                <a:latin typeface="Arial" panose="020B0604020202020204" pitchFamily="34" charset="0"/>
+                <a:cs typeface="Arial" panose="020B0604020202020204" pitchFamily="34" charset="0"/>
+              </a:endParaRPr>
+            </a:p>
+          </p:txBody>
+        </p:sp>
+      </p:grpSp>
+      <p:grpSp>
+        <p:nvGrpSpPr>
+          <p:cNvPr id="17" name="Gruppieren 16">
+            <a:extLst>
+              <a:ext uri="{FF2B5EF4-FFF2-40B4-BE49-F238E27FC236}">
+                <a16:creationId xmlns:a16="http://schemas.microsoft.com/office/drawing/2014/main" id="{76AB9499-6092-4181-B444-FC85DE81FCE3}"/>
+              </a:ext>
+            </a:extLst>
+          </p:cNvPr>
+          <p:cNvGrpSpPr/>
+          <p:nvPr/>
+        </p:nvGrpSpPr>
+        <p:grpSpPr>
+          <a:xfrm>
+            <a:off x="5000353" y="5002605"/>
+            <a:ext cx="2056755" cy="1640921"/>
+            <a:chOff x="3484880" y="609600"/>
+            <a:chExt cx="2879997" cy="1331012"/>
+          </a:xfrm>
+        </p:grpSpPr>
+        <p:sp>
+          <p:nvSpPr>
+            <p:cNvPr id="18" name="Rechteck 17">
+              <a:extLst>
+                <a:ext uri="{FF2B5EF4-FFF2-40B4-BE49-F238E27FC236}">
+                  <a16:creationId xmlns:a16="http://schemas.microsoft.com/office/drawing/2014/main" id="{E77BB892-4AF7-4BCA-9CF2-101A99921767}"/>
+                </a:ext>
+              </a:extLst>
+            </p:cNvPr>
+            <p:cNvSpPr/>
+            <p:nvPr/>
+          </p:nvSpPr>
+          <p:spPr>
+            <a:xfrm>
+              <a:off x="3484880" y="609600"/>
+              <a:ext cx="2879997" cy="428786"/>
+            </a:xfrm>
+            <a:prstGeom prst="rect">
+              <a:avLst/>
+            </a:prstGeom>
+            <a:noFill/>
+            <a:ln w="9525" cap="flat" cmpd="sng" algn="ctr">
+              <a:solidFill>
+                <a:schemeClr val="dk1"/>
+              </a:solidFill>
+              <a:prstDash val="solid"/>
+              <a:round/>
+              <a:headEnd type="none" w="med" len="med"/>
+              <a:tailEnd type="arrow" w="med" len="med"/>
+            </a:ln>
+          </p:spPr>
+          <p:style>
+            <a:lnRef idx="0">
+              <a:scrgbClr r="0" g="0" b="0"/>
+            </a:lnRef>
+            <a:fillRef idx="0">
+              <a:scrgbClr r="0" g="0" b="0"/>
+            </a:fillRef>
+            <a:effectRef idx="0">
+              <a:scrgbClr r="0" g="0" b="0"/>
+            </a:effectRef>
+            <a:fontRef idx="minor">
+              <a:schemeClr val="dk1"/>
+            </a:fontRef>
+          </p:style>
+          <p:txBody>
+            <a:bodyPr rtlCol="0" anchor="ctr"/>
+            <a:lstStyle/>
+            <a:p>
+              <a:pPr algn="ctr"/>
+              <a:r>
+                <a:rPr lang="de-AT" b="1" dirty="0">
+                  <a:latin typeface="Arial" panose="020B0604020202020204" pitchFamily="34" charset="0"/>
+                  <a:cs typeface="Arial" panose="020B0604020202020204" pitchFamily="34" charset="0"/>
+                </a:rPr>
+                <a:t>Property</a:t>
+              </a:r>
+              <a:endParaRPr lang="de-AT" sz="2000" b="1" dirty="0">
+                <a:latin typeface="Arial" panose="020B0604020202020204" pitchFamily="34" charset="0"/>
+                <a:cs typeface="Arial" panose="020B0604020202020204" pitchFamily="34" charset="0"/>
+              </a:endParaRPr>
+            </a:p>
+          </p:txBody>
+        </p:sp>
+        <p:sp>
+          <p:nvSpPr>
+            <p:cNvPr id="19" name="Rechteck 18">
+              <a:extLst>
+                <a:ext uri="{FF2B5EF4-FFF2-40B4-BE49-F238E27FC236}">
+                  <a16:creationId xmlns:a16="http://schemas.microsoft.com/office/drawing/2014/main" id="{41891C1F-761C-44B2-9D5C-3FFA30632CFD}"/>
+                </a:ext>
+              </a:extLst>
+            </p:cNvPr>
+            <p:cNvSpPr/>
+            <p:nvPr/>
+          </p:nvSpPr>
+          <p:spPr>
+            <a:xfrm>
+              <a:off x="3484880" y="1038387"/>
+              <a:ext cx="2879997" cy="902225"/>
+            </a:xfrm>
+            <a:prstGeom prst="rect">
+              <a:avLst/>
+            </a:prstGeom>
+            <a:noFill/>
+            <a:ln w="9525" cap="flat" cmpd="sng" algn="ctr">
+              <a:solidFill>
+                <a:schemeClr val="dk1"/>
+              </a:solidFill>
+              <a:prstDash val="solid"/>
+              <a:round/>
+              <a:headEnd type="none" w="med" len="med"/>
+              <a:tailEnd type="arrow" w="med" len="med"/>
+            </a:ln>
+          </p:spPr>
+          <p:style>
+            <a:lnRef idx="0">
+              <a:scrgbClr r="0" g="0" b="0"/>
+            </a:lnRef>
+            <a:fillRef idx="0">
+              <a:scrgbClr r="0" g="0" b="0"/>
+            </a:fillRef>
+            <a:effectRef idx="0">
+              <a:scrgbClr r="0" g="0" b="0"/>
+            </a:effectRef>
+            <a:fontRef idx="minor">
+              <a:schemeClr val="dk1"/>
+            </a:fontRef>
+          </p:style>
+          <p:txBody>
+            <a:bodyPr rtlCol="0" anchor="ctr"/>
+            <a:lstStyle/>
+            <a:p>
+              <a:r>
+                <a:rPr lang="de-AT" sz="1600" dirty="0">
+                  <a:latin typeface="Arial" panose="020B0604020202020204" pitchFamily="34" charset="0"/>
+                  <a:cs typeface="Arial" panose="020B0604020202020204" pitchFamily="34" charset="0"/>
+                </a:rPr>
+                <a:t>Boolean </a:t>
+              </a:r>
+              <a:r>
+                <a:rPr lang="de-AT" sz="1600" dirty="0" err="1">
+                  <a:latin typeface="Arial" panose="020B0604020202020204" pitchFamily="34" charset="0"/>
+                  <a:cs typeface="Arial" panose="020B0604020202020204" pitchFamily="34" charset="0"/>
+                </a:rPr>
+                <a:t>isWritable</a:t>
+              </a:r>
+              <a:endParaRPr lang="de-AT" sz="1600" dirty="0">
+                <a:latin typeface="Arial" panose="020B0604020202020204" pitchFamily="34" charset="0"/>
+                <a:cs typeface="Arial" panose="020B0604020202020204" pitchFamily="34" charset="0"/>
+              </a:endParaRPr>
+            </a:p>
+            <a:p>
+              <a:r>
+                <a:rPr lang="de-AT" sz="1600" dirty="0" err="1">
+                  <a:latin typeface="Arial" panose="020B0604020202020204" pitchFamily="34" charset="0"/>
+                  <a:cs typeface="Arial" panose="020B0604020202020204" pitchFamily="34" charset="0"/>
+                </a:rPr>
+                <a:t>DataType</a:t>
+              </a:r>
+              <a:r>
+                <a:rPr lang="de-AT" sz="1600" dirty="0">
+                  <a:latin typeface="Arial" panose="020B0604020202020204" pitchFamily="34" charset="0"/>
+                  <a:cs typeface="Arial" panose="020B0604020202020204" pitchFamily="34" charset="0"/>
+                </a:rPr>
+                <a:t> type</a:t>
+              </a:r>
+            </a:p>
+            <a:p>
+              <a:r>
+                <a:rPr lang="de-AT" sz="1600" dirty="0">
+                  <a:latin typeface="Arial" panose="020B0604020202020204" pitchFamily="34" charset="0"/>
+                  <a:cs typeface="Arial" panose="020B0604020202020204" pitchFamily="34" charset="0"/>
+                </a:rPr>
+                <a:t>String </a:t>
+              </a:r>
+              <a:r>
+                <a:rPr lang="de-AT" sz="1600" dirty="0" err="1">
+                  <a:latin typeface="Arial" panose="020B0604020202020204" pitchFamily="34" charset="0"/>
+                  <a:cs typeface="Arial" panose="020B0604020202020204" pitchFamily="34" charset="0"/>
+                </a:rPr>
+                <a:t>unit</a:t>
+              </a:r>
+              <a:endParaRPr lang="de-AT" sz="1600" dirty="0">
+                <a:latin typeface="Arial" panose="020B0604020202020204" pitchFamily="34" charset="0"/>
+                <a:cs typeface="Arial" panose="020B0604020202020204" pitchFamily="34" charset="0"/>
+              </a:endParaRPr>
+            </a:p>
+            <a:p>
+              <a:r>
+                <a:rPr lang="de-AT" sz="1600" dirty="0">
+                  <a:latin typeface="Arial" panose="020B0604020202020204" pitchFamily="34" charset="0"/>
+                  <a:cs typeface="Arial" panose="020B0604020202020204" pitchFamily="34" charset="0"/>
+                </a:rPr>
+                <a:t>String </a:t>
+              </a:r>
+              <a:r>
+                <a:rPr lang="de-AT" sz="1600" dirty="0" err="1">
+                  <a:latin typeface="Arial" panose="020B0604020202020204" pitchFamily="34" charset="0"/>
+                  <a:cs typeface="Arial" panose="020B0604020202020204" pitchFamily="34" charset="0"/>
+                </a:rPr>
+                <a:t>schema</a:t>
+              </a:r>
+              <a:endParaRPr lang="de-AT" sz="1600" dirty="0">
+                <a:latin typeface="Arial" panose="020B0604020202020204" pitchFamily="34" charset="0"/>
+                <a:cs typeface="Arial" panose="020B0604020202020204" pitchFamily="34" charset="0"/>
+              </a:endParaRPr>
+            </a:p>
+          </p:txBody>
+        </p:sp>
+      </p:grpSp>
+      <p:grpSp>
+        <p:nvGrpSpPr>
+          <p:cNvPr id="20" name="Gruppieren 19">
+            <a:extLst>
+              <a:ext uri="{FF2B5EF4-FFF2-40B4-BE49-F238E27FC236}">
+                <a16:creationId xmlns:a16="http://schemas.microsoft.com/office/drawing/2014/main" id="{4732ADCF-9AA9-484B-B9E7-A8E36E6DEAF1}"/>
+              </a:ext>
+            </a:extLst>
+          </p:cNvPr>
+          <p:cNvGrpSpPr/>
+          <p:nvPr/>
+        </p:nvGrpSpPr>
+        <p:grpSpPr>
+          <a:xfrm>
+            <a:off x="8123271" y="5000778"/>
+            <a:ext cx="2056755" cy="1642749"/>
+            <a:chOff x="3484881" y="609600"/>
+            <a:chExt cx="2529840" cy="1120254"/>
+          </a:xfrm>
+        </p:grpSpPr>
+        <p:sp>
+          <p:nvSpPr>
+            <p:cNvPr id="21" name="Rechteck 20">
+              <a:extLst>
+                <a:ext uri="{FF2B5EF4-FFF2-40B4-BE49-F238E27FC236}">
+                  <a16:creationId xmlns:a16="http://schemas.microsoft.com/office/drawing/2014/main" id="{A8848B5A-1935-47BD-91D2-EAC86A71DC45}"/>
+                </a:ext>
+              </a:extLst>
+            </p:cNvPr>
+            <p:cNvSpPr/>
+            <p:nvPr/>
+          </p:nvSpPr>
+          <p:spPr>
+            <a:xfrm>
+              <a:off x="3484881" y="609600"/>
+              <a:ext cx="2529840" cy="428786"/>
+            </a:xfrm>
+            <a:prstGeom prst="rect">
+              <a:avLst/>
+            </a:prstGeom>
+            <a:noFill/>
+            <a:ln w="9525" cap="flat" cmpd="sng" algn="ctr">
+              <a:solidFill>
+                <a:schemeClr val="dk1"/>
+              </a:solidFill>
+              <a:prstDash val="solid"/>
+              <a:round/>
+              <a:headEnd type="none" w="med" len="med"/>
+              <a:tailEnd type="arrow" w="med" len="med"/>
+            </a:ln>
+          </p:spPr>
+          <p:style>
+            <a:lnRef idx="0">
+              <a:scrgbClr r="0" g="0" b="0"/>
+            </a:lnRef>
+            <a:fillRef idx="0">
+              <a:scrgbClr r="0" g="0" b="0"/>
+            </a:fillRef>
+            <a:effectRef idx="0">
+              <a:scrgbClr r="0" g="0" b="0"/>
+            </a:effectRef>
+            <a:fontRef idx="minor">
+              <a:schemeClr val="dk1"/>
+            </a:fontRef>
+          </p:style>
+          <p:txBody>
+            <a:bodyPr rtlCol="0" anchor="ctr"/>
+            <a:lstStyle/>
+            <a:p>
+              <a:pPr algn="ctr"/>
+              <a:r>
+                <a:rPr lang="de-AT" b="1" dirty="0" err="1">
+                  <a:latin typeface="Arial" panose="020B0604020202020204" pitchFamily="34" charset="0"/>
+                  <a:cs typeface="Arial" panose="020B0604020202020204" pitchFamily="34" charset="0"/>
+                </a:rPr>
+                <a:t>Relationship</a:t>
+              </a:r>
+              <a:endParaRPr lang="de-AT" sz="2000" b="1" dirty="0">
+                <a:latin typeface="Arial" panose="020B0604020202020204" pitchFamily="34" charset="0"/>
+                <a:cs typeface="Arial" panose="020B0604020202020204" pitchFamily="34" charset="0"/>
+              </a:endParaRPr>
+            </a:p>
+          </p:txBody>
+        </p:sp>
+        <p:sp>
+          <p:nvSpPr>
+            <p:cNvPr id="22" name="Rechteck 21">
+              <a:extLst>
+                <a:ext uri="{FF2B5EF4-FFF2-40B4-BE49-F238E27FC236}">
+                  <a16:creationId xmlns:a16="http://schemas.microsoft.com/office/drawing/2014/main" id="{C4A41EE4-82EF-470D-9185-4DE7A4664D1F}"/>
+                </a:ext>
+              </a:extLst>
+            </p:cNvPr>
+            <p:cNvSpPr/>
+            <p:nvPr/>
+          </p:nvSpPr>
+          <p:spPr>
+            <a:xfrm>
+              <a:off x="3484881" y="1038385"/>
+              <a:ext cx="2529840" cy="691469"/>
+            </a:xfrm>
+            <a:prstGeom prst="rect">
+              <a:avLst/>
+            </a:prstGeom>
+            <a:noFill/>
+            <a:ln w="9525" cap="flat" cmpd="sng" algn="ctr">
+              <a:solidFill>
+                <a:schemeClr val="dk1"/>
+              </a:solidFill>
+              <a:prstDash val="solid"/>
+              <a:round/>
+              <a:headEnd type="none" w="med" len="med"/>
+              <a:tailEnd type="arrow" w="med" len="med"/>
+            </a:ln>
+          </p:spPr>
+          <p:style>
+            <a:lnRef idx="0">
+              <a:scrgbClr r="0" g="0" b="0"/>
+            </a:lnRef>
+            <a:fillRef idx="0">
+              <a:scrgbClr r="0" g="0" b="0"/>
+            </a:fillRef>
+            <a:effectRef idx="0">
+              <a:scrgbClr r="0" g="0" b="0"/>
+            </a:effectRef>
+            <a:fontRef idx="minor">
+              <a:schemeClr val="dk1"/>
+            </a:fontRef>
+          </p:style>
+          <p:txBody>
+            <a:bodyPr rtlCol="0" anchor="ctr"/>
+            <a:lstStyle/>
+            <a:p>
+              <a:r>
+                <a:rPr lang="de-AT" sz="1600" dirty="0" err="1">
+                  <a:latin typeface="Arial" panose="020B0604020202020204" pitchFamily="34" charset="0"/>
+                  <a:cs typeface="Arial" panose="020B0604020202020204" pitchFamily="34" charset="0"/>
+                </a:rPr>
+                <a:t>Int</a:t>
+              </a:r>
+              <a:r>
+                <a:rPr lang="de-AT" sz="1600" dirty="0">
+                  <a:latin typeface="Arial" panose="020B0604020202020204" pitchFamily="34" charset="0"/>
+                  <a:cs typeface="Arial" panose="020B0604020202020204" pitchFamily="34" charset="0"/>
+                </a:rPr>
+                <a:t> </a:t>
+              </a:r>
+              <a:r>
+                <a:rPr lang="de-AT" sz="1600" dirty="0" err="1">
+                  <a:latin typeface="Arial" panose="020B0604020202020204" pitchFamily="34" charset="0"/>
+                  <a:cs typeface="Arial" panose="020B0604020202020204" pitchFamily="34" charset="0"/>
+                </a:rPr>
+                <a:t>minOccur</a:t>
+              </a:r>
+              <a:endParaRPr lang="de-AT" sz="1600" dirty="0">
+                <a:latin typeface="Arial" panose="020B0604020202020204" pitchFamily="34" charset="0"/>
+                <a:cs typeface="Arial" panose="020B0604020202020204" pitchFamily="34" charset="0"/>
+              </a:endParaRPr>
+            </a:p>
+            <a:p>
+              <a:r>
+                <a:rPr lang="de-AT" sz="1600" dirty="0" err="1">
+                  <a:latin typeface="Arial" panose="020B0604020202020204" pitchFamily="34" charset="0"/>
+                  <a:cs typeface="Arial" panose="020B0604020202020204" pitchFamily="34" charset="0"/>
+                </a:rPr>
+                <a:t>Int</a:t>
+              </a:r>
+              <a:r>
+                <a:rPr lang="de-AT" sz="1600" dirty="0">
+                  <a:latin typeface="Arial" panose="020B0604020202020204" pitchFamily="34" charset="0"/>
+                  <a:cs typeface="Arial" panose="020B0604020202020204" pitchFamily="34" charset="0"/>
+                </a:rPr>
+                <a:t> </a:t>
+              </a:r>
+              <a:r>
+                <a:rPr lang="de-AT" sz="1600" dirty="0" err="1">
+                  <a:latin typeface="Arial" panose="020B0604020202020204" pitchFamily="34" charset="0"/>
+                  <a:cs typeface="Arial" panose="020B0604020202020204" pitchFamily="34" charset="0"/>
+                </a:rPr>
+                <a:t>maxOccur</a:t>
+              </a:r>
+              <a:endParaRPr lang="de-AT" sz="1600" dirty="0">
+                <a:latin typeface="Arial" panose="020B0604020202020204" pitchFamily="34" charset="0"/>
+                <a:cs typeface="Arial" panose="020B0604020202020204" pitchFamily="34" charset="0"/>
+              </a:endParaRPr>
+            </a:p>
+            <a:p>
+              <a:r>
+                <a:rPr lang="de-AT" sz="1600" dirty="0">
+                  <a:latin typeface="Arial" panose="020B0604020202020204" pitchFamily="34" charset="0"/>
+                  <a:cs typeface="Arial" panose="020B0604020202020204" pitchFamily="34" charset="0"/>
+                </a:rPr>
+                <a:t>Boolean </a:t>
+              </a:r>
+              <a:r>
+                <a:rPr lang="de-AT" sz="1600" dirty="0" err="1">
+                  <a:latin typeface="Arial" panose="020B0604020202020204" pitchFamily="34" charset="0"/>
+                  <a:cs typeface="Arial" panose="020B0604020202020204" pitchFamily="34" charset="0"/>
+                </a:rPr>
+                <a:t>isWritable</a:t>
+              </a:r>
+              <a:endParaRPr lang="de-AT" sz="1600" dirty="0">
+                <a:latin typeface="Arial" panose="020B0604020202020204" pitchFamily="34" charset="0"/>
+                <a:cs typeface="Arial" panose="020B0604020202020204" pitchFamily="34" charset="0"/>
+              </a:endParaRPr>
+            </a:p>
+          </p:txBody>
+        </p:sp>
+      </p:grpSp>
+      <p:sp>
+        <p:nvSpPr>
+          <p:cNvPr id="43" name="Textfeld 42">
+            <a:extLst>
+              <a:ext uri="{FF2B5EF4-FFF2-40B4-BE49-F238E27FC236}">
+                <a16:creationId xmlns:a16="http://schemas.microsoft.com/office/drawing/2014/main" id="{966D44A7-7562-4411-8872-378F16B41573}"/>
+              </a:ext>
+            </a:extLst>
+          </p:cNvPr>
+          <p:cNvSpPr txBox="1"/>
+          <p:nvPr/>
+        </p:nvSpPr>
+        <p:spPr>
+          <a:xfrm>
+            <a:off x="7054187" y="946589"/>
+            <a:ext cx="1363851" cy="307777"/>
+          </a:xfrm>
+          <a:prstGeom prst="rect">
+            <a:avLst/>
+          </a:prstGeom>
+          <a:noFill/>
+        </p:spPr>
+        <p:txBody>
+          <a:bodyPr wrap="square" rtlCol="0">
+            <a:spAutoFit/>
+          </a:bodyPr>
+          <a:lstStyle/>
+          <a:p>
+            <a:r>
+              <a:rPr lang="de-AT" sz="1400" dirty="0">
+                <a:latin typeface="Arial" panose="020B0604020202020204" pitchFamily="34" charset="0"/>
+                <a:cs typeface="Arial" panose="020B0604020202020204" pitchFamily="34" charset="0"/>
+              </a:rPr>
+              <a:t>[1..1] </a:t>
+            </a:r>
+            <a:r>
+              <a:rPr lang="de-AT" sz="1400" dirty="0" err="1">
+                <a:latin typeface="Arial" panose="020B0604020202020204" pitchFamily="34" charset="0"/>
+                <a:cs typeface="Arial" panose="020B0604020202020204" pitchFamily="34" charset="0"/>
+              </a:rPr>
+              <a:t>target</a:t>
+            </a:r>
+            <a:endParaRPr lang="de-AT" sz="1400" dirty="0">
+              <a:latin typeface="Arial" panose="020B0604020202020204" pitchFamily="34" charset="0"/>
+              <a:cs typeface="Arial" panose="020B0604020202020204" pitchFamily="34" charset="0"/>
+            </a:endParaRPr>
+          </a:p>
+        </p:txBody>
+      </p:sp>
+      <p:grpSp>
+        <p:nvGrpSpPr>
+          <p:cNvPr id="72" name="Gruppieren 71">
+            <a:extLst>
+              <a:ext uri="{FF2B5EF4-FFF2-40B4-BE49-F238E27FC236}">
+                <a16:creationId xmlns:a16="http://schemas.microsoft.com/office/drawing/2014/main" id="{6717CD83-F024-476F-8704-1A573B89CB07}"/>
+              </a:ext>
+            </a:extLst>
+          </p:cNvPr>
+          <p:cNvGrpSpPr/>
+          <p:nvPr/>
+        </p:nvGrpSpPr>
+        <p:grpSpPr>
+          <a:xfrm>
+            <a:off x="2996923" y="5002605"/>
+            <a:ext cx="1656482" cy="1640922"/>
+            <a:chOff x="3484880" y="609600"/>
+            <a:chExt cx="2529840" cy="1715221"/>
+          </a:xfrm>
+        </p:grpSpPr>
+        <p:sp>
+          <p:nvSpPr>
+            <p:cNvPr id="73" name="Rechteck 72">
+              <a:extLst>
+                <a:ext uri="{FF2B5EF4-FFF2-40B4-BE49-F238E27FC236}">
+                  <a16:creationId xmlns:a16="http://schemas.microsoft.com/office/drawing/2014/main" id="{FC6A939F-0619-4FA6-9046-BDB43952A094}"/>
+                </a:ext>
+              </a:extLst>
+            </p:cNvPr>
+            <p:cNvSpPr/>
+            <p:nvPr/>
+          </p:nvSpPr>
+          <p:spPr>
+            <a:xfrm>
+              <a:off x="3484880" y="609600"/>
+              <a:ext cx="2529840" cy="428786"/>
+            </a:xfrm>
+            <a:prstGeom prst="rect">
+              <a:avLst/>
+            </a:prstGeom>
+            <a:noFill/>
+            <a:ln w="9525" cap="flat" cmpd="sng" algn="ctr">
+              <a:solidFill>
+                <a:schemeClr val="dk1"/>
+              </a:solidFill>
+              <a:prstDash val="solid"/>
+              <a:round/>
+              <a:headEnd type="none" w="med" len="med"/>
+              <a:tailEnd type="arrow" w="med" len="med"/>
+            </a:ln>
+          </p:spPr>
+          <p:style>
+            <a:lnRef idx="0">
+              <a:scrgbClr r="0" g="0" b="0"/>
+            </a:lnRef>
+            <a:fillRef idx="0">
+              <a:scrgbClr r="0" g="0" b="0"/>
+            </a:fillRef>
+            <a:effectRef idx="0">
+              <a:scrgbClr r="0" g="0" b="0"/>
+            </a:effectRef>
+            <a:fontRef idx="minor">
+              <a:schemeClr val="dk1"/>
+            </a:fontRef>
+          </p:style>
+          <p:txBody>
+            <a:bodyPr rtlCol="0" anchor="ctr"/>
+            <a:lstStyle/>
+            <a:p>
+              <a:pPr algn="ctr"/>
+              <a:r>
+                <a:rPr lang="de-AT" b="1" dirty="0" err="1">
+                  <a:latin typeface="Arial" panose="020B0604020202020204" pitchFamily="34" charset="0"/>
+                  <a:cs typeface="Arial" panose="020B0604020202020204" pitchFamily="34" charset="0"/>
+                </a:rPr>
+                <a:t>Telemetry</a:t>
+              </a:r>
+              <a:endParaRPr lang="de-AT" b="1" dirty="0">
+                <a:latin typeface="Arial" panose="020B0604020202020204" pitchFamily="34" charset="0"/>
+                <a:cs typeface="Arial" panose="020B0604020202020204" pitchFamily="34" charset="0"/>
+              </a:endParaRPr>
+            </a:p>
+          </p:txBody>
+        </p:sp>
+        <p:sp>
+          <p:nvSpPr>
+            <p:cNvPr id="74" name="Rechteck 73">
+              <a:extLst>
+                <a:ext uri="{FF2B5EF4-FFF2-40B4-BE49-F238E27FC236}">
+                  <a16:creationId xmlns:a16="http://schemas.microsoft.com/office/drawing/2014/main" id="{734B0DC2-D47E-4E57-9D86-6D3FE32B707F}"/>
+                </a:ext>
+              </a:extLst>
+            </p:cNvPr>
+            <p:cNvSpPr/>
+            <p:nvPr/>
+          </p:nvSpPr>
+          <p:spPr>
+            <a:xfrm>
+              <a:off x="3484880" y="1038386"/>
+              <a:ext cx="2529840" cy="1286435"/>
+            </a:xfrm>
+            <a:prstGeom prst="rect">
+              <a:avLst/>
+            </a:prstGeom>
+            <a:noFill/>
+            <a:ln w="9525" cap="flat" cmpd="sng" algn="ctr">
+              <a:solidFill>
+                <a:schemeClr val="dk1"/>
+              </a:solidFill>
+              <a:prstDash val="solid"/>
+              <a:round/>
+              <a:headEnd type="none" w="med" len="med"/>
+              <a:tailEnd type="arrow" w="med" len="med"/>
+            </a:ln>
+          </p:spPr>
+          <p:style>
+            <a:lnRef idx="0">
+              <a:scrgbClr r="0" g="0" b="0"/>
+            </a:lnRef>
+            <a:fillRef idx="0">
+              <a:scrgbClr r="0" g="0" b="0"/>
+            </a:fillRef>
+            <a:effectRef idx="0">
+              <a:scrgbClr r="0" g="0" b="0"/>
+            </a:effectRef>
+            <a:fontRef idx="minor">
+              <a:schemeClr val="dk1"/>
+            </a:fontRef>
+          </p:style>
+          <p:txBody>
+            <a:bodyPr rtlCol="0" anchor="ctr"/>
+            <a:lstStyle/>
+            <a:p>
+              <a:r>
+                <a:rPr lang="de-AT" sz="1600" dirty="0">
+                  <a:latin typeface="Arial" panose="020B0604020202020204" pitchFamily="34" charset="0"/>
+                  <a:cs typeface="Arial" panose="020B0604020202020204" pitchFamily="34" charset="0"/>
+                </a:rPr>
+                <a:t>String </a:t>
+              </a:r>
+              <a:r>
+                <a:rPr lang="de-AT" sz="1600" dirty="0" err="1">
+                  <a:latin typeface="Arial" panose="020B0604020202020204" pitchFamily="34" charset="0"/>
+                  <a:cs typeface="Arial" panose="020B0604020202020204" pitchFamily="34" charset="0"/>
+                </a:rPr>
+                <a:t>name</a:t>
+              </a:r>
+              <a:endParaRPr lang="de-AT" sz="1600" dirty="0">
+                <a:latin typeface="Arial" panose="020B0604020202020204" pitchFamily="34" charset="0"/>
+                <a:cs typeface="Arial" panose="020B0604020202020204" pitchFamily="34" charset="0"/>
+              </a:endParaRPr>
+            </a:p>
+            <a:p>
+              <a:r>
+                <a:rPr lang="de-AT" sz="1600" dirty="0">
+                  <a:latin typeface="Arial" panose="020B0604020202020204" pitchFamily="34" charset="0"/>
+                  <a:cs typeface="Arial" panose="020B0604020202020204" pitchFamily="34" charset="0"/>
+                </a:rPr>
+                <a:t>String type</a:t>
+              </a:r>
+            </a:p>
+            <a:p>
+              <a:r>
+                <a:rPr lang="de-AT" sz="1600" dirty="0">
+                  <a:latin typeface="Arial" panose="020B0604020202020204" pitchFamily="34" charset="0"/>
+                  <a:cs typeface="Arial" panose="020B0604020202020204" pitchFamily="34" charset="0"/>
+                </a:rPr>
+                <a:t>String </a:t>
+              </a:r>
+              <a:r>
+                <a:rPr lang="de-AT" sz="1600" dirty="0" err="1">
+                  <a:latin typeface="Arial" panose="020B0604020202020204" pitchFamily="34" charset="0"/>
+                  <a:cs typeface="Arial" panose="020B0604020202020204" pitchFamily="34" charset="0"/>
+                </a:rPr>
+                <a:t>unit</a:t>
+              </a:r>
+              <a:endParaRPr lang="de-AT" sz="1600" dirty="0">
+                <a:latin typeface="Arial" panose="020B0604020202020204" pitchFamily="34" charset="0"/>
+                <a:cs typeface="Arial" panose="020B0604020202020204" pitchFamily="34" charset="0"/>
+              </a:endParaRPr>
+            </a:p>
+            <a:p>
+              <a:r>
+                <a:rPr lang="de-AT" sz="1600" dirty="0">
+                  <a:latin typeface="Arial" panose="020B0604020202020204" pitchFamily="34" charset="0"/>
+                  <a:cs typeface="Arial" panose="020B0604020202020204" pitchFamily="34" charset="0"/>
+                </a:rPr>
+                <a:t>String </a:t>
+              </a:r>
+              <a:r>
+                <a:rPr lang="de-AT" sz="1600" dirty="0" err="1">
+                  <a:latin typeface="Arial" panose="020B0604020202020204" pitchFamily="34" charset="0"/>
+                  <a:cs typeface="Arial" panose="020B0604020202020204" pitchFamily="34" charset="0"/>
+                </a:rPr>
+                <a:t>schema</a:t>
+              </a:r>
+              <a:endParaRPr lang="de-AT" sz="1600" dirty="0">
+                <a:latin typeface="Arial" panose="020B0604020202020204" pitchFamily="34" charset="0"/>
+                <a:cs typeface="Arial" panose="020B0604020202020204" pitchFamily="34" charset="0"/>
+              </a:endParaRPr>
+            </a:p>
+          </p:txBody>
+        </p:sp>
+      </p:grpSp>
+      <p:grpSp>
+        <p:nvGrpSpPr>
+          <p:cNvPr id="78" name="Gruppieren 77">
+            <a:extLst>
+              <a:ext uri="{FF2B5EF4-FFF2-40B4-BE49-F238E27FC236}">
+                <a16:creationId xmlns:a16="http://schemas.microsoft.com/office/drawing/2014/main" id="{146EC827-9D2A-42A4-A5CB-159EE658D895}"/>
+              </a:ext>
+            </a:extLst>
+          </p:cNvPr>
+          <p:cNvGrpSpPr/>
+          <p:nvPr/>
+        </p:nvGrpSpPr>
+        <p:grpSpPr>
+          <a:xfrm>
+            <a:off x="108911" y="5023681"/>
+            <a:ext cx="2677152" cy="1619846"/>
+            <a:chOff x="3484880" y="609600"/>
+            <a:chExt cx="2529840" cy="1693191"/>
+          </a:xfrm>
+        </p:grpSpPr>
+        <p:sp>
+          <p:nvSpPr>
+            <p:cNvPr id="79" name="Rechteck 78">
+              <a:extLst>
+                <a:ext uri="{FF2B5EF4-FFF2-40B4-BE49-F238E27FC236}">
+                  <a16:creationId xmlns:a16="http://schemas.microsoft.com/office/drawing/2014/main" id="{988B89F6-9505-4EDB-8D31-739BF2B2EF9B}"/>
+                </a:ext>
+              </a:extLst>
+            </p:cNvPr>
+            <p:cNvSpPr/>
+            <p:nvPr/>
+          </p:nvSpPr>
+          <p:spPr>
+            <a:xfrm>
+              <a:off x="3484880" y="609600"/>
+              <a:ext cx="2529840" cy="428786"/>
+            </a:xfrm>
+            <a:prstGeom prst="rect">
+              <a:avLst/>
+            </a:prstGeom>
+            <a:noFill/>
+            <a:ln w="9525" cap="flat" cmpd="sng" algn="ctr">
+              <a:solidFill>
+                <a:schemeClr val="dk1"/>
+              </a:solidFill>
+              <a:prstDash val="solid"/>
+              <a:round/>
+              <a:headEnd type="none" w="med" len="med"/>
+              <a:tailEnd type="arrow" w="med" len="med"/>
+            </a:ln>
+          </p:spPr>
+          <p:style>
+            <a:lnRef idx="0">
+              <a:scrgbClr r="0" g="0" b="0"/>
+            </a:lnRef>
+            <a:fillRef idx="0">
+              <a:scrgbClr r="0" g="0" b="0"/>
+            </a:fillRef>
+            <a:effectRef idx="0">
+              <a:scrgbClr r="0" g="0" b="0"/>
+            </a:effectRef>
+            <a:fontRef idx="minor">
+              <a:schemeClr val="dk1"/>
+            </a:fontRef>
+          </p:style>
+          <p:txBody>
+            <a:bodyPr rtlCol="0" anchor="ctr"/>
+            <a:lstStyle/>
+            <a:p>
+              <a:pPr algn="ctr"/>
+              <a:r>
+                <a:rPr lang="de-AT" b="1" dirty="0">
+                  <a:latin typeface="Arial" panose="020B0604020202020204" pitchFamily="34" charset="0"/>
+                  <a:cs typeface="Arial" panose="020B0604020202020204" pitchFamily="34" charset="0"/>
+                </a:rPr>
+                <a:t>Command</a:t>
+              </a:r>
+            </a:p>
+          </p:txBody>
+        </p:sp>
+        <p:sp>
+          <p:nvSpPr>
+            <p:cNvPr id="80" name="Rechteck 79">
+              <a:extLst>
+                <a:ext uri="{FF2B5EF4-FFF2-40B4-BE49-F238E27FC236}">
+                  <a16:creationId xmlns:a16="http://schemas.microsoft.com/office/drawing/2014/main" id="{BE798D85-5E00-4ECA-A3FA-65EA1CD12B18}"/>
+                </a:ext>
+              </a:extLst>
+            </p:cNvPr>
+            <p:cNvSpPr/>
+            <p:nvPr/>
+          </p:nvSpPr>
+          <p:spPr>
+            <a:xfrm>
+              <a:off x="3484880" y="1038385"/>
+              <a:ext cx="2529840" cy="1264406"/>
+            </a:xfrm>
+            <a:prstGeom prst="rect">
+              <a:avLst/>
+            </a:prstGeom>
+            <a:noFill/>
+            <a:ln w="9525" cap="flat" cmpd="sng" algn="ctr">
+              <a:solidFill>
+                <a:schemeClr val="dk1"/>
+              </a:solidFill>
+              <a:prstDash val="solid"/>
+              <a:round/>
+              <a:headEnd type="none" w="med" len="med"/>
+              <a:tailEnd type="arrow" w="med" len="med"/>
+            </a:ln>
+          </p:spPr>
+          <p:style>
+            <a:lnRef idx="0">
+              <a:scrgbClr r="0" g="0" b="0"/>
+            </a:lnRef>
+            <a:fillRef idx="0">
+              <a:scrgbClr r="0" g="0" b="0"/>
+            </a:fillRef>
+            <a:effectRef idx="0">
+              <a:scrgbClr r="0" g="0" b="0"/>
+            </a:effectRef>
+            <a:fontRef idx="minor">
+              <a:schemeClr val="dk1"/>
+            </a:fontRef>
+          </p:style>
+          <p:txBody>
+            <a:bodyPr rtlCol="0" anchor="ctr"/>
+            <a:lstStyle/>
+            <a:p>
+              <a:r>
+                <a:rPr lang="de-AT" sz="1600" dirty="0">
+                  <a:latin typeface="Arial" panose="020B0604020202020204" pitchFamily="34" charset="0"/>
+                  <a:cs typeface="Arial" panose="020B0604020202020204" pitchFamily="34" charset="0"/>
+                </a:rPr>
+                <a:t>String </a:t>
+              </a:r>
+              <a:r>
+                <a:rPr lang="de-AT" sz="1600" dirty="0" err="1">
+                  <a:latin typeface="Arial" panose="020B0604020202020204" pitchFamily="34" charset="0"/>
+                  <a:cs typeface="Arial" panose="020B0604020202020204" pitchFamily="34" charset="0"/>
+                </a:rPr>
+                <a:t>name</a:t>
+              </a:r>
+              <a:endParaRPr lang="de-AT" sz="1600" dirty="0">
+                <a:latin typeface="Arial" panose="020B0604020202020204" pitchFamily="34" charset="0"/>
+                <a:cs typeface="Arial" panose="020B0604020202020204" pitchFamily="34" charset="0"/>
+              </a:endParaRPr>
+            </a:p>
+            <a:p>
+              <a:r>
+                <a:rPr lang="de-AT" sz="1600" dirty="0">
+                  <a:latin typeface="Arial" panose="020B0604020202020204" pitchFamily="34" charset="0"/>
+                  <a:cs typeface="Arial" panose="020B0604020202020204" pitchFamily="34" charset="0"/>
+                </a:rPr>
+                <a:t>List&lt;</a:t>
+              </a:r>
+              <a:r>
+                <a:rPr lang="de-AT" sz="1600" dirty="0" err="1">
+                  <a:latin typeface="Arial" panose="020B0604020202020204" pitchFamily="34" charset="0"/>
+                  <a:cs typeface="Arial" panose="020B0604020202020204" pitchFamily="34" charset="0"/>
+                </a:rPr>
+                <a:t>CommandPayload</a:t>
+              </a:r>
+              <a:r>
+                <a:rPr lang="de-AT" sz="1600" dirty="0">
+                  <a:latin typeface="Arial" panose="020B0604020202020204" pitchFamily="34" charset="0"/>
+                  <a:cs typeface="Arial" panose="020B0604020202020204" pitchFamily="34" charset="0"/>
+                </a:rPr>
+                <a:t>&gt; </a:t>
+              </a:r>
+              <a:r>
+                <a:rPr lang="de-AT" sz="1600" dirty="0" err="1">
+                  <a:latin typeface="Arial" panose="020B0604020202020204" pitchFamily="34" charset="0"/>
+                  <a:cs typeface="Arial" panose="020B0604020202020204" pitchFamily="34" charset="0"/>
+                </a:rPr>
+                <a:t>request</a:t>
+              </a:r>
+              <a:endParaRPr lang="de-AT" sz="1600" dirty="0">
+                <a:latin typeface="Arial" panose="020B0604020202020204" pitchFamily="34" charset="0"/>
+                <a:cs typeface="Arial" panose="020B0604020202020204" pitchFamily="34" charset="0"/>
+              </a:endParaRPr>
+            </a:p>
+            <a:p>
+              <a:r>
+                <a:rPr lang="de-AT" sz="1600" dirty="0">
+                  <a:latin typeface="Arial" panose="020B0604020202020204" pitchFamily="34" charset="0"/>
+                  <a:cs typeface="Arial" panose="020B0604020202020204" pitchFamily="34" charset="0"/>
+                </a:rPr>
+                <a:t>List&lt;</a:t>
+              </a:r>
+              <a:r>
+                <a:rPr lang="de-AT" sz="1600" dirty="0" err="1">
+                  <a:latin typeface="Arial" panose="020B0604020202020204" pitchFamily="34" charset="0"/>
+                  <a:cs typeface="Arial" panose="020B0604020202020204" pitchFamily="34" charset="0"/>
+                </a:rPr>
+                <a:t>CommandPayload</a:t>
+              </a:r>
+              <a:r>
+                <a:rPr lang="de-AT" sz="1600" dirty="0">
+                  <a:latin typeface="Arial" panose="020B0604020202020204" pitchFamily="34" charset="0"/>
+                  <a:cs typeface="Arial" panose="020B0604020202020204" pitchFamily="34" charset="0"/>
+                </a:rPr>
+                <a:t>&gt; </a:t>
+              </a:r>
+              <a:r>
+                <a:rPr lang="de-AT" sz="1600" dirty="0" err="1">
+                  <a:latin typeface="Arial" panose="020B0604020202020204" pitchFamily="34" charset="0"/>
+                  <a:cs typeface="Arial" panose="020B0604020202020204" pitchFamily="34" charset="0"/>
+                </a:rPr>
+                <a:t>response</a:t>
+              </a:r>
+              <a:endParaRPr lang="de-AT" sz="1600" dirty="0">
+                <a:latin typeface="Arial" panose="020B0604020202020204" pitchFamily="34" charset="0"/>
+                <a:cs typeface="Arial" panose="020B0604020202020204" pitchFamily="34" charset="0"/>
+              </a:endParaRPr>
+            </a:p>
+          </p:txBody>
+        </p:sp>
+      </p:grpSp>
+      <p:sp>
+        <p:nvSpPr>
+          <p:cNvPr id="85" name="Raute 84">
+            <a:extLst>
+              <a:ext uri="{FF2B5EF4-FFF2-40B4-BE49-F238E27FC236}">
+                <a16:creationId xmlns:a16="http://schemas.microsoft.com/office/drawing/2014/main" id="{EADC2439-A820-4D5E-BBF6-2A3E4983B55A}"/>
+              </a:ext>
+            </a:extLst>
+          </p:cNvPr>
+          <p:cNvSpPr/>
+          <p:nvPr/>
+        </p:nvSpPr>
+        <p:spPr>
+          <a:xfrm rot="168924" flipH="1">
+            <a:off x="6191449" y="1494741"/>
+            <a:ext cx="180000" cy="252000"/>
+          </a:xfrm>
+          <a:prstGeom prst="diamond">
+            <a:avLst/>
+          </a:prstGeom>
+          <a:ln>
+            <a:headEnd type="none" w="med" len="med"/>
+            <a:tailEnd type="arrow" w="med" len="med"/>
+          </a:ln>
+        </p:spPr>
+        <p:style>
+          <a:lnRef idx="2">
+            <a:schemeClr val="dk1">
+              <a:shade val="50000"/>
+            </a:schemeClr>
+          </a:lnRef>
+          <a:fillRef idx="1">
+            <a:schemeClr val="dk1"/>
+          </a:fillRef>
+          <a:effectRef idx="0">
+            <a:schemeClr val="dk1"/>
+          </a:effectRef>
+          <a:fontRef idx="minor">
+            <a:schemeClr val="lt1"/>
+          </a:fontRef>
+        </p:style>
+        <p:txBody>
+          <a:bodyPr rtlCol="0" anchor="ctr"/>
+          <a:lstStyle/>
+          <a:p>
+            <a:pPr algn="ctr"/>
+            <a:endParaRPr lang="de-AT">
+              <a:latin typeface="Arial" panose="020B0604020202020204" pitchFamily="34" charset="0"/>
+              <a:cs typeface="Arial" panose="020B0604020202020204" pitchFamily="34" charset="0"/>
+            </a:endParaRPr>
+          </a:p>
+        </p:txBody>
+      </p:sp>
+      <p:cxnSp>
+        <p:nvCxnSpPr>
+          <p:cNvPr id="86" name="Verbinder: gewinkelt 171">
+            <a:extLst>
+              <a:ext uri="{FF2B5EF4-FFF2-40B4-BE49-F238E27FC236}">
+                <a16:creationId xmlns:a16="http://schemas.microsoft.com/office/drawing/2014/main" id="{F722153F-0738-4C73-A978-D3E6F75BE852}"/>
+              </a:ext>
+            </a:extLst>
+          </p:cNvPr>
+          <p:cNvCxnSpPr>
+            <a:cxnSpLocks/>
+            <a:stCxn id="18" idx="0"/>
+            <a:endCxn id="42" idx="2"/>
+          </p:cNvCxnSpPr>
+          <p:nvPr/>
+        </p:nvCxnSpPr>
+        <p:spPr>
+          <a:xfrm rot="5400000" flipH="1" flipV="1">
+            <a:off x="5491165" y="4212321"/>
+            <a:ext cx="1327851" cy="252718"/>
+          </a:xfrm>
+          <a:prstGeom prst="bentConnector3">
+            <a:avLst>
+              <a:gd name="adj1" fmla="val 50000"/>
+            </a:avLst>
+          </a:prstGeom>
+          <a:noFill/>
+          <a:ln w="12700" cap="flat" cmpd="sng">
+            <a:solidFill>
+              <a:schemeClr val="dk1"/>
+            </a:solidFill>
+            <a:prstDash val="solid"/>
+            <a:miter lim="800000"/>
+            <a:headEnd type="none" w="sm" len="sm"/>
+            <a:tailEnd type="triangle" w="lg" len="lg"/>
+          </a:ln>
+        </p:spPr>
+      </p:cxnSp>
+      <p:cxnSp>
+        <p:nvCxnSpPr>
+          <p:cNvPr id="96" name="Verbinder: gewinkelt 171">
+            <a:extLst>
+              <a:ext uri="{FF2B5EF4-FFF2-40B4-BE49-F238E27FC236}">
+                <a16:creationId xmlns:a16="http://schemas.microsoft.com/office/drawing/2014/main" id="{0F9CA7FC-4649-4906-8B82-E8E1AAD426B5}"/>
+              </a:ext>
+            </a:extLst>
+          </p:cNvPr>
+          <p:cNvCxnSpPr>
+            <a:cxnSpLocks/>
+            <a:stCxn id="85" idx="2"/>
+            <a:endCxn id="40" idx="0"/>
+          </p:cNvCxnSpPr>
+          <p:nvPr/>
+        </p:nvCxnSpPr>
+        <p:spPr>
+          <a:xfrm rot="16200000" flipH="1">
+            <a:off x="5699378" y="2322470"/>
+            <a:ext cx="1157953" cy="6189"/>
+          </a:xfrm>
+          <a:prstGeom prst="bentConnector3">
+            <a:avLst>
+              <a:gd name="adj1" fmla="val 50000"/>
+            </a:avLst>
+          </a:prstGeom>
+          <a:noFill/>
+          <a:ln w="12700" cap="flat" cmpd="sng">
+            <a:solidFill>
+              <a:schemeClr val="dk1"/>
+            </a:solidFill>
+            <a:prstDash val="solid"/>
+            <a:miter lim="800000"/>
+            <a:headEnd type="none" w="sm" len="sm"/>
+            <a:tailEnd type="triangle" w="lg" len="lg"/>
+          </a:ln>
+        </p:spPr>
+      </p:cxnSp>
+      <p:grpSp>
+        <p:nvGrpSpPr>
+          <p:cNvPr id="39" name="Gruppieren 38">
+            <a:extLst>
+              <a:ext uri="{FF2B5EF4-FFF2-40B4-BE49-F238E27FC236}">
+                <a16:creationId xmlns:a16="http://schemas.microsoft.com/office/drawing/2014/main" id="{57E9D1E6-2163-4C46-A307-A2C677B2440E}"/>
+              </a:ext>
+            </a:extLst>
+          </p:cNvPr>
+          <p:cNvGrpSpPr/>
+          <p:nvPr/>
+        </p:nvGrpSpPr>
+        <p:grpSpPr>
+          <a:xfrm>
+            <a:off x="5151930" y="2904542"/>
+            <a:ext cx="2259037" cy="770212"/>
+            <a:chOff x="3484880" y="609600"/>
+            <a:chExt cx="2529840" cy="805086"/>
+          </a:xfrm>
+        </p:grpSpPr>
+        <p:sp>
+          <p:nvSpPr>
+            <p:cNvPr id="40" name="Rechteck 39">
+              <a:extLst>
+                <a:ext uri="{FF2B5EF4-FFF2-40B4-BE49-F238E27FC236}">
+                  <a16:creationId xmlns:a16="http://schemas.microsoft.com/office/drawing/2014/main" id="{7F7FD008-B025-4E12-BAB9-8E858F50F386}"/>
+                </a:ext>
+              </a:extLst>
+            </p:cNvPr>
+            <p:cNvSpPr/>
+            <p:nvPr/>
+          </p:nvSpPr>
+          <p:spPr>
+            <a:xfrm>
+              <a:off x="3484880" y="609600"/>
+              <a:ext cx="2529840" cy="428786"/>
+            </a:xfrm>
+            <a:prstGeom prst="rect">
+              <a:avLst/>
+            </a:prstGeom>
+            <a:noFill/>
+            <a:ln w="9525" cap="flat" cmpd="sng" algn="ctr">
+              <a:solidFill>
+                <a:schemeClr val="dk1"/>
+              </a:solidFill>
+              <a:prstDash val="solid"/>
+              <a:round/>
+              <a:headEnd type="none" w="med" len="med"/>
+              <a:tailEnd type="arrow" w="med" len="med"/>
+            </a:ln>
+          </p:spPr>
+          <p:style>
+            <a:lnRef idx="0">
+              <a:scrgbClr r="0" g="0" b="0"/>
+            </a:lnRef>
+            <a:fillRef idx="0">
+              <a:scrgbClr r="0" g="0" b="0"/>
+            </a:fillRef>
+            <a:effectRef idx="0">
+              <a:scrgbClr r="0" g="0" b="0"/>
+            </a:effectRef>
+            <a:fontRef idx="minor">
+              <a:schemeClr val="dk1"/>
+            </a:fontRef>
+          </p:style>
+          <p:txBody>
+            <a:bodyPr rtlCol="0" anchor="ctr"/>
+            <a:lstStyle/>
+            <a:p>
+              <a:pPr algn="ctr"/>
+              <a:r>
+                <a:rPr lang="de-AT" b="1" dirty="0" err="1">
+                  <a:latin typeface="Arial" panose="020B0604020202020204" pitchFamily="34" charset="0"/>
+                  <a:cs typeface="Arial" panose="020B0604020202020204" pitchFamily="34" charset="0"/>
+                </a:rPr>
+                <a:t>InterfaceContent</a:t>
+              </a:r>
+              <a:endParaRPr lang="de-AT" b="1" dirty="0">
+                <a:latin typeface="Arial" panose="020B0604020202020204" pitchFamily="34" charset="0"/>
+                <a:cs typeface="Arial" panose="020B0604020202020204" pitchFamily="34" charset="0"/>
+              </a:endParaRPr>
+            </a:p>
+          </p:txBody>
+        </p:sp>
+        <p:sp>
+          <p:nvSpPr>
+            <p:cNvPr id="42" name="Rechteck 41">
+              <a:extLst>
+                <a:ext uri="{FF2B5EF4-FFF2-40B4-BE49-F238E27FC236}">
+                  <a16:creationId xmlns:a16="http://schemas.microsoft.com/office/drawing/2014/main" id="{92A0D814-D841-4DD4-B61E-DC16B2EB45C9}"/>
+                </a:ext>
+              </a:extLst>
+            </p:cNvPr>
+            <p:cNvSpPr/>
+            <p:nvPr/>
+          </p:nvSpPr>
+          <p:spPr>
+            <a:xfrm>
+              <a:off x="3484880" y="1038386"/>
+              <a:ext cx="2529840" cy="376300"/>
+            </a:xfrm>
+            <a:prstGeom prst="rect">
+              <a:avLst/>
+            </a:prstGeom>
+            <a:noFill/>
+            <a:ln w="9525" cap="flat" cmpd="sng" algn="ctr">
+              <a:solidFill>
+                <a:schemeClr val="dk1"/>
+              </a:solidFill>
+              <a:prstDash val="solid"/>
+              <a:round/>
+              <a:headEnd type="none" w="med" len="med"/>
+              <a:tailEnd type="arrow" w="med" len="med"/>
+            </a:ln>
+          </p:spPr>
+          <p:style>
+            <a:lnRef idx="0">
+              <a:scrgbClr r="0" g="0" b="0"/>
+            </a:lnRef>
+            <a:fillRef idx="0">
+              <a:scrgbClr r="0" g="0" b="0"/>
+            </a:fillRef>
+            <a:effectRef idx="0">
+              <a:scrgbClr r="0" g="0" b="0"/>
+            </a:effectRef>
+            <a:fontRef idx="minor">
+              <a:schemeClr val="dk1"/>
+            </a:fontRef>
+          </p:style>
+          <p:txBody>
+            <a:bodyPr rtlCol="0" anchor="ctr"/>
+            <a:lstStyle/>
+            <a:p>
+              <a:pPr algn="ctr"/>
+              <a:endParaRPr lang="de-AT" dirty="0">
+                <a:latin typeface="Arial" panose="020B0604020202020204" pitchFamily="34" charset="0"/>
+                <a:cs typeface="Arial" panose="020B0604020202020204" pitchFamily="34" charset="0"/>
+              </a:endParaRPr>
+            </a:p>
+          </p:txBody>
+        </p:sp>
+      </p:grpSp>
+      <p:grpSp>
+        <p:nvGrpSpPr>
+          <p:cNvPr id="44" name="Gruppieren 43">
+            <a:extLst>
+              <a:ext uri="{FF2B5EF4-FFF2-40B4-BE49-F238E27FC236}">
+                <a16:creationId xmlns:a16="http://schemas.microsoft.com/office/drawing/2014/main" id="{126F9912-0C29-4C9A-AE22-89A8E3240E2D}"/>
+              </a:ext>
+            </a:extLst>
+          </p:cNvPr>
+          <p:cNvGrpSpPr/>
+          <p:nvPr/>
+        </p:nvGrpSpPr>
+        <p:grpSpPr>
+          <a:xfrm>
+            <a:off x="2666364" y="97476"/>
+            <a:ext cx="1950801" cy="1859046"/>
+            <a:chOff x="3484880" y="609600"/>
+            <a:chExt cx="2529840" cy="1943222"/>
+          </a:xfrm>
+        </p:grpSpPr>
+        <p:sp>
+          <p:nvSpPr>
+            <p:cNvPr id="45" name="Rechteck 44">
+              <a:extLst>
+                <a:ext uri="{FF2B5EF4-FFF2-40B4-BE49-F238E27FC236}">
+                  <a16:creationId xmlns:a16="http://schemas.microsoft.com/office/drawing/2014/main" id="{D9C67E8F-1842-49E7-A406-416682BD9C2E}"/>
+                </a:ext>
+              </a:extLst>
+            </p:cNvPr>
+            <p:cNvSpPr/>
+            <p:nvPr/>
+          </p:nvSpPr>
+          <p:spPr>
+            <a:xfrm>
+              <a:off x="3484880" y="609600"/>
+              <a:ext cx="2529840" cy="413931"/>
+            </a:xfrm>
+            <a:prstGeom prst="rect">
+              <a:avLst/>
+            </a:prstGeom>
+            <a:noFill/>
+            <a:ln w="9525" cap="flat" cmpd="sng" algn="ctr">
+              <a:solidFill>
+                <a:schemeClr val="dk1"/>
+              </a:solidFill>
+              <a:prstDash val="solid"/>
+              <a:round/>
+              <a:headEnd type="none" w="med" len="med"/>
+              <a:tailEnd type="arrow" w="med" len="med"/>
+            </a:ln>
+          </p:spPr>
+          <p:style>
+            <a:lnRef idx="0">
+              <a:scrgbClr r="0" g="0" b="0"/>
+            </a:lnRef>
+            <a:fillRef idx="0">
+              <a:scrgbClr r="0" g="0" b="0"/>
+            </a:fillRef>
+            <a:effectRef idx="0">
+              <a:scrgbClr r="0" g="0" b="0"/>
+            </a:effectRef>
+            <a:fontRef idx="minor">
+              <a:schemeClr val="dk1"/>
+            </a:fontRef>
+          </p:style>
+          <p:txBody>
+            <a:bodyPr rtlCol="0" anchor="ctr"/>
+            <a:lstStyle/>
+            <a:p>
+              <a:pPr algn="ctr"/>
+              <a:r>
+                <a:rPr lang="de-AT" b="1" dirty="0" err="1">
+                  <a:latin typeface="Arial" panose="020B0604020202020204" pitchFamily="34" charset="0"/>
+                  <a:cs typeface="Arial" panose="020B0604020202020204" pitchFamily="34" charset="0"/>
+                </a:rPr>
+                <a:t>DTElement</a:t>
+              </a:r>
+              <a:endParaRPr lang="de-AT" b="1" dirty="0">
+                <a:latin typeface="Arial" panose="020B0604020202020204" pitchFamily="34" charset="0"/>
+                <a:cs typeface="Arial" panose="020B0604020202020204" pitchFamily="34" charset="0"/>
+              </a:endParaRPr>
+            </a:p>
+          </p:txBody>
+        </p:sp>
+        <p:sp>
+          <p:nvSpPr>
+            <p:cNvPr id="46" name="Rechteck 45">
+              <a:extLst>
+                <a:ext uri="{FF2B5EF4-FFF2-40B4-BE49-F238E27FC236}">
+                  <a16:creationId xmlns:a16="http://schemas.microsoft.com/office/drawing/2014/main" id="{9CA66CF3-4B1A-43E6-B7E3-E946C6B45475}"/>
+                </a:ext>
+              </a:extLst>
+            </p:cNvPr>
+            <p:cNvSpPr/>
+            <p:nvPr/>
+          </p:nvSpPr>
+          <p:spPr>
+            <a:xfrm>
+              <a:off x="3484880" y="1038385"/>
+              <a:ext cx="2529840" cy="1514437"/>
+            </a:xfrm>
+            <a:prstGeom prst="rect">
+              <a:avLst/>
+            </a:prstGeom>
+            <a:noFill/>
+            <a:ln w="9525" cap="flat" cmpd="sng" algn="ctr">
+              <a:solidFill>
+                <a:schemeClr val="dk1"/>
+              </a:solidFill>
+              <a:prstDash val="solid"/>
+              <a:round/>
+              <a:headEnd type="none" w="med" len="med"/>
+              <a:tailEnd type="arrow" w="med" len="med"/>
+            </a:ln>
+          </p:spPr>
+          <p:style>
+            <a:lnRef idx="0">
+              <a:scrgbClr r="0" g="0" b="0"/>
+            </a:lnRef>
+            <a:fillRef idx="0">
+              <a:scrgbClr r="0" g="0" b="0"/>
+            </a:fillRef>
+            <a:effectRef idx="0">
+              <a:scrgbClr r="0" g="0" b="0"/>
+            </a:effectRef>
+            <a:fontRef idx="minor">
+              <a:schemeClr val="dk1"/>
+            </a:fontRef>
+          </p:style>
+          <p:txBody>
+            <a:bodyPr rtlCol="0" anchor="ctr"/>
+            <a:lstStyle/>
+            <a:p>
+              <a:r>
+                <a:rPr lang="de-AT" sz="1600" dirty="0">
+                  <a:latin typeface="Arial" panose="020B0604020202020204" pitchFamily="34" charset="0"/>
+                  <a:cs typeface="Arial" panose="020B0604020202020204" pitchFamily="34" charset="0"/>
+                </a:rPr>
+                <a:t>String </a:t>
+              </a:r>
+              <a:r>
+                <a:rPr lang="de-AT" sz="1600" dirty="0" err="1">
+                  <a:latin typeface="Arial" panose="020B0604020202020204" pitchFamily="34" charset="0"/>
+                  <a:cs typeface="Arial" panose="020B0604020202020204" pitchFamily="34" charset="0"/>
+                </a:rPr>
+                <a:t>displayName</a:t>
+              </a:r>
+              <a:endParaRPr lang="de-AT" sz="1600" dirty="0">
+                <a:latin typeface="Arial" panose="020B0604020202020204" pitchFamily="34" charset="0"/>
+                <a:cs typeface="Arial" panose="020B0604020202020204" pitchFamily="34" charset="0"/>
+              </a:endParaRPr>
+            </a:p>
+            <a:p>
+              <a:r>
+                <a:rPr lang="de-AT" sz="1600" dirty="0">
+                  <a:latin typeface="Arial" panose="020B0604020202020204" pitchFamily="34" charset="0"/>
+                  <a:cs typeface="Arial" panose="020B0604020202020204" pitchFamily="34" charset="0"/>
+                </a:rPr>
+                <a:t>String </a:t>
+              </a:r>
+              <a:r>
+                <a:rPr lang="de-AT" sz="1600" dirty="0" err="1">
+                  <a:latin typeface="Arial" panose="020B0604020202020204" pitchFamily="34" charset="0"/>
+                  <a:cs typeface="Arial" panose="020B0604020202020204" pitchFamily="34" charset="0"/>
+                </a:rPr>
+                <a:t>description</a:t>
+              </a:r>
+              <a:endParaRPr lang="de-AT" sz="1600" dirty="0">
+                <a:latin typeface="Arial" panose="020B0604020202020204" pitchFamily="34" charset="0"/>
+                <a:cs typeface="Arial" panose="020B0604020202020204" pitchFamily="34" charset="0"/>
+              </a:endParaRPr>
+            </a:p>
+            <a:p>
+              <a:r>
+                <a:rPr lang="de-AT" sz="1600" dirty="0">
+                  <a:latin typeface="Arial" panose="020B0604020202020204" pitchFamily="34" charset="0"/>
+                  <a:cs typeface="Arial" panose="020B0604020202020204" pitchFamily="34" charset="0"/>
+                </a:rPr>
+                <a:t>String </a:t>
+              </a:r>
+              <a:r>
+                <a:rPr lang="de-AT" sz="1600" dirty="0" err="1">
+                  <a:latin typeface="Arial" panose="020B0604020202020204" pitchFamily="34" charset="0"/>
+                  <a:cs typeface="Arial" panose="020B0604020202020204" pitchFamily="34" charset="0"/>
+                </a:rPr>
+                <a:t>comment</a:t>
+              </a:r>
+              <a:endParaRPr lang="de-AT" sz="1600" dirty="0">
+                <a:latin typeface="Arial" panose="020B0604020202020204" pitchFamily="34" charset="0"/>
+                <a:cs typeface="Arial" panose="020B0604020202020204" pitchFamily="34" charset="0"/>
+              </a:endParaRPr>
+            </a:p>
+          </p:txBody>
+        </p:sp>
+      </p:grpSp>
+      <p:grpSp>
+        <p:nvGrpSpPr>
+          <p:cNvPr id="47" name="Gruppieren 46">
+            <a:extLst>
+              <a:ext uri="{FF2B5EF4-FFF2-40B4-BE49-F238E27FC236}">
+                <a16:creationId xmlns:a16="http://schemas.microsoft.com/office/drawing/2014/main" id="{B470326F-5452-4F5D-818E-C7D908BA037A}"/>
+              </a:ext>
+            </a:extLst>
+          </p:cNvPr>
+          <p:cNvGrpSpPr/>
+          <p:nvPr/>
+        </p:nvGrpSpPr>
+        <p:grpSpPr>
+          <a:xfrm>
+            <a:off x="116708" y="675115"/>
+            <a:ext cx="1578362" cy="1135283"/>
+            <a:chOff x="3484880" y="609600"/>
+            <a:chExt cx="2529840" cy="731494"/>
+          </a:xfrm>
+        </p:grpSpPr>
+        <p:sp>
+          <p:nvSpPr>
+            <p:cNvPr id="48" name="Rechteck 47">
+              <a:extLst>
+                <a:ext uri="{FF2B5EF4-FFF2-40B4-BE49-F238E27FC236}">
+                  <a16:creationId xmlns:a16="http://schemas.microsoft.com/office/drawing/2014/main" id="{7CC6EF15-114C-4790-AF31-DECA8578FC2B}"/>
+                </a:ext>
+              </a:extLst>
+            </p:cNvPr>
+            <p:cNvSpPr/>
+            <p:nvPr/>
+          </p:nvSpPr>
+          <p:spPr>
+            <a:xfrm>
+              <a:off x="3484880" y="609600"/>
+              <a:ext cx="2529840" cy="231958"/>
+            </a:xfrm>
+            <a:prstGeom prst="rect">
+              <a:avLst/>
+            </a:prstGeom>
+            <a:noFill/>
+            <a:ln w="9525" cap="flat" cmpd="sng" algn="ctr">
+              <a:solidFill>
+                <a:schemeClr val="dk1"/>
+              </a:solidFill>
+              <a:prstDash val="solid"/>
+              <a:round/>
+              <a:headEnd type="none" w="med" len="med"/>
+              <a:tailEnd type="arrow" w="med" len="med"/>
+            </a:ln>
+          </p:spPr>
+          <p:style>
+            <a:lnRef idx="0">
+              <a:scrgbClr r="0" g="0" b="0"/>
+            </a:lnRef>
+            <a:fillRef idx="0">
+              <a:scrgbClr r="0" g="0" b="0"/>
+            </a:fillRef>
+            <a:effectRef idx="0">
+              <a:scrgbClr r="0" g="0" b="0"/>
+            </a:effectRef>
+            <a:fontRef idx="minor">
+              <a:schemeClr val="dk1"/>
+            </a:fontRef>
+          </p:style>
+          <p:txBody>
+            <a:bodyPr rtlCol="0" anchor="ctr"/>
+            <a:lstStyle/>
+            <a:p>
+              <a:pPr algn="ctr"/>
+              <a:r>
+                <a:rPr lang="de-AT" b="1" dirty="0">
+                  <a:latin typeface="Arial" panose="020B0604020202020204" pitchFamily="34" charset="0"/>
+                  <a:cs typeface="Arial" panose="020B0604020202020204" pitchFamily="34" charset="0"/>
+                </a:rPr>
+                <a:t>DTMI</a:t>
+              </a:r>
+            </a:p>
+          </p:txBody>
+        </p:sp>
+        <p:sp>
+          <p:nvSpPr>
+            <p:cNvPr id="49" name="Rechteck 48">
+              <a:extLst>
+                <a:ext uri="{FF2B5EF4-FFF2-40B4-BE49-F238E27FC236}">
+                  <a16:creationId xmlns:a16="http://schemas.microsoft.com/office/drawing/2014/main" id="{9CDB77B4-CA9A-49AC-B8CC-18783475BA4A}"/>
+                </a:ext>
+              </a:extLst>
+            </p:cNvPr>
+            <p:cNvSpPr/>
+            <p:nvPr/>
+          </p:nvSpPr>
+          <p:spPr>
+            <a:xfrm>
+              <a:off x="3484880" y="854037"/>
+              <a:ext cx="2529840" cy="487057"/>
+            </a:xfrm>
+            <a:prstGeom prst="rect">
+              <a:avLst/>
+            </a:prstGeom>
+            <a:noFill/>
+            <a:ln w="9525" cap="flat" cmpd="sng" algn="ctr">
+              <a:solidFill>
+                <a:schemeClr val="dk1"/>
+              </a:solidFill>
+              <a:prstDash val="solid"/>
+              <a:round/>
+              <a:headEnd type="none" w="med" len="med"/>
+              <a:tailEnd type="arrow" w="med" len="med"/>
+            </a:ln>
+          </p:spPr>
+          <p:style>
+            <a:lnRef idx="0">
+              <a:scrgbClr r="0" g="0" b="0"/>
+            </a:lnRef>
+            <a:fillRef idx="0">
+              <a:scrgbClr r="0" g="0" b="0"/>
+            </a:fillRef>
+            <a:effectRef idx="0">
+              <a:scrgbClr r="0" g="0" b="0"/>
+            </a:effectRef>
+            <a:fontRef idx="minor">
+              <a:schemeClr val="dk1"/>
+            </a:fontRef>
+          </p:style>
+          <p:txBody>
+            <a:bodyPr rtlCol="0" anchor="ctr"/>
+            <a:lstStyle/>
+            <a:p>
+              <a:r>
+                <a:rPr lang="de-AT" sz="1600" dirty="0">
+                  <a:latin typeface="Arial" panose="020B0604020202020204" pitchFamily="34" charset="0"/>
+                  <a:cs typeface="Arial" panose="020B0604020202020204" pitchFamily="34" charset="0"/>
+                </a:rPr>
+                <a:t>String </a:t>
+              </a:r>
+              <a:r>
+                <a:rPr lang="de-AT" sz="1600" dirty="0" err="1">
+                  <a:latin typeface="Arial" panose="020B0604020202020204" pitchFamily="34" charset="0"/>
+                  <a:cs typeface="Arial" panose="020B0604020202020204" pitchFamily="34" charset="0"/>
+                </a:rPr>
+                <a:t>scheme</a:t>
+              </a:r>
+              <a:endParaRPr lang="de-AT" sz="1600" dirty="0">
+                <a:latin typeface="Arial" panose="020B0604020202020204" pitchFamily="34" charset="0"/>
+                <a:cs typeface="Arial" panose="020B0604020202020204" pitchFamily="34" charset="0"/>
+              </a:endParaRPr>
+            </a:p>
+            <a:p>
+              <a:r>
+                <a:rPr lang="de-AT" sz="1600" dirty="0">
+                  <a:latin typeface="Arial" panose="020B0604020202020204" pitchFamily="34" charset="0"/>
+                  <a:cs typeface="Arial" panose="020B0604020202020204" pitchFamily="34" charset="0"/>
+                </a:rPr>
+                <a:t>String </a:t>
+              </a:r>
+              <a:r>
+                <a:rPr lang="de-AT" sz="1600" dirty="0" err="1">
+                  <a:latin typeface="Arial" panose="020B0604020202020204" pitchFamily="34" charset="0"/>
+                  <a:cs typeface="Arial" panose="020B0604020202020204" pitchFamily="34" charset="0"/>
+                </a:rPr>
+                <a:t>path</a:t>
+              </a:r>
+              <a:endParaRPr lang="de-AT" sz="1600" dirty="0">
+                <a:latin typeface="Arial" panose="020B0604020202020204" pitchFamily="34" charset="0"/>
+                <a:cs typeface="Arial" panose="020B0604020202020204" pitchFamily="34" charset="0"/>
+              </a:endParaRPr>
+            </a:p>
+            <a:p>
+              <a:r>
+                <a:rPr lang="de-AT" sz="1600" dirty="0" err="1">
+                  <a:latin typeface="Arial" panose="020B0604020202020204" pitchFamily="34" charset="0"/>
+                  <a:cs typeface="Arial" panose="020B0604020202020204" pitchFamily="34" charset="0"/>
+                </a:rPr>
+                <a:t>Int</a:t>
+              </a:r>
+              <a:r>
+                <a:rPr lang="de-AT" sz="1600" dirty="0">
+                  <a:latin typeface="Arial" panose="020B0604020202020204" pitchFamily="34" charset="0"/>
+                  <a:cs typeface="Arial" panose="020B0604020202020204" pitchFamily="34" charset="0"/>
+                </a:rPr>
+                <a:t> </a:t>
+              </a:r>
+              <a:r>
+                <a:rPr lang="de-AT" sz="1600" dirty="0" err="1">
+                  <a:latin typeface="Arial" panose="020B0604020202020204" pitchFamily="34" charset="0"/>
+                  <a:cs typeface="Arial" panose="020B0604020202020204" pitchFamily="34" charset="0"/>
+                </a:rPr>
+                <a:t>version</a:t>
+              </a:r>
+              <a:endParaRPr lang="de-AT" sz="1600" dirty="0">
+                <a:latin typeface="Arial" panose="020B0604020202020204" pitchFamily="34" charset="0"/>
+                <a:cs typeface="Arial" panose="020B0604020202020204" pitchFamily="34" charset="0"/>
+              </a:endParaRPr>
+            </a:p>
+          </p:txBody>
+        </p:sp>
+      </p:grpSp>
+      <p:cxnSp>
+        <p:nvCxnSpPr>
+          <p:cNvPr id="51" name="Verbinder: gewinkelt 171">
+            <a:extLst>
+              <a:ext uri="{FF2B5EF4-FFF2-40B4-BE49-F238E27FC236}">
+                <a16:creationId xmlns:a16="http://schemas.microsoft.com/office/drawing/2014/main" id="{35BA1016-0498-4902-99C2-565A2D1BA98A}"/>
+              </a:ext>
+            </a:extLst>
+          </p:cNvPr>
+          <p:cNvCxnSpPr>
+            <a:cxnSpLocks/>
+            <a:stCxn id="9" idx="0"/>
+            <a:endCxn id="9" idx="1"/>
+          </p:cNvCxnSpPr>
+          <p:nvPr/>
+        </p:nvCxnSpPr>
+        <p:spPr>
+          <a:xfrm rot="16200000" flipH="1" flipV="1">
+            <a:off x="5862666" y="438867"/>
+            <a:ext cx="205106" cy="632461"/>
+          </a:xfrm>
+          <a:prstGeom prst="bentConnector4">
+            <a:avLst>
+              <a:gd name="adj1" fmla="val -111455"/>
+              <a:gd name="adj2" fmla="val 136145"/>
+            </a:avLst>
+          </a:prstGeom>
+          <a:noFill/>
+          <a:ln w="12700" cap="flat" cmpd="sng">
+            <a:solidFill>
+              <a:schemeClr val="dk1"/>
+            </a:solidFill>
+            <a:prstDash val="solid"/>
+            <a:miter lim="800000"/>
+            <a:headEnd type="none" w="sm" len="sm"/>
+            <a:tailEnd type="triangle" w="lg" len="lg"/>
+          </a:ln>
+        </p:spPr>
+      </p:cxnSp>
+      <p:grpSp>
+        <p:nvGrpSpPr>
+          <p:cNvPr id="57" name="Gruppieren 56">
+            <a:extLst>
+              <a:ext uri="{FF2B5EF4-FFF2-40B4-BE49-F238E27FC236}">
+                <a16:creationId xmlns:a16="http://schemas.microsoft.com/office/drawing/2014/main" id="{15F6D3F8-6381-45B5-A5E2-B634B866084A}"/>
+              </a:ext>
+            </a:extLst>
+          </p:cNvPr>
+          <p:cNvGrpSpPr/>
+          <p:nvPr/>
+        </p:nvGrpSpPr>
+        <p:grpSpPr>
+          <a:xfrm>
+            <a:off x="10442615" y="4993508"/>
+            <a:ext cx="1640474" cy="930706"/>
+            <a:chOff x="3484880" y="609600"/>
+            <a:chExt cx="2879997" cy="754930"/>
+          </a:xfrm>
+        </p:grpSpPr>
+        <p:sp>
+          <p:nvSpPr>
+            <p:cNvPr id="58" name="Rechteck 57">
+              <a:extLst>
+                <a:ext uri="{FF2B5EF4-FFF2-40B4-BE49-F238E27FC236}">
+                  <a16:creationId xmlns:a16="http://schemas.microsoft.com/office/drawing/2014/main" id="{EA0D2D79-7DA9-4B8D-86FE-CC209EEC2775}"/>
+                </a:ext>
+              </a:extLst>
+            </p:cNvPr>
+            <p:cNvSpPr/>
+            <p:nvPr/>
+          </p:nvSpPr>
+          <p:spPr>
+            <a:xfrm>
+              <a:off x="3484880" y="609600"/>
+              <a:ext cx="2879997" cy="428786"/>
+            </a:xfrm>
+            <a:prstGeom prst="rect">
+              <a:avLst/>
+            </a:prstGeom>
+            <a:noFill/>
+            <a:ln w="9525" cap="flat" cmpd="sng" algn="ctr">
+              <a:solidFill>
+                <a:schemeClr val="dk1"/>
+              </a:solidFill>
+              <a:prstDash val="solid"/>
+              <a:round/>
+              <a:headEnd type="none" w="med" len="med"/>
+              <a:tailEnd type="arrow" w="med" len="med"/>
+            </a:ln>
+          </p:spPr>
+          <p:style>
+            <a:lnRef idx="0">
+              <a:scrgbClr r="0" g="0" b="0"/>
+            </a:lnRef>
+            <a:fillRef idx="0">
+              <a:scrgbClr r="0" g="0" b="0"/>
+            </a:fillRef>
+            <a:effectRef idx="0">
+              <a:scrgbClr r="0" g="0" b="0"/>
+            </a:effectRef>
+            <a:fontRef idx="minor">
+              <a:schemeClr val="dk1"/>
+            </a:fontRef>
+          </p:style>
+          <p:txBody>
+            <a:bodyPr rtlCol="0" anchor="ctr"/>
+            <a:lstStyle/>
+            <a:p>
+              <a:pPr algn="ctr"/>
+              <a:r>
+                <a:rPr lang="de-AT" b="1" dirty="0" err="1">
+                  <a:latin typeface="Arial" panose="020B0604020202020204" pitchFamily="34" charset="0"/>
+                  <a:cs typeface="Arial" panose="020B0604020202020204" pitchFamily="34" charset="0"/>
+                </a:rPr>
+                <a:t>Component</a:t>
+              </a:r>
+              <a:endParaRPr lang="de-AT" sz="2000" b="1" dirty="0">
+                <a:latin typeface="Arial" panose="020B0604020202020204" pitchFamily="34" charset="0"/>
+                <a:cs typeface="Arial" panose="020B0604020202020204" pitchFamily="34" charset="0"/>
+              </a:endParaRPr>
+            </a:p>
+          </p:txBody>
+        </p:sp>
+        <p:sp>
+          <p:nvSpPr>
+            <p:cNvPr id="59" name="Rechteck 58">
+              <a:extLst>
+                <a:ext uri="{FF2B5EF4-FFF2-40B4-BE49-F238E27FC236}">
+                  <a16:creationId xmlns:a16="http://schemas.microsoft.com/office/drawing/2014/main" id="{F2B74DB5-D91E-42BC-BCE0-FCA3161FD18B}"/>
+                </a:ext>
+              </a:extLst>
+            </p:cNvPr>
+            <p:cNvSpPr/>
+            <p:nvPr/>
+          </p:nvSpPr>
+          <p:spPr>
+            <a:xfrm>
+              <a:off x="3484880" y="1048278"/>
+              <a:ext cx="2879997" cy="316252"/>
+            </a:xfrm>
+            <a:prstGeom prst="rect">
+              <a:avLst/>
+            </a:prstGeom>
+            <a:noFill/>
+            <a:ln w="9525" cap="flat" cmpd="sng" algn="ctr">
+              <a:solidFill>
+                <a:schemeClr val="dk1"/>
+              </a:solidFill>
+              <a:prstDash val="solid"/>
+              <a:round/>
+              <a:headEnd type="none" w="med" len="med"/>
+              <a:tailEnd type="arrow" w="med" len="med"/>
+            </a:ln>
+          </p:spPr>
+          <p:style>
+            <a:lnRef idx="0">
+              <a:scrgbClr r="0" g="0" b="0"/>
+            </a:lnRef>
+            <a:fillRef idx="0">
+              <a:scrgbClr r="0" g="0" b="0"/>
+            </a:fillRef>
+            <a:effectRef idx="0">
+              <a:scrgbClr r="0" g="0" b="0"/>
+            </a:effectRef>
+            <a:fontRef idx="minor">
+              <a:schemeClr val="dk1"/>
+            </a:fontRef>
+          </p:style>
+          <p:txBody>
+            <a:bodyPr rtlCol="0" anchor="ctr"/>
+            <a:lstStyle/>
+            <a:p>
+              <a:r>
+                <a:rPr lang="de-AT" sz="1600" dirty="0">
+                  <a:latin typeface="Arial" panose="020B0604020202020204" pitchFamily="34" charset="0"/>
+                  <a:cs typeface="Arial" panose="020B0604020202020204" pitchFamily="34" charset="0"/>
+                </a:rPr>
+                <a:t>String </a:t>
+              </a:r>
+              <a:r>
+                <a:rPr lang="de-AT" sz="1600" dirty="0" err="1">
+                  <a:latin typeface="Arial" panose="020B0604020202020204" pitchFamily="34" charset="0"/>
+                  <a:cs typeface="Arial" panose="020B0604020202020204" pitchFamily="34" charset="0"/>
+                </a:rPr>
+                <a:t>name</a:t>
+              </a:r>
+              <a:endParaRPr lang="de-AT" sz="1600" dirty="0">
+                <a:latin typeface="Arial" panose="020B0604020202020204" pitchFamily="34" charset="0"/>
+                <a:cs typeface="Arial" panose="020B0604020202020204" pitchFamily="34" charset="0"/>
+              </a:endParaRPr>
+            </a:p>
+          </p:txBody>
+        </p:sp>
+      </p:grpSp>
+      <p:sp>
+        <p:nvSpPr>
+          <p:cNvPr id="7" name="Textfeld 6">
+            <a:extLst>
+              <a:ext uri="{FF2B5EF4-FFF2-40B4-BE49-F238E27FC236}">
+                <a16:creationId xmlns:a16="http://schemas.microsoft.com/office/drawing/2014/main" id="{7E278B90-3489-4211-9729-3112FB2ACCF1}"/>
+              </a:ext>
+            </a:extLst>
+          </p:cNvPr>
+          <p:cNvSpPr txBox="1"/>
+          <p:nvPr/>
+        </p:nvSpPr>
+        <p:spPr>
+          <a:xfrm>
+            <a:off x="5409111" y="154354"/>
+            <a:ext cx="1180836" cy="307777"/>
+          </a:xfrm>
+          <a:prstGeom prst="rect">
+            <a:avLst/>
+          </a:prstGeom>
+          <a:noFill/>
+        </p:spPr>
+        <p:txBody>
+          <a:bodyPr wrap="none" rtlCol="0">
+            <a:spAutoFit/>
+          </a:bodyPr>
+          <a:lstStyle/>
+          <a:p>
+            <a:r>
+              <a:rPr lang="de-AT" sz="1400" dirty="0"/>
+              <a:t>[0..2] </a:t>
+            </a:r>
+            <a:r>
+              <a:rPr lang="de-AT" sz="1400" dirty="0" err="1"/>
+              <a:t>extends</a:t>
+            </a:r>
+            <a:endParaRPr lang="de-AT" sz="1400" dirty="0"/>
+          </a:p>
+        </p:txBody>
+      </p:sp>
+      <p:cxnSp>
+        <p:nvCxnSpPr>
+          <p:cNvPr id="60" name="Verbinder: gewinkelt 171">
+            <a:extLst>
+              <a:ext uri="{FF2B5EF4-FFF2-40B4-BE49-F238E27FC236}">
+                <a16:creationId xmlns:a16="http://schemas.microsoft.com/office/drawing/2014/main" id="{5EB6AD48-2AB7-49FC-9FCB-FB85553F49BC}"/>
+              </a:ext>
+            </a:extLst>
+          </p:cNvPr>
+          <p:cNvCxnSpPr>
+            <a:cxnSpLocks/>
+            <a:stCxn id="58" idx="0"/>
+            <a:endCxn id="9" idx="3"/>
+          </p:cNvCxnSpPr>
+          <p:nvPr/>
+        </p:nvCxnSpPr>
+        <p:spPr>
+          <a:xfrm rot="16200000" flipV="1">
+            <a:off x="7020453" y="751109"/>
+            <a:ext cx="4135857" cy="4348942"/>
+          </a:xfrm>
+          <a:prstGeom prst="bentConnector2">
+            <a:avLst/>
+          </a:prstGeom>
+          <a:noFill/>
+          <a:ln w="12700" cap="flat" cmpd="sng">
+            <a:solidFill>
+              <a:schemeClr val="dk1"/>
+            </a:solidFill>
+            <a:prstDash val="solid"/>
+            <a:miter lim="800000"/>
+            <a:headEnd type="none" w="sm" len="sm"/>
+            <a:tailEnd type="triangle" w="lg" len="lg"/>
+          </a:ln>
+        </p:spPr>
+      </p:cxnSp>
+      <p:sp>
+        <p:nvSpPr>
+          <p:cNvPr id="61" name="Textfeld 60">
+            <a:extLst>
+              <a:ext uri="{FF2B5EF4-FFF2-40B4-BE49-F238E27FC236}">
+                <a16:creationId xmlns:a16="http://schemas.microsoft.com/office/drawing/2014/main" id="{3BA5FE68-6C83-408B-8375-AE49DAE90778}"/>
+              </a:ext>
+            </a:extLst>
+          </p:cNvPr>
+          <p:cNvSpPr txBox="1"/>
+          <p:nvPr/>
+        </p:nvSpPr>
+        <p:spPr>
+          <a:xfrm>
+            <a:off x="7054187" y="542605"/>
+            <a:ext cx="2079276" cy="307777"/>
+          </a:xfrm>
+          <a:prstGeom prst="rect">
+            <a:avLst/>
+          </a:prstGeom>
+          <a:noFill/>
+        </p:spPr>
+        <p:txBody>
+          <a:bodyPr wrap="square" rtlCol="0">
+            <a:spAutoFit/>
+          </a:bodyPr>
+          <a:lstStyle/>
+          <a:p>
+            <a:r>
+              <a:rPr lang="de-AT" sz="1400" dirty="0">
+                <a:latin typeface="Arial" panose="020B0604020202020204" pitchFamily="34" charset="0"/>
+                <a:cs typeface="Arial" panose="020B0604020202020204" pitchFamily="34" charset="0"/>
+              </a:rPr>
+              <a:t>[1..1] </a:t>
+            </a:r>
+            <a:r>
+              <a:rPr lang="de-AT" sz="1400" dirty="0" err="1">
+                <a:latin typeface="Arial" panose="020B0604020202020204" pitchFamily="34" charset="0"/>
+                <a:cs typeface="Arial" panose="020B0604020202020204" pitchFamily="34" charset="0"/>
+              </a:rPr>
+              <a:t>schema</a:t>
+            </a:r>
+            <a:endParaRPr lang="de-AT" sz="1400" dirty="0">
+              <a:latin typeface="Arial" panose="020B0604020202020204" pitchFamily="34" charset="0"/>
+              <a:cs typeface="Arial" panose="020B0604020202020204" pitchFamily="34" charset="0"/>
+            </a:endParaRPr>
+          </a:p>
+        </p:txBody>
+      </p:sp>
+      <p:cxnSp>
+        <p:nvCxnSpPr>
+          <p:cNvPr id="69" name="Verbinder: gewinkelt 171">
+            <a:extLst>
+              <a:ext uri="{FF2B5EF4-FFF2-40B4-BE49-F238E27FC236}">
+                <a16:creationId xmlns:a16="http://schemas.microsoft.com/office/drawing/2014/main" id="{1475F4F0-BFC7-4C17-80DD-DC7B8FA84539}"/>
+              </a:ext>
+            </a:extLst>
+          </p:cNvPr>
+          <p:cNvCxnSpPr>
+            <a:cxnSpLocks/>
+            <a:stCxn id="22" idx="1"/>
+            <a:endCxn id="19" idx="3"/>
+          </p:cNvCxnSpPr>
+          <p:nvPr/>
+        </p:nvCxnSpPr>
+        <p:spPr>
+          <a:xfrm rot="10800000">
+            <a:off x="7057109" y="6087378"/>
+            <a:ext cx="1066163" cy="49162"/>
+          </a:xfrm>
+          <a:prstGeom prst="bentConnector3">
+            <a:avLst>
+              <a:gd name="adj1" fmla="val 50000"/>
+            </a:avLst>
+          </a:prstGeom>
+          <a:noFill/>
+          <a:ln w="12700" cap="flat" cmpd="sng">
+            <a:solidFill>
+              <a:schemeClr val="dk1"/>
+            </a:solidFill>
+            <a:prstDash val="solid"/>
+            <a:miter lim="800000"/>
+            <a:headEnd type="none" w="sm" len="sm"/>
+            <a:tailEnd type="triangle" w="lg" len="lg"/>
+          </a:ln>
+        </p:spPr>
+      </p:cxnSp>
+      <p:sp>
+        <p:nvSpPr>
+          <p:cNvPr id="75" name="Textfeld 74">
+            <a:extLst>
+              <a:ext uri="{FF2B5EF4-FFF2-40B4-BE49-F238E27FC236}">
+                <a16:creationId xmlns:a16="http://schemas.microsoft.com/office/drawing/2014/main" id="{4548FF3D-AD0D-4073-9ED5-09FF47FA0C8F}"/>
+              </a:ext>
+            </a:extLst>
+          </p:cNvPr>
+          <p:cNvSpPr txBox="1"/>
+          <p:nvPr/>
+        </p:nvSpPr>
+        <p:spPr>
+          <a:xfrm>
+            <a:off x="6942052" y="5266587"/>
+            <a:ext cx="1363851" cy="523220"/>
+          </a:xfrm>
+          <a:prstGeom prst="rect">
+            <a:avLst/>
+          </a:prstGeom>
+          <a:noFill/>
+        </p:spPr>
+        <p:txBody>
+          <a:bodyPr wrap="square" rtlCol="0">
+            <a:spAutoFit/>
+          </a:bodyPr>
+          <a:lstStyle>
+            <a:defPPr>
+              <a:defRPr lang="de-DE"/>
+            </a:defPPr>
+            <a:lvl1pPr>
+              <a:defRPr sz="1400">
+                <a:latin typeface="Arial" panose="020B0604020202020204" pitchFamily="34" charset="0"/>
+                <a:cs typeface="Arial" panose="020B0604020202020204" pitchFamily="34" charset="0"/>
+              </a:defRPr>
+            </a:lvl1pPr>
+          </a:lstStyle>
+          <a:p>
+            <a:r>
+              <a:rPr lang="de-AT" dirty="0"/>
+              <a:t>[0..300] </a:t>
+            </a:r>
+            <a:r>
+              <a:rPr lang="de-AT" dirty="0" err="1"/>
+              <a:t>properties</a:t>
+            </a:r>
+            <a:endParaRPr lang="de-AT" dirty="0"/>
+          </a:p>
+        </p:txBody>
+      </p:sp>
+      <p:cxnSp>
+        <p:nvCxnSpPr>
+          <p:cNvPr id="77" name="Verbinder: gewinkelt 171">
+            <a:extLst>
+              <a:ext uri="{FF2B5EF4-FFF2-40B4-BE49-F238E27FC236}">
+                <a16:creationId xmlns:a16="http://schemas.microsoft.com/office/drawing/2014/main" id="{6E9F8B5E-BDA9-4CA5-AA27-750D0E3A3C02}"/>
+              </a:ext>
+            </a:extLst>
+          </p:cNvPr>
+          <p:cNvCxnSpPr>
+            <a:cxnSpLocks/>
+            <a:stCxn id="21" idx="0"/>
+            <a:endCxn id="10" idx="3"/>
+          </p:cNvCxnSpPr>
+          <p:nvPr/>
+        </p:nvCxnSpPr>
+        <p:spPr>
+          <a:xfrm rot="16200000" flipV="1">
+            <a:off x="6153770" y="2002898"/>
+            <a:ext cx="3758021" cy="2237739"/>
+          </a:xfrm>
+          <a:prstGeom prst="bentConnector2">
+            <a:avLst/>
+          </a:prstGeom>
+          <a:noFill/>
+          <a:ln w="12700" cap="flat" cmpd="sng">
+            <a:solidFill>
+              <a:schemeClr val="dk1"/>
+            </a:solidFill>
+            <a:prstDash val="solid"/>
+            <a:miter lim="800000"/>
+            <a:headEnd type="none" w="sm" len="sm"/>
+            <a:tailEnd type="triangle" w="lg" len="lg"/>
+          </a:ln>
+        </p:spPr>
+      </p:cxnSp>
+      <p:sp>
+        <p:nvSpPr>
+          <p:cNvPr id="84" name="Textfeld 83">
+            <a:extLst>
+              <a:ext uri="{FF2B5EF4-FFF2-40B4-BE49-F238E27FC236}">
+                <a16:creationId xmlns:a16="http://schemas.microsoft.com/office/drawing/2014/main" id="{7A2B20B6-EEC4-4B37-AC92-1D5CAFB528B6}"/>
+              </a:ext>
+            </a:extLst>
+          </p:cNvPr>
+          <p:cNvSpPr txBox="1"/>
+          <p:nvPr/>
+        </p:nvSpPr>
+        <p:spPr>
+          <a:xfrm>
+            <a:off x="6335095" y="2535385"/>
+            <a:ext cx="1810837" cy="307777"/>
+          </a:xfrm>
+          <a:prstGeom prst="rect">
+            <a:avLst/>
+          </a:prstGeom>
+          <a:noFill/>
+        </p:spPr>
+        <p:txBody>
+          <a:bodyPr wrap="square" rtlCol="0">
+            <a:spAutoFit/>
+          </a:bodyPr>
+          <a:lstStyle/>
+          <a:p>
+            <a:r>
+              <a:rPr lang="de-AT" sz="1400" dirty="0">
+                <a:latin typeface="Arial" panose="020B0604020202020204" pitchFamily="34" charset="0"/>
+                <a:cs typeface="Arial" panose="020B0604020202020204" pitchFamily="34" charset="0"/>
+              </a:rPr>
+              <a:t>[0..*] </a:t>
+            </a:r>
+            <a:r>
+              <a:rPr lang="de-AT" sz="1400" dirty="0" err="1">
+                <a:latin typeface="Arial" panose="020B0604020202020204" pitchFamily="34" charset="0"/>
+                <a:cs typeface="Arial" panose="020B0604020202020204" pitchFamily="34" charset="0"/>
+              </a:rPr>
+              <a:t>contents</a:t>
+            </a:r>
+            <a:endParaRPr lang="de-AT" sz="1400" dirty="0">
+              <a:latin typeface="Arial" panose="020B0604020202020204" pitchFamily="34" charset="0"/>
+              <a:cs typeface="Arial" panose="020B0604020202020204" pitchFamily="34" charset="0"/>
+            </a:endParaRPr>
+          </a:p>
+        </p:txBody>
+      </p:sp>
+      <p:cxnSp>
+        <p:nvCxnSpPr>
+          <p:cNvPr id="87" name="Verbinder: gewinkelt 171">
+            <a:extLst>
+              <a:ext uri="{FF2B5EF4-FFF2-40B4-BE49-F238E27FC236}">
+                <a16:creationId xmlns:a16="http://schemas.microsoft.com/office/drawing/2014/main" id="{9AED0297-CF91-42E1-8095-A18F3366EA07}"/>
+              </a:ext>
+            </a:extLst>
+          </p:cNvPr>
+          <p:cNvCxnSpPr>
+            <a:cxnSpLocks/>
+            <a:stCxn id="21" idx="0"/>
+            <a:endCxn id="42" idx="2"/>
+          </p:cNvCxnSpPr>
+          <p:nvPr/>
+        </p:nvCxnSpPr>
+        <p:spPr>
+          <a:xfrm rot="16200000" flipV="1">
+            <a:off x="7053537" y="2902666"/>
+            <a:ext cx="1326024" cy="2870200"/>
+          </a:xfrm>
+          <a:prstGeom prst="bentConnector3">
+            <a:avLst>
+              <a:gd name="adj1" fmla="val 50000"/>
+            </a:avLst>
+          </a:prstGeom>
+          <a:noFill/>
+          <a:ln w="12700" cap="flat" cmpd="sng">
+            <a:solidFill>
+              <a:schemeClr val="dk1"/>
+            </a:solidFill>
+            <a:prstDash val="solid"/>
+            <a:miter lim="800000"/>
+            <a:headEnd type="none" w="sm" len="sm"/>
+            <a:tailEnd type="triangle" w="lg" len="lg"/>
+          </a:ln>
+        </p:spPr>
+      </p:cxnSp>
+      <p:cxnSp>
+        <p:nvCxnSpPr>
+          <p:cNvPr id="90" name="Verbinder: gewinkelt 171">
+            <a:extLst>
+              <a:ext uri="{FF2B5EF4-FFF2-40B4-BE49-F238E27FC236}">
+                <a16:creationId xmlns:a16="http://schemas.microsoft.com/office/drawing/2014/main" id="{0FD7BDC1-BAA5-4A2F-AB93-C1ECFDA7B4D9}"/>
+              </a:ext>
+            </a:extLst>
+          </p:cNvPr>
+          <p:cNvCxnSpPr>
+            <a:cxnSpLocks/>
+            <a:stCxn id="73" idx="0"/>
+            <a:endCxn id="42" idx="2"/>
+          </p:cNvCxnSpPr>
+          <p:nvPr/>
+        </p:nvCxnSpPr>
+        <p:spPr>
+          <a:xfrm rot="5400000" flipH="1" flipV="1">
+            <a:off x="4389381" y="3110538"/>
+            <a:ext cx="1327851" cy="2456285"/>
+          </a:xfrm>
+          <a:prstGeom prst="bentConnector3">
+            <a:avLst>
+              <a:gd name="adj1" fmla="val 50000"/>
+            </a:avLst>
+          </a:prstGeom>
+          <a:ln>
+            <a:headEnd type="none" w="med" len="med"/>
+            <a:tailEnd type="triangle" w="med" len="med"/>
+          </a:ln>
+        </p:spPr>
+        <p:style>
+          <a:lnRef idx="1">
+            <a:schemeClr val="dk1"/>
+          </a:lnRef>
+          <a:fillRef idx="0">
+            <a:schemeClr val="dk1"/>
+          </a:fillRef>
+          <a:effectRef idx="0">
+            <a:schemeClr val="dk1"/>
+          </a:effectRef>
+          <a:fontRef idx="minor">
+            <a:schemeClr val="tx1"/>
+          </a:fontRef>
+        </p:style>
+      </p:cxnSp>
+      <p:cxnSp>
+        <p:nvCxnSpPr>
+          <p:cNvPr id="95" name="Verbinder: gewinkelt 171">
+            <a:extLst>
+              <a:ext uri="{FF2B5EF4-FFF2-40B4-BE49-F238E27FC236}">
+                <a16:creationId xmlns:a16="http://schemas.microsoft.com/office/drawing/2014/main" id="{E804D7E0-C58A-4F4B-8AD5-19ABE26F4E15}"/>
+              </a:ext>
+            </a:extLst>
+          </p:cNvPr>
+          <p:cNvCxnSpPr>
+            <a:cxnSpLocks/>
+            <a:stCxn id="79" idx="0"/>
+            <a:endCxn id="42" idx="2"/>
+          </p:cNvCxnSpPr>
+          <p:nvPr/>
+        </p:nvCxnSpPr>
+        <p:spPr>
+          <a:xfrm rot="5400000" flipH="1" flipV="1">
+            <a:off x="3190005" y="1932237"/>
+            <a:ext cx="1348927" cy="4833962"/>
+          </a:xfrm>
+          <a:prstGeom prst="bentConnector3">
+            <a:avLst>
+              <a:gd name="adj1" fmla="val 50000"/>
+            </a:avLst>
+          </a:prstGeom>
+          <a:noFill/>
+          <a:ln w="12700" cap="flat" cmpd="sng">
+            <a:solidFill>
+              <a:schemeClr val="dk1"/>
+            </a:solidFill>
+            <a:prstDash val="solid"/>
+            <a:miter lim="800000"/>
+            <a:headEnd type="none" w="sm" len="sm"/>
+            <a:tailEnd type="triangle" w="lg" len="lg"/>
+          </a:ln>
+        </p:spPr>
+      </p:cxnSp>
+      <p:sp>
+        <p:nvSpPr>
+          <p:cNvPr id="53" name="Raute 52">
+            <a:extLst>
+              <a:ext uri="{FF2B5EF4-FFF2-40B4-BE49-F238E27FC236}">
+                <a16:creationId xmlns:a16="http://schemas.microsoft.com/office/drawing/2014/main" id="{394027D8-D74B-4F71-BB0B-24F17602A781}"/>
+              </a:ext>
+            </a:extLst>
+          </p:cNvPr>
+          <p:cNvSpPr/>
+          <p:nvPr/>
+        </p:nvSpPr>
+        <p:spPr>
+          <a:xfrm rot="5400000" flipH="1">
+            <a:off x="2456793" y="1306442"/>
+            <a:ext cx="180000" cy="252000"/>
+          </a:xfrm>
+          <a:prstGeom prst="diamond">
+            <a:avLst/>
+          </a:prstGeom>
+          <a:ln>
+            <a:headEnd type="none" w="med" len="med"/>
+            <a:tailEnd type="arrow" w="med" len="med"/>
+          </a:ln>
+        </p:spPr>
+        <p:style>
+          <a:lnRef idx="2">
+            <a:schemeClr val="dk1">
+              <a:shade val="50000"/>
+            </a:schemeClr>
+          </a:lnRef>
+          <a:fillRef idx="1">
+            <a:schemeClr val="dk1"/>
+          </a:fillRef>
+          <a:effectRef idx="0">
+            <a:schemeClr val="dk1"/>
+          </a:effectRef>
+          <a:fontRef idx="minor">
+            <a:schemeClr val="lt1"/>
+          </a:fontRef>
+        </p:style>
+        <p:txBody>
+          <a:bodyPr rtlCol="0" anchor="ctr"/>
+          <a:lstStyle/>
+          <a:p>
+            <a:pPr algn="ctr"/>
+            <a:endParaRPr lang="de-AT">
+              <a:latin typeface="Arial" panose="020B0604020202020204" pitchFamily="34" charset="0"/>
+              <a:cs typeface="Arial" panose="020B0604020202020204" pitchFamily="34" charset="0"/>
+            </a:endParaRPr>
+          </a:p>
+        </p:txBody>
+      </p:sp>
+      <p:cxnSp>
+        <p:nvCxnSpPr>
+          <p:cNvPr id="54" name="Verbinder: gewinkelt 171">
+            <a:extLst>
+              <a:ext uri="{FF2B5EF4-FFF2-40B4-BE49-F238E27FC236}">
+                <a16:creationId xmlns:a16="http://schemas.microsoft.com/office/drawing/2014/main" id="{FBE19B39-244D-48C7-BBF6-1C57A00F3068}"/>
+              </a:ext>
+            </a:extLst>
+          </p:cNvPr>
+          <p:cNvCxnSpPr>
+            <a:cxnSpLocks/>
+            <a:stCxn id="53" idx="2"/>
+            <a:endCxn id="49" idx="3"/>
+          </p:cNvCxnSpPr>
+          <p:nvPr/>
+        </p:nvCxnSpPr>
+        <p:spPr>
+          <a:xfrm rot="10800000">
+            <a:off x="1695071" y="1432442"/>
+            <a:ext cx="725723" cy="1"/>
+          </a:xfrm>
+          <a:prstGeom prst="bentConnector3">
+            <a:avLst>
+              <a:gd name="adj1" fmla="val 50000"/>
+            </a:avLst>
+          </a:prstGeom>
+          <a:noFill/>
+          <a:ln w="12700" cap="flat" cmpd="sng">
+            <a:solidFill>
+              <a:schemeClr val="dk1"/>
+            </a:solidFill>
+            <a:prstDash val="solid"/>
+            <a:miter lim="800000"/>
+            <a:headEnd type="none" w="sm" len="sm"/>
+            <a:tailEnd type="triangle" w="lg" len="lg"/>
+          </a:ln>
+        </p:spPr>
+      </p:cxnSp>
+      <p:sp>
+        <p:nvSpPr>
+          <p:cNvPr id="62" name="Textfeld 61">
+            <a:extLst>
+              <a:ext uri="{FF2B5EF4-FFF2-40B4-BE49-F238E27FC236}">
+                <a16:creationId xmlns:a16="http://schemas.microsoft.com/office/drawing/2014/main" id="{3329069B-CF04-4682-B578-272DF7BB6D3F}"/>
+              </a:ext>
+            </a:extLst>
+          </p:cNvPr>
+          <p:cNvSpPr txBox="1"/>
+          <p:nvPr/>
+        </p:nvSpPr>
+        <p:spPr>
+          <a:xfrm>
+            <a:off x="1771081" y="1044814"/>
+            <a:ext cx="1058790" cy="307777"/>
+          </a:xfrm>
+          <a:prstGeom prst="rect">
+            <a:avLst/>
+          </a:prstGeom>
+          <a:noFill/>
+          <a:ln w="12700" cap="flat" cmpd="sng">
+            <a:noFill/>
+            <a:prstDash val="solid"/>
+            <a:miter lim="800000"/>
+            <a:headEnd type="none" w="sm" len="sm"/>
+            <a:tailEnd type="triangle" w="lg" len="lg"/>
+          </a:ln>
+        </p:spPr>
+        <p:txBody>
+          <a:bodyPr wrap="square" rtlCol="0">
+            <a:spAutoFit/>
+          </a:bodyPr>
+          <a:lstStyle>
+            <a:defPPr>
+              <a:defRPr lang="de-DE"/>
+            </a:defPPr>
+            <a:lvl1pPr>
+              <a:defRPr sz="1400">
+                <a:latin typeface="Arial" panose="020B0604020202020204" pitchFamily="34" charset="0"/>
+                <a:cs typeface="Arial" panose="020B0604020202020204" pitchFamily="34" charset="0"/>
+              </a:defRPr>
+            </a:lvl1pPr>
+          </a:lstStyle>
+          <a:p>
+            <a:r>
+              <a:rPr lang="de-AT" dirty="0"/>
+              <a:t>[1..1] </a:t>
+            </a:r>
+            <a:r>
+              <a:rPr lang="de-AT" dirty="0" err="1"/>
+              <a:t>id</a:t>
+            </a:r>
+            <a:endParaRPr lang="de-AT" dirty="0"/>
+          </a:p>
+        </p:txBody>
+      </p:sp>
+      <p:cxnSp>
+        <p:nvCxnSpPr>
+          <p:cNvPr id="63" name="Verbinder: gewinkelt 171">
+            <a:extLst>
+              <a:ext uri="{FF2B5EF4-FFF2-40B4-BE49-F238E27FC236}">
+                <a16:creationId xmlns:a16="http://schemas.microsoft.com/office/drawing/2014/main" id="{3AFD393F-4C19-4720-91EC-9C06F1902793}"/>
+              </a:ext>
+            </a:extLst>
+          </p:cNvPr>
+          <p:cNvCxnSpPr>
+            <a:cxnSpLocks/>
+            <a:stCxn id="42" idx="1"/>
+            <a:endCxn id="46" idx="2"/>
+          </p:cNvCxnSpPr>
+          <p:nvPr/>
+        </p:nvCxnSpPr>
+        <p:spPr>
+          <a:xfrm rot="10800000">
+            <a:off x="3641766" y="1956522"/>
+            <a:ext cx="1510165" cy="1538232"/>
+          </a:xfrm>
+          <a:prstGeom prst="bentConnector2">
+            <a:avLst/>
+          </a:prstGeom>
+          <a:noFill/>
+          <a:ln w="12700" cap="flat" cmpd="sng">
+            <a:solidFill>
+              <a:schemeClr val="dk1"/>
+            </a:solidFill>
+            <a:prstDash val="solid"/>
+            <a:miter lim="800000"/>
+            <a:headEnd type="none" w="sm" len="sm"/>
+            <a:tailEnd type="triangle" w="lg" len="lg"/>
+          </a:ln>
+        </p:spPr>
+      </p:cxnSp>
+      <p:cxnSp>
+        <p:nvCxnSpPr>
+          <p:cNvPr id="64" name="Verbinder: gewinkelt 171">
+            <a:extLst>
+              <a:ext uri="{FF2B5EF4-FFF2-40B4-BE49-F238E27FC236}">
+                <a16:creationId xmlns:a16="http://schemas.microsoft.com/office/drawing/2014/main" id="{58D08E3C-D786-4A0D-8FCB-5EAFAD95B101}"/>
+              </a:ext>
+            </a:extLst>
+          </p:cNvPr>
+          <p:cNvCxnSpPr>
+            <a:cxnSpLocks/>
+            <a:stCxn id="10" idx="1"/>
+            <a:endCxn id="46" idx="3"/>
+          </p:cNvCxnSpPr>
+          <p:nvPr/>
+        </p:nvCxnSpPr>
+        <p:spPr>
+          <a:xfrm rot="10800000">
+            <a:off x="4617166" y="1232105"/>
+            <a:ext cx="1031823" cy="10652"/>
+          </a:xfrm>
+          <a:prstGeom prst="bentConnector3">
+            <a:avLst>
+              <a:gd name="adj1" fmla="val 50000"/>
+            </a:avLst>
+          </a:prstGeom>
+          <a:noFill/>
+          <a:ln w="12700" cap="flat" cmpd="sng">
+            <a:solidFill>
+              <a:schemeClr val="dk1"/>
+            </a:solidFill>
+            <a:prstDash val="solid"/>
+            <a:miter lim="800000"/>
+            <a:headEnd type="none" w="sm" len="sm"/>
+            <a:tailEnd type="triangle" w="lg" len="lg"/>
+          </a:ln>
+        </p:spPr>
+      </p:cxnSp>
+      <p:sp>
+        <p:nvSpPr>
+          <p:cNvPr id="70" name="Raute 69">
+            <a:extLst>
+              <a:ext uri="{FF2B5EF4-FFF2-40B4-BE49-F238E27FC236}">
+                <a16:creationId xmlns:a16="http://schemas.microsoft.com/office/drawing/2014/main" id="{D5031023-1F37-4DCE-8D4E-2FE312083711}"/>
+              </a:ext>
+            </a:extLst>
+          </p:cNvPr>
+          <p:cNvSpPr/>
+          <p:nvPr/>
+        </p:nvSpPr>
+        <p:spPr>
+          <a:xfrm rot="168924" flipH="1">
+            <a:off x="5384078" y="1176423"/>
+            <a:ext cx="252000" cy="180000"/>
+          </a:xfrm>
+          <a:prstGeom prst="diamond">
+            <a:avLst/>
+          </a:prstGeom>
+          <a:ln>
+            <a:headEnd type="none" w="med" len="med"/>
+            <a:tailEnd type="arrow" w="med" len="med"/>
+          </a:ln>
+        </p:spPr>
+        <p:style>
+          <a:lnRef idx="2">
+            <a:schemeClr val="dk1">
+              <a:shade val="50000"/>
+            </a:schemeClr>
+          </a:lnRef>
+          <a:fillRef idx="1">
+            <a:schemeClr val="dk1"/>
+          </a:fillRef>
+          <a:effectRef idx="0">
+            <a:schemeClr val="dk1"/>
+          </a:effectRef>
+          <a:fontRef idx="minor">
+            <a:schemeClr val="lt1"/>
+          </a:fontRef>
+        </p:style>
+        <p:txBody>
+          <a:bodyPr rtlCol="0" anchor="ctr"/>
+          <a:lstStyle/>
+          <a:p>
+            <a:pPr algn="ctr"/>
+            <a:endParaRPr lang="de-AT">
+              <a:latin typeface="Arial" panose="020B0604020202020204" pitchFamily="34" charset="0"/>
+              <a:cs typeface="Arial" panose="020B0604020202020204" pitchFamily="34" charset="0"/>
+            </a:endParaRPr>
+          </a:p>
+        </p:txBody>
+      </p:sp>
+      <p:cxnSp>
+        <p:nvCxnSpPr>
+          <p:cNvPr id="65" name="Verbinder: gewinkelt 171">
+            <a:extLst>
+              <a:ext uri="{FF2B5EF4-FFF2-40B4-BE49-F238E27FC236}">
+                <a16:creationId xmlns:a16="http://schemas.microsoft.com/office/drawing/2014/main" id="{F0BD5E85-E169-4E2E-99EF-B1A735B4C7B6}"/>
+              </a:ext>
+            </a:extLst>
+          </p:cNvPr>
+          <p:cNvCxnSpPr>
+            <a:cxnSpLocks/>
+            <a:stCxn id="58" idx="0"/>
+            <a:endCxn id="42" idx="2"/>
+          </p:cNvCxnSpPr>
+          <p:nvPr/>
+        </p:nvCxnSpPr>
+        <p:spPr>
+          <a:xfrm rot="16200000" flipV="1">
+            <a:off x="8112774" y="1843429"/>
+            <a:ext cx="1318754" cy="4981403"/>
+          </a:xfrm>
+          <a:prstGeom prst="bentConnector3">
+            <a:avLst>
+              <a:gd name="adj1" fmla="val 50000"/>
+            </a:avLst>
+          </a:prstGeom>
+          <a:noFill/>
+          <a:ln w="12700" cap="flat" cmpd="sng">
+            <a:solidFill>
+              <a:schemeClr val="dk1"/>
+            </a:solidFill>
+            <a:prstDash val="solid"/>
+            <a:miter lim="800000"/>
+            <a:headEnd type="none" w="sm" len="sm"/>
+            <a:tailEnd type="triangle" w="lg" len="lg"/>
+          </a:ln>
+        </p:spPr>
+      </p:cxnSp>
+      <p:sp>
+        <p:nvSpPr>
+          <p:cNvPr id="67" name="Google Shape;528;g10f8d9d020d_0_26">
+            <a:extLst>
+              <a:ext uri="{FF2B5EF4-FFF2-40B4-BE49-F238E27FC236}">
+                <a16:creationId xmlns:a16="http://schemas.microsoft.com/office/drawing/2014/main" id="{2E3A5FB9-A811-4A2F-AF6B-1F3DC73B13BE}"/>
+              </a:ext>
+            </a:extLst>
+          </p:cNvPr>
+          <p:cNvSpPr/>
+          <p:nvPr/>
+        </p:nvSpPr>
+        <p:spPr>
+          <a:xfrm flipH="1">
+            <a:off x="6169859" y="3627537"/>
+            <a:ext cx="200700" cy="177300"/>
+          </a:xfrm>
+          <a:prstGeom prst="triangle">
+            <a:avLst>
+              <a:gd name="adj" fmla="val 50000"/>
+            </a:avLst>
+          </a:prstGeom>
+          <a:solidFill>
+            <a:schemeClr val="lt1"/>
+          </a:solidFill>
+          <a:ln w="9525" cap="flat" cmpd="sng">
+            <a:solidFill>
+              <a:schemeClr val="dk1"/>
+            </a:solidFill>
+            <a:prstDash val="solid"/>
+            <a:miter lim="800000"/>
+            <a:headEnd type="none" w="sm" len="sm"/>
+            <a:tailEnd type="none" w="sm" len="sm"/>
+          </a:ln>
+        </p:spPr>
+        <p:txBody>
+          <a:bodyPr spcFirstLastPara="1" wrap="square" lIns="91425" tIns="45700" rIns="91425" bIns="45700" anchor="ctr" anchorCtr="0">
+            <a:noAutofit/>
+          </a:bodyPr>
+          <a:lstStyle/>
+          <a:p>
+            <a:pPr marL="0" marR="0" lvl="0" indent="0" algn="l" rtl="0">
+              <a:lnSpc>
+                <a:spcPct val="100000"/>
+              </a:lnSpc>
+              <a:spcBef>
+                <a:spcPts val="0"/>
+              </a:spcBef>
+              <a:spcAft>
+                <a:spcPts val="0"/>
+              </a:spcAft>
+              <a:buClr>
+                <a:srgbClr val="000000"/>
+              </a:buClr>
+              <a:buSzPts val="1404"/>
+              <a:buFont typeface="Arial"/>
+              <a:buNone/>
+            </a:pPr>
+            <a:endParaRPr sz="1404" b="0" i="0" u="none" strike="noStrike" cap="none">
+              <a:solidFill>
+                <a:schemeClr val="dk1"/>
+              </a:solidFill>
+              <a:latin typeface="Arial"/>
+              <a:ea typeface="Arial"/>
+              <a:cs typeface="Arial"/>
+              <a:sym typeface="Arial"/>
+            </a:endParaRPr>
+          </a:p>
+        </p:txBody>
+      </p:sp>
+    </p:spTree>
+    <p:extLst>
+      <p:ext uri="{BB962C8B-B14F-4D97-AF65-F5344CB8AC3E}">
+        <p14:creationId xmlns:p14="http://schemas.microsoft.com/office/powerpoint/2010/main" val="1626522489"/>
+      </p:ext>
+    </p:extLst>
+  </p:cSld>
+  <p:clrMapOvr>
+    <a:masterClrMapping/>
+  </p:clrMapOvr>
+</p:sld>
+</file>
+
+<file path=ppt/slides/slide2.xml><?xml version="1.0" encoding="utf-8"?>
+<p:sld xmlns:a="http://schemas.openxmlformats.org/drawingml/2006/main" xmlns:r="http://schemas.openxmlformats.org/officeDocument/2006/relationships" xmlns:p="http://schemas.openxmlformats.org/presentationml/2006/main">
+  <p:cSld>
+    <p:spTree>
+      <p:nvGrpSpPr>
+        <p:cNvPr id="1" name=""/>
+        <p:cNvGrpSpPr/>
+        <p:nvPr/>
+      </p:nvGrpSpPr>
+      <p:grpSpPr>
+        <a:xfrm>
+          <a:off x="0" y="0"/>
+          <a:ext cx="0" cy="0"/>
+          <a:chOff x="0" y="0"/>
+          <a:chExt cx="0" cy="0"/>
+        </a:xfrm>
+      </p:grpSpPr>
+      <p:grpSp>
+        <p:nvGrpSpPr>
+          <p:cNvPr id="2" name="Gruppieren 1">
+            <a:extLst>
+              <a:ext uri="{FF2B5EF4-FFF2-40B4-BE49-F238E27FC236}">
+                <a16:creationId xmlns:a16="http://schemas.microsoft.com/office/drawing/2014/main" id="{FEDF502F-0C4D-4425-83A6-F67C89004DBE}"/>
+              </a:ext>
+            </a:extLst>
+          </p:cNvPr>
+          <p:cNvGrpSpPr/>
+          <p:nvPr/>
+        </p:nvGrpSpPr>
+        <p:grpSpPr>
+          <a:xfrm>
+            <a:off x="4322239" y="134348"/>
+            <a:ext cx="2699125" cy="788786"/>
+            <a:chOff x="3484880" y="609600"/>
+            <a:chExt cx="2529840" cy="788786"/>
+          </a:xfrm>
+        </p:grpSpPr>
+        <p:sp>
+          <p:nvSpPr>
+            <p:cNvPr id="3" name="Rechteck 2">
+              <a:extLst>
+                <a:ext uri="{FF2B5EF4-FFF2-40B4-BE49-F238E27FC236}">
+                  <a16:creationId xmlns:a16="http://schemas.microsoft.com/office/drawing/2014/main" id="{B58B75DF-65AD-4B3C-B993-062D6F4F0380}"/>
+                </a:ext>
+              </a:extLst>
+            </p:cNvPr>
+            <p:cNvSpPr/>
+            <p:nvPr/>
+          </p:nvSpPr>
+          <p:spPr>
+            <a:xfrm>
+              <a:off x="3484880" y="609600"/>
+              <a:ext cx="2529840" cy="428786"/>
+            </a:xfrm>
+            <a:prstGeom prst="rect">
+              <a:avLst/>
+            </a:prstGeom>
+            <a:noFill/>
+            <a:ln w="9525" cap="flat" cmpd="sng" algn="ctr">
+              <a:solidFill>
+                <a:schemeClr val="dk1"/>
+              </a:solidFill>
+              <a:prstDash val="solid"/>
+              <a:round/>
+              <a:headEnd type="none" w="med" len="med"/>
+              <a:tailEnd type="arrow" w="med" len="med"/>
+            </a:ln>
+          </p:spPr>
+          <p:style>
+            <a:lnRef idx="0">
+              <a:scrgbClr r="0" g="0" b="0"/>
+            </a:lnRef>
+            <a:fillRef idx="0">
+              <a:scrgbClr r="0" g="0" b="0"/>
+            </a:fillRef>
+            <a:effectRef idx="0">
+              <a:scrgbClr r="0" g="0" b="0"/>
+            </a:effectRef>
+            <a:fontRef idx="minor">
+              <a:schemeClr val="dk1"/>
+            </a:fontRef>
+          </p:style>
+          <p:txBody>
+            <a:bodyPr rtlCol="0" anchor="ctr"/>
+            <a:lstStyle/>
+            <a:p>
+              <a:pPr algn="ctr"/>
+              <a:r>
+                <a:rPr lang="de-AT" sz="2000" b="1" dirty="0" err="1">
+                  <a:latin typeface="Arial" panose="020B0604020202020204" pitchFamily="34" charset="0"/>
+                  <a:cs typeface="Arial" panose="020B0604020202020204" pitchFamily="34" charset="0"/>
+                </a:rPr>
+                <a:t>InformationModel</a:t>
+              </a:r>
+              <a:endParaRPr lang="de-AT" sz="2000" b="1" dirty="0">
+                <a:latin typeface="Arial" panose="020B0604020202020204" pitchFamily="34" charset="0"/>
+                <a:cs typeface="Arial" panose="020B0604020202020204" pitchFamily="34" charset="0"/>
+              </a:endParaRPr>
+            </a:p>
+          </p:txBody>
+        </p:sp>
+        <p:sp>
+          <p:nvSpPr>
+            <p:cNvPr id="4" name="Rechteck 3">
+              <a:extLst>
+                <a:ext uri="{FF2B5EF4-FFF2-40B4-BE49-F238E27FC236}">
+                  <a16:creationId xmlns:a16="http://schemas.microsoft.com/office/drawing/2014/main" id="{7343B6AA-46F1-414D-A324-DB7B81A7228D}"/>
+                </a:ext>
+              </a:extLst>
+            </p:cNvPr>
+            <p:cNvSpPr/>
+            <p:nvPr/>
+          </p:nvSpPr>
+          <p:spPr>
+            <a:xfrm>
+              <a:off x="3484880" y="1038386"/>
+              <a:ext cx="2529840" cy="360000"/>
+            </a:xfrm>
+            <a:prstGeom prst="rect">
+              <a:avLst/>
+            </a:prstGeom>
+            <a:noFill/>
+            <a:ln w="9525" cap="flat" cmpd="sng" algn="ctr">
+              <a:solidFill>
+                <a:schemeClr val="dk1"/>
+              </a:solidFill>
+              <a:prstDash val="solid"/>
+              <a:round/>
+              <a:headEnd type="none" w="med" len="med"/>
+              <a:tailEnd type="arrow" w="med" len="med"/>
+            </a:ln>
+          </p:spPr>
+          <p:style>
+            <a:lnRef idx="0">
+              <a:scrgbClr r="0" g="0" b="0"/>
+            </a:lnRef>
+            <a:fillRef idx="0">
+              <a:scrgbClr r="0" g="0" b="0"/>
+            </a:fillRef>
+            <a:effectRef idx="0">
+              <a:scrgbClr r="0" g="0" b="0"/>
+            </a:effectRef>
+            <a:fontRef idx="minor">
+              <a:schemeClr val="dk1"/>
+            </a:fontRef>
+          </p:style>
+          <p:txBody>
+            <a:bodyPr rtlCol="0" anchor="ctr"/>
+            <a:lstStyle/>
+            <a:p>
+              <a:pPr algn="ctr"/>
+              <a:endParaRPr lang="de-AT" dirty="0">
+                <a:latin typeface="Arial" panose="020B0604020202020204" pitchFamily="34" charset="0"/>
+                <a:cs typeface="Arial" panose="020B0604020202020204" pitchFamily="34" charset="0"/>
+              </a:endParaRPr>
+            </a:p>
+          </p:txBody>
+        </p:sp>
+      </p:grpSp>
+      <p:grpSp>
+        <p:nvGrpSpPr>
+          <p:cNvPr id="8" name="Gruppieren 7">
+            <a:extLst>
+              <a:ext uri="{FF2B5EF4-FFF2-40B4-BE49-F238E27FC236}">
+                <a16:creationId xmlns:a16="http://schemas.microsoft.com/office/drawing/2014/main" id="{F7F731B2-C32E-4C89-9385-5098068227C6}"/>
+              </a:ext>
+            </a:extLst>
+          </p:cNvPr>
+          <p:cNvGrpSpPr/>
+          <p:nvPr/>
+        </p:nvGrpSpPr>
+        <p:grpSpPr>
+          <a:xfrm>
+            <a:off x="4321886" y="3921937"/>
+            <a:ext cx="2796542" cy="953526"/>
             <a:chOff x="3484880" y="609600"/>
             <a:chExt cx="2529840" cy="857572"/>
           </a:xfrm>
@@ -3425,11 +6288,18 @@
             <a:p>
               <a:pPr algn="ctr"/>
               <a:r>
+                <a:rPr lang="de-AT" b="1" dirty="0" err="1">
+                  <a:latin typeface="Arial" panose="020B0604020202020204" pitchFamily="34" charset="0"/>
+                  <a:cs typeface="Arial" panose="020B0604020202020204" pitchFamily="34" charset="0"/>
+                </a:rPr>
+                <a:t>FunctionBlock</a:t>
+              </a:r>
+              <a:r>
                 <a:rPr lang="de-AT" b="1" dirty="0">
                   <a:latin typeface="Arial" panose="020B0604020202020204" pitchFamily="34" charset="0"/>
                   <a:cs typeface="Arial" panose="020B0604020202020204" pitchFamily="34" charset="0"/>
                 </a:rPr>
-                <a:t>Interface</a:t>
+                <a:t> Model</a:t>
               </a:r>
             </a:p>
           </p:txBody>
@@ -3483,3180 +6353,55 @@
             <a:bodyPr rtlCol="0" anchor="ctr"/>
             <a:lstStyle/>
             <a:p>
-              <a:pPr algn="ctr"/>
-              <a:endParaRPr lang="de-AT" dirty="0">
-                <a:latin typeface="Arial" panose="020B0604020202020204" pitchFamily="34" charset="0"/>
-                <a:cs typeface="Arial" panose="020B0604020202020204" pitchFamily="34" charset="0"/>
-              </a:endParaRPr>
-            </a:p>
-          </p:txBody>
-        </p:sp>
-      </p:grpSp>
-      <p:grpSp>
-        <p:nvGrpSpPr>
-          <p:cNvPr id="17" name="Gruppieren 16">
-            <a:extLst>
-              <a:ext uri="{FF2B5EF4-FFF2-40B4-BE49-F238E27FC236}">
-                <a16:creationId xmlns:a16="http://schemas.microsoft.com/office/drawing/2014/main" id="{76AB9499-6092-4181-B444-FC85DE81FCE3}"/>
-              </a:ext>
-            </a:extLst>
-          </p:cNvPr>
-          <p:cNvGrpSpPr/>
-          <p:nvPr/>
-        </p:nvGrpSpPr>
-        <p:grpSpPr>
-          <a:xfrm>
-            <a:off x="4959935" y="4963632"/>
-            <a:ext cx="2056755" cy="1710204"/>
-            <a:chOff x="3484880" y="609600"/>
-            <a:chExt cx="2879997" cy="1387210"/>
-          </a:xfrm>
-        </p:grpSpPr>
-        <p:sp>
-          <p:nvSpPr>
-            <p:cNvPr id="18" name="Rechteck 17">
-              <a:extLst>
-                <a:ext uri="{FF2B5EF4-FFF2-40B4-BE49-F238E27FC236}">
-                  <a16:creationId xmlns:a16="http://schemas.microsoft.com/office/drawing/2014/main" id="{E77BB892-4AF7-4BCA-9CF2-101A99921767}"/>
-                </a:ext>
-              </a:extLst>
-            </p:cNvPr>
-            <p:cNvSpPr/>
-            <p:nvPr/>
-          </p:nvSpPr>
-          <p:spPr>
-            <a:xfrm>
-              <a:off x="3484880" y="609600"/>
-              <a:ext cx="2879997" cy="428786"/>
-            </a:xfrm>
-            <a:prstGeom prst="rect">
-              <a:avLst/>
-            </a:prstGeom>
-            <a:noFill/>
-            <a:ln w="9525" cap="flat" cmpd="sng" algn="ctr">
-              <a:solidFill>
-                <a:schemeClr val="dk1"/>
-              </a:solidFill>
-              <a:prstDash val="solid"/>
-              <a:round/>
-              <a:headEnd type="none" w="med" len="med"/>
-              <a:tailEnd type="arrow" w="med" len="med"/>
-            </a:ln>
-          </p:spPr>
-          <p:style>
-            <a:lnRef idx="0">
-              <a:scrgbClr r="0" g="0" b="0"/>
-            </a:lnRef>
-            <a:fillRef idx="0">
-              <a:scrgbClr r="0" g="0" b="0"/>
-            </a:fillRef>
-            <a:effectRef idx="0">
-              <a:scrgbClr r="0" g="0" b="0"/>
-            </a:effectRef>
-            <a:fontRef idx="minor">
-              <a:schemeClr val="dk1"/>
-            </a:fontRef>
-          </p:style>
-          <p:txBody>
-            <a:bodyPr rtlCol="0" anchor="ctr"/>
-            <a:lstStyle/>
-            <a:p>
-              <a:r>
-                <a:rPr lang="de-AT" sz="2000" b="1" dirty="0">
-                  <a:latin typeface="Arial" panose="020B0604020202020204" pitchFamily="34" charset="0"/>
-                  <a:cs typeface="Arial" panose="020B0604020202020204" pitchFamily="34" charset="0"/>
-                </a:rPr>
-                <a:t>Property</a:t>
-              </a:r>
-            </a:p>
-          </p:txBody>
-        </p:sp>
-        <p:sp>
-          <p:nvSpPr>
-            <p:cNvPr id="19" name="Rechteck 18">
-              <a:extLst>
-                <a:ext uri="{FF2B5EF4-FFF2-40B4-BE49-F238E27FC236}">
-                  <a16:creationId xmlns:a16="http://schemas.microsoft.com/office/drawing/2014/main" id="{41891C1F-761C-44B2-9D5C-3FFA30632CFD}"/>
-                </a:ext>
-              </a:extLst>
-            </p:cNvPr>
-            <p:cNvSpPr/>
-            <p:nvPr/>
-          </p:nvSpPr>
-          <p:spPr>
-            <a:xfrm>
-              <a:off x="3484880" y="1038386"/>
-              <a:ext cx="2879997" cy="958424"/>
-            </a:xfrm>
-            <a:prstGeom prst="rect">
-              <a:avLst/>
-            </a:prstGeom>
-            <a:noFill/>
-            <a:ln w="9525" cap="flat" cmpd="sng" algn="ctr">
-              <a:solidFill>
-                <a:schemeClr val="dk1"/>
-              </a:solidFill>
-              <a:prstDash val="solid"/>
-              <a:round/>
-              <a:headEnd type="none" w="med" len="med"/>
-              <a:tailEnd type="arrow" w="med" len="med"/>
-            </a:ln>
-          </p:spPr>
-          <p:style>
-            <a:lnRef idx="0">
-              <a:scrgbClr r="0" g="0" b="0"/>
-            </a:lnRef>
-            <a:fillRef idx="0">
-              <a:scrgbClr r="0" g="0" b="0"/>
-            </a:fillRef>
-            <a:effectRef idx="0">
-              <a:scrgbClr r="0" g="0" b="0"/>
-            </a:effectRef>
-            <a:fontRef idx="minor">
-              <a:schemeClr val="dk1"/>
-            </a:fontRef>
-          </p:style>
-          <p:txBody>
-            <a:bodyPr rtlCol="0" anchor="ctr"/>
-            <a:lstStyle/>
-            <a:p>
-              <a:r>
-                <a:rPr lang="de-AT" dirty="0" err="1">
-                  <a:latin typeface="Arial" panose="020B0604020202020204" pitchFamily="34" charset="0"/>
-                  <a:cs typeface="Arial" panose="020B0604020202020204" pitchFamily="34" charset="0"/>
-                </a:rPr>
-                <a:t>isWritable</a:t>
-              </a:r>
-              <a:r>
-                <a:rPr lang="de-AT" dirty="0">
-                  <a:latin typeface="Arial" panose="020B0604020202020204" pitchFamily="34" charset="0"/>
-                  <a:cs typeface="Arial" panose="020B0604020202020204" pitchFamily="34" charset="0"/>
-                </a:rPr>
-                <a:t>: </a:t>
-              </a:r>
-              <a:r>
-                <a:rPr lang="de-AT" dirty="0" err="1">
-                  <a:latin typeface="Arial" panose="020B0604020202020204" pitchFamily="34" charset="0"/>
-                  <a:cs typeface="Arial" panose="020B0604020202020204" pitchFamily="34" charset="0"/>
-                </a:rPr>
-                <a:t>bool</a:t>
-              </a:r>
-              <a:endParaRPr lang="de-AT" dirty="0">
+              <a:r>
+                <a:rPr lang="de-AT" sz="1600" dirty="0">
+                  <a:latin typeface="Arial" panose="020B0604020202020204" pitchFamily="34" charset="0"/>
+                  <a:cs typeface="Arial" panose="020B0604020202020204" pitchFamily="34" charset="0"/>
+                </a:rPr>
+                <a:t>List&lt;Entity&gt; </a:t>
+              </a:r>
+              <a:r>
+                <a:rPr lang="de-AT" sz="1600" dirty="0" err="1">
+                  <a:latin typeface="Arial" panose="020B0604020202020204" pitchFamily="34" charset="0"/>
+                  <a:cs typeface="Arial" panose="020B0604020202020204" pitchFamily="34" charset="0"/>
+                </a:rPr>
+                <a:t>entities</a:t>
+              </a:r>
+              <a:endParaRPr lang="de-AT" sz="1600" dirty="0">
                 <a:latin typeface="Arial" panose="020B0604020202020204" pitchFamily="34" charset="0"/>
                 <a:cs typeface="Arial" panose="020B0604020202020204" pitchFamily="34" charset="0"/>
               </a:endParaRPr>
             </a:p>
             <a:p>
               <a:r>
-                <a:rPr lang="de-AT" dirty="0">
-                  <a:latin typeface="Arial" panose="020B0604020202020204" pitchFamily="34" charset="0"/>
-                  <a:cs typeface="Arial" panose="020B0604020202020204" pitchFamily="34" charset="0"/>
-                </a:rPr>
-                <a:t>type: </a:t>
-              </a:r>
-              <a:r>
-                <a:rPr lang="de-AT" dirty="0" err="1">
-                  <a:latin typeface="Arial" panose="020B0604020202020204" pitchFamily="34" charset="0"/>
-                  <a:cs typeface="Arial" panose="020B0604020202020204" pitchFamily="34" charset="0"/>
-                </a:rPr>
-                <a:t>DataType</a:t>
-              </a:r>
-              <a:endParaRPr lang="de-AT" dirty="0">
-                <a:latin typeface="Arial" panose="020B0604020202020204" pitchFamily="34" charset="0"/>
-                <a:cs typeface="Arial" panose="020B0604020202020204" pitchFamily="34" charset="0"/>
-              </a:endParaRPr>
-            </a:p>
-            <a:p>
-              <a:r>
-                <a:rPr lang="de-AT" dirty="0">
-                  <a:latin typeface="Arial" panose="020B0604020202020204" pitchFamily="34" charset="0"/>
-                  <a:cs typeface="Arial" panose="020B0604020202020204" pitchFamily="34" charset="0"/>
-                </a:rPr>
-                <a:t>Unit: String</a:t>
-              </a:r>
-            </a:p>
-            <a:p>
-              <a:r>
-                <a:rPr lang="de-AT" dirty="0">
-                  <a:latin typeface="Arial" panose="020B0604020202020204" pitchFamily="34" charset="0"/>
-                  <a:cs typeface="Arial" panose="020B0604020202020204" pitchFamily="34" charset="0"/>
-                </a:rPr>
-                <a:t>Schema: String</a:t>
-              </a:r>
-            </a:p>
-          </p:txBody>
-        </p:sp>
-      </p:grpSp>
-      <p:grpSp>
-        <p:nvGrpSpPr>
-          <p:cNvPr id="20" name="Gruppieren 19">
-            <a:extLst>
-              <a:ext uri="{FF2B5EF4-FFF2-40B4-BE49-F238E27FC236}">
-                <a16:creationId xmlns:a16="http://schemas.microsoft.com/office/drawing/2014/main" id="{4732ADCF-9AA9-484B-B9E7-A8E36E6DEAF1}"/>
-              </a:ext>
-            </a:extLst>
-          </p:cNvPr>
-          <p:cNvGrpSpPr/>
-          <p:nvPr/>
-        </p:nvGrpSpPr>
-        <p:grpSpPr>
-          <a:xfrm>
-            <a:off x="8164268" y="4993508"/>
-            <a:ext cx="1746802" cy="1376641"/>
-            <a:chOff x="3484881" y="609600"/>
-            <a:chExt cx="2529840" cy="938785"/>
-          </a:xfrm>
-        </p:grpSpPr>
-        <p:sp>
-          <p:nvSpPr>
-            <p:cNvPr id="21" name="Rechteck 20">
-              <a:extLst>
-                <a:ext uri="{FF2B5EF4-FFF2-40B4-BE49-F238E27FC236}">
-                  <a16:creationId xmlns:a16="http://schemas.microsoft.com/office/drawing/2014/main" id="{A8848B5A-1935-47BD-91D2-EAC86A71DC45}"/>
-                </a:ext>
-              </a:extLst>
-            </p:cNvPr>
-            <p:cNvSpPr/>
-            <p:nvPr/>
-          </p:nvSpPr>
-          <p:spPr>
-            <a:xfrm>
-              <a:off x="3484881" y="609600"/>
-              <a:ext cx="2529840" cy="428786"/>
-            </a:xfrm>
-            <a:prstGeom prst="rect">
-              <a:avLst/>
-            </a:prstGeom>
-            <a:noFill/>
-            <a:ln w="9525" cap="flat" cmpd="sng" algn="ctr">
-              <a:solidFill>
-                <a:schemeClr val="dk1"/>
-              </a:solidFill>
-              <a:prstDash val="solid"/>
-              <a:round/>
-              <a:headEnd type="none" w="med" len="med"/>
-              <a:tailEnd type="arrow" w="med" len="med"/>
-            </a:ln>
-          </p:spPr>
-          <p:style>
-            <a:lnRef idx="0">
-              <a:scrgbClr r="0" g="0" b="0"/>
-            </a:lnRef>
-            <a:fillRef idx="0">
-              <a:scrgbClr r="0" g="0" b="0"/>
-            </a:fillRef>
-            <a:effectRef idx="0">
-              <a:scrgbClr r="0" g="0" b="0"/>
-            </a:effectRef>
-            <a:fontRef idx="minor">
-              <a:schemeClr val="dk1"/>
-            </a:fontRef>
-          </p:style>
-          <p:txBody>
-            <a:bodyPr rtlCol="0" anchor="ctr"/>
-            <a:lstStyle/>
-            <a:p>
-              <a:r>
-                <a:rPr lang="de-AT" sz="2000" b="1" dirty="0" err="1">
-                  <a:latin typeface="Arial" panose="020B0604020202020204" pitchFamily="34" charset="0"/>
-                  <a:cs typeface="Arial" panose="020B0604020202020204" pitchFamily="34" charset="0"/>
-                </a:rPr>
-                <a:t>Relationship</a:t>
-              </a:r>
-              <a:endParaRPr lang="de-AT" sz="2000" b="1" dirty="0">
-                <a:latin typeface="Arial" panose="020B0604020202020204" pitchFamily="34" charset="0"/>
-                <a:cs typeface="Arial" panose="020B0604020202020204" pitchFamily="34" charset="0"/>
-              </a:endParaRPr>
-            </a:p>
-          </p:txBody>
-        </p:sp>
-        <p:sp>
-          <p:nvSpPr>
-            <p:cNvPr id="22" name="Rechteck 21">
-              <a:extLst>
-                <a:ext uri="{FF2B5EF4-FFF2-40B4-BE49-F238E27FC236}">
-                  <a16:creationId xmlns:a16="http://schemas.microsoft.com/office/drawing/2014/main" id="{C4A41EE4-82EF-470D-9185-4DE7A4664D1F}"/>
-                </a:ext>
-              </a:extLst>
-            </p:cNvPr>
-            <p:cNvSpPr/>
-            <p:nvPr/>
-          </p:nvSpPr>
-          <p:spPr>
-            <a:xfrm>
-              <a:off x="3484881" y="1038386"/>
-              <a:ext cx="2529840" cy="509999"/>
-            </a:xfrm>
-            <a:prstGeom prst="rect">
-              <a:avLst/>
-            </a:prstGeom>
-            <a:noFill/>
-            <a:ln w="9525" cap="flat" cmpd="sng" algn="ctr">
-              <a:solidFill>
-                <a:schemeClr val="dk1"/>
-              </a:solidFill>
-              <a:prstDash val="solid"/>
-              <a:round/>
-              <a:headEnd type="none" w="med" len="med"/>
-              <a:tailEnd type="arrow" w="med" len="med"/>
-            </a:ln>
-          </p:spPr>
-          <p:style>
-            <a:lnRef idx="0">
-              <a:scrgbClr r="0" g="0" b="0"/>
-            </a:lnRef>
-            <a:fillRef idx="0">
-              <a:scrgbClr r="0" g="0" b="0"/>
-            </a:fillRef>
-            <a:effectRef idx="0">
-              <a:scrgbClr r="0" g="0" b="0"/>
-            </a:effectRef>
-            <a:fontRef idx="minor">
-              <a:schemeClr val="dk1"/>
-            </a:fontRef>
-          </p:style>
-          <p:txBody>
-            <a:bodyPr rtlCol="0" anchor="ctr"/>
-            <a:lstStyle/>
-            <a:p>
-              <a:r>
-                <a:rPr lang="de-AT" dirty="0" err="1">
-                  <a:latin typeface="Arial" panose="020B0604020202020204" pitchFamily="34" charset="0"/>
-                  <a:cs typeface="Arial" panose="020B0604020202020204" pitchFamily="34" charset="0"/>
-                </a:rPr>
-                <a:t>minOccur</a:t>
-              </a:r>
-              <a:r>
-                <a:rPr lang="de-AT" dirty="0">
-                  <a:latin typeface="Arial" panose="020B0604020202020204" pitchFamily="34" charset="0"/>
-                  <a:cs typeface="Arial" panose="020B0604020202020204" pitchFamily="34" charset="0"/>
-                </a:rPr>
-                <a:t>: </a:t>
-              </a:r>
-              <a:r>
-                <a:rPr lang="de-AT" dirty="0" err="1">
-                  <a:latin typeface="Arial" panose="020B0604020202020204" pitchFamily="34" charset="0"/>
-                  <a:cs typeface="Arial" panose="020B0604020202020204" pitchFamily="34" charset="0"/>
-                </a:rPr>
-                <a:t>Int</a:t>
-              </a:r>
-              <a:endParaRPr lang="de-AT" dirty="0">
-                <a:latin typeface="Arial" panose="020B0604020202020204" pitchFamily="34" charset="0"/>
-                <a:cs typeface="Arial" panose="020B0604020202020204" pitchFamily="34" charset="0"/>
-              </a:endParaRPr>
-            </a:p>
-            <a:p>
-              <a:r>
-                <a:rPr lang="de-AT" dirty="0" err="1">
-                  <a:latin typeface="Arial" panose="020B0604020202020204" pitchFamily="34" charset="0"/>
-                  <a:cs typeface="Arial" panose="020B0604020202020204" pitchFamily="34" charset="0"/>
-                </a:rPr>
-                <a:t>maxOccur</a:t>
-              </a:r>
-              <a:r>
-                <a:rPr lang="de-AT" dirty="0">
-                  <a:latin typeface="Arial" panose="020B0604020202020204" pitchFamily="34" charset="0"/>
-                  <a:cs typeface="Arial" panose="020B0604020202020204" pitchFamily="34" charset="0"/>
-                </a:rPr>
-                <a:t>: </a:t>
-              </a:r>
-              <a:r>
-                <a:rPr lang="de-AT" dirty="0" err="1">
-                  <a:latin typeface="Arial" panose="020B0604020202020204" pitchFamily="34" charset="0"/>
-                  <a:cs typeface="Arial" panose="020B0604020202020204" pitchFamily="34" charset="0"/>
-                </a:rPr>
-                <a:t>Int</a:t>
-              </a:r>
-              <a:endParaRPr lang="de-AT" dirty="0">
-                <a:latin typeface="Arial" panose="020B0604020202020204" pitchFamily="34" charset="0"/>
-                <a:cs typeface="Arial" panose="020B0604020202020204" pitchFamily="34" charset="0"/>
-              </a:endParaRPr>
-            </a:p>
-            <a:p>
-              <a:r>
-                <a:rPr lang="de-AT" dirty="0" err="1">
-                  <a:latin typeface="Arial" panose="020B0604020202020204" pitchFamily="34" charset="0"/>
-                  <a:cs typeface="Arial" panose="020B0604020202020204" pitchFamily="34" charset="0"/>
-                </a:rPr>
-                <a:t>isWritable</a:t>
-              </a:r>
-              <a:r>
-                <a:rPr lang="de-AT" dirty="0">
-                  <a:latin typeface="Arial" panose="020B0604020202020204" pitchFamily="34" charset="0"/>
-                  <a:cs typeface="Arial" panose="020B0604020202020204" pitchFamily="34" charset="0"/>
-                </a:rPr>
-                <a:t>: </a:t>
-              </a:r>
-              <a:r>
-                <a:rPr lang="de-AT" dirty="0" err="1">
-                  <a:latin typeface="Arial" panose="020B0604020202020204" pitchFamily="34" charset="0"/>
-                  <a:cs typeface="Arial" panose="020B0604020202020204" pitchFamily="34" charset="0"/>
-                </a:rPr>
-                <a:t>bool</a:t>
-              </a:r>
-              <a:endParaRPr lang="de-AT" dirty="0">
-                <a:latin typeface="Arial" panose="020B0604020202020204" pitchFamily="34" charset="0"/>
-                <a:cs typeface="Arial" panose="020B0604020202020204" pitchFamily="34" charset="0"/>
-              </a:endParaRPr>
-            </a:p>
-          </p:txBody>
-        </p:sp>
-      </p:grpSp>
-      <p:sp>
-        <p:nvSpPr>
-          <p:cNvPr id="43" name="Textfeld 42">
-            <a:extLst>
-              <a:ext uri="{FF2B5EF4-FFF2-40B4-BE49-F238E27FC236}">
-                <a16:creationId xmlns:a16="http://schemas.microsoft.com/office/drawing/2014/main" id="{966D44A7-7562-4411-8872-378F16B41573}"/>
-              </a:ext>
-            </a:extLst>
-          </p:cNvPr>
-          <p:cNvSpPr txBox="1"/>
-          <p:nvPr/>
-        </p:nvSpPr>
-        <p:spPr>
-          <a:xfrm>
-            <a:off x="6273728" y="1417493"/>
-            <a:ext cx="1363851" cy="307777"/>
-          </a:xfrm>
-          <a:prstGeom prst="rect">
-            <a:avLst/>
-          </a:prstGeom>
-          <a:noFill/>
-        </p:spPr>
-        <p:txBody>
-          <a:bodyPr wrap="square" rtlCol="0">
-            <a:spAutoFit/>
-          </a:bodyPr>
-          <a:lstStyle/>
-          <a:p>
-            <a:r>
-              <a:rPr lang="de-AT" sz="1400" dirty="0">
-                <a:latin typeface="Arial" panose="020B0604020202020204" pitchFamily="34" charset="0"/>
-                <a:cs typeface="Arial" panose="020B0604020202020204" pitchFamily="34" charset="0"/>
-              </a:rPr>
-              <a:t>[1..1] </a:t>
-            </a:r>
-            <a:r>
-              <a:rPr lang="de-AT" sz="1400" dirty="0" err="1">
-                <a:latin typeface="Arial" panose="020B0604020202020204" pitchFamily="34" charset="0"/>
-                <a:cs typeface="Arial" panose="020B0604020202020204" pitchFamily="34" charset="0"/>
-              </a:rPr>
-              <a:t>target</a:t>
-            </a:r>
-            <a:endParaRPr lang="de-AT" sz="1400" dirty="0">
-              <a:latin typeface="Arial" panose="020B0604020202020204" pitchFamily="34" charset="0"/>
-              <a:cs typeface="Arial" panose="020B0604020202020204" pitchFamily="34" charset="0"/>
-            </a:endParaRPr>
-          </a:p>
-        </p:txBody>
-      </p:sp>
-      <p:grpSp>
-        <p:nvGrpSpPr>
-          <p:cNvPr id="72" name="Gruppieren 71">
-            <a:extLst>
-              <a:ext uri="{FF2B5EF4-FFF2-40B4-BE49-F238E27FC236}">
-                <a16:creationId xmlns:a16="http://schemas.microsoft.com/office/drawing/2014/main" id="{6717CD83-F024-476F-8704-1A573B89CB07}"/>
-              </a:ext>
-            </a:extLst>
-          </p:cNvPr>
-          <p:cNvGrpSpPr/>
-          <p:nvPr/>
-        </p:nvGrpSpPr>
-        <p:grpSpPr>
-          <a:xfrm>
-            <a:off x="2990348" y="5087137"/>
-            <a:ext cx="1656482" cy="1640922"/>
-            <a:chOff x="3484880" y="609600"/>
-            <a:chExt cx="2529840" cy="1715221"/>
-          </a:xfrm>
-        </p:grpSpPr>
-        <p:sp>
-          <p:nvSpPr>
-            <p:cNvPr id="73" name="Rechteck 72">
-              <a:extLst>
-                <a:ext uri="{FF2B5EF4-FFF2-40B4-BE49-F238E27FC236}">
-                  <a16:creationId xmlns:a16="http://schemas.microsoft.com/office/drawing/2014/main" id="{FC6A939F-0619-4FA6-9046-BDB43952A094}"/>
-                </a:ext>
-              </a:extLst>
-            </p:cNvPr>
-            <p:cNvSpPr/>
-            <p:nvPr/>
-          </p:nvSpPr>
-          <p:spPr>
-            <a:xfrm>
-              <a:off x="3484880" y="609600"/>
-              <a:ext cx="2529840" cy="428786"/>
-            </a:xfrm>
-            <a:prstGeom prst="rect">
-              <a:avLst/>
-            </a:prstGeom>
-            <a:noFill/>
-            <a:ln w="9525" cap="flat" cmpd="sng" algn="ctr">
-              <a:solidFill>
-                <a:schemeClr val="dk1"/>
-              </a:solidFill>
-              <a:prstDash val="solid"/>
-              <a:round/>
-              <a:headEnd type="none" w="med" len="med"/>
-              <a:tailEnd type="arrow" w="med" len="med"/>
-            </a:ln>
-          </p:spPr>
-          <p:style>
-            <a:lnRef idx="0">
-              <a:scrgbClr r="0" g="0" b="0"/>
-            </a:lnRef>
-            <a:fillRef idx="0">
-              <a:scrgbClr r="0" g="0" b="0"/>
-            </a:fillRef>
-            <a:effectRef idx="0">
-              <a:scrgbClr r="0" g="0" b="0"/>
-            </a:effectRef>
-            <a:fontRef idx="minor">
-              <a:schemeClr val="dk1"/>
-            </a:fontRef>
-          </p:style>
-          <p:txBody>
-            <a:bodyPr rtlCol="0" anchor="ctr"/>
-            <a:lstStyle/>
-            <a:p>
-              <a:r>
-                <a:rPr lang="de-AT" b="1" dirty="0" err="1">
-                  <a:latin typeface="Arial" panose="020B0604020202020204" pitchFamily="34" charset="0"/>
-                  <a:cs typeface="Arial" panose="020B0604020202020204" pitchFamily="34" charset="0"/>
-                </a:rPr>
-                <a:t>Telemetry</a:t>
-              </a:r>
-              <a:endParaRPr lang="de-AT" b="1" dirty="0">
-                <a:latin typeface="Arial" panose="020B0604020202020204" pitchFamily="34" charset="0"/>
-                <a:cs typeface="Arial" panose="020B0604020202020204" pitchFamily="34" charset="0"/>
-              </a:endParaRPr>
-            </a:p>
-          </p:txBody>
-        </p:sp>
-        <p:sp>
-          <p:nvSpPr>
-            <p:cNvPr id="74" name="Rechteck 73">
-              <a:extLst>
-                <a:ext uri="{FF2B5EF4-FFF2-40B4-BE49-F238E27FC236}">
-                  <a16:creationId xmlns:a16="http://schemas.microsoft.com/office/drawing/2014/main" id="{734B0DC2-D47E-4E57-9D86-6D3FE32B707F}"/>
-                </a:ext>
-              </a:extLst>
-            </p:cNvPr>
-            <p:cNvSpPr/>
-            <p:nvPr/>
-          </p:nvSpPr>
-          <p:spPr>
-            <a:xfrm>
-              <a:off x="3484880" y="1038386"/>
-              <a:ext cx="2529840" cy="1286435"/>
-            </a:xfrm>
-            <a:prstGeom prst="rect">
-              <a:avLst/>
-            </a:prstGeom>
-            <a:noFill/>
-            <a:ln w="9525" cap="flat" cmpd="sng" algn="ctr">
-              <a:solidFill>
-                <a:schemeClr val="dk1"/>
-              </a:solidFill>
-              <a:prstDash val="solid"/>
-              <a:round/>
-              <a:headEnd type="none" w="med" len="med"/>
-              <a:tailEnd type="arrow" w="med" len="med"/>
-            </a:ln>
-          </p:spPr>
-          <p:style>
-            <a:lnRef idx="0">
-              <a:scrgbClr r="0" g="0" b="0"/>
-            </a:lnRef>
-            <a:fillRef idx="0">
-              <a:scrgbClr r="0" g="0" b="0"/>
-            </a:fillRef>
-            <a:effectRef idx="0">
-              <a:scrgbClr r="0" g="0" b="0"/>
-            </a:effectRef>
-            <a:fontRef idx="minor">
-              <a:schemeClr val="dk1"/>
-            </a:fontRef>
-          </p:style>
-          <p:txBody>
-            <a:bodyPr rtlCol="0" anchor="ctr"/>
-            <a:lstStyle/>
-            <a:p>
-              <a:r>
-                <a:rPr lang="de-AT" dirty="0" err="1">
-                  <a:latin typeface="Arial" panose="020B0604020202020204" pitchFamily="34" charset="0"/>
-                  <a:cs typeface="Arial" panose="020B0604020202020204" pitchFamily="34" charset="0"/>
-                </a:rPr>
-                <a:t>name</a:t>
-              </a:r>
-              <a:r>
-                <a:rPr lang="de-AT" dirty="0">
-                  <a:latin typeface="Arial" panose="020B0604020202020204" pitchFamily="34" charset="0"/>
-                  <a:cs typeface="Arial" panose="020B0604020202020204" pitchFamily="34" charset="0"/>
-                </a:rPr>
-                <a:t>: String</a:t>
-              </a:r>
-            </a:p>
-            <a:p>
-              <a:r>
-                <a:rPr lang="de-AT" dirty="0">
-                  <a:latin typeface="Arial" panose="020B0604020202020204" pitchFamily="34" charset="0"/>
-                  <a:cs typeface="Arial" panose="020B0604020202020204" pitchFamily="34" charset="0"/>
-                </a:rPr>
-                <a:t>Type: String</a:t>
-              </a:r>
-            </a:p>
-            <a:p>
-              <a:r>
-                <a:rPr lang="de-AT" dirty="0">
-                  <a:latin typeface="Arial" panose="020B0604020202020204" pitchFamily="34" charset="0"/>
-                  <a:cs typeface="Arial" panose="020B0604020202020204" pitchFamily="34" charset="0"/>
-                </a:rPr>
-                <a:t>Unit: String</a:t>
-              </a:r>
-            </a:p>
-            <a:p>
-              <a:r>
-                <a:rPr lang="de-AT" dirty="0">
-                  <a:latin typeface="Arial" panose="020B0604020202020204" pitchFamily="34" charset="0"/>
-                  <a:cs typeface="Arial" panose="020B0604020202020204" pitchFamily="34" charset="0"/>
-                </a:rPr>
-                <a:t>Schema: String</a:t>
-              </a:r>
-            </a:p>
-          </p:txBody>
-        </p:sp>
-      </p:grpSp>
-      <p:grpSp>
-        <p:nvGrpSpPr>
-          <p:cNvPr id="78" name="Gruppieren 77">
-            <a:extLst>
-              <a:ext uri="{FF2B5EF4-FFF2-40B4-BE49-F238E27FC236}">
-                <a16:creationId xmlns:a16="http://schemas.microsoft.com/office/drawing/2014/main" id="{146EC827-9D2A-42A4-A5CB-159EE658D895}"/>
-              </a:ext>
-            </a:extLst>
-          </p:cNvPr>
-          <p:cNvGrpSpPr/>
-          <p:nvPr/>
-        </p:nvGrpSpPr>
-        <p:grpSpPr>
-          <a:xfrm>
-            <a:off x="771110" y="5061716"/>
-            <a:ext cx="1457395" cy="820424"/>
-            <a:chOff x="3484880" y="609600"/>
-            <a:chExt cx="2529840" cy="857572"/>
-          </a:xfrm>
-        </p:grpSpPr>
-        <p:sp>
-          <p:nvSpPr>
-            <p:cNvPr id="79" name="Rechteck 78">
-              <a:extLst>
-                <a:ext uri="{FF2B5EF4-FFF2-40B4-BE49-F238E27FC236}">
-                  <a16:creationId xmlns:a16="http://schemas.microsoft.com/office/drawing/2014/main" id="{988B89F6-9505-4EDB-8D31-739BF2B2EF9B}"/>
-                </a:ext>
-              </a:extLst>
-            </p:cNvPr>
-            <p:cNvSpPr/>
-            <p:nvPr/>
-          </p:nvSpPr>
-          <p:spPr>
-            <a:xfrm>
-              <a:off x="3484880" y="609600"/>
-              <a:ext cx="2529840" cy="428786"/>
-            </a:xfrm>
-            <a:prstGeom prst="rect">
-              <a:avLst/>
-            </a:prstGeom>
-            <a:noFill/>
-            <a:ln w="9525" cap="flat" cmpd="sng" algn="ctr">
-              <a:solidFill>
-                <a:schemeClr val="dk1"/>
-              </a:solidFill>
-              <a:prstDash val="solid"/>
-              <a:round/>
-              <a:headEnd type="none" w="med" len="med"/>
-              <a:tailEnd type="arrow" w="med" len="med"/>
-            </a:ln>
-          </p:spPr>
-          <p:style>
-            <a:lnRef idx="0">
-              <a:scrgbClr r="0" g="0" b="0"/>
-            </a:lnRef>
-            <a:fillRef idx="0">
-              <a:scrgbClr r="0" g="0" b="0"/>
-            </a:fillRef>
-            <a:effectRef idx="0">
-              <a:scrgbClr r="0" g="0" b="0"/>
-            </a:effectRef>
-            <a:fontRef idx="minor">
-              <a:schemeClr val="dk1"/>
-            </a:fontRef>
-          </p:style>
-          <p:txBody>
-            <a:bodyPr rtlCol="0" anchor="ctr"/>
-            <a:lstStyle/>
-            <a:p>
-              <a:r>
-                <a:rPr lang="de-AT" b="1" dirty="0">
-                  <a:latin typeface="Arial" panose="020B0604020202020204" pitchFamily="34" charset="0"/>
-                  <a:cs typeface="Arial" panose="020B0604020202020204" pitchFamily="34" charset="0"/>
-                </a:rPr>
-                <a:t>Command</a:t>
-              </a:r>
-            </a:p>
-          </p:txBody>
-        </p:sp>
-        <p:sp>
-          <p:nvSpPr>
-            <p:cNvPr id="80" name="Rechteck 79">
-              <a:extLst>
-                <a:ext uri="{FF2B5EF4-FFF2-40B4-BE49-F238E27FC236}">
-                  <a16:creationId xmlns:a16="http://schemas.microsoft.com/office/drawing/2014/main" id="{BE798D85-5E00-4ECA-A3FA-65EA1CD12B18}"/>
-                </a:ext>
-              </a:extLst>
-            </p:cNvPr>
-            <p:cNvSpPr/>
-            <p:nvPr/>
-          </p:nvSpPr>
-          <p:spPr>
-            <a:xfrm>
-              <a:off x="3484880" y="1038386"/>
-              <a:ext cx="2529840" cy="428786"/>
-            </a:xfrm>
-            <a:prstGeom prst="rect">
-              <a:avLst/>
-            </a:prstGeom>
-            <a:noFill/>
-            <a:ln w="9525" cap="flat" cmpd="sng" algn="ctr">
-              <a:solidFill>
-                <a:schemeClr val="dk1"/>
-              </a:solidFill>
-              <a:prstDash val="solid"/>
-              <a:round/>
-              <a:headEnd type="none" w="med" len="med"/>
-              <a:tailEnd type="arrow" w="med" len="med"/>
-            </a:ln>
-          </p:spPr>
-          <p:style>
-            <a:lnRef idx="0">
-              <a:scrgbClr r="0" g="0" b="0"/>
-            </a:lnRef>
-            <a:fillRef idx="0">
-              <a:scrgbClr r="0" g="0" b="0"/>
-            </a:fillRef>
-            <a:effectRef idx="0">
-              <a:scrgbClr r="0" g="0" b="0"/>
-            </a:effectRef>
-            <a:fontRef idx="minor">
-              <a:schemeClr val="dk1"/>
-            </a:fontRef>
-          </p:style>
-          <p:txBody>
-            <a:bodyPr rtlCol="0" anchor="ctr"/>
-            <a:lstStyle/>
-            <a:p>
-              <a:r>
-                <a:rPr lang="de-AT" dirty="0">
-                  <a:latin typeface="Arial" panose="020B0604020202020204" pitchFamily="34" charset="0"/>
-                  <a:cs typeface="Arial" panose="020B0604020202020204" pitchFamily="34" charset="0"/>
-                </a:rPr>
-                <a:t>Name: String</a:t>
-              </a:r>
-            </a:p>
-          </p:txBody>
-        </p:sp>
-      </p:grpSp>
-      <p:grpSp>
-        <p:nvGrpSpPr>
-          <p:cNvPr id="81" name="Gruppieren 80">
-            <a:extLst>
-              <a:ext uri="{FF2B5EF4-FFF2-40B4-BE49-F238E27FC236}">
-                <a16:creationId xmlns:a16="http://schemas.microsoft.com/office/drawing/2014/main" id="{4A6DCE36-B3A1-4F54-94C2-1F962DBB55BA}"/>
-              </a:ext>
-            </a:extLst>
-          </p:cNvPr>
-          <p:cNvGrpSpPr/>
-          <p:nvPr/>
-        </p:nvGrpSpPr>
-        <p:grpSpPr>
-          <a:xfrm>
-            <a:off x="471431" y="2239240"/>
-            <a:ext cx="2265734" cy="2159984"/>
-            <a:chOff x="3484879" y="609600"/>
-            <a:chExt cx="2529841" cy="2257786"/>
-          </a:xfrm>
-        </p:grpSpPr>
-        <p:sp>
-          <p:nvSpPr>
-            <p:cNvPr id="82" name="Rechteck 81">
-              <a:extLst>
-                <a:ext uri="{FF2B5EF4-FFF2-40B4-BE49-F238E27FC236}">
-                  <a16:creationId xmlns:a16="http://schemas.microsoft.com/office/drawing/2014/main" id="{C0676487-7820-46F8-BC38-ECCD5701E9AD}"/>
-                </a:ext>
-              </a:extLst>
-            </p:cNvPr>
-            <p:cNvSpPr/>
-            <p:nvPr/>
-          </p:nvSpPr>
-          <p:spPr>
-            <a:xfrm>
-              <a:off x="3484880" y="609600"/>
-              <a:ext cx="2529840" cy="428786"/>
-            </a:xfrm>
-            <a:prstGeom prst="rect">
-              <a:avLst/>
-            </a:prstGeom>
-            <a:noFill/>
-            <a:ln w="9525" cap="flat" cmpd="sng" algn="ctr">
-              <a:solidFill>
-                <a:schemeClr val="dk1"/>
-              </a:solidFill>
-              <a:prstDash val="solid"/>
-              <a:round/>
-              <a:headEnd type="none" w="med" len="med"/>
-              <a:tailEnd type="arrow" w="med" len="med"/>
-            </a:ln>
-          </p:spPr>
-          <p:style>
-            <a:lnRef idx="0">
-              <a:scrgbClr r="0" g="0" b="0"/>
-            </a:lnRef>
-            <a:fillRef idx="0">
-              <a:scrgbClr r="0" g="0" b="0"/>
-            </a:fillRef>
-            <a:effectRef idx="0">
-              <a:scrgbClr r="0" g="0" b="0"/>
-            </a:effectRef>
-            <a:fontRef idx="minor">
-              <a:schemeClr val="dk1"/>
-            </a:fontRef>
-          </p:style>
-          <p:txBody>
-            <a:bodyPr rtlCol="0" anchor="ctr"/>
-            <a:lstStyle/>
-            <a:p>
-              <a:r>
-                <a:rPr lang="de-AT" b="1" dirty="0" err="1">
-                  <a:latin typeface="Arial" panose="020B0604020202020204" pitchFamily="34" charset="0"/>
-                  <a:cs typeface="Arial" panose="020B0604020202020204" pitchFamily="34" charset="0"/>
-                </a:rPr>
-                <a:t>CommandPayload</a:t>
-              </a:r>
-              <a:endParaRPr lang="de-AT" b="1" dirty="0">
-                <a:latin typeface="Arial" panose="020B0604020202020204" pitchFamily="34" charset="0"/>
-                <a:cs typeface="Arial" panose="020B0604020202020204" pitchFamily="34" charset="0"/>
-              </a:endParaRPr>
-            </a:p>
-          </p:txBody>
-        </p:sp>
-        <p:sp>
-          <p:nvSpPr>
-            <p:cNvPr id="83" name="Rechteck 82">
-              <a:extLst>
-                <a:ext uri="{FF2B5EF4-FFF2-40B4-BE49-F238E27FC236}">
-                  <a16:creationId xmlns:a16="http://schemas.microsoft.com/office/drawing/2014/main" id="{C517D156-4724-47EB-8585-FA3F1302D731}"/>
-                </a:ext>
-              </a:extLst>
-            </p:cNvPr>
-            <p:cNvSpPr/>
-            <p:nvPr/>
-          </p:nvSpPr>
-          <p:spPr>
-            <a:xfrm>
-              <a:off x="3484879" y="1038385"/>
-              <a:ext cx="2529840" cy="1829001"/>
-            </a:xfrm>
-            <a:prstGeom prst="rect">
-              <a:avLst/>
-            </a:prstGeom>
-            <a:noFill/>
-            <a:ln w="9525" cap="flat" cmpd="sng" algn="ctr">
-              <a:solidFill>
-                <a:schemeClr val="dk1"/>
-              </a:solidFill>
-              <a:prstDash val="solid"/>
-              <a:round/>
-              <a:headEnd type="none" w="med" len="med"/>
-              <a:tailEnd type="arrow" w="med" len="med"/>
-            </a:ln>
-          </p:spPr>
-          <p:style>
-            <a:lnRef idx="0">
-              <a:scrgbClr r="0" g="0" b="0"/>
-            </a:lnRef>
-            <a:fillRef idx="0">
-              <a:scrgbClr r="0" g="0" b="0"/>
-            </a:fillRef>
-            <a:effectRef idx="0">
-              <a:scrgbClr r="0" g="0" b="0"/>
-            </a:effectRef>
-            <a:fontRef idx="minor">
-              <a:schemeClr val="dk1"/>
-            </a:fontRef>
-          </p:style>
-          <p:txBody>
-            <a:bodyPr rtlCol="0" anchor="ctr"/>
-            <a:lstStyle/>
-            <a:p>
-              <a:r>
-                <a:rPr lang="de-AT" dirty="0">
-                  <a:latin typeface="Arial" panose="020B0604020202020204" pitchFamily="34" charset="0"/>
-                  <a:cs typeface="Arial" panose="020B0604020202020204" pitchFamily="34" charset="0"/>
-                </a:rPr>
-                <a:t>Name: String</a:t>
-              </a:r>
-            </a:p>
-            <a:p>
-              <a:r>
-                <a:rPr lang="de-AT" dirty="0" err="1">
-                  <a:latin typeface="Arial" panose="020B0604020202020204" pitchFamily="34" charset="0"/>
-                  <a:cs typeface="Arial" panose="020B0604020202020204" pitchFamily="34" charset="0"/>
-                </a:rPr>
-                <a:t>displayName</a:t>
-              </a:r>
-              <a:r>
-                <a:rPr lang="de-AT" dirty="0">
-                  <a:latin typeface="Arial" panose="020B0604020202020204" pitchFamily="34" charset="0"/>
-                  <a:cs typeface="Arial" panose="020B0604020202020204" pitchFamily="34" charset="0"/>
-                </a:rPr>
-                <a:t>: String</a:t>
-              </a:r>
-            </a:p>
-            <a:p>
-              <a:r>
-                <a:rPr lang="de-AT" dirty="0">
-                  <a:latin typeface="Arial" panose="020B0604020202020204" pitchFamily="34" charset="0"/>
-                  <a:cs typeface="Arial" panose="020B0604020202020204" pitchFamily="34" charset="0"/>
-                </a:rPr>
-                <a:t>Comment: String</a:t>
-              </a:r>
-            </a:p>
-            <a:p>
-              <a:r>
-                <a:rPr lang="de-AT" dirty="0">
-                  <a:latin typeface="Arial" panose="020B0604020202020204" pitchFamily="34" charset="0"/>
-                  <a:cs typeface="Arial" panose="020B0604020202020204" pitchFamily="34" charset="0"/>
-                </a:rPr>
-                <a:t>Description: String</a:t>
-              </a:r>
-            </a:p>
-            <a:p>
-              <a:r>
-                <a:rPr lang="de-AT" dirty="0">
-                  <a:latin typeface="Arial" panose="020B0604020202020204" pitchFamily="34" charset="0"/>
-                  <a:cs typeface="Arial" panose="020B0604020202020204" pitchFamily="34" charset="0"/>
-                </a:rPr>
-                <a:t>Schema: String</a:t>
-              </a:r>
-            </a:p>
-          </p:txBody>
-        </p:sp>
-      </p:grpSp>
-      <p:sp>
-        <p:nvSpPr>
-          <p:cNvPr id="85" name="Raute 84">
-            <a:extLst>
-              <a:ext uri="{FF2B5EF4-FFF2-40B4-BE49-F238E27FC236}">
-                <a16:creationId xmlns:a16="http://schemas.microsoft.com/office/drawing/2014/main" id="{EADC2439-A820-4D5E-BBF6-2A3E4983B55A}"/>
-              </a:ext>
-            </a:extLst>
-          </p:cNvPr>
-          <p:cNvSpPr/>
-          <p:nvPr/>
-        </p:nvSpPr>
-        <p:spPr>
-          <a:xfrm rot="168924" flipH="1">
-            <a:off x="5515268" y="1496770"/>
-            <a:ext cx="252119" cy="235049"/>
-          </a:xfrm>
-          <a:prstGeom prst="diamond">
-            <a:avLst/>
-          </a:prstGeom>
-          <a:ln>
-            <a:headEnd type="none" w="med" len="med"/>
-            <a:tailEnd type="arrow" w="med" len="med"/>
-          </a:ln>
-        </p:spPr>
-        <p:style>
-          <a:lnRef idx="2">
-            <a:schemeClr val="dk1">
-              <a:shade val="50000"/>
-            </a:schemeClr>
-          </a:lnRef>
-          <a:fillRef idx="1">
-            <a:schemeClr val="dk1"/>
-          </a:fillRef>
-          <a:effectRef idx="0">
-            <a:schemeClr val="dk1"/>
-          </a:effectRef>
-          <a:fontRef idx="minor">
-            <a:schemeClr val="lt1"/>
-          </a:fontRef>
-        </p:style>
-        <p:txBody>
-          <a:bodyPr rtlCol="0" anchor="ctr"/>
-          <a:lstStyle/>
-          <a:p>
-            <a:pPr algn="ctr"/>
-            <a:endParaRPr lang="de-AT">
-              <a:latin typeface="Arial" panose="020B0604020202020204" pitchFamily="34" charset="0"/>
-              <a:cs typeface="Arial" panose="020B0604020202020204" pitchFamily="34" charset="0"/>
-            </a:endParaRPr>
-          </a:p>
-        </p:txBody>
-      </p:sp>
-      <p:cxnSp>
-        <p:nvCxnSpPr>
-          <p:cNvPr id="86" name="Verbinder: gewinkelt 171">
-            <a:extLst>
-              <a:ext uri="{FF2B5EF4-FFF2-40B4-BE49-F238E27FC236}">
-                <a16:creationId xmlns:a16="http://schemas.microsoft.com/office/drawing/2014/main" id="{F722153F-0738-4C73-A978-D3E6F75BE852}"/>
-              </a:ext>
-            </a:extLst>
-          </p:cNvPr>
-          <p:cNvCxnSpPr>
-            <a:cxnSpLocks/>
-            <a:stCxn id="18" idx="0"/>
-            <a:endCxn id="42" idx="2"/>
-          </p:cNvCxnSpPr>
-          <p:nvPr/>
-        </p:nvCxnSpPr>
-        <p:spPr>
-          <a:xfrm rot="16200000" flipV="1">
-            <a:off x="5072945" y="4048264"/>
-            <a:ext cx="1208768" cy="621968"/>
-          </a:xfrm>
-          <a:prstGeom prst="bentConnector3">
-            <a:avLst>
-              <a:gd name="adj1" fmla="val 50000"/>
-            </a:avLst>
-          </a:prstGeom>
-          <a:ln>
-            <a:headEnd type="none" w="med" len="med"/>
-            <a:tailEnd type="triangle" w="med" len="med"/>
-          </a:ln>
-        </p:spPr>
-        <p:style>
-          <a:lnRef idx="1">
-            <a:schemeClr val="dk1"/>
-          </a:lnRef>
-          <a:fillRef idx="0">
-            <a:schemeClr val="dk1"/>
-          </a:fillRef>
-          <a:effectRef idx="0">
-            <a:schemeClr val="dk1"/>
-          </a:effectRef>
-          <a:fontRef idx="minor">
-            <a:schemeClr val="tx1"/>
-          </a:fontRef>
-        </p:style>
-      </p:cxnSp>
-      <p:cxnSp>
-        <p:nvCxnSpPr>
-          <p:cNvPr id="96" name="Verbinder: gewinkelt 171">
-            <a:extLst>
-              <a:ext uri="{FF2B5EF4-FFF2-40B4-BE49-F238E27FC236}">
-                <a16:creationId xmlns:a16="http://schemas.microsoft.com/office/drawing/2014/main" id="{0F9CA7FC-4649-4906-8B82-E8E1AAD426B5}"/>
-              </a:ext>
-            </a:extLst>
-          </p:cNvPr>
-          <p:cNvCxnSpPr>
-            <a:cxnSpLocks/>
-            <a:stCxn id="85" idx="2"/>
-            <a:endCxn id="40" idx="0"/>
-          </p:cNvCxnSpPr>
-          <p:nvPr/>
-        </p:nvCxnSpPr>
-        <p:spPr>
-          <a:xfrm rot="5400000">
-            <a:off x="4899569" y="2198454"/>
-            <a:ext cx="1202763" cy="269209"/>
-          </a:xfrm>
-          <a:prstGeom prst="bentConnector3">
-            <a:avLst>
-              <a:gd name="adj1" fmla="val 50000"/>
-            </a:avLst>
-          </a:prstGeom>
-          <a:ln>
-            <a:headEnd type="none" w="med" len="med"/>
-            <a:tailEnd type="arrow" w="med" len="med"/>
-          </a:ln>
-        </p:spPr>
-        <p:style>
-          <a:lnRef idx="1">
-            <a:schemeClr val="dk1"/>
-          </a:lnRef>
-          <a:fillRef idx="0">
-            <a:schemeClr val="dk1"/>
-          </a:fillRef>
-          <a:effectRef idx="0">
-            <a:schemeClr val="dk1"/>
-          </a:effectRef>
-          <a:fontRef idx="minor">
-            <a:schemeClr val="tx1"/>
-          </a:fontRef>
-        </p:style>
-      </p:cxnSp>
-      <p:sp>
-        <p:nvSpPr>
-          <p:cNvPr id="102" name="Raute 101">
-            <a:extLst>
-              <a:ext uri="{FF2B5EF4-FFF2-40B4-BE49-F238E27FC236}">
-                <a16:creationId xmlns:a16="http://schemas.microsoft.com/office/drawing/2014/main" id="{CB7584A6-ABF7-4717-AE09-77F1E298835D}"/>
-              </a:ext>
-            </a:extLst>
-          </p:cNvPr>
-          <p:cNvSpPr/>
-          <p:nvPr/>
-        </p:nvSpPr>
-        <p:spPr>
-          <a:xfrm rot="168924" flipH="1">
-            <a:off x="934731" y="4795789"/>
-            <a:ext cx="252119" cy="235049"/>
-          </a:xfrm>
-          <a:prstGeom prst="diamond">
-            <a:avLst/>
-          </a:prstGeom>
-          <a:ln>
-            <a:headEnd type="none" w="med" len="med"/>
-            <a:tailEnd type="arrow" w="med" len="med"/>
-          </a:ln>
-        </p:spPr>
-        <p:style>
-          <a:lnRef idx="2">
-            <a:schemeClr val="dk1">
-              <a:shade val="50000"/>
-            </a:schemeClr>
-          </a:lnRef>
-          <a:fillRef idx="1">
-            <a:schemeClr val="dk1"/>
-          </a:fillRef>
-          <a:effectRef idx="0">
-            <a:schemeClr val="dk1"/>
-          </a:effectRef>
-          <a:fontRef idx="minor">
-            <a:schemeClr val="lt1"/>
-          </a:fontRef>
-        </p:style>
-        <p:txBody>
-          <a:bodyPr rtlCol="0" anchor="ctr"/>
-          <a:lstStyle/>
-          <a:p>
-            <a:pPr algn="ctr"/>
-            <a:endParaRPr lang="de-AT">
-              <a:latin typeface="Arial" panose="020B0604020202020204" pitchFamily="34" charset="0"/>
-              <a:cs typeface="Arial" panose="020B0604020202020204" pitchFamily="34" charset="0"/>
-            </a:endParaRPr>
-          </a:p>
-        </p:txBody>
-      </p:sp>
-      <p:cxnSp>
-        <p:nvCxnSpPr>
-          <p:cNvPr id="103" name="Verbinder: gewinkelt 171">
-            <a:extLst>
-              <a:ext uri="{FF2B5EF4-FFF2-40B4-BE49-F238E27FC236}">
-                <a16:creationId xmlns:a16="http://schemas.microsoft.com/office/drawing/2014/main" id="{310C4C7D-E24F-4AC7-87FC-08021A425F69}"/>
-              </a:ext>
-            </a:extLst>
-          </p:cNvPr>
-          <p:cNvCxnSpPr>
-            <a:cxnSpLocks/>
-            <a:stCxn id="102" idx="0"/>
-            <a:endCxn id="83" idx="2"/>
-          </p:cNvCxnSpPr>
-          <p:nvPr/>
-        </p:nvCxnSpPr>
-        <p:spPr>
-          <a:xfrm rot="5400000" flipH="1" flipV="1">
-            <a:off x="1137077" y="4328711"/>
-            <a:ext cx="396707" cy="537735"/>
-          </a:xfrm>
-          <a:prstGeom prst="bentConnector3">
-            <a:avLst>
-              <a:gd name="adj1" fmla="val 50000"/>
-            </a:avLst>
-          </a:prstGeom>
-          <a:ln>
-            <a:headEnd type="none" w="med" len="med"/>
-            <a:tailEnd type="arrow" w="med" len="med"/>
-          </a:ln>
-        </p:spPr>
-        <p:style>
-          <a:lnRef idx="1">
-            <a:schemeClr val="dk1"/>
-          </a:lnRef>
-          <a:fillRef idx="0">
-            <a:schemeClr val="dk1"/>
-          </a:fillRef>
-          <a:effectRef idx="0">
-            <a:schemeClr val="dk1"/>
-          </a:effectRef>
-          <a:fontRef idx="minor">
-            <a:schemeClr val="tx1"/>
-          </a:fontRef>
-        </p:style>
-      </p:cxnSp>
-      <p:cxnSp>
-        <p:nvCxnSpPr>
-          <p:cNvPr id="106" name="Verbinder: gewinkelt 171">
-            <a:extLst>
-              <a:ext uri="{FF2B5EF4-FFF2-40B4-BE49-F238E27FC236}">
-                <a16:creationId xmlns:a16="http://schemas.microsoft.com/office/drawing/2014/main" id="{10A3D31B-749B-4BC3-855B-AE32E0B6C9B6}"/>
-              </a:ext>
-            </a:extLst>
-          </p:cNvPr>
-          <p:cNvCxnSpPr>
-            <a:cxnSpLocks/>
-            <a:stCxn id="107" idx="0"/>
-            <a:endCxn id="83" idx="2"/>
-          </p:cNvCxnSpPr>
-          <p:nvPr/>
-        </p:nvCxnSpPr>
-        <p:spPr>
-          <a:xfrm rot="16200000" flipV="1">
-            <a:off x="1522471" y="4481051"/>
-            <a:ext cx="447026" cy="283372"/>
-          </a:xfrm>
-          <a:prstGeom prst="bentConnector3">
-            <a:avLst>
-              <a:gd name="adj1" fmla="val 50000"/>
-            </a:avLst>
-          </a:prstGeom>
-          <a:ln>
-            <a:headEnd type="none" w="med" len="med"/>
-            <a:tailEnd type="arrow" w="med" len="med"/>
-          </a:ln>
-        </p:spPr>
-        <p:style>
-          <a:lnRef idx="1">
-            <a:schemeClr val="dk1"/>
-          </a:lnRef>
-          <a:fillRef idx="0">
-            <a:schemeClr val="dk1"/>
-          </a:fillRef>
-          <a:effectRef idx="0">
-            <a:schemeClr val="dk1"/>
-          </a:effectRef>
-          <a:fontRef idx="minor">
-            <a:schemeClr val="tx1"/>
-          </a:fontRef>
-        </p:style>
-      </p:cxnSp>
-      <p:sp>
-        <p:nvSpPr>
-          <p:cNvPr id="107" name="Raute 106">
-            <a:extLst>
-              <a:ext uri="{FF2B5EF4-FFF2-40B4-BE49-F238E27FC236}">
-                <a16:creationId xmlns:a16="http://schemas.microsoft.com/office/drawing/2014/main" id="{185260BB-4138-4F20-978E-DFC26624E6C3}"/>
-              </a:ext>
-            </a:extLst>
-          </p:cNvPr>
-          <p:cNvSpPr/>
-          <p:nvPr/>
-        </p:nvSpPr>
-        <p:spPr>
-          <a:xfrm rot="168924" flipH="1">
-            <a:off x="1755838" y="4846108"/>
-            <a:ext cx="252119" cy="235049"/>
-          </a:xfrm>
-          <a:prstGeom prst="diamond">
-            <a:avLst/>
-          </a:prstGeom>
-          <a:ln>
-            <a:headEnd type="none" w="med" len="med"/>
-            <a:tailEnd type="arrow" w="med" len="med"/>
-          </a:ln>
-        </p:spPr>
-        <p:style>
-          <a:lnRef idx="2">
-            <a:schemeClr val="dk1">
-              <a:shade val="50000"/>
-            </a:schemeClr>
-          </a:lnRef>
-          <a:fillRef idx="1">
-            <a:schemeClr val="dk1"/>
-          </a:fillRef>
-          <a:effectRef idx="0">
-            <a:schemeClr val="dk1"/>
-          </a:effectRef>
-          <a:fontRef idx="minor">
-            <a:schemeClr val="lt1"/>
-          </a:fontRef>
-        </p:style>
-        <p:txBody>
-          <a:bodyPr rtlCol="0" anchor="ctr"/>
-          <a:lstStyle/>
-          <a:p>
-            <a:pPr algn="ctr"/>
-            <a:endParaRPr lang="de-AT">
-              <a:latin typeface="Arial" panose="020B0604020202020204" pitchFamily="34" charset="0"/>
-              <a:cs typeface="Arial" panose="020B0604020202020204" pitchFamily="34" charset="0"/>
-            </a:endParaRPr>
-          </a:p>
-        </p:txBody>
-      </p:sp>
-      <p:sp>
-        <p:nvSpPr>
-          <p:cNvPr id="110" name="Textfeld 109">
-            <a:extLst>
-              <a:ext uri="{FF2B5EF4-FFF2-40B4-BE49-F238E27FC236}">
-                <a16:creationId xmlns:a16="http://schemas.microsoft.com/office/drawing/2014/main" id="{BFFAC7F8-A565-4BA1-8EAB-EE9E38B0BC8E}"/>
-              </a:ext>
-            </a:extLst>
-          </p:cNvPr>
-          <p:cNvSpPr txBox="1"/>
-          <p:nvPr/>
-        </p:nvSpPr>
-        <p:spPr>
-          <a:xfrm>
-            <a:off x="138225" y="3244334"/>
-            <a:ext cx="1457395" cy="369332"/>
-          </a:xfrm>
-          <a:prstGeom prst="rect">
-            <a:avLst/>
-          </a:prstGeom>
-          <a:noFill/>
-        </p:spPr>
-        <p:txBody>
-          <a:bodyPr wrap="square" rtlCol="0">
-            <a:spAutoFit/>
-          </a:bodyPr>
-          <a:lstStyle/>
-          <a:p>
-            <a:r>
-              <a:rPr lang="de-AT" sz="1600" dirty="0">
-                <a:latin typeface="Arial" panose="020B0604020202020204" pitchFamily="34" charset="0"/>
-                <a:cs typeface="Arial" panose="020B0604020202020204" pitchFamily="34" charset="0"/>
-              </a:rPr>
-              <a:t>[0..*] </a:t>
-            </a:r>
-            <a:r>
-              <a:rPr lang="de-AT" dirty="0" err="1">
-                <a:latin typeface="Arial" panose="020B0604020202020204" pitchFamily="34" charset="0"/>
-                <a:cs typeface="Arial" panose="020B0604020202020204" pitchFamily="34" charset="0"/>
-              </a:rPr>
-              <a:t>request</a:t>
-            </a:r>
-            <a:endParaRPr lang="de-AT" dirty="0">
-              <a:latin typeface="Arial" panose="020B0604020202020204" pitchFamily="34" charset="0"/>
-              <a:cs typeface="Arial" panose="020B0604020202020204" pitchFamily="34" charset="0"/>
-            </a:endParaRPr>
-          </a:p>
-        </p:txBody>
-      </p:sp>
-      <p:sp>
-        <p:nvSpPr>
-          <p:cNvPr id="111" name="Textfeld 110">
-            <a:extLst>
-              <a:ext uri="{FF2B5EF4-FFF2-40B4-BE49-F238E27FC236}">
-                <a16:creationId xmlns:a16="http://schemas.microsoft.com/office/drawing/2014/main" id="{1C7D9B4E-4D9E-447B-B862-2FCEDFF99175}"/>
-              </a:ext>
-            </a:extLst>
-          </p:cNvPr>
-          <p:cNvSpPr txBox="1"/>
-          <p:nvPr/>
-        </p:nvSpPr>
-        <p:spPr>
-          <a:xfrm>
-            <a:off x="1639739" y="3189427"/>
-            <a:ext cx="1264922" cy="615553"/>
-          </a:xfrm>
-          <a:prstGeom prst="rect">
-            <a:avLst/>
-          </a:prstGeom>
-          <a:noFill/>
-        </p:spPr>
-        <p:txBody>
-          <a:bodyPr wrap="square" rtlCol="0">
-            <a:spAutoFit/>
-          </a:bodyPr>
-          <a:lstStyle/>
-          <a:p>
-            <a:r>
-              <a:rPr lang="de-AT" sz="1600" dirty="0">
-                <a:latin typeface="Arial" panose="020B0604020202020204" pitchFamily="34" charset="0"/>
-                <a:cs typeface="Arial" panose="020B0604020202020204" pitchFamily="34" charset="0"/>
-              </a:rPr>
-              <a:t>[0..*] </a:t>
-            </a:r>
-            <a:r>
-              <a:rPr lang="de-AT" dirty="0" err="1">
-                <a:latin typeface="Arial" panose="020B0604020202020204" pitchFamily="34" charset="0"/>
-                <a:cs typeface="Arial" panose="020B0604020202020204" pitchFamily="34" charset="0"/>
-              </a:rPr>
-              <a:t>response</a:t>
-            </a:r>
-            <a:endParaRPr lang="de-AT" dirty="0">
-              <a:latin typeface="Arial" panose="020B0604020202020204" pitchFamily="34" charset="0"/>
-              <a:cs typeface="Arial" panose="020B0604020202020204" pitchFamily="34" charset="0"/>
-            </a:endParaRPr>
-          </a:p>
-        </p:txBody>
-      </p:sp>
-      <p:grpSp>
-        <p:nvGrpSpPr>
-          <p:cNvPr id="39" name="Gruppieren 38">
-            <a:extLst>
-              <a:ext uri="{FF2B5EF4-FFF2-40B4-BE49-F238E27FC236}">
-                <a16:creationId xmlns:a16="http://schemas.microsoft.com/office/drawing/2014/main" id="{57E9D1E6-2163-4C46-A307-A2C677B2440E}"/>
-              </a:ext>
-            </a:extLst>
-          </p:cNvPr>
-          <p:cNvGrpSpPr/>
-          <p:nvPr/>
-        </p:nvGrpSpPr>
-        <p:grpSpPr>
-          <a:xfrm>
-            <a:off x="4236826" y="2934440"/>
-            <a:ext cx="2259037" cy="820424"/>
-            <a:chOff x="3484880" y="609600"/>
-            <a:chExt cx="2529840" cy="857572"/>
-          </a:xfrm>
-        </p:grpSpPr>
-        <p:sp>
-          <p:nvSpPr>
-            <p:cNvPr id="40" name="Rechteck 39">
-              <a:extLst>
-                <a:ext uri="{FF2B5EF4-FFF2-40B4-BE49-F238E27FC236}">
-                  <a16:creationId xmlns:a16="http://schemas.microsoft.com/office/drawing/2014/main" id="{7F7FD008-B025-4E12-BAB9-8E858F50F386}"/>
-                </a:ext>
-              </a:extLst>
-            </p:cNvPr>
-            <p:cNvSpPr/>
-            <p:nvPr/>
-          </p:nvSpPr>
-          <p:spPr>
-            <a:xfrm>
-              <a:off x="3484880" y="609600"/>
-              <a:ext cx="2529840" cy="428786"/>
-            </a:xfrm>
-            <a:prstGeom prst="rect">
-              <a:avLst/>
-            </a:prstGeom>
-            <a:noFill/>
-            <a:ln w="9525" cap="flat" cmpd="sng" algn="ctr">
-              <a:solidFill>
-                <a:schemeClr val="dk1"/>
-              </a:solidFill>
-              <a:prstDash val="solid"/>
-              <a:round/>
-              <a:headEnd type="none" w="med" len="med"/>
-              <a:tailEnd type="arrow" w="med" len="med"/>
-            </a:ln>
-          </p:spPr>
-          <p:style>
-            <a:lnRef idx="0">
-              <a:scrgbClr r="0" g="0" b="0"/>
-            </a:lnRef>
-            <a:fillRef idx="0">
-              <a:scrgbClr r="0" g="0" b="0"/>
-            </a:fillRef>
-            <a:effectRef idx="0">
-              <a:scrgbClr r="0" g="0" b="0"/>
-            </a:effectRef>
-            <a:fontRef idx="minor">
-              <a:schemeClr val="dk1"/>
-            </a:fontRef>
-          </p:style>
-          <p:txBody>
-            <a:bodyPr rtlCol="0" anchor="ctr"/>
-            <a:lstStyle/>
-            <a:p>
-              <a:pPr algn="ctr"/>
-              <a:r>
-                <a:rPr lang="de-AT" b="1" dirty="0" err="1">
-                  <a:latin typeface="Arial" panose="020B0604020202020204" pitchFamily="34" charset="0"/>
-                  <a:cs typeface="Arial" panose="020B0604020202020204" pitchFamily="34" charset="0"/>
-                </a:rPr>
-                <a:t>InterfaceContent</a:t>
-              </a:r>
-              <a:endParaRPr lang="de-AT" b="1" dirty="0">
-                <a:latin typeface="Arial" panose="020B0604020202020204" pitchFamily="34" charset="0"/>
-                <a:cs typeface="Arial" panose="020B0604020202020204" pitchFamily="34" charset="0"/>
-              </a:endParaRPr>
-            </a:p>
-          </p:txBody>
-        </p:sp>
-        <p:sp>
-          <p:nvSpPr>
-            <p:cNvPr id="42" name="Rechteck 41">
-              <a:extLst>
-                <a:ext uri="{FF2B5EF4-FFF2-40B4-BE49-F238E27FC236}">
-                  <a16:creationId xmlns:a16="http://schemas.microsoft.com/office/drawing/2014/main" id="{92A0D814-D841-4DD4-B61E-DC16B2EB45C9}"/>
-                </a:ext>
-              </a:extLst>
-            </p:cNvPr>
-            <p:cNvSpPr/>
-            <p:nvPr/>
-          </p:nvSpPr>
-          <p:spPr>
-            <a:xfrm>
-              <a:off x="3484880" y="1038386"/>
-              <a:ext cx="2529840" cy="428786"/>
-            </a:xfrm>
-            <a:prstGeom prst="rect">
-              <a:avLst/>
-            </a:prstGeom>
-            <a:noFill/>
-            <a:ln w="9525" cap="flat" cmpd="sng" algn="ctr">
-              <a:solidFill>
-                <a:schemeClr val="dk1"/>
-              </a:solidFill>
-              <a:prstDash val="solid"/>
-              <a:round/>
-              <a:headEnd type="none" w="med" len="med"/>
-              <a:tailEnd type="arrow" w="med" len="med"/>
-            </a:ln>
-          </p:spPr>
-          <p:style>
-            <a:lnRef idx="0">
-              <a:scrgbClr r="0" g="0" b="0"/>
-            </a:lnRef>
-            <a:fillRef idx="0">
-              <a:scrgbClr r="0" g="0" b="0"/>
-            </a:fillRef>
-            <a:effectRef idx="0">
-              <a:scrgbClr r="0" g="0" b="0"/>
-            </a:effectRef>
-            <a:fontRef idx="minor">
-              <a:schemeClr val="dk1"/>
-            </a:fontRef>
-          </p:style>
-          <p:txBody>
-            <a:bodyPr rtlCol="0" anchor="ctr"/>
-            <a:lstStyle/>
-            <a:p>
-              <a:pPr algn="ctr"/>
-              <a:endParaRPr lang="de-AT" dirty="0">
-                <a:latin typeface="Arial" panose="020B0604020202020204" pitchFamily="34" charset="0"/>
-                <a:cs typeface="Arial" panose="020B0604020202020204" pitchFamily="34" charset="0"/>
-              </a:endParaRPr>
-            </a:p>
-          </p:txBody>
-        </p:sp>
-      </p:grpSp>
-      <p:grpSp>
-        <p:nvGrpSpPr>
-          <p:cNvPr id="44" name="Gruppieren 43">
-            <a:extLst>
-              <a:ext uri="{FF2B5EF4-FFF2-40B4-BE49-F238E27FC236}">
-                <a16:creationId xmlns:a16="http://schemas.microsoft.com/office/drawing/2014/main" id="{126F9912-0C29-4C9A-AE22-89A8E3240E2D}"/>
-              </a:ext>
-            </a:extLst>
-          </p:cNvPr>
-          <p:cNvGrpSpPr/>
-          <p:nvPr/>
-        </p:nvGrpSpPr>
-        <p:grpSpPr>
-          <a:xfrm>
-            <a:off x="2666365" y="97476"/>
-            <a:ext cx="1578362" cy="1859046"/>
-            <a:chOff x="3484880" y="609600"/>
-            <a:chExt cx="2529840" cy="1943222"/>
-          </a:xfrm>
-        </p:grpSpPr>
-        <p:sp>
-          <p:nvSpPr>
-            <p:cNvPr id="45" name="Rechteck 44">
-              <a:extLst>
-                <a:ext uri="{FF2B5EF4-FFF2-40B4-BE49-F238E27FC236}">
-                  <a16:creationId xmlns:a16="http://schemas.microsoft.com/office/drawing/2014/main" id="{D9C67E8F-1842-49E7-A406-416682BD9C2E}"/>
-                </a:ext>
-              </a:extLst>
-            </p:cNvPr>
-            <p:cNvSpPr/>
-            <p:nvPr/>
-          </p:nvSpPr>
-          <p:spPr>
-            <a:xfrm>
-              <a:off x="3484880" y="609600"/>
-              <a:ext cx="2529840" cy="428786"/>
-            </a:xfrm>
-            <a:prstGeom prst="rect">
-              <a:avLst/>
-            </a:prstGeom>
-            <a:noFill/>
-            <a:ln w="9525" cap="flat" cmpd="sng" algn="ctr">
-              <a:solidFill>
-                <a:schemeClr val="dk1"/>
-              </a:solidFill>
-              <a:prstDash val="solid"/>
-              <a:round/>
-              <a:headEnd type="none" w="med" len="med"/>
-              <a:tailEnd type="arrow" w="med" len="med"/>
-            </a:ln>
-          </p:spPr>
-          <p:style>
-            <a:lnRef idx="0">
-              <a:scrgbClr r="0" g="0" b="0"/>
-            </a:lnRef>
-            <a:fillRef idx="0">
-              <a:scrgbClr r="0" g="0" b="0"/>
-            </a:fillRef>
-            <a:effectRef idx="0">
-              <a:scrgbClr r="0" g="0" b="0"/>
-            </a:effectRef>
-            <a:fontRef idx="minor">
-              <a:schemeClr val="dk1"/>
-            </a:fontRef>
-          </p:style>
-          <p:txBody>
-            <a:bodyPr rtlCol="0" anchor="ctr"/>
-            <a:lstStyle/>
-            <a:p>
-              <a:r>
-                <a:rPr lang="de-AT" b="1" dirty="0" err="1">
-                  <a:latin typeface="Arial" panose="020B0604020202020204" pitchFamily="34" charset="0"/>
-                  <a:cs typeface="Arial" panose="020B0604020202020204" pitchFamily="34" charset="0"/>
-                </a:rPr>
-                <a:t>DTElement</a:t>
-              </a:r>
-              <a:endParaRPr lang="de-AT" b="1" dirty="0">
-                <a:latin typeface="Arial" panose="020B0604020202020204" pitchFamily="34" charset="0"/>
-                <a:cs typeface="Arial" panose="020B0604020202020204" pitchFamily="34" charset="0"/>
-              </a:endParaRPr>
-            </a:p>
-          </p:txBody>
-        </p:sp>
-        <p:sp>
-          <p:nvSpPr>
-            <p:cNvPr id="46" name="Rechteck 45">
-              <a:extLst>
-                <a:ext uri="{FF2B5EF4-FFF2-40B4-BE49-F238E27FC236}">
-                  <a16:creationId xmlns:a16="http://schemas.microsoft.com/office/drawing/2014/main" id="{9CA66CF3-4B1A-43E6-B7E3-E946C6B45475}"/>
-                </a:ext>
-              </a:extLst>
-            </p:cNvPr>
-            <p:cNvSpPr/>
-            <p:nvPr/>
-          </p:nvSpPr>
-          <p:spPr>
-            <a:xfrm>
-              <a:off x="3484880" y="1038385"/>
-              <a:ext cx="2529840" cy="1514437"/>
-            </a:xfrm>
-            <a:prstGeom prst="rect">
-              <a:avLst/>
-            </a:prstGeom>
-            <a:noFill/>
-            <a:ln w="9525" cap="flat" cmpd="sng" algn="ctr">
-              <a:solidFill>
-                <a:schemeClr val="dk1"/>
-              </a:solidFill>
-              <a:prstDash val="solid"/>
-              <a:round/>
-              <a:headEnd type="none" w="med" len="med"/>
-              <a:tailEnd type="arrow" w="med" len="med"/>
-            </a:ln>
-          </p:spPr>
-          <p:style>
-            <a:lnRef idx="0">
-              <a:scrgbClr r="0" g="0" b="0"/>
-            </a:lnRef>
-            <a:fillRef idx="0">
-              <a:scrgbClr r="0" g="0" b="0"/>
-            </a:fillRef>
-            <a:effectRef idx="0">
-              <a:scrgbClr r="0" g="0" b="0"/>
-            </a:effectRef>
-            <a:fontRef idx="minor">
-              <a:schemeClr val="dk1"/>
-            </a:fontRef>
-          </p:style>
-          <p:txBody>
-            <a:bodyPr rtlCol="0" anchor="ctr"/>
-            <a:lstStyle/>
-            <a:p>
+                <a:rPr lang="de-AT" sz="1600" dirty="0">
+                  <a:latin typeface="Arial" panose="020B0604020202020204" pitchFamily="34" charset="0"/>
+                  <a:cs typeface="Arial" panose="020B0604020202020204" pitchFamily="34" charset="0"/>
+                </a:rPr>
+                <a:t>List&lt;</a:t>
+              </a:r>
               <a:r>
                 <a:rPr lang="de-AT" sz="1600" dirty="0" err="1">
                   <a:latin typeface="Arial" panose="020B0604020202020204" pitchFamily="34" charset="0"/>
                   <a:cs typeface="Arial" panose="020B0604020202020204" pitchFamily="34" charset="0"/>
                 </a:rPr>
-                <a:t>displayName</a:t>
+                <a:t>Enum</a:t>
               </a:r>
               <a:r>
                 <a:rPr lang="de-AT" sz="1600" dirty="0">
                   <a:latin typeface="Arial" panose="020B0604020202020204" pitchFamily="34" charset="0"/>
                   <a:cs typeface="Arial" panose="020B0604020202020204" pitchFamily="34" charset="0"/>
                 </a:rPr>
-                <a:t>: String</a:t>
-              </a:r>
-            </a:p>
-            <a:p>
-              <a:r>
-                <a:rPr lang="de-AT" sz="1600" dirty="0">
-                  <a:latin typeface="Arial" panose="020B0604020202020204" pitchFamily="34" charset="0"/>
-                  <a:cs typeface="Arial" panose="020B0604020202020204" pitchFamily="34" charset="0"/>
-                </a:rPr>
-                <a:t>Description: String</a:t>
-              </a:r>
-            </a:p>
-            <a:p>
-              <a:r>
-                <a:rPr lang="de-AT" sz="1600" dirty="0">
-                  <a:latin typeface="Arial" panose="020B0604020202020204" pitchFamily="34" charset="0"/>
-                  <a:cs typeface="Arial" panose="020B0604020202020204" pitchFamily="34" charset="0"/>
-                </a:rPr>
-                <a:t>Comment: String</a:t>
-              </a:r>
-            </a:p>
-          </p:txBody>
-        </p:sp>
-      </p:grpSp>
-      <p:grpSp>
-        <p:nvGrpSpPr>
-          <p:cNvPr id="47" name="Gruppieren 46">
-            <a:extLst>
-              <a:ext uri="{FF2B5EF4-FFF2-40B4-BE49-F238E27FC236}">
-                <a16:creationId xmlns:a16="http://schemas.microsoft.com/office/drawing/2014/main" id="{B470326F-5452-4F5D-818E-C7D908BA037A}"/>
-              </a:ext>
-            </a:extLst>
-          </p:cNvPr>
-          <p:cNvGrpSpPr/>
-          <p:nvPr/>
-        </p:nvGrpSpPr>
-        <p:grpSpPr>
-          <a:xfrm>
-            <a:off x="303535" y="665431"/>
-            <a:ext cx="1578362" cy="1330957"/>
-            <a:chOff x="3484880" y="609600"/>
-            <a:chExt cx="2529840" cy="857572"/>
-          </a:xfrm>
-        </p:grpSpPr>
-        <p:sp>
-          <p:nvSpPr>
-            <p:cNvPr id="48" name="Rechteck 47">
-              <a:extLst>
-                <a:ext uri="{FF2B5EF4-FFF2-40B4-BE49-F238E27FC236}">
-                  <a16:creationId xmlns:a16="http://schemas.microsoft.com/office/drawing/2014/main" id="{7CC6EF15-114C-4790-AF31-DECA8578FC2B}"/>
-                </a:ext>
-              </a:extLst>
-            </p:cNvPr>
-            <p:cNvSpPr/>
-            <p:nvPr/>
-          </p:nvSpPr>
-          <p:spPr>
-            <a:xfrm>
-              <a:off x="3484880" y="609600"/>
-              <a:ext cx="2529840" cy="428786"/>
-            </a:xfrm>
-            <a:prstGeom prst="rect">
-              <a:avLst/>
-            </a:prstGeom>
-            <a:noFill/>
-            <a:ln w="9525" cap="flat" cmpd="sng" algn="ctr">
-              <a:solidFill>
-                <a:schemeClr val="dk1"/>
-              </a:solidFill>
-              <a:prstDash val="solid"/>
-              <a:round/>
-              <a:headEnd type="none" w="med" len="med"/>
-              <a:tailEnd type="arrow" w="med" len="med"/>
-            </a:ln>
-          </p:spPr>
-          <p:style>
-            <a:lnRef idx="0">
-              <a:scrgbClr r="0" g="0" b="0"/>
-            </a:lnRef>
-            <a:fillRef idx="0">
-              <a:scrgbClr r="0" g="0" b="0"/>
-            </a:fillRef>
-            <a:effectRef idx="0">
-              <a:scrgbClr r="0" g="0" b="0"/>
-            </a:effectRef>
-            <a:fontRef idx="minor">
-              <a:schemeClr val="dk1"/>
-            </a:fontRef>
-          </p:style>
-          <p:txBody>
-            <a:bodyPr rtlCol="0" anchor="ctr"/>
-            <a:lstStyle/>
-            <a:p>
-              <a:r>
-                <a:rPr lang="de-AT" b="1" dirty="0">
-                  <a:latin typeface="Arial" panose="020B0604020202020204" pitchFamily="34" charset="0"/>
-                  <a:cs typeface="Arial" panose="020B0604020202020204" pitchFamily="34" charset="0"/>
-                </a:rPr>
-                <a:t>DTMI</a:t>
-              </a:r>
-            </a:p>
-          </p:txBody>
-        </p:sp>
-        <p:sp>
-          <p:nvSpPr>
-            <p:cNvPr id="49" name="Rechteck 48">
-              <a:extLst>
-                <a:ext uri="{FF2B5EF4-FFF2-40B4-BE49-F238E27FC236}">
-                  <a16:creationId xmlns:a16="http://schemas.microsoft.com/office/drawing/2014/main" id="{9CDB77B4-CA9A-49AC-B8CC-18783475BA4A}"/>
-                </a:ext>
-              </a:extLst>
-            </p:cNvPr>
-            <p:cNvSpPr/>
-            <p:nvPr/>
-          </p:nvSpPr>
-          <p:spPr>
-            <a:xfrm>
-              <a:off x="3484880" y="1038386"/>
-              <a:ext cx="2529840" cy="428786"/>
-            </a:xfrm>
-            <a:prstGeom prst="rect">
-              <a:avLst/>
-            </a:prstGeom>
-            <a:noFill/>
-            <a:ln w="9525" cap="flat" cmpd="sng" algn="ctr">
-              <a:solidFill>
-                <a:schemeClr val="dk1"/>
-              </a:solidFill>
-              <a:prstDash val="solid"/>
-              <a:round/>
-              <a:headEnd type="none" w="med" len="med"/>
-              <a:tailEnd type="arrow" w="med" len="med"/>
-            </a:ln>
-          </p:spPr>
-          <p:style>
-            <a:lnRef idx="0">
-              <a:scrgbClr r="0" g="0" b="0"/>
-            </a:lnRef>
-            <a:fillRef idx="0">
-              <a:scrgbClr r="0" g="0" b="0"/>
-            </a:fillRef>
-            <a:effectRef idx="0">
-              <a:scrgbClr r="0" g="0" b="0"/>
-            </a:effectRef>
-            <a:fontRef idx="minor">
-              <a:schemeClr val="dk1"/>
-            </a:fontRef>
-          </p:style>
-          <p:txBody>
-            <a:bodyPr rtlCol="0" anchor="ctr"/>
-            <a:lstStyle/>
-            <a:p>
-              <a:r>
-                <a:rPr lang="de-AT" sz="1600" dirty="0">
-                  <a:latin typeface="Arial" panose="020B0604020202020204" pitchFamily="34" charset="0"/>
-                  <a:cs typeface="Arial" panose="020B0604020202020204" pitchFamily="34" charset="0"/>
-                </a:rPr>
-                <a:t>Scheme: String</a:t>
-              </a:r>
-            </a:p>
-            <a:p>
-              <a:r>
-                <a:rPr lang="de-AT" sz="1600" dirty="0">
-                  <a:latin typeface="Arial" panose="020B0604020202020204" pitchFamily="34" charset="0"/>
-                  <a:cs typeface="Arial" panose="020B0604020202020204" pitchFamily="34" charset="0"/>
-                </a:rPr>
-                <a:t>Path: String</a:t>
-              </a:r>
-            </a:p>
-            <a:p>
-              <a:r>
-                <a:rPr lang="de-AT" sz="1600" dirty="0">
-                  <a:latin typeface="Arial" panose="020B0604020202020204" pitchFamily="34" charset="0"/>
-                  <a:cs typeface="Arial" panose="020B0604020202020204" pitchFamily="34" charset="0"/>
-                </a:rPr>
-                <a:t>Version: </a:t>
+                <a:t>&gt; </a:t>
               </a:r>
               <a:r>
                 <a:rPr lang="de-AT" sz="1600" dirty="0" err="1">
                   <a:latin typeface="Arial" panose="020B0604020202020204" pitchFamily="34" charset="0"/>
                   <a:cs typeface="Arial" panose="020B0604020202020204" pitchFamily="34" charset="0"/>
                 </a:rPr>
-                <a:t>Int</a:t>
+                <a:t>enums</a:t>
               </a:r>
               <a:endParaRPr lang="de-AT" sz="1600" dirty="0">
-                <a:latin typeface="Arial" panose="020B0604020202020204" pitchFamily="34" charset="0"/>
-                <a:cs typeface="Arial" panose="020B0604020202020204" pitchFamily="34" charset="0"/>
-              </a:endParaRPr>
-            </a:p>
-          </p:txBody>
-        </p:sp>
-      </p:grpSp>
-      <p:cxnSp>
-        <p:nvCxnSpPr>
-          <p:cNvPr id="51" name="Verbinder: gewinkelt 171">
-            <a:extLst>
-              <a:ext uri="{FF2B5EF4-FFF2-40B4-BE49-F238E27FC236}">
-                <a16:creationId xmlns:a16="http://schemas.microsoft.com/office/drawing/2014/main" id="{35BA1016-0498-4902-99C2-565A2D1BA98A}"/>
-              </a:ext>
-            </a:extLst>
-          </p:cNvPr>
-          <p:cNvCxnSpPr>
-            <a:cxnSpLocks/>
-            <a:stCxn id="9" idx="0"/>
-            <a:endCxn id="9" idx="1"/>
-          </p:cNvCxnSpPr>
-          <p:nvPr/>
-        </p:nvCxnSpPr>
-        <p:spPr>
-          <a:xfrm rot="16200000" flipH="1" flipV="1">
-            <a:off x="5205436" y="438867"/>
-            <a:ext cx="205106" cy="632461"/>
-          </a:xfrm>
-          <a:prstGeom prst="bentConnector4">
-            <a:avLst>
-              <a:gd name="adj1" fmla="val -111455"/>
-              <a:gd name="adj2" fmla="val 136145"/>
-            </a:avLst>
-          </a:prstGeom>
-          <a:ln>
-            <a:headEnd type="none" w="med" len="med"/>
-            <a:tailEnd type="arrow" w="med" len="med"/>
-          </a:ln>
-        </p:spPr>
-        <p:style>
-          <a:lnRef idx="1">
-            <a:schemeClr val="dk1"/>
-          </a:lnRef>
-          <a:fillRef idx="0">
-            <a:schemeClr val="dk1"/>
-          </a:fillRef>
-          <a:effectRef idx="0">
-            <a:schemeClr val="dk1"/>
-          </a:effectRef>
-          <a:fontRef idx="minor">
-            <a:schemeClr val="tx1"/>
-          </a:fontRef>
-        </p:style>
-      </p:cxnSp>
-      <p:grpSp>
-        <p:nvGrpSpPr>
-          <p:cNvPr id="57" name="Gruppieren 56">
-            <a:extLst>
-              <a:ext uri="{FF2B5EF4-FFF2-40B4-BE49-F238E27FC236}">
-                <a16:creationId xmlns:a16="http://schemas.microsoft.com/office/drawing/2014/main" id="{15F6D3F8-6381-45B5-A5E2-B634B866084A}"/>
-              </a:ext>
-            </a:extLst>
-          </p:cNvPr>
-          <p:cNvGrpSpPr/>
-          <p:nvPr/>
-        </p:nvGrpSpPr>
-        <p:grpSpPr>
-          <a:xfrm>
-            <a:off x="10026334" y="4951435"/>
-            <a:ext cx="2056755" cy="1409668"/>
-            <a:chOff x="3484880" y="609600"/>
-            <a:chExt cx="2879997" cy="1143434"/>
-          </a:xfrm>
-        </p:grpSpPr>
-        <p:sp>
-          <p:nvSpPr>
-            <p:cNvPr id="58" name="Rechteck 57">
-              <a:extLst>
-                <a:ext uri="{FF2B5EF4-FFF2-40B4-BE49-F238E27FC236}">
-                  <a16:creationId xmlns:a16="http://schemas.microsoft.com/office/drawing/2014/main" id="{EA0D2D79-7DA9-4B8D-86FE-CC209EEC2775}"/>
-                </a:ext>
-              </a:extLst>
-            </p:cNvPr>
-            <p:cNvSpPr/>
-            <p:nvPr/>
-          </p:nvSpPr>
-          <p:spPr>
-            <a:xfrm>
-              <a:off x="3484880" y="609600"/>
-              <a:ext cx="2879997" cy="428786"/>
-            </a:xfrm>
-            <a:prstGeom prst="rect">
-              <a:avLst/>
-            </a:prstGeom>
-            <a:noFill/>
-            <a:ln w="9525" cap="flat" cmpd="sng" algn="ctr">
-              <a:solidFill>
-                <a:schemeClr val="dk1"/>
-              </a:solidFill>
-              <a:prstDash val="solid"/>
-              <a:round/>
-              <a:headEnd type="none" w="med" len="med"/>
-              <a:tailEnd type="arrow" w="med" len="med"/>
-            </a:ln>
-          </p:spPr>
-          <p:style>
-            <a:lnRef idx="0">
-              <a:scrgbClr r="0" g="0" b="0"/>
-            </a:lnRef>
-            <a:fillRef idx="0">
-              <a:scrgbClr r="0" g="0" b="0"/>
-            </a:fillRef>
-            <a:effectRef idx="0">
-              <a:scrgbClr r="0" g="0" b="0"/>
-            </a:effectRef>
-            <a:fontRef idx="minor">
-              <a:schemeClr val="dk1"/>
-            </a:fontRef>
-          </p:style>
-          <p:txBody>
-            <a:bodyPr rtlCol="0" anchor="ctr"/>
-            <a:lstStyle/>
-            <a:p>
-              <a:r>
-                <a:rPr lang="de-AT" sz="2000" b="1" dirty="0" err="1">
-                  <a:latin typeface="Arial" panose="020B0604020202020204" pitchFamily="34" charset="0"/>
-                  <a:cs typeface="Arial" panose="020B0604020202020204" pitchFamily="34" charset="0"/>
-                </a:rPr>
-                <a:t>Component</a:t>
-              </a:r>
-              <a:endParaRPr lang="de-AT" sz="2000" b="1" dirty="0">
-                <a:latin typeface="Arial" panose="020B0604020202020204" pitchFamily="34" charset="0"/>
-                <a:cs typeface="Arial" panose="020B0604020202020204" pitchFamily="34" charset="0"/>
-              </a:endParaRPr>
-            </a:p>
-          </p:txBody>
-        </p:sp>
-        <p:sp>
-          <p:nvSpPr>
-            <p:cNvPr id="59" name="Rechteck 58">
-              <a:extLst>
-                <a:ext uri="{FF2B5EF4-FFF2-40B4-BE49-F238E27FC236}">
-                  <a16:creationId xmlns:a16="http://schemas.microsoft.com/office/drawing/2014/main" id="{F2B74DB5-D91E-42BC-BCE0-FCA3161FD18B}"/>
-                </a:ext>
-              </a:extLst>
-            </p:cNvPr>
-            <p:cNvSpPr/>
-            <p:nvPr/>
-          </p:nvSpPr>
-          <p:spPr>
-            <a:xfrm>
-              <a:off x="3484880" y="1038386"/>
-              <a:ext cx="2879997" cy="714648"/>
-            </a:xfrm>
-            <a:prstGeom prst="rect">
-              <a:avLst/>
-            </a:prstGeom>
-            <a:noFill/>
-            <a:ln w="9525" cap="flat" cmpd="sng" algn="ctr">
-              <a:solidFill>
-                <a:schemeClr val="dk1"/>
-              </a:solidFill>
-              <a:prstDash val="solid"/>
-              <a:round/>
-              <a:headEnd type="none" w="med" len="med"/>
-              <a:tailEnd type="arrow" w="med" len="med"/>
-            </a:ln>
-          </p:spPr>
-          <p:style>
-            <a:lnRef idx="0">
-              <a:scrgbClr r="0" g="0" b="0"/>
-            </a:lnRef>
-            <a:fillRef idx="0">
-              <a:scrgbClr r="0" g="0" b="0"/>
-            </a:fillRef>
-            <a:effectRef idx="0">
-              <a:scrgbClr r="0" g="0" b="0"/>
-            </a:effectRef>
-            <a:fontRef idx="minor">
-              <a:schemeClr val="dk1"/>
-            </a:fontRef>
-          </p:style>
-          <p:txBody>
-            <a:bodyPr rtlCol="0" anchor="ctr"/>
-            <a:lstStyle/>
-            <a:p>
-              <a:r>
-                <a:rPr lang="de-AT" dirty="0">
-                  <a:latin typeface="Arial" panose="020B0604020202020204" pitchFamily="34" charset="0"/>
-                  <a:cs typeface="Arial" panose="020B0604020202020204" pitchFamily="34" charset="0"/>
-                </a:rPr>
-                <a:t>Name: String</a:t>
-              </a:r>
-            </a:p>
-          </p:txBody>
-        </p:sp>
-      </p:grpSp>
-      <p:sp>
-        <p:nvSpPr>
-          <p:cNvPr id="7" name="Textfeld 6">
-            <a:extLst>
-              <a:ext uri="{FF2B5EF4-FFF2-40B4-BE49-F238E27FC236}">
-                <a16:creationId xmlns:a16="http://schemas.microsoft.com/office/drawing/2014/main" id="{7E278B90-3489-4211-9729-3112FB2ACCF1}"/>
-              </a:ext>
-            </a:extLst>
-          </p:cNvPr>
-          <p:cNvSpPr txBox="1"/>
-          <p:nvPr/>
-        </p:nvSpPr>
-        <p:spPr>
-          <a:xfrm>
-            <a:off x="4751881" y="154354"/>
-            <a:ext cx="1228926" cy="307777"/>
-          </a:xfrm>
-          <a:prstGeom prst="rect">
-            <a:avLst/>
-          </a:prstGeom>
-          <a:noFill/>
-        </p:spPr>
-        <p:txBody>
-          <a:bodyPr wrap="none" rtlCol="0">
-            <a:spAutoFit/>
-          </a:bodyPr>
-          <a:lstStyle/>
-          <a:p>
-            <a:r>
-              <a:rPr lang="de-AT" sz="1400" dirty="0" err="1"/>
-              <a:t>extends</a:t>
-            </a:r>
-            <a:r>
-              <a:rPr lang="de-AT" sz="1400" dirty="0"/>
-              <a:t>: [0..2]</a:t>
-            </a:r>
-          </a:p>
-        </p:txBody>
-      </p:sp>
-      <p:cxnSp>
-        <p:nvCxnSpPr>
-          <p:cNvPr id="60" name="Verbinder: gewinkelt 171">
-            <a:extLst>
-              <a:ext uri="{FF2B5EF4-FFF2-40B4-BE49-F238E27FC236}">
-                <a16:creationId xmlns:a16="http://schemas.microsoft.com/office/drawing/2014/main" id="{5EB6AD48-2AB7-49FC-9FCB-FB85553F49BC}"/>
-              </a:ext>
-            </a:extLst>
-          </p:cNvPr>
-          <p:cNvCxnSpPr>
-            <a:cxnSpLocks/>
-            <a:stCxn id="58" idx="0"/>
-            <a:endCxn id="9" idx="3"/>
-          </p:cNvCxnSpPr>
-          <p:nvPr/>
-        </p:nvCxnSpPr>
-        <p:spPr>
-          <a:xfrm rot="16200000" flipV="1">
-            <a:off x="6608804" y="505527"/>
-            <a:ext cx="4093784" cy="4798032"/>
-          </a:xfrm>
-          <a:prstGeom prst="bentConnector2">
-            <a:avLst/>
-          </a:prstGeom>
-          <a:ln>
-            <a:headEnd type="none" w="med" len="med"/>
-            <a:tailEnd type="arrow" w="med" len="med"/>
-          </a:ln>
-        </p:spPr>
-        <p:style>
-          <a:lnRef idx="1">
-            <a:schemeClr val="dk1"/>
-          </a:lnRef>
-          <a:fillRef idx="0">
-            <a:schemeClr val="dk1"/>
-          </a:fillRef>
-          <a:effectRef idx="0">
-            <a:schemeClr val="dk1"/>
-          </a:effectRef>
-          <a:fontRef idx="minor">
-            <a:schemeClr val="tx1"/>
-          </a:fontRef>
-        </p:style>
-      </p:cxnSp>
-      <p:sp>
-        <p:nvSpPr>
-          <p:cNvPr id="61" name="Textfeld 60">
-            <a:extLst>
-              <a:ext uri="{FF2B5EF4-FFF2-40B4-BE49-F238E27FC236}">
-                <a16:creationId xmlns:a16="http://schemas.microsoft.com/office/drawing/2014/main" id="{3BA5FE68-6C83-408B-8375-AE49DAE90778}"/>
-              </a:ext>
-            </a:extLst>
-          </p:cNvPr>
-          <p:cNvSpPr txBox="1"/>
-          <p:nvPr/>
-        </p:nvSpPr>
-        <p:spPr>
-          <a:xfrm>
-            <a:off x="6114337" y="825828"/>
-            <a:ext cx="2079276" cy="307777"/>
-          </a:xfrm>
-          <a:prstGeom prst="rect">
-            <a:avLst/>
-          </a:prstGeom>
-          <a:noFill/>
-        </p:spPr>
-        <p:txBody>
-          <a:bodyPr wrap="square" rtlCol="0">
-            <a:spAutoFit/>
-          </a:bodyPr>
-          <a:lstStyle/>
-          <a:p>
-            <a:r>
-              <a:rPr lang="de-AT" sz="1400" dirty="0">
-                <a:latin typeface="Arial" panose="020B0604020202020204" pitchFamily="34" charset="0"/>
-                <a:cs typeface="Arial" panose="020B0604020202020204" pitchFamily="34" charset="0"/>
-              </a:rPr>
-              <a:t>[1..1] </a:t>
-            </a:r>
-            <a:r>
-              <a:rPr lang="de-AT" sz="1400" dirty="0" err="1">
-                <a:latin typeface="Arial" panose="020B0604020202020204" pitchFamily="34" charset="0"/>
-                <a:cs typeface="Arial" panose="020B0604020202020204" pitchFamily="34" charset="0"/>
-              </a:rPr>
-              <a:t>schema</a:t>
-            </a:r>
-            <a:endParaRPr lang="de-AT" sz="1400" dirty="0">
-              <a:latin typeface="Arial" panose="020B0604020202020204" pitchFamily="34" charset="0"/>
-              <a:cs typeface="Arial" panose="020B0604020202020204" pitchFamily="34" charset="0"/>
-            </a:endParaRPr>
-          </a:p>
-        </p:txBody>
-      </p:sp>
-      <p:cxnSp>
-        <p:nvCxnSpPr>
-          <p:cNvPr id="69" name="Verbinder: gewinkelt 171">
-            <a:extLst>
-              <a:ext uri="{FF2B5EF4-FFF2-40B4-BE49-F238E27FC236}">
-                <a16:creationId xmlns:a16="http://schemas.microsoft.com/office/drawing/2014/main" id="{1475F4F0-BFC7-4C17-80DD-DC7B8FA84539}"/>
-              </a:ext>
-            </a:extLst>
-          </p:cNvPr>
-          <p:cNvCxnSpPr>
-            <a:cxnSpLocks/>
-            <a:stCxn id="22" idx="1"/>
-            <a:endCxn id="19" idx="3"/>
-          </p:cNvCxnSpPr>
-          <p:nvPr/>
-        </p:nvCxnSpPr>
-        <p:spPr>
-          <a:xfrm rot="10800000" flipV="1">
-            <a:off x="7016690" y="5996216"/>
-            <a:ext cx="1147578" cy="86830"/>
-          </a:xfrm>
-          <a:prstGeom prst="bentConnector3">
-            <a:avLst>
-              <a:gd name="adj1" fmla="val 50000"/>
-            </a:avLst>
-          </a:prstGeom>
-          <a:ln>
-            <a:headEnd type="none" w="med" len="med"/>
-            <a:tailEnd type="arrow" w="med" len="med"/>
-          </a:ln>
-        </p:spPr>
-        <p:style>
-          <a:lnRef idx="1">
-            <a:schemeClr val="dk1"/>
-          </a:lnRef>
-          <a:fillRef idx="0">
-            <a:schemeClr val="dk1"/>
-          </a:fillRef>
-          <a:effectRef idx="0">
-            <a:schemeClr val="dk1"/>
-          </a:effectRef>
-          <a:fontRef idx="minor">
-            <a:schemeClr val="tx1"/>
-          </a:fontRef>
-        </p:style>
-      </p:cxnSp>
-      <p:sp>
-        <p:nvSpPr>
-          <p:cNvPr id="75" name="Textfeld 74">
-            <a:extLst>
-              <a:ext uri="{FF2B5EF4-FFF2-40B4-BE49-F238E27FC236}">
-                <a16:creationId xmlns:a16="http://schemas.microsoft.com/office/drawing/2014/main" id="{4548FF3D-AD0D-4073-9ED5-09FF47FA0C8F}"/>
-              </a:ext>
-            </a:extLst>
-          </p:cNvPr>
-          <p:cNvSpPr txBox="1"/>
-          <p:nvPr/>
-        </p:nvSpPr>
-        <p:spPr>
-          <a:xfrm>
-            <a:off x="6942052" y="5266587"/>
-            <a:ext cx="1363851" cy="523220"/>
-          </a:xfrm>
-          <a:prstGeom prst="rect">
-            <a:avLst/>
-          </a:prstGeom>
-          <a:noFill/>
-        </p:spPr>
-        <p:txBody>
-          <a:bodyPr wrap="square" rtlCol="0">
-            <a:spAutoFit/>
-          </a:bodyPr>
-          <a:lstStyle/>
-          <a:p>
-            <a:r>
-              <a:rPr lang="de-AT" sz="1400" dirty="0">
-                <a:latin typeface="Arial" panose="020B0604020202020204" pitchFamily="34" charset="0"/>
-                <a:cs typeface="Arial" panose="020B0604020202020204" pitchFamily="34" charset="0"/>
-              </a:rPr>
-              <a:t>[0..300] </a:t>
-            </a:r>
-            <a:r>
-              <a:rPr lang="de-AT" sz="1400" dirty="0" err="1">
-                <a:latin typeface="Arial" panose="020B0604020202020204" pitchFamily="34" charset="0"/>
-                <a:cs typeface="Arial" panose="020B0604020202020204" pitchFamily="34" charset="0"/>
-              </a:rPr>
-              <a:t>properties</a:t>
-            </a:r>
-            <a:endParaRPr lang="de-AT" sz="1400" dirty="0">
-              <a:latin typeface="Arial" panose="020B0604020202020204" pitchFamily="34" charset="0"/>
-              <a:cs typeface="Arial" panose="020B0604020202020204" pitchFamily="34" charset="0"/>
-            </a:endParaRPr>
-          </a:p>
-        </p:txBody>
-      </p:sp>
-      <p:cxnSp>
-        <p:nvCxnSpPr>
-          <p:cNvPr id="77" name="Verbinder: gewinkelt 171">
-            <a:extLst>
-              <a:ext uri="{FF2B5EF4-FFF2-40B4-BE49-F238E27FC236}">
-                <a16:creationId xmlns:a16="http://schemas.microsoft.com/office/drawing/2014/main" id="{6E9F8B5E-BDA9-4CA5-AA27-750D0E3A3C02}"/>
-              </a:ext>
-            </a:extLst>
-          </p:cNvPr>
-          <p:cNvCxnSpPr>
-            <a:cxnSpLocks/>
-            <a:stCxn id="21" idx="0"/>
-            <a:endCxn id="10" idx="3"/>
-          </p:cNvCxnSpPr>
-          <p:nvPr/>
-        </p:nvCxnSpPr>
-        <p:spPr>
-          <a:xfrm rot="16200000" flipV="1">
-            <a:off x="5784353" y="1740191"/>
-            <a:ext cx="3725645" cy="2780989"/>
-          </a:xfrm>
-          <a:prstGeom prst="bentConnector2">
-            <a:avLst/>
-          </a:prstGeom>
-          <a:ln>
-            <a:headEnd type="none" w="med" len="med"/>
-            <a:tailEnd type="arrow" w="med" len="med"/>
-          </a:ln>
-        </p:spPr>
-        <p:style>
-          <a:lnRef idx="1">
-            <a:schemeClr val="dk1"/>
-          </a:lnRef>
-          <a:fillRef idx="0">
-            <a:schemeClr val="dk1"/>
-          </a:fillRef>
-          <a:effectRef idx="0">
-            <a:schemeClr val="dk1"/>
-          </a:effectRef>
-          <a:fontRef idx="minor">
-            <a:schemeClr val="tx1"/>
-          </a:fontRef>
-        </p:style>
-      </p:cxnSp>
-      <p:sp>
-        <p:nvSpPr>
-          <p:cNvPr id="84" name="Textfeld 83">
-            <a:extLst>
-              <a:ext uri="{FF2B5EF4-FFF2-40B4-BE49-F238E27FC236}">
-                <a16:creationId xmlns:a16="http://schemas.microsoft.com/office/drawing/2014/main" id="{7A2B20B6-EEC4-4B37-AC92-1D5CAFB528B6}"/>
-              </a:ext>
-            </a:extLst>
-          </p:cNvPr>
-          <p:cNvSpPr txBox="1"/>
-          <p:nvPr/>
-        </p:nvSpPr>
-        <p:spPr>
-          <a:xfrm>
-            <a:off x="5391170" y="2477385"/>
-            <a:ext cx="1810837" cy="307777"/>
-          </a:xfrm>
-          <a:prstGeom prst="rect">
-            <a:avLst/>
-          </a:prstGeom>
-          <a:noFill/>
-        </p:spPr>
-        <p:txBody>
-          <a:bodyPr wrap="square" rtlCol="0">
-            <a:spAutoFit/>
-          </a:bodyPr>
-          <a:lstStyle/>
-          <a:p>
-            <a:r>
-              <a:rPr lang="de-AT" sz="1400" dirty="0">
-                <a:latin typeface="Arial" panose="020B0604020202020204" pitchFamily="34" charset="0"/>
-                <a:cs typeface="Arial" panose="020B0604020202020204" pitchFamily="34" charset="0"/>
-              </a:rPr>
-              <a:t>[0..*] </a:t>
-            </a:r>
-            <a:r>
-              <a:rPr lang="de-AT" sz="1400" dirty="0" err="1">
-                <a:latin typeface="Arial" panose="020B0604020202020204" pitchFamily="34" charset="0"/>
-                <a:cs typeface="Arial" panose="020B0604020202020204" pitchFamily="34" charset="0"/>
-              </a:rPr>
-              <a:t>contents</a:t>
-            </a:r>
-            <a:endParaRPr lang="de-AT" sz="1400" dirty="0">
-              <a:latin typeface="Arial" panose="020B0604020202020204" pitchFamily="34" charset="0"/>
-              <a:cs typeface="Arial" panose="020B0604020202020204" pitchFamily="34" charset="0"/>
-            </a:endParaRPr>
-          </a:p>
-        </p:txBody>
-      </p:sp>
-      <p:cxnSp>
-        <p:nvCxnSpPr>
-          <p:cNvPr id="87" name="Verbinder: gewinkelt 171">
-            <a:extLst>
-              <a:ext uri="{FF2B5EF4-FFF2-40B4-BE49-F238E27FC236}">
-                <a16:creationId xmlns:a16="http://schemas.microsoft.com/office/drawing/2014/main" id="{9AED0297-CF91-42E1-8095-A18F3366EA07}"/>
-              </a:ext>
-            </a:extLst>
-          </p:cNvPr>
-          <p:cNvCxnSpPr>
-            <a:cxnSpLocks/>
-            <a:stCxn id="21" idx="0"/>
-            <a:endCxn id="42" idx="2"/>
-          </p:cNvCxnSpPr>
-          <p:nvPr/>
-        </p:nvCxnSpPr>
-        <p:spPr>
-          <a:xfrm rot="16200000" flipV="1">
-            <a:off x="6582685" y="2538524"/>
-            <a:ext cx="1238644" cy="3671324"/>
-          </a:xfrm>
-          <a:prstGeom prst="bentConnector3">
-            <a:avLst>
-              <a:gd name="adj1" fmla="val 50000"/>
-            </a:avLst>
-          </a:prstGeom>
-          <a:ln>
-            <a:headEnd type="none" w="med" len="med"/>
-            <a:tailEnd type="triangle" w="med" len="med"/>
-          </a:ln>
-        </p:spPr>
-        <p:style>
-          <a:lnRef idx="1">
-            <a:schemeClr val="dk1"/>
-          </a:lnRef>
-          <a:fillRef idx="0">
-            <a:schemeClr val="dk1"/>
-          </a:fillRef>
-          <a:effectRef idx="0">
-            <a:schemeClr val="dk1"/>
-          </a:effectRef>
-          <a:fontRef idx="minor">
-            <a:schemeClr val="tx1"/>
-          </a:fontRef>
-        </p:style>
-      </p:cxnSp>
-      <p:cxnSp>
-        <p:nvCxnSpPr>
-          <p:cNvPr id="90" name="Verbinder: gewinkelt 171">
-            <a:extLst>
-              <a:ext uri="{FF2B5EF4-FFF2-40B4-BE49-F238E27FC236}">
-                <a16:creationId xmlns:a16="http://schemas.microsoft.com/office/drawing/2014/main" id="{0FD7BDC1-BAA5-4A2F-AB93-C1ECFDA7B4D9}"/>
-              </a:ext>
-            </a:extLst>
-          </p:cNvPr>
-          <p:cNvCxnSpPr>
-            <a:cxnSpLocks/>
-            <a:stCxn id="73" idx="0"/>
-            <a:endCxn id="42" idx="2"/>
-          </p:cNvCxnSpPr>
-          <p:nvPr/>
-        </p:nvCxnSpPr>
-        <p:spPr>
-          <a:xfrm rot="5400000" flipH="1" flipV="1">
-            <a:off x="3926331" y="3647123"/>
-            <a:ext cx="1332273" cy="1547756"/>
-          </a:xfrm>
-          <a:prstGeom prst="bentConnector3">
-            <a:avLst>
-              <a:gd name="adj1" fmla="val 50000"/>
-            </a:avLst>
-          </a:prstGeom>
-          <a:ln>
-            <a:headEnd type="none" w="med" len="med"/>
-            <a:tailEnd type="triangle" w="med" len="med"/>
-          </a:ln>
-        </p:spPr>
-        <p:style>
-          <a:lnRef idx="1">
-            <a:schemeClr val="dk1"/>
-          </a:lnRef>
-          <a:fillRef idx="0">
-            <a:schemeClr val="dk1"/>
-          </a:fillRef>
-          <a:effectRef idx="0">
-            <a:schemeClr val="dk1"/>
-          </a:effectRef>
-          <a:fontRef idx="minor">
-            <a:schemeClr val="tx1"/>
-          </a:fontRef>
-        </p:style>
-      </p:cxnSp>
-      <p:cxnSp>
-        <p:nvCxnSpPr>
-          <p:cNvPr id="95" name="Verbinder: gewinkelt 171">
-            <a:extLst>
-              <a:ext uri="{FF2B5EF4-FFF2-40B4-BE49-F238E27FC236}">
-                <a16:creationId xmlns:a16="http://schemas.microsoft.com/office/drawing/2014/main" id="{E804D7E0-C58A-4F4B-8AD5-19ABE26F4E15}"/>
-              </a:ext>
-            </a:extLst>
-          </p:cNvPr>
-          <p:cNvCxnSpPr>
-            <a:cxnSpLocks/>
-            <a:stCxn id="79" idx="0"/>
-            <a:endCxn id="42" idx="2"/>
-          </p:cNvCxnSpPr>
-          <p:nvPr/>
-        </p:nvCxnSpPr>
-        <p:spPr>
-          <a:xfrm rot="5400000" flipH="1" flipV="1">
-            <a:off x="2779650" y="2475022"/>
-            <a:ext cx="1306852" cy="3866537"/>
-          </a:xfrm>
-          <a:prstGeom prst="bentConnector3">
-            <a:avLst>
-              <a:gd name="adj1" fmla="val 50000"/>
-            </a:avLst>
-          </a:prstGeom>
-          <a:ln>
-            <a:headEnd type="none" w="med" len="med"/>
-            <a:tailEnd type="triangle" w="med" len="med"/>
-          </a:ln>
-        </p:spPr>
-        <p:style>
-          <a:lnRef idx="1">
-            <a:schemeClr val="dk1"/>
-          </a:lnRef>
-          <a:fillRef idx="0">
-            <a:schemeClr val="dk1"/>
-          </a:fillRef>
-          <a:effectRef idx="0">
-            <a:schemeClr val="dk1"/>
-          </a:effectRef>
-          <a:fontRef idx="minor">
-            <a:schemeClr val="tx1"/>
-          </a:fontRef>
-        </p:style>
-      </p:cxnSp>
-      <p:sp>
-        <p:nvSpPr>
-          <p:cNvPr id="53" name="Raute 52">
-            <a:extLst>
-              <a:ext uri="{FF2B5EF4-FFF2-40B4-BE49-F238E27FC236}">
-                <a16:creationId xmlns:a16="http://schemas.microsoft.com/office/drawing/2014/main" id="{394027D8-D74B-4F71-BB0B-24F17602A781}"/>
-              </a:ext>
-            </a:extLst>
-          </p:cNvPr>
-          <p:cNvSpPr/>
-          <p:nvPr/>
-        </p:nvSpPr>
-        <p:spPr>
-          <a:xfrm rot="5400000" flipH="1">
-            <a:off x="2431708" y="1569285"/>
-            <a:ext cx="252119" cy="235049"/>
-          </a:xfrm>
-          <a:prstGeom prst="diamond">
-            <a:avLst/>
-          </a:prstGeom>
-          <a:ln>
-            <a:headEnd type="none" w="med" len="med"/>
-            <a:tailEnd type="arrow" w="med" len="med"/>
-          </a:ln>
-        </p:spPr>
-        <p:style>
-          <a:lnRef idx="2">
-            <a:schemeClr val="dk1">
-              <a:shade val="50000"/>
-            </a:schemeClr>
-          </a:lnRef>
-          <a:fillRef idx="1">
-            <a:schemeClr val="dk1"/>
-          </a:fillRef>
-          <a:effectRef idx="0">
-            <a:schemeClr val="dk1"/>
-          </a:effectRef>
-          <a:fontRef idx="minor">
-            <a:schemeClr val="lt1"/>
-          </a:fontRef>
-        </p:style>
-        <p:txBody>
-          <a:bodyPr rtlCol="0" anchor="ctr"/>
-          <a:lstStyle/>
-          <a:p>
-            <a:pPr algn="ctr"/>
-            <a:endParaRPr lang="de-AT">
-              <a:latin typeface="Arial" panose="020B0604020202020204" pitchFamily="34" charset="0"/>
-              <a:cs typeface="Arial" panose="020B0604020202020204" pitchFamily="34" charset="0"/>
-            </a:endParaRPr>
-          </a:p>
-        </p:txBody>
-      </p:sp>
-      <p:cxnSp>
-        <p:nvCxnSpPr>
-          <p:cNvPr id="54" name="Verbinder: gewinkelt 171">
-            <a:extLst>
-              <a:ext uri="{FF2B5EF4-FFF2-40B4-BE49-F238E27FC236}">
-                <a16:creationId xmlns:a16="http://schemas.microsoft.com/office/drawing/2014/main" id="{FBE19B39-244D-48C7-BBF6-1C57A00F3068}"/>
-              </a:ext>
-            </a:extLst>
-          </p:cNvPr>
-          <p:cNvCxnSpPr>
-            <a:cxnSpLocks/>
-            <a:stCxn id="53" idx="2"/>
-            <a:endCxn id="49" idx="3"/>
-          </p:cNvCxnSpPr>
-          <p:nvPr/>
-        </p:nvCxnSpPr>
-        <p:spPr>
-          <a:xfrm rot="10800000">
-            <a:off x="1881897" y="1663651"/>
-            <a:ext cx="558346" cy="23159"/>
-          </a:xfrm>
-          <a:prstGeom prst="bentConnector3">
-            <a:avLst>
-              <a:gd name="adj1" fmla="val 50000"/>
-            </a:avLst>
-          </a:prstGeom>
-          <a:ln>
-            <a:headEnd type="none" w="med" len="med"/>
-            <a:tailEnd type="arrow" w="med" len="med"/>
-          </a:ln>
-        </p:spPr>
-        <p:style>
-          <a:lnRef idx="1">
-            <a:schemeClr val="dk1"/>
-          </a:lnRef>
-          <a:fillRef idx="0">
-            <a:schemeClr val="dk1"/>
-          </a:fillRef>
-          <a:effectRef idx="0">
-            <a:schemeClr val="dk1"/>
-          </a:effectRef>
-          <a:fontRef idx="minor">
-            <a:schemeClr val="tx1"/>
-          </a:fontRef>
-        </p:style>
-      </p:cxnSp>
-      <p:sp>
-        <p:nvSpPr>
-          <p:cNvPr id="62" name="Textfeld 61">
-            <a:extLst>
-              <a:ext uri="{FF2B5EF4-FFF2-40B4-BE49-F238E27FC236}">
-                <a16:creationId xmlns:a16="http://schemas.microsoft.com/office/drawing/2014/main" id="{3329069B-CF04-4682-B578-272DF7BB6D3F}"/>
-              </a:ext>
-            </a:extLst>
-          </p:cNvPr>
-          <p:cNvSpPr txBox="1"/>
-          <p:nvPr/>
-        </p:nvSpPr>
-        <p:spPr>
-          <a:xfrm>
-            <a:off x="1788640" y="1204384"/>
-            <a:ext cx="1058790" cy="369332"/>
-          </a:xfrm>
-          <a:prstGeom prst="rect">
-            <a:avLst/>
-          </a:prstGeom>
-          <a:noFill/>
-        </p:spPr>
-        <p:txBody>
-          <a:bodyPr wrap="square" rtlCol="0">
-            <a:spAutoFit/>
-          </a:bodyPr>
-          <a:lstStyle/>
-          <a:p>
-            <a:r>
-              <a:rPr lang="de-AT" sz="1600" dirty="0">
-                <a:latin typeface="Arial" panose="020B0604020202020204" pitchFamily="34" charset="0"/>
-                <a:cs typeface="Arial" panose="020B0604020202020204" pitchFamily="34" charset="0"/>
-              </a:rPr>
-              <a:t>[1..1] </a:t>
-            </a:r>
-            <a:r>
-              <a:rPr lang="de-AT" dirty="0" err="1">
-                <a:latin typeface="Arial" panose="020B0604020202020204" pitchFamily="34" charset="0"/>
-                <a:cs typeface="Arial" panose="020B0604020202020204" pitchFamily="34" charset="0"/>
-              </a:rPr>
-              <a:t>id</a:t>
-            </a:r>
-            <a:endParaRPr lang="de-AT" dirty="0">
-              <a:latin typeface="Arial" panose="020B0604020202020204" pitchFamily="34" charset="0"/>
-              <a:cs typeface="Arial" panose="020B0604020202020204" pitchFamily="34" charset="0"/>
-            </a:endParaRPr>
-          </a:p>
-        </p:txBody>
-      </p:sp>
-      <p:cxnSp>
-        <p:nvCxnSpPr>
-          <p:cNvPr id="63" name="Verbinder: gewinkelt 171">
-            <a:extLst>
-              <a:ext uri="{FF2B5EF4-FFF2-40B4-BE49-F238E27FC236}">
-                <a16:creationId xmlns:a16="http://schemas.microsoft.com/office/drawing/2014/main" id="{3AFD393F-4C19-4720-91EC-9C06F1902793}"/>
-              </a:ext>
-            </a:extLst>
-          </p:cNvPr>
-          <p:cNvCxnSpPr>
-            <a:cxnSpLocks/>
-            <a:stCxn id="42" idx="1"/>
-            <a:endCxn id="46" idx="2"/>
-          </p:cNvCxnSpPr>
-          <p:nvPr/>
-        </p:nvCxnSpPr>
-        <p:spPr>
-          <a:xfrm rot="10800000">
-            <a:off x="3455546" y="1956522"/>
-            <a:ext cx="781280" cy="1593236"/>
-          </a:xfrm>
-          <a:prstGeom prst="bentConnector2">
-            <a:avLst/>
-          </a:prstGeom>
-          <a:ln>
-            <a:headEnd type="none" w="med" len="med"/>
-            <a:tailEnd type="triangle" w="med" len="med"/>
-          </a:ln>
-        </p:spPr>
-        <p:style>
-          <a:lnRef idx="1">
-            <a:schemeClr val="dk1"/>
-          </a:lnRef>
-          <a:fillRef idx="0">
-            <a:schemeClr val="dk1"/>
-          </a:fillRef>
-          <a:effectRef idx="0">
-            <a:schemeClr val="dk1"/>
-          </a:effectRef>
-          <a:fontRef idx="minor">
-            <a:schemeClr val="tx1"/>
-          </a:fontRef>
-        </p:style>
-      </p:cxnSp>
-      <p:cxnSp>
-        <p:nvCxnSpPr>
-          <p:cNvPr id="64" name="Verbinder: gewinkelt 171">
-            <a:extLst>
-              <a:ext uri="{FF2B5EF4-FFF2-40B4-BE49-F238E27FC236}">
-                <a16:creationId xmlns:a16="http://schemas.microsoft.com/office/drawing/2014/main" id="{58D08E3C-D786-4A0D-8FCB-5EAFAD95B101}"/>
-              </a:ext>
-            </a:extLst>
-          </p:cNvPr>
-          <p:cNvCxnSpPr>
-            <a:cxnSpLocks/>
-            <a:stCxn id="10" idx="1"/>
-            <a:endCxn id="46" idx="3"/>
-          </p:cNvCxnSpPr>
-          <p:nvPr/>
-        </p:nvCxnSpPr>
-        <p:spPr>
-          <a:xfrm rot="10800000">
-            <a:off x="4244728" y="1232105"/>
-            <a:ext cx="747031" cy="35758"/>
-          </a:xfrm>
-          <a:prstGeom prst="bentConnector3">
-            <a:avLst>
-              <a:gd name="adj1" fmla="val 50000"/>
-            </a:avLst>
-          </a:prstGeom>
-          <a:ln>
-            <a:headEnd type="none" w="med" len="med"/>
-            <a:tailEnd type="triangle" w="med" len="med"/>
-          </a:ln>
-        </p:spPr>
-        <p:style>
-          <a:lnRef idx="1">
-            <a:schemeClr val="dk1"/>
-          </a:lnRef>
-          <a:fillRef idx="0">
-            <a:schemeClr val="dk1"/>
-          </a:fillRef>
-          <a:effectRef idx="0">
-            <a:schemeClr val="dk1"/>
-          </a:effectRef>
-          <a:fontRef idx="minor">
-            <a:schemeClr val="tx1"/>
-          </a:fontRef>
-        </p:style>
-      </p:cxnSp>
-      <p:sp>
-        <p:nvSpPr>
-          <p:cNvPr id="70" name="Raute 69">
-            <a:extLst>
-              <a:ext uri="{FF2B5EF4-FFF2-40B4-BE49-F238E27FC236}">
-                <a16:creationId xmlns:a16="http://schemas.microsoft.com/office/drawing/2014/main" id="{D5031023-1F37-4DCE-8D4E-2FE312083711}"/>
-              </a:ext>
-            </a:extLst>
-          </p:cNvPr>
-          <p:cNvSpPr/>
-          <p:nvPr/>
-        </p:nvSpPr>
-        <p:spPr>
-          <a:xfrm rot="168924" flipH="1">
-            <a:off x="4725496" y="1176393"/>
-            <a:ext cx="252119" cy="235049"/>
-          </a:xfrm>
-          <a:prstGeom prst="diamond">
-            <a:avLst/>
-          </a:prstGeom>
-          <a:ln>
-            <a:headEnd type="none" w="med" len="med"/>
-            <a:tailEnd type="arrow" w="med" len="med"/>
-          </a:ln>
-        </p:spPr>
-        <p:style>
-          <a:lnRef idx="2">
-            <a:schemeClr val="dk1">
-              <a:shade val="50000"/>
-            </a:schemeClr>
-          </a:lnRef>
-          <a:fillRef idx="1">
-            <a:schemeClr val="dk1"/>
-          </a:fillRef>
-          <a:effectRef idx="0">
-            <a:schemeClr val="dk1"/>
-          </a:effectRef>
-          <a:fontRef idx="minor">
-            <a:schemeClr val="lt1"/>
-          </a:fontRef>
-        </p:style>
-        <p:txBody>
-          <a:bodyPr rtlCol="0" anchor="ctr"/>
-          <a:lstStyle/>
-          <a:p>
-            <a:pPr algn="ctr"/>
-            <a:endParaRPr lang="de-AT">
-              <a:latin typeface="Arial" panose="020B0604020202020204" pitchFamily="34" charset="0"/>
-              <a:cs typeface="Arial" panose="020B0604020202020204" pitchFamily="34" charset="0"/>
-            </a:endParaRPr>
-          </a:p>
-        </p:txBody>
-      </p:sp>
-    </p:spTree>
-    <p:extLst>
-      <p:ext uri="{BB962C8B-B14F-4D97-AF65-F5344CB8AC3E}">
-        <p14:creationId xmlns:p14="http://schemas.microsoft.com/office/powerpoint/2010/main" val="1626522489"/>
-      </p:ext>
-    </p:extLst>
-  </p:cSld>
-  <p:clrMapOvr>
-    <a:masterClrMapping/>
-  </p:clrMapOvr>
-</p:sld>
-</file>
-
-<file path=ppt/slides/slide2.xml><?xml version="1.0" encoding="utf-8"?>
-<p:sld xmlns:a="http://schemas.openxmlformats.org/drawingml/2006/main" xmlns:r="http://schemas.openxmlformats.org/officeDocument/2006/relationships" xmlns:p="http://schemas.openxmlformats.org/presentationml/2006/main">
-  <p:cSld>
-    <p:spTree>
-      <p:nvGrpSpPr>
-        <p:cNvPr id="1" name=""/>
-        <p:cNvGrpSpPr/>
-        <p:nvPr/>
-      </p:nvGrpSpPr>
-      <p:grpSpPr>
-        <a:xfrm>
-          <a:off x="0" y="0"/>
-          <a:ext cx="0" cy="0"/>
-          <a:chOff x="0" y="0"/>
-          <a:chExt cx="0" cy="0"/>
-        </a:xfrm>
-      </p:grpSpPr>
-      <p:grpSp>
-        <p:nvGrpSpPr>
-          <p:cNvPr id="2" name="Gruppieren 1">
-            <a:extLst>
-              <a:ext uri="{FF2B5EF4-FFF2-40B4-BE49-F238E27FC236}">
-                <a16:creationId xmlns:a16="http://schemas.microsoft.com/office/drawing/2014/main" id="{FEDF502F-0C4D-4425-83A6-F67C89004DBE}"/>
-              </a:ext>
-            </a:extLst>
-          </p:cNvPr>
-          <p:cNvGrpSpPr/>
-          <p:nvPr/>
-        </p:nvGrpSpPr>
-        <p:grpSpPr>
-          <a:xfrm>
-            <a:off x="4279375" y="134348"/>
-            <a:ext cx="2699125" cy="857572"/>
-            <a:chOff x="3484880" y="609600"/>
-            <a:chExt cx="2529840" cy="857572"/>
-          </a:xfrm>
-        </p:grpSpPr>
-        <p:sp>
-          <p:nvSpPr>
-            <p:cNvPr id="3" name="Rechteck 2">
-              <a:extLst>
-                <a:ext uri="{FF2B5EF4-FFF2-40B4-BE49-F238E27FC236}">
-                  <a16:creationId xmlns:a16="http://schemas.microsoft.com/office/drawing/2014/main" id="{B58B75DF-65AD-4B3C-B993-062D6F4F0380}"/>
-                </a:ext>
-              </a:extLst>
-            </p:cNvPr>
-            <p:cNvSpPr/>
-            <p:nvPr/>
-          </p:nvSpPr>
-          <p:spPr>
-            <a:xfrm>
-              <a:off x="3484880" y="609600"/>
-              <a:ext cx="2529840" cy="428786"/>
-            </a:xfrm>
-            <a:prstGeom prst="rect">
-              <a:avLst/>
-            </a:prstGeom>
-            <a:noFill/>
-            <a:ln w="9525" cap="flat" cmpd="sng" algn="ctr">
-              <a:solidFill>
-                <a:schemeClr val="dk1"/>
-              </a:solidFill>
-              <a:prstDash val="solid"/>
-              <a:round/>
-              <a:headEnd type="none" w="med" len="med"/>
-              <a:tailEnd type="arrow" w="med" len="med"/>
-            </a:ln>
-          </p:spPr>
-          <p:style>
-            <a:lnRef idx="0">
-              <a:scrgbClr r="0" g="0" b="0"/>
-            </a:lnRef>
-            <a:fillRef idx="0">
-              <a:scrgbClr r="0" g="0" b="0"/>
-            </a:fillRef>
-            <a:effectRef idx="0">
-              <a:scrgbClr r="0" g="0" b="0"/>
-            </a:effectRef>
-            <a:fontRef idx="minor">
-              <a:schemeClr val="dk1"/>
-            </a:fontRef>
-          </p:style>
-          <p:txBody>
-            <a:bodyPr rtlCol="0" anchor="ctr"/>
-            <a:lstStyle/>
-            <a:p>
-              <a:pPr algn="ctr"/>
-              <a:r>
-                <a:rPr lang="de-AT" sz="2000" b="1" dirty="0" err="1">
-                  <a:latin typeface="Arial" panose="020B0604020202020204" pitchFamily="34" charset="0"/>
-                  <a:cs typeface="Arial" panose="020B0604020202020204" pitchFamily="34" charset="0"/>
-                </a:rPr>
-                <a:t>InformationModel</a:t>
-              </a:r>
-              <a:endParaRPr lang="de-AT" sz="2000" b="1" dirty="0">
-                <a:latin typeface="Arial" panose="020B0604020202020204" pitchFamily="34" charset="0"/>
-                <a:cs typeface="Arial" panose="020B0604020202020204" pitchFamily="34" charset="0"/>
-              </a:endParaRPr>
-            </a:p>
-          </p:txBody>
-        </p:sp>
-        <p:sp>
-          <p:nvSpPr>
-            <p:cNvPr id="4" name="Rechteck 3">
-              <a:extLst>
-                <a:ext uri="{FF2B5EF4-FFF2-40B4-BE49-F238E27FC236}">
-                  <a16:creationId xmlns:a16="http://schemas.microsoft.com/office/drawing/2014/main" id="{7343B6AA-46F1-414D-A324-DB7B81A7228D}"/>
-                </a:ext>
-              </a:extLst>
-            </p:cNvPr>
-            <p:cNvSpPr/>
-            <p:nvPr/>
-          </p:nvSpPr>
-          <p:spPr>
-            <a:xfrm>
-              <a:off x="3484880" y="1038386"/>
-              <a:ext cx="2529840" cy="428786"/>
-            </a:xfrm>
-            <a:prstGeom prst="rect">
-              <a:avLst/>
-            </a:prstGeom>
-            <a:noFill/>
-            <a:ln w="9525" cap="flat" cmpd="sng" algn="ctr">
-              <a:solidFill>
-                <a:schemeClr val="dk1"/>
-              </a:solidFill>
-              <a:prstDash val="solid"/>
-              <a:round/>
-              <a:headEnd type="none" w="med" len="med"/>
-              <a:tailEnd type="arrow" w="med" len="med"/>
-            </a:ln>
-          </p:spPr>
-          <p:style>
-            <a:lnRef idx="0">
-              <a:scrgbClr r="0" g="0" b="0"/>
-            </a:lnRef>
-            <a:fillRef idx="0">
-              <a:scrgbClr r="0" g="0" b="0"/>
-            </a:fillRef>
-            <a:effectRef idx="0">
-              <a:scrgbClr r="0" g="0" b="0"/>
-            </a:effectRef>
-            <a:fontRef idx="minor">
-              <a:schemeClr val="dk1"/>
-            </a:fontRef>
-          </p:style>
-          <p:txBody>
-            <a:bodyPr rtlCol="0" anchor="ctr"/>
-            <a:lstStyle/>
-            <a:p>
-              <a:pPr algn="ctr"/>
-              <a:endParaRPr lang="de-AT" dirty="0">
-                <a:latin typeface="Arial" panose="020B0604020202020204" pitchFamily="34" charset="0"/>
-                <a:cs typeface="Arial" panose="020B0604020202020204" pitchFamily="34" charset="0"/>
-              </a:endParaRPr>
-            </a:p>
-          </p:txBody>
-        </p:sp>
-      </p:grpSp>
-      <p:grpSp>
-        <p:nvGrpSpPr>
-          <p:cNvPr id="8" name="Gruppieren 7">
-            <a:extLst>
-              <a:ext uri="{FF2B5EF4-FFF2-40B4-BE49-F238E27FC236}">
-                <a16:creationId xmlns:a16="http://schemas.microsoft.com/office/drawing/2014/main" id="{F7F731B2-C32E-4C89-9385-5098068227C6}"/>
-              </a:ext>
-            </a:extLst>
-          </p:cNvPr>
-          <p:cNvGrpSpPr/>
-          <p:nvPr/>
-        </p:nvGrpSpPr>
-        <p:grpSpPr>
-          <a:xfrm>
-            <a:off x="4321886" y="3921937"/>
-            <a:ext cx="2796542" cy="820424"/>
-            <a:chOff x="3484880" y="609600"/>
-            <a:chExt cx="2529840" cy="857572"/>
-          </a:xfrm>
-        </p:grpSpPr>
-        <p:sp>
-          <p:nvSpPr>
-            <p:cNvPr id="9" name="Rechteck 8">
-              <a:extLst>
-                <a:ext uri="{FF2B5EF4-FFF2-40B4-BE49-F238E27FC236}">
-                  <a16:creationId xmlns:a16="http://schemas.microsoft.com/office/drawing/2014/main" id="{E3051664-F034-4C0E-8A7D-910BF8D8C10D}"/>
-                </a:ext>
-              </a:extLst>
-            </p:cNvPr>
-            <p:cNvSpPr/>
-            <p:nvPr/>
-          </p:nvSpPr>
-          <p:spPr>
-            <a:xfrm>
-              <a:off x="3484880" y="609600"/>
-              <a:ext cx="2529840" cy="428786"/>
-            </a:xfrm>
-            <a:prstGeom prst="rect">
-              <a:avLst/>
-            </a:prstGeom>
-            <a:noFill/>
-            <a:ln w="9525" cap="flat" cmpd="sng" algn="ctr">
-              <a:solidFill>
-                <a:schemeClr val="dk1"/>
-              </a:solidFill>
-              <a:prstDash val="solid"/>
-              <a:round/>
-              <a:headEnd type="none" w="med" len="med"/>
-              <a:tailEnd type="arrow" w="med" len="med"/>
-            </a:ln>
-          </p:spPr>
-          <p:style>
-            <a:lnRef idx="0">
-              <a:scrgbClr r="0" g="0" b="0"/>
-            </a:lnRef>
-            <a:fillRef idx="0">
-              <a:scrgbClr r="0" g="0" b="0"/>
-            </a:fillRef>
-            <a:effectRef idx="0">
-              <a:scrgbClr r="0" g="0" b="0"/>
-            </a:effectRef>
-            <a:fontRef idx="minor">
-              <a:schemeClr val="dk1"/>
-            </a:fontRef>
-          </p:style>
-          <p:txBody>
-            <a:bodyPr rtlCol="0" anchor="ctr"/>
-            <a:lstStyle/>
-            <a:p>
-              <a:pPr algn="ctr"/>
-              <a:r>
-                <a:rPr lang="de-AT" b="1" dirty="0" err="1">
-                  <a:latin typeface="Arial" panose="020B0604020202020204" pitchFamily="34" charset="0"/>
-                  <a:cs typeface="Arial" panose="020B0604020202020204" pitchFamily="34" charset="0"/>
-                </a:rPr>
-                <a:t>FunctionBlock</a:t>
-              </a:r>
-              <a:r>
-                <a:rPr lang="de-AT" b="1" dirty="0">
-                  <a:latin typeface="Arial" panose="020B0604020202020204" pitchFamily="34" charset="0"/>
-                  <a:cs typeface="Arial" panose="020B0604020202020204" pitchFamily="34" charset="0"/>
-                </a:rPr>
-                <a:t> Model</a:t>
-              </a:r>
-            </a:p>
-          </p:txBody>
-        </p:sp>
-        <p:sp>
-          <p:nvSpPr>
-            <p:cNvPr id="10" name="Rechteck 9">
-              <a:extLst>
-                <a:ext uri="{FF2B5EF4-FFF2-40B4-BE49-F238E27FC236}">
-                  <a16:creationId xmlns:a16="http://schemas.microsoft.com/office/drawing/2014/main" id="{82B7E356-DF17-4979-A139-02CD4F78022B}"/>
-                </a:ext>
-              </a:extLst>
-            </p:cNvPr>
-            <p:cNvSpPr/>
-            <p:nvPr/>
-          </p:nvSpPr>
-          <p:spPr>
-            <a:xfrm>
-              <a:off x="3484880" y="1038386"/>
-              <a:ext cx="2529840" cy="428786"/>
-            </a:xfrm>
-            <a:prstGeom prst="rect">
-              <a:avLst/>
-            </a:prstGeom>
-            <a:noFill/>
-            <a:ln w="9525" cap="flat" cmpd="sng" algn="ctr">
-              <a:solidFill>
-                <a:schemeClr val="dk1"/>
-              </a:solidFill>
-              <a:prstDash val="solid"/>
-              <a:round/>
-              <a:headEnd type="none" w="med" len="med"/>
-              <a:tailEnd type="arrow" w="med" len="med"/>
-            </a:ln>
-          </p:spPr>
-          <p:style>
-            <a:lnRef idx="0">
-              <a:scrgbClr r="0" g="0" b="0"/>
-            </a:lnRef>
-            <a:fillRef idx="0">
-              <a:scrgbClr r="0" g="0" b="0"/>
-            </a:fillRef>
-            <a:effectRef idx="0">
-              <a:scrgbClr r="0" g="0" b="0"/>
-            </a:effectRef>
-            <a:fontRef idx="minor">
-              <a:schemeClr val="dk1"/>
-            </a:fontRef>
-          </p:style>
-          <p:txBody>
-            <a:bodyPr rtlCol="0" anchor="ctr"/>
-            <a:lstStyle/>
-            <a:p>
-              <a:r>
-                <a:rPr lang="de-AT" dirty="0" err="1">
-                  <a:latin typeface="Arial" panose="020B0604020202020204" pitchFamily="34" charset="0"/>
-                  <a:cs typeface="Arial" panose="020B0604020202020204" pitchFamily="34" charset="0"/>
-                </a:rPr>
-                <a:t>Entities</a:t>
-              </a:r>
-              <a:r>
-                <a:rPr lang="de-AT" dirty="0">
-                  <a:latin typeface="Arial" panose="020B0604020202020204" pitchFamily="34" charset="0"/>
-                  <a:cs typeface="Arial" panose="020B0604020202020204" pitchFamily="34" charset="0"/>
-                </a:rPr>
-                <a:t>: Entity</a:t>
-              </a:r>
-            </a:p>
-            <a:p>
-              <a:r>
-                <a:rPr lang="de-AT" dirty="0" err="1">
-                  <a:latin typeface="Arial" panose="020B0604020202020204" pitchFamily="34" charset="0"/>
-                  <a:cs typeface="Arial" panose="020B0604020202020204" pitchFamily="34" charset="0"/>
-                </a:rPr>
-                <a:t>Enums</a:t>
-              </a:r>
-              <a:r>
-                <a:rPr lang="de-AT" dirty="0">
-                  <a:latin typeface="Arial" panose="020B0604020202020204" pitchFamily="34" charset="0"/>
-                  <a:cs typeface="Arial" panose="020B0604020202020204" pitchFamily="34" charset="0"/>
-                </a:rPr>
-                <a:t>: </a:t>
-              </a:r>
-              <a:r>
-                <a:rPr lang="de-AT" dirty="0" err="1">
-                  <a:latin typeface="Arial" panose="020B0604020202020204" pitchFamily="34" charset="0"/>
-                  <a:cs typeface="Arial" panose="020B0604020202020204" pitchFamily="34" charset="0"/>
-                </a:rPr>
-                <a:t>Enum</a:t>
-              </a:r>
-              <a:endParaRPr lang="de-AT" dirty="0">
                 <a:latin typeface="Arial" panose="020B0604020202020204" pitchFamily="34" charset="0"/>
                 <a:cs typeface="Arial" panose="020B0604020202020204" pitchFamily="34" charset="0"/>
               </a:endParaRPr>
@@ -6679,9 +6424,9 @@
         <p:grpSpPr>
           <a:xfrm>
             <a:off x="4628470" y="5635794"/>
-            <a:ext cx="2170673" cy="1376784"/>
+            <a:ext cx="2170673" cy="988918"/>
             <a:chOff x="6014721" y="2009063"/>
-            <a:chExt cx="2529840" cy="938883"/>
+            <a:chExt cx="2529840" cy="674382"/>
           </a:xfrm>
         </p:grpSpPr>
         <p:sp>
@@ -6763,7 +6508,7 @@
           <p:spPr>
             <a:xfrm>
               <a:off x="6014721" y="2437947"/>
-              <a:ext cx="2529840" cy="509999"/>
+              <a:ext cx="2529840" cy="245498"/>
             </a:xfrm>
             <a:prstGeom prst="rect">
               <a:avLst/>
@@ -6817,38 +6562,31 @@
           <p:cNvCxnSpPr>
             <a:cxnSpLocks/>
             <a:stCxn id="10" idx="2"/>
+            <a:endCxn id="21" idx="0"/>
           </p:cNvCxnSpPr>
           <p:nvPr/>
         </p:nvCxnSpPr>
         <p:spPr>
-          <a:xfrm rot="16200000" flipH="1">
-            <a:off x="5293362" y="5169156"/>
-            <a:ext cx="893288" cy="39698"/>
+          <a:xfrm rot="5400000">
+            <a:off x="5336817" y="5252453"/>
+            <a:ext cx="760331" cy="6350"/>
           </a:xfrm>
           <a:prstGeom prst="bentConnector3">
             <a:avLst>
               <a:gd name="adj1" fmla="val 50000"/>
             </a:avLst>
           </a:prstGeom>
-          <a:ln>
-            <a:headEnd type="none" w="med" len="med"/>
-            <a:tailEnd type="arrow" w="med" len="med"/>
+          <a:noFill/>
+          <a:ln w="12700" cap="flat" cmpd="sng">
+            <a:solidFill>
+              <a:schemeClr val="dk1"/>
+            </a:solidFill>
+            <a:prstDash val="solid"/>
+            <a:miter lim="800000"/>
+            <a:headEnd type="none" w="sm" len="sm"/>
+            <a:tailEnd type="triangle" w="lg" len="lg"/>
           </a:ln>
         </p:spPr>
-        <p:style>
-          <a:lnRef idx="1">
-            <a:schemeClr val="dk1"/>
-          </a:lnRef>
-          <a:fillRef idx="0">
-            <a:schemeClr val="dk1"/>
-          </a:fillRef>
-          <a:effectRef idx="0">
-            <a:schemeClr val="dk1"/>
-          </a:effectRef>
-          <a:fontRef idx="minor">
-            <a:schemeClr val="tx1"/>
-          </a:fontRef>
-        </p:style>
       </p:cxnSp>
       <p:grpSp>
         <p:nvGrpSpPr>
@@ -6864,7 +6602,7 @@
         </p:nvGrpSpPr>
         <p:grpSpPr>
           <a:xfrm>
-            <a:off x="4260826" y="1802339"/>
+            <a:off x="4317978" y="1802339"/>
             <a:ext cx="2796542" cy="1516270"/>
             <a:chOff x="3484880" y="609600"/>
             <a:chExt cx="2529840" cy="1584925"/>
@@ -6984,57 +6722,83 @@
             <a:lstStyle/>
             <a:p>
               <a:r>
-                <a:rPr lang="de-AT" dirty="0">
-                  <a:latin typeface="Arial" panose="020B0604020202020204" pitchFamily="34" charset="0"/>
-                  <a:cs typeface="Arial" panose="020B0604020202020204" pitchFamily="34" charset="0"/>
-                </a:rPr>
-                <a:t>Name: String</a:t>
-              </a:r>
-            </a:p>
-            <a:p>
-              <a:r>
-                <a:rPr lang="de-AT" dirty="0">
-                  <a:latin typeface="Arial" panose="020B0604020202020204" pitchFamily="34" charset="0"/>
-                  <a:cs typeface="Arial" panose="020B0604020202020204" pitchFamily="34" charset="0"/>
-                </a:rPr>
-                <a:t>Description: String</a:t>
-              </a:r>
-            </a:p>
-            <a:p>
-              <a:r>
-                <a:rPr lang="de-AT" dirty="0" err="1">
-                  <a:latin typeface="Arial" panose="020B0604020202020204" pitchFamily="34" charset="0"/>
-                  <a:cs typeface="Arial" panose="020B0604020202020204" pitchFamily="34" charset="0"/>
-                </a:rPr>
-                <a:t>Multiplicity</a:t>
-              </a:r>
-              <a:r>
-                <a:rPr lang="de-AT" dirty="0">
-                  <a:latin typeface="Arial" panose="020B0604020202020204" pitchFamily="34" charset="0"/>
-                  <a:cs typeface="Arial" panose="020B0604020202020204" pitchFamily="34" charset="0"/>
-                </a:rPr>
-                <a:t>: </a:t>
-              </a:r>
-              <a:r>
-                <a:rPr lang="de-AT" dirty="0" err="1">
-                  <a:latin typeface="Arial" panose="020B0604020202020204" pitchFamily="34" charset="0"/>
-                  <a:cs typeface="Arial" panose="020B0604020202020204" pitchFamily="34" charset="0"/>
-                </a:rPr>
-                <a:t>bool</a:t>
-              </a:r>
-              <a:endParaRPr lang="de-AT" dirty="0">
+                <a:rPr lang="de-AT" sz="1600" dirty="0">
+                  <a:latin typeface="Arial" panose="020B0604020202020204" pitchFamily="34" charset="0"/>
+                  <a:cs typeface="Arial" panose="020B0604020202020204" pitchFamily="34" charset="0"/>
+                </a:rPr>
+                <a:t>String </a:t>
+              </a:r>
+              <a:r>
+                <a:rPr lang="de-AT" sz="1600" dirty="0" err="1">
+                  <a:latin typeface="Arial" panose="020B0604020202020204" pitchFamily="34" charset="0"/>
+                  <a:cs typeface="Arial" panose="020B0604020202020204" pitchFamily="34" charset="0"/>
+                </a:rPr>
+                <a:t>name</a:t>
+              </a:r>
+              <a:endParaRPr lang="de-AT" sz="1600" dirty="0">
                 <a:latin typeface="Arial" panose="020B0604020202020204" pitchFamily="34" charset="0"/>
                 <a:cs typeface="Arial" panose="020B0604020202020204" pitchFamily="34" charset="0"/>
               </a:endParaRPr>
             </a:p>
             <a:p>
               <a:r>
-                <a:rPr lang="de-AT" dirty="0">
-                  <a:latin typeface="Arial" panose="020B0604020202020204" pitchFamily="34" charset="0"/>
-                  <a:cs typeface="Arial" panose="020B0604020202020204" pitchFamily="34" charset="0"/>
-                </a:rPr>
-                <a:t>Presence: Presence</a:t>
-              </a:r>
+                <a:rPr lang="de-AT" sz="1600" dirty="0">
+                  <a:latin typeface="Arial" panose="020B0604020202020204" pitchFamily="34" charset="0"/>
+                  <a:cs typeface="Arial" panose="020B0604020202020204" pitchFamily="34" charset="0"/>
+                </a:rPr>
+                <a:t>String </a:t>
+              </a:r>
+              <a:r>
+                <a:rPr lang="de-AT" sz="1600" dirty="0" err="1">
+                  <a:latin typeface="Arial" panose="020B0604020202020204" pitchFamily="34" charset="0"/>
+                  <a:cs typeface="Arial" panose="020B0604020202020204" pitchFamily="34" charset="0"/>
+                </a:rPr>
+                <a:t>description</a:t>
+              </a:r>
+              <a:endParaRPr lang="de-AT" sz="1600" dirty="0">
+                <a:latin typeface="Arial" panose="020B0604020202020204" pitchFamily="34" charset="0"/>
+                <a:cs typeface="Arial" panose="020B0604020202020204" pitchFamily="34" charset="0"/>
+              </a:endParaRPr>
+            </a:p>
+            <a:p>
+              <a:r>
+                <a:rPr lang="de-AT" sz="1600" dirty="0">
+                  <a:latin typeface="Arial" panose="020B0604020202020204" pitchFamily="34" charset="0"/>
+                  <a:cs typeface="Arial" panose="020B0604020202020204" pitchFamily="34" charset="0"/>
+                </a:rPr>
+                <a:t>Boolean </a:t>
+              </a:r>
+              <a:r>
+                <a:rPr lang="de-AT" sz="1600" dirty="0" err="1">
+                  <a:latin typeface="Arial" panose="020B0604020202020204" pitchFamily="34" charset="0"/>
+                  <a:cs typeface="Arial" panose="020B0604020202020204" pitchFamily="34" charset="0"/>
+                </a:rPr>
+                <a:t>multiplicity</a:t>
+              </a:r>
+              <a:endParaRPr lang="de-AT" sz="1600" dirty="0">
+                <a:latin typeface="Arial" panose="020B0604020202020204" pitchFamily="34" charset="0"/>
+                <a:cs typeface="Arial" panose="020B0604020202020204" pitchFamily="34" charset="0"/>
+              </a:endParaRPr>
+            </a:p>
+            <a:p>
+              <a:r>
+                <a:rPr lang="de-AT" sz="1600" dirty="0">
+                  <a:latin typeface="Arial" panose="020B0604020202020204" pitchFamily="34" charset="0"/>
+                  <a:cs typeface="Arial" panose="020B0604020202020204" pitchFamily="34" charset="0"/>
+                </a:rPr>
+                <a:t>Presence </a:t>
+              </a:r>
+              <a:r>
+                <a:rPr lang="de-AT" sz="1600" dirty="0" err="1">
+                  <a:latin typeface="Arial" panose="020B0604020202020204" pitchFamily="34" charset="0"/>
+                  <a:cs typeface="Arial" panose="020B0604020202020204" pitchFamily="34" charset="0"/>
+                </a:rPr>
+                <a:t>presence</a:t>
+              </a:r>
+              <a:endParaRPr lang="de-AT" sz="1600" dirty="0">
+                <a:latin typeface="Arial" panose="020B0604020202020204" pitchFamily="34" charset="0"/>
+                <a:cs typeface="Arial" panose="020B0604020202020204" pitchFamily="34" charset="0"/>
+              </a:endParaRPr>
             </a:p>
           </p:txBody>
         </p:sp>
@@ -7057,33 +6821,25 @@
         </p:nvCxnSpPr>
         <p:spPr>
           <a:xfrm rot="16200000" flipH="1">
-            <a:off x="5387963" y="3589743"/>
-            <a:ext cx="603328" cy="61060"/>
+            <a:off x="5416539" y="3618319"/>
+            <a:ext cx="603328" cy="3908"/>
           </a:xfrm>
           <a:prstGeom prst="bentConnector3">
             <a:avLst>
               <a:gd name="adj1" fmla="val 50000"/>
             </a:avLst>
           </a:prstGeom>
-          <a:ln>
-            <a:headEnd type="none" w="med" len="med"/>
-            <a:tailEnd type="arrow" w="med" len="med"/>
+          <a:noFill/>
+          <a:ln w="12700" cap="flat" cmpd="sng">
+            <a:solidFill>
+              <a:schemeClr val="dk1"/>
+            </a:solidFill>
+            <a:prstDash val="solid"/>
+            <a:miter lim="800000"/>
+            <a:headEnd type="none" w="sm" len="sm"/>
+            <a:tailEnd type="triangle" w="lg" len="lg"/>
           </a:ln>
         </p:spPr>
-        <p:style>
-          <a:lnRef idx="1">
-            <a:schemeClr val="dk1"/>
-          </a:lnRef>
-          <a:fillRef idx="0">
-            <a:schemeClr val="dk1"/>
-          </a:fillRef>
-          <a:effectRef idx="0">
-            <a:schemeClr val="dk1"/>
-          </a:effectRef>
-          <a:fontRef idx="minor">
-            <a:schemeClr val="tx1"/>
-          </a:fontRef>
-        </p:style>
       </p:cxnSp>
       <p:grpSp>
         <p:nvGrpSpPr>
@@ -7099,10 +6855,10 @@
         </p:nvGrpSpPr>
         <p:grpSpPr>
           <a:xfrm>
-            <a:off x="5659102" y="1030655"/>
-            <a:ext cx="222893" cy="771683"/>
-            <a:chOff x="5340987" y="-452394"/>
-            <a:chExt cx="201415" cy="823438"/>
+            <a:off x="5611152" y="972836"/>
+            <a:ext cx="180000" cy="829502"/>
+            <a:chOff x="5297652" y="-514090"/>
+            <a:chExt cx="162655" cy="885134"/>
           </a:xfrm>
         </p:grpSpPr>
         <p:sp>
@@ -7119,33 +6875,25 @@
           </p:nvSpPr>
           <p:spPr>
             <a:xfrm flipH="1">
-              <a:off x="5371781" y="-452394"/>
-              <a:ext cx="170621" cy="277558"/>
+              <a:off x="5297652" y="-514090"/>
+              <a:ext cx="162655" cy="268901"/>
             </a:xfrm>
             <a:prstGeom prst="diamond">
               <a:avLst/>
             </a:prstGeom>
-            <a:ln>
-              <a:headEnd type="none" w="med" len="med"/>
-              <a:tailEnd type="arrow" w="med" len="med"/>
+            <a:solidFill>
+              <a:schemeClr val="tx1"/>
+            </a:solidFill>
+            <a:ln w="12700" cap="flat" cmpd="sng">
+              <a:solidFill>
+                <a:schemeClr val="dk1"/>
+              </a:solidFill>
+              <a:prstDash val="solid"/>
+              <a:miter lim="800000"/>
+              <a:headEnd type="none" w="sm" len="sm"/>
+              <a:tailEnd type="triangle" w="lg" len="lg"/>
             </a:ln>
           </p:spPr>
-          <p:style>
-            <a:lnRef idx="2">
-              <a:schemeClr val="dk1">
-                <a:shade val="50000"/>
-              </a:schemeClr>
-            </a:lnRef>
-            <a:fillRef idx="1">
-              <a:schemeClr val="dk1"/>
-            </a:fillRef>
-            <a:effectRef idx="0">
-              <a:schemeClr val="dk1"/>
-            </a:effectRef>
-            <a:fontRef idx="minor">
-              <a:schemeClr val="lt1"/>
-            </a:fontRef>
-          </p:style>
           <p:txBody>
             <a:bodyPr rtlCol="0" anchor="ctr"/>
             <a:lstStyle/>
@@ -7175,34 +6923,26 @@
             <p:nvPr/>
           </p:nvCxnSpPr>
           <p:spPr>
-            <a:xfrm rot="5400000">
-              <a:off x="5126099" y="40051"/>
-              <a:ext cx="545881" cy="116106"/>
+            <a:xfrm rot="16200000" flipH="1">
+              <a:off x="5077684" y="56106"/>
+              <a:ext cx="616234" cy="13642"/>
             </a:xfrm>
             <a:prstGeom prst="bentConnector3">
               <a:avLst>
                 <a:gd name="adj1" fmla="val 50000"/>
               </a:avLst>
             </a:prstGeom>
-            <a:ln>
-              <a:headEnd type="none" w="med" len="med"/>
-              <a:tailEnd type="arrow" w="med" len="med"/>
+            <a:noFill/>
+            <a:ln w="12700" cap="flat" cmpd="sng">
+              <a:solidFill>
+                <a:schemeClr val="dk1"/>
+              </a:solidFill>
+              <a:prstDash val="solid"/>
+              <a:miter lim="800000"/>
+              <a:headEnd type="none" w="sm" len="sm"/>
+              <a:tailEnd type="triangle" w="lg" len="lg"/>
             </a:ln>
           </p:spPr>
-          <p:style>
-            <a:lnRef idx="1">
-              <a:schemeClr val="dk1"/>
-            </a:lnRef>
-            <a:fillRef idx="0">
-              <a:schemeClr val="dk1"/>
-            </a:fillRef>
-            <a:effectRef idx="0">
-              <a:schemeClr val="dk1"/>
-            </a:effectRef>
-            <a:fontRef idx="minor">
-              <a:schemeClr val="tx1"/>
-            </a:fontRef>
-          </p:style>
         </p:cxnSp>
       </p:grpSp>
       <p:sp>
@@ -7231,7 +6971,14 @@
           <a:bodyPr wrap="none" rtlCol="0">
             <a:spAutoFit/>
           </a:bodyPr>
-          <a:lstStyle/>
+          <a:lstStyle>
+            <a:defPPr>
+              <a:defRPr lang="de-DE"/>
+            </a:defPPr>
+            <a:lvl1pPr>
+              <a:defRPr sz="1400"/>
+            </a:lvl1pPr>
+          </a:lstStyle>
           <a:p>
             <a:r>
               <a:rPr lang="de-AT" dirty="0"/>
@@ -7254,8 +7001,8 @@
         </p:nvSpPr>
         <p:spPr>
           <a:xfrm>
-            <a:off x="4528174" y="3605525"/>
-            <a:ext cx="1146468" cy="369332"/>
+            <a:off x="4669583" y="3603906"/>
+            <a:ext cx="933269" cy="307777"/>
           </a:xfrm>
           <a:prstGeom prst="rect">
             <a:avLst/>
@@ -7266,7 +7013,14 @@
           <a:bodyPr wrap="none" rtlCol="0">
             <a:spAutoFit/>
           </a:bodyPr>
-          <a:lstStyle/>
+          <a:lstStyle>
+            <a:defPPr>
+              <a:defRPr lang="de-DE"/>
+            </a:defPPr>
+            <a:lvl1pPr>
+              <a:defRPr sz="1400"/>
+            </a:lvl1pPr>
+          </a:lstStyle>
           <a:p>
             <a:r>
               <a:rPr lang="de-AT" dirty="0"/>
@@ -7289,8 +7043,8 @@
         </p:nvGrpSpPr>
         <p:grpSpPr>
           <a:xfrm>
-            <a:off x="1085398" y="4269762"/>
-            <a:ext cx="2796542" cy="820424"/>
+            <a:off x="8301821" y="5854356"/>
+            <a:ext cx="1971145" cy="820424"/>
             <a:chOff x="3484880" y="609600"/>
             <a:chExt cx="2529840" cy="857572"/>
           </a:xfrm>
@@ -7406,27 +7160,27 @@
             <a:p>
               <a:pPr algn="ctr"/>
               <a:r>
-                <a:rPr lang="de-AT" dirty="0" err="1">
-                  <a:latin typeface="Arial" panose="020B0604020202020204" pitchFamily="34" charset="0"/>
-                  <a:cs typeface="Arial" panose="020B0604020202020204" pitchFamily="34" charset="0"/>
-                </a:rPr>
-                <a:t>Mandatory</a:t>
-              </a:r>
-              <a:r>
-                <a:rPr lang="de-AT" dirty="0">
-                  <a:latin typeface="Arial" panose="020B0604020202020204" pitchFamily="34" charset="0"/>
-                  <a:cs typeface="Arial" panose="020B0604020202020204" pitchFamily="34" charset="0"/>
-                </a:rPr>
-                <a:t>: </a:t>
-              </a:r>
-              <a:r>
-                <a:rPr lang="de-AT" dirty="0" err="1">
-                  <a:latin typeface="Arial" panose="020B0604020202020204" pitchFamily="34" charset="0"/>
-                  <a:cs typeface="Arial" panose="020B0604020202020204" pitchFamily="34" charset="0"/>
-                </a:rPr>
-                <a:t>bool</a:t>
-              </a:r>
-              <a:endParaRPr lang="de-AT" dirty="0">
+                <a:rPr lang="de-AT" sz="1600" i="1" dirty="0">
+                  <a:latin typeface="Arial" panose="020B0604020202020204" pitchFamily="34" charset="0"/>
+                  <a:cs typeface="Arial" panose="020B0604020202020204" pitchFamily="34" charset="0"/>
+                </a:rPr>
+                <a:t>Boolean</a:t>
+              </a:r>
+              <a:r>
+                <a:rPr lang="de-AT" sz="1600" dirty="0">
+                  <a:latin typeface="Arial" panose="020B0604020202020204" pitchFamily="34" charset="0"/>
+                  <a:cs typeface="Arial" panose="020B0604020202020204" pitchFamily="34" charset="0"/>
+                </a:rPr>
+                <a:t> </a:t>
+              </a:r>
+              <a:r>
+                <a:rPr lang="de-AT" sz="1600" dirty="0" err="1">
+                  <a:latin typeface="Arial" panose="020B0604020202020204" pitchFamily="34" charset="0"/>
+                  <a:cs typeface="Arial" panose="020B0604020202020204" pitchFamily="34" charset="0"/>
+                </a:rPr>
+                <a:t>mandatory</a:t>
+              </a:r>
+              <a:endParaRPr lang="de-AT" sz="1600" dirty="0">
                 <a:latin typeface="Arial" panose="020B0604020202020204" pitchFamily="34" charset="0"/>
                 <a:cs typeface="Arial" panose="020B0604020202020204" pitchFamily="34" charset="0"/>
               </a:endParaRPr>
@@ -7452,33 +7206,25 @@
         </p:nvCxnSpPr>
         <p:spPr>
           <a:xfrm rot="10800000" flipH="1" flipV="1">
-            <a:off x="4260826" y="2765580"/>
-            <a:ext cx="367644" cy="3184602"/>
+            <a:off x="4317978" y="2765579"/>
+            <a:ext cx="310492" cy="3184601"/>
           </a:xfrm>
           <a:prstGeom prst="bentConnector3">
             <a:avLst>
-              <a:gd name="adj1" fmla="val -62180"/>
+              <a:gd name="adj1" fmla="val -73625"/>
             </a:avLst>
           </a:prstGeom>
-          <a:ln>
-            <a:headEnd type="none" w="med" len="med"/>
-            <a:tailEnd type="arrow" w="med" len="med"/>
+          <a:noFill/>
+          <a:ln w="12700" cap="flat" cmpd="sng">
+            <a:solidFill>
+              <a:schemeClr val="dk1"/>
+            </a:solidFill>
+            <a:prstDash val="solid"/>
+            <a:miter lim="800000"/>
+            <a:headEnd type="none" w="sm" len="sm"/>
+            <a:tailEnd type="triangle" w="lg" len="lg"/>
           </a:ln>
         </p:spPr>
-        <p:style>
-          <a:lnRef idx="1">
-            <a:schemeClr val="dk1"/>
-          </a:lnRef>
-          <a:fillRef idx="0">
-            <a:schemeClr val="dk1"/>
-          </a:fillRef>
-          <a:effectRef idx="0">
-            <a:schemeClr val="dk1"/>
-          </a:effectRef>
-          <a:fontRef idx="minor">
-            <a:schemeClr val="tx1"/>
-          </a:fontRef>
-        </p:style>
       </p:cxnSp>
       <p:sp>
         <p:nvSpPr>
@@ -7494,8 +7240,8 @@
         </p:nvSpPr>
         <p:spPr>
           <a:xfrm>
-            <a:off x="1866053" y="5922710"/>
-            <a:ext cx="2933367" cy="369332"/>
+            <a:off x="3374933" y="6023180"/>
+            <a:ext cx="1294650" cy="523220"/>
           </a:xfrm>
           <a:prstGeom prst="rect">
             <a:avLst/>
@@ -7509,14 +7255,21 @@
           <a:lstStyle/>
           <a:p>
             <a:r>
-              <a:rPr lang="de-AT" dirty="0"/>
+              <a:rPr lang="de-AT" sz="1400" dirty="0"/>
               <a:t>[0..1] </a:t>
             </a:r>
             <a:r>
-              <a:rPr lang="de-AT" dirty="0" err="1"/>
-              <a:t>extendedFunctionBlock</a:t>
-            </a:r>
-            <a:endParaRPr lang="de-AT" dirty="0"/>
+              <a:rPr lang="de-AT" sz="1400" dirty="0" err="1"/>
+              <a:t>extended</a:t>
+            </a:r>
+            <a:br>
+              <a:rPr lang="de-AT" sz="1400" dirty="0"/>
+            </a:br>
+            <a:r>
+              <a:rPr lang="de-AT" sz="1400" dirty="0" err="1"/>
+              <a:t>FunctionBlock</a:t>
+            </a:r>
+            <a:endParaRPr lang="de-AT" sz="1400" dirty="0"/>
           </a:p>
         </p:txBody>
       </p:sp>
@@ -7534,10 +7287,10 @@
         </p:nvGrpSpPr>
         <p:grpSpPr>
           <a:xfrm>
-            <a:off x="8859264" y="3684461"/>
-            <a:ext cx="2796542" cy="2716980"/>
+            <a:off x="8809531" y="3646826"/>
+            <a:ext cx="2796542" cy="1988823"/>
             <a:chOff x="3484880" y="609600"/>
-            <a:chExt cx="2529840" cy="2840002"/>
+            <a:chExt cx="2529840" cy="2078875"/>
           </a:xfrm>
         </p:grpSpPr>
         <p:sp>
@@ -7629,7 +7382,7 @@
           <p:spPr>
             <a:xfrm>
               <a:off x="3484880" y="1038386"/>
-              <a:ext cx="2529840" cy="2411216"/>
+              <a:ext cx="2529840" cy="1650089"/>
             </a:xfrm>
             <a:prstGeom prst="rect">
               <a:avLst/>
@@ -7664,93 +7417,118 @@
             <a:lstStyle/>
             <a:p>
               <a:r>
-                <a:rPr lang="de-AT" dirty="0">
-                  <a:latin typeface="Arial" panose="020B0604020202020204" pitchFamily="34" charset="0"/>
-                  <a:cs typeface="Arial" panose="020B0604020202020204" pitchFamily="34" charset="0"/>
-                </a:rPr>
-                <a:t>Name: String</a:t>
-              </a:r>
+                <a:rPr lang="de-AT" sz="1600" dirty="0">
+                  <a:latin typeface="Arial" panose="020B0604020202020204" pitchFamily="34" charset="0"/>
+                  <a:cs typeface="Arial" panose="020B0604020202020204" pitchFamily="34" charset="0"/>
+                </a:rPr>
+                <a:t>String </a:t>
+              </a:r>
+              <a:r>
+                <a:rPr lang="de-AT" sz="1600" dirty="0" err="1">
+                  <a:latin typeface="Arial" panose="020B0604020202020204" pitchFamily="34" charset="0"/>
+                  <a:cs typeface="Arial" panose="020B0604020202020204" pitchFamily="34" charset="0"/>
+                </a:rPr>
+                <a:t>name</a:t>
+              </a:r>
+              <a:endParaRPr lang="de-AT" sz="1600" dirty="0">
+                <a:latin typeface="Arial" panose="020B0604020202020204" pitchFamily="34" charset="0"/>
+                <a:cs typeface="Arial" panose="020B0604020202020204" pitchFamily="34" charset="0"/>
+              </a:endParaRPr>
             </a:p>
             <a:p>
               <a:r>
-                <a:rPr lang="de-AT" dirty="0">
-                  <a:latin typeface="Arial" panose="020B0604020202020204" pitchFamily="34" charset="0"/>
-                  <a:cs typeface="Arial" panose="020B0604020202020204" pitchFamily="34" charset="0"/>
-                </a:rPr>
-                <a:t>Namespace: String</a:t>
-              </a:r>
+                <a:rPr lang="de-AT" sz="1600" dirty="0">
+                  <a:latin typeface="Arial" panose="020B0604020202020204" pitchFamily="34" charset="0"/>
+                  <a:cs typeface="Arial" panose="020B0604020202020204" pitchFamily="34" charset="0"/>
+                </a:rPr>
+                <a:t>String </a:t>
+              </a:r>
+              <a:r>
+                <a:rPr lang="de-AT" sz="1600" dirty="0" err="1">
+                  <a:latin typeface="Arial" panose="020B0604020202020204" pitchFamily="34" charset="0"/>
+                  <a:cs typeface="Arial" panose="020B0604020202020204" pitchFamily="34" charset="0"/>
+                </a:rPr>
+                <a:t>version</a:t>
+              </a:r>
+              <a:endParaRPr lang="de-AT" sz="1600" dirty="0">
+                <a:latin typeface="Arial" panose="020B0604020202020204" pitchFamily="34" charset="0"/>
+                <a:cs typeface="Arial" panose="020B0604020202020204" pitchFamily="34" charset="0"/>
+              </a:endParaRPr>
             </a:p>
             <a:p>
               <a:r>
-                <a:rPr lang="de-AT" dirty="0">
-                  <a:latin typeface="Arial" panose="020B0604020202020204" pitchFamily="34" charset="0"/>
-                  <a:cs typeface="Arial" panose="020B0604020202020204" pitchFamily="34" charset="0"/>
-                </a:rPr>
-                <a:t>Version: String</a:t>
-              </a:r>
+                <a:rPr lang="de-AT" sz="1600" dirty="0">
+                  <a:latin typeface="Arial" panose="020B0604020202020204" pitchFamily="34" charset="0"/>
+                  <a:cs typeface="Arial" panose="020B0604020202020204" pitchFamily="34" charset="0"/>
+                </a:rPr>
+                <a:t>String </a:t>
+              </a:r>
+              <a:r>
+                <a:rPr lang="de-AT" sz="1600" dirty="0" err="1">
+                  <a:latin typeface="Arial" panose="020B0604020202020204" pitchFamily="34" charset="0"/>
+                  <a:cs typeface="Arial" panose="020B0604020202020204" pitchFamily="34" charset="0"/>
+                </a:rPr>
+                <a:t>description</a:t>
+              </a:r>
+              <a:endParaRPr lang="de-AT" sz="1600" dirty="0">
+                <a:latin typeface="Arial" panose="020B0604020202020204" pitchFamily="34" charset="0"/>
+                <a:cs typeface="Arial" panose="020B0604020202020204" pitchFamily="34" charset="0"/>
+              </a:endParaRPr>
             </a:p>
             <a:p>
               <a:r>
-                <a:rPr lang="de-AT" dirty="0">
-                  <a:latin typeface="Arial" panose="020B0604020202020204" pitchFamily="34" charset="0"/>
-                  <a:cs typeface="Arial" panose="020B0604020202020204" pitchFamily="34" charset="0"/>
-                </a:rPr>
-                <a:t>Description: String</a:t>
-              </a:r>
+                <a:rPr lang="de-AT" sz="1600" dirty="0">
+                  <a:latin typeface="Arial" panose="020B0604020202020204" pitchFamily="34" charset="0"/>
+                  <a:cs typeface="Arial" panose="020B0604020202020204" pitchFamily="34" charset="0"/>
+                </a:rPr>
+                <a:t>String </a:t>
+              </a:r>
+              <a:r>
+                <a:rPr lang="de-AT" sz="1600" dirty="0" err="1">
+                  <a:latin typeface="Arial" panose="020B0604020202020204" pitchFamily="34" charset="0"/>
+                  <a:cs typeface="Arial" panose="020B0604020202020204" pitchFamily="34" charset="0"/>
+                </a:rPr>
+                <a:t>displayName</a:t>
+              </a:r>
+              <a:endParaRPr lang="de-AT" sz="1600" dirty="0">
+                <a:latin typeface="Arial" panose="020B0604020202020204" pitchFamily="34" charset="0"/>
+                <a:cs typeface="Arial" panose="020B0604020202020204" pitchFamily="34" charset="0"/>
+              </a:endParaRPr>
             </a:p>
             <a:p>
               <a:r>
-                <a:rPr lang="de-AT" dirty="0" err="1">
-                  <a:latin typeface="Arial" panose="020B0604020202020204" pitchFamily="34" charset="0"/>
-                  <a:cs typeface="Arial" panose="020B0604020202020204" pitchFamily="34" charset="0"/>
-                </a:rPr>
-                <a:t>displayName</a:t>
-              </a:r>
-              <a:r>
-                <a:rPr lang="de-AT" dirty="0">
-                  <a:latin typeface="Arial" panose="020B0604020202020204" pitchFamily="34" charset="0"/>
-                  <a:cs typeface="Arial" panose="020B0604020202020204" pitchFamily="34" charset="0"/>
-                </a:rPr>
-                <a:t>: String</a:t>
-              </a:r>
+                <a:rPr lang="de-AT" sz="1600" dirty="0">
+                  <a:latin typeface="Arial" panose="020B0604020202020204" pitchFamily="34" charset="0"/>
+                  <a:cs typeface="Arial" panose="020B0604020202020204" pitchFamily="34" charset="0"/>
+                </a:rPr>
+                <a:t>String </a:t>
+              </a:r>
+              <a:r>
+                <a:rPr lang="de-AT" sz="1600" dirty="0" err="1">
+                  <a:latin typeface="Arial" panose="020B0604020202020204" pitchFamily="34" charset="0"/>
+                  <a:cs typeface="Arial" panose="020B0604020202020204" pitchFamily="34" charset="0"/>
+                </a:rPr>
+                <a:t>category</a:t>
+              </a:r>
+              <a:endParaRPr lang="de-AT" sz="1600" dirty="0">
+                <a:latin typeface="Arial" panose="020B0604020202020204" pitchFamily="34" charset="0"/>
+                <a:cs typeface="Arial" panose="020B0604020202020204" pitchFamily="34" charset="0"/>
+              </a:endParaRPr>
             </a:p>
             <a:p>
               <a:r>
-                <a:rPr lang="de-AT" dirty="0" err="1">
-                  <a:latin typeface="Arial" panose="020B0604020202020204" pitchFamily="34" charset="0"/>
-                  <a:cs typeface="Arial" panose="020B0604020202020204" pitchFamily="34" charset="0"/>
-                </a:rPr>
-                <a:t>Category</a:t>
-              </a:r>
-              <a:r>
-                <a:rPr lang="de-AT" dirty="0">
-                  <a:latin typeface="Arial" panose="020B0604020202020204" pitchFamily="34" charset="0"/>
-                  <a:cs typeface="Arial" panose="020B0604020202020204" pitchFamily="34" charset="0"/>
-                </a:rPr>
-                <a:t>: String</a:t>
-              </a:r>
-            </a:p>
-            <a:p>
-              <a:r>
-                <a:rPr lang="de-AT" dirty="0">
-                  <a:latin typeface="Arial" panose="020B0604020202020204" pitchFamily="34" charset="0"/>
-                  <a:cs typeface="Arial" panose="020B0604020202020204" pitchFamily="34" charset="0"/>
-                </a:rPr>
-                <a:t>Lang: </a:t>
-              </a:r>
-              <a:r>
-                <a:rPr lang="de-AT" dirty="0" err="1">
+                <a:rPr lang="de-AT" sz="1600" dirty="0" err="1">
                   <a:latin typeface="Arial" panose="020B0604020202020204" pitchFamily="34" charset="0"/>
                   <a:cs typeface="Arial" panose="020B0604020202020204" pitchFamily="34" charset="0"/>
                 </a:rPr>
                 <a:t>VortoLangVersion</a:t>
               </a:r>
               <a:r>
-                <a:rPr lang="de-AT" dirty="0">
-                  <a:latin typeface="Arial" panose="020B0604020202020204" pitchFamily="34" charset="0"/>
-                  <a:cs typeface="Arial" panose="020B0604020202020204" pitchFamily="34" charset="0"/>
-                </a:rPr>
-                <a:t> = 1</a:t>
+                <a:rPr lang="de-AT" sz="1600" dirty="0">
+                  <a:latin typeface="Arial" panose="020B0604020202020204" pitchFamily="34" charset="0"/>
+                  <a:cs typeface="Arial" panose="020B0604020202020204" pitchFamily="34" charset="0"/>
+                </a:rPr>
+                <a:t> lang</a:t>
               </a:r>
             </a:p>
           </p:txBody>
@@ -7770,10 +7548,10 @@
         </p:nvGrpSpPr>
         <p:grpSpPr>
           <a:xfrm>
-            <a:off x="8841936" y="791256"/>
-            <a:ext cx="2796542" cy="1533536"/>
-            <a:chOff x="3484880" y="609600"/>
-            <a:chExt cx="2529840" cy="857572"/>
+            <a:off x="8615244" y="791256"/>
+            <a:ext cx="3037522" cy="1533536"/>
+            <a:chOff x="3266882" y="609600"/>
+            <a:chExt cx="2747838" cy="857572"/>
           </a:xfrm>
         </p:grpSpPr>
         <p:sp>
@@ -7790,8 +7568,8 @@
           </p:nvSpPr>
           <p:spPr>
             <a:xfrm>
-              <a:off x="3484880" y="609600"/>
-              <a:ext cx="2529840" cy="428786"/>
+              <a:off x="3266882" y="609600"/>
+              <a:ext cx="2747838" cy="428786"/>
             </a:xfrm>
             <a:prstGeom prst="rect">
               <a:avLst/>
@@ -7854,8 +7632,8 @@
           </p:nvSpPr>
           <p:spPr>
             <a:xfrm>
-              <a:off x="3484880" y="1038386"/>
-              <a:ext cx="2529840" cy="428786"/>
+              <a:off x="3266882" y="1038386"/>
+              <a:ext cx="2747838" cy="428786"/>
             </a:xfrm>
             <a:prstGeom prst="rect">
               <a:avLst/>
@@ -7890,28 +7668,43 @@
             <a:lstStyle/>
             <a:p>
               <a:r>
-                <a:rPr lang="de-AT" dirty="0">
-                  <a:latin typeface="Arial" panose="020B0604020202020204" pitchFamily="34" charset="0"/>
-                  <a:cs typeface="Arial" panose="020B0604020202020204" pitchFamily="34" charset="0"/>
-                </a:rPr>
-                <a:t>Version: String</a:t>
-              </a:r>
+                <a:rPr lang="de-AT" sz="1600" dirty="0">
+                  <a:latin typeface="Arial" panose="020B0604020202020204" pitchFamily="34" charset="0"/>
+                  <a:cs typeface="Arial" panose="020B0604020202020204" pitchFamily="34" charset="0"/>
+                </a:rPr>
+                <a:t>String </a:t>
+              </a:r>
+              <a:r>
+                <a:rPr lang="de-AT" sz="1600" dirty="0" err="1">
+                  <a:latin typeface="Arial" panose="020B0604020202020204" pitchFamily="34" charset="0"/>
+                  <a:cs typeface="Arial" panose="020B0604020202020204" pitchFamily="34" charset="0"/>
+                </a:rPr>
+                <a:t>version</a:t>
+              </a:r>
+              <a:endParaRPr lang="de-AT" sz="1600" dirty="0">
+                <a:latin typeface="Arial" panose="020B0604020202020204" pitchFamily="34" charset="0"/>
+                <a:cs typeface="Arial" panose="020B0604020202020204" pitchFamily="34" charset="0"/>
+              </a:endParaRPr>
             </a:p>
             <a:p>
               <a:r>
-                <a:rPr lang="de-AT" dirty="0" err="1">
+                <a:rPr lang="de-AT" sz="1600" dirty="0">
+                  <a:latin typeface="Arial" panose="020B0604020202020204" pitchFamily="34" charset="0"/>
+                  <a:cs typeface="Arial" panose="020B0604020202020204" pitchFamily="34" charset="0"/>
+                </a:rPr>
+                <a:t>String </a:t>
+              </a:r>
+              <a:r>
+                <a:rPr lang="de-AT" sz="1600" dirty="0" err="1">
                   <a:latin typeface="Arial" panose="020B0604020202020204" pitchFamily="34" charset="0"/>
                   <a:cs typeface="Arial" panose="020B0604020202020204" pitchFamily="34" charset="0"/>
                 </a:rPr>
                 <a:t>importedNamespace</a:t>
               </a:r>
-              <a:r>
-                <a:rPr lang="de-AT" dirty="0">
-                  <a:latin typeface="Arial" panose="020B0604020202020204" pitchFamily="34" charset="0"/>
-                  <a:cs typeface="Arial" panose="020B0604020202020204" pitchFamily="34" charset="0"/>
-                </a:rPr>
-                <a:t>: String</a:t>
-              </a:r>
+              <a:endParaRPr lang="de-AT" sz="1600" dirty="0">
+                <a:latin typeface="Arial" panose="020B0604020202020204" pitchFamily="34" charset="0"/>
+                <a:cs typeface="Arial" panose="020B0604020202020204" pitchFamily="34" charset="0"/>
+              </a:endParaRPr>
             </a:p>
           </p:txBody>
         </p:sp>
@@ -7934,34 +7727,26 @@
         </p:nvCxnSpPr>
         <p:spPr>
           <a:xfrm rot="16200000" flipH="1">
-            <a:off x="6111633" y="3530461"/>
-            <a:ext cx="615318" cy="1398271"/>
+            <a:off x="6061719" y="3580374"/>
+            <a:ext cx="715145" cy="1398271"/>
           </a:xfrm>
           <a:prstGeom prst="bentConnector4">
             <a:avLst>
-              <a:gd name="adj1" fmla="val -37152"/>
+              <a:gd name="adj1" fmla="val -31966"/>
               <a:gd name="adj2" fmla="val 116349"/>
             </a:avLst>
           </a:prstGeom>
-          <a:ln>
-            <a:headEnd type="none" w="med" len="med"/>
-            <a:tailEnd type="arrow" w="med" len="med"/>
+          <a:noFill/>
+          <a:ln w="12700" cap="flat" cmpd="sng">
+            <a:solidFill>
+              <a:schemeClr val="dk1"/>
+            </a:solidFill>
+            <a:prstDash val="solid"/>
+            <a:miter lim="800000"/>
+            <a:headEnd type="none" w="sm" len="sm"/>
+            <a:tailEnd type="triangle" w="lg" len="lg"/>
           </a:ln>
         </p:spPr>
-        <p:style>
-          <a:lnRef idx="1">
-            <a:schemeClr val="dk1"/>
-          </a:lnRef>
-          <a:fillRef idx="0">
-            <a:schemeClr val="dk1"/>
-          </a:fillRef>
-          <a:effectRef idx="0">
-            <a:schemeClr val="dk1"/>
-          </a:effectRef>
-          <a:fontRef idx="minor">
-            <a:schemeClr val="tx1"/>
-          </a:fontRef>
-        </p:style>
       </p:cxnSp>
       <p:sp>
         <p:nvSpPr>
@@ -7989,7 +7774,14 @@
           <a:bodyPr wrap="none" rtlCol="0">
             <a:spAutoFit/>
           </a:bodyPr>
-          <a:lstStyle/>
+          <a:lstStyle>
+            <a:defPPr>
+              <a:defRPr lang="de-DE"/>
+            </a:defPPr>
+            <a:lvl1pPr>
+              <a:defRPr sz="1400"/>
+            </a:lvl1pPr>
+          </a:lstStyle>
           <a:p>
             <a:r>
               <a:rPr lang="de-AT" dirty="0"/>
@@ -8029,7 +7821,14 @@
           <a:bodyPr wrap="none" rtlCol="0">
             <a:spAutoFit/>
           </a:bodyPr>
-          <a:lstStyle/>
+          <a:lstStyle>
+            <a:defPPr>
+              <a:defRPr lang="de-DE"/>
+            </a:defPPr>
+            <a:lvl1pPr>
+              <a:defRPr sz="1400"/>
+            </a:lvl1pPr>
+          </a:lstStyle>
           <a:p>
             <a:r>
               <a:rPr lang="de-AT" dirty="0"/>
@@ -8057,10 +7856,10 @@
         </p:nvGrpSpPr>
         <p:grpSpPr>
           <a:xfrm rot="10800000">
-            <a:off x="10163133" y="2324793"/>
-            <a:ext cx="188815" cy="1359667"/>
-            <a:chOff x="5540246" y="733285"/>
-            <a:chExt cx="170621" cy="1450856"/>
+            <a:off x="10052954" y="2324791"/>
+            <a:ext cx="180000" cy="1356209"/>
+            <a:chOff x="5575688" y="736976"/>
+            <a:chExt cx="162655" cy="1447166"/>
           </a:xfrm>
         </p:grpSpPr>
         <p:sp>
@@ -8077,33 +7876,25 @@
           </p:nvSpPr>
           <p:spPr>
             <a:xfrm flipH="1">
-              <a:off x="5540246" y="733285"/>
-              <a:ext cx="170621" cy="277558"/>
+              <a:off x="5575688" y="736976"/>
+              <a:ext cx="162655" cy="268901"/>
             </a:xfrm>
             <a:prstGeom prst="diamond">
               <a:avLst/>
             </a:prstGeom>
-            <a:ln>
-              <a:headEnd type="none" w="med" len="med"/>
-              <a:tailEnd type="arrow" w="med" len="med"/>
+            <a:solidFill>
+              <a:schemeClr val="tx1"/>
+            </a:solidFill>
+            <a:ln w="12700" cap="flat" cmpd="sng">
+              <a:solidFill>
+                <a:schemeClr val="dk1"/>
+              </a:solidFill>
+              <a:prstDash val="solid"/>
+              <a:miter lim="800000"/>
+              <a:headEnd type="none" w="sm" len="sm"/>
+              <a:tailEnd type="triangle" w="lg" len="lg"/>
             </a:ln>
           </p:spPr>
-          <p:style>
-            <a:lnRef idx="2">
-              <a:schemeClr val="dk1">
-                <a:shade val="50000"/>
-              </a:schemeClr>
-            </a:lnRef>
-            <a:fillRef idx="1">
-              <a:schemeClr val="dk1"/>
-            </a:fillRef>
-            <a:effectRef idx="0">
-              <a:schemeClr val="dk1"/>
-            </a:effectRef>
-            <a:fontRef idx="minor">
-              <a:schemeClr val="lt1"/>
-            </a:fontRef>
-          </p:style>
           <p:txBody>
             <a:bodyPr rtlCol="0" anchor="ctr"/>
             <a:lstStyle/>
@@ -8134,33 +7925,25 @@
           </p:nvCxnSpPr>
           <p:spPr>
             <a:xfrm rot="5400000" flipV="1">
-              <a:off x="5046736" y="1589662"/>
-              <a:ext cx="1173299" cy="15660"/>
+              <a:off x="5071926" y="1590966"/>
+              <a:ext cx="1178264" cy="8087"/>
             </a:xfrm>
             <a:prstGeom prst="bentConnector3">
               <a:avLst>
                 <a:gd name="adj1" fmla="val 50000"/>
               </a:avLst>
             </a:prstGeom>
-            <a:ln>
-              <a:headEnd type="none" w="med" len="med"/>
-              <a:tailEnd type="arrow" w="med" len="med"/>
+            <a:noFill/>
+            <a:ln w="12700" cap="flat" cmpd="sng">
+              <a:solidFill>
+                <a:schemeClr val="dk1"/>
+              </a:solidFill>
+              <a:prstDash val="solid"/>
+              <a:miter lim="800000"/>
+              <a:headEnd type="none" w="sm" len="sm"/>
+              <a:tailEnd type="triangle" w="lg" len="lg"/>
             </a:ln>
           </p:spPr>
-          <p:style>
-            <a:lnRef idx="1">
-              <a:schemeClr val="dk1"/>
-            </a:lnRef>
-            <a:fillRef idx="0">
-              <a:schemeClr val="dk1"/>
-            </a:fillRef>
-            <a:effectRef idx="0">
-              <a:schemeClr val="dk1"/>
-            </a:effectRef>
-            <a:fontRef idx="minor">
-              <a:schemeClr val="tx1"/>
-            </a:fontRef>
-          </p:style>
         </p:cxnSp>
       </p:grpSp>
       <p:sp>
@@ -8189,7 +7972,14 @@
           <a:bodyPr wrap="none" rtlCol="0">
             <a:spAutoFit/>
           </a:bodyPr>
-          <a:lstStyle/>
+          <a:lstStyle>
+            <a:defPPr>
+              <a:defRPr lang="de-DE"/>
+            </a:defPPr>
+            <a:lvl1pPr>
+              <a:defRPr sz="1400"/>
+            </a:lvl1pPr>
+          </a:lstStyle>
           <a:p>
             <a:r>
               <a:rPr lang="de-AT" dirty="0"/>
@@ -8221,12 +8011,12 @@
         </p:nvCxnSpPr>
         <p:spPr>
           <a:xfrm rot="10800000">
-            <a:off x="6978500" y="777527"/>
-            <a:ext cx="1774786" cy="4417216"/>
+            <a:off x="7021365" y="743134"/>
+            <a:ext cx="1630885" cy="4437076"/>
           </a:xfrm>
           <a:prstGeom prst="bentConnector3">
             <a:avLst>
-              <a:gd name="adj1" fmla="val 45707"/>
+              <a:gd name="adj1" fmla="val 46496"/>
             </a:avLst>
           </a:prstGeom>
           <a:noFill/>
@@ -8237,7 +8027,7 @@
             <a:prstDash val="solid"/>
             <a:miter lim="800000"/>
             <a:headEnd type="none" w="sm" len="sm"/>
-            <a:tailEnd type="none" w="sm" len="sm"/>
+            <a:tailEnd type="triangle" w="lg" len="lg"/>
           </a:ln>
         </p:spPr>
       </p:cxnSp>
@@ -8259,8 +8049,8 @@
         </p:nvCxnSpPr>
         <p:spPr>
           <a:xfrm rot="10800000">
-            <a:off x="7118428" y="4537255"/>
-            <a:ext cx="1634858" cy="657488"/>
+            <a:off x="7118429" y="4637082"/>
+            <a:ext cx="1533821" cy="543128"/>
           </a:xfrm>
           <a:prstGeom prst="bentConnector3">
             <a:avLst>
@@ -8275,7 +8065,7 @@
             <a:prstDash val="solid"/>
             <a:miter lim="800000"/>
             <a:headEnd type="none" w="sm" len="sm"/>
-            <a:tailEnd type="none" w="sm" len="sm"/>
+            <a:tailEnd type="triangle" w="lg" len="lg"/>
           </a:ln>
         </p:spPr>
       </p:cxnSp>
@@ -8293,7 +8083,7 @@
         </p:nvSpPr>
         <p:spPr>
           <a:xfrm rot="5400000" flipH="1">
-            <a:off x="8741586" y="5106093"/>
+            <a:off x="8640549" y="5091560"/>
             <a:ext cx="200700" cy="177300"/>
           </a:xfrm>
           <a:prstGeom prst="triangle">
@@ -8393,10 +8183,10 @@
         </p:nvGrpSpPr>
         <p:grpSpPr>
           <a:xfrm>
-            <a:off x="4601483" y="804910"/>
-            <a:ext cx="2268000" cy="893079"/>
+            <a:off x="4601483" y="804908"/>
+            <a:ext cx="2268000" cy="753185"/>
             <a:chOff x="6014721" y="2009063"/>
-            <a:chExt cx="2529840" cy="609026"/>
+            <a:chExt cx="2529840" cy="513627"/>
           </a:xfrm>
         </p:grpSpPr>
         <p:sp>
@@ -8478,7 +8268,7 @@
           <p:spPr>
             <a:xfrm>
               <a:off x="6014721" y="2277192"/>
-              <a:ext cx="2529840" cy="340897"/>
+              <a:ext cx="2529840" cy="245498"/>
             </a:xfrm>
             <a:prstGeom prst="rect">
               <a:avLst/>

--- a/Figures.pptx
+++ b/Figures.pptx
@@ -268,7 +268,7 @@
           <a:p>
             <a:fld id="{221DF790-08EF-4309-8C7D-573F11C98FD5}" type="datetimeFigureOut">
               <a:rPr lang="de-AT" smtClean="0"/>
-              <a:t>08.02.2022</a:t>
+              <a:t>09.02.2022</a:t>
             </a:fld>
             <a:endParaRPr lang="de-AT"/>
           </a:p>
@@ -468,7 +468,7 @@
           <a:p>
             <a:fld id="{221DF790-08EF-4309-8C7D-573F11C98FD5}" type="datetimeFigureOut">
               <a:rPr lang="de-AT" smtClean="0"/>
-              <a:t>08.02.2022</a:t>
+              <a:t>09.02.2022</a:t>
             </a:fld>
             <a:endParaRPr lang="de-AT"/>
           </a:p>
@@ -678,7 +678,7 @@
           <a:p>
             <a:fld id="{221DF790-08EF-4309-8C7D-573F11C98FD5}" type="datetimeFigureOut">
               <a:rPr lang="de-AT" smtClean="0"/>
-              <a:t>08.02.2022</a:t>
+              <a:t>09.02.2022</a:t>
             </a:fld>
             <a:endParaRPr lang="de-AT"/>
           </a:p>
@@ -878,7 +878,7 @@
           <a:p>
             <a:fld id="{221DF790-08EF-4309-8C7D-573F11C98FD5}" type="datetimeFigureOut">
               <a:rPr lang="de-AT" smtClean="0"/>
-              <a:t>08.02.2022</a:t>
+              <a:t>09.02.2022</a:t>
             </a:fld>
             <a:endParaRPr lang="de-AT"/>
           </a:p>
@@ -1154,7 +1154,7 @@
           <a:p>
             <a:fld id="{221DF790-08EF-4309-8C7D-573F11C98FD5}" type="datetimeFigureOut">
               <a:rPr lang="de-AT" smtClean="0"/>
-              <a:t>08.02.2022</a:t>
+              <a:t>09.02.2022</a:t>
             </a:fld>
             <a:endParaRPr lang="de-AT"/>
           </a:p>
@@ -1422,7 +1422,7 @@
           <a:p>
             <a:fld id="{221DF790-08EF-4309-8C7D-573F11C98FD5}" type="datetimeFigureOut">
               <a:rPr lang="de-AT" smtClean="0"/>
-              <a:t>08.02.2022</a:t>
+              <a:t>09.02.2022</a:t>
             </a:fld>
             <a:endParaRPr lang="de-AT"/>
           </a:p>
@@ -1837,7 +1837,7 @@
           <a:p>
             <a:fld id="{221DF790-08EF-4309-8C7D-573F11C98FD5}" type="datetimeFigureOut">
               <a:rPr lang="de-AT" smtClean="0"/>
-              <a:t>08.02.2022</a:t>
+              <a:t>09.02.2022</a:t>
             </a:fld>
             <a:endParaRPr lang="de-AT"/>
           </a:p>
@@ -1979,7 +1979,7 @@
           <a:p>
             <a:fld id="{221DF790-08EF-4309-8C7D-573F11C98FD5}" type="datetimeFigureOut">
               <a:rPr lang="de-AT" smtClean="0"/>
-              <a:t>08.02.2022</a:t>
+              <a:t>09.02.2022</a:t>
             </a:fld>
             <a:endParaRPr lang="de-AT"/>
           </a:p>
@@ -2092,7 +2092,7 @@
           <a:p>
             <a:fld id="{221DF790-08EF-4309-8C7D-573F11C98FD5}" type="datetimeFigureOut">
               <a:rPr lang="de-AT" smtClean="0"/>
-              <a:t>08.02.2022</a:t>
+              <a:t>09.02.2022</a:t>
             </a:fld>
             <a:endParaRPr lang="de-AT"/>
           </a:p>
@@ -2405,7 +2405,7 @@
           <a:p>
             <a:fld id="{221DF790-08EF-4309-8C7D-573F11C98FD5}" type="datetimeFigureOut">
               <a:rPr lang="de-AT" smtClean="0"/>
-              <a:t>08.02.2022</a:t>
+              <a:t>09.02.2022</a:t>
             </a:fld>
             <a:endParaRPr lang="de-AT"/>
           </a:p>
@@ -2694,7 +2694,7 @@
           <a:p>
             <a:fld id="{221DF790-08EF-4309-8C7D-573F11C98FD5}" type="datetimeFigureOut">
               <a:rPr lang="de-AT" smtClean="0"/>
-              <a:t>08.02.2022</a:t>
+              <a:t>09.02.2022</a:t>
             </a:fld>
             <a:endParaRPr lang="de-AT"/>
           </a:p>
@@ -2937,7 +2937,7 @@
           <a:p>
             <a:fld id="{221DF790-08EF-4309-8C7D-573F11C98FD5}" type="datetimeFigureOut">
               <a:rPr lang="de-AT" smtClean="0"/>
-              <a:t>08.02.2022</a:t>
+              <a:t>09.02.2022</a:t>
             </a:fld>
             <a:endParaRPr lang="de-AT"/>
           </a:p>
@@ -7001,7 +7001,7 @@
         </p:nvSpPr>
         <p:spPr>
           <a:xfrm>
-            <a:off x="4669583" y="3603906"/>
+            <a:off x="5885437" y="3507719"/>
             <a:ext cx="933269" cy="307777"/>
           </a:xfrm>
           <a:prstGeom prst="rect">
@@ -7211,7 +7211,7 @@
           </a:xfrm>
           <a:prstGeom prst="bentConnector3">
             <a:avLst>
-              <a:gd name="adj1" fmla="val -73625"/>
+              <a:gd name="adj1" fmla="val -128844"/>
             </a:avLst>
           </a:prstGeom>
           <a:noFill/>
@@ -7720,20 +7720,19 @@
           </p:cNvPr>
           <p:cNvCxnSpPr>
             <a:cxnSpLocks/>
-            <a:stCxn id="9" idx="0"/>
-            <a:endCxn id="10" idx="3"/>
+            <a:stCxn id="9" idx="1"/>
+            <a:endCxn id="10" idx="1"/>
           </p:cNvCxnSpPr>
           <p:nvPr/>
         </p:nvCxnSpPr>
         <p:spPr>
-          <a:xfrm rot="16200000" flipH="1">
-            <a:off x="6061719" y="3580374"/>
-            <a:ext cx="715145" cy="1398271"/>
+          <a:xfrm rot="10800000" flipV="1">
+            <a:off x="4321886" y="4160318"/>
+            <a:ext cx="12700" cy="476763"/>
           </a:xfrm>
-          <a:prstGeom prst="bentConnector4">
+          <a:prstGeom prst="bentConnector3">
             <a:avLst>
-              <a:gd name="adj1" fmla="val -31966"/>
-              <a:gd name="adj2" fmla="val 116349"/>
+              <a:gd name="adj1" fmla="val 1800000"/>
             </a:avLst>
           </a:prstGeom>
           <a:noFill/>
@@ -7762,7 +7761,7 @@
         </p:nvSpPr>
         <p:spPr>
           <a:xfrm>
-            <a:off x="6060932" y="3339049"/>
+            <a:off x="2799678" y="4225341"/>
             <a:ext cx="1700274" cy="369332"/>
           </a:xfrm>
           <a:prstGeom prst="rect">
@@ -8026,8 +8025,8 @@
             </a:solidFill>
             <a:prstDash val="solid"/>
             <a:miter lim="800000"/>
-            <a:headEnd type="none" w="sm" len="sm"/>
-            <a:tailEnd type="triangle" w="lg" len="lg"/>
+            <a:headEnd type="none" w="med" len="med"/>
+            <a:tailEnd type="none" w="med" len="med"/>
           </a:ln>
         </p:spPr>
       </p:cxnSp>
@@ -8064,8 +8063,8 @@
             </a:solidFill>
             <a:prstDash val="solid"/>
             <a:miter lim="800000"/>
-            <a:headEnd type="none" w="sm" len="sm"/>
-            <a:tailEnd type="triangle" w="lg" len="lg"/>
+            <a:headEnd type="none" w="med" len="med"/>
+            <a:tailEnd type="none" w="med" len="med"/>
           </a:ln>
         </p:spPr>
       </p:cxnSp>
@@ -10521,8 +10520,8 @@
         </p:nvGrpSpPr>
         <p:grpSpPr>
           <a:xfrm>
-            <a:off x="1309038" y="2870002"/>
-            <a:ext cx="2095558" cy="993807"/>
+            <a:off x="1309038" y="2821748"/>
+            <a:ext cx="2095558" cy="1042062"/>
             <a:chOff x="5786656" y="1797718"/>
             <a:chExt cx="1372894" cy="616200"/>
           </a:xfrm>
@@ -13087,8 +13086,8 @@
         </p:nvCxnSpPr>
         <p:spPr>
           <a:xfrm>
-            <a:off x="2356683" y="3863809"/>
-            <a:ext cx="8138" cy="431696"/>
+            <a:off x="2356683" y="3863810"/>
+            <a:ext cx="8138" cy="431695"/>
           </a:xfrm>
           <a:prstGeom prst="straightConnector1">
             <a:avLst/>
@@ -13528,7 +13527,7 @@
         <p:spPr>
           <a:xfrm flipH="1">
             <a:off x="2356683" y="2420678"/>
-            <a:ext cx="2159" cy="449324"/>
+            <a:ext cx="2159" cy="401070"/>
           </a:xfrm>
           <a:prstGeom prst="straightConnector1">
             <a:avLst/>

--- a/Figures.pptx
+++ b/Figures.pptx
@@ -268,7 +268,7 @@
           <a:p>
             <a:fld id="{221DF790-08EF-4309-8C7D-573F11C98FD5}" type="datetimeFigureOut">
               <a:rPr lang="de-AT" smtClean="0"/>
-              <a:t>09.02.2022</a:t>
+              <a:t>10.02.2022</a:t>
             </a:fld>
             <a:endParaRPr lang="de-AT"/>
           </a:p>
@@ -468,7 +468,7 @@
           <a:p>
             <a:fld id="{221DF790-08EF-4309-8C7D-573F11C98FD5}" type="datetimeFigureOut">
               <a:rPr lang="de-AT" smtClean="0"/>
-              <a:t>09.02.2022</a:t>
+              <a:t>10.02.2022</a:t>
             </a:fld>
             <a:endParaRPr lang="de-AT"/>
           </a:p>
@@ -678,7 +678,7 @@
           <a:p>
             <a:fld id="{221DF790-08EF-4309-8C7D-573F11C98FD5}" type="datetimeFigureOut">
               <a:rPr lang="de-AT" smtClean="0"/>
-              <a:t>09.02.2022</a:t>
+              <a:t>10.02.2022</a:t>
             </a:fld>
             <a:endParaRPr lang="de-AT"/>
           </a:p>
@@ -878,7 +878,7 @@
           <a:p>
             <a:fld id="{221DF790-08EF-4309-8C7D-573F11C98FD5}" type="datetimeFigureOut">
               <a:rPr lang="de-AT" smtClean="0"/>
-              <a:t>09.02.2022</a:t>
+              <a:t>10.02.2022</a:t>
             </a:fld>
             <a:endParaRPr lang="de-AT"/>
           </a:p>
@@ -1154,7 +1154,7 @@
           <a:p>
             <a:fld id="{221DF790-08EF-4309-8C7D-573F11C98FD5}" type="datetimeFigureOut">
               <a:rPr lang="de-AT" smtClean="0"/>
-              <a:t>09.02.2022</a:t>
+              <a:t>10.02.2022</a:t>
             </a:fld>
             <a:endParaRPr lang="de-AT"/>
           </a:p>
@@ -1422,7 +1422,7 @@
           <a:p>
             <a:fld id="{221DF790-08EF-4309-8C7D-573F11C98FD5}" type="datetimeFigureOut">
               <a:rPr lang="de-AT" smtClean="0"/>
-              <a:t>09.02.2022</a:t>
+              <a:t>10.02.2022</a:t>
             </a:fld>
             <a:endParaRPr lang="de-AT"/>
           </a:p>
@@ -1837,7 +1837,7 @@
           <a:p>
             <a:fld id="{221DF790-08EF-4309-8C7D-573F11C98FD5}" type="datetimeFigureOut">
               <a:rPr lang="de-AT" smtClean="0"/>
-              <a:t>09.02.2022</a:t>
+              <a:t>10.02.2022</a:t>
             </a:fld>
             <a:endParaRPr lang="de-AT"/>
           </a:p>
@@ -1979,7 +1979,7 @@
           <a:p>
             <a:fld id="{221DF790-08EF-4309-8C7D-573F11C98FD5}" type="datetimeFigureOut">
               <a:rPr lang="de-AT" smtClean="0"/>
-              <a:t>09.02.2022</a:t>
+              <a:t>10.02.2022</a:t>
             </a:fld>
             <a:endParaRPr lang="de-AT"/>
           </a:p>
@@ -2092,7 +2092,7 @@
           <a:p>
             <a:fld id="{221DF790-08EF-4309-8C7D-573F11C98FD5}" type="datetimeFigureOut">
               <a:rPr lang="de-AT" smtClean="0"/>
-              <a:t>09.02.2022</a:t>
+              <a:t>10.02.2022</a:t>
             </a:fld>
             <a:endParaRPr lang="de-AT"/>
           </a:p>
@@ -2405,7 +2405,7 @@
           <a:p>
             <a:fld id="{221DF790-08EF-4309-8C7D-573F11C98FD5}" type="datetimeFigureOut">
               <a:rPr lang="de-AT" smtClean="0"/>
-              <a:t>09.02.2022</a:t>
+              <a:t>10.02.2022</a:t>
             </a:fld>
             <a:endParaRPr lang="de-AT"/>
           </a:p>
@@ -2694,7 +2694,7 @@
           <a:p>
             <a:fld id="{221DF790-08EF-4309-8C7D-573F11C98FD5}" type="datetimeFigureOut">
               <a:rPr lang="de-AT" smtClean="0"/>
-              <a:t>09.02.2022</a:t>
+              <a:t>10.02.2022</a:t>
             </a:fld>
             <a:endParaRPr lang="de-AT"/>
           </a:p>
@@ -2937,7 +2937,7 @@
           <a:p>
             <a:fld id="{221DF790-08EF-4309-8C7D-573F11C98FD5}" type="datetimeFigureOut">
               <a:rPr lang="de-AT" smtClean="0"/>
-              <a:t>09.02.2022</a:t>
+              <a:t>10.02.2022</a:t>
             </a:fld>
             <a:endParaRPr lang="de-AT"/>
           </a:p>
@@ -10024,80 +10024,12 @@
           <a:chExt cx="0" cy="0"/>
         </a:xfrm>
       </p:grpSpPr>
-      <p:sp>
-        <p:nvSpPr>
-          <p:cNvPr id="2" name="Google Shape;502;g10f8d9d020d_0_26">
-            <a:extLst>
-              <a:ext uri="{FF2B5EF4-FFF2-40B4-BE49-F238E27FC236}">
-                <a16:creationId xmlns:a16="http://schemas.microsoft.com/office/drawing/2014/main" id="{0873BCF8-B543-4570-978D-821163511D94}"/>
-              </a:ext>
-            </a:extLst>
-          </p:cNvPr>
-          <p:cNvSpPr/>
-          <p:nvPr/>
-        </p:nvSpPr>
-        <p:spPr>
-          <a:xfrm>
-            <a:off x="2268842" y="2168678"/>
-            <a:ext cx="180000" cy="252000"/>
-          </a:xfrm>
-          <a:prstGeom prst="flowChartDecision">
-            <a:avLst/>
-          </a:prstGeom>
-          <a:solidFill>
-            <a:schemeClr val="dk1"/>
-          </a:solidFill>
-          <a:ln w="9525" cap="flat" cmpd="sng">
-            <a:solidFill>
-              <a:schemeClr val="dk1"/>
-            </a:solidFill>
-            <a:prstDash val="solid"/>
-            <a:miter lim="800000"/>
-            <a:headEnd type="none" w="sm" len="sm"/>
-            <a:tailEnd type="none" w="sm" len="sm"/>
-          </a:ln>
-        </p:spPr>
-        <p:txBody>
-          <a:bodyPr spcFirstLastPara="1" wrap="square" lIns="91425" tIns="45700" rIns="91425" bIns="45700" anchor="ctr" anchorCtr="0">
-            <a:noAutofit/>
-          </a:bodyPr>
-          <a:lstStyle/>
-          <a:p>
-            <a:pPr marL="0" marR="0" lvl="0" indent="0" algn="l" rtl="0">
-              <a:lnSpc>
-                <a:spcPct val="100000"/>
-              </a:lnSpc>
-              <a:spcBef>
-                <a:spcPts val="0"/>
-              </a:spcBef>
-              <a:spcAft>
-                <a:spcPts val="0"/>
-              </a:spcAft>
-              <a:buClr>
-                <a:srgbClr val="000000"/>
-              </a:buClr>
-              <a:buSzPts val="1404"/>
-              <a:buFont typeface="Arial"/>
-              <a:buNone/>
-            </a:pPr>
-            <a:endParaRPr sz="2000" b="0" i="0" u="none" strike="noStrike" cap="none">
-              <a:solidFill>
-                <a:schemeClr val="dk1"/>
-              </a:solidFill>
-              <a:latin typeface="Arial"/>
-              <a:ea typeface="Arial"/>
-              <a:cs typeface="Arial"/>
-              <a:sym typeface="Arial"/>
-            </a:endParaRPr>
-          </a:p>
-        </p:txBody>
-      </p:sp>
       <p:grpSp>
         <p:nvGrpSpPr>
-          <p:cNvPr id="4" name="Google Shape;505;g10f8d9d020d_0_26">
-            <a:extLst>
-              <a:ext uri="{FF2B5EF4-FFF2-40B4-BE49-F238E27FC236}">
-                <a16:creationId xmlns:a16="http://schemas.microsoft.com/office/drawing/2014/main" id="{EE1B9C78-1088-4945-9F12-11E94C827E53}"/>
+          <p:cNvPr id="20" name="Google Shape;520;g10f8d9d020d_0_26">
+            <a:extLst>
+              <a:ext uri="{FF2B5EF4-FFF2-40B4-BE49-F238E27FC236}">
+                <a16:creationId xmlns:a16="http://schemas.microsoft.com/office/drawing/2014/main" id="{788CA60E-1AE7-48F1-A5E5-74C975F09BFF}"/>
               </a:ext>
             </a:extLst>
           </p:cNvPr>
@@ -10106,719 +10038,7 @@
         </p:nvGrpSpPr>
         <p:grpSpPr>
           <a:xfrm>
-            <a:off x="1317178" y="889587"/>
-            <a:ext cx="2095560" cy="1270913"/>
-            <a:chOff x="2099942" y="1230596"/>
-            <a:chExt cx="1372895" cy="867083"/>
-          </a:xfrm>
-        </p:grpSpPr>
-        <p:grpSp>
-          <p:nvGrpSpPr>
-            <p:cNvPr id="5" name="Google Shape;506;g10f8d9d020d_0_26">
-              <a:extLst>
-                <a:ext uri="{FF2B5EF4-FFF2-40B4-BE49-F238E27FC236}">
-                  <a16:creationId xmlns:a16="http://schemas.microsoft.com/office/drawing/2014/main" id="{90EC7205-1655-4289-9259-CD0BF85219C9}"/>
-                </a:ext>
-              </a:extLst>
-            </p:cNvPr>
-            <p:cNvGrpSpPr/>
-            <p:nvPr/>
-          </p:nvGrpSpPr>
-          <p:grpSpPr>
-            <a:xfrm>
-              <a:off x="2099942" y="1230596"/>
-              <a:ext cx="1372718" cy="867083"/>
-              <a:chOff x="2785377" y="1573191"/>
-              <a:chExt cx="1709700" cy="867083"/>
-            </a:xfrm>
-          </p:grpSpPr>
-          <p:sp>
-            <p:nvSpPr>
-              <p:cNvPr id="8" name="Google Shape;507;g10f8d9d020d_0_26">
-                <a:extLst>
-                  <a:ext uri="{FF2B5EF4-FFF2-40B4-BE49-F238E27FC236}">
-                    <a16:creationId xmlns:a16="http://schemas.microsoft.com/office/drawing/2014/main" id="{1EEC9202-AA45-450E-BAC6-4CABCF5CF882}"/>
-                  </a:ext>
-                </a:extLst>
-              </p:cNvPr>
-              <p:cNvSpPr/>
-              <p:nvPr/>
-            </p:nvSpPr>
-            <p:spPr>
-              <a:xfrm>
-                <a:off x="2785377" y="1573191"/>
-                <a:ext cx="1709700" cy="867083"/>
-              </a:xfrm>
-              <a:prstGeom prst="rect">
-                <a:avLst/>
-              </a:prstGeom>
-              <a:solidFill>
-                <a:schemeClr val="lt1"/>
-              </a:solidFill>
-              <a:ln w="9525" cap="flat" cmpd="sng">
-                <a:solidFill>
-                  <a:schemeClr val="dk1"/>
-                </a:solidFill>
-                <a:prstDash val="solid"/>
-                <a:miter lim="800000"/>
-                <a:headEnd type="none" w="sm" len="sm"/>
-                <a:tailEnd type="none" w="sm" len="sm"/>
-              </a:ln>
-            </p:spPr>
-            <p:txBody>
-              <a:bodyPr spcFirstLastPara="1" wrap="square" lIns="91425" tIns="45700" rIns="91425" bIns="45700" anchor="ctr" anchorCtr="0">
-                <a:noAutofit/>
-              </a:bodyPr>
-              <a:lstStyle/>
-              <a:p>
-                <a:pPr marL="0" marR="0" lvl="0" indent="0" algn="l" rtl="0">
-                  <a:lnSpc>
-                    <a:spcPct val="100000"/>
-                  </a:lnSpc>
-                  <a:spcBef>
-                    <a:spcPts val="0"/>
-                  </a:spcBef>
-                  <a:spcAft>
-                    <a:spcPts val="0"/>
-                  </a:spcAft>
-                  <a:buClr>
-                    <a:srgbClr val="000000"/>
-                  </a:buClr>
-                  <a:buSzPts val="1100"/>
-                  <a:buFont typeface="Arial"/>
-                  <a:buNone/>
-                </a:pPr>
-                <a:endParaRPr sz="1600" b="0" i="0" u="none" strike="noStrike" cap="none" dirty="0">
-                  <a:solidFill>
-                    <a:schemeClr val="dk1"/>
-                  </a:solidFill>
-                  <a:latin typeface="Arial"/>
-                  <a:ea typeface="Arial"/>
-                  <a:cs typeface="Arial"/>
-                  <a:sym typeface="Arial"/>
-                </a:endParaRPr>
-              </a:p>
-            </p:txBody>
-          </p:sp>
-          <p:sp>
-            <p:nvSpPr>
-              <p:cNvPr id="9" name="Google Shape;508;g10f8d9d020d_0_26">
-                <a:extLst>
-                  <a:ext uri="{FF2B5EF4-FFF2-40B4-BE49-F238E27FC236}">
-                    <a16:creationId xmlns:a16="http://schemas.microsoft.com/office/drawing/2014/main" id="{ED24547A-8434-405D-A7C6-6E03D41C1583}"/>
-                  </a:ext>
-                </a:extLst>
-              </p:cNvPr>
-              <p:cNvSpPr txBox="1"/>
-              <p:nvPr/>
-            </p:nvSpPr>
-            <p:spPr>
-              <a:xfrm>
-                <a:off x="2785377" y="1663679"/>
-                <a:ext cx="1709700" cy="176357"/>
-              </a:xfrm>
-              <a:prstGeom prst="rect">
-                <a:avLst/>
-              </a:prstGeom>
-              <a:noFill/>
-              <a:ln>
-                <a:noFill/>
-              </a:ln>
-            </p:spPr>
-            <p:txBody>
-              <a:bodyPr spcFirstLastPara="1" wrap="square" lIns="91425" tIns="45700" rIns="91425" bIns="45700" anchor="t" anchorCtr="0">
-                <a:spAutoFit/>
-              </a:bodyPr>
-              <a:lstStyle/>
-              <a:p>
-                <a:pPr marL="0" marR="0" lvl="0" indent="0" algn="ctr" rtl="0">
-                  <a:lnSpc>
-                    <a:spcPct val="60000"/>
-                  </a:lnSpc>
-                  <a:spcBef>
-                    <a:spcPts val="0"/>
-                  </a:spcBef>
-                  <a:spcAft>
-                    <a:spcPts val="0"/>
-                  </a:spcAft>
-                  <a:buClr>
-                    <a:srgbClr val="000000"/>
-                  </a:buClr>
-                  <a:buSzPts val="1100"/>
-                  <a:buFont typeface="Arial"/>
-                  <a:buNone/>
-                </a:pPr>
-                <a:r>
-                  <a:rPr lang="en-US" b="1" i="0" u="none" strike="noStrike" cap="none" dirty="0">
-                    <a:solidFill>
-                      <a:schemeClr val="dk1"/>
-                    </a:solidFill>
-                    <a:latin typeface="Arial"/>
-                    <a:ea typeface="Arial"/>
-                    <a:cs typeface="Arial"/>
-                    <a:sym typeface="Arial"/>
-                  </a:rPr>
-                  <a:t>Entity</a:t>
-                </a:r>
-                <a:endParaRPr sz="2400" b="1" i="0" u="none" strike="noStrike" cap="none" dirty="0">
-                  <a:solidFill>
-                    <a:srgbClr val="000000"/>
-                  </a:solidFill>
-                  <a:latin typeface="Arial"/>
-                  <a:ea typeface="Arial"/>
-                  <a:cs typeface="Arial"/>
-                  <a:sym typeface="Arial"/>
-                </a:endParaRPr>
-              </a:p>
-            </p:txBody>
-          </p:sp>
-        </p:grpSp>
-        <p:cxnSp>
-          <p:nvCxnSpPr>
-            <p:cNvPr id="6" name="Google Shape;509;g10f8d9d020d_0_26">
-              <a:extLst>
-                <a:ext uri="{FF2B5EF4-FFF2-40B4-BE49-F238E27FC236}">
-                  <a16:creationId xmlns:a16="http://schemas.microsoft.com/office/drawing/2014/main" id="{413BA016-2A6B-43D2-81D6-4B9029D5E9BA}"/>
-                </a:ext>
-              </a:extLst>
-            </p:cNvPr>
-            <p:cNvCxnSpPr/>
-            <p:nvPr/>
-          </p:nvCxnSpPr>
-          <p:spPr>
-            <a:xfrm>
-              <a:off x="2100037" y="1551660"/>
-              <a:ext cx="1372800" cy="0"/>
-            </a:xfrm>
-            <a:prstGeom prst="straightConnector1">
-              <a:avLst/>
-            </a:prstGeom>
-            <a:noFill/>
-            <a:ln w="9525" cap="flat" cmpd="sng">
-              <a:solidFill>
-                <a:schemeClr val="dk1"/>
-              </a:solidFill>
-              <a:prstDash val="solid"/>
-              <a:miter lim="800000"/>
-              <a:headEnd type="none" w="sm" len="sm"/>
-              <a:tailEnd type="none" w="sm" len="sm"/>
-            </a:ln>
-          </p:spPr>
-        </p:cxnSp>
-        <p:sp>
-          <p:nvSpPr>
-            <p:cNvPr id="7" name="Google Shape;510;g10f8d9d020d_0_26">
-              <a:extLst>
-                <a:ext uri="{FF2B5EF4-FFF2-40B4-BE49-F238E27FC236}">
-                  <a16:creationId xmlns:a16="http://schemas.microsoft.com/office/drawing/2014/main" id="{848B9435-1C3E-4759-80C0-7BEA572D4520}"/>
-                </a:ext>
-              </a:extLst>
-            </p:cNvPr>
-            <p:cNvSpPr txBox="1"/>
-            <p:nvPr/>
-          </p:nvSpPr>
-          <p:spPr>
-            <a:xfrm>
-              <a:off x="2100036" y="1596282"/>
-              <a:ext cx="1372800" cy="470330"/>
-            </a:xfrm>
-            <a:prstGeom prst="rect">
-              <a:avLst/>
-            </a:prstGeom>
-            <a:noFill/>
-            <a:ln>
-              <a:noFill/>
-            </a:ln>
-          </p:spPr>
-          <p:txBody>
-            <a:bodyPr spcFirstLastPara="1" wrap="square" lIns="91425" tIns="45700" rIns="91425" bIns="45700" anchor="t" anchorCtr="0">
-              <a:spAutoFit/>
-            </a:bodyPr>
-            <a:lstStyle/>
-            <a:p>
-              <a:pPr marL="0" marR="0" lvl="0" indent="0" algn="l" rtl="0">
-                <a:lnSpc>
-                  <a:spcPct val="60000"/>
-                </a:lnSpc>
-                <a:spcBef>
-                  <a:spcPts val="0"/>
-                </a:spcBef>
-                <a:spcAft>
-                  <a:spcPts val="0"/>
-                </a:spcAft>
-                <a:buClr>
-                  <a:srgbClr val="000000"/>
-                </a:buClr>
-                <a:buSzPts val="1100"/>
-                <a:buFont typeface="Arial"/>
-                <a:buNone/>
-              </a:pPr>
-              <a:r>
-                <a:rPr lang="en-US" sz="1600" b="0" i="1" u="none" strike="noStrike" cap="none" dirty="0">
-                  <a:solidFill>
-                    <a:schemeClr val="dk1"/>
-                  </a:solidFill>
-                  <a:latin typeface="Arial"/>
-                  <a:ea typeface="Arial"/>
-                  <a:cs typeface="Arial"/>
-                  <a:sym typeface="Arial"/>
-                </a:rPr>
-                <a:t>String</a:t>
-              </a:r>
-              <a:r>
-                <a:rPr lang="en-US" sz="1600" b="0" i="0" u="none" strike="noStrike" cap="none" dirty="0">
-                  <a:solidFill>
-                    <a:schemeClr val="dk1"/>
-                  </a:solidFill>
-                  <a:latin typeface="Arial"/>
-                  <a:ea typeface="Arial"/>
-                  <a:cs typeface="Arial"/>
-                  <a:sym typeface="Arial"/>
-                </a:rPr>
-                <a:t> name</a:t>
-              </a:r>
-              <a:endParaRPr sz="2000" b="0" i="0" u="none" strike="noStrike" cap="none" dirty="0">
-                <a:solidFill>
-                  <a:srgbClr val="000000"/>
-                </a:solidFill>
-                <a:latin typeface="Arial"/>
-                <a:ea typeface="Arial"/>
-                <a:cs typeface="Arial"/>
-                <a:sym typeface="Arial"/>
-              </a:endParaRPr>
-            </a:p>
-            <a:p>
-              <a:pPr marL="0" marR="0" lvl="0" indent="0" algn="l" rtl="0">
-                <a:lnSpc>
-                  <a:spcPct val="60000"/>
-                </a:lnSpc>
-                <a:spcBef>
-                  <a:spcPts val="550"/>
-                </a:spcBef>
-                <a:spcAft>
-                  <a:spcPts val="0"/>
-                </a:spcAft>
-                <a:buClr>
-                  <a:srgbClr val="000000"/>
-                </a:buClr>
-                <a:buSzPts val="1100"/>
-                <a:buFont typeface="Arial"/>
-                <a:buNone/>
-              </a:pPr>
-              <a:r>
-                <a:rPr lang="en-US" sz="1600" b="0" i="1" u="none" strike="noStrike" cap="none" dirty="0">
-                  <a:solidFill>
-                    <a:schemeClr val="dk1"/>
-                  </a:solidFill>
-                  <a:latin typeface="Arial"/>
-                  <a:ea typeface="Arial"/>
-                  <a:cs typeface="Arial"/>
-                  <a:sym typeface="Arial"/>
-                </a:rPr>
-                <a:t>String</a:t>
-              </a:r>
-              <a:r>
-                <a:rPr lang="en-US" sz="1600" b="0" i="0" u="none" strike="noStrike" cap="none" dirty="0">
-                  <a:solidFill>
-                    <a:schemeClr val="dk1"/>
-                  </a:solidFill>
-                  <a:latin typeface="Arial"/>
-                  <a:ea typeface="Arial"/>
-                  <a:cs typeface="Arial"/>
-                  <a:sym typeface="Arial"/>
-                </a:rPr>
-                <a:t> </a:t>
-              </a:r>
-              <a:r>
-                <a:rPr lang="en-US" sz="1600" b="0" i="0" u="none" strike="noStrike" cap="none" dirty="0" err="1">
-                  <a:solidFill>
-                    <a:schemeClr val="dk1"/>
-                  </a:solidFill>
-                  <a:latin typeface="Arial"/>
-                  <a:ea typeface="Arial"/>
-                  <a:cs typeface="Arial"/>
-                  <a:sym typeface="Arial"/>
-                </a:rPr>
-                <a:t>entityId</a:t>
-              </a:r>
-              <a:endParaRPr sz="1600" b="0" i="0" u="none" strike="noStrike" cap="none" dirty="0">
-                <a:solidFill>
-                  <a:schemeClr val="dk1"/>
-                </a:solidFill>
-                <a:latin typeface="Arial"/>
-                <a:ea typeface="Arial"/>
-                <a:cs typeface="Arial"/>
-                <a:sym typeface="Arial"/>
-              </a:endParaRPr>
-            </a:p>
-            <a:p>
-              <a:pPr marL="0" marR="0" lvl="0" indent="0" algn="l" rtl="0">
-                <a:lnSpc>
-                  <a:spcPct val="60000"/>
-                </a:lnSpc>
-                <a:spcBef>
-                  <a:spcPts val="550"/>
-                </a:spcBef>
-                <a:spcAft>
-                  <a:spcPts val="0"/>
-                </a:spcAft>
-                <a:buClr>
-                  <a:srgbClr val="000000"/>
-                </a:buClr>
-                <a:buSzPts val="1100"/>
-                <a:buFont typeface="Arial"/>
-                <a:buNone/>
-              </a:pPr>
-              <a:r>
-                <a:rPr lang="en-US" sz="1600" b="0" i="1" u="none" strike="noStrike" cap="none" dirty="0">
-                  <a:solidFill>
-                    <a:schemeClr val="dk1"/>
-                  </a:solidFill>
-                  <a:latin typeface="Arial"/>
-                  <a:ea typeface="Arial"/>
-                  <a:cs typeface="Arial"/>
-                  <a:sym typeface="Arial"/>
-                </a:rPr>
-                <a:t>String</a:t>
-              </a:r>
-              <a:r>
-                <a:rPr lang="en-US" sz="1600" b="0" i="0" u="none" strike="noStrike" cap="none" dirty="0">
-                  <a:solidFill>
-                    <a:schemeClr val="dk1"/>
-                  </a:solidFill>
-                  <a:latin typeface="Arial"/>
-                  <a:ea typeface="Arial"/>
-                  <a:cs typeface="Arial"/>
-                  <a:sym typeface="Arial"/>
-                </a:rPr>
-                <a:t> description</a:t>
-              </a:r>
-              <a:endParaRPr sz="2000" b="0" i="0" u="none" strike="noStrike" cap="none" dirty="0">
-                <a:solidFill>
-                  <a:srgbClr val="000000"/>
-                </a:solidFill>
-                <a:latin typeface="Arial"/>
-                <a:ea typeface="Arial"/>
-                <a:cs typeface="Arial"/>
-                <a:sym typeface="Arial"/>
-              </a:endParaRPr>
-            </a:p>
-          </p:txBody>
-        </p:sp>
-      </p:grpSp>
-      <p:grpSp>
-        <p:nvGrpSpPr>
-          <p:cNvPr id="13" name="Google Shape;514;g10f8d9d020d_0_26">
-            <a:extLst>
-              <a:ext uri="{FF2B5EF4-FFF2-40B4-BE49-F238E27FC236}">
-                <a16:creationId xmlns:a16="http://schemas.microsoft.com/office/drawing/2014/main" id="{C72C3BBB-72F4-456F-9E1E-4CB4B8275967}"/>
-              </a:ext>
-            </a:extLst>
-          </p:cNvPr>
-          <p:cNvGrpSpPr/>
-          <p:nvPr/>
-        </p:nvGrpSpPr>
-        <p:grpSpPr>
-          <a:xfrm>
-            <a:off x="1309038" y="2821748"/>
-            <a:ext cx="2095558" cy="1042062"/>
-            <a:chOff x="5786656" y="1797718"/>
-            <a:chExt cx="1372894" cy="616200"/>
-          </a:xfrm>
-        </p:grpSpPr>
-        <p:grpSp>
-          <p:nvGrpSpPr>
-            <p:cNvPr id="14" name="Google Shape;515;g10f8d9d020d_0_26">
-              <a:extLst>
-                <a:ext uri="{FF2B5EF4-FFF2-40B4-BE49-F238E27FC236}">
-                  <a16:creationId xmlns:a16="http://schemas.microsoft.com/office/drawing/2014/main" id="{41E3768C-3975-4B4F-BE55-F74194B125BE}"/>
-                </a:ext>
-              </a:extLst>
-            </p:cNvPr>
-            <p:cNvGrpSpPr/>
-            <p:nvPr/>
-          </p:nvGrpSpPr>
-          <p:grpSpPr>
-            <a:xfrm>
-              <a:off x="5786656" y="1797718"/>
-              <a:ext cx="1372718" cy="616200"/>
-              <a:chOff x="2785377" y="1573191"/>
-              <a:chExt cx="1709700" cy="616200"/>
-            </a:xfrm>
-          </p:grpSpPr>
-          <p:sp>
-            <p:nvSpPr>
-              <p:cNvPr id="17" name="Google Shape;516;g10f8d9d020d_0_26">
-                <a:extLst>
-                  <a:ext uri="{FF2B5EF4-FFF2-40B4-BE49-F238E27FC236}">
-                    <a16:creationId xmlns:a16="http://schemas.microsoft.com/office/drawing/2014/main" id="{AD67C311-FD31-4D3A-A373-C9EA9FE515A5}"/>
-                  </a:ext>
-                </a:extLst>
-              </p:cNvPr>
-              <p:cNvSpPr/>
-              <p:nvPr/>
-            </p:nvSpPr>
-            <p:spPr>
-              <a:xfrm>
-                <a:off x="2785377" y="1573191"/>
-                <a:ext cx="1709700" cy="616200"/>
-              </a:xfrm>
-              <a:prstGeom prst="rect">
-                <a:avLst/>
-              </a:prstGeom>
-              <a:solidFill>
-                <a:schemeClr val="lt1"/>
-              </a:solidFill>
-              <a:ln w="9525" cap="flat" cmpd="sng">
-                <a:solidFill>
-                  <a:schemeClr val="dk1"/>
-                </a:solidFill>
-                <a:prstDash val="solid"/>
-                <a:miter lim="800000"/>
-                <a:headEnd type="none" w="sm" len="sm"/>
-                <a:tailEnd type="none" w="sm" len="sm"/>
-              </a:ln>
-            </p:spPr>
-            <p:txBody>
-              <a:bodyPr spcFirstLastPara="1" wrap="square" lIns="91425" tIns="45700" rIns="91425" bIns="45700" anchor="ctr" anchorCtr="0">
-                <a:noAutofit/>
-              </a:bodyPr>
-              <a:lstStyle/>
-              <a:p>
-                <a:pPr marL="0" marR="0" lvl="0" indent="0" algn="l" rtl="0">
-                  <a:lnSpc>
-                    <a:spcPct val="100000"/>
-                  </a:lnSpc>
-                  <a:spcBef>
-                    <a:spcPts val="0"/>
-                  </a:spcBef>
-                  <a:spcAft>
-                    <a:spcPts val="0"/>
-                  </a:spcAft>
-                  <a:buClr>
-                    <a:srgbClr val="000000"/>
-                  </a:buClr>
-                  <a:buSzPts val="1100"/>
-                  <a:buFont typeface="Arial"/>
-                  <a:buNone/>
-                </a:pPr>
-                <a:endParaRPr sz="1600" b="0" i="0" u="none" strike="noStrike" cap="none">
-                  <a:solidFill>
-                    <a:schemeClr val="dk1"/>
-                  </a:solidFill>
-                  <a:latin typeface="Arial"/>
-                  <a:ea typeface="Arial"/>
-                  <a:cs typeface="Arial"/>
-                  <a:sym typeface="Arial"/>
-                </a:endParaRPr>
-              </a:p>
-            </p:txBody>
-          </p:sp>
-          <p:sp>
-            <p:nvSpPr>
-              <p:cNvPr id="18" name="Google Shape;504;g10f8d9d020d_0_26">
-                <a:extLst>
-                  <a:ext uri="{FF2B5EF4-FFF2-40B4-BE49-F238E27FC236}">
-                    <a16:creationId xmlns:a16="http://schemas.microsoft.com/office/drawing/2014/main" id="{215EEFFC-6883-463F-B3A9-3EBAEE860930}"/>
-                  </a:ext>
-                </a:extLst>
-              </p:cNvPr>
-              <p:cNvSpPr txBox="1"/>
-              <p:nvPr/>
-            </p:nvSpPr>
-            <p:spPr>
-              <a:xfrm>
-                <a:off x="2785377" y="1663679"/>
-                <a:ext cx="1709700" cy="160275"/>
-              </a:xfrm>
-              <a:prstGeom prst="rect">
-                <a:avLst/>
-              </a:prstGeom>
-              <a:noFill/>
-              <a:ln>
-                <a:noFill/>
-              </a:ln>
-            </p:spPr>
-            <p:txBody>
-              <a:bodyPr spcFirstLastPara="1" wrap="square" lIns="91425" tIns="45700" rIns="91425" bIns="45700" anchor="t" anchorCtr="0">
-                <a:spAutoFit/>
-              </a:bodyPr>
-              <a:lstStyle/>
-              <a:p>
-                <a:pPr marL="0" marR="0" lvl="0" indent="0" algn="ctr" rtl="0">
-                  <a:lnSpc>
-                    <a:spcPct val="60000"/>
-                  </a:lnSpc>
-                  <a:spcBef>
-                    <a:spcPts val="0"/>
-                  </a:spcBef>
-                  <a:spcAft>
-                    <a:spcPts val="0"/>
-                  </a:spcAft>
-                  <a:buClr>
-                    <a:srgbClr val="000000"/>
-                  </a:buClr>
-                  <a:buSzPts val="1100"/>
-                  <a:buFont typeface="Arial"/>
-                  <a:buNone/>
-                </a:pPr>
-                <a:r>
-                  <a:rPr lang="en-US" b="1" i="0" u="none" strike="noStrike" cap="none" dirty="0">
-                    <a:solidFill>
-                      <a:schemeClr val="dk1"/>
-                    </a:solidFill>
-                    <a:latin typeface="Arial"/>
-                    <a:ea typeface="Arial"/>
-                    <a:cs typeface="Arial"/>
-                    <a:sym typeface="Arial"/>
-                  </a:rPr>
-                  <a:t>Component</a:t>
-                </a:r>
-                <a:endParaRPr sz="2400" b="1" i="0" u="none" strike="noStrike" cap="none" dirty="0">
-                  <a:solidFill>
-                    <a:srgbClr val="000000"/>
-                  </a:solidFill>
-                  <a:latin typeface="Arial"/>
-                  <a:ea typeface="Arial"/>
-                  <a:cs typeface="Arial"/>
-                  <a:sym typeface="Arial"/>
-                </a:endParaRPr>
-              </a:p>
-            </p:txBody>
-          </p:sp>
-        </p:grpSp>
-        <p:sp>
-          <p:nvSpPr>
-            <p:cNvPr id="15" name="Google Shape;517;g10f8d9d020d_0_26">
-              <a:extLst>
-                <a:ext uri="{FF2B5EF4-FFF2-40B4-BE49-F238E27FC236}">
-                  <a16:creationId xmlns:a16="http://schemas.microsoft.com/office/drawing/2014/main" id="{FCA4AC9E-3E20-4FDF-9875-BAA4A5BCF757}"/>
-                </a:ext>
-              </a:extLst>
-            </p:cNvPr>
-            <p:cNvSpPr txBox="1"/>
-            <p:nvPr/>
-          </p:nvSpPr>
-          <p:spPr>
-            <a:xfrm>
-              <a:off x="5786750" y="2179326"/>
-              <a:ext cx="1372800" cy="148825"/>
-            </a:xfrm>
-            <a:prstGeom prst="rect">
-              <a:avLst/>
-            </a:prstGeom>
-            <a:noFill/>
-            <a:ln>
-              <a:noFill/>
-            </a:ln>
-          </p:spPr>
-          <p:txBody>
-            <a:bodyPr spcFirstLastPara="1" wrap="square" lIns="91425" tIns="45700" rIns="91425" bIns="45700" anchor="t" anchorCtr="0">
-              <a:spAutoFit/>
-            </a:bodyPr>
-            <a:lstStyle/>
-            <a:p>
-              <a:pPr marL="0" marR="0" lvl="0" indent="0" algn="l" rtl="0">
-                <a:lnSpc>
-                  <a:spcPct val="60000"/>
-                </a:lnSpc>
-                <a:spcBef>
-                  <a:spcPts val="0"/>
-                </a:spcBef>
-                <a:spcAft>
-                  <a:spcPts val="0"/>
-                </a:spcAft>
-                <a:buClr>
-                  <a:srgbClr val="000000"/>
-                </a:buClr>
-                <a:buSzPts val="1100"/>
-                <a:buFont typeface="Arial"/>
-                <a:buNone/>
-              </a:pPr>
-              <a:r>
-                <a:rPr lang="en-US" sz="1600" b="0" i="1" u="none" strike="noStrike" cap="none" dirty="0">
-                  <a:solidFill>
-                    <a:schemeClr val="dk1"/>
-                  </a:solidFill>
-                  <a:latin typeface="Arial"/>
-                  <a:ea typeface="Arial"/>
-                  <a:cs typeface="Arial"/>
-                  <a:sym typeface="Arial"/>
-                </a:rPr>
-                <a:t>String</a:t>
-              </a:r>
-              <a:r>
-                <a:rPr lang="en-US" sz="1600" b="0" i="0" u="none" strike="noStrike" cap="none" dirty="0">
-                  <a:solidFill>
-                    <a:schemeClr val="dk1"/>
-                  </a:solidFill>
-                  <a:latin typeface="Arial"/>
-                  <a:ea typeface="Arial"/>
-                  <a:cs typeface="Arial"/>
-                  <a:sym typeface="Arial"/>
-                </a:rPr>
-                <a:t> name</a:t>
-              </a:r>
-              <a:endParaRPr sz="2000" b="0" i="0" u="none" strike="noStrike" cap="none" dirty="0">
-                <a:solidFill>
-                  <a:srgbClr val="000000"/>
-                </a:solidFill>
-                <a:latin typeface="Arial"/>
-                <a:ea typeface="Arial"/>
-                <a:cs typeface="Arial"/>
-                <a:sym typeface="Arial"/>
-              </a:endParaRPr>
-            </a:p>
-          </p:txBody>
-        </p:sp>
-        <p:cxnSp>
-          <p:nvCxnSpPr>
-            <p:cNvPr id="16" name="Google Shape;518;g10f8d9d020d_0_26">
-              <a:extLst>
-                <a:ext uri="{FF2B5EF4-FFF2-40B4-BE49-F238E27FC236}">
-                  <a16:creationId xmlns:a16="http://schemas.microsoft.com/office/drawing/2014/main" id="{AC397623-DCE3-48B7-A76D-1DA9A7693FFE}"/>
-                </a:ext>
-              </a:extLst>
-            </p:cNvPr>
-            <p:cNvCxnSpPr/>
-            <p:nvPr/>
-          </p:nvCxnSpPr>
-          <p:spPr>
-            <a:xfrm>
-              <a:off x="5786749" y="2102859"/>
-              <a:ext cx="1372800" cy="0"/>
-            </a:xfrm>
-            <a:prstGeom prst="straightConnector1">
-              <a:avLst/>
-            </a:prstGeom>
-            <a:noFill/>
-            <a:ln w="9525" cap="flat" cmpd="sng">
-              <a:solidFill>
-                <a:schemeClr val="dk1"/>
-              </a:solidFill>
-              <a:prstDash val="solid"/>
-              <a:miter lim="800000"/>
-              <a:headEnd type="none" w="sm" len="sm"/>
-              <a:tailEnd type="none" w="sm" len="sm"/>
-            </a:ln>
-          </p:spPr>
-        </p:cxnSp>
-      </p:grpSp>
-      <p:grpSp>
-        <p:nvGrpSpPr>
-          <p:cNvPr id="20" name="Google Shape;520;g10f8d9d020d_0_26">
-            <a:extLst>
-              <a:ext uri="{FF2B5EF4-FFF2-40B4-BE49-F238E27FC236}">
-                <a16:creationId xmlns:a16="http://schemas.microsoft.com/office/drawing/2014/main" id="{788CA60E-1AE7-48F1-A5E5-74C975F09BFF}"/>
-              </a:ext>
-            </a:extLst>
-          </p:cNvPr>
-          <p:cNvGrpSpPr/>
-          <p:nvPr/>
-        </p:nvGrpSpPr>
-        <p:grpSpPr>
-          <a:xfrm>
-            <a:off x="4560803" y="889812"/>
+            <a:off x="2488163" y="1225092"/>
             <a:ext cx="3486174" cy="2188956"/>
             <a:chOff x="4793143" y="942638"/>
             <a:chExt cx="2283949" cy="1357240"/>
@@ -11488,7 +10708,7 @@
         </p:nvGrpSpPr>
         <p:grpSpPr>
           <a:xfrm>
-            <a:off x="1317176" y="4295505"/>
+            <a:off x="2457758" y="4355914"/>
             <a:ext cx="2095289" cy="1136909"/>
             <a:chOff x="2785377" y="1573191"/>
             <a:chExt cx="1709700" cy="704929"/>
@@ -11647,18 +10867,19 @@
           <p:cNvCxnSpPr>
             <a:cxnSpLocks/>
             <a:stCxn id="35" idx="1"/>
-            <a:endCxn id="33" idx="1"/>
+            <a:endCxn id="34" idx="0"/>
           </p:cNvCxnSpPr>
           <p:nvPr/>
         </p:nvCxnSpPr>
         <p:spPr>
-          <a:xfrm rot="10800000" flipH="1" flipV="1">
-            <a:off x="1317175" y="4570689"/>
-            <a:ext cx="143" cy="572623"/>
+          <a:xfrm rot="10800000" flipH="1">
+            <a:off x="2457757" y="4355915"/>
+            <a:ext cx="1047645" cy="275185"/>
           </a:xfrm>
-          <a:prstGeom prst="bentConnector3">
+          <a:prstGeom prst="bentConnector4">
             <a:avLst>
-              <a:gd name="adj1" fmla="val -159860140"/>
+              <a:gd name="adj1" fmla="val -13092"/>
+              <a:gd name="adj2" fmla="val 183071"/>
             </a:avLst>
           </a:prstGeom>
           <a:noFill/>
@@ -11687,7 +10908,7 @@
         </p:nvSpPr>
         <p:spPr>
           <a:xfrm>
-            <a:off x="1317319" y="4910962"/>
+            <a:off x="2457901" y="4971371"/>
             <a:ext cx="2222715" cy="464702"/>
           </a:xfrm>
           <a:prstGeom prst="rect">
@@ -11837,7 +11058,7 @@
         </p:nvCxnSpPr>
         <p:spPr>
           <a:xfrm>
-            <a:off x="1317176" y="4767963"/>
+            <a:off x="2457758" y="4828372"/>
             <a:ext cx="2095657" cy="0"/>
           </a:xfrm>
           <a:prstGeom prst="straightConnector1">
@@ -11869,8 +11090,8 @@
         </p:nvGrpSpPr>
         <p:grpSpPr>
           <a:xfrm>
-            <a:off x="4451973" y="4051333"/>
-            <a:ext cx="4406049" cy="1381079"/>
+            <a:off x="5654040" y="4209975"/>
+            <a:ext cx="4252361" cy="1381079"/>
             <a:chOff x="4825885" y="3099242"/>
             <a:chExt cx="2886600" cy="856324"/>
           </a:xfrm>
@@ -12319,8 +11540,8 @@
         </p:nvSpPr>
         <p:spPr>
           <a:xfrm>
-            <a:off x="423821" y="4519642"/>
-            <a:ext cx="635203" cy="623670"/>
+            <a:off x="2493893" y="3696495"/>
+            <a:ext cx="1194037" cy="623670"/>
           </a:xfrm>
           <a:prstGeom prst="rect">
             <a:avLst/>
@@ -12360,7 +11581,7 @@
                 <a:cs typeface="Arial"/>
                 <a:sym typeface="Arial"/>
               </a:rPr>
-              <a:t>[0..10] extends</a:t>
+              <a:t>[0..10]</a:t>
             </a:r>
             <a:br>
               <a:rPr lang="en-US" sz="1400" b="0" i="0" u="none" strike="noStrike" cap="none" dirty="0">
@@ -12371,13 +11592,13 @@
               </a:rPr>
             </a:br>
             <a:r>
-              <a:rPr lang="en-US" sz="1400" b="0" i="0" u="none" strike="noStrike" cap="none" dirty="0">
+              <a:rPr lang="en-US" sz="1400" b="0" i="0" u="none" strike="noStrike" cap="none" dirty="0" err="1">
                 <a:latin typeface="Arial"/>
                 <a:ea typeface="Arial"/>
                 <a:cs typeface="Arial"/>
                 <a:sym typeface="Arial"/>
               </a:rPr>
-              <a:t>From</a:t>
+              <a:t>extendsFrom</a:t>
             </a:r>
             <a:endParaRPr sz="1400" b="0" i="0" u="none" strike="noStrike" cap="none" dirty="0">
               <a:latin typeface="Arial"/>
@@ -12398,15 +11619,55 @@
             </a:extLst>
           </p:cNvPr>
           <p:cNvCxnSpPr>
-            <a:stCxn id="35" idx="3"/>
-            <a:endCxn id="22" idx="1"/>
+            <a:cxnSpLocks/>
+            <a:stCxn id="51" idx="2"/>
+            <a:endCxn id="22" idx="2"/>
           </p:cNvCxnSpPr>
           <p:nvPr/>
         </p:nvCxnSpPr>
         <p:spPr>
-          <a:xfrm flipV="1">
-            <a:off x="3412465" y="2284725"/>
-            <a:ext cx="1148413" cy="2285965"/>
+          <a:xfrm flipH="1" flipV="1">
+            <a:off x="4231288" y="3414048"/>
+            <a:ext cx="573019" cy="1485825"/>
+          </a:xfrm>
+          <a:prstGeom prst="bentConnector4">
+            <a:avLst>
+              <a:gd name="adj1" fmla="val -39894"/>
+              <a:gd name="adj2" fmla="val 54081"/>
+            </a:avLst>
+          </a:prstGeom>
+          <a:noFill/>
+          <a:ln w="12700" cap="flat" cmpd="sng">
+            <a:solidFill>
+              <a:schemeClr val="dk1"/>
+            </a:solidFill>
+            <a:prstDash val="solid"/>
+            <a:miter lim="800000"/>
+            <a:headEnd type="none" w="sm" len="sm"/>
+            <a:tailEnd type="triangle" w="lg" len="lg"/>
+          </a:ln>
+        </p:spPr>
+      </p:cxnSp>
+      <p:cxnSp>
+        <p:nvCxnSpPr>
+          <p:cNvPr id="44" name="Google Shape;544;g10f8d9d020d_0_26">
+            <a:extLst>
+              <a:ext uri="{FF2B5EF4-FFF2-40B4-BE49-F238E27FC236}">
+                <a16:creationId xmlns:a16="http://schemas.microsoft.com/office/drawing/2014/main" id="{A894AC71-9023-4010-A252-CC74285F66D8}"/>
+              </a:ext>
+            </a:extLst>
+          </p:cNvPr>
+          <p:cNvCxnSpPr>
+            <a:cxnSpLocks/>
+            <a:stCxn id="51" idx="2"/>
+            <a:endCxn id="40" idx="1"/>
+          </p:cNvCxnSpPr>
+          <p:nvPr/>
+        </p:nvCxnSpPr>
+        <p:spPr>
+          <a:xfrm>
+            <a:off x="4804307" y="4899873"/>
+            <a:ext cx="901699" cy="642"/>
           </a:xfrm>
           <a:prstGeom prst="bentConnector3">
             <a:avLst>
@@ -12425,43 +11686,6 @@
           </a:ln>
         </p:spPr>
       </p:cxnSp>
-      <p:cxnSp>
-        <p:nvCxnSpPr>
-          <p:cNvPr id="44" name="Google Shape;544;g10f8d9d020d_0_26">
-            <a:extLst>
-              <a:ext uri="{FF2B5EF4-FFF2-40B4-BE49-F238E27FC236}">
-                <a16:creationId xmlns:a16="http://schemas.microsoft.com/office/drawing/2014/main" id="{A894AC71-9023-4010-A252-CC74285F66D8}"/>
-              </a:ext>
-            </a:extLst>
-          </p:cNvPr>
-          <p:cNvCxnSpPr>
-            <a:cxnSpLocks/>
-            <a:stCxn id="35" idx="3"/>
-          </p:cNvCxnSpPr>
-          <p:nvPr/>
-        </p:nvCxnSpPr>
-        <p:spPr>
-          <a:xfrm>
-            <a:off x="3412465" y="4570690"/>
-            <a:ext cx="1093290" cy="293269"/>
-          </a:xfrm>
-          <a:prstGeom prst="bentConnector3">
-            <a:avLst>
-              <a:gd name="adj1" fmla="val 52614"/>
-            </a:avLst>
-          </a:prstGeom>
-          <a:noFill/>
-          <a:ln w="12700" cap="flat" cmpd="sng">
-            <a:solidFill>
-              <a:schemeClr val="dk1"/>
-            </a:solidFill>
-            <a:prstDash val="solid"/>
-            <a:miter lim="800000"/>
-            <a:headEnd type="none" w="sm" len="sm"/>
-            <a:tailEnd type="triangle" w="lg" len="lg"/>
-          </a:ln>
-        </p:spPr>
-      </p:cxnSp>
       <p:grpSp>
         <p:nvGrpSpPr>
           <p:cNvPr id="45" name="Google Shape;545;g10f8d9d020d_0_26">
@@ -12476,7 +11700,7 @@
         </p:nvGrpSpPr>
         <p:grpSpPr>
           <a:xfrm>
-            <a:off x="8700557" y="889587"/>
+            <a:off x="7208209" y="1274484"/>
             <a:ext cx="2682535" cy="1993415"/>
             <a:chOff x="7302832" y="1350960"/>
             <a:chExt cx="1757449" cy="1235997"/>
@@ -13070,60 +12294,24 @@
       </p:grpSp>
       <p:cxnSp>
         <p:nvCxnSpPr>
-          <p:cNvPr id="53" name="Google Shape;553;g10f8d9d020d_0_26">
-            <a:extLst>
-              <a:ext uri="{FF2B5EF4-FFF2-40B4-BE49-F238E27FC236}">
-                <a16:creationId xmlns:a16="http://schemas.microsoft.com/office/drawing/2014/main" id="{9CB3C7EC-4094-42F5-9BB5-952296CCFBB2}"/>
+          <p:cNvPr id="54" name="Google Shape;554;g10f8d9d020d_0_26">
+            <a:extLst>
+              <a:ext uri="{FF2B5EF4-FFF2-40B4-BE49-F238E27FC236}">
+                <a16:creationId xmlns:a16="http://schemas.microsoft.com/office/drawing/2014/main" id="{8A8B264C-5ED3-4E37-B5DB-277D95D12B64}"/>
               </a:ext>
             </a:extLst>
           </p:cNvPr>
           <p:cNvCxnSpPr>
             <a:cxnSpLocks/>
-            <a:stCxn id="17" idx="2"/>
-            <a:endCxn id="34" idx="0"/>
+            <a:stCxn id="62" idx="2"/>
+            <a:endCxn id="50" idx="1"/>
           </p:cNvCxnSpPr>
           <p:nvPr/>
         </p:nvCxnSpPr>
         <p:spPr>
           <a:xfrm>
-            <a:off x="2356683" y="3863810"/>
-            <a:ext cx="8138" cy="431695"/>
-          </a:xfrm>
-          <a:prstGeom prst="straightConnector1">
-            <a:avLst/>
-          </a:prstGeom>
-          <a:noFill/>
-          <a:ln w="12700" cap="flat" cmpd="sng">
-            <a:solidFill>
-              <a:schemeClr val="dk1"/>
-            </a:solidFill>
-            <a:prstDash val="solid"/>
-            <a:miter lim="800000"/>
-            <a:headEnd type="none" w="sm" len="sm"/>
-            <a:tailEnd type="triangle" w="lg" len="lg"/>
-          </a:ln>
-        </p:spPr>
-      </p:cxnSp>
-      <p:cxnSp>
-        <p:nvCxnSpPr>
-          <p:cNvPr id="54" name="Google Shape;554;g10f8d9d020d_0_26">
-            <a:extLst>
-              <a:ext uri="{FF2B5EF4-FFF2-40B4-BE49-F238E27FC236}">
-                <a16:creationId xmlns:a16="http://schemas.microsoft.com/office/drawing/2014/main" id="{8A8B264C-5ED3-4E37-B5DB-277D95D12B64}"/>
-              </a:ext>
-            </a:extLst>
-          </p:cNvPr>
-          <p:cNvCxnSpPr>
-            <a:cxnSpLocks/>
-            <a:stCxn id="25" idx="3"/>
-            <a:endCxn id="50" idx="1"/>
-          </p:cNvCxnSpPr>
-          <p:nvPr/>
-        </p:nvCxnSpPr>
-        <p:spPr>
-          <a:xfrm flipV="1">
-            <a:off x="7929864" y="1164772"/>
-            <a:ext cx="770693" cy="2226"/>
+            <a:off x="6099769" y="1548741"/>
+            <a:ext cx="1108440" cy="928"/>
           </a:xfrm>
           <a:prstGeom prst="straightConnector1">
             <a:avLst/>
@@ -13154,7 +12342,7 @@
         </p:nvSpPr>
         <p:spPr>
           <a:xfrm>
-            <a:off x="3980511" y="1942892"/>
+            <a:off x="4284978" y="3592299"/>
             <a:ext cx="791275" cy="248694"/>
           </a:xfrm>
           <a:prstGeom prst="rect">
@@ -13226,7 +12414,7 @@
         </p:nvSpPr>
         <p:spPr>
           <a:xfrm>
-            <a:off x="4056335" y="4917861"/>
+            <a:off x="5183062" y="5002146"/>
             <a:ext cx="791275" cy="248694"/>
           </a:xfrm>
           <a:prstGeom prst="rect">
@@ -13298,7 +12486,7 @@
         </p:nvSpPr>
         <p:spPr>
           <a:xfrm>
-            <a:off x="8066747" y="882967"/>
+            <a:off x="6564498" y="1232605"/>
             <a:ext cx="791275" cy="248694"/>
           </a:xfrm>
           <a:prstGeom prst="rect">
@@ -13368,171 +12556,27 @@
       </p:sp>
       <p:sp>
         <p:nvSpPr>
-          <p:cNvPr id="60" name="Google Shape;556;g10f8d9d020d_0_26">
-            <a:extLst>
-              <a:ext uri="{FF2B5EF4-FFF2-40B4-BE49-F238E27FC236}">
-                <a16:creationId xmlns:a16="http://schemas.microsoft.com/office/drawing/2014/main" id="{EFCD5A5D-A766-4961-9F1E-8B960CDD89B8}"/>
-              </a:ext>
-            </a:extLst>
-          </p:cNvPr>
-          <p:cNvSpPr txBox="1"/>
+          <p:cNvPr id="51" name="Raute 50">
+            <a:extLst>
+              <a:ext uri="{FF2B5EF4-FFF2-40B4-BE49-F238E27FC236}">
+                <a16:creationId xmlns:a16="http://schemas.microsoft.com/office/drawing/2014/main" id="{264C4348-CFA2-4F23-BE42-D68C2AA3131A}"/>
+              </a:ext>
+            </a:extLst>
+          </p:cNvPr>
+          <p:cNvSpPr/>
           <p:nvPr/>
         </p:nvSpPr>
         <p:spPr>
-          <a:xfrm>
-            <a:off x="2476903" y="2583866"/>
-            <a:ext cx="791275" cy="248694"/>
+          <a:xfrm rot="16200000" flipH="1">
+            <a:off x="4593034" y="4778600"/>
+            <a:ext cx="180001" cy="242545"/>
           </a:xfrm>
-          <a:prstGeom prst="rect">
+          <a:prstGeom prst="diamond">
             <a:avLst/>
           </a:prstGeom>
-          <a:noFill/>
-          <a:ln>
-            <a:noFill/>
-          </a:ln>
-        </p:spPr>
-        <p:txBody>
-          <a:bodyPr spcFirstLastPara="1" wrap="square" lIns="0" tIns="0" rIns="0" bIns="0" anchor="t" anchorCtr="0">
-            <a:noAutofit/>
-          </a:bodyPr>
-          <a:lstStyle/>
-          <a:p>
-            <a:pPr marL="0" marR="0" lvl="0" indent="0" algn="l" rtl="0">
-              <a:lnSpc>
-                <a:spcPct val="100000"/>
-              </a:lnSpc>
-              <a:spcBef>
-                <a:spcPts val="0"/>
-              </a:spcBef>
-              <a:spcAft>
-                <a:spcPts val="0"/>
-              </a:spcAft>
-              <a:buClr>
-                <a:srgbClr val="000000"/>
-              </a:buClr>
-              <a:buSzPts val="1100"/>
-              <a:buFont typeface="Arial"/>
-              <a:buNone/>
-            </a:pPr>
-            <a:r>
-              <a:rPr lang="en-US" sz="1400" b="0" i="0" u="none" strike="noStrike" cap="none" dirty="0">
-                <a:solidFill>
-                  <a:schemeClr val="dk1"/>
-                </a:solidFill>
-                <a:latin typeface="Arial"/>
-                <a:ea typeface="Arial"/>
-                <a:cs typeface="Arial"/>
-                <a:sym typeface="Arial"/>
-              </a:rPr>
-              <a:t>[0..*]</a:t>
-            </a:r>
-            <a:endParaRPr b="0" i="0" u="none" strike="noStrike" cap="none" dirty="0">
-              <a:solidFill>
-                <a:srgbClr val="000000"/>
-              </a:solidFill>
-              <a:latin typeface="Arial"/>
-              <a:ea typeface="Arial"/>
-              <a:cs typeface="Arial"/>
-              <a:sym typeface="Arial"/>
-            </a:endParaRPr>
-          </a:p>
-        </p:txBody>
-      </p:sp>
-      <p:sp>
-        <p:nvSpPr>
-          <p:cNvPr id="61" name="Google Shape;559;g10f8d9d020d_0_26">
-            <a:extLst>
-              <a:ext uri="{FF2B5EF4-FFF2-40B4-BE49-F238E27FC236}">
-                <a16:creationId xmlns:a16="http://schemas.microsoft.com/office/drawing/2014/main" id="{5CC2C39A-F11E-434E-9095-79E18F372E14}"/>
-              </a:ext>
-            </a:extLst>
-          </p:cNvPr>
-          <p:cNvSpPr txBox="1"/>
-          <p:nvPr/>
-        </p:nvSpPr>
-        <p:spPr>
-          <a:xfrm>
-            <a:off x="2457753" y="3947017"/>
-            <a:ext cx="791275" cy="248694"/>
-          </a:xfrm>
-          <a:prstGeom prst="rect">
-            <a:avLst/>
-          </a:prstGeom>
-          <a:noFill/>
-          <a:ln>
-            <a:noFill/>
-          </a:ln>
-        </p:spPr>
-        <p:txBody>
-          <a:bodyPr spcFirstLastPara="1" wrap="square" lIns="0" tIns="0" rIns="0" bIns="0" anchor="t" anchorCtr="0">
-            <a:noAutofit/>
-          </a:bodyPr>
-          <a:lstStyle/>
-          <a:p>
-            <a:pPr marL="0" marR="0" lvl="0" indent="0" algn="l" rtl="0">
-              <a:lnSpc>
-                <a:spcPct val="100000"/>
-              </a:lnSpc>
-              <a:spcBef>
-                <a:spcPts val="0"/>
-              </a:spcBef>
-              <a:spcAft>
-                <a:spcPts val="0"/>
-              </a:spcAft>
-              <a:buClr>
-                <a:srgbClr val="000000"/>
-              </a:buClr>
-              <a:buSzPts val="1100"/>
-              <a:buFont typeface="Arial"/>
-              <a:buNone/>
-            </a:pPr>
-            <a:r>
-              <a:rPr lang="en-US" sz="1400" dirty="0">
-                <a:solidFill>
-                  <a:schemeClr val="dk1"/>
-                </a:solidFill>
-                <a:latin typeface="Arial"/>
-                <a:cs typeface="Arial"/>
-                <a:sym typeface="Arial"/>
-              </a:rPr>
-              <a:t>[1...1]</a:t>
-            </a:r>
-            <a:endParaRPr sz="1400" dirty="0">
-              <a:solidFill>
-                <a:schemeClr val="dk1"/>
-              </a:solidFill>
-              <a:latin typeface="Arial"/>
-              <a:cs typeface="Arial"/>
-              <a:sym typeface="Arial"/>
-            </a:endParaRPr>
-          </a:p>
-        </p:txBody>
-      </p:sp>
-      <p:cxnSp>
-        <p:nvCxnSpPr>
-          <p:cNvPr id="64" name="Google Shape;553;g10f8d9d020d_0_26">
-            <a:extLst>
-              <a:ext uri="{FF2B5EF4-FFF2-40B4-BE49-F238E27FC236}">
-                <a16:creationId xmlns:a16="http://schemas.microsoft.com/office/drawing/2014/main" id="{3A018540-535C-4822-B2C5-6F1537E56C3B}"/>
-              </a:ext>
-            </a:extLst>
-          </p:cNvPr>
-          <p:cNvCxnSpPr>
-            <a:cxnSpLocks/>
-            <a:stCxn id="2" idx="2"/>
-            <a:endCxn id="17" idx="0"/>
-          </p:cNvCxnSpPr>
-          <p:nvPr/>
-        </p:nvCxnSpPr>
-        <p:spPr>
-          <a:xfrm flipH="1">
-            <a:off x="2356683" y="2420678"/>
-            <a:ext cx="2159" cy="401070"/>
-          </a:xfrm>
-          <a:prstGeom prst="straightConnector1">
-            <a:avLst/>
-          </a:prstGeom>
-          <a:noFill/>
+          <a:solidFill>
+            <a:schemeClr val="tx1"/>
+          </a:solidFill>
           <a:ln w="12700" cap="flat" cmpd="sng">
             <a:solidFill>
               <a:schemeClr val="dk1"/>
@@ -13543,7 +12587,63 @@
             <a:tailEnd type="triangle" w="lg" len="lg"/>
           </a:ln>
         </p:spPr>
-      </p:cxnSp>
+        <p:txBody>
+          <a:bodyPr rtlCol="0" anchor="ctr"/>
+          <a:lstStyle/>
+          <a:p>
+            <a:pPr algn="ctr"/>
+            <a:endParaRPr lang="de-AT" dirty="0">
+              <a:latin typeface="Arial" panose="020B0604020202020204" pitchFamily="34" charset="0"/>
+              <a:cs typeface="Arial" panose="020B0604020202020204" pitchFamily="34" charset="0"/>
+            </a:endParaRPr>
+          </a:p>
+        </p:txBody>
+      </p:sp>
+      <p:sp>
+        <p:nvSpPr>
+          <p:cNvPr id="62" name="Raute 61">
+            <a:extLst>
+              <a:ext uri="{FF2B5EF4-FFF2-40B4-BE49-F238E27FC236}">
+                <a16:creationId xmlns:a16="http://schemas.microsoft.com/office/drawing/2014/main" id="{61A019B9-BC74-481C-898F-32F71A844C8B}"/>
+              </a:ext>
+            </a:extLst>
+          </p:cNvPr>
+          <p:cNvSpPr/>
+          <p:nvPr/>
+        </p:nvSpPr>
+        <p:spPr>
+          <a:xfrm rot="16200000" flipH="1">
+            <a:off x="5888496" y="1427468"/>
+            <a:ext cx="180001" cy="242545"/>
+          </a:xfrm>
+          <a:prstGeom prst="diamond">
+            <a:avLst/>
+          </a:prstGeom>
+          <a:solidFill>
+            <a:schemeClr val="tx1"/>
+          </a:solidFill>
+          <a:ln w="12700" cap="flat" cmpd="sng">
+            <a:solidFill>
+              <a:schemeClr val="dk1"/>
+            </a:solidFill>
+            <a:prstDash val="solid"/>
+            <a:miter lim="800000"/>
+            <a:headEnd type="none" w="sm" len="sm"/>
+            <a:tailEnd type="triangle" w="lg" len="lg"/>
+          </a:ln>
+        </p:spPr>
+        <p:txBody>
+          <a:bodyPr rtlCol="0" anchor="ctr"/>
+          <a:lstStyle/>
+          <a:p>
+            <a:pPr algn="ctr"/>
+            <a:endParaRPr lang="de-AT" dirty="0">
+              <a:latin typeface="Arial" panose="020B0604020202020204" pitchFamily="34" charset="0"/>
+              <a:cs typeface="Arial" panose="020B0604020202020204" pitchFamily="34" charset="0"/>
+            </a:endParaRPr>
+          </a:p>
+        </p:txBody>
+      </p:sp>
     </p:spTree>
     <p:extLst>
       <p:ext uri="{BB962C8B-B14F-4D97-AF65-F5344CB8AC3E}">

--- a/Figures.pptx
+++ b/Figures.pptx
@@ -13,6 +13,7 @@
     <p:sldId id="263" r:id="rId7"/>
     <p:sldId id="264" r:id="rId8"/>
     <p:sldId id="258" r:id="rId9"/>
+    <p:sldId id="265" r:id="rId10"/>
   </p:sldIdLst>
   <p:sldSz cx="12192000" cy="6858000"/>
   <p:notesSz cx="6858000" cy="9144000"/>
@@ -20474,6 +20475,4218 @@
 </p:sld>
 </file>
 
+<file path=ppt/slides/slide9.xml><?xml version="1.0" encoding="utf-8"?>
+<p:sld xmlns:a="http://schemas.openxmlformats.org/drawingml/2006/main" xmlns:r="http://schemas.openxmlformats.org/officeDocument/2006/relationships" xmlns:p="http://schemas.openxmlformats.org/presentationml/2006/main">
+  <p:cSld>
+    <p:spTree>
+      <p:nvGrpSpPr>
+        <p:cNvPr id="1" name=""/>
+        <p:cNvGrpSpPr/>
+        <p:nvPr/>
+      </p:nvGrpSpPr>
+      <p:grpSpPr>
+        <a:xfrm>
+          <a:off x="0" y="0"/>
+          <a:ext cx="0" cy="0"/>
+          <a:chOff x="0" y="0"/>
+          <a:chExt cx="0" cy="0"/>
+        </a:xfrm>
+      </p:grpSpPr>
+      <p:sp>
+        <p:nvSpPr>
+          <p:cNvPr id="66" name="Rechteck 65">
+            <a:extLst>
+              <a:ext uri="{FF2B5EF4-FFF2-40B4-BE49-F238E27FC236}">
+                <a16:creationId xmlns:a16="http://schemas.microsoft.com/office/drawing/2014/main" id="{8FCA7AA4-177F-4825-BB00-0730A5C5E5D4}"/>
+              </a:ext>
+            </a:extLst>
+          </p:cNvPr>
+          <p:cNvSpPr/>
+          <p:nvPr/>
+        </p:nvSpPr>
+        <p:spPr>
+          <a:xfrm>
+            <a:off x="9468628" y="2765941"/>
+            <a:ext cx="1800409" cy="380480"/>
+          </a:xfrm>
+          <a:prstGeom prst="rect">
+            <a:avLst/>
+          </a:prstGeom>
+          <a:solidFill>
+            <a:srgbClr val="FFFFFF"/>
+          </a:solidFill>
+          <a:ln w="9525" cap="flat" cmpd="sng" algn="ctr">
+            <a:solidFill>
+              <a:srgbClr val="000000"/>
+            </a:solidFill>
+            <a:prstDash val="solid"/>
+          </a:ln>
+          <a:effectLst/>
+        </p:spPr>
+        <p:txBody>
+          <a:bodyPr lIns="36000" tIns="36000" rIns="36000" bIns="36000" rtlCol="0" anchor="ctr">
+            <a:spAutoFit/>
+          </a:bodyPr>
+          <a:lstStyle/>
+          <a:p>
+            <a:pPr marL="0" marR="0" lvl="0" indent="0" algn="ctr" defTabSz="914400" eaLnBrk="1" fontAlgn="base" latinLnBrk="0" hangingPunct="1">
+              <a:lnSpc>
+                <a:spcPct val="100000"/>
+              </a:lnSpc>
+              <a:spcBef>
+                <a:spcPct val="0"/>
+              </a:spcBef>
+              <a:spcAft>
+                <a:spcPct val="0"/>
+              </a:spcAft>
+              <a:buClrTx/>
+              <a:buSzTx/>
+              <a:buFontTx/>
+              <a:buNone/>
+              <a:tabLst/>
+              <a:defRPr/>
+            </a:pPr>
+            <a:r>
+              <a:rPr kumimoji="0" lang="de-DE" sz="2000" b="0" i="0" u="none" strike="noStrike" kern="0" cap="none" spc="0" normalizeH="0" baseline="0" noProof="0" dirty="0">
+                <a:ln>
+                  <a:noFill/>
+                </a:ln>
+                <a:solidFill>
+                  <a:srgbClr val="000000"/>
+                </a:solidFill>
+                <a:effectLst/>
+                <a:uLnTx/>
+                <a:uFillTx/>
+                <a:latin typeface="Arial"/>
+                <a:ea typeface="+mn-ea"/>
+                <a:cs typeface="+mn-cs"/>
+              </a:rPr>
+              <a:t>Model</a:t>
+            </a:r>
+          </a:p>
+        </p:txBody>
+      </p:sp>
+      <p:sp>
+        <p:nvSpPr>
+          <p:cNvPr id="67" name="Rechteck 66">
+            <a:extLst>
+              <a:ext uri="{FF2B5EF4-FFF2-40B4-BE49-F238E27FC236}">
+                <a16:creationId xmlns:a16="http://schemas.microsoft.com/office/drawing/2014/main" id="{566716BB-440A-43D4-85D3-F6CC0509300E}"/>
+              </a:ext>
+            </a:extLst>
+          </p:cNvPr>
+          <p:cNvSpPr/>
+          <p:nvPr/>
+        </p:nvSpPr>
+        <p:spPr>
+          <a:xfrm>
+            <a:off x="6139097" y="3958299"/>
+            <a:ext cx="1800409" cy="380480"/>
+          </a:xfrm>
+          <a:prstGeom prst="rect">
+            <a:avLst/>
+          </a:prstGeom>
+          <a:solidFill>
+            <a:srgbClr val="FFFFFF"/>
+          </a:solidFill>
+          <a:ln w="9525" cap="flat" cmpd="sng" algn="ctr">
+            <a:solidFill>
+              <a:srgbClr val="000000"/>
+            </a:solidFill>
+            <a:prstDash val="solid"/>
+          </a:ln>
+          <a:effectLst/>
+        </p:spPr>
+        <p:txBody>
+          <a:bodyPr lIns="36000" tIns="36000" rIns="36000" bIns="36000" rtlCol="0" anchor="ctr">
+            <a:spAutoFit/>
+          </a:bodyPr>
+          <a:lstStyle/>
+          <a:p>
+            <a:pPr marL="0" marR="0" lvl="0" indent="0" algn="ctr" defTabSz="914400" eaLnBrk="1" fontAlgn="base" latinLnBrk="0" hangingPunct="1">
+              <a:lnSpc>
+                <a:spcPct val="100000"/>
+              </a:lnSpc>
+              <a:spcBef>
+                <a:spcPct val="0"/>
+              </a:spcBef>
+              <a:spcAft>
+                <a:spcPct val="0"/>
+              </a:spcAft>
+              <a:buClrTx/>
+              <a:buSzTx/>
+              <a:buFontTx/>
+              <a:buNone/>
+              <a:tabLst/>
+              <a:defRPr/>
+            </a:pPr>
+            <a:r>
+              <a:rPr kumimoji="0" lang="de-DE" sz="2000" b="0" i="0" u="none" strike="noStrike" kern="0" cap="none" spc="0" normalizeH="0" baseline="0" noProof="0" dirty="0" err="1">
+                <a:ln>
+                  <a:noFill/>
+                </a:ln>
+                <a:solidFill>
+                  <a:srgbClr val="000000"/>
+                </a:solidFill>
+                <a:effectLst/>
+                <a:uLnTx/>
+                <a:uFillTx/>
+                <a:latin typeface="Arial"/>
+                <a:ea typeface="+mn-ea"/>
+                <a:cs typeface="+mn-cs"/>
+              </a:rPr>
+              <a:t>DataTrace</a:t>
+            </a:r>
+            <a:endParaRPr kumimoji="0" lang="de-DE" sz="2000" b="0" i="0" u="none" strike="noStrike" kern="0" cap="none" spc="0" normalizeH="0" baseline="0" noProof="0" dirty="0">
+              <a:ln>
+                <a:noFill/>
+              </a:ln>
+              <a:solidFill>
+                <a:srgbClr val="000000"/>
+              </a:solidFill>
+              <a:effectLst/>
+              <a:uLnTx/>
+              <a:uFillTx/>
+              <a:latin typeface="Arial"/>
+              <a:ea typeface="+mn-ea"/>
+              <a:cs typeface="+mn-cs"/>
+            </a:endParaRPr>
+          </a:p>
+        </p:txBody>
+      </p:sp>
+      <p:sp>
+        <p:nvSpPr>
+          <p:cNvPr id="68" name="Rechteck 67">
+            <a:extLst>
+              <a:ext uri="{FF2B5EF4-FFF2-40B4-BE49-F238E27FC236}">
+                <a16:creationId xmlns:a16="http://schemas.microsoft.com/office/drawing/2014/main" id="{4B2B1206-F421-48CB-86E2-B66BE6F5CC06}"/>
+              </a:ext>
+            </a:extLst>
+          </p:cNvPr>
+          <p:cNvSpPr/>
+          <p:nvPr/>
+        </p:nvSpPr>
+        <p:spPr>
+          <a:xfrm>
+            <a:off x="6605547" y="5146525"/>
+            <a:ext cx="1800409" cy="380480"/>
+          </a:xfrm>
+          <a:prstGeom prst="rect">
+            <a:avLst/>
+          </a:prstGeom>
+          <a:solidFill>
+            <a:srgbClr val="FFFFFF"/>
+          </a:solidFill>
+          <a:ln w="9525" cap="flat" cmpd="sng" algn="ctr">
+            <a:solidFill>
+              <a:srgbClr val="000000"/>
+            </a:solidFill>
+            <a:prstDash val="solid"/>
+          </a:ln>
+          <a:effectLst/>
+        </p:spPr>
+        <p:txBody>
+          <a:bodyPr lIns="36000" tIns="36000" rIns="36000" bIns="36000" rtlCol="0" anchor="ctr">
+            <a:spAutoFit/>
+          </a:bodyPr>
+          <a:lstStyle/>
+          <a:p>
+            <a:pPr marL="0" marR="0" lvl="0" indent="0" algn="ctr" defTabSz="914400" eaLnBrk="1" fontAlgn="base" latinLnBrk="0" hangingPunct="1">
+              <a:lnSpc>
+                <a:spcPct val="100000"/>
+              </a:lnSpc>
+              <a:spcBef>
+                <a:spcPct val="0"/>
+              </a:spcBef>
+              <a:spcAft>
+                <a:spcPct val="0"/>
+              </a:spcAft>
+              <a:buClrTx/>
+              <a:buSzTx/>
+              <a:buFontTx/>
+              <a:buNone/>
+              <a:tabLst/>
+              <a:defRPr/>
+            </a:pPr>
+            <a:r>
+              <a:rPr kumimoji="0" lang="en-US" sz="2000" b="0" i="0" u="none" strike="noStrike" kern="0" cap="none" spc="0" normalizeH="0" baseline="0" noProof="0" dirty="0" err="1">
+                <a:ln>
+                  <a:noFill/>
+                </a:ln>
+                <a:solidFill>
+                  <a:srgbClr val="000000"/>
+                </a:solidFill>
+                <a:effectLst/>
+                <a:uLnTx/>
+                <a:uFillTx/>
+                <a:latin typeface="Arial"/>
+                <a:ea typeface="+mn-ea"/>
+                <a:cs typeface="+mn-cs"/>
+              </a:rPr>
+              <a:t>MetaData</a:t>
+            </a:r>
+            <a:endParaRPr kumimoji="0" lang="en-US" sz="2000" b="0" i="0" u="none" strike="noStrike" kern="0" cap="none" spc="0" normalizeH="0" baseline="0" noProof="0" dirty="0">
+              <a:ln>
+                <a:noFill/>
+              </a:ln>
+              <a:solidFill>
+                <a:srgbClr val="000000"/>
+              </a:solidFill>
+              <a:effectLst/>
+              <a:uLnTx/>
+              <a:uFillTx/>
+              <a:latin typeface="Arial"/>
+              <a:ea typeface="+mn-ea"/>
+              <a:cs typeface="+mn-cs"/>
+            </a:endParaRPr>
+          </a:p>
+        </p:txBody>
+      </p:sp>
+      <p:sp>
+        <p:nvSpPr>
+          <p:cNvPr id="69" name="Rechteck 68">
+            <a:extLst>
+              <a:ext uri="{FF2B5EF4-FFF2-40B4-BE49-F238E27FC236}">
+                <a16:creationId xmlns:a16="http://schemas.microsoft.com/office/drawing/2014/main" id="{E383735C-BA96-42A6-863B-4BF480826290}"/>
+              </a:ext>
+            </a:extLst>
+          </p:cNvPr>
+          <p:cNvSpPr/>
+          <p:nvPr/>
+        </p:nvSpPr>
+        <p:spPr>
+          <a:xfrm>
+            <a:off x="2804803" y="1573558"/>
+            <a:ext cx="1800409" cy="380480"/>
+          </a:xfrm>
+          <a:prstGeom prst="rect">
+            <a:avLst/>
+          </a:prstGeom>
+          <a:solidFill>
+            <a:srgbClr val="FFFFFF"/>
+          </a:solidFill>
+          <a:ln w="9525" cap="flat" cmpd="sng" algn="ctr">
+            <a:solidFill>
+              <a:srgbClr val="000000"/>
+            </a:solidFill>
+            <a:prstDash val="solid"/>
+          </a:ln>
+          <a:effectLst/>
+        </p:spPr>
+        <p:txBody>
+          <a:bodyPr wrap="square" lIns="36000" tIns="36000" rIns="36000" bIns="36000" rtlCol="0" anchor="ctr">
+            <a:spAutoFit/>
+          </a:bodyPr>
+          <a:lstStyle/>
+          <a:p>
+            <a:pPr marL="0" marR="0" lvl="0" indent="0" algn="ctr" defTabSz="914400" eaLnBrk="1" fontAlgn="base" latinLnBrk="0" hangingPunct="1">
+              <a:lnSpc>
+                <a:spcPct val="100000"/>
+              </a:lnSpc>
+              <a:spcBef>
+                <a:spcPct val="0"/>
+              </a:spcBef>
+              <a:spcAft>
+                <a:spcPct val="0"/>
+              </a:spcAft>
+              <a:buClrTx/>
+              <a:buSzTx/>
+              <a:buFontTx/>
+              <a:buNone/>
+              <a:tabLst/>
+              <a:defRPr/>
+            </a:pPr>
+            <a:r>
+              <a:rPr kumimoji="0" lang="de-DE" sz="2000" b="0" i="0" u="none" strike="noStrike" kern="0" cap="none" spc="0" normalizeH="0" baseline="0" noProof="0" dirty="0">
+                <a:ln>
+                  <a:noFill/>
+                </a:ln>
+                <a:solidFill>
+                  <a:srgbClr val="000000"/>
+                </a:solidFill>
+                <a:effectLst/>
+                <a:uLnTx/>
+                <a:uFillTx/>
+                <a:latin typeface="Arial"/>
+                <a:ea typeface="+mn-ea"/>
+                <a:cs typeface="+mn-cs"/>
+              </a:rPr>
+              <a:t>Asset</a:t>
+            </a:r>
+          </a:p>
+        </p:txBody>
+      </p:sp>
+      <p:cxnSp>
+        <p:nvCxnSpPr>
+          <p:cNvPr id="70" name="Gerader Verbinder 69">
+            <a:extLst>
+              <a:ext uri="{FF2B5EF4-FFF2-40B4-BE49-F238E27FC236}">
+                <a16:creationId xmlns:a16="http://schemas.microsoft.com/office/drawing/2014/main" id="{AD0AE3E8-8CB2-4329-84FD-5DE9C1634D92}"/>
+              </a:ext>
+            </a:extLst>
+          </p:cNvPr>
+          <p:cNvCxnSpPr>
+            <a:stCxn id="92" idx="2"/>
+            <a:endCxn id="67" idx="0"/>
+          </p:cNvCxnSpPr>
+          <p:nvPr/>
+        </p:nvCxnSpPr>
+        <p:spPr>
+          <a:xfrm>
+            <a:off x="7039302" y="2952500"/>
+            <a:ext cx="0" cy="1005801"/>
+          </a:xfrm>
+          <a:prstGeom prst="line">
+            <a:avLst/>
+          </a:prstGeom>
+          <a:noFill/>
+          <a:ln w="9525" cap="flat" cmpd="sng" algn="ctr">
+            <a:solidFill>
+              <a:srgbClr val="000000">
+                <a:shade val="95000"/>
+                <a:satMod val="105000"/>
+              </a:srgbClr>
+            </a:solidFill>
+            <a:prstDash val="solid"/>
+            <a:headEnd type="none" w="med" len="med"/>
+            <a:tailEnd type="none" w="med" len="med"/>
+          </a:ln>
+          <a:effectLst/>
+        </p:spPr>
+      </p:cxnSp>
+      <p:sp>
+        <p:nvSpPr>
+          <p:cNvPr id="71" name="Rechteck 70">
+            <a:extLst>
+              <a:ext uri="{FF2B5EF4-FFF2-40B4-BE49-F238E27FC236}">
+                <a16:creationId xmlns:a16="http://schemas.microsoft.com/office/drawing/2014/main" id="{49D3A9C0-3864-4C72-A62E-43E160A11220}"/>
+              </a:ext>
+            </a:extLst>
+          </p:cNvPr>
+          <p:cNvSpPr/>
+          <p:nvPr/>
+        </p:nvSpPr>
+        <p:spPr>
+          <a:xfrm>
+            <a:off x="4374950" y="5146525"/>
+            <a:ext cx="1800409" cy="380480"/>
+          </a:xfrm>
+          <a:prstGeom prst="rect">
+            <a:avLst/>
+          </a:prstGeom>
+          <a:solidFill>
+            <a:srgbClr val="FFFFFF"/>
+          </a:solidFill>
+          <a:ln w="9525" cap="flat" cmpd="sng" algn="ctr">
+            <a:solidFill>
+              <a:srgbClr val="000000"/>
+            </a:solidFill>
+            <a:prstDash val="solid"/>
+          </a:ln>
+          <a:effectLst/>
+        </p:spPr>
+        <p:txBody>
+          <a:bodyPr lIns="36000" tIns="36000" rIns="36000" bIns="36000" rtlCol="0" anchor="ctr">
+            <a:spAutoFit/>
+          </a:bodyPr>
+          <a:lstStyle/>
+          <a:p>
+            <a:pPr marL="0" marR="0" lvl="0" indent="0" algn="ctr" defTabSz="914400" eaLnBrk="1" fontAlgn="base" latinLnBrk="0" hangingPunct="1">
+              <a:lnSpc>
+                <a:spcPct val="100000"/>
+              </a:lnSpc>
+              <a:spcBef>
+                <a:spcPct val="0"/>
+              </a:spcBef>
+              <a:spcAft>
+                <a:spcPct val="0"/>
+              </a:spcAft>
+              <a:buClrTx/>
+              <a:buSzTx/>
+              <a:buFontTx/>
+              <a:buNone/>
+              <a:tabLst/>
+              <a:defRPr/>
+            </a:pPr>
+            <a:r>
+              <a:rPr kumimoji="0" lang="de-DE" sz="2000" b="0" i="0" u="none" strike="noStrike" kern="0" cap="none" spc="0" normalizeH="0" baseline="0" noProof="0" dirty="0" err="1">
+                <a:ln>
+                  <a:noFill/>
+                </a:ln>
+                <a:solidFill>
+                  <a:srgbClr val="000000"/>
+                </a:solidFill>
+                <a:effectLst/>
+                <a:uLnTx/>
+                <a:uFillTx/>
+                <a:latin typeface="Arial"/>
+                <a:ea typeface="+mn-ea"/>
+                <a:cs typeface="+mn-cs"/>
+              </a:rPr>
+              <a:t>DataPoint</a:t>
+            </a:r>
+            <a:endParaRPr kumimoji="0" lang="de-DE" sz="2000" b="0" i="0" u="none" strike="noStrike" kern="0" cap="none" spc="0" normalizeH="0" baseline="0" noProof="0" dirty="0">
+              <a:ln>
+                <a:noFill/>
+              </a:ln>
+              <a:solidFill>
+                <a:srgbClr val="000000"/>
+              </a:solidFill>
+              <a:effectLst/>
+              <a:uLnTx/>
+              <a:uFillTx/>
+              <a:latin typeface="Arial"/>
+              <a:ea typeface="+mn-ea"/>
+              <a:cs typeface="+mn-cs"/>
+            </a:endParaRPr>
+          </a:p>
+        </p:txBody>
+      </p:sp>
+      <p:sp>
+        <p:nvSpPr>
+          <p:cNvPr id="72" name="Rechteck 71">
+            <a:extLst>
+              <a:ext uri="{FF2B5EF4-FFF2-40B4-BE49-F238E27FC236}">
+                <a16:creationId xmlns:a16="http://schemas.microsoft.com/office/drawing/2014/main" id="{C574EB9C-0F8B-401B-A3CD-AAADC28A64FC}"/>
+              </a:ext>
+            </a:extLst>
+          </p:cNvPr>
+          <p:cNvSpPr/>
+          <p:nvPr/>
+        </p:nvSpPr>
+        <p:spPr>
+          <a:xfrm>
+            <a:off x="2804803" y="2765941"/>
+            <a:ext cx="1800409" cy="380480"/>
+          </a:xfrm>
+          <a:prstGeom prst="rect">
+            <a:avLst/>
+          </a:prstGeom>
+          <a:solidFill>
+            <a:srgbClr val="FFFFFF"/>
+          </a:solidFill>
+          <a:ln w="9525" cap="flat" cmpd="sng" algn="ctr">
+            <a:solidFill>
+              <a:srgbClr val="000000"/>
+            </a:solidFill>
+            <a:prstDash val="solid"/>
+          </a:ln>
+          <a:effectLst/>
+        </p:spPr>
+        <p:txBody>
+          <a:bodyPr lIns="36000" tIns="36000" rIns="36000" bIns="36000" rtlCol="0" anchor="ctr">
+            <a:spAutoFit/>
+          </a:bodyPr>
+          <a:lstStyle/>
+          <a:p>
+            <a:pPr marL="0" marR="0" lvl="0" indent="0" algn="ctr" defTabSz="914400" eaLnBrk="1" fontAlgn="base" latinLnBrk="0" hangingPunct="1">
+              <a:lnSpc>
+                <a:spcPct val="100000"/>
+              </a:lnSpc>
+              <a:spcBef>
+                <a:spcPct val="0"/>
+              </a:spcBef>
+              <a:spcAft>
+                <a:spcPct val="0"/>
+              </a:spcAft>
+              <a:buClrTx/>
+              <a:buSzTx/>
+              <a:buFontTx/>
+              <a:buNone/>
+              <a:tabLst/>
+              <a:defRPr/>
+            </a:pPr>
+            <a:r>
+              <a:rPr kumimoji="0" lang="de-DE" sz="2000" b="0" i="0" u="none" strike="noStrike" kern="0" cap="none" spc="0" normalizeH="0" baseline="0" noProof="0" dirty="0">
+                <a:ln>
+                  <a:noFill/>
+                </a:ln>
+                <a:solidFill>
+                  <a:srgbClr val="000000"/>
+                </a:solidFill>
+                <a:effectLst/>
+                <a:uLnTx/>
+                <a:uFillTx/>
+                <a:latin typeface="Arial"/>
+                <a:ea typeface="+mn-ea"/>
+                <a:cs typeface="+mn-cs"/>
+              </a:rPr>
+              <a:t>Source</a:t>
+            </a:r>
+          </a:p>
+        </p:txBody>
+      </p:sp>
+      <p:sp>
+        <p:nvSpPr>
+          <p:cNvPr id="73" name="Rechteck 72">
+            <a:extLst>
+              <a:ext uri="{FF2B5EF4-FFF2-40B4-BE49-F238E27FC236}">
+                <a16:creationId xmlns:a16="http://schemas.microsoft.com/office/drawing/2014/main" id="{69EA3228-DB16-4177-82DD-BD4619D5E7BB}"/>
+              </a:ext>
+            </a:extLst>
+          </p:cNvPr>
+          <p:cNvSpPr/>
+          <p:nvPr/>
+        </p:nvSpPr>
+        <p:spPr>
+          <a:xfrm>
+            <a:off x="3928650" y="3958299"/>
+            <a:ext cx="1515809" cy="380480"/>
+          </a:xfrm>
+          <a:prstGeom prst="rect">
+            <a:avLst/>
+          </a:prstGeom>
+          <a:solidFill>
+            <a:srgbClr val="FFFFFF"/>
+          </a:solidFill>
+          <a:ln w="9525" cap="flat" cmpd="sng" algn="ctr">
+            <a:solidFill>
+              <a:srgbClr val="000000"/>
+            </a:solidFill>
+            <a:prstDash val="solid"/>
+          </a:ln>
+          <a:effectLst/>
+        </p:spPr>
+        <p:txBody>
+          <a:bodyPr wrap="square" lIns="36000" tIns="36000" rIns="36000" bIns="36000" rtlCol="0" anchor="ctr">
+            <a:spAutoFit/>
+          </a:bodyPr>
+          <a:lstStyle/>
+          <a:p>
+            <a:pPr marL="0" marR="0" lvl="0" indent="0" algn="ctr" defTabSz="914400" eaLnBrk="1" fontAlgn="base" latinLnBrk="0" hangingPunct="1">
+              <a:lnSpc>
+                <a:spcPct val="100000"/>
+              </a:lnSpc>
+              <a:spcBef>
+                <a:spcPct val="0"/>
+              </a:spcBef>
+              <a:spcAft>
+                <a:spcPct val="0"/>
+              </a:spcAft>
+              <a:buClrTx/>
+              <a:buSzTx/>
+              <a:buFontTx/>
+              <a:buNone/>
+              <a:tabLst/>
+              <a:defRPr/>
+            </a:pPr>
+            <a:r>
+              <a:rPr kumimoji="0" lang="de-DE" sz="2000" b="0" i="0" u="none" strike="noStrike" kern="0" cap="none" spc="0" normalizeH="0" baseline="0" noProof="0" dirty="0">
+                <a:ln>
+                  <a:noFill/>
+                </a:ln>
+                <a:solidFill>
+                  <a:srgbClr val="000000"/>
+                </a:solidFill>
+                <a:effectLst/>
+                <a:uLnTx/>
+                <a:uFillTx/>
+                <a:latin typeface="Arial"/>
+                <a:ea typeface="+mn-ea"/>
+                <a:cs typeface="+mn-cs"/>
+              </a:rPr>
+              <a:t>Processing</a:t>
+            </a:r>
+          </a:p>
+        </p:txBody>
+      </p:sp>
+      <p:sp>
+        <p:nvSpPr>
+          <p:cNvPr id="74" name="Rechteck 73">
+            <a:extLst>
+              <a:ext uri="{FF2B5EF4-FFF2-40B4-BE49-F238E27FC236}">
+                <a16:creationId xmlns:a16="http://schemas.microsoft.com/office/drawing/2014/main" id="{FD672C8D-3084-4FBE-BD59-5C4D2ADB0FAC}"/>
+              </a:ext>
+            </a:extLst>
+          </p:cNvPr>
+          <p:cNvSpPr/>
+          <p:nvPr/>
+        </p:nvSpPr>
+        <p:spPr>
+          <a:xfrm>
+            <a:off x="1538479" y="3958299"/>
+            <a:ext cx="1802088" cy="380480"/>
+          </a:xfrm>
+          <a:prstGeom prst="rect">
+            <a:avLst/>
+          </a:prstGeom>
+          <a:solidFill>
+            <a:srgbClr val="FFFFFF"/>
+          </a:solidFill>
+          <a:ln w="9525" cap="flat" cmpd="sng" algn="ctr">
+            <a:solidFill>
+              <a:srgbClr val="000000"/>
+            </a:solidFill>
+            <a:prstDash val="solid"/>
+          </a:ln>
+          <a:effectLst/>
+        </p:spPr>
+        <p:txBody>
+          <a:bodyPr wrap="square" lIns="36000" tIns="36000" rIns="36000" bIns="36000" rtlCol="0" anchor="ctr">
+            <a:spAutoFit/>
+          </a:bodyPr>
+          <a:lstStyle/>
+          <a:p>
+            <a:pPr marL="0" marR="0" lvl="0" indent="0" algn="ctr" defTabSz="914400" eaLnBrk="1" fontAlgn="base" latinLnBrk="0" hangingPunct="1">
+              <a:lnSpc>
+                <a:spcPct val="100000"/>
+              </a:lnSpc>
+              <a:spcBef>
+                <a:spcPct val="0"/>
+              </a:spcBef>
+              <a:spcAft>
+                <a:spcPct val="0"/>
+              </a:spcAft>
+              <a:buClrTx/>
+              <a:buSzTx/>
+              <a:buFontTx/>
+              <a:buNone/>
+              <a:tabLst/>
+              <a:defRPr/>
+            </a:pPr>
+            <a:r>
+              <a:rPr kumimoji="0" lang="de-DE" sz="2000" b="0" i="0" u="none" strike="noStrike" kern="0" cap="none" spc="0" normalizeH="0" baseline="0" noProof="0" dirty="0">
+                <a:ln>
+                  <a:noFill/>
+                </a:ln>
+                <a:solidFill>
+                  <a:srgbClr val="000000"/>
+                </a:solidFill>
+                <a:effectLst/>
+                <a:uLnTx/>
+                <a:uFillTx/>
+                <a:latin typeface="Arial"/>
+                <a:ea typeface="+mn-ea"/>
+                <a:cs typeface="+mn-cs"/>
+              </a:rPr>
+              <a:t>Measurement</a:t>
+            </a:r>
+          </a:p>
+        </p:txBody>
+      </p:sp>
+      <p:sp>
+        <p:nvSpPr>
+          <p:cNvPr id="75" name="Rechteck 74">
+            <a:extLst>
+              <a:ext uri="{FF2B5EF4-FFF2-40B4-BE49-F238E27FC236}">
+                <a16:creationId xmlns:a16="http://schemas.microsoft.com/office/drawing/2014/main" id="{1632561A-F9C4-4DC7-8823-1526130A0F41}"/>
+              </a:ext>
+            </a:extLst>
+          </p:cNvPr>
+          <p:cNvSpPr/>
+          <p:nvPr/>
+        </p:nvSpPr>
+        <p:spPr>
+          <a:xfrm>
+            <a:off x="153180" y="3958299"/>
+            <a:ext cx="1122503" cy="380480"/>
+          </a:xfrm>
+          <a:prstGeom prst="rect">
+            <a:avLst/>
+          </a:prstGeom>
+          <a:solidFill>
+            <a:srgbClr val="FFFFFF"/>
+          </a:solidFill>
+          <a:ln w="9525" cap="flat" cmpd="sng" algn="ctr">
+            <a:solidFill>
+              <a:srgbClr val="000000"/>
+            </a:solidFill>
+            <a:prstDash val="solid"/>
+          </a:ln>
+          <a:effectLst/>
+        </p:spPr>
+        <p:txBody>
+          <a:bodyPr wrap="square" lIns="36000" tIns="36000" rIns="36000" bIns="36000" rtlCol="0" anchor="ctr">
+            <a:spAutoFit/>
+          </a:bodyPr>
+          <a:lstStyle/>
+          <a:p>
+            <a:pPr marL="0" marR="0" lvl="0" indent="0" algn="ctr" defTabSz="914400" eaLnBrk="1" fontAlgn="base" latinLnBrk="0" hangingPunct="1">
+              <a:lnSpc>
+                <a:spcPct val="100000"/>
+              </a:lnSpc>
+              <a:spcBef>
+                <a:spcPct val="0"/>
+              </a:spcBef>
+              <a:spcAft>
+                <a:spcPct val="0"/>
+              </a:spcAft>
+              <a:buClrTx/>
+              <a:buSzTx/>
+              <a:buFontTx/>
+              <a:buNone/>
+              <a:tabLst/>
+              <a:defRPr/>
+            </a:pPr>
+            <a:r>
+              <a:rPr kumimoji="0" lang="de-DE" sz="2000" b="0" i="0" u="none" strike="noStrike" kern="0" cap="none" spc="0" normalizeH="0" baseline="0" noProof="0" dirty="0">
+                <a:ln>
+                  <a:noFill/>
+                </a:ln>
+                <a:solidFill>
+                  <a:srgbClr val="000000"/>
+                </a:solidFill>
+                <a:effectLst/>
+                <a:uLnTx/>
+                <a:uFillTx/>
+                <a:latin typeface="Arial"/>
+                <a:ea typeface="+mn-ea"/>
+                <a:cs typeface="+mn-cs"/>
+              </a:rPr>
+              <a:t>Human</a:t>
+            </a:r>
+          </a:p>
+        </p:txBody>
+      </p:sp>
+      <p:cxnSp>
+        <p:nvCxnSpPr>
+          <p:cNvPr id="76" name="Gewinkelter Verbinder 22">
+            <a:extLst>
+              <a:ext uri="{FF2B5EF4-FFF2-40B4-BE49-F238E27FC236}">
+                <a16:creationId xmlns:a16="http://schemas.microsoft.com/office/drawing/2014/main" id="{B49694C8-83FD-47A6-8F11-8651099671C3}"/>
+              </a:ext>
+            </a:extLst>
+          </p:cNvPr>
+          <p:cNvCxnSpPr>
+            <a:stCxn id="72" idx="2"/>
+            <a:endCxn id="73" idx="0"/>
+          </p:cNvCxnSpPr>
+          <p:nvPr/>
+        </p:nvCxnSpPr>
+        <p:spPr>
+          <a:xfrm rot="16200000" flipH="1">
+            <a:off x="3789842" y="3061587"/>
+            <a:ext cx="811878" cy="981548"/>
+          </a:xfrm>
+          <a:prstGeom prst="bentConnector3">
+            <a:avLst>
+              <a:gd name="adj1" fmla="val 50000"/>
+            </a:avLst>
+          </a:prstGeom>
+          <a:noFill/>
+          <a:ln w="9525" cap="flat" cmpd="sng" algn="ctr">
+            <a:solidFill>
+              <a:srgbClr val="000000"/>
+            </a:solidFill>
+            <a:prstDash val="solid"/>
+            <a:headEnd type="none" w="med" len="med"/>
+            <a:tailEnd type="none" w="med" len="med"/>
+          </a:ln>
+          <a:effectLst/>
+        </p:spPr>
+      </p:cxnSp>
+      <p:cxnSp>
+        <p:nvCxnSpPr>
+          <p:cNvPr id="77" name="Gewinkelter Verbinder 23">
+            <a:extLst>
+              <a:ext uri="{FF2B5EF4-FFF2-40B4-BE49-F238E27FC236}">
+                <a16:creationId xmlns:a16="http://schemas.microsoft.com/office/drawing/2014/main" id="{24950D7C-DBC1-4207-A292-147D9186B453}"/>
+              </a:ext>
+            </a:extLst>
+          </p:cNvPr>
+          <p:cNvCxnSpPr>
+            <a:stCxn id="72" idx="2"/>
+            <a:endCxn id="75" idx="0"/>
+          </p:cNvCxnSpPr>
+          <p:nvPr/>
+        </p:nvCxnSpPr>
+        <p:spPr>
+          <a:xfrm rot="5400000">
+            <a:off x="1803780" y="2057072"/>
+            <a:ext cx="811878" cy="2990576"/>
+          </a:xfrm>
+          <a:prstGeom prst="bentConnector3">
+            <a:avLst/>
+          </a:prstGeom>
+          <a:noFill/>
+          <a:ln w="9525" cap="flat" cmpd="sng" algn="ctr">
+            <a:solidFill>
+              <a:srgbClr val="000000"/>
+            </a:solidFill>
+            <a:prstDash val="solid"/>
+            <a:headEnd type="none" w="med" len="med"/>
+            <a:tailEnd type="none" w="med" len="med"/>
+          </a:ln>
+          <a:effectLst/>
+        </p:spPr>
+      </p:cxnSp>
+      <p:cxnSp>
+        <p:nvCxnSpPr>
+          <p:cNvPr id="78" name="Gewinkelter Verbinder 24">
+            <a:extLst>
+              <a:ext uri="{FF2B5EF4-FFF2-40B4-BE49-F238E27FC236}">
+                <a16:creationId xmlns:a16="http://schemas.microsoft.com/office/drawing/2014/main" id="{79D8F764-48B2-49A9-83DF-86D95B28C2EA}"/>
+              </a:ext>
+            </a:extLst>
+          </p:cNvPr>
+          <p:cNvCxnSpPr>
+            <a:stCxn id="72" idx="2"/>
+            <a:endCxn id="74" idx="0"/>
+          </p:cNvCxnSpPr>
+          <p:nvPr/>
+        </p:nvCxnSpPr>
+        <p:spPr>
+          <a:xfrm rot="5400000">
+            <a:off x="2666327" y="2919618"/>
+            <a:ext cx="811878" cy="1265485"/>
+          </a:xfrm>
+          <a:prstGeom prst="bentConnector3">
+            <a:avLst>
+              <a:gd name="adj1" fmla="val 50000"/>
+            </a:avLst>
+          </a:prstGeom>
+          <a:noFill/>
+          <a:ln w="9525" cap="flat" cmpd="sng" algn="ctr">
+            <a:solidFill>
+              <a:srgbClr val="000000"/>
+            </a:solidFill>
+            <a:prstDash val="solid"/>
+            <a:headEnd type="none" w="med" len="med"/>
+            <a:tailEnd type="none" w="med" len="med"/>
+          </a:ln>
+          <a:effectLst/>
+        </p:spPr>
+      </p:cxnSp>
+      <p:sp>
+        <p:nvSpPr>
+          <p:cNvPr id="79" name="Textfeld 78">
+            <a:extLst>
+              <a:ext uri="{FF2B5EF4-FFF2-40B4-BE49-F238E27FC236}">
+                <a16:creationId xmlns:a16="http://schemas.microsoft.com/office/drawing/2014/main" id="{994D8C93-7281-4543-B80B-50E081F2509A}"/>
+              </a:ext>
+            </a:extLst>
+          </p:cNvPr>
+          <p:cNvSpPr txBox="1"/>
+          <p:nvPr/>
+        </p:nvSpPr>
+        <p:spPr>
+          <a:xfrm>
+            <a:off x="3388182" y="3828165"/>
+            <a:ext cx="441146" cy="400111"/>
+          </a:xfrm>
+          <a:prstGeom prst="rect">
+            <a:avLst/>
+          </a:prstGeom>
+          <a:noFill/>
+        </p:spPr>
+        <p:txBody>
+          <a:bodyPr wrap="none" rtlCol="0">
+            <a:spAutoFit/>
+          </a:bodyPr>
+          <a:lstStyle/>
+          <a:p>
+            <a:pPr marL="0" marR="0" lvl="0" indent="0" defTabSz="914400" eaLnBrk="1" fontAlgn="base" latinLnBrk="0" hangingPunct="1">
+              <a:lnSpc>
+                <a:spcPct val="100000"/>
+              </a:lnSpc>
+              <a:spcBef>
+                <a:spcPct val="0"/>
+              </a:spcBef>
+              <a:spcAft>
+                <a:spcPct val="0"/>
+              </a:spcAft>
+              <a:buClrTx/>
+              <a:buSzTx/>
+              <a:buFontTx/>
+              <a:buNone/>
+              <a:tabLst/>
+              <a:defRPr/>
+            </a:pPr>
+            <a:r>
+              <a:rPr kumimoji="0" lang="de-DE" sz="2000" b="0" i="0" u="none" strike="noStrike" kern="0" cap="none" spc="0" normalizeH="0" baseline="0" noProof="0" dirty="0">
+                <a:ln>
+                  <a:noFill/>
+                </a:ln>
+                <a:solidFill>
+                  <a:srgbClr val="000000"/>
+                </a:solidFill>
+                <a:effectLst/>
+                <a:uLnTx/>
+                <a:uFillTx/>
+                <a:latin typeface="Arial" charset="0"/>
+              </a:rPr>
+              <a:t>…</a:t>
+            </a:r>
+          </a:p>
+        </p:txBody>
+      </p:sp>
+      <p:cxnSp>
+        <p:nvCxnSpPr>
+          <p:cNvPr id="80" name="Gewinkelter Verbinder 33">
+            <a:extLst>
+              <a:ext uri="{FF2B5EF4-FFF2-40B4-BE49-F238E27FC236}">
+                <a16:creationId xmlns:a16="http://schemas.microsoft.com/office/drawing/2014/main" id="{D98DA295-37E2-4C12-A05A-98741793D3B0}"/>
+              </a:ext>
+            </a:extLst>
+          </p:cNvPr>
+          <p:cNvCxnSpPr>
+            <a:cxnSpLocks/>
+            <a:stCxn id="95" idx="2"/>
+            <a:endCxn id="71" idx="0"/>
+          </p:cNvCxnSpPr>
+          <p:nvPr/>
+        </p:nvCxnSpPr>
+        <p:spPr>
+          <a:xfrm rot="5400000">
+            <a:off x="5683882" y="4217927"/>
+            <a:ext cx="519871" cy="1337324"/>
+          </a:xfrm>
+          <a:prstGeom prst="bentConnector3">
+            <a:avLst>
+              <a:gd name="adj1" fmla="val 50000"/>
+            </a:avLst>
+          </a:prstGeom>
+          <a:noFill/>
+          <a:ln w="9525" cap="flat" cmpd="sng" algn="ctr">
+            <a:solidFill>
+              <a:srgbClr val="000000"/>
+            </a:solidFill>
+            <a:prstDash val="solid"/>
+            <a:headEnd type="none" w="med" len="med"/>
+            <a:tailEnd type="none" w="med" len="med"/>
+          </a:ln>
+          <a:effectLst/>
+        </p:spPr>
+      </p:cxnSp>
+      <p:sp>
+        <p:nvSpPr>
+          <p:cNvPr id="82" name="Textfeld 81">
+            <a:extLst>
+              <a:ext uri="{FF2B5EF4-FFF2-40B4-BE49-F238E27FC236}">
+                <a16:creationId xmlns:a16="http://schemas.microsoft.com/office/drawing/2014/main" id="{C06A1A9D-460B-41E9-B709-35AA967C0AE0}"/>
+              </a:ext>
+            </a:extLst>
+          </p:cNvPr>
+          <p:cNvSpPr txBox="1"/>
+          <p:nvPr/>
+        </p:nvSpPr>
+        <p:spPr>
+          <a:xfrm>
+            <a:off x="4612953" y="2624084"/>
+            <a:ext cx="298481" cy="338554"/>
+          </a:xfrm>
+          <a:prstGeom prst="rect">
+            <a:avLst/>
+          </a:prstGeom>
+          <a:noFill/>
+        </p:spPr>
+        <p:txBody>
+          <a:bodyPr wrap="none" rtlCol="0">
+            <a:spAutoFit/>
+          </a:bodyPr>
+          <a:lstStyle/>
+          <a:p>
+            <a:pPr marL="0" marR="0" lvl="0" indent="0" defTabSz="914400" eaLnBrk="1" fontAlgn="base" latinLnBrk="0" hangingPunct="1">
+              <a:lnSpc>
+                <a:spcPct val="100000"/>
+              </a:lnSpc>
+              <a:spcBef>
+                <a:spcPct val="0"/>
+              </a:spcBef>
+              <a:spcAft>
+                <a:spcPct val="0"/>
+              </a:spcAft>
+              <a:buClrTx/>
+              <a:buSzTx/>
+              <a:buFontTx/>
+              <a:buNone/>
+              <a:tabLst/>
+              <a:defRPr/>
+            </a:pPr>
+            <a:r>
+              <a:rPr kumimoji="0" lang="de-DE" sz="1600" b="0" i="0" u="none" strike="noStrike" kern="0" cap="none" spc="0" normalizeH="0" baseline="0" noProof="0" dirty="0">
+                <a:ln>
+                  <a:noFill/>
+                </a:ln>
+                <a:solidFill>
+                  <a:srgbClr val="000000"/>
+                </a:solidFill>
+                <a:effectLst/>
+                <a:uLnTx/>
+                <a:uFillTx/>
+                <a:latin typeface="Arial" charset="0"/>
+              </a:rPr>
+              <a:t>1</a:t>
+            </a:r>
+          </a:p>
+        </p:txBody>
+      </p:sp>
+      <p:sp>
+        <p:nvSpPr>
+          <p:cNvPr id="83" name="Textfeld 82">
+            <a:extLst>
+              <a:ext uri="{FF2B5EF4-FFF2-40B4-BE49-F238E27FC236}">
+                <a16:creationId xmlns:a16="http://schemas.microsoft.com/office/drawing/2014/main" id="{6CDBA4DA-594C-44B8-BCFA-0C301F216151}"/>
+              </a:ext>
+            </a:extLst>
+          </p:cNvPr>
+          <p:cNvSpPr txBox="1"/>
+          <p:nvPr/>
+        </p:nvSpPr>
+        <p:spPr>
+          <a:xfrm>
+            <a:off x="7536523" y="4684077"/>
+            <a:ext cx="494046" cy="338554"/>
+          </a:xfrm>
+          <a:prstGeom prst="rect">
+            <a:avLst/>
+          </a:prstGeom>
+          <a:noFill/>
+        </p:spPr>
+        <p:txBody>
+          <a:bodyPr wrap="none" rtlCol="0">
+            <a:spAutoFit/>
+          </a:bodyPr>
+          <a:lstStyle/>
+          <a:p>
+            <a:pPr marL="0" marR="0" lvl="0" indent="0" defTabSz="914400" eaLnBrk="1" fontAlgn="base" latinLnBrk="0" hangingPunct="1">
+              <a:lnSpc>
+                <a:spcPct val="100000"/>
+              </a:lnSpc>
+              <a:spcBef>
+                <a:spcPct val="0"/>
+              </a:spcBef>
+              <a:spcAft>
+                <a:spcPct val="0"/>
+              </a:spcAft>
+              <a:buClrTx/>
+              <a:buSzTx/>
+              <a:buFontTx/>
+              <a:buNone/>
+              <a:tabLst/>
+              <a:defRPr/>
+            </a:pPr>
+            <a:r>
+              <a:rPr kumimoji="0" lang="de-DE" sz="1600" b="0" i="0" u="none" strike="noStrike" kern="0" cap="none" spc="0" normalizeH="0" baseline="0" noProof="0" dirty="0">
+                <a:ln>
+                  <a:noFill/>
+                </a:ln>
+                <a:solidFill>
+                  <a:srgbClr val="000000"/>
+                </a:solidFill>
+                <a:effectLst/>
+                <a:uLnTx/>
+                <a:uFillTx/>
+                <a:latin typeface="Arial" charset="0"/>
+              </a:rPr>
+              <a:t>1..*</a:t>
+            </a:r>
+          </a:p>
+        </p:txBody>
+      </p:sp>
+      <p:cxnSp>
+        <p:nvCxnSpPr>
+          <p:cNvPr id="84" name="Gerader Verbinder 83">
+            <a:extLst>
+              <a:ext uri="{FF2B5EF4-FFF2-40B4-BE49-F238E27FC236}">
+                <a16:creationId xmlns:a16="http://schemas.microsoft.com/office/drawing/2014/main" id="{B33E7A66-69E4-4E37-9D99-C806DC91D34A}"/>
+              </a:ext>
+            </a:extLst>
+          </p:cNvPr>
+          <p:cNvCxnSpPr>
+            <a:stCxn id="72" idx="1"/>
+            <a:endCxn id="104" idx="3"/>
+          </p:cNvCxnSpPr>
+          <p:nvPr/>
+        </p:nvCxnSpPr>
+        <p:spPr>
+          <a:xfrm flipH="1">
+            <a:off x="2234044" y="2956181"/>
+            <a:ext cx="570760" cy="0"/>
+          </a:xfrm>
+          <a:prstGeom prst="line">
+            <a:avLst/>
+          </a:prstGeom>
+          <a:noFill/>
+          <a:ln w="9525" cap="flat" cmpd="sng" algn="ctr">
+            <a:solidFill>
+              <a:srgbClr val="000000"/>
+            </a:solidFill>
+            <a:prstDash val="solid"/>
+            <a:headEnd type="none" w="med" len="med"/>
+            <a:tailEnd type="none" w="med" len="med"/>
+          </a:ln>
+          <a:effectLst/>
+        </p:spPr>
+      </p:cxnSp>
+      <p:cxnSp>
+        <p:nvCxnSpPr>
+          <p:cNvPr id="85" name="Gewinkelter Verbinder 43">
+            <a:extLst>
+              <a:ext uri="{FF2B5EF4-FFF2-40B4-BE49-F238E27FC236}">
+                <a16:creationId xmlns:a16="http://schemas.microsoft.com/office/drawing/2014/main" id="{9F1CC4D5-C916-4E83-AAFA-E2D3A2CE2C1E}"/>
+              </a:ext>
+            </a:extLst>
+          </p:cNvPr>
+          <p:cNvCxnSpPr>
+            <a:stCxn id="67" idx="1"/>
+            <a:endCxn id="72" idx="3"/>
+          </p:cNvCxnSpPr>
+          <p:nvPr/>
+        </p:nvCxnSpPr>
+        <p:spPr>
+          <a:xfrm rot="10800000">
+            <a:off x="4605212" y="2956181"/>
+            <a:ext cx="1533885" cy="1192358"/>
+          </a:xfrm>
+          <a:prstGeom prst="bentConnector3">
+            <a:avLst>
+              <a:gd name="adj1" fmla="val 30439"/>
+            </a:avLst>
+          </a:prstGeom>
+          <a:noFill/>
+          <a:ln w="9525" cap="flat" cmpd="sng" algn="ctr">
+            <a:solidFill>
+              <a:srgbClr val="000000"/>
+            </a:solidFill>
+            <a:prstDash val="solid"/>
+            <a:tailEnd type="triangle"/>
+          </a:ln>
+          <a:effectLst/>
+        </p:spPr>
+      </p:cxnSp>
+      <p:sp>
+        <p:nvSpPr>
+          <p:cNvPr id="86" name="Textfeld 85">
+            <a:extLst>
+              <a:ext uri="{FF2B5EF4-FFF2-40B4-BE49-F238E27FC236}">
+                <a16:creationId xmlns:a16="http://schemas.microsoft.com/office/drawing/2014/main" id="{A10625BA-ACA7-4CA7-B540-EABABC4CC78D}"/>
+              </a:ext>
+            </a:extLst>
+          </p:cNvPr>
+          <p:cNvSpPr txBox="1"/>
+          <p:nvPr/>
+        </p:nvSpPr>
+        <p:spPr>
+          <a:xfrm>
+            <a:off x="4803959" y="4768074"/>
+            <a:ext cx="494046" cy="338554"/>
+          </a:xfrm>
+          <a:prstGeom prst="rect">
+            <a:avLst/>
+          </a:prstGeom>
+          <a:noFill/>
+        </p:spPr>
+        <p:txBody>
+          <a:bodyPr wrap="none" rtlCol="0">
+            <a:spAutoFit/>
+          </a:bodyPr>
+          <a:lstStyle/>
+          <a:p>
+            <a:pPr marL="0" marR="0" lvl="0" indent="0" defTabSz="914400" eaLnBrk="1" fontAlgn="base" latinLnBrk="0" hangingPunct="1">
+              <a:lnSpc>
+                <a:spcPct val="100000"/>
+              </a:lnSpc>
+              <a:spcBef>
+                <a:spcPct val="0"/>
+              </a:spcBef>
+              <a:spcAft>
+                <a:spcPct val="0"/>
+              </a:spcAft>
+              <a:buClrTx/>
+              <a:buSzTx/>
+              <a:buFontTx/>
+              <a:buNone/>
+              <a:tabLst/>
+              <a:defRPr/>
+            </a:pPr>
+            <a:r>
+              <a:rPr kumimoji="0" lang="de-DE" sz="1600" b="0" i="0" u="none" strike="noStrike" kern="0" cap="none" spc="0" normalizeH="0" baseline="0" noProof="0" dirty="0">
+                <a:ln>
+                  <a:noFill/>
+                </a:ln>
+                <a:solidFill>
+                  <a:srgbClr val="000000"/>
+                </a:solidFill>
+                <a:effectLst/>
+                <a:uLnTx/>
+                <a:uFillTx/>
+                <a:latin typeface="Arial" charset="0"/>
+              </a:rPr>
+              <a:t>1..*</a:t>
+            </a:r>
+          </a:p>
+        </p:txBody>
+      </p:sp>
+      <p:sp>
+        <p:nvSpPr>
+          <p:cNvPr id="87" name="Rechteck 86">
+            <a:extLst>
+              <a:ext uri="{FF2B5EF4-FFF2-40B4-BE49-F238E27FC236}">
+                <a16:creationId xmlns:a16="http://schemas.microsoft.com/office/drawing/2014/main" id="{D74E4BAB-D550-4A85-B8FF-80726328B41E}"/>
+              </a:ext>
+            </a:extLst>
+          </p:cNvPr>
+          <p:cNvSpPr/>
+          <p:nvPr/>
+        </p:nvSpPr>
+        <p:spPr>
+          <a:xfrm>
+            <a:off x="9354207" y="5146525"/>
+            <a:ext cx="2684612" cy="380480"/>
+          </a:xfrm>
+          <a:prstGeom prst="rect">
+            <a:avLst/>
+          </a:prstGeom>
+          <a:solidFill>
+            <a:srgbClr val="FFFFFF"/>
+          </a:solidFill>
+          <a:ln w="9525" cap="flat" cmpd="sng" algn="ctr">
+            <a:solidFill>
+              <a:srgbClr val="000000"/>
+            </a:solidFill>
+            <a:prstDash val="solid"/>
+          </a:ln>
+          <a:effectLst/>
+        </p:spPr>
+        <p:txBody>
+          <a:bodyPr lIns="36000" tIns="36000" rIns="36000" bIns="36000" rtlCol="0" anchor="ctr">
+            <a:spAutoFit/>
+          </a:bodyPr>
+          <a:lstStyle/>
+          <a:p>
+            <a:pPr marL="0" marR="0" lvl="0" indent="0" algn="ctr" defTabSz="914400" eaLnBrk="1" fontAlgn="base" latinLnBrk="0" hangingPunct="1">
+              <a:lnSpc>
+                <a:spcPct val="100000"/>
+              </a:lnSpc>
+              <a:spcBef>
+                <a:spcPct val="0"/>
+              </a:spcBef>
+              <a:spcAft>
+                <a:spcPct val="0"/>
+              </a:spcAft>
+              <a:buClrTx/>
+              <a:buSzTx/>
+              <a:buFontTx/>
+              <a:buNone/>
+              <a:tabLst/>
+              <a:defRPr/>
+            </a:pPr>
+            <a:r>
+              <a:rPr kumimoji="0" lang="en-US" sz="2000" b="0" i="0" u="none" strike="noStrike" kern="0" cap="none" spc="0" normalizeH="0" baseline="0" noProof="0" dirty="0" err="1">
+                <a:ln>
+                  <a:noFill/>
+                </a:ln>
+                <a:solidFill>
+                  <a:srgbClr val="000000"/>
+                </a:solidFill>
+                <a:effectLst/>
+                <a:uLnTx/>
+                <a:uFillTx/>
+                <a:latin typeface="Arial"/>
+                <a:ea typeface="+mn-ea"/>
+                <a:cs typeface="+mn-cs"/>
+              </a:rPr>
+              <a:t>SystemConfiguration</a:t>
+            </a:r>
+            <a:r>
+              <a:rPr kumimoji="0" lang="en-US" sz="2000" b="0" i="0" u="none" strike="noStrike" kern="0" cap="none" spc="0" normalizeH="0" baseline="0" noProof="0" dirty="0">
+                <a:ln>
+                  <a:noFill/>
+                </a:ln>
+                <a:solidFill>
+                  <a:srgbClr val="000000"/>
+                </a:solidFill>
+                <a:effectLst/>
+                <a:uLnTx/>
+                <a:uFillTx/>
+                <a:latin typeface="Arial"/>
+                <a:ea typeface="+mn-ea"/>
+                <a:cs typeface="+mn-cs"/>
+              </a:rPr>
+              <a:t> </a:t>
+            </a:r>
+          </a:p>
+        </p:txBody>
+      </p:sp>
+      <p:sp>
+        <p:nvSpPr>
+          <p:cNvPr id="88" name="Rechteck 87">
+            <a:extLst>
+              <a:ext uri="{FF2B5EF4-FFF2-40B4-BE49-F238E27FC236}">
+                <a16:creationId xmlns:a16="http://schemas.microsoft.com/office/drawing/2014/main" id="{377F7B83-71E7-4E7B-818D-C0D2C5DB802A}"/>
+              </a:ext>
+            </a:extLst>
+          </p:cNvPr>
+          <p:cNvSpPr/>
+          <p:nvPr/>
+        </p:nvSpPr>
+        <p:spPr>
+          <a:xfrm>
+            <a:off x="9468628" y="1573558"/>
+            <a:ext cx="1800409" cy="380480"/>
+          </a:xfrm>
+          <a:prstGeom prst="rect">
+            <a:avLst/>
+          </a:prstGeom>
+          <a:solidFill>
+            <a:srgbClr val="FFFFFF"/>
+          </a:solidFill>
+          <a:ln w="9525" cap="flat" cmpd="sng" algn="ctr">
+            <a:solidFill>
+              <a:srgbClr val="000000"/>
+            </a:solidFill>
+            <a:prstDash val="solid"/>
+          </a:ln>
+          <a:effectLst/>
+        </p:spPr>
+        <p:txBody>
+          <a:bodyPr lIns="36000" tIns="36000" rIns="36000" bIns="36000" rtlCol="0" anchor="ctr">
+            <a:spAutoFit/>
+          </a:bodyPr>
+          <a:lstStyle/>
+          <a:p>
+            <a:pPr marL="0" marR="0" lvl="0" indent="0" algn="ctr" defTabSz="914400" eaLnBrk="1" fontAlgn="base" latinLnBrk="0" hangingPunct="1">
+              <a:lnSpc>
+                <a:spcPct val="100000"/>
+              </a:lnSpc>
+              <a:spcBef>
+                <a:spcPct val="0"/>
+              </a:spcBef>
+              <a:spcAft>
+                <a:spcPct val="0"/>
+              </a:spcAft>
+              <a:buClrTx/>
+              <a:buSzTx/>
+              <a:buFontTx/>
+              <a:buNone/>
+              <a:tabLst/>
+              <a:defRPr/>
+            </a:pPr>
+            <a:r>
+              <a:rPr kumimoji="0" lang="de-DE" sz="2000" b="0" i="0" u="none" strike="noStrike" kern="0" cap="none" spc="0" normalizeH="0" baseline="0" noProof="0" dirty="0" err="1">
+                <a:ln>
+                  <a:noFill/>
+                </a:ln>
+                <a:solidFill>
+                  <a:srgbClr val="000000"/>
+                </a:solidFill>
+                <a:effectLst/>
+                <a:uLnTx/>
+                <a:uFillTx/>
+                <a:latin typeface="Arial"/>
+                <a:ea typeface="+mn-ea"/>
+                <a:cs typeface="+mn-cs"/>
+              </a:rPr>
+              <a:t>Purpose</a:t>
+            </a:r>
+            <a:endParaRPr kumimoji="0" lang="de-DE" sz="2000" b="0" i="0" u="none" strike="noStrike" kern="0" cap="none" spc="0" normalizeH="0" baseline="0" noProof="0" dirty="0">
+              <a:ln>
+                <a:noFill/>
+              </a:ln>
+              <a:solidFill>
+                <a:srgbClr val="000000"/>
+              </a:solidFill>
+              <a:effectLst/>
+              <a:uLnTx/>
+              <a:uFillTx/>
+              <a:latin typeface="Arial"/>
+              <a:ea typeface="+mn-ea"/>
+              <a:cs typeface="+mn-cs"/>
+            </a:endParaRPr>
+          </a:p>
+        </p:txBody>
+      </p:sp>
+      <p:sp>
+        <p:nvSpPr>
+          <p:cNvPr id="89" name="Textfeld 88">
+            <a:extLst>
+              <a:ext uri="{FF2B5EF4-FFF2-40B4-BE49-F238E27FC236}">
+                <a16:creationId xmlns:a16="http://schemas.microsoft.com/office/drawing/2014/main" id="{6CBA80F8-D46F-4EA5-98D1-1DF4799DCFCA}"/>
+              </a:ext>
+            </a:extLst>
+          </p:cNvPr>
+          <p:cNvSpPr txBox="1"/>
+          <p:nvPr/>
+        </p:nvSpPr>
+        <p:spPr>
+          <a:xfrm>
+            <a:off x="9078020" y="1404448"/>
+            <a:ext cx="298481" cy="338554"/>
+          </a:xfrm>
+          <a:prstGeom prst="rect">
+            <a:avLst/>
+          </a:prstGeom>
+          <a:noFill/>
+        </p:spPr>
+        <p:txBody>
+          <a:bodyPr wrap="none" rtlCol="0">
+            <a:spAutoFit/>
+          </a:bodyPr>
+          <a:lstStyle>
+            <a:defPPr>
+              <a:defRPr lang="de-DE"/>
+            </a:defPPr>
+            <a:lvl1pPr>
+              <a:defRPr sz="1200"/>
+            </a:lvl1pPr>
+          </a:lstStyle>
+          <a:p>
+            <a:pPr marL="0" marR="0" lvl="0" indent="0" defTabSz="914400" eaLnBrk="1" fontAlgn="base" latinLnBrk="0" hangingPunct="1">
+              <a:lnSpc>
+                <a:spcPct val="100000"/>
+              </a:lnSpc>
+              <a:spcBef>
+                <a:spcPct val="0"/>
+              </a:spcBef>
+              <a:spcAft>
+                <a:spcPct val="0"/>
+              </a:spcAft>
+              <a:buClrTx/>
+              <a:buSzTx/>
+              <a:buFontTx/>
+              <a:buNone/>
+              <a:tabLst/>
+              <a:defRPr/>
+            </a:pPr>
+            <a:r>
+              <a:rPr kumimoji="0" lang="de-DE" sz="1600" b="0" i="0" u="none" strike="noStrike" kern="0" cap="none" spc="0" normalizeH="0" baseline="0" noProof="0" dirty="0">
+                <a:ln>
+                  <a:noFill/>
+                </a:ln>
+                <a:solidFill>
+                  <a:srgbClr val="000000"/>
+                </a:solidFill>
+                <a:effectLst/>
+                <a:uLnTx/>
+                <a:uFillTx/>
+                <a:latin typeface="Arial" charset="0"/>
+              </a:rPr>
+              <a:t>1</a:t>
+            </a:r>
+          </a:p>
+        </p:txBody>
+      </p:sp>
+      <p:sp>
+        <p:nvSpPr>
+          <p:cNvPr id="90" name="Textfeld 89">
+            <a:extLst>
+              <a:ext uri="{FF2B5EF4-FFF2-40B4-BE49-F238E27FC236}">
+                <a16:creationId xmlns:a16="http://schemas.microsoft.com/office/drawing/2014/main" id="{04614EE6-CB6D-4285-BC8B-4A7BA8220FAD}"/>
+              </a:ext>
+            </a:extLst>
+          </p:cNvPr>
+          <p:cNvSpPr txBox="1"/>
+          <p:nvPr/>
+        </p:nvSpPr>
+        <p:spPr>
+          <a:xfrm>
+            <a:off x="6341878" y="1806692"/>
+            <a:ext cx="210069" cy="400111"/>
+          </a:xfrm>
+          <a:prstGeom prst="rect">
+            <a:avLst/>
+          </a:prstGeom>
+          <a:noFill/>
+        </p:spPr>
+        <p:txBody>
+          <a:bodyPr wrap="square" rtlCol="0">
+            <a:spAutoFit/>
+          </a:bodyPr>
+          <a:lstStyle/>
+          <a:p>
+            <a:pPr marL="0" marR="0" lvl="0" indent="0" defTabSz="914400" eaLnBrk="1" fontAlgn="base" latinLnBrk="0" hangingPunct="1">
+              <a:lnSpc>
+                <a:spcPct val="100000"/>
+              </a:lnSpc>
+              <a:spcBef>
+                <a:spcPct val="0"/>
+              </a:spcBef>
+              <a:spcAft>
+                <a:spcPct val="0"/>
+              </a:spcAft>
+              <a:buClrTx/>
+              <a:buSzTx/>
+              <a:buFontTx/>
+              <a:buNone/>
+              <a:tabLst/>
+              <a:defRPr/>
+            </a:pPr>
+            <a:r>
+              <a:rPr kumimoji="0" lang="de-DE" sz="2000" b="0" i="0" u="none" strike="noStrike" kern="0" cap="none" spc="0" normalizeH="0" baseline="0" noProof="0" dirty="0">
+                <a:ln>
+                  <a:noFill/>
+                </a:ln>
+                <a:solidFill>
+                  <a:srgbClr val="000000"/>
+                </a:solidFill>
+                <a:effectLst/>
+                <a:uLnTx/>
+                <a:uFillTx/>
+                <a:latin typeface="Arial" charset="0"/>
+              </a:rPr>
+              <a:t>*</a:t>
+            </a:r>
+          </a:p>
+        </p:txBody>
+      </p:sp>
+      <p:sp>
+        <p:nvSpPr>
+          <p:cNvPr id="91" name="Freihandform 46">
+            <a:extLst>
+              <a:ext uri="{FF2B5EF4-FFF2-40B4-BE49-F238E27FC236}">
+                <a16:creationId xmlns:a16="http://schemas.microsoft.com/office/drawing/2014/main" id="{998F9E6C-E754-4762-BAC0-8FB2DB4D189E}"/>
+              </a:ext>
+            </a:extLst>
+          </p:cNvPr>
+          <p:cNvSpPr/>
+          <p:nvPr/>
+        </p:nvSpPr>
+        <p:spPr bwMode="auto">
+          <a:xfrm>
+            <a:off x="5937474" y="1914074"/>
+            <a:ext cx="403242" cy="447969"/>
+          </a:xfrm>
+          <a:custGeom>
+            <a:avLst/>
+            <a:gdLst>
+              <a:gd name="connsiteX0" fmla="*/ 143838 w 303087"/>
+              <a:gd name="connsiteY0" fmla="*/ 272266 h 277403"/>
+              <a:gd name="connsiteX1" fmla="*/ 0 w 303087"/>
+              <a:gd name="connsiteY1" fmla="*/ 277403 h 277403"/>
+              <a:gd name="connsiteX2" fmla="*/ 0 w 303087"/>
+              <a:gd name="connsiteY2" fmla="*/ 0 h 277403"/>
+              <a:gd name="connsiteX3" fmla="*/ 303087 w 303087"/>
+              <a:gd name="connsiteY3" fmla="*/ 0 h 277403"/>
+              <a:gd name="connsiteX4" fmla="*/ 297950 w 303087"/>
+              <a:gd name="connsiteY4" fmla="*/ 148976 h 277403"/>
+            </a:gdLst>
+            <a:ahLst/>
+            <a:cxnLst>
+              <a:cxn ang="0">
+                <a:pos x="connsiteX0" y="connsiteY0"/>
+              </a:cxn>
+              <a:cxn ang="0">
+                <a:pos x="connsiteX1" y="connsiteY1"/>
+              </a:cxn>
+              <a:cxn ang="0">
+                <a:pos x="connsiteX2" y="connsiteY2"/>
+              </a:cxn>
+              <a:cxn ang="0">
+                <a:pos x="connsiteX3" y="connsiteY3"/>
+              </a:cxn>
+              <a:cxn ang="0">
+                <a:pos x="connsiteX4" y="connsiteY4"/>
+              </a:cxn>
+            </a:cxnLst>
+            <a:rect l="l" t="t" r="r" b="b"/>
+            <a:pathLst>
+              <a:path w="303087" h="277403">
+                <a:moveTo>
+                  <a:pt x="143838" y="272266"/>
+                </a:moveTo>
+                <a:lnTo>
+                  <a:pt x="0" y="277403"/>
+                </a:lnTo>
+                <a:lnTo>
+                  <a:pt x="0" y="0"/>
+                </a:lnTo>
+                <a:lnTo>
+                  <a:pt x="303087" y="0"/>
+                </a:lnTo>
+                <a:lnTo>
+                  <a:pt x="297950" y="148976"/>
+                </a:lnTo>
+              </a:path>
+            </a:pathLst>
+          </a:custGeom>
+          <a:noFill/>
+          <a:ln w="10795" cap="flat" cmpd="sng" algn="ctr">
+            <a:solidFill>
+              <a:srgbClr val="000000"/>
+            </a:solidFill>
+            <a:prstDash val="solid"/>
+            <a:round/>
+            <a:headEnd type="none" w="med" len="med"/>
+            <a:tailEnd type="triangle" w="med" len="med"/>
+          </a:ln>
+          <a:effectLst/>
+          <a:extLst>
+            <a:ext uri="{AF507438-7753-43E0-B8FC-AC1667EBCBE1}">
+              <a14:hiddenEffects xmlns:a14="http://schemas.microsoft.com/office/drawing/2010/main">
+                <a:effectLst>
+                  <a:outerShdw dist="35921" dir="2700000" algn="ctr" rotWithShape="0">
+                    <a:srgbClr val="808080"/>
+                  </a:outerShdw>
+                </a:effectLst>
+              </a14:hiddenEffects>
+            </a:ext>
+          </a:extLst>
+        </p:spPr>
+        <p:txBody>
+          <a:bodyPr rtlCol="0" anchor="ctr"/>
+          <a:lstStyle/>
+          <a:p>
+            <a:pPr marL="0" marR="0" lvl="0" indent="0" algn="ctr" defTabSz="914400" eaLnBrk="1" fontAlgn="base" latinLnBrk="0" hangingPunct="1">
+              <a:lnSpc>
+                <a:spcPct val="100000"/>
+              </a:lnSpc>
+              <a:spcBef>
+                <a:spcPct val="0"/>
+              </a:spcBef>
+              <a:spcAft>
+                <a:spcPct val="0"/>
+              </a:spcAft>
+              <a:buClrTx/>
+              <a:buSzTx/>
+              <a:buFontTx/>
+              <a:buNone/>
+              <a:tabLst/>
+              <a:defRPr/>
+            </a:pPr>
+            <a:endParaRPr kumimoji="0" lang="de-DE" sz="2000" b="0" i="0" u="none" strike="noStrike" kern="0" cap="none" spc="0" normalizeH="0" baseline="0" noProof="0">
+              <a:ln>
+                <a:noFill/>
+              </a:ln>
+              <a:solidFill>
+                <a:srgbClr val="000000"/>
+              </a:solidFill>
+              <a:effectLst/>
+              <a:uLnTx/>
+              <a:uFillTx/>
+              <a:latin typeface="Arial" charset="0"/>
+            </a:endParaRPr>
+          </a:p>
+        </p:txBody>
+      </p:sp>
+      <p:sp>
+        <p:nvSpPr>
+          <p:cNvPr id="92" name="Rechteck 91">
+            <a:extLst>
+              <a:ext uri="{FF2B5EF4-FFF2-40B4-BE49-F238E27FC236}">
+                <a16:creationId xmlns:a16="http://schemas.microsoft.com/office/drawing/2014/main" id="{DBB2FE8B-72FA-4252-A043-C36B0E32332D}"/>
+              </a:ext>
+            </a:extLst>
+          </p:cNvPr>
+          <p:cNvSpPr/>
+          <p:nvPr/>
+        </p:nvSpPr>
+        <p:spPr>
+          <a:xfrm>
+            <a:off x="6139097" y="2264243"/>
+            <a:ext cx="1800409" cy="688256"/>
+          </a:xfrm>
+          <a:prstGeom prst="rect">
+            <a:avLst/>
+          </a:prstGeom>
+          <a:solidFill>
+            <a:srgbClr val="FFFFFF"/>
+          </a:solidFill>
+          <a:ln w="9525" cap="flat" cmpd="sng" algn="ctr">
+            <a:solidFill>
+              <a:srgbClr val="000000"/>
+            </a:solidFill>
+            <a:prstDash val="solid"/>
+          </a:ln>
+          <a:effectLst/>
+        </p:spPr>
+        <p:txBody>
+          <a:bodyPr lIns="36000" tIns="36000" rIns="36000" bIns="36000" rtlCol="0" anchor="ctr">
+            <a:spAutoFit/>
+          </a:bodyPr>
+          <a:lstStyle/>
+          <a:p>
+            <a:pPr marL="0" marR="0" lvl="0" indent="0" algn="ctr" defTabSz="914400" eaLnBrk="1" fontAlgn="base" latinLnBrk="0" hangingPunct="1">
+              <a:lnSpc>
+                <a:spcPct val="100000"/>
+              </a:lnSpc>
+              <a:spcBef>
+                <a:spcPct val="0"/>
+              </a:spcBef>
+              <a:spcAft>
+                <a:spcPct val="0"/>
+              </a:spcAft>
+              <a:buClrTx/>
+              <a:buSzTx/>
+              <a:buFontTx/>
+              <a:buNone/>
+              <a:tabLst/>
+              <a:defRPr/>
+            </a:pPr>
+            <a:r>
+              <a:rPr kumimoji="0" lang="de-DE" sz="2000" b="0" i="0" u="none" strike="noStrike" kern="0" cap="none" spc="0" normalizeH="0" baseline="0" noProof="0" dirty="0">
+                <a:ln>
+                  <a:noFill/>
+                </a:ln>
+                <a:solidFill>
+                  <a:srgbClr val="000000"/>
+                </a:solidFill>
+                <a:effectLst/>
+                <a:uLnTx/>
+                <a:uFillTx/>
+                <a:latin typeface="Arial"/>
+                <a:ea typeface="+mn-ea"/>
+                <a:cs typeface="+mn-cs"/>
+              </a:rPr>
+              <a:t>Digital </a:t>
+            </a:r>
+            <a:br>
+              <a:rPr kumimoji="0" lang="de-DE" sz="2000" b="0" i="0" u="none" strike="noStrike" kern="0" cap="none" spc="0" normalizeH="0" baseline="0" noProof="0" dirty="0">
+                <a:ln>
+                  <a:noFill/>
+                </a:ln>
+                <a:solidFill>
+                  <a:srgbClr val="000000"/>
+                </a:solidFill>
+                <a:effectLst/>
+                <a:uLnTx/>
+                <a:uFillTx/>
+                <a:latin typeface="Arial"/>
+                <a:ea typeface="+mn-ea"/>
+                <a:cs typeface="+mn-cs"/>
+              </a:rPr>
+            </a:br>
+            <a:r>
+              <a:rPr kumimoji="0" lang="de-DE" sz="2000" b="0" i="0" u="none" strike="noStrike" kern="0" cap="none" spc="0" normalizeH="0" baseline="0" noProof="0" dirty="0">
+                <a:ln>
+                  <a:noFill/>
+                </a:ln>
+                <a:solidFill>
+                  <a:srgbClr val="000000"/>
+                </a:solidFill>
+                <a:effectLst/>
+                <a:uLnTx/>
+                <a:uFillTx/>
+                <a:latin typeface="Arial"/>
+                <a:ea typeface="+mn-ea"/>
+                <a:cs typeface="+mn-cs"/>
+              </a:rPr>
+              <a:t>Shadow</a:t>
+            </a:r>
+          </a:p>
+        </p:txBody>
+      </p:sp>
+      <p:sp>
+        <p:nvSpPr>
+          <p:cNvPr id="93" name="Textfeld 92">
+            <a:extLst>
+              <a:ext uri="{FF2B5EF4-FFF2-40B4-BE49-F238E27FC236}">
+                <a16:creationId xmlns:a16="http://schemas.microsoft.com/office/drawing/2014/main" id="{B06E2C57-A5A8-44A7-A3BA-F5BF7A00D9C5}"/>
+              </a:ext>
+            </a:extLst>
+          </p:cNvPr>
+          <p:cNvSpPr txBox="1"/>
+          <p:nvPr/>
+        </p:nvSpPr>
+        <p:spPr>
+          <a:xfrm>
+            <a:off x="7002102" y="3476939"/>
+            <a:ext cx="494046" cy="338554"/>
+          </a:xfrm>
+          <a:prstGeom prst="rect">
+            <a:avLst/>
+          </a:prstGeom>
+          <a:noFill/>
+        </p:spPr>
+        <p:txBody>
+          <a:bodyPr wrap="none" rtlCol="0">
+            <a:spAutoFit/>
+          </a:bodyPr>
+          <a:lstStyle/>
+          <a:p>
+            <a:pPr marL="0" marR="0" lvl="0" indent="0" defTabSz="914400" eaLnBrk="1" fontAlgn="base" latinLnBrk="0" hangingPunct="1">
+              <a:lnSpc>
+                <a:spcPct val="100000"/>
+              </a:lnSpc>
+              <a:spcBef>
+                <a:spcPct val="0"/>
+              </a:spcBef>
+              <a:spcAft>
+                <a:spcPct val="0"/>
+              </a:spcAft>
+              <a:buClrTx/>
+              <a:buSzTx/>
+              <a:buFontTx/>
+              <a:buNone/>
+              <a:tabLst/>
+              <a:defRPr/>
+            </a:pPr>
+            <a:r>
+              <a:rPr kumimoji="0" lang="de-DE" sz="1600" b="0" i="0" u="none" strike="noStrike" kern="0" cap="none" spc="0" normalizeH="0" baseline="0" noProof="0" dirty="0">
+                <a:ln>
+                  <a:noFill/>
+                </a:ln>
+                <a:solidFill>
+                  <a:srgbClr val="000000"/>
+                </a:solidFill>
+                <a:effectLst/>
+                <a:uLnTx/>
+                <a:uFillTx/>
+                <a:latin typeface="Arial" charset="0"/>
+              </a:rPr>
+              <a:t>1..*</a:t>
+            </a:r>
+          </a:p>
+        </p:txBody>
+      </p:sp>
+      <p:sp>
+        <p:nvSpPr>
+          <p:cNvPr id="94" name="AutoShape 50">
+            <a:extLst>
+              <a:ext uri="{FF2B5EF4-FFF2-40B4-BE49-F238E27FC236}">
+                <a16:creationId xmlns:a16="http://schemas.microsoft.com/office/drawing/2014/main" id="{746418A4-0C53-4EDF-857A-03D1ED762C4B}"/>
+              </a:ext>
+            </a:extLst>
+          </p:cNvPr>
+          <p:cNvSpPr>
+            <a:spLocks noChangeArrowheads="1"/>
+          </p:cNvSpPr>
+          <p:nvPr/>
+        </p:nvSpPr>
+        <p:spPr bwMode="auto">
+          <a:xfrm>
+            <a:off x="7431327" y="4351529"/>
+            <a:ext cx="146135" cy="275125"/>
+          </a:xfrm>
+          <a:prstGeom prst="diamond">
+            <a:avLst/>
+          </a:prstGeom>
+          <a:solidFill>
+            <a:srgbClr val="000000"/>
+          </a:solidFill>
+          <a:ln w="9525">
+            <a:solidFill>
+              <a:srgbClr val="000000"/>
+            </a:solidFill>
+            <a:miter lim="800000"/>
+            <a:headEnd/>
+            <a:tailEnd/>
+          </a:ln>
+        </p:spPr>
+        <p:txBody>
+          <a:bodyPr anchor="ctr">
+            <a:spAutoFit/>
+          </a:bodyPr>
+          <a:lstStyle/>
+          <a:p>
+            <a:pPr marL="0" marR="0" lvl="0" indent="0" defTabSz="914400" eaLnBrk="1" fontAlgn="base" latinLnBrk="0" hangingPunct="1">
+              <a:lnSpc>
+                <a:spcPct val="100000"/>
+              </a:lnSpc>
+              <a:spcBef>
+                <a:spcPct val="0"/>
+              </a:spcBef>
+              <a:spcAft>
+                <a:spcPct val="0"/>
+              </a:spcAft>
+              <a:buClrTx/>
+              <a:buSzTx/>
+              <a:buFontTx/>
+              <a:buNone/>
+              <a:tabLst/>
+              <a:defRPr/>
+            </a:pPr>
+            <a:endParaRPr kumimoji="0" lang="en-US" sz="300" b="0" i="0" u="none" strike="noStrike" kern="0" cap="none" spc="0" normalizeH="0" baseline="0" noProof="0">
+              <a:ln>
+                <a:noFill/>
+              </a:ln>
+              <a:solidFill>
+                <a:srgbClr val="000000"/>
+              </a:solidFill>
+              <a:effectLst/>
+              <a:uLnTx/>
+              <a:uFillTx/>
+              <a:latin typeface="Arial" charset="0"/>
+            </a:endParaRPr>
+          </a:p>
+        </p:txBody>
+      </p:sp>
+      <p:sp>
+        <p:nvSpPr>
+          <p:cNvPr id="95" name="AutoShape 50">
+            <a:extLst>
+              <a:ext uri="{FF2B5EF4-FFF2-40B4-BE49-F238E27FC236}">
+                <a16:creationId xmlns:a16="http://schemas.microsoft.com/office/drawing/2014/main" id="{F3CAA343-50E0-49C7-A335-20F53F869C9F}"/>
+              </a:ext>
+            </a:extLst>
+          </p:cNvPr>
+          <p:cNvSpPr>
+            <a:spLocks noChangeArrowheads="1"/>
+          </p:cNvSpPr>
+          <p:nvPr/>
+        </p:nvSpPr>
+        <p:spPr bwMode="auto">
+          <a:xfrm>
+            <a:off x="6539411" y="4351529"/>
+            <a:ext cx="146135" cy="275125"/>
+          </a:xfrm>
+          <a:prstGeom prst="diamond">
+            <a:avLst/>
+          </a:prstGeom>
+          <a:solidFill>
+            <a:srgbClr val="000000"/>
+          </a:solidFill>
+          <a:ln w="9525">
+            <a:solidFill>
+              <a:srgbClr val="000000"/>
+            </a:solidFill>
+            <a:miter lim="800000"/>
+            <a:headEnd/>
+            <a:tailEnd/>
+          </a:ln>
+        </p:spPr>
+        <p:txBody>
+          <a:bodyPr anchor="ctr">
+            <a:spAutoFit/>
+          </a:bodyPr>
+          <a:lstStyle/>
+          <a:p>
+            <a:pPr marL="0" marR="0" lvl="0" indent="0" defTabSz="914400" eaLnBrk="1" fontAlgn="base" latinLnBrk="0" hangingPunct="1">
+              <a:lnSpc>
+                <a:spcPct val="100000"/>
+              </a:lnSpc>
+              <a:spcBef>
+                <a:spcPct val="0"/>
+              </a:spcBef>
+              <a:spcAft>
+                <a:spcPct val="0"/>
+              </a:spcAft>
+              <a:buClrTx/>
+              <a:buSzTx/>
+              <a:buFontTx/>
+              <a:buNone/>
+              <a:tabLst/>
+              <a:defRPr/>
+            </a:pPr>
+            <a:endParaRPr kumimoji="0" lang="en-US" sz="300" b="0" i="0" u="none" strike="noStrike" kern="0" cap="none" spc="0" normalizeH="0" baseline="0" noProof="0">
+              <a:ln>
+                <a:noFill/>
+              </a:ln>
+              <a:solidFill>
+                <a:srgbClr val="000000"/>
+              </a:solidFill>
+              <a:effectLst/>
+              <a:uLnTx/>
+              <a:uFillTx/>
+              <a:latin typeface="Arial" charset="0"/>
+            </a:endParaRPr>
+          </a:p>
+        </p:txBody>
+      </p:sp>
+      <p:cxnSp>
+        <p:nvCxnSpPr>
+          <p:cNvPr id="96" name="Gewinkelter Verbinder 86">
+            <a:extLst>
+              <a:ext uri="{FF2B5EF4-FFF2-40B4-BE49-F238E27FC236}">
+                <a16:creationId xmlns:a16="http://schemas.microsoft.com/office/drawing/2014/main" id="{C2EA63DC-EB63-4E91-8103-EBD39F3CC36F}"/>
+              </a:ext>
+            </a:extLst>
+          </p:cNvPr>
+          <p:cNvCxnSpPr/>
+          <p:nvPr/>
+        </p:nvCxnSpPr>
+        <p:spPr>
+          <a:xfrm>
+            <a:off x="7939502" y="2737247"/>
+            <a:ext cx="1529127" cy="232541"/>
+          </a:xfrm>
+          <a:prstGeom prst="bentConnector3">
+            <a:avLst>
+              <a:gd name="adj1" fmla="val 50000"/>
+            </a:avLst>
+          </a:prstGeom>
+          <a:noFill/>
+          <a:ln w="9525" cap="flat" cmpd="sng" algn="ctr">
+            <a:solidFill>
+              <a:srgbClr val="000000"/>
+            </a:solidFill>
+            <a:prstDash val="solid"/>
+            <a:tailEnd type="triangle"/>
+          </a:ln>
+          <a:effectLst/>
+        </p:spPr>
+      </p:cxnSp>
+      <p:sp>
+        <p:nvSpPr>
+          <p:cNvPr id="97" name="AutoShape 50">
+            <a:extLst>
+              <a:ext uri="{FF2B5EF4-FFF2-40B4-BE49-F238E27FC236}">
+                <a16:creationId xmlns:a16="http://schemas.microsoft.com/office/drawing/2014/main" id="{C61B9033-9B4E-45ED-A227-052E8EA83573}"/>
+              </a:ext>
+            </a:extLst>
+          </p:cNvPr>
+          <p:cNvSpPr>
+            <a:spLocks noChangeArrowheads="1"/>
+          </p:cNvSpPr>
+          <p:nvPr/>
+        </p:nvSpPr>
+        <p:spPr bwMode="auto">
+          <a:xfrm>
+            <a:off x="6975528" y="2952499"/>
+            <a:ext cx="146135" cy="275125"/>
+          </a:xfrm>
+          <a:prstGeom prst="diamond">
+            <a:avLst/>
+          </a:prstGeom>
+          <a:solidFill>
+            <a:srgbClr val="000000"/>
+          </a:solidFill>
+          <a:ln w="9525">
+            <a:solidFill>
+              <a:srgbClr val="000000"/>
+            </a:solidFill>
+            <a:miter lim="800000"/>
+            <a:headEnd/>
+            <a:tailEnd/>
+          </a:ln>
+        </p:spPr>
+        <p:txBody>
+          <a:bodyPr anchor="ctr">
+            <a:spAutoFit/>
+          </a:bodyPr>
+          <a:lstStyle/>
+          <a:p>
+            <a:pPr marL="0" marR="0" lvl="0" indent="0" defTabSz="914400" eaLnBrk="1" fontAlgn="base" latinLnBrk="0" hangingPunct="1">
+              <a:lnSpc>
+                <a:spcPct val="100000"/>
+              </a:lnSpc>
+              <a:spcBef>
+                <a:spcPct val="0"/>
+              </a:spcBef>
+              <a:spcAft>
+                <a:spcPct val="0"/>
+              </a:spcAft>
+              <a:buClrTx/>
+              <a:buSzTx/>
+              <a:buFontTx/>
+              <a:buNone/>
+              <a:tabLst/>
+              <a:defRPr/>
+            </a:pPr>
+            <a:endParaRPr kumimoji="0" lang="en-US" sz="300" b="0" i="0" u="none" strike="noStrike" kern="0" cap="none" spc="0" normalizeH="0" baseline="0" noProof="0">
+              <a:ln>
+                <a:noFill/>
+              </a:ln>
+              <a:solidFill>
+                <a:srgbClr val="000000"/>
+              </a:solidFill>
+              <a:effectLst/>
+              <a:uLnTx/>
+              <a:uFillTx/>
+              <a:latin typeface="Arial" charset="0"/>
+            </a:endParaRPr>
+          </a:p>
+        </p:txBody>
+      </p:sp>
+      <p:cxnSp>
+        <p:nvCxnSpPr>
+          <p:cNvPr id="98" name="Gewinkelter Verbinder 102">
+            <a:extLst>
+              <a:ext uri="{FF2B5EF4-FFF2-40B4-BE49-F238E27FC236}">
+                <a16:creationId xmlns:a16="http://schemas.microsoft.com/office/drawing/2014/main" id="{5C372E09-A528-4852-B1E6-0B995C0388E0}"/>
+              </a:ext>
+            </a:extLst>
+          </p:cNvPr>
+          <p:cNvCxnSpPr>
+            <a:stCxn id="92" idx="1"/>
+            <a:endCxn id="69" idx="3"/>
+          </p:cNvCxnSpPr>
+          <p:nvPr/>
+        </p:nvCxnSpPr>
+        <p:spPr>
+          <a:xfrm rot="10800000">
+            <a:off x="4605212" y="1763799"/>
+            <a:ext cx="1533885" cy="844573"/>
+          </a:xfrm>
+          <a:prstGeom prst="bentConnector3">
+            <a:avLst>
+              <a:gd name="adj1" fmla="val 50000"/>
+            </a:avLst>
+          </a:prstGeom>
+          <a:noFill/>
+          <a:ln w="9525" cap="flat" cmpd="sng" algn="ctr">
+            <a:solidFill>
+              <a:srgbClr val="000000"/>
+            </a:solidFill>
+            <a:prstDash val="solid"/>
+            <a:tailEnd type="triangle"/>
+          </a:ln>
+          <a:effectLst/>
+        </p:spPr>
+      </p:cxnSp>
+      <p:cxnSp>
+        <p:nvCxnSpPr>
+          <p:cNvPr id="99" name="Gewinkelter Verbinder 105">
+            <a:extLst>
+              <a:ext uri="{FF2B5EF4-FFF2-40B4-BE49-F238E27FC236}">
+                <a16:creationId xmlns:a16="http://schemas.microsoft.com/office/drawing/2014/main" id="{6423DF3B-34D9-4255-B6E0-3CCDA1D9D8BC}"/>
+              </a:ext>
+            </a:extLst>
+          </p:cNvPr>
+          <p:cNvCxnSpPr>
+            <a:stCxn id="92" idx="3"/>
+            <a:endCxn id="88" idx="1"/>
+          </p:cNvCxnSpPr>
+          <p:nvPr/>
+        </p:nvCxnSpPr>
+        <p:spPr>
+          <a:xfrm flipV="1">
+            <a:off x="7939506" y="1763797"/>
+            <a:ext cx="1529122" cy="844573"/>
+          </a:xfrm>
+          <a:prstGeom prst="bentConnector3">
+            <a:avLst>
+              <a:gd name="adj1" fmla="val 50000"/>
+            </a:avLst>
+          </a:prstGeom>
+          <a:noFill/>
+          <a:ln w="9525" cap="flat" cmpd="sng" algn="ctr">
+            <a:solidFill>
+              <a:srgbClr val="000000"/>
+            </a:solidFill>
+            <a:prstDash val="solid"/>
+            <a:tailEnd type="triangle"/>
+          </a:ln>
+          <a:effectLst/>
+        </p:spPr>
+      </p:cxnSp>
+      <p:sp>
+        <p:nvSpPr>
+          <p:cNvPr id="100" name="Textfeld 99">
+            <a:extLst>
+              <a:ext uri="{FF2B5EF4-FFF2-40B4-BE49-F238E27FC236}">
+                <a16:creationId xmlns:a16="http://schemas.microsoft.com/office/drawing/2014/main" id="{039F712D-F2EE-4957-B9CD-5F7526364A4A}"/>
+              </a:ext>
+            </a:extLst>
+          </p:cNvPr>
+          <p:cNvSpPr txBox="1"/>
+          <p:nvPr/>
+        </p:nvSpPr>
+        <p:spPr>
+          <a:xfrm>
+            <a:off x="4594761" y="1408832"/>
+            <a:ext cx="298481" cy="338554"/>
+          </a:xfrm>
+          <a:prstGeom prst="rect">
+            <a:avLst/>
+          </a:prstGeom>
+          <a:noFill/>
+        </p:spPr>
+        <p:txBody>
+          <a:bodyPr wrap="none" rtlCol="0">
+            <a:spAutoFit/>
+          </a:bodyPr>
+          <a:lstStyle/>
+          <a:p>
+            <a:pPr marL="0" marR="0" lvl="0" indent="0" defTabSz="914400" eaLnBrk="1" fontAlgn="base" latinLnBrk="0" hangingPunct="1">
+              <a:lnSpc>
+                <a:spcPct val="100000"/>
+              </a:lnSpc>
+              <a:spcBef>
+                <a:spcPct val="0"/>
+              </a:spcBef>
+              <a:spcAft>
+                <a:spcPct val="0"/>
+              </a:spcAft>
+              <a:buClrTx/>
+              <a:buSzTx/>
+              <a:buFontTx/>
+              <a:buNone/>
+              <a:tabLst/>
+              <a:defRPr/>
+            </a:pPr>
+            <a:r>
+              <a:rPr kumimoji="0" lang="de-DE" sz="1600" b="0" i="0" u="none" strike="noStrike" kern="0" cap="none" spc="0" normalizeH="0" baseline="0" noProof="0" dirty="0">
+                <a:ln>
+                  <a:noFill/>
+                </a:ln>
+                <a:solidFill>
+                  <a:srgbClr val="000000"/>
+                </a:solidFill>
+                <a:effectLst/>
+                <a:uLnTx/>
+                <a:uFillTx/>
+                <a:latin typeface="Arial" charset="0"/>
+              </a:rPr>
+              <a:t>1</a:t>
+            </a:r>
+          </a:p>
+        </p:txBody>
+      </p:sp>
+      <p:sp>
+        <p:nvSpPr>
+          <p:cNvPr id="101" name="AutoShape 37">
+            <a:extLst>
+              <a:ext uri="{FF2B5EF4-FFF2-40B4-BE49-F238E27FC236}">
+                <a16:creationId xmlns:a16="http://schemas.microsoft.com/office/drawing/2014/main" id="{8FE98066-0768-4996-BD25-17785C8F8927}"/>
+              </a:ext>
+            </a:extLst>
+          </p:cNvPr>
+          <p:cNvSpPr>
+            <a:spLocks noChangeArrowheads="1"/>
+          </p:cNvSpPr>
+          <p:nvPr/>
+        </p:nvSpPr>
+        <p:spPr bwMode="auto">
+          <a:xfrm>
+            <a:off x="3566775" y="3152952"/>
+            <a:ext cx="279501" cy="275123"/>
+          </a:xfrm>
+          <a:prstGeom prst="triangle">
+            <a:avLst>
+              <a:gd name="adj" fmla="val 50000"/>
+            </a:avLst>
+          </a:prstGeom>
+          <a:solidFill>
+            <a:srgbClr val="FFFFFF"/>
+          </a:solidFill>
+          <a:ln w="9525">
+            <a:solidFill>
+              <a:srgbClr val="000000"/>
+            </a:solidFill>
+            <a:miter lim="800000"/>
+            <a:headEnd/>
+            <a:tailEnd type="none" w="lg" len="lg"/>
+          </a:ln>
+        </p:spPr>
+        <p:txBody>
+          <a:bodyPr wrap="square" anchor="ctr">
+            <a:spAutoFit/>
+          </a:bodyPr>
+          <a:lstStyle/>
+          <a:p>
+            <a:pPr marL="0" marR="0" lvl="0" indent="0" defTabSz="914400" eaLnBrk="1" fontAlgn="base" latinLnBrk="0" hangingPunct="1">
+              <a:lnSpc>
+                <a:spcPct val="100000"/>
+              </a:lnSpc>
+              <a:spcBef>
+                <a:spcPct val="0"/>
+              </a:spcBef>
+              <a:spcAft>
+                <a:spcPct val="0"/>
+              </a:spcAft>
+              <a:buClrTx/>
+              <a:buSzTx/>
+              <a:buFontTx/>
+              <a:buNone/>
+              <a:tabLst/>
+              <a:defRPr/>
+            </a:pPr>
+            <a:endParaRPr kumimoji="0" lang="en-US" sz="300" b="0" i="0" u="none" strike="noStrike" kern="0" cap="none" spc="0" normalizeH="0" baseline="0" noProof="0">
+              <a:ln>
+                <a:noFill/>
+              </a:ln>
+              <a:solidFill>
+                <a:srgbClr val="000000"/>
+              </a:solidFill>
+              <a:effectLst/>
+              <a:uLnTx/>
+              <a:uFillTx/>
+              <a:latin typeface="Arial" charset="0"/>
+            </a:endParaRPr>
+          </a:p>
+        </p:txBody>
+      </p:sp>
+      <p:sp>
+        <p:nvSpPr>
+          <p:cNvPr id="102" name="Freihandform 117">
+            <a:extLst>
+              <a:ext uri="{FF2B5EF4-FFF2-40B4-BE49-F238E27FC236}">
+                <a16:creationId xmlns:a16="http://schemas.microsoft.com/office/drawing/2014/main" id="{25A3CE79-3C34-4931-B1DC-06903A305C0E}"/>
+              </a:ext>
+            </a:extLst>
+          </p:cNvPr>
+          <p:cNvSpPr/>
+          <p:nvPr/>
+        </p:nvSpPr>
+        <p:spPr bwMode="auto">
+          <a:xfrm>
+            <a:off x="2607241" y="1273001"/>
+            <a:ext cx="403242" cy="447969"/>
+          </a:xfrm>
+          <a:custGeom>
+            <a:avLst/>
+            <a:gdLst>
+              <a:gd name="connsiteX0" fmla="*/ 143838 w 303087"/>
+              <a:gd name="connsiteY0" fmla="*/ 272266 h 277403"/>
+              <a:gd name="connsiteX1" fmla="*/ 0 w 303087"/>
+              <a:gd name="connsiteY1" fmla="*/ 277403 h 277403"/>
+              <a:gd name="connsiteX2" fmla="*/ 0 w 303087"/>
+              <a:gd name="connsiteY2" fmla="*/ 0 h 277403"/>
+              <a:gd name="connsiteX3" fmla="*/ 303087 w 303087"/>
+              <a:gd name="connsiteY3" fmla="*/ 0 h 277403"/>
+              <a:gd name="connsiteX4" fmla="*/ 297950 w 303087"/>
+              <a:gd name="connsiteY4" fmla="*/ 148976 h 277403"/>
+            </a:gdLst>
+            <a:ahLst/>
+            <a:cxnLst>
+              <a:cxn ang="0">
+                <a:pos x="connsiteX0" y="connsiteY0"/>
+              </a:cxn>
+              <a:cxn ang="0">
+                <a:pos x="connsiteX1" y="connsiteY1"/>
+              </a:cxn>
+              <a:cxn ang="0">
+                <a:pos x="connsiteX2" y="connsiteY2"/>
+              </a:cxn>
+              <a:cxn ang="0">
+                <a:pos x="connsiteX3" y="connsiteY3"/>
+              </a:cxn>
+              <a:cxn ang="0">
+                <a:pos x="connsiteX4" y="connsiteY4"/>
+              </a:cxn>
+            </a:cxnLst>
+            <a:rect l="l" t="t" r="r" b="b"/>
+            <a:pathLst>
+              <a:path w="303087" h="277403">
+                <a:moveTo>
+                  <a:pt x="143838" y="272266"/>
+                </a:moveTo>
+                <a:lnTo>
+                  <a:pt x="0" y="277403"/>
+                </a:lnTo>
+                <a:lnTo>
+                  <a:pt x="0" y="0"/>
+                </a:lnTo>
+                <a:lnTo>
+                  <a:pt x="303087" y="0"/>
+                </a:lnTo>
+                <a:lnTo>
+                  <a:pt x="297950" y="148976"/>
+                </a:lnTo>
+              </a:path>
+            </a:pathLst>
+          </a:custGeom>
+          <a:noFill/>
+          <a:ln w="10795" cap="flat" cmpd="sng" algn="ctr">
+            <a:solidFill>
+              <a:srgbClr val="000000"/>
+            </a:solidFill>
+            <a:prstDash val="solid"/>
+            <a:round/>
+            <a:headEnd type="none" w="med" len="med"/>
+            <a:tailEnd type="triangle" w="med" len="med"/>
+          </a:ln>
+          <a:effectLst/>
+          <a:extLst>
+            <a:ext uri="{AF507438-7753-43E0-B8FC-AC1667EBCBE1}">
+              <a14:hiddenEffects xmlns:a14="http://schemas.microsoft.com/office/drawing/2010/main">
+                <a:effectLst>
+                  <a:outerShdw dist="35921" dir="2700000" algn="ctr" rotWithShape="0">
+                    <a:srgbClr val="808080"/>
+                  </a:outerShdw>
+                </a:effectLst>
+              </a14:hiddenEffects>
+            </a:ext>
+          </a:extLst>
+        </p:spPr>
+        <p:txBody>
+          <a:bodyPr rtlCol="0" anchor="ctr"/>
+          <a:lstStyle/>
+          <a:p>
+            <a:pPr marL="0" marR="0" lvl="0" indent="0" algn="ctr" defTabSz="914400" eaLnBrk="1" fontAlgn="base" latinLnBrk="0" hangingPunct="1">
+              <a:lnSpc>
+                <a:spcPct val="100000"/>
+              </a:lnSpc>
+              <a:spcBef>
+                <a:spcPct val="0"/>
+              </a:spcBef>
+              <a:spcAft>
+                <a:spcPct val="0"/>
+              </a:spcAft>
+              <a:buClrTx/>
+              <a:buSzTx/>
+              <a:buFontTx/>
+              <a:buNone/>
+              <a:tabLst/>
+              <a:defRPr/>
+            </a:pPr>
+            <a:endParaRPr kumimoji="0" lang="de-DE" sz="2000" b="0" i="0" u="none" strike="noStrike" kern="0" cap="none" spc="0" normalizeH="0" baseline="0" noProof="0">
+              <a:ln>
+                <a:noFill/>
+              </a:ln>
+              <a:solidFill>
+                <a:srgbClr val="000000"/>
+              </a:solidFill>
+              <a:effectLst/>
+              <a:uLnTx/>
+              <a:uFillTx/>
+              <a:latin typeface="Arial" charset="0"/>
+            </a:endParaRPr>
+          </a:p>
+        </p:txBody>
+      </p:sp>
+      <p:sp>
+        <p:nvSpPr>
+          <p:cNvPr id="103" name="AutoShape 50">
+            <a:extLst>
+              <a:ext uri="{FF2B5EF4-FFF2-40B4-BE49-F238E27FC236}">
+                <a16:creationId xmlns:a16="http://schemas.microsoft.com/office/drawing/2014/main" id="{9C8B1730-0EC2-4DB3-9166-CC417AF4351B}"/>
+              </a:ext>
+            </a:extLst>
+          </p:cNvPr>
+          <p:cNvSpPr>
+            <a:spLocks noChangeArrowheads="1"/>
+          </p:cNvSpPr>
+          <p:nvPr/>
+        </p:nvSpPr>
+        <p:spPr bwMode="auto">
+          <a:xfrm>
+            <a:off x="2926714" y="1308283"/>
+            <a:ext cx="146135" cy="275125"/>
+          </a:xfrm>
+          <a:prstGeom prst="diamond">
+            <a:avLst/>
+          </a:prstGeom>
+          <a:solidFill>
+            <a:srgbClr val="000000"/>
+          </a:solidFill>
+          <a:ln w="9525">
+            <a:solidFill>
+              <a:srgbClr val="000000"/>
+            </a:solidFill>
+            <a:miter lim="800000"/>
+            <a:headEnd/>
+            <a:tailEnd/>
+          </a:ln>
+        </p:spPr>
+        <p:txBody>
+          <a:bodyPr anchor="ctr">
+            <a:spAutoFit/>
+          </a:bodyPr>
+          <a:lstStyle/>
+          <a:p>
+            <a:pPr marL="0" marR="0" lvl="0" indent="0" defTabSz="914400" eaLnBrk="1" fontAlgn="base" latinLnBrk="0" hangingPunct="1">
+              <a:lnSpc>
+                <a:spcPct val="100000"/>
+              </a:lnSpc>
+              <a:spcBef>
+                <a:spcPct val="0"/>
+              </a:spcBef>
+              <a:spcAft>
+                <a:spcPct val="0"/>
+              </a:spcAft>
+              <a:buClrTx/>
+              <a:buSzTx/>
+              <a:buFontTx/>
+              <a:buNone/>
+              <a:tabLst/>
+              <a:defRPr/>
+            </a:pPr>
+            <a:endParaRPr kumimoji="0" lang="en-US" sz="300" b="0" i="0" u="none" strike="noStrike" kern="0" cap="none" spc="0" normalizeH="0" baseline="0" noProof="0">
+              <a:ln>
+                <a:noFill/>
+              </a:ln>
+              <a:solidFill>
+                <a:srgbClr val="000000"/>
+              </a:solidFill>
+              <a:effectLst/>
+              <a:uLnTx/>
+              <a:uFillTx/>
+              <a:latin typeface="Arial" charset="0"/>
+            </a:endParaRPr>
+          </a:p>
+        </p:txBody>
+      </p:sp>
+      <p:sp>
+        <p:nvSpPr>
+          <p:cNvPr id="104" name="Rechteck 103">
+            <a:extLst>
+              <a:ext uri="{FF2B5EF4-FFF2-40B4-BE49-F238E27FC236}">
+                <a16:creationId xmlns:a16="http://schemas.microsoft.com/office/drawing/2014/main" id="{281AEF91-D618-481E-B41B-31C582B71C49}"/>
+              </a:ext>
+            </a:extLst>
+          </p:cNvPr>
+          <p:cNvSpPr/>
+          <p:nvPr/>
+        </p:nvSpPr>
+        <p:spPr>
+          <a:xfrm>
+            <a:off x="923330" y="2765941"/>
+            <a:ext cx="1310714" cy="380480"/>
+          </a:xfrm>
+          <a:prstGeom prst="rect">
+            <a:avLst/>
+          </a:prstGeom>
+          <a:solidFill>
+            <a:srgbClr val="FFFFFF"/>
+          </a:solidFill>
+          <a:ln w="9525" cap="flat" cmpd="sng" algn="ctr">
+            <a:solidFill>
+              <a:srgbClr val="000000"/>
+            </a:solidFill>
+            <a:prstDash val="solid"/>
+          </a:ln>
+          <a:effectLst/>
+        </p:spPr>
+        <p:txBody>
+          <a:bodyPr wrap="square" lIns="36000" tIns="36000" rIns="36000" bIns="36000" rtlCol="0" anchor="ctr">
+            <a:spAutoFit/>
+          </a:bodyPr>
+          <a:lstStyle/>
+          <a:p>
+            <a:pPr marL="0" marR="0" lvl="0" indent="0" algn="ctr" defTabSz="914400" eaLnBrk="1" fontAlgn="base" latinLnBrk="0" hangingPunct="1">
+              <a:lnSpc>
+                <a:spcPct val="100000"/>
+              </a:lnSpc>
+              <a:spcBef>
+                <a:spcPct val="0"/>
+              </a:spcBef>
+              <a:spcAft>
+                <a:spcPct val="0"/>
+              </a:spcAft>
+              <a:buClrTx/>
+              <a:buSzTx/>
+              <a:buFontTx/>
+              <a:buNone/>
+              <a:tabLst/>
+              <a:defRPr/>
+            </a:pPr>
+            <a:r>
+              <a:rPr kumimoji="0" lang="de-DE" sz="2000" b="0" i="0" u="none" strike="noStrike" kern="0" cap="none" spc="0" normalizeH="0" baseline="0" noProof="0" dirty="0">
+                <a:ln>
+                  <a:noFill/>
+                </a:ln>
+                <a:solidFill>
+                  <a:srgbClr val="000000"/>
+                </a:solidFill>
+                <a:effectLst/>
+                <a:uLnTx/>
+                <a:uFillTx/>
+                <a:latin typeface="Arial"/>
+                <a:ea typeface="+mn-ea"/>
+                <a:cs typeface="+mn-cs"/>
+              </a:rPr>
+              <a:t>Property</a:t>
+            </a:r>
+          </a:p>
+        </p:txBody>
+      </p:sp>
+      <p:sp>
+        <p:nvSpPr>
+          <p:cNvPr id="105" name="AutoShape 50">
+            <a:extLst>
+              <a:ext uri="{FF2B5EF4-FFF2-40B4-BE49-F238E27FC236}">
+                <a16:creationId xmlns:a16="http://schemas.microsoft.com/office/drawing/2014/main" id="{0704E937-F141-407F-8413-45E07C096BEE}"/>
+              </a:ext>
+            </a:extLst>
+          </p:cNvPr>
+          <p:cNvSpPr>
+            <a:spLocks noChangeArrowheads="1"/>
+          </p:cNvSpPr>
+          <p:nvPr/>
+        </p:nvSpPr>
+        <p:spPr bwMode="auto">
+          <a:xfrm rot="16200000">
+            <a:off x="2590925" y="2818997"/>
+            <a:ext cx="146135" cy="275125"/>
+          </a:xfrm>
+          <a:prstGeom prst="diamond">
+            <a:avLst/>
+          </a:prstGeom>
+          <a:solidFill>
+            <a:srgbClr val="000000"/>
+          </a:solidFill>
+          <a:ln w="9525">
+            <a:solidFill>
+              <a:srgbClr val="000000"/>
+            </a:solidFill>
+            <a:miter lim="800000"/>
+            <a:headEnd/>
+            <a:tailEnd/>
+          </a:ln>
+        </p:spPr>
+        <p:txBody>
+          <a:bodyPr anchor="ctr">
+            <a:spAutoFit/>
+          </a:bodyPr>
+          <a:lstStyle/>
+          <a:p>
+            <a:pPr marL="0" marR="0" lvl="0" indent="0" defTabSz="914400" eaLnBrk="1" fontAlgn="base" latinLnBrk="0" hangingPunct="1">
+              <a:lnSpc>
+                <a:spcPct val="100000"/>
+              </a:lnSpc>
+              <a:spcBef>
+                <a:spcPct val="0"/>
+              </a:spcBef>
+              <a:spcAft>
+                <a:spcPct val="0"/>
+              </a:spcAft>
+              <a:buClrTx/>
+              <a:buSzTx/>
+              <a:buFontTx/>
+              <a:buNone/>
+              <a:tabLst/>
+              <a:defRPr/>
+            </a:pPr>
+            <a:endParaRPr kumimoji="0" lang="en-US" sz="300" b="0" i="0" u="none" strike="noStrike" kern="0" cap="none" spc="0" normalizeH="0" baseline="0" noProof="0">
+              <a:ln>
+                <a:noFill/>
+              </a:ln>
+              <a:solidFill>
+                <a:srgbClr val="000000"/>
+              </a:solidFill>
+              <a:effectLst/>
+              <a:uLnTx/>
+              <a:uFillTx/>
+              <a:latin typeface="Arial" charset="0"/>
+            </a:endParaRPr>
+          </a:p>
+        </p:txBody>
+      </p:sp>
+      <p:cxnSp>
+        <p:nvCxnSpPr>
+          <p:cNvPr id="106" name="Gewinkelter Verbinder 134">
+            <a:extLst>
+              <a:ext uri="{FF2B5EF4-FFF2-40B4-BE49-F238E27FC236}">
+                <a16:creationId xmlns:a16="http://schemas.microsoft.com/office/drawing/2014/main" id="{A4290E07-D4FE-44A1-AE07-31A362D853EA}"/>
+              </a:ext>
+            </a:extLst>
+          </p:cNvPr>
+          <p:cNvCxnSpPr>
+            <a:stCxn id="66" idx="2"/>
+            <a:endCxn id="109" idx="0"/>
+          </p:cNvCxnSpPr>
+          <p:nvPr/>
+        </p:nvCxnSpPr>
+        <p:spPr>
+          <a:xfrm rot="5400000">
+            <a:off x="9457898" y="3042730"/>
+            <a:ext cx="807244" cy="1014625"/>
+          </a:xfrm>
+          <a:prstGeom prst="bentConnector3">
+            <a:avLst>
+              <a:gd name="adj1" fmla="val 50000"/>
+            </a:avLst>
+          </a:prstGeom>
+          <a:noFill/>
+          <a:ln w="9525" cap="flat" cmpd="sng" algn="ctr">
+            <a:solidFill>
+              <a:srgbClr val="000000"/>
+            </a:solidFill>
+            <a:prstDash val="solid"/>
+            <a:headEnd type="none" w="med" len="med"/>
+            <a:tailEnd type="none" w="med" len="med"/>
+          </a:ln>
+          <a:effectLst/>
+        </p:spPr>
+      </p:cxnSp>
+      <p:cxnSp>
+        <p:nvCxnSpPr>
+          <p:cNvPr id="107" name="Gewinkelter Verbinder 135">
+            <a:extLst>
+              <a:ext uri="{FF2B5EF4-FFF2-40B4-BE49-F238E27FC236}">
+                <a16:creationId xmlns:a16="http://schemas.microsoft.com/office/drawing/2014/main" id="{C294D8C5-58FC-4988-8940-65F79FA97C41}"/>
+              </a:ext>
+            </a:extLst>
+          </p:cNvPr>
+          <p:cNvCxnSpPr>
+            <a:stCxn id="66" idx="2"/>
+            <a:endCxn id="108" idx="0"/>
+          </p:cNvCxnSpPr>
+          <p:nvPr/>
+        </p:nvCxnSpPr>
+        <p:spPr>
+          <a:xfrm rot="16200000" flipH="1">
+            <a:off x="10472525" y="3042729"/>
+            <a:ext cx="807244" cy="1014630"/>
+          </a:xfrm>
+          <a:prstGeom prst="bentConnector3">
+            <a:avLst>
+              <a:gd name="adj1" fmla="val 50000"/>
+            </a:avLst>
+          </a:prstGeom>
+          <a:noFill/>
+          <a:ln w="9525" cap="flat" cmpd="sng" algn="ctr">
+            <a:solidFill>
+              <a:srgbClr val="000000"/>
+            </a:solidFill>
+            <a:prstDash val="solid"/>
+            <a:headEnd type="none" w="med" len="med"/>
+            <a:tailEnd type="none" w="med" len="med"/>
+          </a:ln>
+          <a:effectLst/>
+        </p:spPr>
+      </p:cxnSp>
+      <p:sp>
+        <p:nvSpPr>
+          <p:cNvPr id="108" name="Rechteck 107">
+            <a:extLst>
+              <a:ext uri="{FF2B5EF4-FFF2-40B4-BE49-F238E27FC236}">
+                <a16:creationId xmlns:a16="http://schemas.microsoft.com/office/drawing/2014/main" id="{E79E5DC2-E5C1-44A1-8B06-F94E68B52735}"/>
+              </a:ext>
+            </a:extLst>
+          </p:cNvPr>
+          <p:cNvSpPr/>
+          <p:nvPr/>
+        </p:nvSpPr>
+        <p:spPr>
+          <a:xfrm>
+            <a:off x="10728105" y="3953665"/>
+            <a:ext cx="1310714" cy="380480"/>
+          </a:xfrm>
+          <a:prstGeom prst="rect">
+            <a:avLst/>
+          </a:prstGeom>
+          <a:solidFill>
+            <a:srgbClr val="FFFFFF"/>
+          </a:solidFill>
+          <a:ln w="9525" cap="flat" cmpd="sng" algn="ctr">
+            <a:solidFill>
+              <a:srgbClr val="000000"/>
+            </a:solidFill>
+            <a:prstDash val="solid"/>
+          </a:ln>
+          <a:effectLst/>
+        </p:spPr>
+        <p:txBody>
+          <a:bodyPr wrap="square" lIns="36000" tIns="36000" rIns="36000" bIns="36000" rtlCol="0" anchor="ctr">
+            <a:spAutoFit/>
+          </a:bodyPr>
+          <a:lstStyle/>
+          <a:p>
+            <a:pPr marL="0" marR="0" lvl="0" indent="0" algn="ctr" defTabSz="914400" eaLnBrk="1" fontAlgn="base" latinLnBrk="0" hangingPunct="1">
+              <a:lnSpc>
+                <a:spcPct val="100000"/>
+              </a:lnSpc>
+              <a:spcBef>
+                <a:spcPct val="0"/>
+              </a:spcBef>
+              <a:spcAft>
+                <a:spcPct val="0"/>
+              </a:spcAft>
+              <a:buClrTx/>
+              <a:buSzTx/>
+              <a:buFontTx/>
+              <a:buNone/>
+              <a:tabLst/>
+              <a:defRPr/>
+            </a:pPr>
+            <a:r>
+              <a:rPr kumimoji="0" lang="de-DE" sz="2000" b="0" i="0" u="none" strike="noStrike" kern="0" cap="none" spc="0" normalizeH="0" baseline="0" noProof="0" dirty="0" err="1">
+                <a:ln>
+                  <a:noFill/>
+                </a:ln>
+                <a:solidFill>
+                  <a:srgbClr val="000000"/>
+                </a:solidFill>
+                <a:effectLst/>
+                <a:uLnTx/>
+                <a:uFillTx/>
+                <a:latin typeface="Arial"/>
+                <a:ea typeface="+mn-ea"/>
+                <a:cs typeface="+mn-cs"/>
+              </a:rPr>
+              <a:t>Behavior</a:t>
+            </a:r>
+            <a:endParaRPr kumimoji="0" lang="de-DE" sz="2000" b="0" i="0" u="none" strike="noStrike" kern="0" cap="none" spc="0" normalizeH="0" baseline="0" noProof="0" dirty="0">
+              <a:ln>
+                <a:noFill/>
+              </a:ln>
+              <a:solidFill>
+                <a:srgbClr val="000000"/>
+              </a:solidFill>
+              <a:effectLst/>
+              <a:uLnTx/>
+              <a:uFillTx/>
+              <a:latin typeface="Arial"/>
+              <a:ea typeface="+mn-ea"/>
+              <a:cs typeface="+mn-cs"/>
+            </a:endParaRPr>
+          </a:p>
+        </p:txBody>
+      </p:sp>
+      <p:sp>
+        <p:nvSpPr>
+          <p:cNvPr id="109" name="Rechteck 108">
+            <a:extLst>
+              <a:ext uri="{FF2B5EF4-FFF2-40B4-BE49-F238E27FC236}">
+                <a16:creationId xmlns:a16="http://schemas.microsoft.com/office/drawing/2014/main" id="{635553AA-177D-4FA7-8945-7E53DD5D2C51}"/>
+              </a:ext>
+            </a:extLst>
+          </p:cNvPr>
+          <p:cNvSpPr/>
+          <p:nvPr/>
+        </p:nvSpPr>
+        <p:spPr>
+          <a:xfrm>
+            <a:off x="8698850" y="3953665"/>
+            <a:ext cx="1310714" cy="380480"/>
+          </a:xfrm>
+          <a:prstGeom prst="rect">
+            <a:avLst/>
+          </a:prstGeom>
+          <a:solidFill>
+            <a:srgbClr val="FFFFFF"/>
+          </a:solidFill>
+          <a:ln w="9525" cap="flat" cmpd="sng" algn="ctr">
+            <a:solidFill>
+              <a:srgbClr val="000000"/>
+            </a:solidFill>
+            <a:prstDash val="solid"/>
+          </a:ln>
+          <a:effectLst/>
+        </p:spPr>
+        <p:txBody>
+          <a:bodyPr wrap="square" lIns="36000" tIns="36000" rIns="36000" bIns="36000" rtlCol="0" anchor="ctr">
+            <a:spAutoFit/>
+          </a:bodyPr>
+          <a:lstStyle/>
+          <a:p>
+            <a:pPr marL="0" marR="0" lvl="0" indent="0" algn="ctr" defTabSz="914400" eaLnBrk="1" fontAlgn="base" latinLnBrk="0" hangingPunct="1">
+              <a:lnSpc>
+                <a:spcPct val="100000"/>
+              </a:lnSpc>
+              <a:spcBef>
+                <a:spcPct val="0"/>
+              </a:spcBef>
+              <a:spcAft>
+                <a:spcPct val="0"/>
+              </a:spcAft>
+              <a:buClrTx/>
+              <a:buSzTx/>
+              <a:buFontTx/>
+              <a:buNone/>
+              <a:tabLst/>
+              <a:defRPr/>
+            </a:pPr>
+            <a:r>
+              <a:rPr kumimoji="0" lang="de-DE" sz="2000" b="0" i="0" u="none" strike="noStrike" kern="0" cap="none" spc="0" normalizeH="0" baseline="0" noProof="0" dirty="0" err="1">
+                <a:ln>
+                  <a:noFill/>
+                </a:ln>
+                <a:solidFill>
+                  <a:srgbClr val="000000"/>
+                </a:solidFill>
+                <a:effectLst/>
+                <a:uLnTx/>
+                <a:uFillTx/>
+                <a:latin typeface="Arial"/>
+                <a:ea typeface="+mn-ea"/>
+                <a:cs typeface="+mn-cs"/>
+              </a:rPr>
+              <a:t>Structure</a:t>
+            </a:r>
+            <a:endParaRPr kumimoji="0" lang="de-DE" sz="2000" b="0" i="0" u="none" strike="noStrike" kern="0" cap="none" spc="0" normalizeH="0" baseline="0" noProof="0" dirty="0">
+              <a:ln>
+                <a:noFill/>
+              </a:ln>
+              <a:solidFill>
+                <a:srgbClr val="000000"/>
+              </a:solidFill>
+              <a:effectLst/>
+              <a:uLnTx/>
+              <a:uFillTx/>
+              <a:latin typeface="Arial"/>
+              <a:ea typeface="+mn-ea"/>
+              <a:cs typeface="+mn-cs"/>
+            </a:endParaRPr>
+          </a:p>
+        </p:txBody>
+      </p:sp>
+      <p:sp>
+        <p:nvSpPr>
+          <p:cNvPr id="110" name="Textfeld 109">
+            <a:extLst>
+              <a:ext uri="{FF2B5EF4-FFF2-40B4-BE49-F238E27FC236}">
+                <a16:creationId xmlns:a16="http://schemas.microsoft.com/office/drawing/2014/main" id="{C801D280-45E6-44E1-9918-879F0C1CA6C4}"/>
+              </a:ext>
+            </a:extLst>
+          </p:cNvPr>
+          <p:cNvSpPr txBox="1"/>
+          <p:nvPr/>
+        </p:nvSpPr>
+        <p:spPr>
+          <a:xfrm>
+            <a:off x="10152512" y="3828165"/>
+            <a:ext cx="441146" cy="400111"/>
+          </a:xfrm>
+          <a:prstGeom prst="rect">
+            <a:avLst/>
+          </a:prstGeom>
+          <a:noFill/>
+        </p:spPr>
+        <p:txBody>
+          <a:bodyPr wrap="none" rtlCol="0">
+            <a:spAutoFit/>
+          </a:bodyPr>
+          <a:lstStyle/>
+          <a:p>
+            <a:pPr marL="0" marR="0" lvl="0" indent="0" defTabSz="914400" eaLnBrk="1" fontAlgn="base" latinLnBrk="0" hangingPunct="1">
+              <a:lnSpc>
+                <a:spcPct val="100000"/>
+              </a:lnSpc>
+              <a:spcBef>
+                <a:spcPct val="0"/>
+              </a:spcBef>
+              <a:spcAft>
+                <a:spcPct val="0"/>
+              </a:spcAft>
+              <a:buClrTx/>
+              <a:buSzTx/>
+              <a:buFontTx/>
+              <a:buNone/>
+              <a:tabLst/>
+              <a:defRPr/>
+            </a:pPr>
+            <a:r>
+              <a:rPr kumimoji="0" lang="de-DE" sz="2000" b="0" i="0" u="none" strike="noStrike" kern="0" cap="none" spc="0" normalizeH="0" baseline="0" noProof="0" dirty="0">
+                <a:ln>
+                  <a:noFill/>
+                </a:ln>
+                <a:solidFill>
+                  <a:srgbClr val="000000"/>
+                </a:solidFill>
+                <a:effectLst/>
+                <a:uLnTx/>
+                <a:uFillTx/>
+                <a:latin typeface="Arial" charset="0"/>
+              </a:rPr>
+              <a:t>…</a:t>
+            </a:r>
+          </a:p>
+        </p:txBody>
+      </p:sp>
+      <p:sp>
+        <p:nvSpPr>
+          <p:cNvPr id="111" name="AutoShape 37">
+            <a:extLst>
+              <a:ext uri="{FF2B5EF4-FFF2-40B4-BE49-F238E27FC236}">
+                <a16:creationId xmlns:a16="http://schemas.microsoft.com/office/drawing/2014/main" id="{AEDABB2F-4BCD-4423-AB4B-704700394992}"/>
+              </a:ext>
+            </a:extLst>
+          </p:cNvPr>
+          <p:cNvSpPr>
+            <a:spLocks noChangeArrowheads="1"/>
+          </p:cNvSpPr>
+          <p:nvPr/>
+        </p:nvSpPr>
+        <p:spPr bwMode="auto">
+          <a:xfrm>
+            <a:off x="10239681" y="3159490"/>
+            <a:ext cx="251209" cy="275123"/>
+          </a:xfrm>
+          <a:prstGeom prst="triangle">
+            <a:avLst>
+              <a:gd name="adj" fmla="val 50000"/>
+            </a:avLst>
+          </a:prstGeom>
+          <a:solidFill>
+            <a:srgbClr val="FFFFFF"/>
+          </a:solidFill>
+          <a:ln w="9525">
+            <a:solidFill>
+              <a:srgbClr val="000000"/>
+            </a:solidFill>
+            <a:miter lim="800000"/>
+            <a:headEnd/>
+            <a:tailEnd type="none" w="lg" len="lg"/>
+          </a:ln>
+        </p:spPr>
+        <p:txBody>
+          <a:bodyPr wrap="square" anchor="ctr">
+            <a:spAutoFit/>
+          </a:bodyPr>
+          <a:lstStyle/>
+          <a:p>
+            <a:pPr marL="0" marR="0" lvl="0" indent="0" defTabSz="914400" eaLnBrk="1" fontAlgn="base" latinLnBrk="0" hangingPunct="1">
+              <a:lnSpc>
+                <a:spcPct val="100000"/>
+              </a:lnSpc>
+              <a:spcBef>
+                <a:spcPct val="0"/>
+              </a:spcBef>
+              <a:spcAft>
+                <a:spcPct val="0"/>
+              </a:spcAft>
+              <a:buClrTx/>
+              <a:buSzTx/>
+              <a:buFontTx/>
+              <a:buNone/>
+              <a:tabLst/>
+              <a:defRPr/>
+            </a:pPr>
+            <a:endParaRPr kumimoji="0" lang="en-US" sz="300" b="0" i="0" u="none" strike="noStrike" kern="0" cap="none" spc="0" normalizeH="0" baseline="0" noProof="0">
+              <a:ln>
+                <a:noFill/>
+              </a:ln>
+              <a:solidFill>
+                <a:srgbClr val="000000"/>
+              </a:solidFill>
+              <a:effectLst/>
+              <a:uLnTx/>
+              <a:uFillTx/>
+              <a:latin typeface="Arial" charset="0"/>
+            </a:endParaRPr>
+          </a:p>
+        </p:txBody>
+      </p:sp>
+      <p:sp>
+        <p:nvSpPr>
+          <p:cNvPr id="112" name="Textfeld 111">
+            <a:extLst>
+              <a:ext uri="{FF2B5EF4-FFF2-40B4-BE49-F238E27FC236}">
+                <a16:creationId xmlns:a16="http://schemas.microsoft.com/office/drawing/2014/main" id="{A503B850-B4E9-49EA-BCD8-E90F0A67F6FF}"/>
+              </a:ext>
+            </a:extLst>
+          </p:cNvPr>
+          <p:cNvSpPr txBox="1"/>
+          <p:nvPr/>
+        </p:nvSpPr>
+        <p:spPr>
+          <a:xfrm>
+            <a:off x="2196279" y="2605447"/>
+            <a:ext cx="417635" cy="338554"/>
+          </a:xfrm>
+          <a:prstGeom prst="rect">
+            <a:avLst/>
+          </a:prstGeom>
+          <a:noFill/>
+        </p:spPr>
+        <p:txBody>
+          <a:bodyPr wrap="square" rtlCol="0">
+            <a:spAutoFit/>
+          </a:bodyPr>
+          <a:lstStyle/>
+          <a:p>
+            <a:pPr marL="0" marR="0" lvl="0" indent="0" defTabSz="914400" eaLnBrk="1" fontAlgn="base" latinLnBrk="0" hangingPunct="1">
+              <a:lnSpc>
+                <a:spcPct val="100000"/>
+              </a:lnSpc>
+              <a:spcBef>
+                <a:spcPct val="0"/>
+              </a:spcBef>
+              <a:spcAft>
+                <a:spcPct val="0"/>
+              </a:spcAft>
+              <a:buClrTx/>
+              <a:buSzTx/>
+              <a:buFontTx/>
+              <a:buNone/>
+              <a:tabLst/>
+              <a:defRPr/>
+            </a:pPr>
+            <a:r>
+              <a:rPr kumimoji="0" lang="de-DE" sz="1600" b="0" i="0" u="none" strike="noStrike" kern="0" cap="none" spc="0" normalizeH="0" baseline="0" noProof="0" dirty="0">
+                <a:ln>
+                  <a:noFill/>
+                </a:ln>
+                <a:solidFill>
+                  <a:srgbClr val="000000"/>
+                </a:solidFill>
+                <a:effectLst/>
+                <a:uLnTx/>
+                <a:uFillTx/>
+                <a:latin typeface="Arial" charset="0"/>
+              </a:rPr>
+              <a:t>*</a:t>
+            </a:r>
+          </a:p>
+        </p:txBody>
+      </p:sp>
+      <p:sp>
+        <p:nvSpPr>
+          <p:cNvPr id="113" name="Textfeld 112">
+            <a:extLst>
+              <a:ext uri="{FF2B5EF4-FFF2-40B4-BE49-F238E27FC236}">
+                <a16:creationId xmlns:a16="http://schemas.microsoft.com/office/drawing/2014/main" id="{C8A7796B-9A3C-4C2E-96D3-35A57851746D}"/>
+              </a:ext>
+            </a:extLst>
+          </p:cNvPr>
+          <p:cNvSpPr txBox="1"/>
+          <p:nvPr/>
+        </p:nvSpPr>
+        <p:spPr>
+          <a:xfrm>
+            <a:off x="2505313" y="1706419"/>
+            <a:ext cx="210069" cy="338554"/>
+          </a:xfrm>
+          <a:prstGeom prst="rect">
+            <a:avLst/>
+          </a:prstGeom>
+          <a:noFill/>
+        </p:spPr>
+        <p:txBody>
+          <a:bodyPr wrap="square" rtlCol="0">
+            <a:spAutoFit/>
+          </a:bodyPr>
+          <a:lstStyle/>
+          <a:p>
+            <a:pPr marL="0" marR="0" lvl="0" indent="0" defTabSz="914400" eaLnBrk="1" fontAlgn="base" latinLnBrk="0" hangingPunct="1">
+              <a:lnSpc>
+                <a:spcPct val="100000"/>
+              </a:lnSpc>
+              <a:spcBef>
+                <a:spcPct val="0"/>
+              </a:spcBef>
+              <a:spcAft>
+                <a:spcPct val="0"/>
+              </a:spcAft>
+              <a:buClrTx/>
+              <a:buSzTx/>
+              <a:buFontTx/>
+              <a:buNone/>
+              <a:tabLst/>
+              <a:defRPr/>
+            </a:pPr>
+            <a:r>
+              <a:rPr kumimoji="0" lang="de-DE" sz="1600" b="0" i="0" u="none" strike="noStrike" kern="0" cap="none" spc="0" normalizeH="0" baseline="0" noProof="0" dirty="0">
+                <a:ln>
+                  <a:noFill/>
+                </a:ln>
+                <a:solidFill>
+                  <a:srgbClr val="000000"/>
+                </a:solidFill>
+                <a:effectLst/>
+                <a:uLnTx/>
+                <a:uFillTx/>
+                <a:latin typeface="Arial" charset="0"/>
+              </a:rPr>
+              <a:t>*</a:t>
+            </a:r>
+          </a:p>
+        </p:txBody>
+      </p:sp>
+      <p:sp>
+        <p:nvSpPr>
+          <p:cNvPr id="114" name="Textfeld 113">
+            <a:extLst>
+              <a:ext uri="{FF2B5EF4-FFF2-40B4-BE49-F238E27FC236}">
+                <a16:creationId xmlns:a16="http://schemas.microsoft.com/office/drawing/2014/main" id="{467C8BE3-6998-41FB-8394-1EBD5CDE2EED}"/>
+              </a:ext>
+            </a:extLst>
+          </p:cNvPr>
+          <p:cNvSpPr txBox="1"/>
+          <p:nvPr/>
+        </p:nvSpPr>
+        <p:spPr>
+          <a:xfrm>
+            <a:off x="8927542" y="2624084"/>
+            <a:ext cx="494046" cy="338554"/>
+          </a:xfrm>
+          <a:prstGeom prst="rect">
+            <a:avLst/>
+          </a:prstGeom>
+          <a:noFill/>
+        </p:spPr>
+        <p:txBody>
+          <a:bodyPr wrap="none" rtlCol="0">
+            <a:spAutoFit/>
+          </a:bodyPr>
+          <a:lstStyle/>
+          <a:p>
+            <a:pPr marL="0" marR="0" lvl="0" indent="0" defTabSz="914400" eaLnBrk="1" fontAlgn="base" latinLnBrk="0" hangingPunct="1">
+              <a:lnSpc>
+                <a:spcPct val="100000"/>
+              </a:lnSpc>
+              <a:spcBef>
+                <a:spcPct val="0"/>
+              </a:spcBef>
+              <a:spcAft>
+                <a:spcPct val="0"/>
+              </a:spcAft>
+              <a:buClrTx/>
+              <a:buSzTx/>
+              <a:buFontTx/>
+              <a:buNone/>
+              <a:tabLst/>
+              <a:defRPr/>
+            </a:pPr>
+            <a:r>
+              <a:rPr kumimoji="0" lang="de-DE" sz="1600" b="0" i="0" u="none" strike="noStrike" kern="0" cap="none" spc="0" normalizeH="0" baseline="0" noProof="0" dirty="0">
+                <a:ln>
+                  <a:noFill/>
+                </a:ln>
+                <a:solidFill>
+                  <a:srgbClr val="000000"/>
+                </a:solidFill>
+                <a:effectLst/>
+                <a:uLnTx/>
+                <a:uFillTx/>
+                <a:latin typeface="Arial" charset="0"/>
+              </a:rPr>
+              <a:t>1..*</a:t>
+            </a:r>
+          </a:p>
+        </p:txBody>
+      </p:sp>
+      <p:sp>
+        <p:nvSpPr>
+          <p:cNvPr id="115" name="Textfeld 114">
+            <a:extLst>
+              <a:ext uri="{FF2B5EF4-FFF2-40B4-BE49-F238E27FC236}">
+                <a16:creationId xmlns:a16="http://schemas.microsoft.com/office/drawing/2014/main" id="{F9B6478B-F596-4609-94B6-0AF3B7E116C3}"/>
+              </a:ext>
+            </a:extLst>
+          </p:cNvPr>
+          <p:cNvSpPr txBox="1"/>
+          <p:nvPr/>
+        </p:nvSpPr>
+        <p:spPr>
+          <a:xfrm>
+            <a:off x="9026232" y="4952593"/>
+            <a:ext cx="298481" cy="338554"/>
+          </a:xfrm>
+          <a:prstGeom prst="rect">
+            <a:avLst/>
+          </a:prstGeom>
+          <a:noFill/>
+        </p:spPr>
+        <p:txBody>
+          <a:bodyPr wrap="none" rtlCol="0">
+            <a:spAutoFit/>
+          </a:bodyPr>
+          <a:lstStyle/>
+          <a:p>
+            <a:pPr marL="0" marR="0" lvl="0" indent="0" defTabSz="914400" eaLnBrk="1" fontAlgn="base" latinLnBrk="0" hangingPunct="1">
+              <a:lnSpc>
+                <a:spcPct val="100000"/>
+              </a:lnSpc>
+              <a:spcBef>
+                <a:spcPct val="0"/>
+              </a:spcBef>
+              <a:spcAft>
+                <a:spcPct val="0"/>
+              </a:spcAft>
+              <a:buClrTx/>
+              <a:buSzTx/>
+              <a:buFontTx/>
+              <a:buNone/>
+              <a:tabLst/>
+              <a:defRPr/>
+            </a:pPr>
+            <a:r>
+              <a:rPr kumimoji="0" lang="de-DE" sz="1600" b="0" i="0" u="none" strike="noStrike" kern="0" cap="none" spc="0" normalizeH="0" baseline="0" noProof="0" dirty="0">
+                <a:ln>
+                  <a:noFill/>
+                </a:ln>
+                <a:solidFill>
+                  <a:srgbClr val="000000"/>
+                </a:solidFill>
+                <a:effectLst/>
+                <a:uLnTx/>
+                <a:uFillTx/>
+                <a:latin typeface="Arial" charset="0"/>
+              </a:rPr>
+              <a:t>1</a:t>
+            </a:r>
+          </a:p>
+        </p:txBody>
+      </p:sp>
+      <p:cxnSp>
+        <p:nvCxnSpPr>
+          <p:cNvPr id="116" name="Gerader Verbinder 115">
+            <a:extLst>
+              <a:ext uri="{FF2B5EF4-FFF2-40B4-BE49-F238E27FC236}">
+                <a16:creationId xmlns:a16="http://schemas.microsoft.com/office/drawing/2014/main" id="{D064086D-591E-454A-B7A5-81C63997513C}"/>
+              </a:ext>
+            </a:extLst>
+          </p:cNvPr>
+          <p:cNvCxnSpPr>
+            <a:stCxn id="69" idx="2"/>
+            <a:endCxn id="72" idx="0"/>
+          </p:cNvCxnSpPr>
+          <p:nvPr/>
+        </p:nvCxnSpPr>
+        <p:spPr bwMode="auto">
+          <a:xfrm>
+            <a:off x="3705008" y="1954038"/>
+            <a:ext cx="0" cy="811903"/>
+          </a:xfrm>
+          <a:prstGeom prst="line">
+            <a:avLst/>
+          </a:prstGeom>
+          <a:solidFill>
+            <a:srgbClr val="DDDDDD"/>
+          </a:solidFill>
+          <a:ln w="10795" cap="flat" cmpd="sng" algn="ctr">
+            <a:solidFill>
+              <a:srgbClr val="000000"/>
+            </a:solidFill>
+            <a:prstDash val="solid"/>
+            <a:round/>
+            <a:headEnd type="none" w="med" len="med"/>
+            <a:tailEnd type="none" w="med" len="med"/>
+          </a:ln>
+          <a:effectLst/>
+          <a:extLst>
+            <a:ext uri="{AF507438-7753-43E0-B8FC-AC1667EBCBE1}">
+              <a14:hiddenEffects xmlns:a14="http://schemas.microsoft.com/office/drawing/2010/main">
+                <a:effectLst>
+                  <a:outerShdw dist="35921" dir="2700000" algn="ctr" rotWithShape="0">
+                    <a:srgbClr val="808080"/>
+                  </a:outerShdw>
+                </a:effectLst>
+              </a14:hiddenEffects>
+            </a:ext>
+          </a:extLst>
+        </p:spPr>
+      </p:cxnSp>
+      <p:sp>
+        <p:nvSpPr>
+          <p:cNvPr id="117" name="AutoShape 37">
+            <a:extLst>
+              <a:ext uri="{FF2B5EF4-FFF2-40B4-BE49-F238E27FC236}">
+                <a16:creationId xmlns:a16="http://schemas.microsoft.com/office/drawing/2014/main" id="{39B2BDDF-EB24-4324-BC42-9D5999239F3B}"/>
+              </a:ext>
+            </a:extLst>
+          </p:cNvPr>
+          <p:cNvSpPr>
+            <a:spLocks noChangeArrowheads="1"/>
+          </p:cNvSpPr>
+          <p:nvPr/>
+        </p:nvSpPr>
+        <p:spPr bwMode="auto">
+          <a:xfrm rot="10800000">
+            <a:off x="3560299" y="2481256"/>
+            <a:ext cx="289417" cy="275123"/>
+          </a:xfrm>
+          <a:prstGeom prst="triangle">
+            <a:avLst>
+              <a:gd name="adj" fmla="val 50000"/>
+            </a:avLst>
+          </a:prstGeom>
+          <a:solidFill>
+            <a:srgbClr val="FFFFFF"/>
+          </a:solidFill>
+          <a:ln w="9525">
+            <a:solidFill>
+              <a:srgbClr val="000000"/>
+            </a:solidFill>
+            <a:miter lim="800000"/>
+            <a:headEnd/>
+            <a:tailEnd type="none" w="lg" len="lg"/>
+          </a:ln>
+        </p:spPr>
+        <p:txBody>
+          <a:bodyPr wrap="square" anchor="ctr">
+            <a:spAutoFit/>
+          </a:bodyPr>
+          <a:lstStyle/>
+          <a:p>
+            <a:pPr marL="0" marR="0" lvl="0" indent="0" defTabSz="914400" eaLnBrk="1" fontAlgn="base" latinLnBrk="0" hangingPunct="1">
+              <a:lnSpc>
+                <a:spcPct val="100000"/>
+              </a:lnSpc>
+              <a:spcBef>
+                <a:spcPct val="0"/>
+              </a:spcBef>
+              <a:spcAft>
+                <a:spcPct val="0"/>
+              </a:spcAft>
+              <a:buClrTx/>
+              <a:buSzTx/>
+              <a:buFontTx/>
+              <a:buNone/>
+              <a:tabLst/>
+              <a:defRPr/>
+            </a:pPr>
+            <a:endParaRPr kumimoji="0" lang="en-US" sz="300" b="0" i="0" u="none" strike="noStrike" kern="0" cap="none" spc="0" normalizeH="0" baseline="0" noProof="0">
+              <a:ln>
+                <a:noFill/>
+              </a:ln>
+              <a:solidFill>
+                <a:srgbClr val="000000"/>
+              </a:solidFill>
+              <a:effectLst/>
+              <a:uLnTx/>
+              <a:uFillTx/>
+              <a:latin typeface="Arial" charset="0"/>
+            </a:endParaRPr>
+          </a:p>
+        </p:txBody>
+      </p:sp>
+      <p:cxnSp>
+        <p:nvCxnSpPr>
+          <p:cNvPr id="118" name="Gerader Verbinder 117">
+            <a:extLst>
+              <a:ext uri="{FF2B5EF4-FFF2-40B4-BE49-F238E27FC236}">
+                <a16:creationId xmlns:a16="http://schemas.microsoft.com/office/drawing/2014/main" id="{64FE073E-C373-4E48-A456-F4A4E5BAE821}"/>
+              </a:ext>
+            </a:extLst>
+          </p:cNvPr>
+          <p:cNvCxnSpPr>
+            <a:stCxn id="68" idx="3"/>
+            <a:endCxn id="87" idx="1"/>
+          </p:cNvCxnSpPr>
+          <p:nvPr/>
+        </p:nvCxnSpPr>
+        <p:spPr bwMode="auto">
+          <a:xfrm>
+            <a:off x="8405956" y="5336765"/>
+            <a:ext cx="948251" cy="0"/>
+          </a:xfrm>
+          <a:prstGeom prst="line">
+            <a:avLst/>
+          </a:prstGeom>
+          <a:solidFill>
+            <a:srgbClr val="DDDDDD"/>
+          </a:solidFill>
+          <a:ln w="10795" cap="flat" cmpd="sng" algn="ctr">
+            <a:solidFill>
+              <a:srgbClr val="000000"/>
+            </a:solidFill>
+            <a:prstDash val="solid"/>
+            <a:round/>
+            <a:headEnd type="none" w="med" len="med"/>
+            <a:tailEnd type="triangle" w="med" len="med"/>
+          </a:ln>
+          <a:effectLst/>
+          <a:extLst>
+            <a:ext uri="{AF507438-7753-43E0-B8FC-AC1667EBCBE1}">
+              <a14:hiddenEffects xmlns:a14="http://schemas.microsoft.com/office/drawing/2010/main">
+                <a:effectLst>
+                  <a:outerShdw dist="35921" dir="2700000" algn="ctr" rotWithShape="0">
+                    <a:srgbClr val="808080"/>
+                  </a:outerShdw>
+                </a:effectLst>
+              </a14:hiddenEffects>
+            </a:ext>
+          </a:extLst>
+        </p:spPr>
+      </p:cxnSp>
+      <p:cxnSp>
+        <p:nvCxnSpPr>
+          <p:cNvPr id="119" name="Gewinkelter Verbinder 122">
+            <a:extLst>
+              <a:ext uri="{FF2B5EF4-FFF2-40B4-BE49-F238E27FC236}">
+                <a16:creationId xmlns:a16="http://schemas.microsoft.com/office/drawing/2014/main" id="{2085832A-A42D-4F20-BBBB-CE6BEE860427}"/>
+              </a:ext>
+            </a:extLst>
+          </p:cNvPr>
+          <p:cNvCxnSpPr>
+            <a:endCxn id="87" idx="0"/>
+          </p:cNvCxnSpPr>
+          <p:nvPr/>
+        </p:nvCxnSpPr>
+        <p:spPr>
+          <a:xfrm>
+            <a:off x="8478916" y="4728178"/>
+            <a:ext cx="2217597" cy="418346"/>
+          </a:xfrm>
+          <a:prstGeom prst="bentConnector2">
+            <a:avLst/>
+          </a:prstGeom>
+          <a:noFill/>
+          <a:ln w="9525" cap="flat" cmpd="sng" algn="ctr">
+            <a:solidFill>
+              <a:srgbClr val="000000"/>
+            </a:solidFill>
+            <a:prstDash val="solid"/>
+            <a:headEnd type="none" w="med" len="med"/>
+            <a:tailEnd type="none" w="med" len="med"/>
+          </a:ln>
+          <a:effectLst/>
+        </p:spPr>
+      </p:cxnSp>
+      <p:sp>
+        <p:nvSpPr>
+          <p:cNvPr id="120" name="Textfeld 119">
+            <a:extLst>
+              <a:ext uri="{FF2B5EF4-FFF2-40B4-BE49-F238E27FC236}">
+                <a16:creationId xmlns:a16="http://schemas.microsoft.com/office/drawing/2014/main" id="{3DE075AC-4CD6-464A-BA07-DF10011FD97B}"/>
+              </a:ext>
+            </a:extLst>
+          </p:cNvPr>
+          <p:cNvSpPr txBox="1"/>
+          <p:nvPr/>
+        </p:nvSpPr>
+        <p:spPr>
+          <a:xfrm>
+            <a:off x="4223990" y="2978349"/>
+            <a:ext cx="1480345" cy="584775"/>
+          </a:xfrm>
+          <a:prstGeom prst="rect">
+            <a:avLst/>
+          </a:prstGeom>
+          <a:noFill/>
+        </p:spPr>
+        <p:txBody>
+          <a:bodyPr wrap="square" rtlCol="0">
+            <a:spAutoFit/>
+          </a:bodyPr>
+          <a:lstStyle/>
+          <a:p>
+            <a:pPr marL="0" marR="0" lvl="0" indent="0" algn="r" defTabSz="914400" eaLnBrk="1" fontAlgn="base" latinLnBrk="0" hangingPunct="1">
+              <a:lnSpc>
+                <a:spcPct val="100000"/>
+              </a:lnSpc>
+              <a:spcBef>
+                <a:spcPct val="0"/>
+              </a:spcBef>
+              <a:spcAft>
+                <a:spcPct val="0"/>
+              </a:spcAft>
+              <a:buClrTx/>
+              <a:buSzTx/>
+              <a:buFontTx/>
+              <a:buNone/>
+              <a:tabLst/>
+              <a:defRPr/>
+            </a:pPr>
+            <a:r>
+              <a:rPr kumimoji="0" lang="de-DE" sz="1600" b="0" i="0" u="none" strike="noStrike" kern="0" cap="none" spc="0" normalizeH="0" baseline="0" noProof="0" dirty="0" err="1">
+                <a:ln>
+                  <a:noFill/>
+                </a:ln>
+                <a:solidFill>
+                  <a:srgbClr val="000000"/>
+                </a:solidFill>
+                <a:effectLst/>
+                <a:uLnTx/>
+                <a:uFillTx/>
+                <a:latin typeface="Arial" charset="0"/>
+              </a:rPr>
+              <a:t>originates</a:t>
+            </a:r>
+            <a:r>
+              <a:rPr kumimoji="0" lang="de-DE" sz="1600" b="0" i="0" u="none" strike="noStrike" kern="0" cap="none" spc="0" normalizeH="0" baseline="0" noProof="0" dirty="0">
+                <a:ln>
+                  <a:noFill/>
+                </a:ln>
+                <a:solidFill>
+                  <a:srgbClr val="000000"/>
+                </a:solidFill>
+                <a:effectLst/>
+                <a:uLnTx/>
+                <a:uFillTx/>
+                <a:latin typeface="Arial" charset="0"/>
+              </a:rPr>
+              <a:t> </a:t>
+            </a:r>
+            <a:r>
+              <a:rPr kumimoji="0" lang="de-DE" sz="1600" b="0" i="0" u="none" strike="noStrike" kern="0" cap="none" spc="0" normalizeH="0" baseline="0" noProof="0" dirty="0" err="1">
+                <a:ln>
+                  <a:noFill/>
+                </a:ln>
+                <a:solidFill>
+                  <a:srgbClr val="000000"/>
+                </a:solidFill>
+                <a:effectLst/>
+                <a:uLnTx/>
+                <a:uFillTx/>
+                <a:latin typeface="Arial" charset="0"/>
+              </a:rPr>
+              <a:t>from</a:t>
+            </a:r>
+            <a:endParaRPr kumimoji="0" lang="de-DE" sz="1600" b="0" i="0" u="none" strike="noStrike" kern="0" cap="none" spc="0" normalizeH="0" baseline="0" noProof="0" dirty="0">
+              <a:ln>
+                <a:noFill/>
+              </a:ln>
+              <a:solidFill>
+                <a:srgbClr val="000000"/>
+              </a:solidFill>
+              <a:effectLst/>
+              <a:uLnTx/>
+              <a:uFillTx/>
+              <a:latin typeface="Arial" charset="0"/>
+            </a:endParaRPr>
+          </a:p>
+        </p:txBody>
+      </p:sp>
+      <p:sp>
+        <p:nvSpPr>
+          <p:cNvPr id="121" name="Textfeld 120">
+            <a:extLst>
+              <a:ext uri="{FF2B5EF4-FFF2-40B4-BE49-F238E27FC236}">
+                <a16:creationId xmlns:a16="http://schemas.microsoft.com/office/drawing/2014/main" id="{24F14C69-3327-4D89-9FD7-47FBE2BCE746}"/>
+              </a:ext>
+            </a:extLst>
+          </p:cNvPr>
+          <p:cNvSpPr txBox="1"/>
+          <p:nvPr/>
+        </p:nvSpPr>
+        <p:spPr>
+          <a:xfrm>
+            <a:off x="3939622" y="1842721"/>
+            <a:ext cx="1480345" cy="584775"/>
+          </a:xfrm>
+          <a:prstGeom prst="rect">
+            <a:avLst/>
+          </a:prstGeom>
+          <a:noFill/>
+        </p:spPr>
+        <p:txBody>
+          <a:bodyPr wrap="square" rtlCol="0">
+            <a:spAutoFit/>
+          </a:bodyPr>
+          <a:lstStyle/>
+          <a:p>
+            <a:pPr marL="0" marR="0" lvl="0" indent="0" algn="r" defTabSz="914400" eaLnBrk="1" fontAlgn="base" latinLnBrk="0" hangingPunct="1">
+              <a:lnSpc>
+                <a:spcPct val="100000"/>
+              </a:lnSpc>
+              <a:spcBef>
+                <a:spcPct val="0"/>
+              </a:spcBef>
+              <a:spcAft>
+                <a:spcPct val="0"/>
+              </a:spcAft>
+              <a:buClrTx/>
+              <a:buSzTx/>
+              <a:buFontTx/>
+              <a:buNone/>
+              <a:tabLst/>
+              <a:defRPr/>
+            </a:pPr>
+            <a:r>
+              <a:rPr kumimoji="0" lang="de-DE" sz="1600" b="0" i="0" u="none" strike="noStrike" kern="0" cap="none" spc="0" normalizeH="0" baseline="0" noProof="0" dirty="0" err="1">
+                <a:ln>
+                  <a:noFill/>
+                </a:ln>
+                <a:solidFill>
+                  <a:srgbClr val="000000"/>
+                </a:solidFill>
+                <a:effectLst/>
+                <a:uLnTx/>
+                <a:uFillTx/>
+                <a:latin typeface="Arial" charset="0"/>
+              </a:rPr>
+              <a:t>stands</a:t>
+            </a:r>
+            <a:r>
+              <a:rPr kumimoji="0" lang="de-DE" sz="1600" b="0" i="0" u="none" strike="noStrike" kern="0" cap="none" spc="0" normalizeH="0" baseline="0" noProof="0" dirty="0">
+                <a:ln>
+                  <a:noFill/>
+                </a:ln>
+                <a:solidFill>
+                  <a:srgbClr val="000000"/>
+                </a:solidFill>
+                <a:effectLst/>
+                <a:uLnTx/>
+                <a:uFillTx/>
+                <a:latin typeface="Arial" charset="0"/>
+              </a:rPr>
+              <a:t> </a:t>
+            </a:r>
+            <a:br>
+              <a:rPr kumimoji="0" lang="de-DE" sz="1600" b="0" i="0" u="none" strike="noStrike" kern="0" cap="none" spc="0" normalizeH="0" baseline="0" noProof="0" dirty="0">
+                <a:ln>
+                  <a:noFill/>
+                </a:ln>
+                <a:solidFill>
+                  <a:srgbClr val="000000"/>
+                </a:solidFill>
+                <a:effectLst/>
+                <a:uLnTx/>
+                <a:uFillTx/>
+                <a:latin typeface="Arial" charset="0"/>
+              </a:rPr>
+            </a:br>
+            <a:r>
+              <a:rPr kumimoji="0" lang="de-DE" sz="1600" b="0" i="0" u="none" strike="noStrike" kern="0" cap="none" spc="0" normalizeH="0" baseline="0" noProof="0" dirty="0" err="1">
+                <a:ln>
+                  <a:noFill/>
+                </a:ln>
+                <a:solidFill>
+                  <a:srgbClr val="000000"/>
+                </a:solidFill>
+                <a:effectLst/>
+                <a:uLnTx/>
+                <a:uFillTx/>
+                <a:latin typeface="Arial" charset="0"/>
+              </a:rPr>
+              <a:t>for</a:t>
+            </a:r>
+            <a:endParaRPr kumimoji="0" lang="de-DE" sz="1600" b="0" i="0" u="none" strike="noStrike" kern="0" cap="none" spc="0" normalizeH="0" baseline="0" noProof="0" dirty="0">
+              <a:ln>
+                <a:noFill/>
+              </a:ln>
+              <a:solidFill>
+                <a:srgbClr val="000000"/>
+              </a:solidFill>
+              <a:effectLst/>
+              <a:uLnTx/>
+              <a:uFillTx/>
+              <a:latin typeface="Arial" charset="0"/>
+            </a:endParaRPr>
+          </a:p>
+        </p:txBody>
+      </p:sp>
+      <p:sp>
+        <p:nvSpPr>
+          <p:cNvPr id="122" name="Textfeld 121">
+            <a:extLst>
+              <a:ext uri="{FF2B5EF4-FFF2-40B4-BE49-F238E27FC236}">
+                <a16:creationId xmlns:a16="http://schemas.microsoft.com/office/drawing/2014/main" id="{FA12DF1C-36FE-4D14-9BF1-354F1FD43CA2}"/>
+              </a:ext>
+            </a:extLst>
+          </p:cNvPr>
+          <p:cNvSpPr txBox="1"/>
+          <p:nvPr/>
+        </p:nvSpPr>
+        <p:spPr>
+          <a:xfrm>
+            <a:off x="7275307" y="1890210"/>
+            <a:ext cx="1480345" cy="338554"/>
+          </a:xfrm>
+          <a:prstGeom prst="rect">
+            <a:avLst/>
+          </a:prstGeom>
+          <a:noFill/>
+        </p:spPr>
+        <p:txBody>
+          <a:bodyPr wrap="square" rtlCol="0">
+            <a:spAutoFit/>
+          </a:bodyPr>
+          <a:lstStyle/>
+          <a:p>
+            <a:pPr marL="0" marR="0" lvl="0" indent="0" algn="r" defTabSz="914400" eaLnBrk="1" fontAlgn="base" latinLnBrk="0" hangingPunct="1">
+              <a:lnSpc>
+                <a:spcPct val="100000"/>
+              </a:lnSpc>
+              <a:spcBef>
+                <a:spcPct val="0"/>
+              </a:spcBef>
+              <a:spcAft>
+                <a:spcPct val="0"/>
+              </a:spcAft>
+              <a:buClrTx/>
+              <a:buSzTx/>
+              <a:buFontTx/>
+              <a:buNone/>
+              <a:tabLst/>
+              <a:defRPr/>
+            </a:pPr>
+            <a:r>
+              <a:rPr kumimoji="0" lang="de-DE" sz="1600" b="0" i="0" u="none" strike="noStrike" kern="0" cap="none" spc="0" normalizeH="0" baseline="0" noProof="0" dirty="0" err="1">
+                <a:ln>
+                  <a:noFill/>
+                </a:ln>
+                <a:solidFill>
+                  <a:srgbClr val="000000"/>
+                </a:solidFill>
+                <a:effectLst/>
+                <a:uLnTx/>
+                <a:uFillTx/>
+                <a:latin typeface="Arial" charset="0"/>
+              </a:rPr>
+              <a:t>fulfills</a:t>
+            </a:r>
+            <a:endParaRPr kumimoji="0" lang="de-DE" sz="1600" b="0" i="0" u="none" strike="noStrike" kern="0" cap="none" spc="0" normalizeH="0" baseline="0" noProof="0" dirty="0">
+              <a:ln>
+                <a:noFill/>
+              </a:ln>
+              <a:solidFill>
+                <a:srgbClr val="000000"/>
+              </a:solidFill>
+              <a:effectLst/>
+              <a:uLnTx/>
+              <a:uFillTx/>
+              <a:latin typeface="Arial" charset="0"/>
+            </a:endParaRPr>
+          </a:p>
+        </p:txBody>
+      </p:sp>
+      <p:sp>
+        <p:nvSpPr>
+          <p:cNvPr id="123" name="Textfeld 122">
+            <a:extLst>
+              <a:ext uri="{FF2B5EF4-FFF2-40B4-BE49-F238E27FC236}">
+                <a16:creationId xmlns:a16="http://schemas.microsoft.com/office/drawing/2014/main" id="{ED73D0A0-1A9B-4856-AE86-E69195E3A106}"/>
+              </a:ext>
+            </a:extLst>
+          </p:cNvPr>
+          <p:cNvSpPr txBox="1"/>
+          <p:nvPr/>
+        </p:nvSpPr>
+        <p:spPr>
+          <a:xfrm>
+            <a:off x="7668019" y="2755128"/>
+            <a:ext cx="1480345" cy="338554"/>
+          </a:xfrm>
+          <a:prstGeom prst="rect">
+            <a:avLst/>
+          </a:prstGeom>
+          <a:noFill/>
+        </p:spPr>
+        <p:txBody>
+          <a:bodyPr wrap="square" rtlCol="0">
+            <a:spAutoFit/>
+          </a:bodyPr>
+          <a:lstStyle/>
+          <a:p>
+            <a:pPr marL="0" marR="0" lvl="0" indent="0" algn="ctr" defTabSz="914400" eaLnBrk="1" fontAlgn="base" latinLnBrk="0" hangingPunct="1">
+              <a:lnSpc>
+                <a:spcPct val="100000"/>
+              </a:lnSpc>
+              <a:spcBef>
+                <a:spcPct val="0"/>
+              </a:spcBef>
+              <a:spcAft>
+                <a:spcPct val="0"/>
+              </a:spcAft>
+              <a:buClrTx/>
+              <a:buSzTx/>
+              <a:buFontTx/>
+              <a:buNone/>
+              <a:tabLst/>
+              <a:defRPr/>
+            </a:pPr>
+            <a:r>
+              <a:rPr kumimoji="0" lang="de-DE" sz="1600" b="0" i="0" u="none" strike="noStrike" kern="0" cap="none" spc="0" normalizeH="0" baseline="0" noProof="0" dirty="0" err="1">
+                <a:ln>
+                  <a:noFill/>
+                </a:ln>
+                <a:solidFill>
+                  <a:srgbClr val="000000"/>
+                </a:solidFill>
+                <a:effectLst/>
+                <a:uLnTx/>
+                <a:uFillTx/>
+                <a:latin typeface="Arial" charset="0"/>
+              </a:rPr>
+              <a:t>uses</a:t>
+            </a:r>
+            <a:endParaRPr kumimoji="0" lang="de-DE" sz="1600" b="0" i="0" u="none" strike="noStrike" kern="0" cap="none" spc="0" normalizeH="0" baseline="0" noProof="0" dirty="0">
+              <a:ln>
+                <a:noFill/>
+              </a:ln>
+              <a:solidFill>
+                <a:srgbClr val="000000"/>
+              </a:solidFill>
+              <a:effectLst/>
+              <a:uLnTx/>
+              <a:uFillTx/>
+              <a:latin typeface="Arial" charset="0"/>
+            </a:endParaRPr>
+          </a:p>
+        </p:txBody>
+      </p:sp>
+      <p:sp>
+        <p:nvSpPr>
+          <p:cNvPr id="124" name="Textfeld 123">
+            <a:extLst>
+              <a:ext uri="{FF2B5EF4-FFF2-40B4-BE49-F238E27FC236}">
+                <a16:creationId xmlns:a16="http://schemas.microsoft.com/office/drawing/2014/main" id="{857BCD25-1DF3-4FBE-A124-4184CCD2A001}"/>
+              </a:ext>
+            </a:extLst>
+          </p:cNvPr>
+          <p:cNvSpPr txBox="1"/>
+          <p:nvPr/>
+        </p:nvSpPr>
+        <p:spPr>
+          <a:xfrm>
+            <a:off x="8124052" y="5340193"/>
+            <a:ext cx="1480345" cy="338554"/>
+          </a:xfrm>
+          <a:prstGeom prst="rect">
+            <a:avLst/>
+          </a:prstGeom>
+          <a:noFill/>
+        </p:spPr>
+        <p:txBody>
+          <a:bodyPr wrap="square" rtlCol="0">
+            <a:spAutoFit/>
+          </a:bodyPr>
+          <a:lstStyle/>
+          <a:p>
+            <a:pPr marL="0" marR="0" lvl="0" indent="0" algn="ctr" defTabSz="914400" eaLnBrk="1" fontAlgn="base" latinLnBrk="0" hangingPunct="1">
+              <a:lnSpc>
+                <a:spcPct val="100000"/>
+              </a:lnSpc>
+              <a:spcBef>
+                <a:spcPct val="0"/>
+              </a:spcBef>
+              <a:spcAft>
+                <a:spcPct val="0"/>
+              </a:spcAft>
+              <a:buClrTx/>
+              <a:buSzTx/>
+              <a:buFontTx/>
+              <a:buNone/>
+              <a:tabLst/>
+              <a:defRPr/>
+            </a:pPr>
+            <a:r>
+              <a:rPr kumimoji="0" lang="de-DE" sz="1600" b="0" i="0" u="none" strike="noStrike" kern="0" cap="none" spc="0" normalizeH="0" baseline="0" noProof="0" dirty="0" err="1">
+                <a:ln>
+                  <a:noFill/>
+                </a:ln>
+                <a:solidFill>
+                  <a:srgbClr val="000000"/>
+                </a:solidFill>
+                <a:effectLst/>
+                <a:uLnTx/>
+                <a:uFillTx/>
+                <a:latin typeface="Arial" charset="0"/>
+              </a:rPr>
+              <a:t>knows</a:t>
+            </a:r>
+            <a:endParaRPr kumimoji="0" lang="de-DE" sz="1600" b="0" i="0" u="none" strike="noStrike" kern="0" cap="none" spc="0" normalizeH="0" baseline="0" noProof="0" dirty="0">
+              <a:ln>
+                <a:noFill/>
+              </a:ln>
+              <a:solidFill>
+                <a:srgbClr val="000000"/>
+              </a:solidFill>
+              <a:effectLst/>
+              <a:uLnTx/>
+              <a:uFillTx/>
+              <a:latin typeface="Arial" charset="0"/>
+            </a:endParaRPr>
+          </a:p>
+        </p:txBody>
+      </p:sp>
+      <p:sp>
+        <p:nvSpPr>
+          <p:cNvPr id="125" name="Textfeld 124">
+            <a:extLst>
+              <a:ext uri="{FF2B5EF4-FFF2-40B4-BE49-F238E27FC236}">
+                <a16:creationId xmlns:a16="http://schemas.microsoft.com/office/drawing/2014/main" id="{4C0FD810-5B42-428C-8E2E-60595C9767D2}"/>
+              </a:ext>
+            </a:extLst>
+          </p:cNvPr>
+          <p:cNvSpPr txBox="1"/>
+          <p:nvPr/>
+        </p:nvSpPr>
+        <p:spPr>
+          <a:xfrm>
+            <a:off x="5551930" y="1521170"/>
+            <a:ext cx="1055957" cy="338554"/>
+          </a:xfrm>
+          <a:prstGeom prst="rect">
+            <a:avLst/>
+          </a:prstGeom>
+          <a:noFill/>
+        </p:spPr>
+        <p:txBody>
+          <a:bodyPr wrap="square" rtlCol="0">
+            <a:spAutoFit/>
+          </a:bodyPr>
+          <a:lstStyle/>
+          <a:p>
+            <a:pPr marL="0" marR="0" lvl="0" indent="0" algn="ctr" defTabSz="914400" eaLnBrk="1" fontAlgn="base" latinLnBrk="0" hangingPunct="1">
+              <a:lnSpc>
+                <a:spcPct val="100000"/>
+              </a:lnSpc>
+              <a:spcBef>
+                <a:spcPct val="0"/>
+              </a:spcBef>
+              <a:spcAft>
+                <a:spcPct val="0"/>
+              </a:spcAft>
+              <a:buClrTx/>
+              <a:buSzTx/>
+              <a:buFontTx/>
+              <a:buNone/>
+              <a:tabLst/>
+              <a:defRPr/>
+            </a:pPr>
+            <a:r>
+              <a:rPr kumimoji="0" lang="de-DE" sz="1600" b="0" i="0" u="none" strike="noStrike" kern="0" cap="none" spc="0" normalizeH="0" baseline="0" noProof="0" dirty="0">
+                <a:ln>
+                  <a:noFill/>
+                </a:ln>
+                <a:solidFill>
+                  <a:srgbClr val="000000"/>
+                </a:solidFill>
+                <a:effectLst/>
+                <a:uLnTx/>
+                <a:uFillTx/>
+                <a:latin typeface="Arial" charset="0"/>
+              </a:rPr>
+              <a:t>links </a:t>
+            </a:r>
+            <a:r>
+              <a:rPr kumimoji="0" lang="de-DE" sz="1600" b="0" i="0" u="none" strike="noStrike" kern="0" cap="none" spc="0" normalizeH="0" baseline="0" noProof="0" dirty="0" err="1">
+                <a:ln>
+                  <a:noFill/>
+                </a:ln>
+                <a:solidFill>
+                  <a:srgbClr val="000000"/>
+                </a:solidFill>
+                <a:effectLst/>
+                <a:uLnTx/>
+                <a:uFillTx/>
+                <a:latin typeface="Arial" charset="0"/>
+              </a:rPr>
+              <a:t>to</a:t>
+            </a:r>
+            <a:endParaRPr kumimoji="0" lang="de-DE" sz="1600" b="0" i="0" u="none" strike="noStrike" kern="0" cap="none" spc="0" normalizeH="0" baseline="0" noProof="0" dirty="0">
+              <a:ln>
+                <a:noFill/>
+              </a:ln>
+              <a:solidFill>
+                <a:srgbClr val="000000"/>
+              </a:solidFill>
+              <a:effectLst/>
+              <a:uLnTx/>
+              <a:uFillTx/>
+              <a:latin typeface="Arial" charset="0"/>
+            </a:endParaRPr>
+          </a:p>
+        </p:txBody>
+      </p:sp>
+      <p:cxnSp>
+        <p:nvCxnSpPr>
+          <p:cNvPr id="126" name="Gewinkelter Verbinder 94">
+            <a:extLst>
+              <a:ext uri="{FF2B5EF4-FFF2-40B4-BE49-F238E27FC236}">
+                <a16:creationId xmlns:a16="http://schemas.microsoft.com/office/drawing/2014/main" id="{14B18AC8-0551-4062-BD68-CEC18BD9A695}"/>
+              </a:ext>
+            </a:extLst>
+          </p:cNvPr>
+          <p:cNvCxnSpPr/>
+          <p:nvPr/>
+        </p:nvCxnSpPr>
+        <p:spPr>
+          <a:xfrm rot="5400000">
+            <a:off x="8316063" y="3705679"/>
+            <a:ext cx="1193435" cy="867721"/>
+          </a:xfrm>
+          <a:prstGeom prst="bentConnector3">
+            <a:avLst>
+              <a:gd name="adj1" fmla="val 483"/>
+            </a:avLst>
+          </a:prstGeom>
+          <a:noFill/>
+          <a:ln w="9525" cap="flat" cmpd="sng" algn="ctr">
+            <a:solidFill>
+              <a:srgbClr val="000000"/>
+            </a:solidFill>
+            <a:prstDash val="solid"/>
+            <a:headEnd type="none" w="med" len="med"/>
+            <a:tailEnd type="none" w="med" len="med"/>
+          </a:ln>
+          <a:effectLst/>
+        </p:spPr>
+      </p:cxnSp>
+      <p:sp>
+        <p:nvSpPr>
+          <p:cNvPr id="127" name="Gefaltete Ecke 30">
+            <a:extLst>
+              <a:ext uri="{FF2B5EF4-FFF2-40B4-BE49-F238E27FC236}">
+                <a16:creationId xmlns:a16="http://schemas.microsoft.com/office/drawing/2014/main" id="{DE70B3AF-5014-4ECA-AC1C-070A31D862D2}"/>
+              </a:ext>
+            </a:extLst>
+          </p:cNvPr>
+          <p:cNvSpPr/>
+          <p:nvPr/>
+        </p:nvSpPr>
+        <p:spPr bwMode="auto">
+          <a:xfrm rot="16200000">
+            <a:off x="11708485" y="1060710"/>
+            <a:ext cx="246221" cy="414448"/>
+          </a:xfrm>
+          <a:prstGeom prst="foldedCorner">
+            <a:avLst>
+              <a:gd name="adj" fmla="val 26983"/>
+            </a:avLst>
+          </a:prstGeom>
+          <a:solidFill>
+            <a:srgbClr val="FFFFFF"/>
+          </a:solidFill>
+          <a:ln w="9525" cap="flat" cmpd="sng" algn="ctr">
+            <a:solidFill>
+              <a:srgbClr val="000000"/>
+            </a:solidFill>
+            <a:prstDash val="solid"/>
+          </a:ln>
+          <a:effectLst/>
+        </p:spPr>
+        <p:txBody>
+          <a:bodyPr vert="vert" wrap="square" lIns="0" tIns="0" rIns="0" bIns="0" rtlCol="0" anchor="ctr">
+            <a:spAutoFit/>
+          </a:bodyPr>
+          <a:lstStyle/>
+          <a:p>
+            <a:pPr marL="0" marR="0" lvl="0" indent="0" algn="ctr" defTabSz="914400" eaLnBrk="1" fontAlgn="base" latinLnBrk="0" hangingPunct="1">
+              <a:lnSpc>
+                <a:spcPct val="100000"/>
+              </a:lnSpc>
+              <a:spcBef>
+                <a:spcPct val="0"/>
+              </a:spcBef>
+              <a:spcAft>
+                <a:spcPct val="0"/>
+              </a:spcAft>
+              <a:buClrTx/>
+              <a:buSzTx/>
+              <a:buFontTx/>
+              <a:buNone/>
+              <a:tabLst/>
+              <a:defRPr/>
+            </a:pPr>
+            <a:r>
+              <a:rPr kumimoji="0" lang="de-DE" sz="1000" b="0" i="0" u="none" strike="noStrike" kern="0" cap="none" spc="0" normalizeH="0" baseline="0" noProof="0" dirty="0">
+                <a:ln>
+                  <a:noFill/>
+                </a:ln>
+                <a:solidFill>
+                  <a:srgbClr val="000000"/>
+                </a:solidFill>
+                <a:effectLst/>
+                <a:uLnTx/>
+                <a:uFillTx/>
+                <a:latin typeface="Arial"/>
+                <a:ea typeface="+mn-ea"/>
+                <a:cs typeface="+mn-cs"/>
+              </a:rPr>
+              <a:t> </a:t>
+            </a:r>
+            <a:r>
+              <a:rPr kumimoji="0" lang="de-DE" sz="1600" b="0" i="0" u="none" strike="noStrike" kern="0" cap="none" spc="0" normalizeH="0" baseline="0" noProof="0" dirty="0">
+                <a:ln>
+                  <a:noFill/>
+                </a:ln>
+                <a:solidFill>
+                  <a:srgbClr val="000000"/>
+                </a:solidFill>
+                <a:effectLst/>
+                <a:uLnTx/>
+                <a:uFillTx/>
+                <a:latin typeface="Arial"/>
+                <a:ea typeface="+mn-ea"/>
+                <a:cs typeface="+mn-cs"/>
+              </a:rPr>
+              <a:t>CD</a:t>
+            </a:r>
+          </a:p>
+        </p:txBody>
+      </p:sp>
+      <p:cxnSp>
+        <p:nvCxnSpPr>
+          <p:cNvPr id="130" name="Gerader Verbinder 129">
+            <a:extLst>
+              <a:ext uri="{FF2B5EF4-FFF2-40B4-BE49-F238E27FC236}">
+                <a16:creationId xmlns:a16="http://schemas.microsoft.com/office/drawing/2014/main" id="{83D3149D-24E8-41C1-A1D9-981D0D40083D}"/>
+              </a:ext>
+            </a:extLst>
+          </p:cNvPr>
+          <p:cNvCxnSpPr>
+            <a:cxnSpLocks/>
+            <a:stCxn id="94" idx="2"/>
+            <a:endCxn id="68" idx="0"/>
+          </p:cNvCxnSpPr>
+          <p:nvPr/>
+        </p:nvCxnSpPr>
+        <p:spPr>
+          <a:xfrm>
+            <a:off x="7504395" y="4626654"/>
+            <a:ext cx="1357" cy="519871"/>
+          </a:xfrm>
+          <a:prstGeom prst="line">
+            <a:avLst/>
+          </a:prstGeom>
+          <a:noFill/>
+          <a:ln w="9525" cap="flat" cmpd="sng" algn="ctr">
+            <a:solidFill>
+              <a:srgbClr val="000000">
+                <a:shade val="95000"/>
+                <a:satMod val="105000"/>
+              </a:srgbClr>
+            </a:solidFill>
+            <a:prstDash val="solid"/>
+            <a:headEnd type="none" w="med" len="med"/>
+            <a:tailEnd type="none" w="med" len="med"/>
+          </a:ln>
+          <a:effectLst/>
+        </p:spPr>
+      </p:cxnSp>
+    </p:spTree>
+    <p:extLst>
+      <p:ext uri="{BB962C8B-B14F-4D97-AF65-F5344CB8AC3E}">
+        <p14:creationId xmlns:p14="http://schemas.microsoft.com/office/powerpoint/2010/main" val="2384908385"/>
+      </p:ext>
+    </p:extLst>
+  </p:cSld>
+  <p:clrMapOvr>
+    <a:masterClrMapping/>
+  </p:clrMapOvr>
+</p:sld>
+</file>
+
 <file path=ppt/theme/theme1.xml><?xml version="1.0" encoding="utf-8"?>
 <a:theme xmlns:a="http://schemas.openxmlformats.org/drawingml/2006/main" name="Office">
   <a:themeElements>

--- a/Figures.pptx
+++ b/Figures.pptx
@@ -269,7 +269,7 @@
           <a:p>
             <a:fld id="{221DF790-08EF-4309-8C7D-573F11C98FD5}" type="datetimeFigureOut">
               <a:rPr lang="de-AT" smtClean="0"/>
-              <a:t>10.02.2022</a:t>
+              <a:t>14.02.2022</a:t>
             </a:fld>
             <a:endParaRPr lang="de-AT"/>
           </a:p>
@@ -469,7 +469,7 @@
           <a:p>
             <a:fld id="{221DF790-08EF-4309-8C7D-573F11C98FD5}" type="datetimeFigureOut">
               <a:rPr lang="de-AT" smtClean="0"/>
-              <a:t>10.02.2022</a:t>
+              <a:t>14.02.2022</a:t>
             </a:fld>
             <a:endParaRPr lang="de-AT"/>
           </a:p>
@@ -679,7 +679,7 @@
           <a:p>
             <a:fld id="{221DF790-08EF-4309-8C7D-573F11C98FD5}" type="datetimeFigureOut">
               <a:rPr lang="de-AT" smtClean="0"/>
-              <a:t>10.02.2022</a:t>
+              <a:t>14.02.2022</a:t>
             </a:fld>
             <a:endParaRPr lang="de-AT"/>
           </a:p>
@@ -879,7 +879,7 @@
           <a:p>
             <a:fld id="{221DF790-08EF-4309-8C7D-573F11C98FD5}" type="datetimeFigureOut">
               <a:rPr lang="de-AT" smtClean="0"/>
-              <a:t>10.02.2022</a:t>
+              <a:t>14.02.2022</a:t>
             </a:fld>
             <a:endParaRPr lang="de-AT"/>
           </a:p>
@@ -1155,7 +1155,7 @@
           <a:p>
             <a:fld id="{221DF790-08EF-4309-8C7D-573F11C98FD5}" type="datetimeFigureOut">
               <a:rPr lang="de-AT" smtClean="0"/>
-              <a:t>10.02.2022</a:t>
+              <a:t>14.02.2022</a:t>
             </a:fld>
             <a:endParaRPr lang="de-AT"/>
           </a:p>
@@ -1423,7 +1423,7 @@
           <a:p>
             <a:fld id="{221DF790-08EF-4309-8C7D-573F11C98FD5}" type="datetimeFigureOut">
               <a:rPr lang="de-AT" smtClean="0"/>
-              <a:t>10.02.2022</a:t>
+              <a:t>14.02.2022</a:t>
             </a:fld>
             <a:endParaRPr lang="de-AT"/>
           </a:p>
@@ -1838,7 +1838,7 @@
           <a:p>
             <a:fld id="{221DF790-08EF-4309-8C7D-573F11C98FD5}" type="datetimeFigureOut">
               <a:rPr lang="de-AT" smtClean="0"/>
-              <a:t>10.02.2022</a:t>
+              <a:t>14.02.2022</a:t>
             </a:fld>
             <a:endParaRPr lang="de-AT"/>
           </a:p>
@@ -1980,7 +1980,7 @@
           <a:p>
             <a:fld id="{221DF790-08EF-4309-8C7D-573F11C98FD5}" type="datetimeFigureOut">
               <a:rPr lang="de-AT" smtClean="0"/>
-              <a:t>10.02.2022</a:t>
+              <a:t>14.02.2022</a:t>
             </a:fld>
             <a:endParaRPr lang="de-AT"/>
           </a:p>
@@ -2093,7 +2093,7 @@
           <a:p>
             <a:fld id="{221DF790-08EF-4309-8C7D-573F11C98FD5}" type="datetimeFigureOut">
               <a:rPr lang="de-AT" smtClean="0"/>
-              <a:t>10.02.2022</a:t>
+              <a:t>14.02.2022</a:t>
             </a:fld>
             <a:endParaRPr lang="de-AT"/>
           </a:p>
@@ -2406,7 +2406,7 @@
           <a:p>
             <a:fld id="{221DF790-08EF-4309-8C7D-573F11C98FD5}" type="datetimeFigureOut">
               <a:rPr lang="de-AT" smtClean="0"/>
-              <a:t>10.02.2022</a:t>
+              <a:t>14.02.2022</a:t>
             </a:fld>
             <a:endParaRPr lang="de-AT"/>
           </a:p>
@@ -2695,7 +2695,7 @@
           <a:p>
             <a:fld id="{221DF790-08EF-4309-8C7D-573F11C98FD5}" type="datetimeFigureOut">
               <a:rPr lang="de-AT" smtClean="0"/>
-              <a:t>10.02.2022</a:t>
+              <a:t>14.02.2022</a:t>
             </a:fld>
             <a:endParaRPr lang="de-AT"/>
           </a:p>
@@ -2938,7 +2938,7 @@
           <a:p>
             <a:fld id="{221DF790-08EF-4309-8C7D-573F11C98FD5}" type="datetimeFigureOut">
               <a:rPr lang="de-AT" smtClean="0"/>
-              <a:t>10.02.2022</a:t>
+              <a:t>14.02.2022</a:t>
             </a:fld>
             <a:endParaRPr lang="de-AT"/>
           </a:p>
@@ -12868,6 +12868,33 @@
               <a:cs typeface="Arial" panose="020B0604020202020204" pitchFamily="34" charset="0"/>
             </a:endParaRPr>
           </a:p>
+          <a:p>
+            <a:r>
+              <a:rPr lang="de-AT" dirty="0" err="1">
+                <a:latin typeface="Arial" panose="020B0604020202020204" pitchFamily="34" charset="0"/>
+                <a:cs typeface="Arial" panose="020B0604020202020204" pitchFamily="34" charset="0"/>
+              </a:rPr>
+              <a:t>Int</a:t>
+            </a:r>
+            <a:r>
+              <a:rPr lang="de-AT" dirty="0">
+                <a:latin typeface="Arial" panose="020B0604020202020204" pitchFamily="34" charset="0"/>
+                <a:cs typeface="Arial" panose="020B0604020202020204" pitchFamily="34" charset="0"/>
+              </a:rPr>
+              <a:t> </a:t>
+            </a:r>
+            <a:r>
+              <a:rPr lang="de-AT" dirty="0" err="1">
+                <a:latin typeface="Arial" panose="020B0604020202020204" pitchFamily="34" charset="0"/>
+                <a:cs typeface="Arial" panose="020B0604020202020204" pitchFamily="34" charset="0"/>
+              </a:rPr>
+              <a:t>batteryLevel</a:t>
+            </a:r>
+            <a:endParaRPr lang="de-AT" dirty="0">
+              <a:latin typeface="Arial" panose="020B0604020202020204" pitchFamily="34" charset="0"/>
+              <a:cs typeface="Arial" panose="020B0604020202020204" pitchFamily="34" charset="0"/>
+            </a:endParaRPr>
+          </a:p>
         </p:txBody>
       </p:sp>
       <p:sp>

--- a/Figures.pptx
+++ b/Figures.pptx
@@ -15,6 +15,7 @@
     <p:sldId id="264" r:id="rId9"/>
     <p:sldId id="258" r:id="rId10"/>
     <p:sldId id="265" r:id="rId11"/>
+    <p:sldId id="267" r:id="rId12"/>
   </p:sldIdLst>
   <p:sldSz cx="12192000" cy="6858000"/>
   <p:notesSz cx="6858000" cy="9144000"/>
@@ -270,7 +271,7 @@
           <a:p>
             <a:fld id="{221DF790-08EF-4309-8C7D-573F11C98FD5}" type="datetimeFigureOut">
               <a:rPr lang="de-AT" smtClean="0"/>
-              <a:t>14.02.2022</a:t>
+              <a:t>15.02.2022</a:t>
             </a:fld>
             <a:endParaRPr lang="de-AT"/>
           </a:p>
@@ -470,7 +471,7 @@
           <a:p>
             <a:fld id="{221DF790-08EF-4309-8C7D-573F11C98FD5}" type="datetimeFigureOut">
               <a:rPr lang="de-AT" smtClean="0"/>
-              <a:t>14.02.2022</a:t>
+              <a:t>15.02.2022</a:t>
             </a:fld>
             <a:endParaRPr lang="de-AT"/>
           </a:p>
@@ -680,7 +681,7 @@
           <a:p>
             <a:fld id="{221DF790-08EF-4309-8C7D-573F11C98FD5}" type="datetimeFigureOut">
               <a:rPr lang="de-AT" smtClean="0"/>
-              <a:t>14.02.2022</a:t>
+              <a:t>15.02.2022</a:t>
             </a:fld>
             <a:endParaRPr lang="de-AT"/>
           </a:p>
@@ -880,7 +881,7 @@
           <a:p>
             <a:fld id="{221DF790-08EF-4309-8C7D-573F11C98FD5}" type="datetimeFigureOut">
               <a:rPr lang="de-AT" smtClean="0"/>
-              <a:t>14.02.2022</a:t>
+              <a:t>15.02.2022</a:t>
             </a:fld>
             <a:endParaRPr lang="de-AT"/>
           </a:p>
@@ -1156,7 +1157,7 @@
           <a:p>
             <a:fld id="{221DF790-08EF-4309-8C7D-573F11C98FD5}" type="datetimeFigureOut">
               <a:rPr lang="de-AT" smtClean="0"/>
-              <a:t>14.02.2022</a:t>
+              <a:t>15.02.2022</a:t>
             </a:fld>
             <a:endParaRPr lang="de-AT"/>
           </a:p>
@@ -1424,7 +1425,7 @@
           <a:p>
             <a:fld id="{221DF790-08EF-4309-8C7D-573F11C98FD5}" type="datetimeFigureOut">
               <a:rPr lang="de-AT" smtClean="0"/>
-              <a:t>14.02.2022</a:t>
+              <a:t>15.02.2022</a:t>
             </a:fld>
             <a:endParaRPr lang="de-AT"/>
           </a:p>
@@ -1839,7 +1840,7 @@
           <a:p>
             <a:fld id="{221DF790-08EF-4309-8C7D-573F11C98FD5}" type="datetimeFigureOut">
               <a:rPr lang="de-AT" smtClean="0"/>
-              <a:t>14.02.2022</a:t>
+              <a:t>15.02.2022</a:t>
             </a:fld>
             <a:endParaRPr lang="de-AT"/>
           </a:p>
@@ -1981,7 +1982,7 @@
           <a:p>
             <a:fld id="{221DF790-08EF-4309-8C7D-573F11C98FD5}" type="datetimeFigureOut">
               <a:rPr lang="de-AT" smtClean="0"/>
-              <a:t>14.02.2022</a:t>
+              <a:t>15.02.2022</a:t>
             </a:fld>
             <a:endParaRPr lang="de-AT"/>
           </a:p>
@@ -2094,7 +2095,7 @@
           <a:p>
             <a:fld id="{221DF790-08EF-4309-8C7D-573F11C98FD5}" type="datetimeFigureOut">
               <a:rPr lang="de-AT" smtClean="0"/>
-              <a:t>14.02.2022</a:t>
+              <a:t>15.02.2022</a:t>
             </a:fld>
             <a:endParaRPr lang="de-AT"/>
           </a:p>
@@ -2407,7 +2408,7 @@
           <a:p>
             <a:fld id="{221DF790-08EF-4309-8C7D-573F11C98FD5}" type="datetimeFigureOut">
               <a:rPr lang="de-AT" smtClean="0"/>
-              <a:t>14.02.2022</a:t>
+              <a:t>15.02.2022</a:t>
             </a:fld>
             <a:endParaRPr lang="de-AT"/>
           </a:p>
@@ -2696,7 +2697,7 @@
           <a:p>
             <a:fld id="{221DF790-08EF-4309-8C7D-573F11C98FD5}" type="datetimeFigureOut">
               <a:rPr lang="de-AT" smtClean="0"/>
-              <a:t>14.02.2022</a:t>
+              <a:t>15.02.2022</a:t>
             </a:fld>
             <a:endParaRPr lang="de-AT"/>
           </a:p>
@@ -2939,7 +2940,7 @@
           <a:p>
             <a:fld id="{221DF790-08EF-4309-8C7D-573F11C98FD5}" type="datetimeFigureOut">
               <a:rPr lang="de-AT" smtClean="0"/>
-              <a:t>14.02.2022</a:t>
+              <a:t>15.02.2022</a:t>
             </a:fld>
             <a:endParaRPr lang="de-AT"/>
           </a:p>
@@ -10272,6 +10273,1072 @@
 </p:sld>
 </file>
 
+<file path=ppt/slides/slide11.xml><?xml version="1.0" encoding="utf-8"?>
+<p:sld xmlns:a="http://schemas.openxmlformats.org/drawingml/2006/main" xmlns:r="http://schemas.openxmlformats.org/officeDocument/2006/relationships" xmlns:p="http://schemas.openxmlformats.org/presentationml/2006/main">
+  <p:cSld>
+    <p:spTree>
+      <p:nvGrpSpPr>
+        <p:cNvPr id="1" name=""/>
+        <p:cNvGrpSpPr/>
+        <p:nvPr/>
+      </p:nvGrpSpPr>
+      <p:grpSpPr>
+        <a:xfrm>
+          <a:off x="0" y="0"/>
+          <a:ext cx="0" cy="0"/>
+          <a:chOff x="0" y="0"/>
+          <a:chExt cx="0" cy="0"/>
+        </a:xfrm>
+      </p:grpSpPr>
+      <p:grpSp>
+        <p:nvGrpSpPr>
+          <p:cNvPr id="43" name="Gruppieren 42">
+            <a:extLst>
+              <a:ext uri="{FF2B5EF4-FFF2-40B4-BE49-F238E27FC236}">
+                <a16:creationId xmlns:a16="http://schemas.microsoft.com/office/drawing/2014/main" id="{7FF306AA-6B2E-400E-B331-D06CE0339642}"/>
+              </a:ext>
+            </a:extLst>
+          </p:cNvPr>
+          <p:cNvGrpSpPr/>
+          <p:nvPr/>
+        </p:nvGrpSpPr>
+        <p:grpSpPr>
+          <a:xfrm>
+            <a:off x="2110811" y="1638961"/>
+            <a:ext cx="6999006" cy="3086863"/>
+            <a:chOff x="1854437" y="673286"/>
+            <a:chExt cx="6999006" cy="3086863"/>
+          </a:xfrm>
+        </p:grpSpPr>
+        <p:grpSp>
+          <p:nvGrpSpPr>
+            <p:cNvPr id="5" name="Gruppieren 4">
+              <a:extLst>
+                <a:ext uri="{FF2B5EF4-FFF2-40B4-BE49-F238E27FC236}">
+                  <a16:creationId xmlns:a16="http://schemas.microsoft.com/office/drawing/2014/main" id="{88F4C440-8752-4E5F-92F5-5BB692E3FB30}"/>
+                </a:ext>
+              </a:extLst>
+            </p:cNvPr>
+            <p:cNvGrpSpPr/>
+            <p:nvPr/>
+          </p:nvGrpSpPr>
+          <p:grpSpPr>
+            <a:xfrm>
+              <a:off x="1969805" y="1098643"/>
+              <a:ext cx="3260808" cy="1533462"/>
+              <a:chOff x="3484880" y="832918"/>
+              <a:chExt cx="2529840" cy="1602895"/>
+            </a:xfrm>
+          </p:grpSpPr>
+          <p:sp>
+            <p:nvSpPr>
+              <p:cNvPr id="6" name="Rechteck 5">
+                <a:extLst>
+                  <a:ext uri="{FF2B5EF4-FFF2-40B4-BE49-F238E27FC236}">
+                    <a16:creationId xmlns:a16="http://schemas.microsoft.com/office/drawing/2014/main" id="{106A0107-28A1-49F8-84B5-3E9BF5F3600D}"/>
+                  </a:ext>
+                </a:extLst>
+              </p:cNvPr>
+              <p:cNvSpPr/>
+              <p:nvPr/>
+            </p:nvSpPr>
+            <p:spPr>
+              <a:xfrm>
+                <a:off x="3484880" y="832918"/>
+                <a:ext cx="2529840" cy="673890"/>
+              </a:xfrm>
+              <a:prstGeom prst="rect">
+                <a:avLst/>
+              </a:prstGeom>
+              <a:noFill/>
+              <a:ln w="9525" cap="flat" cmpd="sng" algn="ctr">
+                <a:solidFill>
+                  <a:schemeClr val="dk1"/>
+                </a:solidFill>
+                <a:prstDash val="solid"/>
+                <a:round/>
+                <a:headEnd type="none" w="med" len="med"/>
+                <a:tailEnd type="arrow" w="med" len="med"/>
+              </a:ln>
+            </p:spPr>
+            <p:style>
+              <a:lnRef idx="0">
+                <a:scrgbClr r="0" g="0" b="0"/>
+              </a:lnRef>
+              <a:fillRef idx="0">
+                <a:scrgbClr r="0" g="0" b="0"/>
+              </a:fillRef>
+              <a:effectRef idx="0">
+                <a:scrgbClr r="0" g="0" b="0"/>
+              </a:effectRef>
+              <a:fontRef idx="minor">
+                <a:schemeClr val="dk1"/>
+              </a:fontRef>
+            </p:style>
+            <p:txBody>
+              <a:bodyPr rtlCol="0" anchor="ctr"/>
+              <a:lstStyle/>
+              <a:p>
+                <a:pPr algn="ctr"/>
+                <a:r>
+                  <a:rPr lang="de-DE" altLang="de-DE" sz="2000" dirty="0">
+                    <a:cs typeface="Arial" charset="0"/>
+                  </a:rPr>
+                  <a:t>«</a:t>
+                </a:r>
+                <a:r>
+                  <a:rPr lang="de-DE" altLang="de-DE" sz="1800" dirty="0">
+                    <a:cs typeface="Arial" charset="0"/>
+                  </a:rPr>
+                  <a:t>Stereotype»</a:t>
+                </a:r>
+                <a:r>
+                  <a:rPr lang="de-DE" altLang="de-DE" sz="1800" i="1" dirty="0"/>
+                  <a:t> </a:t>
+                </a:r>
+                <a:endParaRPr lang="de-AT" b="1" dirty="0">
+                  <a:latin typeface="Arial" panose="020B0604020202020204" pitchFamily="34" charset="0"/>
+                  <a:cs typeface="Arial" panose="020B0604020202020204" pitchFamily="34" charset="0"/>
+                </a:endParaRPr>
+              </a:p>
+              <a:p>
+                <a:pPr algn="ctr"/>
+                <a:r>
+                  <a:rPr lang="de-AT" b="1" dirty="0" err="1">
+                    <a:latin typeface="Arial" panose="020B0604020202020204" pitchFamily="34" charset="0"/>
+                    <a:cs typeface="Arial" panose="020B0604020202020204" pitchFamily="34" charset="0"/>
+                  </a:rPr>
+                  <a:t>VersionableProperty</a:t>
+                </a:r>
+                <a:endParaRPr lang="de-AT" b="1" dirty="0">
+                  <a:latin typeface="Arial" panose="020B0604020202020204" pitchFamily="34" charset="0"/>
+                  <a:cs typeface="Arial" panose="020B0604020202020204" pitchFamily="34" charset="0"/>
+                </a:endParaRPr>
+              </a:p>
+            </p:txBody>
+          </p:sp>
+          <p:sp>
+            <p:nvSpPr>
+              <p:cNvPr id="7" name="Rechteck 6">
+                <a:extLst>
+                  <a:ext uri="{FF2B5EF4-FFF2-40B4-BE49-F238E27FC236}">
+                    <a16:creationId xmlns:a16="http://schemas.microsoft.com/office/drawing/2014/main" id="{0E34EE82-9BFE-40CA-8F42-7326B20A5EF6}"/>
+                  </a:ext>
+                </a:extLst>
+              </p:cNvPr>
+              <p:cNvSpPr/>
+              <p:nvPr/>
+            </p:nvSpPr>
+            <p:spPr>
+              <a:xfrm>
+                <a:off x="3484880" y="1506808"/>
+                <a:ext cx="2529840" cy="929005"/>
+              </a:xfrm>
+              <a:prstGeom prst="rect">
+                <a:avLst/>
+              </a:prstGeom>
+              <a:noFill/>
+              <a:ln w="9525" cap="flat" cmpd="sng" algn="ctr">
+                <a:solidFill>
+                  <a:schemeClr val="dk1"/>
+                </a:solidFill>
+                <a:prstDash val="solid"/>
+                <a:round/>
+                <a:headEnd type="none" w="med" len="med"/>
+                <a:tailEnd type="arrow" w="med" len="med"/>
+              </a:ln>
+            </p:spPr>
+            <p:style>
+              <a:lnRef idx="0">
+                <a:scrgbClr r="0" g="0" b="0"/>
+              </a:lnRef>
+              <a:fillRef idx="0">
+                <a:scrgbClr r="0" g="0" b="0"/>
+              </a:fillRef>
+              <a:effectRef idx="0">
+                <a:scrgbClr r="0" g="0" b="0"/>
+              </a:effectRef>
+              <a:fontRef idx="minor">
+                <a:schemeClr val="dk1"/>
+              </a:fontRef>
+            </p:style>
+            <p:txBody>
+              <a:bodyPr rtlCol="0" anchor="ctr"/>
+              <a:lstStyle/>
+              <a:p>
+                <a:r>
+                  <a:rPr lang="de-AT" dirty="0">
+                    <a:latin typeface="Arial" panose="020B0604020202020204" pitchFamily="34" charset="0"/>
+                    <a:cs typeface="Arial" panose="020B0604020202020204" pitchFamily="34" charset="0"/>
+                  </a:rPr>
+                  <a:t>String</a:t>
+                </a:r>
+                <a:r>
+                  <a:rPr lang="de-AT" i="1" dirty="0">
+                    <a:latin typeface="Arial" panose="020B0604020202020204" pitchFamily="34" charset="0"/>
+                    <a:cs typeface="Arial" panose="020B0604020202020204" pitchFamily="34" charset="0"/>
+                  </a:rPr>
+                  <a:t> </a:t>
+                </a:r>
+                <a:r>
+                  <a:rPr lang="de-AT" dirty="0" err="1">
+                    <a:latin typeface="Arial" panose="020B0604020202020204" pitchFamily="34" charset="0"/>
+                    <a:cs typeface="Arial" panose="020B0604020202020204" pitchFamily="34" charset="0"/>
+                  </a:rPr>
+                  <a:t>id_scheme</a:t>
+                </a:r>
+                <a:endParaRPr lang="de-AT" dirty="0">
+                  <a:latin typeface="Arial" panose="020B0604020202020204" pitchFamily="34" charset="0"/>
+                  <a:cs typeface="Arial" panose="020B0604020202020204" pitchFamily="34" charset="0"/>
+                </a:endParaRPr>
+              </a:p>
+              <a:p>
+                <a:r>
+                  <a:rPr lang="de-AT" dirty="0">
+                    <a:latin typeface="Arial" panose="020B0604020202020204" pitchFamily="34" charset="0"/>
+                    <a:cs typeface="Arial" panose="020B0604020202020204" pitchFamily="34" charset="0"/>
+                  </a:rPr>
+                  <a:t>String </a:t>
+                </a:r>
+                <a:r>
+                  <a:rPr lang="de-AT" dirty="0" err="1">
+                    <a:latin typeface="Arial" panose="020B0604020202020204" pitchFamily="34" charset="0"/>
+                    <a:cs typeface="Arial" panose="020B0604020202020204" pitchFamily="34" charset="0"/>
+                  </a:rPr>
+                  <a:t>id_path</a:t>
+                </a:r>
+                <a:endParaRPr lang="de-AT" dirty="0">
+                  <a:latin typeface="Arial" panose="020B0604020202020204" pitchFamily="34" charset="0"/>
+                  <a:cs typeface="Arial" panose="020B0604020202020204" pitchFamily="34" charset="0"/>
+                </a:endParaRPr>
+              </a:p>
+              <a:p>
+                <a:r>
+                  <a:rPr lang="de-AT" dirty="0">
+                    <a:latin typeface="Arial" panose="020B0604020202020204" pitchFamily="34" charset="0"/>
+                    <a:cs typeface="Arial" panose="020B0604020202020204" pitchFamily="34" charset="0"/>
+                  </a:rPr>
+                  <a:t>Integer</a:t>
+                </a:r>
+                <a:r>
+                  <a:rPr lang="de-AT" i="1" dirty="0">
+                    <a:latin typeface="Arial" panose="020B0604020202020204" pitchFamily="34" charset="0"/>
+                    <a:cs typeface="Arial" panose="020B0604020202020204" pitchFamily="34" charset="0"/>
+                  </a:rPr>
+                  <a:t> </a:t>
+                </a:r>
+                <a:r>
+                  <a:rPr lang="de-AT" dirty="0" err="1">
+                    <a:latin typeface="Arial" panose="020B0604020202020204" pitchFamily="34" charset="0"/>
+                    <a:cs typeface="Arial" panose="020B0604020202020204" pitchFamily="34" charset="0"/>
+                  </a:rPr>
+                  <a:t>id_version</a:t>
+                </a:r>
+                <a:endParaRPr lang="de-AT" i="1" dirty="0">
+                  <a:latin typeface="Arial" panose="020B0604020202020204" pitchFamily="34" charset="0"/>
+                  <a:cs typeface="Arial" panose="020B0604020202020204" pitchFamily="34" charset="0"/>
+                </a:endParaRPr>
+              </a:p>
+            </p:txBody>
+          </p:sp>
+        </p:grpSp>
+        <p:sp>
+          <p:nvSpPr>
+            <p:cNvPr id="9" name="Rechteck 8">
+              <a:extLst>
+                <a:ext uri="{FF2B5EF4-FFF2-40B4-BE49-F238E27FC236}">
+                  <a16:creationId xmlns:a16="http://schemas.microsoft.com/office/drawing/2014/main" id="{4D613E46-1DE6-4F12-AC26-DB23EA18B53B}"/>
+                </a:ext>
+              </a:extLst>
+            </p:cNvPr>
+            <p:cNvSpPr/>
+            <p:nvPr/>
+          </p:nvSpPr>
+          <p:spPr>
+            <a:xfrm>
+              <a:off x="5651758" y="1098643"/>
+              <a:ext cx="2796542" cy="644699"/>
+            </a:xfrm>
+            <a:prstGeom prst="rect">
+              <a:avLst/>
+            </a:prstGeom>
+            <a:noFill/>
+            <a:ln w="9525" cap="flat" cmpd="sng" algn="ctr">
+              <a:solidFill>
+                <a:schemeClr val="dk1"/>
+              </a:solidFill>
+              <a:prstDash val="solid"/>
+              <a:round/>
+              <a:headEnd type="none" w="med" len="med"/>
+              <a:tailEnd type="arrow" w="med" len="med"/>
+            </a:ln>
+          </p:spPr>
+          <p:style>
+            <a:lnRef idx="0">
+              <a:scrgbClr r="0" g="0" b="0"/>
+            </a:lnRef>
+            <a:fillRef idx="0">
+              <a:scrgbClr r="0" g="0" b="0"/>
+            </a:fillRef>
+            <a:effectRef idx="0">
+              <a:scrgbClr r="0" g="0" b="0"/>
+            </a:effectRef>
+            <a:fontRef idx="minor">
+              <a:schemeClr val="dk1"/>
+            </a:fontRef>
+          </p:style>
+          <p:txBody>
+            <a:bodyPr rtlCol="0" anchor="ctr"/>
+            <a:lstStyle/>
+            <a:p>
+              <a:pPr algn="ctr"/>
+              <a:r>
+                <a:rPr lang="de-DE" altLang="de-DE" sz="2000" dirty="0">
+                  <a:cs typeface="Arial" charset="0"/>
+                </a:rPr>
+                <a:t>«</a:t>
+              </a:r>
+              <a:r>
+                <a:rPr lang="de-DE" altLang="de-DE" sz="1800" dirty="0">
+                  <a:cs typeface="Arial" charset="0"/>
+                </a:rPr>
+                <a:t>Stereotype»</a:t>
+              </a:r>
+              <a:r>
+                <a:rPr lang="de-DE" altLang="de-DE" sz="1800" i="1" dirty="0"/>
+                <a:t> </a:t>
+              </a:r>
+              <a:endParaRPr lang="de-AT" b="1" dirty="0">
+                <a:latin typeface="Arial" panose="020B0604020202020204" pitchFamily="34" charset="0"/>
+                <a:cs typeface="Arial" panose="020B0604020202020204" pitchFamily="34" charset="0"/>
+              </a:endParaRPr>
+            </a:p>
+            <a:p>
+              <a:pPr algn="ctr"/>
+              <a:r>
+                <a:rPr lang="de-AT" b="1" dirty="0" err="1">
+                  <a:latin typeface="Arial" panose="020B0604020202020204" pitchFamily="34" charset="0"/>
+                  <a:cs typeface="Arial" panose="020B0604020202020204" pitchFamily="34" charset="0"/>
+                </a:rPr>
+                <a:t>ObservableProperty</a:t>
+              </a:r>
+              <a:endParaRPr lang="de-AT" b="1" dirty="0">
+                <a:latin typeface="Arial" panose="020B0604020202020204" pitchFamily="34" charset="0"/>
+                <a:cs typeface="Arial" panose="020B0604020202020204" pitchFamily="34" charset="0"/>
+              </a:endParaRPr>
+            </a:p>
+          </p:txBody>
+        </p:sp>
+        <p:sp>
+          <p:nvSpPr>
+            <p:cNvPr id="14" name="Rechteck 13">
+              <a:extLst>
+                <a:ext uri="{FF2B5EF4-FFF2-40B4-BE49-F238E27FC236}">
+                  <a16:creationId xmlns:a16="http://schemas.microsoft.com/office/drawing/2014/main" id="{24DF49E4-A308-45E1-AE02-FE78B37308F7}"/>
+                </a:ext>
+              </a:extLst>
+            </p:cNvPr>
+            <p:cNvSpPr/>
+            <p:nvPr/>
+          </p:nvSpPr>
+          <p:spPr>
+            <a:xfrm>
+              <a:off x="1969805" y="3016411"/>
+              <a:ext cx="1509757" cy="644699"/>
+            </a:xfrm>
+            <a:prstGeom prst="rect">
+              <a:avLst/>
+            </a:prstGeom>
+            <a:noFill/>
+            <a:ln w="9525" cap="flat" cmpd="sng" algn="ctr">
+              <a:solidFill>
+                <a:schemeClr val="dk1"/>
+              </a:solidFill>
+              <a:prstDash val="solid"/>
+              <a:round/>
+              <a:headEnd type="none" w="med" len="med"/>
+              <a:tailEnd type="arrow" w="med" len="med"/>
+            </a:ln>
+          </p:spPr>
+          <p:style>
+            <a:lnRef idx="0">
+              <a:scrgbClr r="0" g="0" b="0"/>
+            </a:lnRef>
+            <a:fillRef idx="0">
+              <a:scrgbClr r="0" g="0" b="0"/>
+            </a:fillRef>
+            <a:effectRef idx="0">
+              <a:scrgbClr r="0" g="0" b="0"/>
+            </a:effectRef>
+            <a:fontRef idx="minor">
+              <a:schemeClr val="dk1"/>
+            </a:fontRef>
+          </p:style>
+          <p:txBody>
+            <a:bodyPr rtlCol="0" anchor="ctr"/>
+            <a:lstStyle/>
+            <a:p>
+              <a:pPr algn="ctr"/>
+              <a:r>
+                <a:rPr lang="de-DE" altLang="de-DE" sz="2000" dirty="0">
+                  <a:cs typeface="Arial" charset="0"/>
+                </a:rPr>
+                <a:t>«</a:t>
+              </a:r>
+              <a:r>
+                <a:rPr lang="de-DE" altLang="de-DE" sz="1800" dirty="0" err="1">
+                  <a:cs typeface="Arial" charset="0"/>
+                </a:rPr>
+                <a:t>Metaclass</a:t>
+              </a:r>
+              <a:r>
+                <a:rPr lang="de-DE" altLang="de-DE" sz="1800" dirty="0">
+                  <a:cs typeface="Arial" charset="0"/>
+                </a:rPr>
+                <a:t>»</a:t>
+              </a:r>
+              <a:r>
+                <a:rPr lang="de-DE" altLang="de-DE" sz="1800" i="1" dirty="0"/>
+                <a:t> </a:t>
+              </a:r>
+              <a:endParaRPr lang="de-AT" b="1" dirty="0">
+                <a:latin typeface="Arial" panose="020B0604020202020204" pitchFamily="34" charset="0"/>
+                <a:cs typeface="Arial" panose="020B0604020202020204" pitchFamily="34" charset="0"/>
+              </a:endParaRPr>
+            </a:p>
+            <a:p>
+              <a:pPr algn="ctr"/>
+              <a:r>
+                <a:rPr lang="de-AT" b="1" dirty="0">
+                  <a:latin typeface="Arial" panose="020B0604020202020204" pitchFamily="34" charset="0"/>
+                  <a:cs typeface="Arial" panose="020B0604020202020204" pitchFamily="34" charset="0"/>
+                </a:rPr>
+                <a:t>Class</a:t>
+              </a:r>
+            </a:p>
+          </p:txBody>
+        </p:sp>
+        <p:sp>
+          <p:nvSpPr>
+            <p:cNvPr id="15" name="Rechteck 14">
+              <a:extLst>
+                <a:ext uri="{FF2B5EF4-FFF2-40B4-BE49-F238E27FC236}">
+                  <a16:creationId xmlns:a16="http://schemas.microsoft.com/office/drawing/2014/main" id="{94BCBAB1-61A5-4CC5-8706-99A84F44014C}"/>
+                </a:ext>
+              </a:extLst>
+            </p:cNvPr>
+            <p:cNvSpPr/>
+            <p:nvPr/>
+          </p:nvSpPr>
+          <p:spPr>
+            <a:xfrm>
+              <a:off x="3720856" y="3011375"/>
+              <a:ext cx="1509757" cy="644699"/>
+            </a:xfrm>
+            <a:prstGeom prst="rect">
+              <a:avLst/>
+            </a:prstGeom>
+            <a:noFill/>
+            <a:ln w="9525" cap="flat" cmpd="sng" algn="ctr">
+              <a:solidFill>
+                <a:schemeClr val="dk1"/>
+              </a:solidFill>
+              <a:prstDash val="solid"/>
+              <a:round/>
+              <a:headEnd type="none" w="med" len="med"/>
+              <a:tailEnd type="arrow" w="med" len="med"/>
+            </a:ln>
+          </p:spPr>
+          <p:style>
+            <a:lnRef idx="0">
+              <a:scrgbClr r="0" g="0" b="0"/>
+            </a:lnRef>
+            <a:fillRef idx="0">
+              <a:scrgbClr r="0" g="0" b="0"/>
+            </a:fillRef>
+            <a:effectRef idx="0">
+              <a:scrgbClr r="0" g="0" b="0"/>
+            </a:effectRef>
+            <a:fontRef idx="minor">
+              <a:schemeClr val="dk1"/>
+            </a:fontRef>
+          </p:style>
+          <p:txBody>
+            <a:bodyPr rtlCol="0" anchor="ctr"/>
+            <a:lstStyle/>
+            <a:p>
+              <a:pPr algn="ctr"/>
+              <a:r>
+                <a:rPr lang="de-DE" altLang="de-DE" sz="2000" dirty="0">
+                  <a:cs typeface="Arial" charset="0"/>
+                </a:rPr>
+                <a:t>«</a:t>
+              </a:r>
+              <a:r>
+                <a:rPr lang="de-DE" altLang="de-DE" sz="1800" dirty="0" err="1">
+                  <a:cs typeface="Arial" charset="0"/>
+                </a:rPr>
+                <a:t>Metaclass</a:t>
+              </a:r>
+              <a:r>
+                <a:rPr lang="de-DE" altLang="de-DE" sz="1800" dirty="0">
+                  <a:cs typeface="Arial" charset="0"/>
+                </a:rPr>
+                <a:t>»</a:t>
+              </a:r>
+              <a:r>
+                <a:rPr lang="de-DE" altLang="de-DE" sz="1800" i="1" dirty="0"/>
+                <a:t> </a:t>
+              </a:r>
+              <a:endParaRPr lang="de-AT" b="1" dirty="0">
+                <a:latin typeface="Arial" panose="020B0604020202020204" pitchFamily="34" charset="0"/>
+                <a:cs typeface="Arial" panose="020B0604020202020204" pitchFamily="34" charset="0"/>
+              </a:endParaRPr>
+            </a:p>
+            <a:p>
+              <a:pPr algn="ctr"/>
+              <a:r>
+                <a:rPr lang="de-AT" b="1" dirty="0">
+                  <a:latin typeface="Arial" panose="020B0604020202020204" pitchFamily="34" charset="0"/>
+                  <a:cs typeface="Arial" panose="020B0604020202020204" pitchFamily="34" charset="0"/>
+                </a:rPr>
+                <a:t>Operation</a:t>
+              </a:r>
+            </a:p>
+          </p:txBody>
+        </p:sp>
+        <p:sp>
+          <p:nvSpPr>
+            <p:cNvPr id="16" name="Rechteck 15">
+              <a:extLst>
+                <a:ext uri="{FF2B5EF4-FFF2-40B4-BE49-F238E27FC236}">
+                  <a16:creationId xmlns:a16="http://schemas.microsoft.com/office/drawing/2014/main" id="{FB3AA1AC-EDB7-461E-A900-BEDB5E7E69E0}"/>
+                </a:ext>
+              </a:extLst>
+            </p:cNvPr>
+            <p:cNvSpPr/>
+            <p:nvPr/>
+          </p:nvSpPr>
+          <p:spPr>
+            <a:xfrm>
+              <a:off x="7248981" y="3021447"/>
+              <a:ext cx="1509757" cy="644699"/>
+            </a:xfrm>
+            <a:prstGeom prst="rect">
+              <a:avLst/>
+            </a:prstGeom>
+            <a:noFill/>
+            <a:ln w="9525" cap="flat" cmpd="sng" algn="ctr">
+              <a:solidFill>
+                <a:schemeClr val="dk1"/>
+              </a:solidFill>
+              <a:prstDash val="solid"/>
+              <a:round/>
+              <a:headEnd type="none" w="med" len="med"/>
+              <a:tailEnd type="arrow" w="med" len="med"/>
+            </a:ln>
+          </p:spPr>
+          <p:style>
+            <a:lnRef idx="0">
+              <a:scrgbClr r="0" g="0" b="0"/>
+            </a:lnRef>
+            <a:fillRef idx="0">
+              <a:scrgbClr r="0" g="0" b="0"/>
+            </a:fillRef>
+            <a:effectRef idx="0">
+              <a:scrgbClr r="0" g="0" b="0"/>
+            </a:effectRef>
+            <a:fontRef idx="minor">
+              <a:schemeClr val="dk1"/>
+            </a:fontRef>
+          </p:style>
+          <p:txBody>
+            <a:bodyPr rtlCol="0" anchor="ctr"/>
+            <a:lstStyle/>
+            <a:p>
+              <a:pPr algn="ctr"/>
+              <a:r>
+                <a:rPr lang="de-DE" altLang="de-DE" sz="2000" dirty="0">
+                  <a:cs typeface="Arial" charset="0"/>
+                </a:rPr>
+                <a:t>«</a:t>
+              </a:r>
+              <a:r>
+                <a:rPr lang="de-DE" altLang="de-DE" sz="1800" dirty="0" err="1">
+                  <a:cs typeface="Arial" charset="0"/>
+                </a:rPr>
+                <a:t>Metaclass</a:t>
+              </a:r>
+              <a:r>
+                <a:rPr lang="de-DE" altLang="de-DE" sz="1800" dirty="0">
+                  <a:cs typeface="Arial" charset="0"/>
+                </a:rPr>
+                <a:t>»</a:t>
+              </a:r>
+              <a:r>
+                <a:rPr lang="de-DE" altLang="de-DE" sz="1800" i="1" dirty="0"/>
+                <a:t> </a:t>
+              </a:r>
+              <a:endParaRPr lang="de-AT" b="1" dirty="0">
+                <a:latin typeface="Arial" panose="020B0604020202020204" pitchFamily="34" charset="0"/>
+                <a:cs typeface="Arial" panose="020B0604020202020204" pitchFamily="34" charset="0"/>
+              </a:endParaRPr>
+            </a:p>
+            <a:p>
+              <a:pPr algn="ctr"/>
+              <a:r>
+                <a:rPr lang="de-AT" b="1" dirty="0">
+                  <a:latin typeface="Arial" panose="020B0604020202020204" pitchFamily="34" charset="0"/>
+                  <a:cs typeface="Arial" panose="020B0604020202020204" pitchFamily="34" charset="0"/>
+                </a:rPr>
+                <a:t>Property</a:t>
+              </a:r>
+            </a:p>
+          </p:txBody>
+        </p:sp>
+        <p:sp>
+          <p:nvSpPr>
+            <p:cNvPr id="17" name="Rechteck 16">
+              <a:extLst>
+                <a:ext uri="{FF2B5EF4-FFF2-40B4-BE49-F238E27FC236}">
+                  <a16:creationId xmlns:a16="http://schemas.microsoft.com/office/drawing/2014/main" id="{A939C987-F01F-4AEC-9C46-5E903EB3C383}"/>
+                </a:ext>
+              </a:extLst>
+            </p:cNvPr>
+            <p:cNvSpPr/>
+            <p:nvPr/>
+          </p:nvSpPr>
+          <p:spPr>
+            <a:xfrm>
+              <a:off x="5497929" y="3016411"/>
+              <a:ext cx="1509757" cy="644699"/>
+            </a:xfrm>
+            <a:prstGeom prst="rect">
+              <a:avLst/>
+            </a:prstGeom>
+            <a:noFill/>
+            <a:ln w="9525" cap="flat" cmpd="sng" algn="ctr">
+              <a:solidFill>
+                <a:schemeClr val="dk1"/>
+              </a:solidFill>
+              <a:prstDash val="solid"/>
+              <a:round/>
+              <a:headEnd type="none" w="med" len="med"/>
+              <a:tailEnd type="arrow" w="med" len="med"/>
+            </a:ln>
+          </p:spPr>
+          <p:style>
+            <a:lnRef idx="0">
+              <a:scrgbClr r="0" g="0" b="0"/>
+            </a:lnRef>
+            <a:fillRef idx="0">
+              <a:scrgbClr r="0" g="0" b="0"/>
+            </a:fillRef>
+            <a:effectRef idx="0">
+              <a:scrgbClr r="0" g="0" b="0"/>
+            </a:effectRef>
+            <a:fontRef idx="minor">
+              <a:schemeClr val="dk1"/>
+            </a:fontRef>
+          </p:style>
+          <p:txBody>
+            <a:bodyPr rtlCol="0" anchor="ctr"/>
+            <a:lstStyle/>
+            <a:p>
+              <a:pPr algn="ctr"/>
+              <a:r>
+                <a:rPr lang="de-DE" altLang="de-DE" sz="2000" dirty="0">
+                  <a:cs typeface="Arial" charset="0"/>
+                </a:rPr>
+                <a:t>«</a:t>
+              </a:r>
+              <a:r>
+                <a:rPr lang="de-DE" altLang="de-DE" sz="1800" dirty="0" err="1">
+                  <a:cs typeface="Arial" charset="0"/>
+                </a:rPr>
+                <a:t>Metaclass</a:t>
+              </a:r>
+              <a:r>
+                <a:rPr lang="de-DE" altLang="de-DE" sz="1800" dirty="0">
+                  <a:cs typeface="Arial" charset="0"/>
+                </a:rPr>
+                <a:t>»</a:t>
+              </a:r>
+              <a:r>
+                <a:rPr lang="de-DE" altLang="de-DE" sz="1800" i="1" dirty="0"/>
+                <a:t> </a:t>
+              </a:r>
+              <a:endParaRPr lang="de-AT" b="1" dirty="0">
+                <a:latin typeface="Arial" panose="020B0604020202020204" pitchFamily="34" charset="0"/>
+                <a:cs typeface="Arial" panose="020B0604020202020204" pitchFamily="34" charset="0"/>
+              </a:endParaRPr>
+            </a:p>
+            <a:p>
+              <a:pPr algn="ctr"/>
+              <a:r>
+                <a:rPr lang="de-AT" b="1" dirty="0" err="1">
+                  <a:latin typeface="Arial" panose="020B0604020202020204" pitchFamily="34" charset="0"/>
+                  <a:cs typeface="Arial" panose="020B0604020202020204" pitchFamily="34" charset="0"/>
+                </a:rPr>
+                <a:t>Association</a:t>
+              </a:r>
+              <a:endParaRPr lang="de-AT" b="1" dirty="0">
+                <a:latin typeface="Arial" panose="020B0604020202020204" pitchFamily="34" charset="0"/>
+                <a:cs typeface="Arial" panose="020B0604020202020204" pitchFamily="34" charset="0"/>
+              </a:endParaRPr>
+            </a:p>
+          </p:txBody>
+        </p:sp>
+        <p:cxnSp>
+          <p:nvCxnSpPr>
+            <p:cNvPr id="19" name="Gerade Verbindung mit Pfeil 18">
+              <a:extLst>
+                <a:ext uri="{FF2B5EF4-FFF2-40B4-BE49-F238E27FC236}">
+                  <a16:creationId xmlns:a16="http://schemas.microsoft.com/office/drawing/2014/main" id="{205E955F-148D-47E3-87B2-B52309360909}"/>
+                </a:ext>
+              </a:extLst>
+            </p:cNvPr>
+            <p:cNvCxnSpPr>
+              <a:endCxn id="14" idx="0"/>
+            </p:cNvCxnSpPr>
+            <p:nvPr/>
+          </p:nvCxnSpPr>
+          <p:spPr>
+            <a:xfrm>
+              <a:off x="2724683" y="2632105"/>
+              <a:ext cx="1" cy="384306"/>
+            </a:xfrm>
+            <a:prstGeom prst="straightConnector1">
+              <a:avLst/>
+            </a:prstGeom>
+            <a:ln w="38100">
+              <a:solidFill>
+                <a:schemeClr val="tx1"/>
+              </a:solidFill>
+              <a:tailEnd type="triangle"/>
+            </a:ln>
+          </p:spPr>
+          <p:style>
+            <a:lnRef idx="1">
+              <a:schemeClr val="accent1"/>
+            </a:lnRef>
+            <a:fillRef idx="0">
+              <a:schemeClr val="accent1"/>
+            </a:fillRef>
+            <a:effectRef idx="0">
+              <a:schemeClr val="accent1"/>
+            </a:effectRef>
+            <a:fontRef idx="minor">
+              <a:schemeClr val="tx1"/>
+            </a:fontRef>
+          </p:style>
+        </p:cxnSp>
+        <p:cxnSp>
+          <p:nvCxnSpPr>
+            <p:cNvPr id="20" name="Gerade Verbindung mit Pfeil 19">
+              <a:extLst>
+                <a:ext uri="{FF2B5EF4-FFF2-40B4-BE49-F238E27FC236}">
+                  <a16:creationId xmlns:a16="http://schemas.microsoft.com/office/drawing/2014/main" id="{72AC6761-603A-4099-94E7-5DE93C394C65}"/>
+                </a:ext>
+              </a:extLst>
+            </p:cNvPr>
+            <p:cNvCxnSpPr>
+              <a:cxnSpLocks/>
+              <a:endCxn id="15" idx="0"/>
+            </p:cNvCxnSpPr>
+            <p:nvPr/>
+          </p:nvCxnSpPr>
+          <p:spPr>
+            <a:xfrm>
+              <a:off x="4475735" y="2629587"/>
+              <a:ext cx="0" cy="381788"/>
+            </a:xfrm>
+            <a:prstGeom prst="straightConnector1">
+              <a:avLst/>
+            </a:prstGeom>
+            <a:ln w="38100">
+              <a:solidFill>
+                <a:schemeClr val="tx1"/>
+              </a:solidFill>
+              <a:tailEnd type="triangle"/>
+            </a:ln>
+          </p:spPr>
+          <p:style>
+            <a:lnRef idx="1">
+              <a:schemeClr val="accent1"/>
+            </a:lnRef>
+            <a:fillRef idx="0">
+              <a:schemeClr val="accent1"/>
+            </a:fillRef>
+            <a:effectRef idx="0">
+              <a:schemeClr val="accent1"/>
+            </a:effectRef>
+            <a:fontRef idx="minor">
+              <a:schemeClr val="tx1"/>
+            </a:fontRef>
+          </p:style>
+        </p:cxnSp>
+        <p:cxnSp>
+          <p:nvCxnSpPr>
+            <p:cNvPr id="28" name="Gerade Verbindung mit Pfeil 27">
+              <a:extLst>
+                <a:ext uri="{FF2B5EF4-FFF2-40B4-BE49-F238E27FC236}">
+                  <a16:creationId xmlns:a16="http://schemas.microsoft.com/office/drawing/2014/main" id="{F7C5860D-BE10-494E-B8EE-DB76CC1C8D5F}"/>
+                </a:ext>
+              </a:extLst>
+            </p:cNvPr>
+            <p:cNvCxnSpPr>
+              <a:cxnSpLocks/>
+            </p:cNvCxnSpPr>
+            <p:nvPr/>
+          </p:nvCxnSpPr>
+          <p:spPr>
+            <a:xfrm>
+              <a:off x="6588807" y="1743342"/>
+              <a:ext cx="0" cy="1278105"/>
+            </a:xfrm>
+            <a:prstGeom prst="straightConnector1">
+              <a:avLst/>
+            </a:prstGeom>
+            <a:ln w="38100">
+              <a:solidFill>
+                <a:schemeClr val="tx1"/>
+              </a:solidFill>
+              <a:tailEnd type="triangle"/>
+            </a:ln>
+          </p:spPr>
+          <p:style>
+            <a:lnRef idx="1">
+              <a:schemeClr val="accent1"/>
+            </a:lnRef>
+            <a:fillRef idx="0">
+              <a:schemeClr val="accent1"/>
+            </a:fillRef>
+            <a:effectRef idx="0">
+              <a:schemeClr val="accent1"/>
+            </a:effectRef>
+            <a:fontRef idx="minor">
+              <a:schemeClr val="tx1"/>
+            </a:fontRef>
+          </p:style>
+        </p:cxnSp>
+        <p:cxnSp>
+          <p:nvCxnSpPr>
+            <p:cNvPr id="31" name="Gerade Verbindung mit Pfeil 30">
+              <a:extLst>
+                <a:ext uri="{FF2B5EF4-FFF2-40B4-BE49-F238E27FC236}">
+                  <a16:creationId xmlns:a16="http://schemas.microsoft.com/office/drawing/2014/main" id="{92F03C21-0A2F-4DE9-8FE7-85C35E10A622}"/>
+                </a:ext>
+              </a:extLst>
+            </p:cNvPr>
+            <p:cNvCxnSpPr>
+              <a:cxnSpLocks/>
+              <a:endCxn id="16" idx="0"/>
+            </p:cNvCxnSpPr>
+            <p:nvPr/>
+          </p:nvCxnSpPr>
+          <p:spPr>
+            <a:xfrm>
+              <a:off x="8003859" y="1743342"/>
+              <a:ext cx="1" cy="1278105"/>
+            </a:xfrm>
+            <a:prstGeom prst="straightConnector1">
+              <a:avLst/>
+            </a:prstGeom>
+            <a:ln w="38100">
+              <a:solidFill>
+                <a:schemeClr val="tx1"/>
+              </a:solidFill>
+              <a:tailEnd type="triangle"/>
+            </a:ln>
+          </p:spPr>
+          <p:style>
+            <a:lnRef idx="1">
+              <a:schemeClr val="accent1"/>
+            </a:lnRef>
+            <a:fillRef idx="0">
+              <a:schemeClr val="accent1"/>
+            </a:fillRef>
+            <a:effectRef idx="0">
+              <a:schemeClr val="accent1"/>
+            </a:effectRef>
+            <a:fontRef idx="minor">
+              <a:schemeClr val="tx1"/>
+            </a:fontRef>
+          </p:style>
+        </p:cxnSp>
+        <p:cxnSp>
+          <p:nvCxnSpPr>
+            <p:cNvPr id="35" name="Verbinder: gewinkelt 34">
+              <a:extLst>
+                <a:ext uri="{FF2B5EF4-FFF2-40B4-BE49-F238E27FC236}">
+                  <a16:creationId xmlns:a16="http://schemas.microsoft.com/office/drawing/2014/main" id="{67071F73-2EB8-4DD6-9C09-F942AA10FFE0}"/>
+                </a:ext>
+              </a:extLst>
+            </p:cNvPr>
+            <p:cNvCxnSpPr>
+              <a:cxnSpLocks/>
+              <a:stCxn id="7" idx="3"/>
+              <a:endCxn id="17" idx="0"/>
+            </p:cNvCxnSpPr>
+            <p:nvPr/>
+          </p:nvCxnSpPr>
+          <p:spPr>
+            <a:xfrm>
+              <a:off x="5230613" y="2187724"/>
+              <a:ext cx="1022195" cy="828687"/>
+            </a:xfrm>
+            <a:prstGeom prst="bentConnector2">
+              <a:avLst/>
+            </a:prstGeom>
+            <a:ln w="38100">
+              <a:solidFill>
+                <a:schemeClr val="tx1"/>
+              </a:solidFill>
+              <a:tailEnd type="triangle"/>
+            </a:ln>
+          </p:spPr>
+          <p:style>
+            <a:lnRef idx="1">
+              <a:schemeClr val="accent1"/>
+            </a:lnRef>
+            <a:fillRef idx="0">
+              <a:schemeClr val="accent1"/>
+            </a:fillRef>
+            <a:effectRef idx="0">
+              <a:schemeClr val="accent1"/>
+            </a:effectRef>
+            <a:fontRef idx="minor">
+              <a:schemeClr val="tx1"/>
+            </a:fontRef>
+          </p:style>
+        </p:cxnSp>
+        <p:sp>
+          <p:nvSpPr>
+            <p:cNvPr id="41" name="Rechteck 40">
+              <a:extLst>
+                <a:ext uri="{FF2B5EF4-FFF2-40B4-BE49-F238E27FC236}">
+                  <a16:creationId xmlns:a16="http://schemas.microsoft.com/office/drawing/2014/main" id="{62286CE6-89CB-42CB-9DE7-FA43B229429E}"/>
+                </a:ext>
+              </a:extLst>
+            </p:cNvPr>
+            <p:cNvSpPr/>
+            <p:nvPr/>
+          </p:nvSpPr>
+          <p:spPr>
+            <a:xfrm>
+              <a:off x="1854437" y="974220"/>
+              <a:ext cx="6999006" cy="2785929"/>
+            </a:xfrm>
+            <a:prstGeom prst="rect">
+              <a:avLst/>
+            </a:prstGeom>
+            <a:noFill/>
+            <a:ln w="9525">
+              <a:solidFill>
+                <a:schemeClr val="tx1"/>
+              </a:solidFill>
+            </a:ln>
+          </p:spPr>
+          <p:style>
+            <a:lnRef idx="2">
+              <a:schemeClr val="accent1">
+                <a:shade val="50000"/>
+              </a:schemeClr>
+            </a:lnRef>
+            <a:fillRef idx="1">
+              <a:schemeClr val="accent1"/>
+            </a:fillRef>
+            <a:effectRef idx="0">
+              <a:schemeClr val="accent1"/>
+            </a:effectRef>
+            <a:fontRef idx="minor">
+              <a:schemeClr val="lt1"/>
+            </a:fontRef>
+          </p:style>
+          <p:txBody>
+            <a:bodyPr rtlCol="0" anchor="ctr"/>
+            <a:lstStyle/>
+            <a:p>
+              <a:pPr algn="ctr"/>
+              <a:endParaRPr lang="en-US"/>
+            </a:p>
+          </p:txBody>
+        </p:sp>
+        <p:sp>
+          <p:nvSpPr>
+            <p:cNvPr id="42" name="Rechteck 41">
+              <a:extLst>
+                <a:ext uri="{FF2B5EF4-FFF2-40B4-BE49-F238E27FC236}">
+                  <a16:creationId xmlns:a16="http://schemas.microsoft.com/office/drawing/2014/main" id="{F8922935-032B-4F30-879C-CFAB05EB075C}"/>
+                </a:ext>
+              </a:extLst>
+            </p:cNvPr>
+            <p:cNvSpPr/>
+            <p:nvPr/>
+          </p:nvSpPr>
+          <p:spPr>
+            <a:xfrm>
+              <a:off x="1854437" y="673286"/>
+              <a:ext cx="1708238" cy="300934"/>
+            </a:xfrm>
+            <a:prstGeom prst="rect">
+              <a:avLst/>
+            </a:prstGeom>
+            <a:noFill/>
+            <a:ln w="9525" cap="flat" cmpd="sng" algn="ctr">
+              <a:solidFill>
+                <a:schemeClr val="dk1"/>
+              </a:solidFill>
+              <a:prstDash val="solid"/>
+              <a:round/>
+              <a:headEnd type="none" w="med" len="med"/>
+              <a:tailEnd type="arrow" w="med" len="med"/>
+            </a:ln>
+          </p:spPr>
+          <p:style>
+            <a:lnRef idx="0">
+              <a:scrgbClr r="0" g="0" b="0"/>
+            </a:lnRef>
+            <a:fillRef idx="0">
+              <a:scrgbClr r="0" g="0" b="0"/>
+            </a:fillRef>
+            <a:effectRef idx="0">
+              <a:scrgbClr r="0" g="0" b="0"/>
+            </a:effectRef>
+            <a:fontRef idx="minor">
+              <a:schemeClr val="dk1"/>
+            </a:fontRef>
+          </p:style>
+          <p:txBody>
+            <a:bodyPr rtlCol="0" anchor="ctr"/>
+            <a:lstStyle/>
+            <a:p>
+              <a:pPr algn="ctr"/>
+              <a:r>
+                <a:rPr lang="de-AT" sz="1400" dirty="0">
+                  <a:latin typeface="Arial" panose="020B0604020202020204" pitchFamily="34" charset="0"/>
+                  <a:cs typeface="Arial" panose="020B0604020202020204" pitchFamily="34" charset="0"/>
+                </a:rPr>
+                <a:t>Profil UML_DTDL</a:t>
+              </a:r>
+            </a:p>
+          </p:txBody>
+        </p:sp>
+      </p:grpSp>
+    </p:spTree>
+    <p:extLst>
+      <p:ext uri="{BB962C8B-B14F-4D97-AF65-F5344CB8AC3E}">
+        <p14:creationId xmlns:p14="http://schemas.microsoft.com/office/powerpoint/2010/main" val="1635638286"/>
+      </p:ext>
+    </p:extLst>
+  </p:cSld>
+  <p:clrMapOvr>
+    <a:masterClrMapping/>
+  </p:clrMapOvr>
+</p:sld>
+</file>
+
 <file path=ppt/slides/slide2.xml><?xml version="1.0" encoding="utf-8"?>
 <p:sld xmlns:a="http://schemas.openxmlformats.org/drawingml/2006/main" xmlns:r="http://schemas.openxmlformats.org/officeDocument/2006/relationships" xmlns:p="http://schemas.openxmlformats.org/presentationml/2006/main">
   <p:cSld>
@@ -14252,7 +15319,7 @@
         </p:nvGrpSpPr>
         <p:grpSpPr>
           <a:xfrm>
-            <a:off x="2488163" y="1225092"/>
+            <a:off x="1537905" y="938222"/>
             <a:ext cx="3486174" cy="2188956"/>
             <a:chOff x="4793143" y="942638"/>
             <a:chExt cx="2283949" cy="1357240"/>
@@ -14468,7 +15535,7 @@
                 <a:buNone/>
               </a:pPr>
               <a:r>
-                <a:rPr lang="en-US" sz="1600" b="0" i="1" u="none" strike="noStrike" cap="none" dirty="0">
+                <a:rPr lang="en-US" sz="1600" b="0" u="none" strike="noStrike" cap="none" dirty="0">
                   <a:solidFill>
                     <a:schemeClr val="dk1"/>
                   </a:solidFill>
@@ -14520,7 +15587,7 @@
                 <a:buNone/>
               </a:pPr>
               <a:r>
-                <a:rPr lang="en-US" sz="1600" b="0" i="1" u="none" strike="noStrike" cap="none" dirty="0" err="1">
+                <a:rPr lang="en-US" sz="1600" b="0" u="none" strike="noStrike" cap="none" dirty="0" err="1">
                   <a:solidFill>
                     <a:schemeClr val="dk1"/>
                   </a:solidFill>
@@ -14584,7 +15651,7 @@
                 <a:buNone/>
               </a:pPr>
               <a:r>
-                <a:rPr lang="en-US" sz="1600" b="0" i="1" u="none" strike="noStrike" cap="none" dirty="0">
+                <a:rPr lang="en-US" sz="1600" b="0" u="none" strike="noStrike" cap="none" dirty="0">
                   <a:solidFill>
                     <a:schemeClr val="dk1"/>
                   </a:solidFill>
@@ -14648,7 +15715,7 @@
                 <a:buNone/>
               </a:pPr>
               <a:r>
-                <a:rPr lang="en-US" sz="1600" b="0" i="1" u="none" strike="noStrike" cap="none" dirty="0">
+                <a:rPr lang="en-US" sz="1600" b="0" u="none" strike="noStrike" cap="none" dirty="0">
                   <a:solidFill>
                     <a:schemeClr val="dk1"/>
                   </a:solidFill>
@@ -14712,7 +15779,7 @@
                 <a:buNone/>
               </a:pPr>
               <a:r>
-                <a:rPr lang="en-US" sz="1600" b="0" i="1" u="none" strike="noStrike" cap="none" dirty="0">
+                <a:rPr lang="en-US" sz="1600" b="0" u="none" strike="noStrike" cap="none" dirty="0">
                   <a:solidFill>
                     <a:schemeClr val="dk1"/>
                   </a:solidFill>
@@ -14776,7 +15843,7 @@
                 <a:buNone/>
               </a:pPr>
               <a:r>
-                <a:rPr lang="en-US" sz="1600" b="0" i="1" u="none" strike="noStrike" cap="none" dirty="0" err="1">
+                <a:rPr lang="en-US" sz="1600" b="0" u="none" strike="noStrike" cap="none" dirty="0" err="1">
                   <a:solidFill>
                     <a:schemeClr val="dk1"/>
                   </a:solidFill>
@@ -14840,7 +15907,7 @@
                 <a:buNone/>
               </a:pPr>
               <a:r>
-                <a:rPr lang="en-US" sz="1600" b="0" i="1" u="none" strike="noStrike" cap="none" dirty="0">
+                <a:rPr lang="en-US" sz="1600" b="0" u="none" strike="noStrike" cap="none" dirty="0">
                   <a:solidFill>
                     <a:schemeClr val="dk1"/>
                   </a:solidFill>
@@ -14922,10 +15989,10 @@
         </p:nvGrpSpPr>
         <p:grpSpPr>
           <a:xfrm>
-            <a:off x="2457758" y="4355914"/>
-            <a:ext cx="2095289" cy="1136909"/>
+            <a:off x="1507500" y="4069044"/>
+            <a:ext cx="2095289" cy="1235140"/>
             <a:chOff x="2785377" y="1573191"/>
-            <a:chExt cx="1709700" cy="704929"/>
+            <a:chExt cx="1709700" cy="765836"/>
           </a:xfrm>
         </p:grpSpPr>
         <p:sp>
@@ -14943,7 +16010,7 @@
           <p:spPr>
             <a:xfrm>
               <a:off x="2785377" y="1573191"/>
-              <a:ext cx="1709700" cy="704929"/>
+              <a:ext cx="1709700" cy="765836"/>
             </a:xfrm>
             <a:prstGeom prst="rect">
               <a:avLst/>
@@ -15087,12 +16154,12 @@
         </p:nvCxnSpPr>
         <p:spPr>
           <a:xfrm rot="10800000" flipH="1">
-            <a:off x="2457757" y="4355915"/>
+            <a:off x="1507499" y="4069045"/>
             <a:ext cx="1047645" cy="275185"/>
           </a:xfrm>
           <a:prstGeom prst="bentConnector4">
             <a:avLst>
-              <a:gd name="adj1" fmla="val -13092"/>
+              <a:gd name="adj1" fmla="val -21820"/>
               <a:gd name="adj2" fmla="val 183071"/>
             </a:avLst>
           </a:prstGeom>
@@ -15122,8 +16189,8 @@
         </p:nvSpPr>
         <p:spPr>
           <a:xfrm>
-            <a:off x="2457901" y="4971371"/>
-            <a:ext cx="2222715" cy="464702"/>
+            <a:off x="1507499" y="4591722"/>
+            <a:ext cx="2222715" cy="689379"/>
           </a:xfrm>
           <a:prstGeom prst="rect">
             <a:avLst/>
@@ -15157,7 +16224,7 @@
               <a:buNone/>
             </a:pPr>
             <a:r>
-              <a:rPr lang="en-US" sz="1600" b="0" i="1" u="none" strike="noStrike" cap="none" dirty="0">
+              <a:rPr lang="en-US" sz="1600" dirty="0">
                 <a:solidFill>
                   <a:schemeClr val="dk1"/>
                 </a:solidFill>
@@ -15166,7 +16233,19 @@
                 <a:cs typeface="Arial"/>
                 <a:sym typeface="Arial"/>
               </a:rPr>
-              <a:t>String</a:t>
+              <a:t>S</a:t>
+            </a:r>
+            <a:r>
+              <a:rPr lang="en-US" sz="1600" b="0" u="none" strike="noStrike" cap="none" dirty="0">
+                <a:solidFill>
+                  <a:schemeClr val="dk1"/>
+                </a:solidFill>
+                <a:latin typeface="Arial"/>
+                <a:ea typeface="Arial"/>
+                <a:cs typeface="Arial"/>
+                <a:sym typeface="Arial"/>
+              </a:rPr>
+              <a:t>tring</a:t>
             </a:r>
             <a:r>
               <a:rPr lang="en-US" sz="1600" b="0" i="0" u="none" strike="noStrike" cap="none" dirty="0">
@@ -15180,7 +16259,7 @@
               </a:rPr>
               <a:t> name</a:t>
             </a:r>
-            <a:endParaRPr sz="2000" b="0" i="0" u="none" strike="noStrike" cap="none" dirty="0">
+            <a:endParaRPr lang="en-US" sz="2000" b="0" i="0" u="none" strike="noStrike" cap="none" dirty="0">
               <a:solidFill>
                 <a:srgbClr val="000000"/>
               </a:solidFill>
@@ -15209,7 +16288,7 @@
               <a:buNone/>
             </a:pPr>
             <a:r>
-              <a:rPr lang="en-US" sz="1600" b="0" i="1" u="none" strike="noStrike" cap="none" dirty="0">
+              <a:rPr lang="en-US" sz="1600" b="0" u="none" strike="noStrike" cap="none" dirty="0">
                 <a:solidFill>
                   <a:schemeClr val="dk1"/>
                 </a:solidFill>
@@ -15244,7 +16323,42 @@
               </a:rPr>
               <a:t>isSingleton</a:t>
             </a:r>
-            <a:endParaRPr sz="1600" b="0" i="0" u="none" strike="noStrike" cap="none" dirty="0">
+            <a:endParaRPr lang="en-US" sz="1600" b="0" i="0" u="none" strike="noStrike" cap="none" dirty="0">
+              <a:solidFill>
+                <a:schemeClr val="dk1"/>
+              </a:solidFill>
+              <a:latin typeface="Arial"/>
+              <a:ea typeface="Arial"/>
+              <a:cs typeface="Arial"/>
+              <a:sym typeface="Arial"/>
+            </a:endParaRPr>
+          </a:p>
+          <a:p>
+            <a:pPr>
+              <a:lnSpc>
+                <a:spcPct val="60000"/>
+              </a:lnSpc>
+              <a:spcBef>
+                <a:spcPts val="550"/>
+              </a:spcBef>
+              <a:buClr>
+                <a:srgbClr val="000000"/>
+              </a:buClr>
+              <a:buSzPts val="1100"/>
+            </a:pPr>
+            <a:r>
+              <a:rPr lang="en-US" sz="1600" dirty="0">
+                <a:solidFill>
+                  <a:schemeClr val="dk1"/>
+                </a:solidFill>
+                <a:latin typeface="Arial"/>
+                <a:ea typeface="Arial"/>
+                <a:cs typeface="Arial"/>
+                <a:sym typeface="Arial"/>
+              </a:rPr>
+              <a:t>String id</a:t>
+            </a:r>
+            <a:endParaRPr lang="en-US" sz="1600" b="0" i="0" u="none" strike="noStrike" cap="none" dirty="0">
               <a:solidFill>
                 <a:schemeClr val="dk1"/>
               </a:solidFill>
@@ -15272,7 +16386,7 @@
         </p:nvCxnSpPr>
         <p:spPr>
           <a:xfrm>
-            <a:off x="2457758" y="4828372"/>
+            <a:off x="1507500" y="4541502"/>
             <a:ext cx="2095657" cy="0"/>
           </a:xfrm>
           <a:prstGeom prst="straightConnector1">
@@ -15304,7 +16418,7 @@
         </p:nvGrpSpPr>
         <p:grpSpPr>
           <a:xfrm>
-            <a:off x="5654040" y="4209975"/>
+            <a:off x="4703782" y="3923105"/>
             <a:ext cx="4252361" cy="1381079"/>
             <a:chOff x="4825885" y="3099242"/>
             <a:chExt cx="2886600" cy="856324"/>
@@ -15520,7 +16634,7 @@
                 <a:buNone/>
               </a:pPr>
               <a:r>
-                <a:rPr lang="en-US" sz="1600" b="0" i="1" u="none" strike="noStrike" cap="none" dirty="0" err="1">
+                <a:rPr lang="en-US" sz="1600" b="0" u="none" strike="noStrike" cap="none" dirty="0" err="1">
                   <a:solidFill>
                     <a:schemeClr val="dk1"/>
                   </a:solidFill>
@@ -15584,6 +16698,42 @@
                 <a:buNone/>
               </a:pPr>
               <a:r>
+                <a:rPr lang="en-US" sz="1600" b="0" u="none" strike="noStrike" cap="none" dirty="0">
+                  <a:solidFill>
+                    <a:schemeClr val="dk1"/>
+                  </a:solidFill>
+                  <a:latin typeface="Arial"/>
+                  <a:ea typeface="Arial"/>
+                  <a:cs typeface="Arial"/>
+                  <a:sym typeface="Arial"/>
+                </a:rPr>
+                <a:t>List&lt;</a:t>
+              </a:r>
+              <a:r>
+                <a:rPr lang="en-US" sz="1600" b="0" u="none" strike="noStrike" cap="none" dirty="0" err="1">
+                  <a:solidFill>
+                    <a:schemeClr val="dk1"/>
+                  </a:solidFill>
+                  <a:latin typeface="Arial"/>
+                  <a:ea typeface="Arial"/>
+                  <a:cs typeface="Arial"/>
+                  <a:sym typeface="Arial"/>
+                </a:rPr>
+                <a:t>PropertyDefinition</a:t>
+              </a:r>
+              <a:r>
+                <a:rPr lang="en-US" sz="1600" b="0" u="none" strike="noStrike" cap="none" dirty="0">
+                  <a:solidFill>
+                    <a:schemeClr val="dk1"/>
+                  </a:solidFill>
+                  <a:latin typeface="Arial"/>
+                  <a:ea typeface="Arial"/>
+                  <a:cs typeface="Arial"/>
+                  <a:sym typeface="Arial"/>
+                </a:rPr>
+                <a:t>&gt;</a:t>
+              </a:r>
+              <a:r>
                 <a:rPr lang="en-US" sz="1600" b="0" i="1" u="none" strike="noStrike" cap="none" dirty="0">
                   <a:solidFill>
                     <a:schemeClr val="dk1"/>
@@ -15593,31 +16743,7 @@
                   <a:cs typeface="Arial"/>
                   <a:sym typeface="Arial"/>
                 </a:rPr>
-                <a:t>List&lt;</a:t>
-              </a:r>
-              <a:r>
-                <a:rPr lang="en-US" sz="1600" b="0" i="1" u="none" strike="noStrike" cap="none" dirty="0" err="1">
-                  <a:solidFill>
-                    <a:schemeClr val="dk1"/>
-                  </a:solidFill>
-                  <a:latin typeface="Arial"/>
-                  <a:ea typeface="Arial"/>
-                  <a:cs typeface="Arial"/>
-                  <a:sym typeface="Arial"/>
-                </a:rPr>
-                <a:t>PropertyDefinition</a:t>
-              </a:r>
-              <a:r>
-                <a:rPr lang="en-US" sz="1600" b="0" i="1" u="none" strike="noStrike" cap="none" dirty="0">
-                  <a:solidFill>
-                    <a:schemeClr val="dk1"/>
-                  </a:solidFill>
-                  <a:latin typeface="Arial"/>
-                  <a:ea typeface="Arial"/>
-                  <a:cs typeface="Arial"/>
-                  <a:sym typeface="Arial"/>
-                </a:rPr>
-                <a:t>&gt; </a:t>
+                <a:t> </a:t>
               </a:r>
               <a:r>
                 <a:rPr lang="en-US" sz="1600" b="0" i="0" u="none" strike="noStrike" cap="none" dirty="0" err="1">
@@ -15660,7 +16786,7 @@
                 <a:buNone/>
               </a:pPr>
               <a:r>
-                <a:rPr lang="en-US" sz="1600" b="0" i="1" u="none" strike="noStrike" cap="none" dirty="0">
+                <a:rPr lang="en-US" sz="1600" b="0" u="none" strike="noStrike" cap="none" dirty="0">
                   <a:solidFill>
                     <a:schemeClr val="dk1"/>
                   </a:solidFill>
@@ -15754,7 +16880,7 @@
         </p:nvSpPr>
         <p:spPr>
           <a:xfrm>
-            <a:off x="2493893" y="3696495"/>
+            <a:off x="1543635" y="3409625"/>
             <a:ext cx="1194037" cy="623670"/>
           </a:xfrm>
           <a:prstGeom prst="rect">
@@ -15835,20 +16961,16 @@
           <p:cNvCxnSpPr>
             <a:cxnSpLocks/>
             <a:stCxn id="51" idx="2"/>
-            <a:endCxn id="22" idx="2"/>
           </p:cNvCxnSpPr>
           <p:nvPr/>
         </p:nvCxnSpPr>
         <p:spPr>
-          <a:xfrm flipH="1" flipV="1">
-            <a:off x="4231288" y="3414048"/>
-            <a:ext cx="573019" cy="1485825"/>
-          </a:xfrm>
-          <a:prstGeom prst="bentConnector4">
-            <a:avLst>
-              <a:gd name="adj1" fmla="val -39894"/>
-              <a:gd name="adj2" fmla="val 54081"/>
-            </a:avLst>
+          <a:xfrm flipV="1">
+            <a:off x="3854049" y="3127178"/>
+            <a:ext cx="386580" cy="1485825"/>
+          </a:xfrm>
+          <a:prstGeom prst="bentConnector2">
+            <a:avLst/>
           </a:prstGeom>
           <a:noFill/>
           <a:ln w="12700" cap="flat" cmpd="sng">
@@ -15880,7 +17002,7 @@
         </p:nvCxnSpPr>
         <p:spPr>
           <a:xfrm>
-            <a:off x="4804307" y="4899873"/>
+            <a:off x="3854049" y="4613003"/>
             <a:ext cx="901699" cy="642"/>
           </a:xfrm>
           <a:prstGeom prst="bentConnector3">
@@ -15914,7 +17036,7 @@
         </p:nvGrpSpPr>
         <p:grpSpPr>
           <a:xfrm>
-            <a:off x="7208209" y="1274484"/>
+            <a:off x="5826655" y="985013"/>
             <a:ext cx="2682535" cy="1993415"/>
             <a:chOff x="7302832" y="1350960"/>
             <a:chExt cx="1757449" cy="1235997"/>
@@ -16162,7 +17284,7 @@
                 <a:buNone/>
               </a:pPr>
               <a:r>
-                <a:rPr lang="en-US" sz="1600" b="0" i="1" u="none" strike="noStrike" cap="none" dirty="0">
+                <a:rPr lang="en-US" sz="1600" b="0" u="none" strike="noStrike" cap="none" dirty="0">
                   <a:solidFill>
                     <a:schemeClr val="dk1"/>
                   </a:solidFill>
@@ -16214,7 +17336,7 @@
                 <a:buNone/>
               </a:pPr>
               <a:r>
-                <a:rPr lang="en-US" sz="1600" b="0" i="1" u="none" strike="noStrike" cap="none" dirty="0" err="1">
+                <a:rPr lang="en-US" sz="1600" b="0" u="none" strike="noStrike" cap="none" dirty="0" err="1">
                   <a:solidFill>
                     <a:schemeClr val="dk1"/>
                   </a:solidFill>
@@ -16278,7 +17400,7 @@
                 <a:buNone/>
               </a:pPr>
               <a:r>
-                <a:rPr lang="en-US" sz="1600" b="0" i="1" u="none" strike="noStrike" cap="none" dirty="0" err="1">
+                <a:rPr lang="en-US" sz="1600" b="0" u="none" strike="noStrike" cap="none" dirty="0" err="1">
                   <a:solidFill>
                     <a:schemeClr val="dk1"/>
                   </a:solidFill>
@@ -16342,7 +17464,7 @@
                 <a:buNone/>
               </a:pPr>
               <a:r>
-                <a:rPr lang="en-US" sz="1600" b="0" i="1" u="none" strike="noStrike" cap="none" dirty="0">
+                <a:rPr lang="en-US" sz="1600" b="0" u="none" strike="noStrike" cap="none" dirty="0">
                   <a:solidFill>
                     <a:schemeClr val="dk1"/>
                   </a:solidFill>
@@ -16406,7 +17528,7 @@
                 <a:buNone/>
               </a:pPr>
               <a:r>
-                <a:rPr lang="en-US" sz="1600" b="0" i="1" u="none" strike="noStrike" cap="none" dirty="0">
+                <a:rPr lang="en-US" sz="1600" b="0" u="none" strike="noStrike" cap="none" dirty="0">
                   <a:solidFill>
                     <a:schemeClr val="dk1"/>
                   </a:solidFill>
@@ -16458,7 +17580,7 @@
                 <a:buNone/>
               </a:pPr>
               <a:r>
-                <a:rPr lang="en-US" sz="1600" b="0" i="1" u="none" strike="noStrike" cap="none" dirty="0">
+                <a:rPr lang="en-US" sz="1600" b="0" u="none" strike="noStrike" cap="none" dirty="0">
                   <a:solidFill>
                     <a:schemeClr val="dk1"/>
                   </a:solidFill>
@@ -16523,9 +17645,9 @@
           <p:nvPr/>
         </p:nvCxnSpPr>
         <p:spPr>
-          <a:xfrm>
-            <a:off x="6099769" y="1548741"/>
-            <a:ext cx="1108440" cy="928"/>
+          <a:xfrm flipV="1">
+            <a:off x="5149511" y="1260198"/>
+            <a:ext cx="677144" cy="1673"/>
           </a:xfrm>
           <a:prstGeom prst="straightConnector1">
             <a:avLst/>
@@ -16556,7 +17678,7 @@
         </p:nvSpPr>
         <p:spPr>
           <a:xfrm>
-            <a:off x="4284978" y="3592299"/>
+            <a:off x="4308144" y="3276670"/>
             <a:ext cx="791275" cy="248694"/>
           </a:xfrm>
           <a:prstGeom prst="rect">
@@ -16600,7 +17722,7 @@
                 <a:cs typeface="Arial"/>
                 <a:sym typeface="Arial"/>
               </a:rPr>
-              <a:t>[0..*]</a:t>
+              <a:t>*</a:t>
             </a:r>
             <a:endParaRPr b="0" i="0" u="none" strike="noStrike" cap="none" dirty="0">
               <a:solidFill>
@@ -16628,8 +17750,8 @@
         </p:nvSpPr>
         <p:spPr>
           <a:xfrm>
-            <a:off x="5183062" y="5002146"/>
-            <a:ext cx="791275" cy="248694"/>
+            <a:off x="4504173" y="4681298"/>
+            <a:ext cx="219718" cy="248694"/>
           </a:xfrm>
           <a:prstGeom prst="rect">
             <a:avLst/>
@@ -16678,7 +17800,7 @@
               <a:rPr lang="en-US" dirty="0">
                 <a:sym typeface="Arial"/>
               </a:rPr>
-              <a:t>[0..*]</a:t>
+              <a:t>*</a:t>
             </a:r>
             <a:endParaRPr dirty="0">
               <a:sym typeface="Arial"/>
@@ -16700,8 +17822,8 @@
         </p:nvSpPr>
         <p:spPr>
           <a:xfrm>
-            <a:off x="6564498" y="1232605"/>
-            <a:ext cx="791275" cy="248694"/>
+            <a:off x="5556449" y="958625"/>
+            <a:ext cx="269036" cy="248694"/>
           </a:xfrm>
           <a:prstGeom prst="rect">
             <a:avLst/>
@@ -16744,18 +17866,7 @@
                 <a:cs typeface="Arial"/>
                 <a:sym typeface="Arial"/>
               </a:rPr>
-              <a:t>[1</a:t>
-            </a:r>
-            <a:r>
-              <a:rPr lang="en-US" sz="1400" dirty="0">
-                <a:solidFill>
-                  <a:schemeClr val="dk1"/>
-                </a:solidFill>
-                <a:latin typeface="Arial"/>
-                <a:cs typeface="Arial"/>
-                <a:sym typeface="Arial"/>
-              </a:rPr>
-              <a:t>...1]</a:t>
+              <a:t>1</a:t>
             </a:r>
             <a:endParaRPr sz="1400" dirty="0">
               <a:solidFill>
@@ -16782,7 +17893,7 @@
         </p:nvSpPr>
         <p:spPr>
           <a:xfrm rot="16200000" flipH="1">
-            <a:off x="4593034" y="4778600"/>
+            <a:off x="3642776" y="4491730"/>
             <a:ext cx="180001" cy="242545"/>
           </a:xfrm>
           <a:prstGeom prst="diamond">
@@ -16827,7 +17938,585 @@
         </p:nvSpPr>
         <p:spPr>
           <a:xfrm rot="16200000" flipH="1">
-            <a:off x="5888496" y="1427468"/>
+            <a:off x="4938238" y="1140598"/>
+            <a:ext cx="180001" cy="242545"/>
+          </a:xfrm>
+          <a:prstGeom prst="diamond">
+            <a:avLst/>
+          </a:prstGeom>
+          <a:solidFill>
+            <a:schemeClr val="tx1"/>
+          </a:solidFill>
+          <a:ln w="12700" cap="flat" cmpd="sng">
+            <a:solidFill>
+              <a:schemeClr val="dk1"/>
+            </a:solidFill>
+            <a:prstDash val="solid"/>
+            <a:miter lim="800000"/>
+            <a:headEnd type="none" w="sm" len="sm"/>
+            <a:tailEnd type="triangle" w="lg" len="lg"/>
+          </a:ln>
+        </p:spPr>
+        <p:txBody>
+          <a:bodyPr rtlCol="0" anchor="ctr"/>
+          <a:lstStyle/>
+          <a:p>
+            <a:pPr algn="ctr"/>
+            <a:endParaRPr lang="de-AT" dirty="0">
+              <a:latin typeface="Arial" panose="020B0604020202020204" pitchFamily="34" charset="0"/>
+              <a:cs typeface="Arial" panose="020B0604020202020204" pitchFamily="34" charset="0"/>
+            </a:endParaRPr>
+          </a:p>
+        </p:txBody>
+      </p:sp>
+      <p:grpSp>
+        <p:nvGrpSpPr>
+          <p:cNvPr id="53" name="Google Shape;545;g10f8d9d020d_0_26">
+            <a:extLst>
+              <a:ext uri="{FF2B5EF4-FFF2-40B4-BE49-F238E27FC236}">
+                <a16:creationId xmlns:a16="http://schemas.microsoft.com/office/drawing/2014/main" id="{EC5A1AD4-D5D5-4BD8-BA15-1CAA16C4422F}"/>
+              </a:ext>
+            </a:extLst>
+          </p:cNvPr>
+          <p:cNvGrpSpPr/>
+          <p:nvPr/>
+        </p:nvGrpSpPr>
+        <p:grpSpPr>
+          <a:xfrm>
+            <a:off x="9212524" y="985013"/>
+            <a:ext cx="2278173" cy="881887"/>
+            <a:chOff x="7302574" y="1350960"/>
+            <a:chExt cx="1757707" cy="546805"/>
+          </a:xfrm>
+        </p:grpSpPr>
+        <p:grpSp>
+          <p:nvGrpSpPr>
+            <p:cNvPr id="55" name="Google Shape;546;g10f8d9d020d_0_26">
+              <a:extLst>
+                <a:ext uri="{FF2B5EF4-FFF2-40B4-BE49-F238E27FC236}">
+                  <a16:creationId xmlns:a16="http://schemas.microsoft.com/office/drawing/2014/main" id="{77990941-8AEB-4FDD-887A-6FF02C243E97}"/>
+                </a:ext>
+              </a:extLst>
+            </p:cNvPr>
+            <p:cNvGrpSpPr/>
+            <p:nvPr/>
+          </p:nvGrpSpPr>
+          <p:grpSpPr>
+            <a:xfrm>
+              <a:off x="7302832" y="1350960"/>
+              <a:ext cx="1757230" cy="546805"/>
+              <a:chOff x="2785377" y="1573191"/>
+              <a:chExt cx="1709700" cy="546805"/>
+            </a:xfrm>
+          </p:grpSpPr>
+          <p:sp>
+            <p:nvSpPr>
+              <p:cNvPr id="61" name="Google Shape;547;g10f8d9d020d_0_26">
+                <a:extLst>
+                  <a:ext uri="{FF2B5EF4-FFF2-40B4-BE49-F238E27FC236}">
+                    <a16:creationId xmlns:a16="http://schemas.microsoft.com/office/drawing/2014/main" id="{2519E6FE-7D25-45A8-8C86-EE244CFF8A23}"/>
+                  </a:ext>
+                </a:extLst>
+              </p:cNvPr>
+              <p:cNvSpPr/>
+              <p:nvPr/>
+            </p:nvSpPr>
+            <p:spPr>
+              <a:xfrm>
+                <a:off x="2785377" y="1573191"/>
+                <a:ext cx="1709700" cy="546805"/>
+              </a:xfrm>
+              <a:prstGeom prst="rect">
+                <a:avLst/>
+              </a:prstGeom>
+              <a:solidFill>
+                <a:schemeClr val="lt1"/>
+              </a:solidFill>
+              <a:ln w="9525" cap="flat" cmpd="sng">
+                <a:solidFill>
+                  <a:schemeClr val="dk1"/>
+                </a:solidFill>
+                <a:prstDash val="solid"/>
+                <a:miter lim="800000"/>
+                <a:headEnd type="none" w="sm" len="sm"/>
+                <a:tailEnd type="none" w="sm" len="sm"/>
+              </a:ln>
+            </p:spPr>
+            <p:txBody>
+              <a:bodyPr spcFirstLastPara="1" wrap="square" lIns="91425" tIns="45700" rIns="91425" bIns="45700" anchor="ctr" anchorCtr="0">
+                <a:noAutofit/>
+              </a:bodyPr>
+              <a:lstStyle/>
+              <a:p>
+                <a:pPr marL="0" marR="0" lvl="0" indent="0" algn="l" rtl="0">
+                  <a:lnSpc>
+                    <a:spcPct val="100000"/>
+                  </a:lnSpc>
+                  <a:spcBef>
+                    <a:spcPts val="0"/>
+                  </a:spcBef>
+                  <a:spcAft>
+                    <a:spcPts val="0"/>
+                  </a:spcAft>
+                  <a:buClr>
+                    <a:srgbClr val="000000"/>
+                  </a:buClr>
+                  <a:buSzPts val="1100"/>
+                  <a:buFont typeface="Arial"/>
+                  <a:buNone/>
+                </a:pPr>
+                <a:endParaRPr sz="1600" b="0" i="0" u="none" strike="noStrike" cap="none">
+                  <a:solidFill>
+                    <a:schemeClr val="dk1"/>
+                  </a:solidFill>
+                  <a:latin typeface="Arial"/>
+                  <a:ea typeface="Arial"/>
+                  <a:cs typeface="Arial"/>
+                  <a:sym typeface="Arial"/>
+                </a:endParaRPr>
+              </a:p>
+            </p:txBody>
+          </p:sp>
+          <p:sp>
+            <p:nvSpPr>
+              <p:cNvPr id="63" name="Google Shape;548;g10f8d9d020d_0_26">
+                <a:extLst>
+                  <a:ext uri="{FF2B5EF4-FFF2-40B4-BE49-F238E27FC236}">
+                    <a16:creationId xmlns:a16="http://schemas.microsoft.com/office/drawing/2014/main" id="{EE96B678-3EBF-4C80-B578-59998BA8F29E}"/>
+                  </a:ext>
+                </a:extLst>
+              </p:cNvPr>
+              <p:cNvSpPr txBox="1"/>
+              <p:nvPr/>
+            </p:nvSpPr>
+            <p:spPr>
+              <a:xfrm>
+                <a:off x="2785377" y="1663679"/>
+                <a:ext cx="1709700" cy="160275"/>
+              </a:xfrm>
+              <a:prstGeom prst="rect">
+                <a:avLst/>
+              </a:prstGeom>
+              <a:noFill/>
+              <a:ln>
+                <a:noFill/>
+              </a:ln>
+            </p:spPr>
+            <p:txBody>
+              <a:bodyPr spcFirstLastPara="1" wrap="square" lIns="91425" tIns="45700" rIns="91425" bIns="45700" anchor="t" anchorCtr="0">
+                <a:spAutoFit/>
+              </a:bodyPr>
+              <a:lstStyle/>
+              <a:p>
+                <a:pPr marL="0" marR="0" lvl="0" indent="0" algn="ctr" rtl="0">
+                  <a:lnSpc>
+                    <a:spcPct val="60000"/>
+                  </a:lnSpc>
+                  <a:spcBef>
+                    <a:spcPts val="0"/>
+                  </a:spcBef>
+                  <a:spcAft>
+                    <a:spcPts val="0"/>
+                  </a:spcAft>
+                  <a:buClr>
+                    <a:srgbClr val="000000"/>
+                  </a:buClr>
+                  <a:buSzPts val="1100"/>
+                  <a:buFont typeface="Arial"/>
+                  <a:buNone/>
+                </a:pPr>
+                <a:r>
+                  <a:rPr lang="en-US" b="1" i="0" u="none" strike="noStrike" cap="none" dirty="0">
+                    <a:solidFill>
+                      <a:schemeClr val="dk1"/>
+                    </a:solidFill>
+                    <a:latin typeface="Arial"/>
+                    <a:ea typeface="Arial"/>
+                    <a:cs typeface="Arial"/>
+                    <a:sym typeface="Arial"/>
+                  </a:rPr>
+                  <a:t>Relationship</a:t>
+                </a:r>
+                <a:endParaRPr b="1" i="0" u="none" strike="noStrike" cap="none" dirty="0">
+                  <a:solidFill>
+                    <a:schemeClr val="dk1"/>
+                  </a:solidFill>
+                  <a:latin typeface="Arial"/>
+                  <a:ea typeface="Arial"/>
+                  <a:cs typeface="Arial"/>
+                  <a:sym typeface="Arial"/>
+                </a:endParaRPr>
+              </a:p>
+            </p:txBody>
+          </p:sp>
+        </p:grpSp>
+        <p:cxnSp>
+          <p:nvCxnSpPr>
+            <p:cNvPr id="56" name="Google Shape;549;g10f8d9d020d_0_26">
+              <a:extLst>
+                <a:ext uri="{FF2B5EF4-FFF2-40B4-BE49-F238E27FC236}">
+                  <a16:creationId xmlns:a16="http://schemas.microsoft.com/office/drawing/2014/main" id="{2EE6B701-31C1-416A-9466-9EA8AF2260B5}"/>
+                </a:ext>
+              </a:extLst>
+            </p:cNvPr>
+            <p:cNvCxnSpPr/>
+            <p:nvPr/>
+          </p:nvCxnSpPr>
+          <p:spPr>
+            <a:xfrm>
+              <a:off x="7302881" y="1671787"/>
+              <a:ext cx="1757400" cy="0"/>
+            </a:xfrm>
+            <a:prstGeom prst="straightConnector1">
+              <a:avLst/>
+            </a:prstGeom>
+            <a:noFill/>
+            <a:ln w="9525" cap="flat" cmpd="sng">
+              <a:solidFill>
+                <a:schemeClr val="dk1"/>
+              </a:solidFill>
+              <a:prstDash val="solid"/>
+              <a:miter lim="800000"/>
+              <a:headEnd type="none" w="sm" len="sm"/>
+              <a:tailEnd type="none" w="sm" len="sm"/>
+            </a:ln>
+          </p:spPr>
+        </p:cxnSp>
+        <p:sp>
+          <p:nvSpPr>
+            <p:cNvPr id="60" name="Google Shape;550;g10f8d9d020d_0_26">
+              <a:extLst>
+                <a:ext uri="{FF2B5EF4-FFF2-40B4-BE49-F238E27FC236}">
+                  <a16:creationId xmlns:a16="http://schemas.microsoft.com/office/drawing/2014/main" id="{1FCECB98-9946-4683-B395-D640DF1C02F4}"/>
+                </a:ext>
+              </a:extLst>
+            </p:cNvPr>
+            <p:cNvSpPr txBox="1"/>
+            <p:nvPr/>
+          </p:nvSpPr>
+          <p:spPr>
+            <a:xfrm>
+              <a:off x="7302574" y="1708582"/>
+              <a:ext cx="1757230" cy="148825"/>
+            </a:xfrm>
+            <a:prstGeom prst="rect">
+              <a:avLst/>
+            </a:prstGeom>
+            <a:noFill/>
+            <a:ln>
+              <a:noFill/>
+            </a:ln>
+          </p:spPr>
+          <p:txBody>
+            <a:bodyPr spcFirstLastPara="1" wrap="square" lIns="91425" tIns="45700" rIns="91425" bIns="45700" anchor="t" anchorCtr="0">
+              <a:spAutoFit/>
+            </a:bodyPr>
+            <a:lstStyle/>
+            <a:p>
+              <a:pPr marL="0" marR="0" lvl="0" indent="0" algn="l" rtl="0">
+                <a:lnSpc>
+                  <a:spcPct val="60000"/>
+                </a:lnSpc>
+                <a:spcBef>
+                  <a:spcPts val="0"/>
+                </a:spcBef>
+                <a:spcAft>
+                  <a:spcPts val="0"/>
+                </a:spcAft>
+                <a:buClr>
+                  <a:srgbClr val="000000"/>
+                </a:buClr>
+                <a:buSzPts val="1100"/>
+                <a:buFont typeface="Arial"/>
+                <a:buNone/>
+              </a:pPr>
+              <a:r>
+                <a:rPr lang="de-DE" sz="1600" b="0" u="none" strike="noStrike" cap="none" dirty="0">
+                  <a:solidFill>
+                    <a:schemeClr val="dk1"/>
+                  </a:solidFill>
+                  <a:latin typeface="Arial"/>
+                  <a:ea typeface="Arial"/>
+                  <a:cs typeface="Arial"/>
+                  <a:sym typeface="Arial"/>
+                </a:rPr>
+                <a:t>String</a:t>
+              </a:r>
+              <a:r>
+                <a:rPr lang="de-DE" sz="1600" b="0" i="1" u="none" strike="noStrike" cap="none" dirty="0">
+                  <a:solidFill>
+                    <a:schemeClr val="dk1"/>
+                  </a:solidFill>
+                  <a:latin typeface="Arial"/>
+                  <a:ea typeface="Arial"/>
+                  <a:cs typeface="Arial"/>
+                  <a:sym typeface="Arial"/>
+                </a:rPr>
+                <a:t> </a:t>
+              </a:r>
+              <a:r>
+                <a:rPr lang="de-DE" sz="1600" b="0" u="none" strike="noStrike" cap="none" dirty="0" err="1">
+                  <a:solidFill>
+                    <a:schemeClr val="dk1"/>
+                  </a:solidFill>
+                  <a:latin typeface="Arial"/>
+                  <a:ea typeface="Arial"/>
+                  <a:cs typeface="Arial"/>
+                  <a:sym typeface="Arial"/>
+                </a:rPr>
+                <a:t>relationshipType</a:t>
+              </a:r>
+              <a:endParaRPr sz="1600" b="0" u="none" strike="noStrike" cap="none" dirty="0">
+                <a:solidFill>
+                  <a:schemeClr val="dk1"/>
+                </a:solidFill>
+                <a:latin typeface="Arial"/>
+                <a:ea typeface="Arial"/>
+                <a:cs typeface="Arial"/>
+                <a:sym typeface="Arial"/>
+              </a:endParaRPr>
+            </a:p>
+          </p:txBody>
+        </p:sp>
+      </p:grpSp>
+      <p:cxnSp>
+        <p:nvCxnSpPr>
+          <p:cNvPr id="64" name="Google Shape;543;g10f8d9d020d_0_26">
+            <a:extLst>
+              <a:ext uri="{FF2B5EF4-FFF2-40B4-BE49-F238E27FC236}">
+                <a16:creationId xmlns:a16="http://schemas.microsoft.com/office/drawing/2014/main" id="{47DA9646-26D6-4F89-99C1-3D86416E2F31}"/>
+              </a:ext>
+            </a:extLst>
+          </p:cNvPr>
+          <p:cNvCxnSpPr>
+            <a:cxnSpLocks/>
+            <a:stCxn id="61" idx="2"/>
+            <a:endCxn id="33" idx="2"/>
+          </p:cNvCxnSpPr>
+          <p:nvPr/>
+        </p:nvCxnSpPr>
+        <p:spPr>
+          <a:xfrm rot="5400000">
+            <a:off x="4778147" y="-292389"/>
+            <a:ext cx="3414201" cy="7732779"/>
+          </a:xfrm>
+          <a:prstGeom prst="bentConnector3">
+            <a:avLst>
+              <a:gd name="adj1" fmla="val 106696"/>
+            </a:avLst>
+          </a:prstGeom>
+          <a:noFill/>
+          <a:ln w="12700" cap="flat" cmpd="sng">
+            <a:solidFill>
+              <a:schemeClr val="dk1"/>
+            </a:solidFill>
+            <a:prstDash val="solid"/>
+            <a:miter lim="800000"/>
+            <a:headEnd type="none" w="sm" len="sm"/>
+            <a:tailEnd type="triangle" w="lg" len="lg"/>
+          </a:ln>
+        </p:spPr>
+      </p:cxnSp>
+      <p:sp>
+        <p:nvSpPr>
+          <p:cNvPr id="65" name="Google Shape;559;g10f8d9d020d_0_26">
+            <a:extLst>
+              <a:ext uri="{FF2B5EF4-FFF2-40B4-BE49-F238E27FC236}">
+                <a16:creationId xmlns:a16="http://schemas.microsoft.com/office/drawing/2014/main" id="{A423F0A8-349F-4608-899E-C3059160EFF1}"/>
+              </a:ext>
+            </a:extLst>
+          </p:cNvPr>
+          <p:cNvSpPr txBox="1"/>
+          <p:nvPr/>
+        </p:nvSpPr>
+        <p:spPr>
+          <a:xfrm>
+            <a:off x="2683567" y="5526663"/>
+            <a:ext cx="2093293" cy="256241"/>
+          </a:xfrm>
+          <a:prstGeom prst="rect">
+            <a:avLst/>
+          </a:prstGeom>
+          <a:noFill/>
+          <a:ln>
+            <a:noFill/>
+          </a:ln>
+        </p:spPr>
+        <p:txBody>
+          <a:bodyPr spcFirstLastPara="1" wrap="square" lIns="0" tIns="0" rIns="0" bIns="0" anchor="t" anchorCtr="0">
+            <a:noAutofit/>
+          </a:bodyPr>
+          <a:lstStyle/>
+          <a:p>
+            <a:pPr marL="0" marR="0" lvl="0" indent="0" algn="l" rtl="0">
+              <a:lnSpc>
+                <a:spcPct val="100000"/>
+              </a:lnSpc>
+              <a:spcBef>
+                <a:spcPts val="0"/>
+              </a:spcBef>
+              <a:spcAft>
+                <a:spcPts val="0"/>
+              </a:spcAft>
+              <a:buClr>
+                <a:srgbClr val="000000"/>
+              </a:buClr>
+              <a:buSzPts val="1100"/>
+              <a:buFont typeface="Arial"/>
+              <a:buNone/>
+            </a:pPr>
+            <a:r>
+              <a:rPr lang="en-US" sz="1400" b="0" i="0" u="none" strike="noStrike" cap="none" dirty="0">
+                <a:solidFill>
+                  <a:schemeClr val="dk1"/>
+                </a:solidFill>
+                <a:latin typeface="Arial"/>
+                <a:ea typeface="Arial"/>
+                <a:cs typeface="Arial"/>
+                <a:sym typeface="Arial"/>
+              </a:rPr>
+              <a:t>1 </a:t>
+            </a:r>
+            <a:r>
+              <a:rPr lang="en-US" sz="1400" dirty="0" err="1">
+                <a:latin typeface="Arial" panose="020B0604020202020204" pitchFamily="34" charset="0"/>
+                <a:cs typeface="Arial" panose="020B0604020202020204" pitchFamily="34" charset="0"/>
+              </a:rPr>
+              <a:t>targetComponentId</a:t>
+            </a:r>
+            <a:endParaRPr sz="1400" dirty="0">
+              <a:solidFill>
+                <a:schemeClr val="dk1"/>
+              </a:solidFill>
+              <a:latin typeface="Arial"/>
+              <a:cs typeface="Arial"/>
+              <a:sym typeface="Arial"/>
+            </a:endParaRPr>
+          </a:p>
+        </p:txBody>
+      </p:sp>
+      <p:cxnSp>
+        <p:nvCxnSpPr>
+          <p:cNvPr id="66" name="Google Shape;554;g10f8d9d020d_0_26">
+            <a:extLst>
+              <a:ext uri="{FF2B5EF4-FFF2-40B4-BE49-F238E27FC236}">
+                <a16:creationId xmlns:a16="http://schemas.microsoft.com/office/drawing/2014/main" id="{82AED255-9694-4656-AB37-283D389E5C5D}"/>
+              </a:ext>
+            </a:extLst>
+          </p:cNvPr>
+          <p:cNvCxnSpPr>
+            <a:cxnSpLocks/>
+            <a:stCxn id="68" idx="2"/>
+            <a:endCxn id="63" idx="1"/>
+          </p:cNvCxnSpPr>
+          <p:nvPr/>
+        </p:nvCxnSpPr>
+        <p:spPr>
+          <a:xfrm flipV="1">
+            <a:off x="8752571" y="1260198"/>
+            <a:ext cx="460287" cy="0"/>
+          </a:xfrm>
+          <a:prstGeom prst="straightConnector1">
+            <a:avLst/>
+          </a:prstGeom>
+          <a:noFill/>
+          <a:ln w="12700" cap="flat" cmpd="sng">
+            <a:solidFill>
+              <a:schemeClr val="dk1"/>
+            </a:solidFill>
+            <a:prstDash val="solid"/>
+            <a:miter lim="800000"/>
+            <a:headEnd type="none" w="sm" len="sm"/>
+            <a:tailEnd type="triangle" w="lg" len="lg"/>
+          </a:ln>
+        </p:spPr>
+      </p:cxnSp>
+      <p:sp>
+        <p:nvSpPr>
+          <p:cNvPr id="67" name="Google Shape;559;g10f8d9d020d_0_26">
+            <a:extLst>
+              <a:ext uri="{FF2B5EF4-FFF2-40B4-BE49-F238E27FC236}">
+                <a16:creationId xmlns:a16="http://schemas.microsoft.com/office/drawing/2014/main" id="{51E20AB2-3D74-42A8-9DE6-0A1670C5256F}"/>
+              </a:ext>
+            </a:extLst>
+          </p:cNvPr>
+          <p:cNvSpPr txBox="1"/>
+          <p:nvPr/>
+        </p:nvSpPr>
+        <p:spPr>
+          <a:xfrm>
+            <a:off x="8930443" y="990684"/>
+            <a:ext cx="269036" cy="248694"/>
+          </a:xfrm>
+          <a:prstGeom prst="rect">
+            <a:avLst/>
+          </a:prstGeom>
+          <a:noFill/>
+          <a:ln>
+            <a:noFill/>
+          </a:ln>
+        </p:spPr>
+        <p:txBody>
+          <a:bodyPr spcFirstLastPara="1" wrap="square" lIns="0" tIns="0" rIns="0" bIns="0" anchor="t" anchorCtr="0">
+            <a:noAutofit/>
+          </a:bodyPr>
+          <a:lstStyle/>
+          <a:p>
+            <a:pPr marL="0" marR="0" lvl="0" indent="0" algn="l" rtl="0">
+              <a:lnSpc>
+                <a:spcPct val="100000"/>
+              </a:lnSpc>
+              <a:spcBef>
+                <a:spcPts val="0"/>
+              </a:spcBef>
+              <a:spcAft>
+                <a:spcPts val="0"/>
+              </a:spcAft>
+              <a:buClr>
+                <a:srgbClr val="000000"/>
+              </a:buClr>
+              <a:buSzPts val="1100"/>
+              <a:buFont typeface="Arial"/>
+              <a:buNone/>
+            </a:pPr>
+            <a:r>
+              <a:rPr lang="en-US" sz="1400" b="0" i="0" u="none" strike="noStrike" cap="none" dirty="0">
+                <a:solidFill>
+                  <a:schemeClr val="dk1"/>
+                </a:solidFill>
+                <a:latin typeface="Arial"/>
+                <a:ea typeface="Arial"/>
+                <a:cs typeface="Arial"/>
+                <a:sym typeface="Arial"/>
+              </a:rPr>
+              <a:t>1</a:t>
+            </a:r>
+            <a:endParaRPr sz="1400" dirty="0">
+              <a:solidFill>
+                <a:schemeClr val="dk1"/>
+              </a:solidFill>
+              <a:latin typeface="Arial"/>
+              <a:cs typeface="Arial"/>
+              <a:sym typeface="Arial"/>
+            </a:endParaRPr>
+          </a:p>
+        </p:txBody>
+      </p:sp>
+      <p:sp>
+        <p:nvSpPr>
+          <p:cNvPr id="68" name="Raute 67">
+            <a:extLst>
+              <a:ext uri="{FF2B5EF4-FFF2-40B4-BE49-F238E27FC236}">
+                <a16:creationId xmlns:a16="http://schemas.microsoft.com/office/drawing/2014/main" id="{8FC5331C-0875-4FB3-A992-C92BBAD484EB}"/>
+              </a:ext>
+            </a:extLst>
+          </p:cNvPr>
+          <p:cNvSpPr/>
+          <p:nvPr/>
+        </p:nvSpPr>
+        <p:spPr>
+          <a:xfrm rot="16200000" flipH="1">
+            <a:off x="8541298" y="1143633"/>
             <a:ext cx="180001" cy="242545"/>
           </a:xfrm>
           <a:prstGeom prst="diamond">

--- a/Figures.pptx
+++ b/Figures.pptx
@@ -10408,7 +10408,7 @@
                     <a:latin typeface="Arial" panose="020B0604020202020204" pitchFamily="34" charset="0"/>
                     <a:cs typeface="Arial" panose="020B0604020202020204" pitchFamily="34" charset="0"/>
                   </a:rPr>
-                  <a:t>VersionableProperty</a:t>
+                  <a:t>VersionableElement</a:t>
                 </a:r>
                 <a:endParaRPr lang="de-AT" b="1" dirty="0">
                   <a:latin typeface="Arial" panose="020B0604020202020204" pitchFamily="34" charset="0"/>
@@ -11080,50 +11080,6 @@
         </p:cxnSp>
         <p:cxnSp>
           <p:nvCxnSpPr>
-            <p:cNvPr id="28" name="Gerade Verbindung mit Pfeil 27">
-              <a:extLst>
-                <a:ext uri="{FF2B5EF4-FFF2-40B4-BE49-F238E27FC236}">
-                  <a16:creationId xmlns:a16="http://schemas.microsoft.com/office/drawing/2014/main" id="{F7C5860D-BE10-494E-B8EE-DB76CC1C8D5F}"/>
-                </a:ext>
-              </a:extLst>
-            </p:cNvPr>
-            <p:cNvCxnSpPr>
-              <a:cxnSpLocks/>
-            </p:cNvCxnSpPr>
-            <p:nvPr/>
-          </p:nvCxnSpPr>
-          <p:spPr>
-            <a:xfrm>
-              <a:off x="6588807" y="1743342"/>
-              <a:ext cx="0" cy="1278105"/>
-            </a:xfrm>
-            <a:prstGeom prst="straightConnector1">
-              <a:avLst/>
-            </a:prstGeom>
-            <a:ln w="38100">
-              <a:solidFill>
-                <a:schemeClr val="tx1"/>
-              </a:solidFill>
-              <a:tailEnd type="triangle"/>
-            </a:ln>
-          </p:spPr>
-          <p:style>
-            <a:lnRef idx="1">
-              <a:schemeClr val="accent1"/>
-            </a:lnRef>
-            <a:fillRef idx="0">
-              <a:schemeClr val="accent1"/>
-            </a:fillRef>
-            <a:effectRef idx="0">
-              <a:schemeClr val="accent1"/>
-            </a:effectRef>
-            <a:fontRef idx="minor">
-              <a:schemeClr val="tx1"/>
-            </a:fontRef>
-          </p:style>
-        </p:cxnSp>
-        <p:cxnSp>
-          <p:nvCxnSpPr>
             <p:cNvPr id="31" name="Gerade Verbindung mit Pfeil 30">
               <a:extLst>
                 <a:ext uri="{FF2B5EF4-FFF2-40B4-BE49-F238E27FC236}">
@@ -11178,15 +11134,14 @@
             </p:cNvPr>
             <p:cNvCxnSpPr>
               <a:cxnSpLocks/>
-              <a:stCxn id="7" idx="3"/>
               <a:endCxn id="17" idx="0"/>
             </p:cNvCxnSpPr>
             <p:nvPr/>
           </p:nvCxnSpPr>
           <p:spPr>
             <a:xfrm>
-              <a:off x="5230613" y="2187724"/>
-              <a:ext cx="1022195" cy="828687"/>
+              <a:off x="5230612" y="2375416"/>
+              <a:ext cx="1022196" cy="640995"/>
             </a:xfrm>
             <a:prstGeom prst="bentConnector2">
               <a:avLst/>
@@ -11326,6 +11281,95 @@
           </p:txBody>
         </p:sp>
       </p:grpSp>
+      <p:cxnSp>
+        <p:nvCxnSpPr>
+          <p:cNvPr id="23" name="Gerade Verbindung mit Pfeil 22">
+            <a:extLst>
+              <a:ext uri="{FF2B5EF4-FFF2-40B4-BE49-F238E27FC236}">
+                <a16:creationId xmlns:a16="http://schemas.microsoft.com/office/drawing/2014/main" id="{78A7C73F-B2A3-4B9C-99E0-330C2B90219F}"/>
+              </a:ext>
+            </a:extLst>
+          </p:cNvPr>
+          <p:cNvCxnSpPr>
+            <a:cxnSpLocks/>
+          </p:cNvCxnSpPr>
+          <p:nvPr/>
+        </p:nvCxnSpPr>
+        <p:spPr>
+          <a:xfrm>
+            <a:off x="7860792" y="3021106"/>
+            <a:ext cx="0" cy="966016"/>
+          </a:xfrm>
+          <a:prstGeom prst="straightConnector1">
+            <a:avLst/>
+          </a:prstGeom>
+          <a:ln w="38100">
+            <a:solidFill>
+              <a:schemeClr val="tx1"/>
+            </a:solidFill>
+            <a:tailEnd type="triangle"/>
+          </a:ln>
+        </p:spPr>
+        <p:style>
+          <a:lnRef idx="1">
+            <a:schemeClr val="accent1"/>
+          </a:lnRef>
+          <a:fillRef idx="0">
+            <a:schemeClr val="accent1"/>
+          </a:fillRef>
+          <a:effectRef idx="0">
+            <a:schemeClr val="accent1"/>
+          </a:effectRef>
+          <a:fontRef idx="minor">
+            <a:schemeClr val="tx1"/>
+          </a:fontRef>
+        </p:style>
+      </p:cxnSp>
+      <p:cxnSp>
+        <p:nvCxnSpPr>
+          <p:cNvPr id="27" name="Gerade Verbindung mit Pfeil 26">
+            <a:extLst>
+              <a:ext uri="{FF2B5EF4-FFF2-40B4-BE49-F238E27FC236}">
+                <a16:creationId xmlns:a16="http://schemas.microsoft.com/office/drawing/2014/main" id="{46CAB06C-F153-445D-85EE-5D5D42AE2D27}"/>
+              </a:ext>
+            </a:extLst>
+          </p:cNvPr>
+          <p:cNvCxnSpPr>
+            <a:cxnSpLocks/>
+          </p:cNvCxnSpPr>
+          <p:nvPr/>
+        </p:nvCxnSpPr>
+        <p:spPr>
+          <a:xfrm>
+            <a:off x="5486987" y="3040156"/>
+            <a:ext cx="2373805" cy="0"/>
+          </a:xfrm>
+          <a:prstGeom prst="straightConnector1">
+            <a:avLst/>
+          </a:prstGeom>
+          <a:ln w="38100">
+            <a:solidFill>
+              <a:schemeClr val="tx1"/>
+            </a:solidFill>
+            <a:headEnd type="none" w="med" len="med"/>
+            <a:tailEnd type="none" w="med" len="med"/>
+          </a:ln>
+        </p:spPr>
+        <p:style>
+          <a:lnRef idx="1">
+            <a:schemeClr val="accent1"/>
+          </a:lnRef>
+          <a:fillRef idx="0">
+            <a:schemeClr val="accent1"/>
+          </a:fillRef>
+          <a:effectRef idx="0">
+            <a:schemeClr val="accent1"/>
+          </a:effectRef>
+          <a:fontRef idx="minor">
+            <a:schemeClr val="tx1"/>
+          </a:fontRef>
+        </p:style>
+      </p:cxnSp>
     </p:spTree>
     <p:extLst>
       <p:ext uri="{BB962C8B-B14F-4D97-AF65-F5344CB8AC3E}">

--- a/Figures.pptx
+++ b/Figures.pptx
@@ -3371,7 +3371,7 @@
         </p:nvGrpSpPr>
         <p:grpSpPr>
           <a:xfrm>
-            <a:off x="5648988" y="652545"/>
+            <a:off x="5641368" y="652545"/>
             <a:ext cx="1264922" cy="770212"/>
             <a:chOff x="3484880" y="609600"/>
             <a:chExt cx="2529840" cy="805086"/>
@@ -3509,10 +3509,10 @@
         </p:nvGrpSpPr>
         <p:grpSpPr>
           <a:xfrm>
-            <a:off x="5000353" y="5002605"/>
-            <a:ext cx="2056755" cy="1640921"/>
-            <a:chOff x="3484880" y="609600"/>
-            <a:chExt cx="2879997" cy="1331012"/>
+            <a:off x="5000353" y="4354658"/>
+            <a:ext cx="2056755" cy="1458336"/>
+            <a:chOff x="3484880" y="613815"/>
+            <a:chExt cx="2879997" cy="1182912"/>
           </a:xfrm>
         </p:grpSpPr>
         <p:sp>
@@ -3529,8 +3529,8 @@
           </p:nvSpPr>
           <p:spPr>
             <a:xfrm>
-              <a:off x="3484880" y="609600"/>
-              <a:ext cx="2879997" cy="428786"/>
+              <a:off x="3484880" y="613815"/>
+              <a:ext cx="2879997" cy="321145"/>
             </a:xfrm>
             <a:prstGeom prst="rect">
               <a:avLst/>
@@ -3593,8 +3593,8 @@
           </p:nvSpPr>
           <p:spPr>
             <a:xfrm>
-              <a:off x="3484880" y="1038387"/>
-              <a:ext cx="2879997" cy="902225"/>
+              <a:off x="3484880" y="929264"/>
+              <a:ext cx="2879997" cy="867463"/>
             </a:xfrm>
             <a:prstGeom prst="rect">
               <a:avLst/>
@@ -3720,10 +3720,10 @@
         </p:nvGrpSpPr>
         <p:grpSpPr>
           <a:xfrm>
-            <a:off x="8123271" y="5000778"/>
-            <a:ext cx="2056755" cy="1642749"/>
-            <a:chOff x="3484881" y="609600"/>
-            <a:chExt cx="2529840" cy="1120254"/>
+            <a:off x="8123271" y="4347634"/>
+            <a:ext cx="2056755" cy="1214118"/>
+            <a:chOff x="3484881" y="609599"/>
+            <a:chExt cx="2529840" cy="827954"/>
           </a:xfrm>
         </p:grpSpPr>
         <p:sp>
@@ -3740,8 +3740,8 @@
           </p:nvSpPr>
           <p:spPr>
             <a:xfrm>
-              <a:off x="3484881" y="609600"/>
-              <a:ext cx="2529840" cy="428786"/>
+              <a:off x="3484881" y="609599"/>
+              <a:ext cx="2529840" cy="269993"/>
             </a:xfrm>
             <a:prstGeom prst="rect">
               <a:avLst/>
@@ -3804,8 +3804,8 @@
           </p:nvSpPr>
           <p:spPr>
             <a:xfrm>
-              <a:off x="3484881" y="1038385"/>
-              <a:ext cx="2529840" cy="691469"/>
+              <a:off x="3484881" y="884393"/>
+              <a:ext cx="2529840" cy="553160"/>
             </a:xfrm>
             <a:prstGeom prst="rect">
               <a:avLst/>
@@ -3948,7 +3948,7 @@
                 <a:latin typeface="Arial" panose="020B0604020202020204" pitchFamily="34" charset="0"/>
                 <a:cs typeface="Arial" panose="020B0604020202020204" pitchFamily="34" charset="0"/>
               </a:rPr>
-              <a:t>[1..1] </a:t>
+              <a:t>[1] </a:t>
             </a:r>
             <a:r>
               <a:rPr lang="de-AT" sz="1400" dirty="0" err="1">
@@ -3978,10 +3978,10 @@
         </p:nvGrpSpPr>
         <p:grpSpPr>
           <a:xfrm>
-            <a:off x="2996923" y="5002605"/>
-            <a:ext cx="1656482" cy="1640922"/>
+            <a:off x="2996923" y="4349463"/>
+            <a:ext cx="1656482" cy="1463533"/>
             <a:chOff x="3484880" y="609600"/>
-            <a:chExt cx="2529840" cy="1715221"/>
+            <a:chExt cx="2529840" cy="1529800"/>
           </a:xfrm>
         </p:grpSpPr>
         <p:sp>
@@ -4063,7 +4063,7 @@
           <p:spPr>
             <a:xfrm>
               <a:off x="3484880" y="1038386"/>
-              <a:ext cx="2529840" cy="1286435"/>
+              <a:ext cx="2529840" cy="1101014"/>
             </a:xfrm>
             <a:prstGeom prst="rect">
               <a:avLst/>
@@ -4182,10 +4182,10 @@
         </p:nvGrpSpPr>
         <p:grpSpPr>
           <a:xfrm>
-            <a:off x="108911" y="5023681"/>
-            <a:ext cx="2677152" cy="1619846"/>
-            <a:chOff x="3484880" y="609600"/>
-            <a:chExt cx="2529840" cy="1693191"/>
+            <a:off x="108911" y="4315054"/>
+            <a:ext cx="2677152" cy="1661043"/>
+            <a:chOff x="3484880" y="551603"/>
+            <a:chExt cx="2529840" cy="1736253"/>
           </a:xfrm>
         </p:grpSpPr>
         <p:sp>
@@ -4202,8 +4202,8 @@
           </p:nvSpPr>
           <p:spPr>
             <a:xfrm>
-              <a:off x="3484880" y="609600"/>
-              <a:ext cx="2529840" cy="428786"/>
+              <a:off x="3484880" y="551603"/>
+              <a:ext cx="2529840" cy="464753"/>
             </a:xfrm>
             <a:prstGeom prst="rect">
               <a:avLst/>
@@ -4262,7 +4262,7 @@
           </p:nvSpPr>
           <p:spPr>
             <a:xfrm>
-              <a:off x="3484880" y="1038385"/>
+              <a:off x="3484880" y="1023450"/>
               <a:ext cx="2529840" cy="1264406"/>
             </a:xfrm>
             <a:prstGeom prst="rect">
@@ -4401,7 +4401,7 @@
         </p:nvSpPr>
         <p:spPr>
           <a:xfrm rot="168924" flipH="1">
-            <a:off x="6191449" y="1494741"/>
+            <a:off x="6199068" y="1422405"/>
             <a:ext cx="180000" cy="252000"/>
           </a:xfrm>
           <a:prstGeom prst="diamond">
@@ -4458,8 +4458,8 @@
         </p:nvCxnSpPr>
         <p:spPr>
           <a:xfrm rot="5400000" flipH="1" flipV="1">
-            <a:off x="5491165" y="4212321"/>
-            <a:ext cx="1327851" cy="252718"/>
+            <a:off x="5488567" y="3561776"/>
+            <a:ext cx="1333046" cy="252718"/>
           </a:xfrm>
           <a:prstGeom prst="bentConnector3">
             <a:avLst>
@@ -4495,9 +4495,9 @@
           <p:nvPr/>
         </p:nvCxnSpPr>
         <p:spPr>
-          <a:xfrm rot="16200000" flipH="1">
-            <a:off x="5699378" y="2322470"/>
-            <a:ext cx="1157953" cy="6189"/>
+          <a:xfrm rot="5400000">
+            <a:off x="5993591" y="1962111"/>
+            <a:ext cx="577147" cy="1430"/>
           </a:xfrm>
           <a:prstGeom prst="bentConnector3">
             <a:avLst>
@@ -4530,7 +4530,7 @@
         </p:nvGrpSpPr>
         <p:grpSpPr>
           <a:xfrm>
-            <a:off x="5151930" y="2904542"/>
+            <a:off x="5151930" y="2251400"/>
             <a:ext cx="2259037" cy="770212"/>
             <a:chOff x="3484880" y="609600"/>
             <a:chExt cx="2529840" cy="805086"/>
@@ -4672,10 +4672,10 @@
         </p:nvGrpSpPr>
         <p:grpSpPr>
           <a:xfrm>
-            <a:off x="2666364" y="97476"/>
-            <a:ext cx="1950801" cy="1859046"/>
+            <a:off x="2551634" y="57150"/>
+            <a:ext cx="1950801" cy="1151839"/>
             <a:chOff x="3484880" y="609600"/>
-            <a:chExt cx="2529840" cy="1943222"/>
+            <a:chExt cx="2529840" cy="1203994"/>
           </a:xfrm>
         </p:grpSpPr>
         <p:sp>
@@ -4756,8 +4756,8 @@
           </p:nvSpPr>
           <p:spPr>
             <a:xfrm>
-              <a:off x="3484880" y="1038385"/>
-              <a:ext cx="2529840" cy="1514437"/>
+              <a:off x="3484880" y="1023451"/>
+              <a:ext cx="2529840" cy="790143"/>
             </a:xfrm>
             <a:prstGeom prst="rect">
               <a:avLst/>
@@ -4867,10 +4867,10 @@
         </p:nvGrpSpPr>
         <p:grpSpPr>
           <a:xfrm>
-            <a:off x="116708" y="675115"/>
-            <a:ext cx="1578362" cy="1135283"/>
+            <a:off x="48339" y="104212"/>
+            <a:ext cx="1578362" cy="1106707"/>
             <a:chOff x="3484880" y="609600"/>
-            <a:chExt cx="2529840" cy="731494"/>
+            <a:chExt cx="2529840" cy="713082"/>
           </a:xfrm>
         </p:grpSpPr>
         <p:sp>
@@ -4947,7 +4947,7 @@
           </p:nvSpPr>
           <p:spPr>
             <a:xfrm>
-              <a:off x="3484880" y="854037"/>
+              <a:off x="3484880" y="835625"/>
               <a:ext cx="2529840" cy="487057"/>
             </a:xfrm>
             <a:prstGeom prst="rect">
@@ -5069,7 +5069,7 @@
         </p:nvCxnSpPr>
         <p:spPr>
           <a:xfrm rot="16200000" flipH="1" flipV="1">
-            <a:off x="5862666" y="438867"/>
+            <a:off x="5855046" y="438867"/>
             <a:ext cx="205106" cy="632461"/>
           </a:xfrm>
           <a:prstGeom prst="bentConnector4">
@@ -5104,10 +5104,10 @@
         </p:nvGrpSpPr>
         <p:grpSpPr>
           <a:xfrm>
-            <a:off x="10442615" y="4993508"/>
-            <a:ext cx="1640474" cy="930706"/>
-            <a:chOff x="3484880" y="609600"/>
-            <a:chExt cx="2879997" cy="754930"/>
+            <a:off x="10442615" y="4347483"/>
+            <a:ext cx="1640474" cy="809285"/>
+            <a:chOff x="3484880" y="615373"/>
+            <a:chExt cx="2879997" cy="656441"/>
           </a:xfrm>
         </p:grpSpPr>
         <p:sp>
@@ -5124,8 +5124,8 @@
           </p:nvSpPr>
           <p:spPr>
             <a:xfrm>
-              <a:off x="3484880" y="609600"/>
-              <a:ext cx="2879997" cy="428786"/>
+              <a:off x="3484880" y="615373"/>
+              <a:ext cx="2879997" cy="332863"/>
             </a:xfrm>
             <a:prstGeom prst="rect">
               <a:avLst/>
@@ -5188,7 +5188,7 @@
           </p:nvSpPr>
           <p:spPr>
             <a:xfrm>
-              <a:off x="3484880" y="1048278"/>
+              <a:off x="3484880" y="955562"/>
               <a:ext cx="2879997" cy="316252"/>
             </a:xfrm>
             <a:prstGeom prst="rect">
@@ -5303,8 +5303,8 @@
         </p:nvCxnSpPr>
         <p:spPr>
           <a:xfrm rot="16200000" flipV="1">
-            <a:off x="7020453" y="751109"/>
-            <a:ext cx="4135857" cy="4348942"/>
+            <a:off x="7339655" y="424286"/>
+            <a:ext cx="3489832" cy="4356562"/>
           </a:xfrm>
           <a:prstGeom prst="bentConnector2">
             <a:avLst/>
@@ -5354,7 +5354,7 @@
                 <a:latin typeface="Arial" panose="020B0604020202020204" pitchFamily="34" charset="0"/>
                 <a:cs typeface="Arial" panose="020B0604020202020204" pitchFamily="34" charset="0"/>
               </a:rPr>
-              <a:t>[1..1] </a:t>
+              <a:t>[1] </a:t>
             </a:r>
             <a:r>
               <a:rPr lang="de-AT" sz="1400" dirty="0" err="1">
@@ -5382,14 +5382,13 @@
           <p:cNvCxnSpPr>
             <a:cxnSpLocks/>
             <a:stCxn id="22" idx="1"/>
-            <a:endCxn id="19" idx="3"/>
           </p:cNvCxnSpPr>
           <p:nvPr/>
         </p:nvCxnSpPr>
         <p:spPr>
-          <a:xfrm rot="10800000">
-            <a:off x="7057109" y="6087378"/>
-            <a:ext cx="1066163" cy="49162"/>
+          <a:xfrm rot="10800000" flipV="1">
+            <a:off x="7086601" y="5156174"/>
+            <a:ext cx="1036671" cy="934"/>
           </a:xfrm>
           <a:prstGeom prst="bentConnector3">
             <a:avLst>
@@ -5422,7 +5421,7 @@
         </p:nvSpPr>
         <p:spPr>
           <a:xfrm>
-            <a:off x="6942052" y="5266587"/>
+            <a:off x="7178756" y="4632954"/>
             <a:ext cx="1363851" cy="523220"/>
           </a:xfrm>
           <a:prstGeom prst="rect">
@@ -5476,8 +5475,8 @@
         </p:nvCxnSpPr>
         <p:spPr>
           <a:xfrm rot="16200000" flipV="1">
-            <a:off x="6153770" y="2002898"/>
-            <a:ext cx="3758021" cy="2237739"/>
+            <a:off x="6476532" y="1672516"/>
+            <a:ext cx="3104877" cy="2245359"/>
           </a:xfrm>
           <a:prstGeom prst="bentConnector2">
             <a:avLst/>
@@ -5508,7 +5507,7 @@
         </p:nvSpPr>
         <p:spPr>
           <a:xfrm>
-            <a:off x="6335095" y="2535385"/>
+            <a:off x="6335095" y="1882243"/>
             <a:ext cx="1810837" cy="307777"/>
           </a:xfrm>
           <a:prstGeom prst="rect">
@@ -5561,8 +5560,8 @@
         </p:nvCxnSpPr>
         <p:spPr>
           <a:xfrm rot="16200000" flipV="1">
-            <a:off x="7053537" y="2902666"/>
-            <a:ext cx="1326024" cy="2870200"/>
+            <a:off x="7053538" y="2249523"/>
+            <a:ext cx="1326022" cy="2870200"/>
           </a:xfrm>
           <a:prstGeom prst="bentConnector3">
             <a:avLst>
@@ -5599,7 +5598,7 @@
         </p:nvCxnSpPr>
         <p:spPr>
           <a:xfrm rot="5400000" flipH="1" flipV="1">
-            <a:off x="4389381" y="3110538"/>
+            <a:off x="4389381" y="2457396"/>
             <a:ext cx="1327851" cy="2456285"/>
           </a:xfrm>
           <a:prstGeom prst="bentConnector3">
@@ -5645,8 +5644,8 @@
         </p:nvCxnSpPr>
         <p:spPr>
           <a:xfrm rot="5400000" flipH="1" flipV="1">
-            <a:off x="3190005" y="1932237"/>
-            <a:ext cx="1348927" cy="4833962"/>
+            <a:off x="3217747" y="1251352"/>
+            <a:ext cx="1293442" cy="4833962"/>
           </a:xfrm>
           <a:prstGeom prst="bentConnector3">
             <a:avLst>
@@ -5679,7 +5678,7 @@
         </p:nvSpPr>
         <p:spPr>
           <a:xfrm rot="5400000" flipH="1">
-            <a:off x="2456793" y="1306442"/>
+            <a:off x="2322601" y="709145"/>
             <a:ext cx="180000" cy="252000"/>
           </a:xfrm>
           <a:prstGeom prst="diamond">
@@ -5711,7 +5710,7 @@
           <a:lstStyle/>
           <a:p>
             <a:pPr algn="ctr"/>
-            <a:endParaRPr lang="de-AT">
+            <a:endParaRPr lang="de-AT" dirty="0">
               <a:latin typeface="Arial" panose="020B0604020202020204" pitchFamily="34" charset="0"/>
               <a:cs typeface="Arial" panose="020B0604020202020204" pitchFamily="34" charset="0"/>
             </a:endParaRPr>
@@ -5736,8 +5735,8 @@
         </p:nvCxnSpPr>
         <p:spPr>
           <a:xfrm rot="10800000">
-            <a:off x="1695071" y="1432442"/>
-            <a:ext cx="725723" cy="1"/>
+            <a:off x="1626701" y="832963"/>
+            <a:ext cx="659900" cy="2183"/>
           </a:xfrm>
           <a:prstGeom prst="bentConnector3">
             <a:avLst>
@@ -5770,7 +5769,7 @@
         </p:nvSpPr>
         <p:spPr>
           <a:xfrm>
-            <a:off x="1771081" y="1044814"/>
+            <a:off x="4608419" y="501285"/>
             <a:ext cx="1058790" cy="307777"/>
           </a:xfrm>
           <a:prstGeom prst="rect">
@@ -5803,13 +5802,8 @@
           <a:p>
             <a:r>
               <a:rPr lang="de-AT" dirty="0"/>
-              <a:t>[1..1] </a:t>
-            </a:r>
-            <a:r>
-              <a:rPr lang="de-AT" dirty="0" err="1"/>
-              <a:t>id</a:t>
-            </a:r>
-            <a:endParaRPr lang="de-AT" dirty="0"/>
+              <a:t>[1]</a:t>
+            </a:r>
           </a:p>
         </p:txBody>
       </p:sp>
@@ -5831,8 +5825,8 @@
         </p:nvCxnSpPr>
         <p:spPr>
           <a:xfrm rot="10800000">
-            <a:off x="3641766" y="1956522"/>
-            <a:ext cx="1510165" cy="1538232"/>
+            <a:off x="3527036" y="1208990"/>
+            <a:ext cx="1624895" cy="1632623"/>
           </a:xfrm>
           <a:prstGeom prst="bentConnector2">
             <a:avLst/>
@@ -5860,15 +5854,15 @@
           </p:cNvPr>
           <p:cNvCxnSpPr>
             <a:cxnSpLocks/>
-            <a:stCxn id="10" idx="1"/>
+            <a:stCxn id="70" idx="3"/>
             <a:endCxn id="46" idx="3"/>
           </p:cNvCxnSpPr>
           <p:nvPr/>
         </p:nvCxnSpPr>
         <p:spPr>
           <a:xfrm rot="10800000">
-            <a:off x="4617166" y="1232105"/>
-            <a:ext cx="1031823" cy="10652"/>
+            <a:off x="4502436" y="831032"/>
+            <a:ext cx="881795" cy="429202"/>
           </a:xfrm>
           <a:prstGeom prst="bentConnector3">
             <a:avLst>
@@ -5958,8 +5952,8 @@
         </p:nvCxnSpPr>
         <p:spPr>
           <a:xfrm rot="16200000" flipV="1">
-            <a:off x="8112774" y="1843429"/>
-            <a:ext cx="1318754" cy="4981403"/>
+            <a:off x="8109216" y="1193846"/>
+            <a:ext cx="1325871" cy="4981403"/>
           </a:xfrm>
           <a:prstGeom prst="bentConnector3">
             <a:avLst>
@@ -5992,7 +5986,7 @@
         </p:nvSpPr>
         <p:spPr>
           <a:xfrm flipH="1">
-            <a:off x="6169859" y="3627537"/>
+            <a:off x="6169859" y="2974395"/>
             <a:ext cx="200700" cy="177300"/>
           </a:xfrm>
           <a:prstGeom prst="triangle">
@@ -6045,6 +6039,156 @@
               <a:cs typeface="Arial"/>
               <a:sym typeface="Arial"/>
             </a:endParaRPr>
+          </a:p>
+        </p:txBody>
+      </p:sp>
+      <p:sp>
+        <p:nvSpPr>
+          <p:cNvPr id="56" name="Gefaltete Ecke 30">
+            <a:extLst>
+              <a:ext uri="{FF2B5EF4-FFF2-40B4-BE49-F238E27FC236}">
+                <a16:creationId xmlns:a16="http://schemas.microsoft.com/office/drawing/2014/main" id="{4CBE9C01-55B5-40EE-B957-8A77062F3119}"/>
+              </a:ext>
+            </a:extLst>
+          </p:cNvPr>
+          <p:cNvSpPr/>
+          <p:nvPr/>
+        </p:nvSpPr>
+        <p:spPr bwMode="auto">
+          <a:xfrm rot="16200000">
+            <a:off x="10176819" y="172364"/>
+            <a:ext cx="246221" cy="414448"/>
+          </a:xfrm>
+          <a:prstGeom prst="foldedCorner">
+            <a:avLst>
+              <a:gd name="adj" fmla="val 26983"/>
+            </a:avLst>
+          </a:prstGeom>
+          <a:solidFill>
+            <a:srgbClr val="FFFFFF"/>
+          </a:solidFill>
+          <a:ln w="9525" cap="flat" cmpd="sng" algn="ctr">
+            <a:solidFill>
+              <a:srgbClr val="000000"/>
+            </a:solidFill>
+            <a:prstDash val="solid"/>
+          </a:ln>
+          <a:effectLst/>
+        </p:spPr>
+        <p:txBody>
+          <a:bodyPr vert="vert" wrap="square" lIns="0" tIns="0" rIns="0" bIns="0" rtlCol="0" anchor="ctr">
+            <a:spAutoFit/>
+          </a:bodyPr>
+          <a:lstStyle/>
+          <a:p>
+            <a:pPr marL="0" marR="0" lvl="0" indent="0" algn="ctr" defTabSz="914400" eaLnBrk="1" fontAlgn="base" latinLnBrk="0" hangingPunct="1">
+              <a:lnSpc>
+                <a:spcPct val="100000"/>
+              </a:lnSpc>
+              <a:spcBef>
+                <a:spcPct val="0"/>
+              </a:spcBef>
+              <a:spcAft>
+                <a:spcPct val="0"/>
+              </a:spcAft>
+              <a:buClrTx/>
+              <a:buSzTx/>
+              <a:buFontTx/>
+              <a:buNone/>
+              <a:tabLst/>
+              <a:defRPr/>
+            </a:pPr>
+            <a:r>
+              <a:rPr kumimoji="0" lang="de-DE" sz="1000" b="0" i="0" u="none" strike="noStrike" kern="0" cap="none" spc="0" normalizeH="0" baseline="0" noProof="0" dirty="0">
+                <a:ln>
+                  <a:noFill/>
+                </a:ln>
+                <a:solidFill>
+                  <a:srgbClr val="000000"/>
+                </a:solidFill>
+                <a:effectLst/>
+                <a:uLnTx/>
+                <a:uFillTx/>
+                <a:latin typeface="Arial"/>
+                <a:ea typeface="+mn-ea"/>
+                <a:cs typeface="+mn-cs"/>
+              </a:rPr>
+              <a:t> </a:t>
+            </a:r>
+            <a:r>
+              <a:rPr kumimoji="0" lang="de-DE" sz="1600" b="0" i="0" u="none" strike="noStrike" kern="0" cap="none" spc="0" normalizeH="0" baseline="0" noProof="0" dirty="0">
+                <a:ln>
+                  <a:noFill/>
+                </a:ln>
+                <a:solidFill>
+                  <a:srgbClr val="000000"/>
+                </a:solidFill>
+                <a:effectLst/>
+                <a:uLnTx/>
+                <a:uFillTx/>
+                <a:latin typeface="Arial"/>
+                <a:ea typeface="+mn-ea"/>
+                <a:cs typeface="+mn-cs"/>
+              </a:rPr>
+              <a:t>CD</a:t>
+            </a:r>
+          </a:p>
+        </p:txBody>
+      </p:sp>
+      <p:sp>
+        <p:nvSpPr>
+          <p:cNvPr id="66" name="Textfeld 65">
+            <a:extLst>
+              <a:ext uri="{FF2B5EF4-FFF2-40B4-BE49-F238E27FC236}">
+                <a16:creationId xmlns:a16="http://schemas.microsoft.com/office/drawing/2014/main" id="{623DA8FC-B6A5-4324-B8DB-F70D3FDE3A4E}"/>
+              </a:ext>
+            </a:extLst>
+          </p:cNvPr>
+          <p:cNvSpPr txBox="1"/>
+          <p:nvPr/>
+        </p:nvSpPr>
+        <p:spPr>
+          <a:xfrm>
+            <a:off x="1700319" y="525014"/>
+            <a:ext cx="1058790" cy="307777"/>
+          </a:xfrm>
+          <a:prstGeom prst="rect">
+            <a:avLst/>
+          </a:prstGeom>
+          <a:noFill/>
+          <a:ln w="12700" cap="flat" cmpd="sng">
+            <a:noFill/>
+            <a:prstDash val="solid"/>
+            <a:miter lim="800000"/>
+            <a:headEnd type="none" w="sm" len="sm"/>
+            <a:tailEnd type="triangle" w="lg" len="lg"/>
+          </a:ln>
+        </p:spPr>
+        <p:txBody>
+          <a:bodyPr wrap="square" rtlCol="0">
+            <a:spAutoFit/>
+          </a:bodyPr>
+          <a:lstStyle>
+            <a:defPPr>
+              <a:defRPr lang="de-DE"/>
+            </a:defPPr>
+            <a:lvl1pPr>
+              <a:defRPr sz="1400">
+                <a:latin typeface="Arial" panose="020B0604020202020204" pitchFamily="34" charset="0"/>
+                <a:cs typeface="Arial" panose="020B0604020202020204" pitchFamily="34" charset="0"/>
+              </a:defRPr>
+            </a:lvl1pPr>
+          </a:lstStyle>
+          <a:p>
+            <a:r>
+              <a:rPr lang="de-AT" dirty="0"/>
+              <a:t>[1] </a:t>
+            </a:r>
+            <a:r>
+              <a:rPr lang="de-AT" dirty="0" err="1"/>
+              <a:t>id</a:t>
+            </a:r>
+            <a:endParaRPr lang="de-AT" dirty="0"/>
           </a:p>
         </p:txBody>
       </p:sp>
@@ -11275,7 +11419,7 @@
                   <a:latin typeface="Arial" panose="020B0604020202020204" pitchFamily="34" charset="0"/>
                   <a:cs typeface="Arial" panose="020B0604020202020204" pitchFamily="34" charset="0"/>
                 </a:rPr>
-                <a:t>Profil UML_DTDL</a:t>
+                <a:t>Profile UML_DTDL</a:t>
               </a:r>
             </a:p>
           </p:txBody>

--- a/Figures.pptx
+++ b/Figures.pptx
@@ -17,6 +17,10 @@
     <p:sldId id="258" r:id="rId11"/>
     <p:sldId id="265" r:id="rId12"/>
     <p:sldId id="267" r:id="rId13"/>
+    <p:sldId id="269" r:id="rId14"/>
+    <p:sldId id="273" r:id="rId15"/>
+    <p:sldId id="274" r:id="rId16"/>
+    <p:sldId id="275" r:id="rId17"/>
   </p:sldIdLst>
   <p:sldSz cx="12192000" cy="6858000"/>
   <p:notesSz cx="6858000" cy="9144000"/>
@@ -272,7 +276,7 @@
           <a:p>
             <a:fld id="{221DF790-08EF-4309-8C7D-573F11C98FD5}" type="datetimeFigureOut">
               <a:rPr lang="de-AT" smtClean="0"/>
-              <a:t>16.02.2022</a:t>
+              <a:t>17.02.2022</a:t>
             </a:fld>
             <a:endParaRPr lang="de-AT"/>
           </a:p>
@@ -472,7 +476,7 @@
           <a:p>
             <a:fld id="{221DF790-08EF-4309-8C7D-573F11C98FD5}" type="datetimeFigureOut">
               <a:rPr lang="de-AT" smtClean="0"/>
-              <a:t>16.02.2022</a:t>
+              <a:t>17.02.2022</a:t>
             </a:fld>
             <a:endParaRPr lang="de-AT"/>
           </a:p>
@@ -682,7 +686,7 @@
           <a:p>
             <a:fld id="{221DF790-08EF-4309-8C7D-573F11C98FD5}" type="datetimeFigureOut">
               <a:rPr lang="de-AT" smtClean="0"/>
-              <a:t>16.02.2022</a:t>
+              <a:t>17.02.2022</a:t>
             </a:fld>
             <a:endParaRPr lang="de-AT"/>
           </a:p>
@@ -882,7 +886,7 @@
           <a:p>
             <a:fld id="{221DF790-08EF-4309-8C7D-573F11C98FD5}" type="datetimeFigureOut">
               <a:rPr lang="de-AT" smtClean="0"/>
-              <a:t>16.02.2022</a:t>
+              <a:t>17.02.2022</a:t>
             </a:fld>
             <a:endParaRPr lang="de-AT"/>
           </a:p>
@@ -1158,7 +1162,7 @@
           <a:p>
             <a:fld id="{221DF790-08EF-4309-8C7D-573F11C98FD5}" type="datetimeFigureOut">
               <a:rPr lang="de-AT" smtClean="0"/>
-              <a:t>16.02.2022</a:t>
+              <a:t>17.02.2022</a:t>
             </a:fld>
             <a:endParaRPr lang="de-AT"/>
           </a:p>
@@ -1426,7 +1430,7 @@
           <a:p>
             <a:fld id="{221DF790-08EF-4309-8C7D-573F11C98FD5}" type="datetimeFigureOut">
               <a:rPr lang="de-AT" smtClean="0"/>
-              <a:t>16.02.2022</a:t>
+              <a:t>17.02.2022</a:t>
             </a:fld>
             <a:endParaRPr lang="de-AT"/>
           </a:p>
@@ -1841,7 +1845,7 @@
           <a:p>
             <a:fld id="{221DF790-08EF-4309-8C7D-573F11C98FD5}" type="datetimeFigureOut">
               <a:rPr lang="de-AT" smtClean="0"/>
-              <a:t>16.02.2022</a:t>
+              <a:t>17.02.2022</a:t>
             </a:fld>
             <a:endParaRPr lang="de-AT"/>
           </a:p>
@@ -1983,7 +1987,7 @@
           <a:p>
             <a:fld id="{221DF790-08EF-4309-8C7D-573F11C98FD5}" type="datetimeFigureOut">
               <a:rPr lang="de-AT" smtClean="0"/>
-              <a:t>16.02.2022</a:t>
+              <a:t>17.02.2022</a:t>
             </a:fld>
             <a:endParaRPr lang="de-AT"/>
           </a:p>
@@ -2096,7 +2100,7 @@
           <a:p>
             <a:fld id="{221DF790-08EF-4309-8C7D-573F11C98FD5}" type="datetimeFigureOut">
               <a:rPr lang="de-AT" smtClean="0"/>
-              <a:t>16.02.2022</a:t>
+              <a:t>17.02.2022</a:t>
             </a:fld>
             <a:endParaRPr lang="de-AT"/>
           </a:p>
@@ -2409,7 +2413,7 @@
           <a:p>
             <a:fld id="{221DF790-08EF-4309-8C7D-573F11C98FD5}" type="datetimeFigureOut">
               <a:rPr lang="de-AT" smtClean="0"/>
-              <a:t>16.02.2022</a:t>
+              <a:t>17.02.2022</a:t>
             </a:fld>
             <a:endParaRPr lang="de-AT"/>
           </a:p>
@@ -2698,7 +2702,7 @@
           <a:p>
             <a:fld id="{221DF790-08EF-4309-8C7D-573F11C98FD5}" type="datetimeFigureOut">
               <a:rPr lang="de-AT" smtClean="0"/>
-              <a:t>16.02.2022</a:t>
+              <a:t>17.02.2022</a:t>
             </a:fld>
             <a:endParaRPr lang="de-AT"/>
           </a:p>
@@ -2941,7 +2945,7 @@
           <a:p>
             <a:fld id="{221DF790-08EF-4309-8C7D-573F11C98FD5}" type="datetimeFigureOut">
               <a:rPr lang="de-AT" smtClean="0"/>
-              <a:t>16.02.2022</a:t>
+              <a:t>17.02.2022</a:t>
             </a:fld>
             <a:endParaRPr lang="de-AT"/>
           </a:p>
@@ -13738,6 +13742,3971 @@
     <p:extLst>
       <p:ext uri="{BB962C8B-B14F-4D97-AF65-F5344CB8AC3E}">
         <p14:creationId xmlns:p14="http://schemas.microsoft.com/office/powerpoint/2010/main" val="1635638286"/>
+      </p:ext>
+    </p:extLst>
+  </p:cSld>
+  <p:clrMapOvr>
+    <a:masterClrMapping/>
+  </p:clrMapOvr>
+</p:sld>
+</file>
+
+<file path=ppt/slides/slide13.xml><?xml version="1.0" encoding="utf-8"?>
+<p:sld xmlns:a="http://schemas.openxmlformats.org/drawingml/2006/main" xmlns:r="http://schemas.openxmlformats.org/officeDocument/2006/relationships" xmlns:p="http://schemas.openxmlformats.org/presentationml/2006/main">
+  <p:cSld>
+    <p:spTree>
+      <p:nvGrpSpPr>
+        <p:cNvPr id="1" name=""/>
+        <p:cNvGrpSpPr/>
+        <p:nvPr/>
+      </p:nvGrpSpPr>
+      <p:grpSpPr>
+        <a:xfrm>
+          <a:off x="0" y="0"/>
+          <a:ext cx="0" cy="0"/>
+          <a:chOff x="0" y="0"/>
+          <a:chExt cx="0" cy="0"/>
+        </a:xfrm>
+      </p:grpSpPr>
+      <p:grpSp>
+        <p:nvGrpSpPr>
+          <p:cNvPr id="12" name="Gruppieren 11">
+            <a:extLst>
+              <a:ext uri="{FF2B5EF4-FFF2-40B4-BE49-F238E27FC236}">
+                <a16:creationId xmlns:a16="http://schemas.microsoft.com/office/drawing/2014/main" id="{32B4F8BC-1F44-4B79-88D0-95D0B42CE0B3}"/>
+              </a:ext>
+            </a:extLst>
+          </p:cNvPr>
+          <p:cNvGrpSpPr/>
+          <p:nvPr/>
+        </p:nvGrpSpPr>
+        <p:grpSpPr>
+          <a:xfrm>
+            <a:off x="4370778" y="304548"/>
+            <a:ext cx="4320000" cy="4320000"/>
+            <a:chOff x="4460689" y="159014"/>
+            <a:chExt cx="4320000" cy="4320000"/>
+          </a:xfrm>
+        </p:grpSpPr>
+        <p:sp>
+          <p:nvSpPr>
+            <p:cNvPr id="3" name="Ellipse 2">
+              <a:extLst>
+                <a:ext uri="{FF2B5EF4-FFF2-40B4-BE49-F238E27FC236}">
+                  <a16:creationId xmlns:a16="http://schemas.microsoft.com/office/drawing/2014/main" id="{EDD5EAF0-05E4-4852-9F51-FED43F2440B6}"/>
+                </a:ext>
+              </a:extLst>
+            </p:cNvPr>
+            <p:cNvSpPr/>
+            <p:nvPr/>
+          </p:nvSpPr>
+          <p:spPr>
+            <a:xfrm>
+              <a:off x="4460689" y="159014"/>
+              <a:ext cx="4320000" cy="4320000"/>
+            </a:xfrm>
+            <a:prstGeom prst="ellipse">
+              <a:avLst/>
+            </a:prstGeom>
+            <a:solidFill>
+              <a:schemeClr val="accent4">
+                <a:alpha val="50000"/>
+              </a:schemeClr>
+            </a:solidFill>
+          </p:spPr>
+          <p:style>
+            <a:lnRef idx="2">
+              <a:schemeClr val="accent4">
+                <a:shade val="50000"/>
+              </a:schemeClr>
+            </a:lnRef>
+            <a:fillRef idx="1">
+              <a:schemeClr val="accent4"/>
+            </a:fillRef>
+            <a:effectRef idx="0">
+              <a:schemeClr val="accent4"/>
+            </a:effectRef>
+            <a:fontRef idx="minor">
+              <a:schemeClr val="lt1"/>
+            </a:fontRef>
+          </p:style>
+          <p:txBody>
+            <a:bodyPr rtlCol="0" anchor="ctr"/>
+            <a:lstStyle/>
+            <a:p>
+              <a:pPr algn="ctr"/>
+              <a:endParaRPr lang="en-US"/>
+            </a:p>
+          </p:txBody>
+        </p:sp>
+        <p:sp>
+          <p:nvSpPr>
+            <p:cNvPr id="5" name="Textfeld 4">
+              <a:extLst>
+                <a:ext uri="{FF2B5EF4-FFF2-40B4-BE49-F238E27FC236}">
+                  <a16:creationId xmlns:a16="http://schemas.microsoft.com/office/drawing/2014/main" id="{25FD82D3-2C4D-4B0A-A3BC-6C585E89E6C6}"/>
+                </a:ext>
+              </a:extLst>
+            </p:cNvPr>
+            <p:cNvSpPr txBox="1"/>
+            <p:nvPr/>
+          </p:nvSpPr>
+          <p:spPr>
+            <a:xfrm>
+              <a:off x="5839639" y="292376"/>
+              <a:ext cx="1562100" cy="400110"/>
+            </a:xfrm>
+            <a:prstGeom prst="rect">
+              <a:avLst/>
+            </a:prstGeom>
+            <a:noFill/>
+          </p:spPr>
+          <p:txBody>
+            <a:bodyPr wrap="square" rtlCol="0">
+              <a:spAutoFit/>
+            </a:bodyPr>
+            <a:lstStyle/>
+            <a:p>
+              <a:pPr algn="ctr"/>
+              <a:r>
+                <a:rPr lang="en-US" sz="2000" b="1" dirty="0"/>
+                <a:t>DTDL-MM</a:t>
+              </a:r>
+            </a:p>
+          </p:txBody>
+        </p:sp>
+      </p:grpSp>
+      <p:grpSp>
+        <p:nvGrpSpPr>
+          <p:cNvPr id="10" name="Gruppieren 9">
+            <a:extLst>
+              <a:ext uri="{FF2B5EF4-FFF2-40B4-BE49-F238E27FC236}">
+                <a16:creationId xmlns:a16="http://schemas.microsoft.com/office/drawing/2014/main" id="{9BBF7198-B69E-4AF6-AB1E-D5DFE651C0B5}"/>
+              </a:ext>
+            </a:extLst>
+          </p:cNvPr>
+          <p:cNvGrpSpPr/>
+          <p:nvPr/>
+        </p:nvGrpSpPr>
+        <p:grpSpPr>
+          <a:xfrm>
+            <a:off x="3289221" y="2233452"/>
+            <a:ext cx="4320000" cy="4320000"/>
+            <a:chOff x="2892360" y="2378986"/>
+            <a:chExt cx="4320000" cy="4320000"/>
+          </a:xfrm>
+        </p:grpSpPr>
+        <p:sp>
+          <p:nvSpPr>
+            <p:cNvPr id="2" name="Ellipse 1">
+              <a:extLst>
+                <a:ext uri="{FF2B5EF4-FFF2-40B4-BE49-F238E27FC236}">
+                  <a16:creationId xmlns:a16="http://schemas.microsoft.com/office/drawing/2014/main" id="{499A0BE2-9610-4013-B491-A19F39EE399B}"/>
+                </a:ext>
+              </a:extLst>
+            </p:cNvPr>
+            <p:cNvSpPr/>
+            <p:nvPr/>
+          </p:nvSpPr>
+          <p:spPr>
+            <a:xfrm>
+              <a:off x="2892360" y="2378986"/>
+              <a:ext cx="4320000" cy="4320000"/>
+            </a:xfrm>
+            <a:prstGeom prst="ellipse">
+              <a:avLst/>
+            </a:prstGeom>
+            <a:solidFill>
+              <a:schemeClr val="accent1">
+                <a:alpha val="50000"/>
+              </a:schemeClr>
+            </a:solidFill>
+          </p:spPr>
+          <p:style>
+            <a:lnRef idx="2">
+              <a:schemeClr val="accent1">
+                <a:shade val="50000"/>
+              </a:schemeClr>
+            </a:lnRef>
+            <a:fillRef idx="1">
+              <a:schemeClr val="accent1"/>
+            </a:fillRef>
+            <a:effectRef idx="0">
+              <a:schemeClr val="accent1"/>
+            </a:effectRef>
+            <a:fontRef idx="minor">
+              <a:schemeClr val="lt1"/>
+            </a:fontRef>
+          </p:style>
+          <p:txBody>
+            <a:bodyPr rtlCol="0" anchor="ctr"/>
+            <a:lstStyle/>
+            <a:p>
+              <a:pPr algn="ctr"/>
+              <a:endParaRPr lang="en-US"/>
+            </a:p>
+          </p:txBody>
+        </p:sp>
+        <p:sp>
+          <p:nvSpPr>
+            <p:cNvPr id="7" name="Textfeld 6">
+              <a:extLst>
+                <a:ext uri="{FF2B5EF4-FFF2-40B4-BE49-F238E27FC236}">
+                  <a16:creationId xmlns:a16="http://schemas.microsoft.com/office/drawing/2014/main" id="{25CC551A-9874-47D5-8255-C6BE572BE0BE}"/>
+                </a:ext>
+              </a:extLst>
+            </p:cNvPr>
+            <p:cNvSpPr txBox="1"/>
+            <p:nvPr/>
+          </p:nvSpPr>
+          <p:spPr>
+            <a:xfrm>
+              <a:off x="2898589" y="4354320"/>
+              <a:ext cx="1292092" cy="400110"/>
+            </a:xfrm>
+            <a:prstGeom prst="rect">
+              <a:avLst/>
+            </a:prstGeom>
+            <a:noFill/>
+          </p:spPr>
+          <p:txBody>
+            <a:bodyPr wrap="square" rtlCol="0">
+              <a:spAutoFit/>
+            </a:bodyPr>
+            <a:lstStyle/>
+            <a:p>
+              <a:pPr algn="ctr"/>
+              <a:r>
+                <a:rPr lang="en-US" sz="2000" b="1" dirty="0"/>
+                <a:t>VL-MM</a:t>
+              </a:r>
+            </a:p>
+          </p:txBody>
+        </p:sp>
+      </p:grpSp>
+      <p:grpSp>
+        <p:nvGrpSpPr>
+          <p:cNvPr id="11" name="Gruppieren 10">
+            <a:extLst>
+              <a:ext uri="{FF2B5EF4-FFF2-40B4-BE49-F238E27FC236}">
+                <a16:creationId xmlns:a16="http://schemas.microsoft.com/office/drawing/2014/main" id="{396DCE22-4741-41E0-8AF9-34F27128A979}"/>
+              </a:ext>
+            </a:extLst>
+          </p:cNvPr>
+          <p:cNvGrpSpPr/>
+          <p:nvPr/>
+        </p:nvGrpSpPr>
+        <p:grpSpPr>
+          <a:xfrm>
+            <a:off x="5449221" y="2233452"/>
+            <a:ext cx="4320000" cy="4320000"/>
+            <a:chOff x="5439635" y="2378986"/>
+            <a:chExt cx="4320000" cy="4320000"/>
+          </a:xfrm>
+        </p:grpSpPr>
+        <p:sp>
+          <p:nvSpPr>
+            <p:cNvPr id="4" name="Ellipse 3">
+              <a:extLst>
+                <a:ext uri="{FF2B5EF4-FFF2-40B4-BE49-F238E27FC236}">
+                  <a16:creationId xmlns:a16="http://schemas.microsoft.com/office/drawing/2014/main" id="{8BD9BD9C-C195-40C2-BC5E-06E9DB1FDDB1}"/>
+                </a:ext>
+              </a:extLst>
+            </p:cNvPr>
+            <p:cNvSpPr/>
+            <p:nvPr/>
+          </p:nvSpPr>
+          <p:spPr>
+            <a:xfrm>
+              <a:off x="5439635" y="2378986"/>
+              <a:ext cx="4320000" cy="4320000"/>
+            </a:xfrm>
+            <a:prstGeom prst="ellipse">
+              <a:avLst/>
+            </a:prstGeom>
+            <a:solidFill>
+              <a:schemeClr val="accent6">
+                <a:alpha val="50000"/>
+              </a:schemeClr>
+            </a:solidFill>
+          </p:spPr>
+          <p:style>
+            <a:lnRef idx="2">
+              <a:schemeClr val="accent6">
+                <a:shade val="50000"/>
+              </a:schemeClr>
+            </a:lnRef>
+            <a:fillRef idx="1">
+              <a:schemeClr val="accent6"/>
+            </a:fillRef>
+            <a:effectRef idx="0">
+              <a:schemeClr val="accent6"/>
+            </a:effectRef>
+            <a:fontRef idx="minor">
+              <a:schemeClr val="lt1"/>
+            </a:fontRef>
+          </p:style>
+          <p:txBody>
+            <a:bodyPr rtlCol="0" anchor="ctr"/>
+            <a:lstStyle/>
+            <a:p>
+              <a:pPr algn="ctr"/>
+              <a:endParaRPr lang="en-US"/>
+            </a:p>
+          </p:txBody>
+        </p:sp>
+        <p:sp>
+          <p:nvSpPr>
+            <p:cNvPr id="8" name="Textfeld 7">
+              <a:extLst>
+                <a:ext uri="{FF2B5EF4-FFF2-40B4-BE49-F238E27FC236}">
+                  <a16:creationId xmlns:a16="http://schemas.microsoft.com/office/drawing/2014/main" id="{4D25D72F-3E73-4D47-A515-47DF65459B72}"/>
+                </a:ext>
+              </a:extLst>
+            </p:cNvPr>
+            <p:cNvSpPr txBox="1"/>
+            <p:nvPr/>
+          </p:nvSpPr>
+          <p:spPr>
+            <a:xfrm>
+              <a:off x="8461314" y="4354320"/>
+              <a:ext cx="1292092" cy="400110"/>
+            </a:xfrm>
+            <a:prstGeom prst="rect">
+              <a:avLst/>
+            </a:prstGeom>
+            <a:noFill/>
+          </p:spPr>
+          <p:txBody>
+            <a:bodyPr wrap="square" rtlCol="0">
+              <a:spAutoFit/>
+            </a:bodyPr>
+            <a:lstStyle/>
+            <a:p>
+              <a:pPr algn="ctr"/>
+              <a:r>
+                <a:rPr lang="en-US" sz="2000" b="1" dirty="0"/>
+                <a:t>TM-MM</a:t>
+              </a:r>
+            </a:p>
+          </p:txBody>
+        </p:sp>
+      </p:grpSp>
+      <p:grpSp>
+        <p:nvGrpSpPr>
+          <p:cNvPr id="17" name="Gruppieren 16">
+            <a:extLst>
+              <a:ext uri="{FF2B5EF4-FFF2-40B4-BE49-F238E27FC236}">
+                <a16:creationId xmlns:a16="http://schemas.microsoft.com/office/drawing/2014/main" id="{5B974301-0341-4560-B668-A493D94DA097}"/>
+              </a:ext>
+            </a:extLst>
+          </p:cNvPr>
+          <p:cNvGrpSpPr/>
+          <p:nvPr/>
+        </p:nvGrpSpPr>
+        <p:grpSpPr>
+          <a:xfrm>
+            <a:off x="5805192" y="3074597"/>
+            <a:ext cx="1451172" cy="1134189"/>
+            <a:chOff x="5758685" y="2952619"/>
+            <a:chExt cx="1451172" cy="1134189"/>
+          </a:xfrm>
+        </p:grpSpPr>
+        <p:sp>
+          <p:nvSpPr>
+            <p:cNvPr id="13" name="Textfeld 12">
+              <a:extLst>
+                <a:ext uri="{FF2B5EF4-FFF2-40B4-BE49-F238E27FC236}">
+                  <a16:creationId xmlns:a16="http://schemas.microsoft.com/office/drawing/2014/main" id="{13A7A1FF-38E4-445B-956A-783A6B5FFFB3}"/>
+                </a:ext>
+              </a:extLst>
+            </p:cNvPr>
+            <p:cNvSpPr txBox="1"/>
+            <p:nvPr/>
+          </p:nvSpPr>
+          <p:spPr>
+            <a:xfrm>
+              <a:off x="5995321" y="2952619"/>
+              <a:ext cx="977900" cy="369332"/>
+            </a:xfrm>
+            <a:prstGeom prst="rect">
+              <a:avLst/>
+            </a:prstGeom>
+            <a:noFill/>
+          </p:spPr>
+          <p:txBody>
+            <a:bodyPr wrap="square" rtlCol="0">
+              <a:spAutoFit/>
+            </a:bodyPr>
+            <a:lstStyle/>
+            <a:p>
+              <a:pPr algn="ctr"/>
+              <a:r>
+                <a:rPr lang="en-US" dirty="0"/>
+                <a:t>name</a:t>
+              </a:r>
+            </a:p>
+          </p:txBody>
+        </p:sp>
+        <p:sp>
+          <p:nvSpPr>
+            <p:cNvPr id="15" name="Textfeld 14">
+              <a:extLst>
+                <a:ext uri="{FF2B5EF4-FFF2-40B4-BE49-F238E27FC236}">
+                  <a16:creationId xmlns:a16="http://schemas.microsoft.com/office/drawing/2014/main" id="{8009CDBF-CC3B-4673-B77D-33BF1261AE32}"/>
+                </a:ext>
+              </a:extLst>
+            </p:cNvPr>
+            <p:cNvSpPr txBox="1"/>
+            <p:nvPr/>
+          </p:nvSpPr>
+          <p:spPr>
+            <a:xfrm>
+              <a:off x="5758685" y="3335048"/>
+              <a:ext cx="1451172" cy="369332"/>
+            </a:xfrm>
+            <a:prstGeom prst="rect">
+              <a:avLst/>
+            </a:prstGeom>
+            <a:noFill/>
+          </p:spPr>
+          <p:txBody>
+            <a:bodyPr wrap="square" rtlCol="0">
+              <a:spAutoFit/>
+            </a:bodyPr>
+            <a:lstStyle/>
+            <a:p>
+              <a:pPr algn="ctr"/>
+              <a:r>
+                <a:rPr lang="en-US" dirty="0"/>
+                <a:t>description</a:t>
+              </a:r>
+            </a:p>
+          </p:txBody>
+        </p:sp>
+        <p:sp>
+          <p:nvSpPr>
+            <p:cNvPr id="16" name="Textfeld 15">
+              <a:extLst>
+                <a:ext uri="{FF2B5EF4-FFF2-40B4-BE49-F238E27FC236}">
+                  <a16:creationId xmlns:a16="http://schemas.microsoft.com/office/drawing/2014/main" id="{7A3FC4F1-0456-48DC-9D90-9CF38192E069}"/>
+                </a:ext>
+              </a:extLst>
+            </p:cNvPr>
+            <p:cNvSpPr txBox="1"/>
+            <p:nvPr/>
+          </p:nvSpPr>
+          <p:spPr>
+            <a:xfrm>
+              <a:off x="5758685" y="3717476"/>
+              <a:ext cx="1451172" cy="369332"/>
+            </a:xfrm>
+            <a:prstGeom prst="rect">
+              <a:avLst/>
+            </a:prstGeom>
+            <a:noFill/>
+          </p:spPr>
+          <p:txBody>
+            <a:bodyPr wrap="square" rtlCol="0">
+              <a:spAutoFit/>
+            </a:bodyPr>
+            <a:lstStyle/>
+            <a:p>
+              <a:pPr algn="ctr"/>
+              <a:r>
+                <a:rPr lang="en-US" dirty="0"/>
+                <a:t>extension</a:t>
+              </a:r>
+            </a:p>
+          </p:txBody>
+        </p:sp>
+      </p:grpSp>
+      <p:sp>
+        <p:nvSpPr>
+          <p:cNvPr id="18" name="Textfeld 17">
+            <a:extLst>
+              <a:ext uri="{FF2B5EF4-FFF2-40B4-BE49-F238E27FC236}">
+                <a16:creationId xmlns:a16="http://schemas.microsoft.com/office/drawing/2014/main" id="{F09C0655-361A-448E-93B6-EE6F698717E8}"/>
+              </a:ext>
+            </a:extLst>
+          </p:cNvPr>
+          <p:cNvSpPr txBox="1"/>
+          <p:nvPr/>
+        </p:nvSpPr>
+        <p:spPr>
+          <a:xfrm>
+            <a:off x="4723635" y="2236190"/>
+            <a:ext cx="1451172" cy="369332"/>
+          </a:xfrm>
+          <a:prstGeom prst="rect">
+            <a:avLst/>
+          </a:prstGeom>
+          <a:noFill/>
+        </p:spPr>
+        <p:txBody>
+          <a:bodyPr wrap="square" rtlCol="0">
+            <a:spAutoFit/>
+          </a:bodyPr>
+          <a:lstStyle/>
+          <a:p>
+            <a:pPr algn="ctr"/>
+            <a:r>
+              <a:rPr lang="en-US" dirty="0" err="1"/>
+              <a:t>displayname</a:t>
+            </a:r>
+            <a:endParaRPr lang="en-US" dirty="0"/>
+          </a:p>
+        </p:txBody>
+      </p:sp>
+      <p:sp>
+        <p:nvSpPr>
+          <p:cNvPr id="19" name="Textfeld 18">
+            <a:extLst>
+              <a:ext uri="{FF2B5EF4-FFF2-40B4-BE49-F238E27FC236}">
+                <a16:creationId xmlns:a16="http://schemas.microsoft.com/office/drawing/2014/main" id="{4FF1C844-2A4F-4C24-8566-20F8B3BE788F}"/>
+              </a:ext>
+            </a:extLst>
+          </p:cNvPr>
+          <p:cNvSpPr txBox="1"/>
+          <p:nvPr/>
+        </p:nvSpPr>
+        <p:spPr>
+          <a:xfrm>
+            <a:off x="4370778" y="2511552"/>
+            <a:ext cx="1451172" cy="369332"/>
+          </a:xfrm>
+          <a:prstGeom prst="rect">
+            <a:avLst/>
+          </a:prstGeom>
+          <a:noFill/>
+        </p:spPr>
+        <p:txBody>
+          <a:bodyPr wrap="square" rtlCol="0">
+            <a:spAutoFit/>
+          </a:bodyPr>
+          <a:lstStyle/>
+          <a:p>
+            <a:pPr algn="ctr"/>
+            <a:r>
+              <a:rPr lang="en-US" dirty="0" err="1"/>
+              <a:t>metaversion</a:t>
+            </a:r>
+            <a:endParaRPr lang="en-US" dirty="0"/>
+          </a:p>
+        </p:txBody>
+      </p:sp>
+      <p:sp>
+        <p:nvSpPr>
+          <p:cNvPr id="20" name="Textfeld 19">
+            <a:extLst>
+              <a:ext uri="{FF2B5EF4-FFF2-40B4-BE49-F238E27FC236}">
+                <a16:creationId xmlns:a16="http://schemas.microsoft.com/office/drawing/2014/main" id="{6367BEAD-90AB-4B84-A8F7-413636D10F4D}"/>
+              </a:ext>
+            </a:extLst>
+          </p:cNvPr>
+          <p:cNvSpPr txBox="1"/>
+          <p:nvPr/>
+        </p:nvSpPr>
+        <p:spPr>
+          <a:xfrm>
+            <a:off x="4427800" y="3059839"/>
+            <a:ext cx="1451172" cy="369332"/>
+          </a:xfrm>
+          <a:prstGeom prst="rect">
+            <a:avLst/>
+          </a:prstGeom>
+          <a:noFill/>
+        </p:spPr>
+        <p:txBody>
+          <a:bodyPr wrap="square" rtlCol="0">
+            <a:spAutoFit/>
+          </a:bodyPr>
+          <a:lstStyle/>
+          <a:p>
+            <a:pPr algn="ctr"/>
+            <a:r>
+              <a:rPr lang="en-US" dirty="0"/>
+              <a:t>namespace</a:t>
+            </a:r>
+          </a:p>
+        </p:txBody>
+      </p:sp>
+      <p:sp>
+        <p:nvSpPr>
+          <p:cNvPr id="21" name="Textfeld 20">
+            <a:extLst>
+              <a:ext uri="{FF2B5EF4-FFF2-40B4-BE49-F238E27FC236}">
+                <a16:creationId xmlns:a16="http://schemas.microsoft.com/office/drawing/2014/main" id="{2BD938C7-A59D-4914-AB19-C1B48D4DA289}"/>
+              </a:ext>
+            </a:extLst>
+          </p:cNvPr>
+          <p:cNvSpPr txBox="1"/>
+          <p:nvPr/>
+        </p:nvSpPr>
+        <p:spPr>
+          <a:xfrm>
+            <a:off x="4427800" y="2786914"/>
+            <a:ext cx="1451172" cy="369332"/>
+          </a:xfrm>
+          <a:prstGeom prst="rect">
+            <a:avLst/>
+          </a:prstGeom>
+          <a:noFill/>
+        </p:spPr>
+        <p:txBody>
+          <a:bodyPr wrap="square" rtlCol="0">
+            <a:spAutoFit/>
+          </a:bodyPr>
+          <a:lstStyle/>
+          <a:p>
+            <a:pPr algn="ctr"/>
+            <a:r>
+              <a:rPr lang="en-US" dirty="0" err="1"/>
+              <a:t>modelversion</a:t>
+            </a:r>
+            <a:endParaRPr lang="en-US" dirty="0"/>
+          </a:p>
+        </p:txBody>
+      </p:sp>
+      <p:sp>
+        <p:nvSpPr>
+          <p:cNvPr id="22" name="Textfeld 21">
+            <a:extLst>
+              <a:ext uri="{FF2B5EF4-FFF2-40B4-BE49-F238E27FC236}">
+                <a16:creationId xmlns:a16="http://schemas.microsoft.com/office/drawing/2014/main" id="{0A3EC169-17FD-45B0-A5FE-221B688DD9EB}"/>
+              </a:ext>
+            </a:extLst>
+          </p:cNvPr>
+          <p:cNvSpPr txBox="1"/>
+          <p:nvPr/>
+        </p:nvSpPr>
+        <p:spPr>
+          <a:xfrm>
+            <a:off x="7019728" y="2349270"/>
+            <a:ext cx="1451172" cy="369332"/>
+          </a:xfrm>
+          <a:prstGeom prst="rect">
+            <a:avLst/>
+          </a:prstGeom>
+          <a:noFill/>
+        </p:spPr>
+        <p:txBody>
+          <a:bodyPr wrap="square" rtlCol="0">
+            <a:spAutoFit/>
+          </a:bodyPr>
+          <a:lstStyle/>
+          <a:p>
+            <a:pPr algn="ctr"/>
+            <a:r>
+              <a:rPr lang="en-US" dirty="0"/>
+              <a:t>comment</a:t>
+            </a:r>
+          </a:p>
+        </p:txBody>
+      </p:sp>
+      <p:sp>
+        <p:nvSpPr>
+          <p:cNvPr id="23" name="Textfeld 22">
+            <a:extLst>
+              <a:ext uri="{FF2B5EF4-FFF2-40B4-BE49-F238E27FC236}">
+                <a16:creationId xmlns:a16="http://schemas.microsoft.com/office/drawing/2014/main" id="{C1F77E18-8363-4AAC-8558-3A815AF80C28}"/>
+              </a:ext>
+            </a:extLst>
+          </p:cNvPr>
+          <p:cNvSpPr txBox="1"/>
+          <p:nvPr/>
+        </p:nvSpPr>
+        <p:spPr>
+          <a:xfrm>
+            <a:off x="3861956" y="4771216"/>
+            <a:ext cx="1451172" cy="369332"/>
+          </a:xfrm>
+          <a:prstGeom prst="rect">
+            <a:avLst/>
+          </a:prstGeom>
+          <a:noFill/>
+        </p:spPr>
+        <p:txBody>
+          <a:bodyPr wrap="square" rtlCol="0">
+            <a:spAutoFit/>
+          </a:bodyPr>
+          <a:lstStyle/>
+          <a:p>
+            <a:pPr algn="ctr"/>
+            <a:r>
+              <a:rPr lang="en-US" dirty="0"/>
+              <a:t>category</a:t>
+            </a:r>
+          </a:p>
+        </p:txBody>
+      </p:sp>
+      <p:sp>
+        <p:nvSpPr>
+          <p:cNvPr id="24" name="Textfeld 23">
+            <a:extLst>
+              <a:ext uri="{FF2B5EF4-FFF2-40B4-BE49-F238E27FC236}">
+                <a16:creationId xmlns:a16="http://schemas.microsoft.com/office/drawing/2014/main" id="{8EB99221-E81E-4269-BCD1-FADFC5233B5E}"/>
+              </a:ext>
+            </a:extLst>
+          </p:cNvPr>
+          <p:cNvSpPr txBox="1"/>
+          <p:nvPr/>
+        </p:nvSpPr>
+        <p:spPr>
+          <a:xfrm>
+            <a:off x="7745314" y="4771216"/>
+            <a:ext cx="1451172" cy="369332"/>
+          </a:xfrm>
+          <a:prstGeom prst="rect">
+            <a:avLst/>
+          </a:prstGeom>
+          <a:noFill/>
+        </p:spPr>
+        <p:txBody>
+          <a:bodyPr wrap="square" rtlCol="0">
+            <a:spAutoFit/>
+          </a:bodyPr>
+          <a:lstStyle/>
+          <a:p>
+            <a:pPr algn="ctr"/>
+            <a:r>
+              <a:rPr lang="en-US" dirty="0" err="1"/>
+              <a:t>isSingleton</a:t>
+            </a:r>
+            <a:endParaRPr lang="en-US" dirty="0"/>
+          </a:p>
+        </p:txBody>
+      </p:sp>
+      <p:sp>
+        <p:nvSpPr>
+          <p:cNvPr id="25" name="Textfeld 24">
+            <a:extLst>
+              <a:ext uri="{FF2B5EF4-FFF2-40B4-BE49-F238E27FC236}">
+                <a16:creationId xmlns:a16="http://schemas.microsoft.com/office/drawing/2014/main" id="{3A596E81-1A9E-4E39-8CC0-68A077E8592F}"/>
+              </a:ext>
+            </a:extLst>
+          </p:cNvPr>
+          <p:cNvSpPr txBox="1"/>
+          <p:nvPr/>
+        </p:nvSpPr>
+        <p:spPr>
+          <a:xfrm>
+            <a:off x="3861956" y="5064842"/>
+            <a:ext cx="1451172" cy="369332"/>
+          </a:xfrm>
+          <a:prstGeom prst="rect">
+            <a:avLst/>
+          </a:prstGeom>
+          <a:noFill/>
+        </p:spPr>
+        <p:txBody>
+          <a:bodyPr wrap="square" rtlCol="0">
+            <a:spAutoFit/>
+          </a:bodyPr>
+          <a:lstStyle/>
+          <a:p>
+            <a:pPr algn="ctr"/>
+            <a:r>
+              <a:rPr lang="en-US" dirty="0"/>
+              <a:t>entities</a:t>
+            </a:r>
+          </a:p>
+        </p:txBody>
+      </p:sp>
+      <p:sp>
+        <p:nvSpPr>
+          <p:cNvPr id="26" name="Textfeld 25">
+            <a:extLst>
+              <a:ext uri="{FF2B5EF4-FFF2-40B4-BE49-F238E27FC236}">
+                <a16:creationId xmlns:a16="http://schemas.microsoft.com/office/drawing/2014/main" id="{0147983B-0D6F-4B52-BF00-A05806116756}"/>
+              </a:ext>
+            </a:extLst>
+          </p:cNvPr>
+          <p:cNvSpPr txBox="1"/>
+          <p:nvPr/>
+        </p:nvSpPr>
+        <p:spPr>
+          <a:xfrm>
+            <a:off x="3861956" y="5358468"/>
+            <a:ext cx="1451172" cy="369332"/>
+          </a:xfrm>
+          <a:prstGeom prst="rect">
+            <a:avLst/>
+          </a:prstGeom>
+          <a:noFill/>
+        </p:spPr>
+        <p:txBody>
+          <a:bodyPr wrap="square" rtlCol="0">
+            <a:spAutoFit/>
+          </a:bodyPr>
+          <a:lstStyle/>
+          <a:p>
+            <a:pPr algn="ctr"/>
+            <a:r>
+              <a:rPr lang="en-US" dirty="0" err="1"/>
+              <a:t>enums</a:t>
+            </a:r>
+            <a:endParaRPr lang="en-US" dirty="0"/>
+          </a:p>
+        </p:txBody>
+      </p:sp>
+      <p:sp>
+        <p:nvSpPr>
+          <p:cNvPr id="27" name="Textfeld 26">
+            <a:extLst>
+              <a:ext uri="{FF2B5EF4-FFF2-40B4-BE49-F238E27FC236}">
+                <a16:creationId xmlns:a16="http://schemas.microsoft.com/office/drawing/2014/main" id="{1BE84809-8657-4CAA-9D10-B80DF18387F9}"/>
+              </a:ext>
+            </a:extLst>
+          </p:cNvPr>
+          <p:cNvSpPr txBox="1"/>
+          <p:nvPr/>
+        </p:nvSpPr>
+        <p:spPr>
+          <a:xfrm>
+            <a:off x="723900" y="184666"/>
+            <a:ext cx="1587500" cy="369332"/>
+          </a:xfrm>
+          <a:prstGeom prst="rect">
+            <a:avLst/>
+          </a:prstGeom>
+          <a:noFill/>
+        </p:spPr>
+        <p:txBody>
+          <a:bodyPr wrap="square" rtlCol="0">
+            <a:spAutoFit/>
+          </a:bodyPr>
+          <a:lstStyle/>
+          <a:p>
+            <a:r>
+              <a:rPr lang="en-US" dirty="0"/>
+              <a:t>Class</a:t>
+            </a:r>
+          </a:p>
+        </p:txBody>
+      </p:sp>
+    </p:spTree>
+    <p:extLst>
+      <p:ext uri="{BB962C8B-B14F-4D97-AF65-F5344CB8AC3E}">
+        <p14:creationId xmlns:p14="http://schemas.microsoft.com/office/powerpoint/2010/main" val="2273143370"/>
+      </p:ext>
+    </p:extLst>
+  </p:cSld>
+  <p:clrMapOvr>
+    <a:masterClrMapping/>
+  </p:clrMapOvr>
+</p:sld>
+</file>
+
+<file path=ppt/slides/slide14.xml><?xml version="1.0" encoding="utf-8"?>
+<p:sld xmlns:a="http://schemas.openxmlformats.org/drawingml/2006/main" xmlns:r="http://schemas.openxmlformats.org/officeDocument/2006/relationships" xmlns:p="http://schemas.openxmlformats.org/presentationml/2006/main">
+  <p:cSld>
+    <p:spTree>
+      <p:nvGrpSpPr>
+        <p:cNvPr id="1" name=""/>
+        <p:cNvGrpSpPr/>
+        <p:nvPr/>
+      </p:nvGrpSpPr>
+      <p:grpSpPr>
+        <a:xfrm>
+          <a:off x="0" y="0"/>
+          <a:ext cx="0" cy="0"/>
+          <a:chOff x="0" y="0"/>
+          <a:chExt cx="0" cy="0"/>
+        </a:xfrm>
+      </p:grpSpPr>
+      <p:grpSp>
+        <p:nvGrpSpPr>
+          <p:cNvPr id="12" name="Gruppieren 11">
+            <a:extLst>
+              <a:ext uri="{FF2B5EF4-FFF2-40B4-BE49-F238E27FC236}">
+                <a16:creationId xmlns:a16="http://schemas.microsoft.com/office/drawing/2014/main" id="{32B4F8BC-1F44-4B79-88D0-95D0B42CE0B3}"/>
+              </a:ext>
+            </a:extLst>
+          </p:cNvPr>
+          <p:cNvGrpSpPr/>
+          <p:nvPr/>
+        </p:nvGrpSpPr>
+        <p:grpSpPr>
+          <a:xfrm>
+            <a:off x="4370778" y="304548"/>
+            <a:ext cx="4320000" cy="4320000"/>
+            <a:chOff x="4460689" y="159014"/>
+            <a:chExt cx="4320000" cy="4320000"/>
+          </a:xfrm>
+        </p:grpSpPr>
+        <p:sp>
+          <p:nvSpPr>
+            <p:cNvPr id="3" name="Ellipse 2">
+              <a:extLst>
+                <a:ext uri="{FF2B5EF4-FFF2-40B4-BE49-F238E27FC236}">
+                  <a16:creationId xmlns:a16="http://schemas.microsoft.com/office/drawing/2014/main" id="{EDD5EAF0-05E4-4852-9F51-FED43F2440B6}"/>
+                </a:ext>
+              </a:extLst>
+            </p:cNvPr>
+            <p:cNvSpPr/>
+            <p:nvPr/>
+          </p:nvSpPr>
+          <p:spPr>
+            <a:xfrm>
+              <a:off x="4460689" y="159014"/>
+              <a:ext cx="4320000" cy="4320000"/>
+            </a:xfrm>
+            <a:prstGeom prst="ellipse">
+              <a:avLst/>
+            </a:prstGeom>
+            <a:solidFill>
+              <a:schemeClr val="accent4">
+                <a:alpha val="50000"/>
+              </a:schemeClr>
+            </a:solidFill>
+          </p:spPr>
+          <p:style>
+            <a:lnRef idx="2">
+              <a:schemeClr val="accent4">
+                <a:shade val="50000"/>
+              </a:schemeClr>
+            </a:lnRef>
+            <a:fillRef idx="1">
+              <a:schemeClr val="accent4"/>
+            </a:fillRef>
+            <a:effectRef idx="0">
+              <a:schemeClr val="accent4"/>
+            </a:effectRef>
+            <a:fontRef idx="minor">
+              <a:schemeClr val="lt1"/>
+            </a:fontRef>
+          </p:style>
+          <p:txBody>
+            <a:bodyPr rtlCol="0" anchor="ctr"/>
+            <a:lstStyle/>
+            <a:p>
+              <a:pPr algn="ctr"/>
+              <a:endParaRPr lang="en-US"/>
+            </a:p>
+          </p:txBody>
+        </p:sp>
+        <p:sp>
+          <p:nvSpPr>
+            <p:cNvPr id="5" name="Textfeld 4">
+              <a:extLst>
+                <a:ext uri="{FF2B5EF4-FFF2-40B4-BE49-F238E27FC236}">
+                  <a16:creationId xmlns:a16="http://schemas.microsoft.com/office/drawing/2014/main" id="{25FD82D3-2C4D-4B0A-A3BC-6C585E89E6C6}"/>
+                </a:ext>
+              </a:extLst>
+            </p:cNvPr>
+            <p:cNvSpPr txBox="1"/>
+            <p:nvPr/>
+          </p:nvSpPr>
+          <p:spPr>
+            <a:xfrm>
+              <a:off x="5839639" y="292376"/>
+              <a:ext cx="1562100" cy="400110"/>
+            </a:xfrm>
+            <a:prstGeom prst="rect">
+              <a:avLst/>
+            </a:prstGeom>
+            <a:noFill/>
+          </p:spPr>
+          <p:txBody>
+            <a:bodyPr wrap="square" rtlCol="0">
+              <a:spAutoFit/>
+            </a:bodyPr>
+            <a:lstStyle/>
+            <a:p>
+              <a:pPr algn="ctr"/>
+              <a:r>
+                <a:rPr lang="en-US" sz="2000" b="1" dirty="0"/>
+                <a:t>DTDL-MM</a:t>
+              </a:r>
+            </a:p>
+          </p:txBody>
+        </p:sp>
+      </p:grpSp>
+      <p:grpSp>
+        <p:nvGrpSpPr>
+          <p:cNvPr id="10" name="Gruppieren 9">
+            <a:extLst>
+              <a:ext uri="{FF2B5EF4-FFF2-40B4-BE49-F238E27FC236}">
+                <a16:creationId xmlns:a16="http://schemas.microsoft.com/office/drawing/2014/main" id="{9BBF7198-B69E-4AF6-AB1E-D5DFE651C0B5}"/>
+              </a:ext>
+            </a:extLst>
+          </p:cNvPr>
+          <p:cNvGrpSpPr/>
+          <p:nvPr/>
+        </p:nvGrpSpPr>
+        <p:grpSpPr>
+          <a:xfrm>
+            <a:off x="3289221" y="2233452"/>
+            <a:ext cx="4320000" cy="4320000"/>
+            <a:chOff x="2892360" y="2378986"/>
+            <a:chExt cx="4320000" cy="4320000"/>
+          </a:xfrm>
+        </p:grpSpPr>
+        <p:sp>
+          <p:nvSpPr>
+            <p:cNvPr id="2" name="Ellipse 1">
+              <a:extLst>
+                <a:ext uri="{FF2B5EF4-FFF2-40B4-BE49-F238E27FC236}">
+                  <a16:creationId xmlns:a16="http://schemas.microsoft.com/office/drawing/2014/main" id="{499A0BE2-9610-4013-B491-A19F39EE399B}"/>
+                </a:ext>
+              </a:extLst>
+            </p:cNvPr>
+            <p:cNvSpPr/>
+            <p:nvPr/>
+          </p:nvSpPr>
+          <p:spPr>
+            <a:xfrm>
+              <a:off x="2892360" y="2378986"/>
+              <a:ext cx="4320000" cy="4320000"/>
+            </a:xfrm>
+            <a:prstGeom prst="ellipse">
+              <a:avLst/>
+            </a:prstGeom>
+            <a:solidFill>
+              <a:schemeClr val="accent1">
+                <a:alpha val="50000"/>
+              </a:schemeClr>
+            </a:solidFill>
+          </p:spPr>
+          <p:style>
+            <a:lnRef idx="2">
+              <a:schemeClr val="accent1">
+                <a:shade val="50000"/>
+              </a:schemeClr>
+            </a:lnRef>
+            <a:fillRef idx="1">
+              <a:schemeClr val="accent1"/>
+            </a:fillRef>
+            <a:effectRef idx="0">
+              <a:schemeClr val="accent1"/>
+            </a:effectRef>
+            <a:fontRef idx="minor">
+              <a:schemeClr val="lt1"/>
+            </a:fontRef>
+          </p:style>
+          <p:txBody>
+            <a:bodyPr rtlCol="0" anchor="ctr"/>
+            <a:lstStyle/>
+            <a:p>
+              <a:pPr algn="ctr"/>
+              <a:endParaRPr lang="en-US"/>
+            </a:p>
+          </p:txBody>
+        </p:sp>
+        <p:sp>
+          <p:nvSpPr>
+            <p:cNvPr id="7" name="Textfeld 6">
+              <a:extLst>
+                <a:ext uri="{FF2B5EF4-FFF2-40B4-BE49-F238E27FC236}">
+                  <a16:creationId xmlns:a16="http://schemas.microsoft.com/office/drawing/2014/main" id="{25CC551A-9874-47D5-8255-C6BE572BE0BE}"/>
+                </a:ext>
+              </a:extLst>
+            </p:cNvPr>
+            <p:cNvSpPr txBox="1"/>
+            <p:nvPr/>
+          </p:nvSpPr>
+          <p:spPr>
+            <a:xfrm>
+              <a:off x="2898589" y="4354320"/>
+              <a:ext cx="1292092" cy="400110"/>
+            </a:xfrm>
+            <a:prstGeom prst="rect">
+              <a:avLst/>
+            </a:prstGeom>
+            <a:noFill/>
+          </p:spPr>
+          <p:txBody>
+            <a:bodyPr wrap="square" rtlCol="0">
+              <a:spAutoFit/>
+            </a:bodyPr>
+            <a:lstStyle/>
+            <a:p>
+              <a:pPr algn="ctr"/>
+              <a:r>
+                <a:rPr lang="en-US" sz="2000" b="1" dirty="0"/>
+                <a:t>VL-MM</a:t>
+              </a:r>
+            </a:p>
+          </p:txBody>
+        </p:sp>
+      </p:grpSp>
+      <p:grpSp>
+        <p:nvGrpSpPr>
+          <p:cNvPr id="11" name="Gruppieren 10">
+            <a:extLst>
+              <a:ext uri="{FF2B5EF4-FFF2-40B4-BE49-F238E27FC236}">
+                <a16:creationId xmlns:a16="http://schemas.microsoft.com/office/drawing/2014/main" id="{396DCE22-4741-41E0-8AF9-34F27128A979}"/>
+              </a:ext>
+            </a:extLst>
+          </p:cNvPr>
+          <p:cNvGrpSpPr/>
+          <p:nvPr/>
+        </p:nvGrpSpPr>
+        <p:grpSpPr>
+          <a:xfrm>
+            <a:off x="5449221" y="2233452"/>
+            <a:ext cx="4320000" cy="4320000"/>
+            <a:chOff x="5439635" y="2378986"/>
+            <a:chExt cx="4320000" cy="4320000"/>
+          </a:xfrm>
+        </p:grpSpPr>
+        <p:sp>
+          <p:nvSpPr>
+            <p:cNvPr id="4" name="Ellipse 3">
+              <a:extLst>
+                <a:ext uri="{FF2B5EF4-FFF2-40B4-BE49-F238E27FC236}">
+                  <a16:creationId xmlns:a16="http://schemas.microsoft.com/office/drawing/2014/main" id="{8BD9BD9C-C195-40C2-BC5E-06E9DB1FDDB1}"/>
+                </a:ext>
+              </a:extLst>
+            </p:cNvPr>
+            <p:cNvSpPr/>
+            <p:nvPr/>
+          </p:nvSpPr>
+          <p:spPr>
+            <a:xfrm>
+              <a:off x="5439635" y="2378986"/>
+              <a:ext cx="4320000" cy="4320000"/>
+            </a:xfrm>
+            <a:prstGeom prst="ellipse">
+              <a:avLst/>
+            </a:prstGeom>
+            <a:solidFill>
+              <a:schemeClr val="accent6">
+                <a:alpha val="50000"/>
+              </a:schemeClr>
+            </a:solidFill>
+          </p:spPr>
+          <p:style>
+            <a:lnRef idx="2">
+              <a:schemeClr val="accent6">
+                <a:shade val="50000"/>
+              </a:schemeClr>
+            </a:lnRef>
+            <a:fillRef idx="1">
+              <a:schemeClr val="accent6"/>
+            </a:fillRef>
+            <a:effectRef idx="0">
+              <a:schemeClr val="accent6"/>
+            </a:effectRef>
+            <a:fontRef idx="minor">
+              <a:schemeClr val="lt1"/>
+            </a:fontRef>
+          </p:style>
+          <p:txBody>
+            <a:bodyPr rtlCol="0" anchor="ctr"/>
+            <a:lstStyle/>
+            <a:p>
+              <a:pPr algn="ctr"/>
+              <a:endParaRPr lang="en-US"/>
+            </a:p>
+          </p:txBody>
+        </p:sp>
+        <p:sp>
+          <p:nvSpPr>
+            <p:cNvPr id="8" name="Textfeld 7">
+              <a:extLst>
+                <a:ext uri="{FF2B5EF4-FFF2-40B4-BE49-F238E27FC236}">
+                  <a16:creationId xmlns:a16="http://schemas.microsoft.com/office/drawing/2014/main" id="{4D25D72F-3E73-4D47-A515-47DF65459B72}"/>
+                </a:ext>
+              </a:extLst>
+            </p:cNvPr>
+            <p:cNvSpPr txBox="1"/>
+            <p:nvPr/>
+          </p:nvSpPr>
+          <p:spPr>
+            <a:xfrm>
+              <a:off x="8461314" y="4354320"/>
+              <a:ext cx="1292092" cy="400110"/>
+            </a:xfrm>
+            <a:prstGeom prst="rect">
+              <a:avLst/>
+            </a:prstGeom>
+            <a:noFill/>
+          </p:spPr>
+          <p:txBody>
+            <a:bodyPr wrap="square" rtlCol="0">
+              <a:spAutoFit/>
+            </a:bodyPr>
+            <a:lstStyle/>
+            <a:p>
+              <a:pPr algn="ctr"/>
+              <a:r>
+                <a:rPr lang="en-US" sz="2000" b="1" dirty="0"/>
+                <a:t>TM-MM</a:t>
+              </a:r>
+            </a:p>
+          </p:txBody>
+        </p:sp>
+      </p:grpSp>
+      <p:sp>
+        <p:nvSpPr>
+          <p:cNvPr id="22" name="Textfeld 21">
+            <a:extLst>
+              <a:ext uri="{FF2B5EF4-FFF2-40B4-BE49-F238E27FC236}">
+                <a16:creationId xmlns:a16="http://schemas.microsoft.com/office/drawing/2014/main" id="{0A3EC169-17FD-45B0-A5FE-221B688DD9EB}"/>
+              </a:ext>
+            </a:extLst>
+          </p:cNvPr>
+          <p:cNvSpPr txBox="1"/>
+          <p:nvPr/>
+        </p:nvSpPr>
+        <p:spPr>
+          <a:xfrm>
+            <a:off x="3642078" y="4635500"/>
+            <a:ext cx="1451172" cy="369332"/>
+          </a:xfrm>
+          <a:prstGeom prst="rect">
+            <a:avLst/>
+          </a:prstGeom>
+          <a:noFill/>
+        </p:spPr>
+        <p:txBody>
+          <a:bodyPr wrap="square" rtlCol="0">
+            <a:spAutoFit/>
+          </a:bodyPr>
+          <a:lstStyle/>
+          <a:p>
+            <a:pPr algn="ctr"/>
+            <a:r>
+              <a:rPr lang="en-US" dirty="0"/>
+              <a:t>Status</a:t>
+            </a:r>
+          </a:p>
+        </p:txBody>
+      </p:sp>
+      <p:grpSp>
+        <p:nvGrpSpPr>
+          <p:cNvPr id="6" name="Gruppieren 5">
+            <a:extLst>
+              <a:ext uri="{FF2B5EF4-FFF2-40B4-BE49-F238E27FC236}">
+                <a16:creationId xmlns:a16="http://schemas.microsoft.com/office/drawing/2014/main" id="{E6752E12-7748-453B-90BB-5EC2A41A7924}"/>
+              </a:ext>
+            </a:extLst>
+          </p:cNvPr>
+          <p:cNvGrpSpPr/>
+          <p:nvPr/>
+        </p:nvGrpSpPr>
+        <p:grpSpPr>
+          <a:xfrm>
+            <a:off x="5409355" y="2649754"/>
+            <a:ext cx="2177774" cy="1787885"/>
+            <a:chOff x="5409355" y="2649754"/>
+            <a:chExt cx="2177774" cy="1787885"/>
+          </a:xfrm>
+        </p:grpSpPr>
+        <p:sp>
+          <p:nvSpPr>
+            <p:cNvPr id="13" name="Textfeld 12">
+              <a:extLst>
+                <a:ext uri="{FF2B5EF4-FFF2-40B4-BE49-F238E27FC236}">
+                  <a16:creationId xmlns:a16="http://schemas.microsoft.com/office/drawing/2014/main" id="{13A7A1FF-38E4-445B-956A-783A6B5FFFB3}"/>
+                </a:ext>
+              </a:extLst>
+            </p:cNvPr>
+            <p:cNvSpPr txBox="1"/>
+            <p:nvPr/>
+          </p:nvSpPr>
+          <p:spPr>
+            <a:xfrm>
+              <a:off x="5863242" y="3217176"/>
+              <a:ext cx="1270000" cy="369332"/>
+            </a:xfrm>
+            <a:prstGeom prst="rect">
+              <a:avLst/>
+            </a:prstGeom>
+            <a:noFill/>
+          </p:spPr>
+          <p:txBody>
+            <a:bodyPr wrap="square" rtlCol="0">
+              <a:spAutoFit/>
+            </a:bodyPr>
+            <a:lstStyle/>
+            <a:p>
+              <a:pPr algn="ctr"/>
+              <a:r>
+                <a:rPr lang="en-US" dirty="0"/>
+                <a:t>Telemetry</a:t>
+              </a:r>
+            </a:p>
+          </p:txBody>
+        </p:sp>
+        <p:sp>
+          <p:nvSpPr>
+            <p:cNvPr id="27" name="Textfeld 26">
+              <a:extLst>
+                <a:ext uri="{FF2B5EF4-FFF2-40B4-BE49-F238E27FC236}">
+                  <a16:creationId xmlns:a16="http://schemas.microsoft.com/office/drawing/2014/main" id="{59E4F591-A339-4A97-BFC1-E24F4F20691C}"/>
+                </a:ext>
+              </a:extLst>
+            </p:cNvPr>
+            <p:cNvSpPr txBox="1"/>
+            <p:nvPr/>
+          </p:nvSpPr>
+          <p:spPr>
+            <a:xfrm>
+              <a:off x="5863242" y="3500887"/>
+              <a:ext cx="1270000" cy="369332"/>
+            </a:xfrm>
+            <a:prstGeom prst="rect">
+              <a:avLst/>
+            </a:prstGeom>
+            <a:noFill/>
+          </p:spPr>
+          <p:txBody>
+            <a:bodyPr wrap="square" rtlCol="0">
+              <a:spAutoFit/>
+            </a:bodyPr>
+            <a:lstStyle/>
+            <a:p>
+              <a:pPr algn="ctr"/>
+              <a:r>
+                <a:rPr lang="en-US" dirty="0"/>
+                <a:t>Property</a:t>
+              </a:r>
+            </a:p>
+          </p:txBody>
+        </p:sp>
+        <p:sp>
+          <p:nvSpPr>
+            <p:cNvPr id="32" name="Textfeld 31">
+              <a:extLst>
+                <a:ext uri="{FF2B5EF4-FFF2-40B4-BE49-F238E27FC236}">
+                  <a16:creationId xmlns:a16="http://schemas.microsoft.com/office/drawing/2014/main" id="{E3D473AE-A5BD-44AC-9B03-212F74B5DF4D}"/>
+                </a:ext>
+              </a:extLst>
+            </p:cNvPr>
+            <p:cNvSpPr txBox="1"/>
+            <p:nvPr/>
+          </p:nvSpPr>
+          <p:spPr>
+            <a:xfrm>
+              <a:off x="5863242" y="2933465"/>
+              <a:ext cx="1270000" cy="369332"/>
+            </a:xfrm>
+            <a:prstGeom prst="rect">
+              <a:avLst/>
+            </a:prstGeom>
+            <a:noFill/>
+          </p:spPr>
+          <p:txBody>
+            <a:bodyPr wrap="square" rtlCol="0">
+              <a:spAutoFit/>
+            </a:bodyPr>
+            <a:lstStyle/>
+            <a:p>
+              <a:pPr algn="ctr"/>
+              <a:r>
+                <a:rPr lang="en-US" dirty="0"/>
+                <a:t>name</a:t>
+              </a:r>
+            </a:p>
+          </p:txBody>
+        </p:sp>
+        <p:sp>
+          <p:nvSpPr>
+            <p:cNvPr id="33" name="Textfeld 32">
+              <a:extLst>
+                <a:ext uri="{FF2B5EF4-FFF2-40B4-BE49-F238E27FC236}">
+                  <a16:creationId xmlns:a16="http://schemas.microsoft.com/office/drawing/2014/main" id="{F9F4F7C7-0933-4063-A5A8-65FCFCE3D898}"/>
+                </a:ext>
+              </a:extLst>
+            </p:cNvPr>
+            <p:cNvSpPr txBox="1"/>
+            <p:nvPr/>
+          </p:nvSpPr>
+          <p:spPr>
+            <a:xfrm>
+              <a:off x="5734751" y="3784598"/>
+              <a:ext cx="1526982" cy="369332"/>
+            </a:xfrm>
+            <a:prstGeom prst="rect">
+              <a:avLst/>
+            </a:prstGeom>
+            <a:noFill/>
+          </p:spPr>
+          <p:txBody>
+            <a:bodyPr wrap="square" rtlCol="0">
+              <a:spAutoFit/>
+            </a:bodyPr>
+            <a:lstStyle/>
+            <a:p>
+              <a:pPr algn="ctr"/>
+              <a:r>
+                <a:rPr lang="en-US" dirty="0" err="1"/>
+                <a:t>allowedValues</a:t>
+              </a:r>
+              <a:endParaRPr lang="en-US" dirty="0"/>
+            </a:p>
+          </p:txBody>
+        </p:sp>
+        <p:sp>
+          <p:nvSpPr>
+            <p:cNvPr id="34" name="Textfeld 33">
+              <a:extLst>
+                <a:ext uri="{FF2B5EF4-FFF2-40B4-BE49-F238E27FC236}">
+                  <a16:creationId xmlns:a16="http://schemas.microsoft.com/office/drawing/2014/main" id="{B5D0D39F-87BB-45AC-B834-513F8E13C1EC}"/>
+                </a:ext>
+              </a:extLst>
+            </p:cNvPr>
+            <p:cNvSpPr txBox="1"/>
+            <p:nvPr/>
+          </p:nvSpPr>
+          <p:spPr>
+            <a:xfrm>
+              <a:off x="5409355" y="4068307"/>
+              <a:ext cx="2177774" cy="369332"/>
+            </a:xfrm>
+            <a:prstGeom prst="rect">
+              <a:avLst/>
+            </a:prstGeom>
+            <a:noFill/>
+          </p:spPr>
+          <p:txBody>
+            <a:bodyPr wrap="square" rtlCol="0">
+              <a:spAutoFit/>
+            </a:bodyPr>
+            <a:lstStyle/>
+            <a:p>
+              <a:pPr algn="ctr"/>
+              <a:r>
+                <a:rPr lang="en-US" dirty="0" err="1"/>
+                <a:t>unitOfMeasurement</a:t>
+              </a:r>
+              <a:endParaRPr lang="en-US" dirty="0"/>
+            </a:p>
+          </p:txBody>
+        </p:sp>
+        <p:sp>
+          <p:nvSpPr>
+            <p:cNvPr id="35" name="Textfeld 34">
+              <a:extLst>
+                <a:ext uri="{FF2B5EF4-FFF2-40B4-BE49-F238E27FC236}">
+                  <a16:creationId xmlns:a16="http://schemas.microsoft.com/office/drawing/2014/main" id="{515D5D2B-150E-4441-B809-E37B4A3C1596}"/>
+                </a:ext>
+              </a:extLst>
+            </p:cNvPr>
+            <p:cNvSpPr txBox="1"/>
+            <p:nvPr/>
+          </p:nvSpPr>
+          <p:spPr>
+            <a:xfrm>
+              <a:off x="5863242" y="2649754"/>
+              <a:ext cx="1270000" cy="369332"/>
+            </a:xfrm>
+            <a:prstGeom prst="rect">
+              <a:avLst/>
+            </a:prstGeom>
+            <a:noFill/>
+          </p:spPr>
+          <p:txBody>
+            <a:bodyPr wrap="square" rtlCol="0">
+              <a:spAutoFit/>
+            </a:bodyPr>
+            <a:lstStyle/>
+            <a:p>
+              <a:pPr algn="ctr"/>
+              <a:r>
+                <a:rPr lang="en-US" dirty="0"/>
+                <a:t>type</a:t>
+              </a:r>
+            </a:p>
+          </p:txBody>
+        </p:sp>
+      </p:grpSp>
+      <p:sp>
+        <p:nvSpPr>
+          <p:cNvPr id="36" name="Textfeld 35">
+            <a:extLst>
+              <a:ext uri="{FF2B5EF4-FFF2-40B4-BE49-F238E27FC236}">
+                <a16:creationId xmlns:a16="http://schemas.microsoft.com/office/drawing/2014/main" id="{A6E6C2C2-963A-4004-A2E3-166CEEB94F83}"/>
+              </a:ext>
+            </a:extLst>
+          </p:cNvPr>
+          <p:cNvSpPr txBox="1"/>
+          <p:nvPr/>
+        </p:nvSpPr>
+        <p:spPr>
+          <a:xfrm>
+            <a:off x="3642078" y="5004832"/>
+            <a:ext cx="1451172" cy="369332"/>
+          </a:xfrm>
+          <a:prstGeom prst="rect">
+            <a:avLst/>
+          </a:prstGeom>
+          <a:noFill/>
+        </p:spPr>
+        <p:txBody>
+          <a:bodyPr wrap="square" rtlCol="0">
+            <a:spAutoFit/>
+          </a:bodyPr>
+          <a:lstStyle/>
+          <a:p>
+            <a:pPr algn="ctr"/>
+            <a:r>
+              <a:rPr lang="en-US" dirty="0"/>
+              <a:t>Fault</a:t>
+            </a:r>
+          </a:p>
+        </p:txBody>
+      </p:sp>
+      <p:sp>
+        <p:nvSpPr>
+          <p:cNvPr id="37" name="Textfeld 36">
+            <a:extLst>
+              <a:ext uri="{FF2B5EF4-FFF2-40B4-BE49-F238E27FC236}">
+                <a16:creationId xmlns:a16="http://schemas.microsoft.com/office/drawing/2014/main" id="{CCCD88DD-7F5A-4D31-A7CF-927674035E65}"/>
+              </a:ext>
+            </a:extLst>
+          </p:cNvPr>
+          <p:cNvSpPr txBox="1"/>
+          <p:nvPr/>
+        </p:nvSpPr>
+        <p:spPr>
+          <a:xfrm>
+            <a:off x="7933156" y="4611132"/>
+            <a:ext cx="1451172" cy="369332"/>
+          </a:xfrm>
+          <a:prstGeom prst="rect">
+            <a:avLst/>
+          </a:prstGeom>
+          <a:noFill/>
+        </p:spPr>
+        <p:txBody>
+          <a:bodyPr wrap="square" rtlCol="0">
+            <a:spAutoFit/>
+          </a:bodyPr>
+          <a:lstStyle/>
+          <a:p>
+            <a:pPr algn="ctr"/>
+            <a:r>
+              <a:rPr lang="en-US" dirty="0" err="1"/>
+              <a:t>isExternalId</a:t>
+            </a:r>
+            <a:endParaRPr lang="en-US" dirty="0"/>
+          </a:p>
+        </p:txBody>
+      </p:sp>
+      <p:sp>
+        <p:nvSpPr>
+          <p:cNvPr id="38" name="Textfeld 37">
+            <a:extLst>
+              <a:ext uri="{FF2B5EF4-FFF2-40B4-BE49-F238E27FC236}">
+                <a16:creationId xmlns:a16="http://schemas.microsoft.com/office/drawing/2014/main" id="{40432CF0-A6A3-46B2-AC07-DB47084C1ECB}"/>
+              </a:ext>
+            </a:extLst>
+          </p:cNvPr>
+          <p:cNvSpPr txBox="1"/>
+          <p:nvPr/>
+        </p:nvSpPr>
+        <p:spPr>
+          <a:xfrm>
+            <a:off x="7464228" y="4908257"/>
+            <a:ext cx="2072500" cy="369332"/>
+          </a:xfrm>
+          <a:prstGeom prst="rect">
+            <a:avLst/>
+          </a:prstGeom>
+          <a:noFill/>
+        </p:spPr>
+        <p:txBody>
+          <a:bodyPr wrap="square" rtlCol="0">
+            <a:spAutoFit/>
+          </a:bodyPr>
+          <a:lstStyle/>
+          <a:p>
+            <a:pPr algn="ctr"/>
+            <a:r>
+              <a:rPr lang="en-US" dirty="0" err="1"/>
+              <a:t>isStoredExternally</a:t>
+            </a:r>
+            <a:endParaRPr lang="en-US" dirty="0"/>
+          </a:p>
+        </p:txBody>
+      </p:sp>
+      <p:sp>
+        <p:nvSpPr>
+          <p:cNvPr id="39" name="Textfeld 38">
+            <a:extLst>
+              <a:ext uri="{FF2B5EF4-FFF2-40B4-BE49-F238E27FC236}">
+                <a16:creationId xmlns:a16="http://schemas.microsoft.com/office/drawing/2014/main" id="{B804715F-0F0C-4EE4-9588-C5B7F6C015D9}"/>
+              </a:ext>
+            </a:extLst>
+          </p:cNvPr>
+          <p:cNvSpPr txBox="1"/>
+          <p:nvPr/>
+        </p:nvSpPr>
+        <p:spPr>
+          <a:xfrm>
+            <a:off x="5461992" y="4671518"/>
+            <a:ext cx="2072500" cy="369332"/>
+          </a:xfrm>
+          <a:prstGeom prst="rect">
+            <a:avLst/>
+          </a:prstGeom>
+          <a:noFill/>
+        </p:spPr>
+        <p:txBody>
+          <a:bodyPr wrap="square" rtlCol="0">
+            <a:spAutoFit/>
+          </a:bodyPr>
+          <a:lstStyle/>
+          <a:p>
+            <a:pPr algn="ctr"/>
+            <a:r>
+              <a:rPr lang="en-US" dirty="0"/>
+              <a:t>mandatory</a:t>
+            </a:r>
+          </a:p>
+        </p:txBody>
+      </p:sp>
+      <p:sp>
+        <p:nvSpPr>
+          <p:cNvPr id="40" name="Textfeld 39">
+            <a:extLst>
+              <a:ext uri="{FF2B5EF4-FFF2-40B4-BE49-F238E27FC236}">
+                <a16:creationId xmlns:a16="http://schemas.microsoft.com/office/drawing/2014/main" id="{416666B2-EAF6-4FDC-8E84-B77184104291}"/>
+              </a:ext>
+            </a:extLst>
+          </p:cNvPr>
+          <p:cNvSpPr txBox="1"/>
+          <p:nvPr/>
+        </p:nvSpPr>
+        <p:spPr>
+          <a:xfrm>
+            <a:off x="7455610" y="5198143"/>
+            <a:ext cx="2072500" cy="369332"/>
+          </a:xfrm>
+          <a:prstGeom prst="rect">
+            <a:avLst/>
+          </a:prstGeom>
+          <a:noFill/>
+        </p:spPr>
+        <p:txBody>
+          <a:bodyPr wrap="square" rtlCol="0">
+            <a:spAutoFit/>
+          </a:bodyPr>
+          <a:lstStyle/>
+          <a:p>
+            <a:pPr algn="ctr"/>
+            <a:r>
+              <a:rPr lang="en-US" dirty="0" err="1"/>
+              <a:t>defaultValue</a:t>
+            </a:r>
+            <a:endParaRPr lang="en-US" dirty="0"/>
+          </a:p>
+        </p:txBody>
+      </p:sp>
+      <p:sp>
+        <p:nvSpPr>
+          <p:cNvPr id="41" name="Textfeld 40">
+            <a:extLst>
+              <a:ext uri="{FF2B5EF4-FFF2-40B4-BE49-F238E27FC236}">
+                <a16:creationId xmlns:a16="http://schemas.microsoft.com/office/drawing/2014/main" id="{338023DE-94D2-4437-9D16-91D470E2C6E5}"/>
+              </a:ext>
+            </a:extLst>
+          </p:cNvPr>
+          <p:cNvSpPr txBox="1"/>
+          <p:nvPr/>
+        </p:nvSpPr>
+        <p:spPr>
+          <a:xfrm>
+            <a:off x="7446992" y="5506465"/>
+            <a:ext cx="2072500" cy="369332"/>
+          </a:xfrm>
+          <a:prstGeom prst="rect">
+            <a:avLst/>
+          </a:prstGeom>
+          <a:noFill/>
+        </p:spPr>
+        <p:txBody>
+          <a:bodyPr wrap="square" rtlCol="0">
+            <a:spAutoFit/>
+          </a:bodyPr>
+          <a:lstStyle/>
+          <a:p>
+            <a:pPr algn="ctr"/>
+            <a:r>
+              <a:rPr lang="en-US" dirty="0"/>
+              <a:t>configuration</a:t>
+            </a:r>
+          </a:p>
+        </p:txBody>
+      </p:sp>
+      <p:sp>
+        <p:nvSpPr>
+          <p:cNvPr id="43" name="Textfeld 42">
+            <a:extLst>
+              <a:ext uri="{FF2B5EF4-FFF2-40B4-BE49-F238E27FC236}">
+                <a16:creationId xmlns:a16="http://schemas.microsoft.com/office/drawing/2014/main" id="{6EE8AAF0-6364-4687-9609-71F0613EBB0F}"/>
+              </a:ext>
+            </a:extLst>
+          </p:cNvPr>
+          <p:cNvSpPr txBox="1"/>
+          <p:nvPr/>
+        </p:nvSpPr>
+        <p:spPr>
+          <a:xfrm>
+            <a:off x="3502419" y="5321799"/>
+            <a:ext cx="2072500" cy="369332"/>
+          </a:xfrm>
+          <a:prstGeom prst="rect">
+            <a:avLst/>
+          </a:prstGeom>
+          <a:noFill/>
+        </p:spPr>
+        <p:txBody>
+          <a:bodyPr wrap="square" rtlCol="0">
+            <a:spAutoFit/>
+          </a:bodyPr>
+          <a:lstStyle/>
+          <a:p>
+            <a:pPr algn="ctr"/>
+            <a:r>
+              <a:rPr lang="en-US" dirty="0"/>
+              <a:t>multiplicity</a:t>
+            </a:r>
+          </a:p>
+        </p:txBody>
+      </p:sp>
+      <p:sp>
+        <p:nvSpPr>
+          <p:cNvPr id="44" name="Textfeld 43">
+            <a:extLst>
+              <a:ext uri="{FF2B5EF4-FFF2-40B4-BE49-F238E27FC236}">
+                <a16:creationId xmlns:a16="http://schemas.microsoft.com/office/drawing/2014/main" id="{9DD53197-1551-4A62-B288-B8E21B65C5B6}"/>
+              </a:ext>
+            </a:extLst>
+          </p:cNvPr>
+          <p:cNvSpPr txBox="1"/>
+          <p:nvPr/>
+        </p:nvSpPr>
+        <p:spPr>
+          <a:xfrm>
+            <a:off x="3790190" y="5630693"/>
+            <a:ext cx="2072500" cy="369332"/>
+          </a:xfrm>
+          <a:prstGeom prst="rect">
+            <a:avLst/>
+          </a:prstGeom>
+          <a:noFill/>
+        </p:spPr>
+        <p:txBody>
+          <a:bodyPr wrap="square" rtlCol="0">
+            <a:spAutoFit/>
+          </a:bodyPr>
+          <a:lstStyle/>
+          <a:p>
+            <a:pPr algn="ctr"/>
+            <a:r>
+              <a:rPr lang="en-US" dirty="0"/>
+              <a:t>extension</a:t>
+            </a:r>
+          </a:p>
+        </p:txBody>
+      </p:sp>
+      <p:sp>
+        <p:nvSpPr>
+          <p:cNvPr id="45" name="Textfeld 44">
+            <a:extLst>
+              <a:ext uri="{FF2B5EF4-FFF2-40B4-BE49-F238E27FC236}">
+                <a16:creationId xmlns:a16="http://schemas.microsoft.com/office/drawing/2014/main" id="{F2C5A54B-ACF3-4653-AD89-3E26C0386BD0}"/>
+              </a:ext>
+            </a:extLst>
+          </p:cNvPr>
+          <p:cNvSpPr txBox="1"/>
+          <p:nvPr/>
+        </p:nvSpPr>
+        <p:spPr>
+          <a:xfrm>
+            <a:off x="3927062" y="5947660"/>
+            <a:ext cx="2072500" cy="369332"/>
+          </a:xfrm>
+          <a:prstGeom prst="rect">
+            <a:avLst/>
+          </a:prstGeom>
+          <a:noFill/>
+        </p:spPr>
+        <p:txBody>
+          <a:bodyPr wrap="square" rtlCol="0">
+            <a:spAutoFit/>
+          </a:bodyPr>
+          <a:lstStyle/>
+          <a:p>
+            <a:pPr algn="ctr"/>
+            <a:r>
+              <a:rPr lang="en-US" dirty="0" err="1"/>
+              <a:t>readOnly</a:t>
+            </a:r>
+            <a:endParaRPr lang="en-US" dirty="0"/>
+          </a:p>
+        </p:txBody>
+      </p:sp>
+      <p:sp>
+        <p:nvSpPr>
+          <p:cNvPr id="46" name="Textfeld 45">
+            <a:extLst>
+              <a:ext uri="{FF2B5EF4-FFF2-40B4-BE49-F238E27FC236}">
+                <a16:creationId xmlns:a16="http://schemas.microsoft.com/office/drawing/2014/main" id="{F54580B2-5086-4D74-9A70-70EAD62FEB75}"/>
+              </a:ext>
+            </a:extLst>
+          </p:cNvPr>
+          <p:cNvSpPr txBox="1"/>
+          <p:nvPr/>
+        </p:nvSpPr>
+        <p:spPr>
+          <a:xfrm>
+            <a:off x="5461992" y="817313"/>
+            <a:ext cx="2072500" cy="369332"/>
+          </a:xfrm>
+          <a:prstGeom prst="rect">
+            <a:avLst/>
+          </a:prstGeom>
+          <a:noFill/>
+        </p:spPr>
+        <p:txBody>
+          <a:bodyPr wrap="square" rtlCol="0">
+            <a:spAutoFit/>
+          </a:bodyPr>
+          <a:lstStyle/>
+          <a:p>
+            <a:pPr algn="ctr"/>
+            <a:r>
+              <a:rPr lang="en-US" dirty="0" err="1"/>
+              <a:t>displayName</a:t>
+            </a:r>
+            <a:endParaRPr lang="en-US" dirty="0"/>
+          </a:p>
+        </p:txBody>
+      </p:sp>
+      <p:sp>
+        <p:nvSpPr>
+          <p:cNvPr id="47" name="Textfeld 46">
+            <a:extLst>
+              <a:ext uri="{FF2B5EF4-FFF2-40B4-BE49-F238E27FC236}">
+                <a16:creationId xmlns:a16="http://schemas.microsoft.com/office/drawing/2014/main" id="{1862AE34-2968-4101-9CE3-452C16CE4822}"/>
+              </a:ext>
+            </a:extLst>
+          </p:cNvPr>
+          <p:cNvSpPr txBox="1"/>
+          <p:nvPr/>
+        </p:nvSpPr>
+        <p:spPr>
+          <a:xfrm>
+            <a:off x="5514629" y="1186465"/>
+            <a:ext cx="2072500" cy="369332"/>
+          </a:xfrm>
+          <a:prstGeom prst="rect">
+            <a:avLst/>
+          </a:prstGeom>
+          <a:noFill/>
+        </p:spPr>
+        <p:txBody>
+          <a:bodyPr wrap="square" rtlCol="0">
+            <a:spAutoFit/>
+          </a:bodyPr>
+          <a:lstStyle/>
+          <a:p>
+            <a:pPr algn="ctr"/>
+            <a:r>
+              <a:rPr lang="en-US" dirty="0"/>
+              <a:t>comment</a:t>
+            </a:r>
+          </a:p>
+        </p:txBody>
+      </p:sp>
+      <p:sp>
+        <p:nvSpPr>
+          <p:cNvPr id="51" name="Textfeld 50">
+            <a:extLst>
+              <a:ext uri="{FF2B5EF4-FFF2-40B4-BE49-F238E27FC236}">
+                <a16:creationId xmlns:a16="http://schemas.microsoft.com/office/drawing/2014/main" id="{BDCB73BA-7F93-4949-95D9-D0F554168841}"/>
+              </a:ext>
+            </a:extLst>
+          </p:cNvPr>
+          <p:cNvSpPr txBox="1"/>
+          <p:nvPr/>
+        </p:nvSpPr>
+        <p:spPr>
+          <a:xfrm>
+            <a:off x="4723635" y="2236190"/>
+            <a:ext cx="1451172" cy="369332"/>
+          </a:xfrm>
+          <a:prstGeom prst="rect">
+            <a:avLst/>
+          </a:prstGeom>
+          <a:noFill/>
+        </p:spPr>
+        <p:txBody>
+          <a:bodyPr wrap="square" rtlCol="0">
+            <a:spAutoFit/>
+          </a:bodyPr>
+          <a:lstStyle/>
+          <a:p>
+            <a:pPr algn="ctr"/>
+            <a:r>
+              <a:rPr lang="en-US" dirty="0" err="1"/>
+              <a:t>displayname</a:t>
+            </a:r>
+            <a:endParaRPr lang="en-US" dirty="0"/>
+          </a:p>
+        </p:txBody>
+      </p:sp>
+      <p:sp>
+        <p:nvSpPr>
+          <p:cNvPr id="52" name="Textfeld 51">
+            <a:extLst>
+              <a:ext uri="{FF2B5EF4-FFF2-40B4-BE49-F238E27FC236}">
+                <a16:creationId xmlns:a16="http://schemas.microsoft.com/office/drawing/2014/main" id="{23A210F5-D595-41E3-997E-B449B8F1E676}"/>
+              </a:ext>
+            </a:extLst>
+          </p:cNvPr>
+          <p:cNvSpPr txBox="1"/>
+          <p:nvPr/>
+        </p:nvSpPr>
+        <p:spPr>
+          <a:xfrm>
+            <a:off x="4370778" y="2511552"/>
+            <a:ext cx="1451172" cy="369332"/>
+          </a:xfrm>
+          <a:prstGeom prst="rect">
+            <a:avLst/>
+          </a:prstGeom>
+          <a:noFill/>
+        </p:spPr>
+        <p:txBody>
+          <a:bodyPr wrap="square" rtlCol="0">
+            <a:spAutoFit/>
+          </a:bodyPr>
+          <a:lstStyle/>
+          <a:p>
+            <a:pPr algn="ctr"/>
+            <a:r>
+              <a:rPr lang="en-US" dirty="0" err="1"/>
+              <a:t>metaversion</a:t>
+            </a:r>
+            <a:endParaRPr lang="en-US" dirty="0"/>
+          </a:p>
+        </p:txBody>
+      </p:sp>
+      <p:sp>
+        <p:nvSpPr>
+          <p:cNvPr id="53" name="Textfeld 52">
+            <a:extLst>
+              <a:ext uri="{FF2B5EF4-FFF2-40B4-BE49-F238E27FC236}">
+                <a16:creationId xmlns:a16="http://schemas.microsoft.com/office/drawing/2014/main" id="{E6B02693-2994-477F-A2AE-A9272FC6C2B8}"/>
+              </a:ext>
+            </a:extLst>
+          </p:cNvPr>
+          <p:cNvSpPr txBox="1"/>
+          <p:nvPr/>
+        </p:nvSpPr>
+        <p:spPr>
+          <a:xfrm>
+            <a:off x="4427800" y="3059839"/>
+            <a:ext cx="1451172" cy="369332"/>
+          </a:xfrm>
+          <a:prstGeom prst="rect">
+            <a:avLst/>
+          </a:prstGeom>
+          <a:noFill/>
+        </p:spPr>
+        <p:txBody>
+          <a:bodyPr wrap="square" rtlCol="0">
+            <a:spAutoFit/>
+          </a:bodyPr>
+          <a:lstStyle/>
+          <a:p>
+            <a:pPr algn="ctr"/>
+            <a:r>
+              <a:rPr lang="en-US" dirty="0"/>
+              <a:t>namespace</a:t>
+            </a:r>
+          </a:p>
+        </p:txBody>
+      </p:sp>
+      <p:sp>
+        <p:nvSpPr>
+          <p:cNvPr id="54" name="Textfeld 53">
+            <a:extLst>
+              <a:ext uri="{FF2B5EF4-FFF2-40B4-BE49-F238E27FC236}">
+                <a16:creationId xmlns:a16="http://schemas.microsoft.com/office/drawing/2014/main" id="{310BF4A1-A7CF-406F-BD5D-FB260C29FA87}"/>
+              </a:ext>
+            </a:extLst>
+          </p:cNvPr>
+          <p:cNvSpPr txBox="1"/>
+          <p:nvPr/>
+        </p:nvSpPr>
+        <p:spPr>
+          <a:xfrm>
+            <a:off x="4427800" y="2786914"/>
+            <a:ext cx="1451172" cy="369332"/>
+          </a:xfrm>
+          <a:prstGeom prst="rect">
+            <a:avLst/>
+          </a:prstGeom>
+          <a:noFill/>
+        </p:spPr>
+        <p:txBody>
+          <a:bodyPr wrap="square" rtlCol="0">
+            <a:spAutoFit/>
+          </a:bodyPr>
+          <a:lstStyle/>
+          <a:p>
+            <a:pPr algn="ctr"/>
+            <a:r>
+              <a:rPr lang="en-US" dirty="0" err="1"/>
+              <a:t>modelversion</a:t>
+            </a:r>
+            <a:endParaRPr lang="en-US" dirty="0"/>
+          </a:p>
+        </p:txBody>
+      </p:sp>
+      <p:sp>
+        <p:nvSpPr>
+          <p:cNvPr id="9" name="Textfeld 8">
+            <a:extLst>
+              <a:ext uri="{FF2B5EF4-FFF2-40B4-BE49-F238E27FC236}">
+                <a16:creationId xmlns:a16="http://schemas.microsoft.com/office/drawing/2014/main" id="{65A02E6D-BA8B-42DF-8B44-E6F675D646FA}"/>
+              </a:ext>
+            </a:extLst>
+          </p:cNvPr>
+          <p:cNvSpPr txBox="1"/>
+          <p:nvPr/>
+        </p:nvSpPr>
+        <p:spPr>
+          <a:xfrm>
+            <a:off x="723900" y="184666"/>
+            <a:ext cx="1587500" cy="369332"/>
+          </a:xfrm>
+          <a:prstGeom prst="rect">
+            <a:avLst/>
+          </a:prstGeom>
+          <a:noFill/>
+        </p:spPr>
+        <p:txBody>
+          <a:bodyPr wrap="square" rtlCol="0">
+            <a:spAutoFit/>
+          </a:bodyPr>
+          <a:lstStyle/>
+          <a:p>
+            <a:r>
+              <a:rPr lang="en-US" dirty="0"/>
+              <a:t>Property</a:t>
+            </a:r>
+          </a:p>
+        </p:txBody>
+      </p:sp>
+    </p:spTree>
+    <p:extLst>
+      <p:ext uri="{BB962C8B-B14F-4D97-AF65-F5344CB8AC3E}">
+        <p14:creationId xmlns:p14="http://schemas.microsoft.com/office/powerpoint/2010/main" val="2889457584"/>
+      </p:ext>
+    </p:extLst>
+  </p:cSld>
+  <p:clrMapOvr>
+    <a:masterClrMapping/>
+  </p:clrMapOvr>
+</p:sld>
+</file>
+
+<file path=ppt/slides/slide15.xml><?xml version="1.0" encoding="utf-8"?>
+<p:sld xmlns:a="http://schemas.openxmlformats.org/drawingml/2006/main" xmlns:r="http://schemas.openxmlformats.org/officeDocument/2006/relationships" xmlns:p="http://schemas.openxmlformats.org/presentationml/2006/main">
+  <p:cSld>
+    <p:spTree>
+      <p:nvGrpSpPr>
+        <p:cNvPr id="1" name=""/>
+        <p:cNvGrpSpPr/>
+        <p:nvPr/>
+      </p:nvGrpSpPr>
+      <p:grpSpPr>
+        <a:xfrm>
+          <a:off x="0" y="0"/>
+          <a:ext cx="0" cy="0"/>
+          <a:chOff x="0" y="0"/>
+          <a:chExt cx="0" cy="0"/>
+        </a:xfrm>
+      </p:grpSpPr>
+      <p:grpSp>
+        <p:nvGrpSpPr>
+          <p:cNvPr id="12" name="Gruppieren 11">
+            <a:extLst>
+              <a:ext uri="{FF2B5EF4-FFF2-40B4-BE49-F238E27FC236}">
+                <a16:creationId xmlns:a16="http://schemas.microsoft.com/office/drawing/2014/main" id="{32B4F8BC-1F44-4B79-88D0-95D0B42CE0B3}"/>
+              </a:ext>
+            </a:extLst>
+          </p:cNvPr>
+          <p:cNvGrpSpPr/>
+          <p:nvPr/>
+        </p:nvGrpSpPr>
+        <p:grpSpPr>
+          <a:xfrm>
+            <a:off x="4370778" y="304548"/>
+            <a:ext cx="4320000" cy="4320000"/>
+            <a:chOff x="4460689" y="159014"/>
+            <a:chExt cx="4320000" cy="4320000"/>
+          </a:xfrm>
+        </p:grpSpPr>
+        <p:sp>
+          <p:nvSpPr>
+            <p:cNvPr id="3" name="Ellipse 2">
+              <a:extLst>
+                <a:ext uri="{FF2B5EF4-FFF2-40B4-BE49-F238E27FC236}">
+                  <a16:creationId xmlns:a16="http://schemas.microsoft.com/office/drawing/2014/main" id="{EDD5EAF0-05E4-4852-9F51-FED43F2440B6}"/>
+                </a:ext>
+              </a:extLst>
+            </p:cNvPr>
+            <p:cNvSpPr/>
+            <p:nvPr/>
+          </p:nvSpPr>
+          <p:spPr>
+            <a:xfrm>
+              <a:off x="4460689" y="159014"/>
+              <a:ext cx="4320000" cy="4320000"/>
+            </a:xfrm>
+            <a:prstGeom prst="ellipse">
+              <a:avLst/>
+            </a:prstGeom>
+            <a:solidFill>
+              <a:schemeClr val="accent4">
+                <a:alpha val="50000"/>
+              </a:schemeClr>
+            </a:solidFill>
+          </p:spPr>
+          <p:style>
+            <a:lnRef idx="2">
+              <a:schemeClr val="accent4">
+                <a:shade val="50000"/>
+              </a:schemeClr>
+            </a:lnRef>
+            <a:fillRef idx="1">
+              <a:schemeClr val="accent4"/>
+            </a:fillRef>
+            <a:effectRef idx="0">
+              <a:schemeClr val="accent4"/>
+            </a:effectRef>
+            <a:fontRef idx="minor">
+              <a:schemeClr val="lt1"/>
+            </a:fontRef>
+          </p:style>
+          <p:txBody>
+            <a:bodyPr rtlCol="0" anchor="ctr"/>
+            <a:lstStyle/>
+            <a:p>
+              <a:pPr algn="ctr"/>
+              <a:endParaRPr lang="en-US"/>
+            </a:p>
+          </p:txBody>
+        </p:sp>
+        <p:sp>
+          <p:nvSpPr>
+            <p:cNvPr id="5" name="Textfeld 4">
+              <a:extLst>
+                <a:ext uri="{FF2B5EF4-FFF2-40B4-BE49-F238E27FC236}">
+                  <a16:creationId xmlns:a16="http://schemas.microsoft.com/office/drawing/2014/main" id="{25FD82D3-2C4D-4B0A-A3BC-6C585E89E6C6}"/>
+                </a:ext>
+              </a:extLst>
+            </p:cNvPr>
+            <p:cNvSpPr txBox="1"/>
+            <p:nvPr/>
+          </p:nvSpPr>
+          <p:spPr>
+            <a:xfrm>
+              <a:off x="5839639" y="292376"/>
+              <a:ext cx="1562100" cy="400110"/>
+            </a:xfrm>
+            <a:prstGeom prst="rect">
+              <a:avLst/>
+            </a:prstGeom>
+            <a:noFill/>
+          </p:spPr>
+          <p:txBody>
+            <a:bodyPr wrap="square" rtlCol="0">
+              <a:spAutoFit/>
+            </a:bodyPr>
+            <a:lstStyle/>
+            <a:p>
+              <a:pPr algn="ctr"/>
+              <a:r>
+                <a:rPr lang="en-US" sz="2000" b="1" dirty="0"/>
+                <a:t>DTDL-MM</a:t>
+              </a:r>
+            </a:p>
+          </p:txBody>
+        </p:sp>
+      </p:grpSp>
+      <p:grpSp>
+        <p:nvGrpSpPr>
+          <p:cNvPr id="10" name="Gruppieren 9">
+            <a:extLst>
+              <a:ext uri="{FF2B5EF4-FFF2-40B4-BE49-F238E27FC236}">
+                <a16:creationId xmlns:a16="http://schemas.microsoft.com/office/drawing/2014/main" id="{9BBF7198-B69E-4AF6-AB1E-D5DFE651C0B5}"/>
+              </a:ext>
+            </a:extLst>
+          </p:cNvPr>
+          <p:cNvGrpSpPr/>
+          <p:nvPr/>
+        </p:nvGrpSpPr>
+        <p:grpSpPr>
+          <a:xfrm>
+            <a:off x="3289221" y="2233452"/>
+            <a:ext cx="4320000" cy="4320000"/>
+            <a:chOff x="2892360" y="2378986"/>
+            <a:chExt cx="4320000" cy="4320000"/>
+          </a:xfrm>
+        </p:grpSpPr>
+        <p:sp>
+          <p:nvSpPr>
+            <p:cNvPr id="2" name="Ellipse 1">
+              <a:extLst>
+                <a:ext uri="{FF2B5EF4-FFF2-40B4-BE49-F238E27FC236}">
+                  <a16:creationId xmlns:a16="http://schemas.microsoft.com/office/drawing/2014/main" id="{499A0BE2-9610-4013-B491-A19F39EE399B}"/>
+                </a:ext>
+              </a:extLst>
+            </p:cNvPr>
+            <p:cNvSpPr/>
+            <p:nvPr/>
+          </p:nvSpPr>
+          <p:spPr>
+            <a:xfrm>
+              <a:off x="2892360" y="2378986"/>
+              <a:ext cx="4320000" cy="4320000"/>
+            </a:xfrm>
+            <a:prstGeom prst="ellipse">
+              <a:avLst/>
+            </a:prstGeom>
+            <a:solidFill>
+              <a:schemeClr val="accent1">
+                <a:alpha val="50000"/>
+              </a:schemeClr>
+            </a:solidFill>
+          </p:spPr>
+          <p:style>
+            <a:lnRef idx="2">
+              <a:schemeClr val="accent1">
+                <a:shade val="50000"/>
+              </a:schemeClr>
+            </a:lnRef>
+            <a:fillRef idx="1">
+              <a:schemeClr val="accent1"/>
+            </a:fillRef>
+            <a:effectRef idx="0">
+              <a:schemeClr val="accent1"/>
+            </a:effectRef>
+            <a:fontRef idx="minor">
+              <a:schemeClr val="lt1"/>
+            </a:fontRef>
+          </p:style>
+          <p:txBody>
+            <a:bodyPr rtlCol="0" anchor="ctr"/>
+            <a:lstStyle/>
+            <a:p>
+              <a:pPr algn="ctr"/>
+              <a:endParaRPr lang="en-US"/>
+            </a:p>
+          </p:txBody>
+        </p:sp>
+        <p:sp>
+          <p:nvSpPr>
+            <p:cNvPr id="7" name="Textfeld 6">
+              <a:extLst>
+                <a:ext uri="{FF2B5EF4-FFF2-40B4-BE49-F238E27FC236}">
+                  <a16:creationId xmlns:a16="http://schemas.microsoft.com/office/drawing/2014/main" id="{25CC551A-9874-47D5-8255-C6BE572BE0BE}"/>
+                </a:ext>
+              </a:extLst>
+            </p:cNvPr>
+            <p:cNvSpPr txBox="1"/>
+            <p:nvPr/>
+          </p:nvSpPr>
+          <p:spPr>
+            <a:xfrm>
+              <a:off x="2898589" y="4354320"/>
+              <a:ext cx="1292092" cy="400110"/>
+            </a:xfrm>
+            <a:prstGeom prst="rect">
+              <a:avLst/>
+            </a:prstGeom>
+            <a:noFill/>
+          </p:spPr>
+          <p:txBody>
+            <a:bodyPr wrap="square" rtlCol="0">
+              <a:spAutoFit/>
+            </a:bodyPr>
+            <a:lstStyle/>
+            <a:p>
+              <a:pPr algn="ctr"/>
+              <a:r>
+                <a:rPr lang="en-US" sz="2000" b="1" dirty="0"/>
+                <a:t>VL-MM</a:t>
+              </a:r>
+            </a:p>
+          </p:txBody>
+        </p:sp>
+      </p:grpSp>
+      <p:grpSp>
+        <p:nvGrpSpPr>
+          <p:cNvPr id="11" name="Gruppieren 10">
+            <a:extLst>
+              <a:ext uri="{FF2B5EF4-FFF2-40B4-BE49-F238E27FC236}">
+                <a16:creationId xmlns:a16="http://schemas.microsoft.com/office/drawing/2014/main" id="{396DCE22-4741-41E0-8AF9-34F27128A979}"/>
+              </a:ext>
+            </a:extLst>
+          </p:cNvPr>
+          <p:cNvGrpSpPr/>
+          <p:nvPr/>
+        </p:nvGrpSpPr>
+        <p:grpSpPr>
+          <a:xfrm>
+            <a:off x="5449221" y="2233452"/>
+            <a:ext cx="4320000" cy="4320000"/>
+            <a:chOff x="5439635" y="2378986"/>
+            <a:chExt cx="4320000" cy="4320000"/>
+          </a:xfrm>
+        </p:grpSpPr>
+        <p:sp>
+          <p:nvSpPr>
+            <p:cNvPr id="4" name="Ellipse 3">
+              <a:extLst>
+                <a:ext uri="{FF2B5EF4-FFF2-40B4-BE49-F238E27FC236}">
+                  <a16:creationId xmlns:a16="http://schemas.microsoft.com/office/drawing/2014/main" id="{8BD9BD9C-C195-40C2-BC5E-06E9DB1FDDB1}"/>
+                </a:ext>
+              </a:extLst>
+            </p:cNvPr>
+            <p:cNvSpPr/>
+            <p:nvPr/>
+          </p:nvSpPr>
+          <p:spPr>
+            <a:xfrm>
+              <a:off x="5439635" y="2378986"/>
+              <a:ext cx="4320000" cy="4320000"/>
+            </a:xfrm>
+            <a:prstGeom prst="ellipse">
+              <a:avLst/>
+            </a:prstGeom>
+            <a:solidFill>
+              <a:schemeClr val="accent6">
+                <a:alpha val="50000"/>
+              </a:schemeClr>
+            </a:solidFill>
+          </p:spPr>
+          <p:style>
+            <a:lnRef idx="2">
+              <a:schemeClr val="accent6">
+                <a:shade val="50000"/>
+              </a:schemeClr>
+            </a:lnRef>
+            <a:fillRef idx="1">
+              <a:schemeClr val="accent6"/>
+            </a:fillRef>
+            <a:effectRef idx="0">
+              <a:schemeClr val="accent6"/>
+            </a:effectRef>
+            <a:fontRef idx="minor">
+              <a:schemeClr val="lt1"/>
+            </a:fontRef>
+          </p:style>
+          <p:txBody>
+            <a:bodyPr rtlCol="0" anchor="ctr"/>
+            <a:lstStyle/>
+            <a:p>
+              <a:pPr algn="ctr"/>
+              <a:endParaRPr lang="en-US"/>
+            </a:p>
+          </p:txBody>
+        </p:sp>
+        <p:sp>
+          <p:nvSpPr>
+            <p:cNvPr id="8" name="Textfeld 7">
+              <a:extLst>
+                <a:ext uri="{FF2B5EF4-FFF2-40B4-BE49-F238E27FC236}">
+                  <a16:creationId xmlns:a16="http://schemas.microsoft.com/office/drawing/2014/main" id="{4D25D72F-3E73-4D47-A515-47DF65459B72}"/>
+                </a:ext>
+              </a:extLst>
+            </p:cNvPr>
+            <p:cNvSpPr txBox="1"/>
+            <p:nvPr/>
+          </p:nvSpPr>
+          <p:spPr>
+            <a:xfrm>
+              <a:off x="8461314" y="4354320"/>
+              <a:ext cx="1292092" cy="400110"/>
+            </a:xfrm>
+            <a:prstGeom prst="rect">
+              <a:avLst/>
+            </a:prstGeom>
+            <a:noFill/>
+          </p:spPr>
+          <p:txBody>
+            <a:bodyPr wrap="square" rtlCol="0">
+              <a:spAutoFit/>
+            </a:bodyPr>
+            <a:lstStyle/>
+            <a:p>
+              <a:pPr algn="ctr"/>
+              <a:r>
+                <a:rPr lang="en-US" sz="2000" b="1" dirty="0"/>
+                <a:t>TM-MM</a:t>
+              </a:r>
+            </a:p>
+          </p:txBody>
+        </p:sp>
+      </p:grpSp>
+      <p:sp>
+        <p:nvSpPr>
+          <p:cNvPr id="18" name="Textfeld 17">
+            <a:extLst>
+              <a:ext uri="{FF2B5EF4-FFF2-40B4-BE49-F238E27FC236}">
+                <a16:creationId xmlns:a16="http://schemas.microsoft.com/office/drawing/2014/main" id="{F09C0655-361A-448E-93B6-EE6F698717E8}"/>
+              </a:ext>
+            </a:extLst>
+          </p:cNvPr>
+          <p:cNvSpPr txBox="1"/>
+          <p:nvPr/>
+        </p:nvSpPr>
+        <p:spPr>
+          <a:xfrm>
+            <a:off x="6555702" y="799742"/>
+            <a:ext cx="1451172" cy="369332"/>
+          </a:xfrm>
+          <a:prstGeom prst="rect">
+            <a:avLst/>
+          </a:prstGeom>
+          <a:noFill/>
+        </p:spPr>
+        <p:txBody>
+          <a:bodyPr wrap="square" rtlCol="0">
+            <a:spAutoFit/>
+          </a:bodyPr>
+          <a:lstStyle/>
+          <a:p>
+            <a:pPr algn="ctr"/>
+            <a:r>
+              <a:rPr lang="en-US" dirty="0" err="1"/>
+              <a:t>displayname</a:t>
+            </a:r>
+            <a:endParaRPr lang="en-US" dirty="0"/>
+          </a:p>
+        </p:txBody>
+      </p:sp>
+      <p:sp>
+        <p:nvSpPr>
+          <p:cNvPr id="19" name="Textfeld 18">
+            <a:extLst>
+              <a:ext uri="{FF2B5EF4-FFF2-40B4-BE49-F238E27FC236}">
+                <a16:creationId xmlns:a16="http://schemas.microsoft.com/office/drawing/2014/main" id="{4FF1C844-2A4F-4C24-8566-20F8B3BE788F}"/>
+              </a:ext>
+            </a:extLst>
+          </p:cNvPr>
+          <p:cNvSpPr txBox="1"/>
+          <p:nvPr/>
+        </p:nvSpPr>
+        <p:spPr>
+          <a:xfrm>
+            <a:off x="6426183" y="1066050"/>
+            <a:ext cx="1710210" cy="369332"/>
+          </a:xfrm>
+          <a:prstGeom prst="rect">
+            <a:avLst/>
+          </a:prstGeom>
+          <a:noFill/>
+        </p:spPr>
+        <p:txBody>
+          <a:bodyPr wrap="square" rtlCol="0">
+            <a:spAutoFit/>
+          </a:bodyPr>
+          <a:lstStyle/>
+          <a:p>
+            <a:pPr algn="ctr"/>
+            <a:r>
+              <a:rPr lang="en-US" dirty="0" err="1"/>
+              <a:t>languageversion</a:t>
+            </a:r>
+            <a:endParaRPr lang="en-US" dirty="0"/>
+          </a:p>
+        </p:txBody>
+      </p:sp>
+      <p:sp>
+        <p:nvSpPr>
+          <p:cNvPr id="20" name="Textfeld 19">
+            <a:extLst>
+              <a:ext uri="{FF2B5EF4-FFF2-40B4-BE49-F238E27FC236}">
+                <a16:creationId xmlns:a16="http://schemas.microsoft.com/office/drawing/2014/main" id="{6367BEAD-90AB-4B84-A8F7-413636D10F4D}"/>
+              </a:ext>
+            </a:extLst>
+          </p:cNvPr>
+          <p:cNvSpPr txBox="1"/>
+          <p:nvPr/>
+        </p:nvSpPr>
+        <p:spPr>
+          <a:xfrm>
+            <a:off x="5035127" y="1058184"/>
+            <a:ext cx="1451172" cy="369332"/>
+          </a:xfrm>
+          <a:prstGeom prst="rect">
+            <a:avLst/>
+          </a:prstGeom>
+          <a:noFill/>
+        </p:spPr>
+        <p:txBody>
+          <a:bodyPr wrap="square" rtlCol="0">
+            <a:spAutoFit/>
+          </a:bodyPr>
+          <a:lstStyle/>
+          <a:p>
+            <a:pPr algn="ctr"/>
+            <a:r>
+              <a:rPr lang="en-US" dirty="0"/>
+              <a:t>namespace</a:t>
+            </a:r>
+          </a:p>
+        </p:txBody>
+      </p:sp>
+      <p:sp>
+        <p:nvSpPr>
+          <p:cNvPr id="21" name="Textfeld 20">
+            <a:extLst>
+              <a:ext uri="{FF2B5EF4-FFF2-40B4-BE49-F238E27FC236}">
+                <a16:creationId xmlns:a16="http://schemas.microsoft.com/office/drawing/2014/main" id="{2BD938C7-A59D-4914-AB19-C1B48D4DA289}"/>
+              </a:ext>
+            </a:extLst>
+          </p:cNvPr>
+          <p:cNvSpPr txBox="1"/>
+          <p:nvPr/>
+        </p:nvSpPr>
+        <p:spPr>
+          <a:xfrm>
+            <a:off x="5035127" y="794510"/>
+            <a:ext cx="1451172" cy="369332"/>
+          </a:xfrm>
+          <a:prstGeom prst="rect">
+            <a:avLst/>
+          </a:prstGeom>
+          <a:noFill/>
+        </p:spPr>
+        <p:txBody>
+          <a:bodyPr wrap="square" rtlCol="0">
+            <a:spAutoFit/>
+          </a:bodyPr>
+          <a:lstStyle/>
+          <a:p>
+            <a:pPr algn="ctr"/>
+            <a:r>
+              <a:rPr lang="en-US" dirty="0"/>
+              <a:t>comment</a:t>
+            </a:r>
+          </a:p>
+        </p:txBody>
+      </p:sp>
+      <p:sp>
+        <p:nvSpPr>
+          <p:cNvPr id="23" name="Textfeld 22">
+            <a:extLst>
+              <a:ext uri="{FF2B5EF4-FFF2-40B4-BE49-F238E27FC236}">
+                <a16:creationId xmlns:a16="http://schemas.microsoft.com/office/drawing/2014/main" id="{C1F77E18-8363-4AAC-8558-3A815AF80C28}"/>
+              </a:ext>
+            </a:extLst>
+          </p:cNvPr>
+          <p:cNvSpPr txBox="1"/>
+          <p:nvPr/>
+        </p:nvSpPr>
+        <p:spPr>
+          <a:xfrm>
+            <a:off x="3861956" y="4771216"/>
+            <a:ext cx="1451172" cy="369332"/>
+          </a:xfrm>
+          <a:prstGeom prst="rect">
+            <a:avLst/>
+          </a:prstGeom>
+          <a:noFill/>
+        </p:spPr>
+        <p:txBody>
+          <a:bodyPr wrap="square" rtlCol="0">
+            <a:spAutoFit/>
+          </a:bodyPr>
+          <a:lstStyle/>
+          <a:p>
+            <a:pPr algn="ctr"/>
+            <a:r>
+              <a:rPr lang="en-US" dirty="0"/>
+              <a:t>mandatory</a:t>
+            </a:r>
+          </a:p>
+        </p:txBody>
+      </p:sp>
+      <p:sp>
+        <p:nvSpPr>
+          <p:cNvPr id="27" name="Textfeld 26">
+            <a:extLst>
+              <a:ext uri="{FF2B5EF4-FFF2-40B4-BE49-F238E27FC236}">
+                <a16:creationId xmlns:a16="http://schemas.microsoft.com/office/drawing/2014/main" id="{352CB0FB-0088-4174-B8FB-61CCFE2AB2A3}"/>
+              </a:ext>
+            </a:extLst>
+          </p:cNvPr>
+          <p:cNvSpPr txBox="1"/>
+          <p:nvPr/>
+        </p:nvSpPr>
+        <p:spPr>
+          <a:xfrm>
+            <a:off x="723900" y="184666"/>
+            <a:ext cx="1587500" cy="369332"/>
+          </a:xfrm>
+          <a:prstGeom prst="rect">
+            <a:avLst/>
+          </a:prstGeom>
+          <a:noFill/>
+        </p:spPr>
+        <p:txBody>
+          <a:bodyPr wrap="square" rtlCol="0">
+            <a:spAutoFit/>
+          </a:bodyPr>
+          <a:lstStyle/>
+          <a:p>
+            <a:r>
+              <a:rPr lang="en-US" dirty="0"/>
+              <a:t>Command</a:t>
+            </a:r>
+          </a:p>
+        </p:txBody>
+      </p:sp>
+      <p:sp>
+        <p:nvSpPr>
+          <p:cNvPr id="28" name="Textfeld 27">
+            <a:extLst>
+              <a:ext uri="{FF2B5EF4-FFF2-40B4-BE49-F238E27FC236}">
+                <a16:creationId xmlns:a16="http://schemas.microsoft.com/office/drawing/2014/main" id="{C2BA7FE5-40AF-49A9-B368-FB5074A5DB66}"/>
+              </a:ext>
+            </a:extLst>
+          </p:cNvPr>
+          <p:cNvSpPr txBox="1"/>
+          <p:nvPr/>
+        </p:nvSpPr>
+        <p:spPr>
+          <a:xfrm>
+            <a:off x="4440181" y="2397592"/>
+            <a:ext cx="1451172" cy="369332"/>
+          </a:xfrm>
+          <a:prstGeom prst="rect">
+            <a:avLst/>
+          </a:prstGeom>
+          <a:noFill/>
+        </p:spPr>
+        <p:txBody>
+          <a:bodyPr wrap="square" rtlCol="0">
+            <a:spAutoFit/>
+          </a:bodyPr>
+          <a:lstStyle/>
+          <a:p>
+            <a:pPr algn="ctr"/>
+            <a:r>
+              <a:rPr lang="en-US" dirty="0" err="1"/>
+              <a:t>returnType</a:t>
+            </a:r>
+            <a:endParaRPr lang="en-US" dirty="0"/>
+          </a:p>
+        </p:txBody>
+      </p:sp>
+      <p:sp>
+        <p:nvSpPr>
+          <p:cNvPr id="29" name="Textfeld 28">
+            <a:extLst>
+              <a:ext uri="{FF2B5EF4-FFF2-40B4-BE49-F238E27FC236}">
+                <a16:creationId xmlns:a16="http://schemas.microsoft.com/office/drawing/2014/main" id="{A9AA3E93-216F-4A32-BF5E-9F30D68533FF}"/>
+              </a:ext>
+            </a:extLst>
+          </p:cNvPr>
+          <p:cNvSpPr txBox="1"/>
+          <p:nvPr/>
+        </p:nvSpPr>
+        <p:spPr>
+          <a:xfrm>
+            <a:off x="4474909" y="2689438"/>
+            <a:ext cx="1451172" cy="369332"/>
+          </a:xfrm>
+          <a:prstGeom prst="rect">
+            <a:avLst/>
+          </a:prstGeom>
+          <a:noFill/>
+        </p:spPr>
+        <p:txBody>
+          <a:bodyPr wrap="square" rtlCol="0">
+            <a:spAutoFit/>
+          </a:bodyPr>
+          <a:lstStyle/>
+          <a:p>
+            <a:pPr algn="ctr"/>
+            <a:r>
+              <a:rPr lang="en-US" dirty="0"/>
+              <a:t>parameters</a:t>
+            </a:r>
+          </a:p>
+        </p:txBody>
+      </p:sp>
+      <p:sp>
+        <p:nvSpPr>
+          <p:cNvPr id="30" name="Textfeld 29">
+            <a:extLst>
+              <a:ext uri="{FF2B5EF4-FFF2-40B4-BE49-F238E27FC236}">
+                <a16:creationId xmlns:a16="http://schemas.microsoft.com/office/drawing/2014/main" id="{18721EF8-5D08-4EA0-BF6F-65E9202D6D5C}"/>
+              </a:ext>
+            </a:extLst>
+          </p:cNvPr>
+          <p:cNvSpPr txBox="1"/>
+          <p:nvPr/>
+        </p:nvSpPr>
+        <p:spPr>
+          <a:xfrm>
+            <a:off x="7611969" y="4624548"/>
+            <a:ext cx="2151390" cy="369332"/>
+          </a:xfrm>
+          <a:prstGeom prst="rect">
+            <a:avLst/>
+          </a:prstGeom>
+          <a:noFill/>
+        </p:spPr>
+        <p:txBody>
+          <a:bodyPr wrap="square" rtlCol="0">
+            <a:spAutoFit/>
+          </a:bodyPr>
+          <a:lstStyle/>
+          <a:p>
+            <a:pPr algn="ctr"/>
+            <a:r>
+              <a:rPr lang="en-US" dirty="0" err="1"/>
+              <a:t>requiredProperties</a:t>
+            </a:r>
+            <a:endParaRPr lang="en-US" dirty="0"/>
+          </a:p>
+        </p:txBody>
+      </p:sp>
+      <p:sp>
+        <p:nvSpPr>
+          <p:cNvPr id="31" name="Textfeld 30">
+            <a:extLst>
+              <a:ext uri="{FF2B5EF4-FFF2-40B4-BE49-F238E27FC236}">
+                <a16:creationId xmlns:a16="http://schemas.microsoft.com/office/drawing/2014/main" id="{7ED70AC3-F2DF-4B4F-933F-39515490D4CB}"/>
+              </a:ext>
+            </a:extLst>
+          </p:cNvPr>
+          <p:cNvSpPr txBox="1"/>
+          <p:nvPr/>
+        </p:nvSpPr>
+        <p:spPr>
+          <a:xfrm>
+            <a:off x="7606107" y="4880176"/>
+            <a:ext cx="2151390" cy="369332"/>
+          </a:xfrm>
+          <a:prstGeom prst="rect">
+            <a:avLst/>
+          </a:prstGeom>
+          <a:noFill/>
+        </p:spPr>
+        <p:txBody>
+          <a:bodyPr wrap="square" rtlCol="0">
+            <a:spAutoFit/>
+          </a:bodyPr>
+          <a:lstStyle/>
+          <a:p>
+            <a:pPr algn="ctr"/>
+            <a:r>
+              <a:rPr lang="en-US" dirty="0" err="1"/>
+              <a:t>implementedBy</a:t>
+            </a:r>
+            <a:endParaRPr lang="en-US" dirty="0"/>
+          </a:p>
+        </p:txBody>
+      </p:sp>
+      <p:sp>
+        <p:nvSpPr>
+          <p:cNvPr id="32" name="Textfeld 31">
+            <a:extLst>
+              <a:ext uri="{FF2B5EF4-FFF2-40B4-BE49-F238E27FC236}">
+                <a16:creationId xmlns:a16="http://schemas.microsoft.com/office/drawing/2014/main" id="{47E84FC4-D9E3-4164-BC50-810C7DECFA6E}"/>
+              </a:ext>
+            </a:extLst>
+          </p:cNvPr>
+          <p:cNvSpPr txBox="1"/>
+          <p:nvPr/>
+        </p:nvSpPr>
+        <p:spPr>
+          <a:xfrm>
+            <a:off x="7395205" y="5276520"/>
+            <a:ext cx="2151390" cy="369332"/>
+          </a:xfrm>
+          <a:prstGeom prst="rect">
+            <a:avLst/>
+          </a:prstGeom>
+          <a:noFill/>
+        </p:spPr>
+        <p:txBody>
+          <a:bodyPr wrap="square" rtlCol="0">
+            <a:spAutoFit/>
+          </a:bodyPr>
+          <a:lstStyle/>
+          <a:p>
+            <a:pPr algn="ctr"/>
+            <a:r>
+              <a:rPr lang="en-US" dirty="0"/>
+              <a:t>scope</a:t>
+            </a:r>
+          </a:p>
+        </p:txBody>
+      </p:sp>
+      <p:sp>
+        <p:nvSpPr>
+          <p:cNvPr id="33" name="Textfeld 32">
+            <a:extLst>
+              <a:ext uri="{FF2B5EF4-FFF2-40B4-BE49-F238E27FC236}">
+                <a16:creationId xmlns:a16="http://schemas.microsoft.com/office/drawing/2014/main" id="{4B4C0D96-8340-41AE-B2CF-DC0092F96D25}"/>
+              </a:ext>
+            </a:extLst>
+          </p:cNvPr>
+          <p:cNvSpPr txBox="1"/>
+          <p:nvPr/>
+        </p:nvSpPr>
+        <p:spPr>
+          <a:xfrm>
+            <a:off x="5894101" y="2944165"/>
+            <a:ext cx="1177060" cy="369332"/>
+          </a:xfrm>
+          <a:prstGeom prst="rect">
+            <a:avLst/>
+          </a:prstGeom>
+          <a:noFill/>
+        </p:spPr>
+        <p:txBody>
+          <a:bodyPr wrap="square" rtlCol="0">
+            <a:spAutoFit/>
+          </a:bodyPr>
+          <a:lstStyle/>
+          <a:p>
+            <a:pPr algn="ctr"/>
+            <a:r>
+              <a:rPr lang="en-US" dirty="0"/>
+              <a:t>name</a:t>
+            </a:r>
+          </a:p>
+        </p:txBody>
+      </p:sp>
+      <p:sp>
+        <p:nvSpPr>
+          <p:cNvPr id="34" name="Textfeld 33">
+            <a:extLst>
+              <a:ext uri="{FF2B5EF4-FFF2-40B4-BE49-F238E27FC236}">
+                <a16:creationId xmlns:a16="http://schemas.microsoft.com/office/drawing/2014/main" id="{B7BB9AB5-BA61-4107-BE5F-46F9A8D5442A}"/>
+              </a:ext>
+            </a:extLst>
+          </p:cNvPr>
+          <p:cNvSpPr txBox="1"/>
+          <p:nvPr/>
+        </p:nvSpPr>
+        <p:spPr>
+          <a:xfrm>
+            <a:off x="4591330" y="2969544"/>
+            <a:ext cx="1292091" cy="369332"/>
+          </a:xfrm>
+          <a:prstGeom prst="rect">
+            <a:avLst/>
+          </a:prstGeom>
+          <a:noFill/>
+        </p:spPr>
+        <p:txBody>
+          <a:bodyPr wrap="square" rtlCol="0">
+            <a:spAutoFit/>
+          </a:bodyPr>
+          <a:lstStyle/>
+          <a:p>
+            <a:pPr algn="ctr"/>
+            <a:r>
+              <a:rPr lang="en-US" dirty="0"/>
+              <a:t>description</a:t>
+            </a:r>
+          </a:p>
+        </p:txBody>
+      </p:sp>
+      <p:sp>
+        <p:nvSpPr>
+          <p:cNvPr id="35" name="Textfeld 34">
+            <a:extLst>
+              <a:ext uri="{FF2B5EF4-FFF2-40B4-BE49-F238E27FC236}">
+                <a16:creationId xmlns:a16="http://schemas.microsoft.com/office/drawing/2014/main" id="{EBA6BF9C-9A27-4E6A-A2A6-A3C0EE9D01A1}"/>
+              </a:ext>
+            </a:extLst>
+          </p:cNvPr>
+          <p:cNvSpPr txBox="1"/>
+          <p:nvPr/>
+        </p:nvSpPr>
+        <p:spPr>
+          <a:xfrm>
+            <a:off x="3861956" y="5147516"/>
+            <a:ext cx="1451172" cy="369332"/>
+          </a:xfrm>
+          <a:prstGeom prst="rect">
+            <a:avLst/>
+          </a:prstGeom>
+          <a:noFill/>
+        </p:spPr>
+        <p:txBody>
+          <a:bodyPr wrap="square" rtlCol="0">
+            <a:spAutoFit/>
+          </a:bodyPr>
+          <a:lstStyle/>
+          <a:p>
+            <a:pPr algn="ctr"/>
+            <a:r>
+              <a:rPr lang="en-US" dirty="0"/>
+              <a:t>breakable</a:t>
+            </a:r>
+          </a:p>
+        </p:txBody>
+      </p:sp>
+      <p:sp>
+        <p:nvSpPr>
+          <p:cNvPr id="36" name="Textfeld 35">
+            <a:extLst>
+              <a:ext uri="{FF2B5EF4-FFF2-40B4-BE49-F238E27FC236}">
+                <a16:creationId xmlns:a16="http://schemas.microsoft.com/office/drawing/2014/main" id="{9D5FF638-B739-4CB9-A139-2D2BFC855EA7}"/>
+              </a:ext>
+            </a:extLst>
+          </p:cNvPr>
+          <p:cNvSpPr txBox="1"/>
+          <p:nvPr/>
+        </p:nvSpPr>
+        <p:spPr>
+          <a:xfrm>
+            <a:off x="3884877" y="5523816"/>
+            <a:ext cx="1451172" cy="369332"/>
+          </a:xfrm>
+          <a:prstGeom prst="rect">
+            <a:avLst/>
+          </a:prstGeom>
+          <a:noFill/>
+        </p:spPr>
+        <p:txBody>
+          <a:bodyPr wrap="square" rtlCol="0">
+            <a:spAutoFit/>
+          </a:bodyPr>
+          <a:lstStyle/>
+          <a:p>
+            <a:pPr algn="ctr"/>
+            <a:r>
+              <a:rPr lang="en-US" dirty="0"/>
+              <a:t>extension</a:t>
+            </a:r>
+          </a:p>
+        </p:txBody>
+      </p:sp>
+      <p:sp>
+        <p:nvSpPr>
+          <p:cNvPr id="37" name="Textfeld 36">
+            <a:extLst>
+              <a:ext uri="{FF2B5EF4-FFF2-40B4-BE49-F238E27FC236}">
+                <a16:creationId xmlns:a16="http://schemas.microsoft.com/office/drawing/2014/main" id="{DA9F2D22-6C72-4A3C-8976-D1F9A10D1222}"/>
+              </a:ext>
+            </a:extLst>
+          </p:cNvPr>
+          <p:cNvSpPr txBox="1"/>
+          <p:nvPr/>
+        </p:nvSpPr>
+        <p:spPr>
+          <a:xfrm>
+            <a:off x="5035127" y="1321857"/>
+            <a:ext cx="1451172" cy="369332"/>
+          </a:xfrm>
+          <a:prstGeom prst="rect">
+            <a:avLst/>
+          </a:prstGeom>
+          <a:noFill/>
+        </p:spPr>
+        <p:txBody>
+          <a:bodyPr wrap="square" rtlCol="0">
+            <a:spAutoFit/>
+          </a:bodyPr>
+          <a:lstStyle/>
+          <a:p>
+            <a:pPr algn="ctr"/>
+            <a:r>
+              <a:rPr lang="en-US" dirty="0"/>
+              <a:t>version</a:t>
+            </a:r>
+          </a:p>
+        </p:txBody>
+      </p:sp>
+      <p:sp>
+        <p:nvSpPr>
+          <p:cNvPr id="38" name="Textfeld 37">
+            <a:extLst>
+              <a:ext uri="{FF2B5EF4-FFF2-40B4-BE49-F238E27FC236}">
+                <a16:creationId xmlns:a16="http://schemas.microsoft.com/office/drawing/2014/main" id="{65A8092A-2447-4966-B44E-1F5433B4D11C}"/>
+              </a:ext>
+            </a:extLst>
+          </p:cNvPr>
+          <p:cNvSpPr txBox="1"/>
+          <p:nvPr/>
+        </p:nvSpPr>
+        <p:spPr>
+          <a:xfrm>
+            <a:off x="6555702" y="1332358"/>
+            <a:ext cx="1451172" cy="369332"/>
+          </a:xfrm>
+          <a:prstGeom prst="rect">
+            <a:avLst/>
+          </a:prstGeom>
+          <a:noFill/>
+        </p:spPr>
+        <p:txBody>
+          <a:bodyPr wrap="square" rtlCol="0">
+            <a:spAutoFit/>
+          </a:bodyPr>
+          <a:lstStyle/>
+          <a:p>
+            <a:pPr algn="ctr"/>
+            <a:r>
+              <a:rPr lang="en-US" dirty="0"/>
+              <a:t>version</a:t>
+            </a:r>
+          </a:p>
+        </p:txBody>
+      </p:sp>
+      <p:sp>
+        <p:nvSpPr>
+          <p:cNvPr id="39" name="Textfeld 38">
+            <a:extLst>
+              <a:ext uri="{FF2B5EF4-FFF2-40B4-BE49-F238E27FC236}">
+                <a16:creationId xmlns:a16="http://schemas.microsoft.com/office/drawing/2014/main" id="{8ED49680-348D-476F-AE70-5306C5B30F6A}"/>
+              </a:ext>
+            </a:extLst>
+          </p:cNvPr>
+          <p:cNvSpPr txBox="1"/>
+          <p:nvPr/>
+        </p:nvSpPr>
+        <p:spPr>
+          <a:xfrm>
+            <a:off x="5035127" y="1574296"/>
+            <a:ext cx="3151845" cy="369332"/>
+          </a:xfrm>
+          <a:prstGeom prst="rect">
+            <a:avLst/>
+          </a:prstGeom>
+          <a:noFill/>
+        </p:spPr>
+        <p:txBody>
+          <a:bodyPr wrap="square" rtlCol="0">
+            <a:spAutoFit/>
+          </a:bodyPr>
+          <a:lstStyle/>
+          <a:p>
+            <a:pPr algn="ctr"/>
+            <a:r>
+              <a:rPr lang="en-US" dirty="0" err="1"/>
+              <a:t>parameterLanguageversion</a:t>
+            </a:r>
+            <a:endParaRPr lang="en-US" dirty="0"/>
+          </a:p>
+        </p:txBody>
+      </p:sp>
+      <p:sp>
+        <p:nvSpPr>
+          <p:cNvPr id="40" name="Textfeld 39">
+            <a:extLst>
+              <a:ext uri="{FF2B5EF4-FFF2-40B4-BE49-F238E27FC236}">
+                <a16:creationId xmlns:a16="http://schemas.microsoft.com/office/drawing/2014/main" id="{538B0DD2-5E3B-45A5-8E4B-ABA8C3CA20CB}"/>
+              </a:ext>
+            </a:extLst>
+          </p:cNvPr>
+          <p:cNvSpPr txBox="1"/>
+          <p:nvPr/>
+        </p:nvSpPr>
+        <p:spPr>
+          <a:xfrm>
+            <a:off x="5035127" y="1853619"/>
+            <a:ext cx="3151845" cy="369332"/>
+          </a:xfrm>
+          <a:prstGeom prst="rect">
+            <a:avLst/>
+          </a:prstGeom>
+          <a:noFill/>
+        </p:spPr>
+        <p:txBody>
+          <a:bodyPr wrap="square" rtlCol="0">
+            <a:spAutoFit/>
+          </a:bodyPr>
+          <a:lstStyle/>
+          <a:p>
+            <a:pPr algn="ctr"/>
+            <a:r>
+              <a:rPr lang="en-US" dirty="0" err="1"/>
+              <a:t>parameterUnitOfMeasurement</a:t>
+            </a:r>
+            <a:endParaRPr lang="en-US" dirty="0"/>
+          </a:p>
+        </p:txBody>
+      </p:sp>
+    </p:spTree>
+    <p:extLst>
+      <p:ext uri="{BB962C8B-B14F-4D97-AF65-F5344CB8AC3E}">
+        <p14:creationId xmlns:p14="http://schemas.microsoft.com/office/powerpoint/2010/main" val="3188318163"/>
+      </p:ext>
+    </p:extLst>
+  </p:cSld>
+  <p:clrMapOvr>
+    <a:masterClrMapping/>
+  </p:clrMapOvr>
+</p:sld>
+</file>
+
+<file path=ppt/slides/slide16.xml><?xml version="1.0" encoding="utf-8"?>
+<p:sld xmlns:a="http://schemas.openxmlformats.org/drawingml/2006/main" xmlns:r="http://schemas.openxmlformats.org/officeDocument/2006/relationships" xmlns:p="http://schemas.openxmlformats.org/presentationml/2006/main">
+  <p:cSld>
+    <p:spTree>
+      <p:nvGrpSpPr>
+        <p:cNvPr id="1" name=""/>
+        <p:cNvGrpSpPr/>
+        <p:nvPr/>
+      </p:nvGrpSpPr>
+      <p:grpSpPr>
+        <a:xfrm>
+          <a:off x="0" y="0"/>
+          <a:ext cx="0" cy="0"/>
+          <a:chOff x="0" y="0"/>
+          <a:chExt cx="0" cy="0"/>
+        </a:xfrm>
+      </p:grpSpPr>
+      <p:grpSp>
+        <p:nvGrpSpPr>
+          <p:cNvPr id="12" name="Gruppieren 11">
+            <a:extLst>
+              <a:ext uri="{FF2B5EF4-FFF2-40B4-BE49-F238E27FC236}">
+                <a16:creationId xmlns:a16="http://schemas.microsoft.com/office/drawing/2014/main" id="{32B4F8BC-1F44-4B79-88D0-95D0B42CE0B3}"/>
+              </a:ext>
+            </a:extLst>
+          </p:cNvPr>
+          <p:cNvGrpSpPr/>
+          <p:nvPr/>
+        </p:nvGrpSpPr>
+        <p:grpSpPr>
+          <a:xfrm>
+            <a:off x="4370778" y="304548"/>
+            <a:ext cx="4320000" cy="4320000"/>
+            <a:chOff x="4460689" y="159014"/>
+            <a:chExt cx="4320000" cy="4320000"/>
+          </a:xfrm>
+        </p:grpSpPr>
+        <p:sp>
+          <p:nvSpPr>
+            <p:cNvPr id="3" name="Ellipse 2">
+              <a:extLst>
+                <a:ext uri="{FF2B5EF4-FFF2-40B4-BE49-F238E27FC236}">
+                  <a16:creationId xmlns:a16="http://schemas.microsoft.com/office/drawing/2014/main" id="{EDD5EAF0-05E4-4852-9F51-FED43F2440B6}"/>
+                </a:ext>
+              </a:extLst>
+            </p:cNvPr>
+            <p:cNvSpPr/>
+            <p:nvPr/>
+          </p:nvSpPr>
+          <p:spPr>
+            <a:xfrm>
+              <a:off x="4460689" y="159014"/>
+              <a:ext cx="4320000" cy="4320000"/>
+            </a:xfrm>
+            <a:prstGeom prst="ellipse">
+              <a:avLst/>
+            </a:prstGeom>
+            <a:solidFill>
+              <a:schemeClr val="accent4">
+                <a:alpha val="50000"/>
+              </a:schemeClr>
+            </a:solidFill>
+          </p:spPr>
+          <p:style>
+            <a:lnRef idx="2">
+              <a:schemeClr val="accent4">
+                <a:shade val="50000"/>
+              </a:schemeClr>
+            </a:lnRef>
+            <a:fillRef idx="1">
+              <a:schemeClr val="accent4"/>
+            </a:fillRef>
+            <a:effectRef idx="0">
+              <a:schemeClr val="accent4"/>
+            </a:effectRef>
+            <a:fontRef idx="minor">
+              <a:schemeClr val="lt1"/>
+            </a:fontRef>
+          </p:style>
+          <p:txBody>
+            <a:bodyPr rtlCol="0" anchor="ctr"/>
+            <a:lstStyle/>
+            <a:p>
+              <a:pPr algn="ctr"/>
+              <a:endParaRPr lang="en-US"/>
+            </a:p>
+          </p:txBody>
+        </p:sp>
+        <p:sp>
+          <p:nvSpPr>
+            <p:cNvPr id="5" name="Textfeld 4">
+              <a:extLst>
+                <a:ext uri="{FF2B5EF4-FFF2-40B4-BE49-F238E27FC236}">
+                  <a16:creationId xmlns:a16="http://schemas.microsoft.com/office/drawing/2014/main" id="{25FD82D3-2C4D-4B0A-A3BC-6C585E89E6C6}"/>
+                </a:ext>
+              </a:extLst>
+            </p:cNvPr>
+            <p:cNvSpPr txBox="1"/>
+            <p:nvPr/>
+          </p:nvSpPr>
+          <p:spPr>
+            <a:xfrm>
+              <a:off x="5839639" y="292376"/>
+              <a:ext cx="1562100" cy="400110"/>
+            </a:xfrm>
+            <a:prstGeom prst="rect">
+              <a:avLst/>
+            </a:prstGeom>
+            <a:noFill/>
+          </p:spPr>
+          <p:txBody>
+            <a:bodyPr wrap="square" rtlCol="0">
+              <a:spAutoFit/>
+            </a:bodyPr>
+            <a:lstStyle/>
+            <a:p>
+              <a:pPr algn="ctr"/>
+              <a:r>
+                <a:rPr lang="en-US" sz="2000" b="1" dirty="0"/>
+                <a:t>DTDL-MM</a:t>
+              </a:r>
+            </a:p>
+          </p:txBody>
+        </p:sp>
+      </p:grpSp>
+      <p:grpSp>
+        <p:nvGrpSpPr>
+          <p:cNvPr id="10" name="Gruppieren 9">
+            <a:extLst>
+              <a:ext uri="{FF2B5EF4-FFF2-40B4-BE49-F238E27FC236}">
+                <a16:creationId xmlns:a16="http://schemas.microsoft.com/office/drawing/2014/main" id="{9BBF7198-B69E-4AF6-AB1E-D5DFE651C0B5}"/>
+              </a:ext>
+            </a:extLst>
+          </p:cNvPr>
+          <p:cNvGrpSpPr/>
+          <p:nvPr/>
+        </p:nvGrpSpPr>
+        <p:grpSpPr>
+          <a:xfrm>
+            <a:off x="3289221" y="2233452"/>
+            <a:ext cx="4320000" cy="4320000"/>
+            <a:chOff x="2892360" y="2378986"/>
+            <a:chExt cx="4320000" cy="4320000"/>
+          </a:xfrm>
+        </p:grpSpPr>
+        <p:sp>
+          <p:nvSpPr>
+            <p:cNvPr id="2" name="Ellipse 1">
+              <a:extLst>
+                <a:ext uri="{FF2B5EF4-FFF2-40B4-BE49-F238E27FC236}">
+                  <a16:creationId xmlns:a16="http://schemas.microsoft.com/office/drawing/2014/main" id="{499A0BE2-9610-4013-B491-A19F39EE399B}"/>
+                </a:ext>
+              </a:extLst>
+            </p:cNvPr>
+            <p:cNvSpPr/>
+            <p:nvPr/>
+          </p:nvSpPr>
+          <p:spPr>
+            <a:xfrm>
+              <a:off x="2892360" y="2378986"/>
+              <a:ext cx="4320000" cy="4320000"/>
+            </a:xfrm>
+            <a:prstGeom prst="ellipse">
+              <a:avLst/>
+            </a:prstGeom>
+            <a:solidFill>
+              <a:schemeClr val="accent1">
+                <a:alpha val="50000"/>
+              </a:schemeClr>
+            </a:solidFill>
+          </p:spPr>
+          <p:style>
+            <a:lnRef idx="2">
+              <a:schemeClr val="accent1">
+                <a:shade val="50000"/>
+              </a:schemeClr>
+            </a:lnRef>
+            <a:fillRef idx="1">
+              <a:schemeClr val="accent1"/>
+            </a:fillRef>
+            <a:effectRef idx="0">
+              <a:schemeClr val="accent1"/>
+            </a:effectRef>
+            <a:fontRef idx="minor">
+              <a:schemeClr val="lt1"/>
+            </a:fontRef>
+          </p:style>
+          <p:txBody>
+            <a:bodyPr rtlCol="0" anchor="ctr"/>
+            <a:lstStyle/>
+            <a:p>
+              <a:pPr algn="ctr"/>
+              <a:endParaRPr lang="en-US"/>
+            </a:p>
+          </p:txBody>
+        </p:sp>
+        <p:sp>
+          <p:nvSpPr>
+            <p:cNvPr id="7" name="Textfeld 6">
+              <a:extLst>
+                <a:ext uri="{FF2B5EF4-FFF2-40B4-BE49-F238E27FC236}">
+                  <a16:creationId xmlns:a16="http://schemas.microsoft.com/office/drawing/2014/main" id="{25CC551A-9874-47D5-8255-C6BE572BE0BE}"/>
+                </a:ext>
+              </a:extLst>
+            </p:cNvPr>
+            <p:cNvSpPr txBox="1"/>
+            <p:nvPr/>
+          </p:nvSpPr>
+          <p:spPr>
+            <a:xfrm>
+              <a:off x="2898589" y="4354320"/>
+              <a:ext cx="1292092" cy="400110"/>
+            </a:xfrm>
+            <a:prstGeom prst="rect">
+              <a:avLst/>
+            </a:prstGeom>
+            <a:noFill/>
+          </p:spPr>
+          <p:txBody>
+            <a:bodyPr wrap="square" rtlCol="0">
+              <a:spAutoFit/>
+            </a:bodyPr>
+            <a:lstStyle/>
+            <a:p>
+              <a:pPr algn="ctr"/>
+              <a:r>
+                <a:rPr lang="en-US" sz="2000" b="1" dirty="0"/>
+                <a:t>VL-MM</a:t>
+              </a:r>
+            </a:p>
+          </p:txBody>
+        </p:sp>
+      </p:grpSp>
+      <p:grpSp>
+        <p:nvGrpSpPr>
+          <p:cNvPr id="11" name="Gruppieren 10">
+            <a:extLst>
+              <a:ext uri="{FF2B5EF4-FFF2-40B4-BE49-F238E27FC236}">
+                <a16:creationId xmlns:a16="http://schemas.microsoft.com/office/drawing/2014/main" id="{396DCE22-4741-41E0-8AF9-34F27128A979}"/>
+              </a:ext>
+            </a:extLst>
+          </p:cNvPr>
+          <p:cNvGrpSpPr/>
+          <p:nvPr/>
+        </p:nvGrpSpPr>
+        <p:grpSpPr>
+          <a:xfrm>
+            <a:off x="5449221" y="2233452"/>
+            <a:ext cx="4320000" cy="4320000"/>
+            <a:chOff x="5439635" y="2378986"/>
+            <a:chExt cx="4320000" cy="4320000"/>
+          </a:xfrm>
+        </p:grpSpPr>
+        <p:sp>
+          <p:nvSpPr>
+            <p:cNvPr id="4" name="Ellipse 3">
+              <a:extLst>
+                <a:ext uri="{FF2B5EF4-FFF2-40B4-BE49-F238E27FC236}">
+                  <a16:creationId xmlns:a16="http://schemas.microsoft.com/office/drawing/2014/main" id="{8BD9BD9C-C195-40C2-BC5E-06E9DB1FDDB1}"/>
+                </a:ext>
+              </a:extLst>
+            </p:cNvPr>
+            <p:cNvSpPr/>
+            <p:nvPr/>
+          </p:nvSpPr>
+          <p:spPr>
+            <a:xfrm>
+              <a:off x="5439635" y="2378986"/>
+              <a:ext cx="4320000" cy="4320000"/>
+            </a:xfrm>
+            <a:prstGeom prst="ellipse">
+              <a:avLst/>
+            </a:prstGeom>
+            <a:solidFill>
+              <a:schemeClr val="accent6">
+                <a:alpha val="50000"/>
+              </a:schemeClr>
+            </a:solidFill>
+          </p:spPr>
+          <p:style>
+            <a:lnRef idx="2">
+              <a:schemeClr val="accent6">
+                <a:shade val="50000"/>
+              </a:schemeClr>
+            </a:lnRef>
+            <a:fillRef idx="1">
+              <a:schemeClr val="accent6"/>
+            </a:fillRef>
+            <a:effectRef idx="0">
+              <a:schemeClr val="accent6"/>
+            </a:effectRef>
+            <a:fontRef idx="minor">
+              <a:schemeClr val="lt1"/>
+            </a:fontRef>
+          </p:style>
+          <p:txBody>
+            <a:bodyPr rtlCol="0" anchor="ctr"/>
+            <a:lstStyle/>
+            <a:p>
+              <a:pPr algn="ctr"/>
+              <a:endParaRPr lang="en-US"/>
+            </a:p>
+          </p:txBody>
+        </p:sp>
+        <p:sp>
+          <p:nvSpPr>
+            <p:cNvPr id="8" name="Textfeld 7">
+              <a:extLst>
+                <a:ext uri="{FF2B5EF4-FFF2-40B4-BE49-F238E27FC236}">
+                  <a16:creationId xmlns:a16="http://schemas.microsoft.com/office/drawing/2014/main" id="{4D25D72F-3E73-4D47-A515-47DF65459B72}"/>
+                </a:ext>
+              </a:extLst>
+            </p:cNvPr>
+            <p:cNvSpPr txBox="1"/>
+            <p:nvPr/>
+          </p:nvSpPr>
+          <p:spPr>
+            <a:xfrm>
+              <a:off x="8461314" y="4354320"/>
+              <a:ext cx="1292092" cy="400110"/>
+            </a:xfrm>
+            <a:prstGeom prst="rect">
+              <a:avLst/>
+            </a:prstGeom>
+            <a:noFill/>
+          </p:spPr>
+          <p:txBody>
+            <a:bodyPr wrap="square" rtlCol="0">
+              <a:spAutoFit/>
+            </a:bodyPr>
+            <a:lstStyle/>
+            <a:p>
+              <a:pPr algn="ctr"/>
+              <a:r>
+                <a:rPr lang="en-US" sz="2000" b="1" dirty="0"/>
+                <a:t>TM-MM</a:t>
+              </a:r>
+            </a:p>
+          </p:txBody>
+        </p:sp>
+      </p:grpSp>
+      <p:sp>
+        <p:nvSpPr>
+          <p:cNvPr id="27" name="Textfeld 26">
+            <a:extLst>
+              <a:ext uri="{FF2B5EF4-FFF2-40B4-BE49-F238E27FC236}">
+                <a16:creationId xmlns:a16="http://schemas.microsoft.com/office/drawing/2014/main" id="{352CB0FB-0088-4174-B8FB-61CCFE2AB2A3}"/>
+              </a:ext>
+            </a:extLst>
+          </p:cNvPr>
+          <p:cNvSpPr txBox="1"/>
+          <p:nvPr/>
+        </p:nvSpPr>
+        <p:spPr>
+          <a:xfrm>
+            <a:off x="723900" y="184666"/>
+            <a:ext cx="1587500" cy="369332"/>
+          </a:xfrm>
+          <a:prstGeom prst="rect">
+            <a:avLst/>
+          </a:prstGeom>
+          <a:noFill/>
+        </p:spPr>
+        <p:txBody>
+          <a:bodyPr wrap="square" rtlCol="0">
+            <a:spAutoFit/>
+          </a:bodyPr>
+          <a:lstStyle/>
+          <a:p>
+            <a:r>
+              <a:rPr lang="en-US" dirty="0"/>
+              <a:t>Relationship</a:t>
+            </a:r>
+          </a:p>
+        </p:txBody>
+      </p:sp>
+      <p:sp>
+        <p:nvSpPr>
+          <p:cNvPr id="32" name="Textfeld 31">
+            <a:extLst>
+              <a:ext uri="{FF2B5EF4-FFF2-40B4-BE49-F238E27FC236}">
+                <a16:creationId xmlns:a16="http://schemas.microsoft.com/office/drawing/2014/main" id="{47E84FC4-D9E3-4164-BC50-810C7DECFA6E}"/>
+              </a:ext>
+            </a:extLst>
+          </p:cNvPr>
+          <p:cNvSpPr txBox="1"/>
+          <p:nvPr/>
+        </p:nvSpPr>
+        <p:spPr>
+          <a:xfrm>
+            <a:off x="4724662" y="710132"/>
+            <a:ext cx="2151390" cy="369332"/>
+          </a:xfrm>
+          <a:prstGeom prst="rect">
+            <a:avLst/>
+          </a:prstGeom>
+          <a:noFill/>
+        </p:spPr>
+        <p:txBody>
+          <a:bodyPr wrap="square" rtlCol="0">
+            <a:spAutoFit/>
+          </a:bodyPr>
+          <a:lstStyle/>
+          <a:p>
+            <a:pPr algn="ctr"/>
+            <a:r>
+              <a:rPr lang="en-US" dirty="0" err="1"/>
+              <a:t>maxMultiplicity</a:t>
+            </a:r>
+            <a:endParaRPr lang="en-US" dirty="0"/>
+          </a:p>
+        </p:txBody>
+      </p:sp>
+      <p:sp>
+        <p:nvSpPr>
+          <p:cNvPr id="41" name="Textfeld 40">
+            <a:extLst>
+              <a:ext uri="{FF2B5EF4-FFF2-40B4-BE49-F238E27FC236}">
+                <a16:creationId xmlns:a16="http://schemas.microsoft.com/office/drawing/2014/main" id="{E31C8852-7479-496C-A1CA-0F1EAD667E6B}"/>
+              </a:ext>
+            </a:extLst>
+          </p:cNvPr>
+          <p:cNvSpPr txBox="1"/>
+          <p:nvPr/>
+        </p:nvSpPr>
+        <p:spPr>
+          <a:xfrm>
+            <a:off x="4724662" y="944986"/>
+            <a:ext cx="2151390" cy="369332"/>
+          </a:xfrm>
+          <a:prstGeom prst="rect">
+            <a:avLst/>
+          </a:prstGeom>
+          <a:noFill/>
+        </p:spPr>
+        <p:txBody>
+          <a:bodyPr wrap="square" rtlCol="0">
+            <a:spAutoFit/>
+          </a:bodyPr>
+          <a:lstStyle/>
+          <a:p>
+            <a:pPr algn="ctr"/>
+            <a:r>
+              <a:rPr lang="en-US" dirty="0" err="1"/>
+              <a:t>minMultiplicity</a:t>
+            </a:r>
+            <a:endParaRPr lang="en-US" dirty="0"/>
+          </a:p>
+        </p:txBody>
+      </p:sp>
+      <p:sp>
+        <p:nvSpPr>
+          <p:cNvPr id="42" name="Textfeld 41">
+            <a:extLst>
+              <a:ext uri="{FF2B5EF4-FFF2-40B4-BE49-F238E27FC236}">
+                <a16:creationId xmlns:a16="http://schemas.microsoft.com/office/drawing/2014/main" id="{A702D4EC-C28A-4CA5-ACE0-E601428D5B00}"/>
+              </a:ext>
+            </a:extLst>
+          </p:cNvPr>
+          <p:cNvSpPr txBox="1"/>
+          <p:nvPr/>
+        </p:nvSpPr>
+        <p:spPr>
+          <a:xfrm>
+            <a:off x="4685844" y="1211758"/>
+            <a:ext cx="2151390" cy="369332"/>
+          </a:xfrm>
+          <a:prstGeom prst="rect">
+            <a:avLst/>
+          </a:prstGeom>
+          <a:noFill/>
+        </p:spPr>
+        <p:txBody>
+          <a:bodyPr wrap="square" rtlCol="0">
+            <a:spAutoFit/>
+          </a:bodyPr>
+          <a:lstStyle/>
+          <a:p>
+            <a:pPr algn="ctr"/>
+            <a:r>
+              <a:rPr lang="en-US" dirty="0"/>
+              <a:t>properties</a:t>
+            </a:r>
+          </a:p>
+        </p:txBody>
+      </p:sp>
+      <p:sp>
+        <p:nvSpPr>
+          <p:cNvPr id="43" name="Textfeld 42">
+            <a:extLst>
+              <a:ext uri="{FF2B5EF4-FFF2-40B4-BE49-F238E27FC236}">
+                <a16:creationId xmlns:a16="http://schemas.microsoft.com/office/drawing/2014/main" id="{82B80C41-6A56-4573-8765-C3560DEF293F}"/>
+              </a:ext>
+            </a:extLst>
+          </p:cNvPr>
+          <p:cNvSpPr txBox="1"/>
+          <p:nvPr/>
+        </p:nvSpPr>
+        <p:spPr>
+          <a:xfrm>
+            <a:off x="6702431" y="2365746"/>
+            <a:ext cx="2151390" cy="369332"/>
+          </a:xfrm>
+          <a:prstGeom prst="rect">
+            <a:avLst/>
+          </a:prstGeom>
+          <a:noFill/>
+        </p:spPr>
+        <p:txBody>
+          <a:bodyPr wrap="square" rtlCol="0">
+            <a:spAutoFit/>
+          </a:bodyPr>
+          <a:lstStyle/>
+          <a:p>
+            <a:pPr algn="ctr"/>
+            <a:r>
+              <a:rPr lang="en-US" dirty="0"/>
+              <a:t>target</a:t>
+            </a:r>
+          </a:p>
+        </p:txBody>
+      </p:sp>
+      <p:sp>
+        <p:nvSpPr>
+          <p:cNvPr id="44" name="Textfeld 43">
+            <a:extLst>
+              <a:ext uri="{FF2B5EF4-FFF2-40B4-BE49-F238E27FC236}">
+                <a16:creationId xmlns:a16="http://schemas.microsoft.com/office/drawing/2014/main" id="{1DBA1BF4-2F50-4266-B0D1-E593318AB463}"/>
+              </a:ext>
+            </a:extLst>
+          </p:cNvPr>
+          <p:cNvSpPr txBox="1"/>
+          <p:nvPr/>
+        </p:nvSpPr>
+        <p:spPr>
+          <a:xfrm>
+            <a:off x="4653841" y="1453484"/>
+            <a:ext cx="2151390" cy="369332"/>
+          </a:xfrm>
+          <a:prstGeom prst="rect">
+            <a:avLst/>
+          </a:prstGeom>
+          <a:noFill/>
+        </p:spPr>
+        <p:txBody>
+          <a:bodyPr wrap="square" rtlCol="0">
+            <a:spAutoFit/>
+          </a:bodyPr>
+          <a:lstStyle/>
+          <a:p>
+            <a:pPr algn="ctr"/>
+            <a:r>
+              <a:rPr lang="en-US" dirty="0"/>
+              <a:t>writable</a:t>
+            </a:r>
+          </a:p>
+        </p:txBody>
+      </p:sp>
+      <p:sp>
+        <p:nvSpPr>
+          <p:cNvPr id="45" name="Textfeld 44">
+            <a:extLst>
+              <a:ext uri="{FF2B5EF4-FFF2-40B4-BE49-F238E27FC236}">
+                <a16:creationId xmlns:a16="http://schemas.microsoft.com/office/drawing/2014/main" id="{37ED8714-D1A7-4B92-A79A-F6EE5BDACAB1}"/>
+              </a:ext>
+            </a:extLst>
+          </p:cNvPr>
+          <p:cNvSpPr txBox="1"/>
+          <p:nvPr/>
+        </p:nvSpPr>
+        <p:spPr>
+          <a:xfrm>
+            <a:off x="7395205" y="4737384"/>
+            <a:ext cx="2151390" cy="369332"/>
+          </a:xfrm>
+          <a:prstGeom prst="rect">
+            <a:avLst/>
+          </a:prstGeom>
+          <a:noFill/>
+        </p:spPr>
+        <p:txBody>
+          <a:bodyPr wrap="square" rtlCol="0">
+            <a:spAutoFit/>
+          </a:bodyPr>
+          <a:lstStyle/>
+          <a:p>
+            <a:pPr algn="ctr"/>
+            <a:r>
+              <a:rPr lang="en-US" dirty="0" err="1"/>
+              <a:t>relationshipType</a:t>
+            </a:r>
+            <a:endParaRPr lang="en-US" dirty="0"/>
+          </a:p>
+        </p:txBody>
+      </p:sp>
+      <p:sp>
+        <p:nvSpPr>
+          <p:cNvPr id="46" name="Textfeld 45">
+            <a:extLst>
+              <a:ext uri="{FF2B5EF4-FFF2-40B4-BE49-F238E27FC236}">
+                <a16:creationId xmlns:a16="http://schemas.microsoft.com/office/drawing/2014/main" id="{5A0A09D0-29FB-4429-B0E2-3281A2697ED9}"/>
+              </a:ext>
+            </a:extLst>
+          </p:cNvPr>
+          <p:cNvSpPr txBox="1"/>
+          <p:nvPr/>
+        </p:nvSpPr>
+        <p:spPr>
+          <a:xfrm>
+            <a:off x="4707708" y="1674584"/>
+            <a:ext cx="2151390" cy="369332"/>
+          </a:xfrm>
+          <a:prstGeom prst="rect">
+            <a:avLst/>
+          </a:prstGeom>
+          <a:noFill/>
+        </p:spPr>
+        <p:txBody>
+          <a:bodyPr wrap="square" rtlCol="0">
+            <a:spAutoFit/>
+          </a:bodyPr>
+          <a:lstStyle/>
+          <a:p>
+            <a:pPr algn="ctr"/>
+            <a:r>
+              <a:rPr lang="en-US" dirty="0" err="1"/>
+              <a:t>languageversion</a:t>
+            </a:r>
+            <a:endParaRPr lang="en-US" dirty="0"/>
+          </a:p>
+        </p:txBody>
+      </p:sp>
+      <p:sp>
+        <p:nvSpPr>
+          <p:cNvPr id="47" name="Textfeld 46">
+            <a:extLst>
+              <a:ext uri="{FF2B5EF4-FFF2-40B4-BE49-F238E27FC236}">
+                <a16:creationId xmlns:a16="http://schemas.microsoft.com/office/drawing/2014/main" id="{EFF0F666-1906-4E56-9155-290E4632D65C}"/>
+              </a:ext>
+            </a:extLst>
+          </p:cNvPr>
+          <p:cNvSpPr txBox="1"/>
+          <p:nvPr/>
+        </p:nvSpPr>
+        <p:spPr>
+          <a:xfrm>
+            <a:off x="6319510" y="919010"/>
+            <a:ext cx="2151390" cy="369332"/>
+          </a:xfrm>
+          <a:prstGeom prst="rect">
+            <a:avLst/>
+          </a:prstGeom>
+          <a:noFill/>
+        </p:spPr>
+        <p:txBody>
+          <a:bodyPr wrap="square" rtlCol="0">
+            <a:spAutoFit/>
+          </a:bodyPr>
+          <a:lstStyle/>
+          <a:p>
+            <a:pPr algn="ctr"/>
+            <a:r>
+              <a:rPr lang="en-US" dirty="0"/>
+              <a:t>namespace</a:t>
+            </a:r>
+          </a:p>
+        </p:txBody>
+      </p:sp>
+      <p:sp>
+        <p:nvSpPr>
+          <p:cNvPr id="48" name="Textfeld 47">
+            <a:extLst>
+              <a:ext uri="{FF2B5EF4-FFF2-40B4-BE49-F238E27FC236}">
+                <a16:creationId xmlns:a16="http://schemas.microsoft.com/office/drawing/2014/main" id="{7F3FF709-2803-47AD-90D9-F98DF3610230}"/>
+              </a:ext>
+            </a:extLst>
+          </p:cNvPr>
+          <p:cNvSpPr txBox="1"/>
+          <p:nvPr/>
+        </p:nvSpPr>
+        <p:spPr>
+          <a:xfrm>
+            <a:off x="6319510" y="1180376"/>
+            <a:ext cx="2151390" cy="369332"/>
+          </a:xfrm>
+          <a:prstGeom prst="rect">
+            <a:avLst/>
+          </a:prstGeom>
+          <a:noFill/>
+        </p:spPr>
+        <p:txBody>
+          <a:bodyPr wrap="square" rtlCol="0">
+            <a:spAutoFit/>
+          </a:bodyPr>
+          <a:lstStyle/>
+          <a:p>
+            <a:pPr algn="ctr"/>
+            <a:r>
+              <a:rPr lang="en-US" dirty="0"/>
+              <a:t>version</a:t>
+            </a:r>
+          </a:p>
+        </p:txBody>
+      </p:sp>
+      <p:sp>
+        <p:nvSpPr>
+          <p:cNvPr id="49" name="Textfeld 48">
+            <a:extLst>
+              <a:ext uri="{FF2B5EF4-FFF2-40B4-BE49-F238E27FC236}">
+                <a16:creationId xmlns:a16="http://schemas.microsoft.com/office/drawing/2014/main" id="{5D790C6A-B332-42D8-ADDD-347345D57DEB}"/>
+              </a:ext>
+            </a:extLst>
+          </p:cNvPr>
+          <p:cNvSpPr txBox="1"/>
+          <p:nvPr/>
+        </p:nvSpPr>
+        <p:spPr>
+          <a:xfrm>
+            <a:off x="6319510" y="1418258"/>
+            <a:ext cx="2151390" cy="369332"/>
+          </a:xfrm>
+          <a:prstGeom prst="rect">
+            <a:avLst/>
+          </a:prstGeom>
+          <a:noFill/>
+        </p:spPr>
+        <p:txBody>
+          <a:bodyPr wrap="square" rtlCol="0">
+            <a:spAutoFit/>
+          </a:bodyPr>
+          <a:lstStyle/>
+          <a:p>
+            <a:pPr algn="ctr"/>
+            <a:r>
+              <a:rPr lang="en-US" dirty="0"/>
+              <a:t>name</a:t>
+            </a:r>
+          </a:p>
+        </p:txBody>
+      </p:sp>
+      <p:sp>
+        <p:nvSpPr>
+          <p:cNvPr id="50" name="Textfeld 49">
+            <a:extLst>
+              <a:ext uri="{FF2B5EF4-FFF2-40B4-BE49-F238E27FC236}">
+                <a16:creationId xmlns:a16="http://schemas.microsoft.com/office/drawing/2014/main" id="{F48E3E3F-34E9-4F74-9268-236E2A296CF7}"/>
+              </a:ext>
+            </a:extLst>
+          </p:cNvPr>
+          <p:cNvSpPr txBox="1"/>
+          <p:nvPr/>
+        </p:nvSpPr>
+        <p:spPr>
+          <a:xfrm>
+            <a:off x="5556838" y="1944883"/>
+            <a:ext cx="2151390" cy="369332"/>
+          </a:xfrm>
+          <a:prstGeom prst="rect">
+            <a:avLst/>
+          </a:prstGeom>
+          <a:noFill/>
+        </p:spPr>
+        <p:txBody>
+          <a:bodyPr wrap="square" rtlCol="0">
+            <a:spAutoFit/>
+          </a:bodyPr>
+          <a:lstStyle/>
+          <a:p>
+            <a:pPr algn="ctr"/>
+            <a:r>
+              <a:rPr lang="en-US" dirty="0" err="1"/>
+              <a:t>displayName</a:t>
+            </a:r>
+            <a:endParaRPr lang="en-US" dirty="0"/>
+          </a:p>
+        </p:txBody>
+      </p:sp>
+      <p:sp>
+        <p:nvSpPr>
+          <p:cNvPr id="51" name="Textfeld 50">
+            <a:extLst>
+              <a:ext uri="{FF2B5EF4-FFF2-40B4-BE49-F238E27FC236}">
+                <a16:creationId xmlns:a16="http://schemas.microsoft.com/office/drawing/2014/main" id="{0DA14216-7E63-4713-906A-02134F7C70AA}"/>
+              </a:ext>
+            </a:extLst>
+          </p:cNvPr>
+          <p:cNvSpPr txBox="1"/>
+          <p:nvPr/>
+        </p:nvSpPr>
+        <p:spPr>
+          <a:xfrm>
+            <a:off x="6341374" y="1667623"/>
+            <a:ext cx="2151390" cy="369332"/>
+          </a:xfrm>
+          <a:prstGeom prst="rect">
+            <a:avLst/>
+          </a:prstGeom>
+          <a:noFill/>
+        </p:spPr>
+        <p:txBody>
+          <a:bodyPr wrap="square" rtlCol="0">
+            <a:spAutoFit/>
+          </a:bodyPr>
+          <a:lstStyle/>
+          <a:p>
+            <a:pPr algn="ctr"/>
+            <a:r>
+              <a:rPr lang="en-US" dirty="0"/>
+              <a:t>comment</a:t>
+            </a:r>
+          </a:p>
+        </p:txBody>
+      </p:sp>
+      <p:sp>
+        <p:nvSpPr>
+          <p:cNvPr id="52" name="Textfeld 51">
+            <a:extLst>
+              <a:ext uri="{FF2B5EF4-FFF2-40B4-BE49-F238E27FC236}">
+                <a16:creationId xmlns:a16="http://schemas.microsoft.com/office/drawing/2014/main" id="{EC21ADB0-9868-4C55-BB0A-78EE656F33D6}"/>
+              </a:ext>
+            </a:extLst>
+          </p:cNvPr>
+          <p:cNvSpPr txBox="1"/>
+          <p:nvPr/>
+        </p:nvSpPr>
+        <p:spPr>
+          <a:xfrm>
+            <a:off x="6319510" y="706797"/>
+            <a:ext cx="2151390" cy="369332"/>
+          </a:xfrm>
+          <a:prstGeom prst="rect">
+            <a:avLst/>
+          </a:prstGeom>
+          <a:noFill/>
+        </p:spPr>
+        <p:txBody>
+          <a:bodyPr wrap="square" rtlCol="0">
+            <a:spAutoFit/>
+          </a:bodyPr>
+          <a:lstStyle/>
+          <a:p>
+            <a:pPr algn="ctr"/>
+            <a:r>
+              <a:rPr lang="en-US" dirty="0"/>
+              <a:t>description</a:t>
+            </a:r>
+          </a:p>
+        </p:txBody>
+      </p:sp>
+    </p:spTree>
+    <p:extLst>
+      <p:ext uri="{BB962C8B-B14F-4D97-AF65-F5344CB8AC3E}">
+        <p14:creationId xmlns:p14="http://schemas.microsoft.com/office/powerpoint/2010/main" val="1613439958"/>
       </p:ext>
     </p:extLst>
   </p:cSld>

--- a/Figures.pptx
+++ b/Figures.pptx
@@ -16,11 +16,13 @@
     <p:sldId id="264" r:id="rId10"/>
     <p:sldId id="258" r:id="rId11"/>
     <p:sldId id="265" r:id="rId12"/>
-    <p:sldId id="267" r:id="rId13"/>
-    <p:sldId id="269" r:id="rId14"/>
-    <p:sldId id="273" r:id="rId15"/>
-    <p:sldId id="274" r:id="rId16"/>
-    <p:sldId id="275" r:id="rId17"/>
+    <p:sldId id="277" r:id="rId13"/>
+    <p:sldId id="267" r:id="rId14"/>
+    <p:sldId id="269" r:id="rId15"/>
+    <p:sldId id="276" r:id="rId16"/>
+    <p:sldId id="273" r:id="rId17"/>
+    <p:sldId id="274" r:id="rId18"/>
+    <p:sldId id="275" r:id="rId19"/>
   </p:sldIdLst>
   <p:sldSz cx="12192000" cy="6858000"/>
   <p:notesSz cx="6858000" cy="9144000"/>
@@ -12658,6 +12660,2117 @@
           <a:chExt cx="0" cy="0"/>
         </a:xfrm>
       </p:grpSpPr>
+      <p:sp>
+        <p:nvSpPr>
+          <p:cNvPr id="3" name="Rechteck 2">
+            <a:extLst>
+              <a:ext uri="{FF2B5EF4-FFF2-40B4-BE49-F238E27FC236}">
+                <a16:creationId xmlns:a16="http://schemas.microsoft.com/office/drawing/2014/main" id="{98DB0B5E-7008-4373-A6D6-07637D96AF5F}"/>
+              </a:ext>
+            </a:extLst>
+          </p:cNvPr>
+          <p:cNvSpPr/>
+          <p:nvPr/>
+        </p:nvSpPr>
+        <p:spPr>
+          <a:xfrm>
+            <a:off x="4518709" y="1840541"/>
+            <a:ext cx="1418400" cy="576000"/>
+          </a:xfrm>
+          <a:prstGeom prst="rect">
+            <a:avLst/>
+          </a:prstGeom>
+          <a:solidFill>
+            <a:schemeClr val="bg1"/>
+          </a:solidFill>
+          <a:ln>
+            <a:solidFill>
+              <a:schemeClr val="tx1"/>
+            </a:solidFill>
+          </a:ln>
+        </p:spPr>
+        <p:style>
+          <a:lnRef idx="2">
+            <a:schemeClr val="accent1">
+              <a:shade val="50000"/>
+            </a:schemeClr>
+          </a:lnRef>
+          <a:fillRef idx="1">
+            <a:schemeClr val="accent1"/>
+          </a:fillRef>
+          <a:effectRef idx="0">
+            <a:schemeClr val="accent1"/>
+          </a:effectRef>
+          <a:fontRef idx="minor">
+            <a:schemeClr val="lt1"/>
+          </a:fontRef>
+        </p:style>
+        <p:txBody>
+          <a:bodyPr rtlCol="0" anchor="ctr"/>
+          <a:lstStyle/>
+          <a:p>
+            <a:pPr algn="ctr"/>
+            <a:r>
+              <a:rPr lang="de-AT" dirty="0">
+                <a:solidFill>
+                  <a:schemeClr val="tx1"/>
+                </a:solidFill>
+              </a:rPr>
+              <a:t>DT Model</a:t>
+            </a:r>
+          </a:p>
+        </p:txBody>
+      </p:sp>
+      <p:sp>
+        <p:nvSpPr>
+          <p:cNvPr id="4" name="Rechteck 3">
+            <a:extLst>
+              <a:ext uri="{FF2B5EF4-FFF2-40B4-BE49-F238E27FC236}">
+                <a16:creationId xmlns:a16="http://schemas.microsoft.com/office/drawing/2014/main" id="{21B60821-5AED-4F1D-9A7D-72A4F021BBC1}"/>
+              </a:ext>
+            </a:extLst>
+          </p:cNvPr>
+          <p:cNvSpPr/>
+          <p:nvPr/>
+        </p:nvSpPr>
+        <p:spPr>
+          <a:xfrm>
+            <a:off x="222071" y="1840541"/>
+            <a:ext cx="1419568" cy="576000"/>
+          </a:xfrm>
+          <a:prstGeom prst="rect">
+            <a:avLst/>
+          </a:prstGeom>
+          <a:solidFill>
+            <a:schemeClr val="bg1"/>
+          </a:solidFill>
+          <a:ln>
+            <a:solidFill>
+              <a:schemeClr val="tx1"/>
+            </a:solidFill>
+          </a:ln>
+        </p:spPr>
+        <p:style>
+          <a:lnRef idx="2">
+            <a:schemeClr val="accent1">
+              <a:shade val="50000"/>
+            </a:schemeClr>
+          </a:lnRef>
+          <a:fillRef idx="1">
+            <a:schemeClr val="accent1"/>
+          </a:fillRef>
+          <a:effectRef idx="0">
+            <a:schemeClr val="accent1"/>
+          </a:effectRef>
+          <a:fontRef idx="minor">
+            <a:schemeClr val="lt1"/>
+          </a:fontRef>
+        </p:style>
+        <p:txBody>
+          <a:bodyPr rtlCol="0" anchor="ctr"/>
+          <a:lstStyle/>
+          <a:p>
+            <a:pPr algn="ctr"/>
+            <a:r>
+              <a:rPr lang="de-AT" dirty="0">
+                <a:solidFill>
+                  <a:schemeClr val="tx1"/>
+                </a:solidFill>
+              </a:rPr>
+              <a:t>UML Model</a:t>
+            </a:r>
+          </a:p>
+        </p:txBody>
+      </p:sp>
+      <p:sp>
+        <p:nvSpPr>
+          <p:cNvPr id="5" name="Rechteck 4">
+            <a:extLst>
+              <a:ext uri="{FF2B5EF4-FFF2-40B4-BE49-F238E27FC236}">
+                <a16:creationId xmlns:a16="http://schemas.microsoft.com/office/drawing/2014/main" id="{8FAFEBE6-AF9C-4E2F-A35C-E4A6791CE338}"/>
+              </a:ext>
+            </a:extLst>
+          </p:cNvPr>
+          <p:cNvSpPr/>
+          <p:nvPr/>
+        </p:nvSpPr>
+        <p:spPr>
+          <a:xfrm>
+            <a:off x="226163" y="869678"/>
+            <a:ext cx="1419568" cy="576000"/>
+          </a:xfrm>
+          <a:prstGeom prst="rect">
+            <a:avLst/>
+          </a:prstGeom>
+          <a:solidFill>
+            <a:schemeClr val="bg1"/>
+          </a:solidFill>
+          <a:ln>
+            <a:solidFill>
+              <a:schemeClr val="tx1"/>
+            </a:solidFill>
+          </a:ln>
+        </p:spPr>
+        <p:style>
+          <a:lnRef idx="2">
+            <a:schemeClr val="accent1">
+              <a:shade val="50000"/>
+            </a:schemeClr>
+          </a:lnRef>
+          <a:fillRef idx="1">
+            <a:schemeClr val="accent1"/>
+          </a:fillRef>
+          <a:effectRef idx="0">
+            <a:schemeClr val="accent1"/>
+          </a:effectRef>
+          <a:fontRef idx="minor">
+            <a:schemeClr val="lt1"/>
+          </a:fontRef>
+        </p:style>
+        <p:txBody>
+          <a:bodyPr rtlCol="0" anchor="ctr"/>
+          <a:lstStyle/>
+          <a:p>
+            <a:pPr algn="ctr"/>
+            <a:r>
+              <a:rPr lang="de-AT" sz="1200" dirty="0">
+                <a:solidFill>
+                  <a:schemeClr val="tx1"/>
+                </a:solidFill>
+              </a:rPr>
+              <a:t>&lt;&lt;meta-model&gt;&gt;</a:t>
+            </a:r>
+          </a:p>
+          <a:p>
+            <a:pPr algn="ctr"/>
+            <a:r>
+              <a:rPr lang="de-AT" dirty="0">
+                <a:solidFill>
+                  <a:schemeClr val="tx1"/>
+                </a:solidFill>
+              </a:rPr>
+              <a:t>UML CD</a:t>
+            </a:r>
+          </a:p>
+        </p:txBody>
+      </p:sp>
+      <p:cxnSp>
+        <p:nvCxnSpPr>
+          <p:cNvPr id="6" name="Gerader Verbinder 5">
+            <a:extLst>
+              <a:ext uri="{FF2B5EF4-FFF2-40B4-BE49-F238E27FC236}">
+                <a16:creationId xmlns:a16="http://schemas.microsoft.com/office/drawing/2014/main" id="{B838E486-76C0-49FF-BEBA-82A264641CCF}"/>
+              </a:ext>
+            </a:extLst>
+          </p:cNvPr>
+          <p:cNvCxnSpPr>
+            <a:stCxn id="5" idx="2"/>
+            <a:endCxn id="4" idx="0"/>
+          </p:cNvCxnSpPr>
+          <p:nvPr/>
+        </p:nvCxnSpPr>
+        <p:spPr>
+          <a:xfrm flipH="1">
+            <a:off x="931855" y="1445678"/>
+            <a:ext cx="4092" cy="394863"/>
+          </a:xfrm>
+          <a:prstGeom prst="line">
+            <a:avLst/>
+          </a:prstGeom>
+          <a:ln w="12700">
+            <a:solidFill>
+              <a:schemeClr val="tx1"/>
+            </a:solidFill>
+            <a:prstDash val="dash"/>
+            <a:headEnd type="arrow"/>
+          </a:ln>
+        </p:spPr>
+        <p:style>
+          <a:lnRef idx="1">
+            <a:schemeClr val="accent1"/>
+          </a:lnRef>
+          <a:fillRef idx="0">
+            <a:schemeClr val="accent1"/>
+          </a:fillRef>
+          <a:effectRef idx="0">
+            <a:schemeClr val="accent1"/>
+          </a:effectRef>
+          <a:fontRef idx="minor">
+            <a:schemeClr val="tx1"/>
+          </a:fontRef>
+        </p:style>
+      </p:cxnSp>
+      <p:sp>
+        <p:nvSpPr>
+          <p:cNvPr id="7" name="Textfeld 6">
+            <a:extLst>
+              <a:ext uri="{FF2B5EF4-FFF2-40B4-BE49-F238E27FC236}">
+                <a16:creationId xmlns:a16="http://schemas.microsoft.com/office/drawing/2014/main" id="{1CB3054F-3D49-4546-81F9-11B5DD5470FC}"/>
+              </a:ext>
+            </a:extLst>
+          </p:cNvPr>
+          <p:cNvSpPr txBox="1"/>
+          <p:nvPr/>
+        </p:nvSpPr>
+        <p:spPr>
+          <a:xfrm>
+            <a:off x="926394" y="1566344"/>
+            <a:ext cx="502254" cy="261610"/>
+          </a:xfrm>
+          <a:prstGeom prst="rect">
+            <a:avLst/>
+          </a:prstGeom>
+          <a:noFill/>
+        </p:spPr>
+        <p:txBody>
+          <a:bodyPr wrap="square" rtlCol="0">
+            <a:spAutoFit/>
+          </a:bodyPr>
+          <a:lstStyle/>
+          <a:p>
+            <a:r>
+              <a:rPr lang="de-AT" sz="1100" dirty="0">
+                <a:latin typeface="Arial" panose="020B0604020202020204" pitchFamily="34" charset="0"/>
+                <a:cs typeface="Arial" panose="020B0604020202020204" pitchFamily="34" charset="0"/>
+              </a:rPr>
+              <a:t>«c2»</a:t>
+            </a:r>
+          </a:p>
+        </p:txBody>
+      </p:sp>
+      <p:cxnSp>
+        <p:nvCxnSpPr>
+          <p:cNvPr id="8" name="Gerader Verbinder 7">
+            <a:extLst>
+              <a:ext uri="{FF2B5EF4-FFF2-40B4-BE49-F238E27FC236}">
+                <a16:creationId xmlns:a16="http://schemas.microsoft.com/office/drawing/2014/main" id="{836F9C1F-A556-4B0B-AE26-74652F747057}"/>
+              </a:ext>
+            </a:extLst>
+          </p:cNvPr>
+          <p:cNvCxnSpPr>
+            <a:stCxn id="10" idx="2"/>
+            <a:endCxn id="3" idx="0"/>
+          </p:cNvCxnSpPr>
+          <p:nvPr/>
+        </p:nvCxnSpPr>
+        <p:spPr>
+          <a:xfrm>
+            <a:off x="5227909" y="1445678"/>
+            <a:ext cx="0" cy="394863"/>
+          </a:xfrm>
+          <a:prstGeom prst="line">
+            <a:avLst/>
+          </a:prstGeom>
+          <a:ln w="12700">
+            <a:solidFill>
+              <a:schemeClr val="tx1"/>
+            </a:solidFill>
+            <a:prstDash val="dash"/>
+            <a:headEnd type="arrow"/>
+          </a:ln>
+        </p:spPr>
+        <p:style>
+          <a:lnRef idx="1">
+            <a:schemeClr val="accent1"/>
+          </a:lnRef>
+          <a:fillRef idx="0">
+            <a:schemeClr val="accent1"/>
+          </a:fillRef>
+          <a:effectRef idx="0">
+            <a:schemeClr val="accent1"/>
+          </a:effectRef>
+          <a:fontRef idx="minor">
+            <a:schemeClr val="tx1"/>
+          </a:fontRef>
+        </p:style>
+      </p:cxnSp>
+      <p:sp>
+        <p:nvSpPr>
+          <p:cNvPr id="9" name="Textfeld 8">
+            <a:extLst>
+              <a:ext uri="{FF2B5EF4-FFF2-40B4-BE49-F238E27FC236}">
+                <a16:creationId xmlns:a16="http://schemas.microsoft.com/office/drawing/2014/main" id="{A5AA7A08-C71E-4ED8-8773-1802B812F631}"/>
+              </a:ext>
+            </a:extLst>
+          </p:cNvPr>
+          <p:cNvSpPr txBox="1"/>
+          <p:nvPr/>
+        </p:nvSpPr>
+        <p:spPr>
+          <a:xfrm>
+            <a:off x="5234294" y="1579335"/>
+            <a:ext cx="502296" cy="261610"/>
+          </a:xfrm>
+          <a:prstGeom prst="rect">
+            <a:avLst/>
+          </a:prstGeom>
+          <a:noFill/>
+        </p:spPr>
+        <p:txBody>
+          <a:bodyPr wrap="square" rtlCol="0">
+            <a:spAutoFit/>
+          </a:bodyPr>
+          <a:lstStyle/>
+          <a:p>
+            <a:r>
+              <a:rPr lang="de-AT" sz="1100" dirty="0">
+                <a:latin typeface="Arial" panose="020B0604020202020204" pitchFamily="34" charset="0"/>
+                <a:cs typeface="Arial" panose="020B0604020202020204" pitchFamily="34" charset="0"/>
+              </a:rPr>
+              <a:t>«c2»</a:t>
+            </a:r>
+          </a:p>
+        </p:txBody>
+      </p:sp>
+      <p:sp>
+        <p:nvSpPr>
+          <p:cNvPr id="10" name="Rechteck 9">
+            <a:extLst>
+              <a:ext uri="{FF2B5EF4-FFF2-40B4-BE49-F238E27FC236}">
+                <a16:creationId xmlns:a16="http://schemas.microsoft.com/office/drawing/2014/main" id="{AE6BA2F7-FFED-47CA-8374-B375455BC067}"/>
+              </a:ext>
+            </a:extLst>
+          </p:cNvPr>
+          <p:cNvSpPr/>
+          <p:nvPr/>
+        </p:nvSpPr>
+        <p:spPr>
+          <a:xfrm>
+            <a:off x="4518125" y="869678"/>
+            <a:ext cx="1419568" cy="576000"/>
+          </a:xfrm>
+          <a:prstGeom prst="rect">
+            <a:avLst/>
+          </a:prstGeom>
+          <a:solidFill>
+            <a:schemeClr val="bg1"/>
+          </a:solidFill>
+          <a:ln>
+            <a:solidFill>
+              <a:schemeClr val="tx1"/>
+            </a:solidFill>
+          </a:ln>
+        </p:spPr>
+        <p:style>
+          <a:lnRef idx="2">
+            <a:schemeClr val="accent1">
+              <a:shade val="50000"/>
+            </a:schemeClr>
+          </a:lnRef>
+          <a:fillRef idx="1">
+            <a:schemeClr val="accent1"/>
+          </a:fillRef>
+          <a:effectRef idx="0">
+            <a:schemeClr val="accent1"/>
+          </a:effectRef>
+          <a:fontRef idx="minor">
+            <a:schemeClr val="lt1"/>
+          </a:fontRef>
+        </p:style>
+        <p:txBody>
+          <a:bodyPr rtlCol="0" anchor="ctr"/>
+          <a:lstStyle/>
+          <a:p>
+            <a:pPr algn="ctr"/>
+            <a:r>
+              <a:rPr lang="de-AT" sz="1200" dirty="0">
+                <a:solidFill>
+                  <a:schemeClr val="tx1"/>
+                </a:solidFill>
+              </a:rPr>
+              <a:t>&lt;&lt;meta-model&gt;&gt;</a:t>
+            </a:r>
+          </a:p>
+          <a:p>
+            <a:pPr algn="ctr"/>
+            <a:r>
+              <a:rPr lang="de-AT" dirty="0">
+                <a:solidFill>
+                  <a:schemeClr val="tx1"/>
+                </a:solidFill>
+              </a:rPr>
+              <a:t>DT-MM</a:t>
+            </a:r>
+          </a:p>
+        </p:txBody>
+      </p:sp>
+      <p:sp>
+        <p:nvSpPr>
+          <p:cNvPr id="12" name="Rechteck 11">
+            <a:extLst>
+              <a:ext uri="{FF2B5EF4-FFF2-40B4-BE49-F238E27FC236}">
+                <a16:creationId xmlns:a16="http://schemas.microsoft.com/office/drawing/2014/main" id="{0DC9E888-9AE6-48F1-A558-B63EE465AF9C}"/>
+              </a:ext>
+            </a:extLst>
+          </p:cNvPr>
+          <p:cNvSpPr/>
+          <p:nvPr/>
+        </p:nvSpPr>
+        <p:spPr>
+          <a:xfrm>
+            <a:off x="2111697" y="869679"/>
+            <a:ext cx="1937192" cy="575999"/>
+          </a:xfrm>
+          <a:prstGeom prst="rect">
+            <a:avLst/>
+          </a:prstGeom>
+        </p:spPr>
+        <p:style>
+          <a:lnRef idx="2">
+            <a:schemeClr val="dk1"/>
+          </a:lnRef>
+          <a:fillRef idx="1">
+            <a:schemeClr val="lt1"/>
+          </a:fillRef>
+          <a:effectRef idx="0">
+            <a:schemeClr val="dk1"/>
+          </a:effectRef>
+          <a:fontRef idx="minor">
+            <a:schemeClr val="dk1"/>
+          </a:fontRef>
+        </p:style>
+        <p:txBody>
+          <a:bodyPr rtlCol="0" anchor="ctr"/>
+          <a:lstStyle/>
+          <a:p>
+            <a:pPr algn="ctr"/>
+            <a:r>
+              <a:rPr lang="de-AT" dirty="0"/>
+              <a:t>UML2DT Transformation</a:t>
+            </a:r>
+          </a:p>
+        </p:txBody>
+      </p:sp>
+      <p:sp>
+        <p:nvSpPr>
+          <p:cNvPr id="13" name="Rechteck 12">
+            <a:extLst>
+              <a:ext uri="{FF2B5EF4-FFF2-40B4-BE49-F238E27FC236}">
+                <a16:creationId xmlns:a16="http://schemas.microsoft.com/office/drawing/2014/main" id="{6173A453-50DD-4FDF-B196-9D873D65019B}"/>
+              </a:ext>
+            </a:extLst>
+          </p:cNvPr>
+          <p:cNvSpPr/>
+          <p:nvPr/>
+        </p:nvSpPr>
+        <p:spPr>
+          <a:xfrm>
+            <a:off x="2104338" y="1840541"/>
+            <a:ext cx="1951671" cy="575999"/>
+          </a:xfrm>
+          <a:prstGeom prst="rect">
+            <a:avLst/>
+          </a:prstGeom>
+          <a:ln>
+            <a:solidFill>
+              <a:schemeClr val="tx1"/>
+            </a:solidFill>
+          </a:ln>
+        </p:spPr>
+        <p:style>
+          <a:lnRef idx="2">
+            <a:schemeClr val="dk1"/>
+          </a:lnRef>
+          <a:fillRef idx="1">
+            <a:schemeClr val="lt1"/>
+          </a:fillRef>
+          <a:effectRef idx="0">
+            <a:schemeClr val="dk1"/>
+          </a:effectRef>
+          <a:fontRef idx="minor">
+            <a:schemeClr val="dk1"/>
+          </a:fontRef>
+        </p:style>
+        <p:txBody>
+          <a:bodyPr rtlCol="0" anchor="ctr"/>
+          <a:lstStyle/>
+          <a:p>
+            <a:pPr algn="ctr"/>
+            <a:r>
+              <a:rPr lang="de-AT" dirty="0"/>
+              <a:t>Transformation Engine</a:t>
+            </a:r>
+          </a:p>
+        </p:txBody>
+      </p:sp>
+      <p:cxnSp>
+        <p:nvCxnSpPr>
+          <p:cNvPr id="14" name="Gerader Verbinder 13">
+            <a:extLst>
+              <a:ext uri="{FF2B5EF4-FFF2-40B4-BE49-F238E27FC236}">
+                <a16:creationId xmlns:a16="http://schemas.microsoft.com/office/drawing/2014/main" id="{A1DF4983-0B5F-49D5-9646-3D5B48CEF1CC}"/>
+              </a:ext>
+            </a:extLst>
+          </p:cNvPr>
+          <p:cNvCxnSpPr>
+            <a:stCxn id="5" idx="3"/>
+            <a:endCxn id="12" idx="1"/>
+          </p:cNvCxnSpPr>
+          <p:nvPr/>
+        </p:nvCxnSpPr>
+        <p:spPr>
+          <a:xfrm>
+            <a:off x="1645731" y="1157678"/>
+            <a:ext cx="465966" cy="1"/>
+          </a:xfrm>
+          <a:prstGeom prst="line">
+            <a:avLst/>
+          </a:prstGeom>
+          <a:ln w="12700">
+            <a:solidFill>
+              <a:schemeClr val="tx1"/>
+            </a:solidFill>
+            <a:prstDash val="dash"/>
+            <a:headEnd type="arrow"/>
+          </a:ln>
+        </p:spPr>
+        <p:style>
+          <a:lnRef idx="1">
+            <a:schemeClr val="accent1"/>
+          </a:lnRef>
+          <a:fillRef idx="0">
+            <a:schemeClr val="accent1"/>
+          </a:fillRef>
+          <a:effectRef idx="0">
+            <a:schemeClr val="accent1"/>
+          </a:effectRef>
+          <a:fontRef idx="minor">
+            <a:schemeClr val="tx1"/>
+          </a:fontRef>
+        </p:style>
+      </p:cxnSp>
+      <p:cxnSp>
+        <p:nvCxnSpPr>
+          <p:cNvPr id="15" name="Gerader Verbinder 14">
+            <a:extLst>
+              <a:ext uri="{FF2B5EF4-FFF2-40B4-BE49-F238E27FC236}">
+                <a16:creationId xmlns:a16="http://schemas.microsoft.com/office/drawing/2014/main" id="{396FA1B7-4EB8-414E-BC4B-9C47D07F684D}"/>
+              </a:ext>
+            </a:extLst>
+          </p:cNvPr>
+          <p:cNvCxnSpPr>
+            <a:stCxn id="10" idx="1"/>
+            <a:endCxn id="12" idx="3"/>
+          </p:cNvCxnSpPr>
+          <p:nvPr/>
+        </p:nvCxnSpPr>
+        <p:spPr>
+          <a:xfrm flipH="1">
+            <a:off x="4048889" y="1157678"/>
+            <a:ext cx="469236" cy="1"/>
+          </a:xfrm>
+          <a:prstGeom prst="line">
+            <a:avLst/>
+          </a:prstGeom>
+          <a:ln w="12700">
+            <a:solidFill>
+              <a:schemeClr val="tx1"/>
+            </a:solidFill>
+            <a:prstDash val="dash"/>
+            <a:headEnd type="arrow"/>
+          </a:ln>
+        </p:spPr>
+        <p:style>
+          <a:lnRef idx="1">
+            <a:schemeClr val="accent1"/>
+          </a:lnRef>
+          <a:fillRef idx="0">
+            <a:schemeClr val="accent1"/>
+          </a:fillRef>
+          <a:effectRef idx="0">
+            <a:schemeClr val="accent1"/>
+          </a:effectRef>
+          <a:fontRef idx="minor">
+            <a:schemeClr val="tx1"/>
+          </a:fontRef>
+        </p:style>
+      </p:cxnSp>
+      <p:sp>
+        <p:nvSpPr>
+          <p:cNvPr id="16" name="Textfeld 15">
+            <a:extLst>
+              <a:ext uri="{FF2B5EF4-FFF2-40B4-BE49-F238E27FC236}">
+                <a16:creationId xmlns:a16="http://schemas.microsoft.com/office/drawing/2014/main" id="{4022AAB1-8F94-498D-8628-D6D664ECAA60}"/>
+              </a:ext>
+            </a:extLst>
+          </p:cNvPr>
+          <p:cNvSpPr txBox="1"/>
+          <p:nvPr/>
+        </p:nvSpPr>
+        <p:spPr>
+          <a:xfrm>
+            <a:off x="1713358" y="883045"/>
+            <a:ext cx="502254" cy="261610"/>
+          </a:xfrm>
+          <a:prstGeom prst="rect">
+            <a:avLst/>
+          </a:prstGeom>
+          <a:noFill/>
+        </p:spPr>
+        <p:txBody>
+          <a:bodyPr wrap="square" rtlCol="0">
+            <a:spAutoFit/>
+          </a:bodyPr>
+          <a:lstStyle/>
+          <a:p>
+            <a:r>
+              <a:rPr lang="de-AT" sz="1100" dirty="0">
+                <a:latin typeface="Arial" panose="020B0604020202020204" pitchFamily="34" charset="0"/>
+                <a:cs typeface="Arial" panose="020B0604020202020204" pitchFamily="34" charset="0"/>
+              </a:rPr>
+              <a:t>«u»</a:t>
+            </a:r>
+          </a:p>
+        </p:txBody>
+      </p:sp>
+      <p:sp>
+        <p:nvSpPr>
+          <p:cNvPr id="17" name="Textfeld 16">
+            <a:extLst>
+              <a:ext uri="{FF2B5EF4-FFF2-40B4-BE49-F238E27FC236}">
+                <a16:creationId xmlns:a16="http://schemas.microsoft.com/office/drawing/2014/main" id="{1972788B-AAD1-4CAB-960F-299EDBD67DDC}"/>
+              </a:ext>
+            </a:extLst>
+          </p:cNvPr>
+          <p:cNvSpPr txBox="1"/>
+          <p:nvPr/>
+        </p:nvSpPr>
+        <p:spPr>
+          <a:xfrm>
+            <a:off x="4065879" y="879538"/>
+            <a:ext cx="502254" cy="261610"/>
+          </a:xfrm>
+          <a:prstGeom prst="rect">
+            <a:avLst/>
+          </a:prstGeom>
+          <a:noFill/>
+        </p:spPr>
+        <p:txBody>
+          <a:bodyPr wrap="square" rtlCol="0">
+            <a:spAutoFit/>
+          </a:bodyPr>
+          <a:lstStyle/>
+          <a:p>
+            <a:r>
+              <a:rPr lang="de-AT" sz="1100" dirty="0">
+                <a:latin typeface="Arial" panose="020B0604020202020204" pitchFamily="34" charset="0"/>
+                <a:cs typeface="Arial" panose="020B0604020202020204" pitchFamily="34" charset="0"/>
+              </a:rPr>
+              <a:t>«u»</a:t>
+            </a:r>
+          </a:p>
+        </p:txBody>
+      </p:sp>
+      <p:cxnSp>
+        <p:nvCxnSpPr>
+          <p:cNvPr id="18" name="Gerader Verbinder 17">
+            <a:extLst>
+              <a:ext uri="{FF2B5EF4-FFF2-40B4-BE49-F238E27FC236}">
+                <a16:creationId xmlns:a16="http://schemas.microsoft.com/office/drawing/2014/main" id="{3C01383E-8277-498F-BE98-6C3076F35089}"/>
+              </a:ext>
+            </a:extLst>
+          </p:cNvPr>
+          <p:cNvCxnSpPr>
+            <a:cxnSpLocks/>
+            <a:stCxn id="12" idx="2"/>
+            <a:endCxn id="13" idx="0"/>
+          </p:cNvCxnSpPr>
+          <p:nvPr/>
+        </p:nvCxnSpPr>
+        <p:spPr>
+          <a:xfrm flipH="1">
+            <a:off x="3080174" y="1445678"/>
+            <a:ext cx="119" cy="394863"/>
+          </a:xfrm>
+          <a:prstGeom prst="line">
+            <a:avLst/>
+          </a:prstGeom>
+          <a:ln w="12700">
+            <a:solidFill>
+              <a:schemeClr val="tx1"/>
+            </a:solidFill>
+            <a:prstDash val="dash"/>
+            <a:headEnd type="arrow"/>
+          </a:ln>
+        </p:spPr>
+        <p:style>
+          <a:lnRef idx="1">
+            <a:schemeClr val="accent1"/>
+          </a:lnRef>
+          <a:fillRef idx="0">
+            <a:schemeClr val="accent1"/>
+          </a:fillRef>
+          <a:effectRef idx="0">
+            <a:schemeClr val="accent1"/>
+          </a:effectRef>
+          <a:fontRef idx="minor">
+            <a:schemeClr val="tx1"/>
+          </a:fontRef>
+        </p:style>
+      </p:cxnSp>
+      <p:cxnSp>
+        <p:nvCxnSpPr>
+          <p:cNvPr id="19" name="Gerader Verbinder 18">
+            <a:extLst>
+              <a:ext uri="{FF2B5EF4-FFF2-40B4-BE49-F238E27FC236}">
+                <a16:creationId xmlns:a16="http://schemas.microsoft.com/office/drawing/2014/main" id="{302C0DC7-1447-47D9-9601-3D09EAAEDD22}"/>
+              </a:ext>
+            </a:extLst>
+          </p:cNvPr>
+          <p:cNvCxnSpPr>
+            <a:cxnSpLocks/>
+            <a:stCxn id="4" idx="3"/>
+            <a:endCxn id="13" idx="1"/>
+          </p:cNvCxnSpPr>
+          <p:nvPr/>
+        </p:nvCxnSpPr>
+        <p:spPr>
+          <a:xfrm>
+            <a:off x="1641639" y="2128541"/>
+            <a:ext cx="462699" cy="0"/>
+          </a:xfrm>
+          <a:prstGeom prst="line">
+            <a:avLst/>
+          </a:prstGeom>
+          <a:ln w="12700">
+            <a:solidFill>
+              <a:schemeClr val="tx1"/>
+            </a:solidFill>
+            <a:prstDash val="dash"/>
+            <a:headEnd type="arrow"/>
+          </a:ln>
+        </p:spPr>
+        <p:style>
+          <a:lnRef idx="1">
+            <a:schemeClr val="accent1"/>
+          </a:lnRef>
+          <a:fillRef idx="0">
+            <a:schemeClr val="accent1"/>
+          </a:fillRef>
+          <a:effectRef idx="0">
+            <a:schemeClr val="accent1"/>
+          </a:effectRef>
+          <a:fontRef idx="minor">
+            <a:schemeClr val="tx1"/>
+          </a:fontRef>
+        </p:style>
+      </p:cxnSp>
+      <p:cxnSp>
+        <p:nvCxnSpPr>
+          <p:cNvPr id="20" name="Gerader Verbinder 19">
+            <a:extLst>
+              <a:ext uri="{FF2B5EF4-FFF2-40B4-BE49-F238E27FC236}">
+                <a16:creationId xmlns:a16="http://schemas.microsoft.com/office/drawing/2014/main" id="{736CC8A0-40F5-49FE-9D97-409A87ADD5EB}"/>
+              </a:ext>
+            </a:extLst>
+          </p:cNvPr>
+          <p:cNvCxnSpPr>
+            <a:cxnSpLocks/>
+            <a:stCxn id="3" idx="1"/>
+            <a:endCxn id="13" idx="3"/>
+          </p:cNvCxnSpPr>
+          <p:nvPr/>
+        </p:nvCxnSpPr>
+        <p:spPr>
+          <a:xfrm flipH="1">
+            <a:off x="4056009" y="2128541"/>
+            <a:ext cx="462700" cy="0"/>
+          </a:xfrm>
+          <a:prstGeom prst="line">
+            <a:avLst/>
+          </a:prstGeom>
+          <a:ln w="12700">
+            <a:solidFill>
+              <a:schemeClr val="tx1"/>
+            </a:solidFill>
+            <a:prstDash val="dash"/>
+            <a:headEnd type="arrow"/>
+          </a:ln>
+        </p:spPr>
+        <p:style>
+          <a:lnRef idx="1">
+            <a:schemeClr val="accent1"/>
+          </a:lnRef>
+          <a:fillRef idx="0">
+            <a:schemeClr val="accent1"/>
+          </a:fillRef>
+          <a:effectRef idx="0">
+            <a:schemeClr val="accent1"/>
+          </a:effectRef>
+          <a:fontRef idx="minor">
+            <a:schemeClr val="tx1"/>
+          </a:fontRef>
+        </p:style>
+      </p:cxnSp>
+      <p:sp>
+        <p:nvSpPr>
+          <p:cNvPr id="21" name="Textfeld 20">
+            <a:extLst>
+              <a:ext uri="{FF2B5EF4-FFF2-40B4-BE49-F238E27FC236}">
+                <a16:creationId xmlns:a16="http://schemas.microsoft.com/office/drawing/2014/main" id="{7C50E82C-2458-4BFC-9C3B-4BE15F9B9724}"/>
+              </a:ext>
+            </a:extLst>
+          </p:cNvPr>
+          <p:cNvSpPr txBox="1"/>
+          <p:nvPr/>
+        </p:nvSpPr>
+        <p:spPr>
+          <a:xfrm>
+            <a:off x="1693699" y="1843609"/>
+            <a:ext cx="502254" cy="261610"/>
+          </a:xfrm>
+          <a:prstGeom prst="rect">
+            <a:avLst/>
+          </a:prstGeom>
+          <a:noFill/>
+        </p:spPr>
+        <p:txBody>
+          <a:bodyPr wrap="square" rtlCol="0">
+            <a:spAutoFit/>
+          </a:bodyPr>
+          <a:lstStyle/>
+          <a:p>
+            <a:r>
+              <a:rPr lang="de-AT" sz="1100" dirty="0">
+                <a:latin typeface="Arial" panose="020B0604020202020204" pitchFamily="34" charset="0"/>
+                <a:cs typeface="Arial" panose="020B0604020202020204" pitchFamily="34" charset="0"/>
+              </a:rPr>
+              <a:t>«r»</a:t>
+            </a:r>
+          </a:p>
+        </p:txBody>
+      </p:sp>
+      <p:sp>
+        <p:nvSpPr>
+          <p:cNvPr id="22" name="Textfeld 21">
+            <a:extLst>
+              <a:ext uri="{FF2B5EF4-FFF2-40B4-BE49-F238E27FC236}">
+                <a16:creationId xmlns:a16="http://schemas.microsoft.com/office/drawing/2014/main" id="{FA85DDC5-1E7D-4AE2-858B-1332DA1C6EE0}"/>
+              </a:ext>
+            </a:extLst>
+          </p:cNvPr>
+          <p:cNvSpPr txBox="1"/>
+          <p:nvPr/>
+        </p:nvSpPr>
+        <p:spPr>
+          <a:xfrm>
+            <a:off x="3077419" y="1507031"/>
+            <a:ext cx="502254" cy="261610"/>
+          </a:xfrm>
+          <a:prstGeom prst="rect">
+            <a:avLst/>
+          </a:prstGeom>
+          <a:noFill/>
+        </p:spPr>
+        <p:txBody>
+          <a:bodyPr wrap="square" rtlCol="0">
+            <a:spAutoFit/>
+          </a:bodyPr>
+          <a:lstStyle/>
+          <a:p>
+            <a:r>
+              <a:rPr lang="de-AT" sz="1100" dirty="0">
+                <a:latin typeface="Arial" panose="020B0604020202020204" pitchFamily="34" charset="0"/>
+                <a:cs typeface="Arial" panose="020B0604020202020204" pitchFamily="34" charset="0"/>
+              </a:rPr>
+              <a:t>«r»</a:t>
+            </a:r>
+          </a:p>
+        </p:txBody>
+      </p:sp>
+      <p:sp>
+        <p:nvSpPr>
+          <p:cNvPr id="23" name="Textfeld 22">
+            <a:extLst>
+              <a:ext uri="{FF2B5EF4-FFF2-40B4-BE49-F238E27FC236}">
+                <a16:creationId xmlns:a16="http://schemas.microsoft.com/office/drawing/2014/main" id="{0062072D-592E-4967-93EE-CC3AE9D471B9}"/>
+              </a:ext>
+            </a:extLst>
+          </p:cNvPr>
+          <p:cNvSpPr txBox="1"/>
+          <p:nvPr/>
+        </p:nvSpPr>
+        <p:spPr>
+          <a:xfrm>
+            <a:off x="4054620" y="1843609"/>
+            <a:ext cx="502254" cy="261610"/>
+          </a:xfrm>
+          <a:prstGeom prst="rect">
+            <a:avLst/>
+          </a:prstGeom>
+          <a:noFill/>
+        </p:spPr>
+        <p:txBody>
+          <a:bodyPr wrap="square" rtlCol="0">
+            <a:spAutoFit/>
+          </a:bodyPr>
+          <a:lstStyle/>
+          <a:p>
+            <a:r>
+              <a:rPr lang="de-AT" sz="1100" dirty="0">
+                <a:latin typeface="Arial" panose="020B0604020202020204" pitchFamily="34" charset="0"/>
+                <a:cs typeface="Arial" panose="020B0604020202020204" pitchFamily="34" charset="0"/>
+              </a:rPr>
+              <a:t>«w»</a:t>
+            </a:r>
+          </a:p>
+        </p:txBody>
+      </p:sp>
+      <p:sp>
+        <p:nvSpPr>
+          <p:cNvPr id="25" name="Rechteck 24">
+            <a:extLst>
+              <a:ext uri="{FF2B5EF4-FFF2-40B4-BE49-F238E27FC236}">
+                <a16:creationId xmlns:a16="http://schemas.microsoft.com/office/drawing/2014/main" id="{703D90A1-9C41-4159-B5BE-D1934B7049A3}"/>
+              </a:ext>
+            </a:extLst>
+          </p:cNvPr>
+          <p:cNvSpPr/>
+          <p:nvPr/>
+        </p:nvSpPr>
+        <p:spPr>
+          <a:xfrm>
+            <a:off x="8608125" y="853146"/>
+            <a:ext cx="1651813" cy="576000"/>
+          </a:xfrm>
+          <a:prstGeom prst="rect">
+            <a:avLst/>
+          </a:prstGeom>
+          <a:solidFill>
+            <a:schemeClr val="bg1"/>
+          </a:solidFill>
+          <a:ln>
+            <a:solidFill>
+              <a:schemeClr val="tx1"/>
+            </a:solidFill>
+          </a:ln>
+        </p:spPr>
+        <p:style>
+          <a:lnRef idx="2">
+            <a:schemeClr val="accent1">
+              <a:shade val="50000"/>
+            </a:schemeClr>
+          </a:lnRef>
+          <a:fillRef idx="1">
+            <a:schemeClr val="accent1"/>
+          </a:fillRef>
+          <a:effectRef idx="0">
+            <a:schemeClr val="accent1"/>
+          </a:effectRef>
+          <a:fontRef idx="minor">
+            <a:schemeClr val="lt1"/>
+          </a:fontRef>
+        </p:style>
+        <p:txBody>
+          <a:bodyPr rtlCol="0" anchor="ctr"/>
+          <a:lstStyle/>
+          <a:p>
+            <a:pPr algn="ctr"/>
+            <a:r>
+              <a:rPr lang="de-AT" sz="1200" dirty="0">
+                <a:solidFill>
+                  <a:schemeClr val="tx1"/>
+                </a:solidFill>
+              </a:rPr>
+              <a:t>&lt;&lt;meta-model&gt;&gt;</a:t>
+            </a:r>
+          </a:p>
+          <a:p>
+            <a:pPr algn="ctr"/>
+            <a:r>
+              <a:rPr lang="de-AT" dirty="0">
+                <a:solidFill>
+                  <a:schemeClr val="tx1"/>
+                </a:solidFill>
+              </a:rPr>
+              <a:t>DT-Language</a:t>
+            </a:r>
+          </a:p>
+        </p:txBody>
+      </p:sp>
+      <p:sp>
+        <p:nvSpPr>
+          <p:cNvPr id="26" name="Rechteck 25">
+            <a:extLst>
+              <a:ext uri="{FF2B5EF4-FFF2-40B4-BE49-F238E27FC236}">
+                <a16:creationId xmlns:a16="http://schemas.microsoft.com/office/drawing/2014/main" id="{8B2BF04C-6F27-4868-A653-626A1EE344A1}"/>
+              </a:ext>
+            </a:extLst>
+          </p:cNvPr>
+          <p:cNvSpPr/>
+          <p:nvPr/>
+        </p:nvSpPr>
+        <p:spPr>
+          <a:xfrm>
+            <a:off x="8621404" y="1893102"/>
+            <a:ext cx="1638534" cy="576000"/>
+          </a:xfrm>
+          <a:prstGeom prst="rect">
+            <a:avLst/>
+          </a:prstGeom>
+          <a:solidFill>
+            <a:schemeClr val="bg1"/>
+          </a:solidFill>
+          <a:ln>
+            <a:solidFill>
+              <a:schemeClr val="tx1"/>
+            </a:solidFill>
+          </a:ln>
+        </p:spPr>
+        <p:style>
+          <a:lnRef idx="2">
+            <a:schemeClr val="accent1">
+              <a:shade val="50000"/>
+            </a:schemeClr>
+          </a:lnRef>
+          <a:fillRef idx="1">
+            <a:schemeClr val="accent1"/>
+          </a:fillRef>
+          <a:effectRef idx="0">
+            <a:schemeClr val="accent1"/>
+          </a:effectRef>
+          <a:fontRef idx="minor">
+            <a:schemeClr val="lt1"/>
+          </a:fontRef>
+        </p:style>
+        <p:txBody>
+          <a:bodyPr rtlCol="0" anchor="ctr"/>
+          <a:lstStyle/>
+          <a:p>
+            <a:pPr algn="ctr"/>
+            <a:r>
+              <a:rPr lang="de-AT" dirty="0">
+                <a:solidFill>
+                  <a:schemeClr val="tx1"/>
+                </a:solidFill>
+              </a:rPr>
+              <a:t>DT </a:t>
+            </a:r>
+            <a:r>
+              <a:rPr lang="de-AT" dirty="0" err="1">
+                <a:solidFill>
+                  <a:schemeClr val="tx1"/>
+                </a:solidFill>
+              </a:rPr>
+              <a:t>Serialization</a:t>
+            </a:r>
+            <a:endParaRPr lang="de-AT" dirty="0">
+              <a:solidFill>
+                <a:schemeClr val="tx1"/>
+              </a:solidFill>
+            </a:endParaRPr>
+          </a:p>
+        </p:txBody>
+      </p:sp>
+      <p:sp>
+        <p:nvSpPr>
+          <p:cNvPr id="27" name="Rechteck 26">
+            <a:extLst>
+              <a:ext uri="{FF2B5EF4-FFF2-40B4-BE49-F238E27FC236}">
+                <a16:creationId xmlns:a16="http://schemas.microsoft.com/office/drawing/2014/main" id="{DE0FBC9F-77BE-436D-BED9-049B3737D1EB}"/>
+              </a:ext>
+            </a:extLst>
+          </p:cNvPr>
+          <p:cNvSpPr/>
+          <p:nvPr/>
+        </p:nvSpPr>
+        <p:spPr>
+          <a:xfrm>
+            <a:off x="6454208" y="837061"/>
+            <a:ext cx="1651814" cy="575999"/>
+          </a:xfrm>
+          <a:prstGeom prst="rect">
+            <a:avLst/>
+          </a:prstGeom>
+        </p:spPr>
+        <p:style>
+          <a:lnRef idx="2">
+            <a:schemeClr val="dk1"/>
+          </a:lnRef>
+          <a:fillRef idx="1">
+            <a:schemeClr val="lt1"/>
+          </a:fillRef>
+          <a:effectRef idx="0">
+            <a:schemeClr val="dk1"/>
+          </a:effectRef>
+          <a:fontRef idx="minor">
+            <a:schemeClr val="dk1"/>
+          </a:fontRef>
+        </p:style>
+        <p:txBody>
+          <a:bodyPr rtlCol="0" anchor="ctr"/>
+          <a:lstStyle/>
+          <a:p>
+            <a:pPr algn="ctr"/>
+            <a:r>
+              <a:rPr lang="de-AT" dirty="0"/>
+              <a:t>DT Generation </a:t>
+            </a:r>
+            <a:r>
+              <a:rPr lang="de-AT" dirty="0" err="1"/>
+              <a:t>Script</a:t>
+            </a:r>
+            <a:endParaRPr lang="de-AT" dirty="0"/>
+          </a:p>
+        </p:txBody>
+      </p:sp>
+      <p:sp>
+        <p:nvSpPr>
+          <p:cNvPr id="28" name="Rechteck 27">
+            <a:extLst>
+              <a:ext uri="{FF2B5EF4-FFF2-40B4-BE49-F238E27FC236}">
+                <a16:creationId xmlns:a16="http://schemas.microsoft.com/office/drawing/2014/main" id="{C6D11C1C-35E6-4DAF-BBAB-3FC20F7B5836}"/>
+              </a:ext>
+            </a:extLst>
+          </p:cNvPr>
+          <p:cNvSpPr/>
+          <p:nvPr/>
+        </p:nvSpPr>
+        <p:spPr>
+          <a:xfrm>
+            <a:off x="6313400" y="1844350"/>
+            <a:ext cx="1951671" cy="575999"/>
+          </a:xfrm>
+          <a:prstGeom prst="rect">
+            <a:avLst/>
+          </a:prstGeom>
+          <a:ln>
+            <a:solidFill>
+              <a:schemeClr val="tx1"/>
+            </a:solidFill>
+          </a:ln>
+        </p:spPr>
+        <p:style>
+          <a:lnRef idx="2">
+            <a:schemeClr val="dk1"/>
+          </a:lnRef>
+          <a:fillRef idx="1">
+            <a:schemeClr val="lt1"/>
+          </a:fillRef>
+          <a:effectRef idx="0">
+            <a:schemeClr val="dk1"/>
+          </a:effectRef>
+          <a:fontRef idx="minor">
+            <a:schemeClr val="dk1"/>
+          </a:fontRef>
+        </p:style>
+        <p:txBody>
+          <a:bodyPr rtlCol="0" anchor="ctr"/>
+          <a:lstStyle/>
+          <a:p>
+            <a:pPr algn="ctr"/>
+            <a:r>
+              <a:rPr lang="de-AT" dirty="0"/>
+              <a:t>Generation</a:t>
+            </a:r>
+          </a:p>
+          <a:p>
+            <a:pPr algn="ctr"/>
+            <a:r>
+              <a:rPr lang="de-AT" dirty="0"/>
+              <a:t>Engine</a:t>
+            </a:r>
+          </a:p>
+        </p:txBody>
+      </p:sp>
+      <p:cxnSp>
+        <p:nvCxnSpPr>
+          <p:cNvPr id="29" name="Gerader Verbinder 28">
+            <a:extLst>
+              <a:ext uri="{FF2B5EF4-FFF2-40B4-BE49-F238E27FC236}">
+                <a16:creationId xmlns:a16="http://schemas.microsoft.com/office/drawing/2014/main" id="{E5EB4AA7-8761-4F1F-9057-9CCC17F2BED2}"/>
+              </a:ext>
+            </a:extLst>
+          </p:cNvPr>
+          <p:cNvCxnSpPr>
+            <a:cxnSpLocks/>
+          </p:cNvCxnSpPr>
+          <p:nvPr/>
+        </p:nvCxnSpPr>
+        <p:spPr>
+          <a:xfrm>
+            <a:off x="5882685" y="2151863"/>
+            <a:ext cx="462699" cy="0"/>
+          </a:xfrm>
+          <a:prstGeom prst="line">
+            <a:avLst/>
+          </a:prstGeom>
+          <a:ln w="12700">
+            <a:solidFill>
+              <a:schemeClr val="tx1"/>
+            </a:solidFill>
+            <a:prstDash val="dash"/>
+            <a:headEnd type="arrow"/>
+          </a:ln>
+        </p:spPr>
+        <p:style>
+          <a:lnRef idx="1">
+            <a:schemeClr val="accent1"/>
+          </a:lnRef>
+          <a:fillRef idx="0">
+            <a:schemeClr val="accent1"/>
+          </a:fillRef>
+          <a:effectRef idx="0">
+            <a:schemeClr val="accent1"/>
+          </a:effectRef>
+          <a:fontRef idx="minor">
+            <a:schemeClr val="tx1"/>
+          </a:fontRef>
+        </p:style>
+      </p:cxnSp>
+      <p:sp>
+        <p:nvSpPr>
+          <p:cNvPr id="30" name="Textfeld 29">
+            <a:extLst>
+              <a:ext uri="{FF2B5EF4-FFF2-40B4-BE49-F238E27FC236}">
+                <a16:creationId xmlns:a16="http://schemas.microsoft.com/office/drawing/2014/main" id="{80C11C72-EC2E-4E98-8465-FB1E2E1C28A2}"/>
+              </a:ext>
+            </a:extLst>
+          </p:cNvPr>
+          <p:cNvSpPr txBox="1"/>
+          <p:nvPr/>
+        </p:nvSpPr>
+        <p:spPr>
+          <a:xfrm>
+            <a:off x="5934745" y="1866931"/>
+            <a:ext cx="502254" cy="261610"/>
+          </a:xfrm>
+          <a:prstGeom prst="rect">
+            <a:avLst/>
+          </a:prstGeom>
+          <a:noFill/>
+        </p:spPr>
+        <p:txBody>
+          <a:bodyPr wrap="square" rtlCol="0">
+            <a:spAutoFit/>
+          </a:bodyPr>
+          <a:lstStyle/>
+          <a:p>
+            <a:r>
+              <a:rPr lang="de-AT" sz="1100" dirty="0">
+                <a:latin typeface="Arial" panose="020B0604020202020204" pitchFamily="34" charset="0"/>
+                <a:cs typeface="Arial" panose="020B0604020202020204" pitchFamily="34" charset="0"/>
+              </a:rPr>
+              <a:t>«r»</a:t>
+            </a:r>
+          </a:p>
+        </p:txBody>
+      </p:sp>
+      <p:cxnSp>
+        <p:nvCxnSpPr>
+          <p:cNvPr id="31" name="Gerader Verbinder 30">
+            <a:extLst>
+              <a:ext uri="{FF2B5EF4-FFF2-40B4-BE49-F238E27FC236}">
+                <a16:creationId xmlns:a16="http://schemas.microsoft.com/office/drawing/2014/main" id="{9F933D17-6D5D-4C25-8CD4-BF9FBE0F9961}"/>
+              </a:ext>
+            </a:extLst>
+          </p:cNvPr>
+          <p:cNvCxnSpPr>
+            <a:cxnSpLocks/>
+          </p:cNvCxnSpPr>
+          <p:nvPr/>
+        </p:nvCxnSpPr>
+        <p:spPr>
+          <a:xfrm flipH="1">
+            <a:off x="8159493" y="2259346"/>
+            <a:ext cx="462700" cy="0"/>
+          </a:xfrm>
+          <a:prstGeom prst="line">
+            <a:avLst/>
+          </a:prstGeom>
+          <a:ln w="12700">
+            <a:solidFill>
+              <a:schemeClr val="tx1"/>
+            </a:solidFill>
+            <a:prstDash val="dash"/>
+            <a:headEnd type="arrow"/>
+          </a:ln>
+        </p:spPr>
+        <p:style>
+          <a:lnRef idx="1">
+            <a:schemeClr val="accent1"/>
+          </a:lnRef>
+          <a:fillRef idx="0">
+            <a:schemeClr val="accent1"/>
+          </a:fillRef>
+          <a:effectRef idx="0">
+            <a:schemeClr val="accent1"/>
+          </a:effectRef>
+          <a:fontRef idx="minor">
+            <a:schemeClr val="tx1"/>
+          </a:fontRef>
+        </p:style>
+      </p:cxnSp>
+      <p:sp>
+        <p:nvSpPr>
+          <p:cNvPr id="32" name="Textfeld 31">
+            <a:extLst>
+              <a:ext uri="{FF2B5EF4-FFF2-40B4-BE49-F238E27FC236}">
+                <a16:creationId xmlns:a16="http://schemas.microsoft.com/office/drawing/2014/main" id="{0683FF16-80F3-466E-81A5-2CCF0D87B9EA}"/>
+              </a:ext>
+            </a:extLst>
+          </p:cNvPr>
+          <p:cNvSpPr txBox="1"/>
+          <p:nvPr/>
+        </p:nvSpPr>
+        <p:spPr>
+          <a:xfrm>
+            <a:off x="8158104" y="1974414"/>
+            <a:ext cx="502254" cy="261610"/>
+          </a:xfrm>
+          <a:prstGeom prst="rect">
+            <a:avLst/>
+          </a:prstGeom>
+          <a:noFill/>
+        </p:spPr>
+        <p:txBody>
+          <a:bodyPr wrap="square" rtlCol="0">
+            <a:spAutoFit/>
+          </a:bodyPr>
+          <a:lstStyle/>
+          <a:p>
+            <a:r>
+              <a:rPr lang="de-AT" sz="1100" dirty="0">
+                <a:latin typeface="Arial" panose="020B0604020202020204" pitchFamily="34" charset="0"/>
+                <a:cs typeface="Arial" panose="020B0604020202020204" pitchFamily="34" charset="0"/>
+              </a:rPr>
+              <a:t>«w»</a:t>
+            </a:r>
+          </a:p>
+        </p:txBody>
+      </p:sp>
+      <p:cxnSp>
+        <p:nvCxnSpPr>
+          <p:cNvPr id="35" name="Gerader Verbinder 34">
+            <a:extLst>
+              <a:ext uri="{FF2B5EF4-FFF2-40B4-BE49-F238E27FC236}">
+                <a16:creationId xmlns:a16="http://schemas.microsoft.com/office/drawing/2014/main" id="{5D7FA78B-CF3A-4625-A3B6-818F0D025EE0}"/>
+              </a:ext>
+            </a:extLst>
+          </p:cNvPr>
+          <p:cNvCxnSpPr/>
+          <p:nvPr/>
+        </p:nvCxnSpPr>
+        <p:spPr>
+          <a:xfrm>
+            <a:off x="5815058" y="1284976"/>
+            <a:ext cx="465966" cy="1"/>
+          </a:xfrm>
+          <a:prstGeom prst="line">
+            <a:avLst/>
+          </a:prstGeom>
+          <a:ln w="12700">
+            <a:solidFill>
+              <a:schemeClr val="tx1"/>
+            </a:solidFill>
+            <a:prstDash val="dash"/>
+            <a:headEnd type="arrow"/>
+          </a:ln>
+        </p:spPr>
+        <p:style>
+          <a:lnRef idx="1">
+            <a:schemeClr val="accent1"/>
+          </a:lnRef>
+          <a:fillRef idx="0">
+            <a:schemeClr val="accent1"/>
+          </a:fillRef>
+          <a:effectRef idx="0">
+            <a:schemeClr val="accent1"/>
+          </a:effectRef>
+          <a:fontRef idx="minor">
+            <a:schemeClr val="tx1"/>
+          </a:fontRef>
+        </p:style>
+      </p:cxnSp>
+      <p:sp>
+        <p:nvSpPr>
+          <p:cNvPr id="36" name="Textfeld 35">
+            <a:extLst>
+              <a:ext uri="{FF2B5EF4-FFF2-40B4-BE49-F238E27FC236}">
+                <a16:creationId xmlns:a16="http://schemas.microsoft.com/office/drawing/2014/main" id="{A39D73AA-25EC-4C52-B955-27E493F1CE3F}"/>
+              </a:ext>
+            </a:extLst>
+          </p:cNvPr>
+          <p:cNvSpPr txBox="1"/>
+          <p:nvPr/>
+        </p:nvSpPr>
+        <p:spPr>
+          <a:xfrm>
+            <a:off x="5882685" y="1010343"/>
+            <a:ext cx="502254" cy="261610"/>
+          </a:xfrm>
+          <a:prstGeom prst="rect">
+            <a:avLst/>
+          </a:prstGeom>
+          <a:noFill/>
+        </p:spPr>
+        <p:txBody>
+          <a:bodyPr wrap="square" rtlCol="0">
+            <a:spAutoFit/>
+          </a:bodyPr>
+          <a:lstStyle/>
+          <a:p>
+            <a:r>
+              <a:rPr lang="de-AT" sz="1100" dirty="0">
+                <a:latin typeface="Arial" panose="020B0604020202020204" pitchFamily="34" charset="0"/>
+                <a:cs typeface="Arial" panose="020B0604020202020204" pitchFamily="34" charset="0"/>
+              </a:rPr>
+              <a:t>«u»</a:t>
+            </a:r>
+          </a:p>
+        </p:txBody>
+      </p:sp>
+      <p:cxnSp>
+        <p:nvCxnSpPr>
+          <p:cNvPr id="40" name="Gerader Verbinder 39">
+            <a:extLst>
+              <a:ext uri="{FF2B5EF4-FFF2-40B4-BE49-F238E27FC236}">
+                <a16:creationId xmlns:a16="http://schemas.microsoft.com/office/drawing/2014/main" id="{EBFC5148-A11C-4DD2-BB97-696A4B272112}"/>
+              </a:ext>
+            </a:extLst>
+          </p:cNvPr>
+          <p:cNvCxnSpPr>
+            <a:cxnSpLocks/>
+          </p:cNvCxnSpPr>
+          <p:nvPr/>
+        </p:nvCxnSpPr>
+        <p:spPr>
+          <a:xfrm flipH="1">
+            <a:off x="7989017" y="1174208"/>
+            <a:ext cx="469236" cy="1"/>
+          </a:xfrm>
+          <a:prstGeom prst="line">
+            <a:avLst/>
+          </a:prstGeom>
+          <a:ln w="12700">
+            <a:solidFill>
+              <a:schemeClr val="tx1"/>
+            </a:solidFill>
+            <a:prstDash val="dash"/>
+            <a:headEnd type="arrow"/>
+          </a:ln>
+        </p:spPr>
+        <p:style>
+          <a:lnRef idx="1">
+            <a:schemeClr val="accent1"/>
+          </a:lnRef>
+          <a:fillRef idx="0">
+            <a:schemeClr val="accent1"/>
+          </a:fillRef>
+          <a:effectRef idx="0">
+            <a:schemeClr val="accent1"/>
+          </a:effectRef>
+          <a:fontRef idx="minor">
+            <a:schemeClr val="tx1"/>
+          </a:fontRef>
+        </p:style>
+      </p:cxnSp>
+      <p:sp>
+        <p:nvSpPr>
+          <p:cNvPr id="41" name="Textfeld 40">
+            <a:extLst>
+              <a:ext uri="{FF2B5EF4-FFF2-40B4-BE49-F238E27FC236}">
+                <a16:creationId xmlns:a16="http://schemas.microsoft.com/office/drawing/2014/main" id="{52404B43-0EF4-471E-BA9F-4525A84C133C}"/>
+              </a:ext>
+            </a:extLst>
+          </p:cNvPr>
+          <p:cNvSpPr txBox="1"/>
+          <p:nvPr/>
+        </p:nvSpPr>
+        <p:spPr>
+          <a:xfrm>
+            <a:off x="8006007" y="896068"/>
+            <a:ext cx="502254" cy="261610"/>
+          </a:xfrm>
+          <a:prstGeom prst="rect">
+            <a:avLst/>
+          </a:prstGeom>
+          <a:noFill/>
+        </p:spPr>
+        <p:txBody>
+          <a:bodyPr wrap="square" rtlCol="0">
+            <a:spAutoFit/>
+          </a:bodyPr>
+          <a:lstStyle/>
+          <a:p>
+            <a:r>
+              <a:rPr lang="de-AT" sz="1100" dirty="0">
+                <a:latin typeface="Arial" panose="020B0604020202020204" pitchFamily="34" charset="0"/>
+                <a:cs typeface="Arial" panose="020B0604020202020204" pitchFamily="34" charset="0"/>
+              </a:rPr>
+              <a:t>«u»</a:t>
+            </a:r>
+          </a:p>
+        </p:txBody>
+      </p:sp>
+      <p:cxnSp>
+        <p:nvCxnSpPr>
+          <p:cNvPr id="43" name="Gerader Verbinder 42">
+            <a:extLst>
+              <a:ext uri="{FF2B5EF4-FFF2-40B4-BE49-F238E27FC236}">
+                <a16:creationId xmlns:a16="http://schemas.microsoft.com/office/drawing/2014/main" id="{922350C7-62E2-410A-B412-2B0D5395EEF4}"/>
+              </a:ext>
+            </a:extLst>
+          </p:cNvPr>
+          <p:cNvCxnSpPr>
+            <a:cxnSpLocks/>
+            <a:stCxn id="27" idx="2"/>
+            <a:endCxn id="28" idx="0"/>
+          </p:cNvCxnSpPr>
+          <p:nvPr/>
+        </p:nvCxnSpPr>
+        <p:spPr>
+          <a:xfrm>
+            <a:off x="7280115" y="1413060"/>
+            <a:ext cx="9121" cy="431290"/>
+          </a:xfrm>
+          <a:prstGeom prst="line">
+            <a:avLst/>
+          </a:prstGeom>
+          <a:ln w="12700">
+            <a:solidFill>
+              <a:schemeClr val="tx1"/>
+            </a:solidFill>
+            <a:prstDash val="dash"/>
+            <a:headEnd type="arrow"/>
+          </a:ln>
+        </p:spPr>
+        <p:style>
+          <a:lnRef idx="1">
+            <a:schemeClr val="accent1"/>
+          </a:lnRef>
+          <a:fillRef idx="0">
+            <a:schemeClr val="accent1"/>
+          </a:fillRef>
+          <a:effectRef idx="0">
+            <a:schemeClr val="accent1"/>
+          </a:effectRef>
+          <a:fontRef idx="minor">
+            <a:schemeClr val="tx1"/>
+          </a:fontRef>
+        </p:style>
+      </p:cxnSp>
+      <p:sp>
+        <p:nvSpPr>
+          <p:cNvPr id="44" name="Textfeld 43">
+            <a:extLst>
+              <a:ext uri="{FF2B5EF4-FFF2-40B4-BE49-F238E27FC236}">
+                <a16:creationId xmlns:a16="http://schemas.microsoft.com/office/drawing/2014/main" id="{B7F805E8-832A-4B96-BC27-10444EAC3FC9}"/>
+              </a:ext>
+            </a:extLst>
+          </p:cNvPr>
+          <p:cNvSpPr txBox="1"/>
+          <p:nvPr/>
+        </p:nvSpPr>
+        <p:spPr>
+          <a:xfrm>
+            <a:off x="7273451" y="1566344"/>
+            <a:ext cx="502254" cy="261610"/>
+          </a:xfrm>
+          <a:prstGeom prst="rect">
+            <a:avLst/>
+          </a:prstGeom>
+          <a:noFill/>
+        </p:spPr>
+        <p:txBody>
+          <a:bodyPr wrap="square" rtlCol="0">
+            <a:spAutoFit/>
+          </a:bodyPr>
+          <a:lstStyle/>
+          <a:p>
+            <a:r>
+              <a:rPr lang="de-AT" sz="1100" dirty="0">
+                <a:latin typeface="Arial" panose="020B0604020202020204" pitchFamily="34" charset="0"/>
+                <a:cs typeface="Arial" panose="020B0604020202020204" pitchFamily="34" charset="0"/>
+              </a:rPr>
+              <a:t>«r»</a:t>
+            </a:r>
+          </a:p>
+        </p:txBody>
+      </p:sp>
+      <p:cxnSp>
+        <p:nvCxnSpPr>
+          <p:cNvPr id="45" name="Gerader Verbinder 44">
+            <a:extLst>
+              <a:ext uri="{FF2B5EF4-FFF2-40B4-BE49-F238E27FC236}">
+                <a16:creationId xmlns:a16="http://schemas.microsoft.com/office/drawing/2014/main" id="{83DE8A96-1D94-4B28-BBFE-5E278CA25669}"/>
+              </a:ext>
+            </a:extLst>
+          </p:cNvPr>
+          <p:cNvCxnSpPr>
+            <a:cxnSpLocks/>
+            <a:stCxn id="25" idx="2"/>
+            <a:endCxn id="26" idx="0"/>
+          </p:cNvCxnSpPr>
+          <p:nvPr/>
+        </p:nvCxnSpPr>
+        <p:spPr>
+          <a:xfrm>
+            <a:off x="9434032" y="1429146"/>
+            <a:ext cx="6639" cy="463956"/>
+          </a:xfrm>
+          <a:prstGeom prst="line">
+            <a:avLst/>
+          </a:prstGeom>
+          <a:ln w="12700">
+            <a:solidFill>
+              <a:schemeClr val="tx1"/>
+            </a:solidFill>
+            <a:prstDash val="dash"/>
+            <a:headEnd type="arrow"/>
+          </a:ln>
+        </p:spPr>
+        <p:style>
+          <a:lnRef idx="1">
+            <a:schemeClr val="accent1"/>
+          </a:lnRef>
+          <a:fillRef idx="0">
+            <a:schemeClr val="accent1"/>
+          </a:fillRef>
+          <a:effectRef idx="0">
+            <a:schemeClr val="accent1"/>
+          </a:effectRef>
+          <a:fontRef idx="minor">
+            <a:schemeClr val="tx1"/>
+          </a:fontRef>
+        </p:style>
+      </p:cxnSp>
+      <p:sp>
+        <p:nvSpPr>
+          <p:cNvPr id="46" name="Textfeld 45">
+            <a:extLst>
+              <a:ext uri="{FF2B5EF4-FFF2-40B4-BE49-F238E27FC236}">
+                <a16:creationId xmlns:a16="http://schemas.microsoft.com/office/drawing/2014/main" id="{1DCDBF5D-3646-428C-A342-FF21C5541326}"/>
+              </a:ext>
+            </a:extLst>
+          </p:cNvPr>
+          <p:cNvSpPr txBox="1"/>
+          <p:nvPr/>
+        </p:nvSpPr>
+        <p:spPr>
+          <a:xfrm>
+            <a:off x="9390296" y="1530319"/>
+            <a:ext cx="502296" cy="261610"/>
+          </a:xfrm>
+          <a:prstGeom prst="rect">
+            <a:avLst/>
+          </a:prstGeom>
+          <a:noFill/>
+        </p:spPr>
+        <p:txBody>
+          <a:bodyPr wrap="square" rtlCol="0">
+            <a:spAutoFit/>
+          </a:bodyPr>
+          <a:lstStyle/>
+          <a:p>
+            <a:r>
+              <a:rPr lang="de-AT" sz="1100" dirty="0">
+                <a:latin typeface="Arial" panose="020B0604020202020204" pitchFamily="34" charset="0"/>
+                <a:cs typeface="Arial" panose="020B0604020202020204" pitchFamily="34" charset="0"/>
+              </a:rPr>
+              <a:t>«c2»</a:t>
+            </a:r>
+          </a:p>
+        </p:txBody>
+      </p:sp>
+      <p:grpSp>
+        <p:nvGrpSpPr>
+          <p:cNvPr id="47" name="Gruppieren 46">
+            <a:extLst>
+              <a:ext uri="{FF2B5EF4-FFF2-40B4-BE49-F238E27FC236}">
+                <a16:creationId xmlns:a16="http://schemas.microsoft.com/office/drawing/2014/main" id="{5A093A46-2C64-4FE0-AAAF-675318441B27}"/>
+              </a:ext>
+            </a:extLst>
+          </p:cNvPr>
+          <p:cNvGrpSpPr/>
+          <p:nvPr/>
+        </p:nvGrpSpPr>
+        <p:grpSpPr>
+          <a:xfrm>
+            <a:off x="2084127" y="3666170"/>
+            <a:ext cx="1668793" cy="1749894"/>
+            <a:chOff x="594590" y="4770254"/>
+            <a:chExt cx="1455548" cy="1182823"/>
+          </a:xfrm>
+        </p:grpSpPr>
+        <p:sp>
+          <p:nvSpPr>
+            <p:cNvPr id="48" name="Rechteck 47">
+              <a:extLst>
+                <a:ext uri="{FF2B5EF4-FFF2-40B4-BE49-F238E27FC236}">
+                  <a16:creationId xmlns:a16="http://schemas.microsoft.com/office/drawing/2014/main" id="{9C6B6B06-037B-40E8-8900-38762EDBD3E5}"/>
+                </a:ext>
+              </a:extLst>
+            </p:cNvPr>
+            <p:cNvSpPr/>
+            <p:nvPr/>
+          </p:nvSpPr>
+          <p:spPr>
+            <a:xfrm>
+              <a:off x="696743" y="4779787"/>
+              <a:ext cx="1244722" cy="1173290"/>
+            </a:xfrm>
+            <a:prstGeom prst="rect">
+              <a:avLst/>
+            </a:prstGeom>
+            <a:solidFill>
+              <a:schemeClr val="bg1">
+                <a:lumMod val="95000"/>
+              </a:schemeClr>
+            </a:solidFill>
+            <a:ln>
+              <a:solidFill>
+                <a:schemeClr val="tx1">
+                  <a:lumMod val="65000"/>
+                  <a:lumOff val="35000"/>
+                </a:schemeClr>
+              </a:solidFill>
+            </a:ln>
+          </p:spPr>
+          <p:style>
+            <a:lnRef idx="2">
+              <a:schemeClr val="accent1">
+                <a:shade val="50000"/>
+              </a:schemeClr>
+            </a:lnRef>
+            <a:fillRef idx="1">
+              <a:schemeClr val="accent1"/>
+            </a:fillRef>
+            <a:effectRef idx="0">
+              <a:schemeClr val="accent1"/>
+            </a:effectRef>
+            <a:fontRef idx="minor">
+              <a:schemeClr val="lt1"/>
+            </a:fontRef>
+          </p:style>
+          <p:txBody>
+            <a:bodyPr rtlCol="0" anchor="ctr"/>
+            <a:lstStyle/>
+            <a:p>
+              <a:pPr algn="ctr"/>
+              <a:endParaRPr lang="de-AT">
+                <a:solidFill>
+                  <a:schemeClr val="tx1"/>
+                </a:solidFill>
+              </a:endParaRPr>
+            </a:p>
+          </p:txBody>
+        </p:sp>
+        <p:sp>
+          <p:nvSpPr>
+            <p:cNvPr id="49" name="Textfeld 48">
+              <a:extLst>
+                <a:ext uri="{FF2B5EF4-FFF2-40B4-BE49-F238E27FC236}">
+                  <a16:creationId xmlns:a16="http://schemas.microsoft.com/office/drawing/2014/main" id="{832404B1-ED7F-4256-9774-17BB43B891A3}"/>
+                </a:ext>
+              </a:extLst>
+            </p:cNvPr>
+            <p:cNvSpPr txBox="1"/>
+            <p:nvPr/>
+          </p:nvSpPr>
+          <p:spPr>
+            <a:xfrm>
+              <a:off x="594590" y="4770254"/>
+              <a:ext cx="1455548" cy="296455"/>
+            </a:xfrm>
+            <a:prstGeom prst="rect">
+              <a:avLst/>
+            </a:prstGeom>
+            <a:noFill/>
+          </p:spPr>
+          <p:txBody>
+            <a:bodyPr wrap="square" rtlCol="0">
+              <a:spAutoFit/>
+            </a:bodyPr>
+            <a:lstStyle/>
+            <a:p>
+              <a:pPr algn="ctr"/>
+              <a:r>
+                <a:rPr lang="de-AT" sz="1050" dirty="0">
+                  <a:latin typeface="Arial" panose="020B0604020202020204" pitchFamily="34" charset="0"/>
+                  <a:cs typeface="Arial" panose="020B0604020202020204" pitchFamily="34" charset="0"/>
+                </a:rPr>
+                <a:t>«</a:t>
+              </a:r>
+              <a:r>
+                <a:rPr lang="de-AT" sz="1050" dirty="0" err="1">
+                  <a:latin typeface="Arial" panose="020B0604020202020204" pitchFamily="34" charset="0"/>
+                  <a:cs typeface="Arial" panose="020B0604020202020204" pitchFamily="34" charset="0"/>
+                </a:rPr>
+                <a:t>enumeration</a:t>
+              </a:r>
+              <a:r>
+                <a:rPr lang="de-AT" sz="1050" dirty="0">
+                  <a:latin typeface="Arial" panose="020B0604020202020204" pitchFamily="34" charset="0"/>
+                  <a:cs typeface="Arial" panose="020B0604020202020204" pitchFamily="34" charset="0"/>
+                </a:rPr>
+                <a:t>»</a:t>
+              </a:r>
+            </a:p>
+            <a:p>
+              <a:pPr algn="ctr"/>
+              <a:r>
+                <a:rPr lang="de-AT" sz="1200" dirty="0">
+                  <a:latin typeface="Arial" panose="020B0604020202020204" pitchFamily="34" charset="0"/>
+                  <a:cs typeface="Arial" panose="020B0604020202020204" pitchFamily="34" charset="0"/>
+                </a:rPr>
+                <a:t>Legend</a:t>
+              </a:r>
+              <a:endParaRPr lang="de-AT" sz="1100" dirty="0">
+                <a:latin typeface="Arial" panose="020B0604020202020204" pitchFamily="34" charset="0"/>
+                <a:cs typeface="Arial" panose="020B0604020202020204" pitchFamily="34" charset="0"/>
+              </a:endParaRPr>
+            </a:p>
+          </p:txBody>
+        </p:sp>
+        <p:cxnSp>
+          <p:nvCxnSpPr>
+            <p:cNvPr id="50" name="Gerader Verbinder 49">
+              <a:extLst>
+                <a:ext uri="{FF2B5EF4-FFF2-40B4-BE49-F238E27FC236}">
+                  <a16:creationId xmlns:a16="http://schemas.microsoft.com/office/drawing/2014/main" id="{C1E14775-844C-4EA1-A146-66CD159F87AA}"/>
+                </a:ext>
+              </a:extLst>
+            </p:cNvPr>
+            <p:cNvCxnSpPr/>
+            <p:nvPr/>
+          </p:nvCxnSpPr>
+          <p:spPr>
+            <a:xfrm>
+              <a:off x="698654" y="5063345"/>
+              <a:ext cx="1236372" cy="0"/>
+            </a:xfrm>
+            <a:prstGeom prst="line">
+              <a:avLst/>
+            </a:prstGeom>
+            <a:ln w="12700">
+              <a:solidFill>
+                <a:schemeClr val="tx1">
+                  <a:lumMod val="65000"/>
+                  <a:lumOff val="35000"/>
+                </a:schemeClr>
+              </a:solidFill>
+            </a:ln>
+          </p:spPr>
+          <p:style>
+            <a:lnRef idx="1">
+              <a:schemeClr val="accent1"/>
+            </a:lnRef>
+            <a:fillRef idx="0">
+              <a:schemeClr val="accent1"/>
+            </a:fillRef>
+            <a:effectRef idx="0">
+              <a:schemeClr val="accent1"/>
+            </a:effectRef>
+            <a:fontRef idx="minor">
+              <a:schemeClr val="tx1"/>
+            </a:fontRef>
+          </p:style>
+        </p:cxnSp>
+      </p:grpSp>
+      <p:sp>
+        <p:nvSpPr>
+          <p:cNvPr id="51" name="Textfeld 50">
+            <a:extLst>
+              <a:ext uri="{FF2B5EF4-FFF2-40B4-BE49-F238E27FC236}">
+                <a16:creationId xmlns:a16="http://schemas.microsoft.com/office/drawing/2014/main" id="{2393854E-2D4B-48DB-9F9F-696657FB0784}"/>
+              </a:ext>
+            </a:extLst>
+          </p:cNvPr>
+          <p:cNvSpPr txBox="1"/>
+          <p:nvPr/>
+        </p:nvSpPr>
+        <p:spPr>
+          <a:xfrm>
+            <a:off x="2180849" y="3940836"/>
+            <a:ext cx="1749382" cy="1100301"/>
+          </a:xfrm>
+          <a:prstGeom prst="rect">
+            <a:avLst/>
+          </a:prstGeom>
+          <a:noFill/>
+        </p:spPr>
+        <p:txBody>
+          <a:bodyPr wrap="square" rtlCol="0">
+            <a:spAutoFit/>
+          </a:bodyPr>
+          <a:lstStyle/>
+          <a:p>
+            <a:pPr marL="108000" indent="-144000">
+              <a:buFont typeface="Symbol" panose="05050102010706020507" pitchFamily="18" charset="2"/>
+              <a:buChar char="-"/>
+            </a:pPr>
+            <a:endParaRPr lang="de-AT" sz="1050" dirty="0">
+              <a:latin typeface="Arial" panose="020B0604020202020204" pitchFamily="34" charset="0"/>
+              <a:cs typeface="Arial" panose="020B0604020202020204" pitchFamily="34" charset="0"/>
+            </a:endParaRPr>
+          </a:p>
+          <a:p>
+            <a:pPr marL="108000" indent="-144000">
+              <a:buFont typeface="Symbol" panose="05050102010706020507" pitchFamily="18" charset="2"/>
+              <a:buChar char="-"/>
+            </a:pPr>
+            <a:r>
+              <a:rPr lang="de-AT" sz="1050" dirty="0">
+                <a:latin typeface="Arial" panose="020B0604020202020204" pitchFamily="34" charset="0"/>
+                <a:cs typeface="Arial" panose="020B0604020202020204" pitchFamily="34" charset="0"/>
+              </a:rPr>
+              <a:t>«c2»:   </a:t>
+            </a:r>
+            <a:r>
+              <a:rPr lang="de-AT" sz="1050" dirty="0" err="1">
+                <a:latin typeface="Arial" panose="020B0604020202020204" pitchFamily="34" charset="0"/>
+                <a:cs typeface="Arial" panose="020B0604020202020204" pitchFamily="34" charset="0"/>
+              </a:rPr>
+              <a:t>conformsTo</a:t>
+            </a:r>
+            <a:endParaRPr lang="de-AT" sz="1050" dirty="0">
+              <a:latin typeface="Arial" panose="020B0604020202020204" pitchFamily="34" charset="0"/>
+              <a:cs typeface="Arial" panose="020B0604020202020204" pitchFamily="34" charset="0"/>
+            </a:endParaRPr>
+          </a:p>
+          <a:p>
+            <a:pPr marL="108000" indent="-144000">
+              <a:buFont typeface="Symbol" panose="05050102010706020507" pitchFamily="18" charset="2"/>
+              <a:buChar char="-"/>
+            </a:pPr>
+            <a:r>
+              <a:rPr lang="de-AT" sz="1050" dirty="0">
+                <a:latin typeface="Arial" panose="020B0604020202020204" pitchFamily="34" charset="0"/>
+                <a:cs typeface="Arial" panose="020B0604020202020204" pitchFamily="34" charset="0"/>
+              </a:rPr>
+              <a:t>«</a:t>
+            </a:r>
+            <a:r>
+              <a:rPr lang="de-AT" sz="1050" dirty="0" err="1">
+                <a:latin typeface="Arial" panose="020B0604020202020204" pitchFamily="34" charset="0"/>
+                <a:cs typeface="Arial" panose="020B0604020202020204" pitchFamily="34" charset="0"/>
+              </a:rPr>
+              <a:t>rep</a:t>
+            </a:r>
+            <a:r>
+              <a:rPr lang="de-AT" sz="1050" dirty="0">
+                <a:latin typeface="Arial" panose="020B0604020202020204" pitchFamily="34" charset="0"/>
+                <a:cs typeface="Arial" panose="020B0604020202020204" pitchFamily="34" charset="0"/>
+              </a:rPr>
+              <a:t>»:  </a:t>
+            </a:r>
+            <a:r>
+              <a:rPr lang="de-AT" sz="1050" dirty="0" err="1">
+                <a:latin typeface="Arial" panose="020B0604020202020204" pitchFamily="34" charset="0"/>
+                <a:cs typeface="Arial" panose="020B0604020202020204" pitchFamily="34" charset="0"/>
+              </a:rPr>
+              <a:t>represents</a:t>
+            </a:r>
+            <a:endParaRPr lang="de-AT" sz="1050" dirty="0">
+              <a:latin typeface="Arial" panose="020B0604020202020204" pitchFamily="34" charset="0"/>
+              <a:cs typeface="Arial" panose="020B0604020202020204" pitchFamily="34" charset="0"/>
+            </a:endParaRPr>
+          </a:p>
+          <a:p>
+            <a:pPr marL="108000" indent="-144000">
+              <a:buFont typeface="Symbol" panose="05050102010706020507" pitchFamily="18" charset="2"/>
+              <a:buChar char="-"/>
+            </a:pPr>
+            <a:r>
+              <a:rPr lang="de-AT" sz="1050" dirty="0">
+                <a:latin typeface="Arial" panose="020B0604020202020204" pitchFamily="34" charset="0"/>
+                <a:cs typeface="Arial" panose="020B0604020202020204" pitchFamily="34" charset="0"/>
+              </a:rPr>
+              <a:t>«u»:     </a:t>
+            </a:r>
+            <a:r>
+              <a:rPr lang="de-AT" sz="1050" dirty="0" err="1">
+                <a:latin typeface="Arial" panose="020B0604020202020204" pitchFamily="34" charset="0"/>
+                <a:cs typeface="Arial" panose="020B0604020202020204" pitchFamily="34" charset="0"/>
+              </a:rPr>
+              <a:t>uses</a:t>
+            </a:r>
+            <a:endParaRPr lang="de-AT" sz="1050" dirty="0">
+              <a:latin typeface="Arial" panose="020B0604020202020204" pitchFamily="34" charset="0"/>
+              <a:cs typeface="Arial" panose="020B0604020202020204" pitchFamily="34" charset="0"/>
+            </a:endParaRPr>
+          </a:p>
+          <a:p>
+            <a:pPr marL="108000" indent="-144000">
+              <a:buFont typeface="Symbol" panose="05050102010706020507" pitchFamily="18" charset="2"/>
+              <a:buChar char="-"/>
+            </a:pPr>
+            <a:r>
+              <a:rPr lang="de-AT" sz="1050" dirty="0">
+                <a:latin typeface="Arial" panose="020B0604020202020204" pitchFamily="34" charset="0"/>
+                <a:cs typeface="Arial" panose="020B0604020202020204" pitchFamily="34" charset="0"/>
+              </a:rPr>
+              <a:t>«r»:      </a:t>
+            </a:r>
+            <a:r>
+              <a:rPr lang="de-AT" sz="1050" dirty="0" err="1">
+                <a:latin typeface="Arial" panose="020B0604020202020204" pitchFamily="34" charset="0"/>
+                <a:cs typeface="Arial" panose="020B0604020202020204" pitchFamily="34" charset="0"/>
+              </a:rPr>
+              <a:t>reads</a:t>
+            </a:r>
+            <a:endParaRPr lang="de-AT" sz="1050" dirty="0">
+              <a:latin typeface="Arial" panose="020B0604020202020204" pitchFamily="34" charset="0"/>
+              <a:cs typeface="Arial" panose="020B0604020202020204" pitchFamily="34" charset="0"/>
+            </a:endParaRPr>
+          </a:p>
+          <a:p>
+            <a:pPr marL="108000" indent="-144000">
+              <a:buFont typeface="Symbol" panose="05050102010706020507" pitchFamily="18" charset="2"/>
+              <a:buChar char="-"/>
+            </a:pPr>
+            <a:r>
+              <a:rPr lang="de-AT" sz="1050" dirty="0">
+                <a:latin typeface="Arial" panose="020B0604020202020204" pitchFamily="34" charset="0"/>
+                <a:cs typeface="Arial" panose="020B0604020202020204" pitchFamily="34" charset="0"/>
+              </a:rPr>
+              <a:t>«w»:     </a:t>
+            </a:r>
+            <a:r>
+              <a:rPr lang="de-AT" sz="1050" dirty="0" err="1">
+                <a:latin typeface="Arial" panose="020B0604020202020204" pitchFamily="34" charset="0"/>
+                <a:cs typeface="Arial" panose="020B0604020202020204" pitchFamily="34" charset="0"/>
+              </a:rPr>
+              <a:t>writes</a:t>
+            </a:r>
+            <a:endParaRPr lang="de-AT" sz="1050" dirty="0">
+              <a:latin typeface="Arial" panose="020B0604020202020204" pitchFamily="34" charset="0"/>
+              <a:cs typeface="Arial" panose="020B0604020202020204" pitchFamily="34" charset="0"/>
+            </a:endParaRPr>
+          </a:p>
+        </p:txBody>
+      </p:sp>
+    </p:spTree>
+    <p:extLst>
+      <p:ext uri="{BB962C8B-B14F-4D97-AF65-F5344CB8AC3E}">
+        <p14:creationId xmlns:p14="http://schemas.microsoft.com/office/powerpoint/2010/main" val="4293867426"/>
+      </p:ext>
+    </p:extLst>
+  </p:cSld>
+  <p:clrMapOvr>
+    <a:masterClrMapping/>
+  </p:clrMapOvr>
+</p:sld>
+</file>
+
+<file path=ppt/slides/slide13.xml><?xml version="1.0" encoding="utf-8"?>
+<p:sld xmlns:a="http://schemas.openxmlformats.org/drawingml/2006/main" xmlns:r="http://schemas.openxmlformats.org/officeDocument/2006/relationships" xmlns:p="http://schemas.openxmlformats.org/presentationml/2006/main">
+  <p:cSld>
+    <p:spTree>
+      <p:nvGrpSpPr>
+        <p:cNvPr id="1" name=""/>
+        <p:cNvGrpSpPr/>
+        <p:nvPr/>
+      </p:nvGrpSpPr>
+      <p:grpSpPr>
+        <a:xfrm>
+          <a:off x="0" y="0"/>
+          <a:ext cx="0" cy="0"/>
+          <a:chOff x="0" y="0"/>
+          <a:chExt cx="0" cy="0"/>
+        </a:xfrm>
+      </p:grpSpPr>
       <p:grpSp>
         <p:nvGrpSpPr>
           <p:cNvPr id="43" name="Gruppieren 42">
@@ -13751,7 +15864,1546 @@
 </p:sld>
 </file>
 
-<file path=ppt/slides/slide13.xml><?xml version="1.0" encoding="utf-8"?>
+<file path=ppt/slides/slide14.xml><?xml version="1.0" encoding="utf-8"?>
+<p:sld xmlns:a="http://schemas.openxmlformats.org/drawingml/2006/main" xmlns:r="http://schemas.openxmlformats.org/officeDocument/2006/relationships" xmlns:p="http://schemas.openxmlformats.org/presentationml/2006/main">
+  <p:cSld>
+    <p:spTree>
+      <p:nvGrpSpPr>
+        <p:cNvPr id="1" name=""/>
+        <p:cNvGrpSpPr/>
+        <p:nvPr/>
+      </p:nvGrpSpPr>
+      <p:grpSpPr>
+        <a:xfrm>
+          <a:off x="0" y="0"/>
+          <a:ext cx="0" cy="0"/>
+          <a:chOff x="0" y="0"/>
+          <a:chExt cx="0" cy="0"/>
+        </a:xfrm>
+      </p:grpSpPr>
+      <p:grpSp>
+        <p:nvGrpSpPr>
+          <p:cNvPr id="12" name="Gruppieren 11">
+            <a:extLst>
+              <a:ext uri="{FF2B5EF4-FFF2-40B4-BE49-F238E27FC236}">
+                <a16:creationId xmlns:a16="http://schemas.microsoft.com/office/drawing/2014/main" id="{32B4F8BC-1F44-4B79-88D0-95D0B42CE0B3}"/>
+              </a:ext>
+            </a:extLst>
+          </p:cNvPr>
+          <p:cNvGrpSpPr/>
+          <p:nvPr/>
+        </p:nvGrpSpPr>
+        <p:grpSpPr>
+          <a:xfrm>
+            <a:off x="1893886" y="542925"/>
+            <a:ext cx="8183034" cy="5757863"/>
+            <a:chOff x="4460689" y="159014"/>
+            <a:chExt cx="4320000" cy="3938824"/>
+          </a:xfrm>
+        </p:grpSpPr>
+        <p:sp>
+          <p:nvSpPr>
+            <p:cNvPr id="3" name="Ellipse 2">
+              <a:extLst>
+                <a:ext uri="{FF2B5EF4-FFF2-40B4-BE49-F238E27FC236}">
+                  <a16:creationId xmlns:a16="http://schemas.microsoft.com/office/drawing/2014/main" id="{EDD5EAF0-05E4-4852-9F51-FED43F2440B6}"/>
+                </a:ext>
+              </a:extLst>
+            </p:cNvPr>
+            <p:cNvSpPr/>
+            <p:nvPr/>
+          </p:nvSpPr>
+          <p:spPr>
+            <a:xfrm>
+              <a:off x="4460689" y="159014"/>
+              <a:ext cx="4320000" cy="3938824"/>
+            </a:xfrm>
+            <a:prstGeom prst="ellipse">
+              <a:avLst/>
+            </a:prstGeom>
+            <a:solidFill>
+              <a:schemeClr val="accent4">
+                <a:alpha val="50000"/>
+              </a:schemeClr>
+            </a:solidFill>
+          </p:spPr>
+          <p:style>
+            <a:lnRef idx="2">
+              <a:schemeClr val="accent4">
+                <a:shade val="50000"/>
+              </a:schemeClr>
+            </a:lnRef>
+            <a:fillRef idx="1">
+              <a:schemeClr val="accent4"/>
+            </a:fillRef>
+            <a:effectRef idx="0">
+              <a:schemeClr val="accent4"/>
+            </a:effectRef>
+            <a:fontRef idx="minor">
+              <a:schemeClr val="lt1"/>
+            </a:fontRef>
+          </p:style>
+          <p:txBody>
+            <a:bodyPr rtlCol="0" anchor="ctr"/>
+            <a:lstStyle/>
+            <a:p>
+              <a:pPr algn="ctr"/>
+              <a:endParaRPr lang="en-US"/>
+            </a:p>
+          </p:txBody>
+        </p:sp>
+        <p:sp>
+          <p:nvSpPr>
+            <p:cNvPr id="5" name="Textfeld 4">
+              <a:extLst>
+                <a:ext uri="{FF2B5EF4-FFF2-40B4-BE49-F238E27FC236}">
+                  <a16:creationId xmlns:a16="http://schemas.microsoft.com/office/drawing/2014/main" id="{25FD82D3-2C4D-4B0A-A3BC-6C585E89E6C6}"/>
+                </a:ext>
+              </a:extLst>
+            </p:cNvPr>
+            <p:cNvSpPr txBox="1"/>
+            <p:nvPr/>
+          </p:nvSpPr>
+          <p:spPr>
+            <a:xfrm>
+              <a:off x="5839639" y="292376"/>
+              <a:ext cx="1562100" cy="400110"/>
+            </a:xfrm>
+            <a:prstGeom prst="rect">
+              <a:avLst/>
+            </a:prstGeom>
+            <a:noFill/>
+          </p:spPr>
+          <p:txBody>
+            <a:bodyPr wrap="square" rtlCol="0">
+              <a:spAutoFit/>
+            </a:bodyPr>
+            <a:lstStyle/>
+            <a:p>
+              <a:pPr algn="ctr"/>
+              <a:r>
+                <a:rPr lang="en-US" sz="2000" b="1" dirty="0"/>
+                <a:t>DTDL-MM</a:t>
+              </a:r>
+            </a:p>
+          </p:txBody>
+        </p:sp>
+      </p:grpSp>
+      <p:grpSp>
+        <p:nvGrpSpPr>
+          <p:cNvPr id="10" name="Gruppieren 9">
+            <a:extLst>
+              <a:ext uri="{FF2B5EF4-FFF2-40B4-BE49-F238E27FC236}">
+                <a16:creationId xmlns:a16="http://schemas.microsoft.com/office/drawing/2014/main" id="{9BBF7198-B69E-4AF6-AB1E-D5DFE651C0B5}"/>
+              </a:ext>
+            </a:extLst>
+          </p:cNvPr>
+          <p:cNvGrpSpPr/>
+          <p:nvPr/>
+        </p:nvGrpSpPr>
+        <p:grpSpPr>
+          <a:xfrm>
+            <a:off x="370879" y="989095"/>
+            <a:ext cx="7617051" cy="5097380"/>
+            <a:chOff x="2493554" y="2378986"/>
+            <a:chExt cx="4718806" cy="4320000"/>
+          </a:xfrm>
+        </p:grpSpPr>
+        <p:sp>
+          <p:nvSpPr>
+            <p:cNvPr id="2" name="Ellipse 1">
+              <a:extLst>
+                <a:ext uri="{FF2B5EF4-FFF2-40B4-BE49-F238E27FC236}">
+                  <a16:creationId xmlns:a16="http://schemas.microsoft.com/office/drawing/2014/main" id="{499A0BE2-9610-4013-B491-A19F39EE399B}"/>
+                </a:ext>
+              </a:extLst>
+            </p:cNvPr>
+            <p:cNvSpPr/>
+            <p:nvPr/>
+          </p:nvSpPr>
+          <p:spPr>
+            <a:xfrm>
+              <a:off x="2853805" y="2378986"/>
+              <a:ext cx="4358555" cy="4320000"/>
+            </a:xfrm>
+            <a:prstGeom prst="ellipse">
+              <a:avLst/>
+            </a:prstGeom>
+            <a:solidFill>
+              <a:schemeClr val="accent1">
+                <a:alpha val="50000"/>
+              </a:schemeClr>
+            </a:solidFill>
+          </p:spPr>
+          <p:style>
+            <a:lnRef idx="2">
+              <a:schemeClr val="accent1">
+                <a:shade val="50000"/>
+              </a:schemeClr>
+            </a:lnRef>
+            <a:fillRef idx="1">
+              <a:schemeClr val="accent1"/>
+            </a:fillRef>
+            <a:effectRef idx="0">
+              <a:schemeClr val="accent1"/>
+            </a:effectRef>
+            <a:fontRef idx="minor">
+              <a:schemeClr val="lt1"/>
+            </a:fontRef>
+          </p:style>
+          <p:txBody>
+            <a:bodyPr rtlCol="0" anchor="ctr"/>
+            <a:lstStyle/>
+            <a:p>
+              <a:pPr algn="ctr"/>
+              <a:endParaRPr lang="en-US"/>
+            </a:p>
+          </p:txBody>
+        </p:sp>
+        <p:sp>
+          <p:nvSpPr>
+            <p:cNvPr id="7" name="Textfeld 6">
+              <a:extLst>
+                <a:ext uri="{FF2B5EF4-FFF2-40B4-BE49-F238E27FC236}">
+                  <a16:creationId xmlns:a16="http://schemas.microsoft.com/office/drawing/2014/main" id="{25CC551A-9874-47D5-8255-C6BE572BE0BE}"/>
+                </a:ext>
+              </a:extLst>
+            </p:cNvPr>
+            <p:cNvSpPr txBox="1"/>
+            <p:nvPr/>
+          </p:nvSpPr>
+          <p:spPr>
+            <a:xfrm>
+              <a:off x="2493554" y="4471477"/>
+              <a:ext cx="1292092" cy="339091"/>
+            </a:xfrm>
+            <a:prstGeom prst="rect">
+              <a:avLst/>
+            </a:prstGeom>
+            <a:noFill/>
+          </p:spPr>
+          <p:txBody>
+            <a:bodyPr wrap="square" rtlCol="0">
+              <a:spAutoFit/>
+            </a:bodyPr>
+            <a:lstStyle/>
+            <a:p>
+              <a:pPr algn="ctr"/>
+              <a:r>
+                <a:rPr lang="en-US" sz="2000" b="1" dirty="0"/>
+                <a:t>UML CD</a:t>
+              </a:r>
+            </a:p>
+          </p:txBody>
+        </p:sp>
+      </p:grpSp>
+      <p:sp>
+        <p:nvSpPr>
+          <p:cNvPr id="27" name="Textfeld 26">
+            <a:extLst>
+              <a:ext uri="{FF2B5EF4-FFF2-40B4-BE49-F238E27FC236}">
+                <a16:creationId xmlns:a16="http://schemas.microsoft.com/office/drawing/2014/main" id="{1BE84809-8657-4CAA-9D10-B80DF18387F9}"/>
+              </a:ext>
+            </a:extLst>
+          </p:cNvPr>
+          <p:cNvSpPr txBox="1"/>
+          <p:nvPr/>
+        </p:nvSpPr>
+        <p:spPr>
+          <a:xfrm>
+            <a:off x="7536266" y="1626242"/>
+            <a:ext cx="1161050" cy="369332"/>
+          </a:xfrm>
+          <a:prstGeom prst="rect">
+            <a:avLst/>
+          </a:prstGeom>
+          <a:noFill/>
+        </p:spPr>
+        <p:txBody>
+          <a:bodyPr wrap="square" rtlCol="0">
+            <a:spAutoFit/>
+          </a:bodyPr>
+          <a:lstStyle/>
+          <a:p>
+            <a:r>
+              <a:rPr lang="en-US" dirty="0"/>
+              <a:t>Telemetry</a:t>
+            </a:r>
+          </a:p>
+        </p:txBody>
+      </p:sp>
+      <p:sp>
+        <p:nvSpPr>
+          <p:cNvPr id="29" name="Textfeld 28">
+            <a:extLst>
+              <a:ext uri="{FF2B5EF4-FFF2-40B4-BE49-F238E27FC236}">
+                <a16:creationId xmlns:a16="http://schemas.microsoft.com/office/drawing/2014/main" id="{3429805A-6E56-4921-8626-9702F854A166}"/>
+              </a:ext>
+            </a:extLst>
+          </p:cNvPr>
+          <p:cNvSpPr txBox="1"/>
+          <p:nvPr/>
+        </p:nvSpPr>
+        <p:spPr>
+          <a:xfrm>
+            <a:off x="8030197" y="3652936"/>
+            <a:ext cx="1447685" cy="369332"/>
+          </a:xfrm>
+          <a:prstGeom prst="rect">
+            <a:avLst/>
+          </a:prstGeom>
+          <a:noFill/>
+        </p:spPr>
+        <p:txBody>
+          <a:bodyPr wrap="square" rtlCol="0">
+            <a:spAutoFit/>
+          </a:bodyPr>
+          <a:lstStyle/>
+          <a:p>
+            <a:r>
+              <a:rPr lang="en-US" dirty="0" err="1"/>
+              <a:t>displayName</a:t>
+            </a:r>
+            <a:r>
+              <a:rPr lang="en-US" dirty="0"/>
+              <a:t> </a:t>
+            </a:r>
+          </a:p>
+        </p:txBody>
+      </p:sp>
+      <p:sp>
+        <p:nvSpPr>
+          <p:cNvPr id="35" name="Textfeld 34">
+            <a:extLst>
+              <a:ext uri="{FF2B5EF4-FFF2-40B4-BE49-F238E27FC236}">
+                <a16:creationId xmlns:a16="http://schemas.microsoft.com/office/drawing/2014/main" id="{B0BAB9F9-A321-4E02-8C7D-09B579CAAFA9}"/>
+              </a:ext>
+            </a:extLst>
+          </p:cNvPr>
+          <p:cNvSpPr txBox="1"/>
+          <p:nvPr/>
+        </p:nvSpPr>
+        <p:spPr>
+          <a:xfrm>
+            <a:off x="5827999" y="2546106"/>
+            <a:ext cx="1427766" cy="369332"/>
+          </a:xfrm>
+          <a:prstGeom prst="rect">
+            <a:avLst/>
+          </a:prstGeom>
+          <a:noFill/>
+        </p:spPr>
+        <p:txBody>
+          <a:bodyPr wrap="square" rtlCol="0">
+            <a:spAutoFit/>
+          </a:bodyPr>
+          <a:lstStyle/>
+          <a:p>
+            <a:r>
+              <a:rPr lang="en-US" dirty="0">
+                <a:solidFill>
+                  <a:schemeClr val="bg1"/>
+                </a:solidFill>
+              </a:rPr>
+              <a:t>Relationship</a:t>
+            </a:r>
+          </a:p>
+        </p:txBody>
+      </p:sp>
+      <p:sp>
+        <p:nvSpPr>
+          <p:cNvPr id="36" name="Textfeld 35">
+            <a:extLst>
+              <a:ext uri="{FF2B5EF4-FFF2-40B4-BE49-F238E27FC236}">
+                <a16:creationId xmlns:a16="http://schemas.microsoft.com/office/drawing/2014/main" id="{696DC8FE-1394-43D9-B98B-8137DA806BC6}"/>
+              </a:ext>
+            </a:extLst>
+          </p:cNvPr>
+          <p:cNvSpPr txBox="1"/>
+          <p:nvPr/>
+        </p:nvSpPr>
+        <p:spPr>
+          <a:xfrm>
+            <a:off x="2174721" y="2540069"/>
+            <a:ext cx="3298903" cy="369332"/>
+          </a:xfrm>
+          <a:prstGeom prst="rect">
+            <a:avLst/>
+          </a:prstGeom>
+          <a:noFill/>
+        </p:spPr>
+        <p:txBody>
+          <a:bodyPr wrap="square" rtlCol="0">
+            <a:spAutoFit/>
+          </a:bodyPr>
+          <a:lstStyle/>
+          <a:p>
+            <a:r>
+              <a:rPr lang="en-US" dirty="0">
+                <a:solidFill>
+                  <a:schemeClr val="bg1"/>
+                </a:solidFill>
+              </a:rPr>
+              <a:t>Association[</a:t>
+            </a:r>
+            <a:r>
+              <a:rPr lang="en-US" dirty="0" err="1">
+                <a:solidFill>
+                  <a:schemeClr val="bg1"/>
+                </a:solidFill>
+              </a:rPr>
+              <a:t>isComposition</a:t>
+            </a:r>
+            <a:r>
+              <a:rPr lang="en-US" dirty="0">
+                <a:solidFill>
+                  <a:schemeClr val="bg1"/>
+                </a:solidFill>
+              </a:rPr>
+              <a:t>=true]</a:t>
+            </a:r>
+          </a:p>
+        </p:txBody>
+      </p:sp>
+      <p:sp>
+        <p:nvSpPr>
+          <p:cNvPr id="37" name="Textfeld 36">
+            <a:extLst>
+              <a:ext uri="{FF2B5EF4-FFF2-40B4-BE49-F238E27FC236}">
+                <a16:creationId xmlns:a16="http://schemas.microsoft.com/office/drawing/2014/main" id="{319EFFED-0945-4D08-95F9-592ECD3EC409}"/>
+              </a:ext>
+            </a:extLst>
+          </p:cNvPr>
+          <p:cNvSpPr txBox="1"/>
+          <p:nvPr/>
+        </p:nvSpPr>
+        <p:spPr>
+          <a:xfrm>
+            <a:off x="2115080" y="2894556"/>
+            <a:ext cx="3258478" cy="369332"/>
+          </a:xfrm>
+          <a:prstGeom prst="rect">
+            <a:avLst/>
+          </a:prstGeom>
+          <a:noFill/>
+        </p:spPr>
+        <p:txBody>
+          <a:bodyPr wrap="square" rtlCol="0">
+            <a:spAutoFit/>
+          </a:bodyPr>
+          <a:lstStyle/>
+          <a:p>
+            <a:r>
+              <a:rPr lang="en-US" dirty="0">
+                <a:solidFill>
+                  <a:schemeClr val="bg1"/>
+                </a:solidFill>
+              </a:rPr>
+              <a:t>Association[</a:t>
+            </a:r>
+            <a:r>
+              <a:rPr lang="en-US" dirty="0" err="1">
+                <a:solidFill>
+                  <a:schemeClr val="bg1"/>
+                </a:solidFill>
+              </a:rPr>
+              <a:t>isComposition</a:t>
+            </a:r>
+            <a:r>
+              <a:rPr lang="en-US" dirty="0">
+                <a:solidFill>
+                  <a:schemeClr val="bg1"/>
+                </a:solidFill>
+              </a:rPr>
+              <a:t>=false]</a:t>
+            </a:r>
+          </a:p>
+        </p:txBody>
+      </p:sp>
+      <p:sp>
+        <p:nvSpPr>
+          <p:cNvPr id="38" name="Textfeld 37">
+            <a:extLst>
+              <a:ext uri="{FF2B5EF4-FFF2-40B4-BE49-F238E27FC236}">
+                <a16:creationId xmlns:a16="http://schemas.microsoft.com/office/drawing/2014/main" id="{E42746A4-7DB3-4985-8A8B-7D9CBC08F79C}"/>
+              </a:ext>
+            </a:extLst>
+          </p:cNvPr>
+          <p:cNvSpPr txBox="1"/>
+          <p:nvPr/>
+        </p:nvSpPr>
+        <p:spPr>
+          <a:xfrm>
+            <a:off x="5676540" y="2896277"/>
+            <a:ext cx="1427766" cy="369332"/>
+          </a:xfrm>
+          <a:prstGeom prst="rect">
+            <a:avLst/>
+          </a:prstGeom>
+          <a:noFill/>
+        </p:spPr>
+        <p:txBody>
+          <a:bodyPr wrap="square" rtlCol="0">
+            <a:spAutoFit/>
+          </a:bodyPr>
+          <a:lstStyle/>
+          <a:p>
+            <a:r>
+              <a:rPr lang="en-US" dirty="0">
+                <a:solidFill>
+                  <a:schemeClr val="bg1"/>
+                </a:solidFill>
+              </a:rPr>
+              <a:t>Component</a:t>
+            </a:r>
+          </a:p>
+        </p:txBody>
+      </p:sp>
+      <p:sp>
+        <p:nvSpPr>
+          <p:cNvPr id="39" name="Textfeld 38">
+            <a:extLst>
+              <a:ext uri="{FF2B5EF4-FFF2-40B4-BE49-F238E27FC236}">
+                <a16:creationId xmlns:a16="http://schemas.microsoft.com/office/drawing/2014/main" id="{3AD2DB00-C59C-480B-8AAC-47E5C3FEF086}"/>
+              </a:ext>
+            </a:extLst>
+          </p:cNvPr>
+          <p:cNvSpPr txBox="1"/>
+          <p:nvPr/>
+        </p:nvSpPr>
+        <p:spPr>
+          <a:xfrm>
+            <a:off x="5580969" y="4138516"/>
+            <a:ext cx="2151612" cy="369332"/>
+          </a:xfrm>
+          <a:prstGeom prst="rect">
+            <a:avLst/>
+          </a:prstGeom>
+          <a:noFill/>
+        </p:spPr>
+        <p:txBody>
+          <a:bodyPr wrap="square" rtlCol="0">
+            <a:spAutoFit/>
+          </a:bodyPr>
+          <a:lstStyle>
+            <a:defPPr>
+              <a:defRPr lang="de-DE"/>
+            </a:defPPr>
+            <a:lvl1pPr>
+              <a:defRPr>
+                <a:solidFill>
+                  <a:schemeClr val="bg1"/>
+                </a:solidFill>
+              </a:defRPr>
+            </a:lvl1pPr>
+          </a:lstStyle>
+          <a:p>
+            <a:r>
+              <a:rPr lang="en-US" dirty="0" err="1"/>
+              <a:t>Property.isWritable</a:t>
+            </a:r>
+            <a:endParaRPr lang="en-US" dirty="0"/>
+          </a:p>
+        </p:txBody>
+      </p:sp>
+      <p:sp>
+        <p:nvSpPr>
+          <p:cNvPr id="40" name="Textfeld 39">
+            <a:extLst>
+              <a:ext uri="{FF2B5EF4-FFF2-40B4-BE49-F238E27FC236}">
+                <a16:creationId xmlns:a16="http://schemas.microsoft.com/office/drawing/2014/main" id="{DE051B94-AC93-4523-8259-21BF74A644C6}"/>
+              </a:ext>
+            </a:extLst>
+          </p:cNvPr>
+          <p:cNvSpPr txBox="1"/>
+          <p:nvPr/>
+        </p:nvSpPr>
+        <p:spPr>
+          <a:xfrm>
+            <a:off x="2278349" y="4142615"/>
+            <a:ext cx="1998405" cy="369332"/>
+          </a:xfrm>
+          <a:prstGeom prst="rect">
+            <a:avLst/>
+          </a:prstGeom>
+          <a:noFill/>
+        </p:spPr>
+        <p:txBody>
+          <a:bodyPr wrap="square" rtlCol="0">
+            <a:spAutoFit/>
+          </a:bodyPr>
+          <a:lstStyle/>
+          <a:p>
+            <a:r>
+              <a:rPr lang="en-US" dirty="0" err="1">
+                <a:solidFill>
+                  <a:schemeClr val="bg1"/>
+                </a:solidFill>
+              </a:rPr>
+              <a:t>Property.readOnly</a:t>
+            </a:r>
+            <a:endParaRPr lang="en-US" dirty="0">
+              <a:solidFill>
+                <a:schemeClr val="bg1"/>
+              </a:solidFill>
+            </a:endParaRPr>
+          </a:p>
+        </p:txBody>
+      </p:sp>
+      <p:sp>
+        <p:nvSpPr>
+          <p:cNvPr id="43" name="Textfeld 42">
+            <a:extLst>
+              <a:ext uri="{FF2B5EF4-FFF2-40B4-BE49-F238E27FC236}">
+                <a16:creationId xmlns:a16="http://schemas.microsoft.com/office/drawing/2014/main" id="{795E3E5C-0A2E-4E32-B5BD-C80ADEB794D0}"/>
+              </a:ext>
+            </a:extLst>
+          </p:cNvPr>
+          <p:cNvSpPr txBox="1"/>
+          <p:nvPr/>
+        </p:nvSpPr>
+        <p:spPr>
+          <a:xfrm>
+            <a:off x="2999691" y="4648014"/>
+            <a:ext cx="1104109" cy="369332"/>
+          </a:xfrm>
+          <a:prstGeom prst="rect">
+            <a:avLst/>
+          </a:prstGeom>
+          <a:noFill/>
+        </p:spPr>
+        <p:txBody>
+          <a:bodyPr wrap="square" rtlCol="0">
+            <a:spAutoFit/>
+          </a:bodyPr>
+          <a:lstStyle>
+            <a:defPPr>
+              <a:defRPr lang="de-DE"/>
+            </a:defPPr>
+            <a:lvl1pPr>
+              <a:defRPr>
+                <a:solidFill>
+                  <a:schemeClr val="bg1"/>
+                </a:solidFill>
+              </a:defRPr>
+            </a:lvl1pPr>
+          </a:lstStyle>
+          <a:p>
+            <a:r>
+              <a:rPr lang="en-US" dirty="0"/>
+              <a:t>comment</a:t>
+            </a:r>
+          </a:p>
+        </p:txBody>
+      </p:sp>
+      <p:sp>
+        <p:nvSpPr>
+          <p:cNvPr id="45" name="Textfeld 44">
+            <a:extLst>
+              <a:ext uri="{FF2B5EF4-FFF2-40B4-BE49-F238E27FC236}">
+                <a16:creationId xmlns:a16="http://schemas.microsoft.com/office/drawing/2014/main" id="{C4B00800-FA27-41A0-8DEC-28F7309DAC46}"/>
+              </a:ext>
+            </a:extLst>
+          </p:cNvPr>
+          <p:cNvSpPr txBox="1"/>
+          <p:nvPr/>
+        </p:nvSpPr>
+        <p:spPr>
+          <a:xfrm>
+            <a:off x="2146902" y="3676084"/>
+            <a:ext cx="2261300" cy="369332"/>
+          </a:xfrm>
+          <a:prstGeom prst="rect">
+            <a:avLst/>
+          </a:prstGeom>
+          <a:noFill/>
+        </p:spPr>
+        <p:txBody>
+          <a:bodyPr wrap="square" rtlCol="0">
+            <a:spAutoFit/>
+          </a:bodyPr>
+          <a:lstStyle/>
+          <a:p>
+            <a:r>
+              <a:rPr lang="en-US" dirty="0" err="1">
+                <a:solidFill>
+                  <a:schemeClr val="bg1"/>
+                </a:solidFill>
+              </a:rPr>
+              <a:t>Association.readOnly</a:t>
+            </a:r>
+            <a:endParaRPr lang="en-US" dirty="0">
+              <a:solidFill>
+                <a:schemeClr val="bg1"/>
+              </a:solidFill>
+            </a:endParaRPr>
+          </a:p>
+        </p:txBody>
+      </p:sp>
+      <p:sp>
+        <p:nvSpPr>
+          <p:cNvPr id="47" name="Textfeld 46">
+            <a:extLst>
+              <a:ext uri="{FF2B5EF4-FFF2-40B4-BE49-F238E27FC236}">
+                <a16:creationId xmlns:a16="http://schemas.microsoft.com/office/drawing/2014/main" id="{93E91A45-4306-4600-A848-309049891C84}"/>
+              </a:ext>
+            </a:extLst>
+          </p:cNvPr>
+          <p:cNvSpPr txBox="1"/>
+          <p:nvPr/>
+        </p:nvSpPr>
+        <p:spPr>
+          <a:xfrm>
+            <a:off x="5572512" y="3673572"/>
+            <a:ext cx="2597166" cy="369332"/>
+          </a:xfrm>
+          <a:prstGeom prst="rect">
+            <a:avLst/>
+          </a:prstGeom>
+          <a:noFill/>
+        </p:spPr>
+        <p:txBody>
+          <a:bodyPr wrap="square" rtlCol="0">
+            <a:spAutoFit/>
+          </a:bodyPr>
+          <a:lstStyle>
+            <a:defPPr>
+              <a:defRPr lang="de-DE"/>
+            </a:defPPr>
+            <a:lvl1pPr>
+              <a:defRPr>
+                <a:solidFill>
+                  <a:schemeClr val="bg1"/>
+                </a:solidFill>
+              </a:defRPr>
+            </a:lvl1pPr>
+          </a:lstStyle>
+          <a:p>
+            <a:r>
+              <a:rPr lang="en-US" dirty="0" err="1"/>
+              <a:t>Relationship.isWritable</a:t>
+            </a:r>
+            <a:endParaRPr lang="en-US" dirty="0"/>
+          </a:p>
+        </p:txBody>
+      </p:sp>
+      <p:sp>
+        <p:nvSpPr>
+          <p:cNvPr id="48" name="Textfeld 47">
+            <a:extLst>
+              <a:ext uri="{FF2B5EF4-FFF2-40B4-BE49-F238E27FC236}">
+                <a16:creationId xmlns:a16="http://schemas.microsoft.com/office/drawing/2014/main" id="{4DB90EC7-D0B3-48C7-A146-715BF08B249B}"/>
+              </a:ext>
+            </a:extLst>
+          </p:cNvPr>
+          <p:cNvSpPr txBox="1"/>
+          <p:nvPr/>
+        </p:nvSpPr>
+        <p:spPr>
+          <a:xfrm>
+            <a:off x="2146902" y="3291856"/>
+            <a:ext cx="1920232" cy="369332"/>
+          </a:xfrm>
+          <a:prstGeom prst="rect">
+            <a:avLst/>
+          </a:prstGeom>
+          <a:noFill/>
+        </p:spPr>
+        <p:txBody>
+          <a:bodyPr wrap="square" rtlCol="0">
+            <a:spAutoFit/>
+          </a:bodyPr>
+          <a:lstStyle/>
+          <a:p>
+            <a:r>
+              <a:rPr lang="en-US" dirty="0" err="1">
+                <a:solidFill>
+                  <a:schemeClr val="bg1"/>
+                </a:solidFill>
+              </a:rPr>
+              <a:t>Association.target</a:t>
+            </a:r>
+            <a:endParaRPr lang="en-US" dirty="0">
+              <a:solidFill>
+                <a:schemeClr val="bg1"/>
+              </a:solidFill>
+            </a:endParaRPr>
+          </a:p>
+        </p:txBody>
+      </p:sp>
+      <p:sp>
+        <p:nvSpPr>
+          <p:cNvPr id="49" name="Textfeld 48">
+            <a:extLst>
+              <a:ext uri="{FF2B5EF4-FFF2-40B4-BE49-F238E27FC236}">
+                <a16:creationId xmlns:a16="http://schemas.microsoft.com/office/drawing/2014/main" id="{1532911F-1D81-4706-A79C-14AB47FA32AE}"/>
+              </a:ext>
+            </a:extLst>
+          </p:cNvPr>
+          <p:cNvSpPr txBox="1"/>
+          <p:nvPr/>
+        </p:nvSpPr>
+        <p:spPr>
+          <a:xfrm>
+            <a:off x="5533498" y="3312052"/>
+            <a:ext cx="2151612" cy="369332"/>
+          </a:xfrm>
+          <a:prstGeom prst="rect">
+            <a:avLst/>
+          </a:prstGeom>
+          <a:noFill/>
+        </p:spPr>
+        <p:txBody>
+          <a:bodyPr wrap="square" rtlCol="0">
+            <a:spAutoFit/>
+          </a:bodyPr>
+          <a:lstStyle>
+            <a:defPPr>
+              <a:defRPr lang="de-DE"/>
+            </a:defPPr>
+            <a:lvl1pPr>
+              <a:defRPr>
+                <a:solidFill>
+                  <a:schemeClr val="bg1"/>
+                </a:solidFill>
+              </a:defRPr>
+            </a:lvl1pPr>
+          </a:lstStyle>
+          <a:p>
+            <a:r>
+              <a:rPr lang="en-US" dirty="0" err="1"/>
+              <a:t>Relationship.target</a:t>
+            </a:r>
+            <a:endParaRPr lang="en-US" dirty="0"/>
+          </a:p>
+        </p:txBody>
+      </p:sp>
+      <p:sp>
+        <p:nvSpPr>
+          <p:cNvPr id="50" name="Textfeld 49">
+            <a:extLst>
+              <a:ext uri="{FF2B5EF4-FFF2-40B4-BE49-F238E27FC236}">
+                <a16:creationId xmlns:a16="http://schemas.microsoft.com/office/drawing/2014/main" id="{BC2A388D-D136-4874-9304-5859BE10A792}"/>
+              </a:ext>
+            </a:extLst>
+          </p:cNvPr>
+          <p:cNvSpPr txBox="1"/>
+          <p:nvPr/>
+        </p:nvSpPr>
+        <p:spPr>
+          <a:xfrm>
+            <a:off x="8029819" y="3221748"/>
+            <a:ext cx="3484604" cy="369332"/>
+          </a:xfrm>
+          <a:prstGeom prst="rect">
+            <a:avLst/>
+          </a:prstGeom>
+          <a:noFill/>
+        </p:spPr>
+        <p:txBody>
+          <a:bodyPr wrap="square" rtlCol="0">
+            <a:spAutoFit/>
+          </a:bodyPr>
+          <a:lstStyle/>
+          <a:p>
+            <a:r>
+              <a:rPr lang="en-US" dirty="0" err="1"/>
+              <a:t>Property.schema</a:t>
+            </a:r>
+            <a:endParaRPr lang="en-US" dirty="0"/>
+          </a:p>
+        </p:txBody>
+      </p:sp>
+      <p:sp>
+        <p:nvSpPr>
+          <p:cNvPr id="52" name="Textfeld 51">
+            <a:extLst>
+              <a:ext uri="{FF2B5EF4-FFF2-40B4-BE49-F238E27FC236}">
+                <a16:creationId xmlns:a16="http://schemas.microsoft.com/office/drawing/2014/main" id="{4BD5B49E-9718-46F4-BFFC-0EB4EF1EBFF5}"/>
+              </a:ext>
+            </a:extLst>
+          </p:cNvPr>
+          <p:cNvSpPr txBox="1"/>
+          <p:nvPr/>
+        </p:nvSpPr>
+        <p:spPr>
+          <a:xfrm>
+            <a:off x="5609590" y="5108105"/>
+            <a:ext cx="977763" cy="369332"/>
+          </a:xfrm>
+          <a:prstGeom prst="rect">
+            <a:avLst/>
+          </a:prstGeom>
+          <a:noFill/>
+        </p:spPr>
+        <p:txBody>
+          <a:bodyPr wrap="square" rtlCol="0">
+            <a:spAutoFit/>
+          </a:bodyPr>
+          <a:lstStyle>
+            <a:defPPr>
+              <a:defRPr lang="de-DE"/>
+            </a:defPPr>
+            <a:lvl1pPr>
+              <a:defRPr>
+                <a:solidFill>
+                  <a:schemeClr val="bg1"/>
+                </a:solidFill>
+              </a:defRPr>
+            </a:lvl1pPr>
+          </a:lstStyle>
+          <a:p>
+            <a:r>
+              <a:rPr lang="en-US" dirty="0"/>
+              <a:t>name</a:t>
+            </a:r>
+          </a:p>
+        </p:txBody>
+      </p:sp>
+      <p:cxnSp>
+        <p:nvCxnSpPr>
+          <p:cNvPr id="9" name="Gerade Verbindung mit Pfeil 8">
+            <a:extLst>
+              <a:ext uri="{FF2B5EF4-FFF2-40B4-BE49-F238E27FC236}">
+                <a16:creationId xmlns:a16="http://schemas.microsoft.com/office/drawing/2014/main" id="{9134B567-DA28-47C6-9CEF-9285EF814D9B}"/>
+              </a:ext>
+            </a:extLst>
+          </p:cNvPr>
+          <p:cNvCxnSpPr>
+            <a:cxnSpLocks/>
+            <a:stCxn id="36" idx="3"/>
+            <a:endCxn id="35" idx="1"/>
+          </p:cNvCxnSpPr>
+          <p:nvPr/>
+        </p:nvCxnSpPr>
+        <p:spPr>
+          <a:xfrm>
+            <a:off x="5473624" y="2724735"/>
+            <a:ext cx="354375" cy="6037"/>
+          </a:xfrm>
+          <a:prstGeom prst="straightConnector1">
+            <a:avLst/>
+          </a:prstGeom>
+          <a:ln>
+            <a:solidFill>
+              <a:schemeClr val="bg1"/>
+            </a:solidFill>
+            <a:tailEnd type="triangle"/>
+          </a:ln>
+        </p:spPr>
+        <p:style>
+          <a:lnRef idx="1">
+            <a:schemeClr val="accent1"/>
+          </a:lnRef>
+          <a:fillRef idx="0">
+            <a:schemeClr val="accent1"/>
+          </a:fillRef>
+          <a:effectRef idx="0">
+            <a:schemeClr val="accent1"/>
+          </a:effectRef>
+          <a:fontRef idx="minor">
+            <a:schemeClr val="tx1"/>
+          </a:fontRef>
+        </p:style>
+      </p:cxnSp>
+      <p:cxnSp>
+        <p:nvCxnSpPr>
+          <p:cNvPr id="56" name="Gerade Verbindung mit Pfeil 55">
+            <a:extLst>
+              <a:ext uri="{FF2B5EF4-FFF2-40B4-BE49-F238E27FC236}">
+                <a16:creationId xmlns:a16="http://schemas.microsoft.com/office/drawing/2014/main" id="{9A5D50D3-5695-4606-AD83-337D732246E7}"/>
+              </a:ext>
+            </a:extLst>
+          </p:cNvPr>
+          <p:cNvCxnSpPr>
+            <a:cxnSpLocks/>
+            <a:stCxn id="37" idx="3"/>
+            <a:endCxn id="38" idx="1"/>
+          </p:cNvCxnSpPr>
+          <p:nvPr/>
+        </p:nvCxnSpPr>
+        <p:spPr>
+          <a:xfrm>
+            <a:off x="5373558" y="3079222"/>
+            <a:ext cx="302982" cy="1721"/>
+          </a:xfrm>
+          <a:prstGeom prst="straightConnector1">
+            <a:avLst/>
+          </a:prstGeom>
+          <a:ln>
+            <a:solidFill>
+              <a:schemeClr val="bg1"/>
+            </a:solidFill>
+            <a:tailEnd type="triangle"/>
+          </a:ln>
+        </p:spPr>
+        <p:style>
+          <a:lnRef idx="1">
+            <a:schemeClr val="accent1"/>
+          </a:lnRef>
+          <a:fillRef idx="0">
+            <a:schemeClr val="accent1"/>
+          </a:fillRef>
+          <a:effectRef idx="0">
+            <a:schemeClr val="accent1"/>
+          </a:effectRef>
+          <a:fontRef idx="minor">
+            <a:schemeClr val="tx1"/>
+          </a:fontRef>
+        </p:style>
+      </p:cxnSp>
+      <p:cxnSp>
+        <p:nvCxnSpPr>
+          <p:cNvPr id="62" name="Gerade Verbindung mit Pfeil 61">
+            <a:extLst>
+              <a:ext uri="{FF2B5EF4-FFF2-40B4-BE49-F238E27FC236}">
+                <a16:creationId xmlns:a16="http://schemas.microsoft.com/office/drawing/2014/main" id="{F4EC6EFA-4593-4CF9-8C3A-B637A068A617}"/>
+              </a:ext>
+            </a:extLst>
+          </p:cNvPr>
+          <p:cNvCxnSpPr>
+            <a:cxnSpLocks/>
+            <a:stCxn id="48" idx="3"/>
+            <a:endCxn id="49" idx="1"/>
+          </p:cNvCxnSpPr>
+          <p:nvPr/>
+        </p:nvCxnSpPr>
+        <p:spPr>
+          <a:xfrm>
+            <a:off x="4067134" y="3476522"/>
+            <a:ext cx="1466364" cy="20196"/>
+          </a:xfrm>
+          <a:prstGeom prst="straightConnector1">
+            <a:avLst/>
+          </a:prstGeom>
+          <a:ln>
+            <a:solidFill>
+              <a:schemeClr val="bg1"/>
+            </a:solidFill>
+            <a:tailEnd type="triangle"/>
+          </a:ln>
+        </p:spPr>
+        <p:style>
+          <a:lnRef idx="1">
+            <a:schemeClr val="accent1"/>
+          </a:lnRef>
+          <a:fillRef idx="0">
+            <a:schemeClr val="accent1"/>
+          </a:fillRef>
+          <a:effectRef idx="0">
+            <a:schemeClr val="accent1"/>
+          </a:effectRef>
+          <a:fontRef idx="minor">
+            <a:schemeClr val="tx1"/>
+          </a:fontRef>
+        </p:style>
+      </p:cxnSp>
+      <p:cxnSp>
+        <p:nvCxnSpPr>
+          <p:cNvPr id="63" name="Gerade Verbindung mit Pfeil 62">
+            <a:extLst>
+              <a:ext uri="{FF2B5EF4-FFF2-40B4-BE49-F238E27FC236}">
+                <a16:creationId xmlns:a16="http://schemas.microsoft.com/office/drawing/2014/main" id="{FD613DF0-0E32-4C76-A535-AFDABD82A325}"/>
+              </a:ext>
+            </a:extLst>
+          </p:cNvPr>
+          <p:cNvCxnSpPr>
+            <a:cxnSpLocks/>
+            <a:stCxn id="40" idx="3"/>
+            <a:endCxn id="39" idx="1"/>
+          </p:cNvCxnSpPr>
+          <p:nvPr/>
+        </p:nvCxnSpPr>
+        <p:spPr>
+          <a:xfrm flipV="1">
+            <a:off x="4276754" y="4323182"/>
+            <a:ext cx="1304215" cy="4099"/>
+          </a:xfrm>
+          <a:prstGeom prst="straightConnector1">
+            <a:avLst/>
+          </a:prstGeom>
+          <a:ln>
+            <a:solidFill>
+              <a:schemeClr val="bg1"/>
+            </a:solidFill>
+            <a:tailEnd type="triangle"/>
+          </a:ln>
+        </p:spPr>
+        <p:style>
+          <a:lnRef idx="1">
+            <a:schemeClr val="accent1"/>
+          </a:lnRef>
+          <a:fillRef idx="0">
+            <a:schemeClr val="accent1"/>
+          </a:fillRef>
+          <a:effectRef idx="0">
+            <a:schemeClr val="accent1"/>
+          </a:effectRef>
+          <a:fontRef idx="minor">
+            <a:schemeClr val="tx1"/>
+          </a:fontRef>
+        </p:style>
+      </p:cxnSp>
+      <p:cxnSp>
+        <p:nvCxnSpPr>
+          <p:cNvPr id="66" name="Gerade Verbindung mit Pfeil 65">
+            <a:extLst>
+              <a:ext uri="{FF2B5EF4-FFF2-40B4-BE49-F238E27FC236}">
+                <a16:creationId xmlns:a16="http://schemas.microsoft.com/office/drawing/2014/main" id="{ED74F6FE-C34E-438F-B05B-DC36481D42D4}"/>
+              </a:ext>
+            </a:extLst>
+          </p:cNvPr>
+          <p:cNvCxnSpPr>
+            <a:cxnSpLocks/>
+            <a:stCxn id="45" idx="3"/>
+            <a:endCxn id="47" idx="1"/>
+          </p:cNvCxnSpPr>
+          <p:nvPr/>
+        </p:nvCxnSpPr>
+        <p:spPr>
+          <a:xfrm flipV="1">
+            <a:off x="4408202" y="3858238"/>
+            <a:ext cx="1164310" cy="2512"/>
+          </a:xfrm>
+          <a:prstGeom prst="straightConnector1">
+            <a:avLst/>
+          </a:prstGeom>
+          <a:ln>
+            <a:solidFill>
+              <a:schemeClr val="bg1"/>
+            </a:solidFill>
+            <a:tailEnd type="triangle"/>
+          </a:ln>
+        </p:spPr>
+        <p:style>
+          <a:lnRef idx="1">
+            <a:schemeClr val="accent1"/>
+          </a:lnRef>
+          <a:fillRef idx="0">
+            <a:schemeClr val="accent1"/>
+          </a:fillRef>
+          <a:effectRef idx="0">
+            <a:schemeClr val="accent1"/>
+          </a:effectRef>
+          <a:fontRef idx="minor">
+            <a:schemeClr val="tx1"/>
+          </a:fontRef>
+        </p:style>
+      </p:cxnSp>
+      <p:cxnSp>
+        <p:nvCxnSpPr>
+          <p:cNvPr id="72" name="Gerade Verbindung mit Pfeil 71">
+            <a:extLst>
+              <a:ext uri="{FF2B5EF4-FFF2-40B4-BE49-F238E27FC236}">
+                <a16:creationId xmlns:a16="http://schemas.microsoft.com/office/drawing/2014/main" id="{179F014E-FCB0-4FD8-809E-61D7EF1A7C7C}"/>
+              </a:ext>
+            </a:extLst>
+          </p:cNvPr>
+          <p:cNvCxnSpPr>
+            <a:cxnSpLocks/>
+            <a:stCxn id="77" idx="3"/>
+            <a:endCxn id="52" idx="1"/>
+          </p:cNvCxnSpPr>
+          <p:nvPr/>
+        </p:nvCxnSpPr>
+        <p:spPr>
+          <a:xfrm flipV="1">
+            <a:off x="3939448" y="5292771"/>
+            <a:ext cx="1670142" cy="6440"/>
+          </a:xfrm>
+          <a:prstGeom prst="straightConnector1">
+            <a:avLst/>
+          </a:prstGeom>
+          <a:ln>
+            <a:solidFill>
+              <a:schemeClr val="bg1"/>
+            </a:solidFill>
+            <a:tailEnd type="triangle"/>
+          </a:ln>
+        </p:spPr>
+        <p:style>
+          <a:lnRef idx="1">
+            <a:schemeClr val="accent1"/>
+          </a:lnRef>
+          <a:fillRef idx="0">
+            <a:schemeClr val="accent1"/>
+          </a:fillRef>
+          <a:effectRef idx="0">
+            <a:schemeClr val="accent1"/>
+          </a:effectRef>
+          <a:fontRef idx="minor">
+            <a:schemeClr val="tx1"/>
+          </a:fontRef>
+        </p:style>
+      </p:cxnSp>
+      <p:sp>
+        <p:nvSpPr>
+          <p:cNvPr id="77" name="Textfeld 76">
+            <a:extLst>
+              <a:ext uri="{FF2B5EF4-FFF2-40B4-BE49-F238E27FC236}">
+                <a16:creationId xmlns:a16="http://schemas.microsoft.com/office/drawing/2014/main" id="{94D70186-8CCE-43D4-9A2C-D152D8D8D009}"/>
+              </a:ext>
+            </a:extLst>
+          </p:cNvPr>
+          <p:cNvSpPr txBox="1"/>
+          <p:nvPr/>
+        </p:nvSpPr>
+        <p:spPr>
+          <a:xfrm>
+            <a:off x="3106843" y="5114545"/>
+            <a:ext cx="832605" cy="369332"/>
+          </a:xfrm>
+          <a:prstGeom prst="rect">
+            <a:avLst/>
+          </a:prstGeom>
+          <a:noFill/>
+        </p:spPr>
+        <p:txBody>
+          <a:bodyPr wrap="square" rtlCol="0">
+            <a:spAutoFit/>
+          </a:bodyPr>
+          <a:lstStyle>
+            <a:defPPr>
+              <a:defRPr lang="de-DE"/>
+            </a:defPPr>
+            <a:lvl1pPr>
+              <a:defRPr>
+                <a:solidFill>
+                  <a:schemeClr val="bg1"/>
+                </a:solidFill>
+              </a:defRPr>
+            </a:lvl1pPr>
+          </a:lstStyle>
+          <a:p>
+            <a:r>
+              <a:rPr lang="en-US" dirty="0"/>
+              <a:t>name</a:t>
+            </a:r>
+          </a:p>
+        </p:txBody>
+      </p:sp>
+      <p:sp>
+        <p:nvSpPr>
+          <p:cNvPr id="78" name="Textfeld 77">
+            <a:extLst>
+              <a:ext uri="{FF2B5EF4-FFF2-40B4-BE49-F238E27FC236}">
+                <a16:creationId xmlns:a16="http://schemas.microsoft.com/office/drawing/2014/main" id="{79E8376D-D653-480C-8716-1AEB279A4DB5}"/>
+              </a:ext>
+            </a:extLst>
+          </p:cNvPr>
+          <p:cNvSpPr txBox="1"/>
+          <p:nvPr/>
+        </p:nvSpPr>
+        <p:spPr>
+          <a:xfrm>
+            <a:off x="7987930" y="2786773"/>
+            <a:ext cx="3484604" cy="369332"/>
+          </a:xfrm>
+          <a:prstGeom prst="rect">
+            <a:avLst/>
+          </a:prstGeom>
+          <a:noFill/>
+        </p:spPr>
+        <p:txBody>
+          <a:bodyPr wrap="square" rtlCol="0">
+            <a:spAutoFit/>
+          </a:bodyPr>
+          <a:lstStyle/>
+          <a:p>
+            <a:r>
+              <a:rPr lang="en-US" dirty="0" err="1"/>
+              <a:t>Property.unit</a:t>
+            </a:r>
+            <a:endParaRPr lang="en-US" dirty="0"/>
+          </a:p>
+        </p:txBody>
+      </p:sp>
+      <p:sp>
+        <p:nvSpPr>
+          <p:cNvPr id="99" name="Textfeld 98">
+            <a:extLst>
+              <a:ext uri="{FF2B5EF4-FFF2-40B4-BE49-F238E27FC236}">
+                <a16:creationId xmlns:a16="http://schemas.microsoft.com/office/drawing/2014/main" id="{F7398C74-BB62-4AAB-942C-67023689ED8A}"/>
+              </a:ext>
+            </a:extLst>
+          </p:cNvPr>
+          <p:cNvSpPr txBox="1"/>
+          <p:nvPr/>
+        </p:nvSpPr>
+        <p:spPr>
+          <a:xfrm>
+            <a:off x="7755003" y="2048799"/>
+            <a:ext cx="3484604" cy="369332"/>
+          </a:xfrm>
+          <a:prstGeom prst="rect">
+            <a:avLst/>
+          </a:prstGeom>
+          <a:noFill/>
+        </p:spPr>
+        <p:txBody>
+          <a:bodyPr wrap="square" rtlCol="0">
+            <a:spAutoFit/>
+          </a:bodyPr>
+          <a:lstStyle/>
+          <a:p>
+            <a:r>
+              <a:rPr lang="en-US" dirty="0" err="1"/>
+              <a:t>Telemetry.schema</a:t>
+            </a:r>
+            <a:endParaRPr lang="en-US" dirty="0"/>
+          </a:p>
+        </p:txBody>
+      </p:sp>
+      <p:sp>
+        <p:nvSpPr>
+          <p:cNvPr id="100" name="Textfeld 99">
+            <a:extLst>
+              <a:ext uri="{FF2B5EF4-FFF2-40B4-BE49-F238E27FC236}">
+                <a16:creationId xmlns:a16="http://schemas.microsoft.com/office/drawing/2014/main" id="{85B16FDB-2F3D-4602-9B47-5253CCC91647}"/>
+              </a:ext>
+            </a:extLst>
+          </p:cNvPr>
+          <p:cNvSpPr txBox="1"/>
+          <p:nvPr/>
+        </p:nvSpPr>
+        <p:spPr>
+          <a:xfrm>
+            <a:off x="7934554" y="2410289"/>
+            <a:ext cx="3484604" cy="369332"/>
+          </a:xfrm>
+          <a:prstGeom prst="rect">
+            <a:avLst/>
+          </a:prstGeom>
+          <a:noFill/>
+        </p:spPr>
+        <p:txBody>
+          <a:bodyPr wrap="square" rtlCol="0">
+            <a:spAutoFit/>
+          </a:bodyPr>
+          <a:lstStyle/>
+          <a:p>
+            <a:r>
+              <a:rPr lang="en-US" dirty="0" err="1"/>
+              <a:t>Telemetry.unit</a:t>
+            </a:r>
+            <a:endParaRPr lang="en-US" dirty="0"/>
+          </a:p>
+        </p:txBody>
+      </p:sp>
+      <p:sp>
+        <p:nvSpPr>
+          <p:cNvPr id="104" name="Textfeld 103">
+            <a:extLst>
+              <a:ext uri="{FF2B5EF4-FFF2-40B4-BE49-F238E27FC236}">
+                <a16:creationId xmlns:a16="http://schemas.microsoft.com/office/drawing/2014/main" id="{7B8C0076-206A-4958-AD6B-685F149A0A20}"/>
+              </a:ext>
+            </a:extLst>
+          </p:cNvPr>
+          <p:cNvSpPr txBox="1"/>
+          <p:nvPr/>
+        </p:nvSpPr>
+        <p:spPr>
+          <a:xfrm>
+            <a:off x="7894929" y="4420233"/>
+            <a:ext cx="696699" cy="369332"/>
+          </a:xfrm>
+          <a:prstGeom prst="rect">
+            <a:avLst/>
+          </a:prstGeom>
+          <a:noFill/>
+        </p:spPr>
+        <p:txBody>
+          <a:bodyPr wrap="square">
+            <a:spAutoFit/>
+          </a:bodyPr>
+          <a:lstStyle/>
+          <a:p>
+            <a:r>
+              <a:rPr lang="en-US" dirty="0"/>
+              <a:t>path</a:t>
+            </a:r>
+            <a:endParaRPr lang="de-AT" dirty="0"/>
+          </a:p>
+        </p:txBody>
+      </p:sp>
+      <p:sp>
+        <p:nvSpPr>
+          <p:cNvPr id="106" name="Textfeld 105">
+            <a:extLst>
+              <a:ext uri="{FF2B5EF4-FFF2-40B4-BE49-F238E27FC236}">
+                <a16:creationId xmlns:a16="http://schemas.microsoft.com/office/drawing/2014/main" id="{C362BB83-E8EA-4A25-809E-D3CB36A1A6B2}"/>
+              </a:ext>
+            </a:extLst>
+          </p:cNvPr>
+          <p:cNvSpPr txBox="1"/>
+          <p:nvPr/>
+        </p:nvSpPr>
+        <p:spPr>
+          <a:xfrm>
+            <a:off x="7511003" y="4723034"/>
+            <a:ext cx="995744" cy="369332"/>
+          </a:xfrm>
+          <a:prstGeom prst="rect">
+            <a:avLst/>
+          </a:prstGeom>
+          <a:noFill/>
+        </p:spPr>
+        <p:txBody>
+          <a:bodyPr wrap="square">
+            <a:spAutoFit/>
+          </a:bodyPr>
+          <a:lstStyle/>
+          <a:p>
+            <a:r>
+              <a:rPr lang="en-US" dirty="0"/>
+              <a:t>version</a:t>
+            </a:r>
+            <a:endParaRPr lang="de-AT" dirty="0"/>
+          </a:p>
+        </p:txBody>
+      </p:sp>
+      <p:sp>
+        <p:nvSpPr>
+          <p:cNvPr id="108" name="Textfeld 107">
+            <a:extLst>
+              <a:ext uri="{FF2B5EF4-FFF2-40B4-BE49-F238E27FC236}">
+                <a16:creationId xmlns:a16="http://schemas.microsoft.com/office/drawing/2014/main" id="{1398776D-82A4-4393-BA5E-A2AC47E2F2CF}"/>
+              </a:ext>
+            </a:extLst>
+          </p:cNvPr>
+          <p:cNvSpPr txBox="1"/>
+          <p:nvPr/>
+        </p:nvSpPr>
+        <p:spPr>
+          <a:xfrm>
+            <a:off x="7987930" y="4121875"/>
+            <a:ext cx="1447685" cy="369332"/>
+          </a:xfrm>
+          <a:prstGeom prst="rect">
+            <a:avLst/>
+          </a:prstGeom>
+          <a:noFill/>
+        </p:spPr>
+        <p:txBody>
+          <a:bodyPr wrap="square">
+            <a:spAutoFit/>
+          </a:bodyPr>
+          <a:lstStyle/>
+          <a:p>
+            <a:r>
+      